--- a/Poster.pptx
+++ b/Poster.pptx
@@ -254,7 +254,7 @@
           <a:p>
             <a:fld id="{61D7E66B-7281-C246-884E-91E9A1EB29D8}" type="datetimeFigureOut">
               <a:rPr lang="en-US" smtClean="0"/>
-              <a:t>6/13/2025</a:t>
+              <a:t>7/2/2025</a:t>
             </a:fld>
             <a:endParaRPr lang="en-US"/>
           </a:p>
@@ -296,7 +296,7 @@
           <a:p>
             <a:fld id="{A2ACB64B-D1A6-7D41-9BDE-3BC41FA5B95B}" type="slidenum">
               <a:rPr lang="en-US" smtClean="0"/>
-              <a:t>‹Nr.›</a:t>
+              <a:t>‹#›</a:t>
             </a:fld>
             <a:endParaRPr lang="en-US"/>
           </a:p>
@@ -424,7 +424,7 @@
           <a:p>
             <a:fld id="{61D7E66B-7281-C246-884E-91E9A1EB29D8}" type="datetimeFigureOut">
               <a:rPr lang="en-US" smtClean="0"/>
-              <a:t>6/13/2025</a:t>
+              <a:t>7/2/2025</a:t>
             </a:fld>
             <a:endParaRPr lang="en-US"/>
           </a:p>
@@ -466,7 +466,7 @@
           <a:p>
             <a:fld id="{A2ACB64B-D1A6-7D41-9BDE-3BC41FA5B95B}" type="slidenum">
               <a:rPr lang="en-US" smtClean="0"/>
-              <a:t>‹Nr.›</a:t>
+              <a:t>‹#›</a:t>
             </a:fld>
             <a:endParaRPr lang="en-US"/>
           </a:p>
@@ -604,7 +604,7 @@
           <a:p>
             <a:fld id="{61D7E66B-7281-C246-884E-91E9A1EB29D8}" type="datetimeFigureOut">
               <a:rPr lang="en-US" smtClean="0"/>
-              <a:t>6/13/2025</a:t>
+              <a:t>7/2/2025</a:t>
             </a:fld>
             <a:endParaRPr lang="en-US"/>
           </a:p>
@@ -646,7 +646,7 @@
           <a:p>
             <a:fld id="{A2ACB64B-D1A6-7D41-9BDE-3BC41FA5B95B}" type="slidenum">
               <a:rPr lang="en-US" smtClean="0"/>
-              <a:t>‹Nr.›</a:t>
+              <a:t>‹#›</a:t>
             </a:fld>
             <a:endParaRPr lang="en-US"/>
           </a:p>
@@ -774,7 +774,7 @@
           <a:p>
             <a:fld id="{61D7E66B-7281-C246-884E-91E9A1EB29D8}" type="datetimeFigureOut">
               <a:rPr lang="en-US" smtClean="0"/>
-              <a:t>6/13/2025</a:t>
+              <a:t>7/2/2025</a:t>
             </a:fld>
             <a:endParaRPr lang="en-US"/>
           </a:p>
@@ -816,7 +816,7 @@
           <a:p>
             <a:fld id="{A2ACB64B-D1A6-7D41-9BDE-3BC41FA5B95B}" type="slidenum">
               <a:rPr lang="en-US" smtClean="0"/>
-              <a:t>‹Nr.›</a:t>
+              <a:t>‹#›</a:t>
             </a:fld>
             <a:endParaRPr lang="en-US"/>
           </a:p>
@@ -1018,7 +1018,7 @@
           <a:p>
             <a:fld id="{61D7E66B-7281-C246-884E-91E9A1EB29D8}" type="datetimeFigureOut">
               <a:rPr lang="en-US" smtClean="0"/>
-              <a:t>6/13/2025</a:t>
+              <a:t>7/2/2025</a:t>
             </a:fld>
             <a:endParaRPr lang="en-US"/>
           </a:p>
@@ -1060,7 +1060,7 @@
           <a:p>
             <a:fld id="{A2ACB64B-D1A6-7D41-9BDE-3BC41FA5B95B}" type="slidenum">
               <a:rPr lang="en-US" smtClean="0"/>
-              <a:t>‹Nr.›</a:t>
+              <a:t>‹#›</a:t>
             </a:fld>
             <a:endParaRPr lang="en-US"/>
           </a:p>
@@ -1250,7 +1250,7 @@
           <a:p>
             <a:fld id="{61D7E66B-7281-C246-884E-91E9A1EB29D8}" type="datetimeFigureOut">
               <a:rPr lang="en-US" smtClean="0"/>
-              <a:t>6/13/2025</a:t>
+              <a:t>7/2/2025</a:t>
             </a:fld>
             <a:endParaRPr lang="en-US"/>
           </a:p>
@@ -1292,7 +1292,7 @@
           <a:p>
             <a:fld id="{A2ACB64B-D1A6-7D41-9BDE-3BC41FA5B95B}" type="slidenum">
               <a:rPr lang="en-US" smtClean="0"/>
-              <a:t>‹Nr.›</a:t>
+              <a:t>‹#›</a:t>
             </a:fld>
             <a:endParaRPr lang="en-US"/>
           </a:p>
@@ -1617,7 +1617,7 @@
           <a:p>
             <a:fld id="{61D7E66B-7281-C246-884E-91E9A1EB29D8}" type="datetimeFigureOut">
               <a:rPr lang="en-US" smtClean="0"/>
-              <a:t>6/13/2025</a:t>
+              <a:t>7/2/2025</a:t>
             </a:fld>
             <a:endParaRPr lang="en-US"/>
           </a:p>
@@ -1659,7 +1659,7 @@
           <a:p>
             <a:fld id="{A2ACB64B-D1A6-7D41-9BDE-3BC41FA5B95B}" type="slidenum">
               <a:rPr lang="en-US" smtClean="0"/>
-              <a:t>‹Nr.›</a:t>
+              <a:t>‹#›</a:t>
             </a:fld>
             <a:endParaRPr lang="en-US"/>
           </a:p>
@@ -1735,7 +1735,7 @@
           <a:p>
             <a:fld id="{61D7E66B-7281-C246-884E-91E9A1EB29D8}" type="datetimeFigureOut">
               <a:rPr lang="en-US" smtClean="0"/>
-              <a:t>6/13/2025</a:t>
+              <a:t>7/2/2025</a:t>
             </a:fld>
             <a:endParaRPr lang="en-US"/>
           </a:p>
@@ -1777,7 +1777,7 @@
           <a:p>
             <a:fld id="{A2ACB64B-D1A6-7D41-9BDE-3BC41FA5B95B}" type="slidenum">
               <a:rPr lang="en-US" smtClean="0"/>
-              <a:t>‹Nr.›</a:t>
+              <a:t>‹#›</a:t>
             </a:fld>
             <a:endParaRPr lang="en-US"/>
           </a:p>
@@ -1830,7 +1830,7 @@
           <a:p>
             <a:fld id="{61D7E66B-7281-C246-884E-91E9A1EB29D8}" type="datetimeFigureOut">
               <a:rPr lang="en-US" smtClean="0"/>
-              <a:t>6/13/2025</a:t>
+              <a:t>7/2/2025</a:t>
             </a:fld>
             <a:endParaRPr lang="en-US"/>
           </a:p>
@@ -1872,7 +1872,7 @@
           <a:p>
             <a:fld id="{A2ACB64B-D1A6-7D41-9BDE-3BC41FA5B95B}" type="slidenum">
               <a:rPr lang="en-US" smtClean="0"/>
-              <a:t>‹Nr.›</a:t>
+              <a:t>‹#›</a:t>
             </a:fld>
             <a:endParaRPr lang="en-US"/>
           </a:p>
@@ -2107,7 +2107,7 @@
           <a:p>
             <a:fld id="{61D7E66B-7281-C246-884E-91E9A1EB29D8}" type="datetimeFigureOut">
               <a:rPr lang="en-US" smtClean="0"/>
-              <a:t>6/13/2025</a:t>
+              <a:t>7/2/2025</a:t>
             </a:fld>
             <a:endParaRPr lang="en-US"/>
           </a:p>
@@ -2149,7 +2149,7 @@
           <a:p>
             <a:fld id="{A2ACB64B-D1A6-7D41-9BDE-3BC41FA5B95B}" type="slidenum">
               <a:rPr lang="en-US" smtClean="0"/>
-              <a:t>‹Nr.›</a:t>
+              <a:t>‹#›</a:t>
             </a:fld>
             <a:endParaRPr lang="en-US"/>
           </a:p>
@@ -2364,7 +2364,7 @@
           <a:p>
             <a:fld id="{61D7E66B-7281-C246-884E-91E9A1EB29D8}" type="datetimeFigureOut">
               <a:rPr lang="en-US" smtClean="0"/>
-              <a:t>6/13/2025</a:t>
+              <a:t>7/2/2025</a:t>
             </a:fld>
             <a:endParaRPr lang="en-US"/>
           </a:p>
@@ -2406,7 +2406,7 @@
           <a:p>
             <a:fld id="{A2ACB64B-D1A6-7D41-9BDE-3BC41FA5B95B}" type="slidenum">
               <a:rPr lang="en-US" smtClean="0"/>
-              <a:t>‹Nr.›</a:t>
+              <a:t>‹#›</a:t>
             </a:fld>
             <a:endParaRPr lang="en-US"/>
           </a:p>
@@ -2577,7 +2577,7 @@
           <a:p>
             <a:fld id="{61D7E66B-7281-C246-884E-91E9A1EB29D8}" type="datetimeFigureOut">
               <a:rPr lang="en-US" smtClean="0"/>
-              <a:t>6/13/2025</a:t>
+              <a:t>7/2/2025</a:t>
             </a:fld>
             <a:endParaRPr lang="en-US"/>
           </a:p>
@@ -2655,7 +2655,7 @@
           <a:p>
             <a:fld id="{A2ACB64B-D1A6-7D41-9BDE-3BC41FA5B95B}" type="slidenum">
               <a:rPr lang="en-US" smtClean="0"/>
-              <a:t>‹Nr.›</a:t>
+              <a:t>‹#›</a:t>
             </a:fld>
             <a:endParaRPr lang="en-US"/>
           </a:p>
@@ -2982,12 +2982,67 @@
           <a:chExt cx="0" cy="0"/>
         </a:xfrm>
       </p:grpSpPr>
+      <p:sp>
+        <p:nvSpPr>
+          <p:cNvPr id="6" name="Rectangle: Top Corners Rounded 5">
+            <a:extLst>
+              <a:ext uri="{FF2B5EF4-FFF2-40B4-BE49-F238E27FC236}">
+                <a16:creationId xmlns:a16="http://schemas.microsoft.com/office/drawing/2014/main" id="{E02F3068-A796-0F28-453A-4A416DF96AC4}"/>
+              </a:ext>
+            </a:extLst>
+          </p:cNvPr>
+          <p:cNvSpPr/>
+          <p:nvPr/>
+        </p:nvSpPr>
+        <p:spPr>
+          <a:xfrm flipV="1">
+            <a:off x="0" y="-21883"/>
+            <a:ext cx="30275214" cy="5684230"/>
+          </a:xfrm>
+          <a:prstGeom prst="round2SameRect">
+            <a:avLst>
+              <a:gd name="adj1" fmla="val 0"/>
+              <a:gd name="adj2" fmla="val 0"/>
+            </a:avLst>
+          </a:prstGeom>
+          <a:solidFill>
+            <a:srgbClr val="120D31"/>
+          </a:solidFill>
+          <a:ln w="254000">
+            <a:noFill/>
+          </a:ln>
+        </p:spPr>
+        <p:style>
+          <a:lnRef idx="2">
+            <a:schemeClr val="accent1">
+              <a:shade val="15000"/>
+            </a:schemeClr>
+          </a:lnRef>
+          <a:fillRef idx="1">
+            <a:schemeClr val="accent1"/>
+          </a:fillRef>
+          <a:effectRef idx="0">
+            <a:schemeClr val="accent1"/>
+          </a:effectRef>
+          <a:fontRef idx="minor">
+            <a:schemeClr val="lt1"/>
+          </a:fontRef>
+        </p:style>
+        <p:txBody>
+          <a:bodyPr rtlCol="0" anchor="ctr"/>
+          <a:lstStyle/>
+          <a:p>
+            <a:pPr algn="ctr"/>
+            <a:endParaRPr lang="de-DE" dirty="0"/>
+          </a:p>
+        </p:txBody>
+      </p:sp>
       <p:pic>
         <p:nvPicPr>
-          <p:cNvPr id="9" name="Picture 8">
+          <p:cNvPr id="7" name="Picture 6">
             <a:extLst>
               <a:ext uri="{FF2B5EF4-FFF2-40B4-BE49-F238E27FC236}">
-                <a16:creationId xmlns:a16="http://schemas.microsoft.com/office/drawing/2014/main" id="{DBAA1F87-219D-332E-263F-BCC49572A0C7}"/>
+                <a16:creationId xmlns:a16="http://schemas.microsoft.com/office/drawing/2014/main" id="{8FA46DB9-2450-944E-3083-27A4541D8F43}"/>
               </a:ext>
             </a:extLst>
           </p:cNvPr>
@@ -3004,20 +3059,1887 @@
         </p:blipFill>
         <p:spPr>
           <a:xfrm>
-            <a:off x="365357" y="0"/>
-            <a:ext cx="8015055" cy="4506686"/>
+            <a:off x="24058167" y="35586126"/>
+            <a:ext cx="5494984" cy="3089708"/>
           </a:xfrm>
           <a:prstGeom prst="rect">
             <a:avLst/>
           </a:prstGeom>
         </p:spPr>
       </p:pic>
+      <p:sp>
+        <p:nvSpPr>
+          <p:cNvPr id="8" name="Rectangle: Rounded Corners 7">
+            <a:extLst>
+              <a:ext uri="{FF2B5EF4-FFF2-40B4-BE49-F238E27FC236}">
+                <a16:creationId xmlns:a16="http://schemas.microsoft.com/office/drawing/2014/main" id="{AF555CDA-FE4D-AA7F-B9C2-DBCCD31AF53C}"/>
+              </a:ext>
+            </a:extLst>
+          </p:cNvPr>
+          <p:cNvSpPr/>
+          <p:nvPr/>
+        </p:nvSpPr>
+        <p:spPr>
+          <a:xfrm>
+            <a:off x="619433" y="27643718"/>
+            <a:ext cx="14518173" cy="13738215"/>
+          </a:xfrm>
+          <a:prstGeom prst="roundRect">
+            <a:avLst>
+              <a:gd name="adj" fmla="val 3189"/>
+            </a:avLst>
+          </a:prstGeom>
+          <a:solidFill>
+            <a:schemeClr val="bg1"/>
+          </a:solidFill>
+          <a:ln w="254000">
+            <a:solidFill>
+              <a:srgbClr val="120D31"/>
+            </a:solidFill>
+          </a:ln>
+        </p:spPr>
+        <p:style>
+          <a:lnRef idx="2">
+            <a:schemeClr val="accent1">
+              <a:shade val="15000"/>
+            </a:schemeClr>
+          </a:lnRef>
+          <a:fillRef idx="1">
+            <a:schemeClr val="accent1"/>
+          </a:fillRef>
+          <a:effectRef idx="0">
+            <a:schemeClr val="accent1"/>
+          </a:effectRef>
+          <a:fontRef idx="minor">
+            <a:schemeClr val="lt1"/>
+          </a:fontRef>
+        </p:style>
+        <p:txBody>
+          <a:bodyPr rtlCol="0" anchor="ctr"/>
+          <a:lstStyle/>
+          <a:p>
+            <a:pPr algn="ctr"/>
+            <a:endParaRPr lang="de-DE"/>
+          </a:p>
+        </p:txBody>
+      </p:sp>
+      <p:sp>
+        <p:nvSpPr>
+          <p:cNvPr id="10" name="Rectangle: Rounded Corners 9">
+            <a:extLst>
+              <a:ext uri="{FF2B5EF4-FFF2-40B4-BE49-F238E27FC236}">
+                <a16:creationId xmlns:a16="http://schemas.microsoft.com/office/drawing/2014/main" id="{224BE592-AEB5-6D0D-920E-1B8FBD0068EC}"/>
+              </a:ext>
+            </a:extLst>
+          </p:cNvPr>
+          <p:cNvSpPr/>
+          <p:nvPr/>
+        </p:nvSpPr>
+        <p:spPr>
+          <a:xfrm>
+            <a:off x="15747588" y="27732209"/>
+            <a:ext cx="13858989" cy="7375456"/>
+          </a:xfrm>
+          <a:prstGeom prst="roundRect">
+            <a:avLst>
+              <a:gd name="adj" fmla="val 2683"/>
+            </a:avLst>
+          </a:prstGeom>
+          <a:solidFill>
+            <a:schemeClr val="bg1"/>
+          </a:solidFill>
+          <a:ln w="254000">
+            <a:solidFill>
+              <a:srgbClr val="842332"/>
+            </a:solidFill>
+          </a:ln>
+        </p:spPr>
+        <p:style>
+          <a:lnRef idx="2">
+            <a:schemeClr val="accent1">
+              <a:shade val="15000"/>
+            </a:schemeClr>
+          </a:lnRef>
+          <a:fillRef idx="1">
+            <a:schemeClr val="accent1"/>
+          </a:fillRef>
+          <a:effectRef idx="0">
+            <a:schemeClr val="accent1"/>
+          </a:effectRef>
+          <a:fontRef idx="minor">
+            <a:schemeClr val="lt1"/>
+          </a:fontRef>
+        </p:style>
+        <p:txBody>
+          <a:bodyPr rtlCol="0" anchor="ctr"/>
+          <a:lstStyle/>
+          <a:p>
+            <a:pPr algn="ctr"/>
+            <a:endParaRPr lang="de-DE"/>
+          </a:p>
+        </p:txBody>
+      </p:sp>
+      <p:sp>
+        <p:nvSpPr>
+          <p:cNvPr id="12" name="Rectangle: Rounded Corners 11">
+            <a:extLst>
+              <a:ext uri="{FF2B5EF4-FFF2-40B4-BE49-F238E27FC236}">
+                <a16:creationId xmlns:a16="http://schemas.microsoft.com/office/drawing/2014/main" id="{1006DCE0-C940-7B71-CD15-0F3B25CC3CD0}"/>
+              </a:ext>
+            </a:extLst>
+          </p:cNvPr>
+          <p:cNvSpPr/>
+          <p:nvPr/>
+        </p:nvSpPr>
+        <p:spPr>
+          <a:xfrm>
+            <a:off x="15765564" y="35908635"/>
+            <a:ext cx="7265887" cy="5473298"/>
+          </a:xfrm>
+          <a:prstGeom prst="roundRect">
+            <a:avLst>
+              <a:gd name="adj" fmla="val 2154"/>
+            </a:avLst>
+          </a:prstGeom>
+          <a:solidFill>
+            <a:schemeClr val="bg1"/>
+          </a:solidFill>
+          <a:ln w="254000">
+            <a:solidFill>
+              <a:srgbClr val="413D59"/>
+            </a:solidFill>
+          </a:ln>
+        </p:spPr>
+        <p:style>
+          <a:lnRef idx="2">
+            <a:schemeClr val="accent1">
+              <a:shade val="15000"/>
+            </a:schemeClr>
+          </a:lnRef>
+          <a:fillRef idx="1">
+            <a:schemeClr val="accent1"/>
+          </a:fillRef>
+          <a:effectRef idx="0">
+            <a:schemeClr val="accent1"/>
+          </a:effectRef>
+          <a:fontRef idx="minor">
+            <a:schemeClr val="lt1"/>
+          </a:fontRef>
+        </p:style>
+        <p:txBody>
+          <a:bodyPr rtlCol="0" anchor="ctr"/>
+          <a:lstStyle/>
+          <a:p>
+            <a:pPr algn="ctr"/>
+            <a:endParaRPr lang="de-DE" dirty="0"/>
+          </a:p>
+        </p:txBody>
+      </p:sp>
+      <p:sp>
+        <p:nvSpPr>
+          <p:cNvPr id="13" name="Rectangle: Rounded Corners 12">
+            <a:extLst>
+              <a:ext uri="{FF2B5EF4-FFF2-40B4-BE49-F238E27FC236}">
+                <a16:creationId xmlns:a16="http://schemas.microsoft.com/office/drawing/2014/main" id="{7AED149C-7E4D-3AF3-73D8-AD3DD5ECF25B}"/>
+              </a:ext>
+            </a:extLst>
+          </p:cNvPr>
+          <p:cNvSpPr/>
+          <p:nvPr/>
+        </p:nvSpPr>
+        <p:spPr>
+          <a:xfrm>
+            <a:off x="619433" y="13902154"/>
+            <a:ext cx="29054323" cy="13032673"/>
+          </a:xfrm>
+          <a:prstGeom prst="roundRect">
+            <a:avLst>
+              <a:gd name="adj" fmla="val 1883"/>
+            </a:avLst>
+          </a:prstGeom>
+          <a:solidFill>
+            <a:schemeClr val="bg1"/>
+          </a:solidFill>
+          <a:ln w="254000">
+            <a:solidFill>
+              <a:srgbClr val="120D31"/>
+            </a:solidFill>
+          </a:ln>
+        </p:spPr>
+        <p:style>
+          <a:lnRef idx="2">
+            <a:schemeClr val="accent1">
+              <a:shade val="15000"/>
+            </a:schemeClr>
+          </a:lnRef>
+          <a:fillRef idx="1">
+            <a:schemeClr val="accent1"/>
+          </a:fillRef>
+          <a:effectRef idx="0">
+            <a:schemeClr val="accent1"/>
+          </a:effectRef>
+          <a:fontRef idx="minor">
+            <a:schemeClr val="lt1"/>
+          </a:fontRef>
+        </p:style>
+        <p:txBody>
+          <a:bodyPr rtlCol="0" anchor="ctr"/>
+          <a:lstStyle/>
+          <a:p>
+            <a:pPr algn="ctr"/>
+            <a:endParaRPr lang="de-DE" dirty="0"/>
+          </a:p>
+        </p:txBody>
+      </p:sp>
+      <p:sp>
+        <p:nvSpPr>
+          <p:cNvPr id="14" name="Rectangle: Rounded Corners 13">
+            <a:extLst>
+              <a:ext uri="{FF2B5EF4-FFF2-40B4-BE49-F238E27FC236}">
+                <a16:creationId xmlns:a16="http://schemas.microsoft.com/office/drawing/2014/main" id="{E6364C4C-DBDD-5354-E7B9-9C5837FD0167}"/>
+              </a:ext>
+            </a:extLst>
+          </p:cNvPr>
+          <p:cNvSpPr/>
+          <p:nvPr/>
+        </p:nvSpPr>
+        <p:spPr>
+          <a:xfrm>
+            <a:off x="619433" y="6354752"/>
+            <a:ext cx="29054323" cy="6831954"/>
+          </a:xfrm>
+          <a:prstGeom prst="roundRect">
+            <a:avLst>
+              <a:gd name="adj" fmla="val 4408"/>
+            </a:avLst>
+          </a:prstGeom>
+          <a:solidFill>
+            <a:schemeClr val="bg1"/>
+          </a:solidFill>
+          <a:ln w="254000">
+            <a:solidFill>
+              <a:srgbClr val="842332"/>
+            </a:solidFill>
+          </a:ln>
+        </p:spPr>
+        <p:style>
+          <a:lnRef idx="2">
+            <a:schemeClr val="accent1">
+              <a:shade val="15000"/>
+            </a:schemeClr>
+          </a:lnRef>
+          <a:fillRef idx="1">
+            <a:schemeClr val="accent1"/>
+          </a:fillRef>
+          <a:effectRef idx="0">
+            <a:schemeClr val="accent1"/>
+          </a:effectRef>
+          <a:fontRef idx="minor">
+            <a:schemeClr val="lt1"/>
+          </a:fontRef>
+        </p:style>
+        <p:txBody>
+          <a:bodyPr numCol="1" rtlCol="0" anchor="ctr"/>
+          <a:lstStyle/>
+          <a:p>
+            <a:pPr algn="ctr"/>
+            <a:r>
+              <a:rPr lang="de-DE" dirty="0"/>
+              <a:t> </a:t>
+            </a:r>
+          </a:p>
+        </p:txBody>
+      </p:sp>
+      <p:sp>
+        <p:nvSpPr>
+          <p:cNvPr id="15" name="TextBox 14">
+            <a:extLst>
+              <a:ext uri="{FF2B5EF4-FFF2-40B4-BE49-F238E27FC236}">
+                <a16:creationId xmlns:a16="http://schemas.microsoft.com/office/drawing/2014/main" id="{40D94D9E-218E-07BC-72B5-57AECBDAFA55}"/>
+              </a:ext>
+            </a:extLst>
+          </p:cNvPr>
+          <p:cNvSpPr txBox="1"/>
+          <p:nvPr/>
+        </p:nvSpPr>
+        <p:spPr>
+          <a:xfrm>
+            <a:off x="1253554" y="8328936"/>
+            <a:ext cx="13893040" cy="4524315"/>
+          </a:xfrm>
+          <a:prstGeom prst="rect">
+            <a:avLst/>
+          </a:prstGeom>
+          <a:noFill/>
+          <a:ln>
+            <a:noFill/>
+          </a:ln>
+        </p:spPr>
+        <p:txBody>
+          <a:bodyPr wrap="square">
+            <a:spAutoFit/>
+          </a:bodyPr>
+          <a:lstStyle/>
+          <a:p>
+            <a:r>
+              <a:rPr lang="en-US" sz="2400" b="1" dirty="0"/>
+              <a:t>  </a:t>
+            </a:r>
+            <a:endParaRPr lang="en-US" sz="2400" dirty="0"/>
+          </a:p>
+          <a:p>
+            <a:pPr marL="457200" indent="-457200">
+              <a:buFont typeface="Arial" panose="020B0604020202020204" pitchFamily="34" charset="0"/>
+              <a:buChar char="•"/>
+            </a:pPr>
+            <a:r>
+              <a:rPr lang="de-DE" sz="2400" dirty="0"/>
+              <a:t>„We want to </a:t>
+            </a:r>
+            <a:r>
+              <a:rPr lang="en-US" sz="2400" dirty="0"/>
+              <a:t>extract RNA-dependent proteins from proteomic screens”</a:t>
+            </a:r>
+            <a:endParaRPr lang="de-DE" sz="2400" dirty="0"/>
+          </a:p>
+          <a:p>
+            <a:pPr marL="457200" indent="-457200">
+              <a:buFont typeface="Arial" panose="020B0604020202020204" pitchFamily="34" charset="0"/>
+              <a:buChar char="•"/>
+            </a:pPr>
+            <a:r>
+              <a:rPr lang="de-DE" sz="2400" dirty="0"/>
+              <a:t>„RNA-dependency = the proteins interactome depends on RNA“</a:t>
+            </a:r>
+          </a:p>
+          <a:p>
+            <a:endParaRPr lang="en-US" sz="2400" b="1" dirty="0"/>
+          </a:p>
+          <a:p>
+            <a:r>
+              <a:rPr lang="en-US" sz="2400" b="1" dirty="0"/>
+              <a:t>What Makes RNA-Dependent Proteins Worth Investigating?</a:t>
+            </a:r>
+          </a:p>
+          <a:p>
+            <a:pPr marL="457200" indent="-457200">
+              <a:buFont typeface="Arial" panose="020B0604020202020204" pitchFamily="34" charset="0"/>
+              <a:buChar char="•"/>
+            </a:pPr>
+            <a:r>
+              <a:rPr lang="de-DE" sz="2400" b="1" dirty="0"/>
+              <a:t>Key Regulators:</a:t>
+            </a:r>
+            <a:r>
+              <a:rPr lang="de-DE" sz="2400" dirty="0"/>
+              <a:t> RBPs control RNA metabolism &amp; gene expression.</a:t>
+            </a:r>
+          </a:p>
+          <a:p>
+            <a:pPr marL="457200" indent="-457200">
+              <a:buFont typeface="Arial" panose="020B0604020202020204" pitchFamily="34" charset="0"/>
+              <a:buChar char="•"/>
+            </a:pPr>
+            <a:r>
+              <a:rPr lang="de-DE" sz="2400" b="1" dirty="0"/>
+              <a:t>Disease Links:</a:t>
+            </a:r>
+            <a:r>
+              <a:rPr lang="de-DE" sz="2400" dirty="0"/>
+              <a:t> Misregulation is tied to cancer &amp; neurodegeneration.</a:t>
+            </a:r>
+          </a:p>
+          <a:p>
+            <a:pPr marL="457200" indent="-457200">
+              <a:buFont typeface="Arial" panose="020B0604020202020204" pitchFamily="34" charset="0"/>
+              <a:buChar char="•"/>
+            </a:pPr>
+            <a:r>
+              <a:rPr lang="de-DE" sz="2400" b="1" dirty="0"/>
+              <a:t>Functional Clues:</a:t>
+            </a:r>
+            <a:r>
+              <a:rPr lang="de-DE" sz="2400" dirty="0"/>
+              <a:t> New RBPs hint at RNA’s role in specific pathways.</a:t>
+            </a:r>
+          </a:p>
+          <a:p>
+            <a:pPr marL="457200" indent="-457200">
+              <a:buFont typeface="Arial" panose="020B0604020202020204" pitchFamily="34" charset="0"/>
+              <a:buChar char="•"/>
+            </a:pPr>
+            <a:r>
+              <a:rPr lang="de-DE" sz="2400" b="1" dirty="0"/>
+              <a:t>Interaction Networks:</a:t>
+            </a:r>
+            <a:r>
+              <a:rPr lang="de-DE" sz="2400" dirty="0"/>
+              <a:t> Mapping RNA-protein complexes reveals regulatory logic. </a:t>
+            </a:r>
+          </a:p>
+          <a:p>
+            <a:pPr marL="457200" indent="-457200">
+              <a:buFont typeface="Arial" panose="020B0604020202020204" pitchFamily="34" charset="0"/>
+              <a:buChar char="•"/>
+            </a:pPr>
+            <a:r>
+              <a:rPr lang="de-DE" sz="2400" b="1" dirty="0"/>
+              <a:t>Molecular Insights:</a:t>
+            </a:r>
+            <a:r>
+              <a:rPr lang="de-DE" sz="2400" dirty="0"/>
+              <a:t> Deepens our understanding of cell cycle and cellular behavior. </a:t>
+            </a:r>
+            <a:endParaRPr lang="en-US" sz="2400" b="1" dirty="0"/>
+          </a:p>
+          <a:p>
+            <a:pPr marL="457200" indent="-457200">
+              <a:buFont typeface="Arial" panose="020B0604020202020204" pitchFamily="34" charset="0"/>
+              <a:buChar char="•"/>
+            </a:pPr>
+            <a:endParaRPr lang="de-DE" sz="2400" dirty="0"/>
+          </a:p>
+          <a:p>
+            <a:pPr marL="457200" indent="-457200">
+              <a:buFont typeface="Arial" panose="020B0604020202020204" pitchFamily="34" charset="0"/>
+              <a:buChar char="•"/>
+            </a:pPr>
+            <a:endParaRPr lang="de-DE" sz="2400" dirty="0"/>
+          </a:p>
+        </p:txBody>
+      </p:sp>
+      <p:sp>
+        <p:nvSpPr>
+          <p:cNvPr id="16" name="TextBox 15">
+            <a:extLst>
+              <a:ext uri="{FF2B5EF4-FFF2-40B4-BE49-F238E27FC236}">
+                <a16:creationId xmlns:a16="http://schemas.microsoft.com/office/drawing/2014/main" id="{9EBC3C44-F155-BB53-7662-7C4D80E08A27}"/>
+              </a:ext>
+            </a:extLst>
+          </p:cNvPr>
+          <p:cNvSpPr txBox="1"/>
+          <p:nvPr/>
+        </p:nvSpPr>
+        <p:spPr>
+          <a:xfrm>
+            <a:off x="1887734" y="16043329"/>
+            <a:ext cx="24173364" cy="7109639"/>
+          </a:xfrm>
+          <a:prstGeom prst="rect">
+            <a:avLst/>
+          </a:prstGeom>
+          <a:noFill/>
+          <a:ln>
+            <a:noFill/>
+          </a:ln>
+        </p:spPr>
+        <p:txBody>
+          <a:bodyPr wrap="square">
+            <a:spAutoFit/>
+          </a:bodyPr>
+          <a:lstStyle/>
+          <a:p>
+            <a:r>
+              <a:rPr lang="en-US" sz="2400" b="1" dirty="0"/>
+              <a:t>1) Data preparation</a:t>
+            </a:r>
+          </a:p>
+          <a:p>
+            <a:pPr marL="457200" indent="-457200">
+              <a:buFont typeface="Arial" panose="020B0604020202020204" pitchFamily="34" charset="0"/>
+              <a:buChar char="•"/>
+            </a:pPr>
+            <a:r>
+              <a:rPr lang="en-US" sz="2400" dirty="0"/>
+              <a:t>Data cleanup</a:t>
+            </a:r>
+          </a:p>
+          <a:p>
+            <a:pPr marL="457200" indent="-457200">
+              <a:buFont typeface="Arial" panose="020B0604020202020204" pitchFamily="34" charset="0"/>
+              <a:buChar char="•"/>
+            </a:pPr>
+            <a:r>
+              <a:rPr lang="en-US" sz="2400" dirty="0"/>
+              <a:t>“Rearrange and reorder the columns to their treatment, replicate and fraction”</a:t>
+            </a:r>
+          </a:p>
+          <a:p>
+            <a:pPr marL="457200" indent="-457200">
+              <a:buFont typeface="Arial" panose="020B0604020202020204" pitchFamily="34" charset="0"/>
+              <a:buChar char="•"/>
+            </a:pPr>
+            <a:r>
+              <a:rPr lang="en-US" sz="2400" dirty="0"/>
+              <a:t>Normalization</a:t>
+            </a:r>
+          </a:p>
+          <a:p>
+            <a:endParaRPr lang="en-US" sz="2400" b="1" dirty="0"/>
+          </a:p>
+          <a:p>
+            <a:r>
+              <a:rPr lang="de-DE" sz="2400" b="1" dirty="0"/>
+              <a:t>2) Data exploration</a:t>
+            </a:r>
+            <a:endParaRPr lang="de-DE" sz="2400" dirty="0"/>
+          </a:p>
+          <a:p>
+            <a:pPr marL="457200" indent="-457200">
+              <a:buFont typeface="Arial" panose="020B0604020202020204" pitchFamily="34" charset="0"/>
+              <a:buChar char="•"/>
+            </a:pPr>
+            <a:r>
+              <a:rPr lang="en-US" sz="2400" dirty="0"/>
+              <a:t> Identification of maxima and shoulders</a:t>
+            </a:r>
+          </a:p>
+          <a:p>
+            <a:pPr marL="457200" indent="-457200">
+              <a:buFont typeface="Arial" panose="020B0604020202020204" pitchFamily="34" charset="0"/>
+              <a:buChar char="•"/>
+            </a:pPr>
+            <a:r>
+              <a:rPr lang="en-US" sz="2400" dirty="0"/>
+              <a:t> </a:t>
+            </a:r>
+            <a:r>
+              <a:rPr lang="de-DE" sz="2400" dirty="0"/>
+              <a:t>Selection criteria</a:t>
+            </a:r>
+            <a:r>
+              <a:rPr lang="en-US" sz="2400" dirty="0"/>
+              <a:t> &amp; Wilcoxon Test </a:t>
+            </a:r>
+          </a:p>
+          <a:p>
+            <a:pPr marL="457200" indent="-457200">
+              <a:buFont typeface="Arial" panose="020B0604020202020204" pitchFamily="34" charset="0"/>
+              <a:buChar char="•"/>
+            </a:pPr>
+            <a:r>
+              <a:rPr lang="en-US" sz="2400" dirty="0"/>
+              <a:t>Visualization for the </a:t>
+            </a:r>
+            <a:r>
+              <a:rPr lang="de-DE" sz="2400" dirty="0"/>
+              <a:t>order of selection criteria</a:t>
+            </a:r>
+            <a:endParaRPr lang="en-US" sz="2400" dirty="0"/>
+          </a:p>
+          <a:p>
+            <a:pPr marL="457200" indent="-457200">
+              <a:buFont typeface="Arial" panose="020B0604020202020204" pitchFamily="34" charset="0"/>
+              <a:buChar char="•"/>
+            </a:pPr>
+            <a:r>
+              <a:rPr lang="en-US" sz="2400" dirty="0"/>
+              <a:t>Pie charts for selection results</a:t>
+            </a:r>
+          </a:p>
+          <a:p>
+            <a:endParaRPr lang="en-US" sz="2400" b="1" dirty="0"/>
+          </a:p>
+          <a:p>
+            <a:r>
+              <a:rPr lang="de-DE" sz="2400" b="1" dirty="0"/>
+              <a:t>3) Data reduction</a:t>
+            </a:r>
+          </a:p>
+          <a:p>
+            <a:pPr marL="457200" indent="-457200">
+              <a:buFont typeface="Arial" panose="020B0604020202020204" pitchFamily="34" charset="0"/>
+              <a:buChar char="•"/>
+            </a:pPr>
+            <a:r>
+              <a:rPr lang="de-DE" sz="2400" dirty="0"/>
+              <a:t>PCR </a:t>
+            </a:r>
+            <a:endParaRPr lang="en-US" sz="2400" dirty="0"/>
+          </a:p>
+          <a:p>
+            <a:pPr marL="457200" indent="-457200">
+              <a:buFont typeface="Arial" panose="020B0604020202020204" pitchFamily="34" charset="0"/>
+              <a:buChar char="•"/>
+            </a:pPr>
+            <a:r>
+              <a:rPr lang="en-US" sz="2400" dirty="0"/>
+              <a:t> k-means clustering</a:t>
+            </a:r>
+          </a:p>
+          <a:p>
+            <a:pPr marL="457200" indent="-457200">
+              <a:buFont typeface="Arial" panose="020B0604020202020204" pitchFamily="34" charset="0"/>
+              <a:buChar char="•"/>
+            </a:pPr>
+            <a:endParaRPr lang="en-US" sz="2400" dirty="0"/>
+          </a:p>
+          <a:p>
+            <a:r>
+              <a:rPr lang="de-DE" sz="2400" b="1" dirty="0"/>
+              <a:t>4) Data modelling</a:t>
+            </a:r>
+          </a:p>
+          <a:p>
+            <a:pPr marL="457200" indent="-457200">
+              <a:buFont typeface="Arial" panose="020B0604020202020204" pitchFamily="34" charset="0"/>
+              <a:buChar char="•"/>
+            </a:pPr>
+            <a:r>
+              <a:rPr lang="en-US" sz="2400" dirty="0"/>
+              <a:t> Linear Regression </a:t>
+            </a:r>
+            <a:endParaRPr lang="en-US" sz="2400" b="1" dirty="0"/>
+          </a:p>
+          <a:p>
+            <a:endParaRPr lang="en-US" sz="2400" b="1" dirty="0"/>
+          </a:p>
+          <a:p>
+            <a:endParaRPr lang="en-US" sz="2400" b="1" dirty="0"/>
+          </a:p>
+        </p:txBody>
+      </p:sp>
+      <p:sp>
+        <p:nvSpPr>
+          <p:cNvPr id="17" name="TextBox 16">
+            <a:extLst>
+              <a:ext uri="{FF2B5EF4-FFF2-40B4-BE49-F238E27FC236}">
+                <a16:creationId xmlns:a16="http://schemas.microsoft.com/office/drawing/2014/main" id="{303ADE24-025E-1F90-7F81-4536344B5DD1}"/>
+              </a:ext>
+            </a:extLst>
+          </p:cNvPr>
+          <p:cNvSpPr txBox="1"/>
+          <p:nvPr/>
+        </p:nvSpPr>
+        <p:spPr>
+          <a:xfrm>
+            <a:off x="1253554" y="29923970"/>
+            <a:ext cx="11401261" cy="11172289"/>
+          </a:xfrm>
+          <a:prstGeom prst="rect">
+            <a:avLst/>
+          </a:prstGeom>
+          <a:noFill/>
+          <a:ln>
+            <a:noFill/>
+          </a:ln>
+        </p:spPr>
+        <p:txBody>
+          <a:bodyPr wrap="square">
+            <a:spAutoFit/>
+          </a:bodyPr>
+          <a:lstStyle/>
+          <a:p>
+            <a:pPr marL="457200" indent="-457200">
+              <a:buFont typeface="Arial" panose="020B0604020202020204" pitchFamily="34" charset="0"/>
+              <a:buChar char="•"/>
+            </a:pPr>
+            <a:r>
+              <a:rPr lang="en-US" sz="2400" dirty="0"/>
+              <a:t>Critical review of our own results and methods (e.g., Selection criteria made us delete some RBPs. Why? What were their properties?)</a:t>
+            </a:r>
+          </a:p>
+          <a:p>
+            <a:pPr marL="457200" indent="-457200">
+              <a:buFont typeface="Arial" panose="020B0604020202020204" pitchFamily="34" charset="0"/>
+              <a:buChar char="•"/>
+            </a:pPr>
+            <a:r>
+              <a:rPr lang="en-US" sz="2400" dirty="0"/>
+              <a:t>Why do we find fewer proteins than </a:t>
+            </a:r>
+            <a:r>
+              <a:rPr lang="en-US" sz="2400" dirty="0" err="1"/>
+              <a:t>Maïwen</a:t>
+            </a:r>
+            <a:r>
+              <a:rPr lang="en-US" sz="2400" dirty="0"/>
+              <a:t>? </a:t>
+            </a:r>
+          </a:p>
+          <a:p>
+            <a:pPr marL="457200" indent="-457200">
+              <a:buFont typeface="Arial" panose="020B0604020202020204" pitchFamily="34" charset="0"/>
+              <a:buChar char="•"/>
+            </a:pPr>
+            <a:endParaRPr lang="en-US" sz="2400" dirty="0"/>
+          </a:p>
+          <a:p>
+            <a:pPr marL="457200" indent="-457200">
+              <a:buFont typeface="Arial" panose="020B0604020202020204" pitchFamily="34" charset="0"/>
+              <a:buChar char="•"/>
+            </a:pPr>
+            <a:endParaRPr lang="en-US" sz="2400" dirty="0"/>
+          </a:p>
+          <a:p>
+            <a:pPr marL="457200" indent="-457200">
+              <a:buFont typeface="Arial" panose="020B0604020202020204" pitchFamily="34" charset="0"/>
+              <a:buChar char="•"/>
+            </a:pPr>
+            <a:endParaRPr lang="en-US" sz="2400" dirty="0"/>
+          </a:p>
+          <a:p>
+            <a:pPr marL="457200" indent="-457200">
+              <a:buFont typeface="Arial" panose="020B0604020202020204" pitchFamily="34" charset="0"/>
+              <a:buChar char="•"/>
+            </a:pPr>
+            <a:endParaRPr lang="en-US" sz="2400" dirty="0"/>
+          </a:p>
+          <a:p>
+            <a:pPr marL="457200" indent="-457200">
+              <a:buFont typeface="Arial" panose="020B0604020202020204" pitchFamily="34" charset="0"/>
+              <a:buChar char="•"/>
+            </a:pPr>
+            <a:endParaRPr lang="en-US" sz="2400" dirty="0"/>
+          </a:p>
+          <a:p>
+            <a:pPr marL="457200" indent="-457200">
+              <a:buFont typeface="Arial" panose="020B0604020202020204" pitchFamily="34" charset="0"/>
+              <a:buChar char="•"/>
+            </a:pPr>
+            <a:endParaRPr lang="en-US" sz="2400" dirty="0"/>
+          </a:p>
+          <a:p>
+            <a:pPr marL="457200" indent="-457200">
+              <a:buFont typeface="Arial" panose="020B0604020202020204" pitchFamily="34" charset="0"/>
+              <a:buChar char="•"/>
+            </a:pPr>
+            <a:endParaRPr lang="en-US" sz="2400" dirty="0"/>
+          </a:p>
+          <a:p>
+            <a:pPr marL="457200" indent="-457200">
+              <a:buFont typeface="Arial" panose="020B0604020202020204" pitchFamily="34" charset="0"/>
+              <a:buChar char="•"/>
+            </a:pPr>
+            <a:endParaRPr lang="en-US" sz="2400" dirty="0"/>
+          </a:p>
+          <a:p>
+            <a:pPr marL="457200" indent="-457200">
+              <a:buFont typeface="Arial" panose="020B0604020202020204" pitchFamily="34" charset="0"/>
+              <a:buChar char="•"/>
+            </a:pPr>
+            <a:endParaRPr lang="en-US" sz="2400" dirty="0"/>
+          </a:p>
+          <a:p>
+            <a:pPr marL="457200" indent="-457200">
+              <a:buFont typeface="Arial" panose="020B0604020202020204" pitchFamily="34" charset="0"/>
+              <a:buChar char="•"/>
+            </a:pPr>
+            <a:endParaRPr lang="en-US" sz="2400" dirty="0"/>
+          </a:p>
+          <a:p>
+            <a:pPr marL="457200" indent="-457200">
+              <a:buFont typeface="Arial" panose="020B0604020202020204" pitchFamily="34" charset="0"/>
+              <a:buChar char="•"/>
+            </a:pPr>
+            <a:endParaRPr lang="en-US" sz="2400" dirty="0"/>
+          </a:p>
+          <a:p>
+            <a:pPr marL="457200" indent="-457200">
+              <a:buFont typeface="Arial" panose="020B0604020202020204" pitchFamily="34" charset="0"/>
+              <a:buChar char="•"/>
+            </a:pPr>
+            <a:endParaRPr lang="en-US" sz="2400" dirty="0"/>
+          </a:p>
+          <a:p>
+            <a:pPr marL="457200" indent="-457200">
+              <a:buFont typeface="Arial" panose="020B0604020202020204" pitchFamily="34" charset="0"/>
+              <a:buChar char="•"/>
+            </a:pPr>
+            <a:endParaRPr lang="en-US" sz="2400" dirty="0"/>
+          </a:p>
+          <a:p>
+            <a:pPr marL="457200" indent="-457200">
+              <a:buFont typeface="Arial" panose="020B0604020202020204" pitchFamily="34" charset="0"/>
+              <a:buChar char="•"/>
+            </a:pPr>
+            <a:endParaRPr lang="en-US" sz="2400" dirty="0"/>
+          </a:p>
+          <a:p>
+            <a:pPr marL="457200" indent="-457200">
+              <a:buFont typeface="Arial" panose="020B0604020202020204" pitchFamily="34" charset="0"/>
+              <a:buChar char="•"/>
+            </a:pPr>
+            <a:endParaRPr lang="en-US" sz="2400" dirty="0"/>
+          </a:p>
+          <a:p>
+            <a:pPr marL="457200" indent="-457200">
+              <a:buFont typeface="Arial" panose="020B0604020202020204" pitchFamily="34" charset="0"/>
+              <a:buChar char="•"/>
+            </a:pPr>
+            <a:endParaRPr lang="en-US" sz="2400" dirty="0"/>
+          </a:p>
+          <a:p>
+            <a:pPr marL="457200" indent="-457200">
+              <a:buFont typeface="Arial" panose="020B0604020202020204" pitchFamily="34" charset="0"/>
+              <a:buChar char="•"/>
+            </a:pPr>
+            <a:endParaRPr lang="en-US" sz="2400" dirty="0"/>
+          </a:p>
+          <a:p>
+            <a:pPr marL="457200" indent="-457200">
+              <a:buFont typeface="Arial" panose="020B0604020202020204" pitchFamily="34" charset="0"/>
+              <a:buChar char="•"/>
+            </a:pPr>
+            <a:endParaRPr lang="en-US" sz="2400" dirty="0"/>
+          </a:p>
+          <a:p>
+            <a:pPr marL="457200" indent="-457200">
+              <a:buFont typeface="Arial" panose="020B0604020202020204" pitchFamily="34" charset="0"/>
+              <a:buChar char="•"/>
+            </a:pPr>
+            <a:endParaRPr lang="en-US" sz="2400" dirty="0"/>
+          </a:p>
+          <a:p>
+            <a:pPr marL="457200" indent="-457200">
+              <a:buFont typeface="Arial" panose="020B0604020202020204" pitchFamily="34" charset="0"/>
+              <a:buChar char="•"/>
+            </a:pPr>
+            <a:endParaRPr lang="en-US" sz="2400" dirty="0"/>
+          </a:p>
+          <a:p>
+            <a:pPr marL="457200" indent="-457200">
+              <a:buFont typeface="Arial" panose="020B0604020202020204" pitchFamily="34" charset="0"/>
+              <a:buChar char="•"/>
+            </a:pPr>
+            <a:endParaRPr lang="en-US" sz="2400" dirty="0"/>
+          </a:p>
+          <a:p>
+            <a:pPr marL="457200" indent="-457200">
+              <a:buFont typeface="Arial" panose="020B0604020202020204" pitchFamily="34" charset="0"/>
+              <a:buChar char="•"/>
+            </a:pPr>
+            <a:endParaRPr lang="en-US" sz="2400" dirty="0"/>
+          </a:p>
+          <a:p>
+            <a:pPr marL="457200" indent="-457200">
+              <a:buFont typeface="Arial" panose="020B0604020202020204" pitchFamily="34" charset="0"/>
+              <a:buChar char="•"/>
+            </a:pPr>
+            <a:endParaRPr lang="en-US" sz="2400" dirty="0"/>
+          </a:p>
+          <a:p>
+            <a:pPr marL="457200" indent="-457200">
+              <a:buFont typeface="Arial" panose="020B0604020202020204" pitchFamily="34" charset="0"/>
+              <a:buChar char="•"/>
+            </a:pPr>
+            <a:endParaRPr lang="en-US" sz="2400" dirty="0"/>
+          </a:p>
+          <a:p>
+            <a:pPr marL="457200" indent="-457200">
+              <a:buFont typeface="Arial" panose="020B0604020202020204" pitchFamily="34" charset="0"/>
+              <a:buChar char="•"/>
+            </a:pPr>
+            <a:endParaRPr lang="en-US" sz="2400" dirty="0"/>
+          </a:p>
+          <a:p>
+            <a:pPr marL="457200" indent="-457200">
+              <a:buFont typeface="Arial" panose="020B0604020202020204" pitchFamily="34" charset="0"/>
+              <a:buChar char="•"/>
+            </a:pPr>
+            <a:endParaRPr lang="en-US" sz="2400" dirty="0"/>
+          </a:p>
+          <a:p>
+            <a:endParaRPr lang="en-US" sz="2400" b="1" dirty="0"/>
+          </a:p>
+        </p:txBody>
+      </p:sp>
+      <p:sp>
+        <p:nvSpPr>
+          <p:cNvPr id="18" name="TextBox 17">
+            <a:extLst>
+              <a:ext uri="{FF2B5EF4-FFF2-40B4-BE49-F238E27FC236}">
+                <a16:creationId xmlns:a16="http://schemas.microsoft.com/office/drawing/2014/main" id="{91A05010-F3B1-CCE5-48DA-5CE33B57C475}"/>
+              </a:ext>
+            </a:extLst>
+          </p:cNvPr>
+          <p:cNvSpPr txBox="1"/>
+          <p:nvPr/>
+        </p:nvSpPr>
+        <p:spPr>
+          <a:xfrm>
+            <a:off x="16242587" y="37886105"/>
+            <a:ext cx="5093413" cy="1569660"/>
+          </a:xfrm>
+          <a:prstGeom prst="rect">
+            <a:avLst/>
+          </a:prstGeom>
+          <a:noFill/>
+          <a:ln>
+            <a:noFill/>
+          </a:ln>
+        </p:spPr>
+        <p:txBody>
+          <a:bodyPr wrap="square">
+            <a:spAutoFit/>
+          </a:bodyPr>
+          <a:lstStyle/>
+          <a:p>
+            <a:pPr marL="457200" indent="-457200">
+              <a:buFont typeface="Arial" panose="020B0604020202020204" pitchFamily="34" charset="0"/>
+              <a:buChar char="•"/>
+            </a:pPr>
+            <a:endParaRPr lang="en-US" sz="2400" dirty="0"/>
+          </a:p>
+          <a:p>
+            <a:pPr marL="457200" indent="-457200">
+              <a:buFont typeface="Arial" panose="020B0604020202020204" pitchFamily="34" charset="0"/>
+              <a:buChar char="•"/>
+            </a:pPr>
+            <a:r>
+              <a:rPr lang="en-US" sz="2400" dirty="0"/>
+              <a:t>https://de.wikipedia.org/wiki/Eigentliche_Schnepfen</a:t>
+            </a:r>
+          </a:p>
+          <a:p>
+            <a:pPr marL="457200" indent="-457200">
+              <a:buFont typeface="Arial" panose="020B0604020202020204" pitchFamily="34" charset="0"/>
+              <a:buChar char="•"/>
+            </a:pPr>
+            <a:endParaRPr lang="en-US" sz="2400" dirty="0"/>
+          </a:p>
+        </p:txBody>
+      </p:sp>
+      <p:sp>
+        <p:nvSpPr>
+          <p:cNvPr id="19" name="TextBox 18">
+            <a:extLst>
+              <a:ext uri="{FF2B5EF4-FFF2-40B4-BE49-F238E27FC236}">
+                <a16:creationId xmlns:a16="http://schemas.microsoft.com/office/drawing/2014/main" id="{FFC955A8-BE9D-FEA7-D937-C5036C0D67B4}"/>
+              </a:ext>
+            </a:extLst>
+          </p:cNvPr>
+          <p:cNvSpPr txBox="1"/>
+          <p:nvPr/>
+        </p:nvSpPr>
+        <p:spPr>
+          <a:xfrm>
+            <a:off x="16242587" y="29665022"/>
+            <a:ext cx="8291810" cy="1200329"/>
+          </a:xfrm>
+          <a:prstGeom prst="rect">
+            <a:avLst/>
+          </a:prstGeom>
+          <a:noFill/>
+          <a:ln>
+            <a:noFill/>
+          </a:ln>
+        </p:spPr>
+        <p:txBody>
+          <a:bodyPr wrap="square">
+            <a:spAutoFit/>
+          </a:bodyPr>
+          <a:lstStyle/>
+          <a:p>
+            <a:pPr marL="457200" indent="-457200">
+              <a:buFont typeface="Arial" panose="020B0604020202020204" pitchFamily="34" charset="0"/>
+              <a:buChar char="•"/>
+            </a:pPr>
+            <a:r>
+              <a:rPr lang="de-DE" sz="2400" dirty="0"/>
+              <a:t>We found X proteins that ...</a:t>
+            </a:r>
+          </a:p>
+          <a:p>
+            <a:pPr marL="457200" indent="-457200">
+              <a:buFont typeface="Arial" panose="020B0604020202020204" pitchFamily="34" charset="0"/>
+              <a:buChar char="•"/>
+            </a:pPr>
+            <a:endParaRPr lang="de-DE" sz="2400" dirty="0"/>
+          </a:p>
+          <a:p>
+            <a:endParaRPr lang="en-US" sz="2400" b="1" dirty="0"/>
+          </a:p>
+        </p:txBody>
+      </p:sp>
+      <p:sp>
+        <p:nvSpPr>
+          <p:cNvPr id="20" name="Rectangle: Rounded Corners 19">
+            <a:extLst>
+              <a:ext uri="{FF2B5EF4-FFF2-40B4-BE49-F238E27FC236}">
+                <a16:creationId xmlns:a16="http://schemas.microsoft.com/office/drawing/2014/main" id="{5671C6CB-E26F-FC31-5189-06BD1ACFC97C}"/>
+              </a:ext>
+            </a:extLst>
+          </p:cNvPr>
+          <p:cNvSpPr/>
+          <p:nvPr/>
+        </p:nvSpPr>
+        <p:spPr>
+          <a:xfrm>
+            <a:off x="619433" y="6354751"/>
+            <a:ext cx="29036347" cy="1430255"/>
+          </a:xfrm>
+          <a:prstGeom prst="roundRect">
+            <a:avLst>
+              <a:gd name="adj" fmla="val 0"/>
+            </a:avLst>
+          </a:prstGeom>
+          <a:solidFill>
+            <a:srgbClr val="842332"/>
+          </a:solidFill>
+          <a:ln>
+            <a:noFill/>
+          </a:ln>
+        </p:spPr>
+        <p:style>
+          <a:lnRef idx="2">
+            <a:schemeClr val="accent1">
+              <a:shade val="15000"/>
+            </a:schemeClr>
+          </a:lnRef>
+          <a:fillRef idx="1">
+            <a:schemeClr val="accent1"/>
+          </a:fillRef>
+          <a:effectRef idx="0">
+            <a:schemeClr val="accent1"/>
+          </a:effectRef>
+          <a:fontRef idx="minor">
+            <a:schemeClr val="lt1"/>
+          </a:fontRef>
+        </p:style>
+        <p:txBody>
+          <a:bodyPr rtlCol="0" anchor="ctr"/>
+          <a:lstStyle/>
+          <a:p>
+            <a:r>
+              <a:rPr lang="en-US" sz="6000" b="1" dirty="0"/>
+              <a:t>                   Identifying RNA-Dependent Proteins from Proteomic Data</a:t>
+            </a:r>
+            <a:endParaRPr lang="en-US" sz="1500" b="1" dirty="0"/>
+          </a:p>
+          <a:p>
+            <a:pPr algn="ctr"/>
+            <a:endParaRPr lang="en-US" sz="1000" b="1" dirty="0"/>
+          </a:p>
+        </p:txBody>
+      </p:sp>
+      <p:sp>
+        <p:nvSpPr>
+          <p:cNvPr id="21" name="TextBox 20">
+            <a:extLst>
+              <a:ext uri="{FF2B5EF4-FFF2-40B4-BE49-F238E27FC236}">
+                <a16:creationId xmlns:a16="http://schemas.microsoft.com/office/drawing/2014/main" id="{11E5E3B4-A071-D53B-F93B-9E1776CF96CF}"/>
+              </a:ext>
+            </a:extLst>
+          </p:cNvPr>
+          <p:cNvSpPr txBox="1"/>
+          <p:nvPr/>
+        </p:nvSpPr>
+        <p:spPr>
+          <a:xfrm>
+            <a:off x="15164570" y="8328936"/>
+            <a:ext cx="13893040" cy="2308324"/>
+          </a:xfrm>
+          <a:prstGeom prst="rect">
+            <a:avLst/>
+          </a:prstGeom>
+          <a:noFill/>
+          <a:ln>
+            <a:noFill/>
+          </a:ln>
+        </p:spPr>
+        <p:txBody>
+          <a:bodyPr wrap="square">
+            <a:spAutoFit/>
+          </a:bodyPr>
+          <a:lstStyle/>
+          <a:p>
+            <a:r>
+              <a:rPr lang="en-US" sz="2400" b="1" dirty="0"/>
+              <a:t>Key Characteristics of Our Dataset</a:t>
+            </a:r>
+            <a:endParaRPr lang="de-DE" sz="2400" b="1" dirty="0"/>
+          </a:p>
+          <a:p>
+            <a:pPr marL="457200" indent="-457200">
+              <a:buFont typeface="Arial" panose="020B0604020202020204" pitchFamily="34" charset="0"/>
+              <a:buChar char="•"/>
+            </a:pPr>
+            <a:r>
+              <a:rPr lang="en-US" sz="2400" dirty="0"/>
+              <a:t>Our dataset was generated using the R-Deep approach</a:t>
+            </a:r>
+          </a:p>
+          <a:p>
+            <a:pPr marL="457200" indent="-457200">
+              <a:buFont typeface="Arial" panose="020B0604020202020204" pitchFamily="34" charset="0"/>
+              <a:buChar char="•"/>
+            </a:pPr>
+            <a:r>
+              <a:rPr lang="de-DE" sz="2400" dirty="0"/>
+              <a:t>~5000 Proteine in 25 Fraktionen, Rnase vs. CTRL</a:t>
+            </a:r>
+            <a:endParaRPr lang="en-US" sz="2400" dirty="0"/>
+          </a:p>
+          <a:p>
+            <a:pPr marL="457200" indent="-457200">
+              <a:buFont typeface="Arial" panose="020B0604020202020204" pitchFamily="34" charset="0"/>
+              <a:buChar char="•"/>
+            </a:pPr>
+            <a:r>
+              <a:rPr lang="en-US" sz="2400" dirty="0"/>
+              <a:t>Dimensions</a:t>
+            </a:r>
+            <a:endParaRPr lang="en-US" sz="2400" b="1" dirty="0"/>
+          </a:p>
+          <a:p>
+            <a:pPr marL="457200" indent="-457200">
+              <a:buFont typeface="Arial" panose="020B0604020202020204" pitchFamily="34" charset="0"/>
+              <a:buChar char="•"/>
+            </a:pPr>
+            <a:endParaRPr lang="de-DE" sz="2400" dirty="0"/>
+          </a:p>
+          <a:p>
+            <a:pPr marL="457200" indent="-457200">
+              <a:buFont typeface="Arial" panose="020B0604020202020204" pitchFamily="34" charset="0"/>
+              <a:buChar char="•"/>
+            </a:pPr>
+            <a:endParaRPr lang="de-DE" sz="2400" dirty="0"/>
+          </a:p>
+        </p:txBody>
+      </p:sp>
+      <p:sp>
+        <p:nvSpPr>
+          <p:cNvPr id="22" name="Rectangle: Rounded Corners 21">
+            <a:extLst>
+              <a:ext uri="{FF2B5EF4-FFF2-40B4-BE49-F238E27FC236}">
+                <a16:creationId xmlns:a16="http://schemas.microsoft.com/office/drawing/2014/main" id="{B59C29C1-FA94-6EF6-8F89-6F1328D91A76}"/>
+              </a:ext>
+            </a:extLst>
+          </p:cNvPr>
+          <p:cNvSpPr/>
+          <p:nvPr/>
+        </p:nvSpPr>
+        <p:spPr>
+          <a:xfrm>
+            <a:off x="668635" y="13907015"/>
+            <a:ext cx="28937944" cy="1430255"/>
+          </a:xfrm>
+          <a:prstGeom prst="roundRect">
+            <a:avLst>
+              <a:gd name="adj" fmla="val 0"/>
+            </a:avLst>
+          </a:prstGeom>
+          <a:solidFill>
+            <a:srgbClr val="120D31"/>
+          </a:solidFill>
+          <a:ln>
+            <a:noFill/>
+          </a:ln>
+        </p:spPr>
+        <p:style>
+          <a:lnRef idx="2">
+            <a:schemeClr val="accent1">
+              <a:shade val="15000"/>
+            </a:schemeClr>
+          </a:lnRef>
+          <a:fillRef idx="1">
+            <a:schemeClr val="accent1"/>
+          </a:fillRef>
+          <a:effectRef idx="0">
+            <a:schemeClr val="accent1"/>
+          </a:effectRef>
+          <a:fontRef idx="minor">
+            <a:schemeClr val="lt1"/>
+          </a:fontRef>
+        </p:style>
+        <p:txBody>
+          <a:bodyPr rtlCol="0" anchor="ctr"/>
+          <a:lstStyle/>
+          <a:p>
+            <a:r>
+              <a:rPr lang="en-US" sz="6000" b="1" dirty="0"/>
+              <a:t>                  Our Approach</a:t>
+            </a:r>
+            <a:endParaRPr lang="en-US" sz="1500" b="1" dirty="0"/>
+          </a:p>
+          <a:p>
+            <a:pPr algn="ctr"/>
+            <a:endParaRPr lang="en-US" sz="1000" b="1" dirty="0"/>
+          </a:p>
+        </p:txBody>
+      </p:sp>
+      <p:sp>
+        <p:nvSpPr>
+          <p:cNvPr id="23" name="Rectangle: Rounded Corners 22">
+            <a:extLst>
+              <a:ext uri="{FF2B5EF4-FFF2-40B4-BE49-F238E27FC236}">
+                <a16:creationId xmlns:a16="http://schemas.microsoft.com/office/drawing/2014/main" id="{317D88A9-FA33-C8DD-A685-B910ADA75AB2}"/>
+              </a:ext>
+            </a:extLst>
+          </p:cNvPr>
+          <p:cNvSpPr/>
+          <p:nvPr/>
+        </p:nvSpPr>
+        <p:spPr>
+          <a:xfrm>
+            <a:off x="668636" y="27643718"/>
+            <a:ext cx="14468970" cy="1430255"/>
+          </a:xfrm>
+          <a:prstGeom prst="roundRect">
+            <a:avLst>
+              <a:gd name="adj" fmla="val 10312"/>
+            </a:avLst>
+          </a:prstGeom>
+          <a:solidFill>
+            <a:srgbClr val="120D31"/>
+          </a:solidFill>
+          <a:ln>
+            <a:noFill/>
+          </a:ln>
+        </p:spPr>
+        <p:style>
+          <a:lnRef idx="2">
+            <a:schemeClr val="accent1">
+              <a:shade val="15000"/>
+            </a:schemeClr>
+          </a:lnRef>
+          <a:fillRef idx="1">
+            <a:schemeClr val="accent1"/>
+          </a:fillRef>
+          <a:effectRef idx="0">
+            <a:schemeClr val="accent1"/>
+          </a:effectRef>
+          <a:fontRef idx="minor">
+            <a:schemeClr val="lt1"/>
+          </a:fontRef>
+        </p:style>
+        <p:txBody>
+          <a:bodyPr rtlCol="0" anchor="ctr"/>
+          <a:lstStyle/>
+          <a:p>
+            <a:r>
+              <a:rPr lang="en-US" sz="6000" b="1" dirty="0"/>
+              <a:t>                  Discussion</a:t>
+            </a:r>
+            <a:endParaRPr lang="en-US" sz="1500" b="1" dirty="0"/>
+          </a:p>
+          <a:p>
+            <a:endParaRPr lang="en-US" sz="1000" b="1" dirty="0"/>
+          </a:p>
+        </p:txBody>
+      </p:sp>
+      <p:sp>
+        <p:nvSpPr>
+          <p:cNvPr id="24" name="Rectangle: Rounded Corners 23">
+            <a:extLst>
+              <a:ext uri="{FF2B5EF4-FFF2-40B4-BE49-F238E27FC236}">
+                <a16:creationId xmlns:a16="http://schemas.microsoft.com/office/drawing/2014/main" id="{C96DE1AF-A5C6-26D3-1B9C-82EACDF12B6A}"/>
+              </a:ext>
+            </a:extLst>
+          </p:cNvPr>
+          <p:cNvSpPr/>
+          <p:nvPr/>
+        </p:nvSpPr>
+        <p:spPr>
+          <a:xfrm>
+            <a:off x="15765564" y="27736897"/>
+            <a:ext cx="13841013" cy="1430255"/>
+          </a:xfrm>
+          <a:prstGeom prst="roundRect">
+            <a:avLst>
+              <a:gd name="adj" fmla="val 0"/>
+            </a:avLst>
+          </a:prstGeom>
+          <a:solidFill>
+            <a:srgbClr val="842332"/>
+          </a:solidFill>
+          <a:ln>
+            <a:noFill/>
+          </a:ln>
+        </p:spPr>
+        <p:style>
+          <a:lnRef idx="2">
+            <a:schemeClr val="accent1">
+              <a:shade val="15000"/>
+            </a:schemeClr>
+          </a:lnRef>
+          <a:fillRef idx="1">
+            <a:schemeClr val="accent1"/>
+          </a:fillRef>
+          <a:effectRef idx="0">
+            <a:schemeClr val="accent1"/>
+          </a:effectRef>
+          <a:fontRef idx="minor">
+            <a:schemeClr val="lt1"/>
+          </a:fontRef>
+        </p:style>
+        <p:txBody>
+          <a:bodyPr rtlCol="0" anchor="ctr"/>
+          <a:lstStyle/>
+          <a:p>
+            <a:r>
+              <a:rPr lang="en-US" sz="6000" b="1" dirty="0"/>
+              <a:t>                 Our Achievements</a:t>
+            </a:r>
+            <a:endParaRPr lang="en-US" sz="1000" b="1" dirty="0"/>
+          </a:p>
+        </p:txBody>
+      </p:sp>
+      <p:sp>
+        <p:nvSpPr>
+          <p:cNvPr id="25" name="Rectangle: Rounded Corners 24">
+            <a:extLst>
+              <a:ext uri="{FF2B5EF4-FFF2-40B4-BE49-F238E27FC236}">
+                <a16:creationId xmlns:a16="http://schemas.microsoft.com/office/drawing/2014/main" id="{45898C5B-0B5E-0A43-ED31-F39CF22769C1}"/>
+              </a:ext>
+            </a:extLst>
+          </p:cNvPr>
+          <p:cNvSpPr/>
+          <p:nvPr/>
+        </p:nvSpPr>
+        <p:spPr>
+          <a:xfrm>
+            <a:off x="15841731" y="35857778"/>
+            <a:ext cx="7189720" cy="1430255"/>
+          </a:xfrm>
+          <a:prstGeom prst="roundRect">
+            <a:avLst>
+              <a:gd name="adj" fmla="val 0"/>
+            </a:avLst>
+          </a:prstGeom>
+          <a:solidFill>
+            <a:srgbClr val="413D59"/>
+          </a:solidFill>
+          <a:ln>
+            <a:noFill/>
+          </a:ln>
+        </p:spPr>
+        <p:style>
+          <a:lnRef idx="2">
+            <a:schemeClr val="accent1">
+              <a:shade val="15000"/>
+            </a:schemeClr>
+          </a:lnRef>
+          <a:fillRef idx="1">
+            <a:schemeClr val="accent1"/>
+          </a:fillRef>
+          <a:effectRef idx="0">
+            <a:schemeClr val="accent1"/>
+          </a:effectRef>
+          <a:fontRef idx="minor">
+            <a:schemeClr val="lt1"/>
+          </a:fontRef>
+        </p:style>
+        <p:txBody>
+          <a:bodyPr rtlCol="0" anchor="ctr"/>
+          <a:lstStyle/>
+          <a:p>
+            <a:r>
+              <a:rPr lang="en-US" sz="6000" b="1" dirty="0"/>
+              <a:t>                 References</a:t>
+            </a:r>
+            <a:endParaRPr lang="en-US" sz="1000" b="1" dirty="0"/>
+          </a:p>
+        </p:txBody>
+      </p:sp>
+      <p:sp>
+        <p:nvSpPr>
+          <p:cNvPr id="27" name="Titel 1">
+            <a:extLst>
+              <a:ext uri="{FF2B5EF4-FFF2-40B4-BE49-F238E27FC236}">
+                <a16:creationId xmlns:a16="http://schemas.microsoft.com/office/drawing/2014/main" id="{A5B8F8CE-D9BA-00D8-3DBF-7A9DBF0E1515}"/>
+              </a:ext>
+            </a:extLst>
+          </p:cNvPr>
+          <p:cNvSpPr txBox="1">
+            <a:spLocks/>
+          </p:cNvSpPr>
+          <p:nvPr/>
+        </p:nvSpPr>
+        <p:spPr>
+          <a:xfrm>
+            <a:off x="1568156" y="2264310"/>
+            <a:ext cx="28358864" cy="1836887"/>
+          </a:xfrm>
+          <a:prstGeom prst="rect">
+            <a:avLst/>
+          </a:prstGeom>
+        </p:spPr>
+        <p:txBody>
+          <a:bodyPr vert="horz" lIns="91440" tIns="45720" rIns="91440" bIns="45720" rtlCol="0" anchor="b">
+            <a:noAutofit/>
+          </a:bodyPr>
+          <a:lstStyle>
+            <a:lvl1pPr algn="ctr" defTabSz="3027487" rtl="0" eaLnBrk="1" latinLnBrk="0" hangingPunct="1">
+              <a:lnSpc>
+                <a:spcPct val="90000"/>
+              </a:lnSpc>
+              <a:spcBef>
+                <a:spcPct val="0"/>
+              </a:spcBef>
+              <a:buNone/>
+              <a:defRPr sz="19865" kern="1200">
+                <a:solidFill>
+                  <a:schemeClr val="tx1"/>
+                </a:solidFill>
+                <a:latin typeface="+mj-lt"/>
+                <a:ea typeface="+mj-ea"/>
+                <a:cs typeface="+mj-cs"/>
+              </a:defRPr>
+            </a:lvl1pPr>
+          </a:lstStyle>
+          <a:p>
+            <a:r>
+              <a:rPr lang="de-DE" sz="8000" b="1" dirty="0">
+                <a:solidFill>
+                  <a:schemeClr val="bg1"/>
+                </a:solidFill>
+              </a:rPr>
+              <a:t>Hidden Alliances: </a:t>
+            </a:r>
+          </a:p>
+          <a:p>
+            <a:r>
+              <a:rPr lang="de-DE" sz="8000" b="1" dirty="0">
+                <a:solidFill>
+                  <a:schemeClr val="bg1"/>
+                </a:solidFill>
+              </a:rPr>
+              <a:t>RNA-Dependent Protein Interactions </a:t>
+            </a:r>
+          </a:p>
+          <a:p>
+            <a:r>
+              <a:rPr lang="de-DE" sz="8000" b="1" dirty="0">
+                <a:solidFill>
+                  <a:schemeClr val="bg1"/>
+                </a:solidFill>
+              </a:rPr>
+              <a:t>in Cancer Cells</a:t>
+            </a:r>
+            <a:endParaRPr lang="en-US" sz="8000" b="1" dirty="0">
+              <a:solidFill>
+                <a:schemeClr val="bg1"/>
+              </a:solidFill>
+            </a:endParaRPr>
+          </a:p>
+        </p:txBody>
+      </p:sp>
+      <p:sp>
+        <p:nvSpPr>
+          <p:cNvPr id="28" name="Titel 1">
+            <a:extLst>
+              <a:ext uri="{FF2B5EF4-FFF2-40B4-BE49-F238E27FC236}">
+                <a16:creationId xmlns:a16="http://schemas.microsoft.com/office/drawing/2014/main" id="{1D59770A-CF15-7E0F-4910-E0D0557314F8}"/>
+              </a:ext>
+            </a:extLst>
+          </p:cNvPr>
+          <p:cNvSpPr txBox="1">
+            <a:spLocks/>
+          </p:cNvSpPr>
+          <p:nvPr/>
+        </p:nvSpPr>
+        <p:spPr>
+          <a:xfrm>
+            <a:off x="8739451" y="3780826"/>
+            <a:ext cx="12850233" cy="1323687"/>
+          </a:xfrm>
+          <a:prstGeom prst="rect">
+            <a:avLst/>
+          </a:prstGeom>
+        </p:spPr>
+        <p:txBody>
+          <a:bodyPr vert="horz" lIns="45681" tIns="22840" rIns="45681" bIns="22840" rtlCol="0" anchor="b">
+            <a:noAutofit/>
+          </a:bodyPr>
+          <a:lstStyle>
+            <a:lvl1pPr algn="ctr" defTabSz="3027487" rtl="0" eaLnBrk="1" latinLnBrk="0" hangingPunct="1">
+              <a:lnSpc>
+                <a:spcPct val="90000"/>
+              </a:lnSpc>
+              <a:spcBef>
+                <a:spcPct val="0"/>
+              </a:spcBef>
+              <a:buNone/>
+              <a:defRPr sz="19865" kern="1200">
+                <a:solidFill>
+                  <a:schemeClr val="tx1"/>
+                </a:solidFill>
+                <a:latin typeface="+mj-lt"/>
+                <a:ea typeface="+mj-ea"/>
+                <a:cs typeface="+mj-cs"/>
+              </a:defRPr>
+            </a:lvl1pPr>
+          </a:lstStyle>
+          <a:p>
+            <a:r>
+              <a:rPr lang="de-DE" sz="2800" dirty="0">
+                <a:solidFill>
+                  <a:schemeClr val="bg1"/>
+                </a:solidFill>
+              </a:rPr>
+              <a:t>Julian </a:t>
+            </a:r>
+            <a:r>
+              <a:rPr lang="de-DE" sz="2800" dirty="0" err="1">
+                <a:solidFill>
+                  <a:schemeClr val="bg1"/>
+                </a:solidFill>
+              </a:rPr>
+              <a:t>Baureis</a:t>
+            </a:r>
+            <a:r>
+              <a:rPr lang="de-DE" sz="2800" dirty="0">
+                <a:solidFill>
+                  <a:schemeClr val="bg1"/>
+                </a:solidFill>
+              </a:rPr>
+              <a:t>, Julia Ferdin, Benjamin Nicklas, Luisa </a:t>
+            </a:r>
+            <a:r>
+              <a:rPr lang="de-DE" sz="2800" dirty="0" err="1">
+                <a:solidFill>
+                  <a:schemeClr val="bg1"/>
+                </a:solidFill>
+              </a:rPr>
+              <a:t>Wintel</a:t>
+            </a:r>
+            <a:endParaRPr lang="de-DE" sz="2800" dirty="0">
+              <a:solidFill>
+                <a:schemeClr val="bg1"/>
+              </a:solidFill>
+            </a:endParaRPr>
+          </a:p>
+          <a:p>
+            <a:r>
+              <a:rPr lang="de-DE" sz="2800" dirty="0">
+                <a:solidFill>
+                  <a:schemeClr val="bg1"/>
+                </a:solidFill>
+              </a:rPr>
+              <a:t>Data Analysis Project </a:t>
+            </a:r>
+            <a:r>
+              <a:rPr lang="de-DE" sz="2800" dirty="0" err="1">
+                <a:solidFill>
+                  <a:schemeClr val="bg1"/>
+                </a:solidFill>
+              </a:rPr>
+              <a:t>Molecular</a:t>
+            </a:r>
+            <a:r>
+              <a:rPr lang="de-DE" sz="2800" dirty="0">
+                <a:solidFill>
+                  <a:schemeClr val="bg1"/>
+                </a:solidFill>
+              </a:rPr>
+              <a:t> Biotechnology SS2025</a:t>
+            </a:r>
+          </a:p>
+        </p:txBody>
+      </p:sp>
+      <p:sp>
+        <p:nvSpPr>
+          <p:cNvPr id="29" name="Flowchart: Connector 28">
+            <a:extLst>
+              <a:ext uri="{FF2B5EF4-FFF2-40B4-BE49-F238E27FC236}">
+                <a16:creationId xmlns:a16="http://schemas.microsoft.com/office/drawing/2014/main" id="{C0154F1E-CE0F-6831-0041-B629EFEC8D7C}"/>
+              </a:ext>
+            </a:extLst>
+          </p:cNvPr>
+          <p:cNvSpPr/>
+          <p:nvPr/>
+        </p:nvSpPr>
+        <p:spPr>
+          <a:xfrm>
+            <a:off x="1194289" y="5986115"/>
+            <a:ext cx="2006111" cy="1960592"/>
+          </a:xfrm>
+          <a:prstGeom prst="flowChartConnector">
+            <a:avLst/>
+          </a:prstGeom>
+          <a:solidFill>
+            <a:schemeClr val="bg1"/>
+          </a:solidFill>
+          <a:ln w="254000">
+            <a:solidFill>
+              <a:srgbClr val="842332"/>
+            </a:solidFill>
+          </a:ln>
+        </p:spPr>
+        <p:style>
+          <a:lnRef idx="2">
+            <a:schemeClr val="accent1">
+              <a:shade val="15000"/>
+            </a:schemeClr>
+          </a:lnRef>
+          <a:fillRef idx="1">
+            <a:schemeClr val="accent1"/>
+          </a:fillRef>
+          <a:effectRef idx="0">
+            <a:schemeClr val="accent1"/>
+          </a:effectRef>
+          <a:fontRef idx="minor">
+            <a:schemeClr val="lt1"/>
+          </a:fontRef>
+        </p:style>
+        <p:txBody>
+          <a:bodyPr rtlCol="0" anchor="ctr"/>
+          <a:lstStyle/>
+          <a:p>
+            <a:pPr algn="ctr"/>
+            <a:r>
+              <a:rPr lang="de-DE" sz="7000" b="1" dirty="0">
+                <a:solidFill>
+                  <a:srgbClr val="87081B"/>
+                </a:solidFill>
+              </a:rPr>
+              <a:t>1</a:t>
+            </a:r>
+          </a:p>
+        </p:txBody>
+      </p:sp>
+      <p:sp>
+        <p:nvSpPr>
+          <p:cNvPr id="31" name="Flowchart: Connector 30">
+            <a:extLst>
+              <a:ext uri="{FF2B5EF4-FFF2-40B4-BE49-F238E27FC236}">
+                <a16:creationId xmlns:a16="http://schemas.microsoft.com/office/drawing/2014/main" id="{C54415D3-EF3E-C7DD-9E91-DE09DAC51F00}"/>
+              </a:ext>
+            </a:extLst>
+          </p:cNvPr>
+          <p:cNvSpPr/>
+          <p:nvPr/>
+        </p:nvSpPr>
+        <p:spPr>
+          <a:xfrm>
+            <a:off x="1194288" y="13584696"/>
+            <a:ext cx="2006111" cy="1960592"/>
+          </a:xfrm>
+          <a:prstGeom prst="flowChartConnector">
+            <a:avLst/>
+          </a:prstGeom>
+          <a:solidFill>
+            <a:schemeClr val="bg1"/>
+          </a:solidFill>
+          <a:ln w="254000">
+            <a:solidFill>
+              <a:srgbClr val="120D31"/>
+            </a:solidFill>
+          </a:ln>
+        </p:spPr>
+        <p:style>
+          <a:lnRef idx="2">
+            <a:schemeClr val="accent1">
+              <a:shade val="15000"/>
+            </a:schemeClr>
+          </a:lnRef>
+          <a:fillRef idx="1">
+            <a:schemeClr val="accent1"/>
+          </a:fillRef>
+          <a:effectRef idx="0">
+            <a:schemeClr val="accent1"/>
+          </a:effectRef>
+          <a:fontRef idx="minor">
+            <a:schemeClr val="lt1"/>
+          </a:fontRef>
+        </p:style>
+        <p:txBody>
+          <a:bodyPr rtlCol="0" anchor="ctr"/>
+          <a:lstStyle/>
+          <a:p>
+            <a:pPr algn="ctr"/>
+            <a:r>
+              <a:rPr lang="de-DE" sz="7000" b="1" dirty="0">
+                <a:solidFill>
+                  <a:srgbClr val="120D31"/>
+                </a:solidFill>
+              </a:rPr>
+              <a:t>2</a:t>
+            </a:r>
+          </a:p>
+        </p:txBody>
+      </p:sp>
+      <p:sp>
+        <p:nvSpPr>
+          <p:cNvPr id="32" name="Flowchart: Connector 31">
+            <a:extLst>
+              <a:ext uri="{FF2B5EF4-FFF2-40B4-BE49-F238E27FC236}">
+                <a16:creationId xmlns:a16="http://schemas.microsoft.com/office/drawing/2014/main" id="{0C356F25-E02F-70A9-E249-B410EF0B582D}"/>
+              </a:ext>
+            </a:extLst>
+          </p:cNvPr>
+          <p:cNvSpPr/>
+          <p:nvPr/>
+        </p:nvSpPr>
+        <p:spPr>
+          <a:xfrm>
+            <a:off x="1194287" y="27398826"/>
+            <a:ext cx="2006111" cy="1960592"/>
+          </a:xfrm>
+          <a:prstGeom prst="flowChartConnector">
+            <a:avLst/>
+          </a:prstGeom>
+          <a:solidFill>
+            <a:schemeClr val="bg1"/>
+          </a:solidFill>
+          <a:ln w="254000">
+            <a:solidFill>
+              <a:srgbClr val="120D31"/>
+            </a:solidFill>
+          </a:ln>
+        </p:spPr>
+        <p:style>
+          <a:lnRef idx="2">
+            <a:schemeClr val="accent1">
+              <a:shade val="15000"/>
+            </a:schemeClr>
+          </a:lnRef>
+          <a:fillRef idx="1">
+            <a:schemeClr val="accent1"/>
+          </a:fillRef>
+          <a:effectRef idx="0">
+            <a:schemeClr val="accent1"/>
+          </a:effectRef>
+          <a:fontRef idx="minor">
+            <a:schemeClr val="lt1"/>
+          </a:fontRef>
+        </p:style>
+        <p:txBody>
+          <a:bodyPr rtlCol="0" anchor="ctr"/>
+          <a:lstStyle/>
+          <a:p>
+            <a:pPr algn="ctr"/>
+            <a:r>
+              <a:rPr lang="de-DE" sz="7000" b="1" dirty="0">
+                <a:solidFill>
+                  <a:srgbClr val="120D31"/>
+                </a:solidFill>
+              </a:rPr>
+              <a:t>3</a:t>
+            </a:r>
+          </a:p>
+        </p:txBody>
+      </p:sp>
+      <p:sp>
+        <p:nvSpPr>
+          <p:cNvPr id="33" name="Flowchart: Connector 32">
+            <a:extLst>
+              <a:ext uri="{FF2B5EF4-FFF2-40B4-BE49-F238E27FC236}">
+                <a16:creationId xmlns:a16="http://schemas.microsoft.com/office/drawing/2014/main" id="{75B49D98-B1DD-05D5-C717-9B148D1C7C4C}"/>
+              </a:ext>
+            </a:extLst>
+          </p:cNvPr>
+          <p:cNvSpPr/>
+          <p:nvPr/>
+        </p:nvSpPr>
+        <p:spPr>
+          <a:xfrm>
+            <a:off x="16242587" y="27394687"/>
+            <a:ext cx="2006111" cy="1960592"/>
+          </a:xfrm>
+          <a:prstGeom prst="flowChartConnector">
+            <a:avLst/>
+          </a:prstGeom>
+          <a:solidFill>
+            <a:schemeClr val="bg1"/>
+          </a:solidFill>
+          <a:ln w="254000">
+            <a:solidFill>
+              <a:srgbClr val="842332"/>
+            </a:solidFill>
+          </a:ln>
+        </p:spPr>
+        <p:style>
+          <a:lnRef idx="2">
+            <a:schemeClr val="accent1">
+              <a:shade val="15000"/>
+            </a:schemeClr>
+          </a:lnRef>
+          <a:fillRef idx="1">
+            <a:schemeClr val="accent1"/>
+          </a:fillRef>
+          <a:effectRef idx="0">
+            <a:schemeClr val="accent1"/>
+          </a:effectRef>
+          <a:fontRef idx="minor">
+            <a:schemeClr val="lt1"/>
+          </a:fontRef>
+        </p:style>
+        <p:txBody>
+          <a:bodyPr rtlCol="0" anchor="ctr"/>
+          <a:lstStyle/>
+          <a:p>
+            <a:pPr algn="ctr"/>
+            <a:r>
+              <a:rPr lang="de-DE" sz="7000" b="1" dirty="0">
+                <a:solidFill>
+                  <a:srgbClr val="87081B"/>
+                </a:solidFill>
+              </a:rPr>
+              <a:t>4</a:t>
+            </a:r>
+          </a:p>
+        </p:txBody>
+      </p:sp>
+      <p:sp>
+        <p:nvSpPr>
+          <p:cNvPr id="37" name="Flowchart: Connector 36">
+            <a:extLst>
+              <a:ext uri="{FF2B5EF4-FFF2-40B4-BE49-F238E27FC236}">
+                <a16:creationId xmlns:a16="http://schemas.microsoft.com/office/drawing/2014/main" id="{ABA7BD49-9F77-B4CB-1D54-7FF283833820}"/>
+              </a:ext>
+            </a:extLst>
+          </p:cNvPr>
+          <p:cNvSpPr/>
+          <p:nvPr/>
+        </p:nvSpPr>
+        <p:spPr>
+          <a:xfrm>
+            <a:off x="16285627" y="35586126"/>
+            <a:ext cx="2006111" cy="1960592"/>
+          </a:xfrm>
+          <a:prstGeom prst="flowChartConnector">
+            <a:avLst/>
+          </a:prstGeom>
+          <a:solidFill>
+            <a:schemeClr val="bg1"/>
+          </a:solidFill>
+          <a:ln w="254000">
+            <a:solidFill>
+              <a:srgbClr val="413D59"/>
+            </a:solidFill>
+          </a:ln>
+        </p:spPr>
+        <p:style>
+          <a:lnRef idx="2">
+            <a:schemeClr val="accent1">
+              <a:shade val="15000"/>
+            </a:schemeClr>
+          </a:lnRef>
+          <a:fillRef idx="1">
+            <a:schemeClr val="accent1"/>
+          </a:fillRef>
+          <a:effectRef idx="0">
+            <a:schemeClr val="accent1"/>
+          </a:effectRef>
+          <a:fontRef idx="minor">
+            <a:schemeClr val="lt1"/>
+          </a:fontRef>
+        </p:style>
+        <p:txBody>
+          <a:bodyPr rtlCol="0" anchor="ctr"/>
+          <a:lstStyle/>
+          <a:p>
+            <a:pPr algn="ctr"/>
+            <a:r>
+              <a:rPr lang="de-DE" sz="7000" b="1" dirty="0">
+                <a:solidFill>
+                  <a:srgbClr val="302F4D"/>
+                </a:solidFill>
+              </a:rPr>
+              <a:t>5</a:t>
+            </a:r>
+          </a:p>
+        </p:txBody>
+      </p:sp>
       <p:pic>
         <p:nvPicPr>
-          <p:cNvPr id="11" name="Picture 10">
+          <p:cNvPr id="39" name="Picture 38">
             <a:extLst>
               <a:ext uri="{FF2B5EF4-FFF2-40B4-BE49-F238E27FC236}">
-                <a16:creationId xmlns:a16="http://schemas.microsoft.com/office/drawing/2014/main" id="{9AD93FC2-60CC-9968-F61D-6A11BD319B6C}"/>
+                <a16:creationId xmlns:a16="http://schemas.microsoft.com/office/drawing/2014/main" id="{5A6DB834-C62B-1870-477C-B580A0525682}"/>
               </a:ext>
             </a:extLst>
           </p:cNvPr>
@@ -3034,8 +4956,8 @@
         </p:blipFill>
         <p:spPr>
           <a:xfrm>
-            <a:off x="24305097" y="677004"/>
-            <a:ext cx="5604759" cy="3152677"/>
+            <a:off x="24109496" y="39095301"/>
+            <a:ext cx="3922235" cy="2206256"/>
           </a:xfrm>
           <a:prstGeom prst="rect">
             <a:avLst/>
@@ -3044,950 +4966,59 @@
       </p:pic>
       <p:sp>
         <p:nvSpPr>
-          <p:cNvPr id="2" name="Untertitel 2">
+          <p:cNvPr id="40" name="Rectangle: Top Corners Rounded 39">
             <a:extLst>
               <a:ext uri="{FF2B5EF4-FFF2-40B4-BE49-F238E27FC236}">
-                <a16:creationId xmlns:a16="http://schemas.microsoft.com/office/drawing/2014/main" id="{447493BC-8765-5ABE-CC38-BCB3ACCA32D7}"/>
+                <a16:creationId xmlns:a16="http://schemas.microsoft.com/office/drawing/2014/main" id="{AAE28F5E-21AC-0B61-CFE4-0EB3E67F1656}"/>
               </a:ext>
             </a:extLst>
           </p:cNvPr>
-          <p:cNvSpPr>
-            <a:spLocks noGrp="1"/>
-          </p:cNvSpPr>
-          <p:nvPr>
-            <p:ph type="subTitle" idx="1"/>
-          </p:nvPr>
+          <p:cNvSpPr/>
+          <p:nvPr/>
         </p:nvSpPr>
         <p:spPr>
-          <a:xfrm>
-            <a:off x="1462162" y="6781800"/>
-            <a:ext cx="27374776" cy="34590038"/>
+          <a:xfrm flipV="1">
+            <a:off x="-1" y="41844211"/>
+            <a:ext cx="30329139" cy="959548"/>
           </a:xfrm>
-          <a:noFill/>
-        </p:spPr>
-        <p:txBody>
-          <a:bodyPr/>
-          <a:lstStyle/>
-          <a:p>
-            <a:endParaRPr lang="de-DE" dirty="0"/>
-          </a:p>
-        </p:txBody>
-      </p:sp>
-      <p:sp>
-        <p:nvSpPr>
-          <p:cNvPr id="4" name="Titel 1">
-            <a:extLst>
-              <a:ext uri="{FF2B5EF4-FFF2-40B4-BE49-F238E27FC236}">
-                <a16:creationId xmlns:a16="http://schemas.microsoft.com/office/drawing/2014/main" id="{FF02B368-0356-642B-61C6-DFAE0F163973}"/>
-              </a:ext>
-            </a:extLst>
-          </p:cNvPr>
-          <p:cNvSpPr>
-            <a:spLocks noGrp="1"/>
-          </p:cNvSpPr>
-          <p:nvPr>
-            <p:ph type="ctrTitle"/>
-          </p:nvPr>
-        </p:nvSpPr>
-        <p:spPr>
-          <a:xfrm>
-            <a:off x="8380412" y="990275"/>
-            <a:ext cx="15924685" cy="2839406"/>
-          </a:xfrm>
-        </p:spPr>
-        <p:txBody>
-          <a:bodyPr>
-            <a:noAutofit/>
-          </a:bodyPr>
-          <a:lstStyle/>
-          <a:p>
-            <a:r>
-              <a:rPr lang="de-DE" sz="9600" dirty="0" err="1"/>
-              <a:t>Mass</a:t>
-            </a:r>
-            <a:r>
-              <a:rPr lang="de-DE" sz="9600" dirty="0"/>
-              <a:t> </a:t>
-            </a:r>
-            <a:r>
-              <a:rPr lang="de-DE" sz="9600" dirty="0" err="1"/>
-              <a:t>spectrometry</a:t>
-            </a:r>
-            <a:r>
-              <a:rPr lang="de-DE" sz="9600" dirty="0"/>
-              <a:t> </a:t>
-            </a:r>
-            <a:r>
-              <a:rPr lang="de-DE" sz="9600" dirty="0" err="1"/>
-              <a:t>of</a:t>
-            </a:r>
-            <a:r>
-              <a:rPr lang="de-DE" sz="9600" dirty="0"/>
-              <a:t> non-</a:t>
-            </a:r>
-            <a:r>
-              <a:rPr lang="de-DE" sz="9600" dirty="0" err="1"/>
-              <a:t>synchronized</a:t>
-            </a:r>
-            <a:r>
-              <a:rPr lang="de-DE" sz="9600" dirty="0"/>
-              <a:t> </a:t>
-            </a:r>
-            <a:r>
-              <a:rPr lang="de-DE" sz="9600" dirty="0" err="1"/>
-              <a:t>HeLa</a:t>
-            </a:r>
-            <a:r>
-              <a:rPr lang="de-DE" sz="9600" dirty="0"/>
-              <a:t> Cells</a:t>
-            </a:r>
-          </a:p>
-        </p:txBody>
-      </p:sp>
-      <p:sp>
-        <p:nvSpPr>
-          <p:cNvPr id="26" name="Titel 1">
-            <a:extLst>
-              <a:ext uri="{FF2B5EF4-FFF2-40B4-BE49-F238E27FC236}">
-                <a16:creationId xmlns:a16="http://schemas.microsoft.com/office/drawing/2014/main" id="{B9B006DD-C4F1-9E96-3EA5-9B7B65EB305B}"/>
-              </a:ext>
-            </a:extLst>
-          </p:cNvPr>
-          <p:cNvSpPr txBox="1">
-            <a:spLocks/>
-          </p:cNvSpPr>
-          <p:nvPr/>
-        </p:nvSpPr>
-        <p:spPr>
-          <a:xfrm>
-            <a:off x="1463278" y="3629123"/>
-            <a:ext cx="27373660" cy="2649634"/>
-          </a:xfrm>
-          <a:prstGeom prst="rect">
-            <a:avLst/>
+          <a:prstGeom prst="round2SameRect">
+            <a:avLst>
+              <a:gd name="adj1" fmla="val 0"/>
+              <a:gd name="adj2" fmla="val 0"/>
+            </a:avLst>
           </a:prstGeom>
-        </p:spPr>
-        <p:txBody>
-          <a:bodyPr vert="horz" lIns="91440" tIns="45720" rIns="91440" bIns="45720" rtlCol="0" anchor="b">
-            <a:noAutofit/>
-          </a:bodyPr>
-          <a:lstStyle>
-            <a:lvl1pPr algn="ctr" defTabSz="3027487" rtl="0" eaLnBrk="1" latinLnBrk="0" hangingPunct="1">
-              <a:lnSpc>
-                <a:spcPct val="90000"/>
-              </a:lnSpc>
-              <a:spcBef>
-                <a:spcPct val="0"/>
-              </a:spcBef>
-              <a:buNone/>
-              <a:defRPr sz="19865" kern="1200">
-                <a:solidFill>
-                  <a:schemeClr val="tx1"/>
-                </a:solidFill>
-                <a:latin typeface="+mj-lt"/>
-                <a:ea typeface="+mj-ea"/>
-                <a:cs typeface="+mj-cs"/>
-              </a:defRPr>
-            </a:lvl1pPr>
-          </a:lstStyle>
-          <a:p>
-            <a:r>
-              <a:rPr lang="de-DE" sz="7200" dirty="0"/>
-              <a:t>Julian </a:t>
-            </a:r>
-            <a:r>
-              <a:rPr lang="de-DE" sz="7200" dirty="0" err="1"/>
-              <a:t>Baureis</a:t>
-            </a:r>
-            <a:r>
-              <a:rPr lang="de-DE" sz="7200" dirty="0"/>
-              <a:t>, Julia Ferdin, Benjamin Nicklas, Luisa </a:t>
-            </a:r>
-            <a:r>
-              <a:rPr lang="de-DE" sz="7200" dirty="0" err="1"/>
-              <a:t>Wintel</a:t>
-            </a:r>
-            <a:endParaRPr lang="de-DE" sz="7200" dirty="0"/>
-          </a:p>
-          <a:p>
-            <a:r>
-              <a:rPr lang="de-DE" sz="6600" dirty="0"/>
-              <a:t>Data Analysis Project </a:t>
-            </a:r>
-            <a:r>
-              <a:rPr lang="de-DE" sz="6600" dirty="0" err="1"/>
-              <a:t>Molecular</a:t>
-            </a:r>
-            <a:r>
-              <a:rPr lang="de-DE" sz="6600" dirty="0"/>
-              <a:t> Biotechnology SS2025</a:t>
-            </a:r>
-          </a:p>
-        </p:txBody>
-      </p:sp>
-      <p:sp>
-        <p:nvSpPr>
-          <p:cNvPr id="30" name="Textfeld 29">
-            <a:extLst>
-              <a:ext uri="{FF2B5EF4-FFF2-40B4-BE49-F238E27FC236}">
-                <a16:creationId xmlns:a16="http://schemas.microsoft.com/office/drawing/2014/main" id="{7BCD6820-8DF0-BA54-819E-000A5F65FC30}"/>
-              </a:ext>
-            </a:extLst>
-          </p:cNvPr>
-          <p:cNvSpPr txBox="1"/>
-          <p:nvPr/>
-        </p:nvSpPr>
-        <p:spPr>
-          <a:xfrm>
-            <a:off x="1438275" y="6781799"/>
-            <a:ext cx="13699331" cy="17081599"/>
-          </a:xfrm>
-          <a:prstGeom prst="rect">
-            <a:avLst/>
-          </a:prstGeom>
-          <a:noFill/>
-        </p:spPr>
-        <p:txBody>
-          <a:bodyPr wrap="square" rtlCol="0">
-            <a:spAutoFit/>
-          </a:bodyPr>
-          <a:lstStyle/>
-          <a:p>
-            <a:r>
-              <a:rPr lang="en-US" sz="4800" b="1" dirty="0"/>
-              <a:t>Introduction</a:t>
-            </a:r>
-            <a:endParaRPr lang="en-US" sz="4800" dirty="0"/>
-          </a:p>
-          <a:p>
-            <a:r>
-              <a:rPr lang="en-US" sz="4800" dirty="0"/>
-              <a:t>X</a:t>
-            </a:r>
-          </a:p>
-          <a:p>
-            <a:r>
-              <a:rPr lang="en-US" sz="4800" dirty="0"/>
-              <a:t>X</a:t>
-            </a:r>
-          </a:p>
-          <a:p>
-            <a:r>
-              <a:rPr lang="en-US" sz="4800" dirty="0"/>
-              <a:t>X</a:t>
-            </a:r>
-          </a:p>
-          <a:p>
-            <a:r>
-              <a:rPr lang="en-US" sz="4800" dirty="0"/>
-              <a:t>X</a:t>
-            </a:r>
-          </a:p>
-          <a:p>
-            <a:r>
-              <a:rPr lang="en-US" sz="4800" dirty="0"/>
-              <a:t>X</a:t>
-            </a:r>
-          </a:p>
-          <a:p>
-            <a:r>
-              <a:rPr lang="en-US" sz="4800" dirty="0"/>
-              <a:t>X</a:t>
-            </a:r>
-          </a:p>
-          <a:p>
-            <a:r>
-              <a:rPr lang="en-US" sz="4800" dirty="0"/>
-              <a:t>X</a:t>
-            </a:r>
-          </a:p>
-          <a:p>
-            <a:r>
-              <a:rPr lang="en-US" sz="4800" dirty="0"/>
-              <a:t>X</a:t>
-            </a:r>
-          </a:p>
-          <a:p>
-            <a:r>
-              <a:rPr lang="en-US" sz="4800" dirty="0"/>
-              <a:t>X</a:t>
-            </a:r>
-          </a:p>
-          <a:p>
-            <a:r>
-              <a:rPr lang="en-US" sz="4800" dirty="0"/>
-              <a:t>X</a:t>
-            </a:r>
-          </a:p>
-          <a:p>
-            <a:r>
-              <a:rPr lang="en-US" sz="4800" dirty="0"/>
-              <a:t>X</a:t>
-            </a:r>
-          </a:p>
-          <a:p>
-            <a:r>
-              <a:rPr lang="en-US" sz="4800" dirty="0"/>
-              <a:t>X</a:t>
-            </a:r>
-          </a:p>
-          <a:p>
-            <a:r>
-              <a:rPr lang="en-US" sz="4800" dirty="0"/>
-              <a:t>X</a:t>
-            </a:r>
-          </a:p>
-          <a:p>
-            <a:r>
-              <a:rPr lang="en-US" sz="4800" dirty="0"/>
-              <a:t>X</a:t>
-            </a:r>
-          </a:p>
-          <a:p>
-            <a:r>
-              <a:rPr lang="en-US" sz="4800" dirty="0"/>
-              <a:t>X</a:t>
-            </a:r>
-          </a:p>
-          <a:p>
-            <a:r>
-              <a:rPr lang="en-US" sz="4800" dirty="0"/>
-              <a:t>X</a:t>
-            </a:r>
-          </a:p>
-          <a:p>
-            <a:r>
-              <a:rPr lang="en-US" sz="4800" dirty="0"/>
-              <a:t>x</a:t>
-            </a:r>
-          </a:p>
-          <a:p>
-            <a:r>
-              <a:rPr lang="en-US" sz="4800" dirty="0"/>
-              <a:t>X</a:t>
-            </a:r>
-          </a:p>
-          <a:p>
-            <a:r>
-              <a:rPr lang="en-US" sz="4800" dirty="0"/>
-              <a:t>X</a:t>
-            </a:r>
-            <a:br>
-              <a:rPr lang="en-US" sz="4800" dirty="0"/>
-            </a:br>
-            <a:r>
-              <a:rPr lang="en-US" sz="4800" dirty="0" err="1"/>
-              <a:t>X</a:t>
-            </a:r>
-            <a:br>
-              <a:rPr lang="en-US" sz="4800" dirty="0"/>
-            </a:br>
-            <a:r>
-              <a:rPr lang="en-US" sz="4800" dirty="0" err="1"/>
-              <a:t>X</a:t>
-            </a:r>
-            <a:br>
-              <a:rPr lang="en-US" sz="4800" dirty="0"/>
-            </a:br>
-            <a:r>
-              <a:rPr lang="en-US" sz="4800" dirty="0" err="1"/>
-              <a:t>X</a:t>
-            </a:r>
-            <a:endParaRPr lang="en-US" sz="4800" dirty="0"/>
-          </a:p>
-        </p:txBody>
-      </p:sp>
-      <p:sp>
-        <p:nvSpPr>
-          <p:cNvPr id="34" name="Textfeld 33">
-            <a:extLst>
-              <a:ext uri="{FF2B5EF4-FFF2-40B4-BE49-F238E27FC236}">
-                <a16:creationId xmlns:a16="http://schemas.microsoft.com/office/drawing/2014/main" id="{A24AF2A3-66FF-069C-B217-01E2E0698E6D}"/>
-              </a:ext>
-            </a:extLst>
-          </p:cNvPr>
-          <p:cNvSpPr txBox="1"/>
-          <p:nvPr/>
-        </p:nvSpPr>
-        <p:spPr>
-          <a:xfrm>
-            <a:off x="15161494" y="6781799"/>
-            <a:ext cx="13699331" cy="17081599"/>
-          </a:xfrm>
-          <a:prstGeom prst="rect">
-            <a:avLst/>
-          </a:prstGeom>
-          <a:noFill/>
-        </p:spPr>
-        <p:txBody>
-          <a:bodyPr wrap="square" rtlCol="0">
-            <a:spAutoFit/>
-          </a:bodyPr>
-          <a:lstStyle/>
-          <a:p>
-            <a:r>
-              <a:rPr lang="en-US" sz="4800" b="1" dirty="0"/>
-              <a:t>Methods</a:t>
-            </a:r>
-            <a:endParaRPr lang="en-US" sz="4800" dirty="0"/>
-          </a:p>
-          <a:p>
-            <a:r>
-              <a:rPr lang="en-US" sz="4800" dirty="0"/>
-              <a:t>X</a:t>
-            </a:r>
-          </a:p>
-          <a:p>
-            <a:r>
-              <a:rPr lang="en-US" sz="4800" dirty="0"/>
-              <a:t>X</a:t>
-            </a:r>
-          </a:p>
-          <a:p>
-            <a:r>
-              <a:rPr lang="en-US" sz="4800" dirty="0"/>
-              <a:t>X</a:t>
-            </a:r>
-          </a:p>
-          <a:p>
-            <a:r>
-              <a:rPr lang="en-US" sz="4800" dirty="0"/>
-              <a:t>X</a:t>
-            </a:r>
-          </a:p>
-          <a:p>
-            <a:r>
-              <a:rPr lang="en-US" sz="4800" dirty="0"/>
-              <a:t>X</a:t>
-            </a:r>
-          </a:p>
-          <a:p>
-            <a:r>
-              <a:rPr lang="en-US" sz="4800" dirty="0"/>
-              <a:t>X</a:t>
-            </a:r>
-          </a:p>
-          <a:p>
-            <a:r>
-              <a:rPr lang="en-US" sz="4800" dirty="0"/>
-              <a:t>X</a:t>
-            </a:r>
-          </a:p>
-          <a:p>
-            <a:r>
-              <a:rPr lang="en-US" sz="4800" dirty="0"/>
-              <a:t>X</a:t>
-            </a:r>
-          </a:p>
-          <a:p>
-            <a:r>
-              <a:rPr lang="en-US" sz="4800" dirty="0"/>
-              <a:t>X</a:t>
-            </a:r>
-          </a:p>
-          <a:p>
-            <a:r>
-              <a:rPr lang="en-US" sz="4800" dirty="0"/>
-              <a:t>X</a:t>
-            </a:r>
-          </a:p>
-          <a:p>
-            <a:r>
-              <a:rPr lang="en-US" sz="4800" dirty="0"/>
-              <a:t>X</a:t>
-            </a:r>
-          </a:p>
-          <a:p>
-            <a:r>
-              <a:rPr lang="en-US" sz="4800" dirty="0"/>
-              <a:t>X</a:t>
-            </a:r>
-          </a:p>
-          <a:p>
-            <a:r>
-              <a:rPr lang="en-US" sz="4800" dirty="0"/>
-              <a:t>X</a:t>
-            </a:r>
-          </a:p>
-          <a:p>
-            <a:r>
-              <a:rPr lang="en-US" sz="4800" dirty="0"/>
-              <a:t>X</a:t>
-            </a:r>
-          </a:p>
-          <a:p>
-            <a:r>
-              <a:rPr lang="en-US" sz="4800" dirty="0"/>
-              <a:t>X</a:t>
-            </a:r>
-          </a:p>
-          <a:p>
-            <a:r>
-              <a:rPr lang="en-US" sz="4800" dirty="0"/>
-              <a:t>X</a:t>
-            </a:r>
-          </a:p>
-          <a:p>
-            <a:r>
-              <a:rPr lang="en-US" sz="4800" dirty="0"/>
-              <a:t>x</a:t>
-            </a:r>
-          </a:p>
-          <a:p>
-            <a:r>
-              <a:rPr lang="en-US" sz="4800" dirty="0"/>
-              <a:t>X</a:t>
-            </a:r>
-          </a:p>
-          <a:p>
-            <a:r>
-              <a:rPr lang="en-US" sz="4800" dirty="0"/>
-              <a:t>X</a:t>
-            </a:r>
-            <a:br>
-              <a:rPr lang="en-US" sz="4800" dirty="0"/>
-            </a:br>
-            <a:r>
-              <a:rPr lang="en-US" sz="4800" dirty="0" err="1"/>
-              <a:t>X</a:t>
-            </a:r>
-            <a:br>
-              <a:rPr lang="en-US" sz="4800" dirty="0"/>
-            </a:br>
-            <a:r>
-              <a:rPr lang="en-US" sz="4800" dirty="0" err="1"/>
-              <a:t>X</a:t>
-            </a:r>
-            <a:br>
-              <a:rPr lang="en-US" sz="4800" dirty="0"/>
-            </a:br>
-            <a:r>
-              <a:rPr lang="en-US" sz="4800" dirty="0" err="1"/>
-              <a:t>X</a:t>
-            </a:r>
-            <a:endParaRPr lang="en-US" sz="4800" dirty="0"/>
-          </a:p>
-        </p:txBody>
-      </p:sp>
-      <p:sp>
-        <p:nvSpPr>
-          <p:cNvPr id="35" name="Textfeld 34">
-            <a:extLst>
-              <a:ext uri="{FF2B5EF4-FFF2-40B4-BE49-F238E27FC236}">
-                <a16:creationId xmlns:a16="http://schemas.microsoft.com/office/drawing/2014/main" id="{2EB73734-1AD5-AC50-39F8-9BB93A1A67D2}"/>
-              </a:ext>
-            </a:extLst>
-          </p:cNvPr>
-          <p:cNvSpPr txBox="1"/>
-          <p:nvPr/>
-        </p:nvSpPr>
-        <p:spPr>
-          <a:xfrm>
-            <a:off x="1530746" y="23863398"/>
-            <a:ext cx="13699331" cy="17081599"/>
-          </a:xfrm>
-          <a:prstGeom prst="rect">
-            <a:avLst/>
-          </a:prstGeom>
-          <a:noFill/>
-        </p:spPr>
-        <p:txBody>
-          <a:bodyPr wrap="square" rtlCol="0">
-            <a:spAutoFit/>
-          </a:bodyPr>
-          <a:lstStyle/>
-          <a:p>
-            <a:r>
-              <a:rPr lang="en-US" sz="4800" b="1" dirty="0"/>
-              <a:t>Results</a:t>
-            </a:r>
-            <a:endParaRPr lang="en-US" sz="4800" dirty="0"/>
-          </a:p>
-          <a:p>
-            <a:r>
-              <a:rPr lang="en-US" sz="4800" dirty="0"/>
-              <a:t>X</a:t>
-            </a:r>
-          </a:p>
-          <a:p>
-            <a:r>
-              <a:rPr lang="en-US" sz="4800" dirty="0"/>
-              <a:t>X</a:t>
-            </a:r>
-          </a:p>
-          <a:p>
-            <a:r>
-              <a:rPr lang="en-US" sz="4800" dirty="0"/>
-              <a:t>X</a:t>
-            </a:r>
-          </a:p>
-          <a:p>
-            <a:r>
-              <a:rPr lang="en-US" sz="4800" dirty="0"/>
-              <a:t>X</a:t>
-            </a:r>
-          </a:p>
-          <a:p>
-            <a:r>
-              <a:rPr lang="en-US" sz="4800" dirty="0"/>
-              <a:t>X</a:t>
-            </a:r>
-          </a:p>
-          <a:p>
-            <a:r>
-              <a:rPr lang="en-US" sz="4800" dirty="0"/>
-              <a:t>X</a:t>
-            </a:r>
-          </a:p>
-          <a:p>
-            <a:r>
-              <a:rPr lang="en-US" sz="4800" dirty="0"/>
-              <a:t>X</a:t>
-            </a:r>
-          </a:p>
-          <a:p>
-            <a:r>
-              <a:rPr lang="en-US" sz="4800" dirty="0"/>
-              <a:t>X</a:t>
-            </a:r>
-          </a:p>
-          <a:p>
-            <a:r>
-              <a:rPr lang="en-US" sz="4800" dirty="0"/>
-              <a:t>X</a:t>
-            </a:r>
-          </a:p>
-          <a:p>
-            <a:r>
-              <a:rPr lang="en-US" sz="4800" dirty="0"/>
-              <a:t>X</a:t>
-            </a:r>
-          </a:p>
-          <a:p>
-            <a:r>
-              <a:rPr lang="en-US" sz="4800" dirty="0"/>
-              <a:t>X</a:t>
-            </a:r>
-          </a:p>
-          <a:p>
-            <a:r>
-              <a:rPr lang="en-US" sz="4800" dirty="0"/>
-              <a:t>X</a:t>
-            </a:r>
-          </a:p>
-          <a:p>
-            <a:r>
-              <a:rPr lang="en-US" sz="4800" dirty="0"/>
-              <a:t>X</a:t>
-            </a:r>
-          </a:p>
-          <a:p>
-            <a:r>
-              <a:rPr lang="en-US" sz="4800" dirty="0"/>
-              <a:t>X</a:t>
-            </a:r>
-          </a:p>
-          <a:p>
-            <a:r>
-              <a:rPr lang="en-US" sz="4800" dirty="0"/>
-              <a:t>X</a:t>
-            </a:r>
-          </a:p>
-          <a:p>
-            <a:r>
-              <a:rPr lang="en-US" sz="4800" dirty="0"/>
-              <a:t>X</a:t>
-            </a:r>
-          </a:p>
-          <a:p>
-            <a:r>
-              <a:rPr lang="en-US" sz="4800" dirty="0"/>
-              <a:t>x</a:t>
-            </a:r>
-          </a:p>
-          <a:p>
-            <a:r>
-              <a:rPr lang="en-US" sz="4800" dirty="0"/>
-              <a:t>X</a:t>
-            </a:r>
-          </a:p>
-          <a:p>
-            <a:r>
-              <a:rPr lang="en-US" sz="4800" dirty="0"/>
-              <a:t>X</a:t>
-            </a:r>
-            <a:br>
-              <a:rPr lang="en-US" sz="4800" dirty="0"/>
-            </a:br>
-            <a:r>
-              <a:rPr lang="en-US" sz="4800" dirty="0" err="1"/>
-              <a:t>X</a:t>
-            </a:r>
-            <a:br>
-              <a:rPr lang="en-US" sz="4800" dirty="0"/>
-            </a:br>
-            <a:r>
-              <a:rPr lang="en-US" sz="4800" dirty="0" err="1"/>
-              <a:t>X</a:t>
-            </a:r>
-            <a:br>
-              <a:rPr lang="en-US" sz="4800" dirty="0"/>
-            </a:br>
-            <a:r>
-              <a:rPr lang="en-US" sz="4800" dirty="0" err="1"/>
-              <a:t>X</a:t>
-            </a:r>
-            <a:endParaRPr lang="en-US" sz="4800" dirty="0"/>
-          </a:p>
-        </p:txBody>
-      </p:sp>
-      <p:sp>
-        <p:nvSpPr>
-          <p:cNvPr id="36" name="Textfeld 35">
-            <a:extLst>
-              <a:ext uri="{FF2B5EF4-FFF2-40B4-BE49-F238E27FC236}">
-                <a16:creationId xmlns:a16="http://schemas.microsoft.com/office/drawing/2014/main" id="{35EA88F9-8E83-65F1-C300-9A2D14CA3B75}"/>
-              </a:ext>
-            </a:extLst>
-          </p:cNvPr>
-          <p:cNvSpPr txBox="1"/>
-          <p:nvPr/>
-        </p:nvSpPr>
-        <p:spPr>
-          <a:xfrm>
-            <a:off x="15149550" y="23787197"/>
-            <a:ext cx="13699331" cy="17081599"/>
-          </a:xfrm>
-          <a:prstGeom prst="rect">
-            <a:avLst/>
-          </a:prstGeom>
-          <a:noFill/>
-        </p:spPr>
-        <p:txBody>
-          <a:bodyPr wrap="square" rtlCol="0">
-            <a:spAutoFit/>
-          </a:bodyPr>
-          <a:lstStyle/>
-          <a:p>
-            <a:r>
-              <a:rPr lang="en-US" sz="4800" b="1" dirty="0"/>
-              <a:t>Discussion</a:t>
-            </a:r>
-            <a:endParaRPr lang="en-US" sz="4800" dirty="0"/>
-          </a:p>
-          <a:p>
-            <a:r>
-              <a:rPr lang="en-US" sz="4800" dirty="0"/>
-              <a:t>X</a:t>
-            </a:r>
-          </a:p>
-          <a:p>
-            <a:r>
-              <a:rPr lang="en-US" sz="4800" dirty="0"/>
-              <a:t>X</a:t>
-            </a:r>
-          </a:p>
-          <a:p>
-            <a:r>
-              <a:rPr lang="en-US" sz="4800" dirty="0"/>
-              <a:t>X</a:t>
-            </a:r>
-          </a:p>
-          <a:p>
-            <a:r>
-              <a:rPr lang="en-US" sz="4800" dirty="0"/>
-              <a:t>X</a:t>
-            </a:r>
-          </a:p>
-          <a:p>
-            <a:r>
-              <a:rPr lang="en-US" sz="4800" dirty="0"/>
-              <a:t>X</a:t>
-            </a:r>
-          </a:p>
-          <a:p>
-            <a:r>
-              <a:rPr lang="en-US" sz="4800" dirty="0"/>
-              <a:t>X</a:t>
-            </a:r>
-          </a:p>
-          <a:p>
-            <a:r>
-              <a:rPr lang="en-US" sz="4800" dirty="0"/>
-              <a:t>X</a:t>
-            </a:r>
-          </a:p>
-          <a:p>
-            <a:r>
-              <a:rPr lang="en-US" sz="4800" dirty="0"/>
-              <a:t>X</a:t>
-            </a:r>
-          </a:p>
-          <a:p>
-            <a:r>
-              <a:rPr lang="en-US" sz="4800" dirty="0"/>
-              <a:t>X</a:t>
-            </a:r>
-          </a:p>
-          <a:p>
-            <a:r>
-              <a:rPr lang="en-US" sz="4800" dirty="0"/>
-              <a:t>X</a:t>
-            </a:r>
-          </a:p>
-          <a:p>
-            <a:r>
-              <a:rPr lang="en-US" sz="4800" dirty="0"/>
-              <a:t>X</a:t>
-            </a:r>
-          </a:p>
-          <a:p>
-            <a:r>
-              <a:rPr lang="en-US" sz="4800" dirty="0"/>
-              <a:t>X</a:t>
-            </a:r>
-          </a:p>
-          <a:p>
-            <a:r>
-              <a:rPr lang="en-US" sz="4800" dirty="0"/>
-              <a:t>X</a:t>
-            </a:r>
-          </a:p>
-          <a:p>
-            <a:r>
-              <a:rPr lang="en-US" sz="4800" dirty="0"/>
-              <a:t>X</a:t>
-            </a:r>
-          </a:p>
-          <a:p>
-            <a:r>
-              <a:rPr lang="en-US" sz="4800" dirty="0"/>
-              <a:t>X</a:t>
-            </a:r>
-          </a:p>
-          <a:p>
-            <a:r>
-              <a:rPr lang="en-US" sz="4800" dirty="0"/>
-              <a:t>X</a:t>
-            </a:r>
-          </a:p>
-          <a:p>
-            <a:r>
-              <a:rPr lang="en-US" sz="4800" dirty="0"/>
-              <a:t>x</a:t>
-            </a:r>
-          </a:p>
-          <a:p>
-            <a:r>
-              <a:rPr lang="en-US" sz="4800" dirty="0"/>
-              <a:t>X</a:t>
-            </a:r>
-          </a:p>
-          <a:p>
-            <a:r>
-              <a:rPr lang="en-US" sz="4800" dirty="0"/>
-              <a:t>X</a:t>
-            </a:r>
-            <a:br>
-              <a:rPr lang="en-US" sz="4800" dirty="0"/>
-            </a:br>
-            <a:r>
-              <a:rPr lang="en-US" sz="4800" dirty="0" err="1"/>
-              <a:t>X</a:t>
-            </a:r>
-            <a:br>
-              <a:rPr lang="en-US" sz="4800" dirty="0"/>
-            </a:br>
-            <a:r>
-              <a:rPr lang="en-US" sz="4800" dirty="0" err="1"/>
-              <a:t>X</a:t>
-            </a:r>
-            <a:br>
-              <a:rPr lang="en-US" sz="4800" dirty="0"/>
-            </a:br>
-            <a:r>
-              <a:rPr lang="en-US" sz="4800" dirty="0" err="1"/>
-              <a:t>X</a:t>
-            </a:r>
-            <a:endParaRPr lang="en-US" sz="4800" dirty="0"/>
-          </a:p>
-        </p:txBody>
-      </p:sp>
-      <p:cxnSp>
-        <p:nvCxnSpPr>
-          <p:cNvPr id="38" name="Gerader Verbinder 37">
-            <a:extLst>
-              <a:ext uri="{FF2B5EF4-FFF2-40B4-BE49-F238E27FC236}">
-                <a16:creationId xmlns:a16="http://schemas.microsoft.com/office/drawing/2014/main" id="{EBDC2101-73FC-8FD8-EC1A-56CCAC591DFF}"/>
-              </a:ext>
-            </a:extLst>
-          </p:cNvPr>
-          <p:cNvCxnSpPr>
-            <a:cxnSpLocks/>
-            <a:stCxn id="2" idx="0"/>
-          </p:cNvCxnSpPr>
-          <p:nvPr/>
-        </p:nvCxnSpPr>
-        <p:spPr>
-          <a:xfrm flipH="1">
-            <a:off x="15113719" y="6781800"/>
-            <a:ext cx="35831" cy="34590038"/>
-          </a:xfrm>
-          <a:prstGeom prst="line">
-            <a:avLst/>
-          </a:prstGeom>
+          <a:solidFill>
+            <a:srgbClr val="120D31"/>
+          </a:solidFill>
+          <a:ln w="254000">
+            <a:noFill/>
+          </a:ln>
         </p:spPr>
         <p:style>
-          <a:lnRef idx="1">
-            <a:schemeClr val="dk1"/>
+          <a:lnRef idx="2">
+            <a:schemeClr val="accent1">
+              <a:shade val="15000"/>
+            </a:schemeClr>
           </a:lnRef>
-          <a:fillRef idx="0">
-            <a:schemeClr val="dk1"/>
+          <a:fillRef idx="1">
+            <a:schemeClr val="accent1"/>
           </a:fillRef>
           <a:effectRef idx="0">
-            <a:schemeClr val="dk1"/>
+            <a:schemeClr val="accent1"/>
           </a:effectRef>
           <a:fontRef idx="minor">
-            <a:schemeClr val="tx1"/>
+            <a:schemeClr val="lt1"/>
           </a:fontRef>
         </p:style>
-      </p:cxnSp>
-      <p:cxnSp>
-        <p:nvCxnSpPr>
-          <p:cNvPr id="43" name="Gerader Verbinder 42">
-            <a:extLst>
-              <a:ext uri="{FF2B5EF4-FFF2-40B4-BE49-F238E27FC236}">
-                <a16:creationId xmlns:a16="http://schemas.microsoft.com/office/drawing/2014/main" id="{74B23CE3-7A9A-4927-0635-3D95E225B2B4}"/>
-              </a:ext>
-            </a:extLst>
-          </p:cNvPr>
-          <p:cNvCxnSpPr/>
-          <p:nvPr/>
-        </p:nvCxnSpPr>
-        <p:spPr>
-          <a:xfrm flipV="1">
-            <a:off x="1438275" y="23787197"/>
-            <a:ext cx="27398663" cy="76201"/>
-          </a:xfrm>
-          <a:prstGeom prst="line">
-            <a:avLst/>
-          </a:prstGeom>
-        </p:spPr>
-        <p:style>
-          <a:lnRef idx="1">
-            <a:schemeClr val="dk1"/>
-          </a:lnRef>
-          <a:fillRef idx="0">
-            <a:schemeClr val="dk1"/>
-          </a:fillRef>
-          <a:effectRef idx="0">
-            <a:schemeClr val="dk1"/>
-          </a:effectRef>
-          <a:fontRef idx="minor">
-            <a:schemeClr val="tx1"/>
-          </a:fontRef>
-        </p:style>
-      </p:cxnSp>
+        <p:txBody>
+          <a:bodyPr rtlCol="0" anchor="ctr"/>
+          <a:lstStyle/>
+          <a:p>
+            <a:pPr algn="ctr"/>
+            <a:endParaRPr lang="de-DE"/>
+          </a:p>
+        </p:txBody>
+      </p:sp>
     </p:spTree>
     <p:extLst>
       <p:ext uri="{BB962C8B-B14F-4D97-AF65-F5344CB8AC3E}">

--- a/Poster.pptx
+++ b/Poster.pptx
@@ -3059,7 +3059,7 @@
         </p:blipFill>
         <p:spPr>
           <a:xfrm>
-            <a:off x="24058167" y="35586126"/>
+            <a:off x="24229617" y="35586126"/>
             <a:ext cx="5494984" cy="3089708"/>
           </a:xfrm>
           <a:prstGeom prst="rect">
@@ -3194,7 +3194,7 @@
         <p:spPr>
           <a:xfrm>
             <a:off x="15765564" y="35908635"/>
-            <a:ext cx="7265887" cy="5473298"/>
+            <a:ext cx="8275536" cy="5473298"/>
           </a:xfrm>
           <a:prstGeom prst="roundRect">
             <a:avLst>
@@ -3958,8 +3958,8 @@
         </p:nvSpPr>
         <p:spPr>
           <a:xfrm>
-            <a:off x="16242587" y="37886105"/>
-            <a:ext cx="5093413" cy="1569660"/>
+            <a:off x="15977907" y="37738473"/>
+            <a:ext cx="7850849" cy="3785652"/>
           </a:xfrm>
           <a:prstGeom prst="rect">
             <a:avLst/>
@@ -3979,24 +3979,303 @@
               <a:buFont typeface="Arial" panose="020B0604020202020204" pitchFamily="34" charset="0"/>
               <a:buChar char="•"/>
             </a:pPr>
-            <a:endParaRPr lang="en-US" sz="2400" dirty="0"/>
-          </a:p>
-          <a:p>
-            <a:pPr marL="457200" indent="-457200">
-              <a:buFont typeface="Arial" panose="020B0604020202020204" pitchFamily="34" charset="0"/>
-              <a:buChar char="•"/>
-            </a:pPr>
-            <a:r>
-              <a:rPr lang="en-US" sz="2400" dirty="0"/>
-              <a:t>https://de.wikipedia.org/wiki/Eigentliche_Schnepfen</a:t>
-            </a:r>
-          </a:p>
-          <a:p>
-            <a:pPr marL="457200" indent="-457200">
-              <a:buFont typeface="Arial" panose="020B0604020202020204" pitchFamily="34" charset="0"/>
-              <a:buChar char="•"/>
-            </a:pPr>
-            <a:endParaRPr lang="en-US" sz="2400" dirty="0"/>
+            <a:r>
+              <a:rPr lang="de-DE" sz="2000" dirty="0"/>
+              <a:t>Sternburg et al., Global </a:t>
+            </a:r>
+            <a:r>
+              <a:rPr lang="de-DE" sz="2000" dirty="0" err="1"/>
+              <a:t>Approaches</a:t>
+            </a:r>
+            <a:r>
+              <a:rPr lang="de-DE" sz="2000" dirty="0"/>
+              <a:t> in </a:t>
+            </a:r>
+            <a:r>
+              <a:rPr lang="de-DE" sz="2000" dirty="0" err="1"/>
+              <a:t>Studying</a:t>
+            </a:r>
+            <a:r>
+              <a:rPr lang="de-DE" sz="2000" dirty="0"/>
+              <a:t> RNA-Binding Protein Interaction Networks, 2020, Trends in </a:t>
+            </a:r>
+            <a:r>
+              <a:rPr lang="de-DE" sz="2000" dirty="0" err="1"/>
+              <a:t>Biochemical</a:t>
+            </a:r>
+            <a:r>
+              <a:rPr lang="de-DE" sz="2000" dirty="0"/>
+              <a:t> Sciences.pdf</a:t>
+            </a:r>
+          </a:p>
+          <a:p>
+            <a:pPr marL="457200" indent="-457200">
+              <a:buFont typeface="Arial" panose="020B0604020202020204" pitchFamily="34" charset="0"/>
+              <a:buChar char="•"/>
+            </a:pPr>
+            <a:r>
+              <a:rPr lang="de-DE" sz="2000" dirty="0"/>
+              <a:t>Caudron-Herger et al., R-</a:t>
+            </a:r>
+            <a:r>
+              <a:rPr lang="de-DE" sz="2000" dirty="0" err="1"/>
+              <a:t>DeeP</a:t>
+            </a:r>
+            <a:r>
+              <a:rPr lang="de-DE" sz="2000" dirty="0"/>
+              <a:t> </a:t>
+            </a:r>
+            <a:r>
+              <a:rPr lang="de-DE" sz="2000" dirty="0" err="1"/>
+              <a:t>Proteome-wide</a:t>
+            </a:r>
+            <a:r>
+              <a:rPr lang="de-DE" sz="2000" dirty="0"/>
+              <a:t> and Quantitative </a:t>
+            </a:r>
+            <a:r>
+              <a:rPr lang="de-DE" sz="2000" dirty="0" err="1"/>
+              <a:t>Identification</a:t>
+            </a:r>
+            <a:r>
+              <a:rPr lang="de-DE" sz="2000" dirty="0"/>
+              <a:t> </a:t>
+            </a:r>
+            <a:r>
+              <a:rPr lang="de-DE" sz="2000" dirty="0" err="1"/>
+              <a:t>of</a:t>
+            </a:r>
+            <a:r>
+              <a:rPr lang="de-DE" sz="2000" dirty="0"/>
+              <a:t> RNA-</a:t>
+            </a:r>
+            <a:r>
+              <a:rPr lang="de-DE" sz="2000" dirty="0" err="1"/>
+              <a:t>Dependent</a:t>
+            </a:r>
+            <a:r>
+              <a:rPr lang="de-DE" sz="2000" dirty="0"/>
+              <a:t> Proteins </a:t>
+            </a:r>
+            <a:r>
+              <a:rPr lang="de-DE" sz="2000" dirty="0" err="1"/>
+              <a:t>by</a:t>
+            </a:r>
+            <a:r>
+              <a:rPr lang="de-DE" sz="2000" dirty="0"/>
+              <a:t> Density Gradient </a:t>
+            </a:r>
+            <a:r>
+              <a:rPr lang="de-DE" sz="2000" dirty="0" err="1"/>
+              <a:t>Ultracentrifugation</a:t>
+            </a:r>
+            <a:r>
+              <a:rPr lang="de-DE" sz="2000" dirty="0"/>
+              <a:t>, 2019, </a:t>
+            </a:r>
+            <a:r>
+              <a:rPr lang="de-DE" sz="2000" dirty="0" err="1"/>
+              <a:t>Molecular</a:t>
+            </a:r>
+            <a:r>
+              <a:rPr lang="de-DE" sz="2000" dirty="0"/>
+              <a:t> Cell.pdf</a:t>
+            </a:r>
+          </a:p>
+          <a:p>
+            <a:pPr marL="457200" indent="-457200">
+              <a:buFont typeface="Arial" panose="020B0604020202020204" pitchFamily="34" charset="0"/>
+              <a:buChar char="•"/>
+            </a:pPr>
+            <a:r>
+              <a:rPr lang="de-DE" sz="2000" dirty="0"/>
+              <a:t>Caudron-Herger et al., </a:t>
+            </a:r>
+            <a:r>
+              <a:rPr lang="de-DE" sz="2000" dirty="0" err="1"/>
+              <a:t>Identification</a:t>
+            </a:r>
+            <a:r>
+              <a:rPr lang="de-DE" sz="2000" dirty="0"/>
+              <a:t>, </a:t>
+            </a:r>
+            <a:r>
+              <a:rPr lang="de-DE" sz="2000" dirty="0" err="1"/>
+              <a:t>quantification</a:t>
+            </a:r>
+            <a:r>
+              <a:rPr lang="de-DE" sz="2000" dirty="0"/>
+              <a:t> and </a:t>
+            </a:r>
+            <a:r>
+              <a:rPr lang="de-DE" sz="2000" dirty="0" err="1"/>
+              <a:t>bioinformatic</a:t>
+            </a:r>
+            <a:r>
+              <a:rPr lang="de-DE" sz="2000" dirty="0"/>
+              <a:t> </a:t>
+            </a:r>
+            <a:r>
+              <a:rPr lang="de-DE" sz="2000" dirty="0" err="1"/>
+              <a:t>analysis</a:t>
+            </a:r>
+            <a:r>
+              <a:rPr lang="de-DE" sz="2000" dirty="0"/>
+              <a:t> </a:t>
+            </a:r>
+            <a:r>
+              <a:rPr lang="de-DE" sz="2000" dirty="0" err="1"/>
+              <a:t>of</a:t>
+            </a:r>
+            <a:r>
+              <a:rPr lang="de-DE" sz="2000" dirty="0"/>
+              <a:t> RNA-</a:t>
+            </a:r>
+            <a:r>
+              <a:rPr lang="de-DE" sz="2000" dirty="0" err="1"/>
+              <a:t>dependent</a:t>
+            </a:r>
+            <a:r>
+              <a:rPr lang="de-DE" sz="2000" dirty="0"/>
+              <a:t> </a:t>
+            </a:r>
+            <a:r>
+              <a:rPr lang="de-DE" sz="2000" dirty="0" err="1"/>
+              <a:t>proteins</a:t>
+            </a:r>
+            <a:r>
+              <a:rPr lang="de-DE" sz="2000" dirty="0"/>
+              <a:t> </a:t>
+            </a:r>
+            <a:r>
+              <a:rPr lang="de-DE" sz="2000" dirty="0" err="1"/>
+              <a:t>by</a:t>
+            </a:r>
+            <a:r>
+              <a:rPr lang="de-DE" sz="2000" dirty="0"/>
+              <a:t> </a:t>
+            </a:r>
+            <a:r>
+              <a:rPr lang="de-DE" sz="2000" dirty="0" err="1"/>
+              <a:t>RNase</a:t>
+            </a:r>
+            <a:r>
+              <a:rPr lang="de-DE" sz="2000" dirty="0"/>
+              <a:t> </a:t>
+            </a:r>
+            <a:r>
+              <a:rPr lang="de-DE" sz="2000" dirty="0" err="1"/>
+              <a:t>treatment</a:t>
+            </a:r>
+            <a:r>
+              <a:rPr lang="de-DE" sz="2000" dirty="0"/>
+              <a:t> and </a:t>
+            </a:r>
+            <a:r>
+              <a:rPr lang="de-DE" sz="2000" dirty="0" err="1"/>
+              <a:t>density</a:t>
+            </a:r>
+            <a:r>
+              <a:rPr lang="de-DE" sz="2000" dirty="0"/>
+              <a:t> </a:t>
+            </a:r>
+            <a:r>
+              <a:rPr lang="de-DE" sz="2000" dirty="0" err="1"/>
+              <a:t>gradient</a:t>
+            </a:r>
+            <a:r>
+              <a:rPr lang="de-DE" sz="2000" dirty="0"/>
+              <a:t> </a:t>
+            </a:r>
+            <a:r>
+              <a:rPr lang="de-DE" sz="2000" dirty="0" err="1"/>
+              <a:t>ultracentrifugation</a:t>
+            </a:r>
+            <a:r>
+              <a:rPr lang="de-DE" sz="2000" dirty="0"/>
+              <a:t> </a:t>
+            </a:r>
+            <a:r>
+              <a:rPr lang="de-DE" sz="2000" dirty="0" err="1"/>
+              <a:t>using</a:t>
+            </a:r>
+            <a:r>
+              <a:rPr lang="de-DE" sz="2000" dirty="0"/>
+              <a:t> R-DeeP-2020-Nature Protocols_1.pdf</a:t>
+            </a:r>
+          </a:p>
+          <a:p>
+            <a:pPr marL="457200" indent="-457200">
+              <a:buFont typeface="Arial" panose="020B0604020202020204" pitchFamily="34" charset="0"/>
+              <a:buChar char="•"/>
+            </a:pPr>
+            <a:r>
+              <a:rPr lang="de-DE" sz="2000" dirty="0"/>
+              <a:t>Corley </a:t>
+            </a:r>
+            <a:r>
+              <a:rPr lang="de-DE" sz="2000" i="1" dirty="0"/>
+              <a:t>et al.</a:t>
+            </a:r>
+            <a:r>
+              <a:rPr lang="de-DE" sz="2000" dirty="0"/>
+              <a:t>, </a:t>
+            </a:r>
+            <a:r>
+              <a:rPr lang="de-DE" sz="2000" dirty="0" err="1"/>
+              <a:t>How</a:t>
+            </a:r>
+            <a:r>
+              <a:rPr lang="de-DE" sz="2000" dirty="0"/>
+              <a:t> RNA-Binding Proteins </a:t>
+            </a:r>
+            <a:r>
+              <a:rPr lang="de-DE" sz="2000" dirty="0" err="1"/>
+              <a:t>Interact</a:t>
+            </a:r>
+            <a:r>
+              <a:rPr lang="de-DE" sz="2000" dirty="0"/>
+              <a:t> </a:t>
+            </a:r>
+            <a:r>
+              <a:rPr lang="de-DE" sz="2000" dirty="0" err="1"/>
+              <a:t>with</a:t>
+            </a:r>
+            <a:r>
+              <a:rPr lang="de-DE" sz="2000" dirty="0"/>
+              <a:t> RNA </a:t>
+            </a:r>
+            <a:r>
+              <a:rPr lang="de-DE" sz="2000" dirty="0" err="1"/>
+              <a:t>Molecules</a:t>
+            </a:r>
+            <a:r>
+              <a:rPr lang="de-DE" sz="2000" dirty="0"/>
+              <a:t> and </a:t>
+            </a:r>
+            <a:r>
+              <a:rPr lang="de-DE" sz="2000" dirty="0" err="1"/>
+              <a:t>Mechanisms</a:t>
+            </a:r>
+            <a:r>
+              <a:rPr lang="de-DE" sz="2000" dirty="0"/>
+              <a:t>, 2020, </a:t>
+            </a:r>
+            <a:r>
+              <a:rPr lang="de-DE" sz="2000" dirty="0" err="1"/>
+              <a:t>Molecular</a:t>
+            </a:r>
+            <a:r>
+              <a:rPr lang="de-DE" sz="2000" dirty="0"/>
+              <a:t> Cell.pdf</a:t>
+            </a:r>
+          </a:p>
+          <a:p>
+            <a:pPr marL="457200" indent="-457200">
+              <a:buFont typeface="Arial" panose="020B0604020202020204" pitchFamily="34" charset="0"/>
+              <a:buChar char="•"/>
+            </a:pPr>
+            <a:endParaRPr lang="en-US" sz="2000" dirty="0"/>
           </a:p>
         </p:txBody>
       </p:sp>
@@ -4390,8 +4669,8 @@
         </p:nvSpPr>
         <p:spPr>
           <a:xfrm>
-            <a:off x="15841731" y="35857778"/>
-            <a:ext cx="7189720" cy="1430255"/>
+            <a:off x="15841730" y="35857778"/>
+            <a:ext cx="8199369" cy="1430255"/>
           </a:xfrm>
           <a:prstGeom prst="roundRect">
             <a:avLst>
@@ -4564,14 +4843,6 @@
           </a:lstStyle>
           <a:p>
             <a:r>
-              <a:rPr lang="de-DE" sz="2800" dirty="0">
-                <a:solidFill>
-                  <a:schemeClr val="bg1"/>
-                </a:solidFill>
-              </a:rPr>
-              <a:t>Julian </a:t>
-            </a:r>
-            <a:r>
               <a:rPr lang="de-DE" sz="2800" dirty="0" err="1">
                 <a:solidFill>
                   <a:schemeClr val="bg1"/>
@@ -4585,7 +4856,23 @@
                   <a:schemeClr val="bg1"/>
                 </a:solidFill>
               </a:rPr>
-              <a:t>, Julia Ferdin, Benjamin Nicklas, Luisa </a:t>
+              <a:t>, J., </a:t>
+            </a:r>
+            <a:r>
+              <a:rPr lang="de-DE" sz="2800" dirty="0" err="1">
+                <a:solidFill>
+                  <a:schemeClr val="bg1"/>
+                </a:solidFill>
+              </a:rPr>
+              <a:t>Ferdin</a:t>
+            </a:r>
+            <a:r>
+              <a:rPr lang="de-DE" sz="2800" dirty="0">
+                <a:solidFill>
+                  <a:schemeClr val="bg1"/>
+                </a:solidFill>
+              </a:rPr>
+              <a:t>, J., Nicklas, B., </a:t>
             </a:r>
             <a:r>
               <a:rPr lang="de-DE" sz="2800" dirty="0" err="1">
@@ -4595,11 +4882,14 @@
               </a:rPr>
               <a:t>Wintel</a:t>
             </a:r>
-            <a:endParaRPr lang="de-DE" sz="2800" dirty="0">
-              <a:solidFill>
-                <a:schemeClr val="bg1"/>
-              </a:solidFill>
-            </a:endParaRPr>
+            <a:r>
+              <a:rPr lang="de-DE" sz="2800" dirty="0">
+                <a:solidFill>
+                  <a:schemeClr val="bg1"/>
+                </a:solidFill>
+              </a:rPr>
+              <a:t>, L.</a:t>
+            </a:r>
           </a:p>
           <a:p>
             <a:r>
@@ -4956,7 +5246,7 @@
         </p:blipFill>
         <p:spPr>
           <a:xfrm>
-            <a:off x="24109496" y="39095301"/>
+            <a:off x="24585746" y="39152451"/>
             <a:ext cx="3922235" cy="2206256"/>
           </a:xfrm>
           <a:prstGeom prst="rect">

--- a/Poster.pptx
+++ b/Poster.pptx
@@ -6,6 +6,8 @@
   </p:sldMasterIdLst>
   <p:sldIdLst>
     <p:sldId id="256" r:id="rId2"/>
+    <p:sldId id="280" r:id="rId3"/>
+    <p:sldId id="281" r:id="rId4"/>
   </p:sldIdLst>
   <p:sldSz cx="30275213" cy="42803763"/>
   <p:notesSz cx="6858000" cy="9144000"/>
@@ -5322,6 +5324,4292 @@
 </p:sld>
 </file>
 
+<file path=ppt/slides/slide2.xml><?xml version="1.0" encoding="utf-8"?>
+<p:sld xmlns:a="http://schemas.openxmlformats.org/drawingml/2006/main" xmlns:r="http://schemas.openxmlformats.org/officeDocument/2006/relationships" xmlns:p="http://schemas.openxmlformats.org/presentationml/2006/main">
+  <p:cSld>
+    <p:spTree>
+      <p:nvGrpSpPr>
+        <p:cNvPr id="1" name="">
+          <a:extLst>
+            <a:ext uri="{FF2B5EF4-FFF2-40B4-BE49-F238E27FC236}">
+              <a16:creationId xmlns:a16="http://schemas.microsoft.com/office/drawing/2014/main" id="{69D628B7-8AC2-ED9C-6275-2930D55BC01A}"/>
+            </a:ext>
+          </a:extLst>
+        </p:cNvPr>
+        <p:cNvGrpSpPr/>
+        <p:nvPr/>
+      </p:nvGrpSpPr>
+      <p:grpSpPr>
+        <a:xfrm>
+          <a:off x="0" y="0"/>
+          <a:ext cx="0" cy="0"/>
+          <a:chOff x="0" y="0"/>
+          <a:chExt cx="0" cy="0"/>
+        </a:xfrm>
+      </p:grpSpPr>
+      <p:sp>
+        <p:nvSpPr>
+          <p:cNvPr id="6" name="Rectangle: Top Corners Rounded 5">
+            <a:extLst>
+              <a:ext uri="{FF2B5EF4-FFF2-40B4-BE49-F238E27FC236}">
+                <a16:creationId xmlns:a16="http://schemas.microsoft.com/office/drawing/2014/main" id="{5CE0D1AF-7A7B-432E-14EE-D9EFA2EC8C02}"/>
+              </a:ext>
+            </a:extLst>
+          </p:cNvPr>
+          <p:cNvSpPr/>
+          <p:nvPr/>
+        </p:nvSpPr>
+        <p:spPr>
+          <a:xfrm flipV="1">
+            <a:off x="0" y="-21883"/>
+            <a:ext cx="30275214" cy="5684230"/>
+          </a:xfrm>
+          <a:prstGeom prst="round2SameRect">
+            <a:avLst>
+              <a:gd name="adj1" fmla="val 0"/>
+              <a:gd name="adj2" fmla="val 0"/>
+            </a:avLst>
+          </a:prstGeom>
+          <a:solidFill>
+            <a:srgbClr val="2F4F4F"/>
+          </a:solidFill>
+          <a:ln w="254000">
+            <a:noFill/>
+          </a:ln>
+        </p:spPr>
+        <p:style>
+          <a:lnRef idx="2">
+            <a:schemeClr val="accent1">
+              <a:shade val="15000"/>
+            </a:schemeClr>
+          </a:lnRef>
+          <a:fillRef idx="1">
+            <a:schemeClr val="accent1"/>
+          </a:fillRef>
+          <a:effectRef idx="0">
+            <a:schemeClr val="accent1"/>
+          </a:effectRef>
+          <a:fontRef idx="minor">
+            <a:schemeClr val="lt1"/>
+          </a:fontRef>
+        </p:style>
+        <p:txBody>
+          <a:bodyPr rtlCol="0" anchor="ctr"/>
+          <a:lstStyle/>
+          <a:p>
+            <a:pPr algn="ctr"/>
+            <a:r>
+              <a:rPr lang="de-DE" dirty="0"/>
+              <a:t>k</a:t>
+            </a:r>
+          </a:p>
+        </p:txBody>
+      </p:sp>
+      <p:pic>
+        <p:nvPicPr>
+          <p:cNvPr id="7" name="Picture 6">
+            <a:extLst>
+              <a:ext uri="{FF2B5EF4-FFF2-40B4-BE49-F238E27FC236}">
+                <a16:creationId xmlns:a16="http://schemas.microsoft.com/office/drawing/2014/main" id="{41BD5D1A-9AD4-EFE8-4603-6A7B866640AD}"/>
+              </a:ext>
+            </a:extLst>
+          </p:cNvPr>
+          <p:cNvPicPr>
+            <a:picLocks noChangeAspect="1"/>
+          </p:cNvPicPr>
+          <p:nvPr/>
+        </p:nvPicPr>
+        <p:blipFill>
+          <a:blip r:embed="rId2"/>
+          <a:stretch>
+            <a:fillRect/>
+          </a:stretch>
+        </p:blipFill>
+        <p:spPr>
+          <a:xfrm>
+            <a:off x="24001017" y="38215026"/>
+            <a:ext cx="5494984" cy="3089708"/>
+          </a:xfrm>
+          <a:prstGeom prst="rect">
+            <a:avLst/>
+          </a:prstGeom>
+        </p:spPr>
+      </p:pic>
+      <p:sp>
+        <p:nvSpPr>
+          <p:cNvPr id="8" name="Rectangle: Rounded Corners 7">
+            <a:extLst>
+              <a:ext uri="{FF2B5EF4-FFF2-40B4-BE49-F238E27FC236}">
+                <a16:creationId xmlns:a16="http://schemas.microsoft.com/office/drawing/2014/main" id="{4D523653-7D50-14F7-9398-09E999460A77}"/>
+              </a:ext>
+            </a:extLst>
+          </p:cNvPr>
+          <p:cNvSpPr/>
+          <p:nvPr/>
+        </p:nvSpPr>
+        <p:spPr>
+          <a:xfrm>
+            <a:off x="619433" y="27643718"/>
+            <a:ext cx="14518173" cy="13738215"/>
+          </a:xfrm>
+          <a:prstGeom prst="roundRect">
+            <a:avLst>
+              <a:gd name="adj" fmla="val 3189"/>
+            </a:avLst>
+          </a:prstGeom>
+          <a:solidFill>
+            <a:schemeClr val="bg1"/>
+          </a:solidFill>
+          <a:ln w="254000">
+            <a:solidFill>
+              <a:srgbClr val="2F4F4F"/>
+            </a:solidFill>
+          </a:ln>
+        </p:spPr>
+        <p:style>
+          <a:lnRef idx="2">
+            <a:schemeClr val="accent1">
+              <a:shade val="15000"/>
+            </a:schemeClr>
+          </a:lnRef>
+          <a:fillRef idx="1">
+            <a:schemeClr val="accent1"/>
+          </a:fillRef>
+          <a:effectRef idx="0">
+            <a:schemeClr val="accent1"/>
+          </a:effectRef>
+          <a:fontRef idx="minor">
+            <a:schemeClr val="lt1"/>
+          </a:fontRef>
+        </p:style>
+        <p:txBody>
+          <a:bodyPr rtlCol="0" anchor="ctr"/>
+          <a:lstStyle/>
+          <a:p>
+            <a:pPr algn="ctr"/>
+            <a:endParaRPr lang="de-DE"/>
+          </a:p>
+        </p:txBody>
+      </p:sp>
+      <p:sp>
+        <p:nvSpPr>
+          <p:cNvPr id="10" name="Rectangle: Rounded Corners 9">
+            <a:extLst>
+              <a:ext uri="{FF2B5EF4-FFF2-40B4-BE49-F238E27FC236}">
+                <a16:creationId xmlns:a16="http://schemas.microsoft.com/office/drawing/2014/main" id="{41591B19-4AB3-49C8-5B63-445C9FCB5AA9}"/>
+              </a:ext>
+            </a:extLst>
+          </p:cNvPr>
+          <p:cNvSpPr/>
+          <p:nvPr/>
+        </p:nvSpPr>
+        <p:spPr>
+          <a:xfrm>
+            <a:off x="15747588" y="27732209"/>
+            <a:ext cx="13858989" cy="7375456"/>
+          </a:xfrm>
+          <a:prstGeom prst="roundRect">
+            <a:avLst>
+              <a:gd name="adj" fmla="val 2683"/>
+            </a:avLst>
+          </a:prstGeom>
+          <a:solidFill>
+            <a:schemeClr val="bg1"/>
+          </a:solidFill>
+          <a:ln w="254000">
+            <a:solidFill>
+              <a:srgbClr val="8B1A1A"/>
+            </a:solidFill>
+          </a:ln>
+        </p:spPr>
+        <p:style>
+          <a:lnRef idx="2">
+            <a:schemeClr val="accent1">
+              <a:shade val="15000"/>
+            </a:schemeClr>
+          </a:lnRef>
+          <a:fillRef idx="1">
+            <a:schemeClr val="accent1"/>
+          </a:fillRef>
+          <a:effectRef idx="0">
+            <a:schemeClr val="accent1"/>
+          </a:effectRef>
+          <a:fontRef idx="minor">
+            <a:schemeClr val="lt1"/>
+          </a:fontRef>
+        </p:style>
+        <p:txBody>
+          <a:bodyPr rtlCol="0" anchor="ctr"/>
+          <a:lstStyle/>
+          <a:p>
+            <a:pPr algn="ctr"/>
+            <a:endParaRPr lang="de-DE"/>
+          </a:p>
+        </p:txBody>
+      </p:sp>
+      <p:sp>
+        <p:nvSpPr>
+          <p:cNvPr id="12" name="Rectangle: Rounded Corners 11">
+            <a:extLst>
+              <a:ext uri="{FF2B5EF4-FFF2-40B4-BE49-F238E27FC236}">
+                <a16:creationId xmlns:a16="http://schemas.microsoft.com/office/drawing/2014/main" id="{EC5768DC-7A7F-CA9D-6065-3B0257C0B845}"/>
+              </a:ext>
+            </a:extLst>
+          </p:cNvPr>
+          <p:cNvSpPr/>
+          <p:nvPr/>
+        </p:nvSpPr>
+        <p:spPr>
+          <a:xfrm>
+            <a:off x="15765564" y="35908635"/>
+            <a:ext cx="7265887" cy="5473298"/>
+          </a:xfrm>
+          <a:prstGeom prst="roundRect">
+            <a:avLst>
+              <a:gd name="adj" fmla="val 2154"/>
+            </a:avLst>
+          </a:prstGeom>
+          <a:solidFill>
+            <a:schemeClr val="bg1"/>
+          </a:solidFill>
+          <a:ln w="254000">
+            <a:solidFill>
+              <a:srgbClr val="2F4F4F"/>
+            </a:solidFill>
+          </a:ln>
+        </p:spPr>
+        <p:style>
+          <a:lnRef idx="2">
+            <a:schemeClr val="accent1">
+              <a:shade val="15000"/>
+            </a:schemeClr>
+          </a:lnRef>
+          <a:fillRef idx="1">
+            <a:schemeClr val="accent1"/>
+          </a:fillRef>
+          <a:effectRef idx="0">
+            <a:schemeClr val="accent1"/>
+          </a:effectRef>
+          <a:fontRef idx="minor">
+            <a:schemeClr val="lt1"/>
+          </a:fontRef>
+        </p:style>
+        <p:txBody>
+          <a:bodyPr rtlCol="0" anchor="ctr"/>
+          <a:lstStyle/>
+          <a:p>
+            <a:pPr algn="ctr"/>
+            <a:endParaRPr lang="de-DE" dirty="0"/>
+          </a:p>
+        </p:txBody>
+      </p:sp>
+      <p:sp>
+        <p:nvSpPr>
+          <p:cNvPr id="13" name="Rectangle: Rounded Corners 12">
+            <a:extLst>
+              <a:ext uri="{FF2B5EF4-FFF2-40B4-BE49-F238E27FC236}">
+                <a16:creationId xmlns:a16="http://schemas.microsoft.com/office/drawing/2014/main" id="{31DF673D-5C04-D269-D143-ED973B51EDB4}"/>
+              </a:ext>
+            </a:extLst>
+          </p:cNvPr>
+          <p:cNvSpPr/>
+          <p:nvPr/>
+        </p:nvSpPr>
+        <p:spPr>
+          <a:xfrm>
+            <a:off x="619433" y="13902154"/>
+            <a:ext cx="29054323" cy="13032673"/>
+          </a:xfrm>
+          <a:prstGeom prst="roundRect">
+            <a:avLst>
+              <a:gd name="adj" fmla="val 1883"/>
+            </a:avLst>
+          </a:prstGeom>
+          <a:solidFill>
+            <a:schemeClr val="bg1"/>
+          </a:solidFill>
+          <a:ln w="254000">
+            <a:solidFill>
+              <a:srgbClr val="668B8B"/>
+            </a:solidFill>
+          </a:ln>
+        </p:spPr>
+        <p:style>
+          <a:lnRef idx="2">
+            <a:schemeClr val="accent1">
+              <a:shade val="15000"/>
+            </a:schemeClr>
+          </a:lnRef>
+          <a:fillRef idx="1">
+            <a:schemeClr val="accent1"/>
+          </a:fillRef>
+          <a:effectRef idx="0">
+            <a:schemeClr val="accent1"/>
+          </a:effectRef>
+          <a:fontRef idx="minor">
+            <a:schemeClr val="lt1"/>
+          </a:fontRef>
+        </p:style>
+        <p:txBody>
+          <a:bodyPr rtlCol="0" anchor="ctr"/>
+          <a:lstStyle/>
+          <a:p>
+            <a:pPr algn="ctr"/>
+            <a:r>
+              <a:rPr lang="de-DE" dirty="0"/>
+              <a:t>v</a:t>
+            </a:r>
+          </a:p>
+        </p:txBody>
+      </p:sp>
+      <p:sp>
+        <p:nvSpPr>
+          <p:cNvPr id="14" name="Rectangle: Rounded Corners 13">
+            <a:extLst>
+              <a:ext uri="{FF2B5EF4-FFF2-40B4-BE49-F238E27FC236}">
+                <a16:creationId xmlns:a16="http://schemas.microsoft.com/office/drawing/2014/main" id="{ADF2A8C2-8D24-3049-1538-95970C62D615}"/>
+              </a:ext>
+            </a:extLst>
+          </p:cNvPr>
+          <p:cNvSpPr/>
+          <p:nvPr/>
+        </p:nvSpPr>
+        <p:spPr>
+          <a:xfrm>
+            <a:off x="619433" y="6354752"/>
+            <a:ext cx="29054323" cy="6831954"/>
+          </a:xfrm>
+          <a:prstGeom prst="roundRect">
+            <a:avLst>
+              <a:gd name="adj" fmla="val 4408"/>
+            </a:avLst>
+          </a:prstGeom>
+          <a:solidFill>
+            <a:schemeClr val="bg1"/>
+          </a:solidFill>
+          <a:ln w="254000">
+            <a:solidFill>
+              <a:srgbClr val="8B1A1A"/>
+            </a:solidFill>
+          </a:ln>
+        </p:spPr>
+        <p:style>
+          <a:lnRef idx="2">
+            <a:schemeClr val="accent1">
+              <a:shade val="15000"/>
+            </a:schemeClr>
+          </a:lnRef>
+          <a:fillRef idx="1">
+            <a:schemeClr val="accent1"/>
+          </a:fillRef>
+          <a:effectRef idx="0">
+            <a:schemeClr val="accent1"/>
+          </a:effectRef>
+          <a:fontRef idx="minor">
+            <a:schemeClr val="lt1"/>
+          </a:fontRef>
+        </p:style>
+        <p:txBody>
+          <a:bodyPr numCol="1" rtlCol="0" anchor="ctr"/>
+          <a:lstStyle/>
+          <a:p>
+            <a:pPr algn="ctr"/>
+            <a:endParaRPr lang="de-DE" dirty="0"/>
+          </a:p>
+        </p:txBody>
+      </p:sp>
+      <p:sp>
+        <p:nvSpPr>
+          <p:cNvPr id="15" name="TextBox 14">
+            <a:extLst>
+              <a:ext uri="{FF2B5EF4-FFF2-40B4-BE49-F238E27FC236}">
+                <a16:creationId xmlns:a16="http://schemas.microsoft.com/office/drawing/2014/main" id="{F4228666-4A3A-85CA-699A-43D24CD580F6}"/>
+              </a:ext>
+            </a:extLst>
+          </p:cNvPr>
+          <p:cNvSpPr txBox="1"/>
+          <p:nvPr/>
+        </p:nvSpPr>
+        <p:spPr>
+          <a:xfrm>
+            <a:off x="1253554" y="8328936"/>
+            <a:ext cx="13893040" cy="4524315"/>
+          </a:xfrm>
+          <a:prstGeom prst="rect">
+            <a:avLst/>
+          </a:prstGeom>
+          <a:noFill/>
+          <a:ln>
+            <a:noFill/>
+          </a:ln>
+        </p:spPr>
+        <p:txBody>
+          <a:bodyPr wrap="square">
+            <a:spAutoFit/>
+          </a:bodyPr>
+          <a:lstStyle/>
+          <a:p>
+            <a:r>
+              <a:rPr lang="en-US" sz="2400" b="1" dirty="0"/>
+              <a:t>  </a:t>
+            </a:r>
+            <a:endParaRPr lang="en-US" sz="2400" dirty="0"/>
+          </a:p>
+          <a:p>
+            <a:pPr marL="457200" indent="-457200">
+              <a:buFont typeface="Arial" panose="020B0604020202020204" pitchFamily="34" charset="0"/>
+              <a:buChar char="•"/>
+            </a:pPr>
+            <a:r>
+              <a:rPr lang="de-DE" sz="2400" dirty="0"/>
+              <a:t>„We want to </a:t>
+            </a:r>
+            <a:r>
+              <a:rPr lang="en-US" sz="2400" dirty="0"/>
+              <a:t>extract RNA-dependent proteins from proteomic screens”</a:t>
+            </a:r>
+            <a:endParaRPr lang="de-DE" sz="2400" dirty="0"/>
+          </a:p>
+          <a:p>
+            <a:pPr marL="457200" indent="-457200">
+              <a:buFont typeface="Arial" panose="020B0604020202020204" pitchFamily="34" charset="0"/>
+              <a:buChar char="•"/>
+            </a:pPr>
+            <a:r>
+              <a:rPr lang="de-DE" sz="2400" dirty="0"/>
+              <a:t>„RNA-dependency = the proteins interactome depends on RNA“</a:t>
+            </a:r>
+          </a:p>
+          <a:p>
+            <a:endParaRPr lang="en-US" sz="2400" b="1" dirty="0"/>
+          </a:p>
+          <a:p>
+            <a:r>
+              <a:rPr lang="en-US" sz="2400" b="1" dirty="0"/>
+              <a:t>What Makes RNA-Dependent Proteins Worth Investigating?</a:t>
+            </a:r>
+          </a:p>
+          <a:p>
+            <a:pPr marL="457200" indent="-457200">
+              <a:buFont typeface="Arial" panose="020B0604020202020204" pitchFamily="34" charset="0"/>
+              <a:buChar char="•"/>
+            </a:pPr>
+            <a:r>
+              <a:rPr lang="de-DE" sz="2400" b="1" dirty="0"/>
+              <a:t>Key Regulators:</a:t>
+            </a:r>
+            <a:r>
+              <a:rPr lang="de-DE" sz="2400" dirty="0"/>
+              <a:t> RBPs control RNA metabolism &amp; gene expression.</a:t>
+            </a:r>
+          </a:p>
+          <a:p>
+            <a:pPr marL="457200" indent="-457200">
+              <a:buFont typeface="Arial" panose="020B0604020202020204" pitchFamily="34" charset="0"/>
+              <a:buChar char="•"/>
+            </a:pPr>
+            <a:r>
+              <a:rPr lang="de-DE" sz="2400" b="1" dirty="0"/>
+              <a:t>Disease Links:</a:t>
+            </a:r>
+            <a:r>
+              <a:rPr lang="de-DE" sz="2400" dirty="0"/>
+              <a:t> Misregulation is tied to cancer &amp; neurodegeneration.</a:t>
+            </a:r>
+          </a:p>
+          <a:p>
+            <a:pPr marL="457200" indent="-457200">
+              <a:buFont typeface="Arial" panose="020B0604020202020204" pitchFamily="34" charset="0"/>
+              <a:buChar char="•"/>
+            </a:pPr>
+            <a:r>
+              <a:rPr lang="de-DE" sz="2400" b="1" dirty="0"/>
+              <a:t>Functional Clues:</a:t>
+            </a:r>
+            <a:r>
+              <a:rPr lang="de-DE" sz="2400" dirty="0"/>
+              <a:t> New RBPs hint at RNA’s role in specific pathways.</a:t>
+            </a:r>
+          </a:p>
+          <a:p>
+            <a:pPr marL="457200" indent="-457200">
+              <a:buFont typeface="Arial" panose="020B0604020202020204" pitchFamily="34" charset="0"/>
+              <a:buChar char="•"/>
+            </a:pPr>
+            <a:r>
+              <a:rPr lang="de-DE" sz="2400" b="1" dirty="0"/>
+              <a:t>Interaction Networks:</a:t>
+            </a:r>
+            <a:r>
+              <a:rPr lang="de-DE" sz="2400" dirty="0"/>
+              <a:t> Mapping RNA-protein complexes reveals regulatory logic. </a:t>
+            </a:r>
+          </a:p>
+          <a:p>
+            <a:pPr marL="457200" indent="-457200">
+              <a:buFont typeface="Arial" panose="020B0604020202020204" pitchFamily="34" charset="0"/>
+              <a:buChar char="•"/>
+            </a:pPr>
+            <a:r>
+              <a:rPr lang="de-DE" sz="2400" b="1" dirty="0"/>
+              <a:t>Molecular Insights:</a:t>
+            </a:r>
+            <a:r>
+              <a:rPr lang="de-DE" sz="2400" dirty="0"/>
+              <a:t> Deepens our understanding of cell cycle and cellular behavior. </a:t>
+            </a:r>
+            <a:endParaRPr lang="en-US" sz="2400" b="1" dirty="0"/>
+          </a:p>
+          <a:p>
+            <a:pPr marL="457200" indent="-457200">
+              <a:buFont typeface="Arial" panose="020B0604020202020204" pitchFamily="34" charset="0"/>
+              <a:buChar char="•"/>
+            </a:pPr>
+            <a:endParaRPr lang="de-DE" sz="2400" dirty="0"/>
+          </a:p>
+          <a:p>
+            <a:pPr marL="457200" indent="-457200">
+              <a:buFont typeface="Arial" panose="020B0604020202020204" pitchFamily="34" charset="0"/>
+              <a:buChar char="•"/>
+            </a:pPr>
+            <a:endParaRPr lang="de-DE" sz="2400" dirty="0"/>
+          </a:p>
+        </p:txBody>
+      </p:sp>
+      <p:sp>
+        <p:nvSpPr>
+          <p:cNvPr id="16" name="TextBox 15">
+            <a:extLst>
+              <a:ext uri="{FF2B5EF4-FFF2-40B4-BE49-F238E27FC236}">
+                <a16:creationId xmlns:a16="http://schemas.microsoft.com/office/drawing/2014/main" id="{87D3BD63-12FC-15FD-2C7B-8004AFE74E10}"/>
+              </a:ext>
+            </a:extLst>
+          </p:cNvPr>
+          <p:cNvSpPr txBox="1"/>
+          <p:nvPr/>
+        </p:nvSpPr>
+        <p:spPr>
+          <a:xfrm>
+            <a:off x="1887734" y="16043329"/>
+            <a:ext cx="24173364" cy="7109639"/>
+          </a:xfrm>
+          <a:prstGeom prst="rect">
+            <a:avLst/>
+          </a:prstGeom>
+          <a:noFill/>
+          <a:ln>
+            <a:noFill/>
+          </a:ln>
+        </p:spPr>
+        <p:txBody>
+          <a:bodyPr wrap="square">
+            <a:spAutoFit/>
+          </a:bodyPr>
+          <a:lstStyle/>
+          <a:p>
+            <a:r>
+              <a:rPr lang="en-US" sz="2400" b="1" dirty="0"/>
+              <a:t>1) Data preparation</a:t>
+            </a:r>
+          </a:p>
+          <a:p>
+            <a:pPr marL="457200" indent="-457200">
+              <a:buFont typeface="Arial" panose="020B0604020202020204" pitchFamily="34" charset="0"/>
+              <a:buChar char="•"/>
+            </a:pPr>
+            <a:r>
+              <a:rPr lang="en-US" sz="2400" dirty="0"/>
+              <a:t>Data cleanup</a:t>
+            </a:r>
+          </a:p>
+          <a:p>
+            <a:pPr marL="457200" indent="-457200">
+              <a:buFont typeface="Arial" panose="020B0604020202020204" pitchFamily="34" charset="0"/>
+              <a:buChar char="•"/>
+            </a:pPr>
+            <a:r>
+              <a:rPr lang="en-US" sz="2400" dirty="0"/>
+              <a:t>“Rearrange and reorder the columns to their treatment, replicate and fraction”</a:t>
+            </a:r>
+          </a:p>
+          <a:p>
+            <a:pPr marL="457200" indent="-457200">
+              <a:buFont typeface="Arial" panose="020B0604020202020204" pitchFamily="34" charset="0"/>
+              <a:buChar char="•"/>
+            </a:pPr>
+            <a:r>
+              <a:rPr lang="en-US" sz="2400" dirty="0"/>
+              <a:t>Normalization</a:t>
+            </a:r>
+          </a:p>
+          <a:p>
+            <a:endParaRPr lang="en-US" sz="2400" b="1" dirty="0"/>
+          </a:p>
+          <a:p>
+            <a:r>
+              <a:rPr lang="de-DE" sz="2400" b="1" dirty="0"/>
+              <a:t>2) Data exploration</a:t>
+            </a:r>
+            <a:endParaRPr lang="de-DE" sz="2400" dirty="0"/>
+          </a:p>
+          <a:p>
+            <a:pPr marL="457200" indent="-457200">
+              <a:buFont typeface="Arial" panose="020B0604020202020204" pitchFamily="34" charset="0"/>
+              <a:buChar char="•"/>
+            </a:pPr>
+            <a:r>
+              <a:rPr lang="en-US" sz="2400" dirty="0"/>
+              <a:t> Identification of maxima and shoulders</a:t>
+            </a:r>
+          </a:p>
+          <a:p>
+            <a:pPr marL="457200" indent="-457200">
+              <a:buFont typeface="Arial" panose="020B0604020202020204" pitchFamily="34" charset="0"/>
+              <a:buChar char="•"/>
+            </a:pPr>
+            <a:r>
+              <a:rPr lang="en-US" sz="2400" dirty="0"/>
+              <a:t> </a:t>
+            </a:r>
+            <a:r>
+              <a:rPr lang="de-DE" sz="2400" dirty="0"/>
+              <a:t>Selection criteria</a:t>
+            </a:r>
+            <a:r>
+              <a:rPr lang="en-US" sz="2400" dirty="0"/>
+              <a:t> &amp; Wilcoxon Test </a:t>
+            </a:r>
+          </a:p>
+          <a:p>
+            <a:pPr marL="457200" indent="-457200">
+              <a:buFont typeface="Arial" panose="020B0604020202020204" pitchFamily="34" charset="0"/>
+              <a:buChar char="•"/>
+            </a:pPr>
+            <a:r>
+              <a:rPr lang="en-US" sz="2400" dirty="0"/>
+              <a:t>Visualization for the </a:t>
+            </a:r>
+            <a:r>
+              <a:rPr lang="de-DE" sz="2400" dirty="0"/>
+              <a:t>order of selection criteria</a:t>
+            </a:r>
+            <a:endParaRPr lang="en-US" sz="2400" dirty="0"/>
+          </a:p>
+          <a:p>
+            <a:pPr marL="457200" indent="-457200">
+              <a:buFont typeface="Arial" panose="020B0604020202020204" pitchFamily="34" charset="0"/>
+              <a:buChar char="•"/>
+            </a:pPr>
+            <a:r>
+              <a:rPr lang="en-US" sz="2400" dirty="0"/>
+              <a:t>Pie charts for selection results</a:t>
+            </a:r>
+          </a:p>
+          <a:p>
+            <a:endParaRPr lang="en-US" sz="2400" b="1" dirty="0"/>
+          </a:p>
+          <a:p>
+            <a:r>
+              <a:rPr lang="de-DE" sz="2400" b="1" dirty="0"/>
+              <a:t>3) Data reduction</a:t>
+            </a:r>
+          </a:p>
+          <a:p>
+            <a:pPr marL="457200" indent="-457200">
+              <a:buFont typeface="Arial" panose="020B0604020202020204" pitchFamily="34" charset="0"/>
+              <a:buChar char="•"/>
+            </a:pPr>
+            <a:r>
+              <a:rPr lang="de-DE" sz="2400" dirty="0"/>
+              <a:t>PCR </a:t>
+            </a:r>
+            <a:endParaRPr lang="en-US" sz="2400" dirty="0"/>
+          </a:p>
+          <a:p>
+            <a:pPr marL="457200" indent="-457200">
+              <a:buFont typeface="Arial" panose="020B0604020202020204" pitchFamily="34" charset="0"/>
+              <a:buChar char="•"/>
+            </a:pPr>
+            <a:r>
+              <a:rPr lang="en-US" sz="2400" dirty="0"/>
+              <a:t> k-means clustering</a:t>
+            </a:r>
+          </a:p>
+          <a:p>
+            <a:pPr marL="457200" indent="-457200">
+              <a:buFont typeface="Arial" panose="020B0604020202020204" pitchFamily="34" charset="0"/>
+              <a:buChar char="•"/>
+            </a:pPr>
+            <a:endParaRPr lang="en-US" sz="2400" dirty="0"/>
+          </a:p>
+          <a:p>
+            <a:r>
+              <a:rPr lang="de-DE" sz="2400" b="1" dirty="0"/>
+              <a:t>4) Data modelling</a:t>
+            </a:r>
+          </a:p>
+          <a:p>
+            <a:pPr marL="457200" indent="-457200">
+              <a:buFont typeface="Arial" panose="020B0604020202020204" pitchFamily="34" charset="0"/>
+              <a:buChar char="•"/>
+            </a:pPr>
+            <a:r>
+              <a:rPr lang="en-US" sz="2400" dirty="0"/>
+              <a:t> Linear Regression </a:t>
+            </a:r>
+            <a:endParaRPr lang="en-US" sz="2400" b="1" dirty="0"/>
+          </a:p>
+          <a:p>
+            <a:endParaRPr lang="en-US" sz="2400" b="1" dirty="0"/>
+          </a:p>
+          <a:p>
+            <a:endParaRPr lang="en-US" sz="2400" b="1" dirty="0"/>
+          </a:p>
+        </p:txBody>
+      </p:sp>
+      <p:sp>
+        <p:nvSpPr>
+          <p:cNvPr id="17" name="TextBox 16">
+            <a:extLst>
+              <a:ext uri="{FF2B5EF4-FFF2-40B4-BE49-F238E27FC236}">
+                <a16:creationId xmlns:a16="http://schemas.microsoft.com/office/drawing/2014/main" id="{4AE50113-60F9-424E-99E1-4DCE3D61BD7A}"/>
+              </a:ext>
+            </a:extLst>
+          </p:cNvPr>
+          <p:cNvSpPr txBox="1"/>
+          <p:nvPr/>
+        </p:nvSpPr>
+        <p:spPr>
+          <a:xfrm>
+            <a:off x="1253554" y="29923970"/>
+            <a:ext cx="11401261" cy="11172289"/>
+          </a:xfrm>
+          <a:prstGeom prst="rect">
+            <a:avLst/>
+          </a:prstGeom>
+          <a:noFill/>
+          <a:ln>
+            <a:noFill/>
+          </a:ln>
+        </p:spPr>
+        <p:txBody>
+          <a:bodyPr wrap="square">
+            <a:spAutoFit/>
+          </a:bodyPr>
+          <a:lstStyle/>
+          <a:p>
+            <a:pPr marL="457200" indent="-457200">
+              <a:buFont typeface="Arial" panose="020B0604020202020204" pitchFamily="34" charset="0"/>
+              <a:buChar char="•"/>
+            </a:pPr>
+            <a:r>
+              <a:rPr lang="en-US" sz="2400" dirty="0"/>
+              <a:t>Critical review of our own results and methods (e.g., Selection criteria made us delete some RBPs. Why? What were their properties?)</a:t>
+            </a:r>
+          </a:p>
+          <a:p>
+            <a:pPr marL="457200" indent="-457200">
+              <a:buFont typeface="Arial" panose="020B0604020202020204" pitchFamily="34" charset="0"/>
+              <a:buChar char="•"/>
+            </a:pPr>
+            <a:r>
+              <a:rPr lang="en-US" sz="2400" dirty="0"/>
+              <a:t>Why do we find fewer proteins than </a:t>
+            </a:r>
+            <a:r>
+              <a:rPr lang="en-US" sz="2400" dirty="0" err="1"/>
+              <a:t>Maïwen</a:t>
+            </a:r>
+            <a:r>
+              <a:rPr lang="en-US" sz="2400" dirty="0"/>
+              <a:t>? </a:t>
+            </a:r>
+          </a:p>
+          <a:p>
+            <a:pPr marL="457200" indent="-457200">
+              <a:buFont typeface="Arial" panose="020B0604020202020204" pitchFamily="34" charset="0"/>
+              <a:buChar char="•"/>
+            </a:pPr>
+            <a:endParaRPr lang="en-US" sz="2400" dirty="0"/>
+          </a:p>
+          <a:p>
+            <a:pPr marL="457200" indent="-457200">
+              <a:buFont typeface="Arial" panose="020B0604020202020204" pitchFamily="34" charset="0"/>
+              <a:buChar char="•"/>
+            </a:pPr>
+            <a:endParaRPr lang="en-US" sz="2400" dirty="0"/>
+          </a:p>
+          <a:p>
+            <a:pPr marL="457200" indent="-457200">
+              <a:buFont typeface="Arial" panose="020B0604020202020204" pitchFamily="34" charset="0"/>
+              <a:buChar char="•"/>
+            </a:pPr>
+            <a:endParaRPr lang="en-US" sz="2400" dirty="0"/>
+          </a:p>
+          <a:p>
+            <a:pPr marL="457200" indent="-457200">
+              <a:buFont typeface="Arial" panose="020B0604020202020204" pitchFamily="34" charset="0"/>
+              <a:buChar char="•"/>
+            </a:pPr>
+            <a:endParaRPr lang="en-US" sz="2400" dirty="0"/>
+          </a:p>
+          <a:p>
+            <a:pPr marL="457200" indent="-457200">
+              <a:buFont typeface="Arial" panose="020B0604020202020204" pitchFamily="34" charset="0"/>
+              <a:buChar char="•"/>
+            </a:pPr>
+            <a:endParaRPr lang="en-US" sz="2400" dirty="0"/>
+          </a:p>
+          <a:p>
+            <a:pPr marL="457200" indent="-457200">
+              <a:buFont typeface="Arial" panose="020B0604020202020204" pitchFamily="34" charset="0"/>
+              <a:buChar char="•"/>
+            </a:pPr>
+            <a:endParaRPr lang="en-US" sz="2400" dirty="0"/>
+          </a:p>
+          <a:p>
+            <a:pPr marL="457200" indent="-457200">
+              <a:buFont typeface="Arial" panose="020B0604020202020204" pitchFamily="34" charset="0"/>
+              <a:buChar char="•"/>
+            </a:pPr>
+            <a:endParaRPr lang="en-US" sz="2400" dirty="0"/>
+          </a:p>
+          <a:p>
+            <a:pPr marL="457200" indent="-457200">
+              <a:buFont typeface="Arial" panose="020B0604020202020204" pitchFamily="34" charset="0"/>
+              <a:buChar char="•"/>
+            </a:pPr>
+            <a:endParaRPr lang="en-US" sz="2400" dirty="0"/>
+          </a:p>
+          <a:p>
+            <a:pPr marL="457200" indent="-457200">
+              <a:buFont typeface="Arial" panose="020B0604020202020204" pitchFamily="34" charset="0"/>
+              <a:buChar char="•"/>
+            </a:pPr>
+            <a:endParaRPr lang="en-US" sz="2400" dirty="0"/>
+          </a:p>
+          <a:p>
+            <a:pPr marL="457200" indent="-457200">
+              <a:buFont typeface="Arial" panose="020B0604020202020204" pitchFamily="34" charset="0"/>
+              <a:buChar char="•"/>
+            </a:pPr>
+            <a:endParaRPr lang="en-US" sz="2400" dirty="0"/>
+          </a:p>
+          <a:p>
+            <a:pPr marL="457200" indent="-457200">
+              <a:buFont typeface="Arial" panose="020B0604020202020204" pitchFamily="34" charset="0"/>
+              <a:buChar char="•"/>
+            </a:pPr>
+            <a:endParaRPr lang="en-US" sz="2400" dirty="0"/>
+          </a:p>
+          <a:p>
+            <a:pPr marL="457200" indent="-457200">
+              <a:buFont typeface="Arial" panose="020B0604020202020204" pitchFamily="34" charset="0"/>
+              <a:buChar char="•"/>
+            </a:pPr>
+            <a:endParaRPr lang="en-US" sz="2400" dirty="0"/>
+          </a:p>
+          <a:p>
+            <a:pPr marL="457200" indent="-457200">
+              <a:buFont typeface="Arial" panose="020B0604020202020204" pitchFamily="34" charset="0"/>
+              <a:buChar char="•"/>
+            </a:pPr>
+            <a:endParaRPr lang="en-US" sz="2400" dirty="0"/>
+          </a:p>
+          <a:p>
+            <a:pPr marL="457200" indent="-457200">
+              <a:buFont typeface="Arial" panose="020B0604020202020204" pitchFamily="34" charset="0"/>
+              <a:buChar char="•"/>
+            </a:pPr>
+            <a:endParaRPr lang="en-US" sz="2400" dirty="0"/>
+          </a:p>
+          <a:p>
+            <a:pPr marL="457200" indent="-457200">
+              <a:buFont typeface="Arial" panose="020B0604020202020204" pitchFamily="34" charset="0"/>
+              <a:buChar char="•"/>
+            </a:pPr>
+            <a:endParaRPr lang="en-US" sz="2400" dirty="0"/>
+          </a:p>
+          <a:p>
+            <a:pPr marL="457200" indent="-457200">
+              <a:buFont typeface="Arial" panose="020B0604020202020204" pitchFamily="34" charset="0"/>
+              <a:buChar char="•"/>
+            </a:pPr>
+            <a:endParaRPr lang="en-US" sz="2400" dirty="0"/>
+          </a:p>
+          <a:p>
+            <a:pPr marL="457200" indent="-457200">
+              <a:buFont typeface="Arial" panose="020B0604020202020204" pitchFamily="34" charset="0"/>
+              <a:buChar char="•"/>
+            </a:pPr>
+            <a:endParaRPr lang="en-US" sz="2400" dirty="0"/>
+          </a:p>
+          <a:p>
+            <a:pPr marL="457200" indent="-457200">
+              <a:buFont typeface="Arial" panose="020B0604020202020204" pitchFamily="34" charset="0"/>
+              <a:buChar char="•"/>
+            </a:pPr>
+            <a:endParaRPr lang="en-US" sz="2400" dirty="0"/>
+          </a:p>
+          <a:p>
+            <a:pPr marL="457200" indent="-457200">
+              <a:buFont typeface="Arial" panose="020B0604020202020204" pitchFamily="34" charset="0"/>
+              <a:buChar char="•"/>
+            </a:pPr>
+            <a:endParaRPr lang="en-US" sz="2400" dirty="0"/>
+          </a:p>
+          <a:p>
+            <a:pPr marL="457200" indent="-457200">
+              <a:buFont typeface="Arial" panose="020B0604020202020204" pitchFamily="34" charset="0"/>
+              <a:buChar char="•"/>
+            </a:pPr>
+            <a:endParaRPr lang="en-US" sz="2400" dirty="0"/>
+          </a:p>
+          <a:p>
+            <a:pPr marL="457200" indent="-457200">
+              <a:buFont typeface="Arial" panose="020B0604020202020204" pitchFamily="34" charset="0"/>
+              <a:buChar char="•"/>
+            </a:pPr>
+            <a:endParaRPr lang="en-US" sz="2400" dirty="0"/>
+          </a:p>
+          <a:p>
+            <a:pPr marL="457200" indent="-457200">
+              <a:buFont typeface="Arial" panose="020B0604020202020204" pitchFamily="34" charset="0"/>
+              <a:buChar char="•"/>
+            </a:pPr>
+            <a:endParaRPr lang="en-US" sz="2400" dirty="0"/>
+          </a:p>
+          <a:p>
+            <a:pPr marL="457200" indent="-457200">
+              <a:buFont typeface="Arial" panose="020B0604020202020204" pitchFamily="34" charset="0"/>
+              <a:buChar char="•"/>
+            </a:pPr>
+            <a:endParaRPr lang="en-US" sz="2400" dirty="0"/>
+          </a:p>
+          <a:p>
+            <a:pPr marL="457200" indent="-457200">
+              <a:buFont typeface="Arial" panose="020B0604020202020204" pitchFamily="34" charset="0"/>
+              <a:buChar char="•"/>
+            </a:pPr>
+            <a:endParaRPr lang="en-US" sz="2400" dirty="0"/>
+          </a:p>
+          <a:p>
+            <a:pPr marL="457200" indent="-457200">
+              <a:buFont typeface="Arial" panose="020B0604020202020204" pitchFamily="34" charset="0"/>
+              <a:buChar char="•"/>
+            </a:pPr>
+            <a:endParaRPr lang="en-US" sz="2400" dirty="0"/>
+          </a:p>
+          <a:p>
+            <a:pPr marL="457200" indent="-457200">
+              <a:buFont typeface="Arial" panose="020B0604020202020204" pitchFamily="34" charset="0"/>
+              <a:buChar char="•"/>
+            </a:pPr>
+            <a:endParaRPr lang="en-US" sz="2400" dirty="0"/>
+          </a:p>
+          <a:p>
+            <a:endParaRPr lang="en-US" sz="2400" b="1" dirty="0"/>
+          </a:p>
+        </p:txBody>
+      </p:sp>
+      <p:sp>
+        <p:nvSpPr>
+          <p:cNvPr id="18" name="TextBox 17">
+            <a:extLst>
+              <a:ext uri="{FF2B5EF4-FFF2-40B4-BE49-F238E27FC236}">
+                <a16:creationId xmlns:a16="http://schemas.microsoft.com/office/drawing/2014/main" id="{E5C4C0B9-CDDC-A53A-FB16-658D072428BB}"/>
+              </a:ext>
+            </a:extLst>
+          </p:cNvPr>
+          <p:cNvSpPr txBox="1"/>
+          <p:nvPr/>
+        </p:nvSpPr>
+        <p:spPr>
+          <a:xfrm>
+            <a:off x="16242587" y="37886105"/>
+            <a:ext cx="5093413" cy="1569660"/>
+          </a:xfrm>
+          <a:prstGeom prst="rect">
+            <a:avLst/>
+          </a:prstGeom>
+          <a:noFill/>
+          <a:ln>
+            <a:noFill/>
+          </a:ln>
+        </p:spPr>
+        <p:txBody>
+          <a:bodyPr wrap="square">
+            <a:spAutoFit/>
+          </a:bodyPr>
+          <a:lstStyle/>
+          <a:p>
+            <a:pPr marL="457200" indent="-457200">
+              <a:buFont typeface="Arial" panose="020B0604020202020204" pitchFamily="34" charset="0"/>
+              <a:buChar char="•"/>
+            </a:pPr>
+            <a:endParaRPr lang="en-US" sz="2400" dirty="0"/>
+          </a:p>
+          <a:p>
+            <a:pPr marL="457200" indent="-457200">
+              <a:buFont typeface="Arial" panose="020B0604020202020204" pitchFamily="34" charset="0"/>
+              <a:buChar char="•"/>
+            </a:pPr>
+            <a:r>
+              <a:rPr lang="en-US" sz="2400" dirty="0"/>
+              <a:t>https://de.wikipedia.org/wiki/Eigentliche_Schnepfen</a:t>
+            </a:r>
+          </a:p>
+          <a:p>
+            <a:pPr marL="457200" indent="-457200">
+              <a:buFont typeface="Arial" panose="020B0604020202020204" pitchFamily="34" charset="0"/>
+              <a:buChar char="•"/>
+            </a:pPr>
+            <a:endParaRPr lang="en-US" sz="2400" dirty="0"/>
+          </a:p>
+        </p:txBody>
+      </p:sp>
+      <p:sp>
+        <p:nvSpPr>
+          <p:cNvPr id="19" name="TextBox 18">
+            <a:extLst>
+              <a:ext uri="{FF2B5EF4-FFF2-40B4-BE49-F238E27FC236}">
+                <a16:creationId xmlns:a16="http://schemas.microsoft.com/office/drawing/2014/main" id="{F48D421B-5927-A314-B4CF-8B6D52CFA7B5}"/>
+              </a:ext>
+            </a:extLst>
+          </p:cNvPr>
+          <p:cNvSpPr txBox="1"/>
+          <p:nvPr/>
+        </p:nvSpPr>
+        <p:spPr>
+          <a:xfrm>
+            <a:off x="16242587" y="29665022"/>
+            <a:ext cx="8291810" cy="1200329"/>
+          </a:xfrm>
+          <a:prstGeom prst="rect">
+            <a:avLst/>
+          </a:prstGeom>
+          <a:noFill/>
+          <a:ln>
+            <a:noFill/>
+          </a:ln>
+        </p:spPr>
+        <p:txBody>
+          <a:bodyPr wrap="square">
+            <a:spAutoFit/>
+          </a:bodyPr>
+          <a:lstStyle/>
+          <a:p>
+            <a:pPr marL="457200" indent="-457200">
+              <a:buFont typeface="Arial" panose="020B0604020202020204" pitchFamily="34" charset="0"/>
+              <a:buChar char="•"/>
+            </a:pPr>
+            <a:r>
+              <a:rPr lang="de-DE" sz="2400" dirty="0"/>
+              <a:t>We found X proteins that ...</a:t>
+            </a:r>
+          </a:p>
+          <a:p>
+            <a:pPr marL="457200" indent="-457200">
+              <a:buFont typeface="Arial" panose="020B0604020202020204" pitchFamily="34" charset="0"/>
+              <a:buChar char="•"/>
+            </a:pPr>
+            <a:endParaRPr lang="de-DE" sz="2400" dirty="0"/>
+          </a:p>
+          <a:p>
+            <a:endParaRPr lang="en-US" sz="2400" b="1" dirty="0"/>
+          </a:p>
+        </p:txBody>
+      </p:sp>
+      <p:sp>
+        <p:nvSpPr>
+          <p:cNvPr id="20" name="Rectangle: Rounded Corners 19">
+            <a:extLst>
+              <a:ext uri="{FF2B5EF4-FFF2-40B4-BE49-F238E27FC236}">
+                <a16:creationId xmlns:a16="http://schemas.microsoft.com/office/drawing/2014/main" id="{D585AF3E-5D4E-A4F6-D8A3-F5458F16AAE7}"/>
+              </a:ext>
+            </a:extLst>
+          </p:cNvPr>
+          <p:cNvSpPr/>
+          <p:nvPr/>
+        </p:nvSpPr>
+        <p:spPr>
+          <a:xfrm>
+            <a:off x="619433" y="6354751"/>
+            <a:ext cx="29036347" cy="1430255"/>
+          </a:xfrm>
+          <a:prstGeom prst="roundRect">
+            <a:avLst>
+              <a:gd name="adj" fmla="val 0"/>
+            </a:avLst>
+          </a:prstGeom>
+          <a:solidFill>
+            <a:srgbClr val="8B1A1A"/>
+          </a:solidFill>
+          <a:ln>
+            <a:noFill/>
+          </a:ln>
+        </p:spPr>
+        <p:style>
+          <a:lnRef idx="2">
+            <a:schemeClr val="accent1">
+              <a:shade val="15000"/>
+            </a:schemeClr>
+          </a:lnRef>
+          <a:fillRef idx="1">
+            <a:schemeClr val="accent1"/>
+          </a:fillRef>
+          <a:effectRef idx="0">
+            <a:schemeClr val="accent1"/>
+          </a:effectRef>
+          <a:fontRef idx="minor">
+            <a:schemeClr val="lt1"/>
+          </a:fontRef>
+        </p:style>
+        <p:txBody>
+          <a:bodyPr rtlCol="0" anchor="ctr"/>
+          <a:lstStyle/>
+          <a:p>
+            <a:r>
+              <a:rPr lang="en-US" sz="6000" b="1" dirty="0"/>
+              <a:t>                   Identifying RNA-Dependent Proteins from Proteomic Data</a:t>
+            </a:r>
+            <a:endParaRPr lang="en-US" sz="1500" b="1" dirty="0"/>
+          </a:p>
+          <a:p>
+            <a:pPr algn="ctr"/>
+            <a:endParaRPr lang="en-US" sz="1000" b="1" dirty="0"/>
+          </a:p>
+        </p:txBody>
+      </p:sp>
+      <p:sp>
+        <p:nvSpPr>
+          <p:cNvPr id="21" name="TextBox 20">
+            <a:extLst>
+              <a:ext uri="{FF2B5EF4-FFF2-40B4-BE49-F238E27FC236}">
+                <a16:creationId xmlns:a16="http://schemas.microsoft.com/office/drawing/2014/main" id="{4ED08C4A-9CA1-DD6D-E1E3-900D3DA813A0}"/>
+              </a:ext>
+            </a:extLst>
+          </p:cNvPr>
+          <p:cNvSpPr txBox="1"/>
+          <p:nvPr/>
+        </p:nvSpPr>
+        <p:spPr>
+          <a:xfrm>
+            <a:off x="15164570" y="8328936"/>
+            <a:ext cx="13893040" cy="2308324"/>
+          </a:xfrm>
+          <a:prstGeom prst="rect">
+            <a:avLst/>
+          </a:prstGeom>
+          <a:noFill/>
+          <a:ln>
+            <a:noFill/>
+          </a:ln>
+        </p:spPr>
+        <p:txBody>
+          <a:bodyPr wrap="square">
+            <a:spAutoFit/>
+          </a:bodyPr>
+          <a:lstStyle/>
+          <a:p>
+            <a:r>
+              <a:rPr lang="en-US" sz="2400" b="1" dirty="0"/>
+              <a:t>Key Characteristics of Our Dataset</a:t>
+            </a:r>
+            <a:endParaRPr lang="de-DE" sz="2400" b="1" dirty="0"/>
+          </a:p>
+          <a:p>
+            <a:pPr marL="457200" indent="-457200">
+              <a:buFont typeface="Arial" panose="020B0604020202020204" pitchFamily="34" charset="0"/>
+              <a:buChar char="•"/>
+            </a:pPr>
+            <a:r>
+              <a:rPr lang="en-US" sz="2400" dirty="0"/>
+              <a:t>Our dataset was generated using the R-Deep approach</a:t>
+            </a:r>
+          </a:p>
+          <a:p>
+            <a:pPr marL="457200" indent="-457200">
+              <a:buFont typeface="Arial" panose="020B0604020202020204" pitchFamily="34" charset="0"/>
+              <a:buChar char="•"/>
+            </a:pPr>
+            <a:r>
+              <a:rPr lang="de-DE" sz="2400" dirty="0"/>
+              <a:t>~5000 Proteine in 25 Fraktionen, Rnase vs. CTRL</a:t>
+            </a:r>
+            <a:endParaRPr lang="en-US" sz="2400" dirty="0"/>
+          </a:p>
+          <a:p>
+            <a:pPr marL="457200" indent="-457200">
+              <a:buFont typeface="Arial" panose="020B0604020202020204" pitchFamily="34" charset="0"/>
+              <a:buChar char="•"/>
+            </a:pPr>
+            <a:r>
+              <a:rPr lang="en-US" sz="2400" dirty="0"/>
+              <a:t>Dimensions</a:t>
+            </a:r>
+            <a:endParaRPr lang="en-US" sz="2400" b="1" dirty="0"/>
+          </a:p>
+          <a:p>
+            <a:pPr marL="457200" indent="-457200">
+              <a:buFont typeface="Arial" panose="020B0604020202020204" pitchFamily="34" charset="0"/>
+              <a:buChar char="•"/>
+            </a:pPr>
+            <a:endParaRPr lang="de-DE" sz="2400" dirty="0"/>
+          </a:p>
+          <a:p>
+            <a:pPr marL="457200" indent="-457200">
+              <a:buFont typeface="Arial" panose="020B0604020202020204" pitchFamily="34" charset="0"/>
+              <a:buChar char="•"/>
+            </a:pPr>
+            <a:endParaRPr lang="de-DE" sz="2400" dirty="0"/>
+          </a:p>
+        </p:txBody>
+      </p:sp>
+      <p:sp>
+        <p:nvSpPr>
+          <p:cNvPr id="22" name="Rectangle: Rounded Corners 21">
+            <a:extLst>
+              <a:ext uri="{FF2B5EF4-FFF2-40B4-BE49-F238E27FC236}">
+                <a16:creationId xmlns:a16="http://schemas.microsoft.com/office/drawing/2014/main" id="{6427F567-F0EB-91D6-93F2-5B937A0676AD}"/>
+              </a:ext>
+            </a:extLst>
+          </p:cNvPr>
+          <p:cNvSpPr/>
+          <p:nvPr/>
+        </p:nvSpPr>
+        <p:spPr>
+          <a:xfrm>
+            <a:off x="668635" y="13907015"/>
+            <a:ext cx="28937944" cy="1430255"/>
+          </a:xfrm>
+          <a:prstGeom prst="roundRect">
+            <a:avLst>
+              <a:gd name="adj" fmla="val 0"/>
+            </a:avLst>
+          </a:prstGeom>
+          <a:solidFill>
+            <a:srgbClr val="668B8B"/>
+          </a:solidFill>
+          <a:ln>
+            <a:noFill/>
+          </a:ln>
+        </p:spPr>
+        <p:style>
+          <a:lnRef idx="2">
+            <a:schemeClr val="accent1">
+              <a:shade val="15000"/>
+            </a:schemeClr>
+          </a:lnRef>
+          <a:fillRef idx="1">
+            <a:schemeClr val="accent1"/>
+          </a:fillRef>
+          <a:effectRef idx="0">
+            <a:schemeClr val="accent1"/>
+          </a:effectRef>
+          <a:fontRef idx="minor">
+            <a:schemeClr val="lt1"/>
+          </a:fontRef>
+        </p:style>
+        <p:txBody>
+          <a:bodyPr rtlCol="0" anchor="ctr"/>
+          <a:lstStyle/>
+          <a:p>
+            <a:r>
+              <a:rPr lang="en-US" sz="6000" b="1" dirty="0"/>
+              <a:t>                  Our Approach</a:t>
+            </a:r>
+            <a:endParaRPr lang="en-US" sz="1500" b="1" dirty="0"/>
+          </a:p>
+          <a:p>
+            <a:pPr algn="ctr"/>
+            <a:r>
+              <a:rPr lang="en-US" sz="1000" b="1" dirty="0"/>
+              <a:t>k</a:t>
+            </a:r>
+          </a:p>
+        </p:txBody>
+      </p:sp>
+      <p:sp>
+        <p:nvSpPr>
+          <p:cNvPr id="23" name="Rectangle: Rounded Corners 22">
+            <a:extLst>
+              <a:ext uri="{FF2B5EF4-FFF2-40B4-BE49-F238E27FC236}">
+                <a16:creationId xmlns:a16="http://schemas.microsoft.com/office/drawing/2014/main" id="{1AA73605-842A-93DB-525D-38F1177BF778}"/>
+              </a:ext>
+            </a:extLst>
+          </p:cNvPr>
+          <p:cNvSpPr/>
+          <p:nvPr/>
+        </p:nvSpPr>
+        <p:spPr>
+          <a:xfrm>
+            <a:off x="668636" y="27643718"/>
+            <a:ext cx="14468970" cy="1430255"/>
+          </a:xfrm>
+          <a:prstGeom prst="roundRect">
+            <a:avLst>
+              <a:gd name="adj" fmla="val 10312"/>
+            </a:avLst>
+          </a:prstGeom>
+          <a:solidFill>
+            <a:srgbClr val="2F4F4F"/>
+          </a:solidFill>
+          <a:ln>
+            <a:noFill/>
+          </a:ln>
+        </p:spPr>
+        <p:style>
+          <a:lnRef idx="2">
+            <a:schemeClr val="accent1">
+              <a:shade val="15000"/>
+            </a:schemeClr>
+          </a:lnRef>
+          <a:fillRef idx="1">
+            <a:schemeClr val="accent1"/>
+          </a:fillRef>
+          <a:effectRef idx="0">
+            <a:schemeClr val="accent1"/>
+          </a:effectRef>
+          <a:fontRef idx="minor">
+            <a:schemeClr val="lt1"/>
+          </a:fontRef>
+        </p:style>
+        <p:txBody>
+          <a:bodyPr rtlCol="0" anchor="ctr"/>
+          <a:lstStyle/>
+          <a:p>
+            <a:r>
+              <a:rPr lang="en-US" sz="6000" b="1" dirty="0"/>
+              <a:t>                  Discussion</a:t>
+            </a:r>
+            <a:endParaRPr lang="en-US" sz="1500" b="1" dirty="0"/>
+          </a:p>
+          <a:p>
+            <a:endParaRPr lang="en-US" sz="1000" b="1" dirty="0"/>
+          </a:p>
+        </p:txBody>
+      </p:sp>
+      <p:sp>
+        <p:nvSpPr>
+          <p:cNvPr id="24" name="Rectangle: Rounded Corners 23">
+            <a:extLst>
+              <a:ext uri="{FF2B5EF4-FFF2-40B4-BE49-F238E27FC236}">
+                <a16:creationId xmlns:a16="http://schemas.microsoft.com/office/drawing/2014/main" id="{AF17EE58-7B58-6D1F-C378-DD0D71844636}"/>
+              </a:ext>
+            </a:extLst>
+          </p:cNvPr>
+          <p:cNvSpPr/>
+          <p:nvPr/>
+        </p:nvSpPr>
+        <p:spPr>
+          <a:xfrm>
+            <a:off x="15765564" y="27736897"/>
+            <a:ext cx="13841013" cy="1430255"/>
+          </a:xfrm>
+          <a:prstGeom prst="roundRect">
+            <a:avLst>
+              <a:gd name="adj" fmla="val 0"/>
+            </a:avLst>
+          </a:prstGeom>
+          <a:solidFill>
+            <a:srgbClr val="8B1A1A"/>
+          </a:solidFill>
+          <a:ln>
+            <a:noFill/>
+          </a:ln>
+        </p:spPr>
+        <p:style>
+          <a:lnRef idx="2">
+            <a:schemeClr val="accent1">
+              <a:shade val="15000"/>
+            </a:schemeClr>
+          </a:lnRef>
+          <a:fillRef idx="1">
+            <a:schemeClr val="accent1"/>
+          </a:fillRef>
+          <a:effectRef idx="0">
+            <a:schemeClr val="accent1"/>
+          </a:effectRef>
+          <a:fontRef idx="minor">
+            <a:schemeClr val="lt1"/>
+          </a:fontRef>
+        </p:style>
+        <p:txBody>
+          <a:bodyPr rtlCol="0" anchor="ctr"/>
+          <a:lstStyle/>
+          <a:p>
+            <a:r>
+              <a:rPr lang="en-US" sz="6000" b="1" dirty="0"/>
+              <a:t>                 Our Achievements</a:t>
+            </a:r>
+            <a:endParaRPr lang="en-US" sz="1000" b="1" dirty="0"/>
+          </a:p>
+        </p:txBody>
+      </p:sp>
+      <p:sp>
+        <p:nvSpPr>
+          <p:cNvPr id="25" name="Rectangle: Rounded Corners 24">
+            <a:extLst>
+              <a:ext uri="{FF2B5EF4-FFF2-40B4-BE49-F238E27FC236}">
+                <a16:creationId xmlns:a16="http://schemas.microsoft.com/office/drawing/2014/main" id="{F456575C-AAD2-0B8F-C2BB-3FD5465D260F}"/>
+              </a:ext>
+            </a:extLst>
+          </p:cNvPr>
+          <p:cNvSpPr/>
+          <p:nvPr/>
+        </p:nvSpPr>
+        <p:spPr>
+          <a:xfrm>
+            <a:off x="15841731" y="35857778"/>
+            <a:ext cx="7189720" cy="1430255"/>
+          </a:xfrm>
+          <a:prstGeom prst="roundRect">
+            <a:avLst>
+              <a:gd name="adj" fmla="val 0"/>
+            </a:avLst>
+          </a:prstGeom>
+          <a:solidFill>
+            <a:srgbClr val="2F4F4F"/>
+          </a:solidFill>
+          <a:ln>
+            <a:noFill/>
+          </a:ln>
+        </p:spPr>
+        <p:style>
+          <a:lnRef idx="2">
+            <a:schemeClr val="accent1">
+              <a:shade val="15000"/>
+            </a:schemeClr>
+          </a:lnRef>
+          <a:fillRef idx="1">
+            <a:schemeClr val="accent1"/>
+          </a:fillRef>
+          <a:effectRef idx="0">
+            <a:schemeClr val="accent1"/>
+          </a:effectRef>
+          <a:fontRef idx="minor">
+            <a:schemeClr val="lt1"/>
+          </a:fontRef>
+        </p:style>
+        <p:txBody>
+          <a:bodyPr rtlCol="0" anchor="ctr"/>
+          <a:lstStyle/>
+          <a:p>
+            <a:r>
+              <a:rPr lang="en-US" sz="6000" b="1" dirty="0"/>
+              <a:t>                 References</a:t>
+            </a:r>
+            <a:endParaRPr lang="en-US" sz="1000" b="1" dirty="0"/>
+          </a:p>
+        </p:txBody>
+      </p:sp>
+      <p:sp>
+        <p:nvSpPr>
+          <p:cNvPr id="27" name="Titel 1">
+            <a:extLst>
+              <a:ext uri="{FF2B5EF4-FFF2-40B4-BE49-F238E27FC236}">
+                <a16:creationId xmlns:a16="http://schemas.microsoft.com/office/drawing/2014/main" id="{EA0E2BCD-A389-7D2B-8017-1D4E220A61B2}"/>
+              </a:ext>
+            </a:extLst>
+          </p:cNvPr>
+          <p:cNvSpPr txBox="1">
+            <a:spLocks/>
+          </p:cNvSpPr>
+          <p:nvPr/>
+        </p:nvSpPr>
+        <p:spPr>
+          <a:xfrm>
+            <a:off x="1016236" y="2205333"/>
+            <a:ext cx="28358864" cy="1836887"/>
+          </a:xfrm>
+          <a:prstGeom prst="rect">
+            <a:avLst/>
+          </a:prstGeom>
+        </p:spPr>
+        <p:txBody>
+          <a:bodyPr vert="horz" lIns="91440" tIns="45720" rIns="91440" bIns="45720" rtlCol="0" anchor="b">
+            <a:noAutofit/>
+          </a:bodyPr>
+          <a:lstStyle>
+            <a:lvl1pPr algn="ctr" defTabSz="3027487" rtl="0" eaLnBrk="1" latinLnBrk="0" hangingPunct="1">
+              <a:lnSpc>
+                <a:spcPct val="90000"/>
+              </a:lnSpc>
+              <a:spcBef>
+                <a:spcPct val="0"/>
+              </a:spcBef>
+              <a:buNone/>
+              <a:defRPr sz="19865" kern="1200">
+                <a:solidFill>
+                  <a:schemeClr val="tx1"/>
+                </a:solidFill>
+                <a:latin typeface="+mj-lt"/>
+                <a:ea typeface="+mj-ea"/>
+                <a:cs typeface="+mj-cs"/>
+              </a:defRPr>
+            </a:lvl1pPr>
+          </a:lstStyle>
+          <a:p>
+            <a:r>
+              <a:rPr lang="de-DE" sz="8000" b="1" dirty="0">
+                <a:solidFill>
+                  <a:schemeClr val="bg1"/>
+                </a:solidFill>
+                <a:latin typeface="+mn-lt"/>
+              </a:rPr>
+              <a:t>Hidden Alliances: </a:t>
+            </a:r>
+          </a:p>
+          <a:p>
+            <a:r>
+              <a:rPr lang="de-DE" sz="8000" b="1" dirty="0">
+                <a:solidFill>
+                  <a:schemeClr val="bg1"/>
+                </a:solidFill>
+                <a:latin typeface="+mn-lt"/>
+              </a:rPr>
+              <a:t>RNA-Dependent Protein Interactions </a:t>
+            </a:r>
+          </a:p>
+          <a:p>
+            <a:r>
+              <a:rPr lang="de-DE" sz="8000" b="1" dirty="0">
+                <a:solidFill>
+                  <a:schemeClr val="bg1"/>
+                </a:solidFill>
+                <a:latin typeface="+mn-lt"/>
+              </a:rPr>
+              <a:t>in Cancer Cells</a:t>
+            </a:r>
+            <a:endParaRPr lang="en-US" sz="8000" b="1" dirty="0">
+              <a:solidFill>
+                <a:schemeClr val="bg1"/>
+              </a:solidFill>
+              <a:latin typeface="+mn-lt"/>
+            </a:endParaRPr>
+          </a:p>
+        </p:txBody>
+      </p:sp>
+      <p:sp>
+        <p:nvSpPr>
+          <p:cNvPr id="28" name="Titel 1">
+            <a:extLst>
+              <a:ext uri="{FF2B5EF4-FFF2-40B4-BE49-F238E27FC236}">
+                <a16:creationId xmlns:a16="http://schemas.microsoft.com/office/drawing/2014/main" id="{6F2C1E60-5CD4-CDF2-7A0D-0E13E78D3070}"/>
+              </a:ext>
+            </a:extLst>
+          </p:cNvPr>
+          <p:cNvSpPr txBox="1">
+            <a:spLocks/>
+          </p:cNvSpPr>
+          <p:nvPr/>
+        </p:nvSpPr>
+        <p:spPr>
+          <a:xfrm>
+            <a:off x="8712489" y="3840738"/>
+            <a:ext cx="12850233" cy="1323687"/>
+          </a:xfrm>
+          <a:prstGeom prst="rect">
+            <a:avLst/>
+          </a:prstGeom>
+        </p:spPr>
+        <p:txBody>
+          <a:bodyPr vert="horz" lIns="45681" tIns="22840" rIns="45681" bIns="22840" rtlCol="0" anchor="b">
+            <a:noAutofit/>
+          </a:bodyPr>
+          <a:lstStyle>
+            <a:lvl1pPr algn="ctr" defTabSz="3027487" rtl="0" eaLnBrk="1" latinLnBrk="0" hangingPunct="1">
+              <a:lnSpc>
+                <a:spcPct val="90000"/>
+              </a:lnSpc>
+              <a:spcBef>
+                <a:spcPct val="0"/>
+              </a:spcBef>
+              <a:buNone/>
+              <a:defRPr sz="19865" kern="1200">
+                <a:solidFill>
+                  <a:schemeClr val="tx1"/>
+                </a:solidFill>
+                <a:latin typeface="+mj-lt"/>
+                <a:ea typeface="+mj-ea"/>
+                <a:cs typeface="+mj-cs"/>
+              </a:defRPr>
+            </a:lvl1pPr>
+          </a:lstStyle>
+          <a:p>
+            <a:r>
+              <a:rPr lang="de-DE" sz="2800" dirty="0">
+                <a:solidFill>
+                  <a:schemeClr val="bg1"/>
+                </a:solidFill>
+              </a:rPr>
+              <a:t>Julian </a:t>
+            </a:r>
+            <a:r>
+              <a:rPr lang="de-DE" sz="2800" dirty="0" err="1">
+                <a:solidFill>
+                  <a:schemeClr val="bg1"/>
+                </a:solidFill>
+              </a:rPr>
+              <a:t>Baureis</a:t>
+            </a:r>
+            <a:r>
+              <a:rPr lang="de-DE" sz="2800" dirty="0">
+                <a:solidFill>
+                  <a:schemeClr val="bg1"/>
+                </a:solidFill>
+              </a:rPr>
+              <a:t>, Julia Ferdin, Benjamin Nicklas, Luisa </a:t>
+            </a:r>
+            <a:r>
+              <a:rPr lang="de-DE" sz="2800" dirty="0" err="1">
+                <a:solidFill>
+                  <a:schemeClr val="bg1"/>
+                </a:solidFill>
+              </a:rPr>
+              <a:t>Wintel</a:t>
+            </a:r>
+            <a:endParaRPr lang="de-DE" sz="2800" dirty="0">
+              <a:solidFill>
+                <a:schemeClr val="bg1"/>
+              </a:solidFill>
+            </a:endParaRPr>
+          </a:p>
+          <a:p>
+            <a:r>
+              <a:rPr lang="de-DE" sz="2800" dirty="0">
+                <a:solidFill>
+                  <a:schemeClr val="bg1"/>
+                </a:solidFill>
+              </a:rPr>
+              <a:t>Data Analysis Project </a:t>
+            </a:r>
+            <a:r>
+              <a:rPr lang="de-DE" sz="2800" dirty="0" err="1">
+                <a:solidFill>
+                  <a:schemeClr val="bg1"/>
+                </a:solidFill>
+              </a:rPr>
+              <a:t>Molecular</a:t>
+            </a:r>
+            <a:r>
+              <a:rPr lang="de-DE" sz="2800" dirty="0">
+                <a:solidFill>
+                  <a:schemeClr val="bg1"/>
+                </a:solidFill>
+              </a:rPr>
+              <a:t> Biotechnology SS2025</a:t>
+            </a:r>
+          </a:p>
+        </p:txBody>
+      </p:sp>
+      <p:sp>
+        <p:nvSpPr>
+          <p:cNvPr id="29" name="Flowchart: Connector 28">
+            <a:extLst>
+              <a:ext uri="{FF2B5EF4-FFF2-40B4-BE49-F238E27FC236}">
+                <a16:creationId xmlns:a16="http://schemas.microsoft.com/office/drawing/2014/main" id="{C180A087-6578-126F-83B5-139A8480089C}"/>
+              </a:ext>
+            </a:extLst>
+          </p:cNvPr>
+          <p:cNvSpPr/>
+          <p:nvPr/>
+        </p:nvSpPr>
+        <p:spPr>
+          <a:xfrm>
+            <a:off x="1194289" y="5986115"/>
+            <a:ext cx="2006111" cy="1960592"/>
+          </a:xfrm>
+          <a:prstGeom prst="flowChartConnector">
+            <a:avLst/>
+          </a:prstGeom>
+          <a:solidFill>
+            <a:schemeClr val="bg1"/>
+          </a:solidFill>
+          <a:ln w="254000">
+            <a:solidFill>
+              <a:srgbClr val="8B1A1A"/>
+            </a:solidFill>
+          </a:ln>
+        </p:spPr>
+        <p:style>
+          <a:lnRef idx="2">
+            <a:schemeClr val="accent1">
+              <a:shade val="15000"/>
+            </a:schemeClr>
+          </a:lnRef>
+          <a:fillRef idx="1">
+            <a:schemeClr val="accent1"/>
+          </a:fillRef>
+          <a:effectRef idx="0">
+            <a:schemeClr val="accent1"/>
+          </a:effectRef>
+          <a:fontRef idx="minor">
+            <a:schemeClr val="lt1"/>
+          </a:fontRef>
+        </p:style>
+        <p:txBody>
+          <a:bodyPr rtlCol="0" anchor="ctr"/>
+          <a:lstStyle/>
+          <a:p>
+            <a:pPr algn="ctr"/>
+            <a:r>
+              <a:rPr lang="de-DE" sz="7000" b="1" dirty="0">
+                <a:solidFill>
+                  <a:srgbClr val="87081B"/>
+                </a:solidFill>
+              </a:rPr>
+              <a:t>1</a:t>
+            </a:r>
+          </a:p>
+        </p:txBody>
+      </p:sp>
+      <p:sp>
+        <p:nvSpPr>
+          <p:cNvPr id="31" name="Flowchart: Connector 30">
+            <a:extLst>
+              <a:ext uri="{FF2B5EF4-FFF2-40B4-BE49-F238E27FC236}">
+                <a16:creationId xmlns:a16="http://schemas.microsoft.com/office/drawing/2014/main" id="{2A977D2E-0E67-5F4F-6F64-AA7D8599C86D}"/>
+              </a:ext>
+            </a:extLst>
+          </p:cNvPr>
+          <p:cNvSpPr/>
+          <p:nvPr/>
+        </p:nvSpPr>
+        <p:spPr>
+          <a:xfrm>
+            <a:off x="1194288" y="13584696"/>
+            <a:ext cx="2006111" cy="1960592"/>
+          </a:xfrm>
+          <a:prstGeom prst="flowChartConnector">
+            <a:avLst/>
+          </a:prstGeom>
+          <a:solidFill>
+            <a:schemeClr val="bg1"/>
+          </a:solidFill>
+          <a:ln w="254000">
+            <a:solidFill>
+              <a:srgbClr val="668B8B"/>
+            </a:solidFill>
+          </a:ln>
+        </p:spPr>
+        <p:style>
+          <a:lnRef idx="2">
+            <a:schemeClr val="accent1">
+              <a:shade val="15000"/>
+            </a:schemeClr>
+          </a:lnRef>
+          <a:fillRef idx="1">
+            <a:schemeClr val="accent1"/>
+          </a:fillRef>
+          <a:effectRef idx="0">
+            <a:schemeClr val="accent1"/>
+          </a:effectRef>
+          <a:fontRef idx="minor">
+            <a:schemeClr val="lt1"/>
+          </a:fontRef>
+        </p:style>
+        <p:txBody>
+          <a:bodyPr rtlCol="0" anchor="ctr"/>
+          <a:lstStyle/>
+          <a:p>
+            <a:pPr algn="ctr"/>
+            <a:r>
+              <a:rPr lang="de-DE" sz="7000" b="1" dirty="0">
+                <a:solidFill>
+                  <a:srgbClr val="120D31"/>
+                </a:solidFill>
+              </a:rPr>
+              <a:t>2</a:t>
+            </a:r>
+          </a:p>
+        </p:txBody>
+      </p:sp>
+      <p:sp>
+        <p:nvSpPr>
+          <p:cNvPr id="32" name="Flowchart: Connector 31">
+            <a:extLst>
+              <a:ext uri="{FF2B5EF4-FFF2-40B4-BE49-F238E27FC236}">
+                <a16:creationId xmlns:a16="http://schemas.microsoft.com/office/drawing/2014/main" id="{864D00BE-6CC7-8533-FEAA-59A42D915F2C}"/>
+              </a:ext>
+            </a:extLst>
+          </p:cNvPr>
+          <p:cNvSpPr/>
+          <p:nvPr/>
+        </p:nvSpPr>
+        <p:spPr>
+          <a:xfrm>
+            <a:off x="1194287" y="27398826"/>
+            <a:ext cx="2006111" cy="1960592"/>
+          </a:xfrm>
+          <a:prstGeom prst="flowChartConnector">
+            <a:avLst/>
+          </a:prstGeom>
+          <a:solidFill>
+            <a:schemeClr val="bg1"/>
+          </a:solidFill>
+          <a:ln w="254000">
+            <a:solidFill>
+              <a:srgbClr val="2F4F4F"/>
+            </a:solidFill>
+          </a:ln>
+        </p:spPr>
+        <p:style>
+          <a:lnRef idx="2">
+            <a:schemeClr val="accent1">
+              <a:shade val="15000"/>
+            </a:schemeClr>
+          </a:lnRef>
+          <a:fillRef idx="1">
+            <a:schemeClr val="accent1"/>
+          </a:fillRef>
+          <a:effectRef idx="0">
+            <a:schemeClr val="accent1"/>
+          </a:effectRef>
+          <a:fontRef idx="minor">
+            <a:schemeClr val="lt1"/>
+          </a:fontRef>
+        </p:style>
+        <p:txBody>
+          <a:bodyPr rtlCol="0" anchor="ctr"/>
+          <a:lstStyle/>
+          <a:p>
+            <a:pPr algn="ctr"/>
+            <a:r>
+              <a:rPr lang="de-DE" sz="7000" b="1" dirty="0">
+                <a:solidFill>
+                  <a:srgbClr val="120D31"/>
+                </a:solidFill>
+              </a:rPr>
+              <a:t>3</a:t>
+            </a:r>
+          </a:p>
+        </p:txBody>
+      </p:sp>
+      <p:sp>
+        <p:nvSpPr>
+          <p:cNvPr id="33" name="Flowchart: Connector 32">
+            <a:extLst>
+              <a:ext uri="{FF2B5EF4-FFF2-40B4-BE49-F238E27FC236}">
+                <a16:creationId xmlns:a16="http://schemas.microsoft.com/office/drawing/2014/main" id="{1AEE4580-9DBC-DC32-66F5-8DBDCF8D7FCE}"/>
+              </a:ext>
+            </a:extLst>
+          </p:cNvPr>
+          <p:cNvSpPr/>
+          <p:nvPr/>
+        </p:nvSpPr>
+        <p:spPr>
+          <a:xfrm>
+            <a:off x="16242587" y="27394687"/>
+            <a:ext cx="2006111" cy="1960592"/>
+          </a:xfrm>
+          <a:prstGeom prst="flowChartConnector">
+            <a:avLst/>
+          </a:prstGeom>
+          <a:solidFill>
+            <a:schemeClr val="bg1"/>
+          </a:solidFill>
+          <a:ln w="254000">
+            <a:solidFill>
+              <a:srgbClr val="8B1A1A"/>
+            </a:solidFill>
+          </a:ln>
+        </p:spPr>
+        <p:style>
+          <a:lnRef idx="2">
+            <a:schemeClr val="accent1">
+              <a:shade val="15000"/>
+            </a:schemeClr>
+          </a:lnRef>
+          <a:fillRef idx="1">
+            <a:schemeClr val="accent1"/>
+          </a:fillRef>
+          <a:effectRef idx="0">
+            <a:schemeClr val="accent1"/>
+          </a:effectRef>
+          <a:fontRef idx="minor">
+            <a:schemeClr val="lt1"/>
+          </a:fontRef>
+        </p:style>
+        <p:txBody>
+          <a:bodyPr rtlCol="0" anchor="ctr"/>
+          <a:lstStyle/>
+          <a:p>
+            <a:pPr algn="ctr"/>
+            <a:r>
+              <a:rPr lang="de-DE" sz="7000" b="1" dirty="0">
+                <a:solidFill>
+                  <a:srgbClr val="87081B"/>
+                </a:solidFill>
+              </a:rPr>
+              <a:t>4</a:t>
+            </a:r>
+          </a:p>
+        </p:txBody>
+      </p:sp>
+      <p:sp>
+        <p:nvSpPr>
+          <p:cNvPr id="37" name="Flowchart: Connector 36">
+            <a:extLst>
+              <a:ext uri="{FF2B5EF4-FFF2-40B4-BE49-F238E27FC236}">
+                <a16:creationId xmlns:a16="http://schemas.microsoft.com/office/drawing/2014/main" id="{12DA40F7-C2A9-2371-D661-D9DF39CFA4C7}"/>
+              </a:ext>
+            </a:extLst>
+          </p:cNvPr>
+          <p:cNvSpPr/>
+          <p:nvPr/>
+        </p:nvSpPr>
+        <p:spPr>
+          <a:xfrm>
+            <a:off x="16285627" y="35586126"/>
+            <a:ext cx="2006111" cy="1960592"/>
+          </a:xfrm>
+          <a:prstGeom prst="flowChartConnector">
+            <a:avLst/>
+          </a:prstGeom>
+          <a:solidFill>
+            <a:schemeClr val="bg1"/>
+          </a:solidFill>
+          <a:ln w="254000">
+            <a:solidFill>
+              <a:srgbClr val="2F4F4F"/>
+            </a:solidFill>
+          </a:ln>
+        </p:spPr>
+        <p:style>
+          <a:lnRef idx="2">
+            <a:schemeClr val="accent1">
+              <a:shade val="15000"/>
+            </a:schemeClr>
+          </a:lnRef>
+          <a:fillRef idx="1">
+            <a:schemeClr val="accent1"/>
+          </a:fillRef>
+          <a:effectRef idx="0">
+            <a:schemeClr val="accent1"/>
+          </a:effectRef>
+          <a:fontRef idx="minor">
+            <a:schemeClr val="lt1"/>
+          </a:fontRef>
+        </p:style>
+        <p:txBody>
+          <a:bodyPr rtlCol="0" anchor="ctr"/>
+          <a:lstStyle/>
+          <a:p>
+            <a:pPr algn="ctr"/>
+            <a:r>
+              <a:rPr lang="de-DE" sz="7000" b="1" dirty="0">
+                <a:solidFill>
+                  <a:srgbClr val="302F4D"/>
+                </a:solidFill>
+              </a:rPr>
+              <a:t>5</a:t>
+            </a:r>
+          </a:p>
+        </p:txBody>
+      </p:sp>
+      <p:pic>
+        <p:nvPicPr>
+          <p:cNvPr id="39" name="Picture 38">
+            <a:extLst>
+              <a:ext uri="{FF2B5EF4-FFF2-40B4-BE49-F238E27FC236}">
+                <a16:creationId xmlns:a16="http://schemas.microsoft.com/office/drawing/2014/main" id="{3187B9C8-65AE-4B3D-53A8-E30FC9FDEB65}"/>
+              </a:ext>
+            </a:extLst>
+          </p:cNvPr>
+          <p:cNvPicPr>
+            <a:picLocks noChangeAspect="1"/>
+          </p:cNvPicPr>
+          <p:nvPr/>
+        </p:nvPicPr>
+        <p:blipFill>
+          <a:blip r:embed="rId3"/>
+          <a:stretch>
+            <a:fillRect/>
+          </a:stretch>
+        </p:blipFill>
+        <p:spPr>
+          <a:xfrm>
+            <a:off x="25252496" y="35782193"/>
+            <a:ext cx="4122604" cy="2318964"/>
+          </a:xfrm>
+          <a:prstGeom prst="rect">
+            <a:avLst/>
+          </a:prstGeom>
+        </p:spPr>
+      </p:pic>
+      <p:sp>
+        <p:nvSpPr>
+          <p:cNvPr id="40" name="Rectangle: Top Corners Rounded 39">
+            <a:extLst>
+              <a:ext uri="{FF2B5EF4-FFF2-40B4-BE49-F238E27FC236}">
+                <a16:creationId xmlns:a16="http://schemas.microsoft.com/office/drawing/2014/main" id="{DB39A976-82B2-3968-93F5-A02570BF86F9}"/>
+              </a:ext>
+            </a:extLst>
+          </p:cNvPr>
+          <p:cNvSpPr/>
+          <p:nvPr/>
+        </p:nvSpPr>
+        <p:spPr>
+          <a:xfrm flipV="1">
+            <a:off x="-1" y="41844211"/>
+            <a:ext cx="30329139" cy="959548"/>
+          </a:xfrm>
+          <a:prstGeom prst="round2SameRect">
+            <a:avLst>
+              <a:gd name="adj1" fmla="val 0"/>
+              <a:gd name="adj2" fmla="val 0"/>
+            </a:avLst>
+          </a:prstGeom>
+          <a:solidFill>
+            <a:srgbClr val="2F4F4F"/>
+          </a:solidFill>
+          <a:ln w="254000">
+            <a:noFill/>
+          </a:ln>
+        </p:spPr>
+        <p:style>
+          <a:lnRef idx="2">
+            <a:schemeClr val="accent1">
+              <a:shade val="15000"/>
+            </a:schemeClr>
+          </a:lnRef>
+          <a:fillRef idx="1">
+            <a:schemeClr val="accent1"/>
+          </a:fillRef>
+          <a:effectRef idx="0">
+            <a:schemeClr val="accent1"/>
+          </a:effectRef>
+          <a:fontRef idx="minor">
+            <a:schemeClr val="lt1"/>
+          </a:fontRef>
+        </p:style>
+        <p:txBody>
+          <a:bodyPr rtlCol="0" anchor="ctr"/>
+          <a:lstStyle/>
+          <a:p>
+            <a:pPr algn="ctr"/>
+            <a:endParaRPr lang="de-DE"/>
+          </a:p>
+        </p:txBody>
+      </p:sp>
+    </p:spTree>
+    <p:extLst>
+      <p:ext uri="{BB962C8B-B14F-4D97-AF65-F5344CB8AC3E}">
+        <p14:creationId xmlns:p14="http://schemas.microsoft.com/office/powerpoint/2010/main" val="2450840980"/>
+      </p:ext>
+    </p:extLst>
+  </p:cSld>
+  <p:clrMapOvr>
+    <a:masterClrMapping/>
+  </p:clrMapOvr>
+</p:sld>
+</file>
+
+<file path=ppt/slides/slide3.xml><?xml version="1.0" encoding="utf-8"?>
+<p:sld xmlns:a="http://schemas.openxmlformats.org/drawingml/2006/main" xmlns:r="http://schemas.openxmlformats.org/officeDocument/2006/relationships" xmlns:p="http://schemas.openxmlformats.org/presentationml/2006/main">
+  <p:cSld>
+    <p:spTree>
+      <p:nvGrpSpPr>
+        <p:cNvPr id="1" name="">
+          <a:extLst>
+            <a:ext uri="{FF2B5EF4-FFF2-40B4-BE49-F238E27FC236}">
+              <a16:creationId xmlns:a16="http://schemas.microsoft.com/office/drawing/2014/main" id="{E1DF4A73-F1A5-AA63-C420-AC7D201A1A30}"/>
+            </a:ext>
+          </a:extLst>
+        </p:cNvPr>
+        <p:cNvGrpSpPr/>
+        <p:nvPr/>
+      </p:nvGrpSpPr>
+      <p:grpSpPr>
+        <a:xfrm>
+          <a:off x="0" y="0"/>
+          <a:ext cx="0" cy="0"/>
+          <a:chOff x="0" y="0"/>
+          <a:chExt cx="0" cy="0"/>
+        </a:xfrm>
+      </p:grpSpPr>
+      <p:sp>
+        <p:nvSpPr>
+          <p:cNvPr id="6" name="Rectangle: Top Corners Rounded 5">
+            <a:extLst>
+              <a:ext uri="{FF2B5EF4-FFF2-40B4-BE49-F238E27FC236}">
+                <a16:creationId xmlns:a16="http://schemas.microsoft.com/office/drawing/2014/main" id="{B70656AB-0174-4B67-2BA5-53E09D60482E}"/>
+              </a:ext>
+            </a:extLst>
+          </p:cNvPr>
+          <p:cNvSpPr/>
+          <p:nvPr/>
+        </p:nvSpPr>
+        <p:spPr>
+          <a:xfrm flipV="1">
+            <a:off x="0" y="-21883"/>
+            <a:ext cx="30275214" cy="5684230"/>
+          </a:xfrm>
+          <a:prstGeom prst="round2SameRect">
+            <a:avLst>
+              <a:gd name="adj1" fmla="val 0"/>
+              <a:gd name="adj2" fmla="val 0"/>
+            </a:avLst>
+          </a:prstGeom>
+          <a:solidFill>
+            <a:srgbClr val="2F4F4F"/>
+          </a:solidFill>
+          <a:ln w="254000">
+            <a:noFill/>
+          </a:ln>
+        </p:spPr>
+        <p:style>
+          <a:lnRef idx="2">
+            <a:schemeClr val="accent1">
+              <a:shade val="15000"/>
+            </a:schemeClr>
+          </a:lnRef>
+          <a:fillRef idx="1">
+            <a:schemeClr val="accent1"/>
+          </a:fillRef>
+          <a:effectRef idx="0">
+            <a:schemeClr val="accent1"/>
+          </a:effectRef>
+          <a:fontRef idx="minor">
+            <a:schemeClr val="lt1"/>
+          </a:fontRef>
+        </p:style>
+        <p:txBody>
+          <a:bodyPr rtlCol="0" anchor="ctr"/>
+          <a:lstStyle/>
+          <a:p>
+            <a:pPr algn="ctr"/>
+            <a:r>
+              <a:rPr lang="de-DE" dirty="0"/>
+              <a:t>k</a:t>
+            </a:r>
+          </a:p>
+        </p:txBody>
+      </p:sp>
+      <p:pic>
+        <p:nvPicPr>
+          <p:cNvPr id="7" name="Picture 6">
+            <a:extLst>
+              <a:ext uri="{FF2B5EF4-FFF2-40B4-BE49-F238E27FC236}">
+                <a16:creationId xmlns:a16="http://schemas.microsoft.com/office/drawing/2014/main" id="{5BDC3B99-2297-F506-F3CF-FEB3BE0217A0}"/>
+              </a:ext>
+            </a:extLst>
+          </p:cNvPr>
+          <p:cNvPicPr>
+            <a:picLocks noChangeAspect="1"/>
+          </p:cNvPicPr>
+          <p:nvPr/>
+        </p:nvPicPr>
+        <p:blipFill>
+          <a:blip r:embed="rId2"/>
+          <a:stretch>
+            <a:fillRect/>
+          </a:stretch>
+        </p:blipFill>
+        <p:spPr>
+          <a:xfrm>
+            <a:off x="24001017" y="38215026"/>
+            <a:ext cx="5494984" cy="3089708"/>
+          </a:xfrm>
+          <a:prstGeom prst="rect">
+            <a:avLst/>
+          </a:prstGeom>
+        </p:spPr>
+      </p:pic>
+      <p:sp>
+        <p:nvSpPr>
+          <p:cNvPr id="8" name="Rectangle: Rounded Corners 7">
+            <a:extLst>
+              <a:ext uri="{FF2B5EF4-FFF2-40B4-BE49-F238E27FC236}">
+                <a16:creationId xmlns:a16="http://schemas.microsoft.com/office/drawing/2014/main" id="{A713A0F8-38B7-48FD-E912-57EC1A0B9F1B}"/>
+              </a:ext>
+            </a:extLst>
+          </p:cNvPr>
+          <p:cNvSpPr/>
+          <p:nvPr/>
+        </p:nvSpPr>
+        <p:spPr>
+          <a:xfrm>
+            <a:off x="619433" y="27643718"/>
+            <a:ext cx="14518173" cy="13738215"/>
+          </a:xfrm>
+          <a:prstGeom prst="roundRect">
+            <a:avLst>
+              <a:gd name="adj" fmla="val 3189"/>
+            </a:avLst>
+          </a:prstGeom>
+          <a:solidFill>
+            <a:schemeClr val="bg1"/>
+          </a:solidFill>
+          <a:ln w="254000">
+            <a:solidFill>
+              <a:srgbClr val="2F4F4F"/>
+            </a:solidFill>
+          </a:ln>
+        </p:spPr>
+        <p:style>
+          <a:lnRef idx="2">
+            <a:schemeClr val="accent1">
+              <a:shade val="15000"/>
+            </a:schemeClr>
+          </a:lnRef>
+          <a:fillRef idx="1">
+            <a:schemeClr val="accent1"/>
+          </a:fillRef>
+          <a:effectRef idx="0">
+            <a:schemeClr val="accent1"/>
+          </a:effectRef>
+          <a:fontRef idx="minor">
+            <a:schemeClr val="lt1"/>
+          </a:fontRef>
+        </p:style>
+        <p:txBody>
+          <a:bodyPr rtlCol="0" anchor="ctr"/>
+          <a:lstStyle/>
+          <a:p>
+            <a:pPr algn="ctr"/>
+            <a:endParaRPr lang="de-DE"/>
+          </a:p>
+        </p:txBody>
+      </p:sp>
+      <p:sp>
+        <p:nvSpPr>
+          <p:cNvPr id="10" name="Rectangle: Rounded Corners 9">
+            <a:extLst>
+              <a:ext uri="{FF2B5EF4-FFF2-40B4-BE49-F238E27FC236}">
+                <a16:creationId xmlns:a16="http://schemas.microsoft.com/office/drawing/2014/main" id="{2EB8B356-CCBD-CD94-D233-61530E66671D}"/>
+              </a:ext>
+            </a:extLst>
+          </p:cNvPr>
+          <p:cNvSpPr/>
+          <p:nvPr/>
+        </p:nvSpPr>
+        <p:spPr>
+          <a:xfrm>
+            <a:off x="15747588" y="27732209"/>
+            <a:ext cx="13858989" cy="7375456"/>
+          </a:xfrm>
+          <a:prstGeom prst="roundRect">
+            <a:avLst>
+              <a:gd name="adj" fmla="val 2683"/>
+            </a:avLst>
+          </a:prstGeom>
+          <a:solidFill>
+            <a:schemeClr val="bg1"/>
+          </a:solidFill>
+          <a:ln w="254000">
+            <a:solidFill>
+              <a:srgbClr val="8B1A1A"/>
+            </a:solidFill>
+          </a:ln>
+        </p:spPr>
+        <p:style>
+          <a:lnRef idx="2">
+            <a:schemeClr val="accent1">
+              <a:shade val="15000"/>
+            </a:schemeClr>
+          </a:lnRef>
+          <a:fillRef idx="1">
+            <a:schemeClr val="accent1"/>
+          </a:fillRef>
+          <a:effectRef idx="0">
+            <a:schemeClr val="accent1"/>
+          </a:effectRef>
+          <a:fontRef idx="minor">
+            <a:schemeClr val="lt1"/>
+          </a:fontRef>
+        </p:style>
+        <p:txBody>
+          <a:bodyPr rtlCol="0" anchor="ctr"/>
+          <a:lstStyle/>
+          <a:p>
+            <a:pPr algn="ctr"/>
+            <a:endParaRPr lang="de-DE"/>
+          </a:p>
+        </p:txBody>
+      </p:sp>
+      <p:sp>
+        <p:nvSpPr>
+          <p:cNvPr id="12" name="Rectangle: Rounded Corners 11">
+            <a:extLst>
+              <a:ext uri="{FF2B5EF4-FFF2-40B4-BE49-F238E27FC236}">
+                <a16:creationId xmlns:a16="http://schemas.microsoft.com/office/drawing/2014/main" id="{9231AF3A-80B3-BE46-9573-971DE14958FD}"/>
+              </a:ext>
+            </a:extLst>
+          </p:cNvPr>
+          <p:cNvSpPr/>
+          <p:nvPr/>
+        </p:nvSpPr>
+        <p:spPr>
+          <a:xfrm>
+            <a:off x="15765564" y="35908635"/>
+            <a:ext cx="7265887" cy="5473298"/>
+          </a:xfrm>
+          <a:prstGeom prst="roundRect">
+            <a:avLst>
+              <a:gd name="adj" fmla="val 2154"/>
+            </a:avLst>
+          </a:prstGeom>
+          <a:solidFill>
+            <a:schemeClr val="bg1"/>
+          </a:solidFill>
+          <a:ln w="254000">
+            <a:solidFill>
+              <a:srgbClr val="2F4F4F"/>
+            </a:solidFill>
+          </a:ln>
+        </p:spPr>
+        <p:style>
+          <a:lnRef idx="2">
+            <a:schemeClr val="accent1">
+              <a:shade val="15000"/>
+            </a:schemeClr>
+          </a:lnRef>
+          <a:fillRef idx="1">
+            <a:schemeClr val="accent1"/>
+          </a:fillRef>
+          <a:effectRef idx="0">
+            <a:schemeClr val="accent1"/>
+          </a:effectRef>
+          <a:fontRef idx="minor">
+            <a:schemeClr val="lt1"/>
+          </a:fontRef>
+        </p:style>
+        <p:txBody>
+          <a:bodyPr rtlCol="0" anchor="ctr"/>
+          <a:lstStyle/>
+          <a:p>
+            <a:pPr algn="ctr"/>
+            <a:endParaRPr lang="de-DE" dirty="0"/>
+          </a:p>
+        </p:txBody>
+      </p:sp>
+      <p:sp>
+        <p:nvSpPr>
+          <p:cNvPr id="13" name="Rectangle: Rounded Corners 12">
+            <a:extLst>
+              <a:ext uri="{FF2B5EF4-FFF2-40B4-BE49-F238E27FC236}">
+                <a16:creationId xmlns:a16="http://schemas.microsoft.com/office/drawing/2014/main" id="{1CD43AAC-ECD7-87DC-F2DE-61DA232A23BF}"/>
+              </a:ext>
+            </a:extLst>
+          </p:cNvPr>
+          <p:cNvSpPr/>
+          <p:nvPr/>
+        </p:nvSpPr>
+        <p:spPr>
+          <a:xfrm>
+            <a:off x="619433" y="13902154"/>
+            <a:ext cx="29054323" cy="13032673"/>
+          </a:xfrm>
+          <a:prstGeom prst="roundRect">
+            <a:avLst>
+              <a:gd name="adj" fmla="val 1883"/>
+            </a:avLst>
+          </a:prstGeom>
+          <a:solidFill>
+            <a:schemeClr val="bg1"/>
+          </a:solidFill>
+          <a:ln w="254000">
+            <a:solidFill>
+              <a:srgbClr val="668B8B"/>
+            </a:solidFill>
+          </a:ln>
+        </p:spPr>
+        <p:style>
+          <a:lnRef idx="2">
+            <a:schemeClr val="accent1">
+              <a:shade val="15000"/>
+            </a:schemeClr>
+          </a:lnRef>
+          <a:fillRef idx="1">
+            <a:schemeClr val="accent1"/>
+          </a:fillRef>
+          <a:effectRef idx="0">
+            <a:schemeClr val="accent1"/>
+          </a:effectRef>
+          <a:fontRef idx="minor">
+            <a:schemeClr val="lt1"/>
+          </a:fontRef>
+        </p:style>
+        <p:txBody>
+          <a:bodyPr rtlCol="0" anchor="ctr"/>
+          <a:lstStyle/>
+          <a:p>
+            <a:pPr algn="ctr"/>
+            <a:r>
+              <a:rPr lang="de-DE" dirty="0"/>
+              <a:t>v</a:t>
+            </a:r>
+          </a:p>
+        </p:txBody>
+      </p:sp>
+      <p:sp>
+        <p:nvSpPr>
+          <p:cNvPr id="14" name="Rectangle: Rounded Corners 13">
+            <a:extLst>
+              <a:ext uri="{FF2B5EF4-FFF2-40B4-BE49-F238E27FC236}">
+                <a16:creationId xmlns:a16="http://schemas.microsoft.com/office/drawing/2014/main" id="{53864006-63FB-8BB0-C870-0A7989B21338}"/>
+              </a:ext>
+            </a:extLst>
+          </p:cNvPr>
+          <p:cNvSpPr/>
+          <p:nvPr/>
+        </p:nvSpPr>
+        <p:spPr>
+          <a:xfrm>
+            <a:off x="619433" y="6354752"/>
+            <a:ext cx="29054323" cy="6831954"/>
+          </a:xfrm>
+          <a:prstGeom prst="roundRect">
+            <a:avLst>
+              <a:gd name="adj" fmla="val 4408"/>
+            </a:avLst>
+          </a:prstGeom>
+          <a:solidFill>
+            <a:schemeClr val="bg1"/>
+          </a:solidFill>
+          <a:ln w="254000">
+            <a:solidFill>
+              <a:srgbClr val="8B1A1A"/>
+            </a:solidFill>
+          </a:ln>
+        </p:spPr>
+        <p:style>
+          <a:lnRef idx="2">
+            <a:schemeClr val="accent1">
+              <a:shade val="15000"/>
+            </a:schemeClr>
+          </a:lnRef>
+          <a:fillRef idx="1">
+            <a:schemeClr val="accent1"/>
+          </a:fillRef>
+          <a:effectRef idx="0">
+            <a:schemeClr val="accent1"/>
+          </a:effectRef>
+          <a:fontRef idx="minor">
+            <a:schemeClr val="lt1"/>
+          </a:fontRef>
+        </p:style>
+        <p:txBody>
+          <a:bodyPr numCol="1" rtlCol="0" anchor="ctr"/>
+          <a:lstStyle/>
+          <a:p>
+            <a:pPr algn="ctr"/>
+            <a:endParaRPr lang="de-DE" dirty="0"/>
+          </a:p>
+        </p:txBody>
+      </p:sp>
+      <p:sp>
+        <p:nvSpPr>
+          <p:cNvPr id="15" name="TextBox 14">
+            <a:extLst>
+              <a:ext uri="{FF2B5EF4-FFF2-40B4-BE49-F238E27FC236}">
+                <a16:creationId xmlns:a16="http://schemas.microsoft.com/office/drawing/2014/main" id="{D19E7890-A755-B17C-D9DB-6000C22C6E46}"/>
+              </a:ext>
+            </a:extLst>
+          </p:cNvPr>
+          <p:cNvSpPr txBox="1"/>
+          <p:nvPr/>
+        </p:nvSpPr>
+        <p:spPr>
+          <a:xfrm>
+            <a:off x="1253554" y="8328936"/>
+            <a:ext cx="13893040" cy="4524315"/>
+          </a:xfrm>
+          <a:prstGeom prst="rect">
+            <a:avLst/>
+          </a:prstGeom>
+          <a:noFill/>
+          <a:ln>
+            <a:noFill/>
+          </a:ln>
+        </p:spPr>
+        <p:txBody>
+          <a:bodyPr wrap="square">
+            <a:spAutoFit/>
+          </a:bodyPr>
+          <a:lstStyle/>
+          <a:p>
+            <a:r>
+              <a:rPr lang="en-US" sz="2400" b="1" dirty="0"/>
+              <a:t>  </a:t>
+            </a:r>
+            <a:endParaRPr lang="en-US" sz="2400" dirty="0"/>
+          </a:p>
+          <a:p>
+            <a:pPr marL="457200" indent="-457200">
+              <a:buFont typeface="Arial" panose="020B0604020202020204" pitchFamily="34" charset="0"/>
+              <a:buChar char="•"/>
+            </a:pPr>
+            <a:r>
+              <a:rPr lang="de-DE" sz="2400" dirty="0"/>
+              <a:t>„We want to </a:t>
+            </a:r>
+            <a:r>
+              <a:rPr lang="en-US" sz="2400" dirty="0"/>
+              <a:t>extract RNA-dependent proteins from proteomic screens”</a:t>
+            </a:r>
+            <a:endParaRPr lang="de-DE" sz="2400" dirty="0"/>
+          </a:p>
+          <a:p>
+            <a:pPr marL="457200" indent="-457200">
+              <a:buFont typeface="Arial" panose="020B0604020202020204" pitchFamily="34" charset="0"/>
+              <a:buChar char="•"/>
+            </a:pPr>
+            <a:r>
+              <a:rPr lang="de-DE" sz="2400" dirty="0"/>
+              <a:t>„RNA-dependency = the proteins interactome depends on RNA“</a:t>
+            </a:r>
+          </a:p>
+          <a:p>
+            <a:endParaRPr lang="en-US" sz="2400" b="1" dirty="0"/>
+          </a:p>
+          <a:p>
+            <a:r>
+              <a:rPr lang="en-US" sz="2400" b="1" dirty="0"/>
+              <a:t>What Makes RNA-Dependent Proteins Worth Investigating?</a:t>
+            </a:r>
+          </a:p>
+          <a:p>
+            <a:pPr marL="457200" indent="-457200">
+              <a:buFont typeface="Arial" panose="020B0604020202020204" pitchFamily="34" charset="0"/>
+              <a:buChar char="•"/>
+            </a:pPr>
+            <a:r>
+              <a:rPr lang="de-DE" sz="2400" b="1" dirty="0"/>
+              <a:t>Key Regulators:</a:t>
+            </a:r>
+            <a:r>
+              <a:rPr lang="de-DE" sz="2400" dirty="0"/>
+              <a:t> RBPs control RNA metabolism &amp; gene expression.</a:t>
+            </a:r>
+          </a:p>
+          <a:p>
+            <a:pPr marL="457200" indent="-457200">
+              <a:buFont typeface="Arial" panose="020B0604020202020204" pitchFamily="34" charset="0"/>
+              <a:buChar char="•"/>
+            </a:pPr>
+            <a:r>
+              <a:rPr lang="de-DE" sz="2400" b="1" dirty="0"/>
+              <a:t>Disease Links:</a:t>
+            </a:r>
+            <a:r>
+              <a:rPr lang="de-DE" sz="2400" dirty="0"/>
+              <a:t> Misregulation is tied to cancer &amp; neurodegeneration.</a:t>
+            </a:r>
+          </a:p>
+          <a:p>
+            <a:pPr marL="457200" indent="-457200">
+              <a:buFont typeface="Arial" panose="020B0604020202020204" pitchFamily="34" charset="0"/>
+              <a:buChar char="•"/>
+            </a:pPr>
+            <a:r>
+              <a:rPr lang="de-DE" sz="2400" b="1" dirty="0"/>
+              <a:t>Functional Clues:</a:t>
+            </a:r>
+            <a:r>
+              <a:rPr lang="de-DE" sz="2400" dirty="0"/>
+              <a:t> New RBPs hint at RNA’s role in specific pathways.</a:t>
+            </a:r>
+          </a:p>
+          <a:p>
+            <a:pPr marL="457200" indent="-457200">
+              <a:buFont typeface="Arial" panose="020B0604020202020204" pitchFamily="34" charset="0"/>
+              <a:buChar char="•"/>
+            </a:pPr>
+            <a:r>
+              <a:rPr lang="de-DE" sz="2400" b="1" dirty="0"/>
+              <a:t>Interaction Networks:</a:t>
+            </a:r>
+            <a:r>
+              <a:rPr lang="de-DE" sz="2400" dirty="0"/>
+              <a:t> Mapping RNA-protein complexes reveals regulatory logic. </a:t>
+            </a:r>
+          </a:p>
+          <a:p>
+            <a:pPr marL="457200" indent="-457200">
+              <a:buFont typeface="Arial" panose="020B0604020202020204" pitchFamily="34" charset="0"/>
+              <a:buChar char="•"/>
+            </a:pPr>
+            <a:r>
+              <a:rPr lang="de-DE" sz="2400" b="1" dirty="0"/>
+              <a:t>Molecular Insights:</a:t>
+            </a:r>
+            <a:r>
+              <a:rPr lang="de-DE" sz="2400" dirty="0"/>
+              <a:t> Deepens our understanding of cell cycle and cellular behavior. </a:t>
+            </a:r>
+            <a:endParaRPr lang="en-US" sz="2400" b="1" dirty="0"/>
+          </a:p>
+          <a:p>
+            <a:pPr marL="457200" indent="-457200">
+              <a:buFont typeface="Arial" panose="020B0604020202020204" pitchFamily="34" charset="0"/>
+              <a:buChar char="•"/>
+            </a:pPr>
+            <a:endParaRPr lang="de-DE" sz="2400" dirty="0"/>
+          </a:p>
+          <a:p>
+            <a:pPr marL="457200" indent="-457200">
+              <a:buFont typeface="Arial" panose="020B0604020202020204" pitchFamily="34" charset="0"/>
+              <a:buChar char="•"/>
+            </a:pPr>
+            <a:endParaRPr lang="de-DE" sz="2400" dirty="0"/>
+          </a:p>
+        </p:txBody>
+      </p:sp>
+      <p:sp>
+        <p:nvSpPr>
+          <p:cNvPr id="16" name="TextBox 15">
+            <a:extLst>
+              <a:ext uri="{FF2B5EF4-FFF2-40B4-BE49-F238E27FC236}">
+                <a16:creationId xmlns:a16="http://schemas.microsoft.com/office/drawing/2014/main" id="{211537A9-2A41-D944-75A0-E240E6F90744}"/>
+              </a:ext>
+            </a:extLst>
+          </p:cNvPr>
+          <p:cNvSpPr txBox="1"/>
+          <p:nvPr/>
+        </p:nvSpPr>
+        <p:spPr>
+          <a:xfrm>
+            <a:off x="1887734" y="16043329"/>
+            <a:ext cx="24173364" cy="7109639"/>
+          </a:xfrm>
+          <a:prstGeom prst="rect">
+            <a:avLst/>
+          </a:prstGeom>
+          <a:noFill/>
+          <a:ln>
+            <a:noFill/>
+          </a:ln>
+        </p:spPr>
+        <p:txBody>
+          <a:bodyPr wrap="square">
+            <a:spAutoFit/>
+          </a:bodyPr>
+          <a:lstStyle/>
+          <a:p>
+            <a:r>
+              <a:rPr lang="en-US" sz="2400" b="1" dirty="0"/>
+              <a:t>1) Data preparation</a:t>
+            </a:r>
+          </a:p>
+          <a:p>
+            <a:pPr marL="457200" indent="-457200">
+              <a:buFont typeface="Arial" panose="020B0604020202020204" pitchFamily="34" charset="0"/>
+              <a:buChar char="•"/>
+            </a:pPr>
+            <a:r>
+              <a:rPr lang="en-US" sz="2400" dirty="0"/>
+              <a:t>Data cleanup</a:t>
+            </a:r>
+          </a:p>
+          <a:p>
+            <a:pPr marL="457200" indent="-457200">
+              <a:buFont typeface="Arial" panose="020B0604020202020204" pitchFamily="34" charset="0"/>
+              <a:buChar char="•"/>
+            </a:pPr>
+            <a:r>
+              <a:rPr lang="en-US" sz="2400" dirty="0"/>
+              <a:t>“Rearrange and reorder the columns to their treatment, replicate and fraction”</a:t>
+            </a:r>
+          </a:p>
+          <a:p>
+            <a:pPr marL="457200" indent="-457200">
+              <a:buFont typeface="Arial" panose="020B0604020202020204" pitchFamily="34" charset="0"/>
+              <a:buChar char="•"/>
+            </a:pPr>
+            <a:r>
+              <a:rPr lang="en-US" sz="2400" dirty="0"/>
+              <a:t>Normalization</a:t>
+            </a:r>
+          </a:p>
+          <a:p>
+            <a:endParaRPr lang="en-US" sz="2400" b="1" dirty="0"/>
+          </a:p>
+          <a:p>
+            <a:r>
+              <a:rPr lang="de-DE" sz="2400" b="1" dirty="0"/>
+              <a:t>2) Data exploration</a:t>
+            </a:r>
+            <a:endParaRPr lang="de-DE" sz="2400" dirty="0"/>
+          </a:p>
+          <a:p>
+            <a:pPr marL="457200" indent="-457200">
+              <a:buFont typeface="Arial" panose="020B0604020202020204" pitchFamily="34" charset="0"/>
+              <a:buChar char="•"/>
+            </a:pPr>
+            <a:r>
+              <a:rPr lang="en-US" sz="2400" dirty="0"/>
+              <a:t> Identification of maxima and shoulders</a:t>
+            </a:r>
+          </a:p>
+          <a:p>
+            <a:pPr marL="457200" indent="-457200">
+              <a:buFont typeface="Arial" panose="020B0604020202020204" pitchFamily="34" charset="0"/>
+              <a:buChar char="•"/>
+            </a:pPr>
+            <a:r>
+              <a:rPr lang="en-US" sz="2400" dirty="0"/>
+              <a:t> </a:t>
+            </a:r>
+            <a:r>
+              <a:rPr lang="de-DE" sz="2400" dirty="0"/>
+              <a:t>Selection criteria</a:t>
+            </a:r>
+            <a:r>
+              <a:rPr lang="en-US" sz="2400" dirty="0"/>
+              <a:t> &amp; Wilcoxon Test </a:t>
+            </a:r>
+          </a:p>
+          <a:p>
+            <a:pPr marL="457200" indent="-457200">
+              <a:buFont typeface="Arial" panose="020B0604020202020204" pitchFamily="34" charset="0"/>
+              <a:buChar char="•"/>
+            </a:pPr>
+            <a:r>
+              <a:rPr lang="en-US" sz="2400" dirty="0"/>
+              <a:t>Visualization for the </a:t>
+            </a:r>
+            <a:r>
+              <a:rPr lang="de-DE" sz="2400" dirty="0"/>
+              <a:t>order of selection criteria</a:t>
+            </a:r>
+            <a:endParaRPr lang="en-US" sz="2400" dirty="0"/>
+          </a:p>
+          <a:p>
+            <a:pPr marL="457200" indent="-457200">
+              <a:buFont typeface="Arial" panose="020B0604020202020204" pitchFamily="34" charset="0"/>
+              <a:buChar char="•"/>
+            </a:pPr>
+            <a:r>
+              <a:rPr lang="en-US" sz="2400" dirty="0"/>
+              <a:t>Pie charts for selection results</a:t>
+            </a:r>
+          </a:p>
+          <a:p>
+            <a:endParaRPr lang="en-US" sz="2400" b="1" dirty="0"/>
+          </a:p>
+          <a:p>
+            <a:r>
+              <a:rPr lang="de-DE" sz="2400" b="1" dirty="0"/>
+              <a:t>3) Data reduction</a:t>
+            </a:r>
+          </a:p>
+          <a:p>
+            <a:pPr marL="457200" indent="-457200">
+              <a:buFont typeface="Arial" panose="020B0604020202020204" pitchFamily="34" charset="0"/>
+              <a:buChar char="•"/>
+            </a:pPr>
+            <a:r>
+              <a:rPr lang="de-DE" sz="2400" dirty="0"/>
+              <a:t>PCR </a:t>
+            </a:r>
+            <a:endParaRPr lang="en-US" sz="2400" dirty="0"/>
+          </a:p>
+          <a:p>
+            <a:pPr marL="457200" indent="-457200">
+              <a:buFont typeface="Arial" panose="020B0604020202020204" pitchFamily="34" charset="0"/>
+              <a:buChar char="•"/>
+            </a:pPr>
+            <a:r>
+              <a:rPr lang="en-US" sz="2400" dirty="0"/>
+              <a:t> k-means clustering</a:t>
+            </a:r>
+          </a:p>
+          <a:p>
+            <a:pPr marL="457200" indent="-457200">
+              <a:buFont typeface="Arial" panose="020B0604020202020204" pitchFamily="34" charset="0"/>
+              <a:buChar char="•"/>
+            </a:pPr>
+            <a:endParaRPr lang="en-US" sz="2400" dirty="0"/>
+          </a:p>
+          <a:p>
+            <a:r>
+              <a:rPr lang="de-DE" sz="2400" b="1" dirty="0"/>
+              <a:t>4) Data modelling</a:t>
+            </a:r>
+          </a:p>
+          <a:p>
+            <a:pPr marL="457200" indent="-457200">
+              <a:buFont typeface="Arial" panose="020B0604020202020204" pitchFamily="34" charset="0"/>
+              <a:buChar char="•"/>
+            </a:pPr>
+            <a:r>
+              <a:rPr lang="en-US" sz="2400" dirty="0"/>
+              <a:t> Linear Regression </a:t>
+            </a:r>
+            <a:endParaRPr lang="en-US" sz="2400" b="1" dirty="0"/>
+          </a:p>
+          <a:p>
+            <a:endParaRPr lang="en-US" sz="2400" b="1" dirty="0"/>
+          </a:p>
+          <a:p>
+            <a:endParaRPr lang="en-US" sz="2400" b="1" dirty="0"/>
+          </a:p>
+        </p:txBody>
+      </p:sp>
+      <p:sp>
+        <p:nvSpPr>
+          <p:cNvPr id="17" name="TextBox 16">
+            <a:extLst>
+              <a:ext uri="{FF2B5EF4-FFF2-40B4-BE49-F238E27FC236}">
+                <a16:creationId xmlns:a16="http://schemas.microsoft.com/office/drawing/2014/main" id="{A2D08002-673C-11CD-9F45-286E0395C3C8}"/>
+              </a:ext>
+            </a:extLst>
+          </p:cNvPr>
+          <p:cNvSpPr txBox="1"/>
+          <p:nvPr/>
+        </p:nvSpPr>
+        <p:spPr>
+          <a:xfrm>
+            <a:off x="1253554" y="29923970"/>
+            <a:ext cx="11401261" cy="11172289"/>
+          </a:xfrm>
+          <a:prstGeom prst="rect">
+            <a:avLst/>
+          </a:prstGeom>
+          <a:noFill/>
+          <a:ln>
+            <a:noFill/>
+          </a:ln>
+        </p:spPr>
+        <p:txBody>
+          <a:bodyPr wrap="square">
+            <a:spAutoFit/>
+          </a:bodyPr>
+          <a:lstStyle/>
+          <a:p>
+            <a:pPr marL="457200" indent="-457200">
+              <a:buFont typeface="Arial" panose="020B0604020202020204" pitchFamily="34" charset="0"/>
+              <a:buChar char="•"/>
+            </a:pPr>
+            <a:r>
+              <a:rPr lang="en-US" sz="2400" dirty="0"/>
+              <a:t>Critical review of our own results and methods (e.g., Selection criteria made us delete some RBPs. Why? What were their properties?)</a:t>
+            </a:r>
+          </a:p>
+          <a:p>
+            <a:pPr marL="457200" indent="-457200">
+              <a:buFont typeface="Arial" panose="020B0604020202020204" pitchFamily="34" charset="0"/>
+              <a:buChar char="•"/>
+            </a:pPr>
+            <a:r>
+              <a:rPr lang="en-US" sz="2400" dirty="0"/>
+              <a:t>Why do we find fewer proteins than </a:t>
+            </a:r>
+            <a:r>
+              <a:rPr lang="en-US" sz="2400" dirty="0" err="1"/>
+              <a:t>Maïwen</a:t>
+            </a:r>
+            <a:r>
+              <a:rPr lang="en-US" sz="2400" dirty="0"/>
+              <a:t>? </a:t>
+            </a:r>
+          </a:p>
+          <a:p>
+            <a:pPr marL="457200" indent="-457200">
+              <a:buFont typeface="Arial" panose="020B0604020202020204" pitchFamily="34" charset="0"/>
+              <a:buChar char="•"/>
+            </a:pPr>
+            <a:endParaRPr lang="en-US" sz="2400" dirty="0"/>
+          </a:p>
+          <a:p>
+            <a:pPr marL="457200" indent="-457200">
+              <a:buFont typeface="Arial" panose="020B0604020202020204" pitchFamily="34" charset="0"/>
+              <a:buChar char="•"/>
+            </a:pPr>
+            <a:endParaRPr lang="en-US" sz="2400" dirty="0"/>
+          </a:p>
+          <a:p>
+            <a:pPr marL="457200" indent="-457200">
+              <a:buFont typeface="Arial" panose="020B0604020202020204" pitchFamily="34" charset="0"/>
+              <a:buChar char="•"/>
+            </a:pPr>
+            <a:endParaRPr lang="en-US" sz="2400" dirty="0"/>
+          </a:p>
+          <a:p>
+            <a:pPr marL="457200" indent="-457200">
+              <a:buFont typeface="Arial" panose="020B0604020202020204" pitchFamily="34" charset="0"/>
+              <a:buChar char="•"/>
+            </a:pPr>
+            <a:endParaRPr lang="en-US" sz="2400" dirty="0"/>
+          </a:p>
+          <a:p>
+            <a:pPr marL="457200" indent="-457200">
+              <a:buFont typeface="Arial" panose="020B0604020202020204" pitchFamily="34" charset="0"/>
+              <a:buChar char="•"/>
+            </a:pPr>
+            <a:endParaRPr lang="en-US" sz="2400" dirty="0"/>
+          </a:p>
+          <a:p>
+            <a:pPr marL="457200" indent="-457200">
+              <a:buFont typeface="Arial" panose="020B0604020202020204" pitchFamily="34" charset="0"/>
+              <a:buChar char="•"/>
+            </a:pPr>
+            <a:endParaRPr lang="en-US" sz="2400" dirty="0"/>
+          </a:p>
+          <a:p>
+            <a:pPr marL="457200" indent="-457200">
+              <a:buFont typeface="Arial" panose="020B0604020202020204" pitchFamily="34" charset="0"/>
+              <a:buChar char="•"/>
+            </a:pPr>
+            <a:endParaRPr lang="en-US" sz="2400" dirty="0"/>
+          </a:p>
+          <a:p>
+            <a:pPr marL="457200" indent="-457200">
+              <a:buFont typeface="Arial" panose="020B0604020202020204" pitchFamily="34" charset="0"/>
+              <a:buChar char="•"/>
+            </a:pPr>
+            <a:endParaRPr lang="en-US" sz="2400" dirty="0"/>
+          </a:p>
+          <a:p>
+            <a:pPr marL="457200" indent="-457200">
+              <a:buFont typeface="Arial" panose="020B0604020202020204" pitchFamily="34" charset="0"/>
+              <a:buChar char="•"/>
+            </a:pPr>
+            <a:endParaRPr lang="en-US" sz="2400" dirty="0"/>
+          </a:p>
+          <a:p>
+            <a:pPr marL="457200" indent="-457200">
+              <a:buFont typeface="Arial" panose="020B0604020202020204" pitchFamily="34" charset="0"/>
+              <a:buChar char="•"/>
+            </a:pPr>
+            <a:endParaRPr lang="en-US" sz="2400" dirty="0"/>
+          </a:p>
+          <a:p>
+            <a:pPr marL="457200" indent="-457200">
+              <a:buFont typeface="Arial" panose="020B0604020202020204" pitchFamily="34" charset="0"/>
+              <a:buChar char="•"/>
+            </a:pPr>
+            <a:endParaRPr lang="en-US" sz="2400" dirty="0"/>
+          </a:p>
+          <a:p>
+            <a:pPr marL="457200" indent="-457200">
+              <a:buFont typeface="Arial" panose="020B0604020202020204" pitchFamily="34" charset="0"/>
+              <a:buChar char="•"/>
+            </a:pPr>
+            <a:endParaRPr lang="en-US" sz="2400" dirty="0"/>
+          </a:p>
+          <a:p>
+            <a:pPr marL="457200" indent="-457200">
+              <a:buFont typeface="Arial" panose="020B0604020202020204" pitchFamily="34" charset="0"/>
+              <a:buChar char="•"/>
+            </a:pPr>
+            <a:endParaRPr lang="en-US" sz="2400" dirty="0"/>
+          </a:p>
+          <a:p>
+            <a:pPr marL="457200" indent="-457200">
+              <a:buFont typeface="Arial" panose="020B0604020202020204" pitchFamily="34" charset="0"/>
+              <a:buChar char="•"/>
+            </a:pPr>
+            <a:endParaRPr lang="en-US" sz="2400" dirty="0"/>
+          </a:p>
+          <a:p>
+            <a:pPr marL="457200" indent="-457200">
+              <a:buFont typeface="Arial" panose="020B0604020202020204" pitchFamily="34" charset="0"/>
+              <a:buChar char="•"/>
+            </a:pPr>
+            <a:endParaRPr lang="en-US" sz="2400" dirty="0"/>
+          </a:p>
+          <a:p>
+            <a:pPr marL="457200" indent="-457200">
+              <a:buFont typeface="Arial" panose="020B0604020202020204" pitchFamily="34" charset="0"/>
+              <a:buChar char="•"/>
+            </a:pPr>
+            <a:endParaRPr lang="en-US" sz="2400" dirty="0"/>
+          </a:p>
+          <a:p>
+            <a:pPr marL="457200" indent="-457200">
+              <a:buFont typeface="Arial" panose="020B0604020202020204" pitchFamily="34" charset="0"/>
+              <a:buChar char="•"/>
+            </a:pPr>
+            <a:endParaRPr lang="en-US" sz="2400" dirty="0"/>
+          </a:p>
+          <a:p>
+            <a:pPr marL="457200" indent="-457200">
+              <a:buFont typeface="Arial" panose="020B0604020202020204" pitchFamily="34" charset="0"/>
+              <a:buChar char="•"/>
+            </a:pPr>
+            <a:endParaRPr lang="en-US" sz="2400" dirty="0"/>
+          </a:p>
+          <a:p>
+            <a:pPr marL="457200" indent="-457200">
+              <a:buFont typeface="Arial" panose="020B0604020202020204" pitchFamily="34" charset="0"/>
+              <a:buChar char="•"/>
+            </a:pPr>
+            <a:endParaRPr lang="en-US" sz="2400" dirty="0"/>
+          </a:p>
+          <a:p>
+            <a:pPr marL="457200" indent="-457200">
+              <a:buFont typeface="Arial" panose="020B0604020202020204" pitchFamily="34" charset="0"/>
+              <a:buChar char="•"/>
+            </a:pPr>
+            <a:endParaRPr lang="en-US" sz="2400" dirty="0"/>
+          </a:p>
+          <a:p>
+            <a:pPr marL="457200" indent="-457200">
+              <a:buFont typeface="Arial" panose="020B0604020202020204" pitchFamily="34" charset="0"/>
+              <a:buChar char="•"/>
+            </a:pPr>
+            <a:endParaRPr lang="en-US" sz="2400" dirty="0"/>
+          </a:p>
+          <a:p>
+            <a:pPr marL="457200" indent="-457200">
+              <a:buFont typeface="Arial" panose="020B0604020202020204" pitchFamily="34" charset="0"/>
+              <a:buChar char="•"/>
+            </a:pPr>
+            <a:endParaRPr lang="en-US" sz="2400" dirty="0"/>
+          </a:p>
+          <a:p>
+            <a:pPr marL="457200" indent="-457200">
+              <a:buFont typeface="Arial" panose="020B0604020202020204" pitchFamily="34" charset="0"/>
+              <a:buChar char="•"/>
+            </a:pPr>
+            <a:endParaRPr lang="en-US" sz="2400" dirty="0"/>
+          </a:p>
+          <a:p>
+            <a:pPr marL="457200" indent="-457200">
+              <a:buFont typeface="Arial" panose="020B0604020202020204" pitchFamily="34" charset="0"/>
+              <a:buChar char="•"/>
+            </a:pPr>
+            <a:endParaRPr lang="en-US" sz="2400" dirty="0"/>
+          </a:p>
+          <a:p>
+            <a:pPr marL="457200" indent="-457200">
+              <a:buFont typeface="Arial" panose="020B0604020202020204" pitchFamily="34" charset="0"/>
+              <a:buChar char="•"/>
+            </a:pPr>
+            <a:endParaRPr lang="en-US" sz="2400" dirty="0"/>
+          </a:p>
+          <a:p>
+            <a:pPr marL="457200" indent="-457200">
+              <a:buFont typeface="Arial" panose="020B0604020202020204" pitchFamily="34" charset="0"/>
+              <a:buChar char="•"/>
+            </a:pPr>
+            <a:endParaRPr lang="en-US" sz="2400" dirty="0"/>
+          </a:p>
+          <a:p>
+            <a:endParaRPr lang="en-US" sz="2400" b="1" dirty="0"/>
+          </a:p>
+        </p:txBody>
+      </p:sp>
+      <p:sp>
+        <p:nvSpPr>
+          <p:cNvPr id="18" name="TextBox 17">
+            <a:extLst>
+              <a:ext uri="{FF2B5EF4-FFF2-40B4-BE49-F238E27FC236}">
+                <a16:creationId xmlns:a16="http://schemas.microsoft.com/office/drawing/2014/main" id="{71927134-F9F1-9A1E-8069-3017E8809594}"/>
+              </a:ext>
+            </a:extLst>
+          </p:cNvPr>
+          <p:cNvSpPr txBox="1"/>
+          <p:nvPr/>
+        </p:nvSpPr>
+        <p:spPr>
+          <a:xfrm>
+            <a:off x="16242587" y="37886105"/>
+            <a:ext cx="5093413" cy="1569660"/>
+          </a:xfrm>
+          <a:prstGeom prst="rect">
+            <a:avLst/>
+          </a:prstGeom>
+          <a:noFill/>
+          <a:ln>
+            <a:noFill/>
+          </a:ln>
+        </p:spPr>
+        <p:txBody>
+          <a:bodyPr wrap="square">
+            <a:spAutoFit/>
+          </a:bodyPr>
+          <a:lstStyle/>
+          <a:p>
+            <a:pPr marL="457200" indent="-457200">
+              <a:buFont typeface="Arial" panose="020B0604020202020204" pitchFamily="34" charset="0"/>
+              <a:buChar char="•"/>
+            </a:pPr>
+            <a:endParaRPr lang="en-US" sz="2400" dirty="0"/>
+          </a:p>
+          <a:p>
+            <a:pPr marL="457200" indent="-457200">
+              <a:buFont typeface="Arial" panose="020B0604020202020204" pitchFamily="34" charset="0"/>
+              <a:buChar char="•"/>
+            </a:pPr>
+            <a:r>
+              <a:rPr lang="en-US" sz="2400" dirty="0"/>
+              <a:t>https://de.wikipedia.org/wiki/Eigentliche_Schnepfen</a:t>
+            </a:r>
+          </a:p>
+          <a:p>
+            <a:pPr marL="457200" indent="-457200">
+              <a:buFont typeface="Arial" panose="020B0604020202020204" pitchFamily="34" charset="0"/>
+              <a:buChar char="•"/>
+            </a:pPr>
+            <a:endParaRPr lang="en-US" sz="2400" dirty="0"/>
+          </a:p>
+        </p:txBody>
+      </p:sp>
+      <p:sp>
+        <p:nvSpPr>
+          <p:cNvPr id="19" name="TextBox 18">
+            <a:extLst>
+              <a:ext uri="{FF2B5EF4-FFF2-40B4-BE49-F238E27FC236}">
+                <a16:creationId xmlns:a16="http://schemas.microsoft.com/office/drawing/2014/main" id="{4736DC50-D615-D90C-F0DF-436D2330C11F}"/>
+              </a:ext>
+            </a:extLst>
+          </p:cNvPr>
+          <p:cNvSpPr txBox="1"/>
+          <p:nvPr/>
+        </p:nvSpPr>
+        <p:spPr>
+          <a:xfrm>
+            <a:off x="16242587" y="29665022"/>
+            <a:ext cx="8291810" cy="1200329"/>
+          </a:xfrm>
+          <a:prstGeom prst="rect">
+            <a:avLst/>
+          </a:prstGeom>
+          <a:noFill/>
+          <a:ln>
+            <a:noFill/>
+          </a:ln>
+        </p:spPr>
+        <p:txBody>
+          <a:bodyPr wrap="square">
+            <a:spAutoFit/>
+          </a:bodyPr>
+          <a:lstStyle/>
+          <a:p>
+            <a:pPr marL="457200" indent="-457200">
+              <a:buFont typeface="Arial" panose="020B0604020202020204" pitchFamily="34" charset="0"/>
+              <a:buChar char="•"/>
+            </a:pPr>
+            <a:r>
+              <a:rPr lang="de-DE" sz="2400" dirty="0"/>
+              <a:t>We found X proteins that ...</a:t>
+            </a:r>
+          </a:p>
+          <a:p>
+            <a:pPr marL="457200" indent="-457200">
+              <a:buFont typeface="Arial" panose="020B0604020202020204" pitchFamily="34" charset="0"/>
+              <a:buChar char="•"/>
+            </a:pPr>
+            <a:endParaRPr lang="de-DE" sz="2400" dirty="0"/>
+          </a:p>
+          <a:p>
+            <a:endParaRPr lang="en-US" sz="2400" b="1" dirty="0"/>
+          </a:p>
+        </p:txBody>
+      </p:sp>
+      <p:sp>
+        <p:nvSpPr>
+          <p:cNvPr id="20" name="Rectangle: Rounded Corners 19">
+            <a:extLst>
+              <a:ext uri="{FF2B5EF4-FFF2-40B4-BE49-F238E27FC236}">
+                <a16:creationId xmlns:a16="http://schemas.microsoft.com/office/drawing/2014/main" id="{8E85172B-F601-2302-896B-2CCCD89D942C}"/>
+              </a:ext>
+            </a:extLst>
+          </p:cNvPr>
+          <p:cNvSpPr/>
+          <p:nvPr/>
+        </p:nvSpPr>
+        <p:spPr>
+          <a:xfrm>
+            <a:off x="619433" y="6354751"/>
+            <a:ext cx="29036347" cy="1430255"/>
+          </a:xfrm>
+          <a:prstGeom prst="roundRect">
+            <a:avLst>
+              <a:gd name="adj" fmla="val 0"/>
+            </a:avLst>
+          </a:prstGeom>
+          <a:solidFill>
+            <a:srgbClr val="8B1A1A"/>
+          </a:solidFill>
+          <a:ln>
+            <a:noFill/>
+          </a:ln>
+        </p:spPr>
+        <p:style>
+          <a:lnRef idx="2">
+            <a:schemeClr val="accent1">
+              <a:shade val="15000"/>
+            </a:schemeClr>
+          </a:lnRef>
+          <a:fillRef idx="1">
+            <a:schemeClr val="accent1"/>
+          </a:fillRef>
+          <a:effectRef idx="0">
+            <a:schemeClr val="accent1"/>
+          </a:effectRef>
+          <a:fontRef idx="minor">
+            <a:schemeClr val="lt1"/>
+          </a:fontRef>
+        </p:style>
+        <p:txBody>
+          <a:bodyPr rtlCol="0" anchor="ctr"/>
+          <a:lstStyle/>
+          <a:p>
+            <a:r>
+              <a:rPr lang="en-US" sz="6000" b="1" dirty="0"/>
+              <a:t>                   Identifying RNA-Dependent Proteins from Proteomic Data</a:t>
+            </a:r>
+            <a:endParaRPr lang="en-US" sz="1500" b="1" dirty="0"/>
+          </a:p>
+          <a:p>
+            <a:pPr algn="ctr"/>
+            <a:endParaRPr lang="en-US" sz="1000" b="1" dirty="0"/>
+          </a:p>
+        </p:txBody>
+      </p:sp>
+      <p:sp>
+        <p:nvSpPr>
+          <p:cNvPr id="21" name="TextBox 20">
+            <a:extLst>
+              <a:ext uri="{FF2B5EF4-FFF2-40B4-BE49-F238E27FC236}">
+                <a16:creationId xmlns:a16="http://schemas.microsoft.com/office/drawing/2014/main" id="{65A448B6-D330-1A0F-8F4E-2963F6F7F81E}"/>
+              </a:ext>
+            </a:extLst>
+          </p:cNvPr>
+          <p:cNvSpPr txBox="1"/>
+          <p:nvPr/>
+        </p:nvSpPr>
+        <p:spPr>
+          <a:xfrm>
+            <a:off x="15164570" y="8328936"/>
+            <a:ext cx="13893040" cy="2308324"/>
+          </a:xfrm>
+          <a:prstGeom prst="rect">
+            <a:avLst/>
+          </a:prstGeom>
+          <a:noFill/>
+          <a:ln>
+            <a:noFill/>
+          </a:ln>
+        </p:spPr>
+        <p:txBody>
+          <a:bodyPr wrap="square">
+            <a:spAutoFit/>
+          </a:bodyPr>
+          <a:lstStyle/>
+          <a:p>
+            <a:r>
+              <a:rPr lang="en-US" sz="2400" b="1" dirty="0"/>
+              <a:t>Key Characteristics of Our Dataset</a:t>
+            </a:r>
+            <a:endParaRPr lang="de-DE" sz="2400" b="1" dirty="0"/>
+          </a:p>
+          <a:p>
+            <a:pPr marL="457200" indent="-457200">
+              <a:buFont typeface="Arial" panose="020B0604020202020204" pitchFamily="34" charset="0"/>
+              <a:buChar char="•"/>
+            </a:pPr>
+            <a:r>
+              <a:rPr lang="en-US" sz="2400" dirty="0"/>
+              <a:t>Our dataset was generated using the R-Deep approach</a:t>
+            </a:r>
+          </a:p>
+          <a:p>
+            <a:pPr marL="457200" indent="-457200">
+              <a:buFont typeface="Arial" panose="020B0604020202020204" pitchFamily="34" charset="0"/>
+              <a:buChar char="•"/>
+            </a:pPr>
+            <a:r>
+              <a:rPr lang="de-DE" sz="2400" dirty="0"/>
+              <a:t>~5000 Proteine in 25 Fraktionen, Rnase vs. CTRL</a:t>
+            </a:r>
+            <a:endParaRPr lang="en-US" sz="2400" dirty="0"/>
+          </a:p>
+          <a:p>
+            <a:pPr marL="457200" indent="-457200">
+              <a:buFont typeface="Arial" panose="020B0604020202020204" pitchFamily="34" charset="0"/>
+              <a:buChar char="•"/>
+            </a:pPr>
+            <a:r>
+              <a:rPr lang="en-US" sz="2400" dirty="0"/>
+              <a:t>Dimensions</a:t>
+            </a:r>
+            <a:endParaRPr lang="en-US" sz="2400" b="1" dirty="0"/>
+          </a:p>
+          <a:p>
+            <a:pPr marL="457200" indent="-457200">
+              <a:buFont typeface="Arial" panose="020B0604020202020204" pitchFamily="34" charset="0"/>
+              <a:buChar char="•"/>
+            </a:pPr>
+            <a:endParaRPr lang="de-DE" sz="2400" dirty="0"/>
+          </a:p>
+          <a:p>
+            <a:pPr marL="457200" indent="-457200">
+              <a:buFont typeface="Arial" panose="020B0604020202020204" pitchFamily="34" charset="0"/>
+              <a:buChar char="•"/>
+            </a:pPr>
+            <a:endParaRPr lang="de-DE" sz="2400" dirty="0"/>
+          </a:p>
+        </p:txBody>
+      </p:sp>
+      <p:sp>
+        <p:nvSpPr>
+          <p:cNvPr id="22" name="Rectangle: Rounded Corners 21">
+            <a:extLst>
+              <a:ext uri="{FF2B5EF4-FFF2-40B4-BE49-F238E27FC236}">
+                <a16:creationId xmlns:a16="http://schemas.microsoft.com/office/drawing/2014/main" id="{8C966E67-A902-E593-7607-B5CB1781ABA4}"/>
+              </a:ext>
+            </a:extLst>
+          </p:cNvPr>
+          <p:cNvSpPr/>
+          <p:nvPr/>
+        </p:nvSpPr>
+        <p:spPr>
+          <a:xfrm>
+            <a:off x="668635" y="13907015"/>
+            <a:ext cx="28937944" cy="1430255"/>
+          </a:xfrm>
+          <a:prstGeom prst="roundRect">
+            <a:avLst>
+              <a:gd name="adj" fmla="val 0"/>
+            </a:avLst>
+          </a:prstGeom>
+          <a:solidFill>
+            <a:srgbClr val="668B8B"/>
+          </a:solidFill>
+          <a:ln>
+            <a:noFill/>
+          </a:ln>
+        </p:spPr>
+        <p:style>
+          <a:lnRef idx="2">
+            <a:schemeClr val="accent1">
+              <a:shade val="15000"/>
+            </a:schemeClr>
+          </a:lnRef>
+          <a:fillRef idx="1">
+            <a:schemeClr val="accent1"/>
+          </a:fillRef>
+          <a:effectRef idx="0">
+            <a:schemeClr val="accent1"/>
+          </a:effectRef>
+          <a:fontRef idx="minor">
+            <a:schemeClr val="lt1"/>
+          </a:fontRef>
+        </p:style>
+        <p:txBody>
+          <a:bodyPr rtlCol="0" anchor="ctr"/>
+          <a:lstStyle/>
+          <a:p>
+            <a:r>
+              <a:rPr lang="en-US" sz="6000" b="1" dirty="0"/>
+              <a:t>                  Our Approach</a:t>
+            </a:r>
+            <a:endParaRPr lang="en-US" sz="1500" b="1" dirty="0"/>
+          </a:p>
+          <a:p>
+            <a:pPr algn="ctr"/>
+            <a:r>
+              <a:rPr lang="en-US" sz="1000" b="1" dirty="0"/>
+              <a:t>k</a:t>
+            </a:r>
+          </a:p>
+        </p:txBody>
+      </p:sp>
+      <p:sp>
+        <p:nvSpPr>
+          <p:cNvPr id="23" name="Rectangle: Rounded Corners 22">
+            <a:extLst>
+              <a:ext uri="{FF2B5EF4-FFF2-40B4-BE49-F238E27FC236}">
+                <a16:creationId xmlns:a16="http://schemas.microsoft.com/office/drawing/2014/main" id="{20CA20C8-301E-13C4-35E1-97F4B9C7A5FE}"/>
+              </a:ext>
+            </a:extLst>
+          </p:cNvPr>
+          <p:cNvSpPr/>
+          <p:nvPr/>
+        </p:nvSpPr>
+        <p:spPr>
+          <a:xfrm>
+            <a:off x="668636" y="27643718"/>
+            <a:ext cx="14468970" cy="1430255"/>
+          </a:xfrm>
+          <a:prstGeom prst="roundRect">
+            <a:avLst>
+              <a:gd name="adj" fmla="val 10312"/>
+            </a:avLst>
+          </a:prstGeom>
+          <a:solidFill>
+            <a:srgbClr val="2F4F4F"/>
+          </a:solidFill>
+          <a:ln>
+            <a:noFill/>
+          </a:ln>
+        </p:spPr>
+        <p:style>
+          <a:lnRef idx="2">
+            <a:schemeClr val="accent1">
+              <a:shade val="15000"/>
+            </a:schemeClr>
+          </a:lnRef>
+          <a:fillRef idx="1">
+            <a:schemeClr val="accent1"/>
+          </a:fillRef>
+          <a:effectRef idx="0">
+            <a:schemeClr val="accent1"/>
+          </a:effectRef>
+          <a:fontRef idx="minor">
+            <a:schemeClr val="lt1"/>
+          </a:fontRef>
+        </p:style>
+        <p:txBody>
+          <a:bodyPr rtlCol="0" anchor="ctr"/>
+          <a:lstStyle/>
+          <a:p>
+            <a:r>
+              <a:rPr lang="en-US" sz="6000" b="1" dirty="0"/>
+              <a:t>                  Discussion</a:t>
+            </a:r>
+            <a:endParaRPr lang="en-US" sz="1500" b="1" dirty="0"/>
+          </a:p>
+          <a:p>
+            <a:endParaRPr lang="en-US" sz="1000" b="1" dirty="0"/>
+          </a:p>
+        </p:txBody>
+      </p:sp>
+      <p:sp>
+        <p:nvSpPr>
+          <p:cNvPr id="24" name="Rectangle: Rounded Corners 23">
+            <a:extLst>
+              <a:ext uri="{FF2B5EF4-FFF2-40B4-BE49-F238E27FC236}">
+                <a16:creationId xmlns:a16="http://schemas.microsoft.com/office/drawing/2014/main" id="{0DFF9706-E3DB-917B-7256-7C1B22EC2F9C}"/>
+              </a:ext>
+            </a:extLst>
+          </p:cNvPr>
+          <p:cNvSpPr/>
+          <p:nvPr/>
+        </p:nvSpPr>
+        <p:spPr>
+          <a:xfrm>
+            <a:off x="15765564" y="27736897"/>
+            <a:ext cx="13841013" cy="1430255"/>
+          </a:xfrm>
+          <a:prstGeom prst="roundRect">
+            <a:avLst>
+              <a:gd name="adj" fmla="val 0"/>
+            </a:avLst>
+          </a:prstGeom>
+          <a:solidFill>
+            <a:srgbClr val="8B1A1A"/>
+          </a:solidFill>
+          <a:ln>
+            <a:noFill/>
+          </a:ln>
+        </p:spPr>
+        <p:style>
+          <a:lnRef idx="2">
+            <a:schemeClr val="accent1">
+              <a:shade val="15000"/>
+            </a:schemeClr>
+          </a:lnRef>
+          <a:fillRef idx="1">
+            <a:schemeClr val="accent1"/>
+          </a:fillRef>
+          <a:effectRef idx="0">
+            <a:schemeClr val="accent1"/>
+          </a:effectRef>
+          <a:fontRef idx="minor">
+            <a:schemeClr val="lt1"/>
+          </a:fontRef>
+        </p:style>
+        <p:txBody>
+          <a:bodyPr rtlCol="0" anchor="ctr"/>
+          <a:lstStyle/>
+          <a:p>
+            <a:r>
+              <a:rPr lang="en-US" sz="6000" b="1" dirty="0"/>
+              <a:t>                 Our Achievements</a:t>
+            </a:r>
+            <a:endParaRPr lang="en-US" sz="1000" b="1" dirty="0"/>
+          </a:p>
+        </p:txBody>
+      </p:sp>
+      <p:sp>
+        <p:nvSpPr>
+          <p:cNvPr id="25" name="Rectangle: Rounded Corners 24">
+            <a:extLst>
+              <a:ext uri="{FF2B5EF4-FFF2-40B4-BE49-F238E27FC236}">
+                <a16:creationId xmlns:a16="http://schemas.microsoft.com/office/drawing/2014/main" id="{6E2A5C2F-C010-1AF0-79C4-66E911313A63}"/>
+              </a:ext>
+            </a:extLst>
+          </p:cNvPr>
+          <p:cNvSpPr/>
+          <p:nvPr/>
+        </p:nvSpPr>
+        <p:spPr>
+          <a:xfrm>
+            <a:off x="15841731" y="35857778"/>
+            <a:ext cx="7189720" cy="1430255"/>
+          </a:xfrm>
+          <a:prstGeom prst="roundRect">
+            <a:avLst>
+              <a:gd name="adj" fmla="val 0"/>
+            </a:avLst>
+          </a:prstGeom>
+          <a:solidFill>
+            <a:srgbClr val="2F4F4F"/>
+          </a:solidFill>
+          <a:ln>
+            <a:noFill/>
+          </a:ln>
+        </p:spPr>
+        <p:style>
+          <a:lnRef idx="2">
+            <a:schemeClr val="accent1">
+              <a:shade val="15000"/>
+            </a:schemeClr>
+          </a:lnRef>
+          <a:fillRef idx="1">
+            <a:schemeClr val="accent1"/>
+          </a:fillRef>
+          <a:effectRef idx="0">
+            <a:schemeClr val="accent1"/>
+          </a:effectRef>
+          <a:fontRef idx="minor">
+            <a:schemeClr val="lt1"/>
+          </a:fontRef>
+        </p:style>
+        <p:txBody>
+          <a:bodyPr rtlCol="0" anchor="ctr"/>
+          <a:lstStyle/>
+          <a:p>
+            <a:r>
+              <a:rPr lang="en-US" sz="6000" b="1" dirty="0"/>
+              <a:t>                 References</a:t>
+            </a:r>
+            <a:endParaRPr lang="en-US" sz="1000" b="1" dirty="0"/>
+          </a:p>
+        </p:txBody>
+      </p:sp>
+      <p:sp>
+        <p:nvSpPr>
+          <p:cNvPr id="27" name="Titel 1">
+            <a:extLst>
+              <a:ext uri="{FF2B5EF4-FFF2-40B4-BE49-F238E27FC236}">
+                <a16:creationId xmlns:a16="http://schemas.microsoft.com/office/drawing/2014/main" id="{3A108A4B-CF62-6D99-6B52-EF110B457952}"/>
+              </a:ext>
+            </a:extLst>
+          </p:cNvPr>
+          <p:cNvSpPr txBox="1">
+            <a:spLocks/>
+          </p:cNvSpPr>
+          <p:nvPr/>
+        </p:nvSpPr>
+        <p:spPr>
+          <a:xfrm>
+            <a:off x="1016236" y="2205333"/>
+            <a:ext cx="28358864" cy="1836887"/>
+          </a:xfrm>
+          <a:prstGeom prst="rect">
+            <a:avLst/>
+          </a:prstGeom>
+        </p:spPr>
+        <p:txBody>
+          <a:bodyPr vert="horz" lIns="91440" tIns="45720" rIns="91440" bIns="45720" rtlCol="0" anchor="b">
+            <a:noAutofit/>
+          </a:bodyPr>
+          <a:lstStyle>
+            <a:lvl1pPr algn="ctr" defTabSz="3027487" rtl="0" eaLnBrk="1" latinLnBrk="0" hangingPunct="1">
+              <a:lnSpc>
+                <a:spcPct val="90000"/>
+              </a:lnSpc>
+              <a:spcBef>
+                <a:spcPct val="0"/>
+              </a:spcBef>
+              <a:buNone/>
+              <a:defRPr sz="19865" kern="1200">
+                <a:solidFill>
+                  <a:schemeClr val="tx1"/>
+                </a:solidFill>
+                <a:latin typeface="+mj-lt"/>
+                <a:ea typeface="+mj-ea"/>
+                <a:cs typeface="+mj-cs"/>
+              </a:defRPr>
+            </a:lvl1pPr>
+          </a:lstStyle>
+          <a:p>
+            <a:r>
+              <a:rPr lang="de-DE" sz="8000" b="1" dirty="0">
+                <a:solidFill>
+                  <a:schemeClr val="bg1"/>
+                </a:solidFill>
+                <a:latin typeface="+mn-lt"/>
+              </a:rPr>
+              <a:t>Hidden Alliances: </a:t>
+            </a:r>
+          </a:p>
+          <a:p>
+            <a:r>
+              <a:rPr lang="de-DE" sz="8000" b="1" dirty="0">
+                <a:solidFill>
+                  <a:schemeClr val="bg1"/>
+                </a:solidFill>
+                <a:latin typeface="+mn-lt"/>
+              </a:rPr>
+              <a:t>RNA-Dependent Protein Interactions </a:t>
+            </a:r>
+          </a:p>
+          <a:p>
+            <a:r>
+              <a:rPr lang="de-DE" sz="8000" b="1" dirty="0">
+                <a:solidFill>
+                  <a:schemeClr val="bg1"/>
+                </a:solidFill>
+                <a:latin typeface="+mn-lt"/>
+              </a:rPr>
+              <a:t>in Cancer Cells</a:t>
+            </a:r>
+            <a:endParaRPr lang="en-US" sz="8000" b="1" dirty="0">
+              <a:solidFill>
+                <a:schemeClr val="bg1"/>
+              </a:solidFill>
+              <a:latin typeface="+mn-lt"/>
+            </a:endParaRPr>
+          </a:p>
+        </p:txBody>
+      </p:sp>
+      <p:sp>
+        <p:nvSpPr>
+          <p:cNvPr id="28" name="Titel 1">
+            <a:extLst>
+              <a:ext uri="{FF2B5EF4-FFF2-40B4-BE49-F238E27FC236}">
+                <a16:creationId xmlns:a16="http://schemas.microsoft.com/office/drawing/2014/main" id="{6A3A14C5-9F21-AB18-3A3A-7EBF11837C85}"/>
+              </a:ext>
+            </a:extLst>
+          </p:cNvPr>
+          <p:cNvSpPr txBox="1">
+            <a:spLocks/>
+          </p:cNvSpPr>
+          <p:nvPr/>
+        </p:nvSpPr>
+        <p:spPr>
+          <a:xfrm>
+            <a:off x="8712489" y="3840738"/>
+            <a:ext cx="12850233" cy="1323687"/>
+          </a:xfrm>
+          <a:prstGeom prst="rect">
+            <a:avLst/>
+          </a:prstGeom>
+        </p:spPr>
+        <p:txBody>
+          <a:bodyPr vert="horz" lIns="45681" tIns="22840" rIns="45681" bIns="22840" rtlCol="0" anchor="b">
+            <a:noAutofit/>
+          </a:bodyPr>
+          <a:lstStyle>
+            <a:lvl1pPr algn="ctr" defTabSz="3027487" rtl="0" eaLnBrk="1" latinLnBrk="0" hangingPunct="1">
+              <a:lnSpc>
+                <a:spcPct val="90000"/>
+              </a:lnSpc>
+              <a:spcBef>
+                <a:spcPct val="0"/>
+              </a:spcBef>
+              <a:buNone/>
+              <a:defRPr sz="19865" kern="1200">
+                <a:solidFill>
+                  <a:schemeClr val="tx1"/>
+                </a:solidFill>
+                <a:latin typeface="+mj-lt"/>
+                <a:ea typeface="+mj-ea"/>
+                <a:cs typeface="+mj-cs"/>
+              </a:defRPr>
+            </a:lvl1pPr>
+          </a:lstStyle>
+          <a:p>
+            <a:r>
+              <a:rPr lang="de-DE" sz="2800" dirty="0">
+                <a:solidFill>
+                  <a:schemeClr val="bg1"/>
+                </a:solidFill>
+              </a:rPr>
+              <a:t>Julian </a:t>
+            </a:r>
+            <a:r>
+              <a:rPr lang="de-DE" sz="2800" dirty="0" err="1">
+                <a:solidFill>
+                  <a:schemeClr val="bg1"/>
+                </a:solidFill>
+              </a:rPr>
+              <a:t>Baureis</a:t>
+            </a:r>
+            <a:r>
+              <a:rPr lang="de-DE" sz="2800" dirty="0">
+                <a:solidFill>
+                  <a:schemeClr val="bg1"/>
+                </a:solidFill>
+              </a:rPr>
+              <a:t>, Julia Ferdin, Benjamin Nicklas, Luisa </a:t>
+            </a:r>
+            <a:r>
+              <a:rPr lang="de-DE" sz="2800" dirty="0" err="1">
+                <a:solidFill>
+                  <a:schemeClr val="bg1"/>
+                </a:solidFill>
+              </a:rPr>
+              <a:t>Wintel</a:t>
+            </a:r>
+            <a:endParaRPr lang="de-DE" sz="2800" dirty="0">
+              <a:solidFill>
+                <a:schemeClr val="bg1"/>
+              </a:solidFill>
+            </a:endParaRPr>
+          </a:p>
+          <a:p>
+            <a:r>
+              <a:rPr lang="de-DE" sz="2800" dirty="0">
+                <a:solidFill>
+                  <a:schemeClr val="bg1"/>
+                </a:solidFill>
+              </a:rPr>
+              <a:t>Data Analysis Project </a:t>
+            </a:r>
+            <a:r>
+              <a:rPr lang="de-DE" sz="2800" dirty="0" err="1">
+                <a:solidFill>
+                  <a:schemeClr val="bg1"/>
+                </a:solidFill>
+              </a:rPr>
+              <a:t>Molecular</a:t>
+            </a:r>
+            <a:r>
+              <a:rPr lang="de-DE" sz="2800" dirty="0">
+                <a:solidFill>
+                  <a:schemeClr val="bg1"/>
+                </a:solidFill>
+              </a:rPr>
+              <a:t> Biotechnology SS2025</a:t>
+            </a:r>
+          </a:p>
+        </p:txBody>
+      </p:sp>
+      <p:sp>
+        <p:nvSpPr>
+          <p:cNvPr id="29" name="Flowchart: Connector 28">
+            <a:extLst>
+              <a:ext uri="{FF2B5EF4-FFF2-40B4-BE49-F238E27FC236}">
+                <a16:creationId xmlns:a16="http://schemas.microsoft.com/office/drawing/2014/main" id="{C097AFB3-626C-83E8-0EE3-C076B460DA1B}"/>
+              </a:ext>
+            </a:extLst>
+          </p:cNvPr>
+          <p:cNvSpPr/>
+          <p:nvPr/>
+        </p:nvSpPr>
+        <p:spPr>
+          <a:xfrm>
+            <a:off x="1194289" y="5986115"/>
+            <a:ext cx="2006111" cy="1960592"/>
+          </a:xfrm>
+          <a:prstGeom prst="flowChartConnector">
+            <a:avLst/>
+          </a:prstGeom>
+          <a:solidFill>
+            <a:schemeClr val="bg1"/>
+          </a:solidFill>
+          <a:ln w="254000">
+            <a:solidFill>
+              <a:srgbClr val="8B1A1A"/>
+            </a:solidFill>
+          </a:ln>
+        </p:spPr>
+        <p:style>
+          <a:lnRef idx="2">
+            <a:schemeClr val="accent1">
+              <a:shade val="15000"/>
+            </a:schemeClr>
+          </a:lnRef>
+          <a:fillRef idx="1">
+            <a:schemeClr val="accent1"/>
+          </a:fillRef>
+          <a:effectRef idx="0">
+            <a:schemeClr val="accent1"/>
+          </a:effectRef>
+          <a:fontRef idx="minor">
+            <a:schemeClr val="lt1"/>
+          </a:fontRef>
+        </p:style>
+        <p:txBody>
+          <a:bodyPr rtlCol="0" anchor="ctr"/>
+          <a:lstStyle/>
+          <a:p>
+            <a:pPr algn="ctr"/>
+            <a:r>
+              <a:rPr lang="de-DE" sz="7000" b="1" dirty="0">
+                <a:solidFill>
+                  <a:srgbClr val="87081B"/>
+                </a:solidFill>
+              </a:rPr>
+              <a:t>1</a:t>
+            </a:r>
+          </a:p>
+        </p:txBody>
+      </p:sp>
+      <p:sp>
+        <p:nvSpPr>
+          <p:cNvPr id="31" name="Flowchart: Connector 30">
+            <a:extLst>
+              <a:ext uri="{FF2B5EF4-FFF2-40B4-BE49-F238E27FC236}">
+                <a16:creationId xmlns:a16="http://schemas.microsoft.com/office/drawing/2014/main" id="{FBE5B8CC-E1F1-9761-323F-F2F7498E8A56}"/>
+              </a:ext>
+            </a:extLst>
+          </p:cNvPr>
+          <p:cNvSpPr/>
+          <p:nvPr/>
+        </p:nvSpPr>
+        <p:spPr>
+          <a:xfrm>
+            <a:off x="1194288" y="13584696"/>
+            <a:ext cx="2006111" cy="1960592"/>
+          </a:xfrm>
+          <a:prstGeom prst="flowChartConnector">
+            <a:avLst/>
+          </a:prstGeom>
+          <a:solidFill>
+            <a:schemeClr val="bg1"/>
+          </a:solidFill>
+          <a:ln w="254000">
+            <a:solidFill>
+              <a:srgbClr val="668B8B"/>
+            </a:solidFill>
+          </a:ln>
+        </p:spPr>
+        <p:style>
+          <a:lnRef idx="2">
+            <a:schemeClr val="accent1">
+              <a:shade val="15000"/>
+            </a:schemeClr>
+          </a:lnRef>
+          <a:fillRef idx="1">
+            <a:schemeClr val="accent1"/>
+          </a:fillRef>
+          <a:effectRef idx="0">
+            <a:schemeClr val="accent1"/>
+          </a:effectRef>
+          <a:fontRef idx="minor">
+            <a:schemeClr val="lt1"/>
+          </a:fontRef>
+        </p:style>
+        <p:txBody>
+          <a:bodyPr rtlCol="0" anchor="ctr"/>
+          <a:lstStyle/>
+          <a:p>
+            <a:pPr algn="ctr"/>
+            <a:r>
+              <a:rPr lang="de-DE" sz="7000" b="1" dirty="0">
+                <a:solidFill>
+                  <a:srgbClr val="120D31"/>
+                </a:solidFill>
+              </a:rPr>
+              <a:t>2</a:t>
+            </a:r>
+          </a:p>
+        </p:txBody>
+      </p:sp>
+      <p:sp>
+        <p:nvSpPr>
+          <p:cNvPr id="32" name="Flowchart: Connector 31">
+            <a:extLst>
+              <a:ext uri="{FF2B5EF4-FFF2-40B4-BE49-F238E27FC236}">
+                <a16:creationId xmlns:a16="http://schemas.microsoft.com/office/drawing/2014/main" id="{A889CDA9-E234-93A3-78BD-8BDA557ABD43}"/>
+              </a:ext>
+            </a:extLst>
+          </p:cNvPr>
+          <p:cNvSpPr/>
+          <p:nvPr/>
+        </p:nvSpPr>
+        <p:spPr>
+          <a:xfrm>
+            <a:off x="1194287" y="27398826"/>
+            <a:ext cx="2006111" cy="1960592"/>
+          </a:xfrm>
+          <a:prstGeom prst="flowChartConnector">
+            <a:avLst/>
+          </a:prstGeom>
+          <a:solidFill>
+            <a:schemeClr val="bg1"/>
+          </a:solidFill>
+          <a:ln w="254000">
+            <a:solidFill>
+              <a:srgbClr val="2F4F4F"/>
+            </a:solidFill>
+          </a:ln>
+        </p:spPr>
+        <p:style>
+          <a:lnRef idx="2">
+            <a:schemeClr val="accent1">
+              <a:shade val="15000"/>
+            </a:schemeClr>
+          </a:lnRef>
+          <a:fillRef idx="1">
+            <a:schemeClr val="accent1"/>
+          </a:fillRef>
+          <a:effectRef idx="0">
+            <a:schemeClr val="accent1"/>
+          </a:effectRef>
+          <a:fontRef idx="minor">
+            <a:schemeClr val="lt1"/>
+          </a:fontRef>
+        </p:style>
+        <p:txBody>
+          <a:bodyPr rtlCol="0" anchor="ctr"/>
+          <a:lstStyle/>
+          <a:p>
+            <a:pPr algn="ctr"/>
+            <a:r>
+              <a:rPr lang="de-DE" sz="7000" b="1" dirty="0">
+                <a:solidFill>
+                  <a:srgbClr val="120D31"/>
+                </a:solidFill>
+              </a:rPr>
+              <a:t>3</a:t>
+            </a:r>
+          </a:p>
+        </p:txBody>
+      </p:sp>
+      <p:sp>
+        <p:nvSpPr>
+          <p:cNvPr id="33" name="Flowchart: Connector 32">
+            <a:extLst>
+              <a:ext uri="{FF2B5EF4-FFF2-40B4-BE49-F238E27FC236}">
+                <a16:creationId xmlns:a16="http://schemas.microsoft.com/office/drawing/2014/main" id="{E827A66D-D691-3462-1331-62BC799FF520}"/>
+              </a:ext>
+            </a:extLst>
+          </p:cNvPr>
+          <p:cNvSpPr/>
+          <p:nvPr/>
+        </p:nvSpPr>
+        <p:spPr>
+          <a:xfrm>
+            <a:off x="16242587" y="27394687"/>
+            <a:ext cx="2006111" cy="1960592"/>
+          </a:xfrm>
+          <a:prstGeom prst="flowChartConnector">
+            <a:avLst/>
+          </a:prstGeom>
+          <a:solidFill>
+            <a:schemeClr val="bg1"/>
+          </a:solidFill>
+          <a:ln w="254000">
+            <a:solidFill>
+              <a:srgbClr val="8B1A1A"/>
+            </a:solidFill>
+          </a:ln>
+        </p:spPr>
+        <p:style>
+          <a:lnRef idx="2">
+            <a:schemeClr val="accent1">
+              <a:shade val="15000"/>
+            </a:schemeClr>
+          </a:lnRef>
+          <a:fillRef idx="1">
+            <a:schemeClr val="accent1"/>
+          </a:fillRef>
+          <a:effectRef idx="0">
+            <a:schemeClr val="accent1"/>
+          </a:effectRef>
+          <a:fontRef idx="minor">
+            <a:schemeClr val="lt1"/>
+          </a:fontRef>
+        </p:style>
+        <p:txBody>
+          <a:bodyPr rtlCol="0" anchor="ctr"/>
+          <a:lstStyle/>
+          <a:p>
+            <a:pPr algn="ctr"/>
+            <a:r>
+              <a:rPr lang="de-DE" sz="7000" b="1" dirty="0">
+                <a:solidFill>
+                  <a:srgbClr val="87081B"/>
+                </a:solidFill>
+              </a:rPr>
+              <a:t>4</a:t>
+            </a:r>
+          </a:p>
+        </p:txBody>
+      </p:sp>
+      <p:sp>
+        <p:nvSpPr>
+          <p:cNvPr id="37" name="Flowchart: Connector 36">
+            <a:extLst>
+              <a:ext uri="{FF2B5EF4-FFF2-40B4-BE49-F238E27FC236}">
+                <a16:creationId xmlns:a16="http://schemas.microsoft.com/office/drawing/2014/main" id="{29AD96CD-5876-71FD-5642-02D3B6AAEDAF}"/>
+              </a:ext>
+            </a:extLst>
+          </p:cNvPr>
+          <p:cNvSpPr/>
+          <p:nvPr/>
+        </p:nvSpPr>
+        <p:spPr>
+          <a:xfrm>
+            <a:off x="16285627" y="35586126"/>
+            <a:ext cx="2006111" cy="1960592"/>
+          </a:xfrm>
+          <a:prstGeom prst="flowChartConnector">
+            <a:avLst/>
+          </a:prstGeom>
+          <a:solidFill>
+            <a:schemeClr val="bg1"/>
+          </a:solidFill>
+          <a:ln w="254000">
+            <a:solidFill>
+              <a:srgbClr val="2F4F4F"/>
+            </a:solidFill>
+          </a:ln>
+        </p:spPr>
+        <p:style>
+          <a:lnRef idx="2">
+            <a:schemeClr val="accent1">
+              <a:shade val="15000"/>
+            </a:schemeClr>
+          </a:lnRef>
+          <a:fillRef idx="1">
+            <a:schemeClr val="accent1"/>
+          </a:fillRef>
+          <a:effectRef idx="0">
+            <a:schemeClr val="accent1"/>
+          </a:effectRef>
+          <a:fontRef idx="minor">
+            <a:schemeClr val="lt1"/>
+          </a:fontRef>
+        </p:style>
+        <p:txBody>
+          <a:bodyPr rtlCol="0" anchor="ctr"/>
+          <a:lstStyle/>
+          <a:p>
+            <a:pPr algn="ctr"/>
+            <a:r>
+              <a:rPr lang="de-DE" sz="7000" b="1" dirty="0">
+                <a:solidFill>
+                  <a:srgbClr val="302F4D"/>
+                </a:solidFill>
+              </a:rPr>
+              <a:t>5</a:t>
+            </a:r>
+          </a:p>
+        </p:txBody>
+      </p:sp>
+      <p:pic>
+        <p:nvPicPr>
+          <p:cNvPr id="39" name="Picture 38">
+            <a:extLst>
+              <a:ext uri="{FF2B5EF4-FFF2-40B4-BE49-F238E27FC236}">
+                <a16:creationId xmlns:a16="http://schemas.microsoft.com/office/drawing/2014/main" id="{F3A951EF-26E2-8FF9-F345-2D6A2434755B}"/>
+              </a:ext>
+            </a:extLst>
+          </p:cNvPr>
+          <p:cNvPicPr>
+            <a:picLocks noChangeAspect="1"/>
+          </p:cNvPicPr>
+          <p:nvPr/>
+        </p:nvPicPr>
+        <p:blipFill>
+          <a:blip r:embed="rId3"/>
+          <a:stretch>
+            <a:fillRect/>
+          </a:stretch>
+        </p:blipFill>
+        <p:spPr>
+          <a:xfrm>
+            <a:off x="25252496" y="35782193"/>
+            <a:ext cx="4122604" cy="2318964"/>
+          </a:xfrm>
+          <a:prstGeom prst="rect">
+            <a:avLst/>
+          </a:prstGeom>
+        </p:spPr>
+      </p:pic>
+      <p:sp>
+        <p:nvSpPr>
+          <p:cNvPr id="40" name="Rectangle: Top Corners Rounded 39">
+            <a:extLst>
+              <a:ext uri="{FF2B5EF4-FFF2-40B4-BE49-F238E27FC236}">
+                <a16:creationId xmlns:a16="http://schemas.microsoft.com/office/drawing/2014/main" id="{1AF7A29F-447D-0B0A-4E28-C313166A7432}"/>
+              </a:ext>
+            </a:extLst>
+          </p:cNvPr>
+          <p:cNvSpPr/>
+          <p:nvPr/>
+        </p:nvSpPr>
+        <p:spPr>
+          <a:xfrm flipV="1">
+            <a:off x="-1" y="41844211"/>
+            <a:ext cx="30329139" cy="959548"/>
+          </a:xfrm>
+          <a:prstGeom prst="round2SameRect">
+            <a:avLst>
+              <a:gd name="adj1" fmla="val 0"/>
+              <a:gd name="adj2" fmla="val 0"/>
+            </a:avLst>
+          </a:prstGeom>
+          <a:solidFill>
+            <a:srgbClr val="2F4F4F"/>
+          </a:solidFill>
+          <a:ln w="254000">
+            <a:noFill/>
+          </a:ln>
+        </p:spPr>
+        <p:style>
+          <a:lnRef idx="2">
+            <a:schemeClr val="accent1">
+              <a:shade val="15000"/>
+            </a:schemeClr>
+          </a:lnRef>
+          <a:fillRef idx="1">
+            <a:schemeClr val="accent1"/>
+          </a:fillRef>
+          <a:effectRef idx="0">
+            <a:schemeClr val="accent1"/>
+          </a:effectRef>
+          <a:fontRef idx="minor">
+            <a:schemeClr val="lt1"/>
+          </a:fontRef>
+        </p:style>
+        <p:txBody>
+          <a:bodyPr rtlCol="0" anchor="ctr"/>
+          <a:lstStyle/>
+          <a:p>
+            <a:pPr algn="ctr"/>
+            <a:endParaRPr lang="de-DE"/>
+          </a:p>
+        </p:txBody>
+      </p:sp>
+      <p:pic>
+        <p:nvPicPr>
+          <p:cNvPr id="50" name="Picture 49">
+            <a:extLst>
+              <a:ext uri="{FF2B5EF4-FFF2-40B4-BE49-F238E27FC236}">
+                <a16:creationId xmlns:a16="http://schemas.microsoft.com/office/drawing/2014/main" id="{52354460-DBC5-D9B2-7E1B-21EE7BEEA0D4}"/>
+              </a:ext>
+            </a:extLst>
+          </p:cNvPr>
+          <p:cNvPicPr>
+            <a:picLocks noChangeAspect="1"/>
+          </p:cNvPicPr>
+          <p:nvPr/>
+        </p:nvPicPr>
+        <p:blipFill>
+          <a:blip r:embed="rId4"/>
+          <a:stretch>
+            <a:fillRect/>
+          </a:stretch>
+        </p:blipFill>
+        <p:spPr>
+          <a:xfrm>
+            <a:off x="2009567" y="18923225"/>
+            <a:ext cx="23574507" cy="1430255"/>
+          </a:xfrm>
+          <a:prstGeom prst="rect">
+            <a:avLst/>
+          </a:prstGeom>
+        </p:spPr>
+      </p:pic>
+      <p:pic>
+        <p:nvPicPr>
+          <p:cNvPr id="56" name="Picture 55">
+            <a:extLst>
+              <a:ext uri="{FF2B5EF4-FFF2-40B4-BE49-F238E27FC236}">
+                <a16:creationId xmlns:a16="http://schemas.microsoft.com/office/drawing/2014/main" id="{E418858A-D82F-8C92-C5DA-D7B093A45486}"/>
+              </a:ext>
+            </a:extLst>
+          </p:cNvPr>
+          <p:cNvPicPr>
+            <a:picLocks noChangeAspect="1"/>
+          </p:cNvPicPr>
+          <p:nvPr/>
+        </p:nvPicPr>
+        <p:blipFill>
+          <a:blip r:embed="rId5"/>
+          <a:stretch>
+            <a:fillRect/>
+          </a:stretch>
+        </p:blipFill>
+        <p:spPr>
+          <a:xfrm>
+            <a:off x="2043339" y="24784364"/>
+            <a:ext cx="22403155" cy="1157918"/>
+          </a:xfrm>
+          <a:prstGeom prst="rect">
+            <a:avLst/>
+          </a:prstGeom>
+        </p:spPr>
+      </p:pic>
+      <p:pic>
+        <p:nvPicPr>
+          <p:cNvPr id="58" name="Picture 57">
+            <a:extLst>
+              <a:ext uri="{FF2B5EF4-FFF2-40B4-BE49-F238E27FC236}">
+                <a16:creationId xmlns:a16="http://schemas.microsoft.com/office/drawing/2014/main" id="{7AA4E004-666E-5EC9-5CD1-8199352BDE04}"/>
+              </a:ext>
+            </a:extLst>
+          </p:cNvPr>
+          <p:cNvPicPr>
+            <a:picLocks noChangeAspect="1"/>
+          </p:cNvPicPr>
+          <p:nvPr/>
+        </p:nvPicPr>
+        <p:blipFill>
+          <a:blip r:embed="rId6"/>
+          <a:stretch>
+            <a:fillRect/>
+          </a:stretch>
+        </p:blipFill>
+        <p:spPr>
+          <a:xfrm>
+            <a:off x="2043339" y="20292559"/>
+            <a:ext cx="23170024" cy="1551803"/>
+          </a:xfrm>
+          <a:prstGeom prst="rect">
+            <a:avLst/>
+          </a:prstGeom>
+        </p:spPr>
+      </p:pic>
+      <p:pic>
+        <p:nvPicPr>
+          <p:cNvPr id="60" name="Picture 59">
+            <a:extLst>
+              <a:ext uri="{FF2B5EF4-FFF2-40B4-BE49-F238E27FC236}">
+                <a16:creationId xmlns:a16="http://schemas.microsoft.com/office/drawing/2014/main" id="{DCEF4B36-85B1-D5D5-9656-D9D708ED290B}"/>
+              </a:ext>
+            </a:extLst>
+          </p:cNvPr>
+          <p:cNvPicPr>
+            <a:picLocks noChangeAspect="1"/>
+          </p:cNvPicPr>
+          <p:nvPr/>
+        </p:nvPicPr>
+        <p:blipFill>
+          <a:blip r:embed="rId7"/>
+          <a:stretch>
+            <a:fillRect/>
+          </a:stretch>
+        </p:blipFill>
+        <p:spPr>
+          <a:xfrm>
+            <a:off x="2109957" y="21677474"/>
+            <a:ext cx="23088130" cy="1636845"/>
+          </a:xfrm>
+          <a:prstGeom prst="rect">
+            <a:avLst/>
+          </a:prstGeom>
+        </p:spPr>
+      </p:pic>
+    </p:spTree>
+    <p:extLst>
+      <p:ext uri="{BB962C8B-B14F-4D97-AF65-F5344CB8AC3E}">
+        <p14:creationId xmlns:p14="http://schemas.microsoft.com/office/powerpoint/2010/main" val="2088028744"/>
+      </p:ext>
+    </p:extLst>
+  </p:cSld>
+  <p:clrMapOvr>
+    <a:masterClrMapping/>
+  </p:clrMapOvr>
+</p:sld>
+</file>
+
 <file path=ppt/theme/theme1.xml><?xml version="1.0" encoding="utf-8"?>
 <a:theme xmlns:a="http://schemas.openxmlformats.org/drawingml/2006/main" name="Office Theme">
   <a:themeElements>

--- a/Poster.pptx
+++ b/Poster.pptx
@@ -7961,197 +7961,6 @@
       </p:sp>
       <p:sp>
         <p:nvSpPr>
-          <p:cNvPr id="16" name="TextBox 15">
-            <a:extLst>
-              <a:ext uri="{FF2B5EF4-FFF2-40B4-BE49-F238E27FC236}">
-                <a16:creationId xmlns:a16="http://schemas.microsoft.com/office/drawing/2014/main" id="{211537A9-2A41-D944-75A0-E240E6F90744}"/>
-              </a:ext>
-            </a:extLst>
-          </p:cNvPr>
-          <p:cNvSpPr txBox="1"/>
-          <p:nvPr/>
-        </p:nvSpPr>
-        <p:spPr>
-          <a:xfrm>
-            <a:off x="1887734" y="16043329"/>
-            <a:ext cx="24173364" cy="7109639"/>
-          </a:xfrm>
-          <a:prstGeom prst="rect">
-            <a:avLst/>
-          </a:prstGeom>
-          <a:noFill/>
-          <a:ln>
-            <a:noFill/>
-          </a:ln>
-        </p:spPr>
-        <p:txBody>
-          <a:bodyPr wrap="square">
-            <a:spAutoFit/>
-          </a:bodyPr>
-          <a:lstStyle/>
-          <a:p>
-            <a:r>
-              <a:rPr lang="en-US" sz="2400" b="1" dirty="0"/>
-              <a:t>1) Data preparation</a:t>
-            </a:r>
-          </a:p>
-          <a:p>
-            <a:pPr marL="457200" indent="-457200">
-              <a:buFont typeface="Arial" panose="020B0604020202020204" pitchFamily="34" charset="0"/>
-              <a:buChar char="•"/>
-            </a:pPr>
-            <a:r>
-              <a:rPr lang="en-US" sz="2400" dirty="0"/>
-              <a:t>Data cleanup</a:t>
-            </a:r>
-          </a:p>
-          <a:p>
-            <a:pPr marL="457200" indent="-457200">
-              <a:buFont typeface="Arial" panose="020B0604020202020204" pitchFamily="34" charset="0"/>
-              <a:buChar char="•"/>
-            </a:pPr>
-            <a:r>
-              <a:rPr lang="en-US" sz="2400" dirty="0"/>
-              <a:t>“Rearrange and reorder the columns to their treatment, replicate and fraction”</a:t>
-            </a:r>
-          </a:p>
-          <a:p>
-            <a:pPr marL="457200" indent="-457200">
-              <a:buFont typeface="Arial" panose="020B0604020202020204" pitchFamily="34" charset="0"/>
-              <a:buChar char="•"/>
-            </a:pPr>
-            <a:r>
-              <a:rPr lang="en-US" sz="2400" dirty="0"/>
-              <a:t>Normalization</a:t>
-            </a:r>
-          </a:p>
-          <a:p>
-            <a:endParaRPr lang="en-US" sz="2400" b="1" dirty="0"/>
-          </a:p>
-          <a:p>
-            <a:r>
-              <a:rPr lang="de-DE" sz="2400" b="1" dirty="0"/>
-              <a:t>2) Data exploration</a:t>
-            </a:r>
-            <a:endParaRPr lang="de-DE" sz="2400" dirty="0"/>
-          </a:p>
-          <a:p>
-            <a:pPr marL="457200" indent="-457200">
-              <a:buFont typeface="Arial" panose="020B0604020202020204" pitchFamily="34" charset="0"/>
-              <a:buChar char="•"/>
-            </a:pPr>
-            <a:r>
-              <a:rPr lang="en-US" sz="2400" dirty="0"/>
-              <a:t> Identification of maxima and shoulders</a:t>
-            </a:r>
-          </a:p>
-          <a:p>
-            <a:pPr marL="457200" indent="-457200">
-              <a:buFont typeface="Arial" panose="020B0604020202020204" pitchFamily="34" charset="0"/>
-              <a:buChar char="•"/>
-            </a:pPr>
-            <a:r>
-              <a:rPr lang="en-US" sz="2400" dirty="0"/>
-              <a:t> </a:t>
-            </a:r>
-            <a:r>
-              <a:rPr lang="de-DE" sz="2400" dirty="0"/>
-              <a:t>Selection criteria</a:t>
-            </a:r>
-            <a:r>
-              <a:rPr lang="en-US" sz="2400" dirty="0"/>
-              <a:t> &amp; Wilcoxon Test </a:t>
-            </a:r>
-          </a:p>
-          <a:p>
-            <a:pPr marL="457200" indent="-457200">
-              <a:buFont typeface="Arial" panose="020B0604020202020204" pitchFamily="34" charset="0"/>
-              <a:buChar char="•"/>
-            </a:pPr>
-            <a:r>
-              <a:rPr lang="en-US" sz="2400" dirty="0"/>
-              <a:t>Visualization for the </a:t>
-            </a:r>
-            <a:r>
-              <a:rPr lang="de-DE" sz="2400" dirty="0"/>
-              <a:t>order of selection criteria</a:t>
-            </a:r>
-            <a:endParaRPr lang="en-US" sz="2400" dirty="0"/>
-          </a:p>
-          <a:p>
-            <a:pPr marL="457200" indent="-457200">
-              <a:buFont typeface="Arial" panose="020B0604020202020204" pitchFamily="34" charset="0"/>
-              <a:buChar char="•"/>
-            </a:pPr>
-            <a:r>
-              <a:rPr lang="en-US" sz="2400" dirty="0"/>
-              <a:t>Pie charts for selection results</a:t>
-            </a:r>
-          </a:p>
-          <a:p>
-            <a:endParaRPr lang="en-US" sz="2400" b="1" dirty="0"/>
-          </a:p>
-          <a:p>
-            <a:r>
-              <a:rPr lang="de-DE" sz="2400" b="1" dirty="0"/>
-              <a:t>3) Data reduction</a:t>
-            </a:r>
-          </a:p>
-          <a:p>
-            <a:pPr marL="457200" indent="-457200">
-              <a:buFont typeface="Arial" panose="020B0604020202020204" pitchFamily="34" charset="0"/>
-              <a:buChar char="•"/>
-            </a:pPr>
-            <a:r>
-              <a:rPr lang="de-DE" sz="2400" dirty="0"/>
-              <a:t>PCR </a:t>
-            </a:r>
-            <a:endParaRPr lang="en-US" sz="2400" dirty="0"/>
-          </a:p>
-          <a:p>
-            <a:pPr marL="457200" indent="-457200">
-              <a:buFont typeface="Arial" panose="020B0604020202020204" pitchFamily="34" charset="0"/>
-              <a:buChar char="•"/>
-            </a:pPr>
-            <a:r>
-              <a:rPr lang="en-US" sz="2400" dirty="0"/>
-              <a:t> k-means clustering</a:t>
-            </a:r>
-          </a:p>
-          <a:p>
-            <a:pPr marL="457200" indent="-457200">
-              <a:buFont typeface="Arial" panose="020B0604020202020204" pitchFamily="34" charset="0"/>
-              <a:buChar char="•"/>
-            </a:pPr>
-            <a:endParaRPr lang="en-US" sz="2400" dirty="0"/>
-          </a:p>
-          <a:p>
-            <a:r>
-              <a:rPr lang="de-DE" sz="2400" b="1" dirty="0"/>
-              <a:t>4) Data modelling</a:t>
-            </a:r>
-          </a:p>
-          <a:p>
-            <a:pPr marL="457200" indent="-457200">
-              <a:buFont typeface="Arial" panose="020B0604020202020204" pitchFamily="34" charset="0"/>
-              <a:buChar char="•"/>
-            </a:pPr>
-            <a:r>
-              <a:rPr lang="en-US" sz="2400" dirty="0"/>
-              <a:t> Linear Regression </a:t>
-            </a:r>
-            <a:endParaRPr lang="en-US" sz="2400" b="1" dirty="0"/>
-          </a:p>
-          <a:p>
-            <a:endParaRPr lang="en-US" sz="2400" b="1" dirty="0"/>
-          </a:p>
-          <a:p>
-            <a:endParaRPr lang="en-US" sz="2400" b="1" dirty="0"/>
-          </a:p>
-        </p:txBody>
-      </p:sp>
-      <p:sp>
-        <p:nvSpPr>
           <p:cNvPr id="17" name="TextBox 16">
             <a:extLst>
               <a:ext uri="{FF2B5EF4-FFF2-40B4-BE49-F238E27FC236}">
@@ -9499,7 +9308,7 @@
         </p:blipFill>
         <p:spPr>
           <a:xfrm>
-            <a:off x="2009567" y="18923225"/>
+            <a:off x="1897578" y="16739852"/>
             <a:ext cx="23574507" cy="1430255"/>
           </a:xfrm>
           <a:prstGeom prst="rect">
@@ -9529,7 +9338,7 @@
         </p:blipFill>
         <p:spPr>
           <a:xfrm>
-            <a:off x="2043339" y="24784364"/>
+            <a:off x="1997968" y="23129408"/>
             <a:ext cx="22403155" cy="1157918"/>
           </a:xfrm>
           <a:prstGeom prst="rect">
@@ -9559,7 +9368,7 @@
         </p:blipFill>
         <p:spPr>
           <a:xfrm>
-            <a:off x="2043339" y="20292559"/>
+            <a:off x="1931350" y="18109186"/>
             <a:ext cx="23170024" cy="1551803"/>
           </a:xfrm>
           <a:prstGeom prst="rect">
@@ -9589,7 +9398,7 @@
         </p:blipFill>
         <p:spPr>
           <a:xfrm>
-            <a:off x="2109957" y="21677474"/>
+            <a:off x="1997968" y="19494101"/>
             <a:ext cx="23088130" cy="1636845"/>
           </a:xfrm>
           <a:prstGeom prst="rect">

--- a/Poster.pptx
+++ b/Poster.pptx
@@ -6,8 +6,6 @@
   </p:sldMasterIdLst>
   <p:sldIdLst>
     <p:sldId id="256" r:id="rId2"/>
-    <p:sldId id="280" r:id="rId3"/>
-    <p:sldId id="281" r:id="rId4"/>
   </p:sldIdLst>
   <p:sldSz cx="30275213" cy="42803763"/>
   <p:notesSz cx="6858000" cy="9144000"/>
@@ -256,7 +254,7 @@
           <a:p>
             <a:fld id="{61D7E66B-7281-C246-884E-91E9A1EB29D8}" type="datetimeFigureOut">
               <a:rPr lang="en-US" smtClean="0"/>
-              <a:t>7/2/2025</a:t>
+              <a:t>7/3/2025</a:t>
             </a:fld>
             <a:endParaRPr lang="en-US"/>
           </a:p>
@@ -426,7 +424,7 @@
           <a:p>
             <a:fld id="{61D7E66B-7281-C246-884E-91E9A1EB29D8}" type="datetimeFigureOut">
               <a:rPr lang="en-US" smtClean="0"/>
-              <a:t>7/2/2025</a:t>
+              <a:t>7/3/2025</a:t>
             </a:fld>
             <a:endParaRPr lang="en-US"/>
           </a:p>
@@ -606,7 +604,7 @@
           <a:p>
             <a:fld id="{61D7E66B-7281-C246-884E-91E9A1EB29D8}" type="datetimeFigureOut">
               <a:rPr lang="en-US" smtClean="0"/>
-              <a:t>7/2/2025</a:t>
+              <a:t>7/3/2025</a:t>
             </a:fld>
             <a:endParaRPr lang="en-US"/>
           </a:p>
@@ -776,7 +774,7 @@
           <a:p>
             <a:fld id="{61D7E66B-7281-C246-884E-91E9A1EB29D8}" type="datetimeFigureOut">
               <a:rPr lang="en-US" smtClean="0"/>
-              <a:t>7/2/2025</a:t>
+              <a:t>7/3/2025</a:t>
             </a:fld>
             <a:endParaRPr lang="en-US"/>
           </a:p>
@@ -1020,7 +1018,7 @@
           <a:p>
             <a:fld id="{61D7E66B-7281-C246-884E-91E9A1EB29D8}" type="datetimeFigureOut">
               <a:rPr lang="en-US" smtClean="0"/>
-              <a:t>7/2/2025</a:t>
+              <a:t>7/3/2025</a:t>
             </a:fld>
             <a:endParaRPr lang="en-US"/>
           </a:p>
@@ -1252,7 +1250,7 @@
           <a:p>
             <a:fld id="{61D7E66B-7281-C246-884E-91E9A1EB29D8}" type="datetimeFigureOut">
               <a:rPr lang="en-US" smtClean="0"/>
-              <a:t>7/2/2025</a:t>
+              <a:t>7/3/2025</a:t>
             </a:fld>
             <a:endParaRPr lang="en-US"/>
           </a:p>
@@ -1619,7 +1617,7 @@
           <a:p>
             <a:fld id="{61D7E66B-7281-C246-884E-91E9A1EB29D8}" type="datetimeFigureOut">
               <a:rPr lang="en-US" smtClean="0"/>
-              <a:t>7/2/2025</a:t>
+              <a:t>7/3/2025</a:t>
             </a:fld>
             <a:endParaRPr lang="en-US"/>
           </a:p>
@@ -1737,7 +1735,7 @@
           <a:p>
             <a:fld id="{61D7E66B-7281-C246-884E-91E9A1EB29D8}" type="datetimeFigureOut">
               <a:rPr lang="en-US" smtClean="0"/>
-              <a:t>7/2/2025</a:t>
+              <a:t>7/3/2025</a:t>
             </a:fld>
             <a:endParaRPr lang="en-US"/>
           </a:p>
@@ -1832,7 +1830,7 @@
           <a:p>
             <a:fld id="{61D7E66B-7281-C246-884E-91E9A1EB29D8}" type="datetimeFigureOut">
               <a:rPr lang="en-US" smtClean="0"/>
-              <a:t>7/2/2025</a:t>
+              <a:t>7/3/2025</a:t>
             </a:fld>
             <a:endParaRPr lang="en-US"/>
           </a:p>
@@ -2109,7 +2107,7 @@
           <a:p>
             <a:fld id="{61D7E66B-7281-C246-884E-91E9A1EB29D8}" type="datetimeFigureOut">
               <a:rPr lang="en-US" smtClean="0"/>
-              <a:t>7/2/2025</a:t>
+              <a:t>7/3/2025</a:t>
             </a:fld>
             <a:endParaRPr lang="en-US"/>
           </a:p>
@@ -2366,7 +2364,7 @@
           <a:p>
             <a:fld id="{61D7E66B-7281-C246-884E-91E9A1EB29D8}" type="datetimeFigureOut">
               <a:rPr lang="en-US" smtClean="0"/>
-              <a:t>7/2/2025</a:t>
+              <a:t>7/3/2025</a:t>
             </a:fld>
             <a:endParaRPr lang="en-US"/>
           </a:p>
@@ -2579,7 +2577,7 @@
           <a:p>
             <a:fld id="{61D7E66B-7281-C246-884E-91E9A1EB29D8}" type="datetimeFigureOut">
               <a:rPr lang="en-US" smtClean="0"/>
-              <a:t>7/2/2025</a:t>
+              <a:t>7/3/2025</a:t>
             </a:fld>
             <a:endParaRPr lang="en-US"/>
           </a:p>
@@ -5324,4101 +5322,6 @@
 </p:sld>
 </file>
 
-<file path=ppt/slides/slide2.xml><?xml version="1.0" encoding="utf-8"?>
-<p:sld xmlns:a="http://schemas.openxmlformats.org/drawingml/2006/main" xmlns:r="http://schemas.openxmlformats.org/officeDocument/2006/relationships" xmlns:p="http://schemas.openxmlformats.org/presentationml/2006/main">
-  <p:cSld>
-    <p:spTree>
-      <p:nvGrpSpPr>
-        <p:cNvPr id="1" name="">
-          <a:extLst>
-            <a:ext uri="{FF2B5EF4-FFF2-40B4-BE49-F238E27FC236}">
-              <a16:creationId xmlns:a16="http://schemas.microsoft.com/office/drawing/2014/main" id="{69D628B7-8AC2-ED9C-6275-2930D55BC01A}"/>
-            </a:ext>
-          </a:extLst>
-        </p:cNvPr>
-        <p:cNvGrpSpPr/>
-        <p:nvPr/>
-      </p:nvGrpSpPr>
-      <p:grpSpPr>
-        <a:xfrm>
-          <a:off x="0" y="0"/>
-          <a:ext cx="0" cy="0"/>
-          <a:chOff x="0" y="0"/>
-          <a:chExt cx="0" cy="0"/>
-        </a:xfrm>
-      </p:grpSpPr>
-      <p:sp>
-        <p:nvSpPr>
-          <p:cNvPr id="6" name="Rectangle: Top Corners Rounded 5">
-            <a:extLst>
-              <a:ext uri="{FF2B5EF4-FFF2-40B4-BE49-F238E27FC236}">
-                <a16:creationId xmlns:a16="http://schemas.microsoft.com/office/drawing/2014/main" id="{5CE0D1AF-7A7B-432E-14EE-D9EFA2EC8C02}"/>
-              </a:ext>
-            </a:extLst>
-          </p:cNvPr>
-          <p:cNvSpPr/>
-          <p:nvPr/>
-        </p:nvSpPr>
-        <p:spPr>
-          <a:xfrm flipV="1">
-            <a:off x="0" y="-21883"/>
-            <a:ext cx="30275214" cy="5684230"/>
-          </a:xfrm>
-          <a:prstGeom prst="round2SameRect">
-            <a:avLst>
-              <a:gd name="adj1" fmla="val 0"/>
-              <a:gd name="adj2" fmla="val 0"/>
-            </a:avLst>
-          </a:prstGeom>
-          <a:solidFill>
-            <a:srgbClr val="2F4F4F"/>
-          </a:solidFill>
-          <a:ln w="254000">
-            <a:noFill/>
-          </a:ln>
-        </p:spPr>
-        <p:style>
-          <a:lnRef idx="2">
-            <a:schemeClr val="accent1">
-              <a:shade val="15000"/>
-            </a:schemeClr>
-          </a:lnRef>
-          <a:fillRef idx="1">
-            <a:schemeClr val="accent1"/>
-          </a:fillRef>
-          <a:effectRef idx="0">
-            <a:schemeClr val="accent1"/>
-          </a:effectRef>
-          <a:fontRef idx="minor">
-            <a:schemeClr val="lt1"/>
-          </a:fontRef>
-        </p:style>
-        <p:txBody>
-          <a:bodyPr rtlCol="0" anchor="ctr"/>
-          <a:lstStyle/>
-          <a:p>
-            <a:pPr algn="ctr"/>
-            <a:r>
-              <a:rPr lang="de-DE" dirty="0"/>
-              <a:t>k</a:t>
-            </a:r>
-          </a:p>
-        </p:txBody>
-      </p:sp>
-      <p:pic>
-        <p:nvPicPr>
-          <p:cNvPr id="7" name="Picture 6">
-            <a:extLst>
-              <a:ext uri="{FF2B5EF4-FFF2-40B4-BE49-F238E27FC236}">
-                <a16:creationId xmlns:a16="http://schemas.microsoft.com/office/drawing/2014/main" id="{41BD5D1A-9AD4-EFE8-4603-6A7B866640AD}"/>
-              </a:ext>
-            </a:extLst>
-          </p:cNvPr>
-          <p:cNvPicPr>
-            <a:picLocks noChangeAspect="1"/>
-          </p:cNvPicPr>
-          <p:nvPr/>
-        </p:nvPicPr>
-        <p:blipFill>
-          <a:blip r:embed="rId2"/>
-          <a:stretch>
-            <a:fillRect/>
-          </a:stretch>
-        </p:blipFill>
-        <p:spPr>
-          <a:xfrm>
-            <a:off x="24001017" y="38215026"/>
-            <a:ext cx="5494984" cy="3089708"/>
-          </a:xfrm>
-          <a:prstGeom prst="rect">
-            <a:avLst/>
-          </a:prstGeom>
-        </p:spPr>
-      </p:pic>
-      <p:sp>
-        <p:nvSpPr>
-          <p:cNvPr id="8" name="Rectangle: Rounded Corners 7">
-            <a:extLst>
-              <a:ext uri="{FF2B5EF4-FFF2-40B4-BE49-F238E27FC236}">
-                <a16:creationId xmlns:a16="http://schemas.microsoft.com/office/drawing/2014/main" id="{4D523653-7D50-14F7-9398-09E999460A77}"/>
-              </a:ext>
-            </a:extLst>
-          </p:cNvPr>
-          <p:cNvSpPr/>
-          <p:nvPr/>
-        </p:nvSpPr>
-        <p:spPr>
-          <a:xfrm>
-            <a:off x="619433" y="27643718"/>
-            <a:ext cx="14518173" cy="13738215"/>
-          </a:xfrm>
-          <a:prstGeom prst="roundRect">
-            <a:avLst>
-              <a:gd name="adj" fmla="val 3189"/>
-            </a:avLst>
-          </a:prstGeom>
-          <a:solidFill>
-            <a:schemeClr val="bg1"/>
-          </a:solidFill>
-          <a:ln w="254000">
-            <a:solidFill>
-              <a:srgbClr val="2F4F4F"/>
-            </a:solidFill>
-          </a:ln>
-        </p:spPr>
-        <p:style>
-          <a:lnRef idx="2">
-            <a:schemeClr val="accent1">
-              <a:shade val="15000"/>
-            </a:schemeClr>
-          </a:lnRef>
-          <a:fillRef idx="1">
-            <a:schemeClr val="accent1"/>
-          </a:fillRef>
-          <a:effectRef idx="0">
-            <a:schemeClr val="accent1"/>
-          </a:effectRef>
-          <a:fontRef idx="minor">
-            <a:schemeClr val="lt1"/>
-          </a:fontRef>
-        </p:style>
-        <p:txBody>
-          <a:bodyPr rtlCol="0" anchor="ctr"/>
-          <a:lstStyle/>
-          <a:p>
-            <a:pPr algn="ctr"/>
-            <a:endParaRPr lang="de-DE"/>
-          </a:p>
-        </p:txBody>
-      </p:sp>
-      <p:sp>
-        <p:nvSpPr>
-          <p:cNvPr id="10" name="Rectangle: Rounded Corners 9">
-            <a:extLst>
-              <a:ext uri="{FF2B5EF4-FFF2-40B4-BE49-F238E27FC236}">
-                <a16:creationId xmlns:a16="http://schemas.microsoft.com/office/drawing/2014/main" id="{41591B19-4AB3-49C8-5B63-445C9FCB5AA9}"/>
-              </a:ext>
-            </a:extLst>
-          </p:cNvPr>
-          <p:cNvSpPr/>
-          <p:nvPr/>
-        </p:nvSpPr>
-        <p:spPr>
-          <a:xfrm>
-            <a:off x="15747588" y="27732209"/>
-            <a:ext cx="13858989" cy="7375456"/>
-          </a:xfrm>
-          <a:prstGeom prst="roundRect">
-            <a:avLst>
-              <a:gd name="adj" fmla="val 2683"/>
-            </a:avLst>
-          </a:prstGeom>
-          <a:solidFill>
-            <a:schemeClr val="bg1"/>
-          </a:solidFill>
-          <a:ln w="254000">
-            <a:solidFill>
-              <a:srgbClr val="8B1A1A"/>
-            </a:solidFill>
-          </a:ln>
-        </p:spPr>
-        <p:style>
-          <a:lnRef idx="2">
-            <a:schemeClr val="accent1">
-              <a:shade val="15000"/>
-            </a:schemeClr>
-          </a:lnRef>
-          <a:fillRef idx="1">
-            <a:schemeClr val="accent1"/>
-          </a:fillRef>
-          <a:effectRef idx="0">
-            <a:schemeClr val="accent1"/>
-          </a:effectRef>
-          <a:fontRef idx="minor">
-            <a:schemeClr val="lt1"/>
-          </a:fontRef>
-        </p:style>
-        <p:txBody>
-          <a:bodyPr rtlCol="0" anchor="ctr"/>
-          <a:lstStyle/>
-          <a:p>
-            <a:pPr algn="ctr"/>
-            <a:endParaRPr lang="de-DE"/>
-          </a:p>
-        </p:txBody>
-      </p:sp>
-      <p:sp>
-        <p:nvSpPr>
-          <p:cNvPr id="12" name="Rectangle: Rounded Corners 11">
-            <a:extLst>
-              <a:ext uri="{FF2B5EF4-FFF2-40B4-BE49-F238E27FC236}">
-                <a16:creationId xmlns:a16="http://schemas.microsoft.com/office/drawing/2014/main" id="{EC5768DC-7A7F-CA9D-6065-3B0257C0B845}"/>
-              </a:ext>
-            </a:extLst>
-          </p:cNvPr>
-          <p:cNvSpPr/>
-          <p:nvPr/>
-        </p:nvSpPr>
-        <p:spPr>
-          <a:xfrm>
-            <a:off x="15765564" y="35908635"/>
-            <a:ext cx="7265887" cy="5473298"/>
-          </a:xfrm>
-          <a:prstGeom prst="roundRect">
-            <a:avLst>
-              <a:gd name="adj" fmla="val 2154"/>
-            </a:avLst>
-          </a:prstGeom>
-          <a:solidFill>
-            <a:schemeClr val="bg1"/>
-          </a:solidFill>
-          <a:ln w="254000">
-            <a:solidFill>
-              <a:srgbClr val="2F4F4F"/>
-            </a:solidFill>
-          </a:ln>
-        </p:spPr>
-        <p:style>
-          <a:lnRef idx="2">
-            <a:schemeClr val="accent1">
-              <a:shade val="15000"/>
-            </a:schemeClr>
-          </a:lnRef>
-          <a:fillRef idx="1">
-            <a:schemeClr val="accent1"/>
-          </a:fillRef>
-          <a:effectRef idx="0">
-            <a:schemeClr val="accent1"/>
-          </a:effectRef>
-          <a:fontRef idx="minor">
-            <a:schemeClr val="lt1"/>
-          </a:fontRef>
-        </p:style>
-        <p:txBody>
-          <a:bodyPr rtlCol="0" anchor="ctr"/>
-          <a:lstStyle/>
-          <a:p>
-            <a:pPr algn="ctr"/>
-            <a:endParaRPr lang="de-DE" dirty="0"/>
-          </a:p>
-        </p:txBody>
-      </p:sp>
-      <p:sp>
-        <p:nvSpPr>
-          <p:cNvPr id="13" name="Rectangle: Rounded Corners 12">
-            <a:extLst>
-              <a:ext uri="{FF2B5EF4-FFF2-40B4-BE49-F238E27FC236}">
-                <a16:creationId xmlns:a16="http://schemas.microsoft.com/office/drawing/2014/main" id="{31DF673D-5C04-D269-D143-ED973B51EDB4}"/>
-              </a:ext>
-            </a:extLst>
-          </p:cNvPr>
-          <p:cNvSpPr/>
-          <p:nvPr/>
-        </p:nvSpPr>
-        <p:spPr>
-          <a:xfrm>
-            <a:off x="619433" y="13902154"/>
-            <a:ext cx="29054323" cy="13032673"/>
-          </a:xfrm>
-          <a:prstGeom prst="roundRect">
-            <a:avLst>
-              <a:gd name="adj" fmla="val 1883"/>
-            </a:avLst>
-          </a:prstGeom>
-          <a:solidFill>
-            <a:schemeClr val="bg1"/>
-          </a:solidFill>
-          <a:ln w="254000">
-            <a:solidFill>
-              <a:srgbClr val="668B8B"/>
-            </a:solidFill>
-          </a:ln>
-        </p:spPr>
-        <p:style>
-          <a:lnRef idx="2">
-            <a:schemeClr val="accent1">
-              <a:shade val="15000"/>
-            </a:schemeClr>
-          </a:lnRef>
-          <a:fillRef idx="1">
-            <a:schemeClr val="accent1"/>
-          </a:fillRef>
-          <a:effectRef idx="0">
-            <a:schemeClr val="accent1"/>
-          </a:effectRef>
-          <a:fontRef idx="minor">
-            <a:schemeClr val="lt1"/>
-          </a:fontRef>
-        </p:style>
-        <p:txBody>
-          <a:bodyPr rtlCol="0" anchor="ctr"/>
-          <a:lstStyle/>
-          <a:p>
-            <a:pPr algn="ctr"/>
-            <a:r>
-              <a:rPr lang="de-DE" dirty="0"/>
-              <a:t>v</a:t>
-            </a:r>
-          </a:p>
-        </p:txBody>
-      </p:sp>
-      <p:sp>
-        <p:nvSpPr>
-          <p:cNvPr id="14" name="Rectangle: Rounded Corners 13">
-            <a:extLst>
-              <a:ext uri="{FF2B5EF4-FFF2-40B4-BE49-F238E27FC236}">
-                <a16:creationId xmlns:a16="http://schemas.microsoft.com/office/drawing/2014/main" id="{ADF2A8C2-8D24-3049-1538-95970C62D615}"/>
-              </a:ext>
-            </a:extLst>
-          </p:cNvPr>
-          <p:cNvSpPr/>
-          <p:nvPr/>
-        </p:nvSpPr>
-        <p:spPr>
-          <a:xfrm>
-            <a:off x="619433" y="6354752"/>
-            <a:ext cx="29054323" cy="6831954"/>
-          </a:xfrm>
-          <a:prstGeom prst="roundRect">
-            <a:avLst>
-              <a:gd name="adj" fmla="val 4408"/>
-            </a:avLst>
-          </a:prstGeom>
-          <a:solidFill>
-            <a:schemeClr val="bg1"/>
-          </a:solidFill>
-          <a:ln w="254000">
-            <a:solidFill>
-              <a:srgbClr val="8B1A1A"/>
-            </a:solidFill>
-          </a:ln>
-        </p:spPr>
-        <p:style>
-          <a:lnRef idx="2">
-            <a:schemeClr val="accent1">
-              <a:shade val="15000"/>
-            </a:schemeClr>
-          </a:lnRef>
-          <a:fillRef idx="1">
-            <a:schemeClr val="accent1"/>
-          </a:fillRef>
-          <a:effectRef idx="0">
-            <a:schemeClr val="accent1"/>
-          </a:effectRef>
-          <a:fontRef idx="minor">
-            <a:schemeClr val="lt1"/>
-          </a:fontRef>
-        </p:style>
-        <p:txBody>
-          <a:bodyPr numCol="1" rtlCol="0" anchor="ctr"/>
-          <a:lstStyle/>
-          <a:p>
-            <a:pPr algn="ctr"/>
-            <a:endParaRPr lang="de-DE" dirty="0"/>
-          </a:p>
-        </p:txBody>
-      </p:sp>
-      <p:sp>
-        <p:nvSpPr>
-          <p:cNvPr id="15" name="TextBox 14">
-            <a:extLst>
-              <a:ext uri="{FF2B5EF4-FFF2-40B4-BE49-F238E27FC236}">
-                <a16:creationId xmlns:a16="http://schemas.microsoft.com/office/drawing/2014/main" id="{F4228666-4A3A-85CA-699A-43D24CD580F6}"/>
-              </a:ext>
-            </a:extLst>
-          </p:cNvPr>
-          <p:cNvSpPr txBox="1"/>
-          <p:nvPr/>
-        </p:nvSpPr>
-        <p:spPr>
-          <a:xfrm>
-            <a:off x="1253554" y="8328936"/>
-            <a:ext cx="13893040" cy="4524315"/>
-          </a:xfrm>
-          <a:prstGeom prst="rect">
-            <a:avLst/>
-          </a:prstGeom>
-          <a:noFill/>
-          <a:ln>
-            <a:noFill/>
-          </a:ln>
-        </p:spPr>
-        <p:txBody>
-          <a:bodyPr wrap="square">
-            <a:spAutoFit/>
-          </a:bodyPr>
-          <a:lstStyle/>
-          <a:p>
-            <a:r>
-              <a:rPr lang="en-US" sz="2400" b="1" dirty="0"/>
-              <a:t>  </a:t>
-            </a:r>
-            <a:endParaRPr lang="en-US" sz="2400" dirty="0"/>
-          </a:p>
-          <a:p>
-            <a:pPr marL="457200" indent="-457200">
-              <a:buFont typeface="Arial" panose="020B0604020202020204" pitchFamily="34" charset="0"/>
-              <a:buChar char="•"/>
-            </a:pPr>
-            <a:r>
-              <a:rPr lang="de-DE" sz="2400" dirty="0"/>
-              <a:t>„We want to </a:t>
-            </a:r>
-            <a:r>
-              <a:rPr lang="en-US" sz="2400" dirty="0"/>
-              <a:t>extract RNA-dependent proteins from proteomic screens”</a:t>
-            </a:r>
-            <a:endParaRPr lang="de-DE" sz="2400" dirty="0"/>
-          </a:p>
-          <a:p>
-            <a:pPr marL="457200" indent="-457200">
-              <a:buFont typeface="Arial" panose="020B0604020202020204" pitchFamily="34" charset="0"/>
-              <a:buChar char="•"/>
-            </a:pPr>
-            <a:r>
-              <a:rPr lang="de-DE" sz="2400" dirty="0"/>
-              <a:t>„RNA-dependency = the proteins interactome depends on RNA“</a:t>
-            </a:r>
-          </a:p>
-          <a:p>
-            <a:endParaRPr lang="en-US" sz="2400" b="1" dirty="0"/>
-          </a:p>
-          <a:p>
-            <a:r>
-              <a:rPr lang="en-US" sz="2400" b="1" dirty="0"/>
-              <a:t>What Makes RNA-Dependent Proteins Worth Investigating?</a:t>
-            </a:r>
-          </a:p>
-          <a:p>
-            <a:pPr marL="457200" indent="-457200">
-              <a:buFont typeface="Arial" panose="020B0604020202020204" pitchFamily="34" charset="0"/>
-              <a:buChar char="•"/>
-            </a:pPr>
-            <a:r>
-              <a:rPr lang="de-DE" sz="2400" b="1" dirty="0"/>
-              <a:t>Key Regulators:</a:t>
-            </a:r>
-            <a:r>
-              <a:rPr lang="de-DE" sz="2400" dirty="0"/>
-              <a:t> RBPs control RNA metabolism &amp; gene expression.</a:t>
-            </a:r>
-          </a:p>
-          <a:p>
-            <a:pPr marL="457200" indent="-457200">
-              <a:buFont typeface="Arial" panose="020B0604020202020204" pitchFamily="34" charset="0"/>
-              <a:buChar char="•"/>
-            </a:pPr>
-            <a:r>
-              <a:rPr lang="de-DE" sz="2400" b="1" dirty="0"/>
-              <a:t>Disease Links:</a:t>
-            </a:r>
-            <a:r>
-              <a:rPr lang="de-DE" sz="2400" dirty="0"/>
-              <a:t> Misregulation is tied to cancer &amp; neurodegeneration.</a:t>
-            </a:r>
-          </a:p>
-          <a:p>
-            <a:pPr marL="457200" indent="-457200">
-              <a:buFont typeface="Arial" panose="020B0604020202020204" pitchFamily="34" charset="0"/>
-              <a:buChar char="•"/>
-            </a:pPr>
-            <a:r>
-              <a:rPr lang="de-DE" sz="2400" b="1" dirty="0"/>
-              <a:t>Functional Clues:</a:t>
-            </a:r>
-            <a:r>
-              <a:rPr lang="de-DE" sz="2400" dirty="0"/>
-              <a:t> New RBPs hint at RNA’s role in specific pathways.</a:t>
-            </a:r>
-          </a:p>
-          <a:p>
-            <a:pPr marL="457200" indent="-457200">
-              <a:buFont typeface="Arial" panose="020B0604020202020204" pitchFamily="34" charset="0"/>
-              <a:buChar char="•"/>
-            </a:pPr>
-            <a:r>
-              <a:rPr lang="de-DE" sz="2400" b="1" dirty="0"/>
-              <a:t>Interaction Networks:</a:t>
-            </a:r>
-            <a:r>
-              <a:rPr lang="de-DE" sz="2400" dirty="0"/>
-              <a:t> Mapping RNA-protein complexes reveals regulatory logic. </a:t>
-            </a:r>
-          </a:p>
-          <a:p>
-            <a:pPr marL="457200" indent="-457200">
-              <a:buFont typeface="Arial" panose="020B0604020202020204" pitchFamily="34" charset="0"/>
-              <a:buChar char="•"/>
-            </a:pPr>
-            <a:r>
-              <a:rPr lang="de-DE" sz="2400" b="1" dirty="0"/>
-              <a:t>Molecular Insights:</a:t>
-            </a:r>
-            <a:r>
-              <a:rPr lang="de-DE" sz="2400" dirty="0"/>
-              <a:t> Deepens our understanding of cell cycle and cellular behavior. </a:t>
-            </a:r>
-            <a:endParaRPr lang="en-US" sz="2400" b="1" dirty="0"/>
-          </a:p>
-          <a:p>
-            <a:pPr marL="457200" indent="-457200">
-              <a:buFont typeface="Arial" panose="020B0604020202020204" pitchFamily="34" charset="0"/>
-              <a:buChar char="•"/>
-            </a:pPr>
-            <a:endParaRPr lang="de-DE" sz="2400" dirty="0"/>
-          </a:p>
-          <a:p>
-            <a:pPr marL="457200" indent="-457200">
-              <a:buFont typeface="Arial" panose="020B0604020202020204" pitchFamily="34" charset="0"/>
-              <a:buChar char="•"/>
-            </a:pPr>
-            <a:endParaRPr lang="de-DE" sz="2400" dirty="0"/>
-          </a:p>
-        </p:txBody>
-      </p:sp>
-      <p:sp>
-        <p:nvSpPr>
-          <p:cNvPr id="16" name="TextBox 15">
-            <a:extLst>
-              <a:ext uri="{FF2B5EF4-FFF2-40B4-BE49-F238E27FC236}">
-                <a16:creationId xmlns:a16="http://schemas.microsoft.com/office/drawing/2014/main" id="{87D3BD63-12FC-15FD-2C7B-8004AFE74E10}"/>
-              </a:ext>
-            </a:extLst>
-          </p:cNvPr>
-          <p:cNvSpPr txBox="1"/>
-          <p:nvPr/>
-        </p:nvSpPr>
-        <p:spPr>
-          <a:xfrm>
-            <a:off x="1887734" y="16043329"/>
-            <a:ext cx="24173364" cy="7109639"/>
-          </a:xfrm>
-          <a:prstGeom prst="rect">
-            <a:avLst/>
-          </a:prstGeom>
-          <a:noFill/>
-          <a:ln>
-            <a:noFill/>
-          </a:ln>
-        </p:spPr>
-        <p:txBody>
-          <a:bodyPr wrap="square">
-            <a:spAutoFit/>
-          </a:bodyPr>
-          <a:lstStyle/>
-          <a:p>
-            <a:r>
-              <a:rPr lang="en-US" sz="2400" b="1" dirty="0"/>
-              <a:t>1) Data preparation</a:t>
-            </a:r>
-          </a:p>
-          <a:p>
-            <a:pPr marL="457200" indent="-457200">
-              <a:buFont typeface="Arial" panose="020B0604020202020204" pitchFamily="34" charset="0"/>
-              <a:buChar char="•"/>
-            </a:pPr>
-            <a:r>
-              <a:rPr lang="en-US" sz="2400" dirty="0"/>
-              <a:t>Data cleanup</a:t>
-            </a:r>
-          </a:p>
-          <a:p>
-            <a:pPr marL="457200" indent="-457200">
-              <a:buFont typeface="Arial" panose="020B0604020202020204" pitchFamily="34" charset="0"/>
-              <a:buChar char="•"/>
-            </a:pPr>
-            <a:r>
-              <a:rPr lang="en-US" sz="2400" dirty="0"/>
-              <a:t>“Rearrange and reorder the columns to their treatment, replicate and fraction”</a:t>
-            </a:r>
-          </a:p>
-          <a:p>
-            <a:pPr marL="457200" indent="-457200">
-              <a:buFont typeface="Arial" panose="020B0604020202020204" pitchFamily="34" charset="0"/>
-              <a:buChar char="•"/>
-            </a:pPr>
-            <a:r>
-              <a:rPr lang="en-US" sz="2400" dirty="0"/>
-              <a:t>Normalization</a:t>
-            </a:r>
-          </a:p>
-          <a:p>
-            <a:endParaRPr lang="en-US" sz="2400" b="1" dirty="0"/>
-          </a:p>
-          <a:p>
-            <a:r>
-              <a:rPr lang="de-DE" sz="2400" b="1" dirty="0"/>
-              <a:t>2) Data exploration</a:t>
-            </a:r>
-            <a:endParaRPr lang="de-DE" sz="2400" dirty="0"/>
-          </a:p>
-          <a:p>
-            <a:pPr marL="457200" indent="-457200">
-              <a:buFont typeface="Arial" panose="020B0604020202020204" pitchFamily="34" charset="0"/>
-              <a:buChar char="•"/>
-            </a:pPr>
-            <a:r>
-              <a:rPr lang="en-US" sz="2400" dirty="0"/>
-              <a:t> Identification of maxima and shoulders</a:t>
-            </a:r>
-          </a:p>
-          <a:p>
-            <a:pPr marL="457200" indent="-457200">
-              <a:buFont typeface="Arial" panose="020B0604020202020204" pitchFamily="34" charset="0"/>
-              <a:buChar char="•"/>
-            </a:pPr>
-            <a:r>
-              <a:rPr lang="en-US" sz="2400" dirty="0"/>
-              <a:t> </a:t>
-            </a:r>
-            <a:r>
-              <a:rPr lang="de-DE" sz="2400" dirty="0"/>
-              <a:t>Selection criteria</a:t>
-            </a:r>
-            <a:r>
-              <a:rPr lang="en-US" sz="2400" dirty="0"/>
-              <a:t> &amp; Wilcoxon Test </a:t>
-            </a:r>
-          </a:p>
-          <a:p>
-            <a:pPr marL="457200" indent="-457200">
-              <a:buFont typeface="Arial" panose="020B0604020202020204" pitchFamily="34" charset="0"/>
-              <a:buChar char="•"/>
-            </a:pPr>
-            <a:r>
-              <a:rPr lang="en-US" sz="2400" dirty="0"/>
-              <a:t>Visualization for the </a:t>
-            </a:r>
-            <a:r>
-              <a:rPr lang="de-DE" sz="2400" dirty="0"/>
-              <a:t>order of selection criteria</a:t>
-            </a:r>
-            <a:endParaRPr lang="en-US" sz="2400" dirty="0"/>
-          </a:p>
-          <a:p>
-            <a:pPr marL="457200" indent="-457200">
-              <a:buFont typeface="Arial" panose="020B0604020202020204" pitchFamily="34" charset="0"/>
-              <a:buChar char="•"/>
-            </a:pPr>
-            <a:r>
-              <a:rPr lang="en-US" sz="2400" dirty="0"/>
-              <a:t>Pie charts for selection results</a:t>
-            </a:r>
-          </a:p>
-          <a:p>
-            <a:endParaRPr lang="en-US" sz="2400" b="1" dirty="0"/>
-          </a:p>
-          <a:p>
-            <a:r>
-              <a:rPr lang="de-DE" sz="2400" b="1" dirty="0"/>
-              <a:t>3) Data reduction</a:t>
-            </a:r>
-          </a:p>
-          <a:p>
-            <a:pPr marL="457200" indent="-457200">
-              <a:buFont typeface="Arial" panose="020B0604020202020204" pitchFamily="34" charset="0"/>
-              <a:buChar char="•"/>
-            </a:pPr>
-            <a:r>
-              <a:rPr lang="de-DE" sz="2400" dirty="0"/>
-              <a:t>PCR </a:t>
-            </a:r>
-            <a:endParaRPr lang="en-US" sz="2400" dirty="0"/>
-          </a:p>
-          <a:p>
-            <a:pPr marL="457200" indent="-457200">
-              <a:buFont typeface="Arial" panose="020B0604020202020204" pitchFamily="34" charset="0"/>
-              <a:buChar char="•"/>
-            </a:pPr>
-            <a:r>
-              <a:rPr lang="en-US" sz="2400" dirty="0"/>
-              <a:t> k-means clustering</a:t>
-            </a:r>
-          </a:p>
-          <a:p>
-            <a:pPr marL="457200" indent="-457200">
-              <a:buFont typeface="Arial" panose="020B0604020202020204" pitchFamily="34" charset="0"/>
-              <a:buChar char="•"/>
-            </a:pPr>
-            <a:endParaRPr lang="en-US" sz="2400" dirty="0"/>
-          </a:p>
-          <a:p>
-            <a:r>
-              <a:rPr lang="de-DE" sz="2400" b="1" dirty="0"/>
-              <a:t>4) Data modelling</a:t>
-            </a:r>
-          </a:p>
-          <a:p>
-            <a:pPr marL="457200" indent="-457200">
-              <a:buFont typeface="Arial" panose="020B0604020202020204" pitchFamily="34" charset="0"/>
-              <a:buChar char="•"/>
-            </a:pPr>
-            <a:r>
-              <a:rPr lang="en-US" sz="2400" dirty="0"/>
-              <a:t> Linear Regression </a:t>
-            </a:r>
-            <a:endParaRPr lang="en-US" sz="2400" b="1" dirty="0"/>
-          </a:p>
-          <a:p>
-            <a:endParaRPr lang="en-US" sz="2400" b="1" dirty="0"/>
-          </a:p>
-          <a:p>
-            <a:endParaRPr lang="en-US" sz="2400" b="1" dirty="0"/>
-          </a:p>
-        </p:txBody>
-      </p:sp>
-      <p:sp>
-        <p:nvSpPr>
-          <p:cNvPr id="17" name="TextBox 16">
-            <a:extLst>
-              <a:ext uri="{FF2B5EF4-FFF2-40B4-BE49-F238E27FC236}">
-                <a16:creationId xmlns:a16="http://schemas.microsoft.com/office/drawing/2014/main" id="{4AE50113-60F9-424E-99E1-4DCE3D61BD7A}"/>
-              </a:ext>
-            </a:extLst>
-          </p:cNvPr>
-          <p:cNvSpPr txBox="1"/>
-          <p:nvPr/>
-        </p:nvSpPr>
-        <p:spPr>
-          <a:xfrm>
-            <a:off x="1253554" y="29923970"/>
-            <a:ext cx="11401261" cy="11172289"/>
-          </a:xfrm>
-          <a:prstGeom prst="rect">
-            <a:avLst/>
-          </a:prstGeom>
-          <a:noFill/>
-          <a:ln>
-            <a:noFill/>
-          </a:ln>
-        </p:spPr>
-        <p:txBody>
-          <a:bodyPr wrap="square">
-            <a:spAutoFit/>
-          </a:bodyPr>
-          <a:lstStyle/>
-          <a:p>
-            <a:pPr marL="457200" indent="-457200">
-              <a:buFont typeface="Arial" panose="020B0604020202020204" pitchFamily="34" charset="0"/>
-              <a:buChar char="•"/>
-            </a:pPr>
-            <a:r>
-              <a:rPr lang="en-US" sz="2400" dirty="0"/>
-              <a:t>Critical review of our own results and methods (e.g., Selection criteria made us delete some RBPs. Why? What were their properties?)</a:t>
-            </a:r>
-          </a:p>
-          <a:p>
-            <a:pPr marL="457200" indent="-457200">
-              <a:buFont typeface="Arial" panose="020B0604020202020204" pitchFamily="34" charset="0"/>
-              <a:buChar char="•"/>
-            </a:pPr>
-            <a:r>
-              <a:rPr lang="en-US" sz="2400" dirty="0"/>
-              <a:t>Why do we find fewer proteins than </a:t>
-            </a:r>
-            <a:r>
-              <a:rPr lang="en-US" sz="2400" dirty="0" err="1"/>
-              <a:t>Maïwen</a:t>
-            </a:r>
-            <a:r>
-              <a:rPr lang="en-US" sz="2400" dirty="0"/>
-              <a:t>? </a:t>
-            </a:r>
-          </a:p>
-          <a:p>
-            <a:pPr marL="457200" indent="-457200">
-              <a:buFont typeface="Arial" panose="020B0604020202020204" pitchFamily="34" charset="0"/>
-              <a:buChar char="•"/>
-            </a:pPr>
-            <a:endParaRPr lang="en-US" sz="2400" dirty="0"/>
-          </a:p>
-          <a:p>
-            <a:pPr marL="457200" indent="-457200">
-              <a:buFont typeface="Arial" panose="020B0604020202020204" pitchFamily="34" charset="0"/>
-              <a:buChar char="•"/>
-            </a:pPr>
-            <a:endParaRPr lang="en-US" sz="2400" dirty="0"/>
-          </a:p>
-          <a:p>
-            <a:pPr marL="457200" indent="-457200">
-              <a:buFont typeface="Arial" panose="020B0604020202020204" pitchFamily="34" charset="0"/>
-              <a:buChar char="•"/>
-            </a:pPr>
-            <a:endParaRPr lang="en-US" sz="2400" dirty="0"/>
-          </a:p>
-          <a:p>
-            <a:pPr marL="457200" indent="-457200">
-              <a:buFont typeface="Arial" panose="020B0604020202020204" pitchFamily="34" charset="0"/>
-              <a:buChar char="•"/>
-            </a:pPr>
-            <a:endParaRPr lang="en-US" sz="2400" dirty="0"/>
-          </a:p>
-          <a:p>
-            <a:pPr marL="457200" indent="-457200">
-              <a:buFont typeface="Arial" panose="020B0604020202020204" pitchFamily="34" charset="0"/>
-              <a:buChar char="•"/>
-            </a:pPr>
-            <a:endParaRPr lang="en-US" sz="2400" dirty="0"/>
-          </a:p>
-          <a:p>
-            <a:pPr marL="457200" indent="-457200">
-              <a:buFont typeface="Arial" panose="020B0604020202020204" pitchFamily="34" charset="0"/>
-              <a:buChar char="•"/>
-            </a:pPr>
-            <a:endParaRPr lang="en-US" sz="2400" dirty="0"/>
-          </a:p>
-          <a:p>
-            <a:pPr marL="457200" indent="-457200">
-              <a:buFont typeface="Arial" panose="020B0604020202020204" pitchFamily="34" charset="0"/>
-              <a:buChar char="•"/>
-            </a:pPr>
-            <a:endParaRPr lang="en-US" sz="2400" dirty="0"/>
-          </a:p>
-          <a:p>
-            <a:pPr marL="457200" indent="-457200">
-              <a:buFont typeface="Arial" panose="020B0604020202020204" pitchFamily="34" charset="0"/>
-              <a:buChar char="•"/>
-            </a:pPr>
-            <a:endParaRPr lang="en-US" sz="2400" dirty="0"/>
-          </a:p>
-          <a:p>
-            <a:pPr marL="457200" indent="-457200">
-              <a:buFont typeface="Arial" panose="020B0604020202020204" pitchFamily="34" charset="0"/>
-              <a:buChar char="•"/>
-            </a:pPr>
-            <a:endParaRPr lang="en-US" sz="2400" dirty="0"/>
-          </a:p>
-          <a:p>
-            <a:pPr marL="457200" indent="-457200">
-              <a:buFont typeface="Arial" panose="020B0604020202020204" pitchFamily="34" charset="0"/>
-              <a:buChar char="•"/>
-            </a:pPr>
-            <a:endParaRPr lang="en-US" sz="2400" dirty="0"/>
-          </a:p>
-          <a:p>
-            <a:pPr marL="457200" indent="-457200">
-              <a:buFont typeface="Arial" panose="020B0604020202020204" pitchFamily="34" charset="0"/>
-              <a:buChar char="•"/>
-            </a:pPr>
-            <a:endParaRPr lang="en-US" sz="2400" dirty="0"/>
-          </a:p>
-          <a:p>
-            <a:pPr marL="457200" indent="-457200">
-              <a:buFont typeface="Arial" panose="020B0604020202020204" pitchFamily="34" charset="0"/>
-              <a:buChar char="•"/>
-            </a:pPr>
-            <a:endParaRPr lang="en-US" sz="2400" dirty="0"/>
-          </a:p>
-          <a:p>
-            <a:pPr marL="457200" indent="-457200">
-              <a:buFont typeface="Arial" panose="020B0604020202020204" pitchFamily="34" charset="0"/>
-              <a:buChar char="•"/>
-            </a:pPr>
-            <a:endParaRPr lang="en-US" sz="2400" dirty="0"/>
-          </a:p>
-          <a:p>
-            <a:pPr marL="457200" indent="-457200">
-              <a:buFont typeface="Arial" panose="020B0604020202020204" pitchFamily="34" charset="0"/>
-              <a:buChar char="•"/>
-            </a:pPr>
-            <a:endParaRPr lang="en-US" sz="2400" dirty="0"/>
-          </a:p>
-          <a:p>
-            <a:pPr marL="457200" indent="-457200">
-              <a:buFont typeface="Arial" panose="020B0604020202020204" pitchFamily="34" charset="0"/>
-              <a:buChar char="•"/>
-            </a:pPr>
-            <a:endParaRPr lang="en-US" sz="2400" dirty="0"/>
-          </a:p>
-          <a:p>
-            <a:pPr marL="457200" indent="-457200">
-              <a:buFont typeface="Arial" panose="020B0604020202020204" pitchFamily="34" charset="0"/>
-              <a:buChar char="•"/>
-            </a:pPr>
-            <a:endParaRPr lang="en-US" sz="2400" dirty="0"/>
-          </a:p>
-          <a:p>
-            <a:pPr marL="457200" indent="-457200">
-              <a:buFont typeface="Arial" panose="020B0604020202020204" pitchFamily="34" charset="0"/>
-              <a:buChar char="•"/>
-            </a:pPr>
-            <a:endParaRPr lang="en-US" sz="2400" dirty="0"/>
-          </a:p>
-          <a:p>
-            <a:pPr marL="457200" indent="-457200">
-              <a:buFont typeface="Arial" panose="020B0604020202020204" pitchFamily="34" charset="0"/>
-              <a:buChar char="•"/>
-            </a:pPr>
-            <a:endParaRPr lang="en-US" sz="2400" dirty="0"/>
-          </a:p>
-          <a:p>
-            <a:pPr marL="457200" indent="-457200">
-              <a:buFont typeface="Arial" panose="020B0604020202020204" pitchFamily="34" charset="0"/>
-              <a:buChar char="•"/>
-            </a:pPr>
-            <a:endParaRPr lang="en-US" sz="2400" dirty="0"/>
-          </a:p>
-          <a:p>
-            <a:pPr marL="457200" indent="-457200">
-              <a:buFont typeface="Arial" panose="020B0604020202020204" pitchFamily="34" charset="0"/>
-              <a:buChar char="•"/>
-            </a:pPr>
-            <a:endParaRPr lang="en-US" sz="2400" dirty="0"/>
-          </a:p>
-          <a:p>
-            <a:pPr marL="457200" indent="-457200">
-              <a:buFont typeface="Arial" panose="020B0604020202020204" pitchFamily="34" charset="0"/>
-              <a:buChar char="•"/>
-            </a:pPr>
-            <a:endParaRPr lang="en-US" sz="2400" dirty="0"/>
-          </a:p>
-          <a:p>
-            <a:pPr marL="457200" indent="-457200">
-              <a:buFont typeface="Arial" panose="020B0604020202020204" pitchFamily="34" charset="0"/>
-              <a:buChar char="•"/>
-            </a:pPr>
-            <a:endParaRPr lang="en-US" sz="2400" dirty="0"/>
-          </a:p>
-          <a:p>
-            <a:pPr marL="457200" indent="-457200">
-              <a:buFont typeface="Arial" panose="020B0604020202020204" pitchFamily="34" charset="0"/>
-              <a:buChar char="•"/>
-            </a:pPr>
-            <a:endParaRPr lang="en-US" sz="2400" dirty="0"/>
-          </a:p>
-          <a:p>
-            <a:pPr marL="457200" indent="-457200">
-              <a:buFont typeface="Arial" panose="020B0604020202020204" pitchFamily="34" charset="0"/>
-              <a:buChar char="•"/>
-            </a:pPr>
-            <a:endParaRPr lang="en-US" sz="2400" dirty="0"/>
-          </a:p>
-          <a:p>
-            <a:pPr marL="457200" indent="-457200">
-              <a:buFont typeface="Arial" panose="020B0604020202020204" pitchFamily="34" charset="0"/>
-              <a:buChar char="•"/>
-            </a:pPr>
-            <a:endParaRPr lang="en-US" sz="2400" dirty="0"/>
-          </a:p>
-          <a:p>
-            <a:pPr marL="457200" indent="-457200">
-              <a:buFont typeface="Arial" panose="020B0604020202020204" pitchFamily="34" charset="0"/>
-              <a:buChar char="•"/>
-            </a:pPr>
-            <a:endParaRPr lang="en-US" sz="2400" dirty="0"/>
-          </a:p>
-          <a:p>
-            <a:endParaRPr lang="en-US" sz="2400" b="1" dirty="0"/>
-          </a:p>
-        </p:txBody>
-      </p:sp>
-      <p:sp>
-        <p:nvSpPr>
-          <p:cNvPr id="18" name="TextBox 17">
-            <a:extLst>
-              <a:ext uri="{FF2B5EF4-FFF2-40B4-BE49-F238E27FC236}">
-                <a16:creationId xmlns:a16="http://schemas.microsoft.com/office/drawing/2014/main" id="{E5C4C0B9-CDDC-A53A-FB16-658D072428BB}"/>
-              </a:ext>
-            </a:extLst>
-          </p:cNvPr>
-          <p:cNvSpPr txBox="1"/>
-          <p:nvPr/>
-        </p:nvSpPr>
-        <p:spPr>
-          <a:xfrm>
-            <a:off x="16242587" y="37886105"/>
-            <a:ext cx="5093413" cy="1569660"/>
-          </a:xfrm>
-          <a:prstGeom prst="rect">
-            <a:avLst/>
-          </a:prstGeom>
-          <a:noFill/>
-          <a:ln>
-            <a:noFill/>
-          </a:ln>
-        </p:spPr>
-        <p:txBody>
-          <a:bodyPr wrap="square">
-            <a:spAutoFit/>
-          </a:bodyPr>
-          <a:lstStyle/>
-          <a:p>
-            <a:pPr marL="457200" indent="-457200">
-              <a:buFont typeface="Arial" panose="020B0604020202020204" pitchFamily="34" charset="0"/>
-              <a:buChar char="•"/>
-            </a:pPr>
-            <a:endParaRPr lang="en-US" sz="2400" dirty="0"/>
-          </a:p>
-          <a:p>
-            <a:pPr marL="457200" indent="-457200">
-              <a:buFont typeface="Arial" panose="020B0604020202020204" pitchFamily="34" charset="0"/>
-              <a:buChar char="•"/>
-            </a:pPr>
-            <a:r>
-              <a:rPr lang="en-US" sz="2400" dirty="0"/>
-              <a:t>https://de.wikipedia.org/wiki/Eigentliche_Schnepfen</a:t>
-            </a:r>
-          </a:p>
-          <a:p>
-            <a:pPr marL="457200" indent="-457200">
-              <a:buFont typeface="Arial" panose="020B0604020202020204" pitchFamily="34" charset="0"/>
-              <a:buChar char="•"/>
-            </a:pPr>
-            <a:endParaRPr lang="en-US" sz="2400" dirty="0"/>
-          </a:p>
-        </p:txBody>
-      </p:sp>
-      <p:sp>
-        <p:nvSpPr>
-          <p:cNvPr id="19" name="TextBox 18">
-            <a:extLst>
-              <a:ext uri="{FF2B5EF4-FFF2-40B4-BE49-F238E27FC236}">
-                <a16:creationId xmlns:a16="http://schemas.microsoft.com/office/drawing/2014/main" id="{F48D421B-5927-A314-B4CF-8B6D52CFA7B5}"/>
-              </a:ext>
-            </a:extLst>
-          </p:cNvPr>
-          <p:cNvSpPr txBox="1"/>
-          <p:nvPr/>
-        </p:nvSpPr>
-        <p:spPr>
-          <a:xfrm>
-            <a:off x="16242587" y="29665022"/>
-            <a:ext cx="8291810" cy="1200329"/>
-          </a:xfrm>
-          <a:prstGeom prst="rect">
-            <a:avLst/>
-          </a:prstGeom>
-          <a:noFill/>
-          <a:ln>
-            <a:noFill/>
-          </a:ln>
-        </p:spPr>
-        <p:txBody>
-          <a:bodyPr wrap="square">
-            <a:spAutoFit/>
-          </a:bodyPr>
-          <a:lstStyle/>
-          <a:p>
-            <a:pPr marL="457200" indent="-457200">
-              <a:buFont typeface="Arial" panose="020B0604020202020204" pitchFamily="34" charset="0"/>
-              <a:buChar char="•"/>
-            </a:pPr>
-            <a:r>
-              <a:rPr lang="de-DE" sz="2400" dirty="0"/>
-              <a:t>We found X proteins that ...</a:t>
-            </a:r>
-          </a:p>
-          <a:p>
-            <a:pPr marL="457200" indent="-457200">
-              <a:buFont typeface="Arial" panose="020B0604020202020204" pitchFamily="34" charset="0"/>
-              <a:buChar char="•"/>
-            </a:pPr>
-            <a:endParaRPr lang="de-DE" sz="2400" dirty="0"/>
-          </a:p>
-          <a:p>
-            <a:endParaRPr lang="en-US" sz="2400" b="1" dirty="0"/>
-          </a:p>
-        </p:txBody>
-      </p:sp>
-      <p:sp>
-        <p:nvSpPr>
-          <p:cNvPr id="20" name="Rectangle: Rounded Corners 19">
-            <a:extLst>
-              <a:ext uri="{FF2B5EF4-FFF2-40B4-BE49-F238E27FC236}">
-                <a16:creationId xmlns:a16="http://schemas.microsoft.com/office/drawing/2014/main" id="{D585AF3E-5D4E-A4F6-D8A3-F5458F16AAE7}"/>
-              </a:ext>
-            </a:extLst>
-          </p:cNvPr>
-          <p:cNvSpPr/>
-          <p:nvPr/>
-        </p:nvSpPr>
-        <p:spPr>
-          <a:xfrm>
-            <a:off x="619433" y="6354751"/>
-            <a:ext cx="29036347" cy="1430255"/>
-          </a:xfrm>
-          <a:prstGeom prst="roundRect">
-            <a:avLst>
-              <a:gd name="adj" fmla="val 0"/>
-            </a:avLst>
-          </a:prstGeom>
-          <a:solidFill>
-            <a:srgbClr val="8B1A1A"/>
-          </a:solidFill>
-          <a:ln>
-            <a:noFill/>
-          </a:ln>
-        </p:spPr>
-        <p:style>
-          <a:lnRef idx="2">
-            <a:schemeClr val="accent1">
-              <a:shade val="15000"/>
-            </a:schemeClr>
-          </a:lnRef>
-          <a:fillRef idx="1">
-            <a:schemeClr val="accent1"/>
-          </a:fillRef>
-          <a:effectRef idx="0">
-            <a:schemeClr val="accent1"/>
-          </a:effectRef>
-          <a:fontRef idx="minor">
-            <a:schemeClr val="lt1"/>
-          </a:fontRef>
-        </p:style>
-        <p:txBody>
-          <a:bodyPr rtlCol="0" anchor="ctr"/>
-          <a:lstStyle/>
-          <a:p>
-            <a:r>
-              <a:rPr lang="en-US" sz="6000" b="1" dirty="0"/>
-              <a:t>                   Identifying RNA-Dependent Proteins from Proteomic Data</a:t>
-            </a:r>
-            <a:endParaRPr lang="en-US" sz="1500" b="1" dirty="0"/>
-          </a:p>
-          <a:p>
-            <a:pPr algn="ctr"/>
-            <a:endParaRPr lang="en-US" sz="1000" b="1" dirty="0"/>
-          </a:p>
-        </p:txBody>
-      </p:sp>
-      <p:sp>
-        <p:nvSpPr>
-          <p:cNvPr id="21" name="TextBox 20">
-            <a:extLst>
-              <a:ext uri="{FF2B5EF4-FFF2-40B4-BE49-F238E27FC236}">
-                <a16:creationId xmlns:a16="http://schemas.microsoft.com/office/drawing/2014/main" id="{4ED08C4A-9CA1-DD6D-E1E3-900D3DA813A0}"/>
-              </a:ext>
-            </a:extLst>
-          </p:cNvPr>
-          <p:cNvSpPr txBox="1"/>
-          <p:nvPr/>
-        </p:nvSpPr>
-        <p:spPr>
-          <a:xfrm>
-            <a:off x="15164570" y="8328936"/>
-            <a:ext cx="13893040" cy="2308324"/>
-          </a:xfrm>
-          <a:prstGeom prst="rect">
-            <a:avLst/>
-          </a:prstGeom>
-          <a:noFill/>
-          <a:ln>
-            <a:noFill/>
-          </a:ln>
-        </p:spPr>
-        <p:txBody>
-          <a:bodyPr wrap="square">
-            <a:spAutoFit/>
-          </a:bodyPr>
-          <a:lstStyle/>
-          <a:p>
-            <a:r>
-              <a:rPr lang="en-US" sz="2400" b="1" dirty="0"/>
-              <a:t>Key Characteristics of Our Dataset</a:t>
-            </a:r>
-            <a:endParaRPr lang="de-DE" sz="2400" b="1" dirty="0"/>
-          </a:p>
-          <a:p>
-            <a:pPr marL="457200" indent="-457200">
-              <a:buFont typeface="Arial" panose="020B0604020202020204" pitchFamily="34" charset="0"/>
-              <a:buChar char="•"/>
-            </a:pPr>
-            <a:r>
-              <a:rPr lang="en-US" sz="2400" dirty="0"/>
-              <a:t>Our dataset was generated using the R-Deep approach</a:t>
-            </a:r>
-          </a:p>
-          <a:p>
-            <a:pPr marL="457200" indent="-457200">
-              <a:buFont typeface="Arial" panose="020B0604020202020204" pitchFamily="34" charset="0"/>
-              <a:buChar char="•"/>
-            </a:pPr>
-            <a:r>
-              <a:rPr lang="de-DE" sz="2400" dirty="0"/>
-              <a:t>~5000 Proteine in 25 Fraktionen, Rnase vs. CTRL</a:t>
-            </a:r>
-            <a:endParaRPr lang="en-US" sz="2400" dirty="0"/>
-          </a:p>
-          <a:p>
-            <a:pPr marL="457200" indent="-457200">
-              <a:buFont typeface="Arial" panose="020B0604020202020204" pitchFamily="34" charset="0"/>
-              <a:buChar char="•"/>
-            </a:pPr>
-            <a:r>
-              <a:rPr lang="en-US" sz="2400" dirty="0"/>
-              <a:t>Dimensions</a:t>
-            </a:r>
-            <a:endParaRPr lang="en-US" sz="2400" b="1" dirty="0"/>
-          </a:p>
-          <a:p>
-            <a:pPr marL="457200" indent="-457200">
-              <a:buFont typeface="Arial" panose="020B0604020202020204" pitchFamily="34" charset="0"/>
-              <a:buChar char="•"/>
-            </a:pPr>
-            <a:endParaRPr lang="de-DE" sz="2400" dirty="0"/>
-          </a:p>
-          <a:p>
-            <a:pPr marL="457200" indent="-457200">
-              <a:buFont typeface="Arial" panose="020B0604020202020204" pitchFamily="34" charset="0"/>
-              <a:buChar char="•"/>
-            </a:pPr>
-            <a:endParaRPr lang="de-DE" sz="2400" dirty="0"/>
-          </a:p>
-        </p:txBody>
-      </p:sp>
-      <p:sp>
-        <p:nvSpPr>
-          <p:cNvPr id="22" name="Rectangle: Rounded Corners 21">
-            <a:extLst>
-              <a:ext uri="{FF2B5EF4-FFF2-40B4-BE49-F238E27FC236}">
-                <a16:creationId xmlns:a16="http://schemas.microsoft.com/office/drawing/2014/main" id="{6427F567-F0EB-91D6-93F2-5B937A0676AD}"/>
-              </a:ext>
-            </a:extLst>
-          </p:cNvPr>
-          <p:cNvSpPr/>
-          <p:nvPr/>
-        </p:nvSpPr>
-        <p:spPr>
-          <a:xfrm>
-            <a:off x="668635" y="13907015"/>
-            <a:ext cx="28937944" cy="1430255"/>
-          </a:xfrm>
-          <a:prstGeom prst="roundRect">
-            <a:avLst>
-              <a:gd name="adj" fmla="val 0"/>
-            </a:avLst>
-          </a:prstGeom>
-          <a:solidFill>
-            <a:srgbClr val="668B8B"/>
-          </a:solidFill>
-          <a:ln>
-            <a:noFill/>
-          </a:ln>
-        </p:spPr>
-        <p:style>
-          <a:lnRef idx="2">
-            <a:schemeClr val="accent1">
-              <a:shade val="15000"/>
-            </a:schemeClr>
-          </a:lnRef>
-          <a:fillRef idx="1">
-            <a:schemeClr val="accent1"/>
-          </a:fillRef>
-          <a:effectRef idx="0">
-            <a:schemeClr val="accent1"/>
-          </a:effectRef>
-          <a:fontRef idx="minor">
-            <a:schemeClr val="lt1"/>
-          </a:fontRef>
-        </p:style>
-        <p:txBody>
-          <a:bodyPr rtlCol="0" anchor="ctr"/>
-          <a:lstStyle/>
-          <a:p>
-            <a:r>
-              <a:rPr lang="en-US" sz="6000" b="1" dirty="0"/>
-              <a:t>                  Our Approach</a:t>
-            </a:r>
-            <a:endParaRPr lang="en-US" sz="1500" b="1" dirty="0"/>
-          </a:p>
-          <a:p>
-            <a:pPr algn="ctr"/>
-            <a:r>
-              <a:rPr lang="en-US" sz="1000" b="1" dirty="0"/>
-              <a:t>k</a:t>
-            </a:r>
-          </a:p>
-        </p:txBody>
-      </p:sp>
-      <p:sp>
-        <p:nvSpPr>
-          <p:cNvPr id="23" name="Rectangle: Rounded Corners 22">
-            <a:extLst>
-              <a:ext uri="{FF2B5EF4-FFF2-40B4-BE49-F238E27FC236}">
-                <a16:creationId xmlns:a16="http://schemas.microsoft.com/office/drawing/2014/main" id="{1AA73605-842A-93DB-525D-38F1177BF778}"/>
-              </a:ext>
-            </a:extLst>
-          </p:cNvPr>
-          <p:cNvSpPr/>
-          <p:nvPr/>
-        </p:nvSpPr>
-        <p:spPr>
-          <a:xfrm>
-            <a:off x="668636" y="27643718"/>
-            <a:ext cx="14468970" cy="1430255"/>
-          </a:xfrm>
-          <a:prstGeom prst="roundRect">
-            <a:avLst>
-              <a:gd name="adj" fmla="val 10312"/>
-            </a:avLst>
-          </a:prstGeom>
-          <a:solidFill>
-            <a:srgbClr val="2F4F4F"/>
-          </a:solidFill>
-          <a:ln>
-            <a:noFill/>
-          </a:ln>
-        </p:spPr>
-        <p:style>
-          <a:lnRef idx="2">
-            <a:schemeClr val="accent1">
-              <a:shade val="15000"/>
-            </a:schemeClr>
-          </a:lnRef>
-          <a:fillRef idx="1">
-            <a:schemeClr val="accent1"/>
-          </a:fillRef>
-          <a:effectRef idx="0">
-            <a:schemeClr val="accent1"/>
-          </a:effectRef>
-          <a:fontRef idx="minor">
-            <a:schemeClr val="lt1"/>
-          </a:fontRef>
-        </p:style>
-        <p:txBody>
-          <a:bodyPr rtlCol="0" anchor="ctr"/>
-          <a:lstStyle/>
-          <a:p>
-            <a:r>
-              <a:rPr lang="en-US" sz="6000" b="1" dirty="0"/>
-              <a:t>                  Discussion</a:t>
-            </a:r>
-            <a:endParaRPr lang="en-US" sz="1500" b="1" dirty="0"/>
-          </a:p>
-          <a:p>
-            <a:endParaRPr lang="en-US" sz="1000" b="1" dirty="0"/>
-          </a:p>
-        </p:txBody>
-      </p:sp>
-      <p:sp>
-        <p:nvSpPr>
-          <p:cNvPr id="24" name="Rectangle: Rounded Corners 23">
-            <a:extLst>
-              <a:ext uri="{FF2B5EF4-FFF2-40B4-BE49-F238E27FC236}">
-                <a16:creationId xmlns:a16="http://schemas.microsoft.com/office/drawing/2014/main" id="{AF17EE58-7B58-6D1F-C378-DD0D71844636}"/>
-              </a:ext>
-            </a:extLst>
-          </p:cNvPr>
-          <p:cNvSpPr/>
-          <p:nvPr/>
-        </p:nvSpPr>
-        <p:spPr>
-          <a:xfrm>
-            <a:off x="15765564" y="27736897"/>
-            <a:ext cx="13841013" cy="1430255"/>
-          </a:xfrm>
-          <a:prstGeom prst="roundRect">
-            <a:avLst>
-              <a:gd name="adj" fmla="val 0"/>
-            </a:avLst>
-          </a:prstGeom>
-          <a:solidFill>
-            <a:srgbClr val="8B1A1A"/>
-          </a:solidFill>
-          <a:ln>
-            <a:noFill/>
-          </a:ln>
-        </p:spPr>
-        <p:style>
-          <a:lnRef idx="2">
-            <a:schemeClr val="accent1">
-              <a:shade val="15000"/>
-            </a:schemeClr>
-          </a:lnRef>
-          <a:fillRef idx="1">
-            <a:schemeClr val="accent1"/>
-          </a:fillRef>
-          <a:effectRef idx="0">
-            <a:schemeClr val="accent1"/>
-          </a:effectRef>
-          <a:fontRef idx="minor">
-            <a:schemeClr val="lt1"/>
-          </a:fontRef>
-        </p:style>
-        <p:txBody>
-          <a:bodyPr rtlCol="0" anchor="ctr"/>
-          <a:lstStyle/>
-          <a:p>
-            <a:r>
-              <a:rPr lang="en-US" sz="6000" b="1" dirty="0"/>
-              <a:t>                 Our Achievements</a:t>
-            </a:r>
-            <a:endParaRPr lang="en-US" sz="1000" b="1" dirty="0"/>
-          </a:p>
-        </p:txBody>
-      </p:sp>
-      <p:sp>
-        <p:nvSpPr>
-          <p:cNvPr id="25" name="Rectangle: Rounded Corners 24">
-            <a:extLst>
-              <a:ext uri="{FF2B5EF4-FFF2-40B4-BE49-F238E27FC236}">
-                <a16:creationId xmlns:a16="http://schemas.microsoft.com/office/drawing/2014/main" id="{F456575C-AAD2-0B8F-C2BB-3FD5465D260F}"/>
-              </a:ext>
-            </a:extLst>
-          </p:cNvPr>
-          <p:cNvSpPr/>
-          <p:nvPr/>
-        </p:nvSpPr>
-        <p:spPr>
-          <a:xfrm>
-            <a:off x="15841731" y="35857778"/>
-            <a:ext cx="7189720" cy="1430255"/>
-          </a:xfrm>
-          <a:prstGeom prst="roundRect">
-            <a:avLst>
-              <a:gd name="adj" fmla="val 0"/>
-            </a:avLst>
-          </a:prstGeom>
-          <a:solidFill>
-            <a:srgbClr val="2F4F4F"/>
-          </a:solidFill>
-          <a:ln>
-            <a:noFill/>
-          </a:ln>
-        </p:spPr>
-        <p:style>
-          <a:lnRef idx="2">
-            <a:schemeClr val="accent1">
-              <a:shade val="15000"/>
-            </a:schemeClr>
-          </a:lnRef>
-          <a:fillRef idx="1">
-            <a:schemeClr val="accent1"/>
-          </a:fillRef>
-          <a:effectRef idx="0">
-            <a:schemeClr val="accent1"/>
-          </a:effectRef>
-          <a:fontRef idx="minor">
-            <a:schemeClr val="lt1"/>
-          </a:fontRef>
-        </p:style>
-        <p:txBody>
-          <a:bodyPr rtlCol="0" anchor="ctr"/>
-          <a:lstStyle/>
-          <a:p>
-            <a:r>
-              <a:rPr lang="en-US" sz="6000" b="1" dirty="0"/>
-              <a:t>                 References</a:t>
-            </a:r>
-            <a:endParaRPr lang="en-US" sz="1000" b="1" dirty="0"/>
-          </a:p>
-        </p:txBody>
-      </p:sp>
-      <p:sp>
-        <p:nvSpPr>
-          <p:cNvPr id="27" name="Titel 1">
-            <a:extLst>
-              <a:ext uri="{FF2B5EF4-FFF2-40B4-BE49-F238E27FC236}">
-                <a16:creationId xmlns:a16="http://schemas.microsoft.com/office/drawing/2014/main" id="{EA0E2BCD-A389-7D2B-8017-1D4E220A61B2}"/>
-              </a:ext>
-            </a:extLst>
-          </p:cNvPr>
-          <p:cNvSpPr txBox="1">
-            <a:spLocks/>
-          </p:cNvSpPr>
-          <p:nvPr/>
-        </p:nvSpPr>
-        <p:spPr>
-          <a:xfrm>
-            <a:off x="1016236" y="2205333"/>
-            <a:ext cx="28358864" cy="1836887"/>
-          </a:xfrm>
-          <a:prstGeom prst="rect">
-            <a:avLst/>
-          </a:prstGeom>
-        </p:spPr>
-        <p:txBody>
-          <a:bodyPr vert="horz" lIns="91440" tIns="45720" rIns="91440" bIns="45720" rtlCol="0" anchor="b">
-            <a:noAutofit/>
-          </a:bodyPr>
-          <a:lstStyle>
-            <a:lvl1pPr algn="ctr" defTabSz="3027487" rtl="0" eaLnBrk="1" latinLnBrk="0" hangingPunct="1">
-              <a:lnSpc>
-                <a:spcPct val="90000"/>
-              </a:lnSpc>
-              <a:spcBef>
-                <a:spcPct val="0"/>
-              </a:spcBef>
-              <a:buNone/>
-              <a:defRPr sz="19865" kern="1200">
-                <a:solidFill>
-                  <a:schemeClr val="tx1"/>
-                </a:solidFill>
-                <a:latin typeface="+mj-lt"/>
-                <a:ea typeface="+mj-ea"/>
-                <a:cs typeface="+mj-cs"/>
-              </a:defRPr>
-            </a:lvl1pPr>
-          </a:lstStyle>
-          <a:p>
-            <a:r>
-              <a:rPr lang="de-DE" sz="8000" b="1" dirty="0">
-                <a:solidFill>
-                  <a:schemeClr val="bg1"/>
-                </a:solidFill>
-                <a:latin typeface="+mn-lt"/>
-              </a:rPr>
-              <a:t>Hidden Alliances: </a:t>
-            </a:r>
-          </a:p>
-          <a:p>
-            <a:r>
-              <a:rPr lang="de-DE" sz="8000" b="1" dirty="0">
-                <a:solidFill>
-                  <a:schemeClr val="bg1"/>
-                </a:solidFill>
-                <a:latin typeface="+mn-lt"/>
-              </a:rPr>
-              <a:t>RNA-Dependent Protein Interactions </a:t>
-            </a:r>
-          </a:p>
-          <a:p>
-            <a:r>
-              <a:rPr lang="de-DE" sz="8000" b="1" dirty="0">
-                <a:solidFill>
-                  <a:schemeClr val="bg1"/>
-                </a:solidFill>
-                <a:latin typeface="+mn-lt"/>
-              </a:rPr>
-              <a:t>in Cancer Cells</a:t>
-            </a:r>
-            <a:endParaRPr lang="en-US" sz="8000" b="1" dirty="0">
-              <a:solidFill>
-                <a:schemeClr val="bg1"/>
-              </a:solidFill>
-              <a:latin typeface="+mn-lt"/>
-            </a:endParaRPr>
-          </a:p>
-        </p:txBody>
-      </p:sp>
-      <p:sp>
-        <p:nvSpPr>
-          <p:cNvPr id="28" name="Titel 1">
-            <a:extLst>
-              <a:ext uri="{FF2B5EF4-FFF2-40B4-BE49-F238E27FC236}">
-                <a16:creationId xmlns:a16="http://schemas.microsoft.com/office/drawing/2014/main" id="{6F2C1E60-5CD4-CDF2-7A0D-0E13E78D3070}"/>
-              </a:ext>
-            </a:extLst>
-          </p:cNvPr>
-          <p:cNvSpPr txBox="1">
-            <a:spLocks/>
-          </p:cNvSpPr>
-          <p:nvPr/>
-        </p:nvSpPr>
-        <p:spPr>
-          <a:xfrm>
-            <a:off x="8712489" y="3840738"/>
-            <a:ext cx="12850233" cy="1323687"/>
-          </a:xfrm>
-          <a:prstGeom prst="rect">
-            <a:avLst/>
-          </a:prstGeom>
-        </p:spPr>
-        <p:txBody>
-          <a:bodyPr vert="horz" lIns="45681" tIns="22840" rIns="45681" bIns="22840" rtlCol="0" anchor="b">
-            <a:noAutofit/>
-          </a:bodyPr>
-          <a:lstStyle>
-            <a:lvl1pPr algn="ctr" defTabSz="3027487" rtl="0" eaLnBrk="1" latinLnBrk="0" hangingPunct="1">
-              <a:lnSpc>
-                <a:spcPct val="90000"/>
-              </a:lnSpc>
-              <a:spcBef>
-                <a:spcPct val="0"/>
-              </a:spcBef>
-              <a:buNone/>
-              <a:defRPr sz="19865" kern="1200">
-                <a:solidFill>
-                  <a:schemeClr val="tx1"/>
-                </a:solidFill>
-                <a:latin typeface="+mj-lt"/>
-                <a:ea typeface="+mj-ea"/>
-                <a:cs typeface="+mj-cs"/>
-              </a:defRPr>
-            </a:lvl1pPr>
-          </a:lstStyle>
-          <a:p>
-            <a:r>
-              <a:rPr lang="de-DE" sz="2800" dirty="0">
-                <a:solidFill>
-                  <a:schemeClr val="bg1"/>
-                </a:solidFill>
-              </a:rPr>
-              <a:t>Julian </a:t>
-            </a:r>
-            <a:r>
-              <a:rPr lang="de-DE" sz="2800" dirty="0" err="1">
-                <a:solidFill>
-                  <a:schemeClr val="bg1"/>
-                </a:solidFill>
-              </a:rPr>
-              <a:t>Baureis</a:t>
-            </a:r>
-            <a:r>
-              <a:rPr lang="de-DE" sz="2800" dirty="0">
-                <a:solidFill>
-                  <a:schemeClr val="bg1"/>
-                </a:solidFill>
-              </a:rPr>
-              <a:t>, Julia Ferdin, Benjamin Nicklas, Luisa </a:t>
-            </a:r>
-            <a:r>
-              <a:rPr lang="de-DE" sz="2800" dirty="0" err="1">
-                <a:solidFill>
-                  <a:schemeClr val="bg1"/>
-                </a:solidFill>
-              </a:rPr>
-              <a:t>Wintel</a:t>
-            </a:r>
-            <a:endParaRPr lang="de-DE" sz="2800" dirty="0">
-              <a:solidFill>
-                <a:schemeClr val="bg1"/>
-              </a:solidFill>
-            </a:endParaRPr>
-          </a:p>
-          <a:p>
-            <a:r>
-              <a:rPr lang="de-DE" sz="2800" dirty="0">
-                <a:solidFill>
-                  <a:schemeClr val="bg1"/>
-                </a:solidFill>
-              </a:rPr>
-              <a:t>Data Analysis Project </a:t>
-            </a:r>
-            <a:r>
-              <a:rPr lang="de-DE" sz="2800" dirty="0" err="1">
-                <a:solidFill>
-                  <a:schemeClr val="bg1"/>
-                </a:solidFill>
-              </a:rPr>
-              <a:t>Molecular</a:t>
-            </a:r>
-            <a:r>
-              <a:rPr lang="de-DE" sz="2800" dirty="0">
-                <a:solidFill>
-                  <a:schemeClr val="bg1"/>
-                </a:solidFill>
-              </a:rPr>
-              <a:t> Biotechnology SS2025</a:t>
-            </a:r>
-          </a:p>
-        </p:txBody>
-      </p:sp>
-      <p:sp>
-        <p:nvSpPr>
-          <p:cNvPr id="29" name="Flowchart: Connector 28">
-            <a:extLst>
-              <a:ext uri="{FF2B5EF4-FFF2-40B4-BE49-F238E27FC236}">
-                <a16:creationId xmlns:a16="http://schemas.microsoft.com/office/drawing/2014/main" id="{C180A087-6578-126F-83B5-139A8480089C}"/>
-              </a:ext>
-            </a:extLst>
-          </p:cNvPr>
-          <p:cNvSpPr/>
-          <p:nvPr/>
-        </p:nvSpPr>
-        <p:spPr>
-          <a:xfrm>
-            <a:off x="1194289" y="5986115"/>
-            <a:ext cx="2006111" cy="1960592"/>
-          </a:xfrm>
-          <a:prstGeom prst="flowChartConnector">
-            <a:avLst/>
-          </a:prstGeom>
-          <a:solidFill>
-            <a:schemeClr val="bg1"/>
-          </a:solidFill>
-          <a:ln w="254000">
-            <a:solidFill>
-              <a:srgbClr val="8B1A1A"/>
-            </a:solidFill>
-          </a:ln>
-        </p:spPr>
-        <p:style>
-          <a:lnRef idx="2">
-            <a:schemeClr val="accent1">
-              <a:shade val="15000"/>
-            </a:schemeClr>
-          </a:lnRef>
-          <a:fillRef idx="1">
-            <a:schemeClr val="accent1"/>
-          </a:fillRef>
-          <a:effectRef idx="0">
-            <a:schemeClr val="accent1"/>
-          </a:effectRef>
-          <a:fontRef idx="minor">
-            <a:schemeClr val="lt1"/>
-          </a:fontRef>
-        </p:style>
-        <p:txBody>
-          <a:bodyPr rtlCol="0" anchor="ctr"/>
-          <a:lstStyle/>
-          <a:p>
-            <a:pPr algn="ctr"/>
-            <a:r>
-              <a:rPr lang="de-DE" sz="7000" b="1" dirty="0">
-                <a:solidFill>
-                  <a:srgbClr val="87081B"/>
-                </a:solidFill>
-              </a:rPr>
-              <a:t>1</a:t>
-            </a:r>
-          </a:p>
-        </p:txBody>
-      </p:sp>
-      <p:sp>
-        <p:nvSpPr>
-          <p:cNvPr id="31" name="Flowchart: Connector 30">
-            <a:extLst>
-              <a:ext uri="{FF2B5EF4-FFF2-40B4-BE49-F238E27FC236}">
-                <a16:creationId xmlns:a16="http://schemas.microsoft.com/office/drawing/2014/main" id="{2A977D2E-0E67-5F4F-6F64-AA7D8599C86D}"/>
-              </a:ext>
-            </a:extLst>
-          </p:cNvPr>
-          <p:cNvSpPr/>
-          <p:nvPr/>
-        </p:nvSpPr>
-        <p:spPr>
-          <a:xfrm>
-            <a:off x="1194288" y="13584696"/>
-            <a:ext cx="2006111" cy="1960592"/>
-          </a:xfrm>
-          <a:prstGeom prst="flowChartConnector">
-            <a:avLst/>
-          </a:prstGeom>
-          <a:solidFill>
-            <a:schemeClr val="bg1"/>
-          </a:solidFill>
-          <a:ln w="254000">
-            <a:solidFill>
-              <a:srgbClr val="668B8B"/>
-            </a:solidFill>
-          </a:ln>
-        </p:spPr>
-        <p:style>
-          <a:lnRef idx="2">
-            <a:schemeClr val="accent1">
-              <a:shade val="15000"/>
-            </a:schemeClr>
-          </a:lnRef>
-          <a:fillRef idx="1">
-            <a:schemeClr val="accent1"/>
-          </a:fillRef>
-          <a:effectRef idx="0">
-            <a:schemeClr val="accent1"/>
-          </a:effectRef>
-          <a:fontRef idx="minor">
-            <a:schemeClr val="lt1"/>
-          </a:fontRef>
-        </p:style>
-        <p:txBody>
-          <a:bodyPr rtlCol="0" anchor="ctr"/>
-          <a:lstStyle/>
-          <a:p>
-            <a:pPr algn="ctr"/>
-            <a:r>
-              <a:rPr lang="de-DE" sz="7000" b="1" dirty="0">
-                <a:solidFill>
-                  <a:srgbClr val="120D31"/>
-                </a:solidFill>
-              </a:rPr>
-              <a:t>2</a:t>
-            </a:r>
-          </a:p>
-        </p:txBody>
-      </p:sp>
-      <p:sp>
-        <p:nvSpPr>
-          <p:cNvPr id="32" name="Flowchart: Connector 31">
-            <a:extLst>
-              <a:ext uri="{FF2B5EF4-FFF2-40B4-BE49-F238E27FC236}">
-                <a16:creationId xmlns:a16="http://schemas.microsoft.com/office/drawing/2014/main" id="{864D00BE-6CC7-8533-FEAA-59A42D915F2C}"/>
-              </a:ext>
-            </a:extLst>
-          </p:cNvPr>
-          <p:cNvSpPr/>
-          <p:nvPr/>
-        </p:nvSpPr>
-        <p:spPr>
-          <a:xfrm>
-            <a:off x="1194287" y="27398826"/>
-            <a:ext cx="2006111" cy="1960592"/>
-          </a:xfrm>
-          <a:prstGeom prst="flowChartConnector">
-            <a:avLst/>
-          </a:prstGeom>
-          <a:solidFill>
-            <a:schemeClr val="bg1"/>
-          </a:solidFill>
-          <a:ln w="254000">
-            <a:solidFill>
-              <a:srgbClr val="2F4F4F"/>
-            </a:solidFill>
-          </a:ln>
-        </p:spPr>
-        <p:style>
-          <a:lnRef idx="2">
-            <a:schemeClr val="accent1">
-              <a:shade val="15000"/>
-            </a:schemeClr>
-          </a:lnRef>
-          <a:fillRef idx="1">
-            <a:schemeClr val="accent1"/>
-          </a:fillRef>
-          <a:effectRef idx="0">
-            <a:schemeClr val="accent1"/>
-          </a:effectRef>
-          <a:fontRef idx="minor">
-            <a:schemeClr val="lt1"/>
-          </a:fontRef>
-        </p:style>
-        <p:txBody>
-          <a:bodyPr rtlCol="0" anchor="ctr"/>
-          <a:lstStyle/>
-          <a:p>
-            <a:pPr algn="ctr"/>
-            <a:r>
-              <a:rPr lang="de-DE" sz="7000" b="1" dirty="0">
-                <a:solidFill>
-                  <a:srgbClr val="120D31"/>
-                </a:solidFill>
-              </a:rPr>
-              <a:t>3</a:t>
-            </a:r>
-          </a:p>
-        </p:txBody>
-      </p:sp>
-      <p:sp>
-        <p:nvSpPr>
-          <p:cNvPr id="33" name="Flowchart: Connector 32">
-            <a:extLst>
-              <a:ext uri="{FF2B5EF4-FFF2-40B4-BE49-F238E27FC236}">
-                <a16:creationId xmlns:a16="http://schemas.microsoft.com/office/drawing/2014/main" id="{1AEE4580-9DBC-DC32-66F5-8DBDCF8D7FCE}"/>
-              </a:ext>
-            </a:extLst>
-          </p:cNvPr>
-          <p:cNvSpPr/>
-          <p:nvPr/>
-        </p:nvSpPr>
-        <p:spPr>
-          <a:xfrm>
-            <a:off x="16242587" y="27394687"/>
-            <a:ext cx="2006111" cy="1960592"/>
-          </a:xfrm>
-          <a:prstGeom prst="flowChartConnector">
-            <a:avLst/>
-          </a:prstGeom>
-          <a:solidFill>
-            <a:schemeClr val="bg1"/>
-          </a:solidFill>
-          <a:ln w="254000">
-            <a:solidFill>
-              <a:srgbClr val="8B1A1A"/>
-            </a:solidFill>
-          </a:ln>
-        </p:spPr>
-        <p:style>
-          <a:lnRef idx="2">
-            <a:schemeClr val="accent1">
-              <a:shade val="15000"/>
-            </a:schemeClr>
-          </a:lnRef>
-          <a:fillRef idx="1">
-            <a:schemeClr val="accent1"/>
-          </a:fillRef>
-          <a:effectRef idx="0">
-            <a:schemeClr val="accent1"/>
-          </a:effectRef>
-          <a:fontRef idx="minor">
-            <a:schemeClr val="lt1"/>
-          </a:fontRef>
-        </p:style>
-        <p:txBody>
-          <a:bodyPr rtlCol="0" anchor="ctr"/>
-          <a:lstStyle/>
-          <a:p>
-            <a:pPr algn="ctr"/>
-            <a:r>
-              <a:rPr lang="de-DE" sz="7000" b="1" dirty="0">
-                <a:solidFill>
-                  <a:srgbClr val="87081B"/>
-                </a:solidFill>
-              </a:rPr>
-              <a:t>4</a:t>
-            </a:r>
-          </a:p>
-        </p:txBody>
-      </p:sp>
-      <p:sp>
-        <p:nvSpPr>
-          <p:cNvPr id="37" name="Flowchart: Connector 36">
-            <a:extLst>
-              <a:ext uri="{FF2B5EF4-FFF2-40B4-BE49-F238E27FC236}">
-                <a16:creationId xmlns:a16="http://schemas.microsoft.com/office/drawing/2014/main" id="{12DA40F7-C2A9-2371-D661-D9DF39CFA4C7}"/>
-              </a:ext>
-            </a:extLst>
-          </p:cNvPr>
-          <p:cNvSpPr/>
-          <p:nvPr/>
-        </p:nvSpPr>
-        <p:spPr>
-          <a:xfrm>
-            <a:off x="16285627" y="35586126"/>
-            <a:ext cx="2006111" cy="1960592"/>
-          </a:xfrm>
-          <a:prstGeom prst="flowChartConnector">
-            <a:avLst/>
-          </a:prstGeom>
-          <a:solidFill>
-            <a:schemeClr val="bg1"/>
-          </a:solidFill>
-          <a:ln w="254000">
-            <a:solidFill>
-              <a:srgbClr val="2F4F4F"/>
-            </a:solidFill>
-          </a:ln>
-        </p:spPr>
-        <p:style>
-          <a:lnRef idx="2">
-            <a:schemeClr val="accent1">
-              <a:shade val="15000"/>
-            </a:schemeClr>
-          </a:lnRef>
-          <a:fillRef idx="1">
-            <a:schemeClr val="accent1"/>
-          </a:fillRef>
-          <a:effectRef idx="0">
-            <a:schemeClr val="accent1"/>
-          </a:effectRef>
-          <a:fontRef idx="minor">
-            <a:schemeClr val="lt1"/>
-          </a:fontRef>
-        </p:style>
-        <p:txBody>
-          <a:bodyPr rtlCol="0" anchor="ctr"/>
-          <a:lstStyle/>
-          <a:p>
-            <a:pPr algn="ctr"/>
-            <a:r>
-              <a:rPr lang="de-DE" sz="7000" b="1" dirty="0">
-                <a:solidFill>
-                  <a:srgbClr val="302F4D"/>
-                </a:solidFill>
-              </a:rPr>
-              <a:t>5</a:t>
-            </a:r>
-          </a:p>
-        </p:txBody>
-      </p:sp>
-      <p:pic>
-        <p:nvPicPr>
-          <p:cNvPr id="39" name="Picture 38">
-            <a:extLst>
-              <a:ext uri="{FF2B5EF4-FFF2-40B4-BE49-F238E27FC236}">
-                <a16:creationId xmlns:a16="http://schemas.microsoft.com/office/drawing/2014/main" id="{3187B9C8-65AE-4B3D-53A8-E30FC9FDEB65}"/>
-              </a:ext>
-            </a:extLst>
-          </p:cNvPr>
-          <p:cNvPicPr>
-            <a:picLocks noChangeAspect="1"/>
-          </p:cNvPicPr>
-          <p:nvPr/>
-        </p:nvPicPr>
-        <p:blipFill>
-          <a:blip r:embed="rId3"/>
-          <a:stretch>
-            <a:fillRect/>
-          </a:stretch>
-        </p:blipFill>
-        <p:spPr>
-          <a:xfrm>
-            <a:off x="25252496" y="35782193"/>
-            <a:ext cx="4122604" cy="2318964"/>
-          </a:xfrm>
-          <a:prstGeom prst="rect">
-            <a:avLst/>
-          </a:prstGeom>
-        </p:spPr>
-      </p:pic>
-      <p:sp>
-        <p:nvSpPr>
-          <p:cNvPr id="40" name="Rectangle: Top Corners Rounded 39">
-            <a:extLst>
-              <a:ext uri="{FF2B5EF4-FFF2-40B4-BE49-F238E27FC236}">
-                <a16:creationId xmlns:a16="http://schemas.microsoft.com/office/drawing/2014/main" id="{DB39A976-82B2-3968-93F5-A02570BF86F9}"/>
-              </a:ext>
-            </a:extLst>
-          </p:cNvPr>
-          <p:cNvSpPr/>
-          <p:nvPr/>
-        </p:nvSpPr>
-        <p:spPr>
-          <a:xfrm flipV="1">
-            <a:off x="-1" y="41844211"/>
-            <a:ext cx="30329139" cy="959548"/>
-          </a:xfrm>
-          <a:prstGeom prst="round2SameRect">
-            <a:avLst>
-              <a:gd name="adj1" fmla="val 0"/>
-              <a:gd name="adj2" fmla="val 0"/>
-            </a:avLst>
-          </a:prstGeom>
-          <a:solidFill>
-            <a:srgbClr val="2F4F4F"/>
-          </a:solidFill>
-          <a:ln w="254000">
-            <a:noFill/>
-          </a:ln>
-        </p:spPr>
-        <p:style>
-          <a:lnRef idx="2">
-            <a:schemeClr val="accent1">
-              <a:shade val="15000"/>
-            </a:schemeClr>
-          </a:lnRef>
-          <a:fillRef idx="1">
-            <a:schemeClr val="accent1"/>
-          </a:fillRef>
-          <a:effectRef idx="0">
-            <a:schemeClr val="accent1"/>
-          </a:effectRef>
-          <a:fontRef idx="minor">
-            <a:schemeClr val="lt1"/>
-          </a:fontRef>
-        </p:style>
-        <p:txBody>
-          <a:bodyPr rtlCol="0" anchor="ctr"/>
-          <a:lstStyle/>
-          <a:p>
-            <a:pPr algn="ctr"/>
-            <a:endParaRPr lang="de-DE"/>
-          </a:p>
-        </p:txBody>
-      </p:sp>
-    </p:spTree>
-    <p:extLst>
-      <p:ext uri="{BB962C8B-B14F-4D97-AF65-F5344CB8AC3E}">
-        <p14:creationId xmlns:p14="http://schemas.microsoft.com/office/powerpoint/2010/main" val="2450840980"/>
-      </p:ext>
-    </p:extLst>
-  </p:cSld>
-  <p:clrMapOvr>
-    <a:masterClrMapping/>
-  </p:clrMapOvr>
-</p:sld>
-</file>
-
-<file path=ppt/slides/slide3.xml><?xml version="1.0" encoding="utf-8"?>
-<p:sld xmlns:a="http://schemas.openxmlformats.org/drawingml/2006/main" xmlns:r="http://schemas.openxmlformats.org/officeDocument/2006/relationships" xmlns:p="http://schemas.openxmlformats.org/presentationml/2006/main">
-  <p:cSld>
-    <p:spTree>
-      <p:nvGrpSpPr>
-        <p:cNvPr id="1" name="">
-          <a:extLst>
-            <a:ext uri="{FF2B5EF4-FFF2-40B4-BE49-F238E27FC236}">
-              <a16:creationId xmlns:a16="http://schemas.microsoft.com/office/drawing/2014/main" id="{E1DF4A73-F1A5-AA63-C420-AC7D201A1A30}"/>
-            </a:ext>
-          </a:extLst>
-        </p:cNvPr>
-        <p:cNvGrpSpPr/>
-        <p:nvPr/>
-      </p:nvGrpSpPr>
-      <p:grpSpPr>
-        <a:xfrm>
-          <a:off x="0" y="0"/>
-          <a:ext cx="0" cy="0"/>
-          <a:chOff x="0" y="0"/>
-          <a:chExt cx="0" cy="0"/>
-        </a:xfrm>
-      </p:grpSpPr>
-      <p:sp>
-        <p:nvSpPr>
-          <p:cNvPr id="6" name="Rectangle: Top Corners Rounded 5">
-            <a:extLst>
-              <a:ext uri="{FF2B5EF4-FFF2-40B4-BE49-F238E27FC236}">
-                <a16:creationId xmlns:a16="http://schemas.microsoft.com/office/drawing/2014/main" id="{B70656AB-0174-4B67-2BA5-53E09D60482E}"/>
-              </a:ext>
-            </a:extLst>
-          </p:cNvPr>
-          <p:cNvSpPr/>
-          <p:nvPr/>
-        </p:nvSpPr>
-        <p:spPr>
-          <a:xfrm flipV="1">
-            <a:off x="0" y="-21883"/>
-            <a:ext cx="30275214" cy="5684230"/>
-          </a:xfrm>
-          <a:prstGeom prst="round2SameRect">
-            <a:avLst>
-              <a:gd name="adj1" fmla="val 0"/>
-              <a:gd name="adj2" fmla="val 0"/>
-            </a:avLst>
-          </a:prstGeom>
-          <a:solidFill>
-            <a:srgbClr val="2F4F4F"/>
-          </a:solidFill>
-          <a:ln w="254000">
-            <a:noFill/>
-          </a:ln>
-        </p:spPr>
-        <p:style>
-          <a:lnRef idx="2">
-            <a:schemeClr val="accent1">
-              <a:shade val="15000"/>
-            </a:schemeClr>
-          </a:lnRef>
-          <a:fillRef idx="1">
-            <a:schemeClr val="accent1"/>
-          </a:fillRef>
-          <a:effectRef idx="0">
-            <a:schemeClr val="accent1"/>
-          </a:effectRef>
-          <a:fontRef idx="minor">
-            <a:schemeClr val="lt1"/>
-          </a:fontRef>
-        </p:style>
-        <p:txBody>
-          <a:bodyPr rtlCol="0" anchor="ctr"/>
-          <a:lstStyle/>
-          <a:p>
-            <a:pPr algn="ctr"/>
-            <a:r>
-              <a:rPr lang="de-DE" dirty="0"/>
-              <a:t>k</a:t>
-            </a:r>
-          </a:p>
-        </p:txBody>
-      </p:sp>
-      <p:pic>
-        <p:nvPicPr>
-          <p:cNvPr id="7" name="Picture 6">
-            <a:extLst>
-              <a:ext uri="{FF2B5EF4-FFF2-40B4-BE49-F238E27FC236}">
-                <a16:creationId xmlns:a16="http://schemas.microsoft.com/office/drawing/2014/main" id="{5BDC3B99-2297-F506-F3CF-FEB3BE0217A0}"/>
-              </a:ext>
-            </a:extLst>
-          </p:cNvPr>
-          <p:cNvPicPr>
-            <a:picLocks noChangeAspect="1"/>
-          </p:cNvPicPr>
-          <p:nvPr/>
-        </p:nvPicPr>
-        <p:blipFill>
-          <a:blip r:embed="rId2"/>
-          <a:stretch>
-            <a:fillRect/>
-          </a:stretch>
-        </p:blipFill>
-        <p:spPr>
-          <a:xfrm>
-            <a:off x="24001017" y="38215026"/>
-            <a:ext cx="5494984" cy="3089708"/>
-          </a:xfrm>
-          <a:prstGeom prst="rect">
-            <a:avLst/>
-          </a:prstGeom>
-        </p:spPr>
-      </p:pic>
-      <p:sp>
-        <p:nvSpPr>
-          <p:cNvPr id="8" name="Rectangle: Rounded Corners 7">
-            <a:extLst>
-              <a:ext uri="{FF2B5EF4-FFF2-40B4-BE49-F238E27FC236}">
-                <a16:creationId xmlns:a16="http://schemas.microsoft.com/office/drawing/2014/main" id="{A713A0F8-38B7-48FD-E912-57EC1A0B9F1B}"/>
-              </a:ext>
-            </a:extLst>
-          </p:cNvPr>
-          <p:cNvSpPr/>
-          <p:nvPr/>
-        </p:nvSpPr>
-        <p:spPr>
-          <a:xfrm>
-            <a:off x="619433" y="27643718"/>
-            <a:ext cx="14518173" cy="13738215"/>
-          </a:xfrm>
-          <a:prstGeom prst="roundRect">
-            <a:avLst>
-              <a:gd name="adj" fmla="val 3189"/>
-            </a:avLst>
-          </a:prstGeom>
-          <a:solidFill>
-            <a:schemeClr val="bg1"/>
-          </a:solidFill>
-          <a:ln w="254000">
-            <a:solidFill>
-              <a:srgbClr val="2F4F4F"/>
-            </a:solidFill>
-          </a:ln>
-        </p:spPr>
-        <p:style>
-          <a:lnRef idx="2">
-            <a:schemeClr val="accent1">
-              <a:shade val="15000"/>
-            </a:schemeClr>
-          </a:lnRef>
-          <a:fillRef idx="1">
-            <a:schemeClr val="accent1"/>
-          </a:fillRef>
-          <a:effectRef idx="0">
-            <a:schemeClr val="accent1"/>
-          </a:effectRef>
-          <a:fontRef idx="minor">
-            <a:schemeClr val="lt1"/>
-          </a:fontRef>
-        </p:style>
-        <p:txBody>
-          <a:bodyPr rtlCol="0" anchor="ctr"/>
-          <a:lstStyle/>
-          <a:p>
-            <a:pPr algn="ctr"/>
-            <a:endParaRPr lang="de-DE"/>
-          </a:p>
-        </p:txBody>
-      </p:sp>
-      <p:sp>
-        <p:nvSpPr>
-          <p:cNvPr id="10" name="Rectangle: Rounded Corners 9">
-            <a:extLst>
-              <a:ext uri="{FF2B5EF4-FFF2-40B4-BE49-F238E27FC236}">
-                <a16:creationId xmlns:a16="http://schemas.microsoft.com/office/drawing/2014/main" id="{2EB8B356-CCBD-CD94-D233-61530E66671D}"/>
-              </a:ext>
-            </a:extLst>
-          </p:cNvPr>
-          <p:cNvSpPr/>
-          <p:nvPr/>
-        </p:nvSpPr>
-        <p:spPr>
-          <a:xfrm>
-            <a:off x="15747588" y="27732209"/>
-            <a:ext cx="13858989" cy="7375456"/>
-          </a:xfrm>
-          <a:prstGeom prst="roundRect">
-            <a:avLst>
-              <a:gd name="adj" fmla="val 2683"/>
-            </a:avLst>
-          </a:prstGeom>
-          <a:solidFill>
-            <a:schemeClr val="bg1"/>
-          </a:solidFill>
-          <a:ln w="254000">
-            <a:solidFill>
-              <a:srgbClr val="8B1A1A"/>
-            </a:solidFill>
-          </a:ln>
-        </p:spPr>
-        <p:style>
-          <a:lnRef idx="2">
-            <a:schemeClr val="accent1">
-              <a:shade val="15000"/>
-            </a:schemeClr>
-          </a:lnRef>
-          <a:fillRef idx="1">
-            <a:schemeClr val="accent1"/>
-          </a:fillRef>
-          <a:effectRef idx="0">
-            <a:schemeClr val="accent1"/>
-          </a:effectRef>
-          <a:fontRef idx="minor">
-            <a:schemeClr val="lt1"/>
-          </a:fontRef>
-        </p:style>
-        <p:txBody>
-          <a:bodyPr rtlCol="0" anchor="ctr"/>
-          <a:lstStyle/>
-          <a:p>
-            <a:pPr algn="ctr"/>
-            <a:endParaRPr lang="de-DE"/>
-          </a:p>
-        </p:txBody>
-      </p:sp>
-      <p:sp>
-        <p:nvSpPr>
-          <p:cNvPr id="12" name="Rectangle: Rounded Corners 11">
-            <a:extLst>
-              <a:ext uri="{FF2B5EF4-FFF2-40B4-BE49-F238E27FC236}">
-                <a16:creationId xmlns:a16="http://schemas.microsoft.com/office/drawing/2014/main" id="{9231AF3A-80B3-BE46-9573-971DE14958FD}"/>
-              </a:ext>
-            </a:extLst>
-          </p:cNvPr>
-          <p:cNvSpPr/>
-          <p:nvPr/>
-        </p:nvSpPr>
-        <p:spPr>
-          <a:xfrm>
-            <a:off x="15765564" y="35908635"/>
-            <a:ext cx="7265887" cy="5473298"/>
-          </a:xfrm>
-          <a:prstGeom prst="roundRect">
-            <a:avLst>
-              <a:gd name="adj" fmla="val 2154"/>
-            </a:avLst>
-          </a:prstGeom>
-          <a:solidFill>
-            <a:schemeClr val="bg1"/>
-          </a:solidFill>
-          <a:ln w="254000">
-            <a:solidFill>
-              <a:srgbClr val="2F4F4F"/>
-            </a:solidFill>
-          </a:ln>
-        </p:spPr>
-        <p:style>
-          <a:lnRef idx="2">
-            <a:schemeClr val="accent1">
-              <a:shade val="15000"/>
-            </a:schemeClr>
-          </a:lnRef>
-          <a:fillRef idx="1">
-            <a:schemeClr val="accent1"/>
-          </a:fillRef>
-          <a:effectRef idx="0">
-            <a:schemeClr val="accent1"/>
-          </a:effectRef>
-          <a:fontRef idx="minor">
-            <a:schemeClr val="lt1"/>
-          </a:fontRef>
-        </p:style>
-        <p:txBody>
-          <a:bodyPr rtlCol="0" anchor="ctr"/>
-          <a:lstStyle/>
-          <a:p>
-            <a:pPr algn="ctr"/>
-            <a:endParaRPr lang="de-DE" dirty="0"/>
-          </a:p>
-        </p:txBody>
-      </p:sp>
-      <p:sp>
-        <p:nvSpPr>
-          <p:cNvPr id="13" name="Rectangle: Rounded Corners 12">
-            <a:extLst>
-              <a:ext uri="{FF2B5EF4-FFF2-40B4-BE49-F238E27FC236}">
-                <a16:creationId xmlns:a16="http://schemas.microsoft.com/office/drawing/2014/main" id="{1CD43AAC-ECD7-87DC-F2DE-61DA232A23BF}"/>
-              </a:ext>
-            </a:extLst>
-          </p:cNvPr>
-          <p:cNvSpPr/>
-          <p:nvPr/>
-        </p:nvSpPr>
-        <p:spPr>
-          <a:xfrm>
-            <a:off x="619433" y="13902154"/>
-            <a:ext cx="29054323" cy="13032673"/>
-          </a:xfrm>
-          <a:prstGeom prst="roundRect">
-            <a:avLst>
-              <a:gd name="adj" fmla="val 1883"/>
-            </a:avLst>
-          </a:prstGeom>
-          <a:solidFill>
-            <a:schemeClr val="bg1"/>
-          </a:solidFill>
-          <a:ln w="254000">
-            <a:solidFill>
-              <a:srgbClr val="668B8B"/>
-            </a:solidFill>
-          </a:ln>
-        </p:spPr>
-        <p:style>
-          <a:lnRef idx="2">
-            <a:schemeClr val="accent1">
-              <a:shade val="15000"/>
-            </a:schemeClr>
-          </a:lnRef>
-          <a:fillRef idx="1">
-            <a:schemeClr val="accent1"/>
-          </a:fillRef>
-          <a:effectRef idx="0">
-            <a:schemeClr val="accent1"/>
-          </a:effectRef>
-          <a:fontRef idx="minor">
-            <a:schemeClr val="lt1"/>
-          </a:fontRef>
-        </p:style>
-        <p:txBody>
-          <a:bodyPr rtlCol="0" anchor="ctr"/>
-          <a:lstStyle/>
-          <a:p>
-            <a:pPr algn="ctr"/>
-            <a:r>
-              <a:rPr lang="de-DE" dirty="0"/>
-              <a:t>v</a:t>
-            </a:r>
-          </a:p>
-        </p:txBody>
-      </p:sp>
-      <p:sp>
-        <p:nvSpPr>
-          <p:cNvPr id="14" name="Rectangle: Rounded Corners 13">
-            <a:extLst>
-              <a:ext uri="{FF2B5EF4-FFF2-40B4-BE49-F238E27FC236}">
-                <a16:creationId xmlns:a16="http://schemas.microsoft.com/office/drawing/2014/main" id="{53864006-63FB-8BB0-C870-0A7989B21338}"/>
-              </a:ext>
-            </a:extLst>
-          </p:cNvPr>
-          <p:cNvSpPr/>
-          <p:nvPr/>
-        </p:nvSpPr>
-        <p:spPr>
-          <a:xfrm>
-            <a:off x="619433" y="6354752"/>
-            <a:ext cx="29054323" cy="6831954"/>
-          </a:xfrm>
-          <a:prstGeom prst="roundRect">
-            <a:avLst>
-              <a:gd name="adj" fmla="val 4408"/>
-            </a:avLst>
-          </a:prstGeom>
-          <a:solidFill>
-            <a:schemeClr val="bg1"/>
-          </a:solidFill>
-          <a:ln w="254000">
-            <a:solidFill>
-              <a:srgbClr val="8B1A1A"/>
-            </a:solidFill>
-          </a:ln>
-        </p:spPr>
-        <p:style>
-          <a:lnRef idx="2">
-            <a:schemeClr val="accent1">
-              <a:shade val="15000"/>
-            </a:schemeClr>
-          </a:lnRef>
-          <a:fillRef idx="1">
-            <a:schemeClr val="accent1"/>
-          </a:fillRef>
-          <a:effectRef idx="0">
-            <a:schemeClr val="accent1"/>
-          </a:effectRef>
-          <a:fontRef idx="minor">
-            <a:schemeClr val="lt1"/>
-          </a:fontRef>
-        </p:style>
-        <p:txBody>
-          <a:bodyPr numCol="1" rtlCol="0" anchor="ctr"/>
-          <a:lstStyle/>
-          <a:p>
-            <a:pPr algn="ctr"/>
-            <a:endParaRPr lang="de-DE" dirty="0"/>
-          </a:p>
-        </p:txBody>
-      </p:sp>
-      <p:sp>
-        <p:nvSpPr>
-          <p:cNvPr id="15" name="TextBox 14">
-            <a:extLst>
-              <a:ext uri="{FF2B5EF4-FFF2-40B4-BE49-F238E27FC236}">
-                <a16:creationId xmlns:a16="http://schemas.microsoft.com/office/drawing/2014/main" id="{D19E7890-A755-B17C-D9DB-6000C22C6E46}"/>
-              </a:ext>
-            </a:extLst>
-          </p:cNvPr>
-          <p:cNvSpPr txBox="1"/>
-          <p:nvPr/>
-        </p:nvSpPr>
-        <p:spPr>
-          <a:xfrm>
-            <a:off x="1253554" y="8328936"/>
-            <a:ext cx="13893040" cy="4524315"/>
-          </a:xfrm>
-          <a:prstGeom prst="rect">
-            <a:avLst/>
-          </a:prstGeom>
-          <a:noFill/>
-          <a:ln>
-            <a:noFill/>
-          </a:ln>
-        </p:spPr>
-        <p:txBody>
-          <a:bodyPr wrap="square">
-            <a:spAutoFit/>
-          </a:bodyPr>
-          <a:lstStyle/>
-          <a:p>
-            <a:r>
-              <a:rPr lang="en-US" sz="2400" b="1" dirty="0"/>
-              <a:t>  </a:t>
-            </a:r>
-            <a:endParaRPr lang="en-US" sz="2400" dirty="0"/>
-          </a:p>
-          <a:p>
-            <a:pPr marL="457200" indent="-457200">
-              <a:buFont typeface="Arial" panose="020B0604020202020204" pitchFamily="34" charset="0"/>
-              <a:buChar char="•"/>
-            </a:pPr>
-            <a:r>
-              <a:rPr lang="de-DE" sz="2400" dirty="0"/>
-              <a:t>„We want to </a:t>
-            </a:r>
-            <a:r>
-              <a:rPr lang="en-US" sz="2400" dirty="0"/>
-              <a:t>extract RNA-dependent proteins from proteomic screens”</a:t>
-            </a:r>
-            <a:endParaRPr lang="de-DE" sz="2400" dirty="0"/>
-          </a:p>
-          <a:p>
-            <a:pPr marL="457200" indent="-457200">
-              <a:buFont typeface="Arial" panose="020B0604020202020204" pitchFamily="34" charset="0"/>
-              <a:buChar char="•"/>
-            </a:pPr>
-            <a:r>
-              <a:rPr lang="de-DE" sz="2400" dirty="0"/>
-              <a:t>„RNA-dependency = the proteins interactome depends on RNA“</a:t>
-            </a:r>
-          </a:p>
-          <a:p>
-            <a:endParaRPr lang="en-US" sz="2400" b="1" dirty="0"/>
-          </a:p>
-          <a:p>
-            <a:r>
-              <a:rPr lang="en-US" sz="2400" b="1" dirty="0"/>
-              <a:t>What Makes RNA-Dependent Proteins Worth Investigating?</a:t>
-            </a:r>
-          </a:p>
-          <a:p>
-            <a:pPr marL="457200" indent="-457200">
-              <a:buFont typeface="Arial" panose="020B0604020202020204" pitchFamily="34" charset="0"/>
-              <a:buChar char="•"/>
-            </a:pPr>
-            <a:r>
-              <a:rPr lang="de-DE" sz="2400" b="1" dirty="0"/>
-              <a:t>Key Regulators:</a:t>
-            </a:r>
-            <a:r>
-              <a:rPr lang="de-DE" sz="2400" dirty="0"/>
-              <a:t> RBPs control RNA metabolism &amp; gene expression.</a:t>
-            </a:r>
-          </a:p>
-          <a:p>
-            <a:pPr marL="457200" indent="-457200">
-              <a:buFont typeface="Arial" panose="020B0604020202020204" pitchFamily="34" charset="0"/>
-              <a:buChar char="•"/>
-            </a:pPr>
-            <a:r>
-              <a:rPr lang="de-DE" sz="2400" b="1" dirty="0"/>
-              <a:t>Disease Links:</a:t>
-            </a:r>
-            <a:r>
-              <a:rPr lang="de-DE" sz="2400" dirty="0"/>
-              <a:t> Misregulation is tied to cancer &amp; neurodegeneration.</a:t>
-            </a:r>
-          </a:p>
-          <a:p>
-            <a:pPr marL="457200" indent="-457200">
-              <a:buFont typeface="Arial" panose="020B0604020202020204" pitchFamily="34" charset="0"/>
-              <a:buChar char="•"/>
-            </a:pPr>
-            <a:r>
-              <a:rPr lang="de-DE" sz="2400" b="1" dirty="0"/>
-              <a:t>Functional Clues:</a:t>
-            </a:r>
-            <a:r>
-              <a:rPr lang="de-DE" sz="2400" dirty="0"/>
-              <a:t> New RBPs hint at RNA’s role in specific pathways.</a:t>
-            </a:r>
-          </a:p>
-          <a:p>
-            <a:pPr marL="457200" indent="-457200">
-              <a:buFont typeface="Arial" panose="020B0604020202020204" pitchFamily="34" charset="0"/>
-              <a:buChar char="•"/>
-            </a:pPr>
-            <a:r>
-              <a:rPr lang="de-DE" sz="2400" b="1" dirty="0"/>
-              <a:t>Interaction Networks:</a:t>
-            </a:r>
-            <a:r>
-              <a:rPr lang="de-DE" sz="2400" dirty="0"/>
-              <a:t> Mapping RNA-protein complexes reveals regulatory logic. </a:t>
-            </a:r>
-          </a:p>
-          <a:p>
-            <a:pPr marL="457200" indent="-457200">
-              <a:buFont typeface="Arial" panose="020B0604020202020204" pitchFamily="34" charset="0"/>
-              <a:buChar char="•"/>
-            </a:pPr>
-            <a:r>
-              <a:rPr lang="de-DE" sz="2400" b="1" dirty="0"/>
-              <a:t>Molecular Insights:</a:t>
-            </a:r>
-            <a:r>
-              <a:rPr lang="de-DE" sz="2400" dirty="0"/>
-              <a:t> Deepens our understanding of cell cycle and cellular behavior. </a:t>
-            </a:r>
-            <a:endParaRPr lang="en-US" sz="2400" b="1" dirty="0"/>
-          </a:p>
-          <a:p>
-            <a:pPr marL="457200" indent="-457200">
-              <a:buFont typeface="Arial" panose="020B0604020202020204" pitchFamily="34" charset="0"/>
-              <a:buChar char="•"/>
-            </a:pPr>
-            <a:endParaRPr lang="de-DE" sz="2400" dirty="0"/>
-          </a:p>
-          <a:p>
-            <a:pPr marL="457200" indent="-457200">
-              <a:buFont typeface="Arial" panose="020B0604020202020204" pitchFamily="34" charset="0"/>
-              <a:buChar char="•"/>
-            </a:pPr>
-            <a:endParaRPr lang="de-DE" sz="2400" dirty="0"/>
-          </a:p>
-        </p:txBody>
-      </p:sp>
-      <p:sp>
-        <p:nvSpPr>
-          <p:cNvPr id="17" name="TextBox 16">
-            <a:extLst>
-              <a:ext uri="{FF2B5EF4-FFF2-40B4-BE49-F238E27FC236}">
-                <a16:creationId xmlns:a16="http://schemas.microsoft.com/office/drawing/2014/main" id="{A2D08002-673C-11CD-9F45-286E0395C3C8}"/>
-              </a:ext>
-            </a:extLst>
-          </p:cNvPr>
-          <p:cNvSpPr txBox="1"/>
-          <p:nvPr/>
-        </p:nvSpPr>
-        <p:spPr>
-          <a:xfrm>
-            <a:off x="1253554" y="29923970"/>
-            <a:ext cx="11401261" cy="11172289"/>
-          </a:xfrm>
-          <a:prstGeom prst="rect">
-            <a:avLst/>
-          </a:prstGeom>
-          <a:noFill/>
-          <a:ln>
-            <a:noFill/>
-          </a:ln>
-        </p:spPr>
-        <p:txBody>
-          <a:bodyPr wrap="square">
-            <a:spAutoFit/>
-          </a:bodyPr>
-          <a:lstStyle/>
-          <a:p>
-            <a:pPr marL="457200" indent="-457200">
-              <a:buFont typeface="Arial" panose="020B0604020202020204" pitchFamily="34" charset="0"/>
-              <a:buChar char="•"/>
-            </a:pPr>
-            <a:r>
-              <a:rPr lang="en-US" sz="2400" dirty="0"/>
-              <a:t>Critical review of our own results and methods (e.g., Selection criteria made us delete some RBPs. Why? What were their properties?)</a:t>
-            </a:r>
-          </a:p>
-          <a:p>
-            <a:pPr marL="457200" indent="-457200">
-              <a:buFont typeface="Arial" panose="020B0604020202020204" pitchFamily="34" charset="0"/>
-              <a:buChar char="•"/>
-            </a:pPr>
-            <a:r>
-              <a:rPr lang="en-US" sz="2400" dirty="0"/>
-              <a:t>Why do we find fewer proteins than </a:t>
-            </a:r>
-            <a:r>
-              <a:rPr lang="en-US" sz="2400" dirty="0" err="1"/>
-              <a:t>Maïwen</a:t>
-            </a:r>
-            <a:r>
-              <a:rPr lang="en-US" sz="2400" dirty="0"/>
-              <a:t>? </a:t>
-            </a:r>
-          </a:p>
-          <a:p>
-            <a:pPr marL="457200" indent="-457200">
-              <a:buFont typeface="Arial" panose="020B0604020202020204" pitchFamily="34" charset="0"/>
-              <a:buChar char="•"/>
-            </a:pPr>
-            <a:endParaRPr lang="en-US" sz="2400" dirty="0"/>
-          </a:p>
-          <a:p>
-            <a:pPr marL="457200" indent="-457200">
-              <a:buFont typeface="Arial" panose="020B0604020202020204" pitchFamily="34" charset="0"/>
-              <a:buChar char="•"/>
-            </a:pPr>
-            <a:endParaRPr lang="en-US" sz="2400" dirty="0"/>
-          </a:p>
-          <a:p>
-            <a:pPr marL="457200" indent="-457200">
-              <a:buFont typeface="Arial" panose="020B0604020202020204" pitchFamily="34" charset="0"/>
-              <a:buChar char="•"/>
-            </a:pPr>
-            <a:endParaRPr lang="en-US" sz="2400" dirty="0"/>
-          </a:p>
-          <a:p>
-            <a:pPr marL="457200" indent="-457200">
-              <a:buFont typeface="Arial" panose="020B0604020202020204" pitchFamily="34" charset="0"/>
-              <a:buChar char="•"/>
-            </a:pPr>
-            <a:endParaRPr lang="en-US" sz="2400" dirty="0"/>
-          </a:p>
-          <a:p>
-            <a:pPr marL="457200" indent="-457200">
-              <a:buFont typeface="Arial" panose="020B0604020202020204" pitchFamily="34" charset="0"/>
-              <a:buChar char="•"/>
-            </a:pPr>
-            <a:endParaRPr lang="en-US" sz="2400" dirty="0"/>
-          </a:p>
-          <a:p>
-            <a:pPr marL="457200" indent="-457200">
-              <a:buFont typeface="Arial" panose="020B0604020202020204" pitchFamily="34" charset="0"/>
-              <a:buChar char="•"/>
-            </a:pPr>
-            <a:endParaRPr lang="en-US" sz="2400" dirty="0"/>
-          </a:p>
-          <a:p>
-            <a:pPr marL="457200" indent="-457200">
-              <a:buFont typeface="Arial" panose="020B0604020202020204" pitchFamily="34" charset="0"/>
-              <a:buChar char="•"/>
-            </a:pPr>
-            <a:endParaRPr lang="en-US" sz="2400" dirty="0"/>
-          </a:p>
-          <a:p>
-            <a:pPr marL="457200" indent="-457200">
-              <a:buFont typeface="Arial" panose="020B0604020202020204" pitchFamily="34" charset="0"/>
-              <a:buChar char="•"/>
-            </a:pPr>
-            <a:endParaRPr lang="en-US" sz="2400" dirty="0"/>
-          </a:p>
-          <a:p>
-            <a:pPr marL="457200" indent="-457200">
-              <a:buFont typeface="Arial" panose="020B0604020202020204" pitchFamily="34" charset="0"/>
-              <a:buChar char="•"/>
-            </a:pPr>
-            <a:endParaRPr lang="en-US" sz="2400" dirty="0"/>
-          </a:p>
-          <a:p>
-            <a:pPr marL="457200" indent="-457200">
-              <a:buFont typeface="Arial" panose="020B0604020202020204" pitchFamily="34" charset="0"/>
-              <a:buChar char="•"/>
-            </a:pPr>
-            <a:endParaRPr lang="en-US" sz="2400" dirty="0"/>
-          </a:p>
-          <a:p>
-            <a:pPr marL="457200" indent="-457200">
-              <a:buFont typeface="Arial" panose="020B0604020202020204" pitchFamily="34" charset="0"/>
-              <a:buChar char="•"/>
-            </a:pPr>
-            <a:endParaRPr lang="en-US" sz="2400" dirty="0"/>
-          </a:p>
-          <a:p>
-            <a:pPr marL="457200" indent="-457200">
-              <a:buFont typeface="Arial" panose="020B0604020202020204" pitchFamily="34" charset="0"/>
-              <a:buChar char="•"/>
-            </a:pPr>
-            <a:endParaRPr lang="en-US" sz="2400" dirty="0"/>
-          </a:p>
-          <a:p>
-            <a:pPr marL="457200" indent="-457200">
-              <a:buFont typeface="Arial" panose="020B0604020202020204" pitchFamily="34" charset="0"/>
-              <a:buChar char="•"/>
-            </a:pPr>
-            <a:endParaRPr lang="en-US" sz="2400" dirty="0"/>
-          </a:p>
-          <a:p>
-            <a:pPr marL="457200" indent="-457200">
-              <a:buFont typeface="Arial" panose="020B0604020202020204" pitchFamily="34" charset="0"/>
-              <a:buChar char="•"/>
-            </a:pPr>
-            <a:endParaRPr lang="en-US" sz="2400" dirty="0"/>
-          </a:p>
-          <a:p>
-            <a:pPr marL="457200" indent="-457200">
-              <a:buFont typeface="Arial" panose="020B0604020202020204" pitchFamily="34" charset="0"/>
-              <a:buChar char="•"/>
-            </a:pPr>
-            <a:endParaRPr lang="en-US" sz="2400" dirty="0"/>
-          </a:p>
-          <a:p>
-            <a:pPr marL="457200" indent="-457200">
-              <a:buFont typeface="Arial" panose="020B0604020202020204" pitchFamily="34" charset="0"/>
-              <a:buChar char="•"/>
-            </a:pPr>
-            <a:endParaRPr lang="en-US" sz="2400" dirty="0"/>
-          </a:p>
-          <a:p>
-            <a:pPr marL="457200" indent="-457200">
-              <a:buFont typeface="Arial" panose="020B0604020202020204" pitchFamily="34" charset="0"/>
-              <a:buChar char="•"/>
-            </a:pPr>
-            <a:endParaRPr lang="en-US" sz="2400" dirty="0"/>
-          </a:p>
-          <a:p>
-            <a:pPr marL="457200" indent="-457200">
-              <a:buFont typeface="Arial" panose="020B0604020202020204" pitchFamily="34" charset="0"/>
-              <a:buChar char="•"/>
-            </a:pPr>
-            <a:endParaRPr lang="en-US" sz="2400" dirty="0"/>
-          </a:p>
-          <a:p>
-            <a:pPr marL="457200" indent="-457200">
-              <a:buFont typeface="Arial" panose="020B0604020202020204" pitchFamily="34" charset="0"/>
-              <a:buChar char="•"/>
-            </a:pPr>
-            <a:endParaRPr lang="en-US" sz="2400" dirty="0"/>
-          </a:p>
-          <a:p>
-            <a:pPr marL="457200" indent="-457200">
-              <a:buFont typeface="Arial" panose="020B0604020202020204" pitchFamily="34" charset="0"/>
-              <a:buChar char="•"/>
-            </a:pPr>
-            <a:endParaRPr lang="en-US" sz="2400" dirty="0"/>
-          </a:p>
-          <a:p>
-            <a:pPr marL="457200" indent="-457200">
-              <a:buFont typeface="Arial" panose="020B0604020202020204" pitchFamily="34" charset="0"/>
-              <a:buChar char="•"/>
-            </a:pPr>
-            <a:endParaRPr lang="en-US" sz="2400" dirty="0"/>
-          </a:p>
-          <a:p>
-            <a:pPr marL="457200" indent="-457200">
-              <a:buFont typeface="Arial" panose="020B0604020202020204" pitchFamily="34" charset="0"/>
-              <a:buChar char="•"/>
-            </a:pPr>
-            <a:endParaRPr lang="en-US" sz="2400" dirty="0"/>
-          </a:p>
-          <a:p>
-            <a:pPr marL="457200" indent="-457200">
-              <a:buFont typeface="Arial" panose="020B0604020202020204" pitchFamily="34" charset="0"/>
-              <a:buChar char="•"/>
-            </a:pPr>
-            <a:endParaRPr lang="en-US" sz="2400" dirty="0"/>
-          </a:p>
-          <a:p>
-            <a:pPr marL="457200" indent="-457200">
-              <a:buFont typeface="Arial" panose="020B0604020202020204" pitchFamily="34" charset="0"/>
-              <a:buChar char="•"/>
-            </a:pPr>
-            <a:endParaRPr lang="en-US" sz="2400" dirty="0"/>
-          </a:p>
-          <a:p>
-            <a:pPr marL="457200" indent="-457200">
-              <a:buFont typeface="Arial" panose="020B0604020202020204" pitchFamily="34" charset="0"/>
-              <a:buChar char="•"/>
-            </a:pPr>
-            <a:endParaRPr lang="en-US" sz="2400" dirty="0"/>
-          </a:p>
-          <a:p>
-            <a:pPr marL="457200" indent="-457200">
-              <a:buFont typeface="Arial" panose="020B0604020202020204" pitchFamily="34" charset="0"/>
-              <a:buChar char="•"/>
-            </a:pPr>
-            <a:endParaRPr lang="en-US" sz="2400" dirty="0"/>
-          </a:p>
-          <a:p>
-            <a:endParaRPr lang="en-US" sz="2400" b="1" dirty="0"/>
-          </a:p>
-        </p:txBody>
-      </p:sp>
-      <p:sp>
-        <p:nvSpPr>
-          <p:cNvPr id="18" name="TextBox 17">
-            <a:extLst>
-              <a:ext uri="{FF2B5EF4-FFF2-40B4-BE49-F238E27FC236}">
-                <a16:creationId xmlns:a16="http://schemas.microsoft.com/office/drawing/2014/main" id="{71927134-F9F1-9A1E-8069-3017E8809594}"/>
-              </a:ext>
-            </a:extLst>
-          </p:cNvPr>
-          <p:cNvSpPr txBox="1"/>
-          <p:nvPr/>
-        </p:nvSpPr>
-        <p:spPr>
-          <a:xfrm>
-            <a:off x="16242587" y="37886105"/>
-            <a:ext cx="5093413" cy="1569660"/>
-          </a:xfrm>
-          <a:prstGeom prst="rect">
-            <a:avLst/>
-          </a:prstGeom>
-          <a:noFill/>
-          <a:ln>
-            <a:noFill/>
-          </a:ln>
-        </p:spPr>
-        <p:txBody>
-          <a:bodyPr wrap="square">
-            <a:spAutoFit/>
-          </a:bodyPr>
-          <a:lstStyle/>
-          <a:p>
-            <a:pPr marL="457200" indent="-457200">
-              <a:buFont typeface="Arial" panose="020B0604020202020204" pitchFamily="34" charset="0"/>
-              <a:buChar char="•"/>
-            </a:pPr>
-            <a:endParaRPr lang="en-US" sz="2400" dirty="0"/>
-          </a:p>
-          <a:p>
-            <a:pPr marL="457200" indent="-457200">
-              <a:buFont typeface="Arial" panose="020B0604020202020204" pitchFamily="34" charset="0"/>
-              <a:buChar char="•"/>
-            </a:pPr>
-            <a:r>
-              <a:rPr lang="en-US" sz="2400" dirty="0"/>
-              <a:t>https://de.wikipedia.org/wiki/Eigentliche_Schnepfen</a:t>
-            </a:r>
-          </a:p>
-          <a:p>
-            <a:pPr marL="457200" indent="-457200">
-              <a:buFont typeface="Arial" panose="020B0604020202020204" pitchFamily="34" charset="0"/>
-              <a:buChar char="•"/>
-            </a:pPr>
-            <a:endParaRPr lang="en-US" sz="2400" dirty="0"/>
-          </a:p>
-        </p:txBody>
-      </p:sp>
-      <p:sp>
-        <p:nvSpPr>
-          <p:cNvPr id="19" name="TextBox 18">
-            <a:extLst>
-              <a:ext uri="{FF2B5EF4-FFF2-40B4-BE49-F238E27FC236}">
-                <a16:creationId xmlns:a16="http://schemas.microsoft.com/office/drawing/2014/main" id="{4736DC50-D615-D90C-F0DF-436D2330C11F}"/>
-              </a:ext>
-            </a:extLst>
-          </p:cNvPr>
-          <p:cNvSpPr txBox="1"/>
-          <p:nvPr/>
-        </p:nvSpPr>
-        <p:spPr>
-          <a:xfrm>
-            <a:off x="16242587" y="29665022"/>
-            <a:ext cx="8291810" cy="1200329"/>
-          </a:xfrm>
-          <a:prstGeom prst="rect">
-            <a:avLst/>
-          </a:prstGeom>
-          <a:noFill/>
-          <a:ln>
-            <a:noFill/>
-          </a:ln>
-        </p:spPr>
-        <p:txBody>
-          <a:bodyPr wrap="square">
-            <a:spAutoFit/>
-          </a:bodyPr>
-          <a:lstStyle/>
-          <a:p>
-            <a:pPr marL="457200" indent="-457200">
-              <a:buFont typeface="Arial" panose="020B0604020202020204" pitchFamily="34" charset="0"/>
-              <a:buChar char="•"/>
-            </a:pPr>
-            <a:r>
-              <a:rPr lang="de-DE" sz="2400" dirty="0"/>
-              <a:t>We found X proteins that ...</a:t>
-            </a:r>
-          </a:p>
-          <a:p>
-            <a:pPr marL="457200" indent="-457200">
-              <a:buFont typeface="Arial" panose="020B0604020202020204" pitchFamily="34" charset="0"/>
-              <a:buChar char="•"/>
-            </a:pPr>
-            <a:endParaRPr lang="de-DE" sz="2400" dirty="0"/>
-          </a:p>
-          <a:p>
-            <a:endParaRPr lang="en-US" sz="2400" b="1" dirty="0"/>
-          </a:p>
-        </p:txBody>
-      </p:sp>
-      <p:sp>
-        <p:nvSpPr>
-          <p:cNvPr id="20" name="Rectangle: Rounded Corners 19">
-            <a:extLst>
-              <a:ext uri="{FF2B5EF4-FFF2-40B4-BE49-F238E27FC236}">
-                <a16:creationId xmlns:a16="http://schemas.microsoft.com/office/drawing/2014/main" id="{8E85172B-F601-2302-896B-2CCCD89D942C}"/>
-              </a:ext>
-            </a:extLst>
-          </p:cNvPr>
-          <p:cNvSpPr/>
-          <p:nvPr/>
-        </p:nvSpPr>
-        <p:spPr>
-          <a:xfrm>
-            <a:off x="619433" y="6354751"/>
-            <a:ext cx="29036347" cy="1430255"/>
-          </a:xfrm>
-          <a:prstGeom prst="roundRect">
-            <a:avLst>
-              <a:gd name="adj" fmla="val 0"/>
-            </a:avLst>
-          </a:prstGeom>
-          <a:solidFill>
-            <a:srgbClr val="8B1A1A"/>
-          </a:solidFill>
-          <a:ln>
-            <a:noFill/>
-          </a:ln>
-        </p:spPr>
-        <p:style>
-          <a:lnRef idx="2">
-            <a:schemeClr val="accent1">
-              <a:shade val="15000"/>
-            </a:schemeClr>
-          </a:lnRef>
-          <a:fillRef idx="1">
-            <a:schemeClr val="accent1"/>
-          </a:fillRef>
-          <a:effectRef idx="0">
-            <a:schemeClr val="accent1"/>
-          </a:effectRef>
-          <a:fontRef idx="minor">
-            <a:schemeClr val="lt1"/>
-          </a:fontRef>
-        </p:style>
-        <p:txBody>
-          <a:bodyPr rtlCol="0" anchor="ctr"/>
-          <a:lstStyle/>
-          <a:p>
-            <a:r>
-              <a:rPr lang="en-US" sz="6000" b="1" dirty="0"/>
-              <a:t>                   Identifying RNA-Dependent Proteins from Proteomic Data</a:t>
-            </a:r>
-            <a:endParaRPr lang="en-US" sz="1500" b="1" dirty="0"/>
-          </a:p>
-          <a:p>
-            <a:pPr algn="ctr"/>
-            <a:endParaRPr lang="en-US" sz="1000" b="1" dirty="0"/>
-          </a:p>
-        </p:txBody>
-      </p:sp>
-      <p:sp>
-        <p:nvSpPr>
-          <p:cNvPr id="21" name="TextBox 20">
-            <a:extLst>
-              <a:ext uri="{FF2B5EF4-FFF2-40B4-BE49-F238E27FC236}">
-                <a16:creationId xmlns:a16="http://schemas.microsoft.com/office/drawing/2014/main" id="{65A448B6-D330-1A0F-8F4E-2963F6F7F81E}"/>
-              </a:ext>
-            </a:extLst>
-          </p:cNvPr>
-          <p:cNvSpPr txBox="1"/>
-          <p:nvPr/>
-        </p:nvSpPr>
-        <p:spPr>
-          <a:xfrm>
-            <a:off x="15164570" y="8328936"/>
-            <a:ext cx="13893040" cy="2308324"/>
-          </a:xfrm>
-          <a:prstGeom prst="rect">
-            <a:avLst/>
-          </a:prstGeom>
-          <a:noFill/>
-          <a:ln>
-            <a:noFill/>
-          </a:ln>
-        </p:spPr>
-        <p:txBody>
-          <a:bodyPr wrap="square">
-            <a:spAutoFit/>
-          </a:bodyPr>
-          <a:lstStyle/>
-          <a:p>
-            <a:r>
-              <a:rPr lang="en-US" sz="2400" b="1" dirty="0"/>
-              <a:t>Key Characteristics of Our Dataset</a:t>
-            </a:r>
-            <a:endParaRPr lang="de-DE" sz="2400" b="1" dirty="0"/>
-          </a:p>
-          <a:p>
-            <a:pPr marL="457200" indent="-457200">
-              <a:buFont typeface="Arial" panose="020B0604020202020204" pitchFamily="34" charset="0"/>
-              <a:buChar char="•"/>
-            </a:pPr>
-            <a:r>
-              <a:rPr lang="en-US" sz="2400" dirty="0"/>
-              <a:t>Our dataset was generated using the R-Deep approach</a:t>
-            </a:r>
-          </a:p>
-          <a:p>
-            <a:pPr marL="457200" indent="-457200">
-              <a:buFont typeface="Arial" panose="020B0604020202020204" pitchFamily="34" charset="0"/>
-              <a:buChar char="•"/>
-            </a:pPr>
-            <a:r>
-              <a:rPr lang="de-DE" sz="2400" dirty="0"/>
-              <a:t>~5000 Proteine in 25 Fraktionen, Rnase vs. CTRL</a:t>
-            </a:r>
-            <a:endParaRPr lang="en-US" sz="2400" dirty="0"/>
-          </a:p>
-          <a:p>
-            <a:pPr marL="457200" indent="-457200">
-              <a:buFont typeface="Arial" panose="020B0604020202020204" pitchFamily="34" charset="0"/>
-              <a:buChar char="•"/>
-            </a:pPr>
-            <a:r>
-              <a:rPr lang="en-US" sz="2400" dirty="0"/>
-              <a:t>Dimensions</a:t>
-            </a:r>
-            <a:endParaRPr lang="en-US" sz="2400" b="1" dirty="0"/>
-          </a:p>
-          <a:p>
-            <a:pPr marL="457200" indent="-457200">
-              <a:buFont typeface="Arial" panose="020B0604020202020204" pitchFamily="34" charset="0"/>
-              <a:buChar char="•"/>
-            </a:pPr>
-            <a:endParaRPr lang="de-DE" sz="2400" dirty="0"/>
-          </a:p>
-          <a:p>
-            <a:pPr marL="457200" indent="-457200">
-              <a:buFont typeface="Arial" panose="020B0604020202020204" pitchFamily="34" charset="0"/>
-              <a:buChar char="•"/>
-            </a:pPr>
-            <a:endParaRPr lang="de-DE" sz="2400" dirty="0"/>
-          </a:p>
-        </p:txBody>
-      </p:sp>
-      <p:sp>
-        <p:nvSpPr>
-          <p:cNvPr id="22" name="Rectangle: Rounded Corners 21">
-            <a:extLst>
-              <a:ext uri="{FF2B5EF4-FFF2-40B4-BE49-F238E27FC236}">
-                <a16:creationId xmlns:a16="http://schemas.microsoft.com/office/drawing/2014/main" id="{8C966E67-A902-E593-7607-B5CB1781ABA4}"/>
-              </a:ext>
-            </a:extLst>
-          </p:cNvPr>
-          <p:cNvSpPr/>
-          <p:nvPr/>
-        </p:nvSpPr>
-        <p:spPr>
-          <a:xfrm>
-            <a:off x="668635" y="13907015"/>
-            <a:ext cx="28937944" cy="1430255"/>
-          </a:xfrm>
-          <a:prstGeom prst="roundRect">
-            <a:avLst>
-              <a:gd name="adj" fmla="val 0"/>
-            </a:avLst>
-          </a:prstGeom>
-          <a:solidFill>
-            <a:srgbClr val="668B8B"/>
-          </a:solidFill>
-          <a:ln>
-            <a:noFill/>
-          </a:ln>
-        </p:spPr>
-        <p:style>
-          <a:lnRef idx="2">
-            <a:schemeClr val="accent1">
-              <a:shade val="15000"/>
-            </a:schemeClr>
-          </a:lnRef>
-          <a:fillRef idx="1">
-            <a:schemeClr val="accent1"/>
-          </a:fillRef>
-          <a:effectRef idx="0">
-            <a:schemeClr val="accent1"/>
-          </a:effectRef>
-          <a:fontRef idx="minor">
-            <a:schemeClr val="lt1"/>
-          </a:fontRef>
-        </p:style>
-        <p:txBody>
-          <a:bodyPr rtlCol="0" anchor="ctr"/>
-          <a:lstStyle/>
-          <a:p>
-            <a:r>
-              <a:rPr lang="en-US" sz="6000" b="1" dirty="0"/>
-              <a:t>                  Our Approach</a:t>
-            </a:r>
-            <a:endParaRPr lang="en-US" sz="1500" b="1" dirty="0"/>
-          </a:p>
-          <a:p>
-            <a:pPr algn="ctr"/>
-            <a:r>
-              <a:rPr lang="en-US" sz="1000" b="1" dirty="0"/>
-              <a:t>k</a:t>
-            </a:r>
-          </a:p>
-        </p:txBody>
-      </p:sp>
-      <p:sp>
-        <p:nvSpPr>
-          <p:cNvPr id="23" name="Rectangle: Rounded Corners 22">
-            <a:extLst>
-              <a:ext uri="{FF2B5EF4-FFF2-40B4-BE49-F238E27FC236}">
-                <a16:creationId xmlns:a16="http://schemas.microsoft.com/office/drawing/2014/main" id="{20CA20C8-301E-13C4-35E1-97F4B9C7A5FE}"/>
-              </a:ext>
-            </a:extLst>
-          </p:cNvPr>
-          <p:cNvSpPr/>
-          <p:nvPr/>
-        </p:nvSpPr>
-        <p:spPr>
-          <a:xfrm>
-            <a:off x="668636" y="27643718"/>
-            <a:ext cx="14468970" cy="1430255"/>
-          </a:xfrm>
-          <a:prstGeom prst="roundRect">
-            <a:avLst>
-              <a:gd name="adj" fmla="val 10312"/>
-            </a:avLst>
-          </a:prstGeom>
-          <a:solidFill>
-            <a:srgbClr val="2F4F4F"/>
-          </a:solidFill>
-          <a:ln>
-            <a:noFill/>
-          </a:ln>
-        </p:spPr>
-        <p:style>
-          <a:lnRef idx="2">
-            <a:schemeClr val="accent1">
-              <a:shade val="15000"/>
-            </a:schemeClr>
-          </a:lnRef>
-          <a:fillRef idx="1">
-            <a:schemeClr val="accent1"/>
-          </a:fillRef>
-          <a:effectRef idx="0">
-            <a:schemeClr val="accent1"/>
-          </a:effectRef>
-          <a:fontRef idx="minor">
-            <a:schemeClr val="lt1"/>
-          </a:fontRef>
-        </p:style>
-        <p:txBody>
-          <a:bodyPr rtlCol="0" anchor="ctr"/>
-          <a:lstStyle/>
-          <a:p>
-            <a:r>
-              <a:rPr lang="en-US" sz="6000" b="1" dirty="0"/>
-              <a:t>                  Discussion</a:t>
-            </a:r>
-            <a:endParaRPr lang="en-US" sz="1500" b="1" dirty="0"/>
-          </a:p>
-          <a:p>
-            <a:endParaRPr lang="en-US" sz="1000" b="1" dirty="0"/>
-          </a:p>
-        </p:txBody>
-      </p:sp>
-      <p:sp>
-        <p:nvSpPr>
-          <p:cNvPr id="24" name="Rectangle: Rounded Corners 23">
-            <a:extLst>
-              <a:ext uri="{FF2B5EF4-FFF2-40B4-BE49-F238E27FC236}">
-                <a16:creationId xmlns:a16="http://schemas.microsoft.com/office/drawing/2014/main" id="{0DFF9706-E3DB-917B-7256-7C1B22EC2F9C}"/>
-              </a:ext>
-            </a:extLst>
-          </p:cNvPr>
-          <p:cNvSpPr/>
-          <p:nvPr/>
-        </p:nvSpPr>
-        <p:spPr>
-          <a:xfrm>
-            <a:off x="15765564" y="27736897"/>
-            <a:ext cx="13841013" cy="1430255"/>
-          </a:xfrm>
-          <a:prstGeom prst="roundRect">
-            <a:avLst>
-              <a:gd name="adj" fmla="val 0"/>
-            </a:avLst>
-          </a:prstGeom>
-          <a:solidFill>
-            <a:srgbClr val="8B1A1A"/>
-          </a:solidFill>
-          <a:ln>
-            <a:noFill/>
-          </a:ln>
-        </p:spPr>
-        <p:style>
-          <a:lnRef idx="2">
-            <a:schemeClr val="accent1">
-              <a:shade val="15000"/>
-            </a:schemeClr>
-          </a:lnRef>
-          <a:fillRef idx="1">
-            <a:schemeClr val="accent1"/>
-          </a:fillRef>
-          <a:effectRef idx="0">
-            <a:schemeClr val="accent1"/>
-          </a:effectRef>
-          <a:fontRef idx="minor">
-            <a:schemeClr val="lt1"/>
-          </a:fontRef>
-        </p:style>
-        <p:txBody>
-          <a:bodyPr rtlCol="0" anchor="ctr"/>
-          <a:lstStyle/>
-          <a:p>
-            <a:r>
-              <a:rPr lang="en-US" sz="6000" b="1" dirty="0"/>
-              <a:t>                 Our Achievements</a:t>
-            </a:r>
-            <a:endParaRPr lang="en-US" sz="1000" b="1" dirty="0"/>
-          </a:p>
-        </p:txBody>
-      </p:sp>
-      <p:sp>
-        <p:nvSpPr>
-          <p:cNvPr id="25" name="Rectangle: Rounded Corners 24">
-            <a:extLst>
-              <a:ext uri="{FF2B5EF4-FFF2-40B4-BE49-F238E27FC236}">
-                <a16:creationId xmlns:a16="http://schemas.microsoft.com/office/drawing/2014/main" id="{6E2A5C2F-C010-1AF0-79C4-66E911313A63}"/>
-              </a:ext>
-            </a:extLst>
-          </p:cNvPr>
-          <p:cNvSpPr/>
-          <p:nvPr/>
-        </p:nvSpPr>
-        <p:spPr>
-          <a:xfrm>
-            <a:off x="15841731" y="35857778"/>
-            <a:ext cx="7189720" cy="1430255"/>
-          </a:xfrm>
-          <a:prstGeom prst="roundRect">
-            <a:avLst>
-              <a:gd name="adj" fmla="val 0"/>
-            </a:avLst>
-          </a:prstGeom>
-          <a:solidFill>
-            <a:srgbClr val="2F4F4F"/>
-          </a:solidFill>
-          <a:ln>
-            <a:noFill/>
-          </a:ln>
-        </p:spPr>
-        <p:style>
-          <a:lnRef idx="2">
-            <a:schemeClr val="accent1">
-              <a:shade val="15000"/>
-            </a:schemeClr>
-          </a:lnRef>
-          <a:fillRef idx="1">
-            <a:schemeClr val="accent1"/>
-          </a:fillRef>
-          <a:effectRef idx="0">
-            <a:schemeClr val="accent1"/>
-          </a:effectRef>
-          <a:fontRef idx="minor">
-            <a:schemeClr val="lt1"/>
-          </a:fontRef>
-        </p:style>
-        <p:txBody>
-          <a:bodyPr rtlCol="0" anchor="ctr"/>
-          <a:lstStyle/>
-          <a:p>
-            <a:r>
-              <a:rPr lang="en-US" sz="6000" b="1" dirty="0"/>
-              <a:t>                 References</a:t>
-            </a:r>
-            <a:endParaRPr lang="en-US" sz="1000" b="1" dirty="0"/>
-          </a:p>
-        </p:txBody>
-      </p:sp>
-      <p:sp>
-        <p:nvSpPr>
-          <p:cNvPr id="27" name="Titel 1">
-            <a:extLst>
-              <a:ext uri="{FF2B5EF4-FFF2-40B4-BE49-F238E27FC236}">
-                <a16:creationId xmlns:a16="http://schemas.microsoft.com/office/drawing/2014/main" id="{3A108A4B-CF62-6D99-6B52-EF110B457952}"/>
-              </a:ext>
-            </a:extLst>
-          </p:cNvPr>
-          <p:cNvSpPr txBox="1">
-            <a:spLocks/>
-          </p:cNvSpPr>
-          <p:nvPr/>
-        </p:nvSpPr>
-        <p:spPr>
-          <a:xfrm>
-            <a:off x="1016236" y="2205333"/>
-            <a:ext cx="28358864" cy="1836887"/>
-          </a:xfrm>
-          <a:prstGeom prst="rect">
-            <a:avLst/>
-          </a:prstGeom>
-        </p:spPr>
-        <p:txBody>
-          <a:bodyPr vert="horz" lIns="91440" tIns="45720" rIns="91440" bIns="45720" rtlCol="0" anchor="b">
-            <a:noAutofit/>
-          </a:bodyPr>
-          <a:lstStyle>
-            <a:lvl1pPr algn="ctr" defTabSz="3027487" rtl="0" eaLnBrk="1" latinLnBrk="0" hangingPunct="1">
-              <a:lnSpc>
-                <a:spcPct val="90000"/>
-              </a:lnSpc>
-              <a:spcBef>
-                <a:spcPct val="0"/>
-              </a:spcBef>
-              <a:buNone/>
-              <a:defRPr sz="19865" kern="1200">
-                <a:solidFill>
-                  <a:schemeClr val="tx1"/>
-                </a:solidFill>
-                <a:latin typeface="+mj-lt"/>
-                <a:ea typeface="+mj-ea"/>
-                <a:cs typeface="+mj-cs"/>
-              </a:defRPr>
-            </a:lvl1pPr>
-          </a:lstStyle>
-          <a:p>
-            <a:r>
-              <a:rPr lang="de-DE" sz="8000" b="1" dirty="0">
-                <a:solidFill>
-                  <a:schemeClr val="bg1"/>
-                </a:solidFill>
-                <a:latin typeface="+mn-lt"/>
-              </a:rPr>
-              <a:t>Hidden Alliances: </a:t>
-            </a:r>
-          </a:p>
-          <a:p>
-            <a:r>
-              <a:rPr lang="de-DE" sz="8000" b="1" dirty="0">
-                <a:solidFill>
-                  <a:schemeClr val="bg1"/>
-                </a:solidFill>
-                <a:latin typeface="+mn-lt"/>
-              </a:rPr>
-              <a:t>RNA-Dependent Protein Interactions </a:t>
-            </a:r>
-          </a:p>
-          <a:p>
-            <a:r>
-              <a:rPr lang="de-DE" sz="8000" b="1" dirty="0">
-                <a:solidFill>
-                  <a:schemeClr val="bg1"/>
-                </a:solidFill>
-                <a:latin typeface="+mn-lt"/>
-              </a:rPr>
-              <a:t>in Cancer Cells</a:t>
-            </a:r>
-            <a:endParaRPr lang="en-US" sz="8000" b="1" dirty="0">
-              <a:solidFill>
-                <a:schemeClr val="bg1"/>
-              </a:solidFill>
-              <a:latin typeface="+mn-lt"/>
-            </a:endParaRPr>
-          </a:p>
-        </p:txBody>
-      </p:sp>
-      <p:sp>
-        <p:nvSpPr>
-          <p:cNvPr id="28" name="Titel 1">
-            <a:extLst>
-              <a:ext uri="{FF2B5EF4-FFF2-40B4-BE49-F238E27FC236}">
-                <a16:creationId xmlns:a16="http://schemas.microsoft.com/office/drawing/2014/main" id="{6A3A14C5-9F21-AB18-3A3A-7EBF11837C85}"/>
-              </a:ext>
-            </a:extLst>
-          </p:cNvPr>
-          <p:cNvSpPr txBox="1">
-            <a:spLocks/>
-          </p:cNvSpPr>
-          <p:nvPr/>
-        </p:nvSpPr>
-        <p:spPr>
-          <a:xfrm>
-            <a:off x="8712489" y="3840738"/>
-            <a:ext cx="12850233" cy="1323687"/>
-          </a:xfrm>
-          <a:prstGeom prst="rect">
-            <a:avLst/>
-          </a:prstGeom>
-        </p:spPr>
-        <p:txBody>
-          <a:bodyPr vert="horz" lIns="45681" tIns="22840" rIns="45681" bIns="22840" rtlCol="0" anchor="b">
-            <a:noAutofit/>
-          </a:bodyPr>
-          <a:lstStyle>
-            <a:lvl1pPr algn="ctr" defTabSz="3027487" rtl="0" eaLnBrk="1" latinLnBrk="0" hangingPunct="1">
-              <a:lnSpc>
-                <a:spcPct val="90000"/>
-              </a:lnSpc>
-              <a:spcBef>
-                <a:spcPct val="0"/>
-              </a:spcBef>
-              <a:buNone/>
-              <a:defRPr sz="19865" kern="1200">
-                <a:solidFill>
-                  <a:schemeClr val="tx1"/>
-                </a:solidFill>
-                <a:latin typeface="+mj-lt"/>
-                <a:ea typeface="+mj-ea"/>
-                <a:cs typeface="+mj-cs"/>
-              </a:defRPr>
-            </a:lvl1pPr>
-          </a:lstStyle>
-          <a:p>
-            <a:r>
-              <a:rPr lang="de-DE" sz="2800" dirty="0">
-                <a:solidFill>
-                  <a:schemeClr val="bg1"/>
-                </a:solidFill>
-              </a:rPr>
-              <a:t>Julian </a:t>
-            </a:r>
-            <a:r>
-              <a:rPr lang="de-DE" sz="2800" dirty="0" err="1">
-                <a:solidFill>
-                  <a:schemeClr val="bg1"/>
-                </a:solidFill>
-              </a:rPr>
-              <a:t>Baureis</a:t>
-            </a:r>
-            <a:r>
-              <a:rPr lang="de-DE" sz="2800" dirty="0">
-                <a:solidFill>
-                  <a:schemeClr val="bg1"/>
-                </a:solidFill>
-              </a:rPr>
-              <a:t>, Julia Ferdin, Benjamin Nicklas, Luisa </a:t>
-            </a:r>
-            <a:r>
-              <a:rPr lang="de-DE" sz="2800" dirty="0" err="1">
-                <a:solidFill>
-                  <a:schemeClr val="bg1"/>
-                </a:solidFill>
-              </a:rPr>
-              <a:t>Wintel</a:t>
-            </a:r>
-            <a:endParaRPr lang="de-DE" sz="2800" dirty="0">
-              <a:solidFill>
-                <a:schemeClr val="bg1"/>
-              </a:solidFill>
-            </a:endParaRPr>
-          </a:p>
-          <a:p>
-            <a:r>
-              <a:rPr lang="de-DE" sz="2800" dirty="0">
-                <a:solidFill>
-                  <a:schemeClr val="bg1"/>
-                </a:solidFill>
-              </a:rPr>
-              <a:t>Data Analysis Project </a:t>
-            </a:r>
-            <a:r>
-              <a:rPr lang="de-DE" sz="2800" dirty="0" err="1">
-                <a:solidFill>
-                  <a:schemeClr val="bg1"/>
-                </a:solidFill>
-              </a:rPr>
-              <a:t>Molecular</a:t>
-            </a:r>
-            <a:r>
-              <a:rPr lang="de-DE" sz="2800" dirty="0">
-                <a:solidFill>
-                  <a:schemeClr val="bg1"/>
-                </a:solidFill>
-              </a:rPr>
-              <a:t> Biotechnology SS2025</a:t>
-            </a:r>
-          </a:p>
-        </p:txBody>
-      </p:sp>
-      <p:sp>
-        <p:nvSpPr>
-          <p:cNvPr id="29" name="Flowchart: Connector 28">
-            <a:extLst>
-              <a:ext uri="{FF2B5EF4-FFF2-40B4-BE49-F238E27FC236}">
-                <a16:creationId xmlns:a16="http://schemas.microsoft.com/office/drawing/2014/main" id="{C097AFB3-626C-83E8-0EE3-C076B460DA1B}"/>
-              </a:ext>
-            </a:extLst>
-          </p:cNvPr>
-          <p:cNvSpPr/>
-          <p:nvPr/>
-        </p:nvSpPr>
-        <p:spPr>
-          <a:xfrm>
-            <a:off x="1194289" y="5986115"/>
-            <a:ext cx="2006111" cy="1960592"/>
-          </a:xfrm>
-          <a:prstGeom prst="flowChartConnector">
-            <a:avLst/>
-          </a:prstGeom>
-          <a:solidFill>
-            <a:schemeClr val="bg1"/>
-          </a:solidFill>
-          <a:ln w="254000">
-            <a:solidFill>
-              <a:srgbClr val="8B1A1A"/>
-            </a:solidFill>
-          </a:ln>
-        </p:spPr>
-        <p:style>
-          <a:lnRef idx="2">
-            <a:schemeClr val="accent1">
-              <a:shade val="15000"/>
-            </a:schemeClr>
-          </a:lnRef>
-          <a:fillRef idx="1">
-            <a:schemeClr val="accent1"/>
-          </a:fillRef>
-          <a:effectRef idx="0">
-            <a:schemeClr val="accent1"/>
-          </a:effectRef>
-          <a:fontRef idx="minor">
-            <a:schemeClr val="lt1"/>
-          </a:fontRef>
-        </p:style>
-        <p:txBody>
-          <a:bodyPr rtlCol="0" anchor="ctr"/>
-          <a:lstStyle/>
-          <a:p>
-            <a:pPr algn="ctr"/>
-            <a:r>
-              <a:rPr lang="de-DE" sz="7000" b="1" dirty="0">
-                <a:solidFill>
-                  <a:srgbClr val="87081B"/>
-                </a:solidFill>
-              </a:rPr>
-              <a:t>1</a:t>
-            </a:r>
-          </a:p>
-        </p:txBody>
-      </p:sp>
-      <p:sp>
-        <p:nvSpPr>
-          <p:cNvPr id="31" name="Flowchart: Connector 30">
-            <a:extLst>
-              <a:ext uri="{FF2B5EF4-FFF2-40B4-BE49-F238E27FC236}">
-                <a16:creationId xmlns:a16="http://schemas.microsoft.com/office/drawing/2014/main" id="{FBE5B8CC-E1F1-9761-323F-F2F7498E8A56}"/>
-              </a:ext>
-            </a:extLst>
-          </p:cNvPr>
-          <p:cNvSpPr/>
-          <p:nvPr/>
-        </p:nvSpPr>
-        <p:spPr>
-          <a:xfrm>
-            <a:off x="1194288" y="13584696"/>
-            <a:ext cx="2006111" cy="1960592"/>
-          </a:xfrm>
-          <a:prstGeom prst="flowChartConnector">
-            <a:avLst/>
-          </a:prstGeom>
-          <a:solidFill>
-            <a:schemeClr val="bg1"/>
-          </a:solidFill>
-          <a:ln w="254000">
-            <a:solidFill>
-              <a:srgbClr val="668B8B"/>
-            </a:solidFill>
-          </a:ln>
-        </p:spPr>
-        <p:style>
-          <a:lnRef idx="2">
-            <a:schemeClr val="accent1">
-              <a:shade val="15000"/>
-            </a:schemeClr>
-          </a:lnRef>
-          <a:fillRef idx="1">
-            <a:schemeClr val="accent1"/>
-          </a:fillRef>
-          <a:effectRef idx="0">
-            <a:schemeClr val="accent1"/>
-          </a:effectRef>
-          <a:fontRef idx="minor">
-            <a:schemeClr val="lt1"/>
-          </a:fontRef>
-        </p:style>
-        <p:txBody>
-          <a:bodyPr rtlCol="0" anchor="ctr"/>
-          <a:lstStyle/>
-          <a:p>
-            <a:pPr algn="ctr"/>
-            <a:r>
-              <a:rPr lang="de-DE" sz="7000" b="1" dirty="0">
-                <a:solidFill>
-                  <a:srgbClr val="120D31"/>
-                </a:solidFill>
-              </a:rPr>
-              <a:t>2</a:t>
-            </a:r>
-          </a:p>
-        </p:txBody>
-      </p:sp>
-      <p:sp>
-        <p:nvSpPr>
-          <p:cNvPr id="32" name="Flowchart: Connector 31">
-            <a:extLst>
-              <a:ext uri="{FF2B5EF4-FFF2-40B4-BE49-F238E27FC236}">
-                <a16:creationId xmlns:a16="http://schemas.microsoft.com/office/drawing/2014/main" id="{A889CDA9-E234-93A3-78BD-8BDA557ABD43}"/>
-              </a:ext>
-            </a:extLst>
-          </p:cNvPr>
-          <p:cNvSpPr/>
-          <p:nvPr/>
-        </p:nvSpPr>
-        <p:spPr>
-          <a:xfrm>
-            <a:off x="1194287" y="27398826"/>
-            <a:ext cx="2006111" cy="1960592"/>
-          </a:xfrm>
-          <a:prstGeom prst="flowChartConnector">
-            <a:avLst/>
-          </a:prstGeom>
-          <a:solidFill>
-            <a:schemeClr val="bg1"/>
-          </a:solidFill>
-          <a:ln w="254000">
-            <a:solidFill>
-              <a:srgbClr val="2F4F4F"/>
-            </a:solidFill>
-          </a:ln>
-        </p:spPr>
-        <p:style>
-          <a:lnRef idx="2">
-            <a:schemeClr val="accent1">
-              <a:shade val="15000"/>
-            </a:schemeClr>
-          </a:lnRef>
-          <a:fillRef idx="1">
-            <a:schemeClr val="accent1"/>
-          </a:fillRef>
-          <a:effectRef idx="0">
-            <a:schemeClr val="accent1"/>
-          </a:effectRef>
-          <a:fontRef idx="minor">
-            <a:schemeClr val="lt1"/>
-          </a:fontRef>
-        </p:style>
-        <p:txBody>
-          <a:bodyPr rtlCol="0" anchor="ctr"/>
-          <a:lstStyle/>
-          <a:p>
-            <a:pPr algn="ctr"/>
-            <a:r>
-              <a:rPr lang="de-DE" sz="7000" b="1" dirty="0">
-                <a:solidFill>
-                  <a:srgbClr val="120D31"/>
-                </a:solidFill>
-              </a:rPr>
-              <a:t>3</a:t>
-            </a:r>
-          </a:p>
-        </p:txBody>
-      </p:sp>
-      <p:sp>
-        <p:nvSpPr>
-          <p:cNvPr id="33" name="Flowchart: Connector 32">
-            <a:extLst>
-              <a:ext uri="{FF2B5EF4-FFF2-40B4-BE49-F238E27FC236}">
-                <a16:creationId xmlns:a16="http://schemas.microsoft.com/office/drawing/2014/main" id="{E827A66D-D691-3462-1331-62BC799FF520}"/>
-              </a:ext>
-            </a:extLst>
-          </p:cNvPr>
-          <p:cNvSpPr/>
-          <p:nvPr/>
-        </p:nvSpPr>
-        <p:spPr>
-          <a:xfrm>
-            <a:off x="16242587" y="27394687"/>
-            <a:ext cx="2006111" cy="1960592"/>
-          </a:xfrm>
-          <a:prstGeom prst="flowChartConnector">
-            <a:avLst/>
-          </a:prstGeom>
-          <a:solidFill>
-            <a:schemeClr val="bg1"/>
-          </a:solidFill>
-          <a:ln w="254000">
-            <a:solidFill>
-              <a:srgbClr val="8B1A1A"/>
-            </a:solidFill>
-          </a:ln>
-        </p:spPr>
-        <p:style>
-          <a:lnRef idx="2">
-            <a:schemeClr val="accent1">
-              <a:shade val="15000"/>
-            </a:schemeClr>
-          </a:lnRef>
-          <a:fillRef idx="1">
-            <a:schemeClr val="accent1"/>
-          </a:fillRef>
-          <a:effectRef idx="0">
-            <a:schemeClr val="accent1"/>
-          </a:effectRef>
-          <a:fontRef idx="minor">
-            <a:schemeClr val="lt1"/>
-          </a:fontRef>
-        </p:style>
-        <p:txBody>
-          <a:bodyPr rtlCol="0" anchor="ctr"/>
-          <a:lstStyle/>
-          <a:p>
-            <a:pPr algn="ctr"/>
-            <a:r>
-              <a:rPr lang="de-DE" sz="7000" b="1" dirty="0">
-                <a:solidFill>
-                  <a:srgbClr val="87081B"/>
-                </a:solidFill>
-              </a:rPr>
-              <a:t>4</a:t>
-            </a:r>
-          </a:p>
-        </p:txBody>
-      </p:sp>
-      <p:sp>
-        <p:nvSpPr>
-          <p:cNvPr id="37" name="Flowchart: Connector 36">
-            <a:extLst>
-              <a:ext uri="{FF2B5EF4-FFF2-40B4-BE49-F238E27FC236}">
-                <a16:creationId xmlns:a16="http://schemas.microsoft.com/office/drawing/2014/main" id="{29AD96CD-5876-71FD-5642-02D3B6AAEDAF}"/>
-              </a:ext>
-            </a:extLst>
-          </p:cNvPr>
-          <p:cNvSpPr/>
-          <p:nvPr/>
-        </p:nvSpPr>
-        <p:spPr>
-          <a:xfrm>
-            <a:off x="16285627" y="35586126"/>
-            <a:ext cx="2006111" cy="1960592"/>
-          </a:xfrm>
-          <a:prstGeom prst="flowChartConnector">
-            <a:avLst/>
-          </a:prstGeom>
-          <a:solidFill>
-            <a:schemeClr val="bg1"/>
-          </a:solidFill>
-          <a:ln w="254000">
-            <a:solidFill>
-              <a:srgbClr val="2F4F4F"/>
-            </a:solidFill>
-          </a:ln>
-        </p:spPr>
-        <p:style>
-          <a:lnRef idx="2">
-            <a:schemeClr val="accent1">
-              <a:shade val="15000"/>
-            </a:schemeClr>
-          </a:lnRef>
-          <a:fillRef idx="1">
-            <a:schemeClr val="accent1"/>
-          </a:fillRef>
-          <a:effectRef idx="0">
-            <a:schemeClr val="accent1"/>
-          </a:effectRef>
-          <a:fontRef idx="minor">
-            <a:schemeClr val="lt1"/>
-          </a:fontRef>
-        </p:style>
-        <p:txBody>
-          <a:bodyPr rtlCol="0" anchor="ctr"/>
-          <a:lstStyle/>
-          <a:p>
-            <a:pPr algn="ctr"/>
-            <a:r>
-              <a:rPr lang="de-DE" sz="7000" b="1" dirty="0">
-                <a:solidFill>
-                  <a:srgbClr val="302F4D"/>
-                </a:solidFill>
-              </a:rPr>
-              <a:t>5</a:t>
-            </a:r>
-          </a:p>
-        </p:txBody>
-      </p:sp>
-      <p:pic>
-        <p:nvPicPr>
-          <p:cNvPr id="39" name="Picture 38">
-            <a:extLst>
-              <a:ext uri="{FF2B5EF4-FFF2-40B4-BE49-F238E27FC236}">
-                <a16:creationId xmlns:a16="http://schemas.microsoft.com/office/drawing/2014/main" id="{F3A951EF-26E2-8FF9-F345-2D6A2434755B}"/>
-              </a:ext>
-            </a:extLst>
-          </p:cNvPr>
-          <p:cNvPicPr>
-            <a:picLocks noChangeAspect="1"/>
-          </p:cNvPicPr>
-          <p:nvPr/>
-        </p:nvPicPr>
-        <p:blipFill>
-          <a:blip r:embed="rId3"/>
-          <a:stretch>
-            <a:fillRect/>
-          </a:stretch>
-        </p:blipFill>
-        <p:spPr>
-          <a:xfrm>
-            <a:off x="25252496" y="35782193"/>
-            <a:ext cx="4122604" cy="2318964"/>
-          </a:xfrm>
-          <a:prstGeom prst="rect">
-            <a:avLst/>
-          </a:prstGeom>
-        </p:spPr>
-      </p:pic>
-      <p:sp>
-        <p:nvSpPr>
-          <p:cNvPr id="40" name="Rectangle: Top Corners Rounded 39">
-            <a:extLst>
-              <a:ext uri="{FF2B5EF4-FFF2-40B4-BE49-F238E27FC236}">
-                <a16:creationId xmlns:a16="http://schemas.microsoft.com/office/drawing/2014/main" id="{1AF7A29F-447D-0B0A-4E28-C313166A7432}"/>
-              </a:ext>
-            </a:extLst>
-          </p:cNvPr>
-          <p:cNvSpPr/>
-          <p:nvPr/>
-        </p:nvSpPr>
-        <p:spPr>
-          <a:xfrm flipV="1">
-            <a:off x="-1" y="41844211"/>
-            <a:ext cx="30329139" cy="959548"/>
-          </a:xfrm>
-          <a:prstGeom prst="round2SameRect">
-            <a:avLst>
-              <a:gd name="adj1" fmla="val 0"/>
-              <a:gd name="adj2" fmla="val 0"/>
-            </a:avLst>
-          </a:prstGeom>
-          <a:solidFill>
-            <a:srgbClr val="2F4F4F"/>
-          </a:solidFill>
-          <a:ln w="254000">
-            <a:noFill/>
-          </a:ln>
-        </p:spPr>
-        <p:style>
-          <a:lnRef idx="2">
-            <a:schemeClr val="accent1">
-              <a:shade val="15000"/>
-            </a:schemeClr>
-          </a:lnRef>
-          <a:fillRef idx="1">
-            <a:schemeClr val="accent1"/>
-          </a:fillRef>
-          <a:effectRef idx="0">
-            <a:schemeClr val="accent1"/>
-          </a:effectRef>
-          <a:fontRef idx="minor">
-            <a:schemeClr val="lt1"/>
-          </a:fontRef>
-        </p:style>
-        <p:txBody>
-          <a:bodyPr rtlCol="0" anchor="ctr"/>
-          <a:lstStyle/>
-          <a:p>
-            <a:pPr algn="ctr"/>
-            <a:endParaRPr lang="de-DE"/>
-          </a:p>
-        </p:txBody>
-      </p:sp>
-      <p:pic>
-        <p:nvPicPr>
-          <p:cNvPr id="50" name="Picture 49">
-            <a:extLst>
-              <a:ext uri="{FF2B5EF4-FFF2-40B4-BE49-F238E27FC236}">
-                <a16:creationId xmlns:a16="http://schemas.microsoft.com/office/drawing/2014/main" id="{52354460-DBC5-D9B2-7E1B-21EE7BEEA0D4}"/>
-              </a:ext>
-            </a:extLst>
-          </p:cNvPr>
-          <p:cNvPicPr>
-            <a:picLocks noChangeAspect="1"/>
-          </p:cNvPicPr>
-          <p:nvPr/>
-        </p:nvPicPr>
-        <p:blipFill>
-          <a:blip r:embed="rId4"/>
-          <a:stretch>
-            <a:fillRect/>
-          </a:stretch>
-        </p:blipFill>
-        <p:spPr>
-          <a:xfrm>
-            <a:off x="1897578" y="16739852"/>
-            <a:ext cx="23574507" cy="1430255"/>
-          </a:xfrm>
-          <a:prstGeom prst="rect">
-            <a:avLst/>
-          </a:prstGeom>
-        </p:spPr>
-      </p:pic>
-      <p:pic>
-        <p:nvPicPr>
-          <p:cNvPr id="56" name="Picture 55">
-            <a:extLst>
-              <a:ext uri="{FF2B5EF4-FFF2-40B4-BE49-F238E27FC236}">
-                <a16:creationId xmlns:a16="http://schemas.microsoft.com/office/drawing/2014/main" id="{E418858A-D82F-8C92-C5DA-D7B093A45486}"/>
-              </a:ext>
-            </a:extLst>
-          </p:cNvPr>
-          <p:cNvPicPr>
-            <a:picLocks noChangeAspect="1"/>
-          </p:cNvPicPr>
-          <p:nvPr/>
-        </p:nvPicPr>
-        <p:blipFill>
-          <a:blip r:embed="rId5"/>
-          <a:stretch>
-            <a:fillRect/>
-          </a:stretch>
-        </p:blipFill>
-        <p:spPr>
-          <a:xfrm>
-            <a:off x="1997968" y="23129408"/>
-            <a:ext cx="22403155" cy="1157918"/>
-          </a:xfrm>
-          <a:prstGeom prst="rect">
-            <a:avLst/>
-          </a:prstGeom>
-        </p:spPr>
-      </p:pic>
-      <p:pic>
-        <p:nvPicPr>
-          <p:cNvPr id="58" name="Picture 57">
-            <a:extLst>
-              <a:ext uri="{FF2B5EF4-FFF2-40B4-BE49-F238E27FC236}">
-                <a16:creationId xmlns:a16="http://schemas.microsoft.com/office/drawing/2014/main" id="{7AA4E004-666E-5EC9-5CD1-8199352BDE04}"/>
-              </a:ext>
-            </a:extLst>
-          </p:cNvPr>
-          <p:cNvPicPr>
-            <a:picLocks noChangeAspect="1"/>
-          </p:cNvPicPr>
-          <p:nvPr/>
-        </p:nvPicPr>
-        <p:blipFill>
-          <a:blip r:embed="rId6"/>
-          <a:stretch>
-            <a:fillRect/>
-          </a:stretch>
-        </p:blipFill>
-        <p:spPr>
-          <a:xfrm>
-            <a:off x="1931350" y="18109186"/>
-            <a:ext cx="23170024" cy="1551803"/>
-          </a:xfrm>
-          <a:prstGeom prst="rect">
-            <a:avLst/>
-          </a:prstGeom>
-        </p:spPr>
-      </p:pic>
-      <p:pic>
-        <p:nvPicPr>
-          <p:cNvPr id="60" name="Picture 59">
-            <a:extLst>
-              <a:ext uri="{FF2B5EF4-FFF2-40B4-BE49-F238E27FC236}">
-                <a16:creationId xmlns:a16="http://schemas.microsoft.com/office/drawing/2014/main" id="{DCEF4B36-85B1-D5D5-9656-D9D708ED290B}"/>
-              </a:ext>
-            </a:extLst>
-          </p:cNvPr>
-          <p:cNvPicPr>
-            <a:picLocks noChangeAspect="1"/>
-          </p:cNvPicPr>
-          <p:nvPr/>
-        </p:nvPicPr>
-        <p:blipFill>
-          <a:blip r:embed="rId7"/>
-          <a:stretch>
-            <a:fillRect/>
-          </a:stretch>
-        </p:blipFill>
-        <p:spPr>
-          <a:xfrm>
-            <a:off x="1997968" y="19494101"/>
-            <a:ext cx="23088130" cy="1636845"/>
-          </a:xfrm>
-          <a:prstGeom prst="rect">
-            <a:avLst/>
-          </a:prstGeom>
-        </p:spPr>
-      </p:pic>
-    </p:spTree>
-    <p:extLst>
-      <p:ext uri="{BB962C8B-B14F-4D97-AF65-F5344CB8AC3E}">
-        <p14:creationId xmlns:p14="http://schemas.microsoft.com/office/powerpoint/2010/main" val="2088028744"/>
-      </p:ext>
-    </p:extLst>
-  </p:cSld>
-  <p:clrMapOvr>
-    <a:masterClrMapping/>
-  </p:clrMapOvr>
-</p:sld>
-</file>
-
 <file path=ppt/theme/theme1.xml><?xml version="1.0" encoding="utf-8"?>
 <a:theme xmlns:a="http://schemas.openxmlformats.org/drawingml/2006/main" name="Office Theme">
   <a:themeElements>

--- a/Poster.pptx
+++ b/Poster.pptx
@@ -3249,7 +3249,7 @@
         </p:nvSpPr>
         <p:spPr>
           <a:xfrm>
-            <a:off x="619433" y="13902154"/>
+            <a:off x="568333" y="13949423"/>
             <a:ext cx="29054323" cy="13032673"/>
           </a:xfrm>
           <a:prstGeom prst="roundRect">
@@ -5309,6 +5309,489 @@
           </a:p>
         </p:txBody>
       </p:sp>
+      <p:pic>
+        <p:nvPicPr>
+          <p:cNvPr id="3" name="Picture 2" descr="A graph showing a line graph&#10;&#10;AI-generated content may be incorrect.">
+            <a:extLst>
+              <a:ext uri="{FF2B5EF4-FFF2-40B4-BE49-F238E27FC236}">
+                <a16:creationId xmlns:a16="http://schemas.microsoft.com/office/drawing/2014/main" id="{227421C5-ADD9-773E-1D2E-32E0BB7F159E}"/>
+              </a:ext>
+            </a:extLst>
+          </p:cNvPr>
+          <p:cNvPicPr>
+            <a:picLocks noChangeAspect="1"/>
+          </p:cNvPicPr>
+          <p:nvPr/>
+        </p:nvPicPr>
+        <p:blipFill>
+          <a:blip r:embed="rId4"/>
+          <a:stretch>
+            <a:fillRect/>
+          </a:stretch>
+        </p:blipFill>
+        <p:spPr>
+          <a:xfrm>
+            <a:off x="24585746" y="7335452"/>
+            <a:ext cx="3667266" cy="2750449"/>
+          </a:xfrm>
+          <a:prstGeom prst="rect">
+            <a:avLst/>
+          </a:prstGeom>
+        </p:spPr>
+      </p:pic>
+      <p:pic>
+        <p:nvPicPr>
+          <p:cNvPr id="5" name="Picture 4" descr="A graph of a line graph&#10;&#10;AI-generated content may be incorrect.">
+            <a:extLst>
+              <a:ext uri="{FF2B5EF4-FFF2-40B4-BE49-F238E27FC236}">
+                <a16:creationId xmlns:a16="http://schemas.microsoft.com/office/drawing/2014/main" id="{855918B6-0FA3-74E6-8252-7F49D163EA24}"/>
+              </a:ext>
+            </a:extLst>
+          </p:cNvPr>
+          <p:cNvPicPr>
+            <a:picLocks noChangeAspect="1"/>
+          </p:cNvPicPr>
+          <p:nvPr/>
+        </p:nvPicPr>
+        <p:blipFill>
+          <a:blip r:embed="rId5"/>
+          <a:stretch>
+            <a:fillRect/>
+          </a:stretch>
+        </p:blipFill>
+        <p:spPr>
+          <a:xfrm>
+            <a:off x="24534397" y="10124582"/>
+            <a:ext cx="3967336" cy="2975502"/>
+          </a:xfrm>
+          <a:prstGeom prst="rect">
+            <a:avLst/>
+          </a:prstGeom>
+        </p:spPr>
+      </p:pic>
+      <p:grpSp>
+        <p:nvGrpSpPr>
+          <p:cNvPr id="51" name="Group 50">
+            <a:extLst>
+              <a:ext uri="{FF2B5EF4-FFF2-40B4-BE49-F238E27FC236}">
+                <a16:creationId xmlns:a16="http://schemas.microsoft.com/office/drawing/2014/main" id="{35B2704B-9A83-B58B-0227-C56021910D8E}"/>
+              </a:ext>
+            </a:extLst>
+          </p:cNvPr>
+          <p:cNvGrpSpPr/>
+          <p:nvPr/>
+        </p:nvGrpSpPr>
+        <p:grpSpPr>
+          <a:xfrm>
+            <a:off x="4720225" y="33918233"/>
+            <a:ext cx="8076400" cy="6047084"/>
+            <a:chOff x="6505830" y="34375433"/>
+            <a:chExt cx="8076400" cy="6047084"/>
+          </a:xfrm>
+        </p:grpSpPr>
+        <p:pic>
+          <p:nvPicPr>
+            <p:cNvPr id="38" name="Picture 37" descr="A diagram of different colored circles&#10;&#10;AI-generated content may be incorrect.">
+              <a:extLst>
+                <a:ext uri="{FF2B5EF4-FFF2-40B4-BE49-F238E27FC236}">
+                  <a16:creationId xmlns:a16="http://schemas.microsoft.com/office/drawing/2014/main" id="{AD62BAEB-5FEB-FFE7-379E-C15CF27D7B7D}"/>
+                </a:ext>
+              </a:extLst>
+            </p:cNvPr>
+            <p:cNvPicPr>
+              <a:picLocks noChangeAspect="1"/>
+            </p:cNvPicPr>
+            <p:nvPr/>
+          </p:nvPicPr>
+          <p:blipFill>
+            <a:blip r:embed="rId6"/>
+            <a:stretch>
+              <a:fillRect/>
+            </a:stretch>
+          </p:blipFill>
+          <p:spPr>
+            <a:xfrm>
+              <a:off x="6519451" y="34375433"/>
+              <a:ext cx="4031389" cy="3023542"/>
+            </a:xfrm>
+            <a:prstGeom prst="rect">
+              <a:avLst/>
+            </a:prstGeom>
+          </p:spPr>
+        </p:pic>
+        <p:pic>
+          <p:nvPicPr>
+            <p:cNvPr id="42" name="Picture 41" descr="A diagram of a diagram showing different colored circles&#10;&#10;AI-generated content may be incorrect.">
+              <a:extLst>
+                <a:ext uri="{FF2B5EF4-FFF2-40B4-BE49-F238E27FC236}">
+                  <a16:creationId xmlns:a16="http://schemas.microsoft.com/office/drawing/2014/main" id="{FA2227A7-0DAA-0D32-46FB-77738670B185}"/>
+                </a:ext>
+              </a:extLst>
+            </p:cNvPr>
+            <p:cNvPicPr>
+              <a:picLocks noChangeAspect="1"/>
+            </p:cNvPicPr>
+            <p:nvPr/>
+          </p:nvPicPr>
+          <p:blipFill>
+            <a:blip r:embed="rId7"/>
+            <a:stretch>
+              <a:fillRect/>
+            </a:stretch>
+          </p:blipFill>
+          <p:spPr>
+            <a:xfrm>
+              <a:off x="6505830" y="37398975"/>
+              <a:ext cx="4031389" cy="3023542"/>
+            </a:xfrm>
+            <a:prstGeom prst="rect">
+              <a:avLst/>
+            </a:prstGeom>
+          </p:spPr>
+        </p:pic>
+        <p:pic>
+          <p:nvPicPr>
+            <p:cNvPr id="44" name="Picture 43" descr="A diagram of a graph&#10;&#10;AI-generated content may be incorrect.">
+              <a:extLst>
+                <a:ext uri="{FF2B5EF4-FFF2-40B4-BE49-F238E27FC236}">
+                  <a16:creationId xmlns:a16="http://schemas.microsoft.com/office/drawing/2014/main" id="{FEE41F9F-BE20-7AB5-959E-A476BA047F36}"/>
+                </a:ext>
+              </a:extLst>
+            </p:cNvPr>
+            <p:cNvPicPr>
+              <a:picLocks noChangeAspect="1"/>
+            </p:cNvPicPr>
+            <p:nvPr/>
+          </p:nvPicPr>
+          <p:blipFill>
+            <a:blip r:embed="rId8"/>
+            <a:stretch>
+              <a:fillRect/>
+            </a:stretch>
+          </p:blipFill>
+          <p:spPr>
+            <a:xfrm>
+              <a:off x="10536265" y="34375433"/>
+              <a:ext cx="4031388" cy="3023541"/>
+            </a:xfrm>
+            <a:prstGeom prst="rect">
+              <a:avLst/>
+            </a:prstGeom>
+          </p:spPr>
+        </p:pic>
+        <p:pic>
+          <p:nvPicPr>
+            <p:cNvPr id="46" name="Picture 45" descr="A diagram of different colored circles&#10;&#10;AI-generated content may be incorrect.">
+              <a:extLst>
+                <a:ext uri="{FF2B5EF4-FFF2-40B4-BE49-F238E27FC236}">
+                  <a16:creationId xmlns:a16="http://schemas.microsoft.com/office/drawing/2014/main" id="{F0104383-A74A-05D7-2282-A517E7A36D4A}"/>
+                </a:ext>
+              </a:extLst>
+            </p:cNvPr>
+            <p:cNvPicPr>
+              <a:picLocks noChangeAspect="1"/>
+            </p:cNvPicPr>
+            <p:nvPr/>
+          </p:nvPicPr>
+          <p:blipFill>
+            <a:blip r:embed="rId9"/>
+            <a:stretch>
+              <a:fillRect/>
+            </a:stretch>
+          </p:blipFill>
+          <p:spPr>
+            <a:xfrm>
+              <a:off x="10550841" y="37398975"/>
+              <a:ext cx="4031389" cy="3023542"/>
+            </a:xfrm>
+            <a:prstGeom prst="rect">
+              <a:avLst/>
+            </a:prstGeom>
+          </p:spPr>
+        </p:pic>
+      </p:grpSp>
+      <p:grpSp>
+        <p:nvGrpSpPr>
+          <p:cNvPr id="65" name="Group 64">
+            <a:extLst>
+              <a:ext uri="{FF2B5EF4-FFF2-40B4-BE49-F238E27FC236}">
+                <a16:creationId xmlns:a16="http://schemas.microsoft.com/office/drawing/2014/main" id="{0F236289-05F0-3EA7-39B5-BDD9F4D24BF0}"/>
+              </a:ext>
+            </a:extLst>
+          </p:cNvPr>
+          <p:cNvGrpSpPr/>
+          <p:nvPr/>
+        </p:nvGrpSpPr>
+        <p:grpSpPr>
+          <a:xfrm>
+            <a:off x="22765649" y="21903179"/>
+            <a:ext cx="5224180" cy="3911696"/>
+            <a:chOff x="23281846" y="22558245"/>
+            <a:chExt cx="5224180" cy="3911696"/>
+          </a:xfrm>
+        </p:grpSpPr>
+        <p:pic>
+          <p:nvPicPr>
+            <p:cNvPr id="11" name="Picture 10" descr="A graph of a line graph&#10;&#10;AI-generated content may be incorrect.">
+              <a:extLst>
+                <a:ext uri="{FF2B5EF4-FFF2-40B4-BE49-F238E27FC236}">
+                  <a16:creationId xmlns:a16="http://schemas.microsoft.com/office/drawing/2014/main" id="{0EF38221-4080-BDA5-EF70-4206AD6979A5}"/>
+                </a:ext>
+              </a:extLst>
+            </p:cNvPr>
+            <p:cNvPicPr>
+              <a:picLocks noChangeAspect="1"/>
+            </p:cNvPicPr>
+            <p:nvPr/>
+          </p:nvPicPr>
+          <p:blipFill>
+            <a:blip r:embed="rId10"/>
+            <a:stretch>
+              <a:fillRect/>
+            </a:stretch>
+          </p:blipFill>
+          <p:spPr>
+            <a:xfrm>
+              <a:off x="23286139" y="22558245"/>
+              <a:ext cx="2607798" cy="1955848"/>
+            </a:xfrm>
+            <a:prstGeom prst="rect">
+              <a:avLst/>
+            </a:prstGeom>
+          </p:spPr>
+        </p:pic>
+        <p:pic>
+          <p:nvPicPr>
+            <p:cNvPr id="30" name="Picture 29" descr="A graph showing the number of patients with a number of patients&#10;&#10;AI-generated content may be incorrect.">
+              <a:extLst>
+                <a:ext uri="{FF2B5EF4-FFF2-40B4-BE49-F238E27FC236}">
+                  <a16:creationId xmlns:a16="http://schemas.microsoft.com/office/drawing/2014/main" id="{23B30E43-0FF2-A99E-FC26-68C9FA4D8513}"/>
+                </a:ext>
+              </a:extLst>
+            </p:cNvPr>
+            <p:cNvPicPr>
+              <a:picLocks noChangeAspect="1"/>
+            </p:cNvPicPr>
+            <p:nvPr/>
+          </p:nvPicPr>
+          <p:blipFill>
+            <a:blip r:embed="rId11"/>
+            <a:stretch>
+              <a:fillRect/>
+            </a:stretch>
+          </p:blipFill>
+          <p:spPr>
+            <a:xfrm>
+              <a:off x="25898230" y="24514093"/>
+              <a:ext cx="2607796" cy="1955847"/>
+            </a:xfrm>
+            <a:prstGeom prst="rect">
+              <a:avLst/>
+            </a:prstGeom>
+          </p:spPr>
+        </p:pic>
+        <p:pic>
+          <p:nvPicPr>
+            <p:cNvPr id="35" name="Picture 34" descr="A graph of a line graph&#10;&#10;AI-generated content may be incorrect.">
+              <a:extLst>
+                <a:ext uri="{FF2B5EF4-FFF2-40B4-BE49-F238E27FC236}">
+                  <a16:creationId xmlns:a16="http://schemas.microsoft.com/office/drawing/2014/main" id="{294E8050-2423-A424-7ADE-26D8A0DAB502}"/>
+                </a:ext>
+              </a:extLst>
+            </p:cNvPr>
+            <p:cNvPicPr>
+              <a:picLocks noChangeAspect="1"/>
+            </p:cNvPicPr>
+            <p:nvPr/>
+          </p:nvPicPr>
+          <p:blipFill>
+            <a:blip r:embed="rId12"/>
+            <a:stretch>
+              <a:fillRect/>
+            </a:stretch>
+          </p:blipFill>
+          <p:spPr>
+            <a:xfrm>
+              <a:off x="25893937" y="22558245"/>
+              <a:ext cx="2607796" cy="1955848"/>
+            </a:xfrm>
+            <a:prstGeom prst="rect">
+              <a:avLst/>
+            </a:prstGeom>
+          </p:spPr>
+        </p:pic>
+        <p:pic>
+          <p:nvPicPr>
+            <p:cNvPr id="48" name="Picture 47" descr="A graph of a graph showing the number of points&#10;&#10;AI-generated content may be incorrect.">
+              <a:extLst>
+                <a:ext uri="{FF2B5EF4-FFF2-40B4-BE49-F238E27FC236}">
+                  <a16:creationId xmlns:a16="http://schemas.microsoft.com/office/drawing/2014/main" id="{CE7C61D1-67D1-4045-05FB-AA389C79987F}"/>
+                </a:ext>
+              </a:extLst>
+            </p:cNvPr>
+            <p:cNvPicPr>
+              <a:picLocks noChangeAspect="1"/>
+            </p:cNvPicPr>
+            <p:nvPr/>
+          </p:nvPicPr>
+          <p:blipFill>
+            <a:blip r:embed="rId13"/>
+            <a:stretch>
+              <a:fillRect/>
+            </a:stretch>
+          </p:blipFill>
+          <p:spPr>
+            <a:xfrm>
+              <a:off x="23281846" y="24514093"/>
+              <a:ext cx="2607797" cy="1955848"/>
+            </a:xfrm>
+            <a:prstGeom prst="rect">
+              <a:avLst/>
+            </a:prstGeom>
+          </p:spPr>
+        </p:pic>
+      </p:grpSp>
+      <p:grpSp>
+        <p:nvGrpSpPr>
+          <p:cNvPr id="64" name="Group 63">
+            <a:extLst>
+              <a:ext uri="{FF2B5EF4-FFF2-40B4-BE49-F238E27FC236}">
+                <a16:creationId xmlns:a16="http://schemas.microsoft.com/office/drawing/2014/main" id="{23883C06-C2FC-03CF-C221-176DFF564504}"/>
+              </a:ext>
+            </a:extLst>
+          </p:cNvPr>
+          <p:cNvGrpSpPr/>
+          <p:nvPr/>
+        </p:nvGrpSpPr>
+        <p:grpSpPr>
+          <a:xfrm>
+            <a:off x="22761484" y="17051127"/>
+            <a:ext cx="5215594" cy="3915983"/>
+            <a:chOff x="23453302" y="18125964"/>
+            <a:chExt cx="5215594" cy="3915983"/>
+          </a:xfrm>
+        </p:grpSpPr>
+        <p:pic>
+          <p:nvPicPr>
+            <p:cNvPr id="53" name="Picture 52" descr="A diagram of a graph&#10;&#10;AI-generated content may be incorrect.">
+              <a:extLst>
+                <a:ext uri="{FF2B5EF4-FFF2-40B4-BE49-F238E27FC236}">
+                  <a16:creationId xmlns:a16="http://schemas.microsoft.com/office/drawing/2014/main" id="{E8A9F3C9-F89E-AEDD-BF97-116F98ABED8E}"/>
+                </a:ext>
+              </a:extLst>
+            </p:cNvPr>
+            <p:cNvPicPr>
+              <a:picLocks noChangeAspect="1"/>
+            </p:cNvPicPr>
+            <p:nvPr/>
+          </p:nvPicPr>
+          <p:blipFill>
+            <a:blip r:embed="rId14"/>
+            <a:stretch>
+              <a:fillRect/>
+            </a:stretch>
+          </p:blipFill>
+          <p:spPr>
+            <a:xfrm>
+              <a:off x="23453302" y="20086099"/>
+              <a:ext cx="2607796" cy="1955847"/>
+            </a:xfrm>
+            <a:prstGeom prst="rect">
+              <a:avLst/>
+            </a:prstGeom>
+          </p:spPr>
+        </p:pic>
+        <p:pic>
+          <p:nvPicPr>
+            <p:cNvPr id="61" name="Picture 60" descr="A graph of a curve&#10;&#10;AI-generated content may be incorrect.">
+              <a:extLst>
+                <a:ext uri="{FF2B5EF4-FFF2-40B4-BE49-F238E27FC236}">
+                  <a16:creationId xmlns:a16="http://schemas.microsoft.com/office/drawing/2014/main" id="{CA63A60E-3C40-0781-2F18-5EB6634F7853}"/>
+                </a:ext>
+              </a:extLst>
+            </p:cNvPr>
+            <p:cNvPicPr>
+              <a:picLocks noChangeAspect="1"/>
+            </p:cNvPicPr>
+            <p:nvPr/>
+          </p:nvPicPr>
+          <p:blipFill>
+            <a:blip r:embed="rId15"/>
+            <a:stretch>
+              <a:fillRect/>
+            </a:stretch>
+          </p:blipFill>
+          <p:spPr>
+            <a:xfrm>
+              <a:off x="26061098" y="18127084"/>
+              <a:ext cx="2607796" cy="1955847"/>
+            </a:xfrm>
+            <a:prstGeom prst="rect">
+              <a:avLst/>
+            </a:prstGeom>
+          </p:spPr>
+        </p:pic>
+        <p:pic>
+          <p:nvPicPr>
+            <p:cNvPr id="62" name="Picture 61" descr="A diagram of a graph showing a number of dots&#10;&#10;AI-generated content may be incorrect.">
+              <a:extLst>
+                <a:ext uri="{FF2B5EF4-FFF2-40B4-BE49-F238E27FC236}">
+                  <a16:creationId xmlns:a16="http://schemas.microsoft.com/office/drawing/2014/main" id="{E00E9F95-1741-7307-9852-95BEAAAAC971}"/>
+                </a:ext>
+              </a:extLst>
+            </p:cNvPr>
+            <p:cNvPicPr>
+              <a:picLocks noChangeAspect="1"/>
+            </p:cNvPicPr>
+            <p:nvPr/>
+          </p:nvPicPr>
+          <p:blipFill>
+            <a:blip r:embed="rId16"/>
+            <a:stretch>
+              <a:fillRect/>
+            </a:stretch>
+          </p:blipFill>
+          <p:spPr>
+            <a:xfrm>
+              <a:off x="26061098" y="20086099"/>
+              <a:ext cx="2607798" cy="1955848"/>
+            </a:xfrm>
+            <a:prstGeom prst="rect">
+              <a:avLst/>
+            </a:prstGeom>
+          </p:spPr>
+        </p:pic>
+        <p:pic>
+          <p:nvPicPr>
+            <p:cNvPr id="63" name="Picture 62" descr="A diagram of a graph&#10;&#10;AI-generated content may be incorrect.">
+              <a:extLst>
+                <a:ext uri="{FF2B5EF4-FFF2-40B4-BE49-F238E27FC236}">
+                  <a16:creationId xmlns:a16="http://schemas.microsoft.com/office/drawing/2014/main" id="{E4EEFB2C-3942-6776-2B13-787C0C18A90A}"/>
+                </a:ext>
+              </a:extLst>
+            </p:cNvPr>
+            <p:cNvPicPr>
+              <a:picLocks noChangeAspect="1"/>
+            </p:cNvPicPr>
+            <p:nvPr/>
+          </p:nvPicPr>
+          <p:blipFill>
+            <a:blip r:embed="rId17"/>
+            <a:stretch>
+              <a:fillRect/>
+            </a:stretch>
+          </p:blipFill>
+          <p:spPr>
+            <a:xfrm>
+              <a:off x="23453302" y="18125964"/>
+              <a:ext cx="2607796" cy="1955848"/>
+            </a:xfrm>
+            <a:prstGeom prst="rect">
+              <a:avLst/>
+            </a:prstGeom>
+          </p:spPr>
+        </p:pic>
+      </p:grpSp>
     </p:spTree>
     <p:extLst>
       <p:ext uri="{BB962C8B-B14F-4D97-AF65-F5344CB8AC3E}">

--- a/Poster.pptx
+++ b/Poster.pptx
@@ -4,6 +4,9 @@
   <p:sldMasterIdLst>
     <p:sldMasterId id="2147483660" r:id="rId1"/>
   </p:sldMasterIdLst>
+  <p:notesMasterIdLst>
+    <p:notesMasterId r:id="rId3"/>
+  </p:notesMasterIdLst>
   <p:sldIdLst>
     <p:sldId id="256" r:id="rId2"/>
   </p:sldIdLst>
@@ -121,6 +124,440 @@
     </p:ext>
   </p:extLst>
 </p:presentation>
+</file>
+
+<file path=ppt/notesMasters/notesMaster1.xml><?xml version="1.0" encoding="utf-8"?>
+<p:notesMaster xmlns:a="http://schemas.openxmlformats.org/drawingml/2006/main" xmlns:r="http://schemas.openxmlformats.org/officeDocument/2006/relationships" xmlns:p="http://schemas.openxmlformats.org/presentationml/2006/main">
+  <p:cSld>
+    <p:bg>
+      <p:bgRef idx="1001">
+        <a:schemeClr val="bg1"/>
+      </p:bgRef>
+    </p:bg>
+    <p:spTree>
+      <p:nvGrpSpPr>
+        <p:cNvPr id="1" name=""/>
+        <p:cNvGrpSpPr/>
+        <p:nvPr/>
+      </p:nvGrpSpPr>
+      <p:grpSpPr>
+        <a:xfrm>
+          <a:off x="0" y="0"/>
+          <a:ext cx="0" cy="0"/>
+          <a:chOff x="0" y="0"/>
+          <a:chExt cx="0" cy="0"/>
+        </a:xfrm>
+      </p:grpSpPr>
+      <p:sp>
+        <p:nvSpPr>
+          <p:cNvPr id="2" name="Header Placeholder 1"/>
+          <p:cNvSpPr>
+            <a:spLocks noGrp="1"/>
+          </p:cNvSpPr>
+          <p:nvPr>
+            <p:ph type="hdr" sz="quarter"/>
+          </p:nvPr>
+        </p:nvSpPr>
+        <p:spPr>
+          <a:xfrm>
+            <a:off x="0" y="0"/>
+            <a:ext cx="2971800" cy="458788"/>
+          </a:xfrm>
+          <a:prstGeom prst="rect">
+            <a:avLst/>
+          </a:prstGeom>
+        </p:spPr>
+        <p:txBody>
+          <a:bodyPr vert="horz" lIns="91440" tIns="45720" rIns="91440" bIns="45720" rtlCol="0"/>
+          <a:lstStyle>
+            <a:lvl1pPr algn="l">
+              <a:defRPr sz="1200"/>
+            </a:lvl1pPr>
+          </a:lstStyle>
+          <a:p>
+            <a:endParaRPr lang="de-DE"/>
+          </a:p>
+        </p:txBody>
+      </p:sp>
+      <p:sp>
+        <p:nvSpPr>
+          <p:cNvPr id="3" name="Date Placeholder 2"/>
+          <p:cNvSpPr>
+            <a:spLocks noGrp="1"/>
+          </p:cNvSpPr>
+          <p:nvPr>
+            <p:ph type="dt" idx="1"/>
+          </p:nvPr>
+        </p:nvSpPr>
+        <p:spPr>
+          <a:xfrm>
+            <a:off x="3884613" y="0"/>
+            <a:ext cx="2971800" cy="458788"/>
+          </a:xfrm>
+          <a:prstGeom prst="rect">
+            <a:avLst/>
+          </a:prstGeom>
+        </p:spPr>
+        <p:txBody>
+          <a:bodyPr vert="horz" lIns="91440" tIns="45720" rIns="91440" bIns="45720" rtlCol="0"/>
+          <a:lstStyle>
+            <a:lvl1pPr algn="r">
+              <a:defRPr sz="1200"/>
+            </a:lvl1pPr>
+          </a:lstStyle>
+          <a:p>
+            <a:fld id="{BE36CDCD-2F24-4FC6-8D89-D255EE55885D}" type="datetimeFigureOut">
+              <a:rPr lang="de-DE" smtClean="0"/>
+              <a:t>03.07.2025</a:t>
+            </a:fld>
+            <a:endParaRPr lang="de-DE"/>
+          </a:p>
+        </p:txBody>
+      </p:sp>
+      <p:sp>
+        <p:nvSpPr>
+          <p:cNvPr id="4" name="Slide Image Placeholder 3"/>
+          <p:cNvSpPr>
+            <a:spLocks noGrp="1" noRot="1" noChangeAspect="1"/>
+          </p:cNvSpPr>
+          <p:nvPr>
+            <p:ph type="sldImg" idx="2"/>
+          </p:nvPr>
+        </p:nvSpPr>
+        <p:spPr>
+          <a:xfrm>
+            <a:off x="2338388" y="1143000"/>
+            <a:ext cx="2181225" cy="3086100"/>
+          </a:xfrm>
+          <a:prstGeom prst="rect">
+            <a:avLst/>
+          </a:prstGeom>
+          <a:noFill/>
+          <a:ln w="12700">
+            <a:solidFill>
+              <a:prstClr val="black"/>
+            </a:solidFill>
+          </a:ln>
+        </p:spPr>
+        <p:txBody>
+          <a:bodyPr vert="horz" lIns="91440" tIns="45720" rIns="91440" bIns="45720" rtlCol="0" anchor="ctr"/>
+          <a:lstStyle/>
+          <a:p>
+            <a:endParaRPr lang="de-DE"/>
+          </a:p>
+        </p:txBody>
+      </p:sp>
+      <p:sp>
+        <p:nvSpPr>
+          <p:cNvPr id="5" name="Notes Placeholder 4"/>
+          <p:cNvSpPr>
+            <a:spLocks noGrp="1"/>
+          </p:cNvSpPr>
+          <p:nvPr>
+            <p:ph type="body" sz="quarter" idx="3"/>
+          </p:nvPr>
+        </p:nvSpPr>
+        <p:spPr>
+          <a:xfrm>
+            <a:off x="685800" y="4400550"/>
+            <a:ext cx="5486400" cy="3600450"/>
+          </a:xfrm>
+          <a:prstGeom prst="rect">
+            <a:avLst/>
+          </a:prstGeom>
+        </p:spPr>
+        <p:txBody>
+          <a:bodyPr vert="horz" lIns="91440" tIns="45720" rIns="91440" bIns="45720" rtlCol="0"/>
+          <a:lstStyle/>
+          <a:p>
+            <a:pPr lvl="0"/>
+            <a:r>
+              <a:rPr lang="en-GB"/>
+              <a:t>Click to edit Master text styles</a:t>
+            </a:r>
+          </a:p>
+          <a:p>
+            <a:pPr lvl="1"/>
+            <a:r>
+              <a:rPr lang="en-GB"/>
+              <a:t>Second level</a:t>
+            </a:r>
+          </a:p>
+          <a:p>
+            <a:pPr lvl="2"/>
+            <a:r>
+              <a:rPr lang="en-GB"/>
+              <a:t>Third level</a:t>
+            </a:r>
+          </a:p>
+          <a:p>
+            <a:pPr lvl="3"/>
+            <a:r>
+              <a:rPr lang="en-GB"/>
+              <a:t>Fourth level</a:t>
+            </a:r>
+          </a:p>
+          <a:p>
+            <a:pPr lvl="4"/>
+            <a:r>
+              <a:rPr lang="en-GB"/>
+              <a:t>Fifth level</a:t>
+            </a:r>
+            <a:endParaRPr lang="de-DE"/>
+          </a:p>
+        </p:txBody>
+      </p:sp>
+      <p:sp>
+        <p:nvSpPr>
+          <p:cNvPr id="6" name="Footer Placeholder 5"/>
+          <p:cNvSpPr>
+            <a:spLocks noGrp="1"/>
+          </p:cNvSpPr>
+          <p:nvPr>
+            <p:ph type="ftr" sz="quarter" idx="4"/>
+          </p:nvPr>
+        </p:nvSpPr>
+        <p:spPr>
+          <a:xfrm>
+            <a:off x="0" y="8685213"/>
+            <a:ext cx="2971800" cy="458787"/>
+          </a:xfrm>
+          <a:prstGeom prst="rect">
+            <a:avLst/>
+          </a:prstGeom>
+        </p:spPr>
+        <p:txBody>
+          <a:bodyPr vert="horz" lIns="91440" tIns="45720" rIns="91440" bIns="45720" rtlCol="0" anchor="b"/>
+          <a:lstStyle>
+            <a:lvl1pPr algn="l">
+              <a:defRPr sz="1200"/>
+            </a:lvl1pPr>
+          </a:lstStyle>
+          <a:p>
+            <a:endParaRPr lang="de-DE"/>
+          </a:p>
+        </p:txBody>
+      </p:sp>
+      <p:sp>
+        <p:nvSpPr>
+          <p:cNvPr id="7" name="Slide Number Placeholder 6"/>
+          <p:cNvSpPr>
+            <a:spLocks noGrp="1"/>
+          </p:cNvSpPr>
+          <p:nvPr>
+            <p:ph type="sldNum" sz="quarter" idx="5"/>
+          </p:nvPr>
+        </p:nvSpPr>
+        <p:spPr>
+          <a:xfrm>
+            <a:off x="3884613" y="8685213"/>
+            <a:ext cx="2971800" cy="458787"/>
+          </a:xfrm>
+          <a:prstGeom prst="rect">
+            <a:avLst/>
+          </a:prstGeom>
+        </p:spPr>
+        <p:txBody>
+          <a:bodyPr vert="horz" lIns="91440" tIns="45720" rIns="91440" bIns="45720" rtlCol="0" anchor="b"/>
+          <a:lstStyle>
+            <a:lvl1pPr algn="r">
+              <a:defRPr sz="1200"/>
+            </a:lvl1pPr>
+          </a:lstStyle>
+          <a:p>
+            <a:fld id="{C3DFFD0B-8A86-49B4-B585-C3C192A21CEB}" type="slidenum">
+              <a:rPr lang="de-DE" smtClean="0"/>
+              <a:t>‹#›</a:t>
+            </a:fld>
+            <a:endParaRPr lang="de-DE"/>
+          </a:p>
+        </p:txBody>
+      </p:sp>
+    </p:spTree>
+    <p:extLst>
+      <p:ext uri="{BB962C8B-B14F-4D97-AF65-F5344CB8AC3E}">
+        <p14:creationId xmlns:p14="http://schemas.microsoft.com/office/powerpoint/2010/main" val="282680330"/>
+      </p:ext>
+    </p:extLst>
+  </p:cSld>
+  <p:clrMap bg1="lt1" tx1="dk1" bg2="lt2" tx2="dk2" accent1="accent1" accent2="accent2" accent3="accent3" accent4="accent4" accent5="accent5" accent6="accent6" hlink="hlink" folHlink="folHlink"/>
+  <p:notesStyle>
+    <a:lvl1pPr marL="0" algn="l" defTabSz="914400" rtl="0" eaLnBrk="1" latinLnBrk="0" hangingPunct="1">
+      <a:defRPr sz="1200" kern="1200">
+        <a:solidFill>
+          <a:schemeClr val="tx1"/>
+        </a:solidFill>
+        <a:latin typeface="+mn-lt"/>
+        <a:ea typeface="+mn-ea"/>
+        <a:cs typeface="+mn-cs"/>
+      </a:defRPr>
+    </a:lvl1pPr>
+    <a:lvl2pPr marL="457200" algn="l" defTabSz="914400" rtl="0" eaLnBrk="1" latinLnBrk="0" hangingPunct="1">
+      <a:defRPr sz="1200" kern="1200">
+        <a:solidFill>
+          <a:schemeClr val="tx1"/>
+        </a:solidFill>
+        <a:latin typeface="+mn-lt"/>
+        <a:ea typeface="+mn-ea"/>
+        <a:cs typeface="+mn-cs"/>
+      </a:defRPr>
+    </a:lvl2pPr>
+    <a:lvl3pPr marL="914400" algn="l" defTabSz="914400" rtl="0" eaLnBrk="1" latinLnBrk="0" hangingPunct="1">
+      <a:defRPr sz="1200" kern="1200">
+        <a:solidFill>
+          <a:schemeClr val="tx1"/>
+        </a:solidFill>
+        <a:latin typeface="+mn-lt"/>
+        <a:ea typeface="+mn-ea"/>
+        <a:cs typeface="+mn-cs"/>
+      </a:defRPr>
+    </a:lvl3pPr>
+    <a:lvl4pPr marL="1371600" algn="l" defTabSz="914400" rtl="0" eaLnBrk="1" latinLnBrk="0" hangingPunct="1">
+      <a:defRPr sz="1200" kern="1200">
+        <a:solidFill>
+          <a:schemeClr val="tx1"/>
+        </a:solidFill>
+        <a:latin typeface="+mn-lt"/>
+        <a:ea typeface="+mn-ea"/>
+        <a:cs typeface="+mn-cs"/>
+      </a:defRPr>
+    </a:lvl4pPr>
+    <a:lvl5pPr marL="1828800" algn="l" defTabSz="914400" rtl="0" eaLnBrk="1" latinLnBrk="0" hangingPunct="1">
+      <a:defRPr sz="1200" kern="1200">
+        <a:solidFill>
+          <a:schemeClr val="tx1"/>
+        </a:solidFill>
+        <a:latin typeface="+mn-lt"/>
+        <a:ea typeface="+mn-ea"/>
+        <a:cs typeface="+mn-cs"/>
+      </a:defRPr>
+    </a:lvl5pPr>
+    <a:lvl6pPr marL="2286000" algn="l" defTabSz="914400" rtl="0" eaLnBrk="1" latinLnBrk="0" hangingPunct="1">
+      <a:defRPr sz="1200" kern="1200">
+        <a:solidFill>
+          <a:schemeClr val="tx1"/>
+        </a:solidFill>
+        <a:latin typeface="+mn-lt"/>
+        <a:ea typeface="+mn-ea"/>
+        <a:cs typeface="+mn-cs"/>
+      </a:defRPr>
+    </a:lvl6pPr>
+    <a:lvl7pPr marL="2743200" algn="l" defTabSz="914400" rtl="0" eaLnBrk="1" latinLnBrk="0" hangingPunct="1">
+      <a:defRPr sz="1200" kern="1200">
+        <a:solidFill>
+          <a:schemeClr val="tx1"/>
+        </a:solidFill>
+        <a:latin typeface="+mn-lt"/>
+        <a:ea typeface="+mn-ea"/>
+        <a:cs typeface="+mn-cs"/>
+      </a:defRPr>
+    </a:lvl7pPr>
+    <a:lvl8pPr marL="3200400" algn="l" defTabSz="914400" rtl="0" eaLnBrk="1" latinLnBrk="0" hangingPunct="1">
+      <a:defRPr sz="1200" kern="1200">
+        <a:solidFill>
+          <a:schemeClr val="tx1"/>
+        </a:solidFill>
+        <a:latin typeface="+mn-lt"/>
+        <a:ea typeface="+mn-ea"/>
+        <a:cs typeface="+mn-cs"/>
+      </a:defRPr>
+    </a:lvl8pPr>
+    <a:lvl9pPr marL="3657600" algn="l" defTabSz="914400" rtl="0" eaLnBrk="1" latinLnBrk="0" hangingPunct="1">
+      <a:defRPr sz="1200" kern="1200">
+        <a:solidFill>
+          <a:schemeClr val="tx1"/>
+        </a:solidFill>
+        <a:latin typeface="+mn-lt"/>
+        <a:ea typeface="+mn-ea"/>
+        <a:cs typeface="+mn-cs"/>
+      </a:defRPr>
+    </a:lvl9pPr>
+  </p:notesStyle>
+</p:notesMaster>
+</file>
+
+<file path=ppt/notesSlides/notesSlide1.xml><?xml version="1.0" encoding="utf-8"?>
+<p:notes xmlns:a="http://schemas.openxmlformats.org/drawingml/2006/main" xmlns:r="http://schemas.openxmlformats.org/officeDocument/2006/relationships" xmlns:p="http://schemas.openxmlformats.org/presentationml/2006/main">
+  <p:cSld>
+    <p:spTree>
+      <p:nvGrpSpPr>
+        <p:cNvPr id="1" name=""/>
+        <p:cNvGrpSpPr/>
+        <p:nvPr/>
+      </p:nvGrpSpPr>
+      <p:grpSpPr>
+        <a:xfrm>
+          <a:off x="0" y="0"/>
+          <a:ext cx="0" cy="0"/>
+          <a:chOff x="0" y="0"/>
+          <a:chExt cx="0" cy="0"/>
+        </a:xfrm>
+      </p:grpSpPr>
+      <p:sp>
+        <p:nvSpPr>
+          <p:cNvPr id="2" name="Slide Image Placeholder 1"/>
+          <p:cNvSpPr>
+            <a:spLocks noGrp="1" noRot="1" noChangeAspect="1"/>
+          </p:cNvSpPr>
+          <p:nvPr>
+            <p:ph type="sldImg"/>
+          </p:nvPr>
+        </p:nvSpPr>
+        <p:spPr/>
+      </p:sp>
+      <p:sp>
+        <p:nvSpPr>
+          <p:cNvPr id="3" name="Notes Placeholder 2"/>
+          <p:cNvSpPr>
+            <a:spLocks noGrp="1"/>
+          </p:cNvSpPr>
+          <p:nvPr>
+            <p:ph type="body" idx="1"/>
+          </p:nvPr>
+        </p:nvSpPr>
+        <p:spPr/>
+        <p:txBody>
+          <a:bodyPr/>
+          <a:lstStyle/>
+          <a:p>
+            <a:endParaRPr lang="de-DE" dirty="0"/>
+          </a:p>
+        </p:txBody>
+      </p:sp>
+      <p:sp>
+        <p:nvSpPr>
+          <p:cNvPr id="4" name="Slide Number Placeholder 3"/>
+          <p:cNvSpPr>
+            <a:spLocks noGrp="1"/>
+          </p:cNvSpPr>
+          <p:nvPr>
+            <p:ph type="sldNum" sz="quarter" idx="5"/>
+          </p:nvPr>
+        </p:nvSpPr>
+        <p:spPr/>
+        <p:txBody>
+          <a:bodyPr/>
+          <a:lstStyle/>
+          <a:p>
+            <a:fld id="{C3DFFD0B-8A86-49B4-B585-C3C192A21CEB}" type="slidenum">
+              <a:rPr lang="de-DE" smtClean="0"/>
+              <a:t>1</a:t>
+            </a:fld>
+            <a:endParaRPr lang="de-DE"/>
+          </a:p>
+        </p:txBody>
+      </p:sp>
+    </p:spTree>
+    <p:extLst>
+      <p:ext uri="{BB962C8B-B14F-4D97-AF65-F5344CB8AC3E}">
+        <p14:creationId xmlns:p14="http://schemas.microsoft.com/office/powerpoint/2010/main" val="1005169001"/>
+      </p:ext>
+    </p:extLst>
+  </p:cSld>
+  <p:clrMapOvr>
+    <a:masterClrMapping/>
+  </p:clrMapOvr>
+</p:notes>
 </file>
 
 <file path=ppt/slideLayouts/slideLayout1.xml><?xml version="1.0" encoding="utf-8"?>
@@ -3052,7 +3489,7 @@
           <p:nvPr/>
         </p:nvPicPr>
         <p:blipFill>
-          <a:blip r:embed="rId2"/>
+          <a:blip r:embed="rId3"/>
           <a:stretch>
             <a:fillRect/>
           </a:stretch>
@@ -5239,7 +5676,7 @@
           <p:nvPr/>
         </p:nvPicPr>
         <p:blipFill>
-          <a:blip r:embed="rId3"/>
+          <a:blip r:embed="rId4"/>
           <a:stretch>
             <a:fillRect/>
           </a:stretch>
@@ -5309,66 +5746,87 @@
           </a:p>
         </p:txBody>
       </p:sp>
-      <p:pic>
-        <p:nvPicPr>
-          <p:cNvPr id="3" name="Picture 2" descr="A graph showing a line graph&#10;&#10;AI-generated content may be incorrect.">
+      <p:grpSp>
+        <p:nvGrpSpPr>
+          <p:cNvPr id="2" name="Group 1">
             <a:extLst>
               <a:ext uri="{FF2B5EF4-FFF2-40B4-BE49-F238E27FC236}">
-                <a16:creationId xmlns:a16="http://schemas.microsoft.com/office/drawing/2014/main" id="{227421C5-ADD9-773E-1D2E-32E0BB7F159E}"/>
+                <a16:creationId xmlns:a16="http://schemas.microsoft.com/office/drawing/2014/main" id="{3DB15D53-565C-F424-CF3C-F4BDF7B46709}"/>
               </a:ext>
             </a:extLst>
           </p:cNvPr>
-          <p:cNvPicPr>
-            <a:picLocks noChangeAspect="1"/>
-          </p:cNvPicPr>
+          <p:cNvGrpSpPr/>
           <p:nvPr/>
-        </p:nvPicPr>
-        <p:blipFill>
-          <a:blip r:embed="rId4"/>
-          <a:stretch>
-            <a:fillRect/>
-          </a:stretch>
-        </p:blipFill>
-        <p:spPr>
+        </p:nvGrpSpPr>
+        <p:grpSpPr>
           <a:xfrm>
-            <a:off x="24585746" y="7335452"/>
-            <a:ext cx="3667266" cy="2750449"/>
+            <a:off x="18088459" y="8783552"/>
+            <a:ext cx="10896006" cy="4108381"/>
+            <a:chOff x="18442634" y="8936099"/>
+            <a:chExt cx="10896006" cy="4108381"/>
           </a:xfrm>
-          <a:prstGeom prst="rect">
-            <a:avLst/>
-          </a:prstGeom>
-        </p:spPr>
-      </p:pic>
-      <p:pic>
-        <p:nvPicPr>
-          <p:cNvPr id="5" name="Picture 4" descr="A graph of a line graph&#10;&#10;AI-generated content may be incorrect.">
-            <a:extLst>
-              <a:ext uri="{FF2B5EF4-FFF2-40B4-BE49-F238E27FC236}">
-                <a16:creationId xmlns:a16="http://schemas.microsoft.com/office/drawing/2014/main" id="{855918B6-0FA3-74E6-8252-7F49D163EA24}"/>
-              </a:ext>
-            </a:extLst>
-          </p:cNvPr>
-          <p:cNvPicPr>
-            <a:picLocks noChangeAspect="1"/>
-          </p:cNvPicPr>
-          <p:nvPr/>
-        </p:nvPicPr>
-        <p:blipFill>
-          <a:blip r:embed="rId5"/>
-          <a:stretch>
-            <a:fillRect/>
-          </a:stretch>
-        </p:blipFill>
-        <p:spPr>
-          <a:xfrm>
-            <a:off x="24534397" y="10124582"/>
-            <a:ext cx="3967336" cy="2975502"/>
-          </a:xfrm>
-          <a:prstGeom prst="rect">
-            <a:avLst/>
-          </a:prstGeom>
-        </p:spPr>
-      </p:pic>
+        </p:grpSpPr>
+        <p:pic>
+          <p:nvPicPr>
+            <p:cNvPr id="3" name="Picture 2" descr="A graph showing a line graph&#10;&#10;AI-generated content may be incorrect.">
+              <a:extLst>
+                <a:ext uri="{FF2B5EF4-FFF2-40B4-BE49-F238E27FC236}">
+                  <a16:creationId xmlns:a16="http://schemas.microsoft.com/office/drawing/2014/main" id="{227421C5-ADD9-773E-1D2E-32E0BB7F159E}"/>
+                </a:ext>
+              </a:extLst>
+            </p:cNvPr>
+            <p:cNvPicPr>
+              <a:picLocks noChangeAspect="1"/>
+            </p:cNvPicPr>
+            <p:nvPr/>
+          </p:nvPicPr>
+          <p:blipFill>
+            <a:blip r:embed="rId5"/>
+            <a:stretch>
+              <a:fillRect/>
+            </a:stretch>
+          </p:blipFill>
+          <p:spPr>
+            <a:xfrm>
+              <a:off x="18442634" y="8936099"/>
+              <a:ext cx="5475046" cy="4106284"/>
+            </a:xfrm>
+            <a:prstGeom prst="rect">
+              <a:avLst/>
+            </a:prstGeom>
+          </p:spPr>
+        </p:pic>
+        <p:pic>
+          <p:nvPicPr>
+            <p:cNvPr id="5" name="Picture 4" descr="A graph of a line graph&#10;&#10;AI-generated content may be incorrect.">
+              <a:extLst>
+                <a:ext uri="{FF2B5EF4-FFF2-40B4-BE49-F238E27FC236}">
+                  <a16:creationId xmlns:a16="http://schemas.microsoft.com/office/drawing/2014/main" id="{855918B6-0FA3-74E6-8252-7F49D163EA24}"/>
+                </a:ext>
+              </a:extLst>
+            </p:cNvPr>
+            <p:cNvPicPr>
+              <a:picLocks noChangeAspect="1"/>
+            </p:cNvPicPr>
+            <p:nvPr/>
+          </p:nvPicPr>
+          <p:blipFill>
+            <a:blip r:embed="rId6"/>
+            <a:stretch>
+              <a:fillRect/>
+            </a:stretch>
+          </p:blipFill>
+          <p:spPr>
+            <a:xfrm>
+              <a:off x="23863594" y="8938195"/>
+              <a:ext cx="5475046" cy="4106285"/>
+            </a:xfrm>
+            <a:prstGeom prst="rect">
+              <a:avLst/>
+            </a:prstGeom>
+          </p:spPr>
+        </p:pic>
+      </p:grpSp>
       <p:grpSp>
         <p:nvGrpSpPr>
           <p:cNvPr id="51" name="Group 50">
@@ -5383,8 +5841,8 @@
         </p:nvGrpSpPr>
         <p:grpSpPr>
           <a:xfrm>
-            <a:off x="4720225" y="33918233"/>
-            <a:ext cx="8076400" cy="6047084"/>
+            <a:off x="6585894" y="31028443"/>
+            <a:ext cx="8681825" cy="6657173"/>
             <a:chOff x="6505830" y="34375433"/>
             <a:chExt cx="8076400" cy="6047084"/>
           </a:xfrm>
@@ -5404,7 +5862,7 @@
             <p:nvPr/>
           </p:nvPicPr>
           <p:blipFill>
-            <a:blip r:embed="rId6"/>
+            <a:blip r:embed="rId7"/>
             <a:stretch>
               <a:fillRect/>
             </a:stretch>
@@ -5434,7 +5892,7 @@
             <p:nvPr/>
           </p:nvPicPr>
           <p:blipFill>
-            <a:blip r:embed="rId7"/>
+            <a:blip r:embed="rId8"/>
             <a:stretch>
               <a:fillRect/>
             </a:stretch>
@@ -5464,7 +5922,7 @@
             <p:nvPr/>
           </p:nvPicPr>
           <p:blipFill>
-            <a:blip r:embed="rId8"/>
+            <a:blip r:embed="rId9"/>
             <a:stretch>
               <a:fillRect/>
             </a:stretch>
@@ -5494,7 +5952,7 @@
             <p:nvPr/>
           </p:nvPicPr>
           <p:blipFill>
-            <a:blip r:embed="rId9"/>
+            <a:blip r:embed="rId10"/>
             <a:stretch>
               <a:fillRect/>
             </a:stretch>
@@ -5524,8 +5982,8 @@
         </p:nvGrpSpPr>
         <p:grpSpPr>
           <a:xfrm>
-            <a:off x="22765649" y="21903179"/>
-            <a:ext cx="5224180" cy="3911696"/>
+            <a:off x="16647870" y="21398510"/>
+            <a:ext cx="7442926" cy="5435653"/>
             <a:chOff x="23281846" y="22558245"/>
             <a:chExt cx="5224180" cy="3911696"/>
           </a:xfrm>
@@ -5545,7 +6003,7 @@
             <p:nvPr/>
           </p:nvPicPr>
           <p:blipFill>
-            <a:blip r:embed="rId10"/>
+            <a:blip r:embed="rId11"/>
             <a:stretch>
               <a:fillRect/>
             </a:stretch>
@@ -5575,7 +6033,7 @@
             <p:nvPr/>
           </p:nvPicPr>
           <p:blipFill>
-            <a:blip r:embed="rId11"/>
+            <a:blip r:embed="rId12"/>
             <a:stretch>
               <a:fillRect/>
             </a:stretch>
@@ -5605,7 +6063,7 @@
             <p:nvPr/>
           </p:nvPicPr>
           <p:blipFill>
-            <a:blip r:embed="rId12"/>
+            <a:blip r:embed="rId13"/>
             <a:stretch>
               <a:fillRect/>
             </a:stretch>
@@ -5635,7 +6093,7 @@
             <p:nvPr/>
           </p:nvPicPr>
           <p:blipFill>
-            <a:blip r:embed="rId13"/>
+            <a:blip r:embed="rId14"/>
             <a:stretch>
               <a:fillRect/>
             </a:stretch>
@@ -5665,8 +6123,8 @@
         </p:nvGrpSpPr>
         <p:grpSpPr>
           <a:xfrm>
-            <a:off x="22761484" y="17051127"/>
-            <a:ext cx="5215594" cy="3915983"/>
+            <a:off x="16647870" y="15507481"/>
+            <a:ext cx="8356224" cy="5718751"/>
             <a:chOff x="23453302" y="18125964"/>
             <a:chExt cx="5215594" cy="3915983"/>
           </a:xfrm>
@@ -5686,7 +6144,7 @@
             <p:nvPr/>
           </p:nvPicPr>
           <p:blipFill>
-            <a:blip r:embed="rId14"/>
+            <a:blip r:embed="rId15"/>
             <a:stretch>
               <a:fillRect/>
             </a:stretch>
@@ -5716,7 +6174,7 @@
             <p:nvPr/>
           </p:nvPicPr>
           <p:blipFill>
-            <a:blip r:embed="rId15"/>
+            <a:blip r:embed="rId16"/>
             <a:stretch>
               <a:fillRect/>
             </a:stretch>
@@ -5746,7 +6204,7 @@
             <p:nvPr/>
           </p:nvPicPr>
           <p:blipFill>
-            <a:blip r:embed="rId16"/>
+            <a:blip r:embed="rId17"/>
             <a:stretch>
               <a:fillRect/>
             </a:stretch>
@@ -5776,7 +6234,7 @@
             <p:nvPr/>
           </p:nvPicPr>
           <p:blipFill>
-            <a:blip r:embed="rId17"/>
+            <a:blip r:embed="rId18"/>
             <a:stretch>
               <a:fillRect/>
             </a:stretch>
@@ -6064,4 +6522,319 @@
     </a:ext>
   </a:extLst>
 </a:theme>
+</file>
+
+<file path=ppt/theme/theme2.xml><?xml version="1.0" encoding="utf-8"?>
+<a:theme xmlns:a="http://schemas.openxmlformats.org/drawingml/2006/main" name="Office Theme">
+  <a:themeElements>
+    <a:clrScheme name="Office">
+      <a:dk1>
+        <a:sysClr val="windowText" lastClr="000000"/>
+      </a:dk1>
+      <a:lt1>
+        <a:sysClr val="window" lastClr="FFFFFF"/>
+      </a:lt1>
+      <a:dk2>
+        <a:srgbClr val="0E2841"/>
+      </a:dk2>
+      <a:lt2>
+        <a:srgbClr val="E8E8E8"/>
+      </a:lt2>
+      <a:accent1>
+        <a:srgbClr val="156082"/>
+      </a:accent1>
+      <a:accent2>
+        <a:srgbClr val="E97132"/>
+      </a:accent2>
+      <a:accent3>
+        <a:srgbClr val="196B24"/>
+      </a:accent3>
+      <a:accent4>
+        <a:srgbClr val="0F9ED5"/>
+      </a:accent4>
+      <a:accent5>
+        <a:srgbClr val="A02B93"/>
+      </a:accent5>
+      <a:accent6>
+        <a:srgbClr val="4EA72E"/>
+      </a:accent6>
+      <a:hlink>
+        <a:srgbClr val="467886"/>
+      </a:hlink>
+      <a:folHlink>
+        <a:srgbClr val="96607D"/>
+      </a:folHlink>
+    </a:clrScheme>
+    <a:fontScheme name="Office">
+      <a:majorFont>
+        <a:latin typeface="Aptos Display" panose="02110004020202020204"/>
+        <a:ea typeface=""/>
+        <a:cs typeface=""/>
+        <a:font script="Jpan" typeface="游ゴシック Light"/>
+        <a:font script="Hang" typeface="맑은 고딕"/>
+        <a:font script="Hans" typeface="等线 Light"/>
+        <a:font script="Hant" typeface="新細明體"/>
+        <a:font script="Arab" typeface="Times New Roman"/>
+        <a:font script="Hebr" typeface="Times New Roman"/>
+        <a:font script="Thai" typeface="Angsana New"/>
+        <a:font script="Ethi" typeface="Nyala"/>
+        <a:font script="Beng" typeface="Vrinda"/>
+        <a:font script="Gujr" typeface="Shruti"/>
+        <a:font script="Khmr" typeface="MoolBoran"/>
+        <a:font script="Knda" typeface="Tunga"/>
+        <a:font script="Guru" typeface="Raavi"/>
+        <a:font script="Cans" typeface="Euphemia"/>
+        <a:font script="Cher" typeface="Plantagenet Cherokee"/>
+        <a:font script="Yiii" typeface="Microsoft Yi Baiti"/>
+        <a:font script="Tibt" typeface="Microsoft Himalaya"/>
+        <a:font script="Thaa" typeface="MV Boli"/>
+        <a:font script="Deva" typeface="Mangal"/>
+        <a:font script="Telu" typeface="Gautami"/>
+        <a:font script="Taml" typeface="Latha"/>
+        <a:font script="Syrc" typeface="Estrangelo Edessa"/>
+        <a:font script="Orya" typeface="Kalinga"/>
+        <a:font script="Mlym" typeface="Kartika"/>
+        <a:font script="Laoo" typeface="DokChampa"/>
+        <a:font script="Sinh" typeface="Iskoola Pota"/>
+        <a:font script="Mong" typeface="Mongolian Baiti"/>
+        <a:font script="Viet" typeface="Times New Roman"/>
+        <a:font script="Uigh" typeface="Microsoft Uighur"/>
+        <a:font script="Geor" typeface="Sylfaen"/>
+        <a:font script="Armn" typeface="Arial"/>
+        <a:font script="Bugi" typeface="Leelawadee UI"/>
+        <a:font script="Bopo" typeface="Microsoft JhengHei"/>
+        <a:font script="Java" typeface="Javanese Text"/>
+        <a:font script="Lisu" typeface="Segoe UI"/>
+        <a:font script="Mymr" typeface="Myanmar Text"/>
+        <a:font script="Nkoo" typeface="Ebrima"/>
+        <a:font script="Olck" typeface="Nirmala UI"/>
+        <a:font script="Osma" typeface="Ebrima"/>
+        <a:font script="Phag" typeface="Phagspa"/>
+        <a:font script="Syrn" typeface="Estrangelo Edessa"/>
+        <a:font script="Syrj" typeface="Estrangelo Edessa"/>
+        <a:font script="Syre" typeface="Estrangelo Edessa"/>
+        <a:font script="Sora" typeface="Nirmala UI"/>
+        <a:font script="Tale" typeface="Microsoft Tai Le"/>
+        <a:font script="Talu" typeface="Microsoft New Tai Lue"/>
+        <a:font script="Tfng" typeface="Ebrima"/>
+      </a:majorFont>
+      <a:minorFont>
+        <a:latin typeface="Aptos" panose="02110004020202020204"/>
+        <a:ea typeface=""/>
+        <a:cs typeface=""/>
+        <a:font script="Jpan" typeface="游ゴシック"/>
+        <a:font script="Hang" typeface="맑은 고딕"/>
+        <a:font script="Hans" typeface="等线"/>
+        <a:font script="Hant" typeface="新細明體"/>
+        <a:font script="Arab" typeface="Arial"/>
+        <a:font script="Hebr" typeface="Arial"/>
+        <a:font script="Thai" typeface="Cordia New"/>
+        <a:font script="Ethi" typeface="Nyala"/>
+        <a:font script="Beng" typeface="Vrinda"/>
+        <a:font script="Gujr" typeface="Shruti"/>
+        <a:font script="Khmr" typeface="DaunPenh"/>
+        <a:font script="Knda" typeface="Tunga"/>
+        <a:font script="Guru" typeface="Raavi"/>
+        <a:font script="Cans" typeface="Euphemia"/>
+        <a:font script="Cher" typeface="Plantagenet Cherokee"/>
+        <a:font script="Yiii" typeface="Microsoft Yi Baiti"/>
+        <a:font script="Tibt" typeface="Microsoft Himalaya"/>
+        <a:font script="Thaa" typeface="MV Boli"/>
+        <a:font script="Deva" typeface="Mangal"/>
+        <a:font script="Telu" typeface="Gautami"/>
+        <a:font script="Taml" typeface="Latha"/>
+        <a:font script="Syrc" typeface="Estrangelo Edessa"/>
+        <a:font script="Orya" typeface="Kalinga"/>
+        <a:font script="Mlym" typeface="Kartika"/>
+        <a:font script="Laoo" typeface="DokChampa"/>
+        <a:font script="Sinh" typeface="Iskoola Pota"/>
+        <a:font script="Mong" typeface="Mongolian Baiti"/>
+        <a:font script="Viet" typeface="Arial"/>
+        <a:font script="Uigh" typeface="Microsoft Uighur"/>
+        <a:font script="Geor" typeface="Sylfaen"/>
+        <a:font script="Armn" typeface="Arial"/>
+        <a:font script="Bugi" typeface="Leelawadee UI"/>
+        <a:font script="Bopo" typeface="Microsoft JhengHei"/>
+        <a:font script="Java" typeface="Javanese Text"/>
+        <a:font script="Lisu" typeface="Segoe UI"/>
+        <a:font script="Mymr" typeface="Myanmar Text"/>
+        <a:font script="Nkoo" typeface="Ebrima"/>
+        <a:font script="Olck" typeface="Nirmala UI"/>
+        <a:font script="Osma" typeface="Ebrima"/>
+        <a:font script="Phag" typeface="Phagspa"/>
+        <a:font script="Syrn" typeface="Estrangelo Edessa"/>
+        <a:font script="Syrj" typeface="Estrangelo Edessa"/>
+        <a:font script="Syre" typeface="Estrangelo Edessa"/>
+        <a:font script="Sora" typeface="Nirmala UI"/>
+        <a:font script="Tale" typeface="Microsoft Tai Le"/>
+        <a:font script="Talu" typeface="Microsoft New Tai Lue"/>
+        <a:font script="Tfng" typeface="Ebrima"/>
+      </a:minorFont>
+    </a:fontScheme>
+    <a:fmtScheme name="Office">
+      <a:fillStyleLst>
+        <a:solidFill>
+          <a:schemeClr val="phClr"/>
+        </a:solidFill>
+        <a:gradFill rotWithShape="1">
+          <a:gsLst>
+            <a:gs pos="0">
+              <a:schemeClr val="phClr">
+                <a:lumMod val="110000"/>
+                <a:satMod val="105000"/>
+                <a:tint val="67000"/>
+              </a:schemeClr>
+            </a:gs>
+            <a:gs pos="50000">
+              <a:schemeClr val="phClr">
+                <a:lumMod val="105000"/>
+                <a:satMod val="103000"/>
+                <a:tint val="73000"/>
+              </a:schemeClr>
+            </a:gs>
+            <a:gs pos="100000">
+              <a:schemeClr val="phClr">
+                <a:lumMod val="105000"/>
+                <a:satMod val="109000"/>
+                <a:tint val="81000"/>
+              </a:schemeClr>
+            </a:gs>
+          </a:gsLst>
+          <a:lin ang="5400000" scaled="0"/>
+        </a:gradFill>
+        <a:gradFill rotWithShape="1">
+          <a:gsLst>
+            <a:gs pos="0">
+              <a:schemeClr val="phClr">
+                <a:satMod val="103000"/>
+                <a:lumMod val="102000"/>
+                <a:tint val="94000"/>
+              </a:schemeClr>
+            </a:gs>
+            <a:gs pos="50000">
+              <a:schemeClr val="phClr">
+                <a:satMod val="110000"/>
+                <a:lumMod val="100000"/>
+                <a:shade val="100000"/>
+              </a:schemeClr>
+            </a:gs>
+            <a:gs pos="100000">
+              <a:schemeClr val="phClr">
+                <a:lumMod val="99000"/>
+                <a:satMod val="120000"/>
+                <a:shade val="78000"/>
+              </a:schemeClr>
+            </a:gs>
+          </a:gsLst>
+          <a:lin ang="5400000" scaled="0"/>
+        </a:gradFill>
+      </a:fillStyleLst>
+      <a:lnStyleLst>
+        <a:ln w="12700" cap="flat" cmpd="sng" algn="ctr">
+          <a:solidFill>
+            <a:schemeClr val="phClr"/>
+          </a:solidFill>
+          <a:prstDash val="solid"/>
+          <a:miter lim="800000"/>
+        </a:ln>
+        <a:ln w="19050" cap="flat" cmpd="sng" algn="ctr">
+          <a:solidFill>
+            <a:schemeClr val="phClr"/>
+          </a:solidFill>
+          <a:prstDash val="solid"/>
+          <a:miter lim="800000"/>
+        </a:ln>
+        <a:ln w="25400" cap="flat" cmpd="sng" algn="ctr">
+          <a:solidFill>
+            <a:schemeClr val="phClr"/>
+          </a:solidFill>
+          <a:prstDash val="solid"/>
+          <a:miter lim="800000"/>
+        </a:ln>
+      </a:lnStyleLst>
+      <a:effectStyleLst>
+        <a:effectStyle>
+          <a:effectLst/>
+        </a:effectStyle>
+        <a:effectStyle>
+          <a:effectLst/>
+        </a:effectStyle>
+        <a:effectStyle>
+          <a:effectLst>
+            <a:outerShdw blurRad="57150" dist="19050" dir="5400000" algn="ctr" rotWithShape="0">
+              <a:srgbClr val="000000">
+                <a:alpha val="63000"/>
+              </a:srgbClr>
+            </a:outerShdw>
+          </a:effectLst>
+        </a:effectStyle>
+      </a:effectStyleLst>
+      <a:bgFillStyleLst>
+        <a:solidFill>
+          <a:schemeClr val="phClr"/>
+        </a:solidFill>
+        <a:solidFill>
+          <a:schemeClr val="phClr">
+            <a:tint val="95000"/>
+            <a:satMod val="170000"/>
+          </a:schemeClr>
+        </a:solidFill>
+        <a:gradFill rotWithShape="1">
+          <a:gsLst>
+            <a:gs pos="0">
+              <a:schemeClr val="phClr">
+                <a:tint val="93000"/>
+                <a:satMod val="150000"/>
+                <a:shade val="98000"/>
+                <a:lumMod val="102000"/>
+              </a:schemeClr>
+            </a:gs>
+            <a:gs pos="50000">
+              <a:schemeClr val="phClr">
+                <a:tint val="98000"/>
+                <a:satMod val="130000"/>
+                <a:shade val="90000"/>
+                <a:lumMod val="103000"/>
+              </a:schemeClr>
+            </a:gs>
+            <a:gs pos="100000">
+              <a:schemeClr val="phClr">
+                <a:shade val="63000"/>
+                <a:satMod val="120000"/>
+              </a:schemeClr>
+            </a:gs>
+          </a:gsLst>
+          <a:lin ang="5400000" scaled="0"/>
+        </a:gradFill>
+      </a:bgFillStyleLst>
+    </a:fmtScheme>
+  </a:themeElements>
+  <a:objectDefaults>
+    <a:lnDef>
+      <a:spPr/>
+      <a:bodyPr/>
+      <a:lstStyle/>
+      <a:style>
+        <a:lnRef idx="2">
+          <a:schemeClr val="accent1"/>
+        </a:lnRef>
+        <a:fillRef idx="0">
+          <a:schemeClr val="accent1"/>
+        </a:fillRef>
+        <a:effectRef idx="1">
+          <a:schemeClr val="accent1"/>
+        </a:effectRef>
+        <a:fontRef idx="minor">
+          <a:schemeClr val="tx1"/>
+        </a:fontRef>
+      </a:style>
+    </a:lnDef>
+  </a:objectDefaults>
+  <a:extraClrSchemeLst/>
+  <a:extLst>
+    <a:ext uri="{05A4C25C-085E-4340-85A3-A5531E510DB2}">
+      <thm15:themeFamily xmlns:thm15="http://schemas.microsoft.com/office/thememl/2012/main" name="Office Theme" id="{2E142A2C-CD16-42D6-873A-C26D2A0506FA}" vid="{1BDDFF52-6CD6-40A5-AB3C-68EB2F1E4D0A}"/>
+    </a:ext>
+  </a:extLst>
+</a:theme>
 </file>
--- a/Poster.pptx
+++ b/Poster.pptx
@@ -5,10 +5,11 @@
     <p:sldMasterId id="2147483660" r:id="rId1"/>
   </p:sldMasterIdLst>
   <p:notesMasterIdLst>
-    <p:notesMasterId r:id="rId3"/>
+    <p:notesMasterId r:id="rId4"/>
   </p:notesMasterIdLst>
   <p:sldIdLst>
     <p:sldId id="256" r:id="rId2"/>
+    <p:sldId id="257" r:id="rId3"/>
   </p:sldIdLst>
   <p:sldSz cx="30275213" cy="42803763"/>
   <p:notesSz cx="6858000" cy="9144000"/>
@@ -551,6 +552,114 @@
     <p:extLst>
       <p:ext uri="{BB962C8B-B14F-4D97-AF65-F5344CB8AC3E}">
         <p14:creationId xmlns:p14="http://schemas.microsoft.com/office/powerpoint/2010/main" val="1005169001"/>
+      </p:ext>
+    </p:extLst>
+  </p:cSld>
+  <p:clrMapOvr>
+    <a:masterClrMapping/>
+  </p:clrMapOvr>
+</p:notes>
+</file>
+
+<file path=ppt/notesSlides/notesSlide2.xml><?xml version="1.0" encoding="utf-8"?>
+<p:notes xmlns:a="http://schemas.openxmlformats.org/drawingml/2006/main" xmlns:r="http://schemas.openxmlformats.org/officeDocument/2006/relationships" xmlns:p="http://schemas.openxmlformats.org/presentationml/2006/main">
+  <p:cSld>
+    <p:spTree>
+      <p:nvGrpSpPr>
+        <p:cNvPr id="1" name="">
+          <a:extLst>
+            <a:ext uri="{FF2B5EF4-FFF2-40B4-BE49-F238E27FC236}">
+              <a16:creationId xmlns:a16="http://schemas.microsoft.com/office/drawing/2014/main" id="{12FD5584-6A83-F520-52B8-4FA134BDD113}"/>
+            </a:ext>
+          </a:extLst>
+        </p:cNvPr>
+        <p:cNvGrpSpPr/>
+        <p:nvPr/>
+      </p:nvGrpSpPr>
+      <p:grpSpPr>
+        <a:xfrm>
+          <a:off x="0" y="0"/>
+          <a:ext cx="0" cy="0"/>
+          <a:chOff x="0" y="0"/>
+          <a:chExt cx="0" cy="0"/>
+        </a:xfrm>
+      </p:grpSpPr>
+      <p:sp>
+        <p:nvSpPr>
+          <p:cNvPr id="2" name="Slide Image Placeholder 1">
+            <a:extLst>
+              <a:ext uri="{FF2B5EF4-FFF2-40B4-BE49-F238E27FC236}">
+                <a16:creationId xmlns:a16="http://schemas.microsoft.com/office/drawing/2014/main" id="{191CBDC1-B892-C250-E9D3-3A9DF55EFCA0}"/>
+              </a:ext>
+            </a:extLst>
+          </p:cNvPr>
+          <p:cNvSpPr>
+            <a:spLocks noGrp="1" noRot="1" noChangeAspect="1"/>
+          </p:cNvSpPr>
+          <p:nvPr>
+            <p:ph type="sldImg"/>
+          </p:nvPr>
+        </p:nvSpPr>
+        <p:spPr/>
+      </p:sp>
+      <p:sp>
+        <p:nvSpPr>
+          <p:cNvPr id="3" name="Notes Placeholder 2">
+            <a:extLst>
+              <a:ext uri="{FF2B5EF4-FFF2-40B4-BE49-F238E27FC236}">
+                <a16:creationId xmlns:a16="http://schemas.microsoft.com/office/drawing/2014/main" id="{2B9681D1-0748-1726-C2F3-E91F54C2A510}"/>
+              </a:ext>
+            </a:extLst>
+          </p:cNvPr>
+          <p:cNvSpPr>
+            <a:spLocks noGrp="1"/>
+          </p:cNvSpPr>
+          <p:nvPr>
+            <p:ph type="body" idx="1"/>
+          </p:nvPr>
+        </p:nvSpPr>
+        <p:spPr/>
+        <p:txBody>
+          <a:bodyPr/>
+          <a:lstStyle/>
+          <a:p>
+            <a:endParaRPr lang="de-DE" dirty="0"/>
+          </a:p>
+        </p:txBody>
+      </p:sp>
+      <p:sp>
+        <p:nvSpPr>
+          <p:cNvPr id="4" name="Slide Number Placeholder 3">
+            <a:extLst>
+              <a:ext uri="{FF2B5EF4-FFF2-40B4-BE49-F238E27FC236}">
+                <a16:creationId xmlns:a16="http://schemas.microsoft.com/office/drawing/2014/main" id="{5CF310BD-B493-6B1F-CB3A-B041D55E441F}"/>
+              </a:ext>
+            </a:extLst>
+          </p:cNvPr>
+          <p:cNvSpPr>
+            <a:spLocks noGrp="1"/>
+          </p:cNvSpPr>
+          <p:nvPr>
+            <p:ph type="sldNum" sz="quarter" idx="5"/>
+          </p:nvPr>
+        </p:nvSpPr>
+        <p:spPr/>
+        <p:txBody>
+          <a:bodyPr/>
+          <a:lstStyle/>
+          <a:p>
+            <a:fld id="{C3DFFD0B-8A86-49B4-B585-C3C192A21CEB}" type="slidenum">
+              <a:rPr lang="de-DE" smtClean="0"/>
+              <a:t>2</a:t>
+            </a:fld>
+            <a:endParaRPr lang="de-DE"/>
+          </a:p>
+        </p:txBody>
+      </p:sp>
+    </p:spTree>
+    <p:extLst>
+      <p:ext uri="{BB962C8B-B14F-4D97-AF65-F5344CB8AC3E}">
+        <p14:creationId xmlns:p14="http://schemas.microsoft.com/office/powerpoint/2010/main" val="3823668295"/>
       </p:ext>
     </p:extLst>
   </p:cSld>
@@ -6254,6 +6363,2873 @@
     <p:extLst>
       <p:ext uri="{BB962C8B-B14F-4D97-AF65-F5344CB8AC3E}">
         <p14:creationId xmlns:p14="http://schemas.microsoft.com/office/powerpoint/2010/main" val="1317231058"/>
+      </p:ext>
+    </p:extLst>
+  </p:cSld>
+  <p:clrMapOvr>
+    <a:masterClrMapping/>
+  </p:clrMapOvr>
+</p:sld>
+</file>
+
+<file path=ppt/slides/slide2.xml><?xml version="1.0" encoding="utf-8"?>
+<p:sld xmlns:a="http://schemas.openxmlformats.org/drawingml/2006/main" xmlns:r="http://schemas.openxmlformats.org/officeDocument/2006/relationships" xmlns:p="http://schemas.openxmlformats.org/presentationml/2006/main">
+  <p:cSld>
+    <p:spTree>
+      <p:nvGrpSpPr>
+        <p:cNvPr id="1" name="">
+          <a:extLst>
+            <a:ext uri="{FF2B5EF4-FFF2-40B4-BE49-F238E27FC236}">
+              <a16:creationId xmlns:a16="http://schemas.microsoft.com/office/drawing/2014/main" id="{A768DFFA-203B-CFEF-CC07-74B16FA62188}"/>
+            </a:ext>
+          </a:extLst>
+        </p:cNvPr>
+        <p:cNvGrpSpPr/>
+        <p:nvPr/>
+      </p:nvGrpSpPr>
+      <p:grpSpPr>
+        <a:xfrm>
+          <a:off x="0" y="0"/>
+          <a:ext cx="0" cy="0"/>
+          <a:chOff x="0" y="0"/>
+          <a:chExt cx="0" cy="0"/>
+        </a:xfrm>
+      </p:grpSpPr>
+      <p:sp>
+        <p:nvSpPr>
+          <p:cNvPr id="6" name="Rectangle: Top Corners Rounded 5">
+            <a:extLst>
+              <a:ext uri="{FF2B5EF4-FFF2-40B4-BE49-F238E27FC236}">
+                <a16:creationId xmlns:a16="http://schemas.microsoft.com/office/drawing/2014/main" id="{CCF7F2E6-912A-9B31-AD1B-CF185A3339E1}"/>
+              </a:ext>
+            </a:extLst>
+          </p:cNvPr>
+          <p:cNvSpPr/>
+          <p:nvPr/>
+        </p:nvSpPr>
+        <p:spPr>
+          <a:xfrm flipV="1">
+            <a:off x="0" y="-21883"/>
+            <a:ext cx="30275214" cy="5684230"/>
+          </a:xfrm>
+          <a:prstGeom prst="round2SameRect">
+            <a:avLst>
+              <a:gd name="adj1" fmla="val 0"/>
+              <a:gd name="adj2" fmla="val 0"/>
+            </a:avLst>
+          </a:prstGeom>
+          <a:solidFill>
+            <a:srgbClr val="141F4C"/>
+          </a:solidFill>
+          <a:ln w="254000">
+            <a:noFill/>
+          </a:ln>
+        </p:spPr>
+        <p:style>
+          <a:lnRef idx="2">
+            <a:schemeClr val="accent1">
+              <a:shade val="15000"/>
+            </a:schemeClr>
+          </a:lnRef>
+          <a:fillRef idx="1">
+            <a:schemeClr val="accent1"/>
+          </a:fillRef>
+          <a:effectRef idx="0">
+            <a:schemeClr val="accent1"/>
+          </a:effectRef>
+          <a:fontRef idx="minor">
+            <a:schemeClr val="lt1"/>
+          </a:fontRef>
+        </p:style>
+        <p:txBody>
+          <a:bodyPr rtlCol="0" anchor="ctr"/>
+          <a:lstStyle/>
+          <a:p>
+            <a:pPr algn="ctr"/>
+            <a:endParaRPr lang="de-DE" dirty="0"/>
+          </a:p>
+        </p:txBody>
+      </p:sp>
+      <p:pic>
+        <p:nvPicPr>
+          <p:cNvPr id="7" name="Picture 6">
+            <a:extLst>
+              <a:ext uri="{FF2B5EF4-FFF2-40B4-BE49-F238E27FC236}">
+                <a16:creationId xmlns:a16="http://schemas.microsoft.com/office/drawing/2014/main" id="{0A57A78E-7CDC-2B70-C6D3-6DB6BAF488E4}"/>
+              </a:ext>
+            </a:extLst>
+          </p:cNvPr>
+          <p:cNvPicPr>
+            <a:picLocks noChangeAspect="1"/>
+          </p:cNvPicPr>
+          <p:nvPr/>
+        </p:nvPicPr>
+        <p:blipFill>
+          <a:blip r:embed="rId3"/>
+          <a:stretch>
+            <a:fillRect/>
+          </a:stretch>
+        </p:blipFill>
+        <p:spPr>
+          <a:xfrm>
+            <a:off x="24229617" y="35586126"/>
+            <a:ext cx="5494984" cy="3089708"/>
+          </a:xfrm>
+          <a:prstGeom prst="rect">
+            <a:avLst/>
+          </a:prstGeom>
+        </p:spPr>
+      </p:pic>
+      <p:sp>
+        <p:nvSpPr>
+          <p:cNvPr id="8" name="Rectangle: Rounded Corners 7">
+            <a:extLst>
+              <a:ext uri="{FF2B5EF4-FFF2-40B4-BE49-F238E27FC236}">
+                <a16:creationId xmlns:a16="http://schemas.microsoft.com/office/drawing/2014/main" id="{98D3638F-CCDF-CB6F-CFBB-B60ACBE91332}"/>
+              </a:ext>
+            </a:extLst>
+          </p:cNvPr>
+          <p:cNvSpPr/>
+          <p:nvPr/>
+        </p:nvSpPr>
+        <p:spPr>
+          <a:xfrm>
+            <a:off x="619433" y="27643718"/>
+            <a:ext cx="14518173" cy="13738215"/>
+          </a:xfrm>
+          <a:prstGeom prst="roundRect">
+            <a:avLst>
+              <a:gd name="adj" fmla="val 3189"/>
+            </a:avLst>
+          </a:prstGeom>
+          <a:solidFill>
+            <a:schemeClr val="bg1"/>
+          </a:solidFill>
+          <a:ln w="254000">
+            <a:solidFill>
+              <a:srgbClr val="120D31"/>
+            </a:solidFill>
+          </a:ln>
+        </p:spPr>
+        <p:style>
+          <a:lnRef idx="2">
+            <a:schemeClr val="accent1">
+              <a:shade val="15000"/>
+            </a:schemeClr>
+          </a:lnRef>
+          <a:fillRef idx="1">
+            <a:schemeClr val="accent1"/>
+          </a:fillRef>
+          <a:effectRef idx="0">
+            <a:schemeClr val="accent1"/>
+          </a:effectRef>
+          <a:fontRef idx="minor">
+            <a:schemeClr val="lt1"/>
+          </a:fontRef>
+        </p:style>
+        <p:txBody>
+          <a:bodyPr rtlCol="0" anchor="ctr"/>
+          <a:lstStyle/>
+          <a:p>
+            <a:pPr algn="ctr"/>
+            <a:endParaRPr lang="de-DE"/>
+          </a:p>
+        </p:txBody>
+      </p:sp>
+      <p:sp>
+        <p:nvSpPr>
+          <p:cNvPr id="10" name="Rectangle: Rounded Corners 9">
+            <a:extLst>
+              <a:ext uri="{FF2B5EF4-FFF2-40B4-BE49-F238E27FC236}">
+                <a16:creationId xmlns:a16="http://schemas.microsoft.com/office/drawing/2014/main" id="{10F4D1B6-C289-24CD-E2A2-B091F7F785D5}"/>
+              </a:ext>
+            </a:extLst>
+          </p:cNvPr>
+          <p:cNvSpPr/>
+          <p:nvPr/>
+        </p:nvSpPr>
+        <p:spPr>
+          <a:xfrm>
+            <a:off x="15747588" y="27732209"/>
+            <a:ext cx="13858989" cy="7375456"/>
+          </a:xfrm>
+          <a:prstGeom prst="roundRect">
+            <a:avLst>
+              <a:gd name="adj" fmla="val 2683"/>
+            </a:avLst>
+          </a:prstGeom>
+          <a:solidFill>
+            <a:schemeClr val="bg1"/>
+          </a:solidFill>
+          <a:ln w="254000">
+            <a:solidFill>
+              <a:srgbClr val="842332"/>
+            </a:solidFill>
+          </a:ln>
+        </p:spPr>
+        <p:style>
+          <a:lnRef idx="2">
+            <a:schemeClr val="accent1">
+              <a:shade val="15000"/>
+            </a:schemeClr>
+          </a:lnRef>
+          <a:fillRef idx="1">
+            <a:schemeClr val="accent1"/>
+          </a:fillRef>
+          <a:effectRef idx="0">
+            <a:schemeClr val="accent1"/>
+          </a:effectRef>
+          <a:fontRef idx="minor">
+            <a:schemeClr val="lt1"/>
+          </a:fontRef>
+        </p:style>
+        <p:txBody>
+          <a:bodyPr rtlCol="0" anchor="ctr"/>
+          <a:lstStyle/>
+          <a:p>
+            <a:pPr algn="ctr"/>
+            <a:endParaRPr lang="de-DE"/>
+          </a:p>
+        </p:txBody>
+      </p:sp>
+      <p:sp>
+        <p:nvSpPr>
+          <p:cNvPr id="12" name="Rectangle: Rounded Corners 11">
+            <a:extLst>
+              <a:ext uri="{FF2B5EF4-FFF2-40B4-BE49-F238E27FC236}">
+                <a16:creationId xmlns:a16="http://schemas.microsoft.com/office/drawing/2014/main" id="{CBDE6BA2-A48F-A3B2-407A-4C775FA6DCCF}"/>
+              </a:ext>
+            </a:extLst>
+          </p:cNvPr>
+          <p:cNvSpPr/>
+          <p:nvPr/>
+        </p:nvSpPr>
+        <p:spPr>
+          <a:xfrm>
+            <a:off x="15765564" y="35908635"/>
+            <a:ext cx="8275536" cy="5473298"/>
+          </a:xfrm>
+          <a:prstGeom prst="roundRect">
+            <a:avLst>
+              <a:gd name="adj" fmla="val 2154"/>
+            </a:avLst>
+          </a:prstGeom>
+          <a:solidFill>
+            <a:schemeClr val="bg1"/>
+          </a:solidFill>
+          <a:ln w="254000">
+            <a:solidFill>
+              <a:srgbClr val="413D59"/>
+            </a:solidFill>
+          </a:ln>
+        </p:spPr>
+        <p:style>
+          <a:lnRef idx="2">
+            <a:schemeClr val="accent1">
+              <a:shade val="15000"/>
+            </a:schemeClr>
+          </a:lnRef>
+          <a:fillRef idx="1">
+            <a:schemeClr val="accent1"/>
+          </a:fillRef>
+          <a:effectRef idx="0">
+            <a:schemeClr val="accent1"/>
+          </a:effectRef>
+          <a:fontRef idx="minor">
+            <a:schemeClr val="lt1"/>
+          </a:fontRef>
+        </p:style>
+        <p:txBody>
+          <a:bodyPr rtlCol="0" anchor="ctr"/>
+          <a:lstStyle/>
+          <a:p>
+            <a:pPr algn="ctr"/>
+            <a:endParaRPr lang="de-DE" dirty="0"/>
+          </a:p>
+        </p:txBody>
+      </p:sp>
+      <p:sp>
+        <p:nvSpPr>
+          <p:cNvPr id="13" name="Rectangle: Rounded Corners 12">
+            <a:extLst>
+              <a:ext uri="{FF2B5EF4-FFF2-40B4-BE49-F238E27FC236}">
+                <a16:creationId xmlns:a16="http://schemas.microsoft.com/office/drawing/2014/main" id="{DE457751-A963-D0CD-EC18-6A027C6507FC}"/>
+              </a:ext>
+            </a:extLst>
+          </p:cNvPr>
+          <p:cNvSpPr/>
+          <p:nvPr/>
+        </p:nvSpPr>
+        <p:spPr>
+          <a:xfrm>
+            <a:off x="568333" y="13949423"/>
+            <a:ext cx="29054323" cy="13032673"/>
+          </a:xfrm>
+          <a:prstGeom prst="roundRect">
+            <a:avLst>
+              <a:gd name="adj" fmla="val 1883"/>
+            </a:avLst>
+          </a:prstGeom>
+          <a:solidFill>
+            <a:schemeClr val="bg1"/>
+          </a:solidFill>
+          <a:ln w="254000">
+            <a:solidFill>
+              <a:srgbClr val="120D31"/>
+            </a:solidFill>
+          </a:ln>
+        </p:spPr>
+        <p:style>
+          <a:lnRef idx="2">
+            <a:schemeClr val="accent1">
+              <a:shade val="15000"/>
+            </a:schemeClr>
+          </a:lnRef>
+          <a:fillRef idx="1">
+            <a:schemeClr val="accent1"/>
+          </a:fillRef>
+          <a:effectRef idx="0">
+            <a:schemeClr val="accent1"/>
+          </a:effectRef>
+          <a:fontRef idx="minor">
+            <a:schemeClr val="lt1"/>
+          </a:fontRef>
+        </p:style>
+        <p:txBody>
+          <a:bodyPr rtlCol="0" anchor="ctr"/>
+          <a:lstStyle/>
+          <a:p>
+            <a:pPr algn="ctr"/>
+            <a:endParaRPr lang="de-DE" dirty="0"/>
+          </a:p>
+        </p:txBody>
+      </p:sp>
+      <p:sp>
+        <p:nvSpPr>
+          <p:cNvPr id="14" name="Rectangle: Rounded Corners 13">
+            <a:extLst>
+              <a:ext uri="{FF2B5EF4-FFF2-40B4-BE49-F238E27FC236}">
+                <a16:creationId xmlns:a16="http://schemas.microsoft.com/office/drawing/2014/main" id="{7DBA1CD7-4612-B9B8-375A-F3831483B68C}"/>
+              </a:ext>
+            </a:extLst>
+          </p:cNvPr>
+          <p:cNvSpPr/>
+          <p:nvPr/>
+        </p:nvSpPr>
+        <p:spPr>
+          <a:xfrm>
+            <a:off x="619433" y="6354752"/>
+            <a:ext cx="29054323" cy="6831954"/>
+          </a:xfrm>
+          <a:prstGeom prst="roundRect">
+            <a:avLst>
+              <a:gd name="adj" fmla="val 4408"/>
+            </a:avLst>
+          </a:prstGeom>
+          <a:solidFill>
+            <a:schemeClr val="bg1"/>
+          </a:solidFill>
+          <a:ln w="254000">
+            <a:solidFill>
+              <a:srgbClr val="842332"/>
+            </a:solidFill>
+          </a:ln>
+        </p:spPr>
+        <p:style>
+          <a:lnRef idx="2">
+            <a:schemeClr val="accent1">
+              <a:shade val="15000"/>
+            </a:schemeClr>
+          </a:lnRef>
+          <a:fillRef idx="1">
+            <a:schemeClr val="accent1"/>
+          </a:fillRef>
+          <a:effectRef idx="0">
+            <a:schemeClr val="accent1"/>
+          </a:effectRef>
+          <a:fontRef idx="minor">
+            <a:schemeClr val="lt1"/>
+          </a:fontRef>
+        </p:style>
+        <p:txBody>
+          <a:bodyPr numCol="1" rtlCol="0" anchor="ctr"/>
+          <a:lstStyle/>
+          <a:p>
+            <a:pPr algn="ctr"/>
+            <a:r>
+              <a:rPr lang="de-DE" dirty="0"/>
+              <a:t> </a:t>
+            </a:r>
+          </a:p>
+        </p:txBody>
+      </p:sp>
+      <p:sp>
+        <p:nvSpPr>
+          <p:cNvPr id="15" name="TextBox 14">
+            <a:extLst>
+              <a:ext uri="{FF2B5EF4-FFF2-40B4-BE49-F238E27FC236}">
+                <a16:creationId xmlns:a16="http://schemas.microsoft.com/office/drawing/2014/main" id="{3266CA6B-CD5B-4C4E-31A8-5C8845710CDB}"/>
+              </a:ext>
+            </a:extLst>
+          </p:cNvPr>
+          <p:cNvSpPr txBox="1"/>
+          <p:nvPr/>
+        </p:nvSpPr>
+        <p:spPr>
+          <a:xfrm>
+            <a:off x="1253554" y="8328936"/>
+            <a:ext cx="13893040" cy="4524315"/>
+          </a:xfrm>
+          <a:prstGeom prst="rect">
+            <a:avLst/>
+          </a:prstGeom>
+          <a:noFill/>
+          <a:ln>
+            <a:noFill/>
+          </a:ln>
+        </p:spPr>
+        <p:txBody>
+          <a:bodyPr wrap="square">
+            <a:spAutoFit/>
+          </a:bodyPr>
+          <a:lstStyle/>
+          <a:p>
+            <a:r>
+              <a:rPr lang="en-US" sz="2400" b="1" dirty="0"/>
+              <a:t>  </a:t>
+            </a:r>
+            <a:endParaRPr lang="en-US" sz="2400" dirty="0"/>
+          </a:p>
+          <a:p>
+            <a:pPr marL="457200" indent="-457200">
+              <a:buFont typeface="Arial" panose="020B0604020202020204" pitchFamily="34" charset="0"/>
+              <a:buChar char="•"/>
+            </a:pPr>
+            <a:r>
+              <a:rPr lang="de-DE" sz="2400" dirty="0"/>
+              <a:t>„We want to </a:t>
+            </a:r>
+            <a:r>
+              <a:rPr lang="en-US" sz="2400" dirty="0"/>
+              <a:t>extract RNA-dependent proteins from proteomic screens”</a:t>
+            </a:r>
+            <a:endParaRPr lang="de-DE" sz="2400" dirty="0"/>
+          </a:p>
+          <a:p>
+            <a:pPr marL="457200" indent="-457200">
+              <a:buFont typeface="Arial" panose="020B0604020202020204" pitchFamily="34" charset="0"/>
+              <a:buChar char="•"/>
+            </a:pPr>
+            <a:r>
+              <a:rPr lang="de-DE" sz="2400" dirty="0"/>
+              <a:t>„RNA-dependency = the proteins interactome depends on RNA“</a:t>
+            </a:r>
+          </a:p>
+          <a:p>
+            <a:endParaRPr lang="en-US" sz="2400" b="1" dirty="0"/>
+          </a:p>
+          <a:p>
+            <a:r>
+              <a:rPr lang="en-US" sz="2400" b="1" dirty="0"/>
+              <a:t>What Makes RNA-Dependent Proteins Worth Investigating?</a:t>
+            </a:r>
+          </a:p>
+          <a:p>
+            <a:pPr marL="457200" indent="-457200">
+              <a:buFont typeface="Arial" panose="020B0604020202020204" pitchFamily="34" charset="0"/>
+              <a:buChar char="•"/>
+            </a:pPr>
+            <a:r>
+              <a:rPr lang="de-DE" sz="2400" b="1" dirty="0"/>
+              <a:t>Key Regulators:</a:t>
+            </a:r>
+            <a:r>
+              <a:rPr lang="de-DE" sz="2400" dirty="0"/>
+              <a:t> RBPs control RNA metabolism &amp; gene expression.</a:t>
+            </a:r>
+          </a:p>
+          <a:p>
+            <a:pPr marL="457200" indent="-457200">
+              <a:buFont typeface="Arial" panose="020B0604020202020204" pitchFamily="34" charset="0"/>
+              <a:buChar char="•"/>
+            </a:pPr>
+            <a:r>
+              <a:rPr lang="de-DE" sz="2400" b="1" dirty="0"/>
+              <a:t>Disease Links:</a:t>
+            </a:r>
+            <a:r>
+              <a:rPr lang="de-DE" sz="2400" dirty="0"/>
+              <a:t> Misregulation is tied to cancer &amp; neurodegeneration.</a:t>
+            </a:r>
+          </a:p>
+          <a:p>
+            <a:pPr marL="457200" indent="-457200">
+              <a:buFont typeface="Arial" panose="020B0604020202020204" pitchFamily="34" charset="0"/>
+              <a:buChar char="•"/>
+            </a:pPr>
+            <a:r>
+              <a:rPr lang="de-DE" sz="2400" b="1" dirty="0"/>
+              <a:t>Functional Clues:</a:t>
+            </a:r>
+            <a:r>
+              <a:rPr lang="de-DE" sz="2400" dirty="0"/>
+              <a:t> New RBPs hint at RNA’s role in specific pathways.</a:t>
+            </a:r>
+          </a:p>
+          <a:p>
+            <a:pPr marL="457200" indent="-457200">
+              <a:buFont typeface="Arial" panose="020B0604020202020204" pitchFamily="34" charset="0"/>
+              <a:buChar char="•"/>
+            </a:pPr>
+            <a:r>
+              <a:rPr lang="de-DE" sz="2400" b="1" dirty="0"/>
+              <a:t>Interaction Networks:</a:t>
+            </a:r>
+            <a:r>
+              <a:rPr lang="de-DE" sz="2400" dirty="0"/>
+              <a:t> Mapping RNA-protein complexes reveals regulatory logic. </a:t>
+            </a:r>
+          </a:p>
+          <a:p>
+            <a:pPr marL="457200" indent="-457200">
+              <a:buFont typeface="Arial" panose="020B0604020202020204" pitchFamily="34" charset="0"/>
+              <a:buChar char="•"/>
+            </a:pPr>
+            <a:r>
+              <a:rPr lang="de-DE" sz="2400" b="1" dirty="0"/>
+              <a:t>Molecular Insights:</a:t>
+            </a:r>
+            <a:r>
+              <a:rPr lang="de-DE" sz="2400" dirty="0"/>
+              <a:t> Deepens our understanding of cell cycle and cellular behavior. </a:t>
+            </a:r>
+            <a:endParaRPr lang="en-US" sz="2400" b="1" dirty="0"/>
+          </a:p>
+          <a:p>
+            <a:pPr marL="457200" indent="-457200">
+              <a:buFont typeface="Arial" panose="020B0604020202020204" pitchFamily="34" charset="0"/>
+              <a:buChar char="•"/>
+            </a:pPr>
+            <a:endParaRPr lang="de-DE" sz="2400" dirty="0"/>
+          </a:p>
+          <a:p>
+            <a:pPr marL="457200" indent="-457200">
+              <a:buFont typeface="Arial" panose="020B0604020202020204" pitchFamily="34" charset="0"/>
+              <a:buChar char="•"/>
+            </a:pPr>
+            <a:endParaRPr lang="de-DE" sz="2400" dirty="0"/>
+          </a:p>
+        </p:txBody>
+      </p:sp>
+      <p:sp>
+        <p:nvSpPr>
+          <p:cNvPr id="16" name="TextBox 15">
+            <a:extLst>
+              <a:ext uri="{FF2B5EF4-FFF2-40B4-BE49-F238E27FC236}">
+                <a16:creationId xmlns:a16="http://schemas.microsoft.com/office/drawing/2014/main" id="{E5A8A780-8963-9A01-2654-83972EA67C12}"/>
+              </a:ext>
+            </a:extLst>
+          </p:cNvPr>
+          <p:cNvSpPr txBox="1"/>
+          <p:nvPr/>
+        </p:nvSpPr>
+        <p:spPr>
+          <a:xfrm>
+            <a:off x="1887734" y="16043329"/>
+            <a:ext cx="24173364" cy="7109639"/>
+          </a:xfrm>
+          <a:prstGeom prst="rect">
+            <a:avLst/>
+          </a:prstGeom>
+          <a:noFill/>
+          <a:ln>
+            <a:noFill/>
+          </a:ln>
+        </p:spPr>
+        <p:txBody>
+          <a:bodyPr wrap="square">
+            <a:spAutoFit/>
+          </a:bodyPr>
+          <a:lstStyle/>
+          <a:p>
+            <a:r>
+              <a:rPr lang="en-US" sz="2400" b="1" dirty="0"/>
+              <a:t>1) Data preparation</a:t>
+            </a:r>
+          </a:p>
+          <a:p>
+            <a:pPr marL="457200" indent="-457200">
+              <a:buFont typeface="Arial" panose="020B0604020202020204" pitchFamily="34" charset="0"/>
+              <a:buChar char="•"/>
+            </a:pPr>
+            <a:r>
+              <a:rPr lang="en-US" sz="2400" dirty="0"/>
+              <a:t>Data cleanup</a:t>
+            </a:r>
+          </a:p>
+          <a:p>
+            <a:pPr marL="457200" indent="-457200">
+              <a:buFont typeface="Arial" panose="020B0604020202020204" pitchFamily="34" charset="0"/>
+              <a:buChar char="•"/>
+            </a:pPr>
+            <a:r>
+              <a:rPr lang="en-US" sz="2400" dirty="0"/>
+              <a:t>“Rearrange and reorder the columns to their treatment, replicate and fraction”</a:t>
+            </a:r>
+          </a:p>
+          <a:p>
+            <a:pPr marL="457200" indent="-457200">
+              <a:buFont typeface="Arial" panose="020B0604020202020204" pitchFamily="34" charset="0"/>
+              <a:buChar char="•"/>
+            </a:pPr>
+            <a:r>
+              <a:rPr lang="en-US" sz="2400" dirty="0"/>
+              <a:t>Normalization</a:t>
+            </a:r>
+          </a:p>
+          <a:p>
+            <a:endParaRPr lang="en-US" sz="2400" b="1" dirty="0"/>
+          </a:p>
+          <a:p>
+            <a:r>
+              <a:rPr lang="de-DE" sz="2400" b="1" dirty="0"/>
+              <a:t>2) Data exploration</a:t>
+            </a:r>
+            <a:endParaRPr lang="de-DE" sz="2400" dirty="0"/>
+          </a:p>
+          <a:p>
+            <a:pPr marL="457200" indent="-457200">
+              <a:buFont typeface="Arial" panose="020B0604020202020204" pitchFamily="34" charset="0"/>
+              <a:buChar char="•"/>
+            </a:pPr>
+            <a:r>
+              <a:rPr lang="en-US" sz="2400" dirty="0"/>
+              <a:t> Identification of maxima and shoulders</a:t>
+            </a:r>
+          </a:p>
+          <a:p>
+            <a:pPr marL="457200" indent="-457200">
+              <a:buFont typeface="Arial" panose="020B0604020202020204" pitchFamily="34" charset="0"/>
+              <a:buChar char="•"/>
+            </a:pPr>
+            <a:r>
+              <a:rPr lang="en-US" sz="2400" dirty="0"/>
+              <a:t> </a:t>
+            </a:r>
+            <a:r>
+              <a:rPr lang="de-DE" sz="2400" dirty="0"/>
+              <a:t>Selection criteria</a:t>
+            </a:r>
+            <a:r>
+              <a:rPr lang="en-US" sz="2400" dirty="0"/>
+              <a:t> &amp; Wilcoxon Test </a:t>
+            </a:r>
+          </a:p>
+          <a:p>
+            <a:pPr marL="457200" indent="-457200">
+              <a:buFont typeface="Arial" panose="020B0604020202020204" pitchFamily="34" charset="0"/>
+              <a:buChar char="•"/>
+            </a:pPr>
+            <a:r>
+              <a:rPr lang="en-US" sz="2400" dirty="0"/>
+              <a:t>Visualization for the </a:t>
+            </a:r>
+            <a:r>
+              <a:rPr lang="de-DE" sz="2400" dirty="0"/>
+              <a:t>order of selection criteria</a:t>
+            </a:r>
+            <a:endParaRPr lang="en-US" sz="2400" dirty="0"/>
+          </a:p>
+          <a:p>
+            <a:pPr marL="457200" indent="-457200">
+              <a:buFont typeface="Arial" panose="020B0604020202020204" pitchFamily="34" charset="0"/>
+              <a:buChar char="•"/>
+            </a:pPr>
+            <a:r>
+              <a:rPr lang="en-US" sz="2400" dirty="0"/>
+              <a:t>Pie charts for selection results</a:t>
+            </a:r>
+          </a:p>
+          <a:p>
+            <a:endParaRPr lang="en-US" sz="2400" b="1" dirty="0"/>
+          </a:p>
+          <a:p>
+            <a:r>
+              <a:rPr lang="de-DE" sz="2400" b="1" dirty="0"/>
+              <a:t>3) Data reduction</a:t>
+            </a:r>
+          </a:p>
+          <a:p>
+            <a:pPr marL="457200" indent="-457200">
+              <a:buFont typeface="Arial" panose="020B0604020202020204" pitchFamily="34" charset="0"/>
+              <a:buChar char="•"/>
+            </a:pPr>
+            <a:r>
+              <a:rPr lang="de-DE" sz="2400" dirty="0"/>
+              <a:t>PCR </a:t>
+            </a:r>
+            <a:endParaRPr lang="en-US" sz="2400" dirty="0"/>
+          </a:p>
+          <a:p>
+            <a:pPr marL="457200" indent="-457200">
+              <a:buFont typeface="Arial" panose="020B0604020202020204" pitchFamily="34" charset="0"/>
+              <a:buChar char="•"/>
+            </a:pPr>
+            <a:r>
+              <a:rPr lang="en-US" sz="2400" dirty="0"/>
+              <a:t> k-means clustering</a:t>
+            </a:r>
+          </a:p>
+          <a:p>
+            <a:pPr marL="457200" indent="-457200">
+              <a:buFont typeface="Arial" panose="020B0604020202020204" pitchFamily="34" charset="0"/>
+              <a:buChar char="•"/>
+            </a:pPr>
+            <a:endParaRPr lang="en-US" sz="2400" dirty="0"/>
+          </a:p>
+          <a:p>
+            <a:r>
+              <a:rPr lang="de-DE" sz="2400" b="1" dirty="0"/>
+              <a:t>4) Data modelling</a:t>
+            </a:r>
+          </a:p>
+          <a:p>
+            <a:pPr marL="457200" indent="-457200">
+              <a:buFont typeface="Arial" panose="020B0604020202020204" pitchFamily="34" charset="0"/>
+              <a:buChar char="•"/>
+            </a:pPr>
+            <a:r>
+              <a:rPr lang="en-US" sz="2400" dirty="0"/>
+              <a:t> Linear Regression </a:t>
+            </a:r>
+            <a:endParaRPr lang="en-US" sz="2400" b="1" dirty="0"/>
+          </a:p>
+          <a:p>
+            <a:endParaRPr lang="en-US" sz="2400" b="1" dirty="0"/>
+          </a:p>
+          <a:p>
+            <a:endParaRPr lang="en-US" sz="2400" b="1" dirty="0"/>
+          </a:p>
+        </p:txBody>
+      </p:sp>
+      <p:sp>
+        <p:nvSpPr>
+          <p:cNvPr id="17" name="TextBox 16">
+            <a:extLst>
+              <a:ext uri="{FF2B5EF4-FFF2-40B4-BE49-F238E27FC236}">
+                <a16:creationId xmlns:a16="http://schemas.microsoft.com/office/drawing/2014/main" id="{B293CBFE-308A-1D6A-DF64-3D42A61A7B31}"/>
+              </a:ext>
+            </a:extLst>
+          </p:cNvPr>
+          <p:cNvSpPr txBox="1"/>
+          <p:nvPr/>
+        </p:nvSpPr>
+        <p:spPr>
+          <a:xfrm>
+            <a:off x="1253554" y="29923970"/>
+            <a:ext cx="11401261" cy="11172289"/>
+          </a:xfrm>
+          <a:prstGeom prst="rect">
+            <a:avLst/>
+          </a:prstGeom>
+          <a:noFill/>
+          <a:ln>
+            <a:noFill/>
+          </a:ln>
+        </p:spPr>
+        <p:txBody>
+          <a:bodyPr wrap="square">
+            <a:spAutoFit/>
+          </a:bodyPr>
+          <a:lstStyle/>
+          <a:p>
+            <a:pPr marL="457200" indent="-457200">
+              <a:buFont typeface="Arial" panose="020B0604020202020204" pitchFamily="34" charset="0"/>
+              <a:buChar char="•"/>
+            </a:pPr>
+            <a:r>
+              <a:rPr lang="en-US" sz="2400" dirty="0"/>
+              <a:t>Critical review of our own results and methods (e.g., Selection criteria made us delete some RBPs. Why? What were their properties?)</a:t>
+            </a:r>
+          </a:p>
+          <a:p>
+            <a:pPr marL="457200" indent="-457200">
+              <a:buFont typeface="Arial" panose="020B0604020202020204" pitchFamily="34" charset="0"/>
+              <a:buChar char="•"/>
+            </a:pPr>
+            <a:r>
+              <a:rPr lang="en-US" sz="2400" dirty="0"/>
+              <a:t>Why do we find fewer proteins than </a:t>
+            </a:r>
+            <a:r>
+              <a:rPr lang="en-US" sz="2400" dirty="0" err="1"/>
+              <a:t>Maïwen</a:t>
+            </a:r>
+            <a:r>
+              <a:rPr lang="en-US" sz="2400" dirty="0"/>
+              <a:t>? </a:t>
+            </a:r>
+          </a:p>
+          <a:p>
+            <a:pPr marL="457200" indent="-457200">
+              <a:buFont typeface="Arial" panose="020B0604020202020204" pitchFamily="34" charset="0"/>
+              <a:buChar char="•"/>
+            </a:pPr>
+            <a:endParaRPr lang="en-US" sz="2400" dirty="0"/>
+          </a:p>
+          <a:p>
+            <a:pPr marL="457200" indent="-457200">
+              <a:buFont typeface="Arial" panose="020B0604020202020204" pitchFamily="34" charset="0"/>
+              <a:buChar char="•"/>
+            </a:pPr>
+            <a:endParaRPr lang="en-US" sz="2400" dirty="0"/>
+          </a:p>
+          <a:p>
+            <a:pPr marL="457200" indent="-457200">
+              <a:buFont typeface="Arial" panose="020B0604020202020204" pitchFamily="34" charset="0"/>
+              <a:buChar char="•"/>
+            </a:pPr>
+            <a:endParaRPr lang="en-US" sz="2400" dirty="0"/>
+          </a:p>
+          <a:p>
+            <a:pPr marL="457200" indent="-457200">
+              <a:buFont typeface="Arial" panose="020B0604020202020204" pitchFamily="34" charset="0"/>
+              <a:buChar char="•"/>
+            </a:pPr>
+            <a:endParaRPr lang="en-US" sz="2400" dirty="0"/>
+          </a:p>
+          <a:p>
+            <a:pPr marL="457200" indent="-457200">
+              <a:buFont typeface="Arial" panose="020B0604020202020204" pitchFamily="34" charset="0"/>
+              <a:buChar char="•"/>
+            </a:pPr>
+            <a:endParaRPr lang="en-US" sz="2400" dirty="0"/>
+          </a:p>
+          <a:p>
+            <a:pPr marL="457200" indent="-457200">
+              <a:buFont typeface="Arial" panose="020B0604020202020204" pitchFamily="34" charset="0"/>
+              <a:buChar char="•"/>
+            </a:pPr>
+            <a:endParaRPr lang="en-US" sz="2400" dirty="0"/>
+          </a:p>
+          <a:p>
+            <a:pPr marL="457200" indent="-457200">
+              <a:buFont typeface="Arial" panose="020B0604020202020204" pitchFamily="34" charset="0"/>
+              <a:buChar char="•"/>
+            </a:pPr>
+            <a:endParaRPr lang="en-US" sz="2400" dirty="0"/>
+          </a:p>
+          <a:p>
+            <a:pPr marL="457200" indent="-457200">
+              <a:buFont typeface="Arial" panose="020B0604020202020204" pitchFamily="34" charset="0"/>
+              <a:buChar char="•"/>
+            </a:pPr>
+            <a:endParaRPr lang="en-US" sz="2400" dirty="0"/>
+          </a:p>
+          <a:p>
+            <a:pPr marL="457200" indent="-457200">
+              <a:buFont typeface="Arial" panose="020B0604020202020204" pitchFamily="34" charset="0"/>
+              <a:buChar char="•"/>
+            </a:pPr>
+            <a:endParaRPr lang="en-US" sz="2400" dirty="0"/>
+          </a:p>
+          <a:p>
+            <a:pPr marL="457200" indent="-457200">
+              <a:buFont typeface="Arial" panose="020B0604020202020204" pitchFamily="34" charset="0"/>
+              <a:buChar char="•"/>
+            </a:pPr>
+            <a:endParaRPr lang="en-US" sz="2400" dirty="0"/>
+          </a:p>
+          <a:p>
+            <a:pPr marL="457200" indent="-457200">
+              <a:buFont typeface="Arial" panose="020B0604020202020204" pitchFamily="34" charset="0"/>
+              <a:buChar char="•"/>
+            </a:pPr>
+            <a:endParaRPr lang="en-US" sz="2400" dirty="0"/>
+          </a:p>
+          <a:p>
+            <a:pPr marL="457200" indent="-457200">
+              <a:buFont typeface="Arial" panose="020B0604020202020204" pitchFamily="34" charset="0"/>
+              <a:buChar char="•"/>
+            </a:pPr>
+            <a:endParaRPr lang="en-US" sz="2400" dirty="0"/>
+          </a:p>
+          <a:p>
+            <a:pPr marL="457200" indent="-457200">
+              <a:buFont typeface="Arial" panose="020B0604020202020204" pitchFamily="34" charset="0"/>
+              <a:buChar char="•"/>
+            </a:pPr>
+            <a:endParaRPr lang="en-US" sz="2400" dirty="0"/>
+          </a:p>
+          <a:p>
+            <a:pPr marL="457200" indent="-457200">
+              <a:buFont typeface="Arial" panose="020B0604020202020204" pitchFamily="34" charset="0"/>
+              <a:buChar char="•"/>
+            </a:pPr>
+            <a:endParaRPr lang="en-US" sz="2400" dirty="0"/>
+          </a:p>
+          <a:p>
+            <a:pPr marL="457200" indent="-457200">
+              <a:buFont typeface="Arial" panose="020B0604020202020204" pitchFamily="34" charset="0"/>
+              <a:buChar char="•"/>
+            </a:pPr>
+            <a:endParaRPr lang="en-US" sz="2400" dirty="0"/>
+          </a:p>
+          <a:p>
+            <a:pPr marL="457200" indent="-457200">
+              <a:buFont typeface="Arial" panose="020B0604020202020204" pitchFamily="34" charset="0"/>
+              <a:buChar char="•"/>
+            </a:pPr>
+            <a:endParaRPr lang="en-US" sz="2400" dirty="0"/>
+          </a:p>
+          <a:p>
+            <a:pPr marL="457200" indent="-457200">
+              <a:buFont typeface="Arial" panose="020B0604020202020204" pitchFamily="34" charset="0"/>
+              <a:buChar char="•"/>
+            </a:pPr>
+            <a:endParaRPr lang="en-US" sz="2400" dirty="0"/>
+          </a:p>
+          <a:p>
+            <a:pPr marL="457200" indent="-457200">
+              <a:buFont typeface="Arial" panose="020B0604020202020204" pitchFamily="34" charset="0"/>
+              <a:buChar char="•"/>
+            </a:pPr>
+            <a:endParaRPr lang="en-US" sz="2400" dirty="0"/>
+          </a:p>
+          <a:p>
+            <a:pPr marL="457200" indent="-457200">
+              <a:buFont typeface="Arial" panose="020B0604020202020204" pitchFamily="34" charset="0"/>
+              <a:buChar char="•"/>
+            </a:pPr>
+            <a:endParaRPr lang="en-US" sz="2400" dirty="0"/>
+          </a:p>
+          <a:p>
+            <a:pPr marL="457200" indent="-457200">
+              <a:buFont typeface="Arial" panose="020B0604020202020204" pitchFamily="34" charset="0"/>
+              <a:buChar char="•"/>
+            </a:pPr>
+            <a:endParaRPr lang="en-US" sz="2400" dirty="0"/>
+          </a:p>
+          <a:p>
+            <a:pPr marL="457200" indent="-457200">
+              <a:buFont typeface="Arial" panose="020B0604020202020204" pitchFamily="34" charset="0"/>
+              <a:buChar char="•"/>
+            </a:pPr>
+            <a:endParaRPr lang="en-US" sz="2400" dirty="0"/>
+          </a:p>
+          <a:p>
+            <a:pPr marL="457200" indent="-457200">
+              <a:buFont typeface="Arial" panose="020B0604020202020204" pitchFamily="34" charset="0"/>
+              <a:buChar char="•"/>
+            </a:pPr>
+            <a:endParaRPr lang="en-US" sz="2400" dirty="0"/>
+          </a:p>
+          <a:p>
+            <a:pPr marL="457200" indent="-457200">
+              <a:buFont typeface="Arial" panose="020B0604020202020204" pitchFamily="34" charset="0"/>
+              <a:buChar char="•"/>
+            </a:pPr>
+            <a:endParaRPr lang="en-US" sz="2400" dirty="0"/>
+          </a:p>
+          <a:p>
+            <a:pPr marL="457200" indent="-457200">
+              <a:buFont typeface="Arial" panose="020B0604020202020204" pitchFamily="34" charset="0"/>
+              <a:buChar char="•"/>
+            </a:pPr>
+            <a:endParaRPr lang="en-US" sz="2400" dirty="0"/>
+          </a:p>
+          <a:p>
+            <a:pPr marL="457200" indent="-457200">
+              <a:buFont typeface="Arial" panose="020B0604020202020204" pitchFamily="34" charset="0"/>
+              <a:buChar char="•"/>
+            </a:pPr>
+            <a:endParaRPr lang="en-US" sz="2400" dirty="0"/>
+          </a:p>
+          <a:p>
+            <a:pPr marL="457200" indent="-457200">
+              <a:buFont typeface="Arial" panose="020B0604020202020204" pitchFamily="34" charset="0"/>
+              <a:buChar char="•"/>
+            </a:pPr>
+            <a:endParaRPr lang="en-US" sz="2400" dirty="0"/>
+          </a:p>
+          <a:p>
+            <a:endParaRPr lang="en-US" sz="2400" b="1" dirty="0"/>
+          </a:p>
+        </p:txBody>
+      </p:sp>
+      <p:sp>
+        <p:nvSpPr>
+          <p:cNvPr id="18" name="TextBox 17">
+            <a:extLst>
+              <a:ext uri="{FF2B5EF4-FFF2-40B4-BE49-F238E27FC236}">
+                <a16:creationId xmlns:a16="http://schemas.microsoft.com/office/drawing/2014/main" id="{5BFA5E99-E6C5-8E27-B6C4-A25B685002C1}"/>
+              </a:ext>
+            </a:extLst>
+          </p:cNvPr>
+          <p:cNvSpPr txBox="1"/>
+          <p:nvPr/>
+        </p:nvSpPr>
+        <p:spPr>
+          <a:xfrm>
+            <a:off x="15977907" y="37738473"/>
+            <a:ext cx="7850849" cy="3785652"/>
+          </a:xfrm>
+          <a:prstGeom prst="rect">
+            <a:avLst/>
+          </a:prstGeom>
+          <a:noFill/>
+          <a:ln>
+            <a:noFill/>
+          </a:ln>
+        </p:spPr>
+        <p:txBody>
+          <a:bodyPr wrap="square">
+            <a:spAutoFit/>
+          </a:bodyPr>
+          <a:lstStyle/>
+          <a:p>
+            <a:pPr marL="457200" indent="-457200">
+              <a:buFont typeface="Arial" panose="020B0604020202020204" pitchFamily="34" charset="0"/>
+              <a:buChar char="•"/>
+            </a:pPr>
+            <a:r>
+              <a:rPr lang="de-DE" sz="2000" dirty="0"/>
+              <a:t>Sternburg et al., Global </a:t>
+            </a:r>
+            <a:r>
+              <a:rPr lang="de-DE" sz="2000" dirty="0" err="1"/>
+              <a:t>Approaches</a:t>
+            </a:r>
+            <a:r>
+              <a:rPr lang="de-DE" sz="2000" dirty="0"/>
+              <a:t> in </a:t>
+            </a:r>
+            <a:r>
+              <a:rPr lang="de-DE" sz="2000" dirty="0" err="1"/>
+              <a:t>Studying</a:t>
+            </a:r>
+            <a:r>
+              <a:rPr lang="de-DE" sz="2000" dirty="0"/>
+              <a:t> RNA-Binding Protein Interaction Networks, 2020, Trends in </a:t>
+            </a:r>
+            <a:r>
+              <a:rPr lang="de-DE" sz="2000" dirty="0" err="1"/>
+              <a:t>Biochemical</a:t>
+            </a:r>
+            <a:r>
+              <a:rPr lang="de-DE" sz="2000" dirty="0"/>
+              <a:t> Sciences.pdf</a:t>
+            </a:r>
+          </a:p>
+          <a:p>
+            <a:pPr marL="457200" indent="-457200">
+              <a:buFont typeface="Arial" panose="020B0604020202020204" pitchFamily="34" charset="0"/>
+              <a:buChar char="•"/>
+            </a:pPr>
+            <a:r>
+              <a:rPr lang="de-DE" sz="2000" dirty="0"/>
+              <a:t>Caudron-Herger et al., R-</a:t>
+            </a:r>
+            <a:r>
+              <a:rPr lang="de-DE" sz="2000" dirty="0" err="1"/>
+              <a:t>DeeP</a:t>
+            </a:r>
+            <a:r>
+              <a:rPr lang="de-DE" sz="2000" dirty="0"/>
+              <a:t> </a:t>
+            </a:r>
+            <a:r>
+              <a:rPr lang="de-DE" sz="2000" dirty="0" err="1"/>
+              <a:t>Proteome-wide</a:t>
+            </a:r>
+            <a:r>
+              <a:rPr lang="de-DE" sz="2000" dirty="0"/>
+              <a:t> and Quantitative </a:t>
+            </a:r>
+            <a:r>
+              <a:rPr lang="de-DE" sz="2000" dirty="0" err="1"/>
+              <a:t>Identification</a:t>
+            </a:r>
+            <a:r>
+              <a:rPr lang="de-DE" sz="2000" dirty="0"/>
+              <a:t> </a:t>
+            </a:r>
+            <a:r>
+              <a:rPr lang="de-DE" sz="2000" dirty="0" err="1"/>
+              <a:t>of</a:t>
+            </a:r>
+            <a:r>
+              <a:rPr lang="de-DE" sz="2000" dirty="0"/>
+              <a:t> RNA-</a:t>
+            </a:r>
+            <a:r>
+              <a:rPr lang="de-DE" sz="2000" dirty="0" err="1"/>
+              <a:t>Dependent</a:t>
+            </a:r>
+            <a:r>
+              <a:rPr lang="de-DE" sz="2000" dirty="0"/>
+              <a:t> Proteins </a:t>
+            </a:r>
+            <a:r>
+              <a:rPr lang="de-DE" sz="2000" dirty="0" err="1"/>
+              <a:t>by</a:t>
+            </a:r>
+            <a:r>
+              <a:rPr lang="de-DE" sz="2000" dirty="0"/>
+              <a:t> Density Gradient </a:t>
+            </a:r>
+            <a:r>
+              <a:rPr lang="de-DE" sz="2000" dirty="0" err="1"/>
+              <a:t>Ultracentrifugation</a:t>
+            </a:r>
+            <a:r>
+              <a:rPr lang="de-DE" sz="2000" dirty="0"/>
+              <a:t>, 2019, </a:t>
+            </a:r>
+            <a:r>
+              <a:rPr lang="de-DE" sz="2000" dirty="0" err="1"/>
+              <a:t>Molecular</a:t>
+            </a:r>
+            <a:r>
+              <a:rPr lang="de-DE" sz="2000" dirty="0"/>
+              <a:t> Cell.pdf</a:t>
+            </a:r>
+          </a:p>
+          <a:p>
+            <a:pPr marL="457200" indent="-457200">
+              <a:buFont typeface="Arial" panose="020B0604020202020204" pitchFamily="34" charset="0"/>
+              <a:buChar char="•"/>
+            </a:pPr>
+            <a:r>
+              <a:rPr lang="de-DE" sz="2000" dirty="0"/>
+              <a:t>Caudron-Herger et al., </a:t>
+            </a:r>
+            <a:r>
+              <a:rPr lang="de-DE" sz="2000" dirty="0" err="1"/>
+              <a:t>Identification</a:t>
+            </a:r>
+            <a:r>
+              <a:rPr lang="de-DE" sz="2000" dirty="0"/>
+              <a:t>, </a:t>
+            </a:r>
+            <a:r>
+              <a:rPr lang="de-DE" sz="2000" dirty="0" err="1"/>
+              <a:t>quantification</a:t>
+            </a:r>
+            <a:r>
+              <a:rPr lang="de-DE" sz="2000" dirty="0"/>
+              <a:t> and </a:t>
+            </a:r>
+            <a:r>
+              <a:rPr lang="de-DE" sz="2000" dirty="0" err="1"/>
+              <a:t>bioinformatic</a:t>
+            </a:r>
+            <a:r>
+              <a:rPr lang="de-DE" sz="2000" dirty="0"/>
+              <a:t> </a:t>
+            </a:r>
+            <a:r>
+              <a:rPr lang="de-DE" sz="2000" dirty="0" err="1"/>
+              <a:t>analysis</a:t>
+            </a:r>
+            <a:r>
+              <a:rPr lang="de-DE" sz="2000" dirty="0"/>
+              <a:t> </a:t>
+            </a:r>
+            <a:r>
+              <a:rPr lang="de-DE" sz="2000" dirty="0" err="1"/>
+              <a:t>of</a:t>
+            </a:r>
+            <a:r>
+              <a:rPr lang="de-DE" sz="2000" dirty="0"/>
+              <a:t> RNA-</a:t>
+            </a:r>
+            <a:r>
+              <a:rPr lang="de-DE" sz="2000" dirty="0" err="1"/>
+              <a:t>dependent</a:t>
+            </a:r>
+            <a:r>
+              <a:rPr lang="de-DE" sz="2000" dirty="0"/>
+              <a:t> </a:t>
+            </a:r>
+            <a:r>
+              <a:rPr lang="de-DE" sz="2000" dirty="0" err="1"/>
+              <a:t>proteins</a:t>
+            </a:r>
+            <a:r>
+              <a:rPr lang="de-DE" sz="2000" dirty="0"/>
+              <a:t> </a:t>
+            </a:r>
+            <a:r>
+              <a:rPr lang="de-DE" sz="2000" dirty="0" err="1"/>
+              <a:t>by</a:t>
+            </a:r>
+            <a:r>
+              <a:rPr lang="de-DE" sz="2000" dirty="0"/>
+              <a:t> </a:t>
+            </a:r>
+            <a:r>
+              <a:rPr lang="de-DE" sz="2000" dirty="0" err="1"/>
+              <a:t>RNase</a:t>
+            </a:r>
+            <a:r>
+              <a:rPr lang="de-DE" sz="2000" dirty="0"/>
+              <a:t> </a:t>
+            </a:r>
+            <a:r>
+              <a:rPr lang="de-DE" sz="2000" dirty="0" err="1"/>
+              <a:t>treatment</a:t>
+            </a:r>
+            <a:r>
+              <a:rPr lang="de-DE" sz="2000" dirty="0"/>
+              <a:t> and </a:t>
+            </a:r>
+            <a:r>
+              <a:rPr lang="de-DE" sz="2000" dirty="0" err="1"/>
+              <a:t>density</a:t>
+            </a:r>
+            <a:r>
+              <a:rPr lang="de-DE" sz="2000" dirty="0"/>
+              <a:t> </a:t>
+            </a:r>
+            <a:r>
+              <a:rPr lang="de-DE" sz="2000" dirty="0" err="1"/>
+              <a:t>gradient</a:t>
+            </a:r>
+            <a:r>
+              <a:rPr lang="de-DE" sz="2000" dirty="0"/>
+              <a:t> </a:t>
+            </a:r>
+            <a:r>
+              <a:rPr lang="de-DE" sz="2000" dirty="0" err="1"/>
+              <a:t>ultracentrifugation</a:t>
+            </a:r>
+            <a:r>
+              <a:rPr lang="de-DE" sz="2000" dirty="0"/>
+              <a:t> </a:t>
+            </a:r>
+            <a:r>
+              <a:rPr lang="de-DE" sz="2000" dirty="0" err="1"/>
+              <a:t>using</a:t>
+            </a:r>
+            <a:r>
+              <a:rPr lang="de-DE" sz="2000" dirty="0"/>
+              <a:t> R-DeeP-2020-Nature Protocols_1.pdf</a:t>
+            </a:r>
+          </a:p>
+          <a:p>
+            <a:pPr marL="457200" indent="-457200">
+              <a:buFont typeface="Arial" panose="020B0604020202020204" pitchFamily="34" charset="0"/>
+              <a:buChar char="•"/>
+            </a:pPr>
+            <a:r>
+              <a:rPr lang="de-DE" sz="2000" dirty="0"/>
+              <a:t>Corley </a:t>
+            </a:r>
+            <a:r>
+              <a:rPr lang="de-DE" sz="2000" i="1" dirty="0"/>
+              <a:t>et al.</a:t>
+            </a:r>
+            <a:r>
+              <a:rPr lang="de-DE" sz="2000" dirty="0"/>
+              <a:t>, </a:t>
+            </a:r>
+            <a:r>
+              <a:rPr lang="de-DE" sz="2000" dirty="0" err="1"/>
+              <a:t>How</a:t>
+            </a:r>
+            <a:r>
+              <a:rPr lang="de-DE" sz="2000" dirty="0"/>
+              <a:t> RNA-Binding Proteins </a:t>
+            </a:r>
+            <a:r>
+              <a:rPr lang="de-DE" sz="2000" dirty="0" err="1"/>
+              <a:t>Interact</a:t>
+            </a:r>
+            <a:r>
+              <a:rPr lang="de-DE" sz="2000" dirty="0"/>
+              <a:t> </a:t>
+            </a:r>
+            <a:r>
+              <a:rPr lang="de-DE" sz="2000" dirty="0" err="1"/>
+              <a:t>with</a:t>
+            </a:r>
+            <a:r>
+              <a:rPr lang="de-DE" sz="2000" dirty="0"/>
+              <a:t> RNA </a:t>
+            </a:r>
+            <a:r>
+              <a:rPr lang="de-DE" sz="2000" dirty="0" err="1"/>
+              <a:t>Molecules</a:t>
+            </a:r>
+            <a:r>
+              <a:rPr lang="de-DE" sz="2000" dirty="0"/>
+              <a:t> and </a:t>
+            </a:r>
+            <a:r>
+              <a:rPr lang="de-DE" sz="2000" dirty="0" err="1"/>
+              <a:t>Mechanisms</a:t>
+            </a:r>
+            <a:r>
+              <a:rPr lang="de-DE" sz="2000" dirty="0"/>
+              <a:t>, 2020, </a:t>
+            </a:r>
+            <a:r>
+              <a:rPr lang="de-DE" sz="2000" dirty="0" err="1"/>
+              <a:t>Molecular</a:t>
+            </a:r>
+            <a:r>
+              <a:rPr lang="de-DE" sz="2000" dirty="0"/>
+              <a:t> Cell.pdf</a:t>
+            </a:r>
+          </a:p>
+          <a:p>
+            <a:pPr marL="457200" indent="-457200">
+              <a:buFont typeface="Arial" panose="020B0604020202020204" pitchFamily="34" charset="0"/>
+              <a:buChar char="•"/>
+            </a:pPr>
+            <a:endParaRPr lang="en-US" sz="2000" dirty="0"/>
+          </a:p>
+        </p:txBody>
+      </p:sp>
+      <p:sp>
+        <p:nvSpPr>
+          <p:cNvPr id="19" name="TextBox 18">
+            <a:extLst>
+              <a:ext uri="{FF2B5EF4-FFF2-40B4-BE49-F238E27FC236}">
+                <a16:creationId xmlns:a16="http://schemas.microsoft.com/office/drawing/2014/main" id="{4E3C2313-EAE3-F59D-9502-9654E29EA4BA}"/>
+              </a:ext>
+            </a:extLst>
+          </p:cNvPr>
+          <p:cNvSpPr txBox="1"/>
+          <p:nvPr/>
+        </p:nvSpPr>
+        <p:spPr>
+          <a:xfrm>
+            <a:off x="16242587" y="29665022"/>
+            <a:ext cx="8291810" cy="1200329"/>
+          </a:xfrm>
+          <a:prstGeom prst="rect">
+            <a:avLst/>
+          </a:prstGeom>
+          <a:noFill/>
+          <a:ln>
+            <a:noFill/>
+          </a:ln>
+        </p:spPr>
+        <p:txBody>
+          <a:bodyPr wrap="square">
+            <a:spAutoFit/>
+          </a:bodyPr>
+          <a:lstStyle/>
+          <a:p>
+            <a:pPr marL="457200" indent="-457200">
+              <a:buFont typeface="Arial" panose="020B0604020202020204" pitchFamily="34" charset="0"/>
+              <a:buChar char="•"/>
+            </a:pPr>
+            <a:r>
+              <a:rPr lang="de-DE" sz="2400" dirty="0"/>
+              <a:t>We found X proteins that ...</a:t>
+            </a:r>
+          </a:p>
+          <a:p>
+            <a:pPr marL="457200" indent="-457200">
+              <a:buFont typeface="Arial" panose="020B0604020202020204" pitchFamily="34" charset="0"/>
+              <a:buChar char="•"/>
+            </a:pPr>
+            <a:endParaRPr lang="de-DE" sz="2400" dirty="0"/>
+          </a:p>
+          <a:p>
+            <a:endParaRPr lang="en-US" sz="2400" b="1" dirty="0"/>
+          </a:p>
+        </p:txBody>
+      </p:sp>
+      <p:sp>
+        <p:nvSpPr>
+          <p:cNvPr id="20" name="Rectangle: Rounded Corners 19">
+            <a:extLst>
+              <a:ext uri="{FF2B5EF4-FFF2-40B4-BE49-F238E27FC236}">
+                <a16:creationId xmlns:a16="http://schemas.microsoft.com/office/drawing/2014/main" id="{17559DFF-5C51-4673-D8A1-D2B13C897EEB}"/>
+              </a:ext>
+            </a:extLst>
+          </p:cNvPr>
+          <p:cNvSpPr/>
+          <p:nvPr/>
+        </p:nvSpPr>
+        <p:spPr>
+          <a:xfrm>
+            <a:off x="619433" y="6354751"/>
+            <a:ext cx="29036347" cy="1430255"/>
+          </a:xfrm>
+          <a:prstGeom prst="roundRect">
+            <a:avLst>
+              <a:gd name="adj" fmla="val 0"/>
+            </a:avLst>
+          </a:prstGeom>
+          <a:solidFill>
+            <a:srgbClr val="842332"/>
+          </a:solidFill>
+          <a:ln>
+            <a:noFill/>
+          </a:ln>
+        </p:spPr>
+        <p:style>
+          <a:lnRef idx="2">
+            <a:schemeClr val="accent1">
+              <a:shade val="15000"/>
+            </a:schemeClr>
+          </a:lnRef>
+          <a:fillRef idx="1">
+            <a:schemeClr val="accent1"/>
+          </a:fillRef>
+          <a:effectRef idx="0">
+            <a:schemeClr val="accent1"/>
+          </a:effectRef>
+          <a:fontRef idx="minor">
+            <a:schemeClr val="lt1"/>
+          </a:fontRef>
+        </p:style>
+        <p:txBody>
+          <a:bodyPr rtlCol="0" anchor="ctr"/>
+          <a:lstStyle/>
+          <a:p>
+            <a:r>
+              <a:rPr lang="en-US" sz="6000" b="1" dirty="0"/>
+              <a:t>                   Identifying RNA-Dependent Proteins from Proteomic Data</a:t>
+            </a:r>
+            <a:endParaRPr lang="en-US" sz="1500" b="1" dirty="0"/>
+          </a:p>
+          <a:p>
+            <a:pPr algn="ctr"/>
+            <a:endParaRPr lang="en-US" sz="1000" b="1" dirty="0"/>
+          </a:p>
+        </p:txBody>
+      </p:sp>
+      <p:sp>
+        <p:nvSpPr>
+          <p:cNvPr id="21" name="TextBox 20">
+            <a:extLst>
+              <a:ext uri="{FF2B5EF4-FFF2-40B4-BE49-F238E27FC236}">
+                <a16:creationId xmlns:a16="http://schemas.microsoft.com/office/drawing/2014/main" id="{CD98A08E-D19E-0C19-3937-1BC787E32FC0}"/>
+              </a:ext>
+            </a:extLst>
+          </p:cNvPr>
+          <p:cNvSpPr txBox="1"/>
+          <p:nvPr/>
+        </p:nvSpPr>
+        <p:spPr>
+          <a:xfrm>
+            <a:off x="15164570" y="8328936"/>
+            <a:ext cx="13893040" cy="2308324"/>
+          </a:xfrm>
+          <a:prstGeom prst="rect">
+            <a:avLst/>
+          </a:prstGeom>
+          <a:noFill/>
+          <a:ln>
+            <a:noFill/>
+          </a:ln>
+        </p:spPr>
+        <p:txBody>
+          <a:bodyPr wrap="square">
+            <a:spAutoFit/>
+          </a:bodyPr>
+          <a:lstStyle/>
+          <a:p>
+            <a:r>
+              <a:rPr lang="en-US" sz="2400" b="1" dirty="0"/>
+              <a:t>Key Characteristics of Our Dataset</a:t>
+            </a:r>
+            <a:endParaRPr lang="de-DE" sz="2400" b="1" dirty="0"/>
+          </a:p>
+          <a:p>
+            <a:pPr marL="457200" indent="-457200">
+              <a:buFont typeface="Arial" panose="020B0604020202020204" pitchFamily="34" charset="0"/>
+              <a:buChar char="•"/>
+            </a:pPr>
+            <a:r>
+              <a:rPr lang="en-US" sz="2400" dirty="0"/>
+              <a:t>Our dataset was generated using the R-Deep approach</a:t>
+            </a:r>
+          </a:p>
+          <a:p>
+            <a:pPr marL="457200" indent="-457200">
+              <a:buFont typeface="Arial" panose="020B0604020202020204" pitchFamily="34" charset="0"/>
+              <a:buChar char="•"/>
+            </a:pPr>
+            <a:r>
+              <a:rPr lang="de-DE" sz="2400" dirty="0"/>
+              <a:t>~5000 Proteine in 25 Fraktionen, Rnase vs. CTRL</a:t>
+            </a:r>
+            <a:endParaRPr lang="en-US" sz="2400" dirty="0"/>
+          </a:p>
+          <a:p>
+            <a:pPr marL="457200" indent="-457200">
+              <a:buFont typeface="Arial" panose="020B0604020202020204" pitchFamily="34" charset="0"/>
+              <a:buChar char="•"/>
+            </a:pPr>
+            <a:r>
+              <a:rPr lang="en-US" sz="2400" dirty="0"/>
+              <a:t>Dimensions</a:t>
+            </a:r>
+            <a:endParaRPr lang="en-US" sz="2400" b="1" dirty="0"/>
+          </a:p>
+          <a:p>
+            <a:pPr marL="457200" indent="-457200">
+              <a:buFont typeface="Arial" panose="020B0604020202020204" pitchFamily="34" charset="0"/>
+              <a:buChar char="•"/>
+            </a:pPr>
+            <a:endParaRPr lang="de-DE" sz="2400" dirty="0"/>
+          </a:p>
+          <a:p>
+            <a:pPr marL="457200" indent="-457200">
+              <a:buFont typeface="Arial" panose="020B0604020202020204" pitchFamily="34" charset="0"/>
+              <a:buChar char="•"/>
+            </a:pPr>
+            <a:endParaRPr lang="de-DE" sz="2400" dirty="0"/>
+          </a:p>
+        </p:txBody>
+      </p:sp>
+      <p:sp>
+        <p:nvSpPr>
+          <p:cNvPr id="22" name="Rectangle: Rounded Corners 21">
+            <a:extLst>
+              <a:ext uri="{FF2B5EF4-FFF2-40B4-BE49-F238E27FC236}">
+                <a16:creationId xmlns:a16="http://schemas.microsoft.com/office/drawing/2014/main" id="{78953487-5DC6-2AD9-0A98-5C1C29209709}"/>
+              </a:ext>
+            </a:extLst>
+          </p:cNvPr>
+          <p:cNvSpPr/>
+          <p:nvPr/>
+        </p:nvSpPr>
+        <p:spPr>
+          <a:xfrm>
+            <a:off x="668635" y="13907015"/>
+            <a:ext cx="28937944" cy="1430255"/>
+          </a:xfrm>
+          <a:prstGeom prst="roundRect">
+            <a:avLst>
+              <a:gd name="adj" fmla="val 0"/>
+            </a:avLst>
+          </a:prstGeom>
+          <a:solidFill>
+            <a:srgbClr val="141F4C"/>
+          </a:solidFill>
+          <a:ln>
+            <a:noFill/>
+          </a:ln>
+        </p:spPr>
+        <p:style>
+          <a:lnRef idx="2">
+            <a:schemeClr val="accent1">
+              <a:shade val="15000"/>
+            </a:schemeClr>
+          </a:lnRef>
+          <a:fillRef idx="1">
+            <a:schemeClr val="accent1"/>
+          </a:fillRef>
+          <a:effectRef idx="0">
+            <a:schemeClr val="accent1"/>
+          </a:effectRef>
+          <a:fontRef idx="minor">
+            <a:schemeClr val="lt1"/>
+          </a:fontRef>
+        </p:style>
+        <p:txBody>
+          <a:bodyPr rtlCol="0" anchor="ctr"/>
+          <a:lstStyle/>
+          <a:p>
+            <a:r>
+              <a:rPr lang="en-US" sz="6000" b="1" dirty="0"/>
+              <a:t>                  Our Approach</a:t>
+            </a:r>
+            <a:endParaRPr lang="en-US" sz="1500" b="1" dirty="0"/>
+          </a:p>
+          <a:p>
+            <a:pPr algn="ctr"/>
+            <a:endParaRPr lang="en-US" sz="1000" b="1" dirty="0"/>
+          </a:p>
+        </p:txBody>
+      </p:sp>
+      <p:sp>
+        <p:nvSpPr>
+          <p:cNvPr id="23" name="Rectangle: Rounded Corners 22">
+            <a:extLst>
+              <a:ext uri="{FF2B5EF4-FFF2-40B4-BE49-F238E27FC236}">
+                <a16:creationId xmlns:a16="http://schemas.microsoft.com/office/drawing/2014/main" id="{FD585107-5D4E-3CA8-C8FD-88BCB9A21726}"/>
+              </a:ext>
+            </a:extLst>
+          </p:cNvPr>
+          <p:cNvSpPr/>
+          <p:nvPr/>
+        </p:nvSpPr>
+        <p:spPr>
+          <a:xfrm>
+            <a:off x="668636" y="27643718"/>
+            <a:ext cx="14468970" cy="1430255"/>
+          </a:xfrm>
+          <a:prstGeom prst="roundRect">
+            <a:avLst>
+              <a:gd name="adj" fmla="val 10312"/>
+            </a:avLst>
+          </a:prstGeom>
+          <a:solidFill>
+            <a:srgbClr val="141F4C"/>
+          </a:solidFill>
+          <a:ln>
+            <a:noFill/>
+          </a:ln>
+        </p:spPr>
+        <p:style>
+          <a:lnRef idx="2">
+            <a:schemeClr val="accent1">
+              <a:shade val="15000"/>
+            </a:schemeClr>
+          </a:lnRef>
+          <a:fillRef idx="1">
+            <a:schemeClr val="accent1"/>
+          </a:fillRef>
+          <a:effectRef idx="0">
+            <a:schemeClr val="accent1"/>
+          </a:effectRef>
+          <a:fontRef idx="minor">
+            <a:schemeClr val="lt1"/>
+          </a:fontRef>
+        </p:style>
+        <p:txBody>
+          <a:bodyPr rtlCol="0" anchor="ctr"/>
+          <a:lstStyle/>
+          <a:p>
+            <a:r>
+              <a:rPr lang="en-US" sz="6000" b="1" dirty="0"/>
+              <a:t>                  Discussion</a:t>
+            </a:r>
+            <a:endParaRPr lang="en-US" sz="1500" b="1" dirty="0"/>
+          </a:p>
+          <a:p>
+            <a:endParaRPr lang="en-US" sz="1000" b="1" dirty="0"/>
+          </a:p>
+        </p:txBody>
+      </p:sp>
+      <p:sp>
+        <p:nvSpPr>
+          <p:cNvPr id="24" name="Rectangle: Rounded Corners 23">
+            <a:extLst>
+              <a:ext uri="{FF2B5EF4-FFF2-40B4-BE49-F238E27FC236}">
+                <a16:creationId xmlns:a16="http://schemas.microsoft.com/office/drawing/2014/main" id="{2B14C896-E1EC-A4F3-33AB-9DBDBC76FC26}"/>
+              </a:ext>
+            </a:extLst>
+          </p:cNvPr>
+          <p:cNvSpPr/>
+          <p:nvPr/>
+        </p:nvSpPr>
+        <p:spPr>
+          <a:xfrm>
+            <a:off x="15765564" y="27736897"/>
+            <a:ext cx="13841013" cy="1430255"/>
+          </a:xfrm>
+          <a:prstGeom prst="roundRect">
+            <a:avLst>
+              <a:gd name="adj" fmla="val 0"/>
+            </a:avLst>
+          </a:prstGeom>
+          <a:solidFill>
+            <a:srgbClr val="842332"/>
+          </a:solidFill>
+          <a:ln>
+            <a:noFill/>
+          </a:ln>
+        </p:spPr>
+        <p:style>
+          <a:lnRef idx="2">
+            <a:schemeClr val="accent1">
+              <a:shade val="15000"/>
+            </a:schemeClr>
+          </a:lnRef>
+          <a:fillRef idx="1">
+            <a:schemeClr val="accent1"/>
+          </a:fillRef>
+          <a:effectRef idx="0">
+            <a:schemeClr val="accent1"/>
+          </a:effectRef>
+          <a:fontRef idx="minor">
+            <a:schemeClr val="lt1"/>
+          </a:fontRef>
+        </p:style>
+        <p:txBody>
+          <a:bodyPr rtlCol="0" anchor="ctr"/>
+          <a:lstStyle/>
+          <a:p>
+            <a:r>
+              <a:rPr lang="en-US" sz="6000" b="1" dirty="0"/>
+              <a:t>                 Our Achievements</a:t>
+            </a:r>
+            <a:endParaRPr lang="en-US" sz="1000" b="1" dirty="0"/>
+          </a:p>
+        </p:txBody>
+      </p:sp>
+      <p:sp>
+        <p:nvSpPr>
+          <p:cNvPr id="25" name="Rectangle: Rounded Corners 24">
+            <a:extLst>
+              <a:ext uri="{FF2B5EF4-FFF2-40B4-BE49-F238E27FC236}">
+                <a16:creationId xmlns:a16="http://schemas.microsoft.com/office/drawing/2014/main" id="{BDE39EFA-7C61-B485-DFD0-AC8A54C47FA5}"/>
+              </a:ext>
+            </a:extLst>
+          </p:cNvPr>
+          <p:cNvSpPr/>
+          <p:nvPr/>
+        </p:nvSpPr>
+        <p:spPr>
+          <a:xfrm>
+            <a:off x="15841730" y="35857778"/>
+            <a:ext cx="8199369" cy="1430255"/>
+          </a:xfrm>
+          <a:prstGeom prst="roundRect">
+            <a:avLst>
+              <a:gd name="adj" fmla="val 0"/>
+            </a:avLst>
+          </a:prstGeom>
+          <a:solidFill>
+            <a:srgbClr val="413D59"/>
+          </a:solidFill>
+          <a:ln>
+            <a:noFill/>
+          </a:ln>
+        </p:spPr>
+        <p:style>
+          <a:lnRef idx="2">
+            <a:schemeClr val="accent1">
+              <a:shade val="15000"/>
+            </a:schemeClr>
+          </a:lnRef>
+          <a:fillRef idx="1">
+            <a:schemeClr val="accent1"/>
+          </a:fillRef>
+          <a:effectRef idx="0">
+            <a:schemeClr val="accent1"/>
+          </a:effectRef>
+          <a:fontRef idx="minor">
+            <a:schemeClr val="lt1"/>
+          </a:fontRef>
+        </p:style>
+        <p:txBody>
+          <a:bodyPr rtlCol="0" anchor="ctr"/>
+          <a:lstStyle/>
+          <a:p>
+            <a:r>
+              <a:rPr lang="en-US" sz="6000" b="1" dirty="0"/>
+              <a:t>                 References</a:t>
+            </a:r>
+            <a:endParaRPr lang="en-US" sz="1000" b="1" dirty="0"/>
+          </a:p>
+        </p:txBody>
+      </p:sp>
+      <p:sp>
+        <p:nvSpPr>
+          <p:cNvPr id="27" name="Titel 1">
+            <a:extLst>
+              <a:ext uri="{FF2B5EF4-FFF2-40B4-BE49-F238E27FC236}">
+                <a16:creationId xmlns:a16="http://schemas.microsoft.com/office/drawing/2014/main" id="{73572731-33E2-3B7C-6152-F288B2B3335F}"/>
+              </a:ext>
+            </a:extLst>
+          </p:cNvPr>
+          <p:cNvSpPr txBox="1">
+            <a:spLocks/>
+          </p:cNvSpPr>
+          <p:nvPr/>
+        </p:nvSpPr>
+        <p:spPr>
+          <a:xfrm>
+            <a:off x="1568156" y="2264310"/>
+            <a:ext cx="28358864" cy="1836887"/>
+          </a:xfrm>
+          <a:prstGeom prst="rect">
+            <a:avLst/>
+          </a:prstGeom>
+        </p:spPr>
+        <p:txBody>
+          <a:bodyPr vert="horz" lIns="91440" tIns="45720" rIns="91440" bIns="45720" rtlCol="0" anchor="b">
+            <a:noAutofit/>
+          </a:bodyPr>
+          <a:lstStyle>
+            <a:lvl1pPr algn="ctr" defTabSz="3027487" rtl="0" eaLnBrk="1" latinLnBrk="0" hangingPunct="1">
+              <a:lnSpc>
+                <a:spcPct val="90000"/>
+              </a:lnSpc>
+              <a:spcBef>
+                <a:spcPct val="0"/>
+              </a:spcBef>
+              <a:buNone/>
+              <a:defRPr sz="19865" kern="1200">
+                <a:solidFill>
+                  <a:schemeClr val="tx1"/>
+                </a:solidFill>
+                <a:latin typeface="+mj-lt"/>
+                <a:ea typeface="+mj-ea"/>
+                <a:cs typeface="+mj-cs"/>
+              </a:defRPr>
+            </a:lvl1pPr>
+          </a:lstStyle>
+          <a:p>
+            <a:r>
+              <a:rPr lang="de-DE" sz="8000" b="1" dirty="0">
+                <a:solidFill>
+                  <a:schemeClr val="bg1"/>
+                </a:solidFill>
+              </a:rPr>
+              <a:t>Hidden Alliances: </a:t>
+            </a:r>
+          </a:p>
+          <a:p>
+            <a:r>
+              <a:rPr lang="de-DE" sz="8000" b="1" dirty="0">
+                <a:solidFill>
+                  <a:schemeClr val="bg1"/>
+                </a:solidFill>
+              </a:rPr>
+              <a:t>RNA-Dependent Protein Interactions </a:t>
+            </a:r>
+          </a:p>
+          <a:p>
+            <a:r>
+              <a:rPr lang="de-DE" sz="8000" b="1" dirty="0">
+                <a:solidFill>
+                  <a:schemeClr val="bg1"/>
+                </a:solidFill>
+              </a:rPr>
+              <a:t>in Cancer Cells</a:t>
+            </a:r>
+            <a:endParaRPr lang="en-US" sz="8000" b="1" dirty="0">
+              <a:solidFill>
+                <a:schemeClr val="bg1"/>
+              </a:solidFill>
+            </a:endParaRPr>
+          </a:p>
+        </p:txBody>
+      </p:sp>
+      <p:sp>
+        <p:nvSpPr>
+          <p:cNvPr id="28" name="Titel 1">
+            <a:extLst>
+              <a:ext uri="{FF2B5EF4-FFF2-40B4-BE49-F238E27FC236}">
+                <a16:creationId xmlns:a16="http://schemas.microsoft.com/office/drawing/2014/main" id="{A985B516-9B69-A801-8685-FC847B7923B6}"/>
+              </a:ext>
+            </a:extLst>
+          </p:cNvPr>
+          <p:cNvSpPr txBox="1">
+            <a:spLocks/>
+          </p:cNvSpPr>
+          <p:nvPr/>
+        </p:nvSpPr>
+        <p:spPr>
+          <a:xfrm>
+            <a:off x="8739451" y="3780826"/>
+            <a:ext cx="12850233" cy="1323687"/>
+          </a:xfrm>
+          <a:prstGeom prst="rect">
+            <a:avLst/>
+          </a:prstGeom>
+        </p:spPr>
+        <p:txBody>
+          <a:bodyPr vert="horz" lIns="45681" tIns="22840" rIns="45681" bIns="22840" rtlCol="0" anchor="b">
+            <a:noAutofit/>
+          </a:bodyPr>
+          <a:lstStyle>
+            <a:lvl1pPr algn="ctr" defTabSz="3027487" rtl="0" eaLnBrk="1" latinLnBrk="0" hangingPunct="1">
+              <a:lnSpc>
+                <a:spcPct val="90000"/>
+              </a:lnSpc>
+              <a:spcBef>
+                <a:spcPct val="0"/>
+              </a:spcBef>
+              <a:buNone/>
+              <a:defRPr sz="19865" kern="1200">
+                <a:solidFill>
+                  <a:schemeClr val="tx1"/>
+                </a:solidFill>
+                <a:latin typeface="+mj-lt"/>
+                <a:ea typeface="+mj-ea"/>
+                <a:cs typeface="+mj-cs"/>
+              </a:defRPr>
+            </a:lvl1pPr>
+          </a:lstStyle>
+          <a:p>
+            <a:r>
+              <a:rPr lang="de-DE" sz="2800" dirty="0" err="1">
+                <a:solidFill>
+                  <a:schemeClr val="bg1"/>
+                </a:solidFill>
+              </a:rPr>
+              <a:t>Baureis</a:t>
+            </a:r>
+            <a:r>
+              <a:rPr lang="de-DE" sz="2800" dirty="0">
+                <a:solidFill>
+                  <a:schemeClr val="bg1"/>
+                </a:solidFill>
+              </a:rPr>
+              <a:t>, J., </a:t>
+            </a:r>
+            <a:r>
+              <a:rPr lang="de-DE" sz="2800" dirty="0" err="1">
+                <a:solidFill>
+                  <a:schemeClr val="bg1"/>
+                </a:solidFill>
+              </a:rPr>
+              <a:t>Ferdin</a:t>
+            </a:r>
+            <a:r>
+              <a:rPr lang="de-DE" sz="2800" dirty="0">
+                <a:solidFill>
+                  <a:schemeClr val="bg1"/>
+                </a:solidFill>
+              </a:rPr>
+              <a:t>, J., Nicklas, B., </a:t>
+            </a:r>
+            <a:r>
+              <a:rPr lang="de-DE" sz="2800" dirty="0" err="1">
+                <a:solidFill>
+                  <a:schemeClr val="bg1"/>
+                </a:solidFill>
+              </a:rPr>
+              <a:t>Wintel</a:t>
+            </a:r>
+            <a:r>
+              <a:rPr lang="de-DE" sz="2800" dirty="0">
+                <a:solidFill>
+                  <a:schemeClr val="bg1"/>
+                </a:solidFill>
+              </a:rPr>
+              <a:t>, L.</a:t>
+            </a:r>
+          </a:p>
+          <a:p>
+            <a:r>
+              <a:rPr lang="de-DE" sz="2800" dirty="0">
+                <a:solidFill>
+                  <a:schemeClr val="bg1"/>
+                </a:solidFill>
+              </a:rPr>
+              <a:t>Data Analysis Project </a:t>
+            </a:r>
+            <a:r>
+              <a:rPr lang="de-DE" sz="2800" dirty="0" err="1">
+                <a:solidFill>
+                  <a:schemeClr val="bg1"/>
+                </a:solidFill>
+              </a:rPr>
+              <a:t>Molecular</a:t>
+            </a:r>
+            <a:r>
+              <a:rPr lang="de-DE" sz="2800" dirty="0">
+                <a:solidFill>
+                  <a:schemeClr val="bg1"/>
+                </a:solidFill>
+              </a:rPr>
+              <a:t> Biotechnology SS2025</a:t>
+            </a:r>
+          </a:p>
+        </p:txBody>
+      </p:sp>
+      <p:sp>
+        <p:nvSpPr>
+          <p:cNvPr id="29" name="Flowchart: Connector 28">
+            <a:extLst>
+              <a:ext uri="{FF2B5EF4-FFF2-40B4-BE49-F238E27FC236}">
+                <a16:creationId xmlns:a16="http://schemas.microsoft.com/office/drawing/2014/main" id="{26161B18-9734-5285-AD86-8D60608CF9FC}"/>
+              </a:ext>
+            </a:extLst>
+          </p:cNvPr>
+          <p:cNvSpPr/>
+          <p:nvPr/>
+        </p:nvSpPr>
+        <p:spPr>
+          <a:xfrm>
+            <a:off x="1194289" y="5986115"/>
+            <a:ext cx="2006111" cy="1960592"/>
+          </a:xfrm>
+          <a:prstGeom prst="flowChartConnector">
+            <a:avLst/>
+          </a:prstGeom>
+          <a:solidFill>
+            <a:schemeClr val="bg1"/>
+          </a:solidFill>
+          <a:ln w="254000">
+            <a:solidFill>
+              <a:srgbClr val="842332"/>
+            </a:solidFill>
+          </a:ln>
+        </p:spPr>
+        <p:style>
+          <a:lnRef idx="2">
+            <a:schemeClr val="accent1">
+              <a:shade val="15000"/>
+            </a:schemeClr>
+          </a:lnRef>
+          <a:fillRef idx="1">
+            <a:schemeClr val="accent1"/>
+          </a:fillRef>
+          <a:effectRef idx="0">
+            <a:schemeClr val="accent1"/>
+          </a:effectRef>
+          <a:fontRef idx="minor">
+            <a:schemeClr val="lt1"/>
+          </a:fontRef>
+        </p:style>
+        <p:txBody>
+          <a:bodyPr rtlCol="0" anchor="ctr"/>
+          <a:lstStyle/>
+          <a:p>
+            <a:pPr algn="ctr"/>
+            <a:r>
+              <a:rPr lang="de-DE" sz="7000" b="1" dirty="0">
+                <a:solidFill>
+                  <a:srgbClr val="87081B"/>
+                </a:solidFill>
+              </a:rPr>
+              <a:t>1</a:t>
+            </a:r>
+          </a:p>
+        </p:txBody>
+      </p:sp>
+      <p:sp>
+        <p:nvSpPr>
+          <p:cNvPr id="31" name="Flowchart: Connector 30">
+            <a:extLst>
+              <a:ext uri="{FF2B5EF4-FFF2-40B4-BE49-F238E27FC236}">
+                <a16:creationId xmlns:a16="http://schemas.microsoft.com/office/drawing/2014/main" id="{D0D147AE-3111-67D2-0D06-B2CB3F7277CF}"/>
+              </a:ext>
+            </a:extLst>
+          </p:cNvPr>
+          <p:cNvSpPr/>
+          <p:nvPr/>
+        </p:nvSpPr>
+        <p:spPr>
+          <a:xfrm>
+            <a:off x="1194288" y="13584696"/>
+            <a:ext cx="2006111" cy="1960592"/>
+          </a:xfrm>
+          <a:prstGeom prst="flowChartConnector">
+            <a:avLst/>
+          </a:prstGeom>
+          <a:solidFill>
+            <a:schemeClr val="bg1"/>
+          </a:solidFill>
+          <a:ln w="254000">
+            <a:solidFill>
+              <a:srgbClr val="120D31"/>
+            </a:solidFill>
+          </a:ln>
+        </p:spPr>
+        <p:style>
+          <a:lnRef idx="2">
+            <a:schemeClr val="accent1">
+              <a:shade val="15000"/>
+            </a:schemeClr>
+          </a:lnRef>
+          <a:fillRef idx="1">
+            <a:schemeClr val="accent1"/>
+          </a:fillRef>
+          <a:effectRef idx="0">
+            <a:schemeClr val="accent1"/>
+          </a:effectRef>
+          <a:fontRef idx="minor">
+            <a:schemeClr val="lt1"/>
+          </a:fontRef>
+        </p:style>
+        <p:txBody>
+          <a:bodyPr rtlCol="0" anchor="ctr"/>
+          <a:lstStyle/>
+          <a:p>
+            <a:pPr algn="ctr"/>
+            <a:r>
+              <a:rPr lang="de-DE" sz="7000" b="1" dirty="0">
+                <a:solidFill>
+                  <a:srgbClr val="120D31"/>
+                </a:solidFill>
+              </a:rPr>
+              <a:t>2</a:t>
+            </a:r>
+          </a:p>
+        </p:txBody>
+      </p:sp>
+      <p:sp>
+        <p:nvSpPr>
+          <p:cNvPr id="32" name="Flowchart: Connector 31">
+            <a:extLst>
+              <a:ext uri="{FF2B5EF4-FFF2-40B4-BE49-F238E27FC236}">
+                <a16:creationId xmlns:a16="http://schemas.microsoft.com/office/drawing/2014/main" id="{66C14411-35DC-3642-D835-CEC343073827}"/>
+              </a:ext>
+            </a:extLst>
+          </p:cNvPr>
+          <p:cNvSpPr/>
+          <p:nvPr/>
+        </p:nvSpPr>
+        <p:spPr>
+          <a:xfrm>
+            <a:off x="1194287" y="27398826"/>
+            <a:ext cx="2006111" cy="1960592"/>
+          </a:xfrm>
+          <a:prstGeom prst="flowChartConnector">
+            <a:avLst/>
+          </a:prstGeom>
+          <a:solidFill>
+            <a:schemeClr val="bg1"/>
+          </a:solidFill>
+          <a:ln w="254000">
+            <a:solidFill>
+              <a:srgbClr val="120D31"/>
+            </a:solidFill>
+          </a:ln>
+        </p:spPr>
+        <p:style>
+          <a:lnRef idx="2">
+            <a:schemeClr val="accent1">
+              <a:shade val="15000"/>
+            </a:schemeClr>
+          </a:lnRef>
+          <a:fillRef idx="1">
+            <a:schemeClr val="accent1"/>
+          </a:fillRef>
+          <a:effectRef idx="0">
+            <a:schemeClr val="accent1"/>
+          </a:effectRef>
+          <a:fontRef idx="minor">
+            <a:schemeClr val="lt1"/>
+          </a:fontRef>
+        </p:style>
+        <p:txBody>
+          <a:bodyPr rtlCol="0" anchor="ctr"/>
+          <a:lstStyle/>
+          <a:p>
+            <a:pPr algn="ctr"/>
+            <a:r>
+              <a:rPr lang="de-DE" sz="7000" b="1" dirty="0">
+                <a:solidFill>
+                  <a:srgbClr val="120D31"/>
+                </a:solidFill>
+              </a:rPr>
+              <a:t>3</a:t>
+            </a:r>
+          </a:p>
+        </p:txBody>
+      </p:sp>
+      <p:sp>
+        <p:nvSpPr>
+          <p:cNvPr id="33" name="Flowchart: Connector 32">
+            <a:extLst>
+              <a:ext uri="{FF2B5EF4-FFF2-40B4-BE49-F238E27FC236}">
+                <a16:creationId xmlns:a16="http://schemas.microsoft.com/office/drawing/2014/main" id="{021F0E63-FF49-A744-BE4C-2E889DB3394D}"/>
+              </a:ext>
+            </a:extLst>
+          </p:cNvPr>
+          <p:cNvSpPr/>
+          <p:nvPr/>
+        </p:nvSpPr>
+        <p:spPr>
+          <a:xfrm>
+            <a:off x="16242587" y="27394687"/>
+            <a:ext cx="2006111" cy="1960592"/>
+          </a:xfrm>
+          <a:prstGeom prst="flowChartConnector">
+            <a:avLst/>
+          </a:prstGeom>
+          <a:solidFill>
+            <a:schemeClr val="bg1"/>
+          </a:solidFill>
+          <a:ln w="254000">
+            <a:solidFill>
+              <a:srgbClr val="842332"/>
+            </a:solidFill>
+          </a:ln>
+        </p:spPr>
+        <p:style>
+          <a:lnRef idx="2">
+            <a:schemeClr val="accent1">
+              <a:shade val="15000"/>
+            </a:schemeClr>
+          </a:lnRef>
+          <a:fillRef idx="1">
+            <a:schemeClr val="accent1"/>
+          </a:fillRef>
+          <a:effectRef idx="0">
+            <a:schemeClr val="accent1"/>
+          </a:effectRef>
+          <a:fontRef idx="minor">
+            <a:schemeClr val="lt1"/>
+          </a:fontRef>
+        </p:style>
+        <p:txBody>
+          <a:bodyPr rtlCol="0" anchor="ctr"/>
+          <a:lstStyle/>
+          <a:p>
+            <a:pPr algn="ctr"/>
+            <a:r>
+              <a:rPr lang="de-DE" sz="7000" b="1" dirty="0">
+                <a:solidFill>
+                  <a:srgbClr val="87081B"/>
+                </a:solidFill>
+              </a:rPr>
+              <a:t>4</a:t>
+            </a:r>
+          </a:p>
+        </p:txBody>
+      </p:sp>
+      <p:sp>
+        <p:nvSpPr>
+          <p:cNvPr id="37" name="Flowchart: Connector 36">
+            <a:extLst>
+              <a:ext uri="{FF2B5EF4-FFF2-40B4-BE49-F238E27FC236}">
+                <a16:creationId xmlns:a16="http://schemas.microsoft.com/office/drawing/2014/main" id="{05E440DF-ABE6-29D7-5340-6C634269EC5A}"/>
+              </a:ext>
+            </a:extLst>
+          </p:cNvPr>
+          <p:cNvSpPr/>
+          <p:nvPr/>
+        </p:nvSpPr>
+        <p:spPr>
+          <a:xfrm>
+            <a:off x="16285627" y="35586126"/>
+            <a:ext cx="2006111" cy="1960592"/>
+          </a:xfrm>
+          <a:prstGeom prst="flowChartConnector">
+            <a:avLst/>
+          </a:prstGeom>
+          <a:solidFill>
+            <a:schemeClr val="bg1"/>
+          </a:solidFill>
+          <a:ln w="254000">
+            <a:solidFill>
+              <a:srgbClr val="413D59"/>
+            </a:solidFill>
+          </a:ln>
+        </p:spPr>
+        <p:style>
+          <a:lnRef idx="2">
+            <a:schemeClr val="accent1">
+              <a:shade val="15000"/>
+            </a:schemeClr>
+          </a:lnRef>
+          <a:fillRef idx="1">
+            <a:schemeClr val="accent1"/>
+          </a:fillRef>
+          <a:effectRef idx="0">
+            <a:schemeClr val="accent1"/>
+          </a:effectRef>
+          <a:fontRef idx="minor">
+            <a:schemeClr val="lt1"/>
+          </a:fontRef>
+        </p:style>
+        <p:txBody>
+          <a:bodyPr rtlCol="0" anchor="ctr"/>
+          <a:lstStyle/>
+          <a:p>
+            <a:pPr algn="ctr"/>
+            <a:r>
+              <a:rPr lang="de-DE" sz="7000" b="1" dirty="0">
+                <a:solidFill>
+                  <a:srgbClr val="302F4D"/>
+                </a:solidFill>
+              </a:rPr>
+              <a:t>5</a:t>
+            </a:r>
+          </a:p>
+        </p:txBody>
+      </p:sp>
+      <p:pic>
+        <p:nvPicPr>
+          <p:cNvPr id="39" name="Picture 38">
+            <a:extLst>
+              <a:ext uri="{FF2B5EF4-FFF2-40B4-BE49-F238E27FC236}">
+                <a16:creationId xmlns:a16="http://schemas.microsoft.com/office/drawing/2014/main" id="{2D5FFC4F-5749-FA80-CE2C-64023D23C012}"/>
+              </a:ext>
+            </a:extLst>
+          </p:cNvPr>
+          <p:cNvPicPr>
+            <a:picLocks noChangeAspect="1"/>
+          </p:cNvPicPr>
+          <p:nvPr/>
+        </p:nvPicPr>
+        <p:blipFill>
+          <a:blip r:embed="rId4"/>
+          <a:stretch>
+            <a:fillRect/>
+          </a:stretch>
+        </p:blipFill>
+        <p:spPr>
+          <a:xfrm>
+            <a:off x="24585746" y="39152451"/>
+            <a:ext cx="3922235" cy="2206256"/>
+          </a:xfrm>
+          <a:prstGeom prst="rect">
+            <a:avLst/>
+          </a:prstGeom>
+        </p:spPr>
+      </p:pic>
+      <p:sp>
+        <p:nvSpPr>
+          <p:cNvPr id="40" name="Rectangle: Top Corners Rounded 39">
+            <a:extLst>
+              <a:ext uri="{FF2B5EF4-FFF2-40B4-BE49-F238E27FC236}">
+                <a16:creationId xmlns:a16="http://schemas.microsoft.com/office/drawing/2014/main" id="{F4416AEA-34F2-24DF-EA33-09AFC995BF3E}"/>
+              </a:ext>
+            </a:extLst>
+          </p:cNvPr>
+          <p:cNvSpPr/>
+          <p:nvPr/>
+        </p:nvSpPr>
+        <p:spPr>
+          <a:xfrm flipV="1">
+            <a:off x="-1" y="41844211"/>
+            <a:ext cx="30329139" cy="959548"/>
+          </a:xfrm>
+          <a:prstGeom prst="round2SameRect">
+            <a:avLst>
+              <a:gd name="adj1" fmla="val 0"/>
+              <a:gd name="adj2" fmla="val 0"/>
+            </a:avLst>
+          </a:prstGeom>
+          <a:solidFill>
+            <a:srgbClr val="141F4C"/>
+          </a:solidFill>
+          <a:ln w="254000">
+            <a:noFill/>
+          </a:ln>
+        </p:spPr>
+        <p:style>
+          <a:lnRef idx="2">
+            <a:schemeClr val="accent1">
+              <a:shade val="15000"/>
+            </a:schemeClr>
+          </a:lnRef>
+          <a:fillRef idx="1">
+            <a:schemeClr val="accent1"/>
+          </a:fillRef>
+          <a:effectRef idx="0">
+            <a:schemeClr val="accent1"/>
+          </a:effectRef>
+          <a:fontRef idx="minor">
+            <a:schemeClr val="lt1"/>
+          </a:fontRef>
+        </p:style>
+        <p:txBody>
+          <a:bodyPr rtlCol="0" anchor="ctr"/>
+          <a:lstStyle/>
+          <a:p>
+            <a:pPr algn="ctr"/>
+            <a:endParaRPr lang="de-DE"/>
+          </a:p>
+        </p:txBody>
+      </p:sp>
+      <p:grpSp>
+        <p:nvGrpSpPr>
+          <p:cNvPr id="2" name="Group 1">
+            <a:extLst>
+              <a:ext uri="{FF2B5EF4-FFF2-40B4-BE49-F238E27FC236}">
+                <a16:creationId xmlns:a16="http://schemas.microsoft.com/office/drawing/2014/main" id="{192A5DA8-99E6-8902-C8D2-30D1944FA72F}"/>
+              </a:ext>
+            </a:extLst>
+          </p:cNvPr>
+          <p:cNvGrpSpPr/>
+          <p:nvPr/>
+        </p:nvGrpSpPr>
+        <p:grpSpPr>
+          <a:xfrm>
+            <a:off x="18088459" y="8783552"/>
+            <a:ext cx="10896006" cy="4108381"/>
+            <a:chOff x="18442634" y="8936099"/>
+            <a:chExt cx="10896006" cy="4108381"/>
+          </a:xfrm>
+        </p:grpSpPr>
+        <p:pic>
+          <p:nvPicPr>
+            <p:cNvPr id="3" name="Picture 2" descr="A graph showing a line graph&#10;&#10;AI-generated content may be incorrect.">
+              <a:extLst>
+                <a:ext uri="{FF2B5EF4-FFF2-40B4-BE49-F238E27FC236}">
+                  <a16:creationId xmlns:a16="http://schemas.microsoft.com/office/drawing/2014/main" id="{991C7AA1-F05B-1BDA-3E10-B42BC5A4090A}"/>
+                </a:ext>
+              </a:extLst>
+            </p:cNvPr>
+            <p:cNvPicPr>
+              <a:picLocks noChangeAspect="1"/>
+            </p:cNvPicPr>
+            <p:nvPr/>
+          </p:nvPicPr>
+          <p:blipFill>
+            <a:blip r:embed="rId5"/>
+            <a:stretch>
+              <a:fillRect/>
+            </a:stretch>
+          </p:blipFill>
+          <p:spPr>
+            <a:xfrm>
+              <a:off x="18442634" y="8936099"/>
+              <a:ext cx="5475046" cy="4106284"/>
+            </a:xfrm>
+            <a:prstGeom prst="rect">
+              <a:avLst/>
+            </a:prstGeom>
+          </p:spPr>
+        </p:pic>
+        <p:pic>
+          <p:nvPicPr>
+            <p:cNvPr id="5" name="Picture 4" descr="A graph of a line graph&#10;&#10;AI-generated content may be incorrect.">
+              <a:extLst>
+                <a:ext uri="{FF2B5EF4-FFF2-40B4-BE49-F238E27FC236}">
+                  <a16:creationId xmlns:a16="http://schemas.microsoft.com/office/drawing/2014/main" id="{62CEE539-29C1-9DCB-A6EA-E07AF162098D}"/>
+                </a:ext>
+              </a:extLst>
+            </p:cNvPr>
+            <p:cNvPicPr>
+              <a:picLocks noChangeAspect="1"/>
+            </p:cNvPicPr>
+            <p:nvPr/>
+          </p:nvPicPr>
+          <p:blipFill>
+            <a:blip r:embed="rId6"/>
+            <a:stretch>
+              <a:fillRect/>
+            </a:stretch>
+          </p:blipFill>
+          <p:spPr>
+            <a:xfrm>
+              <a:off x="23863594" y="8938195"/>
+              <a:ext cx="5475046" cy="4106285"/>
+            </a:xfrm>
+            <a:prstGeom prst="rect">
+              <a:avLst/>
+            </a:prstGeom>
+          </p:spPr>
+        </p:pic>
+      </p:grpSp>
+      <p:grpSp>
+        <p:nvGrpSpPr>
+          <p:cNvPr id="51" name="Group 50">
+            <a:extLst>
+              <a:ext uri="{FF2B5EF4-FFF2-40B4-BE49-F238E27FC236}">
+                <a16:creationId xmlns:a16="http://schemas.microsoft.com/office/drawing/2014/main" id="{ED9ABD94-C94E-646F-2A44-2F2DAFD24412}"/>
+              </a:ext>
+            </a:extLst>
+          </p:cNvPr>
+          <p:cNvGrpSpPr/>
+          <p:nvPr/>
+        </p:nvGrpSpPr>
+        <p:grpSpPr>
+          <a:xfrm>
+            <a:off x="6585894" y="31028443"/>
+            <a:ext cx="8681825" cy="6657173"/>
+            <a:chOff x="6505830" y="34375433"/>
+            <a:chExt cx="8076400" cy="6047084"/>
+          </a:xfrm>
+        </p:grpSpPr>
+        <p:pic>
+          <p:nvPicPr>
+            <p:cNvPr id="38" name="Picture 37" descr="A diagram of different colored circles&#10;&#10;AI-generated content may be incorrect.">
+              <a:extLst>
+                <a:ext uri="{FF2B5EF4-FFF2-40B4-BE49-F238E27FC236}">
+                  <a16:creationId xmlns:a16="http://schemas.microsoft.com/office/drawing/2014/main" id="{5FE244D3-F745-7675-18BC-4E5BDDAAA2C6}"/>
+                </a:ext>
+              </a:extLst>
+            </p:cNvPr>
+            <p:cNvPicPr>
+              <a:picLocks noChangeAspect="1"/>
+            </p:cNvPicPr>
+            <p:nvPr/>
+          </p:nvPicPr>
+          <p:blipFill>
+            <a:blip r:embed="rId7"/>
+            <a:stretch>
+              <a:fillRect/>
+            </a:stretch>
+          </p:blipFill>
+          <p:spPr>
+            <a:xfrm>
+              <a:off x="6519451" y="34375433"/>
+              <a:ext cx="4031389" cy="3023542"/>
+            </a:xfrm>
+            <a:prstGeom prst="rect">
+              <a:avLst/>
+            </a:prstGeom>
+          </p:spPr>
+        </p:pic>
+        <p:pic>
+          <p:nvPicPr>
+            <p:cNvPr id="42" name="Picture 41" descr="A diagram of a diagram showing different colored circles&#10;&#10;AI-generated content may be incorrect.">
+              <a:extLst>
+                <a:ext uri="{FF2B5EF4-FFF2-40B4-BE49-F238E27FC236}">
+                  <a16:creationId xmlns:a16="http://schemas.microsoft.com/office/drawing/2014/main" id="{FE9F085E-4B7C-B477-1505-EA27EF0B3463}"/>
+                </a:ext>
+              </a:extLst>
+            </p:cNvPr>
+            <p:cNvPicPr>
+              <a:picLocks noChangeAspect="1"/>
+            </p:cNvPicPr>
+            <p:nvPr/>
+          </p:nvPicPr>
+          <p:blipFill>
+            <a:blip r:embed="rId8"/>
+            <a:stretch>
+              <a:fillRect/>
+            </a:stretch>
+          </p:blipFill>
+          <p:spPr>
+            <a:xfrm>
+              <a:off x="6505830" y="37398975"/>
+              <a:ext cx="4031389" cy="3023542"/>
+            </a:xfrm>
+            <a:prstGeom prst="rect">
+              <a:avLst/>
+            </a:prstGeom>
+          </p:spPr>
+        </p:pic>
+        <p:pic>
+          <p:nvPicPr>
+            <p:cNvPr id="44" name="Picture 43" descr="A diagram of a graph&#10;&#10;AI-generated content may be incorrect.">
+              <a:extLst>
+                <a:ext uri="{FF2B5EF4-FFF2-40B4-BE49-F238E27FC236}">
+                  <a16:creationId xmlns:a16="http://schemas.microsoft.com/office/drawing/2014/main" id="{1EB2A225-F95B-A749-961A-21A6F93F1486}"/>
+                </a:ext>
+              </a:extLst>
+            </p:cNvPr>
+            <p:cNvPicPr>
+              <a:picLocks noChangeAspect="1"/>
+            </p:cNvPicPr>
+            <p:nvPr/>
+          </p:nvPicPr>
+          <p:blipFill>
+            <a:blip r:embed="rId9"/>
+            <a:stretch>
+              <a:fillRect/>
+            </a:stretch>
+          </p:blipFill>
+          <p:spPr>
+            <a:xfrm>
+              <a:off x="10536265" y="34375433"/>
+              <a:ext cx="4031388" cy="3023541"/>
+            </a:xfrm>
+            <a:prstGeom prst="rect">
+              <a:avLst/>
+            </a:prstGeom>
+          </p:spPr>
+        </p:pic>
+        <p:pic>
+          <p:nvPicPr>
+            <p:cNvPr id="46" name="Picture 45" descr="A diagram of different colored circles&#10;&#10;AI-generated content may be incorrect.">
+              <a:extLst>
+                <a:ext uri="{FF2B5EF4-FFF2-40B4-BE49-F238E27FC236}">
+                  <a16:creationId xmlns:a16="http://schemas.microsoft.com/office/drawing/2014/main" id="{BC63CCF8-97F1-75D5-45FC-497815090855}"/>
+                </a:ext>
+              </a:extLst>
+            </p:cNvPr>
+            <p:cNvPicPr>
+              <a:picLocks noChangeAspect="1"/>
+            </p:cNvPicPr>
+            <p:nvPr/>
+          </p:nvPicPr>
+          <p:blipFill>
+            <a:blip r:embed="rId10"/>
+            <a:stretch>
+              <a:fillRect/>
+            </a:stretch>
+          </p:blipFill>
+          <p:spPr>
+            <a:xfrm>
+              <a:off x="10550841" y="37398975"/>
+              <a:ext cx="4031389" cy="3023542"/>
+            </a:xfrm>
+            <a:prstGeom prst="rect">
+              <a:avLst/>
+            </a:prstGeom>
+          </p:spPr>
+        </p:pic>
+      </p:grpSp>
+      <p:grpSp>
+        <p:nvGrpSpPr>
+          <p:cNvPr id="65" name="Group 64">
+            <a:extLst>
+              <a:ext uri="{FF2B5EF4-FFF2-40B4-BE49-F238E27FC236}">
+                <a16:creationId xmlns:a16="http://schemas.microsoft.com/office/drawing/2014/main" id="{6DBDFAE6-5212-6BB8-1092-3968CFD7E620}"/>
+              </a:ext>
+            </a:extLst>
+          </p:cNvPr>
+          <p:cNvGrpSpPr/>
+          <p:nvPr/>
+        </p:nvGrpSpPr>
+        <p:grpSpPr>
+          <a:xfrm>
+            <a:off x="16647870" y="21398510"/>
+            <a:ext cx="7442926" cy="5435653"/>
+            <a:chOff x="23281846" y="22558245"/>
+            <a:chExt cx="5224180" cy="3911696"/>
+          </a:xfrm>
+        </p:grpSpPr>
+        <p:pic>
+          <p:nvPicPr>
+            <p:cNvPr id="11" name="Picture 10" descr="A graph of a line graph&#10;&#10;AI-generated content may be incorrect.">
+              <a:extLst>
+                <a:ext uri="{FF2B5EF4-FFF2-40B4-BE49-F238E27FC236}">
+                  <a16:creationId xmlns:a16="http://schemas.microsoft.com/office/drawing/2014/main" id="{27E55C8D-4E8B-EEE2-EFBF-E81404C1E970}"/>
+                </a:ext>
+              </a:extLst>
+            </p:cNvPr>
+            <p:cNvPicPr>
+              <a:picLocks noChangeAspect="1"/>
+            </p:cNvPicPr>
+            <p:nvPr/>
+          </p:nvPicPr>
+          <p:blipFill>
+            <a:blip r:embed="rId11"/>
+            <a:stretch>
+              <a:fillRect/>
+            </a:stretch>
+          </p:blipFill>
+          <p:spPr>
+            <a:xfrm>
+              <a:off x="23286139" y="22558245"/>
+              <a:ext cx="2607798" cy="1955848"/>
+            </a:xfrm>
+            <a:prstGeom prst="rect">
+              <a:avLst/>
+            </a:prstGeom>
+          </p:spPr>
+        </p:pic>
+        <p:pic>
+          <p:nvPicPr>
+            <p:cNvPr id="30" name="Picture 29" descr="A graph showing the number of patients with a number of patients&#10;&#10;AI-generated content may be incorrect.">
+              <a:extLst>
+                <a:ext uri="{FF2B5EF4-FFF2-40B4-BE49-F238E27FC236}">
+                  <a16:creationId xmlns:a16="http://schemas.microsoft.com/office/drawing/2014/main" id="{FADDDED4-40E5-126B-33D4-8774B51F4268}"/>
+                </a:ext>
+              </a:extLst>
+            </p:cNvPr>
+            <p:cNvPicPr>
+              <a:picLocks noChangeAspect="1"/>
+            </p:cNvPicPr>
+            <p:nvPr/>
+          </p:nvPicPr>
+          <p:blipFill>
+            <a:blip r:embed="rId12"/>
+            <a:stretch>
+              <a:fillRect/>
+            </a:stretch>
+          </p:blipFill>
+          <p:spPr>
+            <a:xfrm>
+              <a:off x="25898230" y="24514093"/>
+              <a:ext cx="2607796" cy="1955847"/>
+            </a:xfrm>
+            <a:prstGeom prst="rect">
+              <a:avLst/>
+            </a:prstGeom>
+          </p:spPr>
+        </p:pic>
+        <p:pic>
+          <p:nvPicPr>
+            <p:cNvPr id="35" name="Picture 34" descr="A graph of a line graph&#10;&#10;AI-generated content may be incorrect.">
+              <a:extLst>
+                <a:ext uri="{FF2B5EF4-FFF2-40B4-BE49-F238E27FC236}">
+                  <a16:creationId xmlns:a16="http://schemas.microsoft.com/office/drawing/2014/main" id="{CBB18CC3-F048-6B22-CB3B-A1677E5D9BB7}"/>
+                </a:ext>
+              </a:extLst>
+            </p:cNvPr>
+            <p:cNvPicPr>
+              <a:picLocks noChangeAspect="1"/>
+            </p:cNvPicPr>
+            <p:nvPr/>
+          </p:nvPicPr>
+          <p:blipFill>
+            <a:blip r:embed="rId13"/>
+            <a:stretch>
+              <a:fillRect/>
+            </a:stretch>
+          </p:blipFill>
+          <p:spPr>
+            <a:xfrm>
+              <a:off x="25893937" y="22558245"/>
+              <a:ext cx="2607796" cy="1955848"/>
+            </a:xfrm>
+            <a:prstGeom prst="rect">
+              <a:avLst/>
+            </a:prstGeom>
+          </p:spPr>
+        </p:pic>
+        <p:pic>
+          <p:nvPicPr>
+            <p:cNvPr id="48" name="Picture 47" descr="A graph of a graph showing the number of points&#10;&#10;AI-generated content may be incorrect.">
+              <a:extLst>
+                <a:ext uri="{FF2B5EF4-FFF2-40B4-BE49-F238E27FC236}">
+                  <a16:creationId xmlns:a16="http://schemas.microsoft.com/office/drawing/2014/main" id="{366E92D4-D4BD-8D22-250D-05C586FB8F3D}"/>
+                </a:ext>
+              </a:extLst>
+            </p:cNvPr>
+            <p:cNvPicPr>
+              <a:picLocks noChangeAspect="1"/>
+            </p:cNvPicPr>
+            <p:nvPr/>
+          </p:nvPicPr>
+          <p:blipFill>
+            <a:blip r:embed="rId14"/>
+            <a:stretch>
+              <a:fillRect/>
+            </a:stretch>
+          </p:blipFill>
+          <p:spPr>
+            <a:xfrm>
+              <a:off x="23281846" y="24514093"/>
+              <a:ext cx="2607797" cy="1955848"/>
+            </a:xfrm>
+            <a:prstGeom prst="rect">
+              <a:avLst/>
+            </a:prstGeom>
+          </p:spPr>
+        </p:pic>
+      </p:grpSp>
+      <p:grpSp>
+        <p:nvGrpSpPr>
+          <p:cNvPr id="64" name="Group 63">
+            <a:extLst>
+              <a:ext uri="{FF2B5EF4-FFF2-40B4-BE49-F238E27FC236}">
+                <a16:creationId xmlns:a16="http://schemas.microsoft.com/office/drawing/2014/main" id="{A6734B18-ABA4-30A4-44E5-F3DA46AEDF85}"/>
+              </a:ext>
+            </a:extLst>
+          </p:cNvPr>
+          <p:cNvGrpSpPr/>
+          <p:nvPr/>
+        </p:nvGrpSpPr>
+        <p:grpSpPr>
+          <a:xfrm>
+            <a:off x="16647870" y="15507481"/>
+            <a:ext cx="8356224" cy="5718751"/>
+            <a:chOff x="23453302" y="18125964"/>
+            <a:chExt cx="5215594" cy="3915983"/>
+          </a:xfrm>
+        </p:grpSpPr>
+        <p:pic>
+          <p:nvPicPr>
+            <p:cNvPr id="53" name="Picture 52" descr="A diagram of a graph&#10;&#10;AI-generated content may be incorrect.">
+              <a:extLst>
+                <a:ext uri="{FF2B5EF4-FFF2-40B4-BE49-F238E27FC236}">
+                  <a16:creationId xmlns:a16="http://schemas.microsoft.com/office/drawing/2014/main" id="{C2BE33FA-7E5B-2848-2C7B-B7B60A8ADE62}"/>
+                </a:ext>
+              </a:extLst>
+            </p:cNvPr>
+            <p:cNvPicPr>
+              <a:picLocks noChangeAspect="1"/>
+            </p:cNvPicPr>
+            <p:nvPr/>
+          </p:nvPicPr>
+          <p:blipFill>
+            <a:blip r:embed="rId15"/>
+            <a:stretch>
+              <a:fillRect/>
+            </a:stretch>
+          </p:blipFill>
+          <p:spPr>
+            <a:xfrm>
+              <a:off x="23453302" y="20086099"/>
+              <a:ext cx="2607796" cy="1955847"/>
+            </a:xfrm>
+            <a:prstGeom prst="rect">
+              <a:avLst/>
+            </a:prstGeom>
+          </p:spPr>
+        </p:pic>
+        <p:pic>
+          <p:nvPicPr>
+            <p:cNvPr id="61" name="Picture 60" descr="A graph of a curve&#10;&#10;AI-generated content may be incorrect.">
+              <a:extLst>
+                <a:ext uri="{FF2B5EF4-FFF2-40B4-BE49-F238E27FC236}">
+                  <a16:creationId xmlns:a16="http://schemas.microsoft.com/office/drawing/2014/main" id="{6E1445C8-8F74-5975-F87A-D8FD5D018751}"/>
+                </a:ext>
+              </a:extLst>
+            </p:cNvPr>
+            <p:cNvPicPr>
+              <a:picLocks noChangeAspect="1"/>
+            </p:cNvPicPr>
+            <p:nvPr/>
+          </p:nvPicPr>
+          <p:blipFill>
+            <a:blip r:embed="rId16"/>
+            <a:stretch>
+              <a:fillRect/>
+            </a:stretch>
+          </p:blipFill>
+          <p:spPr>
+            <a:xfrm>
+              <a:off x="26061098" y="18127084"/>
+              <a:ext cx="2607796" cy="1955847"/>
+            </a:xfrm>
+            <a:prstGeom prst="rect">
+              <a:avLst/>
+            </a:prstGeom>
+          </p:spPr>
+        </p:pic>
+        <p:pic>
+          <p:nvPicPr>
+            <p:cNvPr id="62" name="Picture 61" descr="A diagram of a graph showing a number of dots&#10;&#10;AI-generated content may be incorrect.">
+              <a:extLst>
+                <a:ext uri="{FF2B5EF4-FFF2-40B4-BE49-F238E27FC236}">
+                  <a16:creationId xmlns:a16="http://schemas.microsoft.com/office/drawing/2014/main" id="{31111055-BC7D-6A41-6389-F2C36088D28D}"/>
+                </a:ext>
+              </a:extLst>
+            </p:cNvPr>
+            <p:cNvPicPr>
+              <a:picLocks noChangeAspect="1"/>
+            </p:cNvPicPr>
+            <p:nvPr/>
+          </p:nvPicPr>
+          <p:blipFill>
+            <a:blip r:embed="rId17"/>
+            <a:stretch>
+              <a:fillRect/>
+            </a:stretch>
+          </p:blipFill>
+          <p:spPr>
+            <a:xfrm>
+              <a:off x="26061098" y="20086099"/>
+              <a:ext cx="2607798" cy="1955848"/>
+            </a:xfrm>
+            <a:prstGeom prst="rect">
+              <a:avLst/>
+            </a:prstGeom>
+          </p:spPr>
+        </p:pic>
+        <p:pic>
+          <p:nvPicPr>
+            <p:cNvPr id="63" name="Picture 62" descr="A diagram of a graph&#10;&#10;AI-generated content may be incorrect.">
+              <a:extLst>
+                <a:ext uri="{FF2B5EF4-FFF2-40B4-BE49-F238E27FC236}">
+                  <a16:creationId xmlns:a16="http://schemas.microsoft.com/office/drawing/2014/main" id="{4E246599-245D-0849-D02A-A23892931E31}"/>
+                </a:ext>
+              </a:extLst>
+            </p:cNvPr>
+            <p:cNvPicPr>
+              <a:picLocks noChangeAspect="1"/>
+            </p:cNvPicPr>
+            <p:nvPr/>
+          </p:nvPicPr>
+          <p:blipFill>
+            <a:blip r:embed="rId18"/>
+            <a:stretch>
+              <a:fillRect/>
+            </a:stretch>
+          </p:blipFill>
+          <p:spPr>
+            <a:xfrm>
+              <a:off x="23453302" y="18125964"/>
+              <a:ext cx="2607796" cy="1955848"/>
+            </a:xfrm>
+            <a:prstGeom prst="rect">
+              <a:avLst/>
+            </a:prstGeom>
+          </p:spPr>
+        </p:pic>
+      </p:grpSp>
+    </p:spTree>
+    <p:extLst>
+      <p:ext uri="{BB962C8B-B14F-4D97-AF65-F5344CB8AC3E}">
+        <p14:creationId xmlns:p14="http://schemas.microsoft.com/office/powerpoint/2010/main" val="1737746499"/>
       </p:ext>
     </p:extLst>
   </p:cSld>

--- a/Poster.pptx
+++ b/Poster.pptx
@@ -3470,7 +3470,7 @@
           <a:lstStyle/>
           <a:p>
             <a:pPr algn="ctr"/>
-            <a:endParaRPr lang="de-DE" dirty="0"/>
+            <a:endParaRPr lang="en-GB" noProof="0" dirty="0"/>
           </a:p>
         </p:txBody>
       </p:sp>
@@ -3556,7 +3556,7 @@
           <a:lstStyle/>
           <a:p>
             <a:pPr algn="ctr"/>
-            <a:endParaRPr lang="de-DE"/>
+            <a:endParaRPr lang="en-GB" noProof="0" dirty="0"/>
           </a:p>
         </p:txBody>
       </p:sp>
@@ -3612,7 +3612,7 @@
           <a:lstStyle/>
           <a:p>
             <a:pPr algn="ctr"/>
-            <a:endParaRPr lang="de-DE"/>
+            <a:endParaRPr lang="en-GB" noProof="0" dirty="0"/>
           </a:p>
         </p:txBody>
       </p:sp>
@@ -3668,7 +3668,7 @@
           <a:lstStyle/>
           <a:p>
             <a:pPr algn="ctr"/>
-            <a:endParaRPr lang="de-DE" dirty="0"/>
+            <a:endParaRPr lang="en-GB" noProof="0" dirty="0"/>
           </a:p>
         </p:txBody>
       </p:sp>
@@ -3724,7 +3724,7 @@
           <a:lstStyle/>
           <a:p>
             <a:pPr algn="ctr"/>
-            <a:endParaRPr lang="de-DE" dirty="0"/>
+            <a:endParaRPr lang="en-GB" noProof="0" dirty="0"/>
           </a:p>
         </p:txBody>
       </p:sp>
@@ -3781,7 +3781,7 @@
           <a:p>
             <a:pPr algn="ctr"/>
             <a:r>
-              <a:rPr lang="de-DE" dirty="0"/>
+              <a:rPr lang="en-GB" noProof="0" dirty="0"/>
               <a:t> </a:t>
             </a:r>
           </a:p>
@@ -3819,10 +3819,10 @@
           <a:lstStyle/>
           <a:p>
             <a:r>
-              <a:rPr lang="en-US" sz="2400" b="1" dirty="0"/>
+              <a:rPr lang="en-GB" sz="2400" b="1" noProof="0" dirty="0"/>
               <a:t>  </a:t>
             </a:r>
-            <a:endParaRPr lang="en-US" sz="2400" dirty="0"/>
+            <a:endParaRPr lang="en-GB" sz="2400" noProof="0" dirty="0"/>
           </a:p>
           <a:p>
             <a:pPr marL="457200" indent="-457200">
@@ -3830,14 +3830,9 @@
               <a:buChar char="•"/>
             </a:pPr>
             <a:r>
-              <a:rPr lang="de-DE" sz="2400" dirty="0"/>
-              <a:t>„We want to </a:t>
-            </a:r>
-            <a:r>
-              <a:rPr lang="en-US" sz="2400" dirty="0"/>
-              <a:t>extract RNA-dependent proteins from proteomic screens”</a:t>
-            </a:r>
-            <a:endParaRPr lang="de-DE" sz="2400" dirty="0"/>
+              <a:rPr lang="en-GB" sz="2400" noProof="0" dirty="0"/>
+              <a:t>„We want to extract RNA-dependent proteins from proteomic screens”</a:t>
+            </a:r>
           </a:p>
           <a:p>
             <a:pPr marL="457200" indent="-457200">
@@ -3845,16 +3840,16 @@
               <a:buChar char="•"/>
             </a:pPr>
             <a:r>
-              <a:rPr lang="de-DE" sz="2400" dirty="0"/>
+              <a:rPr lang="en-GB" sz="2400" noProof="0" dirty="0"/>
               <a:t>„RNA-dependency = the proteins interactome depends on RNA“</a:t>
             </a:r>
           </a:p>
           <a:p>
-            <a:endParaRPr lang="en-US" sz="2400" b="1" dirty="0"/>
-          </a:p>
-          <a:p>
-            <a:r>
-              <a:rPr lang="en-US" sz="2400" b="1" dirty="0"/>
+            <a:endParaRPr lang="en-GB" sz="2400" b="1" noProof="0" dirty="0"/>
+          </a:p>
+          <a:p>
+            <a:r>
+              <a:rPr lang="en-GB" sz="2400" b="1" noProof="0" dirty="0"/>
               <a:t>What Makes RNA-Dependent Proteins Worth Investigating?</a:t>
             </a:r>
           </a:p>
@@ -3864,11 +3859,11 @@
               <a:buChar char="•"/>
             </a:pPr>
             <a:r>
-              <a:rPr lang="de-DE" sz="2400" b="1" dirty="0"/>
+              <a:rPr lang="en-GB" sz="2400" b="1" noProof="0" dirty="0"/>
               <a:t>Key Regulators:</a:t>
             </a:r>
             <a:r>
-              <a:rPr lang="de-DE" sz="2400" dirty="0"/>
+              <a:rPr lang="en-GB" sz="2400" noProof="0" dirty="0"/>
               <a:t> RBPs control RNA metabolism &amp; gene expression.</a:t>
             </a:r>
           </a:p>
@@ -3878,12 +3873,20 @@
               <a:buChar char="•"/>
             </a:pPr>
             <a:r>
-              <a:rPr lang="de-DE" sz="2400" b="1" dirty="0"/>
+              <a:rPr lang="en-GB" sz="2400" b="1" noProof="0" dirty="0"/>
               <a:t>Disease Links:</a:t>
             </a:r>
             <a:r>
-              <a:rPr lang="de-DE" sz="2400" dirty="0"/>
-              <a:t> Misregulation is tied to cancer &amp; neurodegeneration.</a:t>
+              <a:rPr lang="en-GB" sz="2400" noProof="0" dirty="0"/>
+              <a:t> </a:t>
+            </a:r>
+            <a:r>
+              <a:rPr lang="en-GB" sz="2400" noProof="0" dirty="0" err="1"/>
+              <a:t>Misregulation</a:t>
+            </a:r>
+            <a:r>
+              <a:rPr lang="en-GB" sz="2400" noProof="0" dirty="0"/>
+              <a:t> is tied to cancer &amp; neurodegeneration.</a:t>
             </a:r>
           </a:p>
           <a:p>
@@ -3892,11 +3895,11 @@
               <a:buChar char="•"/>
             </a:pPr>
             <a:r>
-              <a:rPr lang="de-DE" sz="2400" b="1" dirty="0"/>
+              <a:rPr lang="en-GB" sz="2400" b="1" noProof="0" dirty="0"/>
               <a:t>Functional Clues:</a:t>
             </a:r>
             <a:r>
-              <a:rPr lang="de-DE" sz="2400" dirty="0"/>
+              <a:rPr lang="en-GB" sz="2400" noProof="0" dirty="0"/>
               <a:t> New RBPs hint at RNA’s role in specific pathways.</a:t>
             </a:r>
           </a:p>
@@ -3906,11 +3909,11 @@
               <a:buChar char="•"/>
             </a:pPr>
             <a:r>
-              <a:rPr lang="de-DE" sz="2400" b="1" dirty="0"/>
+              <a:rPr lang="en-GB" sz="2400" b="1" noProof="0" dirty="0"/>
               <a:t>Interaction Networks:</a:t>
             </a:r>
             <a:r>
-              <a:rPr lang="de-DE" sz="2400" dirty="0"/>
+              <a:rPr lang="en-GB" sz="2400" noProof="0" dirty="0"/>
               <a:t> Mapping RNA-protein complexes reveals regulatory logic. </a:t>
             </a:r>
           </a:p>
@@ -3920,28 +3923,36 @@
               <a:buChar char="•"/>
             </a:pPr>
             <a:r>
-              <a:rPr lang="de-DE" sz="2400" b="1" dirty="0"/>
+              <a:rPr lang="en-GB" sz="2400" b="1" noProof="0" dirty="0"/>
               <a:t>Molecular Insights:</a:t>
             </a:r>
             <a:r>
-              <a:rPr lang="de-DE" sz="2400" dirty="0"/>
-              <a:t> Deepens our understanding of cell cycle and cellular behavior. </a:t>
-            </a:r>
-            <a:endParaRPr lang="en-US" sz="2400" b="1" dirty="0"/>
+              <a:rPr lang="en-GB" sz="2400" noProof="0" dirty="0"/>
+              <a:t> Deepens our understanding of cell cycle and cellular </a:t>
+            </a:r>
+            <a:r>
+              <a:rPr lang="en-GB" sz="2400" noProof="0" dirty="0" err="1"/>
+              <a:t>behavior</a:t>
+            </a:r>
+            <a:r>
+              <a:rPr lang="en-GB" sz="2400" noProof="0" dirty="0"/>
+              <a:t>. </a:t>
+            </a:r>
+            <a:endParaRPr lang="en-GB" sz="2400" b="1" noProof="0" dirty="0"/>
           </a:p>
           <a:p>
             <a:pPr marL="457200" indent="-457200">
               <a:buFont typeface="Arial" panose="020B0604020202020204" pitchFamily="34" charset="0"/>
               <a:buChar char="•"/>
             </a:pPr>
-            <a:endParaRPr lang="de-DE" sz="2400" dirty="0"/>
+            <a:endParaRPr lang="en-GB" sz="2400" noProof="0" dirty="0"/>
           </a:p>
           <a:p>
             <a:pPr marL="457200" indent="-457200">
               <a:buFont typeface="Arial" panose="020B0604020202020204" pitchFamily="34" charset="0"/>
               <a:buChar char="•"/>
             </a:pPr>
-            <a:endParaRPr lang="de-DE" sz="2400" dirty="0"/>
+            <a:endParaRPr lang="en-GB" sz="2400" noProof="0" dirty="0"/>
           </a:p>
         </p:txBody>
       </p:sp>
@@ -3959,7 +3970,7 @@
         </p:nvSpPr>
         <p:spPr>
           <a:xfrm>
-            <a:off x="1887734" y="16043329"/>
+            <a:off x="1357475" y="17384218"/>
             <a:ext cx="24173364" cy="7109639"/>
           </a:xfrm>
           <a:prstGeom prst="rect">
@@ -3977,7 +3988,7 @@
           <a:lstStyle/>
           <a:p>
             <a:r>
-              <a:rPr lang="en-US" sz="2400" b="1" dirty="0"/>
+              <a:rPr lang="en-GB" sz="2400" b="1" noProof="0" dirty="0"/>
               <a:t>1) Data preparation</a:t>
             </a:r>
           </a:p>
@@ -3987,7 +3998,7 @@
               <a:buChar char="•"/>
             </a:pPr>
             <a:r>
-              <a:rPr lang="en-US" sz="2400" dirty="0"/>
+              <a:rPr lang="en-GB" sz="2400" noProof="0" dirty="0"/>
               <a:t>Data cleanup</a:t>
             </a:r>
           </a:p>
@@ -3997,7 +4008,7 @@
               <a:buChar char="•"/>
             </a:pPr>
             <a:r>
-              <a:rPr lang="en-US" sz="2400" dirty="0"/>
+              <a:rPr lang="en-GB" sz="2400" noProof="0" dirty="0"/>
               <a:t>“Rearrange and reorder the columns to their treatment, replicate and fraction”</a:t>
             </a:r>
           </a:p>
@@ -4007,19 +4018,19 @@
               <a:buChar char="•"/>
             </a:pPr>
             <a:r>
-              <a:rPr lang="en-US" sz="2400" dirty="0"/>
+              <a:rPr lang="en-GB" sz="2400" noProof="0" dirty="0"/>
               <a:t>Normalization</a:t>
             </a:r>
           </a:p>
           <a:p>
-            <a:endParaRPr lang="en-US" sz="2400" b="1" dirty="0"/>
-          </a:p>
-          <a:p>
-            <a:r>
-              <a:rPr lang="de-DE" sz="2400" b="1" dirty="0"/>
+            <a:endParaRPr lang="en-GB" sz="2400" b="1" noProof="0" dirty="0"/>
+          </a:p>
+          <a:p>
+            <a:r>
+              <a:rPr lang="en-GB" sz="2400" b="1" noProof="0" dirty="0"/>
               <a:t>2) Data exploration</a:t>
             </a:r>
-            <a:endParaRPr lang="de-DE" sz="2400" dirty="0"/>
+            <a:endParaRPr lang="en-GB" sz="2400" noProof="0" dirty="0"/>
           </a:p>
           <a:p>
             <a:pPr marL="457200" indent="-457200">
@@ -4027,7 +4038,7 @@
               <a:buChar char="•"/>
             </a:pPr>
             <a:r>
-              <a:rPr lang="en-US" sz="2400" dirty="0"/>
+              <a:rPr lang="en-GB" sz="2400" noProof="0" dirty="0"/>
               <a:t> Identification of maxima and shoulders</a:t>
             </a:r>
           </a:p>
@@ -4037,16 +4048,8 @@
               <a:buChar char="•"/>
             </a:pPr>
             <a:r>
-              <a:rPr lang="en-US" sz="2400" dirty="0"/>
-              <a:t> </a:t>
-            </a:r>
-            <a:r>
-              <a:rPr lang="de-DE" sz="2400" dirty="0"/>
-              <a:t>Selection criteria</a:t>
-            </a:r>
-            <a:r>
-              <a:rPr lang="en-US" sz="2400" dirty="0"/>
-              <a:t> &amp; Wilcoxon Test </a:t>
+              <a:rPr lang="en-GB" sz="2400" noProof="0" dirty="0"/>
+              <a:t> Selection criteria &amp; Wilcoxon Test </a:t>
             </a:r>
           </a:p>
           <a:p>
@@ -4055,14 +4058,9 @@
               <a:buChar char="•"/>
             </a:pPr>
             <a:r>
-              <a:rPr lang="en-US" sz="2400" dirty="0"/>
-              <a:t>Visualization for the </a:t>
-            </a:r>
-            <a:r>
-              <a:rPr lang="de-DE" sz="2400" dirty="0"/>
-              <a:t>order of selection criteria</a:t>
-            </a:r>
-            <a:endParaRPr lang="en-US" sz="2400" dirty="0"/>
+              <a:rPr lang="en-GB" sz="2400" noProof="0" dirty="0"/>
+              <a:t>Visualization for the order of selection criteria</a:t>
+            </a:r>
           </a:p>
           <a:p>
             <a:pPr marL="457200" indent="-457200">
@@ -4070,16 +4068,16 @@
               <a:buChar char="•"/>
             </a:pPr>
             <a:r>
-              <a:rPr lang="en-US" sz="2400" dirty="0"/>
+              <a:rPr lang="en-GB" sz="2400" noProof="0" dirty="0"/>
               <a:t>Pie charts for selection results</a:t>
             </a:r>
           </a:p>
           <a:p>
-            <a:endParaRPr lang="en-US" sz="2400" b="1" dirty="0"/>
-          </a:p>
-          <a:p>
-            <a:r>
-              <a:rPr lang="de-DE" sz="2400" b="1" dirty="0"/>
+            <a:endParaRPr lang="en-GB" sz="2400" b="1" noProof="0" dirty="0"/>
+          </a:p>
+          <a:p>
+            <a:r>
+              <a:rPr lang="en-GB" sz="2400" b="1" noProof="0" dirty="0"/>
               <a:t>3) Data reduction</a:t>
             </a:r>
           </a:p>
@@ -4089,10 +4087,9 @@
               <a:buChar char="•"/>
             </a:pPr>
             <a:r>
-              <a:rPr lang="de-DE" sz="2400" dirty="0"/>
+              <a:rPr lang="en-GB" sz="2400" noProof="0" dirty="0"/>
               <a:t>PCR </a:t>
             </a:r>
-            <a:endParaRPr lang="en-US" sz="2400" dirty="0"/>
           </a:p>
           <a:p>
             <a:pPr marL="457200" indent="-457200">
@@ -4100,7 +4097,7 @@
               <a:buChar char="•"/>
             </a:pPr>
             <a:r>
-              <a:rPr lang="en-US" sz="2400" dirty="0"/>
+              <a:rPr lang="en-GB" sz="2400" noProof="0" dirty="0"/>
               <a:t> k-means clustering</a:t>
             </a:r>
           </a:p>
@@ -4109,11 +4106,11 @@
               <a:buFont typeface="Arial" panose="020B0604020202020204" pitchFamily="34" charset="0"/>
               <a:buChar char="•"/>
             </a:pPr>
-            <a:endParaRPr lang="en-US" sz="2400" dirty="0"/>
-          </a:p>
-          <a:p>
-            <a:r>
-              <a:rPr lang="de-DE" sz="2400" b="1" dirty="0"/>
+            <a:endParaRPr lang="en-GB" sz="2400" noProof="0" dirty="0"/>
+          </a:p>
+          <a:p>
+            <a:r>
+              <a:rPr lang="en-GB" sz="2400" b="1" noProof="0" dirty="0"/>
               <a:t>4) Data modelling</a:t>
             </a:r>
           </a:p>
@@ -4123,16 +4120,16 @@
               <a:buChar char="•"/>
             </a:pPr>
             <a:r>
-              <a:rPr lang="en-US" sz="2400" dirty="0"/>
+              <a:rPr lang="en-GB" sz="2400" noProof="0" dirty="0"/>
               <a:t> Linear Regression </a:t>
             </a:r>
-            <a:endParaRPr lang="en-US" sz="2400" b="1" dirty="0"/>
-          </a:p>
-          <a:p>
-            <a:endParaRPr lang="en-US" sz="2400" b="1" dirty="0"/>
-          </a:p>
-          <a:p>
-            <a:endParaRPr lang="en-US" sz="2400" b="1" dirty="0"/>
+            <a:endParaRPr lang="en-GB" sz="2400" b="1" noProof="0" dirty="0"/>
+          </a:p>
+          <a:p>
+            <a:endParaRPr lang="en-GB" sz="2400" b="1" noProof="0" dirty="0"/>
+          </a:p>
+          <a:p>
+            <a:endParaRPr lang="en-GB" sz="2400" b="1" noProof="0" dirty="0"/>
           </a:p>
         </p:txBody>
       </p:sp>
@@ -4172,7 +4169,7 @@
               <a:buChar char="•"/>
             </a:pPr>
             <a:r>
-              <a:rPr lang="en-US" sz="2400" dirty="0"/>
+              <a:rPr lang="en-GB" sz="2400" noProof="0" dirty="0"/>
               <a:t>Critical review of our own results and methods (e.g., Selection criteria made us delete some RBPs. Why? What were their properties?)</a:t>
             </a:r>
           </a:p>
@@ -4182,15 +4179,15 @@
               <a:buChar char="•"/>
             </a:pPr>
             <a:r>
-              <a:rPr lang="en-US" sz="2400" dirty="0"/>
+              <a:rPr lang="en-GB" sz="2400" noProof="0" dirty="0"/>
               <a:t>Why do we find fewer proteins than </a:t>
             </a:r>
             <a:r>
-              <a:rPr lang="en-US" sz="2400" dirty="0" err="1"/>
+              <a:rPr lang="en-GB" sz="2400" noProof="0" dirty="0" err="1"/>
               <a:t>Maïwen</a:t>
             </a:r>
             <a:r>
-              <a:rPr lang="en-US" sz="2400" dirty="0"/>
+              <a:rPr lang="en-GB" sz="2400" noProof="0" dirty="0"/>
               <a:t>? </a:t>
             </a:r>
           </a:p>
@@ -4199,185 +4196,185 @@
               <a:buFont typeface="Arial" panose="020B0604020202020204" pitchFamily="34" charset="0"/>
               <a:buChar char="•"/>
             </a:pPr>
-            <a:endParaRPr lang="en-US" sz="2400" dirty="0"/>
+            <a:endParaRPr lang="en-GB" sz="2400" noProof="0" dirty="0"/>
           </a:p>
           <a:p>
             <a:pPr marL="457200" indent="-457200">
               <a:buFont typeface="Arial" panose="020B0604020202020204" pitchFamily="34" charset="0"/>
               <a:buChar char="•"/>
             </a:pPr>
-            <a:endParaRPr lang="en-US" sz="2400" dirty="0"/>
+            <a:endParaRPr lang="en-GB" sz="2400" noProof="0" dirty="0"/>
           </a:p>
           <a:p>
             <a:pPr marL="457200" indent="-457200">
               <a:buFont typeface="Arial" panose="020B0604020202020204" pitchFamily="34" charset="0"/>
               <a:buChar char="•"/>
             </a:pPr>
-            <a:endParaRPr lang="en-US" sz="2400" dirty="0"/>
+            <a:endParaRPr lang="en-GB" sz="2400" noProof="0" dirty="0"/>
           </a:p>
           <a:p>
             <a:pPr marL="457200" indent="-457200">
               <a:buFont typeface="Arial" panose="020B0604020202020204" pitchFamily="34" charset="0"/>
               <a:buChar char="•"/>
             </a:pPr>
-            <a:endParaRPr lang="en-US" sz="2400" dirty="0"/>
+            <a:endParaRPr lang="en-GB" sz="2400" noProof="0" dirty="0"/>
           </a:p>
           <a:p>
             <a:pPr marL="457200" indent="-457200">
               <a:buFont typeface="Arial" panose="020B0604020202020204" pitchFamily="34" charset="0"/>
               <a:buChar char="•"/>
             </a:pPr>
-            <a:endParaRPr lang="en-US" sz="2400" dirty="0"/>
+            <a:endParaRPr lang="en-GB" sz="2400" noProof="0" dirty="0"/>
           </a:p>
           <a:p>
             <a:pPr marL="457200" indent="-457200">
               <a:buFont typeface="Arial" panose="020B0604020202020204" pitchFamily="34" charset="0"/>
               <a:buChar char="•"/>
             </a:pPr>
-            <a:endParaRPr lang="en-US" sz="2400" dirty="0"/>
+            <a:endParaRPr lang="en-GB" sz="2400" noProof="0" dirty="0"/>
           </a:p>
           <a:p>
             <a:pPr marL="457200" indent="-457200">
               <a:buFont typeface="Arial" panose="020B0604020202020204" pitchFamily="34" charset="0"/>
               <a:buChar char="•"/>
             </a:pPr>
-            <a:endParaRPr lang="en-US" sz="2400" dirty="0"/>
+            <a:endParaRPr lang="en-GB" sz="2400" noProof="0" dirty="0"/>
           </a:p>
           <a:p>
             <a:pPr marL="457200" indent="-457200">
               <a:buFont typeface="Arial" panose="020B0604020202020204" pitchFamily="34" charset="0"/>
               <a:buChar char="•"/>
             </a:pPr>
-            <a:endParaRPr lang="en-US" sz="2400" dirty="0"/>
+            <a:endParaRPr lang="en-GB" sz="2400" noProof="0" dirty="0"/>
           </a:p>
           <a:p>
             <a:pPr marL="457200" indent="-457200">
               <a:buFont typeface="Arial" panose="020B0604020202020204" pitchFamily="34" charset="0"/>
               <a:buChar char="•"/>
             </a:pPr>
-            <a:endParaRPr lang="en-US" sz="2400" dirty="0"/>
+            <a:endParaRPr lang="en-GB" sz="2400" noProof="0" dirty="0"/>
           </a:p>
           <a:p>
             <a:pPr marL="457200" indent="-457200">
               <a:buFont typeface="Arial" panose="020B0604020202020204" pitchFamily="34" charset="0"/>
               <a:buChar char="•"/>
             </a:pPr>
-            <a:endParaRPr lang="en-US" sz="2400" dirty="0"/>
+            <a:endParaRPr lang="en-GB" sz="2400" noProof="0" dirty="0"/>
           </a:p>
           <a:p>
             <a:pPr marL="457200" indent="-457200">
               <a:buFont typeface="Arial" panose="020B0604020202020204" pitchFamily="34" charset="0"/>
               <a:buChar char="•"/>
             </a:pPr>
-            <a:endParaRPr lang="en-US" sz="2400" dirty="0"/>
+            <a:endParaRPr lang="en-GB" sz="2400" noProof="0" dirty="0"/>
           </a:p>
           <a:p>
             <a:pPr marL="457200" indent="-457200">
               <a:buFont typeface="Arial" panose="020B0604020202020204" pitchFamily="34" charset="0"/>
               <a:buChar char="•"/>
             </a:pPr>
-            <a:endParaRPr lang="en-US" sz="2400" dirty="0"/>
+            <a:endParaRPr lang="en-GB" sz="2400" noProof="0" dirty="0"/>
           </a:p>
           <a:p>
             <a:pPr marL="457200" indent="-457200">
               <a:buFont typeface="Arial" panose="020B0604020202020204" pitchFamily="34" charset="0"/>
               <a:buChar char="•"/>
             </a:pPr>
-            <a:endParaRPr lang="en-US" sz="2400" dirty="0"/>
+            <a:endParaRPr lang="en-GB" sz="2400" noProof="0" dirty="0"/>
           </a:p>
           <a:p>
             <a:pPr marL="457200" indent="-457200">
               <a:buFont typeface="Arial" panose="020B0604020202020204" pitchFamily="34" charset="0"/>
               <a:buChar char="•"/>
             </a:pPr>
-            <a:endParaRPr lang="en-US" sz="2400" dirty="0"/>
+            <a:endParaRPr lang="en-GB" sz="2400" noProof="0" dirty="0"/>
           </a:p>
           <a:p>
             <a:pPr marL="457200" indent="-457200">
               <a:buFont typeface="Arial" panose="020B0604020202020204" pitchFamily="34" charset="0"/>
               <a:buChar char="•"/>
             </a:pPr>
-            <a:endParaRPr lang="en-US" sz="2400" dirty="0"/>
+            <a:endParaRPr lang="en-GB" sz="2400" noProof="0" dirty="0"/>
           </a:p>
           <a:p>
             <a:pPr marL="457200" indent="-457200">
               <a:buFont typeface="Arial" panose="020B0604020202020204" pitchFamily="34" charset="0"/>
               <a:buChar char="•"/>
             </a:pPr>
-            <a:endParaRPr lang="en-US" sz="2400" dirty="0"/>
+            <a:endParaRPr lang="en-GB" sz="2400" noProof="0" dirty="0"/>
           </a:p>
           <a:p>
             <a:pPr marL="457200" indent="-457200">
               <a:buFont typeface="Arial" panose="020B0604020202020204" pitchFamily="34" charset="0"/>
               <a:buChar char="•"/>
             </a:pPr>
-            <a:endParaRPr lang="en-US" sz="2400" dirty="0"/>
+            <a:endParaRPr lang="en-GB" sz="2400" noProof="0" dirty="0"/>
           </a:p>
           <a:p>
             <a:pPr marL="457200" indent="-457200">
               <a:buFont typeface="Arial" panose="020B0604020202020204" pitchFamily="34" charset="0"/>
               <a:buChar char="•"/>
             </a:pPr>
-            <a:endParaRPr lang="en-US" sz="2400" dirty="0"/>
+            <a:endParaRPr lang="en-GB" sz="2400" noProof="0" dirty="0"/>
           </a:p>
           <a:p>
             <a:pPr marL="457200" indent="-457200">
               <a:buFont typeface="Arial" panose="020B0604020202020204" pitchFamily="34" charset="0"/>
               <a:buChar char="•"/>
             </a:pPr>
-            <a:endParaRPr lang="en-US" sz="2400" dirty="0"/>
+            <a:endParaRPr lang="en-GB" sz="2400" noProof="0" dirty="0"/>
           </a:p>
           <a:p>
             <a:pPr marL="457200" indent="-457200">
               <a:buFont typeface="Arial" panose="020B0604020202020204" pitchFamily="34" charset="0"/>
               <a:buChar char="•"/>
             </a:pPr>
-            <a:endParaRPr lang="en-US" sz="2400" dirty="0"/>
+            <a:endParaRPr lang="en-GB" sz="2400" noProof="0" dirty="0"/>
           </a:p>
           <a:p>
             <a:pPr marL="457200" indent="-457200">
               <a:buFont typeface="Arial" panose="020B0604020202020204" pitchFamily="34" charset="0"/>
               <a:buChar char="•"/>
             </a:pPr>
-            <a:endParaRPr lang="en-US" sz="2400" dirty="0"/>
+            <a:endParaRPr lang="en-GB" sz="2400" noProof="0" dirty="0"/>
           </a:p>
           <a:p>
             <a:pPr marL="457200" indent="-457200">
               <a:buFont typeface="Arial" panose="020B0604020202020204" pitchFamily="34" charset="0"/>
               <a:buChar char="•"/>
             </a:pPr>
-            <a:endParaRPr lang="en-US" sz="2400" dirty="0"/>
+            <a:endParaRPr lang="en-GB" sz="2400" noProof="0" dirty="0"/>
           </a:p>
           <a:p>
             <a:pPr marL="457200" indent="-457200">
               <a:buFont typeface="Arial" panose="020B0604020202020204" pitchFamily="34" charset="0"/>
               <a:buChar char="•"/>
             </a:pPr>
-            <a:endParaRPr lang="en-US" sz="2400" dirty="0"/>
+            <a:endParaRPr lang="en-GB" sz="2400" noProof="0" dirty="0"/>
           </a:p>
           <a:p>
             <a:pPr marL="457200" indent="-457200">
               <a:buFont typeface="Arial" panose="020B0604020202020204" pitchFamily="34" charset="0"/>
               <a:buChar char="•"/>
             </a:pPr>
-            <a:endParaRPr lang="en-US" sz="2400" dirty="0"/>
+            <a:endParaRPr lang="en-GB" sz="2400" noProof="0" dirty="0"/>
           </a:p>
           <a:p>
             <a:pPr marL="457200" indent="-457200">
               <a:buFont typeface="Arial" panose="020B0604020202020204" pitchFamily="34" charset="0"/>
               <a:buChar char="•"/>
             </a:pPr>
-            <a:endParaRPr lang="en-US" sz="2400" dirty="0"/>
+            <a:endParaRPr lang="en-GB" sz="2400" noProof="0" dirty="0"/>
           </a:p>
           <a:p>
             <a:pPr marL="457200" indent="-457200">
               <a:buFont typeface="Arial" panose="020B0604020202020204" pitchFamily="34" charset="0"/>
               <a:buChar char="•"/>
             </a:pPr>
-            <a:endParaRPr lang="en-US" sz="2400" dirty="0"/>
-          </a:p>
-          <a:p>
-            <a:endParaRPr lang="en-US" sz="2400" b="1" dirty="0"/>
+            <a:endParaRPr lang="en-GB" sz="2400" noProof="0" dirty="0"/>
+          </a:p>
+          <a:p>
+            <a:endParaRPr lang="en-GB" sz="2400" b="1" noProof="0" dirty="0"/>
           </a:p>
         </p:txBody>
       </p:sp>
@@ -4417,32 +4414,12 @@
               <a:buChar char="•"/>
             </a:pPr>
             <a:r>
-              <a:rPr lang="de-DE" sz="2000" dirty="0"/>
-              <a:t>Sternburg et al., Global </a:t>
-            </a:r>
-            <a:r>
-              <a:rPr lang="de-DE" sz="2000" dirty="0" err="1"/>
-              <a:t>Approaches</a:t>
-            </a:r>
-            <a:r>
-              <a:rPr lang="de-DE" sz="2000" dirty="0"/>
-              <a:t> in </a:t>
-            </a:r>
-            <a:r>
-              <a:rPr lang="de-DE" sz="2000" dirty="0" err="1"/>
-              <a:t>Studying</a:t>
-            </a:r>
-            <a:r>
-              <a:rPr lang="de-DE" sz="2000" dirty="0"/>
-              <a:t> RNA-Binding Protein Interaction Networks, 2020, Trends in </a:t>
-            </a:r>
-            <a:r>
-              <a:rPr lang="de-DE" sz="2000" dirty="0" err="1"/>
-              <a:t>Biochemical</a:t>
-            </a:r>
-            <a:r>
-              <a:rPr lang="de-DE" sz="2000" dirty="0"/>
-              <a:t> Sciences.pdf</a:t>
+              <a:rPr lang="en-GB" sz="2000" noProof="0" dirty="0" err="1"/>
+              <a:t>Sternburg</a:t>
+            </a:r>
+            <a:r>
+              <a:rPr lang="en-GB" sz="2000" noProof="0" dirty="0"/>
+              <a:t> et al., Global Approaches in Studying RNA-Binding Protein Interaction Networks, 2020, Trends in Biochemical Sciences.pdf</a:t>
             </a:r>
           </a:p>
           <a:p>
@@ -4451,72 +4428,16 @@
               <a:buChar char="•"/>
             </a:pPr>
             <a:r>
-              <a:rPr lang="de-DE" sz="2000" dirty="0"/>
+              <a:rPr lang="en-GB" sz="2000" noProof="0" dirty="0"/>
               <a:t>Caudron-Herger et al., R-</a:t>
             </a:r>
             <a:r>
-              <a:rPr lang="de-DE" sz="2000" dirty="0" err="1"/>
+              <a:rPr lang="en-GB" sz="2000" noProof="0" dirty="0" err="1"/>
               <a:t>DeeP</a:t>
             </a:r>
             <a:r>
-              <a:rPr lang="de-DE" sz="2000" dirty="0"/>
-              <a:t> </a:t>
-            </a:r>
-            <a:r>
-              <a:rPr lang="de-DE" sz="2000" dirty="0" err="1"/>
-              <a:t>Proteome-wide</a:t>
-            </a:r>
-            <a:r>
-              <a:rPr lang="de-DE" sz="2000" dirty="0"/>
-              <a:t> and Quantitative </a:t>
-            </a:r>
-            <a:r>
-              <a:rPr lang="de-DE" sz="2000" dirty="0" err="1"/>
-              <a:t>Identification</a:t>
-            </a:r>
-            <a:r>
-              <a:rPr lang="de-DE" sz="2000" dirty="0"/>
-              <a:t> </a:t>
-            </a:r>
-            <a:r>
-              <a:rPr lang="de-DE" sz="2000" dirty="0" err="1"/>
-              <a:t>of</a:t>
-            </a:r>
-            <a:r>
-              <a:rPr lang="de-DE" sz="2000" dirty="0"/>
-              <a:t> RNA-</a:t>
-            </a:r>
-            <a:r>
-              <a:rPr lang="de-DE" sz="2000" dirty="0" err="1"/>
-              <a:t>Dependent</a:t>
-            </a:r>
-            <a:r>
-              <a:rPr lang="de-DE" sz="2000" dirty="0"/>
-              <a:t> Proteins </a:t>
-            </a:r>
-            <a:r>
-              <a:rPr lang="de-DE" sz="2000" dirty="0" err="1"/>
-              <a:t>by</a:t>
-            </a:r>
-            <a:r>
-              <a:rPr lang="de-DE" sz="2000" dirty="0"/>
-              <a:t> Density Gradient </a:t>
-            </a:r>
-            <a:r>
-              <a:rPr lang="de-DE" sz="2000" dirty="0" err="1"/>
-              <a:t>Ultracentrifugation</a:t>
-            </a:r>
-            <a:r>
-              <a:rPr lang="de-DE" sz="2000" dirty="0"/>
-              <a:t>, 2019, </a:t>
-            </a:r>
-            <a:r>
-              <a:rPr lang="de-DE" sz="2000" dirty="0" err="1"/>
-              <a:t>Molecular</a:t>
-            </a:r>
-            <a:r>
-              <a:rPr lang="de-DE" sz="2000" dirty="0"/>
-              <a:t> Cell.pdf</a:t>
+              <a:rPr lang="en-GB" sz="2000" noProof="0" dirty="0"/>
+              <a:t> Proteome-wide and Quantitative Identification of RNA-Dependent Proteins by Density Gradient Ultracentrifugation, 2019, Molecular Cell.pdf</a:t>
             </a:r>
           </a:p>
           <a:p>
@@ -4525,120 +4446,8 @@
               <a:buChar char="•"/>
             </a:pPr>
             <a:r>
-              <a:rPr lang="de-DE" sz="2000" dirty="0"/>
-              <a:t>Caudron-Herger et al., </a:t>
-            </a:r>
-            <a:r>
-              <a:rPr lang="de-DE" sz="2000" dirty="0" err="1"/>
-              <a:t>Identification</a:t>
-            </a:r>
-            <a:r>
-              <a:rPr lang="de-DE" sz="2000" dirty="0"/>
-              <a:t>, </a:t>
-            </a:r>
-            <a:r>
-              <a:rPr lang="de-DE" sz="2000" dirty="0" err="1"/>
-              <a:t>quantification</a:t>
-            </a:r>
-            <a:r>
-              <a:rPr lang="de-DE" sz="2000" dirty="0"/>
-              <a:t> and </a:t>
-            </a:r>
-            <a:r>
-              <a:rPr lang="de-DE" sz="2000" dirty="0" err="1"/>
-              <a:t>bioinformatic</a:t>
-            </a:r>
-            <a:r>
-              <a:rPr lang="de-DE" sz="2000" dirty="0"/>
-              <a:t> </a:t>
-            </a:r>
-            <a:r>
-              <a:rPr lang="de-DE" sz="2000" dirty="0" err="1"/>
-              <a:t>analysis</a:t>
-            </a:r>
-            <a:r>
-              <a:rPr lang="de-DE" sz="2000" dirty="0"/>
-              <a:t> </a:t>
-            </a:r>
-            <a:r>
-              <a:rPr lang="de-DE" sz="2000" dirty="0" err="1"/>
-              <a:t>of</a:t>
-            </a:r>
-            <a:r>
-              <a:rPr lang="de-DE" sz="2000" dirty="0"/>
-              <a:t> RNA-</a:t>
-            </a:r>
-            <a:r>
-              <a:rPr lang="de-DE" sz="2000" dirty="0" err="1"/>
-              <a:t>dependent</a:t>
-            </a:r>
-            <a:r>
-              <a:rPr lang="de-DE" sz="2000" dirty="0"/>
-              <a:t> </a:t>
-            </a:r>
-            <a:r>
-              <a:rPr lang="de-DE" sz="2000" dirty="0" err="1"/>
-              <a:t>proteins</a:t>
-            </a:r>
-            <a:r>
-              <a:rPr lang="de-DE" sz="2000" dirty="0"/>
-              <a:t> </a:t>
-            </a:r>
-            <a:r>
-              <a:rPr lang="de-DE" sz="2000" dirty="0" err="1"/>
-              <a:t>by</a:t>
-            </a:r>
-            <a:r>
-              <a:rPr lang="de-DE" sz="2000" dirty="0"/>
-              <a:t> </a:t>
-            </a:r>
-            <a:r>
-              <a:rPr lang="de-DE" sz="2000" dirty="0" err="1"/>
-              <a:t>RNase</a:t>
-            </a:r>
-            <a:r>
-              <a:rPr lang="de-DE" sz="2000" dirty="0"/>
-              <a:t> </a:t>
-            </a:r>
-            <a:r>
-              <a:rPr lang="de-DE" sz="2000" dirty="0" err="1"/>
-              <a:t>treatment</a:t>
-            </a:r>
-            <a:r>
-              <a:rPr lang="de-DE" sz="2000" dirty="0"/>
-              <a:t> and </a:t>
-            </a:r>
-            <a:r>
-              <a:rPr lang="de-DE" sz="2000" dirty="0" err="1"/>
-              <a:t>density</a:t>
-            </a:r>
-            <a:r>
-              <a:rPr lang="de-DE" sz="2000" dirty="0"/>
-              <a:t> </a:t>
-            </a:r>
-            <a:r>
-              <a:rPr lang="de-DE" sz="2000" dirty="0" err="1"/>
-              <a:t>gradient</a:t>
-            </a:r>
-            <a:r>
-              <a:rPr lang="de-DE" sz="2000" dirty="0"/>
-              <a:t> </a:t>
-            </a:r>
-            <a:r>
-              <a:rPr lang="de-DE" sz="2000" dirty="0" err="1"/>
-              <a:t>ultracentrifugation</a:t>
-            </a:r>
-            <a:r>
-              <a:rPr lang="de-DE" sz="2000" dirty="0"/>
-              <a:t> </a:t>
-            </a:r>
-            <a:r>
-              <a:rPr lang="de-DE" sz="2000" dirty="0" err="1"/>
-              <a:t>using</a:t>
-            </a:r>
-            <a:r>
-              <a:rPr lang="de-DE" sz="2000" dirty="0"/>
-              <a:t> R-DeeP-2020-Nature Protocols_1.pdf</a:t>
+              <a:rPr lang="en-GB" sz="2000" noProof="0" dirty="0"/>
+              <a:t>Caudron-Herger et al., Identification, quantification and bioinformatic analysis of RNA-dependent proteins by RNase treatment and density gradient ultracentrifugation using R-DeeP-2020-Nature Protocols_1.pdf</a:t>
             </a:r>
           </a:p>
           <a:p>
@@ -4647,64 +4456,16 @@
               <a:buChar char="•"/>
             </a:pPr>
             <a:r>
-              <a:rPr lang="de-DE" sz="2000" dirty="0"/>
+              <a:rPr lang="en-GB" sz="2000" noProof="0" dirty="0"/>
               <a:t>Corley </a:t>
             </a:r>
             <a:r>
-              <a:rPr lang="de-DE" sz="2000" i="1" dirty="0"/>
+              <a:rPr lang="en-GB" sz="2000" i="1" noProof="0" dirty="0"/>
               <a:t>et al.</a:t>
             </a:r>
             <a:r>
-              <a:rPr lang="de-DE" sz="2000" dirty="0"/>
-              <a:t>, </a:t>
-            </a:r>
-            <a:r>
-              <a:rPr lang="de-DE" sz="2000" dirty="0" err="1"/>
-              <a:t>How</a:t>
-            </a:r>
-            <a:r>
-              <a:rPr lang="de-DE" sz="2000" dirty="0"/>
-              <a:t> RNA-Binding Proteins </a:t>
-            </a:r>
-            <a:r>
-              <a:rPr lang="de-DE" sz="2000" dirty="0" err="1"/>
-              <a:t>Interact</a:t>
-            </a:r>
-            <a:r>
-              <a:rPr lang="de-DE" sz="2000" dirty="0"/>
-              <a:t> </a:t>
-            </a:r>
-            <a:r>
-              <a:rPr lang="de-DE" sz="2000" dirty="0" err="1"/>
-              <a:t>with</a:t>
-            </a:r>
-            <a:r>
-              <a:rPr lang="de-DE" sz="2000" dirty="0"/>
-              <a:t> RNA </a:t>
-            </a:r>
-            <a:r>
-              <a:rPr lang="de-DE" sz="2000" dirty="0" err="1"/>
-              <a:t>Molecules</a:t>
-            </a:r>
-            <a:r>
-              <a:rPr lang="de-DE" sz="2000" dirty="0"/>
-              <a:t> and </a:t>
-            </a:r>
-            <a:r>
-              <a:rPr lang="de-DE" sz="2000" dirty="0" err="1"/>
-              <a:t>Mechanisms</a:t>
-            </a:r>
-            <a:r>
-              <a:rPr lang="de-DE" sz="2000" dirty="0"/>
-              <a:t>, 2020, </a:t>
-            </a:r>
-            <a:r>
-              <a:rPr lang="de-DE" sz="2000" dirty="0" err="1"/>
-              <a:t>Molecular</a:t>
-            </a:r>
-            <a:r>
-              <a:rPr lang="de-DE" sz="2000" dirty="0"/>
-              <a:t> Cell.pdf</a:t>
+              <a:rPr lang="en-GB" sz="2000" noProof="0" dirty="0"/>
+              <a:t>, How RNA-Binding Proteins Interact with RNA Molecules and Mechanisms, 2020, Molecular Cell.pdf</a:t>
             </a:r>
           </a:p>
           <a:p>
@@ -4712,7 +4473,7 @@
               <a:buFont typeface="Arial" panose="020B0604020202020204" pitchFamily="34" charset="0"/>
               <a:buChar char="•"/>
             </a:pPr>
-            <a:endParaRPr lang="en-US" sz="2000" dirty="0"/>
+            <a:endParaRPr lang="en-GB" sz="2000" noProof="0" dirty="0"/>
           </a:p>
         </p:txBody>
       </p:sp>
@@ -4752,7 +4513,7 @@
               <a:buChar char="•"/>
             </a:pPr>
             <a:r>
-              <a:rPr lang="de-DE" sz="2400" dirty="0"/>
+              <a:rPr lang="en-GB" sz="2400" noProof="0" dirty="0"/>
               <a:t>We found X proteins that ...</a:t>
             </a:r>
           </a:p>
@@ -4761,10 +4522,10 @@
               <a:buFont typeface="Arial" panose="020B0604020202020204" pitchFamily="34" charset="0"/>
               <a:buChar char="•"/>
             </a:pPr>
-            <a:endParaRPr lang="de-DE" sz="2400" dirty="0"/>
-          </a:p>
-          <a:p>
-            <a:endParaRPr lang="en-US" sz="2400" b="1" dirty="0"/>
+            <a:endParaRPr lang="en-GB" sz="2400" noProof="0" dirty="0"/>
+          </a:p>
+          <a:p>
+            <a:endParaRPr lang="en-GB" sz="2400" b="1" noProof="0" dirty="0"/>
           </a:p>
         </p:txBody>
       </p:sp>
@@ -4818,14 +4579,14 @@
           <a:lstStyle/>
           <a:p>
             <a:r>
-              <a:rPr lang="en-US" sz="6000" b="1" dirty="0"/>
+              <a:rPr lang="en-GB" sz="6000" b="1" noProof="0" dirty="0"/>
               <a:t>                   Identifying RNA-Dependent Proteins from Proteomic Data</a:t>
             </a:r>
-            <a:endParaRPr lang="en-US" sz="1500" b="1" dirty="0"/>
+            <a:endParaRPr lang="en-GB" sz="1500" b="1" noProof="0" dirty="0"/>
           </a:p>
           <a:p>
             <a:pPr algn="ctr"/>
-            <a:endParaRPr lang="en-US" sz="1000" b="1" dirty="0"/>
+            <a:endParaRPr lang="en-GB" sz="1000" b="1" noProof="0" dirty="0"/>
           </a:p>
         </p:txBody>
       </p:sp>
@@ -4861,10 +4622,9 @@
           <a:lstStyle/>
           <a:p>
             <a:r>
-              <a:rPr lang="en-US" sz="2400" b="1" dirty="0"/>
+              <a:rPr lang="en-GB" sz="2400" b="1" noProof="0" dirty="0"/>
               <a:t>Key Characteristics of Our Dataset</a:t>
             </a:r>
-            <a:endParaRPr lang="de-DE" sz="2400" b="1" dirty="0"/>
           </a:p>
           <a:p>
             <a:pPr marL="457200" indent="-457200">
@@ -4872,7 +4632,7 @@
               <a:buChar char="•"/>
             </a:pPr>
             <a:r>
-              <a:rPr lang="en-US" sz="2400" dirty="0"/>
+              <a:rPr lang="en-GB" sz="2400" noProof="0" dirty="0"/>
               <a:t>Our dataset was generated using the R-Deep approach</a:t>
             </a:r>
           </a:p>
@@ -4882,10 +4642,33 @@
               <a:buChar char="•"/>
             </a:pPr>
             <a:r>
-              <a:rPr lang="de-DE" sz="2400" dirty="0"/>
-              <a:t>~5000 Proteine in 25 Fraktionen, Rnase vs. CTRL</a:t>
-            </a:r>
-            <a:endParaRPr lang="en-US" sz="2400" dirty="0"/>
+              <a:rPr lang="en-GB" sz="2400" noProof="0" dirty="0"/>
+              <a:t>~5000 </a:t>
+            </a:r>
+            <a:r>
+              <a:rPr lang="en-GB" sz="2400" noProof="0" dirty="0" err="1"/>
+              <a:t>Proteine</a:t>
+            </a:r>
+            <a:r>
+              <a:rPr lang="en-GB" sz="2400" noProof="0" dirty="0"/>
+              <a:t> in 25 </a:t>
+            </a:r>
+            <a:r>
+              <a:rPr lang="en-GB" sz="2400" noProof="0" dirty="0" err="1"/>
+              <a:t>Fraktionen</a:t>
+            </a:r>
+            <a:r>
+              <a:rPr lang="en-GB" sz="2400" noProof="0" dirty="0"/>
+              <a:t>, </a:t>
+            </a:r>
+            <a:r>
+              <a:rPr lang="en-GB" sz="2400" noProof="0" dirty="0" err="1"/>
+              <a:t>Rnase</a:t>
+            </a:r>
+            <a:r>
+              <a:rPr lang="en-GB" sz="2400" noProof="0" dirty="0"/>
+              <a:t> vs. CTRL</a:t>
+            </a:r>
           </a:p>
           <a:p>
             <a:pPr marL="457200" indent="-457200">
@@ -4893,24 +4676,24 @@
               <a:buChar char="•"/>
             </a:pPr>
             <a:r>
-              <a:rPr lang="en-US" sz="2400" dirty="0"/>
+              <a:rPr lang="en-GB" sz="2400" noProof="0" dirty="0"/>
               <a:t>Dimensions</a:t>
             </a:r>
-            <a:endParaRPr lang="en-US" sz="2400" b="1" dirty="0"/>
+            <a:endParaRPr lang="en-GB" sz="2400" b="1" noProof="0" dirty="0"/>
           </a:p>
           <a:p>
             <a:pPr marL="457200" indent="-457200">
               <a:buFont typeface="Arial" panose="020B0604020202020204" pitchFamily="34" charset="0"/>
               <a:buChar char="•"/>
             </a:pPr>
-            <a:endParaRPr lang="de-DE" sz="2400" dirty="0"/>
+            <a:endParaRPr lang="en-GB" sz="2400" noProof="0" dirty="0"/>
           </a:p>
           <a:p>
             <a:pPr marL="457200" indent="-457200">
               <a:buFont typeface="Arial" panose="020B0604020202020204" pitchFamily="34" charset="0"/>
               <a:buChar char="•"/>
             </a:pPr>
-            <a:endParaRPr lang="de-DE" sz="2400" dirty="0"/>
+            <a:endParaRPr lang="en-GB" sz="2400" noProof="0" dirty="0"/>
           </a:p>
         </p:txBody>
       </p:sp>
@@ -4964,14 +4747,14 @@
           <a:lstStyle/>
           <a:p>
             <a:r>
-              <a:rPr lang="en-US" sz="6000" b="1" dirty="0"/>
+              <a:rPr lang="en-GB" sz="6000" b="1" noProof="0" dirty="0"/>
               <a:t>                  Our Approach</a:t>
             </a:r>
-            <a:endParaRPr lang="en-US" sz="1500" b="1" dirty="0"/>
+            <a:endParaRPr lang="en-GB" sz="1500" b="1" noProof="0" dirty="0"/>
           </a:p>
           <a:p>
             <a:pPr algn="ctr"/>
-            <a:endParaRPr lang="en-US" sz="1000" b="1" dirty="0"/>
+            <a:endParaRPr lang="en-GB" sz="1000" b="1" noProof="0" dirty="0"/>
           </a:p>
         </p:txBody>
       </p:sp>
@@ -5025,13 +4808,13 @@
           <a:lstStyle/>
           <a:p>
             <a:r>
-              <a:rPr lang="en-US" sz="6000" b="1" dirty="0"/>
+              <a:rPr lang="en-GB" sz="6000" b="1" noProof="0" dirty="0"/>
               <a:t>                  Discussion</a:t>
             </a:r>
-            <a:endParaRPr lang="en-US" sz="1500" b="1" dirty="0"/>
-          </a:p>
-          <a:p>
-            <a:endParaRPr lang="en-US" sz="1000" b="1" dirty="0"/>
+            <a:endParaRPr lang="en-GB" sz="1500" b="1" noProof="0" dirty="0"/>
+          </a:p>
+          <a:p>
+            <a:endParaRPr lang="en-GB" sz="1000" b="1" noProof="0" dirty="0"/>
           </a:p>
         </p:txBody>
       </p:sp>
@@ -5085,10 +4868,10 @@
           <a:lstStyle/>
           <a:p>
             <a:r>
-              <a:rPr lang="en-US" sz="6000" b="1" dirty="0"/>
+              <a:rPr lang="en-GB" sz="6000" b="1" noProof="0" dirty="0"/>
               <a:t>                 Our Achievements</a:t>
             </a:r>
-            <a:endParaRPr lang="en-US" sz="1000" b="1" dirty="0"/>
+            <a:endParaRPr lang="en-GB" sz="1000" b="1" noProof="0" dirty="0"/>
           </a:p>
         </p:txBody>
       </p:sp>
@@ -5142,10 +4925,10 @@
           <a:lstStyle/>
           <a:p>
             <a:r>
-              <a:rPr lang="en-US" sz="6000" b="1" dirty="0"/>
+              <a:rPr lang="en-GB" sz="6000" b="1" noProof="0" dirty="0"/>
               <a:t>                 References</a:t>
             </a:r>
-            <a:endParaRPr lang="en-US" sz="1000" b="1" dirty="0"/>
+            <a:endParaRPr lang="en-GB" sz="1000" b="1" noProof="0" dirty="0"/>
           </a:p>
         </p:txBody>
       </p:sp>
@@ -5197,7 +4980,7 @@
           </a:lstStyle>
           <a:p>
             <a:r>
-              <a:rPr lang="de-DE" sz="8000" b="1" dirty="0">
+              <a:rPr lang="en-GB" sz="8000" b="1" noProof="0" dirty="0">
                 <a:solidFill>
                   <a:schemeClr val="bg1"/>
                 </a:solidFill>
@@ -5207,7 +4990,7 @@
           </a:p>
           <a:p>
             <a:r>
-              <a:rPr lang="de-DE" sz="8000" b="1" dirty="0">
+              <a:rPr lang="en-GB" sz="8000" b="1" noProof="0" dirty="0">
                 <a:solidFill>
                   <a:schemeClr val="bg1"/>
                 </a:solidFill>
@@ -5217,18 +5000,13 @@
           </a:p>
           <a:p>
             <a:r>
-              <a:rPr lang="de-DE" sz="8000" b="1" dirty="0">
+              <a:rPr lang="en-GB" sz="8000" b="1" noProof="0" dirty="0">
                 <a:solidFill>
                   <a:schemeClr val="bg1"/>
                 </a:solidFill>
               </a:rPr>
               <a:t>in Cancer Cells</a:t>
             </a:r>
-            <a:endParaRPr lang="en-US" sz="8000" b="1" dirty="0">
-              <a:solidFill>
-                <a:schemeClr val="bg1"/>
-              </a:solidFill>
-            </a:endParaRPr>
           </a:p>
         </p:txBody>
       </p:sp>
@@ -5280,78 +5058,22 @@
           </a:lstStyle>
           <a:p>
             <a:r>
-              <a:rPr lang="de-DE" sz="2800" dirty="0" err="1">
+              <a:rPr lang="en-GB" sz="2800" noProof="0" dirty="0">
                 <a:solidFill>
                   <a:schemeClr val="bg1"/>
                 </a:solidFill>
               </a:rPr>
-              <a:t>Baureis</a:t>
-            </a:r>
-            <a:r>
-              <a:rPr lang="de-DE" sz="2800" dirty="0">
+              <a:t>Baureis, J., Ferdin, J., Nicklas, B., Wintel, L.</a:t>
+            </a:r>
+          </a:p>
+          <a:p>
+            <a:r>
+              <a:rPr lang="en-GB" sz="2800" noProof="0" dirty="0">
                 <a:solidFill>
                   <a:schemeClr val="bg1"/>
                 </a:solidFill>
               </a:rPr>
-              <a:t>, J., </a:t>
-            </a:r>
-            <a:r>
-              <a:rPr lang="de-DE" sz="2800" dirty="0" err="1">
-                <a:solidFill>
-                  <a:schemeClr val="bg1"/>
-                </a:solidFill>
-              </a:rPr>
-              <a:t>Ferdin</a:t>
-            </a:r>
-            <a:r>
-              <a:rPr lang="de-DE" sz="2800" dirty="0">
-                <a:solidFill>
-                  <a:schemeClr val="bg1"/>
-                </a:solidFill>
-              </a:rPr>
-              <a:t>, J., Nicklas, B., </a:t>
-            </a:r>
-            <a:r>
-              <a:rPr lang="de-DE" sz="2800" dirty="0" err="1">
-                <a:solidFill>
-                  <a:schemeClr val="bg1"/>
-                </a:solidFill>
-              </a:rPr>
-              <a:t>Wintel</a:t>
-            </a:r>
-            <a:r>
-              <a:rPr lang="de-DE" sz="2800" dirty="0">
-                <a:solidFill>
-                  <a:schemeClr val="bg1"/>
-                </a:solidFill>
-              </a:rPr>
-              <a:t>, L.</a:t>
-            </a:r>
-          </a:p>
-          <a:p>
-            <a:r>
-              <a:rPr lang="de-DE" sz="2800" dirty="0">
-                <a:solidFill>
-                  <a:schemeClr val="bg1"/>
-                </a:solidFill>
-              </a:rPr>
-              <a:t>Data Analysis Project </a:t>
-            </a:r>
-            <a:r>
-              <a:rPr lang="de-DE" sz="2800" dirty="0" err="1">
-                <a:solidFill>
-                  <a:schemeClr val="bg1"/>
-                </a:solidFill>
-              </a:rPr>
-              <a:t>Molecular</a:t>
-            </a:r>
-            <a:r>
-              <a:rPr lang="de-DE" sz="2800" dirty="0">
-                <a:solidFill>
-                  <a:schemeClr val="bg1"/>
-                </a:solidFill>
-              </a:rPr>
-              <a:t> Biotechnology SS2025</a:t>
+              <a:t>Data Analysis Project Molecular Biotechnology SS2025</a:t>
             </a:r>
           </a:p>
         </p:txBody>
@@ -5407,7 +5129,7 @@
           <a:p>
             <a:pPr algn="ctr"/>
             <a:r>
-              <a:rPr lang="de-DE" sz="7000" b="1" dirty="0">
+              <a:rPr lang="en-GB" sz="7000" b="1" noProof="0" dirty="0">
                 <a:solidFill>
                   <a:srgbClr val="87081B"/>
                 </a:solidFill>
@@ -5468,7 +5190,7 @@
           <a:p>
             <a:pPr algn="ctr"/>
             <a:r>
-              <a:rPr lang="de-DE" sz="7000" b="1" dirty="0">
+              <a:rPr lang="en-GB" sz="7000" b="1" noProof="0" dirty="0">
                 <a:solidFill>
                   <a:srgbClr val="120D31"/>
                 </a:solidFill>
@@ -5529,7 +5251,7 @@
           <a:p>
             <a:pPr algn="ctr"/>
             <a:r>
-              <a:rPr lang="de-DE" sz="7000" b="1" dirty="0">
+              <a:rPr lang="en-GB" sz="7000" b="1" noProof="0" dirty="0">
                 <a:solidFill>
                   <a:srgbClr val="120D31"/>
                 </a:solidFill>
@@ -5590,7 +5312,7 @@
           <a:p>
             <a:pPr algn="ctr"/>
             <a:r>
-              <a:rPr lang="de-DE" sz="7000" b="1" dirty="0">
+              <a:rPr lang="en-GB" sz="7000" b="1" noProof="0" dirty="0">
                 <a:solidFill>
                   <a:srgbClr val="87081B"/>
                 </a:solidFill>
@@ -5651,7 +5373,7 @@
           <a:p>
             <a:pPr algn="ctr"/>
             <a:r>
-              <a:rPr lang="de-DE" sz="7000" b="1" dirty="0">
+              <a:rPr lang="en-GB" sz="7000" b="1" noProof="0" dirty="0">
                 <a:solidFill>
                   <a:srgbClr val="302F4D"/>
                 </a:solidFill>
@@ -5742,91 +5464,10 @@
           <a:lstStyle/>
           <a:p>
             <a:pPr algn="ctr"/>
-            <a:endParaRPr lang="de-DE"/>
-          </a:p>
-        </p:txBody>
-      </p:sp>
-      <p:grpSp>
-        <p:nvGrpSpPr>
-          <p:cNvPr id="2" name="Group 1">
-            <a:extLst>
-              <a:ext uri="{FF2B5EF4-FFF2-40B4-BE49-F238E27FC236}">
-                <a16:creationId xmlns:a16="http://schemas.microsoft.com/office/drawing/2014/main" id="{3DB15D53-565C-F424-CF3C-F4BDF7B46709}"/>
-              </a:ext>
-            </a:extLst>
-          </p:cNvPr>
-          <p:cNvGrpSpPr/>
-          <p:nvPr/>
-        </p:nvGrpSpPr>
-        <p:grpSpPr>
-          <a:xfrm>
-            <a:off x="18088459" y="8783552"/>
-            <a:ext cx="10896006" cy="4108381"/>
-            <a:chOff x="18442634" y="8936099"/>
-            <a:chExt cx="10896006" cy="4108381"/>
-          </a:xfrm>
-        </p:grpSpPr>
-        <p:pic>
-          <p:nvPicPr>
-            <p:cNvPr id="3" name="Picture 2" descr="A graph showing a line graph&#10;&#10;AI-generated content may be incorrect.">
-              <a:extLst>
-                <a:ext uri="{FF2B5EF4-FFF2-40B4-BE49-F238E27FC236}">
-                  <a16:creationId xmlns:a16="http://schemas.microsoft.com/office/drawing/2014/main" id="{227421C5-ADD9-773E-1D2E-32E0BB7F159E}"/>
-                </a:ext>
-              </a:extLst>
-            </p:cNvPr>
-            <p:cNvPicPr>
-              <a:picLocks noChangeAspect="1"/>
-            </p:cNvPicPr>
-            <p:nvPr/>
-          </p:nvPicPr>
-          <p:blipFill>
-            <a:blip r:embed="rId5"/>
-            <a:stretch>
-              <a:fillRect/>
-            </a:stretch>
-          </p:blipFill>
-          <p:spPr>
-            <a:xfrm>
-              <a:off x="18442634" y="8936099"/>
-              <a:ext cx="5475046" cy="4106284"/>
-            </a:xfrm>
-            <a:prstGeom prst="rect">
-              <a:avLst/>
-            </a:prstGeom>
-          </p:spPr>
-        </p:pic>
-        <p:pic>
-          <p:nvPicPr>
-            <p:cNvPr id="5" name="Picture 4" descr="A graph of a line graph&#10;&#10;AI-generated content may be incorrect.">
-              <a:extLst>
-                <a:ext uri="{FF2B5EF4-FFF2-40B4-BE49-F238E27FC236}">
-                  <a16:creationId xmlns:a16="http://schemas.microsoft.com/office/drawing/2014/main" id="{855918B6-0FA3-74E6-8252-7F49D163EA24}"/>
-                </a:ext>
-              </a:extLst>
-            </p:cNvPr>
-            <p:cNvPicPr>
-              <a:picLocks noChangeAspect="1"/>
-            </p:cNvPicPr>
-            <p:nvPr/>
-          </p:nvPicPr>
-          <p:blipFill>
-            <a:blip r:embed="rId6"/>
-            <a:stretch>
-              <a:fillRect/>
-            </a:stretch>
-          </p:blipFill>
-          <p:spPr>
-            <a:xfrm>
-              <a:off x="23863594" y="8938195"/>
-              <a:ext cx="5475046" cy="4106285"/>
-            </a:xfrm>
-            <a:prstGeom prst="rect">
-              <a:avLst/>
-            </a:prstGeom>
-          </p:spPr>
-        </p:pic>
-      </p:grpSp>
+            <a:endParaRPr lang="en-GB" noProof="0" dirty="0"/>
+          </a:p>
+        </p:txBody>
+      </p:sp>
       <p:grpSp>
         <p:nvGrpSpPr>
           <p:cNvPr id="51" name="Group 50">
@@ -5862,7 +5503,7 @@
             <p:nvPr/>
           </p:nvPicPr>
           <p:blipFill>
-            <a:blip r:embed="rId7"/>
+            <a:blip r:embed="rId5"/>
             <a:stretch>
               <a:fillRect/>
             </a:stretch>
@@ -5892,7 +5533,7 @@
             <p:nvPr/>
           </p:nvPicPr>
           <p:blipFill>
-            <a:blip r:embed="rId8"/>
+            <a:blip r:embed="rId6"/>
             <a:stretch>
               <a:fillRect/>
             </a:stretch>
@@ -5922,7 +5563,7 @@
             <p:nvPr/>
           </p:nvPicPr>
           <p:blipFill>
-            <a:blip r:embed="rId9"/>
+            <a:blip r:embed="rId7"/>
             <a:stretch>
               <a:fillRect/>
             </a:stretch>
@@ -5952,7 +5593,7 @@
             <p:nvPr/>
           </p:nvPicPr>
           <p:blipFill>
-            <a:blip r:embed="rId10"/>
+            <a:blip r:embed="rId8"/>
             <a:stretch>
               <a:fillRect/>
             </a:stretch>
@@ -5970,10 +5611,10 @@
       </p:grpSp>
       <p:grpSp>
         <p:nvGrpSpPr>
-          <p:cNvPr id="65" name="Group 64">
+          <p:cNvPr id="54" name="Group 53">
             <a:extLst>
               <a:ext uri="{FF2B5EF4-FFF2-40B4-BE49-F238E27FC236}">
-                <a16:creationId xmlns:a16="http://schemas.microsoft.com/office/drawing/2014/main" id="{0F236289-05F0-3EA7-39B5-BDD9F4D24BF0}"/>
+                <a16:creationId xmlns:a16="http://schemas.microsoft.com/office/drawing/2014/main" id="{BB7F8597-B6B3-AA26-28A1-A907B017E545}"/>
               </a:ext>
             </a:extLst>
           </p:cNvPr>
@@ -5982,139 +5623,170 @@
         </p:nvGrpSpPr>
         <p:grpSpPr>
           <a:xfrm>
-            <a:off x="16647870" y="21398510"/>
-            <a:ext cx="7442926" cy="5435653"/>
-            <a:chOff x="23281846" y="22558245"/>
-            <a:chExt cx="5224180" cy="3911696"/>
+            <a:off x="18161604" y="8486820"/>
+            <a:ext cx="10896006" cy="4110478"/>
+            <a:chOff x="18161604" y="8486820"/>
+            <a:chExt cx="10896006" cy="4110478"/>
           </a:xfrm>
         </p:grpSpPr>
-        <p:pic>
-          <p:nvPicPr>
-            <p:cNvPr id="11" name="Picture 10" descr="A graph of a line graph&#10;&#10;AI-generated content may be incorrect.">
+        <p:grpSp>
+          <p:nvGrpSpPr>
+            <p:cNvPr id="2" name="Group 1">
               <a:extLst>
                 <a:ext uri="{FF2B5EF4-FFF2-40B4-BE49-F238E27FC236}">
-                  <a16:creationId xmlns:a16="http://schemas.microsoft.com/office/drawing/2014/main" id="{0EF38221-4080-BDA5-EF70-4206AD6979A5}"/>
+                  <a16:creationId xmlns:a16="http://schemas.microsoft.com/office/drawing/2014/main" id="{3DB15D53-565C-F424-CF3C-F4BDF7B46709}"/>
                 </a:ext>
               </a:extLst>
             </p:cNvPr>
-            <p:cNvPicPr>
-              <a:picLocks noChangeAspect="1"/>
-            </p:cNvPicPr>
+            <p:cNvGrpSpPr/>
             <p:nvPr/>
-          </p:nvPicPr>
-          <p:blipFill>
-            <a:blip r:embed="rId11"/>
-            <a:stretch>
-              <a:fillRect/>
-            </a:stretch>
-          </p:blipFill>
+          </p:nvGrpSpPr>
+          <p:grpSpPr>
+            <a:xfrm>
+              <a:off x="18161604" y="8488917"/>
+              <a:ext cx="10896006" cy="4108381"/>
+              <a:chOff x="18442634" y="8936099"/>
+              <a:chExt cx="10896006" cy="4108381"/>
+            </a:xfrm>
+          </p:grpSpPr>
+          <p:pic>
+            <p:nvPicPr>
+              <p:cNvPr id="3" name="Picture 2" descr="A graph showing a line graph&#10;&#10;AI-generated content may be incorrect.">
+                <a:extLst>
+                  <a:ext uri="{FF2B5EF4-FFF2-40B4-BE49-F238E27FC236}">
+                    <a16:creationId xmlns:a16="http://schemas.microsoft.com/office/drawing/2014/main" id="{227421C5-ADD9-773E-1D2E-32E0BB7F159E}"/>
+                  </a:ext>
+                </a:extLst>
+              </p:cNvPr>
+              <p:cNvPicPr>
+                <a:picLocks noChangeAspect="1"/>
+              </p:cNvPicPr>
+              <p:nvPr/>
+            </p:nvPicPr>
+            <p:blipFill>
+              <a:blip r:embed="rId9"/>
+              <a:stretch>
+                <a:fillRect/>
+              </a:stretch>
+            </p:blipFill>
+            <p:spPr>
+              <a:xfrm>
+                <a:off x="18442634" y="8936099"/>
+                <a:ext cx="5475046" cy="4106284"/>
+              </a:xfrm>
+              <a:prstGeom prst="rect">
+                <a:avLst/>
+              </a:prstGeom>
+            </p:spPr>
+          </p:pic>
+          <p:pic>
+            <p:nvPicPr>
+              <p:cNvPr id="5" name="Picture 4" descr="A graph of a line graph&#10;&#10;AI-generated content may be incorrect.">
+                <a:extLst>
+                  <a:ext uri="{FF2B5EF4-FFF2-40B4-BE49-F238E27FC236}">
+                    <a16:creationId xmlns:a16="http://schemas.microsoft.com/office/drawing/2014/main" id="{855918B6-0FA3-74E6-8252-7F49D163EA24}"/>
+                  </a:ext>
+                </a:extLst>
+              </p:cNvPr>
+              <p:cNvPicPr>
+                <a:picLocks noChangeAspect="1"/>
+              </p:cNvPicPr>
+              <p:nvPr/>
+            </p:nvPicPr>
+            <p:blipFill>
+              <a:blip r:embed="rId10"/>
+              <a:stretch>
+                <a:fillRect/>
+              </a:stretch>
+            </p:blipFill>
+            <p:spPr>
+              <a:xfrm>
+                <a:off x="23863594" y="8938195"/>
+                <a:ext cx="5475046" cy="4106285"/>
+              </a:xfrm>
+              <a:prstGeom prst="rect">
+                <a:avLst/>
+              </a:prstGeom>
+            </p:spPr>
+          </p:pic>
+        </p:grpSp>
+        <p:sp>
+          <p:nvSpPr>
+            <p:cNvPr id="50" name="TextBox 49">
+              <a:extLst>
+                <a:ext uri="{FF2B5EF4-FFF2-40B4-BE49-F238E27FC236}">
+                  <a16:creationId xmlns:a16="http://schemas.microsoft.com/office/drawing/2014/main" id="{D26957CD-C64F-0F63-AFAD-70360BC05163}"/>
+                </a:ext>
+              </a:extLst>
+            </p:cNvPr>
+            <p:cNvSpPr txBox="1"/>
+            <p:nvPr/>
+          </p:nvSpPr>
           <p:spPr>
             <a:xfrm>
-              <a:off x="23286139" y="22558245"/>
-              <a:ext cx="2607798" cy="1955848"/>
+              <a:off x="18620887" y="8486820"/>
+              <a:ext cx="390625" cy="461665"/>
             </a:xfrm>
             <a:prstGeom prst="rect">
               <a:avLst/>
             </a:prstGeom>
+            <a:noFill/>
           </p:spPr>
-        </p:pic>
-        <p:pic>
-          <p:nvPicPr>
-            <p:cNvPr id="30" name="Picture 29" descr="A graph showing the number of patients with a number of patients&#10;&#10;AI-generated content may be incorrect.">
+          <p:txBody>
+            <a:bodyPr wrap="square" rtlCol="0">
+              <a:spAutoFit/>
+            </a:bodyPr>
+            <a:lstStyle/>
+            <a:p>
+              <a:r>
+                <a:rPr lang="en-GB" sz="2400" noProof="0" dirty="0"/>
+                <a:t>A</a:t>
+              </a:r>
+            </a:p>
+          </p:txBody>
+        </p:sp>
+        <p:sp>
+          <p:nvSpPr>
+            <p:cNvPr id="52" name="TextBox 51">
               <a:extLst>
                 <a:ext uri="{FF2B5EF4-FFF2-40B4-BE49-F238E27FC236}">
-                  <a16:creationId xmlns:a16="http://schemas.microsoft.com/office/drawing/2014/main" id="{23B30E43-0FF2-A99E-FC26-68C9FA4D8513}"/>
+                  <a16:creationId xmlns:a16="http://schemas.microsoft.com/office/drawing/2014/main" id="{02CB4F4E-89C0-B6C8-7CF6-72E4DD03E26F}"/>
                 </a:ext>
               </a:extLst>
             </p:cNvPr>
-            <p:cNvPicPr>
-              <a:picLocks noChangeAspect="1"/>
-            </p:cNvPicPr>
+            <p:cNvSpPr txBox="1"/>
             <p:nvPr/>
-          </p:nvPicPr>
-          <p:blipFill>
-            <a:blip r:embed="rId12"/>
-            <a:stretch>
-              <a:fillRect/>
-            </a:stretch>
-          </p:blipFill>
+          </p:nvSpPr>
           <p:spPr>
             <a:xfrm>
-              <a:off x="25898230" y="24514093"/>
-              <a:ext cx="2607796" cy="1955847"/>
+              <a:off x="24034304" y="8488917"/>
+              <a:ext cx="390625" cy="461665"/>
             </a:xfrm>
             <a:prstGeom prst="rect">
               <a:avLst/>
             </a:prstGeom>
+            <a:noFill/>
           </p:spPr>
-        </p:pic>
-        <p:pic>
-          <p:nvPicPr>
-            <p:cNvPr id="35" name="Picture 34" descr="A graph of a line graph&#10;&#10;AI-generated content may be incorrect.">
-              <a:extLst>
-                <a:ext uri="{FF2B5EF4-FFF2-40B4-BE49-F238E27FC236}">
-                  <a16:creationId xmlns:a16="http://schemas.microsoft.com/office/drawing/2014/main" id="{294E8050-2423-A424-7ADE-26D8A0DAB502}"/>
-                </a:ext>
-              </a:extLst>
-            </p:cNvPr>
-            <p:cNvPicPr>
-              <a:picLocks noChangeAspect="1"/>
-            </p:cNvPicPr>
-            <p:nvPr/>
-          </p:nvPicPr>
-          <p:blipFill>
-            <a:blip r:embed="rId13"/>
-            <a:stretch>
-              <a:fillRect/>
-            </a:stretch>
-          </p:blipFill>
-          <p:spPr>
-            <a:xfrm>
-              <a:off x="25893937" y="22558245"/>
-              <a:ext cx="2607796" cy="1955848"/>
-            </a:xfrm>
-            <a:prstGeom prst="rect">
-              <a:avLst/>
-            </a:prstGeom>
-          </p:spPr>
-        </p:pic>
-        <p:pic>
-          <p:nvPicPr>
-            <p:cNvPr id="48" name="Picture 47" descr="A graph of a graph showing the number of points&#10;&#10;AI-generated content may be incorrect.">
-              <a:extLst>
-                <a:ext uri="{FF2B5EF4-FFF2-40B4-BE49-F238E27FC236}">
-                  <a16:creationId xmlns:a16="http://schemas.microsoft.com/office/drawing/2014/main" id="{CE7C61D1-67D1-4045-05FB-AA389C79987F}"/>
-                </a:ext>
-              </a:extLst>
-            </p:cNvPr>
-            <p:cNvPicPr>
-              <a:picLocks noChangeAspect="1"/>
-            </p:cNvPicPr>
-            <p:nvPr/>
-          </p:nvPicPr>
-          <p:blipFill>
-            <a:blip r:embed="rId14"/>
-            <a:stretch>
-              <a:fillRect/>
-            </a:stretch>
-          </p:blipFill>
-          <p:spPr>
-            <a:xfrm>
-              <a:off x="23281846" y="24514093"/>
-              <a:ext cx="2607797" cy="1955848"/>
-            </a:xfrm>
-            <a:prstGeom prst="rect">
-              <a:avLst/>
-            </a:prstGeom>
-          </p:spPr>
-        </p:pic>
+          <p:txBody>
+            <a:bodyPr wrap="square" rtlCol="0">
+              <a:spAutoFit/>
+            </a:bodyPr>
+            <a:lstStyle/>
+            <a:p>
+              <a:r>
+                <a:rPr lang="en-GB" sz="2400" noProof="0" dirty="0"/>
+                <a:t>C</a:t>
+              </a:r>
+            </a:p>
+          </p:txBody>
+        </p:sp>
       </p:grpSp>
       <p:grpSp>
         <p:nvGrpSpPr>
-          <p:cNvPr id="64" name="Group 63">
+          <p:cNvPr id="71" name="Group 70">
             <a:extLst>
               <a:ext uri="{FF2B5EF4-FFF2-40B4-BE49-F238E27FC236}">
-                <a16:creationId xmlns:a16="http://schemas.microsoft.com/office/drawing/2014/main" id="{23883C06-C2FC-03CF-C221-176DFF564504}"/>
+                <a16:creationId xmlns:a16="http://schemas.microsoft.com/office/drawing/2014/main" id="{A43AC35F-65C5-5EC8-CAAB-F9F8A61CE0B3}"/>
               </a:ext>
             </a:extLst>
           </p:cNvPr>
@@ -6123,132 +5795,710 @@
         </p:nvGrpSpPr>
         <p:grpSpPr>
           <a:xfrm>
-            <a:off x="16647870" y="15507481"/>
-            <a:ext cx="8356224" cy="5718751"/>
-            <a:chOff x="23453302" y="18125964"/>
-            <a:chExt cx="5215594" cy="3915983"/>
+            <a:off x="12041243" y="16127414"/>
+            <a:ext cx="16876495" cy="3769559"/>
+            <a:chOff x="12181114" y="15554091"/>
+            <a:chExt cx="16876495" cy="3769559"/>
           </a:xfrm>
         </p:grpSpPr>
-        <p:pic>
-          <p:nvPicPr>
-            <p:cNvPr id="53" name="Picture 52" descr="A diagram of a graph&#10;&#10;AI-generated content may be incorrect.">
+        <p:grpSp>
+          <p:nvGrpSpPr>
+            <p:cNvPr id="70" name="Group 69">
               <a:extLst>
                 <a:ext uri="{FF2B5EF4-FFF2-40B4-BE49-F238E27FC236}">
-                  <a16:creationId xmlns:a16="http://schemas.microsoft.com/office/drawing/2014/main" id="{E8A9F3C9-F89E-AEDD-BF97-116F98ABED8E}"/>
+                  <a16:creationId xmlns:a16="http://schemas.microsoft.com/office/drawing/2014/main" id="{99351771-C4DE-A8F7-90BB-C071658DDF5B}"/>
                 </a:ext>
               </a:extLst>
             </p:cNvPr>
-            <p:cNvPicPr>
-              <a:picLocks noChangeAspect="1"/>
-            </p:cNvPicPr>
+            <p:cNvGrpSpPr/>
             <p:nvPr/>
-          </p:nvPicPr>
-          <p:blipFill>
-            <a:blip r:embed="rId15"/>
-            <a:stretch>
-              <a:fillRect/>
-            </a:stretch>
-          </p:blipFill>
+          </p:nvGrpSpPr>
+          <p:grpSpPr>
+            <a:xfrm>
+              <a:off x="12297249" y="15554091"/>
+              <a:ext cx="16712440" cy="2950021"/>
+              <a:chOff x="12357128" y="15543310"/>
+              <a:chExt cx="16712440" cy="2950021"/>
+            </a:xfrm>
+          </p:grpSpPr>
+          <p:pic>
+            <p:nvPicPr>
+              <p:cNvPr id="53" name="Picture 52" descr="A diagram of a graph&#10;&#10;AI-generated content may be incorrect.">
+                <a:extLst>
+                  <a:ext uri="{FF2B5EF4-FFF2-40B4-BE49-F238E27FC236}">
+                    <a16:creationId xmlns:a16="http://schemas.microsoft.com/office/drawing/2014/main" id="{E8A9F3C9-F89E-AEDD-BF97-116F98ABED8E}"/>
+                  </a:ext>
+                </a:extLst>
+              </p:cNvPr>
+              <p:cNvPicPr>
+                <a:picLocks noChangeAspect="1"/>
+              </p:cNvPicPr>
+              <p:nvPr/>
+            </p:nvPicPr>
+            <p:blipFill>
+              <a:blip r:embed="rId11"/>
+              <a:stretch>
+                <a:fillRect/>
+              </a:stretch>
+            </p:blipFill>
+            <p:spPr>
+              <a:xfrm>
+                <a:off x="12357128" y="15621776"/>
+                <a:ext cx="4178110" cy="2856244"/>
+              </a:xfrm>
+              <a:prstGeom prst="rect">
+                <a:avLst/>
+              </a:prstGeom>
+            </p:spPr>
+          </p:pic>
+          <p:pic>
+            <p:nvPicPr>
+              <p:cNvPr id="61" name="Picture 60" descr="A graph of a curve&#10;&#10;AI-generated content may be incorrect.">
+                <a:extLst>
+                  <a:ext uri="{FF2B5EF4-FFF2-40B4-BE49-F238E27FC236}">
+                    <a16:creationId xmlns:a16="http://schemas.microsoft.com/office/drawing/2014/main" id="{CA63A60E-3C40-0781-2F18-5EB6634F7853}"/>
+                  </a:ext>
+                </a:extLst>
+              </p:cNvPr>
+              <p:cNvPicPr>
+                <a:picLocks noChangeAspect="1"/>
+              </p:cNvPicPr>
+              <p:nvPr/>
+            </p:nvPicPr>
+            <p:blipFill>
+              <a:blip r:embed="rId12"/>
+              <a:stretch>
+                <a:fillRect/>
+              </a:stretch>
+            </p:blipFill>
+            <p:spPr>
+              <a:xfrm>
+                <a:off x="24891458" y="15637087"/>
+                <a:ext cx="4178110" cy="2856244"/>
+              </a:xfrm>
+              <a:prstGeom prst="rect">
+                <a:avLst/>
+              </a:prstGeom>
+            </p:spPr>
+          </p:pic>
+          <p:pic>
+            <p:nvPicPr>
+              <p:cNvPr id="62" name="Picture 61" descr="A diagram of a graph showing a number of dots&#10;&#10;AI-generated content may be incorrect.">
+                <a:extLst>
+                  <a:ext uri="{FF2B5EF4-FFF2-40B4-BE49-F238E27FC236}">
+                    <a16:creationId xmlns:a16="http://schemas.microsoft.com/office/drawing/2014/main" id="{E00E9F95-1741-7307-9852-95BEAAAAC971}"/>
+                  </a:ext>
+                </a:extLst>
+              </p:cNvPr>
+              <p:cNvPicPr>
+                <a:picLocks noChangeAspect="1"/>
+              </p:cNvPicPr>
+              <p:nvPr/>
+            </p:nvPicPr>
+            <p:blipFill>
+              <a:blip r:embed="rId13"/>
+              <a:stretch>
+                <a:fillRect/>
+              </a:stretch>
+            </p:blipFill>
+            <p:spPr>
+              <a:xfrm>
+                <a:off x="16523272" y="15626463"/>
+                <a:ext cx="4178114" cy="2856245"/>
+              </a:xfrm>
+              <a:prstGeom prst="rect">
+                <a:avLst/>
+              </a:prstGeom>
+            </p:spPr>
+          </p:pic>
+          <p:pic>
+            <p:nvPicPr>
+              <p:cNvPr id="63" name="Picture 62" descr="A diagram of a graph&#10;&#10;AI-generated content may be incorrect.">
+                <a:extLst>
+                  <a:ext uri="{FF2B5EF4-FFF2-40B4-BE49-F238E27FC236}">
+                    <a16:creationId xmlns:a16="http://schemas.microsoft.com/office/drawing/2014/main" id="{E4EEFB2C-3942-6776-2B13-787C0C18A90A}"/>
+                  </a:ext>
+                </a:extLst>
+              </p:cNvPr>
+              <p:cNvPicPr>
+                <a:picLocks noChangeAspect="1"/>
+              </p:cNvPicPr>
+              <p:nvPr/>
+            </p:nvPicPr>
+            <p:blipFill>
+              <a:blip r:embed="rId14"/>
+              <a:stretch>
+                <a:fillRect/>
+              </a:stretch>
+            </p:blipFill>
+            <p:spPr>
+              <a:xfrm>
+                <a:off x="20707367" y="15621776"/>
+                <a:ext cx="4178110" cy="2856245"/>
+              </a:xfrm>
+              <a:prstGeom prst="rect">
+                <a:avLst/>
+              </a:prstGeom>
+            </p:spPr>
+          </p:pic>
+          <p:sp>
+            <p:nvSpPr>
+              <p:cNvPr id="41" name="TextBox 40">
+                <a:extLst>
+                  <a:ext uri="{FF2B5EF4-FFF2-40B4-BE49-F238E27FC236}">
+                    <a16:creationId xmlns:a16="http://schemas.microsoft.com/office/drawing/2014/main" id="{720478C9-8A47-1218-97A5-5D40C0B0FF65}"/>
+                  </a:ext>
+                </a:extLst>
+              </p:cNvPr>
+              <p:cNvSpPr txBox="1"/>
+              <p:nvPr/>
+            </p:nvSpPr>
+            <p:spPr>
+              <a:xfrm>
+                <a:off x="12631683" y="15549219"/>
+                <a:ext cx="390625" cy="461665"/>
+              </a:xfrm>
+              <a:prstGeom prst="rect">
+                <a:avLst/>
+              </a:prstGeom>
+              <a:noFill/>
+            </p:spPr>
+            <p:txBody>
+              <a:bodyPr wrap="square" rtlCol="0">
+                <a:spAutoFit/>
+              </a:bodyPr>
+              <a:lstStyle/>
+              <a:p>
+                <a:r>
+                  <a:rPr lang="en-GB" sz="2400" b="1" noProof="0" dirty="0"/>
+                  <a:t>A</a:t>
+                </a:r>
+              </a:p>
+            </p:txBody>
+          </p:sp>
+          <p:sp>
+            <p:nvSpPr>
+              <p:cNvPr id="43" name="TextBox 42">
+                <a:extLst>
+                  <a:ext uri="{FF2B5EF4-FFF2-40B4-BE49-F238E27FC236}">
+                    <a16:creationId xmlns:a16="http://schemas.microsoft.com/office/drawing/2014/main" id="{2332C10D-4987-A8F7-990E-F9CD9F65CB89}"/>
+                  </a:ext>
+                </a:extLst>
+              </p:cNvPr>
+              <p:cNvSpPr txBox="1"/>
+              <p:nvPr/>
+            </p:nvSpPr>
+            <p:spPr>
+              <a:xfrm>
+                <a:off x="16806387" y="15543310"/>
+                <a:ext cx="390625" cy="461665"/>
+              </a:xfrm>
+              <a:prstGeom prst="rect">
+                <a:avLst/>
+              </a:prstGeom>
+              <a:noFill/>
+            </p:spPr>
+            <p:txBody>
+              <a:bodyPr wrap="square" rtlCol="0">
+                <a:spAutoFit/>
+              </a:bodyPr>
+              <a:lstStyle/>
+              <a:p>
+                <a:r>
+                  <a:rPr lang="en-GB" sz="2400" b="1" noProof="0" dirty="0"/>
+                  <a:t>B</a:t>
+                </a:r>
+              </a:p>
+            </p:txBody>
+          </p:sp>
+          <p:sp>
+            <p:nvSpPr>
+              <p:cNvPr id="45" name="TextBox 44">
+                <a:extLst>
+                  <a:ext uri="{FF2B5EF4-FFF2-40B4-BE49-F238E27FC236}">
+                    <a16:creationId xmlns:a16="http://schemas.microsoft.com/office/drawing/2014/main" id="{3658CB41-3805-29BC-BF80-CC109D959D46}"/>
+                  </a:ext>
+                </a:extLst>
+              </p:cNvPr>
+              <p:cNvSpPr txBox="1"/>
+              <p:nvPr/>
+            </p:nvSpPr>
+            <p:spPr>
+              <a:xfrm>
+                <a:off x="20987903" y="15543310"/>
+                <a:ext cx="390625" cy="461665"/>
+              </a:xfrm>
+              <a:prstGeom prst="rect">
+                <a:avLst/>
+              </a:prstGeom>
+              <a:noFill/>
+            </p:spPr>
+            <p:txBody>
+              <a:bodyPr wrap="square" rtlCol="0">
+                <a:spAutoFit/>
+              </a:bodyPr>
+              <a:lstStyle/>
+              <a:p>
+                <a:r>
+                  <a:rPr lang="en-GB" sz="2400" b="1" noProof="0" dirty="0"/>
+                  <a:t>C</a:t>
+                </a:r>
+              </a:p>
+            </p:txBody>
+          </p:sp>
+          <p:sp>
+            <p:nvSpPr>
+              <p:cNvPr id="47" name="TextBox 46">
+                <a:extLst>
+                  <a:ext uri="{FF2B5EF4-FFF2-40B4-BE49-F238E27FC236}">
+                    <a16:creationId xmlns:a16="http://schemas.microsoft.com/office/drawing/2014/main" id="{FB99DC69-5DD0-CAAD-E5AC-A18D3C8F8BC1}"/>
+                  </a:ext>
+                </a:extLst>
+              </p:cNvPr>
+              <p:cNvSpPr txBox="1"/>
+              <p:nvPr/>
+            </p:nvSpPr>
+            <p:spPr>
+              <a:xfrm>
+                <a:off x="25168657" y="15555202"/>
+                <a:ext cx="390625" cy="461665"/>
+              </a:xfrm>
+              <a:prstGeom prst="rect">
+                <a:avLst/>
+              </a:prstGeom>
+              <a:noFill/>
+            </p:spPr>
+            <p:txBody>
+              <a:bodyPr wrap="square" rtlCol="0">
+                <a:spAutoFit/>
+              </a:bodyPr>
+              <a:lstStyle/>
+              <a:p>
+                <a:r>
+                  <a:rPr lang="en-GB" sz="2400" b="1" noProof="0" dirty="0"/>
+                  <a:t>D</a:t>
+                </a:r>
+              </a:p>
+            </p:txBody>
+          </p:sp>
+        </p:grpSp>
+        <p:sp>
+          <p:nvSpPr>
+            <p:cNvPr id="69" name="TextBox 68">
+              <a:extLst>
+                <a:ext uri="{FF2B5EF4-FFF2-40B4-BE49-F238E27FC236}">
+                  <a16:creationId xmlns:a16="http://schemas.microsoft.com/office/drawing/2014/main" id="{9C45EE35-75CC-A7E5-669C-9FA9E56DA436}"/>
+                </a:ext>
+              </a:extLst>
+            </p:cNvPr>
+            <p:cNvSpPr txBox="1"/>
+            <p:nvPr/>
+          </p:nvSpPr>
           <p:spPr>
             <a:xfrm>
-              <a:off x="23453302" y="20086099"/>
-              <a:ext cx="2607796" cy="1955847"/>
+              <a:off x="12181114" y="18615764"/>
+              <a:ext cx="16876495" cy="707886"/>
             </a:xfrm>
             <a:prstGeom prst="rect">
               <a:avLst/>
             </a:prstGeom>
+            <a:noFill/>
           </p:spPr>
-        </p:pic>
-        <p:pic>
-          <p:nvPicPr>
-            <p:cNvPr id="61" name="Picture 60" descr="A graph of a curve&#10;&#10;AI-generated content may be incorrect.">
+          <p:txBody>
+            <a:bodyPr wrap="square" rtlCol="0">
+              <a:spAutoFit/>
+            </a:bodyPr>
+            <a:lstStyle/>
+            <a:p>
+              <a:pPr algn="just"/>
+              <a:r>
+                <a:rPr lang="en-GB" sz="2000" b="1" noProof="0" dirty="0"/>
+                <a:t>Fig. 5 </a:t>
+              </a:r>
+              <a:r>
+                <a:rPr lang="en-GB" sz="2000" noProof="0" dirty="0"/>
+                <a:t>Principle Components Analysis of the selected proteins and the non selected proteins. </a:t>
+              </a:r>
+              <a:r>
+                <a:rPr lang="en-GB" sz="2000" noProof="0" dirty="0" err="1"/>
+                <a:t>RNAse</a:t>
+              </a:r>
+              <a:r>
+                <a:rPr lang="en-GB" sz="2000" noProof="0" dirty="0"/>
+                <a:t> and CTRL are plotted separately to compare them</a:t>
+              </a:r>
+            </a:p>
+            <a:p>
+              <a:pPr algn="just"/>
+              <a:r>
+                <a:rPr lang="en-GB" sz="2000" b="1" dirty="0"/>
+                <a:t>A)</a:t>
+              </a:r>
+              <a:r>
+                <a:rPr lang="en-GB" sz="2000" b="1" noProof="0" dirty="0"/>
+                <a:t> </a:t>
+              </a:r>
+            </a:p>
+          </p:txBody>
+        </p:sp>
+      </p:grpSp>
+      <p:grpSp>
+        <p:nvGrpSpPr>
+          <p:cNvPr id="73" name="Group 72">
+            <a:extLst>
+              <a:ext uri="{FF2B5EF4-FFF2-40B4-BE49-F238E27FC236}">
+                <a16:creationId xmlns:a16="http://schemas.microsoft.com/office/drawing/2014/main" id="{DA1C3AF4-C415-B7F0-773B-CA2D565FCF9A}"/>
+              </a:ext>
+            </a:extLst>
+          </p:cNvPr>
+          <p:cNvGrpSpPr/>
+          <p:nvPr/>
+        </p:nvGrpSpPr>
+        <p:grpSpPr>
+          <a:xfrm>
+            <a:off x="12342315" y="21317617"/>
+            <a:ext cx="16891676" cy="3662692"/>
+            <a:chOff x="12342315" y="21317617"/>
+            <a:chExt cx="16891676" cy="3662692"/>
+          </a:xfrm>
+        </p:grpSpPr>
+        <p:grpSp>
+          <p:nvGrpSpPr>
+            <p:cNvPr id="68" name="Group 67">
               <a:extLst>
                 <a:ext uri="{FF2B5EF4-FFF2-40B4-BE49-F238E27FC236}">
-                  <a16:creationId xmlns:a16="http://schemas.microsoft.com/office/drawing/2014/main" id="{CA63A60E-3C40-0781-2F18-5EB6634F7853}"/>
+                  <a16:creationId xmlns:a16="http://schemas.microsoft.com/office/drawing/2014/main" id="{2A498C79-9D68-A593-B5D3-C2FA433D5B93}"/>
                 </a:ext>
               </a:extLst>
             </p:cNvPr>
-            <p:cNvPicPr>
-              <a:picLocks noChangeAspect="1"/>
-            </p:cNvPicPr>
+            <p:cNvGrpSpPr/>
             <p:nvPr/>
-          </p:nvPicPr>
-          <p:blipFill>
-            <a:blip r:embed="rId16"/>
-            <a:stretch>
-              <a:fillRect/>
-            </a:stretch>
-          </p:blipFill>
+          </p:nvGrpSpPr>
+          <p:grpSpPr>
+            <a:xfrm>
+              <a:off x="12436207" y="21317617"/>
+              <a:ext cx="16703892" cy="3292607"/>
+              <a:chOff x="12353718" y="18930308"/>
+              <a:chExt cx="16703892" cy="3292607"/>
+            </a:xfrm>
+          </p:grpSpPr>
+          <p:grpSp>
+            <p:nvGrpSpPr>
+              <p:cNvPr id="57" name="Group 56">
+                <a:extLst>
+                  <a:ext uri="{FF2B5EF4-FFF2-40B4-BE49-F238E27FC236}">
+                    <a16:creationId xmlns:a16="http://schemas.microsoft.com/office/drawing/2014/main" id="{82E8B561-C79E-C0D5-DE9E-5506F3FC896C}"/>
+                  </a:ext>
+                </a:extLst>
+              </p:cNvPr>
+              <p:cNvGrpSpPr/>
+              <p:nvPr/>
+            </p:nvGrpSpPr>
+            <p:grpSpPr>
+              <a:xfrm>
+                <a:off x="12353718" y="19164311"/>
+                <a:ext cx="16703892" cy="3058604"/>
+                <a:chOff x="12353718" y="19164311"/>
+                <a:chExt cx="16703892" cy="3058604"/>
+              </a:xfrm>
+            </p:grpSpPr>
+            <p:pic>
+              <p:nvPicPr>
+                <p:cNvPr id="11" name="Picture 10" descr="A graph of a line graph&#10;&#10;AI-generated content may be incorrect.">
+                  <a:extLst>
+                    <a:ext uri="{FF2B5EF4-FFF2-40B4-BE49-F238E27FC236}">
+                      <a16:creationId xmlns:a16="http://schemas.microsoft.com/office/drawing/2014/main" id="{0EF38221-4080-BDA5-EF70-4206AD6979A5}"/>
+                    </a:ext>
+                  </a:extLst>
+                </p:cNvPr>
+                <p:cNvPicPr>
+                  <a:picLocks noChangeAspect="1"/>
+                </p:cNvPicPr>
+                <p:nvPr/>
+              </p:nvPicPr>
+              <p:blipFill>
+                <a:blip r:embed="rId15"/>
+                <a:stretch>
+                  <a:fillRect/>
+                </a:stretch>
+              </p:blipFill>
+              <p:spPr>
+                <a:xfrm>
+                  <a:off x="12353718" y="19164311"/>
+                  <a:ext cx="4178110" cy="3056344"/>
+                </a:xfrm>
+                <a:prstGeom prst="rect">
+                  <a:avLst/>
+                </a:prstGeom>
+              </p:spPr>
+            </p:pic>
+            <p:pic>
+              <p:nvPicPr>
+                <p:cNvPr id="30" name="Picture 29" descr="A graph showing the number of patients with a number of patients&#10;&#10;AI-generated content may be incorrect.">
+                  <a:extLst>
+                    <a:ext uri="{FF2B5EF4-FFF2-40B4-BE49-F238E27FC236}">
+                      <a16:creationId xmlns:a16="http://schemas.microsoft.com/office/drawing/2014/main" id="{23B30E43-0FF2-A99E-FC26-68C9FA4D8513}"/>
+                    </a:ext>
+                  </a:extLst>
+                </p:cNvPr>
+                <p:cNvPicPr>
+                  <a:picLocks noChangeAspect="1"/>
+                </p:cNvPicPr>
+                <p:nvPr/>
+              </p:nvPicPr>
+              <p:blipFill>
+                <a:blip r:embed="rId16"/>
+                <a:stretch>
+                  <a:fillRect/>
+                </a:stretch>
+              </p:blipFill>
+              <p:spPr>
+                <a:xfrm>
+                  <a:off x="24888052" y="19170567"/>
+                  <a:ext cx="4169558" cy="3050088"/>
+                </a:xfrm>
+                <a:prstGeom prst="rect">
+                  <a:avLst/>
+                </a:prstGeom>
+              </p:spPr>
+            </p:pic>
+            <p:pic>
+              <p:nvPicPr>
+                <p:cNvPr id="35" name="Picture 34" descr="A graph of a line graph&#10;&#10;AI-generated content may be incorrect.">
+                  <a:extLst>
+                    <a:ext uri="{FF2B5EF4-FFF2-40B4-BE49-F238E27FC236}">
+                      <a16:creationId xmlns:a16="http://schemas.microsoft.com/office/drawing/2014/main" id="{294E8050-2423-A424-7ADE-26D8A0DAB502}"/>
+                    </a:ext>
+                  </a:extLst>
+                </p:cNvPr>
+                <p:cNvPicPr>
+                  <a:picLocks noChangeAspect="1"/>
+                </p:cNvPicPr>
+                <p:nvPr/>
+              </p:nvPicPr>
+              <p:blipFill>
+                <a:blip r:embed="rId17"/>
+                <a:stretch>
+                  <a:fillRect/>
+                </a:stretch>
+              </p:blipFill>
+              <p:spPr>
+                <a:xfrm>
+                  <a:off x="16542679" y="19166570"/>
+                  <a:ext cx="4178109" cy="3056345"/>
+                </a:xfrm>
+                <a:prstGeom prst="rect">
+                  <a:avLst/>
+                </a:prstGeom>
+              </p:spPr>
+            </p:pic>
+            <p:pic>
+              <p:nvPicPr>
+                <p:cNvPr id="48" name="Picture 47" descr="A graph of a graph showing the number of points&#10;&#10;AI-generated content may be incorrect.">
+                  <a:extLst>
+                    <a:ext uri="{FF2B5EF4-FFF2-40B4-BE49-F238E27FC236}">
+                      <a16:creationId xmlns:a16="http://schemas.microsoft.com/office/drawing/2014/main" id="{CE7C61D1-67D1-4045-05FB-AA389C79987F}"/>
+                    </a:ext>
+                  </a:extLst>
+                </p:cNvPr>
+                <p:cNvPicPr>
+                  <a:picLocks noChangeAspect="1"/>
+                </p:cNvPicPr>
+                <p:nvPr/>
+              </p:nvPicPr>
+              <p:blipFill>
+                <a:blip r:embed="rId18"/>
+                <a:stretch>
+                  <a:fillRect/>
+                </a:stretch>
+              </p:blipFill>
+              <p:spPr>
+                <a:xfrm>
+                  <a:off x="20703876" y="19166570"/>
+                  <a:ext cx="4178110" cy="3056344"/>
+                </a:xfrm>
+                <a:prstGeom prst="rect">
+                  <a:avLst/>
+                </a:prstGeom>
+              </p:spPr>
+            </p:pic>
+          </p:grpSp>
+          <p:sp>
+            <p:nvSpPr>
+              <p:cNvPr id="58" name="TextBox 57">
+                <a:extLst>
+                  <a:ext uri="{FF2B5EF4-FFF2-40B4-BE49-F238E27FC236}">
+                    <a16:creationId xmlns:a16="http://schemas.microsoft.com/office/drawing/2014/main" id="{282F53D2-FB69-5BAC-366F-4C9A797E6A9A}"/>
+                  </a:ext>
+                </a:extLst>
+              </p:cNvPr>
+              <p:cNvSpPr txBox="1"/>
+              <p:nvPr/>
+            </p:nvSpPr>
+            <p:spPr>
+              <a:xfrm>
+                <a:off x="20987903" y="18930308"/>
+                <a:ext cx="390625" cy="461665"/>
+              </a:xfrm>
+              <a:prstGeom prst="rect">
+                <a:avLst/>
+              </a:prstGeom>
+              <a:noFill/>
+            </p:spPr>
+            <p:txBody>
+              <a:bodyPr wrap="square" rtlCol="0">
+                <a:spAutoFit/>
+              </a:bodyPr>
+              <a:lstStyle/>
+              <a:p>
+                <a:r>
+                  <a:rPr lang="en-GB" sz="2400" b="1" noProof="0" dirty="0"/>
+                  <a:t>C</a:t>
+                </a:r>
+              </a:p>
+            </p:txBody>
+          </p:sp>
+          <p:sp>
+            <p:nvSpPr>
+              <p:cNvPr id="60" name="TextBox 59">
+                <a:extLst>
+                  <a:ext uri="{FF2B5EF4-FFF2-40B4-BE49-F238E27FC236}">
+                    <a16:creationId xmlns:a16="http://schemas.microsoft.com/office/drawing/2014/main" id="{4540906A-8A66-ED26-9191-0641DB28BB90}"/>
+                  </a:ext>
+                </a:extLst>
+              </p:cNvPr>
+              <p:cNvSpPr txBox="1"/>
+              <p:nvPr/>
+            </p:nvSpPr>
+            <p:spPr>
+              <a:xfrm>
+                <a:off x="16798943" y="18939734"/>
+                <a:ext cx="390625" cy="461665"/>
+              </a:xfrm>
+              <a:prstGeom prst="rect">
+                <a:avLst/>
+              </a:prstGeom>
+              <a:noFill/>
+            </p:spPr>
+            <p:txBody>
+              <a:bodyPr wrap="square" rtlCol="0">
+                <a:spAutoFit/>
+              </a:bodyPr>
+              <a:lstStyle/>
+              <a:p>
+                <a:r>
+                  <a:rPr lang="en-GB" sz="2400" b="1" noProof="0" dirty="0"/>
+                  <a:t>B</a:t>
+                </a:r>
+              </a:p>
+            </p:txBody>
+          </p:sp>
+          <p:sp>
+            <p:nvSpPr>
+              <p:cNvPr id="66" name="TextBox 65">
+                <a:extLst>
+                  <a:ext uri="{FF2B5EF4-FFF2-40B4-BE49-F238E27FC236}">
+                    <a16:creationId xmlns:a16="http://schemas.microsoft.com/office/drawing/2014/main" id="{0F23547D-B155-EF6F-A291-201B034FE9E4}"/>
+                  </a:ext>
+                </a:extLst>
+              </p:cNvPr>
+              <p:cNvSpPr txBox="1"/>
+              <p:nvPr/>
+            </p:nvSpPr>
+            <p:spPr>
+              <a:xfrm>
+                <a:off x="12632382" y="18939734"/>
+                <a:ext cx="390625" cy="461665"/>
+              </a:xfrm>
+              <a:prstGeom prst="rect">
+                <a:avLst/>
+              </a:prstGeom>
+              <a:noFill/>
+            </p:spPr>
+            <p:txBody>
+              <a:bodyPr wrap="square" rtlCol="0">
+                <a:spAutoFit/>
+              </a:bodyPr>
+              <a:lstStyle/>
+              <a:p>
+                <a:r>
+                  <a:rPr lang="en-GB" sz="2400" b="1" noProof="0" dirty="0"/>
+                  <a:t>A</a:t>
+                </a:r>
+              </a:p>
+            </p:txBody>
+          </p:sp>
+          <p:sp>
+            <p:nvSpPr>
+              <p:cNvPr id="67" name="TextBox 66">
+                <a:extLst>
+                  <a:ext uri="{FF2B5EF4-FFF2-40B4-BE49-F238E27FC236}">
+                    <a16:creationId xmlns:a16="http://schemas.microsoft.com/office/drawing/2014/main" id="{4434A538-2F4D-CCA2-77AA-ADF7C860F97F}"/>
+                  </a:ext>
+                </a:extLst>
+              </p:cNvPr>
+              <p:cNvSpPr txBox="1"/>
+              <p:nvPr/>
+            </p:nvSpPr>
+            <p:spPr>
+              <a:xfrm>
+                <a:off x="25169419" y="18930308"/>
+                <a:ext cx="390625" cy="461665"/>
+              </a:xfrm>
+              <a:prstGeom prst="rect">
+                <a:avLst/>
+              </a:prstGeom>
+              <a:noFill/>
+            </p:spPr>
+            <p:txBody>
+              <a:bodyPr wrap="square" rtlCol="0">
+                <a:spAutoFit/>
+              </a:bodyPr>
+              <a:lstStyle/>
+              <a:p>
+                <a:r>
+                  <a:rPr lang="en-GB" sz="2400" b="1" noProof="0" dirty="0"/>
+                  <a:t>D</a:t>
+                </a:r>
+              </a:p>
+            </p:txBody>
+          </p:sp>
+        </p:grpSp>
+        <p:sp>
+          <p:nvSpPr>
+            <p:cNvPr id="72" name="TextBox 71">
+              <a:extLst>
+                <a:ext uri="{FF2B5EF4-FFF2-40B4-BE49-F238E27FC236}">
+                  <a16:creationId xmlns:a16="http://schemas.microsoft.com/office/drawing/2014/main" id="{640A86B6-9894-F983-056A-4D95016F0682}"/>
+                </a:ext>
+              </a:extLst>
+            </p:cNvPr>
+            <p:cNvSpPr txBox="1"/>
+            <p:nvPr/>
+          </p:nvSpPr>
           <p:spPr>
             <a:xfrm>
-              <a:off x="26061098" y="18127084"/>
-              <a:ext cx="2607796" cy="1955847"/>
+              <a:off x="12342315" y="24580199"/>
+              <a:ext cx="16891676" cy="400110"/>
             </a:xfrm>
             <a:prstGeom prst="rect">
               <a:avLst/>
             </a:prstGeom>
+            <a:noFill/>
           </p:spPr>
-        </p:pic>
-        <p:pic>
-          <p:nvPicPr>
-            <p:cNvPr id="62" name="Picture 61" descr="A diagram of a graph showing a number of dots&#10;&#10;AI-generated content may be incorrect.">
-              <a:extLst>
-                <a:ext uri="{FF2B5EF4-FFF2-40B4-BE49-F238E27FC236}">
-                  <a16:creationId xmlns:a16="http://schemas.microsoft.com/office/drawing/2014/main" id="{E00E9F95-1741-7307-9852-95BEAAAAC971}"/>
-                </a:ext>
-              </a:extLst>
-            </p:cNvPr>
-            <p:cNvPicPr>
-              <a:picLocks noChangeAspect="1"/>
-            </p:cNvPicPr>
-            <p:nvPr/>
-          </p:nvPicPr>
-          <p:blipFill>
-            <a:blip r:embed="rId17"/>
-            <a:stretch>
-              <a:fillRect/>
-            </a:stretch>
-          </p:blipFill>
-          <p:spPr>
-            <a:xfrm>
-              <a:off x="26061098" y="20086099"/>
-              <a:ext cx="2607798" cy="1955848"/>
-            </a:xfrm>
-            <a:prstGeom prst="rect">
-              <a:avLst/>
-            </a:prstGeom>
-          </p:spPr>
-        </p:pic>
-        <p:pic>
-          <p:nvPicPr>
-            <p:cNvPr id="63" name="Picture 62" descr="A diagram of a graph&#10;&#10;AI-generated content may be incorrect.">
-              <a:extLst>
-                <a:ext uri="{FF2B5EF4-FFF2-40B4-BE49-F238E27FC236}">
-                  <a16:creationId xmlns:a16="http://schemas.microsoft.com/office/drawing/2014/main" id="{E4EEFB2C-3942-6776-2B13-787C0C18A90A}"/>
-                </a:ext>
-              </a:extLst>
-            </p:cNvPr>
-            <p:cNvPicPr>
-              <a:picLocks noChangeAspect="1"/>
-            </p:cNvPicPr>
-            <p:nvPr/>
-          </p:nvPicPr>
-          <p:blipFill>
-            <a:blip r:embed="rId18"/>
-            <a:stretch>
-              <a:fillRect/>
-            </a:stretch>
-          </p:blipFill>
-          <p:spPr>
-            <a:xfrm>
-              <a:off x="23453302" y="18125964"/>
-              <a:ext cx="2607796" cy="1955848"/>
-            </a:xfrm>
-            <a:prstGeom prst="rect">
-              <a:avLst/>
-            </a:prstGeom>
-          </p:spPr>
-        </p:pic>
+          <p:txBody>
+            <a:bodyPr wrap="square" rtlCol="0">
+              <a:spAutoFit/>
+            </a:bodyPr>
+            <a:lstStyle/>
+            <a:p>
+              <a:r>
+                <a:rPr lang="de-DE" sz="2000" b="1" dirty="0"/>
+                <a:t>Fig. 6</a:t>
+              </a:r>
+            </a:p>
+          </p:txBody>
+        </p:sp>
       </p:grpSp>
     </p:spTree>
     <p:extLst>

--- a/Poster.pptx
+++ b/Poster.pptx
@@ -6507,7 +6507,7 @@
           </a:solidFill>
           <a:ln w="254000">
             <a:solidFill>
-              <a:srgbClr val="120D31"/>
+              <a:srgbClr val="141F4C"/>
             </a:solidFill>
           </a:ln>
         </p:spPr>
@@ -6675,7 +6675,7 @@
           </a:solidFill>
           <a:ln w="254000">
             <a:solidFill>
-              <a:srgbClr val="120D31"/>
+              <a:srgbClr val="141F4C"/>
             </a:solidFill>
           </a:ln>
         </p:spPr>
@@ -8418,7 +8418,7 @@
           </a:solidFill>
           <a:ln w="254000">
             <a:solidFill>
-              <a:srgbClr val="120D31"/>
+              <a:srgbClr val="141F4C"/>
             </a:solidFill>
           </a:ln>
         </p:spPr>
@@ -8479,7 +8479,7 @@
           </a:solidFill>
           <a:ln w="254000">
             <a:solidFill>
-              <a:srgbClr val="120D31"/>
+              <a:srgbClr val="141F4C"/>
             </a:solidFill>
           </a:ln>
         </p:spPr>

--- a/Poster.pptx
+++ b/Poster.pptx
@@ -5,11 +5,10 @@
     <p:sldMasterId id="2147483660" r:id="rId1"/>
   </p:sldMasterIdLst>
   <p:notesMasterIdLst>
-    <p:notesMasterId r:id="rId4"/>
+    <p:notesMasterId r:id="rId3"/>
   </p:notesMasterIdLst>
   <p:sldIdLst>
-    <p:sldId id="256" r:id="rId2"/>
-    <p:sldId id="257" r:id="rId3"/>
+    <p:sldId id="257" r:id="rId2"/>
   </p:sldIdLst>
   <p:sldSz cx="30275213" cy="42803763"/>
   <p:notesSz cx="6858000" cy="9144000"/>
@@ -482,90 +481,6 @@
   <p:cSld>
     <p:spTree>
       <p:nvGrpSpPr>
-        <p:cNvPr id="1" name=""/>
-        <p:cNvGrpSpPr/>
-        <p:nvPr/>
-      </p:nvGrpSpPr>
-      <p:grpSpPr>
-        <a:xfrm>
-          <a:off x="0" y="0"/>
-          <a:ext cx="0" cy="0"/>
-          <a:chOff x="0" y="0"/>
-          <a:chExt cx="0" cy="0"/>
-        </a:xfrm>
-      </p:grpSpPr>
-      <p:sp>
-        <p:nvSpPr>
-          <p:cNvPr id="2" name="Slide Image Placeholder 1"/>
-          <p:cNvSpPr>
-            <a:spLocks noGrp="1" noRot="1" noChangeAspect="1"/>
-          </p:cNvSpPr>
-          <p:nvPr>
-            <p:ph type="sldImg"/>
-          </p:nvPr>
-        </p:nvSpPr>
-        <p:spPr/>
-      </p:sp>
-      <p:sp>
-        <p:nvSpPr>
-          <p:cNvPr id="3" name="Notes Placeholder 2"/>
-          <p:cNvSpPr>
-            <a:spLocks noGrp="1"/>
-          </p:cNvSpPr>
-          <p:nvPr>
-            <p:ph type="body" idx="1"/>
-          </p:nvPr>
-        </p:nvSpPr>
-        <p:spPr/>
-        <p:txBody>
-          <a:bodyPr/>
-          <a:lstStyle/>
-          <a:p>
-            <a:endParaRPr lang="de-DE" dirty="0"/>
-          </a:p>
-        </p:txBody>
-      </p:sp>
-      <p:sp>
-        <p:nvSpPr>
-          <p:cNvPr id="4" name="Slide Number Placeholder 3"/>
-          <p:cNvSpPr>
-            <a:spLocks noGrp="1"/>
-          </p:cNvSpPr>
-          <p:nvPr>
-            <p:ph type="sldNum" sz="quarter" idx="5"/>
-          </p:nvPr>
-        </p:nvSpPr>
-        <p:spPr/>
-        <p:txBody>
-          <a:bodyPr/>
-          <a:lstStyle/>
-          <a:p>
-            <a:fld id="{C3DFFD0B-8A86-49B4-B585-C3C192A21CEB}" type="slidenum">
-              <a:rPr lang="de-DE" smtClean="0"/>
-              <a:t>1</a:t>
-            </a:fld>
-            <a:endParaRPr lang="de-DE"/>
-          </a:p>
-        </p:txBody>
-      </p:sp>
-    </p:spTree>
-    <p:extLst>
-      <p:ext uri="{BB962C8B-B14F-4D97-AF65-F5344CB8AC3E}">
-        <p14:creationId xmlns:p14="http://schemas.microsoft.com/office/powerpoint/2010/main" val="1005169001"/>
-      </p:ext>
-    </p:extLst>
-  </p:cSld>
-  <p:clrMapOvr>
-    <a:masterClrMapping/>
-  </p:clrMapOvr>
-</p:notes>
-</file>
-
-<file path=ppt/notesSlides/notesSlide2.xml><?xml version="1.0" encoding="utf-8"?>
-<p:notes xmlns:a="http://schemas.openxmlformats.org/drawingml/2006/main" xmlns:r="http://schemas.openxmlformats.org/officeDocument/2006/relationships" xmlns:p="http://schemas.openxmlformats.org/presentationml/2006/main">
-  <p:cSld>
-    <p:spTree>
-      <p:nvGrpSpPr>
         <p:cNvPr id="1" name="">
           <a:extLst>
             <a:ext uri="{FF2B5EF4-FFF2-40B4-BE49-F238E27FC236}">
@@ -650,7 +565,7 @@
           <a:p>
             <a:fld id="{C3DFFD0B-8A86-49B4-B585-C3C192A21CEB}" type="slidenum">
               <a:rPr lang="de-DE" smtClean="0"/>
-              <a:t>2</a:t>
+              <a:t>1</a:t>
             </a:fld>
             <a:endParaRPr lang="de-DE"/>
           </a:p>
@@ -3516,7 +3431,13 @@
   <p:cSld>
     <p:spTree>
       <p:nvGrpSpPr>
-        <p:cNvPr id="1" name=""/>
+        <p:cNvPr id="1" name="">
+          <a:extLst>
+            <a:ext uri="{FF2B5EF4-FFF2-40B4-BE49-F238E27FC236}">
+              <a16:creationId xmlns:a16="http://schemas.microsoft.com/office/drawing/2014/main" id="{A768DFFA-203B-CFEF-CC07-74B16FA62188}"/>
+            </a:ext>
+          </a:extLst>
+        </p:cNvPr>
         <p:cNvGrpSpPr/>
         <p:nvPr/>
       </p:nvGrpSpPr>
@@ -3533,7 +3454,7 @@
           <p:cNvPr id="6" name="Rectangle: Top Corners Rounded 5">
             <a:extLst>
               <a:ext uri="{FF2B5EF4-FFF2-40B4-BE49-F238E27FC236}">
-                <a16:creationId xmlns:a16="http://schemas.microsoft.com/office/drawing/2014/main" id="{E02F3068-A796-0F28-453A-4A416DF96AC4}"/>
+                <a16:creationId xmlns:a16="http://schemas.microsoft.com/office/drawing/2014/main" id="{CCF7F2E6-912A-9B31-AD1B-CF185A3339E1}"/>
               </a:ext>
             </a:extLst>
           </p:cNvPr>
@@ -3552,7 +3473,7 @@
             </a:avLst>
           </a:prstGeom>
           <a:solidFill>
-            <a:srgbClr val="120D31"/>
+            <a:srgbClr val="141F4C"/>
           </a:solidFill>
           <a:ln w="254000">
             <a:noFill/>
@@ -3579,7 +3500,7 @@
           <a:lstStyle/>
           <a:p>
             <a:pPr algn="ctr"/>
-            <a:endParaRPr lang="de-DE" dirty="0"/>
+            <a:endParaRPr lang="en-GB" noProof="0" dirty="0"/>
           </a:p>
         </p:txBody>
       </p:sp>
@@ -3588,7 +3509,7 @@
           <p:cNvPr id="7" name="Picture 6">
             <a:extLst>
               <a:ext uri="{FF2B5EF4-FFF2-40B4-BE49-F238E27FC236}">
-                <a16:creationId xmlns:a16="http://schemas.microsoft.com/office/drawing/2014/main" id="{8FA46DB9-2450-944E-3083-27A4541D8F43}"/>
+                <a16:creationId xmlns:a16="http://schemas.microsoft.com/office/drawing/2014/main" id="{0A57A78E-7CDC-2B70-C6D3-6DB6BAF488E4}"/>
               </a:ext>
             </a:extLst>
           </p:cNvPr>
@@ -3618,7 +3539,7 @@
           <p:cNvPr id="8" name="Rectangle: Rounded Corners 7">
             <a:extLst>
               <a:ext uri="{FF2B5EF4-FFF2-40B4-BE49-F238E27FC236}">
-                <a16:creationId xmlns:a16="http://schemas.microsoft.com/office/drawing/2014/main" id="{AF555CDA-FE4D-AA7F-B9C2-DBCCD31AF53C}"/>
+                <a16:creationId xmlns:a16="http://schemas.microsoft.com/office/drawing/2014/main" id="{98D3638F-CCDF-CB6F-CFBB-B60ACBE91332}"/>
               </a:ext>
             </a:extLst>
           </p:cNvPr>
@@ -3640,7 +3561,7 @@
           </a:solidFill>
           <a:ln w="254000">
             <a:solidFill>
-              <a:srgbClr val="120D31"/>
+              <a:srgbClr val="141F4C"/>
             </a:solidFill>
           </a:ln>
         </p:spPr>
@@ -3665,7 +3586,7 @@
           <a:lstStyle/>
           <a:p>
             <a:pPr algn="ctr"/>
-            <a:endParaRPr lang="de-DE"/>
+            <a:endParaRPr lang="en-GB" noProof="0" dirty="0"/>
           </a:p>
         </p:txBody>
       </p:sp>
@@ -3674,7 +3595,7 @@
           <p:cNvPr id="10" name="Rectangle: Rounded Corners 9">
             <a:extLst>
               <a:ext uri="{FF2B5EF4-FFF2-40B4-BE49-F238E27FC236}">
-                <a16:creationId xmlns:a16="http://schemas.microsoft.com/office/drawing/2014/main" id="{224BE592-AEB5-6D0D-920E-1B8FBD0068EC}"/>
+                <a16:creationId xmlns:a16="http://schemas.microsoft.com/office/drawing/2014/main" id="{10F4D1B6-C289-24CD-E2A2-B091F7F785D5}"/>
               </a:ext>
             </a:extLst>
           </p:cNvPr>
@@ -3721,7 +3642,7 @@
           <a:lstStyle/>
           <a:p>
             <a:pPr algn="ctr"/>
-            <a:endParaRPr lang="de-DE"/>
+            <a:endParaRPr lang="en-GB" noProof="0" dirty="0"/>
           </a:p>
         </p:txBody>
       </p:sp>
@@ -3730,7 +3651,7 @@
           <p:cNvPr id="12" name="Rectangle: Rounded Corners 11">
             <a:extLst>
               <a:ext uri="{FF2B5EF4-FFF2-40B4-BE49-F238E27FC236}">
-                <a16:creationId xmlns:a16="http://schemas.microsoft.com/office/drawing/2014/main" id="{1006DCE0-C940-7B71-CD15-0F3B25CC3CD0}"/>
+                <a16:creationId xmlns:a16="http://schemas.microsoft.com/office/drawing/2014/main" id="{CBDE6BA2-A48F-A3B2-407A-4C775FA6DCCF}"/>
               </a:ext>
             </a:extLst>
           </p:cNvPr>
@@ -3777,2874 +3698,7 @@
           <a:lstStyle/>
           <a:p>
             <a:pPr algn="ctr"/>
-            <a:endParaRPr lang="de-DE" dirty="0"/>
-          </a:p>
-        </p:txBody>
-      </p:sp>
-      <p:sp>
-        <p:nvSpPr>
-          <p:cNvPr id="13" name="Rectangle: Rounded Corners 12">
-            <a:extLst>
-              <a:ext uri="{FF2B5EF4-FFF2-40B4-BE49-F238E27FC236}">
-                <a16:creationId xmlns:a16="http://schemas.microsoft.com/office/drawing/2014/main" id="{7AED149C-7E4D-3AF3-73D8-AD3DD5ECF25B}"/>
-              </a:ext>
-            </a:extLst>
-          </p:cNvPr>
-          <p:cNvSpPr/>
-          <p:nvPr/>
-        </p:nvSpPr>
-        <p:spPr>
-          <a:xfrm>
-            <a:off x="568333" y="13949423"/>
-            <a:ext cx="29054323" cy="13032673"/>
-          </a:xfrm>
-          <a:prstGeom prst="roundRect">
-            <a:avLst>
-              <a:gd name="adj" fmla="val 1883"/>
-            </a:avLst>
-          </a:prstGeom>
-          <a:solidFill>
-            <a:schemeClr val="bg1"/>
-          </a:solidFill>
-          <a:ln w="254000">
-            <a:solidFill>
-              <a:srgbClr val="120D31"/>
-            </a:solidFill>
-          </a:ln>
-        </p:spPr>
-        <p:style>
-          <a:lnRef idx="2">
-            <a:schemeClr val="accent1">
-              <a:shade val="15000"/>
-            </a:schemeClr>
-          </a:lnRef>
-          <a:fillRef idx="1">
-            <a:schemeClr val="accent1"/>
-          </a:fillRef>
-          <a:effectRef idx="0">
-            <a:schemeClr val="accent1"/>
-          </a:effectRef>
-          <a:fontRef idx="minor">
-            <a:schemeClr val="lt1"/>
-          </a:fontRef>
-        </p:style>
-        <p:txBody>
-          <a:bodyPr rtlCol="0" anchor="ctr"/>
-          <a:lstStyle/>
-          <a:p>
-            <a:pPr algn="ctr"/>
-            <a:endParaRPr lang="de-DE" dirty="0"/>
-          </a:p>
-        </p:txBody>
-      </p:sp>
-      <p:sp>
-        <p:nvSpPr>
-          <p:cNvPr id="14" name="Rectangle: Rounded Corners 13">
-            <a:extLst>
-              <a:ext uri="{FF2B5EF4-FFF2-40B4-BE49-F238E27FC236}">
-                <a16:creationId xmlns:a16="http://schemas.microsoft.com/office/drawing/2014/main" id="{E6364C4C-DBDD-5354-E7B9-9C5837FD0167}"/>
-              </a:ext>
-            </a:extLst>
-          </p:cNvPr>
-          <p:cNvSpPr/>
-          <p:nvPr/>
-        </p:nvSpPr>
-        <p:spPr>
-          <a:xfrm>
-            <a:off x="619433" y="6354752"/>
-            <a:ext cx="29054323" cy="6831954"/>
-          </a:xfrm>
-          <a:prstGeom prst="roundRect">
-            <a:avLst>
-              <a:gd name="adj" fmla="val 4408"/>
-            </a:avLst>
-          </a:prstGeom>
-          <a:solidFill>
-            <a:schemeClr val="bg1"/>
-          </a:solidFill>
-          <a:ln w="254000">
-            <a:solidFill>
-              <a:srgbClr val="842332"/>
-            </a:solidFill>
-          </a:ln>
-        </p:spPr>
-        <p:style>
-          <a:lnRef idx="2">
-            <a:schemeClr val="accent1">
-              <a:shade val="15000"/>
-            </a:schemeClr>
-          </a:lnRef>
-          <a:fillRef idx="1">
-            <a:schemeClr val="accent1"/>
-          </a:fillRef>
-          <a:effectRef idx="0">
-            <a:schemeClr val="accent1"/>
-          </a:effectRef>
-          <a:fontRef idx="minor">
-            <a:schemeClr val="lt1"/>
-          </a:fontRef>
-        </p:style>
-        <p:txBody>
-          <a:bodyPr numCol="1" rtlCol="0" anchor="ctr"/>
-          <a:lstStyle/>
-          <a:p>
-            <a:pPr algn="ctr"/>
-            <a:r>
-              <a:rPr lang="de-DE" dirty="0"/>
-              <a:t> </a:t>
-            </a:r>
-          </a:p>
-        </p:txBody>
-      </p:sp>
-      <p:sp>
-        <p:nvSpPr>
-          <p:cNvPr id="15" name="TextBox 14">
-            <a:extLst>
-              <a:ext uri="{FF2B5EF4-FFF2-40B4-BE49-F238E27FC236}">
-                <a16:creationId xmlns:a16="http://schemas.microsoft.com/office/drawing/2014/main" id="{40D94D9E-218E-07BC-72B5-57AECBDAFA55}"/>
-              </a:ext>
-            </a:extLst>
-          </p:cNvPr>
-          <p:cNvSpPr txBox="1"/>
-          <p:nvPr/>
-        </p:nvSpPr>
-        <p:spPr>
-          <a:xfrm>
-            <a:off x="1253554" y="8328936"/>
-            <a:ext cx="13893040" cy="4524315"/>
-          </a:xfrm>
-          <a:prstGeom prst="rect">
-            <a:avLst/>
-          </a:prstGeom>
-          <a:noFill/>
-          <a:ln>
-            <a:noFill/>
-          </a:ln>
-        </p:spPr>
-        <p:txBody>
-          <a:bodyPr wrap="square">
-            <a:spAutoFit/>
-          </a:bodyPr>
-          <a:lstStyle/>
-          <a:p>
-            <a:r>
-              <a:rPr lang="en-US" sz="2400" b="1" dirty="0"/>
-              <a:t>  </a:t>
-            </a:r>
-            <a:endParaRPr lang="en-US" sz="2400" dirty="0"/>
-          </a:p>
-          <a:p>
-            <a:pPr marL="457200" indent="-457200">
-              <a:buFont typeface="Arial" panose="020B0604020202020204" pitchFamily="34" charset="0"/>
-              <a:buChar char="•"/>
-            </a:pPr>
-            <a:r>
-              <a:rPr lang="de-DE" sz="2400" dirty="0"/>
-              <a:t>„We want to </a:t>
-            </a:r>
-            <a:r>
-              <a:rPr lang="en-US" sz="2400" dirty="0"/>
-              <a:t>extract RNA-dependent proteins from proteomic screens”</a:t>
-            </a:r>
-            <a:endParaRPr lang="de-DE" sz="2400" dirty="0"/>
-          </a:p>
-          <a:p>
-            <a:pPr marL="457200" indent="-457200">
-              <a:buFont typeface="Arial" panose="020B0604020202020204" pitchFamily="34" charset="0"/>
-              <a:buChar char="•"/>
-            </a:pPr>
-            <a:r>
-              <a:rPr lang="de-DE" sz="2400" dirty="0"/>
-              <a:t>„RNA-dependency = the proteins interactome depends on RNA“</a:t>
-            </a:r>
-          </a:p>
-          <a:p>
-            <a:endParaRPr lang="en-US" sz="2400" b="1" dirty="0"/>
-          </a:p>
-          <a:p>
-            <a:r>
-              <a:rPr lang="en-US" sz="2400" b="1" dirty="0"/>
-              <a:t>What Makes RNA-Dependent Proteins Worth Investigating?</a:t>
-            </a:r>
-          </a:p>
-          <a:p>
-            <a:pPr marL="457200" indent="-457200">
-              <a:buFont typeface="Arial" panose="020B0604020202020204" pitchFamily="34" charset="0"/>
-              <a:buChar char="•"/>
-            </a:pPr>
-            <a:r>
-              <a:rPr lang="de-DE" sz="2400" b="1" dirty="0"/>
-              <a:t>Key Regulators:</a:t>
-            </a:r>
-            <a:r>
-              <a:rPr lang="de-DE" sz="2400" dirty="0"/>
-              <a:t> RBPs control RNA metabolism &amp; gene expression.</a:t>
-            </a:r>
-          </a:p>
-          <a:p>
-            <a:pPr marL="457200" indent="-457200">
-              <a:buFont typeface="Arial" panose="020B0604020202020204" pitchFamily="34" charset="0"/>
-              <a:buChar char="•"/>
-            </a:pPr>
-            <a:r>
-              <a:rPr lang="de-DE" sz="2400" b="1" dirty="0"/>
-              <a:t>Disease Links:</a:t>
-            </a:r>
-            <a:r>
-              <a:rPr lang="de-DE" sz="2400" dirty="0"/>
-              <a:t> Misregulation is tied to cancer &amp; neurodegeneration.</a:t>
-            </a:r>
-          </a:p>
-          <a:p>
-            <a:pPr marL="457200" indent="-457200">
-              <a:buFont typeface="Arial" panose="020B0604020202020204" pitchFamily="34" charset="0"/>
-              <a:buChar char="•"/>
-            </a:pPr>
-            <a:r>
-              <a:rPr lang="de-DE" sz="2400" b="1" dirty="0"/>
-              <a:t>Functional Clues:</a:t>
-            </a:r>
-            <a:r>
-              <a:rPr lang="de-DE" sz="2400" dirty="0"/>
-              <a:t> New RBPs hint at RNA’s role in specific pathways.</a:t>
-            </a:r>
-          </a:p>
-          <a:p>
-            <a:pPr marL="457200" indent="-457200">
-              <a:buFont typeface="Arial" panose="020B0604020202020204" pitchFamily="34" charset="0"/>
-              <a:buChar char="•"/>
-            </a:pPr>
-            <a:r>
-              <a:rPr lang="de-DE" sz="2400" b="1" dirty="0"/>
-              <a:t>Interaction Networks:</a:t>
-            </a:r>
-            <a:r>
-              <a:rPr lang="de-DE" sz="2400" dirty="0"/>
-              <a:t> Mapping RNA-protein complexes reveals regulatory logic. </a:t>
-            </a:r>
-          </a:p>
-          <a:p>
-            <a:pPr marL="457200" indent="-457200">
-              <a:buFont typeface="Arial" panose="020B0604020202020204" pitchFamily="34" charset="0"/>
-              <a:buChar char="•"/>
-            </a:pPr>
-            <a:r>
-              <a:rPr lang="de-DE" sz="2400" b="1" dirty="0"/>
-              <a:t>Molecular Insights:</a:t>
-            </a:r>
-            <a:r>
-              <a:rPr lang="de-DE" sz="2400" dirty="0"/>
-              <a:t> Deepens our understanding of cell cycle and cellular behavior. </a:t>
-            </a:r>
-            <a:endParaRPr lang="en-US" sz="2400" b="1" dirty="0"/>
-          </a:p>
-          <a:p>
-            <a:pPr marL="457200" indent="-457200">
-              <a:buFont typeface="Arial" panose="020B0604020202020204" pitchFamily="34" charset="0"/>
-              <a:buChar char="•"/>
-            </a:pPr>
-            <a:endParaRPr lang="de-DE" sz="2400" dirty="0"/>
-          </a:p>
-          <a:p>
-            <a:pPr marL="457200" indent="-457200">
-              <a:buFont typeface="Arial" panose="020B0604020202020204" pitchFamily="34" charset="0"/>
-              <a:buChar char="•"/>
-            </a:pPr>
-            <a:endParaRPr lang="de-DE" sz="2400" dirty="0"/>
-          </a:p>
-        </p:txBody>
-      </p:sp>
-      <p:sp>
-        <p:nvSpPr>
-          <p:cNvPr id="16" name="TextBox 15">
-            <a:extLst>
-              <a:ext uri="{FF2B5EF4-FFF2-40B4-BE49-F238E27FC236}">
-                <a16:creationId xmlns:a16="http://schemas.microsoft.com/office/drawing/2014/main" id="{9EBC3C44-F155-BB53-7662-7C4D80E08A27}"/>
-              </a:ext>
-            </a:extLst>
-          </p:cNvPr>
-          <p:cNvSpPr txBox="1"/>
-          <p:nvPr/>
-        </p:nvSpPr>
-        <p:spPr>
-          <a:xfrm>
-            <a:off x="1887734" y="16043329"/>
-            <a:ext cx="24173364" cy="7109639"/>
-          </a:xfrm>
-          <a:prstGeom prst="rect">
-            <a:avLst/>
-          </a:prstGeom>
-          <a:noFill/>
-          <a:ln>
-            <a:noFill/>
-          </a:ln>
-        </p:spPr>
-        <p:txBody>
-          <a:bodyPr wrap="square">
-            <a:spAutoFit/>
-          </a:bodyPr>
-          <a:lstStyle/>
-          <a:p>
-            <a:r>
-              <a:rPr lang="en-US" sz="2400" b="1" dirty="0"/>
-              <a:t>1) Data preparation</a:t>
-            </a:r>
-          </a:p>
-          <a:p>
-            <a:pPr marL="457200" indent="-457200">
-              <a:buFont typeface="Arial" panose="020B0604020202020204" pitchFamily="34" charset="0"/>
-              <a:buChar char="•"/>
-            </a:pPr>
-            <a:r>
-              <a:rPr lang="en-US" sz="2400" dirty="0"/>
-              <a:t>Data cleanup</a:t>
-            </a:r>
-          </a:p>
-          <a:p>
-            <a:pPr marL="457200" indent="-457200">
-              <a:buFont typeface="Arial" panose="020B0604020202020204" pitchFamily="34" charset="0"/>
-              <a:buChar char="•"/>
-            </a:pPr>
-            <a:r>
-              <a:rPr lang="en-US" sz="2400" dirty="0"/>
-              <a:t>“Rearrange and reorder the columns to their treatment, replicate and fraction”</a:t>
-            </a:r>
-          </a:p>
-          <a:p>
-            <a:pPr marL="457200" indent="-457200">
-              <a:buFont typeface="Arial" panose="020B0604020202020204" pitchFamily="34" charset="0"/>
-              <a:buChar char="•"/>
-            </a:pPr>
-            <a:r>
-              <a:rPr lang="en-US" sz="2400" dirty="0"/>
-              <a:t>Normalization</a:t>
-            </a:r>
-          </a:p>
-          <a:p>
-            <a:endParaRPr lang="en-US" sz="2400" b="1" dirty="0"/>
-          </a:p>
-          <a:p>
-            <a:r>
-              <a:rPr lang="de-DE" sz="2400" b="1" dirty="0"/>
-              <a:t>2) Data exploration</a:t>
-            </a:r>
-            <a:endParaRPr lang="de-DE" sz="2400" dirty="0"/>
-          </a:p>
-          <a:p>
-            <a:pPr marL="457200" indent="-457200">
-              <a:buFont typeface="Arial" panose="020B0604020202020204" pitchFamily="34" charset="0"/>
-              <a:buChar char="•"/>
-            </a:pPr>
-            <a:r>
-              <a:rPr lang="en-US" sz="2400" dirty="0"/>
-              <a:t> Identification of maxima and shoulders</a:t>
-            </a:r>
-          </a:p>
-          <a:p>
-            <a:pPr marL="457200" indent="-457200">
-              <a:buFont typeface="Arial" panose="020B0604020202020204" pitchFamily="34" charset="0"/>
-              <a:buChar char="•"/>
-            </a:pPr>
-            <a:r>
-              <a:rPr lang="en-US" sz="2400" dirty="0"/>
-              <a:t> </a:t>
-            </a:r>
-            <a:r>
-              <a:rPr lang="de-DE" sz="2400" dirty="0"/>
-              <a:t>Selection criteria</a:t>
-            </a:r>
-            <a:r>
-              <a:rPr lang="en-US" sz="2400" dirty="0"/>
-              <a:t> &amp; Wilcoxon Test </a:t>
-            </a:r>
-          </a:p>
-          <a:p>
-            <a:pPr marL="457200" indent="-457200">
-              <a:buFont typeface="Arial" panose="020B0604020202020204" pitchFamily="34" charset="0"/>
-              <a:buChar char="•"/>
-            </a:pPr>
-            <a:r>
-              <a:rPr lang="en-US" sz="2400" dirty="0"/>
-              <a:t>Visualization for the </a:t>
-            </a:r>
-            <a:r>
-              <a:rPr lang="de-DE" sz="2400" dirty="0"/>
-              <a:t>order of selection criteria</a:t>
-            </a:r>
-            <a:endParaRPr lang="en-US" sz="2400" dirty="0"/>
-          </a:p>
-          <a:p>
-            <a:pPr marL="457200" indent="-457200">
-              <a:buFont typeface="Arial" panose="020B0604020202020204" pitchFamily="34" charset="0"/>
-              <a:buChar char="•"/>
-            </a:pPr>
-            <a:r>
-              <a:rPr lang="en-US" sz="2400" dirty="0"/>
-              <a:t>Pie charts for selection results</a:t>
-            </a:r>
-          </a:p>
-          <a:p>
-            <a:endParaRPr lang="en-US" sz="2400" b="1" dirty="0"/>
-          </a:p>
-          <a:p>
-            <a:r>
-              <a:rPr lang="de-DE" sz="2400" b="1" dirty="0"/>
-              <a:t>3) Data reduction</a:t>
-            </a:r>
-          </a:p>
-          <a:p>
-            <a:pPr marL="457200" indent="-457200">
-              <a:buFont typeface="Arial" panose="020B0604020202020204" pitchFamily="34" charset="0"/>
-              <a:buChar char="•"/>
-            </a:pPr>
-            <a:r>
-              <a:rPr lang="de-DE" sz="2400" dirty="0"/>
-              <a:t>PCR </a:t>
-            </a:r>
-            <a:endParaRPr lang="en-US" sz="2400" dirty="0"/>
-          </a:p>
-          <a:p>
-            <a:pPr marL="457200" indent="-457200">
-              <a:buFont typeface="Arial" panose="020B0604020202020204" pitchFamily="34" charset="0"/>
-              <a:buChar char="•"/>
-            </a:pPr>
-            <a:r>
-              <a:rPr lang="en-US" sz="2400" dirty="0"/>
-              <a:t> k-means clustering</a:t>
-            </a:r>
-          </a:p>
-          <a:p>
-            <a:pPr marL="457200" indent="-457200">
-              <a:buFont typeface="Arial" panose="020B0604020202020204" pitchFamily="34" charset="0"/>
-              <a:buChar char="•"/>
-            </a:pPr>
-            <a:endParaRPr lang="en-US" sz="2400" dirty="0"/>
-          </a:p>
-          <a:p>
-            <a:r>
-              <a:rPr lang="de-DE" sz="2400" b="1" dirty="0"/>
-              <a:t>4) Data modelling</a:t>
-            </a:r>
-          </a:p>
-          <a:p>
-            <a:pPr marL="457200" indent="-457200">
-              <a:buFont typeface="Arial" panose="020B0604020202020204" pitchFamily="34" charset="0"/>
-              <a:buChar char="•"/>
-            </a:pPr>
-            <a:r>
-              <a:rPr lang="en-US" sz="2400" dirty="0"/>
-              <a:t> Linear Regression </a:t>
-            </a:r>
-            <a:endParaRPr lang="en-US" sz="2400" b="1" dirty="0"/>
-          </a:p>
-          <a:p>
-            <a:endParaRPr lang="en-US" sz="2400" b="1" dirty="0"/>
-          </a:p>
-          <a:p>
-            <a:endParaRPr lang="en-US" sz="2400" b="1" dirty="0"/>
-          </a:p>
-        </p:txBody>
-      </p:sp>
-      <p:sp>
-        <p:nvSpPr>
-          <p:cNvPr id="17" name="TextBox 16">
-            <a:extLst>
-              <a:ext uri="{FF2B5EF4-FFF2-40B4-BE49-F238E27FC236}">
-                <a16:creationId xmlns:a16="http://schemas.microsoft.com/office/drawing/2014/main" id="{303ADE24-025E-1F90-7F81-4536344B5DD1}"/>
-              </a:ext>
-            </a:extLst>
-          </p:cNvPr>
-          <p:cNvSpPr txBox="1"/>
-          <p:nvPr/>
-        </p:nvSpPr>
-        <p:spPr>
-          <a:xfrm>
-            <a:off x="1253554" y="29923970"/>
-            <a:ext cx="11401261" cy="11172289"/>
-          </a:xfrm>
-          <a:prstGeom prst="rect">
-            <a:avLst/>
-          </a:prstGeom>
-          <a:noFill/>
-          <a:ln>
-            <a:noFill/>
-          </a:ln>
-        </p:spPr>
-        <p:txBody>
-          <a:bodyPr wrap="square">
-            <a:spAutoFit/>
-          </a:bodyPr>
-          <a:lstStyle/>
-          <a:p>
-            <a:pPr marL="457200" indent="-457200">
-              <a:buFont typeface="Arial" panose="020B0604020202020204" pitchFamily="34" charset="0"/>
-              <a:buChar char="•"/>
-            </a:pPr>
-            <a:r>
-              <a:rPr lang="en-US" sz="2400" dirty="0"/>
-              <a:t>Critical review of our own results and methods (e.g., Selection criteria made us delete some RBPs. Why? What were their properties?)</a:t>
-            </a:r>
-          </a:p>
-          <a:p>
-            <a:pPr marL="457200" indent="-457200">
-              <a:buFont typeface="Arial" panose="020B0604020202020204" pitchFamily="34" charset="0"/>
-              <a:buChar char="•"/>
-            </a:pPr>
-            <a:r>
-              <a:rPr lang="en-US" sz="2400" dirty="0"/>
-              <a:t>Why do we find fewer proteins than </a:t>
-            </a:r>
-            <a:r>
-              <a:rPr lang="en-US" sz="2400" dirty="0" err="1"/>
-              <a:t>Maïwen</a:t>
-            </a:r>
-            <a:r>
-              <a:rPr lang="en-US" sz="2400" dirty="0"/>
-              <a:t>? </a:t>
-            </a:r>
-          </a:p>
-          <a:p>
-            <a:pPr marL="457200" indent="-457200">
-              <a:buFont typeface="Arial" panose="020B0604020202020204" pitchFamily="34" charset="0"/>
-              <a:buChar char="•"/>
-            </a:pPr>
-            <a:endParaRPr lang="en-US" sz="2400" dirty="0"/>
-          </a:p>
-          <a:p>
-            <a:pPr marL="457200" indent="-457200">
-              <a:buFont typeface="Arial" panose="020B0604020202020204" pitchFamily="34" charset="0"/>
-              <a:buChar char="•"/>
-            </a:pPr>
-            <a:endParaRPr lang="en-US" sz="2400" dirty="0"/>
-          </a:p>
-          <a:p>
-            <a:pPr marL="457200" indent="-457200">
-              <a:buFont typeface="Arial" panose="020B0604020202020204" pitchFamily="34" charset="0"/>
-              <a:buChar char="•"/>
-            </a:pPr>
-            <a:endParaRPr lang="en-US" sz="2400" dirty="0"/>
-          </a:p>
-          <a:p>
-            <a:pPr marL="457200" indent="-457200">
-              <a:buFont typeface="Arial" panose="020B0604020202020204" pitchFamily="34" charset="0"/>
-              <a:buChar char="•"/>
-            </a:pPr>
-            <a:endParaRPr lang="en-US" sz="2400" dirty="0"/>
-          </a:p>
-          <a:p>
-            <a:pPr marL="457200" indent="-457200">
-              <a:buFont typeface="Arial" panose="020B0604020202020204" pitchFamily="34" charset="0"/>
-              <a:buChar char="•"/>
-            </a:pPr>
-            <a:endParaRPr lang="en-US" sz="2400" dirty="0"/>
-          </a:p>
-          <a:p>
-            <a:pPr marL="457200" indent="-457200">
-              <a:buFont typeface="Arial" panose="020B0604020202020204" pitchFamily="34" charset="0"/>
-              <a:buChar char="•"/>
-            </a:pPr>
-            <a:endParaRPr lang="en-US" sz="2400" dirty="0"/>
-          </a:p>
-          <a:p>
-            <a:pPr marL="457200" indent="-457200">
-              <a:buFont typeface="Arial" panose="020B0604020202020204" pitchFamily="34" charset="0"/>
-              <a:buChar char="•"/>
-            </a:pPr>
-            <a:endParaRPr lang="en-US" sz="2400" dirty="0"/>
-          </a:p>
-          <a:p>
-            <a:pPr marL="457200" indent="-457200">
-              <a:buFont typeface="Arial" panose="020B0604020202020204" pitchFamily="34" charset="0"/>
-              <a:buChar char="•"/>
-            </a:pPr>
-            <a:endParaRPr lang="en-US" sz="2400" dirty="0"/>
-          </a:p>
-          <a:p>
-            <a:pPr marL="457200" indent="-457200">
-              <a:buFont typeface="Arial" panose="020B0604020202020204" pitchFamily="34" charset="0"/>
-              <a:buChar char="•"/>
-            </a:pPr>
-            <a:endParaRPr lang="en-US" sz="2400" dirty="0"/>
-          </a:p>
-          <a:p>
-            <a:pPr marL="457200" indent="-457200">
-              <a:buFont typeface="Arial" panose="020B0604020202020204" pitchFamily="34" charset="0"/>
-              <a:buChar char="•"/>
-            </a:pPr>
-            <a:endParaRPr lang="en-US" sz="2400" dirty="0"/>
-          </a:p>
-          <a:p>
-            <a:pPr marL="457200" indent="-457200">
-              <a:buFont typeface="Arial" panose="020B0604020202020204" pitchFamily="34" charset="0"/>
-              <a:buChar char="•"/>
-            </a:pPr>
-            <a:endParaRPr lang="en-US" sz="2400" dirty="0"/>
-          </a:p>
-          <a:p>
-            <a:pPr marL="457200" indent="-457200">
-              <a:buFont typeface="Arial" panose="020B0604020202020204" pitchFamily="34" charset="0"/>
-              <a:buChar char="•"/>
-            </a:pPr>
-            <a:endParaRPr lang="en-US" sz="2400" dirty="0"/>
-          </a:p>
-          <a:p>
-            <a:pPr marL="457200" indent="-457200">
-              <a:buFont typeface="Arial" panose="020B0604020202020204" pitchFamily="34" charset="0"/>
-              <a:buChar char="•"/>
-            </a:pPr>
-            <a:endParaRPr lang="en-US" sz="2400" dirty="0"/>
-          </a:p>
-          <a:p>
-            <a:pPr marL="457200" indent="-457200">
-              <a:buFont typeface="Arial" panose="020B0604020202020204" pitchFamily="34" charset="0"/>
-              <a:buChar char="•"/>
-            </a:pPr>
-            <a:endParaRPr lang="en-US" sz="2400" dirty="0"/>
-          </a:p>
-          <a:p>
-            <a:pPr marL="457200" indent="-457200">
-              <a:buFont typeface="Arial" panose="020B0604020202020204" pitchFamily="34" charset="0"/>
-              <a:buChar char="•"/>
-            </a:pPr>
-            <a:endParaRPr lang="en-US" sz="2400" dirty="0"/>
-          </a:p>
-          <a:p>
-            <a:pPr marL="457200" indent="-457200">
-              <a:buFont typeface="Arial" panose="020B0604020202020204" pitchFamily="34" charset="0"/>
-              <a:buChar char="•"/>
-            </a:pPr>
-            <a:endParaRPr lang="en-US" sz="2400" dirty="0"/>
-          </a:p>
-          <a:p>
-            <a:pPr marL="457200" indent="-457200">
-              <a:buFont typeface="Arial" panose="020B0604020202020204" pitchFamily="34" charset="0"/>
-              <a:buChar char="•"/>
-            </a:pPr>
-            <a:endParaRPr lang="en-US" sz="2400" dirty="0"/>
-          </a:p>
-          <a:p>
-            <a:pPr marL="457200" indent="-457200">
-              <a:buFont typeface="Arial" panose="020B0604020202020204" pitchFamily="34" charset="0"/>
-              <a:buChar char="•"/>
-            </a:pPr>
-            <a:endParaRPr lang="en-US" sz="2400" dirty="0"/>
-          </a:p>
-          <a:p>
-            <a:pPr marL="457200" indent="-457200">
-              <a:buFont typeface="Arial" panose="020B0604020202020204" pitchFamily="34" charset="0"/>
-              <a:buChar char="•"/>
-            </a:pPr>
-            <a:endParaRPr lang="en-US" sz="2400" dirty="0"/>
-          </a:p>
-          <a:p>
-            <a:pPr marL="457200" indent="-457200">
-              <a:buFont typeface="Arial" panose="020B0604020202020204" pitchFamily="34" charset="0"/>
-              <a:buChar char="•"/>
-            </a:pPr>
-            <a:endParaRPr lang="en-US" sz="2400" dirty="0"/>
-          </a:p>
-          <a:p>
-            <a:pPr marL="457200" indent="-457200">
-              <a:buFont typeface="Arial" panose="020B0604020202020204" pitchFamily="34" charset="0"/>
-              <a:buChar char="•"/>
-            </a:pPr>
-            <a:endParaRPr lang="en-US" sz="2400" dirty="0"/>
-          </a:p>
-          <a:p>
-            <a:pPr marL="457200" indent="-457200">
-              <a:buFont typeface="Arial" panose="020B0604020202020204" pitchFamily="34" charset="0"/>
-              <a:buChar char="•"/>
-            </a:pPr>
-            <a:endParaRPr lang="en-US" sz="2400" dirty="0"/>
-          </a:p>
-          <a:p>
-            <a:pPr marL="457200" indent="-457200">
-              <a:buFont typeface="Arial" panose="020B0604020202020204" pitchFamily="34" charset="0"/>
-              <a:buChar char="•"/>
-            </a:pPr>
-            <a:endParaRPr lang="en-US" sz="2400" dirty="0"/>
-          </a:p>
-          <a:p>
-            <a:pPr marL="457200" indent="-457200">
-              <a:buFont typeface="Arial" panose="020B0604020202020204" pitchFamily="34" charset="0"/>
-              <a:buChar char="•"/>
-            </a:pPr>
-            <a:endParaRPr lang="en-US" sz="2400" dirty="0"/>
-          </a:p>
-          <a:p>
-            <a:pPr marL="457200" indent="-457200">
-              <a:buFont typeface="Arial" panose="020B0604020202020204" pitchFamily="34" charset="0"/>
-              <a:buChar char="•"/>
-            </a:pPr>
-            <a:endParaRPr lang="en-US" sz="2400" dirty="0"/>
-          </a:p>
-          <a:p>
-            <a:pPr marL="457200" indent="-457200">
-              <a:buFont typeface="Arial" panose="020B0604020202020204" pitchFamily="34" charset="0"/>
-              <a:buChar char="•"/>
-            </a:pPr>
-            <a:endParaRPr lang="en-US" sz="2400" dirty="0"/>
-          </a:p>
-          <a:p>
-            <a:endParaRPr lang="en-US" sz="2400" b="1" dirty="0"/>
-          </a:p>
-        </p:txBody>
-      </p:sp>
-      <p:sp>
-        <p:nvSpPr>
-          <p:cNvPr id="18" name="TextBox 17">
-            <a:extLst>
-              <a:ext uri="{FF2B5EF4-FFF2-40B4-BE49-F238E27FC236}">
-                <a16:creationId xmlns:a16="http://schemas.microsoft.com/office/drawing/2014/main" id="{91A05010-F3B1-CCE5-48DA-5CE33B57C475}"/>
-              </a:ext>
-            </a:extLst>
-          </p:cNvPr>
-          <p:cNvSpPr txBox="1"/>
-          <p:nvPr/>
-        </p:nvSpPr>
-        <p:spPr>
-          <a:xfrm>
-            <a:off x="15977907" y="37738473"/>
-            <a:ext cx="7850849" cy="3785652"/>
-          </a:xfrm>
-          <a:prstGeom prst="rect">
-            <a:avLst/>
-          </a:prstGeom>
-          <a:noFill/>
-          <a:ln>
-            <a:noFill/>
-          </a:ln>
-        </p:spPr>
-        <p:txBody>
-          <a:bodyPr wrap="square">
-            <a:spAutoFit/>
-          </a:bodyPr>
-          <a:lstStyle/>
-          <a:p>
-            <a:pPr marL="457200" indent="-457200">
-              <a:buFont typeface="Arial" panose="020B0604020202020204" pitchFamily="34" charset="0"/>
-              <a:buChar char="•"/>
-            </a:pPr>
-            <a:r>
-              <a:rPr lang="de-DE" sz="2000" dirty="0"/>
-              <a:t>Sternburg et al., Global </a:t>
-            </a:r>
-            <a:r>
-              <a:rPr lang="de-DE" sz="2000" dirty="0" err="1"/>
-              <a:t>Approaches</a:t>
-            </a:r>
-            <a:r>
-              <a:rPr lang="de-DE" sz="2000" dirty="0"/>
-              <a:t> in </a:t>
-            </a:r>
-            <a:r>
-              <a:rPr lang="de-DE" sz="2000" dirty="0" err="1"/>
-              <a:t>Studying</a:t>
-            </a:r>
-            <a:r>
-              <a:rPr lang="de-DE" sz="2000" dirty="0"/>
-              <a:t> RNA-Binding Protein Interaction Networks, 2020, Trends in </a:t>
-            </a:r>
-            <a:r>
-              <a:rPr lang="de-DE" sz="2000" dirty="0" err="1"/>
-              <a:t>Biochemical</a:t>
-            </a:r>
-            <a:r>
-              <a:rPr lang="de-DE" sz="2000" dirty="0"/>
-              <a:t> Sciences.pdf</a:t>
-            </a:r>
-          </a:p>
-          <a:p>
-            <a:pPr marL="457200" indent="-457200">
-              <a:buFont typeface="Arial" panose="020B0604020202020204" pitchFamily="34" charset="0"/>
-              <a:buChar char="•"/>
-            </a:pPr>
-            <a:r>
-              <a:rPr lang="de-DE" sz="2000" dirty="0"/>
-              <a:t>Caudron-Herger et al., R-</a:t>
-            </a:r>
-            <a:r>
-              <a:rPr lang="de-DE" sz="2000" dirty="0" err="1"/>
-              <a:t>DeeP</a:t>
-            </a:r>
-            <a:r>
-              <a:rPr lang="de-DE" sz="2000" dirty="0"/>
-              <a:t> </a:t>
-            </a:r>
-            <a:r>
-              <a:rPr lang="de-DE" sz="2000" dirty="0" err="1"/>
-              <a:t>Proteome-wide</a:t>
-            </a:r>
-            <a:r>
-              <a:rPr lang="de-DE" sz="2000" dirty="0"/>
-              <a:t> and Quantitative </a:t>
-            </a:r>
-            <a:r>
-              <a:rPr lang="de-DE" sz="2000" dirty="0" err="1"/>
-              <a:t>Identification</a:t>
-            </a:r>
-            <a:r>
-              <a:rPr lang="de-DE" sz="2000" dirty="0"/>
-              <a:t> </a:t>
-            </a:r>
-            <a:r>
-              <a:rPr lang="de-DE" sz="2000" dirty="0" err="1"/>
-              <a:t>of</a:t>
-            </a:r>
-            <a:r>
-              <a:rPr lang="de-DE" sz="2000" dirty="0"/>
-              <a:t> RNA-</a:t>
-            </a:r>
-            <a:r>
-              <a:rPr lang="de-DE" sz="2000" dirty="0" err="1"/>
-              <a:t>Dependent</a:t>
-            </a:r>
-            <a:r>
-              <a:rPr lang="de-DE" sz="2000" dirty="0"/>
-              <a:t> Proteins </a:t>
-            </a:r>
-            <a:r>
-              <a:rPr lang="de-DE" sz="2000" dirty="0" err="1"/>
-              <a:t>by</a:t>
-            </a:r>
-            <a:r>
-              <a:rPr lang="de-DE" sz="2000" dirty="0"/>
-              <a:t> Density Gradient </a:t>
-            </a:r>
-            <a:r>
-              <a:rPr lang="de-DE" sz="2000" dirty="0" err="1"/>
-              <a:t>Ultracentrifugation</a:t>
-            </a:r>
-            <a:r>
-              <a:rPr lang="de-DE" sz="2000" dirty="0"/>
-              <a:t>, 2019, </a:t>
-            </a:r>
-            <a:r>
-              <a:rPr lang="de-DE" sz="2000" dirty="0" err="1"/>
-              <a:t>Molecular</a:t>
-            </a:r>
-            <a:r>
-              <a:rPr lang="de-DE" sz="2000" dirty="0"/>
-              <a:t> Cell.pdf</a:t>
-            </a:r>
-          </a:p>
-          <a:p>
-            <a:pPr marL="457200" indent="-457200">
-              <a:buFont typeface="Arial" panose="020B0604020202020204" pitchFamily="34" charset="0"/>
-              <a:buChar char="•"/>
-            </a:pPr>
-            <a:r>
-              <a:rPr lang="de-DE" sz="2000" dirty="0"/>
-              <a:t>Caudron-Herger et al., </a:t>
-            </a:r>
-            <a:r>
-              <a:rPr lang="de-DE" sz="2000" dirty="0" err="1"/>
-              <a:t>Identification</a:t>
-            </a:r>
-            <a:r>
-              <a:rPr lang="de-DE" sz="2000" dirty="0"/>
-              <a:t>, </a:t>
-            </a:r>
-            <a:r>
-              <a:rPr lang="de-DE" sz="2000" dirty="0" err="1"/>
-              <a:t>quantification</a:t>
-            </a:r>
-            <a:r>
-              <a:rPr lang="de-DE" sz="2000" dirty="0"/>
-              <a:t> and </a:t>
-            </a:r>
-            <a:r>
-              <a:rPr lang="de-DE" sz="2000" dirty="0" err="1"/>
-              <a:t>bioinformatic</a:t>
-            </a:r>
-            <a:r>
-              <a:rPr lang="de-DE" sz="2000" dirty="0"/>
-              <a:t> </a:t>
-            </a:r>
-            <a:r>
-              <a:rPr lang="de-DE" sz="2000" dirty="0" err="1"/>
-              <a:t>analysis</a:t>
-            </a:r>
-            <a:r>
-              <a:rPr lang="de-DE" sz="2000" dirty="0"/>
-              <a:t> </a:t>
-            </a:r>
-            <a:r>
-              <a:rPr lang="de-DE" sz="2000" dirty="0" err="1"/>
-              <a:t>of</a:t>
-            </a:r>
-            <a:r>
-              <a:rPr lang="de-DE" sz="2000" dirty="0"/>
-              <a:t> RNA-</a:t>
-            </a:r>
-            <a:r>
-              <a:rPr lang="de-DE" sz="2000" dirty="0" err="1"/>
-              <a:t>dependent</a:t>
-            </a:r>
-            <a:r>
-              <a:rPr lang="de-DE" sz="2000" dirty="0"/>
-              <a:t> </a:t>
-            </a:r>
-            <a:r>
-              <a:rPr lang="de-DE" sz="2000" dirty="0" err="1"/>
-              <a:t>proteins</a:t>
-            </a:r>
-            <a:r>
-              <a:rPr lang="de-DE" sz="2000" dirty="0"/>
-              <a:t> </a:t>
-            </a:r>
-            <a:r>
-              <a:rPr lang="de-DE" sz="2000" dirty="0" err="1"/>
-              <a:t>by</a:t>
-            </a:r>
-            <a:r>
-              <a:rPr lang="de-DE" sz="2000" dirty="0"/>
-              <a:t> </a:t>
-            </a:r>
-            <a:r>
-              <a:rPr lang="de-DE" sz="2000" dirty="0" err="1"/>
-              <a:t>RNase</a:t>
-            </a:r>
-            <a:r>
-              <a:rPr lang="de-DE" sz="2000" dirty="0"/>
-              <a:t> </a:t>
-            </a:r>
-            <a:r>
-              <a:rPr lang="de-DE" sz="2000" dirty="0" err="1"/>
-              <a:t>treatment</a:t>
-            </a:r>
-            <a:r>
-              <a:rPr lang="de-DE" sz="2000" dirty="0"/>
-              <a:t> and </a:t>
-            </a:r>
-            <a:r>
-              <a:rPr lang="de-DE" sz="2000" dirty="0" err="1"/>
-              <a:t>density</a:t>
-            </a:r>
-            <a:r>
-              <a:rPr lang="de-DE" sz="2000" dirty="0"/>
-              <a:t> </a:t>
-            </a:r>
-            <a:r>
-              <a:rPr lang="de-DE" sz="2000" dirty="0" err="1"/>
-              <a:t>gradient</a:t>
-            </a:r>
-            <a:r>
-              <a:rPr lang="de-DE" sz="2000" dirty="0"/>
-              <a:t> </a:t>
-            </a:r>
-            <a:r>
-              <a:rPr lang="de-DE" sz="2000" dirty="0" err="1"/>
-              <a:t>ultracentrifugation</a:t>
-            </a:r>
-            <a:r>
-              <a:rPr lang="de-DE" sz="2000" dirty="0"/>
-              <a:t> </a:t>
-            </a:r>
-            <a:r>
-              <a:rPr lang="de-DE" sz="2000" dirty="0" err="1"/>
-              <a:t>using</a:t>
-            </a:r>
-            <a:r>
-              <a:rPr lang="de-DE" sz="2000" dirty="0"/>
-              <a:t> R-DeeP-2020-Nature Protocols_1.pdf</a:t>
-            </a:r>
-          </a:p>
-          <a:p>
-            <a:pPr marL="457200" indent="-457200">
-              <a:buFont typeface="Arial" panose="020B0604020202020204" pitchFamily="34" charset="0"/>
-              <a:buChar char="•"/>
-            </a:pPr>
-            <a:r>
-              <a:rPr lang="de-DE" sz="2000" dirty="0"/>
-              <a:t>Corley </a:t>
-            </a:r>
-            <a:r>
-              <a:rPr lang="de-DE" sz="2000" i="1" dirty="0"/>
-              <a:t>et al.</a:t>
-            </a:r>
-            <a:r>
-              <a:rPr lang="de-DE" sz="2000" dirty="0"/>
-              <a:t>, </a:t>
-            </a:r>
-            <a:r>
-              <a:rPr lang="de-DE" sz="2000" dirty="0" err="1"/>
-              <a:t>How</a:t>
-            </a:r>
-            <a:r>
-              <a:rPr lang="de-DE" sz="2000" dirty="0"/>
-              <a:t> RNA-Binding Proteins </a:t>
-            </a:r>
-            <a:r>
-              <a:rPr lang="de-DE" sz="2000" dirty="0" err="1"/>
-              <a:t>Interact</a:t>
-            </a:r>
-            <a:r>
-              <a:rPr lang="de-DE" sz="2000" dirty="0"/>
-              <a:t> </a:t>
-            </a:r>
-            <a:r>
-              <a:rPr lang="de-DE" sz="2000" dirty="0" err="1"/>
-              <a:t>with</a:t>
-            </a:r>
-            <a:r>
-              <a:rPr lang="de-DE" sz="2000" dirty="0"/>
-              <a:t> RNA </a:t>
-            </a:r>
-            <a:r>
-              <a:rPr lang="de-DE" sz="2000" dirty="0" err="1"/>
-              <a:t>Molecules</a:t>
-            </a:r>
-            <a:r>
-              <a:rPr lang="de-DE" sz="2000" dirty="0"/>
-              <a:t> and </a:t>
-            </a:r>
-            <a:r>
-              <a:rPr lang="de-DE" sz="2000" dirty="0" err="1"/>
-              <a:t>Mechanisms</a:t>
-            </a:r>
-            <a:r>
-              <a:rPr lang="de-DE" sz="2000" dirty="0"/>
-              <a:t>, 2020, </a:t>
-            </a:r>
-            <a:r>
-              <a:rPr lang="de-DE" sz="2000" dirty="0" err="1"/>
-              <a:t>Molecular</a:t>
-            </a:r>
-            <a:r>
-              <a:rPr lang="de-DE" sz="2000" dirty="0"/>
-              <a:t> Cell.pdf</a:t>
-            </a:r>
-          </a:p>
-          <a:p>
-            <a:pPr marL="457200" indent="-457200">
-              <a:buFont typeface="Arial" panose="020B0604020202020204" pitchFamily="34" charset="0"/>
-              <a:buChar char="•"/>
-            </a:pPr>
-            <a:endParaRPr lang="en-US" sz="2000" dirty="0"/>
-          </a:p>
-        </p:txBody>
-      </p:sp>
-      <p:sp>
-        <p:nvSpPr>
-          <p:cNvPr id="19" name="TextBox 18">
-            <a:extLst>
-              <a:ext uri="{FF2B5EF4-FFF2-40B4-BE49-F238E27FC236}">
-                <a16:creationId xmlns:a16="http://schemas.microsoft.com/office/drawing/2014/main" id="{FFC955A8-BE9D-FEA7-D937-C5036C0D67B4}"/>
-              </a:ext>
-            </a:extLst>
-          </p:cNvPr>
-          <p:cNvSpPr txBox="1"/>
-          <p:nvPr/>
-        </p:nvSpPr>
-        <p:spPr>
-          <a:xfrm>
-            <a:off x="16242587" y="29665022"/>
-            <a:ext cx="8291810" cy="1200329"/>
-          </a:xfrm>
-          <a:prstGeom prst="rect">
-            <a:avLst/>
-          </a:prstGeom>
-          <a:noFill/>
-          <a:ln>
-            <a:noFill/>
-          </a:ln>
-        </p:spPr>
-        <p:txBody>
-          <a:bodyPr wrap="square">
-            <a:spAutoFit/>
-          </a:bodyPr>
-          <a:lstStyle/>
-          <a:p>
-            <a:pPr marL="457200" indent="-457200">
-              <a:buFont typeface="Arial" panose="020B0604020202020204" pitchFamily="34" charset="0"/>
-              <a:buChar char="•"/>
-            </a:pPr>
-            <a:r>
-              <a:rPr lang="de-DE" sz="2400" dirty="0"/>
-              <a:t>We found X proteins that ...</a:t>
-            </a:r>
-          </a:p>
-          <a:p>
-            <a:pPr marL="457200" indent="-457200">
-              <a:buFont typeface="Arial" panose="020B0604020202020204" pitchFamily="34" charset="0"/>
-              <a:buChar char="•"/>
-            </a:pPr>
-            <a:endParaRPr lang="de-DE" sz="2400" dirty="0"/>
-          </a:p>
-          <a:p>
-            <a:endParaRPr lang="en-US" sz="2400" b="1" dirty="0"/>
-          </a:p>
-        </p:txBody>
-      </p:sp>
-      <p:sp>
-        <p:nvSpPr>
-          <p:cNvPr id="20" name="Rectangle: Rounded Corners 19">
-            <a:extLst>
-              <a:ext uri="{FF2B5EF4-FFF2-40B4-BE49-F238E27FC236}">
-                <a16:creationId xmlns:a16="http://schemas.microsoft.com/office/drawing/2014/main" id="{5671C6CB-E26F-FC31-5189-06BD1ACFC97C}"/>
-              </a:ext>
-            </a:extLst>
-          </p:cNvPr>
-          <p:cNvSpPr/>
-          <p:nvPr/>
-        </p:nvSpPr>
-        <p:spPr>
-          <a:xfrm>
-            <a:off x="619433" y="6354751"/>
-            <a:ext cx="29036347" cy="1430255"/>
-          </a:xfrm>
-          <a:prstGeom prst="roundRect">
-            <a:avLst>
-              <a:gd name="adj" fmla="val 0"/>
-            </a:avLst>
-          </a:prstGeom>
-          <a:solidFill>
-            <a:srgbClr val="842332"/>
-          </a:solidFill>
-          <a:ln>
-            <a:noFill/>
-          </a:ln>
-        </p:spPr>
-        <p:style>
-          <a:lnRef idx="2">
-            <a:schemeClr val="accent1">
-              <a:shade val="15000"/>
-            </a:schemeClr>
-          </a:lnRef>
-          <a:fillRef idx="1">
-            <a:schemeClr val="accent1"/>
-          </a:fillRef>
-          <a:effectRef idx="0">
-            <a:schemeClr val="accent1"/>
-          </a:effectRef>
-          <a:fontRef idx="minor">
-            <a:schemeClr val="lt1"/>
-          </a:fontRef>
-        </p:style>
-        <p:txBody>
-          <a:bodyPr rtlCol="0" anchor="ctr"/>
-          <a:lstStyle/>
-          <a:p>
-            <a:r>
-              <a:rPr lang="en-US" sz="6000" b="1" dirty="0"/>
-              <a:t>                   Identifying RNA-Dependent Proteins from Proteomic Data</a:t>
-            </a:r>
-            <a:endParaRPr lang="en-US" sz="1500" b="1" dirty="0"/>
-          </a:p>
-          <a:p>
-            <a:pPr algn="ctr"/>
-            <a:endParaRPr lang="en-US" sz="1000" b="1" dirty="0"/>
-          </a:p>
-        </p:txBody>
-      </p:sp>
-      <p:sp>
-        <p:nvSpPr>
-          <p:cNvPr id="21" name="TextBox 20">
-            <a:extLst>
-              <a:ext uri="{FF2B5EF4-FFF2-40B4-BE49-F238E27FC236}">
-                <a16:creationId xmlns:a16="http://schemas.microsoft.com/office/drawing/2014/main" id="{11E5E3B4-A071-D53B-F93B-9E1776CF96CF}"/>
-              </a:ext>
-            </a:extLst>
-          </p:cNvPr>
-          <p:cNvSpPr txBox="1"/>
-          <p:nvPr/>
-        </p:nvSpPr>
-        <p:spPr>
-          <a:xfrm>
-            <a:off x="15164570" y="8328936"/>
-            <a:ext cx="13893040" cy="2308324"/>
-          </a:xfrm>
-          <a:prstGeom prst="rect">
-            <a:avLst/>
-          </a:prstGeom>
-          <a:noFill/>
-          <a:ln>
-            <a:noFill/>
-          </a:ln>
-        </p:spPr>
-        <p:txBody>
-          <a:bodyPr wrap="square">
-            <a:spAutoFit/>
-          </a:bodyPr>
-          <a:lstStyle/>
-          <a:p>
-            <a:r>
-              <a:rPr lang="en-US" sz="2400" b="1" dirty="0"/>
-              <a:t>Key Characteristics of Our Dataset</a:t>
-            </a:r>
-            <a:endParaRPr lang="de-DE" sz="2400" b="1" dirty="0"/>
-          </a:p>
-          <a:p>
-            <a:pPr marL="457200" indent="-457200">
-              <a:buFont typeface="Arial" panose="020B0604020202020204" pitchFamily="34" charset="0"/>
-              <a:buChar char="•"/>
-            </a:pPr>
-            <a:r>
-              <a:rPr lang="en-US" sz="2400" dirty="0"/>
-              <a:t>Our dataset was generated using the R-Deep approach</a:t>
-            </a:r>
-          </a:p>
-          <a:p>
-            <a:pPr marL="457200" indent="-457200">
-              <a:buFont typeface="Arial" panose="020B0604020202020204" pitchFamily="34" charset="0"/>
-              <a:buChar char="•"/>
-            </a:pPr>
-            <a:r>
-              <a:rPr lang="de-DE" sz="2400" dirty="0"/>
-              <a:t>~5000 Proteine in 25 Fraktionen, Rnase vs. CTRL</a:t>
-            </a:r>
-            <a:endParaRPr lang="en-US" sz="2400" dirty="0"/>
-          </a:p>
-          <a:p>
-            <a:pPr marL="457200" indent="-457200">
-              <a:buFont typeface="Arial" panose="020B0604020202020204" pitchFamily="34" charset="0"/>
-              <a:buChar char="•"/>
-            </a:pPr>
-            <a:r>
-              <a:rPr lang="en-US" sz="2400" dirty="0"/>
-              <a:t>Dimensions</a:t>
-            </a:r>
-            <a:endParaRPr lang="en-US" sz="2400" b="1" dirty="0"/>
-          </a:p>
-          <a:p>
-            <a:pPr marL="457200" indent="-457200">
-              <a:buFont typeface="Arial" panose="020B0604020202020204" pitchFamily="34" charset="0"/>
-              <a:buChar char="•"/>
-            </a:pPr>
-            <a:endParaRPr lang="de-DE" sz="2400" dirty="0"/>
-          </a:p>
-          <a:p>
-            <a:pPr marL="457200" indent="-457200">
-              <a:buFont typeface="Arial" panose="020B0604020202020204" pitchFamily="34" charset="0"/>
-              <a:buChar char="•"/>
-            </a:pPr>
-            <a:endParaRPr lang="de-DE" sz="2400" dirty="0"/>
-          </a:p>
-        </p:txBody>
-      </p:sp>
-      <p:sp>
-        <p:nvSpPr>
-          <p:cNvPr id="22" name="Rectangle: Rounded Corners 21">
-            <a:extLst>
-              <a:ext uri="{FF2B5EF4-FFF2-40B4-BE49-F238E27FC236}">
-                <a16:creationId xmlns:a16="http://schemas.microsoft.com/office/drawing/2014/main" id="{B59C29C1-FA94-6EF6-8F89-6F1328D91A76}"/>
-              </a:ext>
-            </a:extLst>
-          </p:cNvPr>
-          <p:cNvSpPr/>
-          <p:nvPr/>
-        </p:nvSpPr>
-        <p:spPr>
-          <a:xfrm>
-            <a:off x="668635" y="13907015"/>
-            <a:ext cx="28937944" cy="1430255"/>
-          </a:xfrm>
-          <a:prstGeom prst="roundRect">
-            <a:avLst>
-              <a:gd name="adj" fmla="val 0"/>
-            </a:avLst>
-          </a:prstGeom>
-          <a:solidFill>
-            <a:srgbClr val="120D31"/>
-          </a:solidFill>
-          <a:ln>
-            <a:noFill/>
-          </a:ln>
-        </p:spPr>
-        <p:style>
-          <a:lnRef idx="2">
-            <a:schemeClr val="accent1">
-              <a:shade val="15000"/>
-            </a:schemeClr>
-          </a:lnRef>
-          <a:fillRef idx="1">
-            <a:schemeClr val="accent1"/>
-          </a:fillRef>
-          <a:effectRef idx="0">
-            <a:schemeClr val="accent1"/>
-          </a:effectRef>
-          <a:fontRef idx="minor">
-            <a:schemeClr val="lt1"/>
-          </a:fontRef>
-        </p:style>
-        <p:txBody>
-          <a:bodyPr rtlCol="0" anchor="ctr"/>
-          <a:lstStyle/>
-          <a:p>
-            <a:r>
-              <a:rPr lang="en-US" sz="6000" b="1" dirty="0"/>
-              <a:t>                  Our Approach</a:t>
-            </a:r>
-            <a:endParaRPr lang="en-US" sz="1500" b="1" dirty="0"/>
-          </a:p>
-          <a:p>
-            <a:pPr algn="ctr"/>
-            <a:endParaRPr lang="en-US" sz="1000" b="1" dirty="0"/>
-          </a:p>
-        </p:txBody>
-      </p:sp>
-      <p:sp>
-        <p:nvSpPr>
-          <p:cNvPr id="23" name="Rectangle: Rounded Corners 22">
-            <a:extLst>
-              <a:ext uri="{FF2B5EF4-FFF2-40B4-BE49-F238E27FC236}">
-                <a16:creationId xmlns:a16="http://schemas.microsoft.com/office/drawing/2014/main" id="{317D88A9-FA33-C8DD-A685-B910ADA75AB2}"/>
-              </a:ext>
-            </a:extLst>
-          </p:cNvPr>
-          <p:cNvSpPr/>
-          <p:nvPr/>
-        </p:nvSpPr>
-        <p:spPr>
-          <a:xfrm>
-            <a:off x="668636" y="27643718"/>
-            <a:ext cx="14468970" cy="1430255"/>
-          </a:xfrm>
-          <a:prstGeom prst="roundRect">
-            <a:avLst>
-              <a:gd name="adj" fmla="val 10312"/>
-            </a:avLst>
-          </a:prstGeom>
-          <a:solidFill>
-            <a:srgbClr val="120D31"/>
-          </a:solidFill>
-          <a:ln>
-            <a:noFill/>
-          </a:ln>
-        </p:spPr>
-        <p:style>
-          <a:lnRef idx="2">
-            <a:schemeClr val="accent1">
-              <a:shade val="15000"/>
-            </a:schemeClr>
-          </a:lnRef>
-          <a:fillRef idx="1">
-            <a:schemeClr val="accent1"/>
-          </a:fillRef>
-          <a:effectRef idx="0">
-            <a:schemeClr val="accent1"/>
-          </a:effectRef>
-          <a:fontRef idx="minor">
-            <a:schemeClr val="lt1"/>
-          </a:fontRef>
-        </p:style>
-        <p:txBody>
-          <a:bodyPr rtlCol="0" anchor="ctr"/>
-          <a:lstStyle/>
-          <a:p>
-            <a:r>
-              <a:rPr lang="en-US" sz="6000" b="1" dirty="0"/>
-              <a:t>                  Discussion</a:t>
-            </a:r>
-            <a:endParaRPr lang="en-US" sz="1500" b="1" dirty="0"/>
-          </a:p>
-          <a:p>
-            <a:endParaRPr lang="en-US" sz="1000" b="1" dirty="0"/>
-          </a:p>
-        </p:txBody>
-      </p:sp>
-      <p:sp>
-        <p:nvSpPr>
-          <p:cNvPr id="24" name="Rectangle: Rounded Corners 23">
-            <a:extLst>
-              <a:ext uri="{FF2B5EF4-FFF2-40B4-BE49-F238E27FC236}">
-                <a16:creationId xmlns:a16="http://schemas.microsoft.com/office/drawing/2014/main" id="{C96DE1AF-A5C6-26D3-1B9C-82EACDF12B6A}"/>
-              </a:ext>
-            </a:extLst>
-          </p:cNvPr>
-          <p:cNvSpPr/>
-          <p:nvPr/>
-        </p:nvSpPr>
-        <p:spPr>
-          <a:xfrm>
-            <a:off x="15765564" y="27736897"/>
-            <a:ext cx="13841013" cy="1430255"/>
-          </a:xfrm>
-          <a:prstGeom prst="roundRect">
-            <a:avLst>
-              <a:gd name="adj" fmla="val 0"/>
-            </a:avLst>
-          </a:prstGeom>
-          <a:solidFill>
-            <a:srgbClr val="842332"/>
-          </a:solidFill>
-          <a:ln>
-            <a:noFill/>
-          </a:ln>
-        </p:spPr>
-        <p:style>
-          <a:lnRef idx="2">
-            <a:schemeClr val="accent1">
-              <a:shade val="15000"/>
-            </a:schemeClr>
-          </a:lnRef>
-          <a:fillRef idx="1">
-            <a:schemeClr val="accent1"/>
-          </a:fillRef>
-          <a:effectRef idx="0">
-            <a:schemeClr val="accent1"/>
-          </a:effectRef>
-          <a:fontRef idx="minor">
-            <a:schemeClr val="lt1"/>
-          </a:fontRef>
-        </p:style>
-        <p:txBody>
-          <a:bodyPr rtlCol="0" anchor="ctr"/>
-          <a:lstStyle/>
-          <a:p>
-            <a:r>
-              <a:rPr lang="en-US" sz="6000" b="1" dirty="0"/>
-              <a:t>                 Our Achievements</a:t>
-            </a:r>
-            <a:endParaRPr lang="en-US" sz="1000" b="1" dirty="0"/>
-          </a:p>
-        </p:txBody>
-      </p:sp>
-      <p:sp>
-        <p:nvSpPr>
-          <p:cNvPr id="25" name="Rectangle: Rounded Corners 24">
-            <a:extLst>
-              <a:ext uri="{FF2B5EF4-FFF2-40B4-BE49-F238E27FC236}">
-                <a16:creationId xmlns:a16="http://schemas.microsoft.com/office/drawing/2014/main" id="{45898C5B-0B5E-0A43-ED31-F39CF22769C1}"/>
-              </a:ext>
-            </a:extLst>
-          </p:cNvPr>
-          <p:cNvSpPr/>
-          <p:nvPr/>
-        </p:nvSpPr>
-        <p:spPr>
-          <a:xfrm>
-            <a:off x="15841730" y="35857778"/>
-            <a:ext cx="8199369" cy="1430255"/>
-          </a:xfrm>
-          <a:prstGeom prst="roundRect">
-            <a:avLst>
-              <a:gd name="adj" fmla="val 0"/>
-            </a:avLst>
-          </a:prstGeom>
-          <a:solidFill>
-            <a:srgbClr val="413D59"/>
-          </a:solidFill>
-          <a:ln>
-            <a:noFill/>
-          </a:ln>
-        </p:spPr>
-        <p:style>
-          <a:lnRef idx="2">
-            <a:schemeClr val="accent1">
-              <a:shade val="15000"/>
-            </a:schemeClr>
-          </a:lnRef>
-          <a:fillRef idx="1">
-            <a:schemeClr val="accent1"/>
-          </a:fillRef>
-          <a:effectRef idx="0">
-            <a:schemeClr val="accent1"/>
-          </a:effectRef>
-          <a:fontRef idx="minor">
-            <a:schemeClr val="lt1"/>
-          </a:fontRef>
-        </p:style>
-        <p:txBody>
-          <a:bodyPr rtlCol="0" anchor="ctr"/>
-          <a:lstStyle/>
-          <a:p>
-            <a:r>
-              <a:rPr lang="en-US" sz="6000" b="1" dirty="0"/>
-              <a:t>                 References</a:t>
-            </a:r>
-            <a:endParaRPr lang="en-US" sz="1000" b="1" dirty="0"/>
-          </a:p>
-        </p:txBody>
-      </p:sp>
-      <p:sp>
-        <p:nvSpPr>
-          <p:cNvPr id="27" name="Titel 1">
-            <a:extLst>
-              <a:ext uri="{FF2B5EF4-FFF2-40B4-BE49-F238E27FC236}">
-                <a16:creationId xmlns:a16="http://schemas.microsoft.com/office/drawing/2014/main" id="{A5B8F8CE-D9BA-00D8-3DBF-7A9DBF0E1515}"/>
-              </a:ext>
-            </a:extLst>
-          </p:cNvPr>
-          <p:cNvSpPr txBox="1">
-            <a:spLocks/>
-          </p:cNvSpPr>
-          <p:nvPr/>
-        </p:nvSpPr>
-        <p:spPr>
-          <a:xfrm>
-            <a:off x="1568156" y="2264310"/>
-            <a:ext cx="28358864" cy="1836887"/>
-          </a:xfrm>
-          <a:prstGeom prst="rect">
-            <a:avLst/>
-          </a:prstGeom>
-        </p:spPr>
-        <p:txBody>
-          <a:bodyPr vert="horz" lIns="91440" tIns="45720" rIns="91440" bIns="45720" rtlCol="0" anchor="b">
-            <a:noAutofit/>
-          </a:bodyPr>
-          <a:lstStyle>
-            <a:lvl1pPr algn="ctr" defTabSz="3027487" rtl="0" eaLnBrk="1" latinLnBrk="0" hangingPunct="1">
-              <a:lnSpc>
-                <a:spcPct val="90000"/>
-              </a:lnSpc>
-              <a:spcBef>
-                <a:spcPct val="0"/>
-              </a:spcBef>
-              <a:buNone/>
-              <a:defRPr sz="19865" kern="1200">
-                <a:solidFill>
-                  <a:schemeClr val="tx1"/>
-                </a:solidFill>
-                <a:latin typeface="+mj-lt"/>
-                <a:ea typeface="+mj-ea"/>
-                <a:cs typeface="+mj-cs"/>
-              </a:defRPr>
-            </a:lvl1pPr>
-          </a:lstStyle>
-          <a:p>
-            <a:r>
-              <a:rPr lang="de-DE" sz="8000" b="1" dirty="0">
-                <a:solidFill>
-                  <a:schemeClr val="bg1"/>
-                </a:solidFill>
-              </a:rPr>
-              <a:t>Hidden Alliances: </a:t>
-            </a:r>
-          </a:p>
-          <a:p>
-            <a:r>
-              <a:rPr lang="de-DE" sz="8000" b="1" dirty="0">
-                <a:solidFill>
-                  <a:schemeClr val="bg1"/>
-                </a:solidFill>
-              </a:rPr>
-              <a:t>RNA-Dependent Protein Interactions </a:t>
-            </a:r>
-          </a:p>
-          <a:p>
-            <a:r>
-              <a:rPr lang="de-DE" sz="8000" b="1" dirty="0">
-                <a:solidFill>
-                  <a:schemeClr val="bg1"/>
-                </a:solidFill>
-              </a:rPr>
-              <a:t>in Cancer Cells</a:t>
-            </a:r>
-            <a:endParaRPr lang="en-US" sz="8000" b="1" dirty="0">
-              <a:solidFill>
-                <a:schemeClr val="bg1"/>
-              </a:solidFill>
-            </a:endParaRPr>
-          </a:p>
-        </p:txBody>
-      </p:sp>
-      <p:sp>
-        <p:nvSpPr>
-          <p:cNvPr id="28" name="Titel 1">
-            <a:extLst>
-              <a:ext uri="{FF2B5EF4-FFF2-40B4-BE49-F238E27FC236}">
-                <a16:creationId xmlns:a16="http://schemas.microsoft.com/office/drawing/2014/main" id="{1D59770A-CF15-7E0F-4910-E0D0557314F8}"/>
-              </a:ext>
-            </a:extLst>
-          </p:cNvPr>
-          <p:cNvSpPr txBox="1">
-            <a:spLocks/>
-          </p:cNvSpPr>
-          <p:nvPr/>
-        </p:nvSpPr>
-        <p:spPr>
-          <a:xfrm>
-            <a:off x="8739451" y="3780826"/>
-            <a:ext cx="12850233" cy="1323687"/>
-          </a:xfrm>
-          <a:prstGeom prst="rect">
-            <a:avLst/>
-          </a:prstGeom>
-        </p:spPr>
-        <p:txBody>
-          <a:bodyPr vert="horz" lIns="45681" tIns="22840" rIns="45681" bIns="22840" rtlCol="0" anchor="b">
-            <a:noAutofit/>
-          </a:bodyPr>
-          <a:lstStyle>
-            <a:lvl1pPr algn="ctr" defTabSz="3027487" rtl="0" eaLnBrk="1" latinLnBrk="0" hangingPunct="1">
-              <a:lnSpc>
-                <a:spcPct val="90000"/>
-              </a:lnSpc>
-              <a:spcBef>
-                <a:spcPct val="0"/>
-              </a:spcBef>
-              <a:buNone/>
-              <a:defRPr sz="19865" kern="1200">
-                <a:solidFill>
-                  <a:schemeClr val="tx1"/>
-                </a:solidFill>
-                <a:latin typeface="+mj-lt"/>
-                <a:ea typeface="+mj-ea"/>
-                <a:cs typeface="+mj-cs"/>
-              </a:defRPr>
-            </a:lvl1pPr>
-          </a:lstStyle>
-          <a:p>
-            <a:r>
-              <a:rPr lang="de-DE" sz="2800" dirty="0" err="1">
-                <a:solidFill>
-                  <a:schemeClr val="bg1"/>
-                </a:solidFill>
-              </a:rPr>
-              <a:t>Baureis</a:t>
-            </a:r>
-            <a:r>
-              <a:rPr lang="de-DE" sz="2800" dirty="0">
-                <a:solidFill>
-                  <a:schemeClr val="bg1"/>
-                </a:solidFill>
-              </a:rPr>
-              <a:t>, J., </a:t>
-            </a:r>
-            <a:r>
-              <a:rPr lang="de-DE" sz="2800" dirty="0" err="1">
-                <a:solidFill>
-                  <a:schemeClr val="bg1"/>
-                </a:solidFill>
-              </a:rPr>
-              <a:t>Ferdin</a:t>
-            </a:r>
-            <a:r>
-              <a:rPr lang="de-DE" sz="2800" dirty="0">
-                <a:solidFill>
-                  <a:schemeClr val="bg1"/>
-                </a:solidFill>
-              </a:rPr>
-              <a:t>, J., Nicklas, B., </a:t>
-            </a:r>
-            <a:r>
-              <a:rPr lang="de-DE" sz="2800" dirty="0" err="1">
-                <a:solidFill>
-                  <a:schemeClr val="bg1"/>
-                </a:solidFill>
-              </a:rPr>
-              <a:t>Wintel</a:t>
-            </a:r>
-            <a:r>
-              <a:rPr lang="de-DE" sz="2800" dirty="0">
-                <a:solidFill>
-                  <a:schemeClr val="bg1"/>
-                </a:solidFill>
-              </a:rPr>
-              <a:t>, L.</a:t>
-            </a:r>
-          </a:p>
-          <a:p>
-            <a:r>
-              <a:rPr lang="de-DE" sz="2800" dirty="0">
-                <a:solidFill>
-                  <a:schemeClr val="bg1"/>
-                </a:solidFill>
-              </a:rPr>
-              <a:t>Data Analysis Project </a:t>
-            </a:r>
-            <a:r>
-              <a:rPr lang="de-DE" sz="2800" dirty="0" err="1">
-                <a:solidFill>
-                  <a:schemeClr val="bg1"/>
-                </a:solidFill>
-              </a:rPr>
-              <a:t>Molecular</a:t>
-            </a:r>
-            <a:r>
-              <a:rPr lang="de-DE" sz="2800" dirty="0">
-                <a:solidFill>
-                  <a:schemeClr val="bg1"/>
-                </a:solidFill>
-              </a:rPr>
-              <a:t> Biotechnology SS2025</a:t>
-            </a:r>
-          </a:p>
-        </p:txBody>
-      </p:sp>
-      <p:sp>
-        <p:nvSpPr>
-          <p:cNvPr id="29" name="Flowchart: Connector 28">
-            <a:extLst>
-              <a:ext uri="{FF2B5EF4-FFF2-40B4-BE49-F238E27FC236}">
-                <a16:creationId xmlns:a16="http://schemas.microsoft.com/office/drawing/2014/main" id="{C0154F1E-CE0F-6831-0041-B629EFEC8D7C}"/>
-              </a:ext>
-            </a:extLst>
-          </p:cNvPr>
-          <p:cNvSpPr/>
-          <p:nvPr/>
-        </p:nvSpPr>
-        <p:spPr>
-          <a:xfrm>
-            <a:off x="1194289" y="5986115"/>
-            <a:ext cx="2006111" cy="1960592"/>
-          </a:xfrm>
-          <a:prstGeom prst="flowChartConnector">
-            <a:avLst/>
-          </a:prstGeom>
-          <a:solidFill>
-            <a:schemeClr val="bg1"/>
-          </a:solidFill>
-          <a:ln w="254000">
-            <a:solidFill>
-              <a:srgbClr val="842332"/>
-            </a:solidFill>
-          </a:ln>
-        </p:spPr>
-        <p:style>
-          <a:lnRef idx="2">
-            <a:schemeClr val="accent1">
-              <a:shade val="15000"/>
-            </a:schemeClr>
-          </a:lnRef>
-          <a:fillRef idx="1">
-            <a:schemeClr val="accent1"/>
-          </a:fillRef>
-          <a:effectRef idx="0">
-            <a:schemeClr val="accent1"/>
-          </a:effectRef>
-          <a:fontRef idx="minor">
-            <a:schemeClr val="lt1"/>
-          </a:fontRef>
-        </p:style>
-        <p:txBody>
-          <a:bodyPr rtlCol="0" anchor="ctr"/>
-          <a:lstStyle/>
-          <a:p>
-            <a:pPr algn="ctr"/>
-            <a:r>
-              <a:rPr lang="de-DE" sz="7000" b="1" dirty="0">
-                <a:solidFill>
-                  <a:srgbClr val="87081B"/>
-                </a:solidFill>
-              </a:rPr>
-              <a:t>1</a:t>
-            </a:r>
-          </a:p>
-        </p:txBody>
-      </p:sp>
-      <p:sp>
-        <p:nvSpPr>
-          <p:cNvPr id="31" name="Flowchart: Connector 30">
-            <a:extLst>
-              <a:ext uri="{FF2B5EF4-FFF2-40B4-BE49-F238E27FC236}">
-                <a16:creationId xmlns:a16="http://schemas.microsoft.com/office/drawing/2014/main" id="{C54415D3-EF3E-C7DD-9E91-DE09DAC51F00}"/>
-              </a:ext>
-            </a:extLst>
-          </p:cNvPr>
-          <p:cNvSpPr/>
-          <p:nvPr/>
-        </p:nvSpPr>
-        <p:spPr>
-          <a:xfrm>
-            <a:off x="1194288" y="13584696"/>
-            <a:ext cx="2006111" cy="1960592"/>
-          </a:xfrm>
-          <a:prstGeom prst="flowChartConnector">
-            <a:avLst/>
-          </a:prstGeom>
-          <a:solidFill>
-            <a:schemeClr val="bg1"/>
-          </a:solidFill>
-          <a:ln w="254000">
-            <a:solidFill>
-              <a:srgbClr val="120D31"/>
-            </a:solidFill>
-          </a:ln>
-        </p:spPr>
-        <p:style>
-          <a:lnRef idx="2">
-            <a:schemeClr val="accent1">
-              <a:shade val="15000"/>
-            </a:schemeClr>
-          </a:lnRef>
-          <a:fillRef idx="1">
-            <a:schemeClr val="accent1"/>
-          </a:fillRef>
-          <a:effectRef idx="0">
-            <a:schemeClr val="accent1"/>
-          </a:effectRef>
-          <a:fontRef idx="minor">
-            <a:schemeClr val="lt1"/>
-          </a:fontRef>
-        </p:style>
-        <p:txBody>
-          <a:bodyPr rtlCol="0" anchor="ctr"/>
-          <a:lstStyle/>
-          <a:p>
-            <a:pPr algn="ctr"/>
-            <a:r>
-              <a:rPr lang="de-DE" sz="7000" b="1" dirty="0">
-                <a:solidFill>
-                  <a:srgbClr val="120D31"/>
-                </a:solidFill>
-              </a:rPr>
-              <a:t>2</a:t>
-            </a:r>
-          </a:p>
-        </p:txBody>
-      </p:sp>
-      <p:sp>
-        <p:nvSpPr>
-          <p:cNvPr id="32" name="Flowchart: Connector 31">
-            <a:extLst>
-              <a:ext uri="{FF2B5EF4-FFF2-40B4-BE49-F238E27FC236}">
-                <a16:creationId xmlns:a16="http://schemas.microsoft.com/office/drawing/2014/main" id="{0C356F25-E02F-70A9-E249-B410EF0B582D}"/>
-              </a:ext>
-            </a:extLst>
-          </p:cNvPr>
-          <p:cNvSpPr/>
-          <p:nvPr/>
-        </p:nvSpPr>
-        <p:spPr>
-          <a:xfrm>
-            <a:off x="1194287" y="27398826"/>
-            <a:ext cx="2006111" cy="1960592"/>
-          </a:xfrm>
-          <a:prstGeom prst="flowChartConnector">
-            <a:avLst/>
-          </a:prstGeom>
-          <a:solidFill>
-            <a:schemeClr val="bg1"/>
-          </a:solidFill>
-          <a:ln w="254000">
-            <a:solidFill>
-              <a:srgbClr val="120D31"/>
-            </a:solidFill>
-          </a:ln>
-        </p:spPr>
-        <p:style>
-          <a:lnRef idx="2">
-            <a:schemeClr val="accent1">
-              <a:shade val="15000"/>
-            </a:schemeClr>
-          </a:lnRef>
-          <a:fillRef idx="1">
-            <a:schemeClr val="accent1"/>
-          </a:fillRef>
-          <a:effectRef idx="0">
-            <a:schemeClr val="accent1"/>
-          </a:effectRef>
-          <a:fontRef idx="minor">
-            <a:schemeClr val="lt1"/>
-          </a:fontRef>
-        </p:style>
-        <p:txBody>
-          <a:bodyPr rtlCol="0" anchor="ctr"/>
-          <a:lstStyle/>
-          <a:p>
-            <a:pPr algn="ctr"/>
-            <a:r>
-              <a:rPr lang="de-DE" sz="7000" b="1" dirty="0">
-                <a:solidFill>
-                  <a:srgbClr val="120D31"/>
-                </a:solidFill>
-              </a:rPr>
-              <a:t>3</a:t>
-            </a:r>
-          </a:p>
-        </p:txBody>
-      </p:sp>
-      <p:sp>
-        <p:nvSpPr>
-          <p:cNvPr id="33" name="Flowchart: Connector 32">
-            <a:extLst>
-              <a:ext uri="{FF2B5EF4-FFF2-40B4-BE49-F238E27FC236}">
-                <a16:creationId xmlns:a16="http://schemas.microsoft.com/office/drawing/2014/main" id="{75B49D98-B1DD-05D5-C717-9B148D1C7C4C}"/>
-              </a:ext>
-            </a:extLst>
-          </p:cNvPr>
-          <p:cNvSpPr/>
-          <p:nvPr/>
-        </p:nvSpPr>
-        <p:spPr>
-          <a:xfrm>
-            <a:off x="16242587" y="27394687"/>
-            <a:ext cx="2006111" cy="1960592"/>
-          </a:xfrm>
-          <a:prstGeom prst="flowChartConnector">
-            <a:avLst/>
-          </a:prstGeom>
-          <a:solidFill>
-            <a:schemeClr val="bg1"/>
-          </a:solidFill>
-          <a:ln w="254000">
-            <a:solidFill>
-              <a:srgbClr val="842332"/>
-            </a:solidFill>
-          </a:ln>
-        </p:spPr>
-        <p:style>
-          <a:lnRef idx="2">
-            <a:schemeClr val="accent1">
-              <a:shade val="15000"/>
-            </a:schemeClr>
-          </a:lnRef>
-          <a:fillRef idx="1">
-            <a:schemeClr val="accent1"/>
-          </a:fillRef>
-          <a:effectRef idx="0">
-            <a:schemeClr val="accent1"/>
-          </a:effectRef>
-          <a:fontRef idx="minor">
-            <a:schemeClr val="lt1"/>
-          </a:fontRef>
-        </p:style>
-        <p:txBody>
-          <a:bodyPr rtlCol="0" anchor="ctr"/>
-          <a:lstStyle/>
-          <a:p>
-            <a:pPr algn="ctr"/>
-            <a:r>
-              <a:rPr lang="de-DE" sz="7000" b="1" dirty="0">
-                <a:solidFill>
-                  <a:srgbClr val="87081B"/>
-                </a:solidFill>
-              </a:rPr>
-              <a:t>4</a:t>
-            </a:r>
-          </a:p>
-        </p:txBody>
-      </p:sp>
-      <p:sp>
-        <p:nvSpPr>
-          <p:cNvPr id="37" name="Flowchart: Connector 36">
-            <a:extLst>
-              <a:ext uri="{FF2B5EF4-FFF2-40B4-BE49-F238E27FC236}">
-                <a16:creationId xmlns:a16="http://schemas.microsoft.com/office/drawing/2014/main" id="{ABA7BD49-9F77-B4CB-1D54-7FF283833820}"/>
-              </a:ext>
-            </a:extLst>
-          </p:cNvPr>
-          <p:cNvSpPr/>
-          <p:nvPr/>
-        </p:nvSpPr>
-        <p:spPr>
-          <a:xfrm>
-            <a:off x="16285627" y="35586126"/>
-            <a:ext cx="2006111" cy="1960592"/>
-          </a:xfrm>
-          <a:prstGeom prst="flowChartConnector">
-            <a:avLst/>
-          </a:prstGeom>
-          <a:solidFill>
-            <a:schemeClr val="bg1"/>
-          </a:solidFill>
-          <a:ln w="254000">
-            <a:solidFill>
-              <a:srgbClr val="413D59"/>
-            </a:solidFill>
-          </a:ln>
-        </p:spPr>
-        <p:style>
-          <a:lnRef idx="2">
-            <a:schemeClr val="accent1">
-              <a:shade val="15000"/>
-            </a:schemeClr>
-          </a:lnRef>
-          <a:fillRef idx="1">
-            <a:schemeClr val="accent1"/>
-          </a:fillRef>
-          <a:effectRef idx="0">
-            <a:schemeClr val="accent1"/>
-          </a:effectRef>
-          <a:fontRef idx="minor">
-            <a:schemeClr val="lt1"/>
-          </a:fontRef>
-        </p:style>
-        <p:txBody>
-          <a:bodyPr rtlCol="0" anchor="ctr"/>
-          <a:lstStyle/>
-          <a:p>
-            <a:pPr algn="ctr"/>
-            <a:r>
-              <a:rPr lang="de-DE" sz="7000" b="1" dirty="0">
-                <a:solidFill>
-                  <a:srgbClr val="302F4D"/>
-                </a:solidFill>
-              </a:rPr>
-              <a:t>5</a:t>
-            </a:r>
-          </a:p>
-        </p:txBody>
-      </p:sp>
-      <p:pic>
-        <p:nvPicPr>
-          <p:cNvPr id="39" name="Picture 38">
-            <a:extLst>
-              <a:ext uri="{FF2B5EF4-FFF2-40B4-BE49-F238E27FC236}">
-                <a16:creationId xmlns:a16="http://schemas.microsoft.com/office/drawing/2014/main" id="{5A6DB834-C62B-1870-477C-B580A0525682}"/>
-              </a:ext>
-            </a:extLst>
-          </p:cNvPr>
-          <p:cNvPicPr>
-            <a:picLocks noChangeAspect="1"/>
-          </p:cNvPicPr>
-          <p:nvPr/>
-        </p:nvPicPr>
-        <p:blipFill>
-          <a:blip r:embed="rId4"/>
-          <a:stretch>
-            <a:fillRect/>
-          </a:stretch>
-        </p:blipFill>
-        <p:spPr>
-          <a:xfrm>
-            <a:off x="24585746" y="39152451"/>
-            <a:ext cx="3922235" cy="2206256"/>
-          </a:xfrm>
-          <a:prstGeom prst="rect">
-            <a:avLst/>
-          </a:prstGeom>
-        </p:spPr>
-      </p:pic>
-      <p:sp>
-        <p:nvSpPr>
-          <p:cNvPr id="40" name="Rectangle: Top Corners Rounded 39">
-            <a:extLst>
-              <a:ext uri="{FF2B5EF4-FFF2-40B4-BE49-F238E27FC236}">
-                <a16:creationId xmlns:a16="http://schemas.microsoft.com/office/drawing/2014/main" id="{AAE28F5E-21AC-0B61-CFE4-0EB3E67F1656}"/>
-              </a:ext>
-            </a:extLst>
-          </p:cNvPr>
-          <p:cNvSpPr/>
-          <p:nvPr/>
-        </p:nvSpPr>
-        <p:spPr>
-          <a:xfrm flipV="1">
-            <a:off x="-1" y="41844211"/>
-            <a:ext cx="30329139" cy="959548"/>
-          </a:xfrm>
-          <a:prstGeom prst="round2SameRect">
-            <a:avLst>
-              <a:gd name="adj1" fmla="val 0"/>
-              <a:gd name="adj2" fmla="val 0"/>
-            </a:avLst>
-          </a:prstGeom>
-          <a:solidFill>
-            <a:srgbClr val="120D31"/>
-          </a:solidFill>
-          <a:ln w="254000">
-            <a:noFill/>
-          </a:ln>
-        </p:spPr>
-        <p:style>
-          <a:lnRef idx="2">
-            <a:schemeClr val="accent1">
-              <a:shade val="15000"/>
-            </a:schemeClr>
-          </a:lnRef>
-          <a:fillRef idx="1">
-            <a:schemeClr val="accent1"/>
-          </a:fillRef>
-          <a:effectRef idx="0">
-            <a:schemeClr val="accent1"/>
-          </a:effectRef>
-          <a:fontRef idx="minor">
-            <a:schemeClr val="lt1"/>
-          </a:fontRef>
-        </p:style>
-        <p:txBody>
-          <a:bodyPr rtlCol="0" anchor="ctr"/>
-          <a:lstStyle/>
-          <a:p>
-            <a:pPr algn="ctr"/>
-            <a:endParaRPr lang="de-DE"/>
-          </a:p>
-        </p:txBody>
-      </p:sp>
-      <p:grpSp>
-        <p:nvGrpSpPr>
-          <p:cNvPr id="2" name="Group 1">
-            <a:extLst>
-              <a:ext uri="{FF2B5EF4-FFF2-40B4-BE49-F238E27FC236}">
-                <a16:creationId xmlns:a16="http://schemas.microsoft.com/office/drawing/2014/main" id="{3DB15D53-565C-F424-CF3C-F4BDF7B46709}"/>
-              </a:ext>
-            </a:extLst>
-          </p:cNvPr>
-          <p:cNvGrpSpPr/>
-          <p:nvPr/>
-        </p:nvGrpSpPr>
-        <p:grpSpPr>
-          <a:xfrm>
-            <a:off x="18088459" y="8783552"/>
-            <a:ext cx="10896006" cy="4108381"/>
-            <a:chOff x="18442634" y="8936099"/>
-            <a:chExt cx="10896006" cy="4108381"/>
-          </a:xfrm>
-        </p:grpSpPr>
-        <p:pic>
-          <p:nvPicPr>
-            <p:cNvPr id="3" name="Picture 2" descr="A graph showing a line graph&#10;&#10;AI-generated content may be incorrect.">
-              <a:extLst>
-                <a:ext uri="{FF2B5EF4-FFF2-40B4-BE49-F238E27FC236}">
-                  <a16:creationId xmlns:a16="http://schemas.microsoft.com/office/drawing/2014/main" id="{227421C5-ADD9-773E-1D2E-32E0BB7F159E}"/>
-                </a:ext>
-              </a:extLst>
-            </p:cNvPr>
-            <p:cNvPicPr>
-              <a:picLocks noChangeAspect="1"/>
-            </p:cNvPicPr>
-            <p:nvPr/>
-          </p:nvPicPr>
-          <p:blipFill>
-            <a:blip r:embed="rId5"/>
-            <a:stretch>
-              <a:fillRect/>
-            </a:stretch>
-          </p:blipFill>
-          <p:spPr>
-            <a:xfrm>
-              <a:off x="18442634" y="8936099"/>
-              <a:ext cx="5475046" cy="4106284"/>
-            </a:xfrm>
-            <a:prstGeom prst="rect">
-              <a:avLst/>
-            </a:prstGeom>
-          </p:spPr>
-        </p:pic>
-        <p:pic>
-          <p:nvPicPr>
-            <p:cNvPr id="5" name="Picture 4" descr="A graph of a line graph&#10;&#10;AI-generated content may be incorrect.">
-              <a:extLst>
-                <a:ext uri="{FF2B5EF4-FFF2-40B4-BE49-F238E27FC236}">
-                  <a16:creationId xmlns:a16="http://schemas.microsoft.com/office/drawing/2014/main" id="{855918B6-0FA3-74E6-8252-7F49D163EA24}"/>
-                </a:ext>
-              </a:extLst>
-            </p:cNvPr>
-            <p:cNvPicPr>
-              <a:picLocks noChangeAspect="1"/>
-            </p:cNvPicPr>
-            <p:nvPr/>
-          </p:nvPicPr>
-          <p:blipFill>
-            <a:blip r:embed="rId6"/>
-            <a:stretch>
-              <a:fillRect/>
-            </a:stretch>
-          </p:blipFill>
-          <p:spPr>
-            <a:xfrm>
-              <a:off x="23863594" y="8938195"/>
-              <a:ext cx="5475046" cy="4106285"/>
-            </a:xfrm>
-            <a:prstGeom prst="rect">
-              <a:avLst/>
-            </a:prstGeom>
-          </p:spPr>
-        </p:pic>
-      </p:grpSp>
-      <p:grpSp>
-        <p:nvGrpSpPr>
-          <p:cNvPr id="51" name="Group 50">
-            <a:extLst>
-              <a:ext uri="{FF2B5EF4-FFF2-40B4-BE49-F238E27FC236}">
-                <a16:creationId xmlns:a16="http://schemas.microsoft.com/office/drawing/2014/main" id="{35B2704B-9A83-B58B-0227-C56021910D8E}"/>
-              </a:ext>
-            </a:extLst>
-          </p:cNvPr>
-          <p:cNvGrpSpPr/>
-          <p:nvPr/>
-        </p:nvGrpSpPr>
-        <p:grpSpPr>
-          <a:xfrm>
-            <a:off x="6585894" y="31028443"/>
-            <a:ext cx="8681825" cy="6657173"/>
-            <a:chOff x="6505830" y="34375433"/>
-            <a:chExt cx="8076400" cy="6047084"/>
-          </a:xfrm>
-        </p:grpSpPr>
-        <p:pic>
-          <p:nvPicPr>
-            <p:cNvPr id="38" name="Picture 37" descr="A diagram of different colored circles&#10;&#10;AI-generated content may be incorrect.">
-              <a:extLst>
-                <a:ext uri="{FF2B5EF4-FFF2-40B4-BE49-F238E27FC236}">
-                  <a16:creationId xmlns:a16="http://schemas.microsoft.com/office/drawing/2014/main" id="{AD62BAEB-5FEB-FFE7-379E-C15CF27D7B7D}"/>
-                </a:ext>
-              </a:extLst>
-            </p:cNvPr>
-            <p:cNvPicPr>
-              <a:picLocks noChangeAspect="1"/>
-            </p:cNvPicPr>
-            <p:nvPr/>
-          </p:nvPicPr>
-          <p:blipFill>
-            <a:blip r:embed="rId7"/>
-            <a:stretch>
-              <a:fillRect/>
-            </a:stretch>
-          </p:blipFill>
-          <p:spPr>
-            <a:xfrm>
-              <a:off x="6519451" y="34375433"/>
-              <a:ext cx="4031389" cy="3023542"/>
-            </a:xfrm>
-            <a:prstGeom prst="rect">
-              <a:avLst/>
-            </a:prstGeom>
-          </p:spPr>
-        </p:pic>
-        <p:pic>
-          <p:nvPicPr>
-            <p:cNvPr id="42" name="Picture 41" descr="A diagram of a diagram showing different colored circles&#10;&#10;AI-generated content may be incorrect.">
-              <a:extLst>
-                <a:ext uri="{FF2B5EF4-FFF2-40B4-BE49-F238E27FC236}">
-                  <a16:creationId xmlns:a16="http://schemas.microsoft.com/office/drawing/2014/main" id="{FA2227A7-0DAA-0D32-46FB-77738670B185}"/>
-                </a:ext>
-              </a:extLst>
-            </p:cNvPr>
-            <p:cNvPicPr>
-              <a:picLocks noChangeAspect="1"/>
-            </p:cNvPicPr>
-            <p:nvPr/>
-          </p:nvPicPr>
-          <p:blipFill>
-            <a:blip r:embed="rId8"/>
-            <a:stretch>
-              <a:fillRect/>
-            </a:stretch>
-          </p:blipFill>
-          <p:spPr>
-            <a:xfrm>
-              <a:off x="6505830" y="37398975"/>
-              <a:ext cx="4031389" cy="3023542"/>
-            </a:xfrm>
-            <a:prstGeom prst="rect">
-              <a:avLst/>
-            </a:prstGeom>
-          </p:spPr>
-        </p:pic>
-        <p:pic>
-          <p:nvPicPr>
-            <p:cNvPr id="44" name="Picture 43" descr="A diagram of a graph&#10;&#10;AI-generated content may be incorrect.">
-              <a:extLst>
-                <a:ext uri="{FF2B5EF4-FFF2-40B4-BE49-F238E27FC236}">
-                  <a16:creationId xmlns:a16="http://schemas.microsoft.com/office/drawing/2014/main" id="{FEE41F9F-BE20-7AB5-959E-A476BA047F36}"/>
-                </a:ext>
-              </a:extLst>
-            </p:cNvPr>
-            <p:cNvPicPr>
-              <a:picLocks noChangeAspect="1"/>
-            </p:cNvPicPr>
-            <p:nvPr/>
-          </p:nvPicPr>
-          <p:blipFill>
-            <a:blip r:embed="rId9"/>
-            <a:stretch>
-              <a:fillRect/>
-            </a:stretch>
-          </p:blipFill>
-          <p:spPr>
-            <a:xfrm>
-              <a:off x="10536265" y="34375433"/>
-              <a:ext cx="4031388" cy="3023541"/>
-            </a:xfrm>
-            <a:prstGeom prst="rect">
-              <a:avLst/>
-            </a:prstGeom>
-          </p:spPr>
-        </p:pic>
-        <p:pic>
-          <p:nvPicPr>
-            <p:cNvPr id="46" name="Picture 45" descr="A diagram of different colored circles&#10;&#10;AI-generated content may be incorrect.">
-              <a:extLst>
-                <a:ext uri="{FF2B5EF4-FFF2-40B4-BE49-F238E27FC236}">
-                  <a16:creationId xmlns:a16="http://schemas.microsoft.com/office/drawing/2014/main" id="{F0104383-A74A-05D7-2282-A517E7A36D4A}"/>
-                </a:ext>
-              </a:extLst>
-            </p:cNvPr>
-            <p:cNvPicPr>
-              <a:picLocks noChangeAspect="1"/>
-            </p:cNvPicPr>
-            <p:nvPr/>
-          </p:nvPicPr>
-          <p:blipFill>
-            <a:blip r:embed="rId10"/>
-            <a:stretch>
-              <a:fillRect/>
-            </a:stretch>
-          </p:blipFill>
-          <p:spPr>
-            <a:xfrm>
-              <a:off x="10550841" y="37398975"/>
-              <a:ext cx="4031389" cy="3023542"/>
-            </a:xfrm>
-            <a:prstGeom prst="rect">
-              <a:avLst/>
-            </a:prstGeom>
-          </p:spPr>
-        </p:pic>
-      </p:grpSp>
-      <p:grpSp>
-        <p:nvGrpSpPr>
-          <p:cNvPr id="65" name="Group 64">
-            <a:extLst>
-              <a:ext uri="{FF2B5EF4-FFF2-40B4-BE49-F238E27FC236}">
-                <a16:creationId xmlns:a16="http://schemas.microsoft.com/office/drawing/2014/main" id="{0F236289-05F0-3EA7-39B5-BDD9F4D24BF0}"/>
-              </a:ext>
-            </a:extLst>
-          </p:cNvPr>
-          <p:cNvGrpSpPr/>
-          <p:nvPr/>
-        </p:nvGrpSpPr>
-        <p:grpSpPr>
-          <a:xfrm>
-            <a:off x="16647870" y="21398510"/>
-            <a:ext cx="7442926" cy="5435653"/>
-            <a:chOff x="23281846" y="22558245"/>
-            <a:chExt cx="5224180" cy="3911696"/>
-          </a:xfrm>
-        </p:grpSpPr>
-        <p:pic>
-          <p:nvPicPr>
-            <p:cNvPr id="11" name="Picture 10" descr="A graph of a line graph&#10;&#10;AI-generated content may be incorrect.">
-              <a:extLst>
-                <a:ext uri="{FF2B5EF4-FFF2-40B4-BE49-F238E27FC236}">
-                  <a16:creationId xmlns:a16="http://schemas.microsoft.com/office/drawing/2014/main" id="{0EF38221-4080-BDA5-EF70-4206AD6979A5}"/>
-                </a:ext>
-              </a:extLst>
-            </p:cNvPr>
-            <p:cNvPicPr>
-              <a:picLocks noChangeAspect="1"/>
-            </p:cNvPicPr>
-            <p:nvPr/>
-          </p:nvPicPr>
-          <p:blipFill>
-            <a:blip r:embed="rId11"/>
-            <a:stretch>
-              <a:fillRect/>
-            </a:stretch>
-          </p:blipFill>
-          <p:spPr>
-            <a:xfrm>
-              <a:off x="23286139" y="22558245"/>
-              <a:ext cx="2607798" cy="1955848"/>
-            </a:xfrm>
-            <a:prstGeom prst="rect">
-              <a:avLst/>
-            </a:prstGeom>
-          </p:spPr>
-        </p:pic>
-        <p:pic>
-          <p:nvPicPr>
-            <p:cNvPr id="30" name="Picture 29" descr="A graph showing the number of patients with a number of patients&#10;&#10;AI-generated content may be incorrect.">
-              <a:extLst>
-                <a:ext uri="{FF2B5EF4-FFF2-40B4-BE49-F238E27FC236}">
-                  <a16:creationId xmlns:a16="http://schemas.microsoft.com/office/drawing/2014/main" id="{23B30E43-0FF2-A99E-FC26-68C9FA4D8513}"/>
-                </a:ext>
-              </a:extLst>
-            </p:cNvPr>
-            <p:cNvPicPr>
-              <a:picLocks noChangeAspect="1"/>
-            </p:cNvPicPr>
-            <p:nvPr/>
-          </p:nvPicPr>
-          <p:blipFill>
-            <a:blip r:embed="rId12"/>
-            <a:stretch>
-              <a:fillRect/>
-            </a:stretch>
-          </p:blipFill>
-          <p:spPr>
-            <a:xfrm>
-              <a:off x="25898230" y="24514093"/>
-              <a:ext cx="2607796" cy="1955847"/>
-            </a:xfrm>
-            <a:prstGeom prst="rect">
-              <a:avLst/>
-            </a:prstGeom>
-          </p:spPr>
-        </p:pic>
-        <p:pic>
-          <p:nvPicPr>
-            <p:cNvPr id="35" name="Picture 34" descr="A graph of a line graph&#10;&#10;AI-generated content may be incorrect.">
-              <a:extLst>
-                <a:ext uri="{FF2B5EF4-FFF2-40B4-BE49-F238E27FC236}">
-                  <a16:creationId xmlns:a16="http://schemas.microsoft.com/office/drawing/2014/main" id="{294E8050-2423-A424-7ADE-26D8A0DAB502}"/>
-                </a:ext>
-              </a:extLst>
-            </p:cNvPr>
-            <p:cNvPicPr>
-              <a:picLocks noChangeAspect="1"/>
-            </p:cNvPicPr>
-            <p:nvPr/>
-          </p:nvPicPr>
-          <p:blipFill>
-            <a:blip r:embed="rId13"/>
-            <a:stretch>
-              <a:fillRect/>
-            </a:stretch>
-          </p:blipFill>
-          <p:spPr>
-            <a:xfrm>
-              <a:off x="25893937" y="22558245"/>
-              <a:ext cx="2607796" cy="1955848"/>
-            </a:xfrm>
-            <a:prstGeom prst="rect">
-              <a:avLst/>
-            </a:prstGeom>
-          </p:spPr>
-        </p:pic>
-        <p:pic>
-          <p:nvPicPr>
-            <p:cNvPr id="48" name="Picture 47" descr="A graph of a graph showing the number of points&#10;&#10;AI-generated content may be incorrect.">
-              <a:extLst>
-                <a:ext uri="{FF2B5EF4-FFF2-40B4-BE49-F238E27FC236}">
-                  <a16:creationId xmlns:a16="http://schemas.microsoft.com/office/drawing/2014/main" id="{CE7C61D1-67D1-4045-05FB-AA389C79987F}"/>
-                </a:ext>
-              </a:extLst>
-            </p:cNvPr>
-            <p:cNvPicPr>
-              <a:picLocks noChangeAspect="1"/>
-            </p:cNvPicPr>
-            <p:nvPr/>
-          </p:nvPicPr>
-          <p:blipFill>
-            <a:blip r:embed="rId14"/>
-            <a:stretch>
-              <a:fillRect/>
-            </a:stretch>
-          </p:blipFill>
-          <p:spPr>
-            <a:xfrm>
-              <a:off x="23281846" y="24514093"/>
-              <a:ext cx="2607797" cy="1955848"/>
-            </a:xfrm>
-            <a:prstGeom prst="rect">
-              <a:avLst/>
-            </a:prstGeom>
-          </p:spPr>
-        </p:pic>
-      </p:grpSp>
-      <p:grpSp>
-        <p:nvGrpSpPr>
-          <p:cNvPr id="64" name="Group 63">
-            <a:extLst>
-              <a:ext uri="{FF2B5EF4-FFF2-40B4-BE49-F238E27FC236}">
-                <a16:creationId xmlns:a16="http://schemas.microsoft.com/office/drawing/2014/main" id="{23883C06-C2FC-03CF-C221-176DFF564504}"/>
-              </a:ext>
-            </a:extLst>
-          </p:cNvPr>
-          <p:cNvGrpSpPr/>
-          <p:nvPr/>
-        </p:nvGrpSpPr>
-        <p:grpSpPr>
-          <a:xfrm>
-            <a:off x="16647870" y="15507481"/>
-            <a:ext cx="8356224" cy="5718751"/>
-            <a:chOff x="23453302" y="18125964"/>
-            <a:chExt cx="5215594" cy="3915983"/>
-          </a:xfrm>
-        </p:grpSpPr>
-        <p:pic>
-          <p:nvPicPr>
-            <p:cNvPr id="53" name="Picture 52" descr="A diagram of a graph&#10;&#10;AI-generated content may be incorrect.">
-              <a:extLst>
-                <a:ext uri="{FF2B5EF4-FFF2-40B4-BE49-F238E27FC236}">
-                  <a16:creationId xmlns:a16="http://schemas.microsoft.com/office/drawing/2014/main" id="{E8A9F3C9-F89E-AEDD-BF97-116F98ABED8E}"/>
-                </a:ext>
-              </a:extLst>
-            </p:cNvPr>
-            <p:cNvPicPr>
-              <a:picLocks noChangeAspect="1"/>
-            </p:cNvPicPr>
-            <p:nvPr/>
-          </p:nvPicPr>
-          <p:blipFill>
-            <a:blip r:embed="rId15"/>
-            <a:stretch>
-              <a:fillRect/>
-            </a:stretch>
-          </p:blipFill>
-          <p:spPr>
-            <a:xfrm>
-              <a:off x="23453302" y="20086099"/>
-              <a:ext cx="2607796" cy="1955847"/>
-            </a:xfrm>
-            <a:prstGeom prst="rect">
-              <a:avLst/>
-            </a:prstGeom>
-          </p:spPr>
-        </p:pic>
-        <p:pic>
-          <p:nvPicPr>
-            <p:cNvPr id="61" name="Picture 60" descr="A graph of a curve&#10;&#10;AI-generated content may be incorrect.">
-              <a:extLst>
-                <a:ext uri="{FF2B5EF4-FFF2-40B4-BE49-F238E27FC236}">
-                  <a16:creationId xmlns:a16="http://schemas.microsoft.com/office/drawing/2014/main" id="{CA63A60E-3C40-0781-2F18-5EB6634F7853}"/>
-                </a:ext>
-              </a:extLst>
-            </p:cNvPr>
-            <p:cNvPicPr>
-              <a:picLocks noChangeAspect="1"/>
-            </p:cNvPicPr>
-            <p:nvPr/>
-          </p:nvPicPr>
-          <p:blipFill>
-            <a:blip r:embed="rId16"/>
-            <a:stretch>
-              <a:fillRect/>
-            </a:stretch>
-          </p:blipFill>
-          <p:spPr>
-            <a:xfrm>
-              <a:off x="26061098" y="18127084"/>
-              <a:ext cx="2607796" cy="1955847"/>
-            </a:xfrm>
-            <a:prstGeom prst="rect">
-              <a:avLst/>
-            </a:prstGeom>
-          </p:spPr>
-        </p:pic>
-        <p:pic>
-          <p:nvPicPr>
-            <p:cNvPr id="62" name="Picture 61" descr="A diagram of a graph showing a number of dots&#10;&#10;AI-generated content may be incorrect.">
-              <a:extLst>
-                <a:ext uri="{FF2B5EF4-FFF2-40B4-BE49-F238E27FC236}">
-                  <a16:creationId xmlns:a16="http://schemas.microsoft.com/office/drawing/2014/main" id="{E00E9F95-1741-7307-9852-95BEAAAAC971}"/>
-                </a:ext>
-              </a:extLst>
-            </p:cNvPr>
-            <p:cNvPicPr>
-              <a:picLocks noChangeAspect="1"/>
-            </p:cNvPicPr>
-            <p:nvPr/>
-          </p:nvPicPr>
-          <p:blipFill>
-            <a:blip r:embed="rId17"/>
-            <a:stretch>
-              <a:fillRect/>
-            </a:stretch>
-          </p:blipFill>
-          <p:spPr>
-            <a:xfrm>
-              <a:off x="26061098" y="20086099"/>
-              <a:ext cx="2607798" cy="1955848"/>
-            </a:xfrm>
-            <a:prstGeom prst="rect">
-              <a:avLst/>
-            </a:prstGeom>
-          </p:spPr>
-        </p:pic>
-        <p:pic>
-          <p:nvPicPr>
-            <p:cNvPr id="63" name="Picture 62" descr="A diagram of a graph&#10;&#10;AI-generated content may be incorrect.">
-              <a:extLst>
-                <a:ext uri="{FF2B5EF4-FFF2-40B4-BE49-F238E27FC236}">
-                  <a16:creationId xmlns:a16="http://schemas.microsoft.com/office/drawing/2014/main" id="{E4EEFB2C-3942-6776-2B13-787C0C18A90A}"/>
-                </a:ext>
-              </a:extLst>
-            </p:cNvPr>
-            <p:cNvPicPr>
-              <a:picLocks noChangeAspect="1"/>
-            </p:cNvPicPr>
-            <p:nvPr/>
-          </p:nvPicPr>
-          <p:blipFill>
-            <a:blip r:embed="rId18"/>
-            <a:stretch>
-              <a:fillRect/>
-            </a:stretch>
-          </p:blipFill>
-          <p:spPr>
-            <a:xfrm>
-              <a:off x="23453302" y="18125964"/>
-              <a:ext cx="2607796" cy="1955848"/>
-            </a:xfrm>
-            <a:prstGeom prst="rect">
-              <a:avLst/>
-            </a:prstGeom>
-          </p:spPr>
-        </p:pic>
-      </p:grpSp>
-    </p:spTree>
-    <p:extLst>
-      <p:ext uri="{BB962C8B-B14F-4D97-AF65-F5344CB8AC3E}">
-        <p14:creationId xmlns:p14="http://schemas.microsoft.com/office/powerpoint/2010/main" val="1317231058"/>
-      </p:ext>
-    </p:extLst>
-  </p:cSld>
-  <p:clrMapOvr>
-    <a:masterClrMapping/>
-  </p:clrMapOvr>
-</p:sld>
-</file>
-
-<file path=ppt/slides/slide2.xml><?xml version="1.0" encoding="utf-8"?>
-<p:sld xmlns:a="http://schemas.openxmlformats.org/drawingml/2006/main" xmlns:r="http://schemas.openxmlformats.org/officeDocument/2006/relationships" xmlns:p="http://schemas.openxmlformats.org/presentationml/2006/main">
-  <p:cSld>
-    <p:spTree>
-      <p:nvGrpSpPr>
-        <p:cNvPr id="1" name="">
-          <a:extLst>
-            <a:ext uri="{FF2B5EF4-FFF2-40B4-BE49-F238E27FC236}">
-              <a16:creationId xmlns:a16="http://schemas.microsoft.com/office/drawing/2014/main" id="{A768DFFA-203B-CFEF-CC07-74B16FA62188}"/>
-            </a:ext>
-          </a:extLst>
-        </p:cNvPr>
-        <p:cNvGrpSpPr/>
-        <p:nvPr/>
-      </p:nvGrpSpPr>
-      <p:grpSpPr>
-        <a:xfrm>
-          <a:off x="0" y="0"/>
-          <a:ext cx="0" cy="0"/>
-          <a:chOff x="0" y="0"/>
-          <a:chExt cx="0" cy="0"/>
-        </a:xfrm>
-      </p:grpSpPr>
-      <p:sp>
-        <p:nvSpPr>
-          <p:cNvPr id="6" name="Rectangle: Top Corners Rounded 5">
-            <a:extLst>
-              <a:ext uri="{FF2B5EF4-FFF2-40B4-BE49-F238E27FC236}">
-                <a16:creationId xmlns:a16="http://schemas.microsoft.com/office/drawing/2014/main" id="{CCF7F2E6-912A-9B31-AD1B-CF185A3339E1}"/>
-              </a:ext>
-            </a:extLst>
-          </p:cNvPr>
-          <p:cNvSpPr/>
-          <p:nvPr/>
-        </p:nvSpPr>
-        <p:spPr>
-          <a:xfrm flipV="1">
-            <a:off x="0" y="-21883"/>
-            <a:ext cx="30275214" cy="5684230"/>
-          </a:xfrm>
-          <a:prstGeom prst="round2SameRect">
-            <a:avLst>
-              <a:gd name="adj1" fmla="val 0"/>
-              <a:gd name="adj2" fmla="val 0"/>
-            </a:avLst>
-          </a:prstGeom>
-          <a:solidFill>
-            <a:srgbClr val="141F4C"/>
-          </a:solidFill>
-          <a:ln w="254000">
-            <a:noFill/>
-          </a:ln>
-        </p:spPr>
-        <p:style>
-          <a:lnRef idx="2">
-            <a:schemeClr val="accent1">
-              <a:shade val="15000"/>
-            </a:schemeClr>
-          </a:lnRef>
-          <a:fillRef idx="1">
-            <a:schemeClr val="accent1"/>
-          </a:fillRef>
-          <a:effectRef idx="0">
-            <a:schemeClr val="accent1"/>
-          </a:effectRef>
-          <a:fontRef idx="minor">
-            <a:schemeClr val="lt1"/>
-          </a:fontRef>
-        </p:style>
-        <p:txBody>
-          <a:bodyPr rtlCol="0" anchor="ctr"/>
-          <a:lstStyle/>
-          <a:p>
-            <a:pPr algn="ctr"/>
-            <a:endParaRPr lang="de-DE" dirty="0"/>
-          </a:p>
-        </p:txBody>
-      </p:sp>
-      <p:pic>
-        <p:nvPicPr>
-          <p:cNvPr id="7" name="Picture 6">
-            <a:extLst>
-              <a:ext uri="{FF2B5EF4-FFF2-40B4-BE49-F238E27FC236}">
-                <a16:creationId xmlns:a16="http://schemas.microsoft.com/office/drawing/2014/main" id="{0A57A78E-7CDC-2B70-C6D3-6DB6BAF488E4}"/>
-              </a:ext>
-            </a:extLst>
-          </p:cNvPr>
-          <p:cNvPicPr>
-            <a:picLocks noChangeAspect="1"/>
-          </p:cNvPicPr>
-          <p:nvPr/>
-        </p:nvPicPr>
-        <p:blipFill>
-          <a:blip r:embed="rId3"/>
-          <a:stretch>
-            <a:fillRect/>
-          </a:stretch>
-        </p:blipFill>
-        <p:spPr>
-          <a:xfrm>
-            <a:off x="24229617" y="35586126"/>
-            <a:ext cx="5494984" cy="3089708"/>
-          </a:xfrm>
-          <a:prstGeom prst="rect">
-            <a:avLst/>
-          </a:prstGeom>
-        </p:spPr>
-      </p:pic>
-      <p:sp>
-        <p:nvSpPr>
-          <p:cNvPr id="8" name="Rectangle: Rounded Corners 7">
-            <a:extLst>
-              <a:ext uri="{FF2B5EF4-FFF2-40B4-BE49-F238E27FC236}">
-                <a16:creationId xmlns:a16="http://schemas.microsoft.com/office/drawing/2014/main" id="{98D3638F-CCDF-CB6F-CFBB-B60ACBE91332}"/>
-              </a:ext>
-            </a:extLst>
-          </p:cNvPr>
-          <p:cNvSpPr/>
-          <p:nvPr/>
-        </p:nvSpPr>
-        <p:spPr>
-          <a:xfrm>
-            <a:off x="619433" y="27643718"/>
-            <a:ext cx="14518173" cy="13738215"/>
-          </a:xfrm>
-          <a:prstGeom prst="roundRect">
-            <a:avLst>
-              <a:gd name="adj" fmla="val 3189"/>
-            </a:avLst>
-          </a:prstGeom>
-          <a:solidFill>
-            <a:schemeClr val="bg1"/>
-          </a:solidFill>
-          <a:ln w="254000">
-            <a:solidFill>
-              <a:srgbClr val="141F4C"/>
-            </a:solidFill>
-          </a:ln>
-        </p:spPr>
-        <p:style>
-          <a:lnRef idx="2">
-            <a:schemeClr val="accent1">
-              <a:shade val="15000"/>
-            </a:schemeClr>
-          </a:lnRef>
-          <a:fillRef idx="1">
-            <a:schemeClr val="accent1"/>
-          </a:fillRef>
-          <a:effectRef idx="0">
-            <a:schemeClr val="accent1"/>
-          </a:effectRef>
-          <a:fontRef idx="minor">
-            <a:schemeClr val="lt1"/>
-          </a:fontRef>
-        </p:style>
-        <p:txBody>
-          <a:bodyPr rtlCol="0" anchor="ctr"/>
-          <a:lstStyle/>
-          <a:p>
-            <a:pPr algn="ctr"/>
-            <a:endParaRPr lang="de-DE"/>
-          </a:p>
-        </p:txBody>
-      </p:sp>
-      <p:sp>
-        <p:nvSpPr>
-          <p:cNvPr id="10" name="Rectangle: Rounded Corners 9">
-            <a:extLst>
-              <a:ext uri="{FF2B5EF4-FFF2-40B4-BE49-F238E27FC236}">
-                <a16:creationId xmlns:a16="http://schemas.microsoft.com/office/drawing/2014/main" id="{10F4D1B6-C289-24CD-E2A2-B091F7F785D5}"/>
-              </a:ext>
-            </a:extLst>
-          </p:cNvPr>
-          <p:cNvSpPr/>
-          <p:nvPr/>
-        </p:nvSpPr>
-        <p:spPr>
-          <a:xfrm>
-            <a:off x="15747588" y="27732209"/>
-            <a:ext cx="13858989" cy="7375456"/>
-          </a:xfrm>
-          <a:prstGeom prst="roundRect">
-            <a:avLst>
-              <a:gd name="adj" fmla="val 2683"/>
-            </a:avLst>
-          </a:prstGeom>
-          <a:solidFill>
-            <a:schemeClr val="bg1"/>
-          </a:solidFill>
-          <a:ln w="254000">
-            <a:solidFill>
-              <a:srgbClr val="842332"/>
-            </a:solidFill>
-          </a:ln>
-        </p:spPr>
-        <p:style>
-          <a:lnRef idx="2">
-            <a:schemeClr val="accent1">
-              <a:shade val="15000"/>
-            </a:schemeClr>
-          </a:lnRef>
-          <a:fillRef idx="1">
-            <a:schemeClr val="accent1"/>
-          </a:fillRef>
-          <a:effectRef idx="0">
-            <a:schemeClr val="accent1"/>
-          </a:effectRef>
-          <a:fontRef idx="minor">
-            <a:schemeClr val="lt1"/>
-          </a:fontRef>
-        </p:style>
-        <p:txBody>
-          <a:bodyPr rtlCol="0" anchor="ctr"/>
-          <a:lstStyle/>
-          <a:p>
-            <a:pPr algn="ctr"/>
-            <a:endParaRPr lang="de-DE"/>
-          </a:p>
-        </p:txBody>
-      </p:sp>
-      <p:sp>
-        <p:nvSpPr>
-          <p:cNvPr id="12" name="Rectangle: Rounded Corners 11">
-            <a:extLst>
-              <a:ext uri="{FF2B5EF4-FFF2-40B4-BE49-F238E27FC236}">
-                <a16:creationId xmlns:a16="http://schemas.microsoft.com/office/drawing/2014/main" id="{CBDE6BA2-A48F-A3B2-407A-4C775FA6DCCF}"/>
-              </a:ext>
-            </a:extLst>
-          </p:cNvPr>
-          <p:cNvSpPr/>
-          <p:nvPr/>
-        </p:nvSpPr>
-        <p:spPr>
-          <a:xfrm>
-            <a:off x="15765564" y="35908635"/>
-            <a:ext cx="8275536" cy="5473298"/>
-          </a:xfrm>
-          <a:prstGeom prst="roundRect">
-            <a:avLst>
-              <a:gd name="adj" fmla="val 2154"/>
-            </a:avLst>
-          </a:prstGeom>
-          <a:solidFill>
-            <a:schemeClr val="bg1"/>
-          </a:solidFill>
-          <a:ln w="254000">
-            <a:solidFill>
-              <a:srgbClr val="413D59"/>
-            </a:solidFill>
-          </a:ln>
-        </p:spPr>
-        <p:style>
-          <a:lnRef idx="2">
-            <a:schemeClr val="accent1">
-              <a:shade val="15000"/>
-            </a:schemeClr>
-          </a:lnRef>
-          <a:fillRef idx="1">
-            <a:schemeClr val="accent1"/>
-          </a:fillRef>
-          <a:effectRef idx="0">
-            <a:schemeClr val="accent1"/>
-          </a:effectRef>
-          <a:fontRef idx="minor">
-            <a:schemeClr val="lt1"/>
-          </a:fontRef>
-        </p:style>
-        <p:txBody>
-          <a:bodyPr rtlCol="0" anchor="ctr"/>
-          <a:lstStyle/>
-          <a:p>
-            <a:pPr algn="ctr"/>
-            <a:endParaRPr lang="de-DE" dirty="0"/>
+            <a:endParaRPr lang="en-GB" noProof="0" dirty="0"/>
           </a:p>
         </p:txBody>
       </p:sp>
@@ -6700,7 +3754,7 @@
           <a:lstStyle/>
           <a:p>
             <a:pPr algn="ctr"/>
-            <a:endParaRPr lang="de-DE" dirty="0"/>
+            <a:endParaRPr lang="en-GB" noProof="0" dirty="0"/>
           </a:p>
         </p:txBody>
       </p:sp>
@@ -6718,8 +3772,8 @@
         </p:nvSpPr>
         <p:spPr>
           <a:xfrm>
-            <a:off x="619433" y="6354752"/>
-            <a:ext cx="29054323" cy="6831954"/>
+            <a:off x="619433" y="6354751"/>
+            <a:ext cx="29054323" cy="6827879"/>
           </a:xfrm>
           <a:prstGeom prst="roundRect">
             <a:avLst>
@@ -6757,7 +3811,7 @@
           <a:p>
             <a:pPr algn="ctr"/>
             <a:r>
-              <a:rPr lang="de-DE" dirty="0"/>
+              <a:rPr lang="en-GB" noProof="0" dirty="0"/>
               <a:t> </a:t>
             </a:r>
           </a:p>
@@ -6795,10 +3849,10 @@
           <a:lstStyle/>
           <a:p>
             <a:r>
-              <a:rPr lang="en-US" sz="2400" b="1" dirty="0"/>
+              <a:rPr lang="en-GB" sz="2400" b="1" noProof="0" dirty="0"/>
               <a:t>  </a:t>
             </a:r>
-            <a:endParaRPr lang="en-US" sz="2400" dirty="0"/>
+            <a:endParaRPr lang="en-GB" sz="2400" noProof="0" dirty="0"/>
           </a:p>
           <a:p>
             <a:pPr marL="457200" indent="-457200">
@@ -6806,14 +3860,9 @@
               <a:buChar char="•"/>
             </a:pPr>
             <a:r>
-              <a:rPr lang="de-DE" sz="2400" dirty="0"/>
-              <a:t>„We want to </a:t>
-            </a:r>
-            <a:r>
-              <a:rPr lang="en-US" sz="2400" dirty="0"/>
-              <a:t>extract RNA-dependent proteins from proteomic screens”</a:t>
-            </a:r>
-            <a:endParaRPr lang="de-DE" sz="2400" dirty="0"/>
+              <a:rPr lang="en-GB" sz="2400" noProof="0" dirty="0"/>
+              <a:t>„We want to extract RNA-dependent proteins from proteomic screens”</a:t>
+            </a:r>
           </a:p>
           <a:p>
             <a:pPr marL="457200" indent="-457200">
@@ -6821,16 +3870,16 @@
               <a:buChar char="•"/>
             </a:pPr>
             <a:r>
-              <a:rPr lang="de-DE" sz="2400" dirty="0"/>
+              <a:rPr lang="en-GB" sz="2400" noProof="0" dirty="0"/>
               <a:t>„RNA-dependency = the proteins interactome depends on RNA“</a:t>
             </a:r>
           </a:p>
           <a:p>
-            <a:endParaRPr lang="en-US" sz="2400" b="1" dirty="0"/>
-          </a:p>
-          <a:p>
-            <a:r>
-              <a:rPr lang="en-US" sz="2400" b="1" dirty="0"/>
+            <a:endParaRPr lang="en-GB" sz="2400" b="1" noProof="0" dirty="0"/>
+          </a:p>
+          <a:p>
+            <a:r>
+              <a:rPr lang="en-GB" sz="2400" b="1" noProof="0" dirty="0"/>
               <a:t>What Makes RNA-Dependent Proteins Worth Investigating?</a:t>
             </a:r>
           </a:p>
@@ -6840,11 +3889,11 @@
               <a:buChar char="•"/>
             </a:pPr>
             <a:r>
-              <a:rPr lang="de-DE" sz="2400" b="1" dirty="0"/>
+              <a:rPr lang="en-GB" sz="2400" b="1" noProof="0" dirty="0"/>
               <a:t>Key Regulators:</a:t>
             </a:r>
             <a:r>
-              <a:rPr lang="de-DE" sz="2400" dirty="0"/>
+              <a:rPr lang="en-GB" sz="2400" noProof="0" dirty="0"/>
               <a:t> RBPs control RNA metabolism &amp; gene expression.</a:t>
             </a:r>
           </a:p>
@@ -6854,12 +3903,20 @@
               <a:buChar char="•"/>
             </a:pPr>
             <a:r>
-              <a:rPr lang="de-DE" sz="2400" b="1" dirty="0"/>
+              <a:rPr lang="en-GB" sz="2400" b="1" noProof="0" dirty="0"/>
               <a:t>Disease Links:</a:t>
             </a:r>
             <a:r>
-              <a:rPr lang="de-DE" sz="2400" dirty="0"/>
-              <a:t> Misregulation is tied to cancer &amp; neurodegeneration.</a:t>
+              <a:rPr lang="en-GB" sz="2400" noProof="0" dirty="0"/>
+              <a:t> </a:t>
+            </a:r>
+            <a:r>
+              <a:rPr lang="en-GB" sz="2400" noProof="0" dirty="0" err="1"/>
+              <a:t>Misregulation</a:t>
+            </a:r>
+            <a:r>
+              <a:rPr lang="en-GB" sz="2400" noProof="0" dirty="0"/>
+              <a:t> is tied to cancer &amp; neurodegeneration.</a:t>
             </a:r>
           </a:p>
           <a:p>
@@ -6868,11 +3925,11 @@
               <a:buChar char="•"/>
             </a:pPr>
             <a:r>
-              <a:rPr lang="de-DE" sz="2400" b="1" dirty="0"/>
+              <a:rPr lang="en-GB" sz="2400" b="1" noProof="0" dirty="0"/>
               <a:t>Functional Clues:</a:t>
             </a:r>
             <a:r>
-              <a:rPr lang="de-DE" sz="2400" dirty="0"/>
+              <a:rPr lang="en-GB" sz="2400" noProof="0" dirty="0"/>
               <a:t> New RBPs hint at RNA’s role in specific pathways.</a:t>
             </a:r>
           </a:p>
@@ -6882,11 +3939,11 @@
               <a:buChar char="•"/>
             </a:pPr>
             <a:r>
-              <a:rPr lang="de-DE" sz="2400" b="1" dirty="0"/>
+              <a:rPr lang="en-GB" sz="2400" b="1" noProof="0" dirty="0"/>
               <a:t>Interaction Networks:</a:t>
             </a:r>
             <a:r>
-              <a:rPr lang="de-DE" sz="2400" dirty="0"/>
+              <a:rPr lang="en-GB" sz="2400" noProof="0" dirty="0"/>
               <a:t> Mapping RNA-protein complexes reveals regulatory logic. </a:t>
             </a:r>
           </a:p>
@@ -6896,28 +3953,36 @@
               <a:buChar char="•"/>
             </a:pPr>
             <a:r>
-              <a:rPr lang="de-DE" sz="2400" b="1" dirty="0"/>
+              <a:rPr lang="en-GB" sz="2400" b="1" noProof="0" dirty="0"/>
               <a:t>Molecular Insights:</a:t>
             </a:r>
             <a:r>
-              <a:rPr lang="de-DE" sz="2400" dirty="0"/>
-              <a:t> Deepens our understanding of cell cycle and cellular behavior. </a:t>
-            </a:r>
-            <a:endParaRPr lang="en-US" sz="2400" b="1" dirty="0"/>
+              <a:rPr lang="en-GB" sz="2400" noProof="0" dirty="0"/>
+              <a:t> Deepens our understanding of cell cycle and cellular </a:t>
+            </a:r>
+            <a:r>
+              <a:rPr lang="en-GB" sz="2400" noProof="0" dirty="0" err="1"/>
+              <a:t>behavior</a:t>
+            </a:r>
+            <a:r>
+              <a:rPr lang="en-GB" sz="2400" noProof="0" dirty="0"/>
+              <a:t>. </a:t>
+            </a:r>
+            <a:endParaRPr lang="en-GB" sz="2400" b="1" noProof="0" dirty="0"/>
           </a:p>
           <a:p>
             <a:pPr marL="457200" indent="-457200">
               <a:buFont typeface="Arial" panose="020B0604020202020204" pitchFamily="34" charset="0"/>
               <a:buChar char="•"/>
             </a:pPr>
-            <a:endParaRPr lang="de-DE" sz="2400" dirty="0"/>
+            <a:endParaRPr lang="en-GB" sz="2400" noProof="0" dirty="0"/>
           </a:p>
           <a:p>
             <a:pPr marL="457200" indent="-457200">
               <a:buFont typeface="Arial" panose="020B0604020202020204" pitchFamily="34" charset="0"/>
               <a:buChar char="•"/>
             </a:pPr>
-            <a:endParaRPr lang="de-DE" sz="2400" dirty="0"/>
+            <a:endParaRPr lang="en-GB" sz="2400" noProof="0" dirty="0"/>
           </a:p>
         </p:txBody>
       </p:sp>
@@ -6935,7 +4000,7 @@
         </p:nvSpPr>
         <p:spPr>
           <a:xfrm>
-            <a:off x="1887734" y="16043329"/>
+            <a:off x="1194287" y="16177658"/>
             <a:ext cx="24173364" cy="7109639"/>
           </a:xfrm>
           <a:prstGeom prst="rect">
@@ -6953,7 +4018,7 @@
           <a:lstStyle/>
           <a:p>
             <a:r>
-              <a:rPr lang="en-US" sz="2400" b="1" dirty="0"/>
+              <a:rPr lang="en-GB" sz="2400" b="1" noProof="0" dirty="0"/>
               <a:t>1) Data preparation</a:t>
             </a:r>
           </a:p>
@@ -6963,7 +4028,7 @@
               <a:buChar char="•"/>
             </a:pPr>
             <a:r>
-              <a:rPr lang="en-US" sz="2400" dirty="0"/>
+              <a:rPr lang="en-GB" sz="2400" noProof="0" dirty="0"/>
               <a:t>Data cleanup</a:t>
             </a:r>
           </a:p>
@@ -6973,7 +4038,7 @@
               <a:buChar char="•"/>
             </a:pPr>
             <a:r>
-              <a:rPr lang="en-US" sz="2400" dirty="0"/>
+              <a:rPr lang="en-GB" sz="2400" noProof="0" dirty="0"/>
               <a:t>“Rearrange and reorder the columns to their treatment, replicate and fraction”</a:t>
             </a:r>
           </a:p>
@@ -6983,19 +4048,19 @@
               <a:buChar char="•"/>
             </a:pPr>
             <a:r>
-              <a:rPr lang="en-US" sz="2400" dirty="0"/>
+              <a:rPr lang="en-GB" sz="2400" noProof="0" dirty="0"/>
               <a:t>Normalization</a:t>
             </a:r>
           </a:p>
           <a:p>
-            <a:endParaRPr lang="en-US" sz="2400" b="1" dirty="0"/>
-          </a:p>
-          <a:p>
-            <a:r>
-              <a:rPr lang="de-DE" sz="2400" b="1" dirty="0"/>
+            <a:endParaRPr lang="en-GB" sz="2400" b="1" noProof="0" dirty="0"/>
+          </a:p>
+          <a:p>
+            <a:r>
+              <a:rPr lang="en-GB" sz="2400" b="1" noProof="0" dirty="0"/>
               <a:t>2) Data exploration</a:t>
             </a:r>
-            <a:endParaRPr lang="de-DE" sz="2400" dirty="0"/>
+            <a:endParaRPr lang="en-GB" sz="2400" noProof="0" dirty="0"/>
           </a:p>
           <a:p>
             <a:pPr marL="457200" indent="-457200">
@@ -7003,7 +4068,7 @@
               <a:buChar char="•"/>
             </a:pPr>
             <a:r>
-              <a:rPr lang="en-US" sz="2400" dirty="0"/>
+              <a:rPr lang="en-GB" sz="2400" noProof="0" dirty="0"/>
               <a:t> Identification of maxima and shoulders</a:t>
             </a:r>
           </a:p>
@@ -7013,16 +4078,8 @@
               <a:buChar char="•"/>
             </a:pPr>
             <a:r>
-              <a:rPr lang="en-US" sz="2400" dirty="0"/>
-              <a:t> </a:t>
-            </a:r>
-            <a:r>
-              <a:rPr lang="de-DE" sz="2400" dirty="0"/>
-              <a:t>Selection criteria</a:t>
-            </a:r>
-            <a:r>
-              <a:rPr lang="en-US" sz="2400" dirty="0"/>
-              <a:t> &amp; Wilcoxon Test </a:t>
+              <a:rPr lang="en-GB" sz="2400" noProof="0" dirty="0"/>
+              <a:t> Selection criteria &amp; Wilcoxon Test </a:t>
             </a:r>
           </a:p>
           <a:p>
@@ -7031,14 +4088,9 @@
               <a:buChar char="•"/>
             </a:pPr>
             <a:r>
-              <a:rPr lang="en-US" sz="2400" dirty="0"/>
-              <a:t>Visualization for the </a:t>
-            </a:r>
-            <a:r>
-              <a:rPr lang="de-DE" sz="2400" dirty="0"/>
-              <a:t>order of selection criteria</a:t>
-            </a:r>
-            <a:endParaRPr lang="en-US" sz="2400" dirty="0"/>
+              <a:rPr lang="en-GB" sz="2400" noProof="0" dirty="0"/>
+              <a:t>Visualization for the order of selection criteria</a:t>
+            </a:r>
           </a:p>
           <a:p>
             <a:pPr marL="457200" indent="-457200">
@@ -7046,16 +4098,16 @@
               <a:buChar char="•"/>
             </a:pPr>
             <a:r>
-              <a:rPr lang="en-US" sz="2400" dirty="0"/>
+              <a:rPr lang="en-GB" sz="2400" noProof="0" dirty="0"/>
               <a:t>Pie charts for selection results</a:t>
             </a:r>
           </a:p>
           <a:p>
-            <a:endParaRPr lang="en-US" sz="2400" b="1" dirty="0"/>
-          </a:p>
-          <a:p>
-            <a:r>
-              <a:rPr lang="de-DE" sz="2400" b="1" dirty="0"/>
+            <a:endParaRPr lang="en-GB" sz="2400" b="1" noProof="0" dirty="0"/>
+          </a:p>
+          <a:p>
+            <a:r>
+              <a:rPr lang="en-GB" sz="2400" b="1" noProof="0" dirty="0"/>
               <a:t>3) Data reduction</a:t>
             </a:r>
           </a:p>
@@ -7065,10 +4117,9 @@
               <a:buChar char="•"/>
             </a:pPr>
             <a:r>
-              <a:rPr lang="de-DE" sz="2400" dirty="0"/>
+              <a:rPr lang="en-GB" sz="2400" noProof="0" dirty="0"/>
               <a:t>PCR </a:t>
             </a:r>
-            <a:endParaRPr lang="en-US" sz="2400" dirty="0"/>
           </a:p>
           <a:p>
             <a:pPr marL="457200" indent="-457200">
@@ -7076,7 +4127,7 @@
               <a:buChar char="•"/>
             </a:pPr>
             <a:r>
-              <a:rPr lang="en-US" sz="2400" dirty="0"/>
+              <a:rPr lang="en-GB" sz="2400" noProof="0" dirty="0"/>
               <a:t> k-means clustering</a:t>
             </a:r>
           </a:p>
@@ -7085,11 +4136,11 @@
               <a:buFont typeface="Arial" panose="020B0604020202020204" pitchFamily="34" charset="0"/>
               <a:buChar char="•"/>
             </a:pPr>
-            <a:endParaRPr lang="en-US" sz="2400" dirty="0"/>
-          </a:p>
-          <a:p>
-            <a:r>
-              <a:rPr lang="de-DE" sz="2400" b="1" dirty="0"/>
+            <a:endParaRPr lang="en-GB" sz="2400" noProof="0" dirty="0"/>
+          </a:p>
+          <a:p>
+            <a:r>
+              <a:rPr lang="en-GB" sz="2400" b="1" noProof="0" dirty="0"/>
               <a:t>4) Data modelling</a:t>
             </a:r>
           </a:p>
@@ -7099,261 +4150,16 @@
               <a:buChar char="•"/>
             </a:pPr>
             <a:r>
-              <a:rPr lang="en-US" sz="2400" dirty="0"/>
+              <a:rPr lang="en-GB" sz="2400" noProof="0" dirty="0"/>
               <a:t> Linear Regression </a:t>
             </a:r>
-            <a:endParaRPr lang="en-US" sz="2400" b="1" dirty="0"/>
-          </a:p>
-          <a:p>
-            <a:endParaRPr lang="en-US" sz="2400" b="1" dirty="0"/>
-          </a:p>
-          <a:p>
-            <a:endParaRPr lang="en-US" sz="2400" b="1" dirty="0"/>
-          </a:p>
-        </p:txBody>
-      </p:sp>
-      <p:sp>
-        <p:nvSpPr>
-          <p:cNvPr id="17" name="TextBox 16">
-            <a:extLst>
-              <a:ext uri="{FF2B5EF4-FFF2-40B4-BE49-F238E27FC236}">
-                <a16:creationId xmlns:a16="http://schemas.microsoft.com/office/drawing/2014/main" id="{B293CBFE-308A-1D6A-DF64-3D42A61A7B31}"/>
-              </a:ext>
-            </a:extLst>
-          </p:cNvPr>
-          <p:cNvSpPr txBox="1"/>
-          <p:nvPr/>
-        </p:nvSpPr>
-        <p:spPr>
-          <a:xfrm>
-            <a:off x="1253554" y="29923970"/>
-            <a:ext cx="11401261" cy="11172289"/>
-          </a:xfrm>
-          <a:prstGeom prst="rect">
-            <a:avLst/>
-          </a:prstGeom>
-          <a:noFill/>
-          <a:ln>
-            <a:noFill/>
-          </a:ln>
-        </p:spPr>
-        <p:txBody>
-          <a:bodyPr wrap="square">
-            <a:spAutoFit/>
-          </a:bodyPr>
-          <a:lstStyle/>
-          <a:p>
-            <a:pPr marL="457200" indent="-457200">
-              <a:buFont typeface="Arial" panose="020B0604020202020204" pitchFamily="34" charset="0"/>
-              <a:buChar char="•"/>
-            </a:pPr>
-            <a:r>
-              <a:rPr lang="en-US" sz="2400" dirty="0"/>
-              <a:t>Critical review of our own results and methods (e.g., Selection criteria made us delete some RBPs. Why? What were their properties?)</a:t>
-            </a:r>
-          </a:p>
-          <a:p>
-            <a:pPr marL="457200" indent="-457200">
-              <a:buFont typeface="Arial" panose="020B0604020202020204" pitchFamily="34" charset="0"/>
-              <a:buChar char="•"/>
-            </a:pPr>
-            <a:r>
-              <a:rPr lang="en-US" sz="2400" dirty="0"/>
-              <a:t>Why do we find fewer proteins than </a:t>
-            </a:r>
-            <a:r>
-              <a:rPr lang="en-US" sz="2400" dirty="0" err="1"/>
-              <a:t>Maïwen</a:t>
-            </a:r>
-            <a:r>
-              <a:rPr lang="en-US" sz="2400" dirty="0"/>
-              <a:t>? </a:t>
-            </a:r>
-          </a:p>
-          <a:p>
-            <a:pPr marL="457200" indent="-457200">
-              <a:buFont typeface="Arial" panose="020B0604020202020204" pitchFamily="34" charset="0"/>
-              <a:buChar char="•"/>
-            </a:pPr>
-            <a:endParaRPr lang="en-US" sz="2400" dirty="0"/>
-          </a:p>
-          <a:p>
-            <a:pPr marL="457200" indent="-457200">
-              <a:buFont typeface="Arial" panose="020B0604020202020204" pitchFamily="34" charset="0"/>
-              <a:buChar char="•"/>
-            </a:pPr>
-            <a:endParaRPr lang="en-US" sz="2400" dirty="0"/>
-          </a:p>
-          <a:p>
-            <a:pPr marL="457200" indent="-457200">
-              <a:buFont typeface="Arial" panose="020B0604020202020204" pitchFamily="34" charset="0"/>
-              <a:buChar char="•"/>
-            </a:pPr>
-            <a:endParaRPr lang="en-US" sz="2400" dirty="0"/>
-          </a:p>
-          <a:p>
-            <a:pPr marL="457200" indent="-457200">
-              <a:buFont typeface="Arial" panose="020B0604020202020204" pitchFamily="34" charset="0"/>
-              <a:buChar char="•"/>
-            </a:pPr>
-            <a:endParaRPr lang="en-US" sz="2400" dirty="0"/>
-          </a:p>
-          <a:p>
-            <a:pPr marL="457200" indent="-457200">
-              <a:buFont typeface="Arial" panose="020B0604020202020204" pitchFamily="34" charset="0"/>
-              <a:buChar char="•"/>
-            </a:pPr>
-            <a:endParaRPr lang="en-US" sz="2400" dirty="0"/>
-          </a:p>
-          <a:p>
-            <a:pPr marL="457200" indent="-457200">
-              <a:buFont typeface="Arial" panose="020B0604020202020204" pitchFamily="34" charset="0"/>
-              <a:buChar char="•"/>
-            </a:pPr>
-            <a:endParaRPr lang="en-US" sz="2400" dirty="0"/>
-          </a:p>
-          <a:p>
-            <a:pPr marL="457200" indent="-457200">
-              <a:buFont typeface="Arial" panose="020B0604020202020204" pitchFamily="34" charset="0"/>
-              <a:buChar char="•"/>
-            </a:pPr>
-            <a:endParaRPr lang="en-US" sz="2400" dirty="0"/>
-          </a:p>
-          <a:p>
-            <a:pPr marL="457200" indent="-457200">
-              <a:buFont typeface="Arial" panose="020B0604020202020204" pitchFamily="34" charset="0"/>
-              <a:buChar char="•"/>
-            </a:pPr>
-            <a:endParaRPr lang="en-US" sz="2400" dirty="0"/>
-          </a:p>
-          <a:p>
-            <a:pPr marL="457200" indent="-457200">
-              <a:buFont typeface="Arial" panose="020B0604020202020204" pitchFamily="34" charset="0"/>
-              <a:buChar char="•"/>
-            </a:pPr>
-            <a:endParaRPr lang="en-US" sz="2400" dirty="0"/>
-          </a:p>
-          <a:p>
-            <a:pPr marL="457200" indent="-457200">
-              <a:buFont typeface="Arial" panose="020B0604020202020204" pitchFamily="34" charset="0"/>
-              <a:buChar char="•"/>
-            </a:pPr>
-            <a:endParaRPr lang="en-US" sz="2400" dirty="0"/>
-          </a:p>
-          <a:p>
-            <a:pPr marL="457200" indent="-457200">
-              <a:buFont typeface="Arial" panose="020B0604020202020204" pitchFamily="34" charset="0"/>
-              <a:buChar char="•"/>
-            </a:pPr>
-            <a:endParaRPr lang="en-US" sz="2400" dirty="0"/>
-          </a:p>
-          <a:p>
-            <a:pPr marL="457200" indent="-457200">
-              <a:buFont typeface="Arial" panose="020B0604020202020204" pitchFamily="34" charset="0"/>
-              <a:buChar char="•"/>
-            </a:pPr>
-            <a:endParaRPr lang="en-US" sz="2400" dirty="0"/>
-          </a:p>
-          <a:p>
-            <a:pPr marL="457200" indent="-457200">
-              <a:buFont typeface="Arial" panose="020B0604020202020204" pitchFamily="34" charset="0"/>
-              <a:buChar char="•"/>
-            </a:pPr>
-            <a:endParaRPr lang="en-US" sz="2400" dirty="0"/>
-          </a:p>
-          <a:p>
-            <a:pPr marL="457200" indent="-457200">
-              <a:buFont typeface="Arial" panose="020B0604020202020204" pitchFamily="34" charset="0"/>
-              <a:buChar char="•"/>
-            </a:pPr>
-            <a:endParaRPr lang="en-US" sz="2400" dirty="0"/>
-          </a:p>
-          <a:p>
-            <a:pPr marL="457200" indent="-457200">
-              <a:buFont typeface="Arial" panose="020B0604020202020204" pitchFamily="34" charset="0"/>
-              <a:buChar char="•"/>
-            </a:pPr>
-            <a:endParaRPr lang="en-US" sz="2400" dirty="0"/>
-          </a:p>
-          <a:p>
-            <a:pPr marL="457200" indent="-457200">
-              <a:buFont typeface="Arial" panose="020B0604020202020204" pitchFamily="34" charset="0"/>
-              <a:buChar char="•"/>
-            </a:pPr>
-            <a:endParaRPr lang="en-US" sz="2400" dirty="0"/>
-          </a:p>
-          <a:p>
-            <a:pPr marL="457200" indent="-457200">
-              <a:buFont typeface="Arial" panose="020B0604020202020204" pitchFamily="34" charset="0"/>
-              <a:buChar char="•"/>
-            </a:pPr>
-            <a:endParaRPr lang="en-US" sz="2400" dirty="0"/>
-          </a:p>
-          <a:p>
-            <a:pPr marL="457200" indent="-457200">
-              <a:buFont typeface="Arial" panose="020B0604020202020204" pitchFamily="34" charset="0"/>
-              <a:buChar char="•"/>
-            </a:pPr>
-            <a:endParaRPr lang="en-US" sz="2400" dirty="0"/>
-          </a:p>
-          <a:p>
-            <a:pPr marL="457200" indent="-457200">
-              <a:buFont typeface="Arial" panose="020B0604020202020204" pitchFamily="34" charset="0"/>
-              <a:buChar char="•"/>
-            </a:pPr>
-            <a:endParaRPr lang="en-US" sz="2400" dirty="0"/>
-          </a:p>
-          <a:p>
-            <a:pPr marL="457200" indent="-457200">
-              <a:buFont typeface="Arial" panose="020B0604020202020204" pitchFamily="34" charset="0"/>
-              <a:buChar char="•"/>
-            </a:pPr>
-            <a:endParaRPr lang="en-US" sz="2400" dirty="0"/>
-          </a:p>
-          <a:p>
-            <a:pPr marL="457200" indent="-457200">
-              <a:buFont typeface="Arial" panose="020B0604020202020204" pitchFamily="34" charset="0"/>
-              <a:buChar char="•"/>
-            </a:pPr>
-            <a:endParaRPr lang="en-US" sz="2400" dirty="0"/>
-          </a:p>
-          <a:p>
-            <a:pPr marL="457200" indent="-457200">
-              <a:buFont typeface="Arial" panose="020B0604020202020204" pitchFamily="34" charset="0"/>
-              <a:buChar char="•"/>
-            </a:pPr>
-            <a:endParaRPr lang="en-US" sz="2400" dirty="0"/>
-          </a:p>
-          <a:p>
-            <a:pPr marL="457200" indent="-457200">
-              <a:buFont typeface="Arial" panose="020B0604020202020204" pitchFamily="34" charset="0"/>
-              <a:buChar char="•"/>
-            </a:pPr>
-            <a:endParaRPr lang="en-US" sz="2400" dirty="0"/>
-          </a:p>
-          <a:p>
-            <a:pPr marL="457200" indent="-457200">
-              <a:buFont typeface="Arial" panose="020B0604020202020204" pitchFamily="34" charset="0"/>
-              <a:buChar char="•"/>
-            </a:pPr>
-            <a:endParaRPr lang="en-US" sz="2400" dirty="0"/>
-          </a:p>
-          <a:p>
-            <a:pPr marL="457200" indent="-457200">
-              <a:buFont typeface="Arial" panose="020B0604020202020204" pitchFamily="34" charset="0"/>
-              <a:buChar char="•"/>
-            </a:pPr>
-            <a:endParaRPr lang="en-US" sz="2400" dirty="0"/>
-          </a:p>
-          <a:p>
-            <a:pPr marL="457200" indent="-457200">
-              <a:buFont typeface="Arial" panose="020B0604020202020204" pitchFamily="34" charset="0"/>
-              <a:buChar char="•"/>
-            </a:pPr>
-            <a:endParaRPr lang="en-US" sz="2400" dirty="0"/>
-          </a:p>
-          <a:p>
-            <a:endParaRPr lang="en-US" sz="2400" b="1" dirty="0"/>
+            <a:endParaRPr lang="en-GB" sz="2400" b="1" noProof="0" dirty="0"/>
+          </a:p>
+          <a:p>
+            <a:endParaRPr lang="en-GB" sz="2400" b="1" noProof="0" dirty="0"/>
+          </a:p>
+          <a:p>
+            <a:endParaRPr lang="en-GB" sz="2400" b="1" noProof="0" dirty="0"/>
           </a:p>
         </p:txBody>
       </p:sp>
@@ -7393,32 +4199,12 @@
               <a:buChar char="•"/>
             </a:pPr>
             <a:r>
-              <a:rPr lang="de-DE" sz="2000" dirty="0"/>
-              <a:t>Sternburg et al., Global </a:t>
-            </a:r>
-            <a:r>
-              <a:rPr lang="de-DE" sz="2000" dirty="0" err="1"/>
-              <a:t>Approaches</a:t>
-            </a:r>
-            <a:r>
-              <a:rPr lang="de-DE" sz="2000" dirty="0"/>
-              <a:t> in </a:t>
-            </a:r>
-            <a:r>
-              <a:rPr lang="de-DE" sz="2000" dirty="0" err="1"/>
-              <a:t>Studying</a:t>
-            </a:r>
-            <a:r>
-              <a:rPr lang="de-DE" sz="2000" dirty="0"/>
-              <a:t> RNA-Binding Protein Interaction Networks, 2020, Trends in </a:t>
-            </a:r>
-            <a:r>
-              <a:rPr lang="de-DE" sz="2000" dirty="0" err="1"/>
-              <a:t>Biochemical</a:t>
-            </a:r>
-            <a:r>
-              <a:rPr lang="de-DE" sz="2000" dirty="0"/>
-              <a:t> Sciences.pdf</a:t>
+              <a:rPr lang="en-GB" sz="2000" noProof="0" dirty="0" err="1"/>
+              <a:t>Sternburg</a:t>
+            </a:r>
+            <a:r>
+              <a:rPr lang="en-GB" sz="2000" noProof="0" dirty="0"/>
+              <a:t> et al., Global Approaches in Studying RNA-Binding Protein Interaction Networks, 2020, Trends in Biochemical Sciences.pdf</a:t>
             </a:r>
           </a:p>
           <a:p>
@@ -7427,72 +4213,16 @@
               <a:buChar char="•"/>
             </a:pPr>
             <a:r>
-              <a:rPr lang="de-DE" sz="2000" dirty="0"/>
+              <a:rPr lang="en-GB" sz="2000" noProof="0" dirty="0"/>
               <a:t>Caudron-Herger et al., R-</a:t>
             </a:r>
             <a:r>
-              <a:rPr lang="de-DE" sz="2000" dirty="0" err="1"/>
+              <a:rPr lang="en-GB" sz="2000" noProof="0" dirty="0" err="1"/>
               <a:t>DeeP</a:t>
             </a:r>
             <a:r>
-              <a:rPr lang="de-DE" sz="2000" dirty="0"/>
-              <a:t> </a:t>
-            </a:r>
-            <a:r>
-              <a:rPr lang="de-DE" sz="2000" dirty="0" err="1"/>
-              <a:t>Proteome-wide</a:t>
-            </a:r>
-            <a:r>
-              <a:rPr lang="de-DE" sz="2000" dirty="0"/>
-              <a:t> and Quantitative </a:t>
-            </a:r>
-            <a:r>
-              <a:rPr lang="de-DE" sz="2000" dirty="0" err="1"/>
-              <a:t>Identification</a:t>
-            </a:r>
-            <a:r>
-              <a:rPr lang="de-DE" sz="2000" dirty="0"/>
-              <a:t> </a:t>
-            </a:r>
-            <a:r>
-              <a:rPr lang="de-DE" sz="2000" dirty="0" err="1"/>
-              <a:t>of</a:t>
-            </a:r>
-            <a:r>
-              <a:rPr lang="de-DE" sz="2000" dirty="0"/>
-              <a:t> RNA-</a:t>
-            </a:r>
-            <a:r>
-              <a:rPr lang="de-DE" sz="2000" dirty="0" err="1"/>
-              <a:t>Dependent</a:t>
-            </a:r>
-            <a:r>
-              <a:rPr lang="de-DE" sz="2000" dirty="0"/>
-              <a:t> Proteins </a:t>
-            </a:r>
-            <a:r>
-              <a:rPr lang="de-DE" sz="2000" dirty="0" err="1"/>
-              <a:t>by</a:t>
-            </a:r>
-            <a:r>
-              <a:rPr lang="de-DE" sz="2000" dirty="0"/>
-              <a:t> Density Gradient </a:t>
-            </a:r>
-            <a:r>
-              <a:rPr lang="de-DE" sz="2000" dirty="0" err="1"/>
-              <a:t>Ultracentrifugation</a:t>
-            </a:r>
-            <a:r>
-              <a:rPr lang="de-DE" sz="2000" dirty="0"/>
-              <a:t>, 2019, </a:t>
-            </a:r>
-            <a:r>
-              <a:rPr lang="de-DE" sz="2000" dirty="0" err="1"/>
-              <a:t>Molecular</a:t>
-            </a:r>
-            <a:r>
-              <a:rPr lang="de-DE" sz="2000" dirty="0"/>
-              <a:t> Cell.pdf</a:t>
+              <a:rPr lang="en-GB" sz="2000" noProof="0" dirty="0"/>
+              <a:t> Proteome-wide and Quantitative Identification of RNA-Dependent Proteins by Density Gradient Ultracentrifugation, 2019, Molecular Cell.pdf</a:t>
             </a:r>
           </a:p>
           <a:p>
@@ -7501,120 +4231,8 @@
               <a:buChar char="•"/>
             </a:pPr>
             <a:r>
-              <a:rPr lang="de-DE" sz="2000" dirty="0"/>
-              <a:t>Caudron-Herger et al., </a:t>
-            </a:r>
-            <a:r>
-              <a:rPr lang="de-DE" sz="2000" dirty="0" err="1"/>
-              <a:t>Identification</a:t>
-            </a:r>
-            <a:r>
-              <a:rPr lang="de-DE" sz="2000" dirty="0"/>
-              <a:t>, </a:t>
-            </a:r>
-            <a:r>
-              <a:rPr lang="de-DE" sz="2000" dirty="0" err="1"/>
-              <a:t>quantification</a:t>
-            </a:r>
-            <a:r>
-              <a:rPr lang="de-DE" sz="2000" dirty="0"/>
-              <a:t> and </a:t>
-            </a:r>
-            <a:r>
-              <a:rPr lang="de-DE" sz="2000" dirty="0" err="1"/>
-              <a:t>bioinformatic</a:t>
-            </a:r>
-            <a:r>
-              <a:rPr lang="de-DE" sz="2000" dirty="0"/>
-              <a:t> </a:t>
-            </a:r>
-            <a:r>
-              <a:rPr lang="de-DE" sz="2000" dirty="0" err="1"/>
-              <a:t>analysis</a:t>
-            </a:r>
-            <a:r>
-              <a:rPr lang="de-DE" sz="2000" dirty="0"/>
-              <a:t> </a:t>
-            </a:r>
-            <a:r>
-              <a:rPr lang="de-DE" sz="2000" dirty="0" err="1"/>
-              <a:t>of</a:t>
-            </a:r>
-            <a:r>
-              <a:rPr lang="de-DE" sz="2000" dirty="0"/>
-              <a:t> RNA-</a:t>
-            </a:r>
-            <a:r>
-              <a:rPr lang="de-DE" sz="2000" dirty="0" err="1"/>
-              <a:t>dependent</a:t>
-            </a:r>
-            <a:r>
-              <a:rPr lang="de-DE" sz="2000" dirty="0"/>
-              <a:t> </a:t>
-            </a:r>
-            <a:r>
-              <a:rPr lang="de-DE" sz="2000" dirty="0" err="1"/>
-              <a:t>proteins</a:t>
-            </a:r>
-            <a:r>
-              <a:rPr lang="de-DE" sz="2000" dirty="0"/>
-              <a:t> </a:t>
-            </a:r>
-            <a:r>
-              <a:rPr lang="de-DE" sz="2000" dirty="0" err="1"/>
-              <a:t>by</a:t>
-            </a:r>
-            <a:r>
-              <a:rPr lang="de-DE" sz="2000" dirty="0"/>
-              <a:t> </a:t>
-            </a:r>
-            <a:r>
-              <a:rPr lang="de-DE" sz="2000" dirty="0" err="1"/>
-              <a:t>RNase</a:t>
-            </a:r>
-            <a:r>
-              <a:rPr lang="de-DE" sz="2000" dirty="0"/>
-              <a:t> </a:t>
-            </a:r>
-            <a:r>
-              <a:rPr lang="de-DE" sz="2000" dirty="0" err="1"/>
-              <a:t>treatment</a:t>
-            </a:r>
-            <a:r>
-              <a:rPr lang="de-DE" sz="2000" dirty="0"/>
-              <a:t> and </a:t>
-            </a:r>
-            <a:r>
-              <a:rPr lang="de-DE" sz="2000" dirty="0" err="1"/>
-              <a:t>density</a:t>
-            </a:r>
-            <a:r>
-              <a:rPr lang="de-DE" sz="2000" dirty="0"/>
-              <a:t> </a:t>
-            </a:r>
-            <a:r>
-              <a:rPr lang="de-DE" sz="2000" dirty="0" err="1"/>
-              <a:t>gradient</a:t>
-            </a:r>
-            <a:r>
-              <a:rPr lang="de-DE" sz="2000" dirty="0"/>
-              <a:t> </a:t>
-            </a:r>
-            <a:r>
-              <a:rPr lang="de-DE" sz="2000" dirty="0" err="1"/>
-              <a:t>ultracentrifugation</a:t>
-            </a:r>
-            <a:r>
-              <a:rPr lang="de-DE" sz="2000" dirty="0"/>
-              <a:t> </a:t>
-            </a:r>
-            <a:r>
-              <a:rPr lang="de-DE" sz="2000" dirty="0" err="1"/>
-              <a:t>using</a:t>
-            </a:r>
-            <a:r>
-              <a:rPr lang="de-DE" sz="2000" dirty="0"/>
-              <a:t> R-DeeP-2020-Nature Protocols_1.pdf</a:t>
+              <a:rPr lang="en-GB" sz="2000" noProof="0" dirty="0"/>
+              <a:t>Caudron-Herger et al., Identification, quantification and bioinformatic analysis of RNA-dependent proteins by RNase treatment and density gradient ultracentrifugation using R-DeeP-2020-Nature Protocols_1.pdf</a:t>
             </a:r>
           </a:p>
           <a:p>
@@ -7623,64 +4241,16 @@
               <a:buChar char="•"/>
             </a:pPr>
             <a:r>
-              <a:rPr lang="de-DE" sz="2000" dirty="0"/>
+              <a:rPr lang="en-GB" sz="2000" noProof="0" dirty="0"/>
               <a:t>Corley </a:t>
             </a:r>
             <a:r>
-              <a:rPr lang="de-DE" sz="2000" i="1" dirty="0"/>
+              <a:rPr lang="en-GB" sz="2000" i="1" noProof="0" dirty="0"/>
               <a:t>et al.</a:t>
             </a:r>
             <a:r>
-              <a:rPr lang="de-DE" sz="2000" dirty="0"/>
-              <a:t>, </a:t>
-            </a:r>
-            <a:r>
-              <a:rPr lang="de-DE" sz="2000" dirty="0" err="1"/>
-              <a:t>How</a:t>
-            </a:r>
-            <a:r>
-              <a:rPr lang="de-DE" sz="2000" dirty="0"/>
-              <a:t> RNA-Binding Proteins </a:t>
-            </a:r>
-            <a:r>
-              <a:rPr lang="de-DE" sz="2000" dirty="0" err="1"/>
-              <a:t>Interact</a:t>
-            </a:r>
-            <a:r>
-              <a:rPr lang="de-DE" sz="2000" dirty="0"/>
-              <a:t> </a:t>
-            </a:r>
-            <a:r>
-              <a:rPr lang="de-DE" sz="2000" dirty="0" err="1"/>
-              <a:t>with</a:t>
-            </a:r>
-            <a:r>
-              <a:rPr lang="de-DE" sz="2000" dirty="0"/>
-              <a:t> RNA </a:t>
-            </a:r>
-            <a:r>
-              <a:rPr lang="de-DE" sz="2000" dirty="0" err="1"/>
-              <a:t>Molecules</a:t>
-            </a:r>
-            <a:r>
-              <a:rPr lang="de-DE" sz="2000" dirty="0"/>
-              <a:t> and </a:t>
-            </a:r>
-            <a:r>
-              <a:rPr lang="de-DE" sz="2000" dirty="0" err="1"/>
-              <a:t>Mechanisms</a:t>
-            </a:r>
-            <a:r>
-              <a:rPr lang="de-DE" sz="2000" dirty="0"/>
-              <a:t>, 2020, </a:t>
-            </a:r>
-            <a:r>
-              <a:rPr lang="de-DE" sz="2000" dirty="0" err="1"/>
-              <a:t>Molecular</a:t>
-            </a:r>
-            <a:r>
-              <a:rPr lang="de-DE" sz="2000" dirty="0"/>
-              <a:t> Cell.pdf</a:t>
+              <a:rPr lang="en-GB" sz="2000" noProof="0" dirty="0"/>
+              <a:t>, How RNA-Binding Proteins Interact with RNA Molecules and Mechanisms, 2020, Molecular Cell.pdf</a:t>
             </a:r>
           </a:p>
           <a:p>
@@ -7688,7 +4258,7 @@
               <a:buFont typeface="Arial" panose="020B0604020202020204" pitchFamily="34" charset="0"/>
               <a:buChar char="•"/>
             </a:pPr>
-            <a:endParaRPr lang="en-US" sz="2000" dirty="0"/>
+            <a:endParaRPr lang="en-GB" sz="2000" noProof="0" dirty="0"/>
           </a:p>
         </p:txBody>
       </p:sp>
@@ -7728,7 +4298,7 @@
               <a:buChar char="•"/>
             </a:pPr>
             <a:r>
-              <a:rPr lang="de-DE" sz="2400" dirty="0"/>
+              <a:rPr lang="en-GB" sz="2400" noProof="0" dirty="0"/>
               <a:t>We found X proteins that ...</a:t>
             </a:r>
           </a:p>
@@ -7737,10 +4307,10 @@
               <a:buFont typeface="Arial" panose="020B0604020202020204" pitchFamily="34" charset="0"/>
               <a:buChar char="•"/>
             </a:pPr>
-            <a:endParaRPr lang="de-DE" sz="2400" dirty="0"/>
-          </a:p>
-          <a:p>
-            <a:endParaRPr lang="en-US" sz="2400" b="1" dirty="0"/>
+            <a:endParaRPr lang="en-GB" sz="2400" noProof="0" dirty="0"/>
+          </a:p>
+          <a:p>
+            <a:endParaRPr lang="en-GB" sz="2400" b="1" noProof="0" dirty="0"/>
           </a:p>
         </p:txBody>
       </p:sp>
@@ -7794,14 +4364,14 @@
           <a:lstStyle/>
           <a:p>
             <a:r>
-              <a:rPr lang="en-US" sz="6000" b="1" dirty="0"/>
+              <a:rPr lang="en-GB" sz="6000" b="1" noProof="0" dirty="0"/>
               <a:t>                   Identifying RNA-Dependent Proteins from Proteomic Data</a:t>
             </a:r>
-            <a:endParaRPr lang="en-US" sz="1500" b="1" dirty="0"/>
+            <a:endParaRPr lang="en-GB" sz="1500" b="1" noProof="0" dirty="0"/>
           </a:p>
           <a:p>
             <a:pPr algn="ctr"/>
-            <a:endParaRPr lang="en-US" sz="1000" b="1" dirty="0"/>
+            <a:endParaRPr lang="en-GB" sz="1000" b="1" noProof="0" dirty="0"/>
           </a:p>
         </p:txBody>
       </p:sp>
@@ -7819,8 +4389,8 @@
         </p:nvSpPr>
         <p:spPr>
           <a:xfrm>
-            <a:off x="15164570" y="8328936"/>
-            <a:ext cx="13893040" cy="2308324"/>
+            <a:off x="9935716" y="9244717"/>
+            <a:ext cx="7463452" cy="2308324"/>
           </a:xfrm>
           <a:prstGeom prst="rect">
             <a:avLst/>
@@ -7837,10 +4407,9 @@
           <a:lstStyle/>
           <a:p>
             <a:r>
-              <a:rPr lang="en-US" sz="2400" b="1" dirty="0"/>
+              <a:rPr lang="en-GB" sz="2400" b="1" noProof="0" dirty="0"/>
               <a:t>Key Characteristics of Our Dataset</a:t>
             </a:r>
-            <a:endParaRPr lang="de-DE" sz="2400" b="1" dirty="0"/>
           </a:p>
           <a:p>
             <a:pPr marL="457200" indent="-457200">
@@ -7848,7 +4417,7 @@
               <a:buChar char="•"/>
             </a:pPr>
             <a:r>
-              <a:rPr lang="en-US" sz="2400" dirty="0"/>
+              <a:rPr lang="en-GB" sz="2400" noProof="0" dirty="0"/>
               <a:t>Our dataset was generated using the R-Deep approach</a:t>
             </a:r>
           </a:p>
@@ -7858,10 +4427,33 @@
               <a:buChar char="•"/>
             </a:pPr>
             <a:r>
-              <a:rPr lang="de-DE" sz="2400" dirty="0"/>
-              <a:t>~5000 Proteine in 25 Fraktionen, Rnase vs. CTRL</a:t>
-            </a:r>
-            <a:endParaRPr lang="en-US" sz="2400" dirty="0"/>
+              <a:rPr lang="en-GB" sz="2400" noProof="0" dirty="0"/>
+              <a:t>~5000 </a:t>
+            </a:r>
+            <a:r>
+              <a:rPr lang="en-GB" sz="2400" noProof="0" dirty="0" err="1"/>
+              <a:t>Proteine</a:t>
+            </a:r>
+            <a:r>
+              <a:rPr lang="en-GB" sz="2400" noProof="0" dirty="0"/>
+              <a:t> in 25 </a:t>
+            </a:r>
+            <a:r>
+              <a:rPr lang="en-GB" sz="2400" noProof="0" dirty="0" err="1"/>
+              <a:t>Fraktionen</a:t>
+            </a:r>
+            <a:r>
+              <a:rPr lang="en-GB" sz="2400" noProof="0" dirty="0"/>
+              <a:t>, </a:t>
+            </a:r>
+            <a:r>
+              <a:rPr lang="en-GB" sz="2400" noProof="0" dirty="0" err="1"/>
+              <a:t>Rnase</a:t>
+            </a:r>
+            <a:r>
+              <a:rPr lang="en-GB" sz="2400" noProof="0" dirty="0"/>
+              <a:t> vs. CTRL</a:t>
+            </a:r>
           </a:p>
           <a:p>
             <a:pPr marL="457200" indent="-457200">
@@ -7869,24 +4461,24 @@
               <a:buChar char="•"/>
             </a:pPr>
             <a:r>
-              <a:rPr lang="en-US" sz="2400" dirty="0"/>
+              <a:rPr lang="en-GB" sz="2400" noProof="0" dirty="0"/>
               <a:t>Dimensions</a:t>
             </a:r>
-            <a:endParaRPr lang="en-US" sz="2400" b="1" dirty="0"/>
+            <a:endParaRPr lang="en-GB" sz="2400" b="1" noProof="0" dirty="0"/>
           </a:p>
           <a:p>
             <a:pPr marL="457200" indent="-457200">
               <a:buFont typeface="Arial" panose="020B0604020202020204" pitchFamily="34" charset="0"/>
               <a:buChar char="•"/>
             </a:pPr>
-            <a:endParaRPr lang="de-DE" sz="2400" dirty="0"/>
+            <a:endParaRPr lang="en-GB" sz="2400" noProof="0" dirty="0"/>
           </a:p>
           <a:p>
             <a:pPr marL="457200" indent="-457200">
               <a:buFont typeface="Arial" panose="020B0604020202020204" pitchFamily="34" charset="0"/>
               <a:buChar char="•"/>
             </a:pPr>
-            <a:endParaRPr lang="de-DE" sz="2400" dirty="0"/>
+            <a:endParaRPr lang="en-GB" sz="2400" noProof="0" dirty="0"/>
           </a:p>
         </p:txBody>
       </p:sp>
@@ -7940,14 +4532,14 @@
           <a:lstStyle/>
           <a:p>
             <a:r>
-              <a:rPr lang="en-US" sz="6000" b="1" dirty="0"/>
+              <a:rPr lang="en-GB" sz="6000" b="1" noProof="0" dirty="0"/>
               <a:t>                  Our Approach</a:t>
             </a:r>
-            <a:endParaRPr lang="en-US" sz="1500" b="1" dirty="0"/>
+            <a:endParaRPr lang="en-GB" sz="1500" b="1" noProof="0" dirty="0"/>
           </a:p>
           <a:p>
             <a:pPr algn="ctr"/>
-            <a:endParaRPr lang="en-US" sz="1000" b="1" dirty="0"/>
+            <a:endParaRPr lang="en-GB" sz="1000" b="1" noProof="0" dirty="0"/>
           </a:p>
         </p:txBody>
       </p:sp>
@@ -8001,13 +4593,13 @@
           <a:lstStyle/>
           <a:p>
             <a:r>
-              <a:rPr lang="en-US" sz="6000" b="1" dirty="0"/>
+              <a:rPr lang="en-GB" sz="6000" b="1" noProof="0" dirty="0"/>
               <a:t>                  Discussion</a:t>
             </a:r>
-            <a:endParaRPr lang="en-US" sz="1500" b="1" dirty="0"/>
-          </a:p>
-          <a:p>
-            <a:endParaRPr lang="en-US" sz="1000" b="1" dirty="0"/>
+            <a:endParaRPr lang="en-GB" sz="1500" b="1" noProof="0" dirty="0"/>
+          </a:p>
+          <a:p>
+            <a:endParaRPr lang="en-GB" sz="1000" b="1" noProof="0" dirty="0"/>
           </a:p>
         </p:txBody>
       </p:sp>
@@ -8061,10 +4653,10 @@
           <a:lstStyle/>
           <a:p>
             <a:r>
-              <a:rPr lang="en-US" sz="6000" b="1" dirty="0"/>
+              <a:rPr lang="en-GB" sz="6000" b="1" noProof="0" dirty="0"/>
               <a:t>                 Our Achievements</a:t>
             </a:r>
-            <a:endParaRPr lang="en-US" sz="1000" b="1" dirty="0"/>
+            <a:endParaRPr lang="en-GB" sz="1000" b="1" noProof="0" dirty="0"/>
           </a:p>
         </p:txBody>
       </p:sp>
@@ -8118,10 +4710,10 @@
           <a:lstStyle/>
           <a:p>
             <a:r>
-              <a:rPr lang="en-US" sz="6000" b="1" dirty="0"/>
+              <a:rPr lang="en-GB" sz="6000" b="1" noProof="0" dirty="0"/>
               <a:t>                 References</a:t>
             </a:r>
-            <a:endParaRPr lang="en-US" sz="1000" b="1" dirty="0"/>
+            <a:endParaRPr lang="en-GB" sz="1000" b="1" noProof="0" dirty="0"/>
           </a:p>
         </p:txBody>
       </p:sp>
@@ -8173,7 +4765,7 @@
           </a:lstStyle>
           <a:p>
             <a:r>
-              <a:rPr lang="de-DE" sz="8000" b="1" dirty="0">
+              <a:rPr lang="en-GB" sz="8000" b="1" noProof="0" dirty="0">
                 <a:solidFill>
                   <a:schemeClr val="bg1"/>
                 </a:solidFill>
@@ -8183,7 +4775,7 @@
           </a:p>
           <a:p>
             <a:r>
-              <a:rPr lang="de-DE" sz="8000" b="1" dirty="0">
+              <a:rPr lang="en-GB" sz="8000" b="1" noProof="0" dirty="0">
                 <a:solidFill>
                   <a:schemeClr val="bg1"/>
                 </a:solidFill>
@@ -8193,18 +4785,13 @@
           </a:p>
           <a:p>
             <a:r>
-              <a:rPr lang="de-DE" sz="8000" b="1" dirty="0">
+              <a:rPr lang="en-GB" sz="8000" b="1" noProof="0" dirty="0">
                 <a:solidFill>
                   <a:schemeClr val="bg1"/>
                 </a:solidFill>
               </a:rPr>
               <a:t>in Cancer Cells</a:t>
             </a:r>
-            <a:endParaRPr lang="en-US" sz="8000" b="1" dirty="0">
-              <a:solidFill>
-                <a:schemeClr val="bg1"/>
-              </a:solidFill>
-            </a:endParaRPr>
           </a:p>
         </p:txBody>
       </p:sp>
@@ -8256,78 +4843,22 @@
           </a:lstStyle>
           <a:p>
             <a:r>
-              <a:rPr lang="de-DE" sz="2800" dirty="0" err="1">
+              <a:rPr lang="en-GB" sz="2800" noProof="0" dirty="0">
                 <a:solidFill>
                   <a:schemeClr val="bg1"/>
                 </a:solidFill>
               </a:rPr>
-              <a:t>Baureis</a:t>
-            </a:r>
-            <a:r>
-              <a:rPr lang="de-DE" sz="2800" dirty="0">
+              <a:t>Baureis, J., Ferdin, J., Nicklas, B., Wintel, L.</a:t>
+            </a:r>
+          </a:p>
+          <a:p>
+            <a:r>
+              <a:rPr lang="en-GB" sz="2800" noProof="0" dirty="0">
                 <a:solidFill>
                   <a:schemeClr val="bg1"/>
                 </a:solidFill>
               </a:rPr>
-              <a:t>, J., </a:t>
-            </a:r>
-            <a:r>
-              <a:rPr lang="de-DE" sz="2800" dirty="0" err="1">
-                <a:solidFill>
-                  <a:schemeClr val="bg1"/>
-                </a:solidFill>
-              </a:rPr>
-              <a:t>Ferdin</a:t>
-            </a:r>
-            <a:r>
-              <a:rPr lang="de-DE" sz="2800" dirty="0">
-                <a:solidFill>
-                  <a:schemeClr val="bg1"/>
-                </a:solidFill>
-              </a:rPr>
-              <a:t>, J., Nicklas, B., </a:t>
-            </a:r>
-            <a:r>
-              <a:rPr lang="de-DE" sz="2800" dirty="0" err="1">
-                <a:solidFill>
-                  <a:schemeClr val="bg1"/>
-                </a:solidFill>
-              </a:rPr>
-              <a:t>Wintel</a:t>
-            </a:r>
-            <a:r>
-              <a:rPr lang="de-DE" sz="2800" dirty="0">
-                <a:solidFill>
-                  <a:schemeClr val="bg1"/>
-                </a:solidFill>
-              </a:rPr>
-              <a:t>, L.</a:t>
-            </a:r>
-          </a:p>
-          <a:p>
-            <a:r>
-              <a:rPr lang="de-DE" sz="2800" dirty="0">
-                <a:solidFill>
-                  <a:schemeClr val="bg1"/>
-                </a:solidFill>
-              </a:rPr>
-              <a:t>Data Analysis Project </a:t>
-            </a:r>
-            <a:r>
-              <a:rPr lang="de-DE" sz="2800" dirty="0" err="1">
-                <a:solidFill>
-                  <a:schemeClr val="bg1"/>
-                </a:solidFill>
-              </a:rPr>
-              <a:t>Molecular</a:t>
-            </a:r>
-            <a:r>
-              <a:rPr lang="de-DE" sz="2800" dirty="0">
-                <a:solidFill>
-                  <a:schemeClr val="bg1"/>
-                </a:solidFill>
-              </a:rPr>
-              <a:t> Biotechnology SS2025</a:t>
+              <a:t>Data Analysis Project Molecular Biotechnology SS2025</a:t>
             </a:r>
           </a:p>
         </p:txBody>
@@ -8383,7 +4914,7 @@
           <a:p>
             <a:pPr algn="ctr"/>
             <a:r>
-              <a:rPr lang="de-DE" sz="7000" b="1" dirty="0">
+              <a:rPr lang="en-GB" sz="7000" b="1" noProof="0" dirty="0">
                 <a:solidFill>
                   <a:srgbClr val="87081B"/>
                 </a:solidFill>
@@ -8444,7 +4975,7 @@
           <a:p>
             <a:pPr algn="ctr"/>
             <a:r>
-              <a:rPr lang="de-DE" sz="7000" b="1" dirty="0">
+              <a:rPr lang="en-GB" sz="7000" b="1" noProof="0" dirty="0">
                 <a:solidFill>
                   <a:srgbClr val="120D31"/>
                 </a:solidFill>
@@ -8505,7 +5036,7 @@
           <a:p>
             <a:pPr algn="ctr"/>
             <a:r>
-              <a:rPr lang="de-DE" sz="7000" b="1" dirty="0">
+              <a:rPr lang="en-GB" sz="7000" b="1" noProof="0" dirty="0">
                 <a:solidFill>
                   <a:srgbClr val="120D31"/>
                 </a:solidFill>
@@ -8566,7 +5097,7 @@
           <a:p>
             <a:pPr algn="ctr"/>
             <a:r>
-              <a:rPr lang="de-DE" sz="7000" b="1" dirty="0">
+              <a:rPr lang="en-GB" sz="7000" b="1" noProof="0" dirty="0">
                 <a:solidFill>
                   <a:srgbClr val="87081B"/>
                 </a:solidFill>
@@ -8627,7 +5158,7 @@
           <a:p>
             <a:pPr algn="ctr"/>
             <a:r>
-              <a:rPr lang="de-DE" sz="7000" b="1" dirty="0">
+              <a:rPr lang="en-GB" sz="7000" b="1" noProof="0" dirty="0">
                 <a:solidFill>
                   <a:srgbClr val="302F4D"/>
                 </a:solidFill>
@@ -8718,16 +5249,16 @@
           <a:lstStyle/>
           <a:p>
             <a:pPr algn="ctr"/>
-            <a:endParaRPr lang="de-DE"/>
+            <a:endParaRPr lang="en-GB" noProof="0" dirty="0"/>
           </a:p>
         </p:txBody>
       </p:sp>
       <p:grpSp>
         <p:nvGrpSpPr>
-          <p:cNvPr id="2" name="Group 1">
+          <p:cNvPr id="97" name="Group 96">
             <a:extLst>
               <a:ext uri="{FF2B5EF4-FFF2-40B4-BE49-F238E27FC236}">
-                <a16:creationId xmlns:a16="http://schemas.microsoft.com/office/drawing/2014/main" id="{192A5DA8-99E6-8902-C8D2-30D1944FA72F}"/>
+                <a16:creationId xmlns:a16="http://schemas.microsoft.com/office/drawing/2014/main" id="{CAC4F27D-C566-F3E2-60DD-4FDC15B3346E}"/>
               </a:ext>
             </a:extLst>
           </p:cNvPr>
@@ -8736,79 +5267,615 @@
         </p:nvGrpSpPr>
         <p:grpSpPr>
           <a:xfrm>
-            <a:off x="18088459" y="8783552"/>
-            <a:ext cx="10896006" cy="4108381"/>
-            <a:chOff x="18442634" y="8936099"/>
-            <a:chExt cx="10896006" cy="4108381"/>
+            <a:off x="11999198" y="16210552"/>
+            <a:ext cx="17171804" cy="8336937"/>
+            <a:chOff x="11999198" y="16210552"/>
+            <a:chExt cx="17171804" cy="8336937"/>
           </a:xfrm>
         </p:grpSpPr>
-        <p:pic>
-          <p:nvPicPr>
-            <p:cNvPr id="3" name="Picture 2" descr="A graph showing a line graph&#10;&#10;AI-generated content may be incorrect.">
+        <p:sp>
+          <p:nvSpPr>
+            <p:cNvPr id="26" name="TextBox 25">
               <a:extLst>
                 <a:ext uri="{FF2B5EF4-FFF2-40B4-BE49-F238E27FC236}">
-                  <a16:creationId xmlns:a16="http://schemas.microsoft.com/office/drawing/2014/main" id="{991C7AA1-F05B-1BDA-3E10-B42BC5A4090A}"/>
+                  <a16:creationId xmlns:a16="http://schemas.microsoft.com/office/drawing/2014/main" id="{BBD929F6-B5A7-A81C-BEB9-99F0DAA2B990}"/>
                 </a:ext>
               </a:extLst>
             </p:cNvPr>
-            <p:cNvPicPr>
-              <a:picLocks noChangeAspect="1"/>
-            </p:cNvPicPr>
+            <p:cNvSpPr txBox="1"/>
             <p:nvPr/>
-          </p:nvPicPr>
-          <p:blipFill>
-            <a:blip r:embed="rId5"/>
-            <a:stretch>
-              <a:fillRect/>
-            </a:stretch>
-          </p:blipFill>
+          </p:nvSpPr>
           <p:spPr>
             <a:xfrm>
-              <a:off x="18442634" y="8936099"/>
-              <a:ext cx="5475046" cy="4106284"/>
+              <a:off x="12014188" y="22608497"/>
+              <a:ext cx="17156702" cy="1938992"/>
             </a:xfrm>
             <a:prstGeom prst="rect">
               <a:avLst/>
             </a:prstGeom>
+            <a:noFill/>
           </p:spPr>
-        </p:pic>
-        <p:pic>
-          <p:nvPicPr>
-            <p:cNvPr id="5" name="Picture 4" descr="A graph of a line graph&#10;&#10;AI-generated content may be incorrect.">
+          <p:txBody>
+            <a:bodyPr wrap="square" rtlCol="0">
+              <a:spAutoFit/>
+            </a:bodyPr>
+            <a:lstStyle/>
+            <a:p>
+              <a:pPr algn="just"/>
+              <a:r>
+                <a:rPr lang="en-GB" sz="2000" b="1" noProof="0" dirty="0"/>
+                <a:t>Fig. 5 </a:t>
+              </a:r>
+              <a:r>
+                <a:rPr lang="en-GB" sz="2000" noProof="0" dirty="0"/>
+                <a:t>Principle Component Analysis and </a:t>
+              </a:r>
+              <a:r>
+                <a:rPr lang="en-GB" sz="2000" noProof="0" dirty="0" err="1"/>
+                <a:t>Elbowplot</a:t>
+              </a:r>
+              <a:r>
+                <a:rPr lang="en-GB" sz="2000" noProof="0" dirty="0"/>
+                <a:t> of the selected proteins and the non-selected proteins. RNASE and CTRL are plotted separately to compare them.</a:t>
+              </a:r>
+            </a:p>
+            <a:p>
+              <a:pPr algn="just"/>
+              <a:endParaRPr lang="en-GB" sz="2000" noProof="0" dirty="0"/>
+            </a:p>
+            <a:p>
+              <a:pPr algn="just"/>
+              <a:r>
+                <a:rPr lang="en-GB" sz="2000" b="1" noProof="0" dirty="0"/>
+                <a:t>A) </a:t>
+              </a:r>
+              <a:r>
+                <a:rPr lang="en-GB" sz="2000" noProof="0" dirty="0"/>
+                <a:t>PCA of the selected proteins. The points of the RNASE compared to the CTRL form similar plots, but a shift is visible in the density of the points. </a:t>
+              </a:r>
+              <a:r>
+                <a:rPr lang="en-GB" sz="2000" b="1" noProof="0" dirty="0"/>
+                <a:t>B) </a:t>
+              </a:r>
+              <a:r>
+                <a:rPr lang="en-GB" sz="2000" noProof="0" dirty="0"/>
+                <a:t>PCA</a:t>
+              </a:r>
+              <a:r>
+                <a:rPr lang="en-GB" sz="2000" b="1" noProof="0" dirty="0"/>
+                <a:t> </a:t>
+              </a:r>
+              <a:r>
+                <a:rPr lang="en-GB" sz="2000" noProof="0" dirty="0"/>
+                <a:t>of the non-selected proteins. The points of the RNASE and CTRL form mostly the same structure. </a:t>
+              </a:r>
+              <a:r>
+                <a:rPr lang="en-GB" sz="2000" b="1" noProof="0" dirty="0"/>
+                <a:t>C) </a:t>
+              </a:r>
+              <a:r>
+                <a:rPr lang="en-GB" sz="2000" noProof="0" dirty="0"/>
+                <a:t>Elbow-Plot of the selected proteins. The point of the elbow is at 3. </a:t>
+              </a:r>
+              <a:r>
+                <a:rPr lang="en-GB" sz="2000" b="1" noProof="0" dirty="0"/>
+                <a:t>D) </a:t>
+              </a:r>
+              <a:r>
+                <a:rPr lang="en-GB" sz="2000" noProof="0" dirty="0"/>
+                <a:t>Elbow-Plot of the non-selected proteins. The point of the elbow is between 3 and 4. To compare selected and non-selected proteins, we </a:t>
+              </a:r>
+              <a:r>
+                <a:rPr lang="en-GB" sz="2000" noProof="0" dirty="0" err="1"/>
+                <a:t>decidet</a:t>
+              </a:r>
+              <a:r>
+                <a:rPr lang="en-GB" sz="2000" noProof="0" dirty="0"/>
+                <a:t> to use 3 cluster in the </a:t>
+              </a:r>
+              <a:r>
+                <a:rPr lang="en-GB" sz="2000" noProof="0" dirty="0" err="1"/>
+                <a:t>kmeans</a:t>
+              </a:r>
+              <a:r>
+                <a:rPr lang="en-GB" sz="2000" noProof="0" dirty="0"/>
+                <a:t>.</a:t>
+              </a:r>
+            </a:p>
+          </p:txBody>
+        </p:sp>
+        <p:grpSp>
+          <p:nvGrpSpPr>
+            <p:cNvPr id="96" name="Group 95">
               <a:extLst>
                 <a:ext uri="{FF2B5EF4-FFF2-40B4-BE49-F238E27FC236}">
-                  <a16:creationId xmlns:a16="http://schemas.microsoft.com/office/drawing/2014/main" id="{62CEE539-29C1-9DCB-A6EA-E07AF162098D}"/>
+                  <a16:creationId xmlns:a16="http://schemas.microsoft.com/office/drawing/2014/main" id="{26E31626-5BFC-00E0-2920-C6873C4A60FD}"/>
                 </a:ext>
               </a:extLst>
             </p:cNvPr>
-            <p:cNvPicPr>
-              <a:picLocks noChangeAspect="1"/>
-            </p:cNvPicPr>
+            <p:cNvGrpSpPr/>
             <p:nvPr/>
-          </p:nvPicPr>
-          <p:blipFill>
-            <a:blip r:embed="rId6"/>
-            <a:stretch>
-              <a:fillRect/>
-            </a:stretch>
-          </p:blipFill>
-          <p:spPr>
+          </p:nvGrpSpPr>
+          <p:grpSpPr>
             <a:xfrm>
-              <a:off x="23863594" y="8938195"/>
-              <a:ext cx="5475046" cy="4106285"/>
+              <a:off x="11999198" y="16210552"/>
+              <a:ext cx="17171804" cy="6231538"/>
+              <a:chOff x="11999198" y="16210552"/>
+              <a:chExt cx="17171804" cy="6231538"/>
             </a:xfrm>
-            <a:prstGeom prst="rect">
-              <a:avLst/>
-            </a:prstGeom>
-          </p:spPr>
-        </p:pic>
+          </p:grpSpPr>
+          <p:grpSp>
+            <p:nvGrpSpPr>
+              <p:cNvPr id="92" name="Group 91">
+                <a:extLst>
+                  <a:ext uri="{FF2B5EF4-FFF2-40B4-BE49-F238E27FC236}">
+                    <a16:creationId xmlns:a16="http://schemas.microsoft.com/office/drawing/2014/main" id="{1C4773DC-4C2F-3A94-1195-A4CE3265522B}"/>
+                  </a:ext>
+                </a:extLst>
+              </p:cNvPr>
+              <p:cNvGrpSpPr/>
+              <p:nvPr/>
+            </p:nvGrpSpPr>
+            <p:grpSpPr>
+              <a:xfrm>
+                <a:off x="11999198" y="16218869"/>
+                <a:ext cx="8344258" cy="2933489"/>
+                <a:chOff x="12458450" y="16216461"/>
+                <a:chExt cx="8344258" cy="2933489"/>
+              </a:xfrm>
+            </p:grpSpPr>
+            <p:pic>
+              <p:nvPicPr>
+                <p:cNvPr id="34" name="Picture 33" descr="A diagram of a graph&#10;&#10;AI-generated content may be incorrect.">
+                  <a:extLst>
+                    <a:ext uri="{FF2B5EF4-FFF2-40B4-BE49-F238E27FC236}">
+                      <a16:creationId xmlns:a16="http://schemas.microsoft.com/office/drawing/2014/main" id="{DF874E4B-ABF5-E1C6-72B3-A765590BDEA2}"/>
+                    </a:ext>
+                  </a:extLst>
+                </p:cNvPr>
+                <p:cNvPicPr>
+                  <a:picLocks noChangeAspect="1"/>
+                </p:cNvPicPr>
+                <p:nvPr/>
+              </p:nvPicPr>
+              <p:blipFill>
+                <a:blip r:embed="rId5"/>
+                <a:stretch>
+                  <a:fillRect/>
+                </a:stretch>
+              </p:blipFill>
+              <p:spPr>
+                <a:xfrm>
+                  <a:off x="12458450" y="16289018"/>
+                  <a:ext cx="4178110" cy="2856244"/>
+                </a:xfrm>
+                <a:prstGeom prst="rect">
+                  <a:avLst/>
+                </a:prstGeom>
+              </p:spPr>
+            </p:pic>
+            <p:pic>
+              <p:nvPicPr>
+                <p:cNvPr id="41" name="Picture 40" descr="A diagram of a graph showing a number of dots&#10;&#10;AI-generated content may be incorrect.">
+                  <a:extLst>
+                    <a:ext uri="{FF2B5EF4-FFF2-40B4-BE49-F238E27FC236}">
+                      <a16:creationId xmlns:a16="http://schemas.microsoft.com/office/drawing/2014/main" id="{F3319957-4CD1-3632-7671-D1837533B71D}"/>
+                    </a:ext>
+                  </a:extLst>
+                </p:cNvPr>
+                <p:cNvPicPr>
+                  <a:picLocks noChangeAspect="1"/>
+                </p:cNvPicPr>
+                <p:nvPr/>
+              </p:nvPicPr>
+              <p:blipFill>
+                <a:blip r:embed="rId6"/>
+                <a:stretch>
+                  <a:fillRect/>
+                </a:stretch>
+              </p:blipFill>
+              <p:spPr>
+                <a:xfrm>
+                  <a:off x="16624594" y="16293705"/>
+                  <a:ext cx="4178114" cy="2856245"/>
+                </a:xfrm>
+                <a:prstGeom prst="rect">
+                  <a:avLst/>
+                </a:prstGeom>
+              </p:spPr>
+            </p:pic>
+            <p:sp>
+              <p:nvSpPr>
+                <p:cNvPr id="45" name="TextBox 44">
+                  <a:extLst>
+                    <a:ext uri="{FF2B5EF4-FFF2-40B4-BE49-F238E27FC236}">
+                      <a16:creationId xmlns:a16="http://schemas.microsoft.com/office/drawing/2014/main" id="{673F2A36-1B4B-C4E7-1EE9-A5B6221FDC7B}"/>
+                    </a:ext>
+                  </a:extLst>
+                </p:cNvPr>
+                <p:cNvSpPr txBox="1"/>
+                <p:nvPr/>
+              </p:nvSpPr>
+              <p:spPr>
+                <a:xfrm>
+                  <a:off x="12733005" y="16216461"/>
+                  <a:ext cx="390625" cy="461665"/>
+                </a:xfrm>
+                <a:prstGeom prst="rect">
+                  <a:avLst/>
+                </a:prstGeom>
+                <a:noFill/>
+              </p:spPr>
+              <p:txBody>
+                <a:bodyPr wrap="square" rtlCol="0">
+                  <a:spAutoFit/>
+                </a:bodyPr>
+                <a:lstStyle/>
+                <a:p>
+                  <a:r>
+                    <a:rPr lang="en-GB" sz="2400" b="1" noProof="0" dirty="0"/>
+                    <a:t>A</a:t>
+                  </a:r>
+                </a:p>
+              </p:txBody>
+            </p:sp>
+          </p:grpSp>
+          <p:grpSp>
+            <p:nvGrpSpPr>
+              <p:cNvPr id="93" name="Group 92">
+                <a:extLst>
+                  <a:ext uri="{FF2B5EF4-FFF2-40B4-BE49-F238E27FC236}">
+                    <a16:creationId xmlns:a16="http://schemas.microsoft.com/office/drawing/2014/main" id="{A2311E2E-F7A2-DD5D-FA9E-6A88BB4AA299}"/>
+                  </a:ext>
+                </a:extLst>
+              </p:cNvPr>
+              <p:cNvGrpSpPr/>
+              <p:nvPr/>
+            </p:nvGrpSpPr>
+            <p:grpSpPr>
+              <a:xfrm>
+                <a:off x="20808689" y="16210552"/>
+                <a:ext cx="8362201" cy="2950021"/>
+                <a:chOff x="20808689" y="16210552"/>
+                <a:chExt cx="8362201" cy="2950021"/>
+              </a:xfrm>
+            </p:grpSpPr>
+            <p:pic>
+              <p:nvPicPr>
+                <p:cNvPr id="36" name="Picture 35" descr="A graph of a curve&#10;&#10;AI-generated content may be incorrect.">
+                  <a:extLst>
+                    <a:ext uri="{FF2B5EF4-FFF2-40B4-BE49-F238E27FC236}">
+                      <a16:creationId xmlns:a16="http://schemas.microsoft.com/office/drawing/2014/main" id="{B10BE131-7D38-635B-20B6-412EEF3AB14C}"/>
+                    </a:ext>
+                  </a:extLst>
+                </p:cNvPr>
+                <p:cNvPicPr>
+                  <a:picLocks noChangeAspect="1"/>
+                </p:cNvPicPr>
+                <p:nvPr/>
+              </p:nvPicPr>
+              <p:blipFill>
+                <a:blip r:embed="rId7"/>
+                <a:stretch>
+                  <a:fillRect/>
+                </a:stretch>
+              </p:blipFill>
+              <p:spPr>
+                <a:xfrm>
+                  <a:off x="24992780" y="16304329"/>
+                  <a:ext cx="4178110" cy="2856244"/>
+                </a:xfrm>
+                <a:prstGeom prst="rect">
+                  <a:avLst/>
+                </a:prstGeom>
+              </p:spPr>
+            </p:pic>
+            <p:pic>
+              <p:nvPicPr>
+                <p:cNvPr id="43" name="Picture 42" descr="A diagram of a graph&#10;&#10;AI-generated content may be incorrect.">
+                  <a:extLst>
+                    <a:ext uri="{FF2B5EF4-FFF2-40B4-BE49-F238E27FC236}">
+                      <a16:creationId xmlns:a16="http://schemas.microsoft.com/office/drawing/2014/main" id="{DB360AA0-0B5E-FE90-9020-D58F907D8862}"/>
+                    </a:ext>
+                  </a:extLst>
+                </p:cNvPr>
+                <p:cNvPicPr>
+                  <a:picLocks noChangeAspect="1"/>
+                </p:cNvPicPr>
+                <p:nvPr/>
+              </p:nvPicPr>
+              <p:blipFill>
+                <a:blip r:embed="rId8"/>
+                <a:stretch>
+                  <a:fillRect/>
+                </a:stretch>
+              </p:blipFill>
+              <p:spPr>
+                <a:xfrm>
+                  <a:off x="20808689" y="16289018"/>
+                  <a:ext cx="4178110" cy="2856245"/>
+                </a:xfrm>
+                <a:prstGeom prst="rect">
+                  <a:avLst/>
+                </a:prstGeom>
+              </p:spPr>
+            </p:pic>
+            <p:sp>
+              <p:nvSpPr>
+                <p:cNvPr id="49" name="TextBox 48">
+                  <a:extLst>
+                    <a:ext uri="{FF2B5EF4-FFF2-40B4-BE49-F238E27FC236}">
+                      <a16:creationId xmlns:a16="http://schemas.microsoft.com/office/drawing/2014/main" id="{2C26822A-2883-068A-A4D7-AE40CC31B7B8}"/>
+                    </a:ext>
+                  </a:extLst>
+                </p:cNvPr>
+                <p:cNvSpPr txBox="1"/>
+                <p:nvPr/>
+              </p:nvSpPr>
+              <p:spPr>
+                <a:xfrm>
+                  <a:off x="21089225" y="16210552"/>
+                  <a:ext cx="390625" cy="461665"/>
+                </a:xfrm>
+                <a:prstGeom prst="rect">
+                  <a:avLst/>
+                </a:prstGeom>
+                <a:noFill/>
+              </p:spPr>
+              <p:txBody>
+                <a:bodyPr wrap="square" rtlCol="0">
+                  <a:spAutoFit/>
+                </a:bodyPr>
+                <a:lstStyle/>
+                <a:p>
+                  <a:r>
+                    <a:rPr lang="en-GB" sz="2400" b="1" noProof="0" dirty="0"/>
+                    <a:t>B</a:t>
+                  </a:r>
+                </a:p>
+              </p:txBody>
+            </p:sp>
+          </p:grpSp>
+          <p:grpSp>
+            <p:nvGrpSpPr>
+              <p:cNvPr id="95" name="Group 94">
+                <a:extLst>
+                  <a:ext uri="{FF2B5EF4-FFF2-40B4-BE49-F238E27FC236}">
+                    <a16:creationId xmlns:a16="http://schemas.microsoft.com/office/drawing/2014/main" id="{02902CA7-24FA-26C7-5829-98876586A2A1}"/>
+                  </a:ext>
+                </a:extLst>
+              </p:cNvPr>
+              <p:cNvGrpSpPr/>
+              <p:nvPr/>
+            </p:nvGrpSpPr>
+            <p:grpSpPr>
+              <a:xfrm>
+                <a:off x="20817268" y="19347627"/>
+                <a:ext cx="8353734" cy="3090242"/>
+                <a:chOff x="20786365" y="21519981"/>
+                <a:chExt cx="8353734" cy="3090242"/>
+              </a:xfrm>
+            </p:grpSpPr>
+            <p:pic>
+              <p:nvPicPr>
+                <p:cNvPr id="67" name="Picture 66" descr="A graph showing the number of patients with a number of patients&#10;&#10;AI-generated content may be incorrect.">
+                  <a:extLst>
+                    <a:ext uri="{FF2B5EF4-FFF2-40B4-BE49-F238E27FC236}">
+                      <a16:creationId xmlns:a16="http://schemas.microsoft.com/office/drawing/2014/main" id="{B4558922-DFFC-EAA8-32BE-694A1B082673}"/>
+                    </a:ext>
+                  </a:extLst>
+                </p:cNvPr>
+                <p:cNvPicPr>
+                  <a:picLocks noChangeAspect="1"/>
+                </p:cNvPicPr>
+                <p:nvPr/>
+              </p:nvPicPr>
+              <p:blipFill>
+                <a:blip r:embed="rId9"/>
+                <a:stretch>
+                  <a:fillRect/>
+                </a:stretch>
+              </p:blipFill>
+              <p:spPr>
+                <a:xfrm>
+                  <a:off x="24970541" y="21557876"/>
+                  <a:ext cx="4169558" cy="3050088"/>
+                </a:xfrm>
+                <a:prstGeom prst="rect">
+                  <a:avLst/>
+                </a:prstGeom>
+              </p:spPr>
+            </p:pic>
+            <p:pic>
+              <p:nvPicPr>
+                <p:cNvPr id="69" name="Picture 68" descr="A graph of a graph showing the number of points&#10;&#10;AI-generated content may be incorrect.">
+                  <a:extLst>
+                    <a:ext uri="{FF2B5EF4-FFF2-40B4-BE49-F238E27FC236}">
+                      <a16:creationId xmlns:a16="http://schemas.microsoft.com/office/drawing/2014/main" id="{306D3F55-1C56-E5D3-1A9A-10810D3E178E}"/>
+                    </a:ext>
+                  </a:extLst>
+                </p:cNvPr>
+                <p:cNvPicPr>
+                  <a:picLocks noChangeAspect="1"/>
+                </p:cNvPicPr>
+                <p:nvPr/>
+              </p:nvPicPr>
+              <p:blipFill>
+                <a:blip r:embed="rId10"/>
+                <a:stretch>
+                  <a:fillRect/>
+                </a:stretch>
+              </p:blipFill>
+              <p:spPr>
+                <a:xfrm>
+                  <a:off x="20786365" y="21553879"/>
+                  <a:ext cx="4178110" cy="3056344"/>
+                </a:xfrm>
+                <a:prstGeom prst="rect">
+                  <a:avLst/>
+                </a:prstGeom>
+              </p:spPr>
+            </p:pic>
+            <p:sp>
+              <p:nvSpPr>
+                <p:cNvPr id="57" name="TextBox 56">
+                  <a:extLst>
+                    <a:ext uri="{FF2B5EF4-FFF2-40B4-BE49-F238E27FC236}">
+                      <a16:creationId xmlns:a16="http://schemas.microsoft.com/office/drawing/2014/main" id="{D121B5EA-5406-8016-BD1A-F298029CF421}"/>
+                    </a:ext>
+                  </a:extLst>
+                </p:cNvPr>
+                <p:cNvSpPr txBox="1"/>
+                <p:nvPr/>
+              </p:nvSpPr>
+              <p:spPr>
+                <a:xfrm>
+                  <a:off x="21058321" y="21519981"/>
+                  <a:ext cx="390625" cy="461665"/>
+                </a:xfrm>
+                <a:prstGeom prst="rect">
+                  <a:avLst/>
+                </a:prstGeom>
+                <a:noFill/>
+              </p:spPr>
+              <p:txBody>
+                <a:bodyPr wrap="square" rtlCol="0">
+                  <a:spAutoFit/>
+                </a:bodyPr>
+                <a:lstStyle/>
+                <a:p>
+                  <a:r>
+                    <a:rPr lang="en-GB" sz="2400" b="1" noProof="0" dirty="0"/>
+                    <a:t>D</a:t>
+                  </a:r>
+                </a:p>
+              </p:txBody>
+            </p:sp>
+          </p:grpSp>
+          <p:grpSp>
+            <p:nvGrpSpPr>
+              <p:cNvPr id="94" name="Group 93">
+                <a:extLst>
+                  <a:ext uri="{FF2B5EF4-FFF2-40B4-BE49-F238E27FC236}">
+                    <a16:creationId xmlns:a16="http://schemas.microsoft.com/office/drawing/2014/main" id="{BC7B9367-C12B-51C6-5490-0614D5FCA4D8}"/>
+                  </a:ext>
+                </a:extLst>
+              </p:cNvPr>
+              <p:cNvGrpSpPr/>
+              <p:nvPr/>
+            </p:nvGrpSpPr>
+            <p:grpSpPr>
+              <a:xfrm>
+                <a:off x="12014188" y="19347627"/>
+                <a:ext cx="8367070" cy="3094463"/>
+                <a:chOff x="12436207" y="21515761"/>
+                <a:chExt cx="8367070" cy="3094463"/>
+              </a:xfrm>
+            </p:grpSpPr>
+            <p:pic>
+              <p:nvPicPr>
+                <p:cNvPr id="66" name="Picture 65" descr="A graph of a line graph&#10;&#10;AI-generated content may be incorrect.">
+                  <a:extLst>
+                    <a:ext uri="{FF2B5EF4-FFF2-40B4-BE49-F238E27FC236}">
+                      <a16:creationId xmlns:a16="http://schemas.microsoft.com/office/drawing/2014/main" id="{117D43BB-88D9-7284-1863-1B683C97FA65}"/>
+                    </a:ext>
+                  </a:extLst>
+                </p:cNvPr>
+                <p:cNvPicPr>
+                  <a:picLocks noChangeAspect="1"/>
+                </p:cNvPicPr>
+                <p:nvPr/>
+              </p:nvPicPr>
+              <p:blipFill>
+                <a:blip r:embed="rId11"/>
+                <a:stretch>
+                  <a:fillRect/>
+                </a:stretch>
+              </p:blipFill>
+              <p:spPr>
+                <a:xfrm>
+                  <a:off x="12436207" y="21551620"/>
+                  <a:ext cx="4178110" cy="3056344"/>
+                </a:xfrm>
+                <a:prstGeom prst="rect">
+                  <a:avLst/>
+                </a:prstGeom>
+              </p:spPr>
+            </p:pic>
+            <p:pic>
+              <p:nvPicPr>
+                <p:cNvPr id="68" name="Picture 67" descr="A graph of a line graph&#10;&#10;AI-generated content may be incorrect.">
+                  <a:extLst>
+                    <a:ext uri="{FF2B5EF4-FFF2-40B4-BE49-F238E27FC236}">
+                      <a16:creationId xmlns:a16="http://schemas.microsoft.com/office/drawing/2014/main" id="{636DDF9B-F8EE-67F6-735D-E21EFECADDBB}"/>
+                    </a:ext>
+                  </a:extLst>
+                </p:cNvPr>
+                <p:cNvPicPr>
+                  <a:picLocks noChangeAspect="1"/>
+                </p:cNvPicPr>
+                <p:nvPr/>
+              </p:nvPicPr>
+              <p:blipFill>
+                <a:blip r:embed="rId12"/>
+                <a:stretch>
+                  <a:fillRect/>
+                </a:stretch>
+              </p:blipFill>
+              <p:spPr>
+                <a:xfrm>
+                  <a:off x="16625168" y="21553879"/>
+                  <a:ext cx="4178109" cy="3056345"/>
+                </a:xfrm>
+                <a:prstGeom prst="rect">
+                  <a:avLst/>
+                </a:prstGeom>
+              </p:spPr>
+            </p:pic>
+            <p:sp>
+              <p:nvSpPr>
+                <p:cNvPr id="59" name="TextBox 58">
+                  <a:extLst>
+                    <a:ext uri="{FF2B5EF4-FFF2-40B4-BE49-F238E27FC236}">
+                      <a16:creationId xmlns:a16="http://schemas.microsoft.com/office/drawing/2014/main" id="{360FAC35-F7CC-B37C-AFFF-DBA70F68B1B7}"/>
+                    </a:ext>
+                  </a:extLst>
+                </p:cNvPr>
+                <p:cNvSpPr txBox="1"/>
+                <p:nvPr/>
+              </p:nvSpPr>
+              <p:spPr>
+                <a:xfrm>
+                  <a:off x="12695772" y="21515761"/>
+                  <a:ext cx="390625" cy="461665"/>
+                </a:xfrm>
+                <a:prstGeom prst="rect">
+                  <a:avLst/>
+                </a:prstGeom>
+                <a:noFill/>
+              </p:spPr>
+              <p:txBody>
+                <a:bodyPr wrap="square" rtlCol="0">
+                  <a:spAutoFit/>
+                </a:bodyPr>
+                <a:lstStyle/>
+                <a:p>
+                  <a:r>
+                    <a:rPr lang="en-GB" sz="2400" b="1" noProof="0" dirty="0"/>
+                    <a:t>C</a:t>
+                  </a:r>
+                </a:p>
+              </p:txBody>
+            </p:sp>
+          </p:grpSp>
+        </p:grpSp>
       </p:grpSp>
       <p:grpSp>
         <p:nvGrpSpPr>
-          <p:cNvPr id="51" name="Group 50">
+          <p:cNvPr id="77" name="Group 76">
             <a:extLst>
               <a:ext uri="{FF2B5EF4-FFF2-40B4-BE49-F238E27FC236}">
-                <a16:creationId xmlns:a16="http://schemas.microsoft.com/office/drawing/2014/main" id="{ED9ABD94-C94E-646F-2A44-2F2DAFD24412}"/>
+                <a16:creationId xmlns:a16="http://schemas.microsoft.com/office/drawing/2014/main" id="{B16A092C-1364-780A-AA1E-E53999D3DA43}"/>
               </a:ext>
             </a:extLst>
           </p:cNvPr>
@@ -8817,219 +5884,18 @@
         </p:nvGrpSpPr>
         <p:grpSpPr>
           <a:xfrm>
-            <a:off x="6585894" y="31028443"/>
-            <a:ext cx="8681825" cy="6657173"/>
-            <a:chOff x="6505830" y="34375433"/>
-            <a:chExt cx="8076400" cy="6047084"/>
+            <a:off x="1005421" y="36902457"/>
+            <a:ext cx="13804740" cy="3380604"/>
+            <a:chOff x="1299045" y="37902662"/>
+            <a:chExt cx="10882070" cy="2530059"/>
           </a:xfrm>
         </p:grpSpPr>
         <p:pic>
           <p:nvPicPr>
-            <p:cNvPr id="38" name="Picture 37" descr="A diagram of different colored circles&#10;&#10;AI-generated content may be incorrect.">
+            <p:cNvPr id="75" name="Picture 74" descr="A screenshot of a computer code&#10;&#10;AI-generated content may be incorrect.">
               <a:extLst>
                 <a:ext uri="{FF2B5EF4-FFF2-40B4-BE49-F238E27FC236}">
-                  <a16:creationId xmlns:a16="http://schemas.microsoft.com/office/drawing/2014/main" id="{5FE244D3-F745-7675-18BC-4E5BDDAAA2C6}"/>
-                </a:ext>
-              </a:extLst>
-            </p:cNvPr>
-            <p:cNvPicPr>
-              <a:picLocks noChangeAspect="1"/>
-            </p:cNvPicPr>
-            <p:nvPr/>
-          </p:nvPicPr>
-          <p:blipFill>
-            <a:blip r:embed="rId7"/>
-            <a:stretch>
-              <a:fillRect/>
-            </a:stretch>
-          </p:blipFill>
-          <p:spPr>
-            <a:xfrm>
-              <a:off x="6519451" y="34375433"/>
-              <a:ext cx="4031389" cy="3023542"/>
-            </a:xfrm>
-            <a:prstGeom prst="rect">
-              <a:avLst/>
-            </a:prstGeom>
-          </p:spPr>
-        </p:pic>
-        <p:pic>
-          <p:nvPicPr>
-            <p:cNvPr id="42" name="Picture 41" descr="A diagram of a diagram showing different colored circles&#10;&#10;AI-generated content may be incorrect.">
-              <a:extLst>
-                <a:ext uri="{FF2B5EF4-FFF2-40B4-BE49-F238E27FC236}">
-                  <a16:creationId xmlns:a16="http://schemas.microsoft.com/office/drawing/2014/main" id="{FE9F085E-4B7C-B477-1505-EA27EF0B3463}"/>
-                </a:ext>
-              </a:extLst>
-            </p:cNvPr>
-            <p:cNvPicPr>
-              <a:picLocks noChangeAspect="1"/>
-            </p:cNvPicPr>
-            <p:nvPr/>
-          </p:nvPicPr>
-          <p:blipFill>
-            <a:blip r:embed="rId8"/>
-            <a:stretch>
-              <a:fillRect/>
-            </a:stretch>
-          </p:blipFill>
-          <p:spPr>
-            <a:xfrm>
-              <a:off x="6505830" y="37398975"/>
-              <a:ext cx="4031389" cy="3023542"/>
-            </a:xfrm>
-            <a:prstGeom prst="rect">
-              <a:avLst/>
-            </a:prstGeom>
-          </p:spPr>
-        </p:pic>
-        <p:pic>
-          <p:nvPicPr>
-            <p:cNvPr id="44" name="Picture 43" descr="A diagram of a graph&#10;&#10;AI-generated content may be incorrect.">
-              <a:extLst>
-                <a:ext uri="{FF2B5EF4-FFF2-40B4-BE49-F238E27FC236}">
-                  <a16:creationId xmlns:a16="http://schemas.microsoft.com/office/drawing/2014/main" id="{1EB2A225-F95B-A749-961A-21A6F93F1486}"/>
-                </a:ext>
-              </a:extLst>
-            </p:cNvPr>
-            <p:cNvPicPr>
-              <a:picLocks noChangeAspect="1"/>
-            </p:cNvPicPr>
-            <p:nvPr/>
-          </p:nvPicPr>
-          <p:blipFill>
-            <a:blip r:embed="rId9"/>
-            <a:stretch>
-              <a:fillRect/>
-            </a:stretch>
-          </p:blipFill>
-          <p:spPr>
-            <a:xfrm>
-              <a:off x="10536265" y="34375433"/>
-              <a:ext cx="4031388" cy="3023541"/>
-            </a:xfrm>
-            <a:prstGeom prst="rect">
-              <a:avLst/>
-            </a:prstGeom>
-          </p:spPr>
-        </p:pic>
-        <p:pic>
-          <p:nvPicPr>
-            <p:cNvPr id="46" name="Picture 45" descr="A diagram of different colored circles&#10;&#10;AI-generated content may be incorrect.">
-              <a:extLst>
-                <a:ext uri="{FF2B5EF4-FFF2-40B4-BE49-F238E27FC236}">
-                  <a16:creationId xmlns:a16="http://schemas.microsoft.com/office/drawing/2014/main" id="{BC63CCF8-97F1-75D5-45FC-497815090855}"/>
-                </a:ext>
-              </a:extLst>
-            </p:cNvPr>
-            <p:cNvPicPr>
-              <a:picLocks noChangeAspect="1"/>
-            </p:cNvPicPr>
-            <p:nvPr/>
-          </p:nvPicPr>
-          <p:blipFill>
-            <a:blip r:embed="rId10"/>
-            <a:stretch>
-              <a:fillRect/>
-            </a:stretch>
-          </p:blipFill>
-          <p:spPr>
-            <a:xfrm>
-              <a:off x="10550841" y="37398975"/>
-              <a:ext cx="4031389" cy="3023542"/>
-            </a:xfrm>
-            <a:prstGeom prst="rect">
-              <a:avLst/>
-            </a:prstGeom>
-          </p:spPr>
-        </p:pic>
-      </p:grpSp>
-      <p:grpSp>
-        <p:nvGrpSpPr>
-          <p:cNvPr id="65" name="Group 64">
-            <a:extLst>
-              <a:ext uri="{FF2B5EF4-FFF2-40B4-BE49-F238E27FC236}">
-                <a16:creationId xmlns:a16="http://schemas.microsoft.com/office/drawing/2014/main" id="{6DBDFAE6-5212-6BB8-1092-3968CFD7E620}"/>
-              </a:ext>
-            </a:extLst>
-          </p:cNvPr>
-          <p:cNvGrpSpPr/>
-          <p:nvPr/>
-        </p:nvGrpSpPr>
-        <p:grpSpPr>
-          <a:xfrm>
-            <a:off x="16647870" y="21398510"/>
-            <a:ext cx="7442926" cy="5435653"/>
-            <a:chOff x="23281846" y="22558245"/>
-            <a:chExt cx="5224180" cy="3911696"/>
-          </a:xfrm>
-        </p:grpSpPr>
-        <p:pic>
-          <p:nvPicPr>
-            <p:cNvPr id="11" name="Picture 10" descr="A graph of a line graph&#10;&#10;AI-generated content may be incorrect.">
-              <a:extLst>
-                <a:ext uri="{FF2B5EF4-FFF2-40B4-BE49-F238E27FC236}">
-                  <a16:creationId xmlns:a16="http://schemas.microsoft.com/office/drawing/2014/main" id="{27E55C8D-4E8B-EEE2-EFBF-E81404C1E970}"/>
-                </a:ext>
-              </a:extLst>
-            </p:cNvPr>
-            <p:cNvPicPr>
-              <a:picLocks noChangeAspect="1"/>
-            </p:cNvPicPr>
-            <p:nvPr/>
-          </p:nvPicPr>
-          <p:blipFill>
-            <a:blip r:embed="rId11"/>
-            <a:stretch>
-              <a:fillRect/>
-            </a:stretch>
-          </p:blipFill>
-          <p:spPr>
-            <a:xfrm>
-              <a:off x="23286139" y="22558245"/>
-              <a:ext cx="2607798" cy="1955848"/>
-            </a:xfrm>
-            <a:prstGeom prst="rect">
-              <a:avLst/>
-            </a:prstGeom>
-          </p:spPr>
-        </p:pic>
-        <p:pic>
-          <p:nvPicPr>
-            <p:cNvPr id="30" name="Picture 29" descr="A graph showing the number of patients with a number of patients&#10;&#10;AI-generated content may be incorrect.">
-              <a:extLst>
-                <a:ext uri="{FF2B5EF4-FFF2-40B4-BE49-F238E27FC236}">
-                  <a16:creationId xmlns:a16="http://schemas.microsoft.com/office/drawing/2014/main" id="{FADDDED4-40E5-126B-33D4-8774B51F4268}"/>
-                </a:ext>
-              </a:extLst>
-            </p:cNvPr>
-            <p:cNvPicPr>
-              <a:picLocks noChangeAspect="1"/>
-            </p:cNvPicPr>
-            <p:nvPr/>
-          </p:nvPicPr>
-          <p:blipFill>
-            <a:blip r:embed="rId12"/>
-            <a:stretch>
-              <a:fillRect/>
-            </a:stretch>
-          </p:blipFill>
-          <p:spPr>
-            <a:xfrm>
-              <a:off x="25898230" y="24514093"/>
-              <a:ext cx="2607796" cy="1955847"/>
-            </a:xfrm>
-            <a:prstGeom prst="rect">
-              <a:avLst/>
-            </a:prstGeom>
-          </p:spPr>
-        </p:pic>
-        <p:pic>
-          <p:nvPicPr>
-            <p:cNvPr id="35" name="Picture 34" descr="A graph of a line graph&#10;&#10;AI-generated content may be incorrect.">
-              <a:extLst>
-                <a:ext uri="{FF2B5EF4-FFF2-40B4-BE49-F238E27FC236}">
-                  <a16:creationId xmlns:a16="http://schemas.microsoft.com/office/drawing/2014/main" id="{CBB18CC3-F048-6B22-CB3B-A1677E5D9BB7}"/>
+                  <a16:creationId xmlns:a16="http://schemas.microsoft.com/office/drawing/2014/main" id="{96FA7E16-2CCA-8527-B731-E075F69E0922}"/>
                 </a:ext>
               </a:extLst>
             </p:cNvPr>
@@ -9046,8 +5912,8 @@
           </p:blipFill>
           <p:spPr>
             <a:xfrm>
-              <a:off x="25893937" y="22558245"/>
-              <a:ext cx="2607796" cy="1955848"/>
+              <a:off x="6412275" y="37902662"/>
+              <a:ext cx="5768840" cy="2499577"/>
             </a:xfrm>
             <a:prstGeom prst="rect">
               <a:avLst/>
@@ -9056,10 +5922,10 @@
         </p:pic>
         <p:pic>
           <p:nvPicPr>
-            <p:cNvPr id="48" name="Picture 47" descr="A graph of a graph showing the number of points&#10;&#10;AI-generated content may be incorrect.">
+            <p:cNvPr id="76" name="Picture 75" descr="A screenshot of a computer code&#10;&#10;AI-generated content may be incorrect.">
               <a:extLst>
                 <a:ext uri="{FF2B5EF4-FFF2-40B4-BE49-F238E27FC236}">
-                  <a16:creationId xmlns:a16="http://schemas.microsoft.com/office/drawing/2014/main" id="{366E92D4-D4BD-8D22-250D-05C586FB8F3D}"/>
+                  <a16:creationId xmlns:a16="http://schemas.microsoft.com/office/drawing/2014/main" id="{16ACC121-8DE5-B42E-8F65-27BBE296D00F}"/>
                 </a:ext>
               </a:extLst>
             </p:cNvPr>
@@ -9076,8 +5942,8 @@
           </p:blipFill>
           <p:spPr>
             <a:xfrm>
-              <a:off x="23281846" y="24514093"/>
-              <a:ext cx="2607797" cy="1955848"/>
+              <a:off x="1299045" y="37902662"/>
+              <a:ext cx="5067739" cy="2530059"/>
             </a:xfrm>
             <a:prstGeom prst="rect">
               <a:avLst/>
@@ -9087,10 +5953,10 @@
       </p:grpSp>
       <p:grpSp>
         <p:nvGrpSpPr>
-          <p:cNvPr id="64" name="Group 63">
+          <p:cNvPr id="91" name="Group 90">
             <a:extLst>
               <a:ext uri="{FF2B5EF4-FFF2-40B4-BE49-F238E27FC236}">
-                <a16:creationId xmlns:a16="http://schemas.microsoft.com/office/drawing/2014/main" id="{A6734B18-ABA4-30A4-44E5-F3DA46AEDF85}"/>
+                <a16:creationId xmlns:a16="http://schemas.microsoft.com/office/drawing/2014/main" id="{166F40FE-C925-3ACA-6254-644E38B9C757}"/>
               </a:ext>
             </a:extLst>
           </p:cNvPr>
@@ -9099,132 +5965,602 @@
         </p:nvGrpSpPr>
         <p:grpSpPr>
           <a:xfrm>
-            <a:off x="16647870" y="15507481"/>
-            <a:ext cx="8356224" cy="5718751"/>
-            <a:chOff x="23453302" y="18125964"/>
-            <a:chExt cx="5215594" cy="3915983"/>
+            <a:off x="851766" y="29318865"/>
+            <a:ext cx="12575059" cy="7969168"/>
+            <a:chOff x="851766" y="29318865"/>
+            <a:chExt cx="12575059" cy="7969168"/>
           </a:xfrm>
         </p:grpSpPr>
-        <p:pic>
-          <p:nvPicPr>
-            <p:cNvPr id="53" name="Picture 52" descr="A diagram of a graph&#10;&#10;AI-generated content may be incorrect.">
+        <p:grpSp>
+          <p:nvGrpSpPr>
+            <p:cNvPr id="79" name="Group 78">
               <a:extLst>
                 <a:ext uri="{FF2B5EF4-FFF2-40B4-BE49-F238E27FC236}">
-                  <a16:creationId xmlns:a16="http://schemas.microsoft.com/office/drawing/2014/main" id="{C2BE33FA-7E5B-2848-2C7B-B7B60A8ADE62}"/>
+                  <a16:creationId xmlns:a16="http://schemas.microsoft.com/office/drawing/2014/main" id="{87982164-A01E-8CDD-4294-008F8D3C4391}"/>
                 </a:ext>
               </a:extLst>
             </p:cNvPr>
-            <p:cNvPicPr>
-              <a:picLocks noChangeAspect="1"/>
-            </p:cNvPicPr>
+            <p:cNvGrpSpPr/>
             <p:nvPr/>
-          </p:nvPicPr>
-          <p:blipFill>
-            <a:blip r:embed="rId15"/>
-            <a:stretch>
-              <a:fillRect/>
-            </a:stretch>
-          </p:blipFill>
+          </p:nvGrpSpPr>
+          <p:grpSpPr>
+            <a:xfrm>
+              <a:off x="873473" y="29617112"/>
+              <a:ext cx="12553352" cy="7670921"/>
+              <a:chOff x="873473" y="29617112"/>
+              <a:chExt cx="12553352" cy="7670921"/>
+            </a:xfrm>
+          </p:grpSpPr>
+          <p:grpSp>
+            <p:nvGrpSpPr>
+              <p:cNvPr id="70" name="Group 69">
+                <a:extLst>
+                  <a:ext uri="{FF2B5EF4-FFF2-40B4-BE49-F238E27FC236}">
+                    <a16:creationId xmlns:a16="http://schemas.microsoft.com/office/drawing/2014/main" id="{C5069539-0B89-E536-6562-793A62356A61}"/>
+                  </a:ext>
+                </a:extLst>
+              </p:cNvPr>
+              <p:cNvGrpSpPr/>
+              <p:nvPr/>
+            </p:nvGrpSpPr>
+            <p:grpSpPr>
+              <a:xfrm>
+                <a:off x="873473" y="29664767"/>
+                <a:ext cx="9619752" cy="7623266"/>
+                <a:chOff x="6505830" y="34375433"/>
+                <a:chExt cx="8076400" cy="6047084"/>
+              </a:xfrm>
+            </p:grpSpPr>
+            <p:pic>
+              <p:nvPicPr>
+                <p:cNvPr id="71" name="Picture 70" descr="A diagram of different colored circles&#10;&#10;AI-generated content may be incorrect.">
+                  <a:extLst>
+                    <a:ext uri="{FF2B5EF4-FFF2-40B4-BE49-F238E27FC236}">
+                      <a16:creationId xmlns:a16="http://schemas.microsoft.com/office/drawing/2014/main" id="{C6460AC3-C218-761B-038B-104C45983826}"/>
+                    </a:ext>
+                  </a:extLst>
+                </p:cNvPr>
+                <p:cNvPicPr>
+                  <a:picLocks noChangeAspect="1"/>
+                </p:cNvPicPr>
+                <p:nvPr/>
+              </p:nvPicPr>
+              <p:blipFill>
+                <a:blip r:embed="rId15"/>
+                <a:stretch>
+                  <a:fillRect/>
+                </a:stretch>
+              </p:blipFill>
+              <p:spPr>
+                <a:xfrm>
+                  <a:off x="6519451" y="34375433"/>
+                  <a:ext cx="4031389" cy="3023542"/>
+                </a:xfrm>
+                <a:prstGeom prst="rect">
+                  <a:avLst/>
+                </a:prstGeom>
+              </p:spPr>
+            </p:pic>
+            <p:pic>
+              <p:nvPicPr>
+                <p:cNvPr id="72" name="Picture 71" descr="A diagram of a diagram showing different colored circles&#10;&#10;AI-generated content may be incorrect.">
+                  <a:extLst>
+                    <a:ext uri="{FF2B5EF4-FFF2-40B4-BE49-F238E27FC236}">
+                      <a16:creationId xmlns:a16="http://schemas.microsoft.com/office/drawing/2014/main" id="{415CD5F1-8F9E-500A-5556-8945870412A9}"/>
+                    </a:ext>
+                  </a:extLst>
+                </p:cNvPr>
+                <p:cNvPicPr>
+                  <a:picLocks noChangeAspect="1"/>
+                </p:cNvPicPr>
+                <p:nvPr/>
+              </p:nvPicPr>
+              <p:blipFill>
+                <a:blip r:embed="rId16"/>
+                <a:stretch>
+                  <a:fillRect/>
+                </a:stretch>
+              </p:blipFill>
+              <p:spPr>
+                <a:xfrm>
+                  <a:off x="6505830" y="37398975"/>
+                  <a:ext cx="4031389" cy="3023542"/>
+                </a:xfrm>
+                <a:prstGeom prst="rect">
+                  <a:avLst/>
+                </a:prstGeom>
+              </p:spPr>
+            </p:pic>
+            <p:pic>
+              <p:nvPicPr>
+                <p:cNvPr id="73" name="Picture 72" descr="A diagram of a graph&#10;&#10;AI-generated content may be incorrect.">
+                  <a:extLst>
+                    <a:ext uri="{FF2B5EF4-FFF2-40B4-BE49-F238E27FC236}">
+                      <a16:creationId xmlns:a16="http://schemas.microsoft.com/office/drawing/2014/main" id="{21C15B5F-B609-118A-C994-3804E4AC667A}"/>
+                    </a:ext>
+                  </a:extLst>
+                </p:cNvPr>
+                <p:cNvPicPr>
+                  <a:picLocks noChangeAspect="1"/>
+                </p:cNvPicPr>
+                <p:nvPr/>
+              </p:nvPicPr>
+              <p:blipFill>
+                <a:blip r:embed="rId17"/>
+                <a:stretch>
+                  <a:fillRect/>
+                </a:stretch>
+              </p:blipFill>
+              <p:spPr>
+                <a:xfrm>
+                  <a:off x="10536265" y="34375433"/>
+                  <a:ext cx="4031388" cy="3023541"/>
+                </a:xfrm>
+                <a:prstGeom prst="rect">
+                  <a:avLst/>
+                </a:prstGeom>
+              </p:spPr>
+            </p:pic>
+            <p:pic>
+              <p:nvPicPr>
+                <p:cNvPr id="74" name="Picture 73" descr="A diagram of different colored circles&#10;&#10;AI-generated content may be incorrect.">
+                  <a:extLst>
+                    <a:ext uri="{FF2B5EF4-FFF2-40B4-BE49-F238E27FC236}">
+                      <a16:creationId xmlns:a16="http://schemas.microsoft.com/office/drawing/2014/main" id="{DDE36B41-C80F-1C08-E5FC-7F95076DC447}"/>
+                    </a:ext>
+                  </a:extLst>
+                </p:cNvPr>
+                <p:cNvPicPr>
+                  <a:picLocks noChangeAspect="1"/>
+                </p:cNvPicPr>
+                <p:nvPr/>
+              </p:nvPicPr>
+              <p:blipFill>
+                <a:blip r:embed="rId18"/>
+                <a:stretch>
+                  <a:fillRect/>
+                </a:stretch>
+              </p:blipFill>
+              <p:spPr>
+                <a:xfrm>
+                  <a:off x="10550841" y="37398975"/>
+                  <a:ext cx="4031389" cy="3023542"/>
+                </a:xfrm>
+                <a:prstGeom prst="rect">
+                  <a:avLst/>
+                </a:prstGeom>
+              </p:spPr>
+            </p:pic>
+          </p:grpSp>
+          <p:sp>
+            <p:nvSpPr>
+              <p:cNvPr id="78" name="TextBox 77">
+                <a:extLst>
+                  <a:ext uri="{FF2B5EF4-FFF2-40B4-BE49-F238E27FC236}">
+                    <a16:creationId xmlns:a16="http://schemas.microsoft.com/office/drawing/2014/main" id="{9C8CE86A-7B36-57C3-3567-E9BD5C58EE29}"/>
+                  </a:ext>
+                </a:extLst>
+              </p:cNvPr>
+              <p:cNvSpPr txBox="1"/>
+              <p:nvPr/>
+            </p:nvSpPr>
+            <p:spPr>
+              <a:xfrm>
+                <a:off x="10475862" y="29617112"/>
+                <a:ext cx="2950963" cy="400110"/>
+              </a:xfrm>
+              <a:prstGeom prst="rect">
+                <a:avLst/>
+              </a:prstGeom>
+              <a:noFill/>
+            </p:spPr>
+            <p:txBody>
+              <a:bodyPr wrap="square" rtlCol="0">
+                <a:spAutoFit/>
+              </a:bodyPr>
+              <a:lstStyle/>
+              <a:p>
+                <a:r>
+                  <a:rPr lang="en-GB" sz="2000" b="1" noProof="0" dirty="0"/>
+                  <a:t>Fig. 7</a:t>
+                </a:r>
+              </a:p>
+            </p:txBody>
+          </p:sp>
+        </p:grpSp>
+        <p:sp>
+          <p:nvSpPr>
+            <p:cNvPr id="87" name="TextBox 86">
+              <a:extLst>
+                <a:ext uri="{FF2B5EF4-FFF2-40B4-BE49-F238E27FC236}">
+                  <a16:creationId xmlns:a16="http://schemas.microsoft.com/office/drawing/2014/main" id="{62897110-4AAA-BEA4-F290-D044A5F6BACE}"/>
+                </a:ext>
+              </a:extLst>
+            </p:cNvPr>
+            <p:cNvSpPr txBox="1"/>
+            <p:nvPr/>
+          </p:nvSpPr>
           <p:spPr>
             <a:xfrm>
-              <a:off x="23453302" y="20086099"/>
-              <a:ext cx="2607796" cy="1955847"/>
+              <a:off x="889695" y="29318865"/>
+              <a:ext cx="390625" cy="461665"/>
             </a:xfrm>
             <a:prstGeom prst="rect">
               <a:avLst/>
             </a:prstGeom>
+            <a:noFill/>
           </p:spPr>
-        </p:pic>
-        <p:pic>
-          <p:nvPicPr>
-            <p:cNvPr id="61" name="Picture 60" descr="A graph of a curve&#10;&#10;AI-generated content may be incorrect.">
+          <p:txBody>
+            <a:bodyPr wrap="square" rtlCol="0">
+              <a:spAutoFit/>
+            </a:bodyPr>
+            <a:lstStyle/>
+            <a:p>
+              <a:r>
+                <a:rPr lang="en-GB" sz="2400" b="1" noProof="0" dirty="0"/>
+                <a:t>A</a:t>
+              </a:r>
+            </a:p>
+          </p:txBody>
+        </p:sp>
+        <p:sp>
+          <p:nvSpPr>
+            <p:cNvPr id="88" name="TextBox 87">
               <a:extLst>
                 <a:ext uri="{FF2B5EF4-FFF2-40B4-BE49-F238E27FC236}">
-                  <a16:creationId xmlns:a16="http://schemas.microsoft.com/office/drawing/2014/main" id="{6E1445C8-8F74-5975-F87A-D8FD5D018751}"/>
+                  <a16:creationId xmlns:a16="http://schemas.microsoft.com/office/drawing/2014/main" id="{9CE5C8E3-DFC8-EF90-2AE0-DF17552E161D}"/>
                 </a:ext>
               </a:extLst>
             </p:cNvPr>
-            <p:cNvPicPr>
-              <a:picLocks noChangeAspect="1"/>
-            </p:cNvPicPr>
+            <p:cNvSpPr txBox="1"/>
             <p:nvPr/>
-          </p:nvPicPr>
-          <p:blipFill>
-            <a:blip r:embed="rId16"/>
-            <a:stretch>
-              <a:fillRect/>
-            </a:stretch>
-          </p:blipFill>
+          </p:nvSpPr>
           <p:spPr>
             <a:xfrm>
-              <a:off x="26061098" y="18127084"/>
-              <a:ext cx="2607796" cy="1955847"/>
+              <a:off x="5674100" y="29318865"/>
+              <a:ext cx="390625" cy="461665"/>
             </a:xfrm>
             <a:prstGeom prst="rect">
               <a:avLst/>
             </a:prstGeom>
+            <a:noFill/>
           </p:spPr>
-        </p:pic>
-        <p:pic>
-          <p:nvPicPr>
-            <p:cNvPr id="62" name="Picture 61" descr="A diagram of a graph showing a number of dots&#10;&#10;AI-generated content may be incorrect.">
+          <p:txBody>
+            <a:bodyPr wrap="square" rtlCol="0">
+              <a:spAutoFit/>
+            </a:bodyPr>
+            <a:lstStyle/>
+            <a:p>
+              <a:r>
+                <a:rPr lang="en-GB" sz="2400" b="1" noProof="0" dirty="0"/>
+                <a:t>B</a:t>
+              </a:r>
+            </a:p>
+          </p:txBody>
+        </p:sp>
+        <p:sp>
+          <p:nvSpPr>
+            <p:cNvPr id="89" name="TextBox 88">
               <a:extLst>
                 <a:ext uri="{FF2B5EF4-FFF2-40B4-BE49-F238E27FC236}">
-                  <a16:creationId xmlns:a16="http://schemas.microsoft.com/office/drawing/2014/main" id="{31111055-BC7D-6A41-6389-F2C36088D28D}"/>
+                  <a16:creationId xmlns:a16="http://schemas.microsoft.com/office/drawing/2014/main" id="{066034F3-9635-5E89-5520-4C7728B02937}"/>
                 </a:ext>
               </a:extLst>
             </p:cNvPr>
-            <p:cNvPicPr>
-              <a:picLocks noChangeAspect="1"/>
-            </p:cNvPicPr>
+            <p:cNvSpPr txBox="1"/>
             <p:nvPr/>
-          </p:nvPicPr>
-          <p:blipFill>
-            <a:blip r:embed="rId17"/>
-            <a:stretch>
-              <a:fillRect/>
-            </a:stretch>
-          </p:blipFill>
+          </p:nvSpPr>
           <p:spPr>
             <a:xfrm>
-              <a:off x="26061098" y="20086099"/>
-              <a:ext cx="2607798" cy="1955848"/>
+              <a:off x="5691460" y="33146513"/>
+              <a:ext cx="390625" cy="461665"/>
             </a:xfrm>
             <a:prstGeom prst="rect">
               <a:avLst/>
             </a:prstGeom>
+            <a:noFill/>
           </p:spPr>
-        </p:pic>
-        <p:pic>
-          <p:nvPicPr>
-            <p:cNvPr id="63" name="Picture 62" descr="A diagram of a graph&#10;&#10;AI-generated content may be incorrect.">
+          <p:txBody>
+            <a:bodyPr wrap="square" rtlCol="0">
+              <a:spAutoFit/>
+            </a:bodyPr>
+            <a:lstStyle/>
+            <a:p>
+              <a:r>
+                <a:rPr lang="en-GB" sz="2400" b="1" noProof="0" dirty="0"/>
+                <a:t>D</a:t>
+              </a:r>
+            </a:p>
+          </p:txBody>
+        </p:sp>
+        <p:sp>
+          <p:nvSpPr>
+            <p:cNvPr id="90" name="TextBox 89">
               <a:extLst>
                 <a:ext uri="{FF2B5EF4-FFF2-40B4-BE49-F238E27FC236}">
-                  <a16:creationId xmlns:a16="http://schemas.microsoft.com/office/drawing/2014/main" id="{4E246599-245D-0849-D02A-A23892931E31}"/>
+                  <a16:creationId xmlns:a16="http://schemas.microsoft.com/office/drawing/2014/main" id="{5037DAB0-C266-E539-68CB-472541869189}"/>
                 </a:ext>
               </a:extLst>
             </p:cNvPr>
-            <p:cNvPicPr>
-              <a:picLocks noChangeAspect="1"/>
-            </p:cNvPicPr>
+            <p:cNvSpPr txBox="1"/>
             <p:nvPr/>
-          </p:nvPicPr>
-          <p:blipFill>
-            <a:blip r:embed="rId18"/>
-            <a:stretch>
-              <a:fillRect/>
-            </a:stretch>
-          </p:blipFill>
+          </p:nvSpPr>
           <p:spPr>
             <a:xfrm>
-              <a:off x="23453302" y="18125964"/>
-              <a:ext cx="2607796" cy="1955848"/>
+              <a:off x="851766" y="33130498"/>
+              <a:ext cx="390625" cy="461665"/>
             </a:xfrm>
             <a:prstGeom prst="rect">
               <a:avLst/>
             </a:prstGeom>
+            <a:noFill/>
           </p:spPr>
-        </p:pic>
+          <p:txBody>
+            <a:bodyPr wrap="square" rtlCol="0">
+              <a:spAutoFit/>
+            </a:bodyPr>
+            <a:lstStyle/>
+            <a:p>
+              <a:r>
+                <a:rPr lang="en-GB" sz="2400" b="1" noProof="0" dirty="0"/>
+                <a:t>C</a:t>
+              </a:r>
+            </a:p>
+          </p:txBody>
+        </p:sp>
+      </p:grpSp>
+      <p:grpSp>
+        <p:nvGrpSpPr>
+          <p:cNvPr id="102" name="Group 101">
+            <a:extLst>
+              <a:ext uri="{FF2B5EF4-FFF2-40B4-BE49-F238E27FC236}">
+                <a16:creationId xmlns:a16="http://schemas.microsoft.com/office/drawing/2014/main" id="{C99980D5-27D5-1B7D-E7A0-1A567824AF06}"/>
+              </a:ext>
+            </a:extLst>
+          </p:cNvPr>
+          <p:cNvGrpSpPr/>
+          <p:nvPr/>
+        </p:nvGrpSpPr>
+        <p:grpSpPr>
+          <a:xfrm>
+            <a:off x="18016269" y="7768145"/>
+            <a:ext cx="11005390" cy="5305541"/>
+            <a:chOff x="18016269" y="7768145"/>
+            <a:chExt cx="11005390" cy="5305541"/>
+          </a:xfrm>
+        </p:grpSpPr>
+        <p:grpSp>
+          <p:nvGrpSpPr>
+            <p:cNvPr id="100" name="Group 99">
+              <a:extLst>
+                <a:ext uri="{FF2B5EF4-FFF2-40B4-BE49-F238E27FC236}">
+                  <a16:creationId xmlns:a16="http://schemas.microsoft.com/office/drawing/2014/main" id="{242EF8FF-BCFB-A10C-B2E0-E90BA02AD9D5}"/>
+                </a:ext>
+              </a:extLst>
+            </p:cNvPr>
+            <p:cNvGrpSpPr/>
+            <p:nvPr/>
+          </p:nvGrpSpPr>
+          <p:grpSpPr>
+            <a:xfrm>
+              <a:off x="18016269" y="7768145"/>
+              <a:ext cx="10896006" cy="4121596"/>
+              <a:chOff x="18088459" y="8770337"/>
+              <a:chExt cx="10896006" cy="4121596"/>
+            </a:xfrm>
+          </p:grpSpPr>
+          <p:grpSp>
+            <p:nvGrpSpPr>
+              <p:cNvPr id="2" name="Group 1">
+                <a:extLst>
+                  <a:ext uri="{FF2B5EF4-FFF2-40B4-BE49-F238E27FC236}">
+                    <a16:creationId xmlns:a16="http://schemas.microsoft.com/office/drawing/2014/main" id="{192A5DA8-99E6-8902-C8D2-30D1944FA72F}"/>
+                  </a:ext>
+                </a:extLst>
+              </p:cNvPr>
+              <p:cNvGrpSpPr/>
+              <p:nvPr/>
+            </p:nvGrpSpPr>
+            <p:grpSpPr>
+              <a:xfrm>
+                <a:off x="18088459" y="8783552"/>
+                <a:ext cx="10896006" cy="4108381"/>
+                <a:chOff x="18442634" y="8936099"/>
+                <a:chExt cx="10896006" cy="4108381"/>
+              </a:xfrm>
+            </p:grpSpPr>
+            <p:pic>
+              <p:nvPicPr>
+                <p:cNvPr id="3" name="Picture 2" descr="A graph showing a line graph&#10;&#10;AI-generated content may be incorrect.">
+                  <a:extLst>
+                    <a:ext uri="{FF2B5EF4-FFF2-40B4-BE49-F238E27FC236}">
+                      <a16:creationId xmlns:a16="http://schemas.microsoft.com/office/drawing/2014/main" id="{991C7AA1-F05B-1BDA-3E10-B42BC5A4090A}"/>
+                    </a:ext>
+                  </a:extLst>
+                </p:cNvPr>
+                <p:cNvPicPr>
+                  <a:picLocks noChangeAspect="1"/>
+                </p:cNvPicPr>
+                <p:nvPr/>
+              </p:nvPicPr>
+              <p:blipFill>
+                <a:blip r:embed="rId19"/>
+                <a:stretch>
+                  <a:fillRect/>
+                </a:stretch>
+              </p:blipFill>
+              <p:spPr>
+                <a:xfrm>
+                  <a:off x="18442634" y="8936099"/>
+                  <a:ext cx="5475046" cy="4106284"/>
+                </a:xfrm>
+                <a:prstGeom prst="rect">
+                  <a:avLst/>
+                </a:prstGeom>
+              </p:spPr>
+            </p:pic>
+            <p:pic>
+              <p:nvPicPr>
+                <p:cNvPr id="5" name="Picture 4" descr="A graph of a line graph&#10;&#10;AI-generated content may be incorrect.">
+                  <a:extLst>
+                    <a:ext uri="{FF2B5EF4-FFF2-40B4-BE49-F238E27FC236}">
+                      <a16:creationId xmlns:a16="http://schemas.microsoft.com/office/drawing/2014/main" id="{62CEE539-29C1-9DCB-A6EA-E07AF162098D}"/>
+                    </a:ext>
+                  </a:extLst>
+                </p:cNvPr>
+                <p:cNvPicPr>
+                  <a:picLocks noChangeAspect="1"/>
+                </p:cNvPicPr>
+                <p:nvPr/>
+              </p:nvPicPr>
+              <p:blipFill>
+                <a:blip r:embed="rId20"/>
+                <a:stretch>
+                  <a:fillRect/>
+                </a:stretch>
+              </p:blipFill>
+              <p:spPr>
+                <a:xfrm>
+                  <a:off x="23863594" y="8938195"/>
+                  <a:ext cx="5475046" cy="4106285"/>
+                </a:xfrm>
+                <a:prstGeom prst="rect">
+                  <a:avLst/>
+                </a:prstGeom>
+              </p:spPr>
+            </p:pic>
+          </p:grpSp>
+          <p:sp>
+            <p:nvSpPr>
+              <p:cNvPr id="98" name="TextBox 97">
+                <a:extLst>
+                  <a:ext uri="{FF2B5EF4-FFF2-40B4-BE49-F238E27FC236}">
+                    <a16:creationId xmlns:a16="http://schemas.microsoft.com/office/drawing/2014/main" id="{49945A37-4C84-B8DB-0887-72307982F33E}"/>
+                  </a:ext>
+                </a:extLst>
+              </p:cNvPr>
+              <p:cNvSpPr txBox="1"/>
+              <p:nvPr/>
+            </p:nvSpPr>
+            <p:spPr>
+              <a:xfrm>
+                <a:off x="23828756" y="8770338"/>
+                <a:ext cx="390625" cy="461665"/>
+              </a:xfrm>
+              <a:prstGeom prst="rect">
+                <a:avLst/>
+              </a:prstGeom>
+              <a:noFill/>
+            </p:spPr>
+            <p:txBody>
+              <a:bodyPr wrap="square" rtlCol="0">
+                <a:spAutoFit/>
+              </a:bodyPr>
+              <a:lstStyle/>
+              <a:p>
+                <a:r>
+                  <a:rPr lang="en-GB" sz="2400" b="1" noProof="0" dirty="0"/>
+                  <a:t>B</a:t>
+                </a:r>
+              </a:p>
+            </p:txBody>
+          </p:sp>
+          <p:sp>
+            <p:nvSpPr>
+              <p:cNvPr id="99" name="TextBox 98">
+                <a:extLst>
+                  <a:ext uri="{FF2B5EF4-FFF2-40B4-BE49-F238E27FC236}">
+                    <a16:creationId xmlns:a16="http://schemas.microsoft.com/office/drawing/2014/main" id="{B1BEF744-BA9E-D30A-593C-00715AF3D0C6}"/>
+                  </a:ext>
+                </a:extLst>
+              </p:cNvPr>
+              <p:cNvSpPr txBox="1"/>
+              <p:nvPr/>
+            </p:nvSpPr>
+            <p:spPr>
+              <a:xfrm>
+                <a:off x="18438609" y="8770337"/>
+                <a:ext cx="390625" cy="461665"/>
+              </a:xfrm>
+              <a:prstGeom prst="rect">
+                <a:avLst/>
+              </a:prstGeom>
+              <a:noFill/>
+            </p:spPr>
+            <p:txBody>
+              <a:bodyPr wrap="square" rtlCol="0">
+                <a:spAutoFit/>
+              </a:bodyPr>
+              <a:lstStyle/>
+              <a:p>
+                <a:r>
+                  <a:rPr lang="en-GB" sz="2400" b="1" noProof="0" dirty="0"/>
+                  <a:t>A</a:t>
+                </a:r>
+              </a:p>
+            </p:txBody>
+          </p:sp>
+        </p:grpSp>
+        <p:sp>
+          <p:nvSpPr>
+            <p:cNvPr id="101" name="TextBox 100">
+              <a:extLst>
+                <a:ext uri="{FF2B5EF4-FFF2-40B4-BE49-F238E27FC236}">
+                  <a16:creationId xmlns:a16="http://schemas.microsoft.com/office/drawing/2014/main" id="{8E63968E-4CFD-17D2-5181-A624A6E5CD59}"/>
+                </a:ext>
+              </a:extLst>
+            </p:cNvPr>
+            <p:cNvSpPr txBox="1"/>
+            <p:nvPr/>
+          </p:nvSpPr>
+          <p:spPr>
+            <a:xfrm>
+              <a:off x="18016269" y="11750247"/>
+              <a:ext cx="11005390" cy="1323439"/>
+            </a:xfrm>
+            <a:prstGeom prst="rect">
+              <a:avLst/>
+            </a:prstGeom>
+            <a:noFill/>
+          </p:spPr>
+          <p:txBody>
+            <a:bodyPr wrap="square" rtlCol="0">
+              <a:spAutoFit/>
+            </a:bodyPr>
+            <a:lstStyle/>
+            <a:p>
+              <a:r>
+                <a:rPr lang="en-GB" sz="2000" b="1" noProof="0" dirty="0"/>
+                <a:t>Fig. 1 </a:t>
+              </a:r>
+              <a:r>
+                <a:rPr lang="en-GB" sz="2000" noProof="0" dirty="0"/>
+                <a:t>Plot of proteins in data set. The data was cleaned and normalized</a:t>
+              </a:r>
+            </a:p>
+            <a:p>
+              <a:endParaRPr lang="en-GB" sz="2000" noProof="0" dirty="0"/>
+            </a:p>
+            <a:p>
+              <a:r>
+                <a:rPr lang="en-GB" sz="2000" b="1" noProof="0" dirty="0"/>
+                <a:t>A) </a:t>
+              </a:r>
+              <a:r>
+                <a:rPr lang="en-GB" sz="2000" noProof="0" dirty="0"/>
+                <a:t>The protein NUCL_HUMAN is plotted which is part of the selected proteins and shows a significant shift between RNASE and CTRL. </a:t>
+              </a:r>
+              <a:r>
+                <a:rPr lang="en-GB" sz="2000" b="1" noProof="0" dirty="0"/>
+                <a:t>B) </a:t>
+              </a:r>
+              <a:r>
+                <a:rPr lang="en-GB" sz="2000" noProof="0" dirty="0"/>
+                <a:t>The protein PRKDC_HUMAN is plotted and shows no significant shift.</a:t>
+              </a:r>
+            </a:p>
+          </p:txBody>
+        </p:sp>
       </p:grpSp>
     </p:spTree>
     <p:extLst>

--- a/Poster.pptx
+++ b/Poster.pptx
@@ -3526,7 +3526,7 @@
         </p:blipFill>
         <p:spPr>
           <a:xfrm>
-            <a:off x="24229617" y="35586126"/>
+            <a:off x="24432036" y="35857778"/>
             <a:ext cx="5494984" cy="3089708"/>
           </a:xfrm>
           <a:prstGeom prst="rect">
@@ -3549,7 +3549,7 @@
         <p:spPr>
           <a:xfrm>
             <a:off x="619433" y="27643718"/>
-            <a:ext cx="14518173" cy="13738215"/>
+            <a:ext cx="14518173" cy="14571082"/>
           </a:xfrm>
           <a:prstGeom prst="roundRect">
             <a:avLst>
@@ -3660,8 +3660,8 @@
         </p:nvSpPr>
         <p:spPr>
           <a:xfrm>
-            <a:off x="15765564" y="35908635"/>
-            <a:ext cx="8275536" cy="5473298"/>
+            <a:off x="15765564" y="35908634"/>
+            <a:ext cx="8275536" cy="6306166"/>
           </a:xfrm>
           <a:prstGeom prst="roundRect">
             <a:avLst>
@@ -3831,8 +3831,8 @@
         </p:nvSpPr>
         <p:spPr>
           <a:xfrm>
-            <a:off x="1253554" y="8328936"/>
-            <a:ext cx="13893040" cy="4524315"/>
+            <a:off x="1194287" y="8821187"/>
+            <a:ext cx="8066592" cy="3046988"/>
           </a:xfrm>
           <a:prstGeom prst="rect">
             <a:avLst/>
@@ -3848,11 +3848,14 @@
           </a:bodyPr>
           <a:lstStyle/>
           <a:p>
-            <a:r>
-              <a:rPr lang="en-GB" sz="2400" b="1" noProof="0" dirty="0"/>
-              <a:t>  </a:t>
-            </a:r>
-            <a:endParaRPr lang="en-GB" sz="2400" noProof="0" dirty="0"/>
+            <a:pPr marL="342900" indent="-342900">
+              <a:buFont typeface="Arial" panose="020B0604020202020204" pitchFamily="34" charset="0"/>
+              <a:buChar char="•"/>
+            </a:pPr>
+            <a:r>
+              <a:rPr lang="en-GB" sz="2400" noProof="0" dirty="0"/>
+              <a:t>„We want to extract RNA-dependent proteins from proteomic screens”</a:t>
+            </a:r>
           </a:p>
           <a:p>
             <a:pPr marL="457200" indent="-457200">
@@ -3861,7 +3864,16 @@
             </a:pPr>
             <a:r>
               <a:rPr lang="en-GB" sz="2400" noProof="0" dirty="0"/>
-              <a:t>„We want to extract RNA-dependent proteins from proteomic screens”</a:t>
+              <a:t>„RNA-dependency = the proteins interactome depends on RNA“</a:t>
+            </a:r>
+          </a:p>
+          <a:p>
+            <a:endParaRPr lang="en-GB" sz="2400" b="1" noProof="0" dirty="0"/>
+          </a:p>
+          <a:p>
+            <a:r>
+              <a:rPr lang="en-GB" sz="2400" b="1" dirty="0"/>
+              <a:t>Key Characteristics of Our Dataset</a:t>
             </a:r>
           </a:p>
           <a:p>
@@ -3870,17 +3882,8 @@
               <a:buChar char="•"/>
             </a:pPr>
             <a:r>
-              <a:rPr lang="en-GB" sz="2400" noProof="0" dirty="0"/>
-              <a:t>„RNA-dependency = the proteins interactome depends on RNA“</a:t>
-            </a:r>
-          </a:p>
-          <a:p>
-            <a:endParaRPr lang="en-GB" sz="2400" b="1" noProof="0" dirty="0"/>
-          </a:p>
-          <a:p>
-            <a:r>
-              <a:rPr lang="en-GB" sz="2400" b="1" noProof="0" dirty="0"/>
-              <a:t>What Makes RNA-Dependent Proteins Worth Investigating?</a:t>
+              <a:rPr lang="en-GB" sz="2400" dirty="0"/>
+              <a:t>Our dataset was generated using the R-Deep approach</a:t>
             </a:r>
           </a:p>
           <a:p>
@@ -3889,100 +3892,9 @@
               <a:buChar char="•"/>
             </a:pPr>
             <a:r>
-              <a:rPr lang="en-GB" sz="2400" b="1" noProof="0" dirty="0"/>
-              <a:t>Key Regulators:</a:t>
-            </a:r>
-            <a:r>
-              <a:rPr lang="en-GB" sz="2400" noProof="0" dirty="0"/>
-              <a:t> RBPs control RNA metabolism &amp; gene expression.</a:t>
-            </a:r>
-          </a:p>
-          <a:p>
-            <a:pPr marL="457200" indent="-457200">
-              <a:buFont typeface="Arial" panose="020B0604020202020204" pitchFamily="34" charset="0"/>
-              <a:buChar char="•"/>
-            </a:pPr>
-            <a:r>
-              <a:rPr lang="en-GB" sz="2400" b="1" noProof="0" dirty="0"/>
-              <a:t>Disease Links:</a:t>
-            </a:r>
-            <a:r>
-              <a:rPr lang="en-GB" sz="2400" noProof="0" dirty="0"/>
-              <a:t> </a:t>
-            </a:r>
-            <a:r>
-              <a:rPr lang="en-GB" sz="2400" noProof="0" dirty="0" err="1"/>
-              <a:t>Misregulation</a:t>
-            </a:r>
-            <a:r>
-              <a:rPr lang="en-GB" sz="2400" noProof="0" dirty="0"/>
-              <a:t> is tied to cancer &amp; neurodegeneration.</a:t>
-            </a:r>
-          </a:p>
-          <a:p>
-            <a:pPr marL="457200" indent="-457200">
-              <a:buFont typeface="Arial" panose="020B0604020202020204" pitchFamily="34" charset="0"/>
-              <a:buChar char="•"/>
-            </a:pPr>
-            <a:r>
-              <a:rPr lang="en-GB" sz="2400" b="1" noProof="0" dirty="0"/>
-              <a:t>Functional Clues:</a:t>
-            </a:r>
-            <a:r>
-              <a:rPr lang="en-GB" sz="2400" noProof="0" dirty="0"/>
-              <a:t> New RBPs hint at RNA’s role in specific pathways.</a:t>
-            </a:r>
-          </a:p>
-          <a:p>
-            <a:pPr marL="457200" indent="-457200">
-              <a:buFont typeface="Arial" panose="020B0604020202020204" pitchFamily="34" charset="0"/>
-              <a:buChar char="•"/>
-            </a:pPr>
-            <a:r>
-              <a:rPr lang="en-GB" sz="2400" b="1" noProof="0" dirty="0"/>
-              <a:t>Interaction Networks:</a:t>
-            </a:r>
-            <a:r>
-              <a:rPr lang="en-GB" sz="2400" noProof="0" dirty="0"/>
-              <a:t> Mapping RNA-protein complexes reveals regulatory logic. </a:t>
-            </a:r>
-          </a:p>
-          <a:p>
-            <a:pPr marL="457200" indent="-457200">
-              <a:buFont typeface="Arial" panose="020B0604020202020204" pitchFamily="34" charset="0"/>
-              <a:buChar char="•"/>
-            </a:pPr>
-            <a:r>
-              <a:rPr lang="en-GB" sz="2400" b="1" noProof="0" dirty="0"/>
-              <a:t>Molecular Insights:</a:t>
-            </a:r>
-            <a:r>
-              <a:rPr lang="en-GB" sz="2400" noProof="0" dirty="0"/>
-              <a:t> Deepens our understanding of cell cycle and cellular </a:t>
-            </a:r>
-            <a:r>
-              <a:rPr lang="en-GB" sz="2400" noProof="0" dirty="0" err="1"/>
-              <a:t>behavior</a:t>
-            </a:r>
-            <a:r>
-              <a:rPr lang="en-GB" sz="2400" noProof="0" dirty="0"/>
-              <a:t>. </a:t>
-            </a:r>
-            <a:endParaRPr lang="en-GB" sz="2400" b="1" noProof="0" dirty="0"/>
-          </a:p>
-          <a:p>
-            <a:pPr marL="457200" indent="-457200">
-              <a:buFont typeface="Arial" panose="020B0604020202020204" pitchFamily="34" charset="0"/>
-              <a:buChar char="•"/>
-            </a:pPr>
-            <a:endParaRPr lang="en-GB" sz="2400" noProof="0" dirty="0"/>
-          </a:p>
-          <a:p>
-            <a:pPr marL="457200" indent="-457200">
-              <a:buFont typeface="Arial" panose="020B0604020202020204" pitchFamily="34" charset="0"/>
-              <a:buChar char="•"/>
-            </a:pPr>
-            <a:endParaRPr lang="en-GB" sz="2400" noProof="0" dirty="0"/>
+              <a:rPr lang="en-GB" sz="2400" dirty="0"/>
+              <a:t>~5000 proteins in 25 fractions, RNASE vs. CTRL</a:t>
+            </a:r>
           </a:p>
         </p:txBody>
       </p:sp>
@@ -4178,7 +4090,7 @@
         <p:spPr>
           <a:xfrm>
             <a:off x="15977907" y="37738473"/>
-            <a:ext cx="7850849" cy="3785652"/>
+            <a:ext cx="7850849" cy="4401205"/>
           </a:xfrm>
           <a:prstGeom prst="rect">
             <a:avLst/>
@@ -4199,12 +4111,70 @@
               <a:buChar char="•"/>
             </a:pPr>
             <a:r>
-              <a:rPr lang="en-GB" sz="2000" noProof="0" dirty="0" err="1"/>
+              <a:rPr lang="en-GB" sz="2000" noProof="0" dirty="0" err="1">
+                <a:solidFill>
+                  <a:schemeClr val="tx1">
+                    <a:lumMod val="65000"/>
+                    <a:lumOff val="35000"/>
+                  </a:schemeClr>
+                </a:solidFill>
+              </a:rPr>
               <a:t>Sternburg</a:t>
             </a:r>
             <a:r>
-              <a:rPr lang="en-GB" sz="2000" noProof="0" dirty="0"/>
-              <a:t> et al., Global Approaches in Studying RNA-Binding Protein Interaction Networks, 2020, Trends in Biochemical Sciences.pdf</a:t>
+              <a:rPr lang="en-GB" sz="2000" noProof="0" dirty="0">
+                <a:solidFill>
+                  <a:schemeClr val="tx1">
+                    <a:lumMod val="65000"/>
+                    <a:lumOff val="35000"/>
+                  </a:schemeClr>
+                </a:solidFill>
+              </a:rPr>
+              <a:t> </a:t>
+            </a:r>
+            <a:r>
+              <a:rPr lang="en-GB" sz="2000" i="1" noProof="0" dirty="0">
+                <a:solidFill>
+                  <a:schemeClr val="tx1">
+                    <a:lumMod val="65000"/>
+                    <a:lumOff val="35000"/>
+                  </a:schemeClr>
+                </a:solidFill>
+              </a:rPr>
+              <a:t>et</a:t>
+            </a:r>
+            <a:r>
+              <a:rPr lang="en-GB" sz="2000" noProof="0" dirty="0">
+                <a:solidFill>
+                  <a:schemeClr val="tx1">
+                    <a:lumMod val="65000"/>
+                    <a:lumOff val="35000"/>
+                  </a:schemeClr>
+                </a:solidFill>
+              </a:rPr>
+              <a:t> </a:t>
+            </a:r>
+            <a:r>
+              <a:rPr lang="en-GB" sz="2000" i="1" noProof="0" dirty="0">
+                <a:solidFill>
+                  <a:schemeClr val="tx1">
+                    <a:lumMod val="65000"/>
+                    <a:lumOff val="35000"/>
+                  </a:schemeClr>
+                </a:solidFill>
+              </a:rPr>
+              <a:t>al., </a:t>
+            </a:r>
+            <a:r>
+              <a:rPr lang="en-GB" sz="2000" noProof="0" dirty="0">
+                <a:solidFill>
+                  <a:schemeClr val="tx1">
+                    <a:lumMod val="65000"/>
+                    <a:lumOff val="35000"/>
+                  </a:schemeClr>
+                </a:solidFill>
+              </a:rPr>
+              <a:t>Global Approaches in Studying RNA-Binding Protein Interaction Networks, 2020, Trends in Biochemical Sciences.pdf</a:t>
             </a:r>
           </a:p>
           <a:p>
@@ -4213,15 +4183,58 @@
               <a:buChar char="•"/>
             </a:pPr>
             <a:r>
-              <a:rPr lang="en-GB" sz="2000" noProof="0" dirty="0"/>
-              <a:t>Caudron-Herger et al., R-</a:t>
-            </a:r>
-            <a:r>
-              <a:rPr lang="en-GB" sz="2000" noProof="0" dirty="0" err="1"/>
+              <a:rPr lang="en-GB" sz="2000" noProof="0" dirty="0">
+                <a:solidFill>
+                  <a:schemeClr val="tx1">
+                    <a:lumMod val="65000"/>
+                    <a:lumOff val="35000"/>
+                  </a:schemeClr>
+                </a:solidFill>
+              </a:rPr>
+              <a:t>Caudron-Herger </a:t>
+            </a:r>
+            <a:r>
+              <a:rPr lang="en-GB" sz="2000" i="1" noProof="0" dirty="0">
+                <a:solidFill>
+                  <a:schemeClr val="tx1">
+                    <a:lumMod val="65000"/>
+                    <a:lumOff val="35000"/>
+                  </a:schemeClr>
+                </a:solidFill>
+              </a:rPr>
+              <a:t>et al., </a:t>
+            </a:r>
+            <a:r>
+              <a:rPr lang="en-GB" sz="2000" noProof="0" dirty="0">
+                <a:solidFill>
+                  <a:schemeClr val="tx1">
+                    <a:lumMod val="65000"/>
+                    <a:lumOff val="35000"/>
+                  </a:schemeClr>
+                </a:solidFill>
+              </a:rPr>
+              <a:t>R-</a:t>
+            </a:r>
+            <a:r>
+              <a:rPr lang="en-GB" sz="2000" noProof="0" dirty="0" err="1">
+                <a:solidFill>
+                  <a:schemeClr val="tx1">
+                    <a:lumMod val="65000"/>
+                    <a:lumOff val="35000"/>
+                  </a:schemeClr>
+                </a:solidFill>
+              </a:rPr>
               <a:t>DeeP</a:t>
             </a:r>
             <a:r>
-              <a:rPr lang="en-GB" sz="2000" noProof="0" dirty="0"/>
+              <a:rPr lang="en-GB" sz="2000" noProof="0" dirty="0">
+                <a:solidFill>
+                  <a:schemeClr val="tx1">
+                    <a:lumMod val="65000"/>
+                    <a:lumOff val="35000"/>
+                  </a:schemeClr>
+                </a:solidFill>
+              </a:rPr>
               <a:t> Proteome-wide and Quantitative Identification of RNA-Dependent Proteins by Density Gradient Ultracentrifugation, 2019, Molecular Cell.pdf</a:t>
             </a:r>
           </a:p>
@@ -4231,8 +4244,37 @@
               <a:buChar char="•"/>
             </a:pPr>
             <a:r>
-              <a:rPr lang="en-GB" sz="2000" noProof="0" dirty="0"/>
-              <a:t>Caudron-Herger et al., Identification, quantification and bioinformatic analysis of RNA-dependent proteins by RNase treatment and density gradient ultracentrifugation using R-DeeP-2020-Nature Protocols_1.pdf</a:t>
+              <a:rPr lang="en-GB" sz="2000" noProof="0" dirty="0">
+                <a:solidFill>
+                  <a:schemeClr val="tx1">
+                    <a:lumMod val="65000"/>
+                    <a:lumOff val="35000"/>
+                  </a:schemeClr>
+                </a:solidFill>
+              </a:rPr>
+              <a:t>Caudron-Herger </a:t>
+            </a:r>
+            <a:r>
+              <a:rPr lang="en-GB" sz="2000" i="1" noProof="0" dirty="0">
+                <a:solidFill>
+                  <a:schemeClr val="tx1">
+                    <a:lumMod val="65000"/>
+                    <a:lumOff val="35000"/>
+                  </a:schemeClr>
+                </a:solidFill>
+              </a:rPr>
+              <a:t>et al., </a:t>
+            </a:r>
+            <a:r>
+              <a:rPr lang="en-GB" sz="2000" noProof="0" dirty="0">
+                <a:solidFill>
+                  <a:schemeClr val="tx1">
+                    <a:lumMod val="65000"/>
+                    <a:lumOff val="35000"/>
+                  </a:schemeClr>
+                </a:solidFill>
+              </a:rPr>
+              <a:t>Identification, quantification and bioinformatic analysis of RNA-dependent proteins by RNase treatment and density gradient ultracentrifugation using R-DeeP-2020-Nature Protocols_1.pdf</a:t>
             </a:r>
           </a:p>
           <a:p>
@@ -4241,15 +4283,36 @@
               <a:buChar char="•"/>
             </a:pPr>
             <a:r>
-              <a:rPr lang="en-GB" sz="2000" noProof="0" dirty="0"/>
+              <a:rPr lang="en-GB" sz="2000" noProof="0" dirty="0">
+                <a:solidFill>
+                  <a:schemeClr val="tx1">
+                    <a:lumMod val="65000"/>
+                    <a:lumOff val="35000"/>
+                  </a:schemeClr>
+                </a:solidFill>
+              </a:rPr>
               <a:t>Corley </a:t>
             </a:r>
             <a:r>
-              <a:rPr lang="en-GB" sz="2000" i="1" noProof="0" dirty="0"/>
+              <a:rPr lang="en-GB" sz="2000" i="1" noProof="0" dirty="0">
+                <a:solidFill>
+                  <a:schemeClr val="tx1">
+                    <a:lumMod val="65000"/>
+                    <a:lumOff val="35000"/>
+                  </a:schemeClr>
+                </a:solidFill>
+              </a:rPr>
               <a:t>et al.</a:t>
             </a:r>
             <a:r>
-              <a:rPr lang="en-GB" sz="2000" noProof="0" dirty="0"/>
+              <a:rPr lang="en-GB" sz="2000" noProof="0" dirty="0">
+                <a:solidFill>
+                  <a:schemeClr val="tx1">
+                    <a:lumMod val="65000"/>
+                    <a:lumOff val="35000"/>
+                  </a:schemeClr>
+                </a:solidFill>
+              </a:rPr>
               <a:t>, How RNA-Binding Proteins Interact with RNA Molecules and Mechanisms, 2020, Molecular Cell.pdf</a:t>
             </a:r>
           </a:p>
@@ -4258,7 +4321,61 @@
               <a:buFont typeface="Arial" panose="020B0604020202020204" pitchFamily="34" charset="0"/>
               <a:buChar char="•"/>
             </a:pPr>
-            <a:endParaRPr lang="en-GB" sz="2000" noProof="0" dirty="0"/>
+            <a:r>
+              <a:rPr lang="en-US" sz="2000" dirty="0">
+                <a:solidFill>
+                  <a:schemeClr val="tx1">
+                    <a:lumMod val="65000"/>
+                    <a:lumOff val="35000"/>
+                  </a:schemeClr>
+                </a:solidFill>
+              </a:rPr>
+              <a:t>Rajagopal </a:t>
+            </a:r>
+            <a:r>
+              <a:rPr lang="en-US" sz="2000" i="1" dirty="0">
+                <a:solidFill>
+                  <a:schemeClr val="tx1">
+                    <a:lumMod val="65000"/>
+                    <a:lumOff val="35000"/>
+                  </a:schemeClr>
+                </a:solidFill>
+              </a:rPr>
+              <a:t>et al.</a:t>
+            </a:r>
+            <a:r>
+              <a:rPr lang="en-US" sz="2000" dirty="0">
+                <a:solidFill>
+                  <a:schemeClr val="tx1">
+                    <a:lumMod val="65000"/>
+                    <a:lumOff val="35000"/>
+                  </a:schemeClr>
+                </a:solidFill>
+              </a:rPr>
+              <a:t>, An atlas of RNA-dependent proteins in cell division reveals the </a:t>
+            </a:r>
+            <a:r>
+              <a:rPr lang="en-US" sz="2000" dirty="0" err="1">
+                <a:solidFill>
+                  <a:schemeClr val="tx1">
+                    <a:lumMod val="65000"/>
+                    <a:lumOff val="35000"/>
+                  </a:schemeClr>
+                </a:solidFill>
+              </a:rPr>
+              <a:t>riboregulation</a:t>
+            </a:r>
+            <a:r>
+              <a:rPr lang="en-US" sz="2000" dirty="0">
+                <a:solidFill>
+                  <a:schemeClr val="tx1">
+                    <a:lumMod val="65000"/>
+                    <a:lumOff val="35000"/>
+                  </a:schemeClr>
+                </a:solidFill>
+              </a:rPr>
+              <a:t> of mitotic protein-protein interactions. Nat. Commun. 16, 2325 (2025).pdf</a:t>
+            </a:r>
           </a:p>
         </p:txBody>
       </p:sp>
@@ -4276,8 +4393,8 @@
         </p:nvSpPr>
         <p:spPr>
           <a:xfrm>
-            <a:off x="16242587" y="29665022"/>
-            <a:ext cx="8291810" cy="1200329"/>
+            <a:off x="16242586" y="29665022"/>
+            <a:ext cx="13142931" cy="3416320"/>
           </a:xfrm>
           <a:prstGeom prst="rect">
             <a:avLst/>
@@ -4299,7 +4416,11 @@
             </a:pPr>
             <a:r>
               <a:rPr lang="en-GB" sz="2400" noProof="0" dirty="0"/>
-              <a:t>We found X proteins that ...</a:t>
+              <a:t>We found 951 different </a:t>
+            </a:r>
+            <a:r>
+              <a:rPr lang="en-GB" sz="2400" dirty="0"/>
+              <a:t>RNA dependent proteins and 3814 proteins that are not RNA dependent</a:t>
             </a:r>
           </a:p>
           <a:p>
@@ -4307,6 +4428,134 @@
               <a:buFont typeface="Arial" panose="020B0604020202020204" pitchFamily="34" charset="0"/>
               <a:buChar char="•"/>
             </a:pPr>
+            <a:r>
+              <a:rPr lang="en-GB" sz="2400" dirty="0"/>
+              <a:t>Our selection criteria seems to be very robust for detecting RNA dependent proteins</a:t>
+            </a:r>
+          </a:p>
+          <a:p>
+            <a:pPr marL="457200" indent="-457200">
+              <a:buFont typeface="Arial" panose="020B0604020202020204" pitchFamily="34" charset="0"/>
+              <a:buChar char="•"/>
+            </a:pPr>
+            <a:endParaRPr lang="en-GB" sz="2400" noProof="0" dirty="0"/>
+          </a:p>
+          <a:p>
+            <a:r>
+              <a:rPr lang="en-GB" sz="2400" dirty="0"/>
+              <a:t>The future will show, if one of our RNA dependent proteins is tied to cancer or included in another important pathway. </a:t>
+            </a:r>
+          </a:p>
+          <a:p>
+            <a:r>
+              <a:rPr lang="en-US" sz="2400" dirty="0"/>
+              <a:t>All in all, it can be said that the further identification of RNA-dependent proteins continues to be of great relevance in cancer and basic research.</a:t>
+            </a:r>
+            <a:endParaRPr lang="en-GB" sz="2400" noProof="0" dirty="0"/>
+          </a:p>
+          <a:p>
+            <a:r>
+              <a:rPr lang="en-GB" sz="2400" noProof="0" dirty="0">
+                <a:sym typeface="Wingdings" panose="05000000000000000000" pitchFamily="2" charset="2"/>
+              </a:rPr>
+              <a:t> Wenn </a:t>
+            </a:r>
+            <a:r>
+              <a:rPr lang="en-GB" sz="2400" noProof="0" dirty="0" err="1">
+                <a:sym typeface="Wingdings" panose="05000000000000000000" pitchFamily="2" charset="2"/>
+              </a:rPr>
+              <a:t>ihr</a:t>
+            </a:r>
+            <a:r>
+              <a:rPr lang="en-GB" sz="2400" noProof="0" dirty="0">
+                <a:sym typeface="Wingdings" panose="05000000000000000000" pitchFamily="2" charset="2"/>
+              </a:rPr>
+              <a:t> </a:t>
+            </a:r>
+            <a:r>
+              <a:rPr lang="en-GB" sz="2400" noProof="0" dirty="0" err="1">
+                <a:sym typeface="Wingdings" panose="05000000000000000000" pitchFamily="2" charset="2"/>
+              </a:rPr>
+              <a:t>mehr</a:t>
+            </a:r>
+            <a:r>
+              <a:rPr lang="en-GB" sz="2400" noProof="0" dirty="0">
+                <a:sym typeface="Wingdings" panose="05000000000000000000" pitchFamily="2" charset="2"/>
+              </a:rPr>
+              <a:t> achievements </a:t>
+            </a:r>
+            <a:r>
+              <a:rPr lang="en-GB" sz="2400" noProof="0" dirty="0" err="1">
+                <a:sym typeface="Wingdings" panose="05000000000000000000" pitchFamily="2" charset="2"/>
+              </a:rPr>
+              <a:t>findet</a:t>
+            </a:r>
+            <a:r>
+              <a:rPr lang="en-GB" sz="2400" noProof="0" dirty="0">
+                <a:sym typeface="Wingdings" panose="05000000000000000000" pitchFamily="2" charset="2"/>
+              </a:rPr>
+              <a:t>, </a:t>
+            </a:r>
+            <a:r>
+              <a:rPr lang="en-GB" sz="2400" noProof="0" dirty="0" err="1">
+                <a:sym typeface="Wingdings" panose="05000000000000000000" pitchFamily="2" charset="2"/>
+              </a:rPr>
+              <a:t>könnt</a:t>
+            </a:r>
+            <a:r>
+              <a:rPr lang="en-GB" sz="2400" noProof="0" dirty="0">
+                <a:sym typeface="Wingdings" panose="05000000000000000000" pitchFamily="2" charset="2"/>
+              </a:rPr>
+              <a:t> </a:t>
+            </a:r>
+            <a:r>
+              <a:rPr lang="en-GB" sz="2400" noProof="0" dirty="0" err="1">
+                <a:sym typeface="Wingdings" panose="05000000000000000000" pitchFamily="2" charset="2"/>
+              </a:rPr>
+              <a:t>ihr</a:t>
+            </a:r>
+            <a:r>
+              <a:rPr lang="en-GB" sz="2400" noProof="0" dirty="0">
+                <a:sym typeface="Wingdings" panose="05000000000000000000" pitchFamily="2" charset="2"/>
+              </a:rPr>
+              <a:t> den </a:t>
+            </a:r>
+            <a:r>
+              <a:rPr lang="en-GB" sz="2400" noProof="0" dirty="0" err="1">
+                <a:sym typeface="Wingdings" panose="05000000000000000000" pitchFamily="2" charset="2"/>
+              </a:rPr>
+              <a:t>letzten</a:t>
+            </a:r>
+            <a:r>
+              <a:rPr lang="en-GB" sz="2400" noProof="0" dirty="0">
+                <a:sym typeface="Wingdings" panose="05000000000000000000" pitchFamily="2" charset="2"/>
+              </a:rPr>
+              <a:t> text </a:t>
+            </a:r>
+            <a:r>
+              <a:rPr lang="en-GB" sz="2400" noProof="0" dirty="0" err="1">
+                <a:sym typeface="Wingdings" panose="05000000000000000000" pitchFamily="2" charset="2"/>
+              </a:rPr>
+              <a:t>auch</a:t>
+            </a:r>
+            <a:r>
+              <a:rPr lang="en-GB" sz="2400" noProof="0" dirty="0">
+                <a:sym typeface="Wingdings" panose="05000000000000000000" pitchFamily="2" charset="2"/>
+              </a:rPr>
+              <a:t> </a:t>
+            </a:r>
+            <a:r>
+              <a:rPr lang="en-GB" sz="2400" noProof="0" dirty="0" err="1">
+                <a:sym typeface="Wingdings" panose="05000000000000000000" pitchFamily="2" charset="2"/>
+              </a:rPr>
+              <a:t>rauslöschen</a:t>
+            </a:r>
+            <a:r>
+              <a:rPr lang="en-GB" sz="2400" noProof="0" dirty="0">
+                <a:sym typeface="Wingdings" panose="05000000000000000000" pitchFamily="2" charset="2"/>
+              </a:rPr>
+              <a:t>. </a:t>
+            </a:r>
             <a:endParaRPr lang="en-GB" sz="2400" noProof="0" dirty="0"/>
           </a:p>
           <a:p>
@@ -4377,113 +4626,6 @@
       </p:sp>
       <p:sp>
         <p:nvSpPr>
-          <p:cNvPr id="21" name="TextBox 20">
-            <a:extLst>
-              <a:ext uri="{FF2B5EF4-FFF2-40B4-BE49-F238E27FC236}">
-                <a16:creationId xmlns:a16="http://schemas.microsoft.com/office/drawing/2014/main" id="{CD98A08E-D19E-0C19-3937-1BC787E32FC0}"/>
-              </a:ext>
-            </a:extLst>
-          </p:cNvPr>
-          <p:cNvSpPr txBox="1"/>
-          <p:nvPr/>
-        </p:nvSpPr>
-        <p:spPr>
-          <a:xfrm>
-            <a:off x="9935716" y="9244717"/>
-            <a:ext cx="7463452" cy="2308324"/>
-          </a:xfrm>
-          <a:prstGeom prst="rect">
-            <a:avLst/>
-          </a:prstGeom>
-          <a:noFill/>
-          <a:ln>
-            <a:noFill/>
-          </a:ln>
-        </p:spPr>
-        <p:txBody>
-          <a:bodyPr wrap="square">
-            <a:spAutoFit/>
-          </a:bodyPr>
-          <a:lstStyle/>
-          <a:p>
-            <a:r>
-              <a:rPr lang="en-GB" sz="2400" b="1" noProof="0" dirty="0"/>
-              <a:t>Key Characteristics of Our Dataset</a:t>
-            </a:r>
-          </a:p>
-          <a:p>
-            <a:pPr marL="457200" indent="-457200">
-              <a:buFont typeface="Arial" panose="020B0604020202020204" pitchFamily="34" charset="0"/>
-              <a:buChar char="•"/>
-            </a:pPr>
-            <a:r>
-              <a:rPr lang="en-GB" sz="2400" noProof="0" dirty="0"/>
-              <a:t>Our dataset was generated using the R-Deep approach</a:t>
-            </a:r>
-          </a:p>
-          <a:p>
-            <a:pPr marL="457200" indent="-457200">
-              <a:buFont typeface="Arial" panose="020B0604020202020204" pitchFamily="34" charset="0"/>
-              <a:buChar char="•"/>
-            </a:pPr>
-            <a:r>
-              <a:rPr lang="en-GB" sz="2400" noProof="0" dirty="0"/>
-              <a:t>~5000 </a:t>
-            </a:r>
-            <a:r>
-              <a:rPr lang="en-GB" sz="2400" noProof="0" dirty="0" err="1"/>
-              <a:t>Proteine</a:t>
-            </a:r>
-            <a:r>
-              <a:rPr lang="en-GB" sz="2400" noProof="0" dirty="0"/>
-              <a:t> in 25 </a:t>
-            </a:r>
-            <a:r>
-              <a:rPr lang="en-GB" sz="2400" noProof="0" dirty="0" err="1"/>
-              <a:t>Fraktionen</a:t>
-            </a:r>
-            <a:r>
-              <a:rPr lang="en-GB" sz="2400" noProof="0" dirty="0"/>
-              <a:t>, </a:t>
-            </a:r>
-            <a:r>
-              <a:rPr lang="en-GB" sz="2400" noProof="0" dirty="0" err="1"/>
-              <a:t>Rnase</a:t>
-            </a:r>
-            <a:r>
-              <a:rPr lang="en-GB" sz="2400" noProof="0" dirty="0"/>
-              <a:t> vs. CTRL</a:t>
-            </a:r>
-          </a:p>
-          <a:p>
-            <a:pPr marL="457200" indent="-457200">
-              <a:buFont typeface="Arial" panose="020B0604020202020204" pitchFamily="34" charset="0"/>
-              <a:buChar char="•"/>
-            </a:pPr>
-            <a:r>
-              <a:rPr lang="en-GB" sz="2400" noProof="0" dirty="0"/>
-              <a:t>Dimensions</a:t>
-            </a:r>
-            <a:endParaRPr lang="en-GB" sz="2400" b="1" noProof="0" dirty="0"/>
-          </a:p>
-          <a:p>
-            <a:pPr marL="457200" indent="-457200">
-              <a:buFont typeface="Arial" panose="020B0604020202020204" pitchFamily="34" charset="0"/>
-              <a:buChar char="•"/>
-            </a:pPr>
-            <a:endParaRPr lang="en-GB" sz="2400" noProof="0" dirty="0"/>
-          </a:p>
-          <a:p>
-            <a:pPr marL="457200" indent="-457200">
-              <a:buFont typeface="Arial" panose="020B0604020202020204" pitchFamily="34" charset="0"/>
-              <a:buChar char="•"/>
-            </a:pPr>
-            <a:endParaRPr lang="en-GB" sz="2400" noProof="0" dirty="0"/>
-          </a:p>
-        </p:txBody>
-      </p:sp>
-      <p:sp>
-        <p:nvSpPr>
           <p:cNvPr id="22" name="Rectangle: Rounded Corners 21">
             <a:extLst>
               <a:ext uri="{FF2B5EF4-FFF2-40B4-BE49-F238E27FC236}">
@@ -5190,69 +5332,14 @@
         </p:blipFill>
         <p:spPr>
           <a:xfrm>
-            <a:off x="24585746" y="39152451"/>
-            <a:ext cx="3922235" cy="2206256"/>
+            <a:off x="24763588" y="39631299"/>
+            <a:ext cx="4636493" cy="2608026"/>
           </a:xfrm>
           <a:prstGeom prst="rect">
             <a:avLst/>
           </a:prstGeom>
         </p:spPr>
       </p:pic>
-      <p:sp>
-        <p:nvSpPr>
-          <p:cNvPr id="40" name="Rectangle: Top Corners Rounded 39">
-            <a:extLst>
-              <a:ext uri="{FF2B5EF4-FFF2-40B4-BE49-F238E27FC236}">
-                <a16:creationId xmlns:a16="http://schemas.microsoft.com/office/drawing/2014/main" id="{F4416AEA-34F2-24DF-EA33-09AFC995BF3E}"/>
-              </a:ext>
-            </a:extLst>
-          </p:cNvPr>
-          <p:cNvSpPr/>
-          <p:nvPr/>
-        </p:nvSpPr>
-        <p:spPr>
-          <a:xfrm flipV="1">
-            <a:off x="-1" y="41844211"/>
-            <a:ext cx="30329139" cy="959548"/>
-          </a:xfrm>
-          <a:prstGeom prst="round2SameRect">
-            <a:avLst>
-              <a:gd name="adj1" fmla="val 0"/>
-              <a:gd name="adj2" fmla="val 0"/>
-            </a:avLst>
-          </a:prstGeom>
-          <a:solidFill>
-            <a:srgbClr val="141F4C"/>
-          </a:solidFill>
-          <a:ln w="254000">
-            <a:noFill/>
-          </a:ln>
-        </p:spPr>
-        <p:style>
-          <a:lnRef idx="2">
-            <a:schemeClr val="accent1">
-              <a:shade val="15000"/>
-            </a:schemeClr>
-          </a:lnRef>
-          <a:fillRef idx="1">
-            <a:schemeClr val="accent1"/>
-          </a:fillRef>
-          <a:effectRef idx="0">
-            <a:schemeClr val="accent1"/>
-          </a:effectRef>
-          <a:fontRef idx="minor">
-            <a:schemeClr val="lt1"/>
-          </a:fontRef>
-        </p:style>
-        <p:txBody>
-          <a:bodyPr rtlCol="0" anchor="ctr"/>
-          <a:lstStyle/>
-          <a:p>
-            <a:pPr algn="ctr"/>
-            <a:endParaRPr lang="en-GB" noProof="0" dirty="0"/>
-          </a:p>
-        </p:txBody>
-      </p:sp>
       <p:grpSp>
         <p:nvGrpSpPr>
           <p:cNvPr id="97" name="Group 96">
@@ -5884,10 +5971,10 @@
         </p:nvGrpSpPr>
         <p:grpSpPr>
           <a:xfrm>
-            <a:off x="1005421" y="36902457"/>
-            <a:ext cx="13804740" cy="3380604"/>
-            <a:chOff x="1299045" y="37902662"/>
-            <a:chExt cx="10882070" cy="2530059"/>
+            <a:off x="882465" y="37738473"/>
+            <a:ext cx="13992107" cy="3440873"/>
+            <a:chOff x="1272077" y="38191228"/>
+            <a:chExt cx="10836579" cy="2530060"/>
           </a:xfrm>
         </p:grpSpPr>
         <p:pic>
@@ -5912,7 +5999,7 @@
           </p:blipFill>
           <p:spPr>
             <a:xfrm>
-              <a:off x="6412275" y="37902662"/>
+              <a:off x="6339816" y="38191228"/>
               <a:ext cx="5768840" cy="2499577"/>
             </a:xfrm>
             <a:prstGeom prst="rect">
@@ -5942,7 +6029,7 @@
           </p:blipFill>
           <p:spPr>
             <a:xfrm>
-              <a:off x="1299045" y="37902662"/>
+              <a:off x="1272077" y="38191229"/>
               <a:ext cx="5067739" cy="2530059"/>
             </a:xfrm>
             <a:prstGeom prst="rect">
@@ -5966,9 +6053,9 @@
         <p:grpSpPr>
           <a:xfrm>
             <a:off x="851766" y="29318865"/>
-            <a:ext cx="12575059" cy="7969168"/>
+            <a:ext cx="14159634" cy="7969168"/>
             <a:chOff x="851766" y="29318865"/>
-            <a:chExt cx="12575059" cy="7969168"/>
+            <a:chExt cx="14159634" cy="7969168"/>
           </a:xfrm>
         </p:grpSpPr>
         <p:grpSp>
@@ -5985,10 +6072,10 @@
           </p:nvGrpSpPr>
           <p:grpSpPr>
             <a:xfrm>
-              <a:off x="873473" y="29617112"/>
-              <a:ext cx="12553352" cy="7670921"/>
-              <a:chOff x="873473" y="29617112"/>
-              <a:chExt cx="12553352" cy="7670921"/>
+              <a:off x="851766" y="29318865"/>
+              <a:ext cx="14159634" cy="7969168"/>
+              <a:chOff x="851766" y="29318865"/>
+              <a:chExt cx="14159634" cy="7969168"/>
             </a:xfrm>
           </p:grpSpPr>
           <p:grpSp>
@@ -6005,10 +6092,10 @@
             </p:nvGrpSpPr>
             <p:grpSpPr>
               <a:xfrm>
-                <a:off x="873473" y="29664767"/>
-                <a:ext cx="9619752" cy="7623266"/>
-                <a:chOff x="6505830" y="34375433"/>
-                <a:chExt cx="8076400" cy="6047084"/>
+                <a:off x="851766" y="29664767"/>
+                <a:ext cx="9603526" cy="7623266"/>
+                <a:chOff x="6487605" y="34375433"/>
+                <a:chExt cx="8062777" cy="6047084"/>
               </a:xfrm>
             </p:grpSpPr>
             <p:pic>
@@ -6033,7 +6120,7 @@
               </p:blipFill>
               <p:spPr>
                 <a:xfrm>
-                  <a:off x="6519451" y="34375433"/>
+                  <a:off x="6519450" y="37398975"/>
                   <a:ext cx="4031389" cy="3023542"/>
                 </a:xfrm>
                 <a:prstGeom prst="rect">
@@ -6063,7 +6150,7 @@
               </p:blipFill>
               <p:spPr>
                 <a:xfrm>
-                  <a:off x="6505830" y="37398975"/>
+                  <a:off x="6487605" y="34375433"/>
                   <a:ext cx="4031389" cy="3023542"/>
                 </a:xfrm>
                 <a:prstGeom prst="rect">
@@ -6093,7 +6180,7 @@
               </p:blipFill>
               <p:spPr>
                 <a:xfrm>
-                  <a:off x="10536265" y="34375433"/>
+                  <a:off x="10518992" y="37398976"/>
                   <a:ext cx="4031388" cy="3023541"/>
                 </a:xfrm>
                 <a:prstGeom prst="rect">
@@ -6123,7 +6210,7 @@
               </p:blipFill>
               <p:spPr>
                 <a:xfrm>
-                  <a:off x="10550841" y="37398975"/>
+                  <a:off x="10518993" y="34375433"/>
                   <a:ext cx="4031389" cy="3023542"/>
                 </a:xfrm>
                 <a:prstGeom prst="rect">
@@ -6146,8 +6233,8 @@
             </p:nvSpPr>
             <p:spPr>
               <a:xfrm>
-                <a:off x="10475862" y="29617112"/>
-                <a:ext cx="2950963" cy="400110"/>
+                <a:off x="10475862" y="29318865"/>
+                <a:ext cx="4535538" cy="3785652"/>
               </a:xfrm>
               <a:prstGeom prst="rect">
                 <a:avLst/>
@@ -6162,8 +6249,58 @@
               <a:p>
                 <a:r>
                   <a:rPr lang="en-GB" sz="2000" b="1" noProof="0" dirty="0"/>
-                  <a:t>Fig. 7</a:t>
+                  <a:t>Fig. 7 </a:t>
                 </a:r>
+                <a:r>
+                  <a:rPr lang="en-GB" sz="2000" noProof="0" dirty="0" err="1"/>
+                  <a:t>kmeans</a:t>
+                </a:r>
+                <a:r>
+                  <a:rPr lang="en-GB" sz="2000" noProof="0" dirty="0"/>
+                  <a:t> clustering of the selected and non-selected proteins</a:t>
+                </a:r>
+              </a:p>
+              <a:p>
+                <a:endParaRPr lang="en-GB" sz="2000" dirty="0"/>
+              </a:p>
+              <a:p>
+                <a:r>
+                  <a:rPr lang="en-GB" sz="2000" b="1" noProof="0" dirty="0"/>
+                  <a:t>A) </a:t>
+                </a:r>
+                <a:r>
+                  <a:rPr lang="en-GB" sz="2000" noProof="0" dirty="0"/>
+                  <a:t>Shows the 3 clusters of the CTRL of the selected proteins. </a:t>
+                </a:r>
+                <a:r>
+                  <a:rPr lang="en-GB" sz="2000" b="1" noProof="0" dirty="0"/>
+                  <a:t>B</a:t>
+                </a:r>
+                <a:r>
+                  <a:rPr lang="en-GB" sz="2000" b="1" dirty="0"/>
+                  <a:t>) </a:t>
+                </a:r>
+                <a:r>
+                  <a:rPr lang="en-GB" sz="2000" dirty="0"/>
+                  <a:t>Shows the 3 clusters of the RNASE of the selected proteins. A significant shift in form and location of the clusters is noticeable. </a:t>
+                </a:r>
+                <a:r>
+                  <a:rPr lang="en-GB" sz="2000" b="1" dirty="0"/>
+                  <a:t>C) </a:t>
+                </a:r>
+                <a:r>
+                  <a:rPr lang="en-GB" sz="2000" dirty="0"/>
+                  <a:t>Shows the 3 clusters of the CTRL of the non-selected proteins. </a:t>
+                </a:r>
+                <a:r>
+                  <a:rPr lang="en-GB" sz="2000" b="1" dirty="0"/>
+                  <a:t>D) </a:t>
+                </a:r>
+                <a:r>
+                  <a:rPr lang="en-GB" sz="2000" dirty="0"/>
+                  <a:t>Shows the 3 clusters of the RNASE of the non-selected proteins. No shift in form and location is noticeable.</a:t>
+                </a:r>
+                <a:endParaRPr lang="en-GB" sz="2000" noProof="0" dirty="0"/>
               </a:p>
             </p:txBody>
           </p:sp>
@@ -6323,7 +6460,7 @@
         </p:nvGrpSpPr>
         <p:grpSpPr>
           <a:xfrm>
-            <a:off x="18016269" y="7768145"/>
+            <a:off x="18601187" y="7783368"/>
             <a:ext cx="11005390" cy="5305541"/>
             <a:chOff x="18016269" y="7768145"/>
             <a:chExt cx="11005390" cy="5305541"/>
@@ -6562,6 +6699,196 @@
           </p:txBody>
         </p:sp>
       </p:grpSp>
+      <p:sp>
+        <p:nvSpPr>
+          <p:cNvPr id="4" name="TextBox 3">
+            <a:extLst>
+              <a:ext uri="{FF2B5EF4-FFF2-40B4-BE49-F238E27FC236}">
+                <a16:creationId xmlns:a16="http://schemas.microsoft.com/office/drawing/2014/main" id="{5DCE0018-9FDC-A174-22C4-A966C06B4EBE}"/>
+              </a:ext>
+            </a:extLst>
+          </p:cNvPr>
+          <p:cNvSpPr txBox="1"/>
+          <p:nvPr/>
+        </p:nvSpPr>
+        <p:spPr>
+          <a:xfrm>
+            <a:off x="10157658" y="8267942"/>
+            <a:ext cx="7861189" cy="4154984"/>
+          </a:xfrm>
+          <a:prstGeom prst="rect">
+            <a:avLst/>
+          </a:prstGeom>
+          <a:noFill/>
+        </p:spPr>
+        <p:txBody>
+          <a:bodyPr wrap="square" rtlCol="0">
+            <a:spAutoFit/>
+          </a:bodyPr>
+          <a:lstStyle/>
+          <a:p>
+            <a:r>
+              <a:rPr lang="en-GB" sz="2400" b="1" dirty="0"/>
+              <a:t>What Makes RNA-Dependent Proteins Worth Investigating?</a:t>
+            </a:r>
+          </a:p>
+          <a:p>
+            <a:pPr marL="457200" indent="-457200">
+              <a:buFont typeface="Arial" panose="020B0604020202020204" pitchFamily="34" charset="0"/>
+              <a:buChar char="•"/>
+            </a:pPr>
+            <a:r>
+              <a:rPr lang="en-GB" sz="2400" b="1" dirty="0"/>
+              <a:t>Key Regulators:</a:t>
+            </a:r>
+            <a:r>
+              <a:rPr lang="en-GB" sz="2400" dirty="0"/>
+              <a:t> RBPs control RNA metabolism &amp; gene expression.</a:t>
+            </a:r>
+          </a:p>
+          <a:p>
+            <a:pPr marL="457200" indent="-457200">
+              <a:buFont typeface="Arial" panose="020B0604020202020204" pitchFamily="34" charset="0"/>
+              <a:buChar char="•"/>
+            </a:pPr>
+            <a:r>
+              <a:rPr lang="en-GB" sz="2400" b="1" dirty="0"/>
+              <a:t>Disease Links:</a:t>
+            </a:r>
+            <a:r>
+              <a:rPr lang="en-GB" sz="2400" dirty="0"/>
+              <a:t> </a:t>
+            </a:r>
+            <a:r>
+              <a:rPr lang="en-GB" sz="2400" dirty="0" err="1"/>
+              <a:t>Misregulation</a:t>
+            </a:r>
+            <a:r>
+              <a:rPr lang="en-GB" sz="2400" dirty="0"/>
+              <a:t> is tied to cancer &amp; neurodegeneration.</a:t>
+            </a:r>
+          </a:p>
+          <a:p>
+            <a:pPr marL="457200" indent="-457200">
+              <a:buFont typeface="Arial" panose="020B0604020202020204" pitchFamily="34" charset="0"/>
+              <a:buChar char="•"/>
+            </a:pPr>
+            <a:r>
+              <a:rPr lang="en-GB" sz="2400" b="1" dirty="0"/>
+              <a:t>Functional Clues:</a:t>
+            </a:r>
+            <a:r>
+              <a:rPr lang="en-GB" sz="2400" dirty="0"/>
+              <a:t> New RBPs hint at RNA’s role in specific pathways.</a:t>
+            </a:r>
+          </a:p>
+          <a:p>
+            <a:pPr marL="457200" indent="-457200">
+              <a:buFont typeface="Arial" panose="020B0604020202020204" pitchFamily="34" charset="0"/>
+              <a:buChar char="•"/>
+            </a:pPr>
+            <a:r>
+              <a:rPr lang="en-GB" sz="2400" b="1" dirty="0"/>
+              <a:t>Interaction Networks:</a:t>
+            </a:r>
+            <a:r>
+              <a:rPr lang="en-GB" sz="2400" dirty="0"/>
+              <a:t> Mapping RNA-protein complexes reveals regulatory logic. </a:t>
+            </a:r>
+          </a:p>
+          <a:p>
+            <a:pPr marL="457200" indent="-457200">
+              <a:buFont typeface="Arial" panose="020B0604020202020204" pitchFamily="34" charset="0"/>
+              <a:buChar char="•"/>
+            </a:pPr>
+            <a:r>
+              <a:rPr lang="en-GB" sz="2400" b="1" dirty="0"/>
+              <a:t>Molecular Insights:</a:t>
+            </a:r>
+            <a:r>
+              <a:rPr lang="en-GB" sz="2400" dirty="0"/>
+              <a:t> Deepens our understanding of cell cycle and cellular </a:t>
+            </a:r>
+            <a:r>
+              <a:rPr lang="en-GB" sz="2400" dirty="0" err="1"/>
+              <a:t>behavior</a:t>
+            </a:r>
+            <a:r>
+              <a:rPr lang="en-GB" sz="2400" dirty="0"/>
+              <a:t>.</a:t>
+            </a:r>
+            <a:endParaRPr lang="en-GB" b="1" dirty="0"/>
+          </a:p>
+        </p:txBody>
+      </p:sp>
+      <p:sp>
+        <p:nvSpPr>
+          <p:cNvPr id="9" name="TextBox 8">
+            <a:extLst>
+              <a:ext uri="{FF2B5EF4-FFF2-40B4-BE49-F238E27FC236}">
+                <a16:creationId xmlns:a16="http://schemas.microsoft.com/office/drawing/2014/main" id="{99CE0904-0487-B5AB-DC63-D6DB05F5B994}"/>
+              </a:ext>
+            </a:extLst>
+          </p:cNvPr>
+          <p:cNvSpPr txBox="1"/>
+          <p:nvPr/>
+        </p:nvSpPr>
+        <p:spPr>
+          <a:xfrm>
+            <a:off x="851765" y="41255199"/>
+            <a:ext cx="14022807" cy="1477328"/>
+          </a:xfrm>
+          <a:prstGeom prst="rect">
+            <a:avLst/>
+          </a:prstGeom>
+          <a:noFill/>
+        </p:spPr>
+        <p:txBody>
+          <a:bodyPr wrap="square" rtlCol="0">
+            <a:spAutoFit/>
+          </a:bodyPr>
+          <a:lstStyle/>
+          <a:p>
+            <a:r>
+              <a:rPr lang="en-US" dirty="0"/>
+              <a:t>The regression analyses for the selected proteins describe the target variable (</a:t>
+            </a:r>
+            <a:r>
+              <a:rPr lang="en-US" dirty="0" err="1"/>
+              <a:t>ctrl_selected$global_maximum</a:t>
+            </a:r>
+            <a:r>
+              <a:rPr lang="en-US" dirty="0"/>
+              <a:t>) </a:t>
+            </a:r>
+            <a:r>
+              <a:rPr lang="en-US" dirty="0" err="1"/>
+              <a:t>well.The</a:t>
+            </a:r>
+            <a:r>
+              <a:rPr lang="en-US" dirty="0"/>
+              <a:t> regression analyses for the not-selected proteins describe its own target variable (</a:t>
+            </a:r>
+            <a:r>
+              <a:rPr lang="en-US" dirty="0" err="1"/>
+              <a:t>ctrl_not_selected$global_maximum</a:t>
+            </a:r>
+            <a:r>
+              <a:rPr lang="en-US" dirty="0"/>
+              <a:t>) also very well, in comparison to the selected proteins sometimes even better, as there are more proteins used in the model. However, the analysis for the not-selected proteins shows a bad fit for the selected target variable (</a:t>
+            </a:r>
+            <a:r>
+              <a:rPr lang="en-US" dirty="0" err="1"/>
+              <a:t>ctrl_selected$global_maximum</a:t>
+            </a:r>
+            <a:r>
+              <a:rPr lang="en-US" dirty="0"/>
+              <a:t>). This proves, that there is a difference between the selected and not-selected proteins, and therefore, that the selection criteria worked.</a:t>
+            </a:r>
+            <a:endParaRPr lang="de-DE" dirty="0"/>
+          </a:p>
+        </p:txBody>
+      </p:sp>
     </p:spTree>
     <p:extLst>
       <p:ext uri="{BB962C8B-B14F-4D97-AF65-F5344CB8AC3E}">

--- a/Poster.pptx
+++ b/Poster.pptx
@@ -5586,7 +5586,7 @@
               <p:spPr>
                 <a:xfrm>
                   <a:off x="12733005" y="16216461"/>
-                  <a:ext cx="390625" cy="461665"/>
+                  <a:ext cx="558327" cy="461665"/>
                 </a:xfrm>
                 <a:prstGeom prst="rect">
                   <a:avLst/>
@@ -5601,7 +5601,7 @@
                 <a:p>
                   <a:r>
                     <a:rPr lang="en-GB" sz="2400" b="1" noProof="0" dirty="0"/>
-                    <a:t>A</a:t>
+                    <a:t>5A</a:t>
                   </a:r>
                 </a:p>
               </p:txBody>
@@ -5971,10 +5971,10 @@
         </p:nvGrpSpPr>
         <p:grpSpPr>
           <a:xfrm>
-            <a:off x="882465" y="37738473"/>
-            <a:ext cx="13992107" cy="3440873"/>
-            <a:chOff x="1272077" y="38191228"/>
-            <a:chExt cx="10836579" cy="2530060"/>
+            <a:off x="985116" y="38511320"/>
+            <a:ext cx="13893977" cy="3357855"/>
+            <a:chOff x="1377910" y="38191229"/>
+            <a:chExt cx="11026618" cy="2530059"/>
           </a:xfrm>
         </p:grpSpPr>
         <p:pic>
@@ -5999,7 +5999,7 @@
           </p:blipFill>
           <p:spPr>
             <a:xfrm>
-              <a:off x="6339816" y="38191228"/>
+              <a:off x="6635688" y="38206469"/>
               <a:ext cx="5768840" cy="2499577"/>
             </a:xfrm>
             <a:prstGeom prst="rect">
@@ -6029,7 +6029,7 @@
           </p:blipFill>
           <p:spPr>
             <a:xfrm>
-              <a:off x="1272077" y="38191229"/>
+              <a:off x="1377910" y="38191229"/>
               <a:ext cx="5067739" cy="2530059"/>
             </a:xfrm>
             <a:prstGeom prst="rect">
@@ -6037,414 +6037,6 @@
             </a:prstGeom>
           </p:spPr>
         </p:pic>
-      </p:grpSp>
-      <p:grpSp>
-        <p:nvGrpSpPr>
-          <p:cNvPr id="91" name="Group 90">
-            <a:extLst>
-              <a:ext uri="{FF2B5EF4-FFF2-40B4-BE49-F238E27FC236}">
-                <a16:creationId xmlns:a16="http://schemas.microsoft.com/office/drawing/2014/main" id="{166F40FE-C925-3ACA-6254-644E38B9C757}"/>
-              </a:ext>
-            </a:extLst>
-          </p:cNvPr>
-          <p:cNvGrpSpPr/>
-          <p:nvPr/>
-        </p:nvGrpSpPr>
-        <p:grpSpPr>
-          <a:xfrm>
-            <a:off x="851766" y="29318865"/>
-            <a:ext cx="14159634" cy="7969168"/>
-            <a:chOff x="851766" y="29318865"/>
-            <a:chExt cx="14159634" cy="7969168"/>
-          </a:xfrm>
-        </p:grpSpPr>
-        <p:grpSp>
-          <p:nvGrpSpPr>
-            <p:cNvPr id="79" name="Group 78">
-              <a:extLst>
-                <a:ext uri="{FF2B5EF4-FFF2-40B4-BE49-F238E27FC236}">
-                  <a16:creationId xmlns:a16="http://schemas.microsoft.com/office/drawing/2014/main" id="{87982164-A01E-8CDD-4294-008F8D3C4391}"/>
-                </a:ext>
-              </a:extLst>
-            </p:cNvPr>
-            <p:cNvGrpSpPr/>
-            <p:nvPr/>
-          </p:nvGrpSpPr>
-          <p:grpSpPr>
-            <a:xfrm>
-              <a:off x="851766" y="29318865"/>
-              <a:ext cx="14159634" cy="7969168"/>
-              <a:chOff x="851766" y="29318865"/>
-              <a:chExt cx="14159634" cy="7969168"/>
-            </a:xfrm>
-          </p:grpSpPr>
-          <p:grpSp>
-            <p:nvGrpSpPr>
-              <p:cNvPr id="70" name="Group 69">
-                <a:extLst>
-                  <a:ext uri="{FF2B5EF4-FFF2-40B4-BE49-F238E27FC236}">
-                    <a16:creationId xmlns:a16="http://schemas.microsoft.com/office/drawing/2014/main" id="{C5069539-0B89-E536-6562-793A62356A61}"/>
-                  </a:ext>
-                </a:extLst>
-              </p:cNvPr>
-              <p:cNvGrpSpPr/>
-              <p:nvPr/>
-            </p:nvGrpSpPr>
-            <p:grpSpPr>
-              <a:xfrm>
-                <a:off x="851766" y="29664767"/>
-                <a:ext cx="9603526" cy="7623266"/>
-                <a:chOff x="6487605" y="34375433"/>
-                <a:chExt cx="8062777" cy="6047084"/>
-              </a:xfrm>
-            </p:grpSpPr>
-            <p:pic>
-              <p:nvPicPr>
-                <p:cNvPr id="71" name="Picture 70" descr="A diagram of different colored circles&#10;&#10;AI-generated content may be incorrect.">
-                  <a:extLst>
-                    <a:ext uri="{FF2B5EF4-FFF2-40B4-BE49-F238E27FC236}">
-                      <a16:creationId xmlns:a16="http://schemas.microsoft.com/office/drawing/2014/main" id="{C6460AC3-C218-761B-038B-104C45983826}"/>
-                    </a:ext>
-                  </a:extLst>
-                </p:cNvPr>
-                <p:cNvPicPr>
-                  <a:picLocks noChangeAspect="1"/>
-                </p:cNvPicPr>
-                <p:nvPr/>
-              </p:nvPicPr>
-              <p:blipFill>
-                <a:blip r:embed="rId15"/>
-                <a:stretch>
-                  <a:fillRect/>
-                </a:stretch>
-              </p:blipFill>
-              <p:spPr>
-                <a:xfrm>
-                  <a:off x="6519450" y="37398975"/>
-                  <a:ext cx="4031389" cy="3023542"/>
-                </a:xfrm>
-                <a:prstGeom prst="rect">
-                  <a:avLst/>
-                </a:prstGeom>
-              </p:spPr>
-            </p:pic>
-            <p:pic>
-              <p:nvPicPr>
-                <p:cNvPr id="72" name="Picture 71" descr="A diagram of a diagram showing different colored circles&#10;&#10;AI-generated content may be incorrect.">
-                  <a:extLst>
-                    <a:ext uri="{FF2B5EF4-FFF2-40B4-BE49-F238E27FC236}">
-                      <a16:creationId xmlns:a16="http://schemas.microsoft.com/office/drawing/2014/main" id="{415CD5F1-8F9E-500A-5556-8945870412A9}"/>
-                    </a:ext>
-                  </a:extLst>
-                </p:cNvPr>
-                <p:cNvPicPr>
-                  <a:picLocks noChangeAspect="1"/>
-                </p:cNvPicPr>
-                <p:nvPr/>
-              </p:nvPicPr>
-              <p:blipFill>
-                <a:blip r:embed="rId16"/>
-                <a:stretch>
-                  <a:fillRect/>
-                </a:stretch>
-              </p:blipFill>
-              <p:spPr>
-                <a:xfrm>
-                  <a:off x="6487605" y="34375433"/>
-                  <a:ext cx="4031389" cy="3023542"/>
-                </a:xfrm>
-                <a:prstGeom prst="rect">
-                  <a:avLst/>
-                </a:prstGeom>
-              </p:spPr>
-            </p:pic>
-            <p:pic>
-              <p:nvPicPr>
-                <p:cNvPr id="73" name="Picture 72" descr="A diagram of a graph&#10;&#10;AI-generated content may be incorrect.">
-                  <a:extLst>
-                    <a:ext uri="{FF2B5EF4-FFF2-40B4-BE49-F238E27FC236}">
-                      <a16:creationId xmlns:a16="http://schemas.microsoft.com/office/drawing/2014/main" id="{21C15B5F-B609-118A-C994-3804E4AC667A}"/>
-                    </a:ext>
-                  </a:extLst>
-                </p:cNvPr>
-                <p:cNvPicPr>
-                  <a:picLocks noChangeAspect="1"/>
-                </p:cNvPicPr>
-                <p:nvPr/>
-              </p:nvPicPr>
-              <p:blipFill>
-                <a:blip r:embed="rId17"/>
-                <a:stretch>
-                  <a:fillRect/>
-                </a:stretch>
-              </p:blipFill>
-              <p:spPr>
-                <a:xfrm>
-                  <a:off x="10518992" y="37398976"/>
-                  <a:ext cx="4031388" cy="3023541"/>
-                </a:xfrm>
-                <a:prstGeom prst="rect">
-                  <a:avLst/>
-                </a:prstGeom>
-              </p:spPr>
-            </p:pic>
-            <p:pic>
-              <p:nvPicPr>
-                <p:cNvPr id="74" name="Picture 73" descr="A diagram of different colored circles&#10;&#10;AI-generated content may be incorrect.">
-                  <a:extLst>
-                    <a:ext uri="{FF2B5EF4-FFF2-40B4-BE49-F238E27FC236}">
-                      <a16:creationId xmlns:a16="http://schemas.microsoft.com/office/drawing/2014/main" id="{DDE36B41-C80F-1C08-E5FC-7F95076DC447}"/>
-                    </a:ext>
-                  </a:extLst>
-                </p:cNvPr>
-                <p:cNvPicPr>
-                  <a:picLocks noChangeAspect="1"/>
-                </p:cNvPicPr>
-                <p:nvPr/>
-              </p:nvPicPr>
-              <p:blipFill>
-                <a:blip r:embed="rId18"/>
-                <a:stretch>
-                  <a:fillRect/>
-                </a:stretch>
-              </p:blipFill>
-              <p:spPr>
-                <a:xfrm>
-                  <a:off x="10518993" y="34375433"/>
-                  <a:ext cx="4031389" cy="3023542"/>
-                </a:xfrm>
-                <a:prstGeom prst="rect">
-                  <a:avLst/>
-                </a:prstGeom>
-              </p:spPr>
-            </p:pic>
-          </p:grpSp>
-          <p:sp>
-            <p:nvSpPr>
-              <p:cNvPr id="78" name="TextBox 77">
-                <a:extLst>
-                  <a:ext uri="{FF2B5EF4-FFF2-40B4-BE49-F238E27FC236}">
-                    <a16:creationId xmlns:a16="http://schemas.microsoft.com/office/drawing/2014/main" id="{9C8CE86A-7B36-57C3-3567-E9BD5C58EE29}"/>
-                  </a:ext>
-                </a:extLst>
-              </p:cNvPr>
-              <p:cNvSpPr txBox="1"/>
-              <p:nvPr/>
-            </p:nvSpPr>
-            <p:spPr>
-              <a:xfrm>
-                <a:off x="10475862" y="29318865"/>
-                <a:ext cx="4535538" cy="3785652"/>
-              </a:xfrm>
-              <a:prstGeom prst="rect">
-                <a:avLst/>
-              </a:prstGeom>
-              <a:noFill/>
-            </p:spPr>
-            <p:txBody>
-              <a:bodyPr wrap="square" rtlCol="0">
-                <a:spAutoFit/>
-              </a:bodyPr>
-              <a:lstStyle/>
-              <a:p>
-                <a:r>
-                  <a:rPr lang="en-GB" sz="2000" b="1" noProof="0" dirty="0"/>
-                  <a:t>Fig. 7 </a:t>
-                </a:r>
-                <a:r>
-                  <a:rPr lang="en-GB" sz="2000" noProof="0" dirty="0" err="1"/>
-                  <a:t>kmeans</a:t>
-                </a:r>
-                <a:r>
-                  <a:rPr lang="en-GB" sz="2000" noProof="0" dirty="0"/>
-                  <a:t> clustering of the selected and non-selected proteins</a:t>
-                </a:r>
-              </a:p>
-              <a:p>
-                <a:endParaRPr lang="en-GB" sz="2000" dirty="0"/>
-              </a:p>
-              <a:p>
-                <a:r>
-                  <a:rPr lang="en-GB" sz="2000" b="1" noProof="0" dirty="0"/>
-                  <a:t>A) </a:t>
-                </a:r>
-                <a:r>
-                  <a:rPr lang="en-GB" sz="2000" noProof="0" dirty="0"/>
-                  <a:t>Shows the 3 clusters of the CTRL of the selected proteins. </a:t>
-                </a:r>
-                <a:r>
-                  <a:rPr lang="en-GB" sz="2000" b="1" noProof="0" dirty="0"/>
-                  <a:t>B</a:t>
-                </a:r>
-                <a:r>
-                  <a:rPr lang="en-GB" sz="2000" b="1" dirty="0"/>
-                  <a:t>) </a:t>
-                </a:r>
-                <a:r>
-                  <a:rPr lang="en-GB" sz="2000" dirty="0"/>
-                  <a:t>Shows the 3 clusters of the RNASE of the selected proteins. A significant shift in form and location of the clusters is noticeable. </a:t>
-                </a:r>
-                <a:r>
-                  <a:rPr lang="en-GB" sz="2000" b="1" dirty="0"/>
-                  <a:t>C) </a:t>
-                </a:r>
-                <a:r>
-                  <a:rPr lang="en-GB" sz="2000" dirty="0"/>
-                  <a:t>Shows the 3 clusters of the CTRL of the non-selected proteins. </a:t>
-                </a:r>
-                <a:r>
-                  <a:rPr lang="en-GB" sz="2000" b="1" dirty="0"/>
-                  <a:t>D) </a:t>
-                </a:r>
-                <a:r>
-                  <a:rPr lang="en-GB" sz="2000" dirty="0"/>
-                  <a:t>Shows the 3 clusters of the RNASE of the non-selected proteins. No shift in form and location is noticeable.</a:t>
-                </a:r>
-                <a:endParaRPr lang="en-GB" sz="2000" noProof="0" dirty="0"/>
-              </a:p>
-            </p:txBody>
-          </p:sp>
-        </p:grpSp>
-        <p:sp>
-          <p:nvSpPr>
-            <p:cNvPr id="87" name="TextBox 86">
-              <a:extLst>
-                <a:ext uri="{FF2B5EF4-FFF2-40B4-BE49-F238E27FC236}">
-                  <a16:creationId xmlns:a16="http://schemas.microsoft.com/office/drawing/2014/main" id="{62897110-4AAA-BEA4-F290-D044A5F6BACE}"/>
-                </a:ext>
-              </a:extLst>
-            </p:cNvPr>
-            <p:cNvSpPr txBox="1"/>
-            <p:nvPr/>
-          </p:nvSpPr>
-          <p:spPr>
-            <a:xfrm>
-              <a:off x="889695" y="29318865"/>
-              <a:ext cx="390625" cy="461665"/>
-            </a:xfrm>
-            <a:prstGeom prst="rect">
-              <a:avLst/>
-            </a:prstGeom>
-            <a:noFill/>
-          </p:spPr>
-          <p:txBody>
-            <a:bodyPr wrap="square" rtlCol="0">
-              <a:spAutoFit/>
-            </a:bodyPr>
-            <a:lstStyle/>
-            <a:p>
-              <a:r>
-                <a:rPr lang="en-GB" sz="2400" b="1" noProof="0" dirty="0"/>
-                <a:t>A</a:t>
-              </a:r>
-            </a:p>
-          </p:txBody>
-        </p:sp>
-        <p:sp>
-          <p:nvSpPr>
-            <p:cNvPr id="88" name="TextBox 87">
-              <a:extLst>
-                <a:ext uri="{FF2B5EF4-FFF2-40B4-BE49-F238E27FC236}">
-                  <a16:creationId xmlns:a16="http://schemas.microsoft.com/office/drawing/2014/main" id="{9CE5C8E3-DFC8-EF90-2AE0-DF17552E161D}"/>
-                </a:ext>
-              </a:extLst>
-            </p:cNvPr>
-            <p:cNvSpPr txBox="1"/>
-            <p:nvPr/>
-          </p:nvSpPr>
-          <p:spPr>
-            <a:xfrm>
-              <a:off x="5674100" y="29318865"/>
-              <a:ext cx="390625" cy="461665"/>
-            </a:xfrm>
-            <a:prstGeom prst="rect">
-              <a:avLst/>
-            </a:prstGeom>
-            <a:noFill/>
-          </p:spPr>
-          <p:txBody>
-            <a:bodyPr wrap="square" rtlCol="0">
-              <a:spAutoFit/>
-            </a:bodyPr>
-            <a:lstStyle/>
-            <a:p>
-              <a:r>
-                <a:rPr lang="en-GB" sz="2400" b="1" noProof="0" dirty="0"/>
-                <a:t>B</a:t>
-              </a:r>
-            </a:p>
-          </p:txBody>
-        </p:sp>
-        <p:sp>
-          <p:nvSpPr>
-            <p:cNvPr id="89" name="TextBox 88">
-              <a:extLst>
-                <a:ext uri="{FF2B5EF4-FFF2-40B4-BE49-F238E27FC236}">
-                  <a16:creationId xmlns:a16="http://schemas.microsoft.com/office/drawing/2014/main" id="{066034F3-9635-5E89-5520-4C7728B02937}"/>
-                </a:ext>
-              </a:extLst>
-            </p:cNvPr>
-            <p:cNvSpPr txBox="1"/>
-            <p:nvPr/>
-          </p:nvSpPr>
-          <p:spPr>
-            <a:xfrm>
-              <a:off x="5691460" y="33146513"/>
-              <a:ext cx="390625" cy="461665"/>
-            </a:xfrm>
-            <a:prstGeom prst="rect">
-              <a:avLst/>
-            </a:prstGeom>
-            <a:noFill/>
-          </p:spPr>
-          <p:txBody>
-            <a:bodyPr wrap="square" rtlCol="0">
-              <a:spAutoFit/>
-            </a:bodyPr>
-            <a:lstStyle/>
-            <a:p>
-              <a:r>
-                <a:rPr lang="en-GB" sz="2400" b="1" noProof="0" dirty="0"/>
-                <a:t>D</a:t>
-              </a:r>
-            </a:p>
-          </p:txBody>
-        </p:sp>
-        <p:sp>
-          <p:nvSpPr>
-            <p:cNvPr id="90" name="TextBox 89">
-              <a:extLst>
-                <a:ext uri="{FF2B5EF4-FFF2-40B4-BE49-F238E27FC236}">
-                  <a16:creationId xmlns:a16="http://schemas.microsoft.com/office/drawing/2014/main" id="{5037DAB0-C266-E539-68CB-472541869189}"/>
-                </a:ext>
-              </a:extLst>
-            </p:cNvPr>
-            <p:cNvSpPr txBox="1"/>
-            <p:nvPr/>
-          </p:nvSpPr>
-          <p:spPr>
-            <a:xfrm>
-              <a:off x="851766" y="33130498"/>
-              <a:ext cx="390625" cy="461665"/>
-            </a:xfrm>
-            <a:prstGeom prst="rect">
-              <a:avLst/>
-            </a:prstGeom>
-            <a:noFill/>
-          </p:spPr>
-          <p:txBody>
-            <a:bodyPr wrap="square" rtlCol="0">
-              <a:spAutoFit/>
-            </a:bodyPr>
-            <a:lstStyle/>
-            <a:p>
-              <a:r>
-                <a:rPr lang="en-GB" sz="2400" b="1" noProof="0" dirty="0"/>
-                <a:t>C</a:t>
-              </a:r>
-            </a:p>
-          </p:txBody>
-        </p:sp>
       </p:grpSp>
       <p:grpSp>
         <p:nvGrpSpPr>
@@ -6521,7 +6113,7 @@
                 <p:nvPr/>
               </p:nvPicPr>
               <p:blipFill>
-                <a:blip r:embed="rId19"/>
+                <a:blip r:embed="rId15"/>
                 <a:stretch>
                   <a:fillRect/>
                 </a:stretch>
@@ -6551,7 +6143,7 @@
                 <p:nvPr/>
               </p:nvPicPr>
               <p:blipFill>
-                <a:blip r:embed="rId20"/>
+                <a:blip r:embed="rId16"/>
                 <a:stretch>
                   <a:fillRect/>
                 </a:stretch>
@@ -6616,8 +6208,8 @@
             </p:nvSpPr>
             <p:spPr>
               <a:xfrm>
-                <a:off x="18438609" y="8770337"/>
-                <a:ext cx="390625" cy="461665"/>
+                <a:off x="18438608" y="8770337"/>
+                <a:ext cx="625063" cy="461665"/>
               </a:xfrm>
               <a:prstGeom prst="rect">
                 <a:avLst/>
@@ -6632,7 +6224,7 @@
               <a:p>
                 <a:r>
                   <a:rPr lang="en-GB" sz="2400" b="1" noProof="0" dirty="0"/>
-                  <a:t>A</a:t>
+                  <a:t>1A</a:t>
                 </a:r>
               </a:p>
             </p:txBody>
@@ -6821,12 +6413,498 @@
           </a:p>
         </p:txBody>
       </p:sp>
-      <p:sp>
-        <p:nvSpPr>
-          <p:cNvPr id="9" name="TextBox 8">
+      <p:grpSp>
+        <p:nvGrpSpPr>
+          <p:cNvPr id="17" name="Group 16">
             <a:extLst>
               <a:ext uri="{FF2B5EF4-FFF2-40B4-BE49-F238E27FC236}">
-                <a16:creationId xmlns:a16="http://schemas.microsoft.com/office/drawing/2014/main" id="{99CE0904-0487-B5AB-DC63-D6DB05F5B994}"/>
+                <a16:creationId xmlns:a16="http://schemas.microsoft.com/office/drawing/2014/main" id="{8E5482DE-AEF0-1228-26AC-5DB54DB02E27}"/>
+              </a:ext>
+            </a:extLst>
+          </p:cNvPr>
+          <p:cNvGrpSpPr/>
+          <p:nvPr/>
+        </p:nvGrpSpPr>
+        <p:grpSpPr>
+          <a:xfrm>
+            <a:off x="851766" y="29654145"/>
+            <a:ext cx="14159634" cy="8554153"/>
+            <a:chOff x="851766" y="29318865"/>
+            <a:chExt cx="14159634" cy="8554153"/>
+          </a:xfrm>
+        </p:grpSpPr>
+        <p:grpSp>
+          <p:nvGrpSpPr>
+            <p:cNvPr id="91" name="Group 90">
+              <a:extLst>
+                <a:ext uri="{FF2B5EF4-FFF2-40B4-BE49-F238E27FC236}">
+                  <a16:creationId xmlns:a16="http://schemas.microsoft.com/office/drawing/2014/main" id="{166F40FE-C925-3ACA-6254-644E38B9C757}"/>
+                </a:ext>
+              </a:extLst>
+            </p:cNvPr>
+            <p:cNvGrpSpPr/>
+            <p:nvPr/>
+          </p:nvGrpSpPr>
+          <p:grpSpPr>
+            <a:xfrm>
+              <a:off x="851766" y="29318865"/>
+              <a:ext cx="14159634" cy="7969168"/>
+              <a:chOff x="851766" y="29318865"/>
+              <a:chExt cx="14159634" cy="7969168"/>
+            </a:xfrm>
+          </p:grpSpPr>
+          <p:grpSp>
+            <p:nvGrpSpPr>
+              <p:cNvPr id="79" name="Group 78">
+                <a:extLst>
+                  <a:ext uri="{FF2B5EF4-FFF2-40B4-BE49-F238E27FC236}">
+                    <a16:creationId xmlns:a16="http://schemas.microsoft.com/office/drawing/2014/main" id="{87982164-A01E-8CDD-4294-008F8D3C4391}"/>
+                  </a:ext>
+                </a:extLst>
+              </p:cNvPr>
+              <p:cNvGrpSpPr/>
+              <p:nvPr/>
+            </p:nvGrpSpPr>
+            <p:grpSpPr>
+              <a:xfrm>
+                <a:off x="851766" y="29318865"/>
+                <a:ext cx="14159634" cy="7969168"/>
+                <a:chOff x="851766" y="29318865"/>
+                <a:chExt cx="14159634" cy="7969168"/>
+              </a:xfrm>
+            </p:grpSpPr>
+            <p:grpSp>
+              <p:nvGrpSpPr>
+                <p:cNvPr id="70" name="Group 69">
+                  <a:extLst>
+                    <a:ext uri="{FF2B5EF4-FFF2-40B4-BE49-F238E27FC236}">
+                      <a16:creationId xmlns:a16="http://schemas.microsoft.com/office/drawing/2014/main" id="{C5069539-0B89-E536-6562-793A62356A61}"/>
+                    </a:ext>
+                  </a:extLst>
+                </p:cNvPr>
+                <p:cNvGrpSpPr/>
+                <p:nvPr/>
+              </p:nvGrpSpPr>
+              <p:grpSpPr>
+                <a:xfrm>
+                  <a:off x="851766" y="29664767"/>
+                  <a:ext cx="9603526" cy="7623266"/>
+                  <a:chOff x="6487605" y="34375433"/>
+                  <a:chExt cx="8062777" cy="6047084"/>
+                </a:xfrm>
+              </p:grpSpPr>
+              <p:pic>
+                <p:nvPicPr>
+                  <p:cNvPr id="71" name="Picture 70" descr="A diagram of different colored circles&#10;&#10;AI-generated content may be incorrect.">
+                    <a:extLst>
+                      <a:ext uri="{FF2B5EF4-FFF2-40B4-BE49-F238E27FC236}">
+                        <a16:creationId xmlns:a16="http://schemas.microsoft.com/office/drawing/2014/main" id="{C6460AC3-C218-761B-038B-104C45983826}"/>
+                      </a:ext>
+                    </a:extLst>
+                  </p:cNvPr>
+                  <p:cNvPicPr>
+                    <a:picLocks noChangeAspect="1"/>
+                  </p:cNvPicPr>
+                  <p:nvPr/>
+                </p:nvPicPr>
+                <p:blipFill>
+                  <a:blip r:embed="rId17"/>
+                  <a:stretch>
+                    <a:fillRect/>
+                  </a:stretch>
+                </p:blipFill>
+                <p:spPr>
+                  <a:xfrm>
+                    <a:off x="6519450" y="37398975"/>
+                    <a:ext cx="4031389" cy="3023542"/>
+                  </a:xfrm>
+                  <a:prstGeom prst="rect">
+                    <a:avLst/>
+                  </a:prstGeom>
+                </p:spPr>
+              </p:pic>
+              <p:pic>
+                <p:nvPicPr>
+                  <p:cNvPr id="72" name="Picture 71" descr="A diagram of a diagram showing different colored circles&#10;&#10;AI-generated content may be incorrect.">
+                    <a:extLst>
+                      <a:ext uri="{FF2B5EF4-FFF2-40B4-BE49-F238E27FC236}">
+                        <a16:creationId xmlns:a16="http://schemas.microsoft.com/office/drawing/2014/main" id="{415CD5F1-8F9E-500A-5556-8945870412A9}"/>
+                      </a:ext>
+                    </a:extLst>
+                  </p:cNvPr>
+                  <p:cNvPicPr>
+                    <a:picLocks noChangeAspect="1"/>
+                  </p:cNvPicPr>
+                  <p:nvPr/>
+                </p:nvPicPr>
+                <p:blipFill>
+                  <a:blip r:embed="rId18"/>
+                  <a:stretch>
+                    <a:fillRect/>
+                  </a:stretch>
+                </p:blipFill>
+                <p:spPr>
+                  <a:xfrm>
+                    <a:off x="6487605" y="34375433"/>
+                    <a:ext cx="4031389" cy="3023542"/>
+                  </a:xfrm>
+                  <a:prstGeom prst="rect">
+                    <a:avLst/>
+                  </a:prstGeom>
+                </p:spPr>
+              </p:pic>
+              <p:pic>
+                <p:nvPicPr>
+                  <p:cNvPr id="73" name="Picture 72" descr="A diagram of a graph&#10;&#10;AI-generated content may be incorrect.">
+                    <a:extLst>
+                      <a:ext uri="{FF2B5EF4-FFF2-40B4-BE49-F238E27FC236}">
+                        <a16:creationId xmlns:a16="http://schemas.microsoft.com/office/drawing/2014/main" id="{21C15B5F-B609-118A-C994-3804E4AC667A}"/>
+                      </a:ext>
+                    </a:extLst>
+                  </p:cNvPr>
+                  <p:cNvPicPr>
+                    <a:picLocks noChangeAspect="1"/>
+                  </p:cNvPicPr>
+                  <p:nvPr/>
+                </p:nvPicPr>
+                <p:blipFill>
+                  <a:blip r:embed="rId19"/>
+                  <a:stretch>
+                    <a:fillRect/>
+                  </a:stretch>
+                </p:blipFill>
+                <p:spPr>
+                  <a:xfrm>
+                    <a:off x="10518992" y="37398976"/>
+                    <a:ext cx="4031388" cy="3023541"/>
+                  </a:xfrm>
+                  <a:prstGeom prst="rect">
+                    <a:avLst/>
+                  </a:prstGeom>
+                </p:spPr>
+              </p:pic>
+              <p:pic>
+                <p:nvPicPr>
+                  <p:cNvPr id="74" name="Picture 73" descr="A diagram of different colored circles&#10;&#10;AI-generated content may be incorrect.">
+                    <a:extLst>
+                      <a:ext uri="{FF2B5EF4-FFF2-40B4-BE49-F238E27FC236}">
+                        <a16:creationId xmlns:a16="http://schemas.microsoft.com/office/drawing/2014/main" id="{DDE36B41-C80F-1C08-E5FC-7F95076DC447}"/>
+                      </a:ext>
+                    </a:extLst>
+                  </p:cNvPr>
+                  <p:cNvPicPr>
+                    <a:picLocks noChangeAspect="1"/>
+                  </p:cNvPicPr>
+                  <p:nvPr/>
+                </p:nvPicPr>
+                <p:blipFill>
+                  <a:blip r:embed="rId20"/>
+                  <a:stretch>
+                    <a:fillRect/>
+                  </a:stretch>
+                </p:blipFill>
+                <p:spPr>
+                  <a:xfrm>
+                    <a:off x="10518993" y="34375433"/>
+                    <a:ext cx="4031389" cy="3023542"/>
+                  </a:xfrm>
+                  <a:prstGeom prst="rect">
+                    <a:avLst/>
+                  </a:prstGeom>
+                </p:spPr>
+              </p:pic>
+            </p:grpSp>
+            <p:sp>
+              <p:nvSpPr>
+                <p:cNvPr id="78" name="TextBox 77">
+                  <a:extLst>
+                    <a:ext uri="{FF2B5EF4-FFF2-40B4-BE49-F238E27FC236}">
+                      <a16:creationId xmlns:a16="http://schemas.microsoft.com/office/drawing/2014/main" id="{9C8CE86A-7B36-57C3-3567-E9BD5C58EE29}"/>
+                    </a:ext>
+                  </a:extLst>
+                </p:cNvPr>
+                <p:cNvSpPr txBox="1"/>
+                <p:nvPr/>
+              </p:nvSpPr>
+              <p:spPr>
+                <a:xfrm>
+                  <a:off x="10475862" y="29318865"/>
+                  <a:ext cx="4535538" cy="3785652"/>
+                </a:xfrm>
+                <a:prstGeom prst="rect">
+                  <a:avLst/>
+                </a:prstGeom>
+                <a:noFill/>
+              </p:spPr>
+              <p:txBody>
+                <a:bodyPr wrap="square" rtlCol="0">
+                  <a:spAutoFit/>
+                </a:bodyPr>
+                <a:lstStyle/>
+                <a:p>
+                  <a:r>
+                    <a:rPr lang="en-GB" sz="2000" b="1" noProof="0" dirty="0"/>
+                    <a:t>Fig. 6 </a:t>
+                  </a:r>
+                  <a:r>
+                    <a:rPr lang="en-GB" sz="2000" noProof="0" dirty="0" err="1"/>
+                    <a:t>kmeans</a:t>
+                  </a:r>
+                  <a:r>
+                    <a:rPr lang="en-GB" sz="2000" noProof="0" dirty="0"/>
+                    <a:t> clustering of the selected and non-selected proteins</a:t>
+                  </a:r>
+                </a:p>
+                <a:p>
+                  <a:endParaRPr lang="en-GB" sz="2000" dirty="0"/>
+                </a:p>
+                <a:p>
+                  <a:r>
+                    <a:rPr lang="en-GB" sz="2000" b="1" noProof="0" dirty="0"/>
+                    <a:t>A) </a:t>
+                  </a:r>
+                  <a:r>
+                    <a:rPr lang="en-GB" sz="2000" noProof="0" dirty="0"/>
+                    <a:t>Shows the 3 clusters of the CTRL of the selected proteins. </a:t>
+                  </a:r>
+                  <a:r>
+                    <a:rPr lang="en-GB" sz="2000" b="1" noProof="0" dirty="0"/>
+                    <a:t>B</a:t>
+                  </a:r>
+                  <a:r>
+                    <a:rPr lang="en-GB" sz="2000" b="1" dirty="0"/>
+                    <a:t>) </a:t>
+                  </a:r>
+                  <a:r>
+                    <a:rPr lang="en-GB" sz="2000" dirty="0"/>
+                    <a:t>Shows the 3 clusters of the RNASE of the selected proteins. A significant shift in form and location of the clusters is noticeable. </a:t>
+                  </a:r>
+                  <a:r>
+                    <a:rPr lang="en-GB" sz="2000" b="1" dirty="0"/>
+                    <a:t>C) </a:t>
+                  </a:r>
+                  <a:r>
+                    <a:rPr lang="en-GB" sz="2000" dirty="0"/>
+                    <a:t>Shows the 3 clusters of the CTRL of the non-selected proteins. </a:t>
+                  </a:r>
+                  <a:r>
+                    <a:rPr lang="en-GB" sz="2000" b="1" dirty="0"/>
+                    <a:t>D) </a:t>
+                  </a:r>
+                  <a:r>
+                    <a:rPr lang="en-GB" sz="2000" dirty="0"/>
+                    <a:t>Shows the 3 clusters of the RNASE of the non-selected proteins. No shift in form and location is noticeable.</a:t>
+                  </a:r>
+                  <a:endParaRPr lang="en-GB" sz="2000" noProof="0" dirty="0"/>
+                </a:p>
+              </p:txBody>
+            </p:sp>
+          </p:grpSp>
+          <p:sp>
+            <p:nvSpPr>
+              <p:cNvPr id="87" name="TextBox 86">
+                <a:extLst>
+                  <a:ext uri="{FF2B5EF4-FFF2-40B4-BE49-F238E27FC236}">
+                    <a16:creationId xmlns:a16="http://schemas.microsoft.com/office/drawing/2014/main" id="{62897110-4AAA-BEA4-F290-D044A5F6BACE}"/>
+                  </a:ext>
+                </a:extLst>
+              </p:cNvPr>
+              <p:cNvSpPr txBox="1"/>
+              <p:nvPr/>
+            </p:nvSpPr>
+            <p:spPr>
+              <a:xfrm>
+                <a:off x="889695" y="29318865"/>
+                <a:ext cx="678461" cy="461665"/>
+              </a:xfrm>
+              <a:prstGeom prst="rect">
+                <a:avLst/>
+              </a:prstGeom>
+              <a:noFill/>
+            </p:spPr>
+            <p:txBody>
+              <a:bodyPr wrap="square" rtlCol="0">
+                <a:spAutoFit/>
+              </a:bodyPr>
+              <a:lstStyle/>
+              <a:p>
+                <a:r>
+                  <a:rPr lang="en-GB" sz="2400" b="1" dirty="0"/>
+                  <a:t>6</a:t>
+                </a:r>
+                <a:r>
+                  <a:rPr lang="en-GB" sz="2400" b="1" noProof="0" dirty="0"/>
+                  <a:t>A</a:t>
+                </a:r>
+              </a:p>
+            </p:txBody>
+          </p:sp>
+          <p:sp>
+            <p:nvSpPr>
+              <p:cNvPr id="88" name="TextBox 87">
+                <a:extLst>
+                  <a:ext uri="{FF2B5EF4-FFF2-40B4-BE49-F238E27FC236}">
+                    <a16:creationId xmlns:a16="http://schemas.microsoft.com/office/drawing/2014/main" id="{9CE5C8E3-DFC8-EF90-2AE0-DF17552E161D}"/>
+                  </a:ext>
+                </a:extLst>
+              </p:cNvPr>
+              <p:cNvSpPr txBox="1"/>
+              <p:nvPr/>
+            </p:nvSpPr>
+            <p:spPr>
+              <a:xfrm>
+                <a:off x="5674100" y="29318865"/>
+                <a:ext cx="390625" cy="461665"/>
+              </a:xfrm>
+              <a:prstGeom prst="rect">
+                <a:avLst/>
+              </a:prstGeom>
+              <a:noFill/>
+            </p:spPr>
+            <p:txBody>
+              <a:bodyPr wrap="square" rtlCol="0">
+                <a:spAutoFit/>
+              </a:bodyPr>
+              <a:lstStyle/>
+              <a:p>
+                <a:r>
+                  <a:rPr lang="en-GB" sz="2400" b="1" noProof="0" dirty="0"/>
+                  <a:t>B</a:t>
+                </a:r>
+              </a:p>
+            </p:txBody>
+          </p:sp>
+          <p:sp>
+            <p:nvSpPr>
+              <p:cNvPr id="89" name="TextBox 88">
+                <a:extLst>
+                  <a:ext uri="{FF2B5EF4-FFF2-40B4-BE49-F238E27FC236}">
+                    <a16:creationId xmlns:a16="http://schemas.microsoft.com/office/drawing/2014/main" id="{066034F3-9635-5E89-5520-4C7728B02937}"/>
+                  </a:ext>
+                </a:extLst>
+              </p:cNvPr>
+              <p:cNvSpPr txBox="1"/>
+              <p:nvPr/>
+            </p:nvSpPr>
+            <p:spPr>
+              <a:xfrm>
+                <a:off x="5691460" y="33146513"/>
+                <a:ext cx="390625" cy="461665"/>
+              </a:xfrm>
+              <a:prstGeom prst="rect">
+                <a:avLst/>
+              </a:prstGeom>
+              <a:noFill/>
+            </p:spPr>
+            <p:txBody>
+              <a:bodyPr wrap="square" rtlCol="0">
+                <a:spAutoFit/>
+              </a:bodyPr>
+              <a:lstStyle/>
+              <a:p>
+                <a:r>
+                  <a:rPr lang="en-GB" sz="2400" b="1" noProof="0" dirty="0"/>
+                  <a:t>D</a:t>
+                </a:r>
+              </a:p>
+            </p:txBody>
+          </p:sp>
+          <p:sp>
+            <p:nvSpPr>
+              <p:cNvPr id="90" name="TextBox 89">
+                <a:extLst>
+                  <a:ext uri="{FF2B5EF4-FFF2-40B4-BE49-F238E27FC236}">
+                    <a16:creationId xmlns:a16="http://schemas.microsoft.com/office/drawing/2014/main" id="{5037DAB0-C266-E539-68CB-472541869189}"/>
+                  </a:ext>
+                </a:extLst>
+              </p:cNvPr>
+              <p:cNvSpPr txBox="1"/>
+              <p:nvPr/>
+            </p:nvSpPr>
+            <p:spPr>
+              <a:xfrm>
+                <a:off x="851766" y="33130498"/>
+                <a:ext cx="390625" cy="461665"/>
+              </a:xfrm>
+              <a:prstGeom prst="rect">
+                <a:avLst/>
+              </a:prstGeom>
+              <a:noFill/>
+            </p:spPr>
+            <p:txBody>
+              <a:bodyPr wrap="square" rtlCol="0">
+                <a:spAutoFit/>
+              </a:bodyPr>
+              <a:lstStyle/>
+              <a:p>
+                <a:r>
+                  <a:rPr lang="en-GB" sz="2400" b="1" noProof="0" dirty="0"/>
+                  <a:t>C</a:t>
+                </a:r>
+              </a:p>
+            </p:txBody>
+          </p:sp>
+        </p:grpSp>
+        <p:sp>
+          <p:nvSpPr>
+            <p:cNvPr id="9" name="TextBox 8">
+              <a:extLst>
+                <a:ext uri="{FF2B5EF4-FFF2-40B4-BE49-F238E27FC236}">
+                  <a16:creationId xmlns:a16="http://schemas.microsoft.com/office/drawing/2014/main" id="{99CE0904-0487-B5AB-DC63-D6DB05F5B994}"/>
+                </a:ext>
+              </a:extLst>
+            </p:cNvPr>
+            <p:cNvSpPr txBox="1"/>
+            <p:nvPr/>
+          </p:nvSpPr>
+          <p:spPr>
+            <a:xfrm>
+              <a:off x="10609843" y="33471813"/>
+              <a:ext cx="4373206" cy="4401205"/>
+            </a:xfrm>
+            <a:prstGeom prst="rect">
+              <a:avLst/>
+            </a:prstGeom>
+            <a:noFill/>
+          </p:spPr>
+          <p:txBody>
+            <a:bodyPr wrap="square" rtlCol="0">
+              <a:spAutoFit/>
+            </a:bodyPr>
+            <a:lstStyle/>
+            <a:p>
+              <a:r>
+                <a:rPr lang="en-US" sz="2000" b="1" dirty="0"/>
+                <a:t>Fig. 7 </a:t>
+              </a:r>
+              <a:r>
+                <a:rPr lang="en-US" sz="2000" dirty="0"/>
+                <a:t>Linear regression analyses between the selected proteins and the not-selected proteins each, with global maxima of the selected CTRL proteins as target variable</a:t>
+              </a:r>
+            </a:p>
+            <a:p>
+              <a:endParaRPr lang="en-US" sz="2000" dirty="0"/>
+            </a:p>
+            <a:p>
+              <a:r>
+                <a:rPr lang="en-US" sz="2000" b="1" dirty="0"/>
+                <a:t>A) </a:t>
+              </a:r>
+              <a:r>
+                <a:rPr lang="en-US" sz="2000" dirty="0"/>
+                <a:t>The left regression analysis for the selected proteins describes the target variable well, the right analysis of the not-selected proteins does not. This proves, that there is a difference between the selected and not-selected proteins, and therefore, that the selection criteria worked.</a:t>
+              </a:r>
+              <a:endParaRPr lang="de-DE" sz="2000" dirty="0"/>
+            </a:p>
+          </p:txBody>
+        </p:sp>
+      </p:grpSp>
+      <p:sp>
+        <p:nvSpPr>
+          <p:cNvPr id="11" name="TextBox 10">
+            <a:extLst>
+              <a:ext uri="{FF2B5EF4-FFF2-40B4-BE49-F238E27FC236}">
+                <a16:creationId xmlns:a16="http://schemas.microsoft.com/office/drawing/2014/main" id="{8BF4F80D-1676-544E-67B7-7846FEFB13FC}"/>
               </a:ext>
             </a:extLst>
           </p:cNvPr>
@@ -6835,8 +6913,8 @@
         </p:nvSpPr>
         <p:spPr>
           <a:xfrm>
-            <a:off x="851765" y="41255199"/>
-            <a:ext cx="14022807" cy="1477328"/>
+            <a:off x="889695" y="38087755"/>
+            <a:ext cx="539898" cy="461665"/>
           </a:xfrm>
           <a:prstGeom prst="rect">
             <a:avLst/>
@@ -6850,42 +6928,10 @@
           <a:lstStyle/>
           <a:p>
             <a:r>
-              <a:rPr lang="en-US" dirty="0"/>
-              <a:t>The regression analyses for the selected proteins describe the target variable (</a:t>
-            </a:r>
-            <a:r>
-              <a:rPr lang="en-US" dirty="0" err="1"/>
-              <a:t>ctrl_selected$global_maximum</a:t>
-            </a:r>
-            <a:r>
-              <a:rPr lang="en-US" dirty="0"/>
-              <a:t>) </a:t>
-            </a:r>
-            <a:r>
-              <a:rPr lang="en-US" dirty="0" err="1"/>
-              <a:t>well.The</a:t>
-            </a:r>
-            <a:r>
-              <a:rPr lang="en-US" dirty="0"/>
-              <a:t> regression analyses for the not-selected proteins describe its own target variable (</a:t>
-            </a:r>
-            <a:r>
-              <a:rPr lang="en-US" dirty="0" err="1"/>
-              <a:t>ctrl_not_selected$global_maximum</a:t>
-            </a:r>
-            <a:r>
-              <a:rPr lang="en-US" dirty="0"/>
-              <a:t>) also very well, in comparison to the selected proteins sometimes even better, as there are more proteins used in the model. However, the analysis for the not-selected proteins shows a bad fit for the selected target variable (</a:t>
-            </a:r>
-            <a:r>
-              <a:rPr lang="en-US" dirty="0" err="1"/>
-              <a:t>ctrl_selected$global_maximum</a:t>
-            </a:r>
-            <a:r>
-              <a:rPr lang="en-US" dirty="0"/>
-              <a:t>). This proves, that there is a difference between the selected and not-selected proteins, and therefore, that the selection criteria worked.</a:t>
-            </a:r>
-            <a:endParaRPr lang="de-DE" dirty="0"/>
+              <a:rPr lang="en-GB" sz="2400" b="1" dirty="0"/>
+              <a:t>7A</a:t>
+            </a:r>
+            <a:endParaRPr lang="en-GB" sz="2400" b="1" noProof="0" dirty="0"/>
           </a:p>
         </p:txBody>
       </p:sp>

--- a/Poster.pptx
+++ b/Poster.pptx
@@ -3858,7 +3858,7 @@
             </a:r>
           </a:p>
           <a:p>
-            <a:pPr marL="457200" indent="-457200">
+            <a:pPr marL="342900" indent="-342900">
               <a:buFont typeface="Arial" panose="020B0604020202020204" pitchFamily="34" charset="0"/>
               <a:buChar char="•"/>
             </a:pPr>
@@ -4063,7 +4063,7 @@
             </a:pPr>
             <a:r>
               <a:rPr lang="en-GB" sz="2400" noProof="0" dirty="0"/>
-              <a:t> Linear Regression </a:t>
+              <a:t> Linear Regression Analyses</a:t>
             </a:r>
             <a:endParaRPr lang="en-GB" sz="2400" b="1" noProof="0" dirty="0"/>
           </a:p>
@@ -4430,7 +4430,7 @@
             </a:pPr>
             <a:r>
               <a:rPr lang="en-GB" sz="2400" dirty="0"/>
-              <a:t>Our selection criteria seems to be very robust for detecting RNA dependent proteins</a:t>
+              <a:t>Our selection criteria seem to work well for detecting RNA dependent proteins and they can be continued to be used in the future</a:t>
             </a:r>
           </a:p>
           <a:p>
@@ -4445,8 +4445,6 @@
               <a:rPr lang="en-GB" sz="2400" dirty="0"/>
               <a:t>The future will show, if one of our RNA dependent proteins is tied to cancer or included in another important pathway. </a:t>
             </a:r>
-          </a:p>
-          <a:p>
             <a:r>
               <a:rPr lang="en-US" sz="2400" dirty="0"/>
               <a:t>All in all, it can be said that the further identification of RNA-dependent proteins continues to be of great relevance in cancer and basic research.</a:t>
@@ -5395,15 +5393,15 @@
               </a:r>
               <a:r>
                 <a:rPr lang="en-GB" sz="2000" noProof="0" dirty="0"/>
-                <a:t>Principle Component Analysis and </a:t>
+                <a:t>Principle Component Analyses and </a:t>
               </a:r>
               <a:r>
                 <a:rPr lang="en-GB" sz="2000" noProof="0" dirty="0" err="1"/>
-                <a:t>Elbowplot</a:t>
+                <a:t>Elbowplots</a:t>
               </a:r>
               <a:r>
                 <a:rPr lang="en-GB" sz="2000" noProof="0" dirty="0"/>
-                <a:t> of the selected proteins and the non-selected proteins. RNASE and CTRL are plotted separately to compare them.</a:t>
+                <a:t> of the selected and the non-selected proteins. RNASE and CTRL are plotted separately for comparison.</a:t>
               </a:r>
             </a:p>
             <a:p>
@@ -5418,7 +5416,15 @@
               </a:r>
               <a:r>
                 <a:rPr lang="en-GB" sz="2000" noProof="0" dirty="0"/>
-                <a:t>PCA of the selected proteins. The points of the RNASE compared to the CTRL form similar plots, but a shift is visible in the density of the points. </a:t>
+                <a:t>PCA of the selected proteins. The data points of the RNASE compared to the CTRL </a:t>
+              </a:r>
+              <a:r>
+                <a:rPr lang="en-GB" sz="2000" dirty="0"/>
+                <a:t>make up an overall similar shape</a:t>
+              </a:r>
+              <a:r>
+                <a:rPr lang="en-GB" sz="2000" noProof="0" dirty="0"/>
+                <a:t>, but a shift is visible in the density of the points. </a:t>
               </a:r>
               <a:r>
                 <a:rPr lang="en-GB" sz="2000" b="1" noProof="0" dirty="0"/>
@@ -5442,7 +5448,15 @@
               </a:r>
               <a:r>
                 <a:rPr lang="en-GB" sz="2000" noProof="0" dirty="0"/>
-                <a:t>Elbow-Plot of the selected proteins. The point of the elbow is at 3. </a:t>
+                <a:t>Elbow-Plot of the selected proteins. The </a:t>
+              </a:r>
+              <a:r>
+                <a:rPr lang="en-GB" sz="2000" dirty="0" err="1"/>
+                <a:t>knick</a:t>
+              </a:r>
+              <a:r>
+                <a:rPr lang="en-GB" sz="2000" noProof="0" dirty="0"/>
+                <a:t> of the elbow is at 3. </a:t>
               </a:r>
               <a:r>
                 <a:rPr lang="en-GB" sz="2000" b="1" noProof="0" dirty="0"/>
@@ -5450,15 +5464,15 @@
               </a:r>
               <a:r>
                 <a:rPr lang="en-GB" sz="2000" noProof="0" dirty="0"/>
-                <a:t>Elbow-Plot of the non-selected proteins. The point of the elbow is between 3 and 4. To compare selected and non-selected proteins, we </a:t>
+                <a:t>Elbow-Plot of the non-selected proteins. The </a:t>
               </a:r>
               <a:r>
-                <a:rPr lang="en-GB" sz="2000" noProof="0" dirty="0" err="1"/>
-                <a:t>decidet</a:t>
+                <a:rPr lang="en-GB" sz="2000" dirty="0" err="1"/>
+                <a:t>knick</a:t>
               </a:r>
               <a:r>
                 <a:rPr lang="en-GB" sz="2000" noProof="0" dirty="0"/>
-                <a:t> to use 3 cluster in the </a:t>
+                <a:t> of the elbow is between 3 and 4. To compare selected and non-selected proteins, we decided to use 3 cluster in the </a:t>
               </a:r>
               <a:r>
                 <a:rPr lang="en-GB" sz="2000" noProof="0" dirty="0" err="1"/>
@@ -5466,7 +5480,7 @@
               </a:r>
               <a:r>
                 <a:rPr lang="en-GB" sz="2000" noProof="0" dirty="0"/>
-                <a:t>.</a:t>
+                <a:t> clustering.</a:t>
               </a:r>
             </a:p>
           </p:txBody>
@@ -6264,7 +6278,15 @@
               </a:r>
               <a:r>
                 <a:rPr lang="en-GB" sz="2000" noProof="0" dirty="0"/>
-                <a:t>Plot of proteins in data set. The data was cleaned and normalized</a:t>
+                <a:t>Plot of protein in data set. The data </a:t>
+              </a:r>
+              <a:r>
+                <a:rPr lang="en-GB" sz="2000" dirty="0"/>
+                <a:t>has been </a:t>
+              </a:r>
+              <a:r>
+                <a:rPr lang="en-GB" sz="2000" noProof="0" dirty="0"/>
+                <a:t>cleaned and normalized beforehand.</a:t>
               </a:r>
             </a:p>
             <a:p>
@@ -6277,7 +6299,7 @@
               </a:r>
               <a:r>
                 <a:rPr lang="en-GB" sz="2000" noProof="0" dirty="0"/>
-                <a:t>The protein NUCL_HUMAN is plotted which is part of the selected proteins and shows a significant shift between RNASE and CTRL. </a:t>
+                <a:t>The protein NUCL_HUMAN is plotted. It is part of the selected proteins and shows a significant shift between RNASE and CTRL. </a:t>
               </a:r>
               <a:r>
                 <a:rPr lang="en-GB" sz="2000" b="1" noProof="0" dirty="0"/>
@@ -6652,7 +6674,7 @@
                   </a:r>
                   <a:r>
                     <a:rPr lang="en-GB" sz="2000" noProof="0" dirty="0"/>
-                    <a:t> clustering of the selected and non-selected proteins</a:t>
+                    <a:t> clustering of the selected and not-selected proteins</a:t>
                   </a:r>
                 </a:p>
                 <a:p>
@@ -6685,7 +6707,7 @@
                   </a:r>
                   <a:r>
                     <a:rPr lang="en-GB" sz="2000" dirty="0"/>
-                    <a:t>Shows the 3 clusters of the CTRL of the non-selected proteins. </a:t>
+                    <a:t>Shows the 3 clusters of the CTRL of the not-selected proteins. </a:t>
                   </a:r>
                   <a:r>
                     <a:rPr lang="en-GB" sz="2000" b="1" dirty="0"/>
@@ -6693,7 +6715,7 @@
                   </a:r>
                   <a:r>
                     <a:rPr lang="en-GB" sz="2000" dirty="0"/>
-                    <a:t>Shows the 3 clusters of the RNASE of the non-selected proteins. No shift in form and location is noticeable.</a:t>
+                    <a:t>Shows the 3 clusters of the RNASE of the not-selected proteins. No shift in form and location is noticeable.</a:t>
                   </a:r>
                   <a:endParaRPr lang="en-GB" sz="2000" noProof="0" dirty="0"/>
                 </a:p>

--- a/Poster.pptx
+++ b/Poster.pptx
@@ -6957,6 +6957,527 @@
           </a:p>
         </p:txBody>
       </p:sp>
+      <p:sp>
+        <p:nvSpPr>
+          <p:cNvPr id="62" name="Rectangle: Rounded Corners 61">
+            <a:extLst>
+              <a:ext uri="{FF2B5EF4-FFF2-40B4-BE49-F238E27FC236}">
+                <a16:creationId xmlns:a16="http://schemas.microsoft.com/office/drawing/2014/main" id="{A2AB7DFA-C636-8E28-F870-1DA91AAE408B}"/>
+              </a:ext>
+            </a:extLst>
+          </p:cNvPr>
+          <p:cNvSpPr/>
+          <p:nvPr/>
+        </p:nvSpPr>
+        <p:spPr>
+          <a:xfrm>
+            <a:off x="1000669" y="24183246"/>
+            <a:ext cx="2750329" cy="788879"/>
+          </a:xfrm>
+          <a:prstGeom prst="roundRect">
+            <a:avLst>
+              <a:gd name="adj" fmla="val 40815"/>
+            </a:avLst>
+          </a:prstGeom>
+          <a:solidFill>
+            <a:schemeClr val="bg1"/>
+          </a:solidFill>
+          <a:ln w="104775">
+            <a:solidFill>
+              <a:srgbClr val="842332"/>
+            </a:solidFill>
+          </a:ln>
+        </p:spPr>
+        <p:style>
+          <a:lnRef idx="2">
+            <a:schemeClr val="accent1">
+              <a:shade val="15000"/>
+            </a:schemeClr>
+          </a:lnRef>
+          <a:fillRef idx="1">
+            <a:schemeClr val="accent1"/>
+          </a:fillRef>
+          <a:effectRef idx="0">
+            <a:schemeClr val="accent1"/>
+          </a:effectRef>
+          <a:fontRef idx="minor">
+            <a:schemeClr val="lt1"/>
+          </a:fontRef>
+        </p:style>
+        <p:txBody>
+          <a:bodyPr rtlCol="0" anchor="ctr"/>
+          <a:lstStyle/>
+          <a:p>
+            <a:pPr algn="ctr"/>
+            <a:r>
+              <a:rPr lang="de-DE" sz="2400" dirty="0">
+                <a:solidFill>
+                  <a:srgbClr val="842332"/>
+                </a:solidFill>
+              </a:rPr>
+              <a:t>Center of Mass shift ≥ 3 fractions </a:t>
+            </a:r>
+          </a:p>
+        </p:txBody>
+      </p:sp>
+      <p:sp>
+        <p:nvSpPr>
+          <p:cNvPr id="63" name="Rectangle: Rounded Corners 62">
+            <a:extLst>
+              <a:ext uri="{FF2B5EF4-FFF2-40B4-BE49-F238E27FC236}">
+                <a16:creationId xmlns:a16="http://schemas.microsoft.com/office/drawing/2014/main" id="{859091FB-9D4E-7E67-8B83-8D1CCC725A11}"/>
+              </a:ext>
+            </a:extLst>
+          </p:cNvPr>
+          <p:cNvSpPr/>
+          <p:nvPr/>
+        </p:nvSpPr>
+        <p:spPr>
+          <a:xfrm>
+            <a:off x="4359942" y="24183246"/>
+            <a:ext cx="2750329" cy="788879"/>
+          </a:xfrm>
+          <a:prstGeom prst="roundRect">
+            <a:avLst>
+              <a:gd name="adj" fmla="val 1667"/>
+            </a:avLst>
+          </a:prstGeom>
+          <a:solidFill>
+            <a:schemeClr val="bg1"/>
+          </a:solidFill>
+          <a:ln w="104775">
+            <a:solidFill>
+              <a:srgbClr val="191970"/>
+            </a:solidFill>
+          </a:ln>
+        </p:spPr>
+        <p:style>
+          <a:lnRef idx="2">
+            <a:schemeClr val="accent1">
+              <a:shade val="15000"/>
+            </a:schemeClr>
+          </a:lnRef>
+          <a:fillRef idx="1">
+            <a:schemeClr val="accent1"/>
+          </a:fillRef>
+          <a:effectRef idx="0">
+            <a:schemeClr val="accent1"/>
+          </a:effectRef>
+          <a:fontRef idx="minor">
+            <a:schemeClr val="lt1"/>
+          </a:fontRef>
+        </p:style>
+        <p:txBody>
+          <a:bodyPr rtlCol="0" anchor="ctr"/>
+          <a:lstStyle/>
+          <a:p>
+            <a:pPr algn="ctr"/>
+            <a:r>
+              <a:rPr lang="de-DE" sz="2400" dirty="0">
+                <a:solidFill>
+                  <a:srgbClr val="191970"/>
+                </a:solidFill>
+              </a:rPr>
+              <a:t>Center of Mass shift &lt; 3 fractions </a:t>
+            </a:r>
+          </a:p>
+        </p:txBody>
+      </p:sp>
+      <p:sp>
+        <p:nvSpPr>
+          <p:cNvPr id="64" name="Rectangle: Rounded Corners 63">
+            <a:extLst>
+              <a:ext uri="{FF2B5EF4-FFF2-40B4-BE49-F238E27FC236}">
+                <a16:creationId xmlns:a16="http://schemas.microsoft.com/office/drawing/2014/main" id="{174B5EDA-AE63-30A6-4AB9-4A17357A21C1}"/>
+              </a:ext>
+            </a:extLst>
+          </p:cNvPr>
+          <p:cNvSpPr/>
+          <p:nvPr/>
+        </p:nvSpPr>
+        <p:spPr>
+          <a:xfrm>
+            <a:off x="2993701" y="22648250"/>
+            <a:ext cx="2120407" cy="788879"/>
+          </a:xfrm>
+          <a:prstGeom prst="roundRect">
+            <a:avLst>
+              <a:gd name="adj" fmla="val 1667"/>
+            </a:avLst>
+          </a:prstGeom>
+          <a:solidFill>
+            <a:schemeClr val="bg1"/>
+          </a:solidFill>
+          <a:ln w="104775">
+            <a:solidFill>
+              <a:srgbClr val="191970"/>
+            </a:solidFill>
+          </a:ln>
+        </p:spPr>
+        <p:style>
+          <a:lnRef idx="2">
+            <a:schemeClr val="accent1">
+              <a:shade val="15000"/>
+            </a:schemeClr>
+          </a:lnRef>
+          <a:fillRef idx="1">
+            <a:schemeClr val="accent1"/>
+          </a:fillRef>
+          <a:effectRef idx="0">
+            <a:schemeClr val="accent1"/>
+          </a:effectRef>
+          <a:fontRef idx="minor">
+            <a:schemeClr val="lt1"/>
+          </a:fontRef>
+        </p:style>
+        <p:txBody>
+          <a:bodyPr rtlCol="0" anchor="ctr"/>
+          <a:lstStyle/>
+          <a:p>
+            <a:pPr algn="ctr"/>
+            <a:r>
+              <a:rPr lang="de-DE" sz="2400" dirty="0">
+                <a:solidFill>
+                  <a:srgbClr val="191970"/>
+                </a:solidFill>
+              </a:rPr>
+              <a:t>All proteins</a:t>
+            </a:r>
+          </a:p>
+        </p:txBody>
+      </p:sp>
+      <p:cxnSp>
+        <p:nvCxnSpPr>
+          <p:cNvPr id="65" name="Straight Arrow Connector 64">
+            <a:extLst>
+              <a:ext uri="{FF2B5EF4-FFF2-40B4-BE49-F238E27FC236}">
+                <a16:creationId xmlns:a16="http://schemas.microsoft.com/office/drawing/2014/main" id="{BBD6DDAE-3E6D-8DA5-1DC2-EAA5DB072EF0}"/>
+              </a:ext>
+            </a:extLst>
+          </p:cNvPr>
+          <p:cNvCxnSpPr>
+            <a:cxnSpLocks/>
+          </p:cNvCxnSpPr>
+          <p:nvPr/>
+        </p:nvCxnSpPr>
+        <p:spPr>
+          <a:xfrm flipH="1">
+            <a:off x="3479959" y="23612964"/>
+            <a:ext cx="271039" cy="432017"/>
+          </a:xfrm>
+          <a:prstGeom prst="straightConnector1">
+            <a:avLst/>
+          </a:prstGeom>
+          <a:ln w="73025">
+            <a:solidFill>
+              <a:srgbClr val="191970"/>
+            </a:solidFill>
+            <a:tailEnd type="triangle"/>
+          </a:ln>
+        </p:spPr>
+        <p:style>
+          <a:lnRef idx="1">
+            <a:schemeClr val="accent1"/>
+          </a:lnRef>
+          <a:fillRef idx="0">
+            <a:schemeClr val="accent1"/>
+          </a:fillRef>
+          <a:effectRef idx="0">
+            <a:schemeClr val="accent1"/>
+          </a:effectRef>
+          <a:fontRef idx="minor">
+            <a:schemeClr val="tx1"/>
+          </a:fontRef>
+        </p:style>
+      </p:cxnSp>
+      <p:cxnSp>
+        <p:nvCxnSpPr>
+          <p:cNvPr id="80" name="Straight Arrow Connector 79">
+            <a:extLst>
+              <a:ext uri="{FF2B5EF4-FFF2-40B4-BE49-F238E27FC236}">
+                <a16:creationId xmlns:a16="http://schemas.microsoft.com/office/drawing/2014/main" id="{A373E7A2-A156-0963-86EF-96194709112D}"/>
+              </a:ext>
+            </a:extLst>
+          </p:cNvPr>
+          <p:cNvCxnSpPr>
+            <a:cxnSpLocks/>
+          </p:cNvCxnSpPr>
+          <p:nvPr/>
+        </p:nvCxnSpPr>
+        <p:spPr>
+          <a:xfrm>
+            <a:off x="4356115" y="23612965"/>
+            <a:ext cx="262128" cy="432017"/>
+          </a:xfrm>
+          <a:prstGeom prst="straightConnector1">
+            <a:avLst/>
+          </a:prstGeom>
+          <a:ln w="73025">
+            <a:solidFill>
+              <a:srgbClr val="191970"/>
+            </a:solidFill>
+            <a:tailEnd type="triangle"/>
+          </a:ln>
+        </p:spPr>
+        <p:style>
+          <a:lnRef idx="1">
+            <a:schemeClr val="accent1"/>
+          </a:lnRef>
+          <a:fillRef idx="0">
+            <a:schemeClr val="accent1"/>
+          </a:fillRef>
+          <a:effectRef idx="0">
+            <a:schemeClr val="accent1"/>
+          </a:effectRef>
+          <a:fontRef idx="minor">
+            <a:schemeClr val="tx1"/>
+          </a:fontRef>
+        </p:style>
+      </p:cxnSp>
+      <p:cxnSp>
+        <p:nvCxnSpPr>
+          <p:cNvPr id="81" name="Straight Arrow Connector 80">
+            <a:extLst>
+              <a:ext uri="{FF2B5EF4-FFF2-40B4-BE49-F238E27FC236}">
+                <a16:creationId xmlns:a16="http://schemas.microsoft.com/office/drawing/2014/main" id="{902100EB-2746-1A3A-2CD4-252E2B7BEFA6}"/>
+              </a:ext>
+            </a:extLst>
+          </p:cNvPr>
+          <p:cNvCxnSpPr>
+            <a:cxnSpLocks/>
+          </p:cNvCxnSpPr>
+          <p:nvPr/>
+        </p:nvCxnSpPr>
+        <p:spPr>
+          <a:xfrm flipH="1">
+            <a:off x="5085251" y="25094710"/>
+            <a:ext cx="271039" cy="432017"/>
+          </a:xfrm>
+          <a:prstGeom prst="straightConnector1">
+            <a:avLst/>
+          </a:prstGeom>
+          <a:ln w="73025">
+            <a:solidFill>
+              <a:srgbClr val="191970"/>
+            </a:solidFill>
+            <a:tailEnd type="triangle"/>
+          </a:ln>
+        </p:spPr>
+        <p:style>
+          <a:lnRef idx="1">
+            <a:schemeClr val="accent1"/>
+          </a:lnRef>
+          <a:fillRef idx="0">
+            <a:schemeClr val="accent1"/>
+          </a:fillRef>
+          <a:effectRef idx="0">
+            <a:schemeClr val="accent1"/>
+          </a:effectRef>
+          <a:fontRef idx="minor">
+            <a:schemeClr val="tx1"/>
+          </a:fontRef>
+        </p:style>
+      </p:cxnSp>
+      <p:cxnSp>
+        <p:nvCxnSpPr>
+          <p:cNvPr id="82" name="Straight Arrow Connector 81">
+            <a:extLst>
+              <a:ext uri="{FF2B5EF4-FFF2-40B4-BE49-F238E27FC236}">
+                <a16:creationId xmlns:a16="http://schemas.microsoft.com/office/drawing/2014/main" id="{711E768E-8CF7-5284-7AFD-B9A6ED809B17}"/>
+              </a:ext>
+            </a:extLst>
+          </p:cNvPr>
+          <p:cNvCxnSpPr>
+            <a:cxnSpLocks/>
+          </p:cNvCxnSpPr>
+          <p:nvPr/>
+        </p:nvCxnSpPr>
+        <p:spPr>
+          <a:xfrm>
+            <a:off x="5961407" y="25094711"/>
+            <a:ext cx="262128" cy="432017"/>
+          </a:xfrm>
+          <a:prstGeom prst="straightConnector1">
+            <a:avLst/>
+          </a:prstGeom>
+          <a:ln w="73025">
+            <a:solidFill>
+              <a:srgbClr val="191970"/>
+            </a:solidFill>
+            <a:tailEnd type="triangle"/>
+          </a:ln>
+        </p:spPr>
+        <p:style>
+          <a:lnRef idx="1">
+            <a:schemeClr val="accent1"/>
+          </a:lnRef>
+          <a:fillRef idx="0">
+            <a:schemeClr val="accent1"/>
+          </a:fillRef>
+          <a:effectRef idx="0">
+            <a:schemeClr val="accent1"/>
+          </a:effectRef>
+          <a:fontRef idx="minor">
+            <a:schemeClr val="tx1"/>
+          </a:fontRef>
+        </p:style>
+      </p:cxnSp>
+      <p:sp>
+        <p:nvSpPr>
+          <p:cNvPr id="83" name="Rectangle: Rounded Corners 82">
+            <a:extLst>
+              <a:ext uri="{FF2B5EF4-FFF2-40B4-BE49-F238E27FC236}">
+                <a16:creationId xmlns:a16="http://schemas.microsoft.com/office/drawing/2014/main" id="{AE84C244-8894-3958-D283-08B202987904}"/>
+              </a:ext>
+            </a:extLst>
+          </p:cNvPr>
+          <p:cNvSpPr/>
+          <p:nvPr/>
+        </p:nvSpPr>
+        <p:spPr>
+          <a:xfrm>
+            <a:off x="2605961" y="25649124"/>
+            <a:ext cx="2750329" cy="788879"/>
+          </a:xfrm>
+          <a:prstGeom prst="roundRect">
+            <a:avLst>
+              <a:gd name="adj" fmla="val 40815"/>
+            </a:avLst>
+          </a:prstGeom>
+          <a:solidFill>
+            <a:schemeClr val="bg1"/>
+          </a:solidFill>
+          <a:ln w="104775">
+            <a:solidFill>
+              <a:srgbClr val="842332"/>
+            </a:solidFill>
+          </a:ln>
+        </p:spPr>
+        <p:style>
+          <a:lnRef idx="2">
+            <a:schemeClr val="accent1">
+              <a:shade val="15000"/>
+            </a:schemeClr>
+          </a:lnRef>
+          <a:fillRef idx="1">
+            <a:schemeClr val="accent1"/>
+          </a:fillRef>
+          <a:effectRef idx="0">
+            <a:schemeClr val="accent1"/>
+          </a:effectRef>
+          <a:fontRef idx="minor">
+            <a:schemeClr val="lt1"/>
+          </a:fontRef>
+        </p:style>
+        <p:txBody>
+          <a:bodyPr rtlCol="0" anchor="ctr"/>
+          <a:lstStyle/>
+          <a:p>
+            <a:pPr algn="ctr"/>
+            <a:r>
+              <a:rPr lang="de-DE" sz="2400" dirty="0">
+                <a:solidFill>
+                  <a:srgbClr val="842332"/>
+                </a:solidFill>
+              </a:rPr>
+              <a:t>Correlation value</a:t>
+            </a:r>
+            <a:br>
+              <a:rPr lang="de-DE" sz="2400" dirty="0">
+                <a:solidFill>
+                  <a:srgbClr val="842332"/>
+                </a:solidFill>
+              </a:rPr>
+            </a:br>
+            <a:r>
+              <a:rPr lang="de-DE" sz="2400" dirty="0">
+                <a:solidFill>
+                  <a:srgbClr val="842332"/>
+                </a:solidFill>
+              </a:rPr>
+              <a:t>≥ 0,7</a:t>
+            </a:r>
+          </a:p>
+        </p:txBody>
+      </p:sp>
+      <p:sp>
+        <p:nvSpPr>
+          <p:cNvPr id="84" name="Rectangle: Rounded Corners 83">
+            <a:extLst>
+              <a:ext uri="{FF2B5EF4-FFF2-40B4-BE49-F238E27FC236}">
+                <a16:creationId xmlns:a16="http://schemas.microsoft.com/office/drawing/2014/main" id="{67A1D4CB-D9B8-FE54-B8B8-A0CDB5FBE951}"/>
+              </a:ext>
+            </a:extLst>
+          </p:cNvPr>
+          <p:cNvSpPr/>
+          <p:nvPr/>
+        </p:nvSpPr>
+        <p:spPr>
+          <a:xfrm>
+            <a:off x="5946628" y="25645214"/>
+            <a:ext cx="2750329" cy="788879"/>
+          </a:xfrm>
+          <a:prstGeom prst="roundRect">
+            <a:avLst>
+              <a:gd name="adj" fmla="val 40815"/>
+            </a:avLst>
+          </a:prstGeom>
+          <a:solidFill>
+            <a:schemeClr val="bg1"/>
+          </a:solidFill>
+          <a:ln w="104775">
+            <a:solidFill>
+              <a:srgbClr val="191970"/>
+            </a:solidFill>
+          </a:ln>
+        </p:spPr>
+        <p:style>
+          <a:lnRef idx="2">
+            <a:schemeClr val="accent1">
+              <a:shade val="15000"/>
+            </a:schemeClr>
+          </a:lnRef>
+          <a:fillRef idx="1">
+            <a:schemeClr val="accent1"/>
+          </a:fillRef>
+          <a:effectRef idx="0">
+            <a:schemeClr val="accent1"/>
+          </a:effectRef>
+          <a:fontRef idx="minor">
+            <a:schemeClr val="lt1"/>
+          </a:fontRef>
+        </p:style>
+        <p:txBody>
+          <a:bodyPr rtlCol="0" anchor="ctr"/>
+          <a:lstStyle/>
+          <a:p>
+            <a:pPr algn="ctr"/>
+            <a:r>
+              <a:rPr lang="de-DE" sz="2400" dirty="0">
+                <a:solidFill>
+                  <a:srgbClr val="191970"/>
+                </a:solidFill>
+              </a:rPr>
+              <a:t>Correlation value</a:t>
+            </a:r>
+            <a:br>
+              <a:rPr lang="de-DE" sz="2400" dirty="0">
+                <a:solidFill>
+                  <a:srgbClr val="191970"/>
+                </a:solidFill>
+              </a:rPr>
+            </a:br>
+            <a:r>
+              <a:rPr lang="de-DE" sz="2400" dirty="0">
+                <a:solidFill>
+                  <a:srgbClr val="191970"/>
+                </a:solidFill>
+              </a:rPr>
+              <a:t>&lt; 0,7</a:t>
+            </a:r>
+          </a:p>
+        </p:txBody>
+      </p:sp>
     </p:spTree>
     <p:extLst>
       <p:ext uri="{BB962C8B-B14F-4D97-AF65-F5344CB8AC3E}">

--- a/Poster.pptx
+++ b/Poster.pptx
@@ -5,10 +5,11 @@
     <p:sldMasterId id="2147483660" r:id="rId1"/>
   </p:sldMasterIdLst>
   <p:notesMasterIdLst>
-    <p:notesMasterId r:id="rId3"/>
+    <p:notesMasterId r:id="rId4"/>
   </p:notesMasterIdLst>
   <p:sldIdLst>
     <p:sldId id="257" r:id="rId2"/>
+    <p:sldId id="258" r:id="rId3"/>
   </p:sldIdLst>
   <p:sldSz cx="30275213" cy="42803763"/>
   <p:notesSz cx="6858000" cy="9144000"/>
@@ -208,7 +209,7 @@
           <a:p>
             <a:fld id="{BE36CDCD-2F24-4FC6-8D89-D255EE55885D}" type="datetimeFigureOut">
               <a:rPr lang="de-DE" smtClean="0"/>
-              <a:t>03.07.2025</a:t>
+              <a:t>05.07.2025</a:t>
             </a:fld>
             <a:endParaRPr lang="de-DE"/>
           </a:p>
@@ -584,6 +585,114 @@
 </p:notes>
 </file>
 
+<file path=ppt/notesSlides/notesSlide2.xml><?xml version="1.0" encoding="utf-8"?>
+<p:notes xmlns:a="http://schemas.openxmlformats.org/drawingml/2006/main" xmlns:r="http://schemas.openxmlformats.org/officeDocument/2006/relationships" xmlns:p="http://schemas.openxmlformats.org/presentationml/2006/main">
+  <p:cSld>
+    <p:spTree>
+      <p:nvGrpSpPr>
+        <p:cNvPr id="1" name="">
+          <a:extLst>
+            <a:ext uri="{FF2B5EF4-FFF2-40B4-BE49-F238E27FC236}">
+              <a16:creationId xmlns:a16="http://schemas.microsoft.com/office/drawing/2014/main" id="{429B1407-AC98-5FE4-31E8-CC6675DF84EF}"/>
+            </a:ext>
+          </a:extLst>
+        </p:cNvPr>
+        <p:cNvGrpSpPr/>
+        <p:nvPr/>
+      </p:nvGrpSpPr>
+      <p:grpSpPr>
+        <a:xfrm>
+          <a:off x="0" y="0"/>
+          <a:ext cx="0" cy="0"/>
+          <a:chOff x="0" y="0"/>
+          <a:chExt cx="0" cy="0"/>
+        </a:xfrm>
+      </p:grpSpPr>
+      <p:sp>
+        <p:nvSpPr>
+          <p:cNvPr id="2" name="Slide Image Placeholder 1">
+            <a:extLst>
+              <a:ext uri="{FF2B5EF4-FFF2-40B4-BE49-F238E27FC236}">
+                <a16:creationId xmlns:a16="http://schemas.microsoft.com/office/drawing/2014/main" id="{CA3B5E2A-A5E8-ED8A-863D-3A0505658F20}"/>
+              </a:ext>
+            </a:extLst>
+          </p:cNvPr>
+          <p:cNvSpPr>
+            <a:spLocks noGrp="1" noRot="1" noChangeAspect="1"/>
+          </p:cNvSpPr>
+          <p:nvPr>
+            <p:ph type="sldImg"/>
+          </p:nvPr>
+        </p:nvSpPr>
+        <p:spPr/>
+      </p:sp>
+      <p:sp>
+        <p:nvSpPr>
+          <p:cNvPr id="3" name="Notes Placeholder 2">
+            <a:extLst>
+              <a:ext uri="{FF2B5EF4-FFF2-40B4-BE49-F238E27FC236}">
+                <a16:creationId xmlns:a16="http://schemas.microsoft.com/office/drawing/2014/main" id="{53F57194-83E7-E772-3F6C-4E1F31308E59}"/>
+              </a:ext>
+            </a:extLst>
+          </p:cNvPr>
+          <p:cNvSpPr>
+            <a:spLocks noGrp="1"/>
+          </p:cNvSpPr>
+          <p:nvPr>
+            <p:ph type="body" idx="1"/>
+          </p:nvPr>
+        </p:nvSpPr>
+        <p:spPr/>
+        <p:txBody>
+          <a:bodyPr/>
+          <a:lstStyle/>
+          <a:p>
+            <a:endParaRPr lang="de-DE" dirty="0"/>
+          </a:p>
+        </p:txBody>
+      </p:sp>
+      <p:sp>
+        <p:nvSpPr>
+          <p:cNvPr id="4" name="Slide Number Placeholder 3">
+            <a:extLst>
+              <a:ext uri="{FF2B5EF4-FFF2-40B4-BE49-F238E27FC236}">
+                <a16:creationId xmlns:a16="http://schemas.microsoft.com/office/drawing/2014/main" id="{4562BCDB-03A3-FE4D-9530-26F83507649F}"/>
+              </a:ext>
+            </a:extLst>
+          </p:cNvPr>
+          <p:cNvSpPr>
+            <a:spLocks noGrp="1"/>
+          </p:cNvSpPr>
+          <p:nvPr>
+            <p:ph type="sldNum" sz="quarter" idx="5"/>
+          </p:nvPr>
+        </p:nvSpPr>
+        <p:spPr/>
+        <p:txBody>
+          <a:bodyPr/>
+          <a:lstStyle/>
+          <a:p>
+            <a:fld id="{C3DFFD0B-8A86-49B4-B585-C3C192A21CEB}" type="slidenum">
+              <a:rPr lang="de-DE" smtClean="0"/>
+              <a:t>2</a:t>
+            </a:fld>
+            <a:endParaRPr lang="de-DE"/>
+          </a:p>
+        </p:txBody>
+      </p:sp>
+    </p:spTree>
+    <p:extLst>
+      <p:ext uri="{BB962C8B-B14F-4D97-AF65-F5344CB8AC3E}">
+        <p14:creationId xmlns:p14="http://schemas.microsoft.com/office/powerpoint/2010/main" val="1955588201"/>
+      </p:ext>
+    </p:extLst>
+  </p:cSld>
+  <p:clrMapOvr>
+    <a:masterClrMapping/>
+  </p:clrMapOvr>
+</p:notes>
+</file>
+
 <file path=ppt/slideLayouts/slideLayout1.xml><?xml version="1.0" encoding="utf-8"?>
 <p:sldLayout xmlns:a="http://schemas.openxmlformats.org/drawingml/2006/main" xmlns:r="http://schemas.openxmlformats.org/officeDocument/2006/relationships" xmlns:p="http://schemas.openxmlformats.org/presentationml/2006/main" type="title" preserve="1">
   <p:cSld name="Title Slide">
@@ -715,7 +824,7 @@
           <a:p>
             <a:fld id="{61D7E66B-7281-C246-884E-91E9A1EB29D8}" type="datetimeFigureOut">
               <a:rPr lang="en-US" smtClean="0"/>
-              <a:t>7/3/2025</a:t>
+              <a:t>7/5/2025</a:t>
             </a:fld>
             <a:endParaRPr lang="en-US"/>
           </a:p>
@@ -885,7 +994,7 @@
           <a:p>
             <a:fld id="{61D7E66B-7281-C246-884E-91E9A1EB29D8}" type="datetimeFigureOut">
               <a:rPr lang="en-US" smtClean="0"/>
-              <a:t>7/3/2025</a:t>
+              <a:t>7/5/2025</a:t>
             </a:fld>
             <a:endParaRPr lang="en-US"/>
           </a:p>
@@ -1065,7 +1174,7 @@
           <a:p>
             <a:fld id="{61D7E66B-7281-C246-884E-91E9A1EB29D8}" type="datetimeFigureOut">
               <a:rPr lang="en-US" smtClean="0"/>
-              <a:t>7/3/2025</a:t>
+              <a:t>7/5/2025</a:t>
             </a:fld>
             <a:endParaRPr lang="en-US"/>
           </a:p>
@@ -1235,7 +1344,7 @@
           <a:p>
             <a:fld id="{61D7E66B-7281-C246-884E-91E9A1EB29D8}" type="datetimeFigureOut">
               <a:rPr lang="en-US" smtClean="0"/>
-              <a:t>7/3/2025</a:t>
+              <a:t>7/5/2025</a:t>
             </a:fld>
             <a:endParaRPr lang="en-US"/>
           </a:p>
@@ -1479,7 +1588,7 @@
           <a:p>
             <a:fld id="{61D7E66B-7281-C246-884E-91E9A1EB29D8}" type="datetimeFigureOut">
               <a:rPr lang="en-US" smtClean="0"/>
-              <a:t>7/3/2025</a:t>
+              <a:t>7/5/2025</a:t>
             </a:fld>
             <a:endParaRPr lang="en-US"/>
           </a:p>
@@ -1711,7 +1820,7 @@
           <a:p>
             <a:fld id="{61D7E66B-7281-C246-884E-91E9A1EB29D8}" type="datetimeFigureOut">
               <a:rPr lang="en-US" smtClean="0"/>
-              <a:t>7/3/2025</a:t>
+              <a:t>7/5/2025</a:t>
             </a:fld>
             <a:endParaRPr lang="en-US"/>
           </a:p>
@@ -2078,7 +2187,7 @@
           <a:p>
             <a:fld id="{61D7E66B-7281-C246-884E-91E9A1EB29D8}" type="datetimeFigureOut">
               <a:rPr lang="en-US" smtClean="0"/>
-              <a:t>7/3/2025</a:t>
+              <a:t>7/5/2025</a:t>
             </a:fld>
             <a:endParaRPr lang="en-US"/>
           </a:p>
@@ -2196,7 +2305,7 @@
           <a:p>
             <a:fld id="{61D7E66B-7281-C246-884E-91E9A1EB29D8}" type="datetimeFigureOut">
               <a:rPr lang="en-US" smtClean="0"/>
-              <a:t>7/3/2025</a:t>
+              <a:t>7/5/2025</a:t>
             </a:fld>
             <a:endParaRPr lang="en-US"/>
           </a:p>
@@ -2291,7 +2400,7 @@
           <a:p>
             <a:fld id="{61D7E66B-7281-C246-884E-91E9A1EB29D8}" type="datetimeFigureOut">
               <a:rPr lang="en-US" smtClean="0"/>
-              <a:t>7/3/2025</a:t>
+              <a:t>7/5/2025</a:t>
             </a:fld>
             <a:endParaRPr lang="en-US"/>
           </a:p>
@@ -2568,7 +2677,7 @@
           <a:p>
             <a:fld id="{61D7E66B-7281-C246-884E-91E9A1EB29D8}" type="datetimeFigureOut">
               <a:rPr lang="en-US" smtClean="0"/>
-              <a:t>7/3/2025</a:t>
+              <a:t>7/5/2025</a:t>
             </a:fld>
             <a:endParaRPr lang="en-US"/>
           </a:p>
@@ -2825,7 +2934,7 @@
           <a:p>
             <a:fld id="{61D7E66B-7281-C246-884E-91E9A1EB29D8}" type="datetimeFigureOut">
               <a:rPr lang="en-US" smtClean="0"/>
-              <a:t>7/3/2025</a:t>
+              <a:t>7/5/2025</a:t>
             </a:fld>
             <a:endParaRPr lang="en-US"/>
           </a:p>
@@ -3038,7 +3147,7 @@
           <a:p>
             <a:fld id="{61D7E66B-7281-C246-884E-91E9A1EB29D8}" type="datetimeFigureOut">
               <a:rPr lang="en-US" smtClean="0"/>
-              <a:t>7/3/2025</a:t>
+              <a:t>7/5/2025</a:t>
             </a:fld>
             <a:endParaRPr lang="en-US"/>
           </a:p>
@@ -7491,6 +7600,132 @@
 </p:sld>
 </file>
 
+<file path=ppt/slides/slide2.xml><?xml version="1.0" encoding="utf-8"?>
+<p:sld xmlns:a="http://schemas.openxmlformats.org/drawingml/2006/main" xmlns:r="http://schemas.openxmlformats.org/officeDocument/2006/relationships" xmlns:p="http://schemas.openxmlformats.org/presentationml/2006/main">
+  <p:cSld>
+    <p:spTree>
+      <p:nvGrpSpPr>
+        <p:cNvPr id="1" name="">
+          <a:extLst>
+            <a:ext uri="{FF2B5EF4-FFF2-40B4-BE49-F238E27FC236}">
+              <a16:creationId xmlns:a16="http://schemas.microsoft.com/office/drawing/2014/main" id="{795255B0-F5DE-E2B0-8EB8-4413DBB4EB9E}"/>
+            </a:ext>
+          </a:extLst>
+        </p:cNvPr>
+        <p:cNvGrpSpPr/>
+        <p:nvPr/>
+      </p:nvGrpSpPr>
+      <p:grpSpPr>
+        <a:xfrm>
+          <a:off x="0" y="0"/>
+          <a:ext cx="0" cy="0"/>
+          <a:chOff x="0" y="0"/>
+          <a:chExt cx="0" cy="0"/>
+        </a:xfrm>
+      </p:grpSpPr>
+      <p:pic>
+        <p:nvPicPr>
+          <p:cNvPr id="30" name="Picture 29" descr="A blue circle with red and green circles&#10;&#10;AI-generated content may be incorrect.">
+            <a:extLst>
+              <a:ext uri="{FF2B5EF4-FFF2-40B4-BE49-F238E27FC236}">
+                <a16:creationId xmlns:a16="http://schemas.microsoft.com/office/drawing/2014/main" id="{11B8F9EB-5AC4-FCB7-2531-F59FE1F23CDC}"/>
+              </a:ext>
+            </a:extLst>
+          </p:cNvPr>
+          <p:cNvPicPr>
+            <a:picLocks noChangeAspect="1"/>
+          </p:cNvPicPr>
+          <p:nvPr/>
+        </p:nvPicPr>
+        <p:blipFill>
+          <a:blip r:embed="rId3"/>
+          <a:stretch>
+            <a:fillRect/>
+          </a:stretch>
+        </p:blipFill>
+        <p:spPr>
+          <a:xfrm>
+            <a:off x="5288291" y="5513894"/>
+            <a:ext cx="6668431" cy="4115374"/>
+          </a:xfrm>
+          <a:prstGeom prst="rect">
+            <a:avLst/>
+          </a:prstGeom>
+        </p:spPr>
+      </p:pic>
+      <p:pic>
+        <p:nvPicPr>
+          <p:cNvPr id="38" name="Picture 37" descr="A blue circle with a number of different colored lines&#10;&#10;AI-generated content may be incorrect.">
+            <a:extLst>
+              <a:ext uri="{FF2B5EF4-FFF2-40B4-BE49-F238E27FC236}">
+                <a16:creationId xmlns:a16="http://schemas.microsoft.com/office/drawing/2014/main" id="{5463A472-1C21-E178-A553-47B40777124E}"/>
+              </a:ext>
+            </a:extLst>
+          </p:cNvPr>
+          <p:cNvPicPr>
+            <a:picLocks noChangeAspect="1"/>
+          </p:cNvPicPr>
+          <p:nvPr/>
+        </p:nvPicPr>
+        <p:blipFill>
+          <a:blip r:embed="rId4"/>
+          <a:stretch>
+            <a:fillRect/>
+          </a:stretch>
+        </p:blipFill>
+        <p:spPr>
+          <a:xfrm>
+            <a:off x="5288291" y="10885994"/>
+            <a:ext cx="6668431" cy="4115374"/>
+          </a:xfrm>
+          <a:prstGeom prst="rect">
+            <a:avLst/>
+          </a:prstGeom>
+        </p:spPr>
+      </p:pic>
+      <p:pic>
+        <p:nvPicPr>
+          <p:cNvPr id="42" name="Picture 41" descr="A blue pie chart with red and green circles&#10;&#10;AI-generated content may be incorrect.">
+            <a:extLst>
+              <a:ext uri="{FF2B5EF4-FFF2-40B4-BE49-F238E27FC236}">
+                <a16:creationId xmlns:a16="http://schemas.microsoft.com/office/drawing/2014/main" id="{81EE9FCF-780D-3734-ACF4-944385396C65}"/>
+              </a:ext>
+            </a:extLst>
+          </p:cNvPr>
+          <p:cNvPicPr>
+            <a:picLocks noChangeAspect="1"/>
+          </p:cNvPicPr>
+          <p:nvPr/>
+        </p:nvPicPr>
+        <p:blipFill>
+          <a:blip r:embed="rId5"/>
+          <a:stretch>
+            <a:fillRect/>
+          </a:stretch>
+        </p:blipFill>
+        <p:spPr>
+          <a:xfrm>
+            <a:off x="18318491" y="5513894"/>
+            <a:ext cx="6668431" cy="4115374"/>
+          </a:xfrm>
+          <a:prstGeom prst="rect">
+            <a:avLst/>
+          </a:prstGeom>
+        </p:spPr>
+      </p:pic>
+    </p:spTree>
+    <p:extLst>
+      <p:ext uri="{BB962C8B-B14F-4D97-AF65-F5344CB8AC3E}">
+        <p14:creationId xmlns:p14="http://schemas.microsoft.com/office/powerpoint/2010/main" val="496950899"/>
+      </p:ext>
+    </p:extLst>
+  </p:cSld>
+  <p:clrMapOvr>
+    <a:masterClrMapping/>
+  </p:clrMapOvr>
+</p:sld>
+</file>
+
 <file path=ppt/theme/theme1.xml><?xml version="1.0" encoding="utf-8"?>
 <a:theme xmlns:a="http://schemas.openxmlformats.org/drawingml/2006/main" name="Office Theme">
   <a:themeElements>

--- a/Poster.pptx
+++ b/Poster.pptx
@@ -208,7 +208,7 @@
           <a:p>
             <a:fld id="{BE36CDCD-2F24-4FC6-8D89-D255EE55885D}" type="datetimeFigureOut">
               <a:rPr lang="de-DE" smtClean="0"/>
-              <a:t>03.07.2025</a:t>
+              <a:t>05.07.2025</a:t>
             </a:fld>
             <a:endParaRPr lang="de-DE"/>
           </a:p>
@@ -715,7 +715,7 @@
           <a:p>
             <a:fld id="{61D7E66B-7281-C246-884E-91E9A1EB29D8}" type="datetimeFigureOut">
               <a:rPr lang="en-US" smtClean="0"/>
-              <a:t>7/3/2025</a:t>
+              <a:t>7/5/2025</a:t>
             </a:fld>
             <a:endParaRPr lang="en-US"/>
           </a:p>
@@ -885,7 +885,7 @@
           <a:p>
             <a:fld id="{61D7E66B-7281-C246-884E-91E9A1EB29D8}" type="datetimeFigureOut">
               <a:rPr lang="en-US" smtClean="0"/>
-              <a:t>7/3/2025</a:t>
+              <a:t>7/5/2025</a:t>
             </a:fld>
             <a:endParaRPr lang="en-US"/>
           </a:p>
@@ -1065,7 +1065,7 @@
           <a:p>
             <a:fld id="{61D7E66B-7281-C246-884E-91E9A1EB29D8}" type="datetimeFigureOut">
               <a:rPr lang="en-US" smtClean="0"/>
-              <a:t>7/3/2025</a:t>
+              <a:t>7/5/2025</a:t>
             </a:fld>
             <a:endParaRPr lang="en-US"/>
           </a:p>
@@ -1235,7 +1235,7 @@
           <a:p>
             <a:fld id="{61D7E66B-7281-C246-884E-91E9A1EB29D8}" type="datetimeFigureOut">
               <a:rPr lang="en-US" smtClean="0"/>
-              <a:t>7/3/2025</a:t>
+              <a:t>7/5/2025</a:t>
             </a:fld>
             <a:endParaRPr lang="en-US"/>
           </a:p>
@@ -1479,7 +1479,7 @@
           <a:p>
             <a:fld id="{61D7E66B-7281-C246-884E-91E9A1EB29D8}" type="datetimeFigureOut">
               <a:rPr lang="en-US" smtClean="0"/>
-              <a:t>7/3/2025</a:t>
+              <a:t>7/5/2025</a:t>
             </a:fld>
             <a:endParaRPr lang="en-US"/>
           </a:p>
@@ -1711,7 +1711,7 @@
           <a:p>
             <a:fld id="{61D7E66B-7281-C246-884E-91E9A1EB29D8}" type="datetimeFigureOut">
               <a:rPr lang="en-US" smtClean="0"/>
-              <a:t>7/3/2025</a:t>
+              <a:t>7/5/2025</a:t>
             </a:fld>
             <a:endParaRPr lang="en-US"/>
           </a:p>
@@ -2078,7 +2078,7 @@
           <a:p>
             <a:fld id="{61D7E66B-7281-C246-884E-91E9A1EB29D8}" type="datetimeFigureOut">
               <a:rPr lang="en-US" smtClean="0"/>
-              <a:t>7/3/2025</a:t>
+              <a:t>7/5/2025</a:t>
             </a:fld>
             <a:endParaRPr lang="en-US"/>
           </a:p>
@@ -2196,7 +2196,7 @@
           <a:p>
             <a:fld id="{61D7E66B-7281-C246-884E-91E9A1EB29D8}" type="datetimeFigureOut">
               <a:rPr lang="en-US" smtClean="0"/>
-              <a:t>7/3/2025</a:t>
+              <a:t>7/5/2025</a:t>
             </a:fld>
             <a:endParaRPr lang="en-US"/>
           </a:p>
@@ -2291,7 +2291,7 @@
           <a:p>
             <a:fld id="{61D7E66B-7281-C246-884E-91E9A1EB29D8}" type="datetimeFigureOut">
               <a:rPr lang="en-US" smtClean="0"/>
-              <a:t>7/3/2025</a:t>
+              <a:t>7/5/2025</a:t>
             </a:fld>
             <a:endParaRPr lang="en-US"/>
           </a:p>
@@ -2568,7 +2568,7 @@
           <a:p>
             <a:fld id="{61D7E66B-7281-C246-884E-91E9A1EB29D8}" type="datetimeFigureOut">
               <a:rPr lang="en-US" smtClean="0"/>
-              <a:t>7/3/2025</a:t>
+              <a:t>7/5/2025</a:t>
             </a:fld>
             <a:endParaRPr lang="en-US"/>
           </a:p>
@@ -2825,7 +2825,7 @@
           <a:p>
             <a:fld id="{61D7E66B-7281-C246-884E-91E9A1EB29D8}" type="datetimeFigureOut">
               <a:rPr lang="en-US" smtClean="0"/>
-              <a:t>7/3/2025</a:t>
+              <a:t>7/5/2025</a:t>
             </a:fld>
             <a:endParaRPr lang="en-US"/>
           </a:p>
@@ -3038,7 +3038,7 @@
           <a:p>
             <a:fld id="{61D7E66B-7281-C246-884E-91E9A1EB29D8}" type="datetimeFigureOut">
               <a:rPr lang="en-US" smtClean="0"/>
-              <a:t>7/3/2025</a:t>
+              <a:t>7/5/2025</a:t>
             </a:fld>
             <a:endParaRPr lang="en-US"/>
           </a:p>

--- a/Poster.pptx
+++ b/Poster.pptx
@@ -5,11 +5,10 @@
     <p:sldMasterId id="2147483660" r:id="rId1"/>
   </p:sldMasterIdLst>
   <p:notesMasterIdLst>
-    <p:notesMasterId r:id="rId4"/>
+    <p:notesMasterId r:id="rId3"/>
   </p:notesMasterIdLst>
   <p:sldIdLst>
     <p:sldId id="257" r:id="rId2"/>
-    <p:sldId id="258" r:id="rId3"/>
   </p:sldIdLst>
   <p:sldSz cx="30275213" cy="42803763"/>
   <p:notesSz cx="6858000" cy="9144000"/>
@@ -576,114 +575,6 @@
     <p:extLst>
       <p:ext uri="{BB962C8B-B14F-4D97-AF65-F5344CB8AC3E}">
         <p14:creationId xmlns:p14="http://schemas.microsoft.com/office/powerpoint/2010/main" val="3823668295"/>
-      </p:ext>
-    </p:extLst>
-  </p:cSld>
-  <p:clrMapOvr>
-    <a:masterClrMapping/>
-  </p:clrMapOvr>
-</p:notes>
-</file>
-
-<file path=ppt/notesSlides/notesSlide2.xml><?xml version="1.0" encoding="utf-8"?>
-<p:notes xmlns:a="http://schemas.openxmlformats.org/drawingml/2006/main" xmlns:r="http://schemas.openxmlformats.org/officeDocument/2006/relationships" xmlns:p="http://schemas.openxmlformats.org/presentationml/2006/main">
-  <p:cSld>
-    <p:spTree>
-      <p:nvGrpSpPr>
-        <p:cNvPr id="1" name="">
-          <a:extLst>
-            <a:ext uri="{FF2B5EF4-FFF2-40B4-BE49-F238E27FC236}">
-              <a16:creationId xmlns:a16="http://schemas.microsoft.com/office/drawing/2014/main" id="{429B1407-AC98-5FE4-31E8-CC6675DF84EF}"/>
-            </a:ext>
-          </a:extLst>
-        </p:cNvPr>
-        <p:cNvGrpSpPr/>
-        <p:nvPr/>
-      </p:nvGrpSpPr>
-      <p:grpSpPr>
-        <a:xfrm>
-          <a:off x="0" y="0"/>
-          <a:ext cx="0" cy="0"/>
-          <a:chOff x="0" y="0"/>
-          <a:chExt cx="0" cy="0"/>
-        </a:xfrm>
-      </p:grpSpPr>
-      <p:sp>
-        <p:nvSpPr>
-          <p:cNvPr id="2" name="Slide Image Placeholder 1">
-            <a:extLst>
-              <a:ext uri="{FF2B5EF4-FFF2-40B4-BE49-F238E27FC236}">
-                <a16:creationId xmlns:a16="http://schemas.microsoft.com/office/drawing/2014/main" id="{CA3B5E2A-A5E8-ED8A-863D-3A0505658F20}"/>
-              </a:ext>
-            </a:extLst>
-          </p:cNvPr>
-          <p:cNvSpPr>
-            <a:spLocks noGrp="1" noRot="1" noChangeAspect="1"/>
-          </p:cNvSpPr>
-          <p:nvPr>
-            <p:ph type="sldImg"/>
-          </p:nvPr>
-        </p:nvSpPr>
-        <p:spPr/>
-      </p:sp>
-      <p:sp>
-        <p:nvSpPr>
-          <p:cNvPr id="3" name="Notes Placeholder 2">
-            <a:extLst>
-              <a:ext uri="{FF2B5EF4-FFF2-40B4-BE49-F238E27FC236}">
-                <a16:creationId xmlns:a16="http://schemas.microsoft.com/office/drawing/2014/main" id="{53F57194-83E7-E772-3F6C-4E1F31308E59}"/>
-              </a:ext>
-            </a:extLst>
-          </p:cNvPr>
-          <p:cNvSpPr>
-            <a:spLocks noGrp="1"/>
-          </p:cNvSpPr>
-          <p:nvPr>
-            <p:ph type="body" idx="1"/>
-          </p:nvPr>
-        </p:nvSpPr>
-        <p:spPr/>
-        <p:txBody>
-          <a:bodyPr/>
-          <a:lstStyle/>
-          <a:p>
-            <a:endParaRPr lang="de-DE" dirty="0"/>
-          </a:p>
-        </p:txBody>
-      </p:sp>
-      <p:sp>
-        <p:nvSpPr>
-          <p:cNvPr id="4" name="Slide Number Placeholder 3">
-            <a:extLst>
-              <a:ext uri="{FF2B5EF4-FFF2-40B4-BE49-F238E27FC236}">
-                <a16:creationId xmlns:a16="http://schemas.microsoft.com/office/drawing/2014/main" id="{4562BCDB-03A3-FE4D-9530-26F83507649F}"/>
-              </a:ext>
-            </a:extLst>
-          </p:cNvPr>
-          <p:cNvSpPr>
-            <a:spLocks noGrp="1"/>
-          </p:cNvSpPr>
-          <p:nvPr>
-            <p:ph type="sldNum" sz="quarter" idx="5"/>
-          </p:nvPr>
-        </p:nvSpPr>
-        <p:spPr/>
-        <p:txBody>
-          <a:bodyPr/>
-          <a:lstStyle/>
-          <a:p>
-            <a:fld id="{C3DFFD0B-8A86-49B4-B585-C3C192A21CEB}" type="slidenum">
-              <a:rPr lang="de-DE" smtClean="0"/>
-              <a:t>2</a:t>
-            </a:fld>
-            <a:endParaRPr lang="de-DE"/>
-          </a:p>
-        </p:txBody>
-      </p:sp>
-    </p:spTree>
-    <p:extLst>
-      <p:ext uri="{BB962C8B-B14F-4D97-AF65-F5344CB8AC3E}">
-        <p14:creationId xmlns:p14="http://schemas.microsoft.com/office/powerpoint/2010/main" val="1955588201"/>
       </p:ext>
     </p:extLst>
   </p:cSld>
@@ -7587,45 +7478,9 @@
           </a:p>
         </p:txBody>
       </p:sp>
-    </p:spTree>
-    <p:extLst>
-      <p:ext uri="{BB962C8B-B14F-4D97-AF65-F5344CB8AC3E}">
-        <p14:creationId xmlns:p14="http://schemas.microsoft.com/office/powerpoint/2010/main" val="1737746499"/>
-      </p:ext>
-    </p:extLst>
-  </p:cSld>
-  <p:clrMapOvr>
-    <a:masterClrMapping/>
-  </p:clrMapOvr>
-</p:sld>
-</file>
-
-<file path=ppt/slides/slide2.xml><?xml version="1.0" encoding="utf-8"?>
-<p:sld xmlns:a="http://schemas.openxmlformats.org/drawingml/2006/main" xmlns:r="http://schemas.openxmlformats.org/officeDocument/2006/relationships" xmlns:p="http://schemas.openxmlformats.org/presentationml/2006/main">
-  <p:cSld>
-    <p:spTree>
-      <p:nvGrpSpPr>
-        <p:cNvPr id="1" name="">
-          <a:extLst>
-            <a:ext uri="{FF2B5EF4-FFF2-40B4-BE49-F238E27FC236}">
-              <a16:creationId xmlns:a16="http://schemas.microsoft.com/office/drawing/2014/main" id="{795255B0-F5DE-E2B0-8EB8-4413DBB4EB9E}"/>
-            </a:ext>
-          </a:extLst>
-        </p:cNvPr>
-        <p:cNvGrpSpPr/>
-        <p:nvPr/>
-      </p:nvGrpSpPr>
-      <p:grpSpPr>
-        <a:xfrm>
-          <a:off x="0" y="0"/>
-          <a:ext cx="0" cy="0"/>
-          <a:chOff x="0" y="0"/>
-          <a:chExt cx="0" cy="0"/>
-        </a:xfrm>
-      </p:grpSpPr>
       <p:pic>
         <p:nvPicPr>
-          <p:cNvPr id="30" name="Picture 29" descr="A blue circle with red and green circles&#10;&#10;AI-generated content may be incorrect.">
+          <p:cNvPr id="35" name="Picture 34" descr="A blue circle with red and green circles&#10;&#10;AI-generated content may be incorrect.">
             <a:extLst>
               <a:ext uri="{FF2B5EF4-FFF2-40B4-BE49-F238E27FC236}">
                 <a16:creationId xmlns:a16="http://schemas.microsoft.com/office/drawing/2014/main" id="{11B8F9EB-5AC4-FCB7-2531-F59FE1F23CDC}"/>
@@ -7638,15 +7493,16 @@
           <p:nvPr/>
         </p:nvPicPr>
         <p:blipFill>
-          <a:blip r:embed="rId3"/>
+          <a:blip r:embed="rId21"/>
+          <a:srcRect l="15812" t="14850" r="9096" b="8618"/>
           <a:stretch>
             <a:fillRect/>
           </a:stretch>
         </p:blipFill>
         <p:spPr>
           <a:xfrm>
-            <a:off x="5288291" y="5513894"/>
-            <a:ext cx="6668431" cy="4115374"/>
+            <a:off x="1933054" y="1322892"/>
+            <a:ext cx="5007429" cy="3149600"/>
           </a:xfrm>
           <a:prstGeom prst="rect">
             <a:avLst/>
@@ -7668,15 +7524,16 @@
           <p:nvPr/>
         </p:nvPicPr>
         <p:blipFill>
-          <a:blip r:embed="rId4"/>
+          <a:blip r:embed="rId22"/>
+          <a:srcRect l="15812" t="14454" r="9096" b="9014"/>
           <a:stretch>
             <a:fillRect/>
           </a:stretch>
         </p:blipFill>
         <p:spPr>
           <a:xfrm>
-            <a:off x="5288291" y="10885994"/>
-            <a:ext cx="6668431" cy="4115374"/>
+            <a:off x="8540332" y="1322892"/>
+            <a:ext cx="5007430" cy="3149600"/>
           </a:xfrm>
           <a:prstGeom prst="rect">
             <a:avLst/>
@@ -7698,15 +7555,16 @@
           <p:nvPr/>
         </p:nvPicPr>
         <p:blipFill>
-          <a:blip r:embed="rId5"/>
+          <a:blip r:embed="rId23"/>
+          <a:srcRect l="19350" t="12381" r="13613" b="8617"/>
           <a:stretch>
             <a:fillRect/>
           </a:stretch>
         </p:blipFill>
         <p:spPr>
           <a:xfrm>
-            <a:off x="18318491" y="5513894"/>
-            <a:ext cx="6668431" cy="4115374"/>
+            <a:off x="14993991" y="1195820"/>
+            <a:ext cx="4470400" cy="3251201"/>
           </a:xfrm>
           <a:prstGeom prst="rect">
             <a:avLst/>
@@ -7716,7 +7574,7 @@
     </p:spTree>
     <p:extLst>
       <p:ext uri="{BB962C8B-B14F-4D97-AF65-F5344CB8AC3E}">
-        <p14:creationId xmlns:p14="http://schemas.microsoft.com/office/powerpoint/2010/main" val="496950899"/>
+        <p14:creationId xmlns:p14="http://schemas.microsoft.com/office/powerpoint/2010/main" val="1737746499"/>
       </p:ext>
     </p:extLst>
   </p:cSld>

--- a/Poster.pptx
+++ b/Poster.pptx
@@ -3548,7 +3548,7 @@
         </p:nvSpPr>
         <p:spPr>
           <a:xfrm>
-            <a:off x="619433" y="27643718"/>
+            <a:off x="568333" y="27643718"/>
             <a:ext cx="14518173" cy="14571082"/>
           </a:xfrm>
           <a:prstGeom prst="roundRect">
@@ -3900,183 +3900,6 @@
       </p:sp>
       <p:sp>
         <p:nvSpPr>
-          <p:cNvPr id="16" name="TextBox 15">
-            <a:extLst>
-              <a:ext uri="{FF2B5EF4-FFF2-40B4-BE49-F238E27FC236}">
-                <a16:creationId xmlns:a16="http://schemas.microsoft.com/office/drawing/2014/main" id="{E5A8A780-8963-9A01-2654-83972EA67C12}"/>
-              </a:ext>
-            </a:extLst>
-          </p:cNvPr>
-          <p:cNvSpPr txBox="1"/>
-          <p:nvPr/>
-        </p:nvSpPr>
-        <p:spPr>
-          <a:xfrm>
-            <a:off x="1194287" y="16177658"/>
-            <a:ext cx="24173364" cy="7109639"/>
-          </a:xfrm>
-          <a:prstGeom prst="rect">
-            <a:avLst/>
-          </a:prstGeom>
-          <a:noFill/>
-          <a:ln>
-            <a:noFill/>
-          </a:ln>
-        </p:spPr>
-        <p:txBody>
-          <a:bodyPr wrap="square">
-            <a:spAutoFit/>
-          </a:bodyPr>
-          <a:lstStyle/>
-          <a:p>
-            <a:r>
-              <a:rPr lang="en-GB" sz="2400" b="1" noProof="0" dirty="0"/>
-              <a:t>1) Data preparation</a:t>
-            </a:r>
-          </a:p>
-          <a:p>
-            <a:pPr marL="457200" indent="-457200">
-              <a:buFont typeface="Arial" panose="020B0604020202020204" pitchFamily="34" charset="0"/>
-              <a:buChar char="•"/>
-            </a:pPr>
-            <a:r>
-              <a:rPr lang="en-GB" sz="2400" noProof="0" dirty="0"/>
-              <a:t>Data cleanup</a:t>
-            </a:r>
-          </a:p>
-          <a:p>
-            <a:pPr marL="457200" indent="-457200">
-              <a:buFont typeface="Arial" panose="020B0604020202020204" pitchFamily="34" charset="0"/>
-              <a:buChar char="•"/>
-            </a:pPr>
-            <a:r>
-              <a:rPr lang="en-GB" sz="2400" noProof="0" dirty="0"/>
-              <a:t>“Rearrange and reorder the columns to their treatment, replicate and fraction”</a:t>
-            </a:r>
-          </a:p>
-          <a:p>
-            <a:pPr marL="457200" indent="-457200">
-              <a:buFont typeface="Arial" panose="020B0604020202020204" pitchFamily="34" charset="0"/>
-              <a:buChar char="•"/>
-            </a:pPr>
-            <a:r>
-              <a:rPr lang="en-GB" sz="2400" noProof="0" dirty="0"/>
-              <a:t>Normalization</a:t>
-            </a:r>
-          </a:p>
-          <a:p>
-            <a:endParaRPr lang="en-GB" sz="2400" b="1" noProof="0" dirty="0"/>
-          </a:p>
-          <a:p>
-            <a:r>
-              <a:rPr lang="en-GB" sz="2400" b="1" noProof="0" dirty="0"/>
-              <a:t>2) Data exploration</a:t>
-            </a:r>
-            <a:endParaRPr lang="en-GB" sz="2400" noProof="0" dirty="0"/>
-          </a:p>
-          <a:p>
-            <a:pPr marL="457200" indent="-457200">
-              <a:buFont typeface="Arial" panose="020B0604020202020204" pitchFamily="34" charset="0"/>
-              <a:buChar char="•"/>
-            </a:pPr>
-            <a:r>
-              <a:rPr lang="en-GB" sz="2400" noProof="0" dirty="0"/>
-              <a:t> Identification of maxima and shoulders</a:t>
-            </a:r>
-          </a:p>
-          <a:p>
-            <a:pPr marL="457200" indent="-457200">
-              <a:buFont typeface="Arial" panose="020B0604020202020204" pitchFamily="34" charset="0"/>
-              <a:buChar char="•"/>
-            </a:pPr>
-            <a:r>
-              <a:rPr lang="en-GB" sz="2400" noProof="0" dirty="0"/>
-              <a:t> Selection criteria &amp; Wilcoxon Test </a:t>
-            </a:r>
-          </a:p>
-          <a:p>
-            <a:pPr marL="457200" indent="-457200">
-              <a:buFont typeface="Arial" panose="020B0604020202020204" pitchFamily="34" charset="0"/>
-              <a:buChar char="•"/>
-            </a:pPr>
-            <a:r>
-              <a:rPr lang="en-GB" sz="2400" noProof="0" dirty="0"/>
-              <a:t>Visualization for the order of selection criteria</a:t>
-            </a:r>
-          </a:p>
-          <a:p>
-            <a:pPr marL="457200" indent="-457200">
-              <a:buFont typeface="Arial" panose="020B0604020202020204" pitchFamily="34" charset="0"/>
-              <a:buChar char="•"/>
-            </a:pPr>
-            <a:r>
-              <a:rPr lang="en-GB" sz="2400" noProof="0" dirty="0"/>
-              <a:t>Pie charts for selection results</a:t>
-            </a:r>
-          </a:p>
-          <a:p>
-            <a:endParaRPr lang="en-GB" sz="2400" b="1" noProof="0" dirty="0"/>
-          </a:p>
-          <a:p>
-            <a:r>
-              <a:rPr lang="en-GB" sz="2400" b="1" noProof="0" dirty="0"/>
-              <a:t>3) Data reduction</a:t>
-            </a:r>
-          </a:p>
-          <a:p>
-            <a:pPr marL="457200" indent="-457200">
-              <a:buFont typeface="Arial" panose="020B0604020202020204" pitchFamily="34" charset="0"/>
-              <a:buChar char="•"/>
-            </a:pPr>
-            <a:r>
-              <a:rPr lang="en-GB" sz="2400" noProof="0" dirty="0"/>
-              <a:t>PCR </a:t>
-            </a:r>
-          </a:p>
-          <a:p>
-            <a:pPr marL="457200" indent="-457200">
-              <a:buFont typeface="Arial" panose="020B0604020202020204" pitchFamily="34" charset="0"/>
-              <a:buChar char="•"/>
-            </a:pPr>
-            <a:r>
-              <a:rPr lang="en-GB" sz="2400" noProof="0" dirty="0"/>
-              <a:t> k-means clustering</a:t>
-            </a:r>
-          </a:p>
-          <a:p>
-            <a:pPr marL="457200" indent="-457200">
-              <a:buFont typeface="Arial" panose="020B0604020202020204" pitchFamily="34" charset="0"/>
-              <a:buChar char="•"/>
-            </a:pPr>
-            <a:endParaRPr lang="en-GB" sz="2400" noProof="0" dirty="0"/>
-          </a:p>
-          <a:p>
-            <a:r>
-              <a:rPr lang="en-GB" sz="2400" b="1" noProof="0" dirty="0"/>
-              <a:t>4) Data modelling</a:t>
-            </a:r>
-          </a:p>
-          <a:p>
-            <a:pPr marL="457200" indent="-457200">
-              <a:buFont typeface="Arial" panose="020B0604020202020204" pitchFamily="34" charset="0"/>
-              <a:buChar char="•"/>
-            </a:pPr>
-            <a:r>
-              <a:rPr lang="en-GB" sz="2400" noProof="0" dirty="0"/>
-              <a:t> Linear Regression Analyses</a:t>
-            </a:r>
-            <a:endParaRPr lang="en-GB" sz="2400" b="1" noProof="0" dirty="0"/>
-          </a:p>
-          <a:p>
-            <a:endParaRPr lang="en-GB" sz="2400" b="1" noProof="0" dirty="0"/>
-          </a:p>
-          <a:p>
-            <a:endParaRPr lang="en-GB" sz="2400" b="1" noProof="0" dirty="0"/>
-          </a:p>
-        </p:txBody>
-      </p:sp>
-      <p:sp>
-        <p:nvSpPr>
           <p:cNvPr id="18" name="TextBox 17">
             <a:extLst>
               <a:ext uri="{FF2B5EF4-FFF2-40B4-BE49-F238E27FC236}">
@@ -5338,720 +5161,6 @@
           </a:prstGeom>
         </p:spPr>
       </p:pic>
-      <p:grpSp>
-        <p:nvGrpSpPr>
-          <p:cNvPr id="97" name="Group 96">
-            <a:extLst>
-              <a:ext uri="{FF2B5EF4-FFF2-40B4-BE49-F238E27FC236}">
-                <a16:creationId xmlns:a16="http://schemas.microsoft.com/office/drawing/2014/main" id="{CAC4F27D-C566-F3E2-60DD-4FDC15B3346E}"/>
-              </a:ext>
-            </a:extLst>
-          </p:cNvPr>
-          <p:cNvGrpSpPr/>
-          <p:nvPr/>
-        </p:nvGrpSpPr>
-        <p:grpSpPr>
-          <a:xfrm>
-            <a:off x="11999198" y="16210552"/>
-            <a:ext cx="17171804" cy="8336937"/>
-            <a:chOff x="11999198" y="16210552"/>
-            <a:chExt cx="17171804" cy="8336937"/>
-          </a:xfrm>
-        </p:grpSpPr>
-        <p:sp>
-          <p:nvSpPr>
-            <p:cNvPr id="26" name="TextBox 25">
-              <a:extLst>
-                <a:ext uri="{FF2B5EF4-FFF2-40B4-BE49-F238E27FC236}">
-                  <a16:creationId xmlns:a16="http://schemas.microsoft.com/office/drawing/2014/main" id="{BBD929F6-B5A7-A81C-BEB9-99F0DAA2B990}"/>
-                </a:ext>
-              </a:extLst>
-            </p:cNvPr>
-            <p:cNvSpPr txBox="1"/>
-            <p:nvPr/>
-          </p:nvSpPr>
-          <p:spPr>
-            <a:xfrm>
-              <a:off x="12014188" y="22608497"/>
-              <a:ext cx="17156702" cy="1938992"/>
-            </a:xfrm>
-            <a:prstGeom prst="rect">
-              <a:avLst/>
-            </a:prstGeom>
-            <a:noFill/>
-          </p:spPr>
-          <p:txBody>
-            <a:bodyPr wrap="square" rtlCol="0">
-              <a:spAutoFit/>
-            </a:bodyPr>
-            <a:lstStyle/>
-            <a:p>
-              <a:pPr algn="just"/>
-              <a:r>
-                <a:rPr lang="en-GB" sz="2000" b="1" noProof="0" dirty="0"/>
-                <a:t>Fig. 5 </a:t>
-              </a:r>
-              <a:r>
-                <a:rPr lang="en-GB" sz="2000" noProof="0" dirty="0"/>
-                <a:t>Principle Component Analyses and </a:t>
-              </a:r>
-              <a:r>
-                <a:rPr lang="en-GB" sz="2000" noProof="0" dirty="0" err="1"/>
-                <a:t>Elbowplots</a:t>
-              </a:r>
-              <a:r>
-                <a:rPr lang="en-GB" sz="2000" noProof="0" dirty="0"/>
-                <a:t> of the selected and the non-selected proteins. RNASE and CTRL are plotted separately for comparison.</a:t>
-              </a:r>
-            </a:p>
-            <a:p>
-              <a:pPr algn="just"/>
-              <a:endParaRPr lang="en-GB" sz="2000" noProof="0" dirty="0"/>
-            </a:p>
-            <a:p>
-              <a:pPr algn="just"/>
-              <a:r>
-                <a:rPr lang="en-GB" sz="2000" b="1" noProof="0" dirty="0"/>
-                <a:t>A) </a:t>
-              </a:r>
-              <a:r>
-                <a:rPr lang="en-GB" sz="2000" noProof="0" dirty="0"/>
-                <a:t>PCA of the selected proteins. The data points of the RNASE compared to the CTRL </a:t>
-              </a:r>
-              <a:r>
-                <a:rPr lang="en-GB" sz="2000" dirty="0"/>
-                <a:t>make up an overall similar shape</a:t>
-              </a:r>
-              <a:r>
-                <a:rPr lang="en-GB" sz="2000" noProof="0" dirty="0"/>
-                <a:t>, but a shift is visible in the density of the points. </a:t>
-              </a:r>
-              <a:r>
-                <a:rPr lang="en-GB" sz="2000" b="1" noProof="0" dirty="0"/>
-                <a:t>B) </a:t>
-              </a:r>
-              <a:r>
-                <a:rPr lang="en-GB" sz="2000" noProof="0" dirty="0"/>
-                <a:t>PCA</a:t>
-              </a:r>
-              <a:r>
-                <a:rPr lang="en-GB" sz="2000" b="1" noProof="0" dirty="0"/>
-                <a:t> </a:t>
-              </a:r>
-              <a:r>
-                <a:rPr lang="en-GB" sz="2000" noProof="0" dirty="0"/>
-                <a:t>of the non-selected proteins. The points of the RNASE and CTRL form mostly the same structure. </a:t>
-              </a:r>
-              <a:r>
-                <a:rPr lang="en-GB" sz="2000" b="1" noProof="0" dirty="0"/>
-                <a:t>C) </a:t>
-              </a:r>
-              <a:r>
-                <a:rPr lang="en-GB" sz="2000" noProof="0" dirty="0"/>
-                <a:t>Elbow-Plot of the selected proteins. The </a:t>
-              </a:r>
-              <a:r>
-                <a:rPr lang="en-GB" sz="2000" dirty="0" err="1"/>
-                <a:t>knick</a:t>
-              </a:r>
-              <a:r>
-                <a:rPr lang="en-GB" sz="2000" noProof="0" dirty="0"/>
-                <a:t> of the elbow is at 3. </a:t>
-              </a:r>
-              <a:r>
-                <a:rPr lang="en-GB" sz="2000" b="1" noProof="0" dirty="0"/>
-                <a:t>D) </a:t>
-              </a:r>
-              <a:r>
-                <a:rPr lang="en-GB" sz="2000" noProof="0" dirty="0"/>
-                <a:t>Elbow-Plot of the non-selected proteins. The </a:t>
-              </a:r>
-              <a:r>
-                <a:rPr lang="en-GB" sz="2000" dirty="0" err="1"/>
-                <a:t>knick</a:t>
-              </a:r>
-              <a:r>
-                <a:rPr lang="en-GB" sz="2000" noProof="0" dirty="0"/>
-                <a:t> of the elbow is between 3 and 4. To compare selected and non-selected proteins, we decided to use 3 cluster in the </a:t>
-              </a:r>
-              <a:r>
-                <a:rPr lang="en-GB" sz="2000" noProof="0" dirty="0" err="1"/>
-                <a:t>kmeans</a:t>
-              </a:r>
-              <a:r>
-                <a:rPr lang="en-GB" sz="2000" noProof="0" dirty="0"/>
-                <a:t> clustering.</a:t>
-              </a:r>
-            </a:p>
-          </p:txBody>
-        </p:sp>
-        <p:grpSp>
-          <p:nvGrpSpPr>
-            <p:cNvPr id="96" name="Group 95">
-              <a:extLst>
-                <a:ext uri="{FF2B5EF4-FFF2-40B4-BE49-F238E27FC236}">
-                  <a16:creationId xmlns:a16="http://schemas.microsoft.com/office/drawing/2014/main" id="{26E31626-5BFC-00E0-2920-C6873C4A60FD}"/>
-                </a:ext>
-              </a:extLst>
-            </p:cNvPr>
-            <p:cNvGrpSpPr/>
-            <p:nvPr/>
-          </p:nvGrpSpPr>
-          <p:grpSpPr>
-            <a:xfrm>
-              <a:off x="11999198" y="16210552"/>
-              <a:ext cx="17171804" cy="6231538"/>
-              <a:chOff x="11999198" y="16210552"/>
-              <a:chExt cx="17171804" cy="6231538"/>
-            </a:xfrm>
-          </p:grpSpPr>
-          <p:grpSp>
-            <p:nvGrpSpPr>
-              <p:cNvPr id="92" name="Group 91">
-                <a:extLst>
-                  <a:ext uri="{FF2B5EF4-FFF2-40B4-BE49-F238E27FC236}">
-                    <a16:creationId xmlns:a16="http://schemas.microsoft.com/office/drawing/2014/main" id="{1C4773DC-4C2F-3A94-1195-A4CE3265522B}"/>
-                  </a:ext>
-                </a:extLst>
-              </p:cNvPr>
-              <p:cNvGrpSpPr/>
-              <p:nvPr/>
-            </p:nvGrpSpPr>
-            <p:grpSpPr>
-              <a:xfrm>
-                <a:off x="11999198" y="16218869"/>
-                <a:ext cx="8344258" cy="2933489"/>
-                <a:chOff x="12458450" y="16216461"/>
-                <a:chExt cx="8344258" cy="2933489"/>
-              </a:xfrm>
-            </p:grpSpPr>
-            <p:pic>
-              <p:nvPicPr>
-                <p:cNvPr id="34" name="Picture 33" descr="A diagram of a graph&#10;&#10;AI-generated content may be incorrect.">
-                  <a:extLst>
-                    <a:ext uri="{FF2B5EF4-FFF2-40B4-BE49-F238E27FC236}">
-                      <a16:creationId xmlns:a16="http://schemas.microsoft.com/office/drawing/2014/main" id="{DF874E4B-ABF5-E1C6-72B3-A765590BDEA2}"/>
-                    </a:ext>
-                  </a:extLst>
-                </p:cNvPr>
-                <p:cNvPicPr>
-                  <a:picLocks noChangeAspect="1"/>
-                </p:cNvPicPr>
-                <p:nvPr/>
-              </p:nvPicPr>
-              <p:blipFill>
-                <a:blip r:embed="rId5"/>
-                <a:stretch>
-                  <a:fillRect/>
-                </a:stretch>
-              </p:blipFill>
-              <p:spPr>
-                <a:xfrm>
-                  <a:off x="12458450" y="16289018"/>
-                  <a:ext cx="4178110" cy="2856244"/>
-                </a:xfrm>
-                <a:prstGeom prst="rect">
-                  <a:avLst/>
-                </a:prstGeom>
-              </p:spPr>
-            </p:pic>
-            <p:pic>
-              <p:nvPicPr>
-                <p:cNvPr id="41" name="Picture 40" descr="A diagram of a graph showing a number of dots&#10;&#10;AI-generated content may be incorrect.">
-                  <a:extLst>
-                    <a:ext uri="{FF2B5EF4-FFF2-40B4-BE49-F238E27FC236}">
-                      <a16:creationId xmlns:a16="http://schemas.microsoft.com/office/drawing/2014/main" id="{F3319957-4CD1-3632-7671-D1837533B71D}"/>
-                    </a:ext>
-                  </a:extLst>
-                </p:cNvPr>
-                <p:cNvPicPr>
-                  <a:picLocks noChangeAspect="1"/>
-                </p:cNvPicPr>
-                <p:nvPr/>
-              </p:nvPicPr>
-              <p:blipFill>
-                <a:blip r:embed="rId6"/>
-                <a:stretch>
-                  <a:fillRect/>
-                </a:stretch>
-              </p:blipFill>
-              <p:spPr>
-                <a:xfrm>
-                  <a:off x="16624594" y="16293705"/>
-                  <a:ext cx="4178114" cy="2856245"/>
-                </a:xfrm>
-                <a:prstGeom prst="rect">
-                  <a:avLst/>
-                </a:prstGeom>
-              </p:spPr>
-            </p:pic>
-            <p:sp>
-              <p:nvSpPr>
-                <p:cNvPr id="45" name="TextBox 44">
-                  <a:extLst>
-                    <a:ext uri="{FF2B5EF4-FFF2-40B4-BE49-F238E27FC236}">
-                      <a16:creationId xmlns:a16="http://schemas.microsoft.com/office/drawing/2014/main" id="{673F2A36-1B4B-C4E7-1EE9-A5B6221FDC7B}"/>
-                    </a:ext>
-                  </a:extLst>
-                </p:cNvPr>
-                <p:cNvSpPr txBox="1"/>
-                <p:nvPr/>
-              </p:nvSpPr>
-              <p:spPr>
-                <a:xfrm>
-                  <a:off x="12733005" y="16216461"/>
-                  <a:ext cx="558327" cy="461665"/>
-                </a:xfrm>
-                <a:prstGeom prst="rect">
-                  <a:avLst/>
-                </a:prstGeom>
-                <a:noFill/>
-              </p:spPr>
-              <p:txBody>
-                <a:bodyPr wrap="square" rtlCol="0">
-                  <a:spAutoFit/>
-                </a:bodyPr>
-                <a:lstStyle/>
-                <a:p>
-                  <a:r>
-                    <a:rPr lang="en-GB" sz="2400" b="1" noProof="0" dirty="0"/>
-                    <a:t>5A</a:t>
-                  </a:r>
-                </a:p>
-              </p:txBody>
-            </p:sp>
-          </p:grpSp>
-          <p:grpSp>
-            <p:nvGrpSpPr>
-              <p:cNvPr id="93" name="Group 92">
-                <a:extLst>
-                  <a:ext uri="{FF2B5EF4-FFF2-40B4-BE49-F238E27FC236}">
-                    <a16:creationId xmlns:a16="http://schemas.microsoft.com/office/drawing/2014/main" id="{A2311E2E-F7A2-DD5D-FA9E-6A88BB4AA299}"/>
-                  </a:ext>
-                </a:extLst>
-              </p:cNvPr>
-              <p:cNvGrpSpPr/>
-              <p:nvPr/>
-            </p:nvGrpSpPr>
-            <p:grpSpPr>
-              <a:xfrm>
-                <a:off x="20808689" y="16210552"/>
-                <a:ext cx="8362201" cy="2950021"/>
-                <a:chOff x="20808689" y="16210552"/>
-                <a:chExt cx="8362201" cy="2950021"/>
-              </a:xfrm>
-            </p:grpSpPr>
-            <p:pic>
-              <p:nvPicPr>
-                <p:cNvPr id="36" name="Picture 35" descr="A graph of a curve&#10;&#10;AI-generated content may be incorrect.">
-                  <a:extLst>
-                    <a:ext uri="{FF2B5EF4-FFF2-40B4-BE49-F238E27FC236}">
-                      <a16:creationId xmlns:a16="http://schemas.microsoft.com/office/drawing/2014/main" id="{B10BE131-7D38-635B-20B6-412EEF3AB14C}"/>
-                    </a:ext>
-                  </a:extLst>
-                </p:cNvPr>
-                <p:cNvPicPr>
-                  <a:picLocks noChangeAspect="1"/>
-                </p:cNvPicPr>
-                <p:nvPr/>
-              </p:nvPicPr>
-              <p:blipFill>
-                <a:blip r:embed="rId7"/>
-                <a:stretch>
-                  <a:fillRect/>
-                </a:stretch>
-              </p:blipFill>
-              <p:spPr>
-                <a:xfrm>
-                  <a:off x="24992780" y="16304329"/>
-                  <a:ext cx="4178110" cy="2856244"/>
-                </a:xfrm>
-                <a:prstGeom prst="rect">
-                  <a:avLst/>
-                </a:prstGeom>
-              </p:spPr>
-            </p:pic>
-            <p:pic>
-              <p:nvPicPr>
-                <p:cNvPr id="43" name="Picture 42" descr="A diagram of a graph&#10;&#10;AI-generated content may be incorrect.">
-                  <a:extLst>
-                    <a:ext uri="{FF2B5EF4-FFF2-40B4-BE49-F238E27FC236}">
-                      <a16:creationId xmlns:a16="http://schemas.microsoft.com/office/drawing/2014/main" id="{DB360AA0-0B5E-FE90-9020-D58F907D8862}"/>
-                    </a:ext>
-                  </a:extLst>
-                </p:cNvPr>
-                <p:cNvPicPr>
-                  <a:picLocks noChangeAspect="1"/>
-                </p:cNvPicPr>
-                <p:nvPr/>
-              </p:nvPicPr>
-              <p:blipFill>
-                <a:blip r:embed="rId8"/>
-                <a:stretch>
-                  <a:fillRect/>
-                </a:stretch>
-              </p:blipFill>
-              <p:spPr>
-                <a:xfrm>
-                  <a:off x="20808689" y="16289018"/>
-                  <a:ext cx="4178110" cy="2856245"/>
-                </a:xfrm>
-                <a:prstGeom prst="rect">
-                  <a:avLst/>
-                </a:prstGeom>
-              </p:spPr>
-            </p:pic>
-            <p:sp>
-              <p:nvSpPr>
-                <p:cNvPr id="49" name="TextBox 48">
-                  <a:extLst>
-                    <a:ext uri="{FF2B5EF4-FFF2-40B4-BE49-F238E27FC236}">
-                      <a16:creationId xmlns:a16="http://schemas.microsoft.com/office/drawing/2014/main" id="{2C26822A-2883-068A-A4D7-AE40CC31B7B8}"/>
-                    </a:ext>
-                  </a:extLst>
-                </p:cNvPr>
-                <p:cNvSpPr txBox="1"/>
-                <p:nvPr/>
-              </p:nvSpPr>
-              <p:spPr>
-                <a:xfrm>
-                  <a:off x="21089225" y="16210552"/>
-                  <a:ext cx="390625" cy="461665"/>
-                </a:xfrm>
-                <a:prstGeom prst="rect">
-                  <a:avLst/>
-                </a:prstGeom>
-                <a:noFill/>
-              </p:spPr>
-              <p:txBody>
-                <a:bodyPr wrap="square" rtlCol="0">
-                  <a:spAutoFit/>
-                </a:bodyPr>
-                <a:lstStyle/>
-                <a:p>
-                  <a:r>
-                    <a:rPr lang="en-GB" sz="2400" b="1" noProof="0" dirty="0"/>
-                    <a:t>B</a:t>
-                  </a:r>
-                </a:p>
-              </p:txBody>
-            </p:sp>
-          </p:grpSp>
-          <p:grpSp>
-            <p:nvGrpSpPr>
-              <p:cNvPr id="95" name="Group 94">
-                <a:extLst>
-                  <a:ext uri="{FF2B5EF4-FFF2-40B4-BE49-F238E27FC236}">
-                    <a16:creationId xmlns:a16="http://schemas.microsoft.com/office/drawing/2014/main" id="{02902CA7-24FA-26C7-5829-98876586A2A1}"/>
-                  </a:ext>
-                </a:extLst>
-              </p:cNvPr>
-              <p:cNvGrpSpPr/>
-              <p:nvPr/>
-            </p:nvGrpSpPr>
-            <p:grpSpPr>
-              <a:xfrm>
-                <a:off x="20817268" y="19347627"/>
-                <a:ext cx="8353734" cy="3090242"/>
-                <a:chOff x="20786365" y="21519981"/>
-                <a:chExt cx="8353734" cy="3090242"/>
-              </a:xfrm>
-            </p:grpSpPr>
-            <p:pic>
-              <p:nvPicPr>
-                <p:cNvPr id="67" name="Picture 66" descr="A graph showing the number of patients with a number of patients&#10;&#10;AI-generated content may be incorrect.">
-                  <a:extLst>
-                    <a:ext uri="{FF2B5EF4-FFF2-40B4-BE49-F238E27FC236}">
-                      <a16:creationId xmlns:a16="http://schemas.microsoft.com/office/drawing/2014/main" id="{B4558922-DFFC-EAA8-32BE-694A1B082673}"/>
-                    </a:ext>
-                  </a:extLst>
-                </p:cNvPr>
-                <p:cNvPicPr>
-                  <a:picLocks noChangeAspect="1"/>
-                </p:cNvPicPr>
-                <p:nvPr/>
-              </p:nvPicPr>
-              <p:blipFill>
-                <a:blip r:embed="rId9"/>
-                <a:stretch>
-                  <a:fillRect/>
-                </a:stretch>
-              </p:blipFill>
-              <p:spPr>
-                <a:xfrm>
-                  <a:off x="24970541" y="21557876"/>
-                  <a:ext cx="4169558" cy="3050088"/>
-                </a:xfrm>
-                <a:prstGeom prst="rect">
-                  <a:avLst/>
-                </a:prstGeom>
-              </p:spPr>
-            </p:pic>
-            <p:pic>
-              <p:nvPicPr>
-                <p:cNvPr id="69" name="Picture 68" descr="A graph of a graph showing the number of points&#10;&#10;AI-generated content may be incorrect.">
-                  <a:extLst>
-                    <a:ext uri="{FF2B5EF4-FFF2-40B4-BE49-F238E27FC236}">
-                      <a16:creationId xmlns:a16="http://schemas.microsoft.com/office/drawing/2014/main" id="{306D3F55-1C56-E5D3-1A9A-10810D3E178E}"/>
-                    </a:ext>
-                  </a:extLst>
-                </p:cNvPr>
-                <p:cNvPicPr>
-                  <a:picLocks noChangeAspect="1"/>
-                </p:cNvPicPr>
-                <p:nvPr/>
-              </p:nvPicPr>
-              <p:blipFill>
-                <a:blip r:embed="rId10"/>
-                <a:stretch>
-                  <a:fillRect/>
-                </a:stretch>
-              </p:blipFill>
-              <p:spPr>
-                <a:xfrm>
-                  <a:off x="20786365" y="21553879"/>
-                  <a:ext cx="4178110" cy="3056344"/>
-                </a:xfrm>
-                <a:prstGeom prst="rect">
-                  <a:avLst/>
-                </a:prstGeom>
-              </p:spPr>
-            </p:pic>
-            <p:sp>
-              <p:nvSpPr>
-                <p:cNvPr id="57" name="TextBox 56">
-                  <a:extLst>
-                    <a:ext uri="{FF2B5EF4-FFF2-40B4-BE49-F238E27FC236}">
-                      <a16:creationId xmlns:a16="http://schemas.microsoft.com/office/drawing/2014/main" id="{D121B5EA-5406-8016-BD1A-F298029CF421}"/>
-                    </a:ext>
-                  </a:extLst>
-                </p:cNvPr>
-                <p:cNvSpPr txBox="1"/>
-                <p:nvPr/>
-              </p:nvSpPr>
-              <p:spPr>
-                <a:xfrm>
-                  <a:off x="21058321" y="21519981"/>
-                  <a:ext cx="390625" cy="461665"/>
-                </a:xfrm>
-                <a:prstGeom prst="rect">
-                  <a:avLst/>
-                </a:prstGeom>
-                <a:noFill/>
-              </p:spPr>
-              <p:txBody>
-                <a:bodyPr wrap="square" rtlCol="0">
-                  <a:spAutoFit/>
-                </a:bodyPr>
-                <a:lstStyle/>
-                <a:p>
-                  <a:r>
-                    <a:rPr lang="en-GB" sz="2400" b="1" noProof="0" dirty="0"/>
-                    <a:t>D</a:t>
-                  </a:r>
-                </a:p>
-              </p:txBody>
-            </p:sp>
-          </p:grpSp>
-          <p:grpSp>
-            <p:nvGrpSpPr>
-              <p:cNvPr id="94" name="Group 93">
-                <a:extLst>
-                  <a:ext uri="{FF2B5EF4-FFF2-40B4-BE49-F238E27FC236}">
-                    <a16:creationId xmlns:a16="http://schemas.microsoft.com/office/drawing/2014/main" id="{BC7B9367-C12B-51C6-5490-0614D5FCA4D8}"/>
-                  </a:ext>
-                </a:extLst>
-              </p:cNvPr>
-              <p:cNvGrpSpPr/>
-              <p:nvPr/>
-            </p:nvGrpSpPr>
-            <p:grpSpPr>
-              <a:xfrm>
-                <a:off x="12014188" y="19347627"/>
-                <a:ext cx="8367070" cy="3094463"/>
-                <a:chOff x="12436207" y="21515761"/>
-                <a:chExt cx="8367070" cy="3094463"/>
-              </a:xfrm>
-            </p:grpSpPr>
-            <p:pic>
-              <p:nvPicPr>
-                <p:cNvPr id="66" name="Picture 65" descr="A graph of a line graph&#10;&#10;AI-generated content may be incorrect.">
-                  <a:extLst>
-                    <a:ext uri="{FF2B5EF4-FFF2-40B4-BE49-F238E27FC236}">
-                      <a16:creationId xmlns:a16="http://schemas.microsoft.com/office/drawing/2014/main" id="{117D43BB-88D9-7284-1863-1B683C97FA65}"/>
-                    </a:ext>
-                  </a:extLst>
-                </p:cNvPr>
-                <p:cNvPicPr>
-                  <a:picLocks noChangeAspect="1"/>
-                </p:cNvPicPr>
-                <p:nvPr/>
-              </p:nvPicPr>
-              <p:blipFill>
-                <a:blip r:embed="rId11"/>
-                <a:stretch>
-                  <a:fillRect/>
-                </a:stretch>
-              </p:blipFill>
-              <p:spPr>
-                <a:xfrm>
-                  <a:off x="12436207" y="21551620"/>
-                  <a:ext cx="4178110" cy="3056344"/>
-                </a:xfrm>
-                <a:prstGeom prst="rect">
-                  <a:avLst/>
-                </a:prstGeom>
-              </p:spPr>
-            </p:pic>
-            <p:pic>
-              <p:nvPicPr>
-                <p:cNvPr id="68" name="Picture 67" descr="A graph of a line graph&#10;&#10;AI-generated content may be incorrect.">
-                  <a:extLst>
-                    <a:ext uri="{FF2B5EF4-FFF2-40B4-BE49-F238E27FC236}">
-                      <a16:creationId xmlns:a16="http://schemas.microsoft.com/office/drawing/2014/main" id="{636DDF9B-F8EE-67F6-735D-E21EFECADDBB}"/>
-                    </a:ext>
-                  </a:extLst>
-                </p:cNvPr>
-                <p:cNvPicPr>
-                  <a:picLocks noChangeAspect="1"/>
-                </p:cNvPicPr>
-                <p:nvPr/>
-              </p:nvPicPr>
-              <p:blipFill>
-                <a:blip r:embed="rId12"/>
-                <a:stretch>
-                  <a:fillRect/>
-                </a:stretch>
-              </p:blipFill>
-              <p:spPr>
-                <a:xfrm>
-                  <a:off x="16625168" y="21553879"/>
-                  <a:ext cx="4178109" cy="3056345"/>
-                </a:xfrm>
-                <a:prstGeom prst="rect">
-                  <a:avLst/>
-                </a:prstGeom>
-              </p:spPr>
-            </p:pic>
-            <p:sp>
-              <p:nvSpPr>
-                <p:cNvPr id="59" name="TextBox 58">
-                  <a:extLst>
-                    <a:ext uri="{FF2B5EF4-FFF2-40B4-BE49-F238E27FC236}">
-                      <a16:creationId xmlns:a16="http://schemas.microsoft.com/office/drawing/2014/main" id="{360FAC35-F7CC-B37C-AFFF-DBA70F68B1B7}"/>
-                    </a:ext>
-                  </a:extLst>
-                </p:cNvPr>
-                <p:cNvSpPr txBox="1"/>
-                <p:nvPr/>
-              </p:nvSpPr>
-              <p:spPr>
-                <a:xfrm>
-                  <a:off x="12695772" y="21515761"/>
-                  <a:ext cx="390625" cy="461665"/>
-                </a:xfrm>
-                <a:prstGeom prst="rect">
-                  <a:avLst/>
-                </a:prstGeom>
-                <a:noFill/>
-              </p:spPr>
-              <p:txBody>
-                <a:bodyPr wrap="square" rtlCol="0">
-                  <a:spAutoFit/>
-                </a:bodyPr>
-                <a:lstStyle/>
-                <a:p>
-                  <a:r>
-                    <a:rPr lang="en-GB" sz="2400" b="1" noProof="0" dirty="0"/>
-                    <a:t>C</a:t>
-                  </a:r>
-                </a:p>
-              </p:txBody>
-            </p:sp>
-          </p:grpSp>
-        </p:grpSp>
-      </p:grpSp>
-      <p:grpSp>
-        <p:nvGrpSpPr>
-          <p:cNvPr id="77" name="Group 76">
-            <a:extLst>
-              <a:ext uri="{FF2B5EF4-FFF2-40B4-BE49-F238E27FC236}">
-                <a16:creationId xmlns:a16="http://schemas.microsoft.com/office/drawing/2014/main" id="{B16A092C-1364-780A-AA1E-E53999D3DA43}"/>
-              </a:ext>
-            </a:extLst>
-          </p:cNvPr>
-          <p:cNvGrpSpPr/>
-          <p:nvPr/>
-        </p:nvGrpSpPr>
-        <p:grpSpPr>
-          <a:xfrm>
-            <a:off x="985116" y="38511320"/>
-            <a:ext cx="13893977" cy="3357855"/>
-            <a:chOff x="1377910" y="38191229"/>
-            <a:chExt cx="11026618" cy="2530059"/>
-          </a:xfrm>
-        </p:grpSpPr>
-        <p:pic>
-          <p:nvPicPr>
-            <p:cNvPr id="75" name="Picture 74" descr="A screenshot of a computer code&#10;&#10;AI-generated content may be incorrect.">
-              <a:extLst>
-                <a:ext uri="{FF2B5EF4-FFF2-40B4-BE49-F238E27FC236}">
-                  <a16:creationId xmlns:a16="http://schemas.microsoft.com/office/drawing/2014/main" id="{96FA7E16-2CCA-8527-B731-E075F69E0922}"/>
-                </a:ext>
-              </a:extLst>
-            </p:cNvPr>
-            <p:cNvPicPr>
-              <a:picLocks noChangeAspect="1"/>
-            </p:cNvPicPr>
-            <p:nvPr/>
-          </p:nvPicPr>
-          <p:blipFill>
-            <a:blip r:embed="rId13"/>
-            <a:stretch>
-              <a:fillRect/>
-            </a:stretch>
-          </p:blipFill>
-          <p:spPr>
-            <a:xfrm>
-              <a:off x="6635688" y="38206469"/>
-              <a:ext cx="5768840" cy="2499577"/>
-            </a:xfrm>
-            <a:prstGeom prst="rect">
-              <a:avLst/>
-            </a:prstGeom>
-          </p:spPr>
-        </p:pic>
-        <p:pic>
-          <p:nvPicPr>
-            <p:cNvPr id="76" name="Picture 75" descr="A screenshot of a computer code&#10;&#10;AI-generated content may be incorrect.">
-              <a:extLst>
-                <a:ext uri="{FF2B5EF4-FFF2-40B4-BE49-F238E27FC236}">
-                  <a16:creationId xmlns:a16="http://schemas.microsoft.com/office/drawing/2014/main" id="{16ACC121-8DE5-B42E-8F65-27BBE296D00F}"/>
-                </a:ext>
-              </a:extLst>
-            </p:cNvPr>
-            <p:cNvPicPr>
-              <a:picLocks noChangeAspect="1"/>
-            </p:cNvPicPr>
-            <p:nvPr/>
-          </p:nvPicPr>
-          <p:blipFill>
-            <a:blip r:embed="rId14"/>
-            <a:stretch>
-              <a:fillRect/>
-            </a:stretch>
-          </p:blipFill>
-          <p:spPr>
-            <a:xfrm>
-              <a:off x="1377910" y="38191229"/>
-              <a:ext cx="5067739" cy="2530059"/>
-            </a:xfrm>
-            <a:prstGeom prst="rect">
-              <a:avLst/>
-            </a:prstGeom>
-          </p:spPr>
-        </p:pic>
-      </p:grpSp>
       <p:grpSp>
         <p:nvGrpSpPr>
           <p:cNvPr id="102" name="Group 101">
@@ -6127,7 +5236,7 @@
                 <p:nvPr/>
               </p:nvPicPr>
               <p:blipFill>
-                <a:blip r:embed="rId15"/>
+                <a:blip r:embed="rId5"/>
                 <a:stretch>
                   <a:fillRect/>
                 </a:stretch>
@@ -6157,7 +5266,7 @@
                 <p:nvPr/>
               </p:nvPicPr>
               <p:blipFill>
-                <a:blip r:embed="rId16"/>
+                <a:blip r:embed="rId6"/>
                 <a:stretch>
                   <a:fillRect/>
                 </a:stretch>
@@ -6432,528 +5541,6 @@
               <a:t>.</a:t>
             </a:r>
             <a:endParaRPr lang="en-GB" b="1" dirty="0"/>
-          </a:p>
-        </p:txBody>
-      </p:sp>
-      <p:grpSp>
-        <p:nvGrpSpPr>
-          <p:cNvPr id="17" name="Group 16">
-            <a:extLst>
-              <a:ext uri="{FF2B5EF4-FFF2-40B4-BE49-F238E27FC236}">
-                <a16:creationId xmlns:a16="http://schemas.microsoft.com/office/drawing/2014/main" id="{8E5482DE-AEF0-1228-26AC-5DB54DB02E27}"/>
-              </a:ext>
-            </a:extLst>
-          </p:cNvPr>
-          <p:cNvGrpSpPr/>
-          <p:nvPr/>
-        </p:nvGrpSpPr>
-        <p:grpSpPr>
-          <a:xfrm>
-            <a:off x="851766" y="29654145"/>
-            <a:ext cx="14159634" cy="8554153"/>
-            <a:chOff x="851766" y="29318865"/>
-            <a:chExt cx="14159634" cy="8554153"/>
-          </a:xfrm>
-        </p:grpSpPr>
-        <p:grpSp>
-          <p:nvGrpSpPr>
-            <p:cNvPr id="91" name="Group 90">
-              <a:extLst>
-                <a:ext uri="{FF2B5EF4-FFF2-40B4-BE49-F238E27FC236}">
-                  <a16:creationId xmlns:a16="http://schemas.microsoft.com/office/drawing/2014/main" id="{166F40FE-C925-3ACA-6254-644E38B9C757}"/>
-                </a:ext>
-              </a:extLst>
-            </p:cNvPr>
-            <p:cNvGrpSpPr/>
-            <p:nvPr/>
-          </p:nvGrpSpPr>
-          <p:grpSpPr>
-            <a:xfrm>
-              <a:off x="851766" y="29318865"/>
-              <a:ext cx="14159634" cy="7969168"/>
-              <a:chOff x="851766" y="29318865"/>
-              <a:chExt cx="14159634" cy="7969168"/>
-            </a:xfrm>
-          </p:grpSpPr>
-          <p:grpSp>
-            <p:nvGrpSpPr>
-              <p:cNvPr id="79" name="Group 78">
-                <a:extLst>
-                  <a:ext uri="{FF2B5EF4-FFF2-40B4-BE49-F238E27FC236}">
-                    <a16:creationId xmlns:a16="http://schemas.microsoft.com/office/drawing/2014/main" id="{87982164-A01E-8CDD-4294-008F8D3C4391}"/>
-                  </a:ext>
-                </a:extLst>
-              </p:cNvPr>
-              <p:cNvGrpSpPr/>
-              <p:nvPr/>
-            </p:nvGrpSpPr>
-            <p:grpSpPr>
-              <a:xfrm>
-                <a:off x="851766" y="29318865"/>
-                <a:ext cx="14159634" cy="7969168"/>
-                <a:chOff x="851766" y="29318865"/>
-                <a:chExt cx="14159634" cy="7969168"/>
-              </a:xfrm>
-            </p:grpSpPr>
-            <p:grpSp>
-              <p:nvGrpSpPr>
-                <p:cNvPr id="70" name="Group 69">
-                  <a:extLst>
-                    <a:ext uri="{FF2B5EF4-FFF2-40B4-BE49-F238E27FC236}">
-                      <a16:creationId xmlns:a16="http://schemas.microsoft.com/office/drawing/2014/main" id="{C5069539-0B89-E536-6562-793A62356A61}"/>
-                    </a:ext>
-                  </a:extLst>
-                </p:cNvPr>
-                <p:cNvGrpSpPr/>
-                <p:nvPr/>
-              </p:nvGrpSpPr>
-              <p:grpSpPr>
-                <a:xfrm>
-                  <a:off x="851766" y="29664767"/>
-                  <a:ext cx="9603526" cy="7623266"/>
-                  <a:chOff x="6487605" y="34375433"/>
-                  <a:chExt cx="8062777" cy="6047084"/>
-                </a:xfrm>
-              </p:grpSpPr>
-              <p:pic>
-                <p:nvPicPr>
-                  <p:cNvPr id="71" name="Picture 70" descr="A diagram of different colored circles&#10;&#10;AI-generated content may be incorrect.">
-                    <a:extLst>
-                      <a:ext uri="{FF2B5EF4-FFF2-40B4-BE49-F238E27FC236}">
-                        <a16:creationId xmlns:a16="http://schemas.microsoft.com/office/drawing/2014/main" id="{C6460AC3-C218-761B-038B-104C45983826}"/>
-                      </a:ext>
-                    </a:extLst>
-                  </p:cNvPr>
-                  <p:cNvPicPr>
-                    <a:picLocks noChangeAspect="1"/>
-                  </p:cNvPicPr>
-                  <p:nvPr/>
-                </p:nvPicPr>
-                <p:blipFill>
-                  <a:blip r:embed="rId17"/>
-                  <a:stretch>
-                    <a:fillRect/>
-                  </a:stretch>
-                </p:blipFill>
-                <p:spPr>
-                  <a:xfrm>
-                    <a:off x="6519450" y="37398975"/>
-                    <a:ext cx="4031389" cy="3023542"/>
-                  </a:xfrm>
-                  <a:prstGeom prst="rect">
-                    <a:avLst/>
-                  </a:prstGeom>
-                </p:spPr>
-              </p:pic>
-              <p:pic>
-                <p:nvPicPr>
-                  <p:cNvPr id="72" name="Picture 71" descr="A diagram of a diagram showing different colored circles&#10;&#10;AI-generated content may be incorrect.">
-                    <a:extLst>
-                      <a:ext uri="{FF2B5EF4-FFF2-40B4-BE49-F238E27FC236}">
-                        <a16:creationId xmlns:a16="http://schemas.microsoft.com/office/drawing/2014/main" id="{415CD5F1-8F9E-500A-5556-8945870412A9}"/>
-                      </a:ext>
-                    </a:extLst>
-                  </p:cNvPr>
-                  <p:cNvPicPr>
-                    <a:picLocks noChangeAspect="1"/>
-                  </p:cNvPicPr>
-                  <p:nvPr/>
-                </p:nvPicPr>
-                <p:blipFill>
-                  <a:blip r:embed="rId18"/>
-                  <a:stretch>
-                    <a:fillRect/>
-                  </a:stretch>
-                </p:blipFill>
-                <p:spPr>
-                  <a:xfrm>
-                    <a:off x="6487605" y="34375433"/>
-                    <a:ext cx="4031389" cy="3023542"/>
-                  </a:xfrm>
-                  <a:prstGeom prst="rect">
-                    <a:avLst/>
-                  </a:prstGeom>
-                </p:spPr>
-              </p:pic>
-              <p:pic>
-                <p:nvPicPr>
-                  <p:cNvPr id="73" name="Picture 72" descr="A diagram of a graph&#10;&#10;AI-generated content may be incorrect.">
-                    <a:extLst>
-                      <a:ext uri="{FF2B5EF4-FFF2-40B4-BE49-F238E27FC236}">
-                        <a16:creationId xmlns:a16="http://schemas.microsoft.com/office/drawing/2014/main" id="{21C15B5F-B609-118A-C994-3804E4AC667A}"/>
-                      </a:ext>
-                    </a:extLst>
-                  </p:cNvPr>
-                  <p:cNvPicPr>
-                    <a:picLocks noChangeAspect="1"/>
-                  </p:cNvPicPr>
-                  <p:nvPr/>
-                </p:nvPicPr>
-                <p:blipFill>
-                  <a:blip r:embed="rId19"/>
-                  <a:stretch>
-                    <a:fillRect/>
-                  </a:stretch>
-                </p:blipFill>
-                <p:spPr>
-                  <a:xfrm>
-                    <a:off x="10518992" y="37398976"/>
-                    <a:ext cx="4031388" cy="3023541"/>
-                  </a:xfrm>
-                  <a:prstGeom prst="rect">
-                    <a:avLst/>
-                  </a:prstGeom>
-                </p:spPr>
-              </p:pic>
-              <p:pic>
-                <p:nvPicPr>
-                  <p:cNvPr id="74" name="Picture 73" descr="A diagram of different colored circles&#10;&#10;AI-generated content may be incorrect.">
-                    <a:extLst>
-                      <a:ext uri="{FF2B5EF4-FFF2-40B4-BE49-F238E27FC236}">
-                        <a16:creationId xmlns:a16="http://schemas.microsoft.com/office/drawing/2014/main" id="{DDE36B41-C80F-1C08-E5FC-7F95076DC447}"/>
-                      </a:ext>
-                    </a:extLst>
-                  </p:cNvPr>
-                  <p:cNvPicPr>
-                    <a:picLocks noChangeAspect="1"/>
-                  </p:cNvPicPr>
-                  <p:nvPr/>
-                </p:nvPicPr>
-                <p:blipFill>
-                  <a:blip r:embed="rId20"/>
-                  <a:stretch>
-                    <a:fillRect/>
-                  </a:stretch>
-                </p:blipFill>
-                <p:spPr>
-                  <a:xfrm>
-                    <a:off x="10518993" y="34375433"/>
-                    <a:ext cx="4031389" cy="3023542"/>
-                  </a:xfrm>
-                  <a:prstGeom prst="rect">
-                    <a:avLst/>
-                  </a:prstGeom>
-                </p:spPr>
-              </p:pic>
-            </p:grpSp>
-            <p:sp>
-              <p:nvSpPr>
-                <p:cNvPr id="78" name="TextBox 77">
-                  <a:extLst>
-                    <a:ext uri="{FF2B5EF4-FFF2-40B4-BE49-F238E27FC236}">
-                      <a16:creationId xmlns:a16="http://schemas.microsoft.com/office/drawing/2014/main" id="{9C8CE86A-7B36-57C3-3567-E9BD5C58EE29}"/>
-                    </a:ext>
-                  </a:extLst>
-                </p:cNvPr>
-                <p:cNvSpPr txBox="1"/>
-                <p:nvPr/>
-              </p:nvSpPr>
-              <p:spPr>
-                <a:xfrm>
-                  <a:off x="10475862" y="29318865"/>
-                  <a:ext cx="4535538" cy="3785652"/>
-                </a:xfrm>
-                <a:prstGeom prst="rect">
-                  <a:avLst/>
-                </a:prstGeom>
-                <a:noFill/>
-              </p:spPr>
-              <p:txBody>
-                <a:bodyPr wrap="square" rtlCol="0">
-                  <a:spAutoFit/>
-                </a:bodyPr>
-                <a:lstStyle/>
-                <a:p>
-                  <a:r>
-                    <a:rPr lang="en-GB" sz="2000" b="1" noProof="0" dirty="0"/>
-                    <a:t>Fig. 6 </a:t>
-                  </a:r>
-                  <a:r>
-                    <a:rPr lang="en-GB" sz="2000" noProof="0" dirty="0" err="1"/>
-                    <a:t>kmeans</a:t>
-                  </a:r>
-                  <a:r>
-                    <a:rPr lang="en-GB" sz="2000" noProof="0" dirty="0"/>
-                    <a:t> clustering of the selected and not-selected proteins</a:t>
-                  </a:r>
-                </a:p>
-                <a:p>
-                  <a:endParaRPr lang="en-GB" sz="2000" dirty="0"/>
-                </a:p>
-                <a:p>
-                  <a:r>
-                    <a:rPr lang="en-GB" sz="2000" b="1" noProof="0" dirty="0"/>
-                    <a:t>A) </a:t>
-                  </a:r>
-                  <a:r>
-                    <a:rPr lang="en-GB" sz="2000" noProof="0" dirty="0"/>
-                    <a:t>Shows the 3 clusters of the CTRL of the selected proteins. </a:t>
-                  </a:r>
-                  <a:r>
-                    <a:rPr lang="en-GB" sz="2000" b="1" noProof="0" dirty="0"/>
-                    <a:t>B</a:t>
-                  </a:r>
-                  <a:r>
-                    <a:rPr lang="en-GB" sz="2000" b="1" dirty="0"/>
-                    <a:t>) </a:t>
-                  </a:r>
-                  <a:r>
-                    <a:rPr lang="en-GB" sz="2000" dirty="0"/>
-                    <a:t>Shows the 3 clusters of the RNASE of the selected proteins. A significant shift in form and location of the clusters is noticeable. </a:t>
-                  </a:r>
-                  <a:r>
-                    <a:rPr lang="en-GB" sz="2000" b="1" dirty="0"/>
-                    <a:t>C) </a:t>
-                  </a:r>
-                  <a:r>
-                    <a:rPr lang="en-GB" sz="2000" dirty="0"/>
-                    <a:t>Shows the 3 clusters of the CTRL of the not-selected proteins. </a:t>
-                  </a:r>
-                  <a:r>
-                    <a:rPr lang="en-GB" sz="2000" b="1" dirty="0"/>
-                    <a:t>D) </a:t>
-                  </a:r>
-                  <a:r>
-                    <a:rPr lang="en-GB" sz="2000" dirty="0"/>
-                    <a:t>Shows the 3 clusters of the RNASE of the not-selected proteins. No shift in form and location is noticeable.</a:t>
-                  </a:r>
-                  <a:endParaRPr lang="en-GB" sz="2000" noProof="0" dirty="0"/>
-                </a:p>
-              </p:txBody>
-            </p:sp>
-          </p:grpSp>
-          <p:sp>
-            <p:nvSpPr>
-              <p:cNvPr id="87" name="TextBox 86">
-                <a:extLst>
-                  <a:ext uri="{FF2B5EF4-FFF2-40B4-BE49-F238E27FC236}">
-                    <a16:creationId xmlns:a16="http://schemas.microsoft.com/office/drawing/2014/main" id="{62897110-4AAA-BEA4-F290-D044A5F6BACE}"/>
-                  </a:ext>
-                </a:extLst>
-              </p:cNvPr>
-              <p:cNvSpPr txBox="1"/>
-              <p:nvPr/>
-            </p:nvSpPr>
-            <p:spPr>
-              <a:xfrm>
-                <a:off x="889695" y="29318865"/>
-                <a:ext cx="678461" cy="461665"/>
-              </a:xfrm>
-              <a:prstGeom prst="rect">
-                <a:avLst/>
-              </a:prstGeom>
-              <a:noFill/>
-            </p:spPr>
-            <p:txBody>
-              <a:bodyPr wrap="square" rtlCol="0">
-                <a:spAutoFit/>
-              </a:bodyPr>
-              <a:lstStyle/>
-              <a:p>
-                <a:r>
-                  <a:rPr lang="en-GB" sz="2400" b="1" dirty="0"/>
-                  <a:t>6</a:t>
-                </a:r>
-                <a:r>
-                  <a:rPr lang="en-GB" sz="2400" b="1" noProof="0" dirty="0"/>
-                  <a:t>A</a:t>
-                </a:r>
-              </a:p>
-            </p:txBody>
-          </p:sp>
-          <p:sp>
-            <p:nvSpPr>
-              <p:cNvPr id="88" name="TextBox 87">
-                <a:extLst>
-                  <a:ext uri="{FF2B5EF4-FFF2-40B4-BE49-F238E27FC236}">
-                    <a16:creationId xmlns:a16="http://schemas.microsoft.com/office/drawing/2014/main" id="{9CE5C8E3-DFC8-EF90-2AE0-DF17552E161D}"/>
-                  </a:ext>
-                </a:extLst>
-              </p:cNvPr>
-              <p:cNvSpPr txBox="1"/>
-              <p:nvPr/>
-            </p:nvSpPr>
-            <p:spPr>
-              <a:xfrm>
-                <a:off x="5674100" y="29318865"/>
-                <a:ext cx="390625" cy="461665"/>
-              </a:xfrm>
-              <a:prstGeom prst="rect">
-                <a:avLst/>
-              </a:prstGeom>
-              <a:noFill/>
-            </p:spPr>
-            <p:txBody>
-              <a:bodyPr wrap="square" rtlCol="0">
-                <a:spAutoFit/>
-              </a:bodyPr>
-              <a:lstStyle/>
-              <a:p>
-                <a:r>
-                  <a:rPr lang="en-GB" sz="2400" b="1" noProof="0" dirty="0"/>
-                  <a:t>B</a:t>
-                </a:r>
-              </a:p>
-            </p:txBody>
-          </p:sp>
-          <p:sp>
-            <p:nvSpPr>
-              <p:cNvPr id="89" name="TextBox 88">
-                <a:extLst>
-                  <a:ext uri="{FF2B5EF4-FFF2-40B4-BE49-F238E27FC236}">
-                    <a16:creationId xmlns:a16="http://schemas.microsoft.com/office/drawing/2014/main" id="{066034F3-9635-5E89-5520-4C7728B02937}"/>
-                  </a:ext>
-                </a:extLst>
-              </p:cNvPr>
-              <p:cNvSpPr txBox="1"/>
-              <p:nvPr/>
-            </p:nvSpPr>
-            <p:spPr>
-              <a:xfrm>
-                <a:off x="5691460" y="33146513"/>
-                <a:ext cx="390625" cy="461665"/>
-              </a:xfrm>
-              <a:prstGeom prst="rect">
-                <a:avLst/>
-              </a:prstGeom>
-              <a:noFill/>
-            </p:spPr>
-            <p:txBody>
-              <a:bodyPr wrap="square" rtlCol="0">
-                <a:spAutoFit/>
-              </a:bodyPr>
-              <a:lstStyle/>
-              <a:p>
-                <a:r>
-                  <a:rPr lang="en-GB" sz="2400" b="1" noProof="0" dirty="0"/>
-                  <a:t>D</a:t>
-                </a:r>
-              </a:p>
-            </p:txBody>
-          </p:sp>
-          <p:sp>
-            <p:nvSpPr>
-              <p:cNvPr id="90" name="TextBox 89">
-                <a:extLst>
-                  <a:ext uri="{FF2B5EF4-FFF2-40B4-BE49-F238E27FC236}">
-                    <a16:creationId xmlns:a16="http://schemas.microsoft.com/office/drawing/2014/main" id="{5037DAB0-C266-E539-68CB-472541869189}"/>
-                  </a:ext>
-                </a:extLst>
-              </p:cNvPr>
-              <p:cNvSpPr txBox="1"/>
-              <p:nvPr/>
-            </p:nvSpPr>
-            <p:spPr>
-              <a:xfrm>
-                <a:off x="851766" y="33130498"/>
-                <a:ext cx="390625" cy="461665"/>
-              </a:xfrm>
-              <a:prstGeom prst="rect">
-                <a:avLst/>
-              </a:prstGeom>
-              <a:noFill/>
-            </p:spPr>
-            <p:txBody>
-              <a:bodyPr wrap="square" rtlCol="0">
-                <a:spAutoFit/>
-              </a:bodyPr>
-              <a:lstStyle/>
-              <a:p>
-                <a:r>
-                  <a:rPr lang="en-GB" sz="2400" b="1" noProof="0" dirty="0"/>
-                  <a:t>C</a:t>
-                </a:r>
-              </a:p>
-            </p:txBody>
-          </p:sp>
-        </p:grpSp>
-        <p:sp>
-          <p:nvSpPr>
-            <p:cNvPr id="9" name="TextBox 8">
-              <a:extLst>
-                <a:ext uri="{FF2B5EF4-FFF2-40B4-BE49-F238E27FC236}">
-                  <a16:creationId xmlns:a16="http://schemas.microsoft.com/office/drawing/2014/main" id="{99CE0904-0487-B5AB-DC63-D6DB05F5B994}"/>
-                </a:ext>
-              </a:extLst>
-            </p:cNvPr>
-            <p:cNvSpPr txBox="1"/>
-            <p:nvPr/>
-          </p:nvSpPr>
-          <p:spPr>
-            <a:xfrm>
-              <a:off x="10609843" y="33471813"/>
-              <a:ext cx="4373206" cy="4401205"/>
-            </a:xfrm>
-            <a:prstGeom prst="rect">
-              <a:avLst/>
-            </a:prstGeom>
-            <a:noFill/>
-          </p:spPr>
-          <p:txBody>
-            <a:bodyPr wrap="square" rtlCol="0">
-              <a:spAutoFit/>
-            </a:bodyPr>
-            <a:lstStyle/>
-            <a:p>
-              <a:r>
-                <a:rPr lang="en-US" sz="2000" b="1" dirty="0"/>
-                <a:t>Fig. 7 </a:t>
-              </a:r>
-              <a:r>
-                <a:rPr lang="en-US" sz="2000" dirty="0"/>
-                <a:t>Linear regression analyses between the selected proteins and the not-selected proteins each, with global maxima of the selected CTRL proteins as target variable</a:t>
-              </a:r>
-            </a:p>
-            <a:p>
-              <a:endParaRPr lang="en-US" sz="2000" dirty="0"/>
-            </a:p>
-            <a:p>
-              <a:r>
-                <a:rPr lang="en-US" sz="2000" b="1" dirty="0"/>
-                <a:t>A) </a:t>
-              </a:r>
-              <a:r>
-                <a:rPr lang="en-US" sz="2000" dirty="0"/>
-                <a:t>The left regression analysis for the selected proteins describes the target variable well, the right analysis of the not-selected proteins does not. This proves, that there is a difference between the selected and not-selected proteins, and therefore, that the selection criteria worked.</a:t>
-              </a:r>
-              <a:endParaRPr lang="de-DE" sz="2000" dirty="0"/>
-            </a:p>
-          </p:txBody>
-        </p:sp>
-      </p:grpSp>
-      <p:sp>
-        <p:nvSpPr>
-          <p:cNvPr id="11" name="TextBox 10">
-            <a:extLst>
-              <a:ext uri="{FF2B5EF4-FFF2-40B4-BE49-F238E27FC236}">
-                <a16:creationId xmlns:a16="http://schemas.microsoft.com/office/drawing/2014/main" id="{8BF4F80D-1676-544E-67B7-7846FEFB13FC}"/>
-              </a:ext>
-            </a:extLst>
-          </p:cNvPr>
-          <p:cNvSpPr txBox="1"/>
-          <p:nvPr/>
-        </p:nvSpPr>
-        <p:spPr>
-          <a:xfrm>
-            <a:off x="889695" y="38087755"/>
-            <a:ext cx="539898" cy="461665"/>
-          </a:xfrm>
-          <a:prstGeom prst="rect">
-            <a:avLst/>
-          </a:prstGeom>
-          <a:noFill/>
-        </p:spPr>
-        <p:txBody>
-          <a:bodyPr wrap="square" rtlCol="0">
-            <a:spAutoFit/>
-          </a:bodyPr>
-          <a:lstStyle/>
-          <a:p>
-            <a:r>
-              <a:rPr lang="en-GB" sz="2400" b="1" dirty="0"/>
-              <a:t>7A</a:t>
-            </a:r>
-            <a:endParaRPr lang="en-GB" sz="2400" b="1" noProof="0" dirty="0"/>
           </a:p>
         </p:txBody>
       </p:sp>
@@ -7493,7 +6080,7 @@
           <p:nvPr/>
         </p:nvPicPr>
         <p:blipFill>
-          <a:blip r:embed="rId21"/>
+          <a:blip r:embed="rId7"/>
           <a:srcRect l="15812" t="14850" r="9096" b="8618"/>
           <a:stretch>
             <a:fillRect/>
@@ -7524,7 +6111,7 @@
           <p:nvPr/>
         </p:nvPicPr>
         <p:blipFill>
-          <a:blip r:embed="rId22"/>
+          <a:blip r:embed="rId8"/>
           <a:srcRect l="15812" t="14454" r="9096" b="9014"/>
           <a:stretch>
             <a:fillRect/>
@@ -7555,7 +6142,7 @@
           <p:nvPr/>
         </p:nvPicPr>
         <p:blipFill>
-          <a:blip r:embed="rId23"/>
+          <a:blip r:embed="rId9"/>
           <a:srcRect l="19350" t="12381" r="13613" b="8617"/>
           <a:stretch>
             <a:fillRect/>
@@ -7571,6 +6158,1151 @@
           </a:prstGeom>
         </p:spPr>
       </p:pic>
+      <p:grpSp>
+        <p:nvGrpSpPr>
+          <p:cNvPr id="111" name="Group 110">
+            <a:extLst>
+              <a:ext uri="{FF2B5EF4-FFF2-40B4-BE49-F238E27FC236}">
+                <a16:creationId xmlns:a16="http://schemas.microsoft.com/office/drawing/2014/main" id="{4437C7D7-3CE4-FBD7-E50F-136C4D46CBB5}"/>
+              </a:ext>
+            </a:extLst>
+          </p:cNvPr>
+          <p:cNvGrpSpPr/>
+          <p:nvPr/>
+        </p:nvGrpSpPr>
+        <p:grpSpPr>
+          <a:xfrm>
+            <a:off x="17054511" y="18420581"/>
+            <a:ext cx="12220033" cy="8173137"/>
+            <a:chOff x="13153850" y="15954131"/>
+            <a:chExt cx="12220033" cy="8173137"/>
+          </a:xfrm>
+        </p:grpSpPr>
+        <p:grpSp>
+          <p:nvGrpSpPr>
+            <p:cNvPr id="110" name="Group 109">
+              <a:extLst>
+                <a:ext uri="{FF2B5EF4-FFF2-40B4-BE49-F238E27FC236}">
+                  <a16:creationId xmlns:a16="http://schemas.microsoft.com/office/drawing/2014/main" id="{C0C63AC4-C4BF-FD0E-C6BC-1B7D7EB3ECD3}"/>
+                </a:ext>
+              </a:extLst>
+            </p:cNvPr>
+            <p:cNvGrpSpPr/>
+            <p:nvPr/>
+          </p:nvGrpSpPr>
+          <p:grpSpPr>
+            <a:xfrm>
+              <a:off x="13153850" y="15954131"/>
+              <a:ext cx="12220033" cy="5748249"/>
+              <a:chOff x="6343061" y="15742343"/>
+              <a:chExt cx="12220033" cy="5748249"/>
+            </a:xfrm>
+          </p:grpSpPr>
+          <p:grpSp>
+            <p:nvGrpSpPr>
+              <p:cNvPr id="105" name="Group 104">
+                <a:extLst>
+                  <a:ext uri="{FF2B5EF4-FFF2-40B4-BE49-F238E27FC236}">
+                    <a16:creationId xmlns:a16="http://schemas.microsoft.com/office/drawing/2014/main" id="{DEB411BA-167A-EA9C-1855-77B6B5C0FA60}"/>
+                  </a:ext>
+                </a:extLst>
+              </p:cNvPr>
+              <p:cNvGrpSpPr/>
+              <p:nvPr/>
+            </p:nvGrpSpPr>
+            <p:grpSpPr>
+              <a:xfrm>
+                <a:off x="6343061" y="15969640"/>
+                <a:ext cx="12220033" cy="5520952"/>
+                <a:chOff x="6343061" y="15969640"/>
+                <a:chExt cx="12220033" cy="5520952"/>
+              </a:xfrm>
+            </p:grpSpPr>
+            <p:pic>
+              <p:nvPicPr>
+                <p:cNvPr id="53" name="Picture 52" descr="A diagram of a graph&#10;&#10;AI-generated content may be incorrect.">
+                  <a:extLst>
+                    <a:ext uri="{FF2B5EF4-FFF2-40B4-BE49-F238E27FC236}">
+                      <a16:creationId xmlns:a16="http://schemas.microsoft.com/office/drawing/2014/main" id="{BF1FB2BE-E4D2-D316-0353-5407A22DBD48}"/>
+                    </a:ext>
+                  </a:extLst>
+                </p:cNvPr>
+                <p:cNvPicPr>
+                  <a:picLocks noChangeAspect="1"/>
+                </p:cNvPicPr>
+                <p:nvPr/>
+              </p:nvPicPr>
+              <p:blipFill>
+                <a:blip r:embed="rId10"/>
+                <a:stretch>
+                  <a:fillRect/>
+                </a:stretch>
+              </p:blipFill>
+              <p:spPr>
+                <a:xfrm>
+                  <a:off x="6343061" y="15969640"/>
+                  <a:ext cx="3814597" cy="2860948"/>
+                </a:xfrm>
+                <a:prstGeom prst="rect">
+                  <a:avLst/>
+                </a:prstGeom>
+              </p:spPr>
+            </p:pic>
+            <p:pic>
+              <p:nvPicPr>
+                <p:cNvPr id="55" name="Picture 54" descr="A diagram of a graph showing a number of blue dots&#10;&#10;AI-generated content may be incorrect.">
+                  <a:extLst>
+                    <a:ext uri="{FF2B5EF4-FFF2-40B4-BE49-F238E27FC236}">
+                      <a16:creationId xmlns:a16="http://schemas.microsoft.com/office/drawing/2014/main" id="{558A4B50-1728-6895-A500-0D524C724419}"/>
+                    </a:ext>
+                  </a:extLst>
+                </p:cNvPr>
+                <p:cNvPicPr>
+                  <a:picLocks noChangeAspect="1"/>
+                </p:cNvPicPr>
+                <p:nvPr/>
+              </p:nvPicPr>
+              <p:blipFill>
+                <a:blip r:embed="rId11"/>
+                <a:stretch>
+                  <a:fillRect/>
+                </a:stretch>
+              </p:blipFill>
+              <p:spPr>
+                <a:xfrm>
+                  <a:off x="6344438" y="18628600"/>
+                  <a:ext cx="3813219" cy="2859915"/>
+                </a:xfrm>
+                <a:prstGeom prst="rect">
+                  <a:avLst/>
+                </a:prstGeom>
+              </p:spPr>
+            </p:pic>
+            <p:pic>
+              <p:nvPicPr>
+                <p:cNvPr id="58" name="Picture 57" descr="A graph showing a curve of dots&#10;&#10;AI-generated content may be incorrect.">
+                  <a:extLst>
+                    <a:ext uri="{FF2B5EF4-FFF2-40B4-BE49-F238E27FC236}">
+                      <a16:creationId xmlns:a16="http://schemas.microsoft.com/office/drawing/2014/main" id="{BD5429A3-74E1-F4BC-5DC0-FFC1959BBF8D}"/>
+                    </a:ext>
+                  </a:extLst>
+                </p:cNvPr>
+                <p:cNvPicPr>
+                  <a:picLocks noChangeAspect="1"/>
+                </p:cNvPicPr>
+                <p:nvPr/>
+              </p:nvPicPr>
+              <p:blipFill>
+                <a:blip r:embed="rId12"/>
+                <a:stretch>
+                  <a:fillRect/>
+                </a:stretch>
+              </p:blipFill>
+              <p:spPr>
+                <a:xfrm>
+                  <a:off x="10548078" y="15969640"/>
+                  <a:ext cx="3814597" cy="2860948"/>
+                </a:xfrm>
+                <a:prstGeom prst="rect">
+                  <a:avLst/>
+                </a:prstGeom>
+              </p:spPr>
+            </p:pic>
+            <p:pic>
+              <p:nvPicPr>
+                <p:cNvPr id="61" name="Picture 60" descr="A graph showing a curve of a line&#10;&#10;AI-generated content may be incorrect.">
+                  <a:extLst>
+                    <a:ext uri="{FF2B5EF4-FFF2-40B4-BE49-F238E27FC236}">
+                      <a16:creationId xmlns:a16="http://schemas.microsoft.com/office/drawing/2014/main" id="{393CD0A7-033F-D651-4958-ACFADD58346D}"/>
+                    </a:ext>
+                  </a:extLst>
+                </p:cNvPr>
+                <p:cNvPicPr>
+                  <a:picLocks noChangeAspect="1"/>
+                </p:cNvPicPr>
+                <p:nvPr/>
+              </p:nvPicPr>
+              <p:blipFill>
+                <a:blip r:embed="rId13"/>
+                <a:stretch>
+                  <a:fillRect/>
+                </a:stretch>
+              </p:blipFill>
+              <p:spPr>
+                <a:xfrm>
+                  <a:off x="10550376" y="18628682"/>
+                  <a:ext cx="3810000" cy="2857500"/>
+                </a:xfrm>
+                <a:prstGeom prst="rect">
+                  <a:avLst/>
+                </a:prstGeom>
+              </p:spPr>
+            </p:pic>
+            <p:pic>
+              <p:nvPicPr>
+                <p:cNvPr id="86" name="Picture 85" descr="A graph of a patient's elbow&#10;&#10;AI-generated content may be incorrect.">
+                  <a:extLst>
+                    <a:ext uri="{FF2B5EF4-FFF2-40B4-BE49-F238E27FC236}">
+                      <a16:creationId xmlns:a16="http://schemas.microsoft.com/office/drawing/2014/main" id="{CD15D0BD-C6F0-F06D-A260-EBBA1259ACCA}"/>
+                    </a:ext>
+                  </a:extLst>
+                </p:cNvPr>
+                <p:cNvPicPr>
+                  <a:picLocks noChangeAspect="1"/>
+                </p:cNvPicPr>
+                <p:nvPr/>
+              </p:nvPicPr>
+              <p:blipFill>
+                <a:blip r:embed="rId14"/>
+                <a:stretch>
+                  <a:fillRect/>
+                </a:stretch>
+              </p:blipFill>
+              <p:spPr>
+                <a:xfrm>
+                  <a:off x="14753094" y="15969640"/>
+                  <a:ext cx="3810000" cy="2857500"/>
+                </a:xfrm>
+                <a:prstGeom prst="rect">
+                  <a:avLst/>
+                </a:prstGeom>
+              </p:spPr>
+            </p:pic>
+            <p:pic>
+              <p:nvPicPr>
+                <p:cNvPr id="104" name="Picture 103" descr="A graph of a line graph&#10;&#10;AI-generated content may be incorrect.">
+                  <a:extLst>
+                    <a:ext uri="{FF2B5EF4-FFF2-40B4-BE49-F238E27FC236}">
+                      <a16:creationId xmlns:a16="http://schemas.microsoft.com/office/drawing/2014/main" id="{FFBA8ADA-0ADF-002A-B7DE-91D90CEDB1C0}"/>
+                    </a:ext>
+                  </a:extLst>
+                </p:cNvPr>
+                <p:cNvPicPr>
+                  <a:picLocks noChangeAspect="1"/>
+                </p:cNvPicPr>
+                <p:nvPr/>
+              </p:nvPicPr>
+              <p:blipFill>
+                <a:blip r:embed="rId15"/>
+                <a:stretch>
+                  <a:fillRect/>
+                </a:stretch>
+              </p:blipFill>
+              <p:spPr>
+                <a:xfrm>
+                  <a:off x="14755393" y="18634816"/>
+                  <a:ext cx="3807701" cy="2855776"/>
+                </a:xfrm>
+                <a:prstGeom prst="rect">
+                  <a:avLst/>
+                </a:prstGeom>
+              </p:spPr>
+            </p:pic>
+          </p:grpSp>
+          <p:sp>
+            <p:nvSpPr>
+              <p:cNvPr id="106" name="TextBox 105">
+                <a:extLst>
+                  <a:ext uri="{FF2B5EF4-FFF2-40B4-BE49-F238E27FC236}">
+                    <a16:creationId xmlns:a16="http://schemas.microsoft.com/office/drawing/2014/main" id="{FFBFEBBA-0F74-DA1D-D0F1-065886400CA9}"/>
+                  </a:ext>
+                </a:extLst>
+              </p:cNvPr>
+              <p:cNvSpPr txBox="1"/>
+              <p:nvPr/>
+            </p:nvSpPr>
+            <p:spPr>
+              <a:xfrm>
+                <a:off x="6515900" y="15763772"/>
+                <a:ext cx="558327" cy="461665"/>
+              </a:xfrm>
+              <a:prstGeom prst="rect">
+                <a:avLst/>
+              </a:prstGeom>
+              <a:noFill/>
+            </p:spPr>
+            <p:txBody>
+              <a:bodyPr wrap="square" rtlCol="0">
+                <a:spAutoFit/>
+              </a:bodyPr>
+              <a:lstStyle/>
+              <a:p>
+                <a:r>
+                  <a:rPr lang="en-GB" sz="2400" b="1" noProof="0" dirty="0"/>
+                  <a:t>5A</a:t>
+                </a:r>
+              </a:p>
+            </p:txBody>
+          </p:sp>
+          <p:sp>
+            <p:nvSpPr>
+              <p:cNvPr id="107" name="TextBox 106">
+                <a:extLst>
+                  <a:ext uri="{FF2B5EF4-FFF2-40B4-BE49-F238E27FC236}">
+                    <a16:creationId xmlns:a16="http://schemas.microsoft.com/office/drawing/2014/main" id="{851D7709-9FC9-9400-BDFF-44A8489BB1CC}"/>
+                  </a:ext>
+                </a:extLst>
+              </p:cNvPr>
+              <p:cNvSpPr txBox="1"/>
+              <p:nvPr/>
+            </p:nvSpPr>
+            <p:spPr>
+              <a:xfrm>
+                <a:off x="10856694" y="15742343"/>
+                <a:ext cx="390625" cy="461665"/>
+              </a:xfrm>
+              <a:prstGeom prst="rect">
+                <a:avLst/>
+              </a:prstGeom>
+              <a:noFill/>
+            </p:spPr>
+            <p:txBody>
+              <a:bodyPr wrap="square" rtlCol="0">
+                <a:spAutoFit/>
+              </a:bodyPr>
+              <a:lstStyle/>
+              <a:p>
+                <a:r>
+                  <a:rPr lang="en-GB" sz="2400" b="1" noProof="0" dirty="0"/>
+                  <a:t>B</a:t>
+                </a:r>
+              </a:p>
+            </p:txBody>
+          </p:sp>
+          <p:sp>
+            <p:nvSpPr>
+              <p:cNvPr id="108" name="TextBox 107">
+                <a:extLst>
+                  <a:ext uri="{FF2B5EF4-FFF2-40B4-BE49-F238E27FC236}">
+                    <a16:creationId xmlns:a16="http://schemas.microsoft.com/office/drawing/2014/main" id="{2C1BEABB-319E-A2E5-1EB2-0A4BCA8A9948}"/>
+                  </a:ext>
+                </a:extLst>
+              </p:cNvPr>
+              <p:cNvSpPr txBox="1"/>
+              <p:nvPr/>
+            </p:nvSpPr>
+            <p:spPr>
+              <a:xfrm>
+                <a:off x="14993991" y="15763772"/>
+                <a:ext cx="390625" cy="461665"/>
+              </a:xfrm>
+              <a:prstGeom prst="rect">
+                <a:avLst/>
+              </a:prstGeom>
+              <a:noFill/>
+            </p:spPr>
+            <p:txBody>
+              <a:bodyPr wrap="square" rtlCol="0">
+                <a:spAutoFit/>
+              </a:bodyPr>
+              <a:lstStyle/>
+              <a:p>
+                <a:r>
+                  <a:rPr lang="en-GB" sz="2400" b="1" noProof="0" dirty="0"/>
+                  <a:t>C</a:t>
+                </a:r>
+              </a:p>
+            </p:txBody>
+          </p:sp>
+        </p:grpSp>
+        <p:sp>
+          <p:nvSpPr>
+            <p:cNvPr id="109" name="TextBox 108">
+              <a:extLst>
+                <a:ext uri="{FF2B5EF4-FFF2-40B4-BE49-F238E27FC236}">
+                  <a16:creationId xmlns:a16="http://schemas.microsoft.com/office/drawing/2014/main" id="{9D8FEEE0-5551-B827-0B8E-453E42DD945C}"/>
+                </a:ext>
+              </a:extLst>
+            </p:cNvPr>
+            <p:cNvSpPr txBox="1"/>
+            <p:nvPr/>
+          </p:nvSpPr>
+          <p:spPr>
+            <a:xfrm>
+              <a:off x="13158471" y="21880499"/>
+              <a:ext cx="12215412" cy="2246769"/>
+            </a:xfrm>
+            <a:prstGeom prst="rect">
+              <a:avLst/>
+            </a:prstGeom>
+            <a:noFill/>
+          </p:spPr>
+          <p:txBody>
+            <a:bodyPr wrap="square" rtlCol="0">
+              <a:spAutoFit/>
+            </a:bodyPr>
+            <a:lstStyle/>
+            <a:p>
+              <a:pPr algn="just"/>
+              <a:r>
+                <a:rPr lang="en-GB" sz="2000" b="1" noProof="0" dirty="0"/>
+                <a:t>Fig. 5 </a:t>
+              </a:r>
+              <a:r>
+                <a:rPr lang="en-GB" sz="2000" noProof="0" dirty="0"/>
+                <a:t>Principle Component Analyses and </a:t>
+              </a:r>
+              <a:r>
+                <a:rPr lang="en-GB" sz="2000" noProof="0" dirty="0" err="1"/>
+                <a:t>Elbowplots</a:t>
+              </a:r>
+              <a:r>
+                <a:rPr lang="en-GB" sz="2000" noProof="0" dirty="0"/>
+                <a:t> of the selected and the non-selected proteins. RNASE and CTRL are plotted separately for comparison</a:t>
+              </a:r>
+              <a:r>
+                <a:rPr lang="en-GB" sz="2000" dirty="0"/>
+                <a:t> in the PCA</a:t>
+              </a:r>
+              <a:r>
+                <a:rPr lang="en-GB" sz="2000" noProof="0" dirty="0"/>
+                <a:t>. The </a:t>
+              </a:r>
+              <a:r>
+                <a:rPr lang="en-GB" sz="2000" noProof="0" dirty="0" err="1"/>
+                <a:t>Elbowplots</a:t>
+              </a:r>
+              <a:r>
+                <a:rPr lang="en-GB" sz="2000" noProof="0" dirty="0"/>
+                <a:t> shows only RNASE.</a:t>
+              </a:r>
+            </a:p>
+            <a:p>
+              <a:pPr algn="just"/>
+              <a:endParaRPr lang="en-GB" sz="2000" noProof="0" dirty="0"/>
+            </a:p>
+            <a:p>
+              <a:pPr algn="just"/>
+              <a:r>
+                <a:rPr lang="en-GB" sz="2000" b="1" noProof="0" dirty="0"/>
+                <a:t>A) </a:t>
+              </a:r>
+              <a:r>
+                <a:rPr lang="en-GB" sz="2000" noProof="0" dirty="0"/>
+                <a:t>PCA of the selected proteins. The data points of the RNASE compared to the CTRL </a:t>
+              </a:r>
+              <a:r>
+                <a:rPr lang="en-GB" sz="2000" dirty="0"/>
+                <a:t>make up an overall similar shape</a:t>
+              </a:r>
+              <a:r>
+                <a:rPr lang="en-GB" sz="2000" noProof="0" dirty="0"/>
+                <a:t>, but a shift is visible in the density of the points. </a:t>
+              </a:r>
+              <a:r>
+                <a:rPr lang="en-GB" sz="2000" b="1" noProof="0" dirty="0"/>
+                <a:t>B) </a:t>
+              </a:r>
+              <a:r>
+                <a:rPr lang="en-GB" sz="2000" noProof="0" dirty="0"/>
+                <a:t>PCA</a:t>
+              </a:r>
+              <a:r>
+                <a:rPr lang="en-GB" sz="2000" b="1" noProof="0" dirty="0"/>
+                <a:t> </a:t>
+              </a:r>
+              <a:r>
+                <a:rPr lang="en-GB" sz="2000" noProof="0" dirty="0"/>
+                <a:t>of the non-selected proteins. The points of the RNASE and CTRL form mostly the same structure. </a:t>
+              </a:r>
+              <a:r>
+                <a:rPr lang="en-GB" sz="2000" b="1" noProof="0" dirty="0"/>
+                <a:t>C) </a:t>
+              </a:r>
+              <a:r>
+                <a:rPr lang="en-GB" sz="2000" noProof="0" dirty="0"/>
+                <a:t>Elbow-Plot of the </a:t>
+              </a:r>
+              <a:r>
+                <a:rPr lang="en-GB" sz="2000" dirty="0"/>
+                <a:t>RNASE</a:t>
+              </a:r>
+              <a:r>
+                <a:rPr lang="en-GB" sz="2000" noProof="0" dirty="0"/>
+                <a:t>. The </a:t>
+              </a:r>
+              <a:r>
+                <a:rPr lang="en-GB" sz="2000" dirty="0" err="1"/>
+                <a:t>knick</a:t>
+              </a:r>
+              <a:r>
+                <a:rPr lang="en-GB" sz="2000" noProof="0" dirty="0"/>
+                <a:t> of the elbow is </a:t>
+              </a:r>
+              <a:r>
+                <a:rPr lang="en-GB" sz="2000" dirty="0"/>
+                <a:t>between</a:t>
+              </a:r>
+              <a:r>
+                <a:rPr lang="en-GB" sz="2000" noProof="0" dirty="0"/>
+                <a:t> 3 and 4.</a:t>
+              </a:r>
+              <a:r>
+                <a:rPr lang="en-GB" sz="2000" dirty="0"/>
+                <a:t> To compare selected and non-selected proteins, we decided to use 3 clusters in the </a:t>
+              </a:r>
+              <a:r>
+                <a:rPr lang="en-GB" sz="2000" dirty="0" err="1"/>
+                <a:t>kmeans</a:t>
+              </a:r>
+              <a:r>
+                <a:rPr lang="en-GB" sz="2000" dirty="0"/>
+                <a:t> clustering</a:t>
+              </a:r>
+              <a:r>
+                <a:rPr lang="en-GB" sz="2000" noProof="0" dirty="0"/>
+                <a:t>.</a:t>
+              </a:r>
+            </a:p>
+          </p:txBody>
+        </p:sp>
+      </p:grpSp>
+      <p:grpSp>
+        <p:nvGrpSpPr>
+          <p:cNvPr id="144" name="Group 143">
+            <a:extLst>
+              <a:ext uri="{FF2B5EF4-FFF2-40B4-BE49-F238E27FC236}">
+                <a16:creationId xmlns:a16="http://schemas.microsoft.com/office/drawing/2014/main" id="{EC56D859-B754-2FD8-CF08-4B915B64BCD0}"/>
+              </a:ext>
+            </a:extLst>
+          </p:cNvPr>
+          <p:cNvGrpSpPr/>
+          <p:nvPr/>
+        </p:nvGrpSpPr>
+        <p:grpSpPr>
+          <a:xfrm>
+            <a:off x="796903" y="29608019"/>
+            <a:ext cx="14214497" cy="12149460"/>
+            <a:chOff x="796903" y="29608019"/>
+            <a:chExt cx="14214497" cy="12149460"/>
+          </a:xfrm>
+        </p:grpSpPr>
+        <p:grpSp>
+          <p:nvGrpSpPr>
+            <p:cNvPr id="123" name="Group 122">
+              <a:extLst>
+                <a:ext uri="{FF2B5EF4-FFF2-40B4-BE49-F238E27FC236}">
+                  <a16:creationId xmlns:a16="http://schemas.microsoft.com/office/drawing/2014/main" id="{CBD7C024-F1C7-4BE4-67C5-871D0AC7CAB6}"/>
+                </a:ext>
+              </a:extLst>
+            </p:cNvPr>
+            <p:cNvGrpSpPr/>
+            <p:nvPr/>
+          </p:nvGrpSpPr>
+          <p:grpSpPr>
+            <a:xfrm>
+              <a:off x="796903" y="29608019"/>
+              <a:ext cx="14214497" cy="8790201"/>
+              <a:chOff x="796903" y="29608019"/>
+              <a:chExt cx="14214497" cy="8790201"/>
+            </a:xfrm>
+          </p:grpSpPr>
+          <p:grpSp>
+            <p:nvGrpSpPr>
+              <p:cNvPr id="112" name="Group 111">
+                <a:extLst>
+                  <a:ext uri="{FF2B5EF4-FFF2-40B4-BE49-F238E27FC236}">
+                    <a16:creationId xmlns:a16="http://schemas.microsoft.com/office/drawing/2014/main" id="{C0044A22-73C6-4063-978D-A2160E53106F}"/>
+                  </a:ext>
+                </a:extLst>
+              </p:cNvPr>
+              <p:cNvGrpSpPr/>
+              <p:nvPr/>
+            </p:nvGrpSpPr>
+            <p:grpSpPr>
+              <a:xfrm>
+                <a:off x="796903" y="29608019"/>
+                <a:ext cx="14214497" cy="8790201"/>
+                <a:chOff x="796903" y="29608019"/>
+                <a:chExt cx="14214497" cy="8790201"/>
+              </a:xfrm>
+            </p:grpSpPr>
+            <p:sp>
+              <p:nvSpPr>
+                <p:cNvPr id="78" name="TextBox 77">
+                  <a:extLst>
+                    <a:ext uri="{FF2B5EF4-FFF2-40B4-BE49-F238E27FC236}">
+                      <a16:creationId xmlns:a16="http://schemas.microsoft.com/office/drawing/2014/main" id="{9C8CE86A-7B36-57C3-3567-E9BD5C58EE29}"/>
+                    </a:ext>
+                  </a:extLst>
+                </p:cNvPr>
+                <p:cNvSpPr txBox="1"/>
+                <p:nvPr/>
+              </p:nvSpPr>
+              <p:spPr>
+                <a:xfrm>
+                  <a:off x="10475862" y="29654145"/>
+                  <a:ext cx="4535538" cy="3785652"/>
+                </a:xfrm>
+                <a:prstGeom prst="rect">
+                  <a:avLst/>
+                </a:prstGeom>
+                <a:noFill/>
+              </p:spPr>
+              <p:txBody>
+                <a:bodyPr wrap="square" rtlCol="0">
+                  <a:spAutoFit/>
+                </a:bodyPr>
+                <a:lstStyle/>
+                <a:p>
+                  <a:r>
+                    <a:rPr lang="en-GB" sz="2000" b="1" noProof="0" dirty="0"/>
+                    <a:t>Fig. 6 </a:t>
+                  </a:r>
+                  <a:r>
+                    <a:rPr lang="en-GB" sz="2000" noProof="0" dirty="0" err="1"/>
+                    <a:t>kmeans</a:t>
+                  </a:r>
+                  <a:r>
+                    <a:rPr lang="en-GB" sz="2000" noProof="0" dirty="0"/>
+                    <a:t> clustering of the selected and not-selected proteins</a:t>
+                  </a:r>
+                </a:p>
+                <a:p>
+                  <a:endParaRPr lang="en-GB" sz="2000" dirty="0"/>
+                </a:p>
+                <a:p>
+                  <a:r>
+                    <a:rPr lang="en-GB" sz="2000" b="1" noProof="0" dirty="0"/>
+                    <a:t>A) </a:t>
+                  </a:r>
+                  <a:r>
+                    <a:rPr lang="en-GB" sz="2000" noProof="0" dirty="0"/>
+                    <a:t>Shows the 3 clusters of the CTRL of the selected proteins. </a:t>
+                  </a:r>
+                  <a:r>
+                    <a:rPr lang="en-GB" sz="2000" b="1" noProof="0" dirty="0"/>
+                    <a:t>B</a:t>
+                  </a:r>
+                  <a:r>
+                    <a:rPr lang="en-GB" sz="2000" b="1" dirty="0"/>
+                    <a:t>) </a:t>
+                  </a:r>
+                  <a:r>
+                    <a:rPr lang="en-GB" sz="2000" dirty="0"/>
+                    <a:t>Shows the 3 clusters of the RNASE of the selected proteins. A significant shift in form and location of the clusters is noticeable. </a:t>
+                  </a:r>
+                  <a:r>
+                    <a:rPr lang="en-GB" sz="2000" b="1" dirty="0"/>
+                    <a:t>C) </a:t>
+                  </a:r>
+                  <a:r>
+                    <a:rPr lang="en-GB" sz="2000" dirty="0"/>
+                    <a:t>Shows the 3 clusters of the CTRL of the not-selected proteins. </a:t>
+                  </a:r>
+                  <a:r>
+                    <a:rPr lang="en-GB" sz="2000" b="1" dirty="0"/>
+                    <a:t>D) </a:t>
+                  </a:r>
+                  <a:r>
+                    <a:rPr lang="en-GB" sz="2000" dirty="0"/>
+                    <a:t>Shows the 3 clusters of the RNASE of the not-selected proteins. No shift in form and location is noticeable.</a:t>
+                  </a:r>
+                  <a:endParaRPr lang="en-GB" sz="2000" noProof="0" dirty="0"/>
+                </a:p>
+              </p:txBody>
+            </p:sp>
+            <p:sp>
+              <p:nvSpPr>
+                <p:cNvPr id="87" name="TextBox 86">
+                  <a:extLst>
+                    <a:ext uri="{FF2B5EF4-FFF2-40B4-BE49-F238E27FC236}">
+                      <a16:creationId xmlns:a16="http://schemas.microsoft.com/office/drawing/2014/main" id="{62897110-4AAA-BEA4-F290-D044A5F6BACE}"/>
+                    </a:ext>
+                  </a:extLst>
+                </p:cNvPr>
+                <p:cNvSpPr txBox="1"/>
+                <p:nvPr/>
+              </p:nvSpPr>
+              <p:spPr>
+                <a:xfrm>
+                  <a:off x="796903" y="29665022"/>
+                  <a:ext cx="678461" cy="461665"/>
+                </a:xfrm>
+                <a:prstGeom prst="rect">
+                  <a:avLst/>
+                </a:prstGeom>
+                <a:noFill/>
+              </p:spPr>
+              <p:txBody>
+                <a:bodyPr wrap="square" rtlCol="0">
+                  <a:spAutoFit/>
+                </a:bodyPr>
+                <a:lstStyle/>
+                <a:p>
+                  <a:r>
+                    <a:rPr lang="en-GB" sz="2400" b="1" dirty="0"/>
+                    <a:t>6</a:t>
+                  </a:r>
+                  <a:r>
+                    <a:rPr lang="en-GB" sz="2400" b="1" noProof="0" dirty="0"/>
+                    <a:t>A</a:t>
+                  </a:r>
+                </a:p>
+              </p:txBody>
+            </p:sp>
+            <p:sp>
+              <p:nvSpPr>
+                <p:cNvPr id="88" name="TextBox 87">
+                  <a:extLst>
+                    <a:ext uri="{FF2B5EF4-FFF2-40B4-BE49-F238E27FC236}">
+                      <a16:creationId xmlns:a16="http://schemas.microsoft.com/office/drawing/2014/main" id="{9CE5C8E3-DFC8-EF90-2AE0-DF17552E161D}"/>
+                    </a:ext>
+                  </a:extLst>
+                </p:cNvPr>
+                <p:cNvSpPr txBox="1"/>
+                <p:nvPr/>
+              </p:nvSpPr>
+              <p:spPr>
+                <a:xfrm>
+                  <a:off x="5515397" y="29608019"/>
+                  <a:ext cx="390625" cy="461665"/>
+                </a:xfrm>
+                <a:prstGeom prst="rect">
+                  <a:avLst/>
+                </a:prstGeom>
+                <a:noFill/>
+              </p:spPr>
+              <p:txBody>
+                <a:bodyPr wrap="square" rtlCol="0">
+                  <a:spAutoFit/>
+                </a:bodyPr>
+                <a:lstStyle/>
+                <a:p>
+                  <a:r>
+                    <a:rPr lang="en-GB" sz="2400" b="1" noProof="0" dirty="0"/>
+                    <a:t>B</a:t>
+                  </a:r>
+                </a:p>
+              </p:txBody>
+            </p:sp>
+            <p:sp>
+              <p:nvSpPr>
+                <p:cNvPr id="89" name="TextBox 88">
+                  <a:extLst>
+                    <a:ext uri="{FF2B5EF4-FFF2-40B4-BE49-F238E27FC236}">
+                      <a16:creationId xmlns:a16="http://schemas.microsoft.com/office/drawing/2014/main" id="{066034F3-9635-5E89-5520-4C7728B02937}"/>
+                    </a:ext>
+                  </a:extLst>
+                </p:cNvPr>
+                <p:cNvSpPr txBox="1"/>
+                <p:nvPr/>
+              </p:nvSpPr>
+              <p:spPr>
+                <a:xfrm>
+                  <a:off x="5570782" y="33504624"/>
+                  <a:ext cx="390625" cy="461665"/>
+                </a:xfrm>
+                <a:prstGeom prst="rect">
+                  <a:avLst/>
+                </a:prstGeom>
+                <a:noFill/>
+              </p:spPr>
+              <p:txBody>
+                <a:bodyPr wrap="square" rtlCol="0">
+                  <a:spAutoFit/>
+                </a:bodyPr>
+                <a:lstStyle/>
+                <a:p>
+                  <a:r>
+                    <a:rPr lang="en-GB" sz="2400" b="1" noProof="0" dirty="0"/>
+                    <a:t>D</a:t>
+                  </a:r>
+                </a:p>
+              </p:txBody>
+            </p:sp>
+            <p:sp>
+              <p:nvSpPr>
+                <p:cNvPr id="90" name="TextBox 89">
+                  <a:extLst>
+                    <a:ext uri="{FF2B5EF4-FFF2-40B4-BE49-F238E27FC236}">
+                      <a16:creationId xmlns:a16="http://schemas.microsoft.com/office/drawing/2014/main" id="{5037DAB0-C266-E539-68CB-472541869189}"/>
+                    </a:ext>
+                  </a:extLst>
+                </p:cNvPr>
+                <p:cNvSpPr txBox="1"/>
+                <p:nvPr/>
+              </p:nvSpPr>
+              <p:spPr>
+                <a:xfrm>
+                  <a:off x="926673" y="33511728"/>
+                  <a:ext cx="390625" cy="461665"/>
+                </a:xfrm>
+                <a:prstGeom prst="rect">
+                  <a:avLst/>
+                </a:prstGeom>
+                <a:noFill/>
+              </p:spPr>
+              <p:txBody>
+                <a:bodyPr wrap="square" rtlCol="0">
+                  <a:spAutoFit/>
+                </a:bodyPr>
+                <a:lstStyle/>
+                <a:p>
+                  <a:r>
+                    <a:rPr lang="en-GB" sz="2400" b="1" noProof="0" dirty="0"/>
+                    <a:t>C</a:t>
+                  </a:r>
+                </a:p>
+              </p:txBody>
+            </p:sp>
+            <p:sp>
+              <p:nvSpPr>
+                <p:cNvPr id="9" name="TextBox 8">
+                  <a:extLst>
+                    <a:ext uri="{FF2B5EF4-FFF2-40B4-BE49-F238E27FC236}">
+                      <a16:creationId xmlns:a16="http://schemas.microsoft.com/office/drawing/2014/main" id="{99CE0904-0487-B5AB-DC63-D6DB05F5B994}"/>
+                    </a:ext>
+                  </a:extLst>
+                </p:cNvPr>
+                <p:cNvSpPr txBox="1"/>
+                <p:nvPr/>
+              </p:nvSpPr>
+              <p:spPr>
+                <a:xfrm>
+                  <a:off x="10475862" y="33689239"/>
+                  <a:ext cx="4373206" cy="4708981"/>
+                </a:xfrm>
+                <a:prstGeom prst="rect">
+                  <a:avLst/>
+                </a:prstGeom>
+                <a:noFill/>
+              </p:spPr>
+              <p:txBody>
+                <a:bodyPr wrap="square" rtlCol="0">
+                  <a:spAutoFit/>
+                </a:bodyPr>
+                <a:lstStyle/>
+                <a:p>
+                  <a:r>
+                    <a:rPr lang="en-US" sz="2000" b="1" dirty="0"/>
+                    <a:t>Fig. 7 </a:t>
+                  </a:r>
+                  <a:r>
+                    <a:rPr lang="en-US" sz="2000" dirty="0"/>
+                    <a:t>Linear regression analyses between the selected proteins and the not-selected proteins each, with global maxima of the selected CTRL proteins as target variable</a:t>
+                  </a:r>
+                </a:p>
+                <a:p>
+                  <a:endParaRPr lang="en-US" sz="2000" dirty="0"/>
+                </a:p>
+                <a:p>
+                  <a:r>
+                    <a:rPr lang="en-US" sz="2000" b="1" dirty="0"/>
+                    <a:t>A) </a:t>
+                  </a:r>
+                  <a:r>
+                    <a:rPr lang="en-US" sz="2000" dirty="0"/>
+                    <a:t>The regression analysis for the selected proteins describes the target variable well. </a:t>
+                  </a:r>
+                  <a:r>
+                    <a:rPr lang="en-US" sz="2000" b="1" dirty="0"/>
+                    <a:t>B)</a:t>
+                  </a:r>
+                  <a:r>
+                    <a:rPr lang="en-US" sz="2000" dirty="0"/>
+                    <a:t> The analysis of the not-selected proteins does not describe the target variable well. This proves, that there is a difference between the selected and not-selected proteins, and therefore, that the selection criteria worked.</a:t>
+                  </a:r>
+                  <a:endParaRPr lang="de-DE" sz="2000" dirty="0"/>
+                </a:p>
+              </p:txBody>
+            </p:sp>
+          </p:grpSp>
+          <p:pic>
+            <p:nvPicPr>
+              <p:cNvPr id="114" name="Picture 113" descr="A diagram of different colored circles&#10;&#10;AI-generated content may be incorrect.">
+                <a:extLst>
+                  <a:ext uri="{FF2B5EF4-FFF2-40B4-BE49-F238E27FC236}">
+                    <a16:creationId xmlns:a16="http://schemas.microsoft.com/office/drawing/2014/main" id="{8E28E344-6B53-FEC2-CBDA-0BF24A4C304D}"/>
+                  </a:ext>
+                </a:extLst>
+              </p:cNvPr>
+              <p:cNvPicPr>
+                <a:picLocks noChangeAspect="1"/>
+              </p:cNvPicPr>
+              <p:nvPr/>
+            </p:nvPicPr>
+            <p:blipFill>
+              <a:blip r:embed="rId16"/>
+              <a:stretch>
+                <a:fillRect/>
+              </a:stretch>
+            </p:blipFill>
+            <p:spPr>
+              <a:xfrm>
+                <a:off x="889695" y="30115810"/>
+                <a:ext cx="4642330" cy="3481747"/>
+              </a:xfrm>
+              <a:prstGeom prst="rect">
+                <a:avLst/>
+              </a:prstGeom>
+            </p:spPr>
+          </p:pic>
+          <p:pic>
+            <p:nvPicPr>
+              <p:cNvPr id="118" name="Picture 117" descr="A diagram of different colored circles&#10;&#10;AI-generated content may be incorrect.">
+                <a:extLst>
+                  <a:ext uri="{FF2B5EF4-FFF2-40B4-BE49-F238E27FC236}">
+                    <a16:creationId xmlns:a16="http://schemas.microsoft.com/office/drawing/2014/main" id="{A489A193-1A2E-4FED-EE5C-7CBCED93221C}"/>
+                  </a:ext>
+                </a:extLst>
+              </p:cNvPr>
+              <p:cNvPicPr>
+                <a:picLocks noChangeAspect="1"/>
+              </p:cNvPicPr>
+              <p:nvPr/>
+            </p:nvPicPr>
+            <p:blipFill>
+              <a:blip r:embed="rId17"/>
+              <a:stretch>
+                <a:fillRect/>
+              </a:stretch>
+            </p:blipFill>
+            <p:spPr>
+              <a:xfrm>
+                <a:off x="5532026" y="30115809"/>
+                <a:ext cx="4642330" cy="3481748"/>
+              </a:xfrm>
+              <a:prstGeom prst="rect">
+                <a:avLst/>
+              </a:prstGeom>
+            </p:spPr>
+          </p:pic>
+          <p:pic>
+            <p:nvPicPr>
+              <p:cNvPr id="120" name="Picture 119" descr="A diagram of a graph&#10;&#10;AI-generated content may be incorrect.">
+                <a:extLst>
+                  <a:ext uri="{FF2B5EF4-FFF2-40B4-BE49-F238E27FC236}">
+                    <a16:creationId xmlns:a16="http://schemas.microsoft.com/office/drawing/2014/main" id="{4E2FBCE3-0625-9E9D-571F-9EC0A9E7DED4}"/>
+                  </a:ext>
+                </a:extLst>
+              </p:cNvPr>
+              <p:cNvPicPr>
+                <a:picLocks noChangeAspect="1"/>
+              </p:cNvPicPr>
+              <p:nvPr/>
+            </p:nvPicPr>
+            <p:blipFill>
+              <a:blip r:embed="rId18"/>
+              <a:stretch>
+                <a:fillRect/>
+              </a:stretch>
+            </p:blipFill>
+            <p:spPr>
+              <a:xfrm>
+                <a:off x="5530247" y="33888169"/>
+                <a:ext cx="4642330" cy="3481748"/>
+              </a:xfrm>
+              <a:prstGeom prst="rect">
+                <a:avLst/>
+              </a:prstGeom>
+            </p:spPr>
+          </p:pic>
+          <p:pic>
+            <p:nvPicPr>
+              <p:cNvPr id="122" name="Picture 121" descr="A diagram of a graph&#10;&#10;AI-generated content may be incorrect.">
+                <a:extLst>
+                  <a:ext uri="{FF2B5EF4-FFF2-40B4-BE49-F238E27FC236}">
+                    <a16:creationId xmlns:a16="http://schemas.microsoft.com/office/drawing/2014/main" id="{7E074CF8-C544-BF3F-76EE-BEEDBEEEC52A}"/>
+                  </a:ext>
+                </a:extLst>
+              </p:cNvPr>
+              <p:cNvPicPr>
+                <a:picLocks noChangeAspect="1"/>
+              </p:cNvPicPr>
+              <p:nvPr/>
+            </p:nvPicPr>
+            <p:blipFill>
+              <a:blip r:embed="rId19"/>
+              <a:stretch>
+                <a:fillRect/>
+              </a:stretch>
+            </p:blipFill>
+            <p:spPr>
+              <a:xfrm>
+                <a:off x="889695" y="33890972"/>
+                <a:ext cx="4642331" cy="3481748"/>
+              </a:xfrm>
+              <a:prstGeom prst="rect">
+                <a:avLst/>
+              </a:prstGeom>
+            </p:spPr>
+          </p:pic>
+        </p:grpSp>
+        <p:grpSp>
+          <p:nvGrpSpPr>
+            <p:cNvPr id="142" name="Group 141">
+              <a:extLst>
+                <a:ext uri="{FF2B5EF4-FFF2-40B4-BE49-F238E27FC236}">
+                  <a16:creationId xmlns:a16="http://schemas.microsoft.com/office/drawing/2014/main" id="{A38A2234-2FC1-2730-5414-16F9D955EE90}"/>
+                </a:ext>
+              </a:extLst>
+            </p:cNvPr>
+            <p:cNvGrpSpPr/>
+            <p:nvPr/>
+          </p:nvGrpSpPr>
+          <p:grpSpPr>
+            <a:xfrm>
+              <a:off x="889695" y="38087755"/>
+              <a:ext cx="13876854" cy="3669724"/>
+              <a:chOff x="889695" y="38087755"/>
+              <a:chExt cx="13876854" cy="3669724"/>
+            </a:xfrm>
+          </p:grpSpPr>
+          <p:sp>
+            <p:nvSpPr>
+              <p:cNvPr id="11" name="TextBox 10">
+                <a:extLst>
+                  <a:ext uri="{FF2B5EF4-FFF2-40B4-BE49-F238E27FC236}">
+                    <a16:creationId xmlns:a16="http://schemas.microsoft.com/office/drawing/2014/main" id="{8BF4F80D-1676-544E-67B7-7846FEFB13FC}"/>
+                  </a:ext>
+                </a:extLst>
+              </p:cNvPr>
+              <p:cNvSpPr txBox="1"/>
+              <p:nvPr/>
+            </p:nvSpPr>
+            <p:spPr>
+              <a:xfrm>
+                <a:off x="889695" y="38087755"/>
+                <a:ext cx="539898" cy="461665"/>
+              </a:xfrm>
+              <a:prstGeom prst="rect">
+                <a:avLst/>
+              </a:prstGeom>
+              <a:noFill/>
+            </p:spPr>
+            <p:txBody>
+              <a:bodyPr wrap="square" rtlCol="0">
+                <a:spAutoFit/>
+              </a:bodyPr>
+              <a:lstStyle/>
+              <a:p>
+                <a:r>
+                  <a:rPr lang="en-GB" sz="2400" b="1" dirty="0"/>
+                  <a:t>7A</a:t>
+                </a:r>
+                <a:endParaRPr lang="en-GB" sz="2400" b="1" noProof="0" dirty="0"/>
+              </a:p>
+            </p:txBody>
+          </p:sp>
+          <p:grpSp>
+            <p:nvGrpSpPr>
+              <p:cNvPr id="140" name="Group 139">
+                <a:extLst>
+                  <a:ext uri="{FF2B5EF4-FFF2-40B4-BE49-F238E27FC236}">
+                    <a16:creationId xmlns:a16="http://schemas.microsoft.com/office/drawing/2014/main" id="{C220E857-055B-07D4-F8DB-626CE1C48956}"/>
+                  </a:ext>
+                </a:extLst>
+              </p:cNvPr>
+              <p:cNvGrpSpPr/>
+              <p:nvPr/>
+            </p:nvGrpSpPr>
+            <p:grpSpPr>
+              <a:xfrm>
+                <a:off x="1000669" y="38623828"/>
+                <a:ext cx="13765880" cy="3133651"/>
+                <a:chOff x="1000669" y="38623828"/>
+                <a:chExt cx="13765880" cy="3133651"/>
+              </a:xfrm>
+            </p:grpSpPr>
+            <p:pic>
+              <p:nvPicPr>
+                <p:cNvPr id="137" name="Picture 136">
+                  <a:extLst>
+                    <a:ext uri="{FF2B5EF4-FFF2-40B4-BE49-F238E27FC236}">
+                      <a16:creationId xmlns:a16="http://schemas.microsoft.com/office/drawing/2014/main" id="{2231C775-2055-A106-43DA-29D4B44814DB}"/>
+                    </a:ext>
+                  </a:extLst>
+                </p:cNvPr>
+                <p:cNvPicPr>
+                  <a:picLocks noChangeAspect="1"/>
+                </p:cNvPicPr>
+                <p:nvPr/>
+              </p:nvPicPr>
+              <p:blipFill>
+                <a:blip r:embed="rId20"/>
+                <a:stretch>
+                  <a:fillRect/>
+                </a:stretch>
+              </p:blipFill>
+              <p:spPr>
+                <a:xfrm>
+                  <a:off x="1000669" y="38636308"/>
+                  <a:ext cx="6375970" cy="3121171"/>
+                </a:xfrm>
+                <a:prstGeom prst="rect">
+                  <a:avLst/>
+                </a:prstGeom>
+              </p:spPr>
+            </p:pic>
+            <p:pic>
+              <p:nvPicPr>
+                <p:cNvPr id="139" name="Picture 138">
+                  <a:extLst>
+                    <a:ext uri="{FF2B5EF4-FFF2-40B4-BE49-F238E27FC236}">
+                      <a16:creationId xmlns:a16="http://schemas.microsoft.com/office/drawing/2014/main" id="{4C99E2D5-BC86-241D-A15D-DDDBA045C649}"/>
+                    </a:ext>
+                  </a:extLst>
+                </p:cNvPr>
+                <p:cNvPicPr>
+                  <a:picLocks noChangeAspect="1"/>
+                </p:cNvPicPr>
+                <p:nvPr/>
+              </p:nvPicPr>
+              <p:blipFill>
+                <a:blip r:embed="rId21"/>
+                <a:stretch>
+                  <a:fillRect/>
+                </a:stretch>
+              </p:blipFill>
+              <p:spPr>
+                <a:xfrm>
+                  <a:off x="7569693" y="38623828"/>
+                  <a:ext cx="7196856" cy="3133651"/>
+                </a:xfrm>
+                <a:prstGeom prst="rect">
+                  <a:avLst/>
+                </a:prstGeom>
+              </p:spPr>
+            </p:pic>
+          </p:grpSp>
+          <p:sp>
+            <p:nvSpPr>
+              <p:cNvPr id="141" name="TextBox 140">
+                <a:extLst>
+                  <a:ext uri="{FF2B5EF4-FFF2-40B4-BE49-F238E27FC236}">
+                    <a16:creationId xmlns:a16="http://schemas.microsoft.com/office/drawing/2014/main" id="{EF9387F7-692C-9219-1277-7A719F991B38}"/>
+                  </a:ext>
+                </a:extLst>
+              </p:cNvPr>
+              <p:cNvSpPr txBox="1"/>
+              <p:nvPr/>
+            </p:nvSpPr>
+            <p:spPr>
+              <a:xfrm>
+                <a:off x="7492618" y="38087755"/>
+                <a:ext cx="390625" cy="461665"/>
+              </a:xfrm>
+              <a:prstGeom prst="rect">
+                <a:avLst/>
+              </a:prstGeom>
+              <a:noFill/>
+            </p:spPr>
+            <p:txBody>
+              <a:bodyPr wrap="square" rtlCol="0">
+                <a:spAutoFit/>
+              </a:bodyPr>
+              <a:lstStyle/>
+              <a:p>
+                <a:r>
+                  <a:rPr lang="en-GB" sz="2400" b="1" noProof="0" dirty="0"/>
+                  <a:t>B</a:t>
+                </a:r>
+              </a:p>
+            </p:txBody>
+          </p:sp>
+        </p:grpSp>
+      </p:grpSp>
     </p:spTree>
     <p:extLst>
       <p:ext uri="{BB962C8B-B14F-4D97-AF65-F5344CB8AC3E}">

--- a/Poster.pptx
+++ b/Poster.pptx
@@ -208,7 +208,7 @@
           <a:p>
             <a:fld id="{BE36CDCD-2F24-4FC6-8D89-D255EE55885D}" type="datetimeFigureOut">
               <a:rPr lang="de-DE" smtClean="0"/>
-              <a:t>05.07.2025</a:t>
+              <a:t>06.07.2025</a:t>
             </a:fld>
             <a:endParaRPr lang="de-DE"/>
           </a:p>
@@ -715,7 +715,7 @@
           <a:p>
             <a:fld id="{61D7E66B-7281-C246-884E-91E9A1EB29D8}" type="datetimeFigureOut">
               <a:rPr lang="en-US" smtClean="0"/>
-              <a:t>7/5/2025</a:t>
+              <a:t>7/6/2025</a:t>
             </a:fld>
             <a:endParaRPr lang="en-US"/>
           </a:p>
@@ -885,7 +885,7 @@
           <a:p>
             <a:fld id="{61D7E66B-7281-C246-884E-91E9A1EB29D8}" type="datetimeFigureOut">
               <a:rPr lang="en-US" smtClean="0"/>
-              <a:t>7/5/2025</a:t>
+              <a:t>7/6/2025</a:t>
             </a:fld>
             <a:endParaRPr lang="en-US"/>
           </a:p>
@@ -1065,7 +1065,7 @@
           <a:p>
             <a:fld id="{61D7E66B-7281-C246-884E-91E9A1EB29D8}" type="datetimeFigureOut">
               <a:rPr lang="en-US" smtClean="0"/>
-              <a:t>7/5/2025</a:t>
+              <a:t>7/6/2025</a:t>
             </a:fld>
             <a:endParaRPr lang="en-US"/>
           </a:p>
@@ -1235,7 +1235,7 @@
           <a:p>
             <a:fld id="{61D7E66B-7281-C246-884E-91E9A1EB29D8}" type="datetimeFigureOut">
               <a:rPr lang="en-US" smtClean="0"/>
-              <a:t>7/5/2025</a:t>
+              <a:t>7/6/2025</a:t>
             </a:fld>
             <a:endParaRPr lang="en-US"/>
           </a:p>
@@ -1479,7 +1479,7 @@
           <a:p>
             <a:fld id="{61D7E66B-7281-C246-884E-91E9A1EB29D8}" type="datetimeFigureOut">
               <a:rPr lang="en-US" smtClean="0"/>
-              <a:t>7/5/2025</a:t>
+              <a:t>7/6/2025</a:t>
             </a:fld>
             <a:endParaRPr lang="en-US"/>
           </a:p>
@@ -1711,7 +1711,7 @@
           <a:p>
             <a:fld id="{61D7E66B-7281-C246-884E-91E9A1EB29D8}" type="datetimeFigureOut">
               <a:rPr lang="en-US" smtClean="0"/>
-              <a:t>7/5/2025</a:t>
+              <a:t>7/6/2025</a:t>
             </a:fld>
             <a:endParaRPr lang="en-US"/>
           </a:p>
@@ -2078,7 +2078,7 @@
           <a:p>
             <a:fld id="{61D7E66B-7281-C246-884E-91E9A1EB29D8}" type="datetimeFigureOut">
               <a:rPr lang="en-US" smtClean="0"/>
-              <a:t>7/5/2025</a:t>
+              <a:t>7/6/2025</a:t>
             </a:fld>
             <a:endParaRPr lang="en-US"/>
           </a:p>
@@ -2196,7 +2196,7 @@
           <a:p>
             <a:fld id="{61D7E66B-7281-C246-884E-91E9A1EB29D8}" type="datetimeFigureOut">
               <a:rPr lang="en-US" smtClean="0"/>
-              <a:t>7/5/2025</a:t>
+              <a:t>7/6/2025</a:t>
             </a:fld>
             <a:endParaRPr lang="en-US"/>
           </a:p>
@@ -2291,7 +2291,7 @@
           <a:p>
             <a:fld id="{61D7E66B-7281-C246-884E-91E9A1EB29D8}" type="datetimeFigureOut">
               <a:rPr lang="en-US" smtClean="0"/>
-              <a:t>7/5/2025</a:t>
+              <a:t>7/6/2025</a:t>
             </a:fld>
             <a:endParaRPr lang="en-US"/>
           </a:p>
@@ -2568,7 +2568,7 @@
           <a:p>
             <a:fld id="{61D7E66B-7281-C246-884E-91E9A1EB29D8}" type="datetimeFigureOut">
               <a:rPr lang="en-US" smtClean="0"/>
-              <a:t>7/5/2025</a:t>
+              <a:t>7/6/2025</a:t>
             </a:fld>
             <a:endParaRPr lang="en-US"/>
           </a:p>
@@ -2825,7 +2825,7 @@
           <a:p>
             <a:fld id="{61D7E66B-7281-C246-884E-91E9A1EB29D8}" type="datetimeFigureOut">
               <a:rPr lang="en-US" smtClean="0"/>
-              <a:t>7/5/2025</a:t>
+              <a:t>7/6/2025</a:t>
             </a:fld>
             <a:endParaRPr lang="en-US"/>
           </a:p>
@@ -3038,7 +3038,7 @@
           <a:p>
             <a:fld id="{61D7E66B-7281-C246-884E-91E9A1EB29D8}" type="datetimeFigureOut">
               <a:rPr lang="en-US" smtClean="0"/>
-              <a:t>7/5/2025</a:t>
+              <a:t>7/6/2025</a:t>
             </a:fld>
             <a:endParaRPr lang="en-US"/>
           </a:p>
@@ -3500,7 +3500,7 @@
           <a:lstStyle/>
           <a:p>
             <a:pPr algn="ctr"/>
-            <a:endParaRPr lang="en-GB" noProof="0" dirty="0"/>
+            <a:endParaRPr lang="en-US" noProof="0" dirty="0"/>
           </a:p>
         </p:txBody>
       </p:sp>
@@ -3526,7 +3526,7 @@
         </p:blipFill>
         <p:spPr>
           <a:xfrm>
-            <a:off x="24432036" y="35857778"/>
+            <a:off x="24432036" y="34509038"/>
             <a:ext cx="5494984" cy="3089708"/>
           </a:xfrm>
           <a:prstGeom prst="rect">
@@ -3548,7 +3548,7 @@
         </p:nvSpPr>
         <p:spPr>
           <a:xfrm>
-            <a:off x="568333" y="27643718"/>
+            <a:off x="568333" y="26294978"/>
             <a:ext cx="14518173" cy="14571082"/>
           </a:xfrm>
           <a:prstGeom prst="roundRect">
@@ -3586,7 +3586,7 @@
           <a:lstStyle/>
           <a:p>
             <a:pPr algn="ctr"/>
-            <a:endParaRPr lang="en-GB" noProof="0" dirty="0"/>
+            <a:endParaRPr lang="en-US" noProof="0" dirty="0"/>
           </a:p>
         </p:txBody>
       </p:sp>
@@ -3604,7 +3604,7 @@
         </p:nvSpPr>
         <p:spPr>
           <a:xfrm>
-            <a:off x="15747588" y="27732209"/>
+            <a:off x="15747588" y="26383469"/>
             <a:ext cx="13858989" cy="7375456"/>
           </a:xfrm>
           <a:prstGeom prst="roundRect">
@@ -3642,7 +3642,7 @@
           <a:lstStyle/>
           <a:p>
             <a:pPr algn="ctr"/>
-            <a:endParaRPr lang="en-GB" noProof="0" dirty="0"/>
+            <a:endParaRPr lang="en-US" noProof="0" dirty="0"/>
           </a:p>
         </p:txBody>
       </p:sp>
@@ -3660,7 +3660,7 @@
         </p:nvSpPr>
         <p:spPr>
           <a:xfrm>
-            <a:off x="15765564" y="35908634"/>
+            <a:off x="15765564" y="34559894"/>
             <a:ext cx="8275536" cy="6306166"/>
           </a:xfrm>
           <a:prstGeom prst="roundRect">
@@ -3698,7 +3698,7 @@
           <a:lstStyle/>
           <a:p>
             <a:pPr algn="ctr"/>
-            <a:endParaRPr lang="en-GB" noProof="0" dirty="0"/>
+            <a:endParaRPr lang="en-US" noProof="0" dirty="0"/>
           </a:p>
         </p:txBody>
       </p:sp>
@@ -3716,8 +3716,8 @@
         </p:nvSpPr>
         <p:spPr>
           <a:xfrm>
-            <a:off x="568333" y="13949423"/>
-            <a:ext cx="29054323" cy="13032673"/>
+            <a:off x="588255" y="14136795"/>
+            <a:ext cx="29054323" cy="11148358"/>
           </a:xfrm>
           <a:prstGeom prst="roundRect">
             <a:avLst>
@@ -3754,7 +3754,7 @@
           <a:lstStyle/>
           <a:p>
             <a:pPr algn="ctr"/>
-            <a:endParaRPr lang="en-GB" noProof="0" dirty="0"/>
+            <a:endParaRPr lang="en-US" noProof="0" dirty="0"/>
           </a:p>
         </p:txBody>
       </p:sp>
@@ -3811,89 +3811,8 @@
           <a:p>
             <a:pPr algn="ctr"/>
             <a:r>
-              <a:rPr lang="en-GB" noProof="0" dirty="0"/>
+              <a:rPr lang="en-US" noProof="0" dirty="0"/>
               <a:t> </a:t>
-            </a:r>
-          </a:p>
-        </p:txBody>
-      </p:sp>
-      <p:sp>
-        <p:nvSpPr>
-          <p:cNvPr id="15" name="TextBox 14">
-            <a:extLst>
-              <a:ext uri="{FF2B5EF4-FFF2-40B4-BE49-F238E27FC236}">
-                <a16:creationId xmlns:a16="http://schemas.microsoft.com/office/drawing/2014/main" id="{3266CA6B-CD5B-4C4E-31A8-5C8845710CDB}"/>
-              </a:ext>
-            </a:extLst>
-          </p:cNvPr>
-          <p:cNvSpPr txBox="1"/>
-          <p:nvPr/>
-        </p:nvSpPr>
-        <p:spPr>
-          <a:xfrm>
-            <a:off x="1194287" y="8821187"/>
-            <a:ext cx="8066592" cy="3046988"/>
-          </a:xfrm>
-          <a:prstGeom prst="rect">
-            <a:avLst/>
-          </a:prstGeom>
-          <a:noFill/>
-          <a:ln>
-            <a:noFill/>
-          </a:ln>
-        </p:spPr>
-        <p:txBody>
-          <a:bodyPr wrap="square">
-            <a:spAutoFit/>
-          </a:bodyPr>
-          <a:lstStyle/>
-          <a:p>
-            <a:pPr marL="342900" indent="-342900">
-              <a:buFont typeface="Arial" panose="020B0604020202020204" pitchFamily="34" charset="0"/>
-              <a:buChar char="•"/>
-            </a:pPr>
-            <a:r>
-              <a:rPr lang="en-GB" sz="2400" noProof="0" dirty="0"/>
-              <a:t>„We want to extract RNA-dependent proteins from proteomic screens”</a:t>
-            </a:r>
-          </a:p>
-          <a:p>
-            <a:pPr marL="342900" indent="-342900">
-              <a:buFont typeface="Arial" panose="020B0604020202020204" pitchFamily="34" charset="0"/>
-              <a:buChar char="•"/>
-            </a:pPr>
-            <a:r>
-              <a:rPr lang="en-GB" sz="2400" noProof="0" dirty="0"/>
-              <a:t>„RNA-dependency = the proteins interactome depends on RNA“</a:t>
-            </a:r>
-          </a:p>
-          <a:p>
-            <a:endParaRPr lang="en-GB" sz="2400" b="1" noProof="0" dirty="0"/>
-          </a:p>
-          <a:p>
-            <a:r>
-              <a:rPr lang="en-GB" sz="2400" b="1" dirty="0"/>
-              <a:t>Key Characteristics of Our Dataset</a:t>
-            </a:r>
-          </a:p>
-          <a:p>
-            <a:pPr marL="457200" indent="-457200">
-              <a:buFont typeface="Arial" panose="020B0604020202020204" pitchFamily="34" charset="0"/>
-              <a:buChar char="•"/>
-            </a:pPr>
-            <a:r>
-              <a:rPr lang="en-GB" sz="2400" dirty="0"/>
-              <a:t>Our dataset was generated using the R-Deep approach</a:t>
-            </a:r>
-          </a:p>
-          <a:p>
-            <a:pPr marL="457200" indent="-457200">
-              <a:buFont typeface="Arial" panose="020B0604020202020204" pitchFamily="34" charset="0"/>
-              <a:buChar char="•"/>
-            </a:pPr>
-            <a:r>
-              <a:rPr lang="en-GB" sz="2400" dirty="0"/>
-              <a:t>~5000 proteins in 25 fractions, RNASE vs. CTRL</a:t>
             </a:r>
           </a:p>
         </p:txBody>
@@ -3912,7 +3831,7 @@
         </p:nvSpPr>
         <p:spPr>
           <a:xfrm>
-            <a:off x="15977907" y="37738473"/>
+            <a:off x="15977907" y="36389733"/>
             <a:ext cx="7850849" cy="4401205"/>
           </a:xfrm>
           <a:prstGeom prst="rect">
@@ -3934,7 +3853,7 @@
               <a:buChar char="•"/>
             </a:pPr>
             <a:r>
-              <a:rPr lang="en-GB" sz="2000" noProof="0" dirty="0" err="1">
+              <a:rPr lang="en-US" sz="2000" noProof="0" dirty="0" err="1">
                 <a:solidFill>
                   <a:schemeClr val="tx1">
                     <a:lumMod val="65000"/>
@@ -3945,7 +3864,7 @@
               <a:t>Sternburg</a:t>
             </a:r>
             <a:r>
-              <a:rPr lang="en-GB" sz="2000" noProof="0" dirty="0">
+              <a:rPr lang="en-US" sz="2000" noProof="0" dirty="0">
                 <a:solidFill>
                   <a:schemeClr val="tx1">
                     <a:lumMod val="65000"/>
@@ -3956,7 +3875,7 @@
               <a:t> </a:t>
             </a:r>
             <a:r>
-              <a:rPr lang="en-GB" sz="2000" i="1" noProof="0" dirty="0">
+              <a:rPr lang="en-US" sz="2000" i="1" noProof="0" dirty="0">
                 <a:solidFill>
                   <a:schemeClr val="tx1">
                     <a:lumMod val="65000"/>
@@ -3967,7 +3886,7 @@
               <a:t>et</a:t>
             </a:r>
             <a:r>
-              <a:rPr lang="en-GB" sz="2000" noProof="0" dirty="0">
+              <a:rPr lang="en-US" sz="2000" noProof="0" dirty="0">
                 <a:solidFill>
                   <a:schemeClr val="tx1">
                     <a:lumMod val="65000"/>
@@ -3978,7 +3897,7 @@
               <a:t> </a:t>
             </a:r>
             <a:r>
-              <a:rPr lang="en-GB" sz="2000" i="1" noProof="0" dirty="0">
+              <a:rPr lang="en-US" sz="2000" i="1" noProof="0" dirty="0">
                 <a:solidFill>
                   <a:schemeClr val="tx1">
                     <a:lumMod val="65000"/>
@@ -3989,7 +3908,7 @@
               <a:t>al., </a:t>
             </a:r>
             <a:r>
-              <a:rPr lang="en-GB" sz="2000" noProof="0" dirty="0">
+              <a:rPr lang="en-US" sz="2000" noProof="0" dirty="0">
                 <a:solidFill>
                   <a:schemeClr val="tx1">
                     <a:lumMod val="65000"/>
@@ -4006,7 +3925,7 @@
               <a:buChar char="•"/>
             </a:pPr>
             <a:r>
-              <a:rPr lang="en-GB" sz="2000" noProof="0" dirty="0">
+              <a:rPr lang="en-US" sz="2000" noProof="0" dirty="0">
                 <a:solidFill>
                   <a:schemeClr val="tx1">
                     <a:lumMod val="65000"/>
@@ -4017,7 +3936,7 @@
               <a:t>Caudron-Herger </a:t>
             </a:r>
             <a:r>
-              <a:rPr lang="en-GB" sz="2000" i="1" noProof="0" dirty="0">
+              <a:rPr lang="en-US" sz="2000" i="1" noProof="0" dirty="0">
                 <a:solidFill>
                   <a:schemeClr val="tx1">
                     <a:lumMod val="65000"/>
@@ -4028,7 +3947,7 @@
               <a:t>et al., </a:t>
             </a:r>
             <a:r>
-              <a:rPr lang="en-GB" sz="2000" noProof="0" dirty="0">
+              <a:rPr lang="en-US" sz="2000" noProof="0" dirty="0">
                 <a:solidFill>
                   <a:schemeClr val="tx1">
                     <a:lumMod val="65000"/>
@@ -4039,7 +3958,7 @@
               <a:t>R-</a:t>
             </a:r>
             <a:r>
-              <a:rPr lang="en-GB" sz="2000" noProof="0" dirty="0" err="1">
+              <a:rPr lang="en-US" sz="2000" noProof="0" dirty="0" err="1">
                 <a:solidFill>
                   <a:schemeClr val="tx1">
                     <a:lumMod val="65000"/>
@@ -4050,7 +3969,7 @@
               <a:t>DeeP</a:t>
             </a:r>
             <a:r>
-              <a:rPr lang="en-GB" sz="2000" noProof="0" dirty="0">
+              <a:rPr lang="en-US" sz="2000" noProof="0" dirty="0">
                 <a:solidFill>
                   <a:schemeClr val="tx1">
                     <a:lumMod val="65000"/>
@@ -4067,7 +3986,7 @@
               <a:buChar char="•"/>
             </a:pPr>
             <a:r>
-              <a:rPr lang="en-GB" sz="2000" noProof="0" dirty="0">
+              <a:rPr lang="en-US" sz="2000" noProof="0" dirty="0">
                 <a:solidFill>
                   <a:schemeClr val="tx1">
                     <a:lumMod val="65000"/>
@@ -4078,7 +3997,7 @@
               <a:t>Caudron-Herger </a:t>
             </a:r>
             <a:r>
-              <a:rPr lang="en-GB" sz="2000" i="1" noProof="0" dirty="0">
+              <a:rPr lang="en-US" sz="2000" i="1" noProof="0" dirty="0">
                 <a:solidFill>
                   <a:schemeClr val="tx1">
                     <a:lumMod val="65000"/>
@@ -4089,7 +4008,7 @@
               <a:t>et al., </a:t>
             </a:r>
             <a:r>
-              <a:rPr lang="en-GB" sz="2000" noProof="0" dirty="0">
+              <a:rPr lang="en-US" sz="2000" noProof="0" dirty="0">
                 <a:solidFill>
                   <a:schemeClr val="tx1">
                     <a:lumMod val="65000"/>
@@ -4106,7 +4025,7 @@
               <a:buChar char="•"/>
             </a:pPr>
             <a:r>
-              <a:rPr lang="en-GB" sz="2000" noProof="0" dirty="0">
+              <a:rPr lang="en-US" sz="2000" noProof="0" dirty="0">
                 <a:solidFill>
                   <a:schemeClr val="tx1">
                     <a:lumMod val="65000"/>
@@ -4117,7 +4036,7 @@
               <a:t>Corley </a:t>
             </a:r>
             <a:r>
-              <a:rPr lang="en-GB" sz="2000" i="1" noProof="0" dirty="0">
+              <a:rPr lang="en-US" sz="2000" i="1" noProof="0" dirty="0">
                 <a:solidFill>
                   <a:schemeClr val="tx1">
                     <a:lumMod val="65000"/>
@@ -4128,7 +4047,7 @@
               <a:t>et al.</a:t>
             </a:r>
             <a:r>
-              <a:rPr lang="en-GB" sz="2000" noProof="0" dirty="0">
+              <a:rPr lang="en-US" sz="2000" noProof="0" dirty="0">
                 <a:solidFill>
                   <a:schemeClr val="tx1">
                     <a:lumMod val="65000"/>
@@ -4145,7 +4064,7 @@
               <a:buChar char="•"/>
             </a:pPr>
             <a:r>
-              <a:rPr lang="en-US" sz="2000" dirty="0">
+              <a:rPr lang="en-US" sz="2000" noProof="0" dirty="0">
                 <a:solidFill>
                   <a:schemeClr val="tx1">
                     <a:lumMod val="65000"/>
@@ -4156,7 +4075,7 @@
               <a:t>Rajagopal </a:t>
             </a:r>
             <a:r>
-              <a:rPr lang="en-US" sz="2000" i="1" dirty="0">
+              <a:rPr lang="en-US" sz="2000" i="1" noProof="0" dirty="0">
                 <a:solidFill>
                   <a:schemeClr val="tx1">
                     <a:lumMod val="65000"/>
@@ -4167,7 +4086,7 @@
               <a:t>et al.</a:t>
             </a:r>
             <a:r>
-              <a:rPr lang="en-US" sz="2000" dirty="0">
+              <a:rPr lang="en-US" sz="2000" noProof="0" dirty="0">
                 <a:solidFill>
                   <a:schemeClr val="tx1">
                     <a:lumMod val="65000"/>
@@ -4178,7 +4097,7 @@
               <a:t>, An atlas of RNA-dependent proteins in cell division reveals the </a:t>
             </a:r>
             <a:r>
-              <a:rPr lang="en-US" sz="2000" dirty="0" err="1">
+              <a:rPr lang="en-US" sz="2000" noProof="0" dirty="0" err="1">
                 <a:solidFill>
                   <a:schemeClr val="tx1">
                     <a:lumMod val="65000"/>
@@ -4189,7 +4108,7 @@
               <a:t>riboregulation</a:t>
             </a:r>
             <a:r>
-              <a:rPr lang="en-US" sz="2000" dirty="0">
+              <a:rPr lang="en-US" sz="2000" noProof="0" dirty="0">
                 <a:solidFill>
                   <a:schemeClr val="tx1">
                     <a:lumMod val="65000"/>
@@ -4199,188 +4118,6 @@
               </a:rPr>
               <a:t> of mitotic protein-protein interactions. Nat. Commun. 16, 2325 (2025).pdf</a:t>
             </a:r>
-          </a:p>
-        </p:txBody>
-      </p:sp>
-      <p:sp>
-        <p:nvSpPr>
-          <p:cNvPr id="19" name="TextBox 18">
-            <a:extLst>
-              <a:ext uri="{FF2B5EF4-FFF2-40B4-BE49-F238E27FC236}">
-                <a16:creationId xmlns:a16="http://schemas.microsoft.com/office/drawing/2014/main" id="{4E3C2313-EAE3-F59D-9502-9654E29EA4BA}"/>
-              </a:ext>
-            </a:extLst>
-          </p:cNvPr>
-          <p:cNvSpPr txBox="1"/>
-          <p:nvPr/>
-        </p:nvSpPr>
-        <p:spPr>
-          <a:xfrm>
-            <a:off x="16242586" y="29665022"/>
-            <a:ext cx="13142931" cy="3416320"/>
-          </a:xfrm>
-          <a:prstGeom prst="rect">
-            <a:avLst/>
-          </a:prstGeom>
-          <a:noFill/>
-          <a:ln>
-            <a:noFill/>
-          </a:ln>
-        </p:spPr>
-        <p:txBody>
-          <a:bodyPr wrap="square">
-            <a:spAutoFit/>
-          </a:bodyPr>
-          <a:lstStyle/>
-          <a:p>
-            <a:pPr marL="457200" indent="-457200">
-              <a:buFont typeface="Arial" panose="020B0604020202020204" pitchFamily="34" charset="0"/>
-              <a:buChar char="•"/>
-            </a:pPr>
-            <a:r>
-              <a:rPr lang="en-GB" sz="2400" noProof="0" dirty="0"/>
-              <a:t>We found 951 different </a:t>
-            </a:r>
-            <a:r>
-              <a:rPr lang="en-GB" sz="2400" dirty="0"/>
-              <a:t>RNA dependent proteins and 3814 proteins that are not RNA dependent</a:t>
-            </a:r>
-          </a:p>
-          <a:p>
-            <a:pPr marL="457200" indent="-457200">
-              <a:buFont typeface="Arial" panose="020B0604020202020204" pitchFamily="34" charset="0"/>
-              <a:buChar char="•"/>
-            </a:pPr>
-            <a:r>
-              <a:rPr lang="en-GB" sz="2400" dirty="0"/>
-              <a:t>Our selection criteria seem to work well for detecting RNA dependent proteins and they can be continued to be used in the future</a:t>
-            </a:r>
-          </a:p>
-          <a:p>
-            <a:pPr marL="457200" indent="-457200">
-              <a:buFont typeface="Arial" panose="020B0604020202020204" pitchFamily="34" charset="0"/>
-              <a:buChar char="•"/>
-            </a:pPr>
-            <a:endParaRPr lang="en-GB" sz="2400" noProof="0" dirty="0"/>
-          </a:p>
-          <a:p>
-            <a:r>
-              <a:rPr lang="en-GB" sz="2400" dirty="0"/>
-              <a:t>The future will show, if one of our RNA dependent proteins is tied to cancer or included in another important pathway. </a:t>
-            </a:r>
-            <a:r>
-              <a:rPr lang="en-US" sz="2400" dirty="0"/>
-              <a:t>All in all, it can be said that the further identification of RNA-dependent proteins continues to be of great relevance in cancer and basic research.</a:t>
-            </a:r>
-            <a:endParaRPr lang="en-GB" sz="2400" noProof="0" dirty="0"/>
-          </a:p>
-          <a:p>
-            <a:r>
-              <a:rPr lang="en-GB" sz="2400" noProof="0" dirty="0">
-                <a:sym typeface="Wingdings" panose="05000000000000000000" pitchFamily="2" charset="2"/>
-              </a:rPr>
-              <a:t> Wenn </a:t>
-            </a:r>
-            <a:r>
-              <a:rPr lang="en-GB" sz="2400" noProof="0" dirty="0" err="1">
-                <a:sym typeface="Wingdings" panose="05000000000000000000" pitchFamily="2" charset="2"/>
-              </a:rPr>
-              <a:t>ihr</a:t>
-            </a:r>
-            <a:r>
-              <a:rPr lang="en-GB" sz="2400" noProof="0" dirty="0">
-                <a:sym typeface="Wingdings" panose="05000000000000000000" pitchFamily="2" charset="2"/>
-              </a:rPr>
-              <a:t> </a:t>
-            </a:r>
-            <a:r>
-              <a:rPr lang="en-GB" sz="2400" noProof="0" dirty="0" err="1">
-                <a:sym typeface="Wingdings" panose="05000000000000000000" pitchFamily="2" charset="2"/>
-              </a:rPr>
-              <a:t>mehr</a:t>
-            </a:r>
-            <a:r>
-              <a:rPr lang="en-GB" sz="2400" noProof="0" dirty="0">
-                <a:sym typeface="Wingdings" panose="05000000000000000000" pitchFamily="2" charset="2"/>
-              </a:rPr>
-              <a:t> achievements </a:t>
-            </a:r>
-            <a:r>
-              <a:rPr lang="en-GB" sz="2400" noProof="0" dirty="0" err="1">
-                <a:sym typeface="Wingdings" panose="05000000000000000000" pitchFamily="2" charset="2"/>
-              </a:rPr>
-              <a:t>findet</a:t>
-            </a:r>
-            <a:r>
-              <a:rPr lang="en-GB" sz="2400" noProof="0" dirty="0">
-                <a:sym typeface="Wingdings" panose="05000000000000000000" pitchFamily="2" charset="2"/>
-              </a:rPr>
-              <a:t>, </a:t>
-            </a:r>
-            <a:r>
-              <a:rPr lang="en-GB" sz="2400" noProof="0" dirty="0" err="1">
-                <a:sym typeface="Wingdings" panose="05000000000000000000" pitchFamily="2" charset="2"/>
-              </a:rPr>
-              <a:t>könnt</a:t>
-            </a:r>
-            <a:r>
-              <a:rPr lang="en-GB" sz="2400" noProof="0" dirty="0">
-                <a:sym typeface="Wingdings" panose="05000000000000000000" pitchFamily="2" charset="2"/>
-              </a:rPr>
-              <a:t> </a:t>
-            </a:r>
-            <a:r>
-              <a:rPr lang="en-GB" sz="2400" noProof="0" dirty="0" err="1">
-                <a:sym typeface="Wingdings" panose="05000000000000000000" pitchFamily="2" charset="2"/>
-              </a:rPr>
-              <a:t>ihr</a:t>
-            </a:r>
-            <a:r>
-              <a:rPr lang="en-GB" sz="2400" noProof="0" dirty="0">
-                <a:sym typeface="Wingdings" panose="05000000000000000000" pitchFamily="2" charset="2"/>
-              </a:rPr>
-              <a:t> den </a:t>
-            </a:r>
-            <a:r>
-              <a:rPr lang="en-GB" sz="2400" noProof="0" dirty="0" err="1">
-                <a:sym typeface="Wingdings" panose="05000000000000000000" pitchFamily="2" charset="2"/>
-              </a:rPr>
-              <a:t>letzten</a:t>
-            </a:r>
-            <a:r>
-              <a:rPr lang="en-GB" sz="2400" noProof="0" dirty="0">
-                <a:sym typeface="Wingdings" panose="05000000000000000000" pitchFamily="2" charset="2"/>
-              </a:rPr>
-              <a:t> text </a:t>
-            </a:r>
-            <a:r>
-              <a:rPr lang="en-GB" sz="2400" noProof="0" dirty="0" err="1">
-                <a:sym typeface="Wingdings" panose="05000000000000000000" pitchFamily="2" charset="2"/>
-              </a:rPr>
-              <a:t>auch</a:t>
-            </a:r>
-            <a:r>
-              <a:rPr lang="en-GB" sz="2400" noProof="0" dirty="0">
-                <a:sym typeface="Wingdings" panose="05000000000000000000" pitchFamily="2" charset="2"/>
-              </a:rPr>
-              <a:t> </a:t>
-            </a:r>
-            <a:r>
-              <a:rPr lang="en-GB" sz="2400" noProof="0" dirty="0" err="1">
-                <a:sym typeface="Wingdings" panose="05000000000000000000" pitchFamily="2" charset="2"/>
-              </a:rPr>
-              <a:t>rauslöschen</a:t>
-            </a:r>
-            <a:r>
-              <a:rPr lang="en-GB" sz="2400" noProof="0" dirty="0">
-                <a:sym typeface="Wingdings" panose="05000000000000000000" pitchFamily="2" charset="2"/>
-              </a:rPr>
-              <a:t>. </a:t>
-            </a:r>
-            <a:endParaRPr lang="en-GB" sz="2400" noProof="0" dirty="0"/>
-          </a:p>
-          <a:p>
-            <a:endParaRPr lang="en-GB" sz="2400" b="1" noProof="0" dirty="0"/>
           </a:p>
         </p:txBody>
       </p:sp>
@@ -4434,14 +4171,14 @@
           <a:lstStyle/>
           <a:p>
             <a:r>
-              <a:rPr lang="en-GB" sz="6000" b="1" noProof="0" dirty="0"/>
+              <a:rPr lang="en-US" sz="6000" b="1" noProof="0" dirty="0"/>
               <a:t>                   Identifying RNA-Dependent Proteins from Proteomic Data</a:t>
             </a:r>
-            <a:endParaRPr lang="en-GB" sz="1500" b="1" noProof="0" dirty="0"/>
+            <a:endParaRPr lang="en-US" sz="1500" b="1" noProof="0" dirty="0"/>
           </a:p>
           <a:p>
             <a:pPr algn="ctr"/>
-            <a:endParaRPr lang="en-GB" sz="1000" b="1" noProof="0" dirty="0"/>
+            <a:endParaRPr lang="en-US" sz="1000" b="1" noProof="0" dirty="0"/>
           </a:p>
         </p:txBody>
       </p:sp>
@@ -4459,8 +4196,8 @@
         </p:nvSpPr>
         <p:spPr>
           <a:xfrm>
-            <a:off x="668635" y="13907015"/>
-            <a:ext cx="28937944" cy="1430255"/>
+            <a:off x="668635" y="14109884"/>
+            <a:ext cx="28937944" cy="1242626"/>
           </a:xfrm>
           <a:prstGeom prst="roundRect">
             <a:avLst>
@@ -4495,14 +4232,14 @@
           <a:lstStyle/>
           <a:p>
             <a:r>
-              <a:rPr lang="en-GB" sz="6000" b="1" noProof="0" dirty="0"/>
-              <a:t>                  Our Approach</a:t>
-            </a:r>
-            <a:endParaRPr lang="en-GB" sz="1500" b="1" noProof="0" dirty="0"/>
+              <a:rPr lang="en-US" sz="6000" b="1" noProof="0" dirty="0"/>
+              <a:t>                  Our Approach and Results</a:t>
+            </a:r>
+            <a:endParaRPr lang="en-US" sz="1500" b="1" noProof="0" dirty="0"/>
           </a:p>
           <a:p>
             <a:pPr algn="ctr"/>
-            <a:endParaRPr lang="en-GB" sz="1000" b="1" noProof="0" dirty="0"/>
+            <a:endParaRPr lang="en-US" sz="1000" b="1" noProof="0" dirty="0"/>
           </a:p>
         </p:txBody>
       </p:sp>
@@ -4520,7 +4257,7 @@
         </p:nvSpPr>
         <p:spPr>
           <a:xfrm>
-            <a:off x="668636" y="27643718"/>
+            <a:off x="668636" y="26294978"/>
             <a:ext cx="14468970" cy="1430255"/>
           </a:xfrm>
           <a:prstGeom prst="roundRect">
@@ -4556,13 +4293,13 @@
           <a:lstStyle/>
           <a:p>
             <a:r>
-              <a:rPr lang="en-GB" sz="6000" b="1" noProof="0" dirty="0"/>
+              <a:rPr lang="en-US" sz="6000" b="1" noProof="0" dirty="0"/>
               <a:t>                  Discussion</a:t>
             </a:r>
-            <a:endParaRPr lang="en-GB" sz="1500" b="1" noProof="0" dirty="0"/>
-          </a:p>
-          <a:p>
-            <a:endParaRPr lang="en-GB" sz="1000" b="1" noProof="0" dirty="0"/>
+            <a:endParaRPr lang="en-US" sz="1500" b="1" noProof="0" dirty="0"/>
+          </a:p>
+          <a:p>
+            <a:endParaRPr lang="en-US" sz="1000" b="1" noProof="0" dirty="0"/>
           </a:p>
         </p:txBody>
       </p:sp>
@@ -4580,7 +4317,7 @@
         </p:nvSpPr>
         <p:spPr>
           <a:xfrm>
-            <a:off x="15765564" y="27736897"/>
+            <a:off x="15765564" y="26388157"/>
             <a:ext cx="13841013" cy="1430255"/>
           </a:xfrm>
           <a:prstGeom prst="roundRect">
@@ -4616,10 +4353,10 @@
           <a:lstStyle/>
           <a:p>
             <a:r>
-              <a:rPr lang="en-GB" sz="6000" b="1" noProof="0" dirty="0"/>
+              <a:rPr lang="en-US" sz="6000" b="1" noProof="0" dirty="0"/>
               <a:t>                 Our Achievements</a:t>
             </a:r>
-            <a:endParaRPr lang="en-GB" sz="1000" b="1" noProof="0" dirty="0"/>
+            <a:endParaRPr lang="en-US" sz="1000" b="1" noProof="0" dirty="0"/>
           </a:p>
         </p:txBody>
       </p:sp>
@@ -4637,7 +4374,7 @@
         </p:nvSpPr>
         <p:spPr>
           <a:xfrm>
-            <a:off x="15841730" y="35857778"/>
+            <a:off x="15841730" y="34509038"/>
             <a:ext cx="8199369" cy="1430255"/>
           </a:xfrm>
           <a:prstGeom prst="roundRect">
@@ -4673,10 +4410,10 @@
           <a:lstStyle/>
           <a:p>
             <a:r>
-              <a:rPr lang="en-GB" sz="6000" b="1" noProof="0" dirty="0"/>
+              <a:rPr lang="en-US" sz="6000" b="1" noProof="0" dirty="0"/>
               <a:t>                 References</a:t>
             </a:r>
-            <a:endParaRPr lang="en-GB" sz="1000" b="1" noProof="0" dirty="0"/>
+            <a:endParaRPr lang="en-US" sz="1000" b="1" noProof="0" dirty="0"/>
           </a:p>
         </p:txBody>
       </p:sp>
@@ -4728,7 +4465,7 @@
           </a:lstStyle>
           <a:p>
             <a:r>
-              <a:rPr lang="en-GB" sz="8000" b="1" noProof="0" dirty="0">
+              <a:rPr lang="en-US" sz="8000" b="1" noProof="0" dirty="0">
                 <a:solidFill>
                   <a:schemeClr val="bg1"/>
                 </a:solidFill>
@@ -4738,7 +4475,7 @@
           </a:p>
           <a:p>
             <a:r>
-              <a:rPr lang="en-GB" sz="8000" b="1" noProof="0" dirty="0">
+              <a:rPr lang="en-US" sz="8000" b="1" noProof="0" dirty="0">
                 <a:solidFill>
                   <a:schemeClr val="bg1"/>
                 </a:solidFill>
@@ -4748,7 +4485,7 @@
           </a:p>
           <a:p>
             <a:r>
-              <a:rPr lang="en-GB" sz="8000" b="1" noProof="0" dirty="0">
+              <a:rPr lang="en-US" sz="8000" b="1" noProof="0" dirty="0">
                 <a:solidFill>
                   <a:schemeClr val="bg1"/>
                 </a:solidFill>
@@ -4806,7 +4543,7 @@
           </a:lstStyle>
           <a:p>
             <a:r>
-              <a:rPr lang="en-GB" sz="2800" noProof="0" dirty="0">
+              <a:rPr lang="en-US" sz="2800" noProof="0" dirty="0">
                 <a:solidFill>
                   <a:schemeClr val="bg1"/>
                 </a:solidFill>
@@ -4816,7 +4553,7 @@
           </a:p>
           <a:p>
             <a:r>
-              <a:rPr lang="en-GB" sz="2800" noProof="0" dirty="0">
+              <a:rPr lang="en-US" sz="2800" noProof="0" dirty="0">
                 <a:solidFill>
                   <a:schemeClr val="bg1"/>
                 </a:solidFill>
@@ -4877,7 +4614,7 @@
           <a:p>
             <a:pPr algn="ctr"/>
             <a:r>
-              <a:rPr lang="en-GB" sz="7000" b="1" noProof="0" dirty="0">
+              <a:rPr lang="en-US" sz="7000" b="1" noProof="0" dirty="0">
                 <a:solidFill>
                   <a:srgbClr val="87081B"/>
                 </a:solidFill>
@@ -4889,10 +4626,10 @@
       </p:sp>
       <p:sp>
         <p:nvSpPr>
-          <p:cNvPr id="31" name="Flowchart: Connector 30">
+          <p:cNvPr id="32" name="Flowchart: Connector 31">
             <a:extLst>
               <a:ext uri="{FF2B5EF4-FFF2-40B4-BE49-F238E27FC236}">
-                <a16:creationId xmlns:a16="http://schemas.microsoft.com/office/drawing/2014/main" id="{D0D147AE-3111-67D2-0D06-B2CB3F7277CF}"/>
+                <a16:creationId xmlns:a16="http://schemas.microsoft.com/office/drawing/2014/main" id="{66C14411-35DC-3642-D835-CEC343073827}"/>
               </a:ext>
             </a:extLst>
           </p:cNvPr>
@@ -4901,7 +4638,7 @@
         </p:nvSpPr>
         <p:spPr>
           <a:xfrm>
-            <a:off x="1194288" y="13584696"/>
+            <a:off x="1194287" y="26050086"/>
             <a:ext cx="2006111" cy="1960592"/>
           </a:xfrm>
           <a:prstGeom prst="flowChartConnector">
@@ -4938,68 +4675,7 @@
           <a:p>
             <a:pPr algn="ctr"/>
             <a:r>
-              <a:rPr lang="en-GB" sz="7000" b="1" noProof="0" dirty="0">
-                <a:solidFill>
-                  <a:srgbClr val="120D31"/>
-                </a:solidFill>
-              </a:rPr>
-              <a:t>2</a:t>
-            </a:r>
-          </a:p>
-        </p:txBody>
-      </p:sp>
-      <p:sp>
-        <p:nvSpPr>
-          <p:cNvPr id="32" name="Flowchart: Connector 31">
-            <a:extLst>
-              <a:ext uri="{FF2B5EF4-FFF2-40B4-BE49-F238E27FC236}">
-                <a16:creationId xmlns:a16="http://schemas.microsoft.com/office/drawing/2014/main" id="{66C14411-35DC-3642-D835-CEC343073827}"/>
-              </a:ext>
-            </a:extLst>
-          </p:cNvPr>
-          <p:cNvSpPr/>
-          <p:nvPr/>
-        </p:nvSpPr>
-        <p:spPr>
-          <a:xfrm>
-            <a:off x="1194287" y="27398826"/>
-            <a:ext cx="2006111" cy="1960592"/>
-          </a:xfrm>
-          <a:prstGeom prst="flowChartConnector">
-            <a:avLst/>
-          </a:prstGeom>
-          <a:solidFill>
-            <a:schemeClr val="bg1"/>
-          </a:solidFill>
-          <a:ln w="254000">
-            <a:solidFill>
-              <a:srgbClr val="141F4C"/>
-            </a:solidFill>
-          </a:ln>
-        </p:spPr>
-        <p:style>
-          <a:lnRef idx="2">
-            <a:schemeClr val="accent1">
-              <a:shade val="15000"/>
-            </a:schemeClr>
-          </a:lnRef>
-          <a:fillRef idx="1">
-            <a:schemeClr val="accent1"/>
-          </a:fillRef>
-          <a:effectRef idx="0">
-            <a:schemeClr val="accent1"/>
-          </a:effectRef>
-          <a:fontRef idx="minor">
-            <a:schemeClr val="lt1"/>
-          </a:fontRef>
-        </p:style>
-        <p:txBody>
-          <a:bodyPr rtlCol="0" anchor="ctr"/>
-          <a:lstStyle/>
-          <a:p>
-            <a:pPr algn="ctr"/>
-            <a:r>
-              <a:rPr lang="en-GB" sz="7000" b="1" noProof="0" dirty="0">
+              <a:rPr lang="en-US" sz="7000" b="1" noProof="0" dirty="0">
                 <a:solidFill>
                   <a:srgbClr val="120D31"/>
                 </a:solidFill>
@@ -5023,7 +4699,7 @@
         </p:nvSpPr>
         <p:spPr>
           <a:xfrm>
-            <a:off x="16242587" y="27394687"/>
+            <a:off x="16242587" y="26045947"/>
             <a:ext cx="2006111" cy="1960592"/>
           </a:xfrm>
           <a:prstGeom prst="flowChartConnector">
@@ -5060,7 +4736,7 @@
           <a:p>
             <a:pPr algn="ctr"/>
             <a:r>
-              <a:rPr lang="en-GB" sz="7000" b="1" noProof="0" dirty="0">
+              <a:rPr lang="en-US" sz="7000" b="1" noProof="0" dirty="0">
                 <a:solidFill>
                   <a:srgbClr val="87081B"/>
                 </a:solidFill>
@@ -5084,7 +4760,7 @@
         </p:nvSpPr>
         <p:spPr>
           <a:xfrm>
-            <a:off x="16285627" y="35586126"/>
+            <a:off x="16285627" y="34237386"/>
             <a:ext cx="2006111" cy="1960592"/>
           </a:xfrm>
           <a:prstGeom prst="flowChartConnector">
@@ -5121,7 +4797,7 @@
           <a:p>
             <a:pPr algn="ctr"/>
             <a:r>
-              <a:rPr lang="en-GB" sz="7000" b="1" noProof="0" dirty="0">
+              <a:rPr lang="en-US" sz="7000" b="1" noProof="0" dirty="0">
                 <a:solidFill>
                   <a:srgbClr val="302F4D"/>
                 </a:solidFill>
@@ -5153,1005 +4829,8 @@
         </p:blipFill>
         <p:spPr>
           <a:xfrm>
-            <a:off x="24763588" y="39631299"/>
+            <a:off x="24763588" y="38282559"/>
             <a:ext cx="4636493" cy="2608026"/>
-          </a:xfrm>
-          <a:prstGeom prst="rect">
-            <a:avLst/>
-          </a:prstGeom>
-        </p:spPr>
-      </p:pic>
-      <p:grpSp>
-        <p:nvGrpSpPr>
-          <p:cNvPr id="102" name="Group 101">
-            <a:extLst>
-              <a:ext uri="{FF2B5EF4-FFF2-40B4-BE49-F238E27FC236}">
-                <a16:creationId xmlns:a16="http://schemas.microsoft.com/office/drawing/2014/main" id="{C99980D5-27D5-1B7D-E7A0-1A567824AF06}"/>
-              </a:ext>
-            </a:extLst>
-          </p:cNvPr>
-          <p:cNvGrpSpPr/>
-          <p:nvPr/>
-        </p:nvGrpSpPr>
-        <p:grpSpPr>
-          <a:xfrm>
-            <a:off x="18601187" y="7783368"/>
-            <a:ext cx="11005390" cy="5305541"/>
-            <a:chOff x="18016269" y="7768145"/>
-            <a:chExt cx="11005390" cy="5305541"/>
-          </a:xfrm>
-        </p:grpSpPr>
-        <p:grpSp>
-          <p:nvGrpSpPr>
-            <p:cNvPr id="100" name="Group 99">
-              <a:extLst>
-                <a:ext uri="{FF2B5EF4-FFF2-40B4-BE49-F238E27FC236}">
-                  <a16:creationId xmlns:a16="http://schemas.microsoft.com/office/drawing/2014/main" id="{242EF8FF-BCFB-A10C-B2E0-E90BA02AD9D5}"/>
-                </a:ext>
-              </a:extLst>
-            </p:cNvPr>
-            <p:cNvGrpSpPr/>
-            <p:nvPr/>
-          </p:nvGrpSpPr>
-          <p:grpSpPr>
-            <a:xfrm>
-              <a:off x="18016269" y="7768145"/>
-              <a:ext cx="10896006" cy="4121596"/>
-              <a:chOff x="18088459" y="8770337"/>
-              <a:chExt cx="10896006" cy="4121596"/>
-            </a:xfrm>
-          </p:grpSpPr>
-          <p:grpSp>
-            <p:nvGrpSpPr>
-              <p:cNvPr id="2" name="Group 1">
-                <a:extLst>
-                  <a:ext uri="{FF2B5EF4-FFF2-40B4-BE49-F238E27FC236}">
-                    <a16:creationId xmlns:a16="http://schemas.microsoft.com/office/drawing/2014/main" id="{192A5DA8-99E6-8902-C8D2-30D1944FA72F}"/>
-                  </a:ext>
-                </a:extLst>
-              </p:cNvPr>
-              <p:cNvGrpSpPr/>
-              <p:nvPr/>
-            </p:nvGrpSpPr>
-            <p:grpSpPr>
-              <a:xfrm>
-                <a:off x="18088459" y="8783552"/>
-                <a:ext cx="10896006" cy="4108381"/>
-                <a:chOff x="18442634" y="8936099"/>
-                <a:chExt cx="10896006" cy="4108381"/>
-              </a:xfrm>
-            </p:grpSpPr>
-            <p:pic>
-              <p:nvPicPr>
-                <p:cNvPr id="3" name="Picture 2" descr="A graph showing a line graph&#10;&#10;AI-generated content may be incorrect.">
-                  <a:extLst>
-                    <a:ext uri="{FF2B5EF4-FFF2-40B4-BE49-F238E27FC236}">
-                      <a16:creationId xmlns:a16="http://schemas.microsoft.com/office/drawing/2014/main" id="{991C7AA1-F05B-1BDA-3E10-B42BC5A4090A}"/>
-                    </a:ext>
-                  </a:extLst>
-                </p:cNvPr>
-                <p:cNvPicPr>
-                  <a:picLocks noChangeAspect="1"/>
-                </p:cNvPicPr>
-                <p:nvPr/>
-              </p:nvPicPr>
-              <p:blipFill>
-                <a:blip r:embed="rId5"/>
-                <a:stretch>
-                  <a:fillRect/>
-                </a:stretch>
-              </p:blipFill>
-              <p:spPr>
-                <a:xfrm>
-                  <a:off x="18442634" y="8936099"/>
-                  <a:ext cx="5475046" cy="4106284"/>
-                </a:xfrm>
-                <a:prstGeom prst="rect">
-                  <a:avLst/>
-                </a:prstGeom>
-              </p:spPr>
-            </p:pic>
-            <p:pic>
-              <p:nvPicPr>
-                <p:cNvPr id="5" name="Picture 4" descr="A graph of a line graph&#10;&#10;AI-generated content may be incorrect.">
-                  <a:extLst>
-                    <a:ext uri="{FF2B5EF4-FFF2-40B4-BE49-F238E27FC236}">
-                      <a16:creationId xmlns:a16="http://schemas.microsoft.com/office/drawing/2014/main" id="{62CEE539-29C1-9DCB-A6EA-E07AF162098D}"/>
-                    </a:ext>
-                  </a:extLst>
-                </p:cNvPr>
-                <p:cNvPicPr>
-                  <a:picLocks noChangeAspect="1"/>
-                </p:cNvPicPr>
-                <p:nvPr/>
-              </p:nvPicPr>
-              <p:blipFill>
-                <a:blip r:embed="rId6"/>
-                <a:stretch>
-                  <a:fillRect/>
-                </a:stretch>
-              </p:blipFill>
-              <p:spPr>
-                <a:xfrm>
-                  <a:off x="23863594" y="8938195"/>
-                  <a:ext cx="5475046" cy="4106285"/>
-                </a:xfrm>
-                <a:prstGeom prst="rect">
-                  <a:avLst/>
-                </a:prstGeom>
-              </p:spPr>
-            </p:pic>
-          </p:grpSp>
-          <p:sp>
-            <p:nvSpPr>
-              <p:cNvPr id="98" name="TextBox 97">
-                <a:extLst>
-                  <a:ext uri="{FF2B5EF4-FFF2-40B4-BE49-F238E27FC236}">
-                    <a16:creationId xmlns:a16="http://schemas.microsoft.com/office/drawing/2014/main" id="{49945A37-4C84-B8DB-0887-72307982F33E}"/>
-                  </a:ext>
-                </a:extLst>
-              </p:cNvPr>
-              <p:cNvSpPr txBox="1"/>
-              <p:nvPr/>
-            </p:nvSpPr>
-            <p:spPr>
-              <a:xfrm>
-                <a:off x="23828756" y="8770338"/>
-                <a:ext cx="390625" cy="461665"/>
-              </a:xfrm>
-              <a:prstGeom prst="rect">
-                <a:avLst/>
-              </a:prstGeom>
-              <a:noFill/>
-            </p:spPr>
-            <p:txBody>
-              <a:bodyPr wrap="square" rtlCol="0">
-                <a:spAutoFit/>
-              </a:bodyPr>
-              <a:lstStyle/>
-              <a:p>
-                <a:r>
-                  <a:rPr lang="en-GB" sz="2400" b="1" noProof="0" dirty="0"/>
-                  <a:t>B</a:t>
-                </a:r>
-              </a:p>
-            </p:txBody>
-          </p:sp>
-          <p:sp>
-            <p:nvSpPr>
-              <p:cNvPr id="99" name="TextBox 98">
-                <a:extLst>
-                  <a:ext uri="{FF2B5EF4-FFF2-40B4-BE49-F238E27FC236}">
-                    <a16:creationId xmlns:a16="http://schemas.microsoft.com/office/drawing/2014/main" id="{B1BEF744-BA9E-D30A-593C-00715AF3D0C6}"/>
-                  </a:ext>
-                </a:extLst>
-              </p:cNvPr>
-              <p:cNvSpPr txBox="1"/>
-              <p:nvPr/>
-            </p:nvSpPr>
-            <p:spPr>
-              <a:xfrm>
-                <a:off x="18438608" y="8770337"/>
-                <a:ext cx="625063" cy="461665"/>
-              </a:xfrm>
-              <a:prstGeom prst="rect">
-                <a:avLst/>
-              </a:prstGeom>
-              <a:noFill/>
-            </p:spPr>
-            <p:txBody>
-              <a:bodyPr wrap="square" rtlCol="0">
-                <a:spAutoFit/>
-              </a:bodyPr>
-              <a:lstStyle/>
-              <a:p>
-                <a:r>
-                  <a:rPr lang="en-GB" sz="2400" b="1" noProof="0" dirty="0"/>
-                  <a:t>1A</a:t>
-                </a:r>
-              </a:p>
-            </p:txBody>
-          </p:sp>
-        </p:grpSp>
-        <p:sp>
-          <p:nvSpPr>
-            <p:cNvPr id="101" name="TextBox 100">
-              <a:extLst>
-                <a:ext uri="{FF2B5EF4-FFF2-40B4-BE49-F238E27FC236}">
-                  <a16:creationId xmlns:a16="http://schemas.microsoft.com/office/drawing/2014/main" id="{8E63968E-4CFD-17D2-5181-A624A6E5CD59}"/>
-                </a:ext>
-              </a:extLst>
-            </p:cNvPr>
-            <p:cNvSpPr txBox="1"/>
-            <p:nvPr/>
-          </p:nvSpPr>
-          <p:spPr>
-            <a:xfrm>
-              <a:off x="18016269" y="11750247"/>
-              <a:ext cx="11005390" cy="1323439"/>
-            </a:xfrm>
-            <a:prstGeom prst="rect">
-              <a:avLst/>
-            </a:prstGeom>
-            <a:noFill/>
-          </p:spPr>
-          <p:txBody>
-            <a:bodyPr wrap="square" rtlCol="0">
-              <a:spAutoFit/>
-            </a:bodyPr>
-            <a:lstStyle/>
-            <a:p>
-              <a:r>
-                <a:rPr lang="en-GB" sz="2000" b="1" noProof="0" dirty="0"/>
-                <a:t>Fig. 1 </a:t>
-              </a:r>
-              <a:r>
-                <a:rPr lang="en-GB" sz="2000" noProof="0" dirty="0"/>
-                <a:t>Plot of protein in data set. The data </a:t>
-              </a:r>
-              <a:r>
-                <a:rPr lang="en-GB" sz="2000" dirty="0"/>
-                <a:t>has been </a:t>
-              </a:r>
-              <a:r>
-                <a:rPr lang="en-GB" sz="2000" noProof="0" dirty="0"/>
-                <a:t>cleaned and normalized beforehand.</a:t>
-              </a:r>
-            </a:p>
-            <a:p>
-              <a:endParaRPr lang="en-GB" sz="2000" noProof="0" dirty="0"/>
-            </a:p>
-            <a:p>
-              <a:r>
-                <a:rPr lang="en-GB" sz="2000" b="1" noProof="0" dirty="0"/>
-                <a:t>A) </a:t>
-              </a:r>
-              <a:r>
-                <a:rPr lang="en-GB" sz="2000" noProof="0" dirty="0"/>
-                <a:t>The protein NUCL_HUMAN is plotted. It is part of the selected proteins and shows a significant shift between RNASE and CTRL. </a:t>
-              </a:r>
-              <a:r>
-                <a:rPr lang="en-GB" sz="2000" b="1" noProof="0" dirty="0"/>
-                <a:t>B) </a:t>
-              </a:r>
-              <a:r>
-                <a:rPr lang="en-GB" sz="2000" noProof="0" dirty="0"/>
-                <a:t>The protein PRKDC_HUMAN is plotted and shows no significant shift.</a:t>
-              </a:r>
-            </a:p>
-          </p:txBody>
-        </p:sp>
-      </p:grpSp>
-      <p:sp>
-        <p:nvSpPr>
-          <p:cNvPr id="4" name="TextBox 3">
-            <a:extLst>
-              <a:ext uri="{FF2B5EF4-FFF2-40B4-BE49-F238E27FC236}">
-                <a16:creationId xmlns:a16="http://schemas.microsoft.com/office/drawing/2014/main" id="{5DCE0018-9FDC-A174-22C4-A966C06B4EBE}"/>
-              </a:ext>
-            </a:extLst>
-          </p:cNvPr>
-          <p:cNvSpPr txBox="1"/>
-          <p:nvPr/>
-        </p:nvSpPr>
-        <p:spPr>
-          <a:xfrm>
-            <a:off x="10157658" y="8267942"/>
-            <a:ext cx="7861189" cy="4154984"/>
-          </a:xfrm>
-          <a:prstGeom prst="rect">
-            <a:avLst/>
-          </a:prstGeom>
-          <a:noFill/>
-        </p:spPr>
-        <p:txBody>
-          <a:bodyPr wrap="square" rtlCol="0">
-            <a:spAutoFit/>
-          </a:bodyPr>
-          <a:lstStyle/>
-          <a:p>
-            <a:r>
-              <a:rPr lang="en-GB" sz="2400" b="1" dirty="0"/>
-              <a:t>What Makes RNA-Dependent Proteins Worth Investigating?</a:t>
-            </a:r>
-          </a:p>
-          <a:p>
-            <a:pPr marL="457200" indent="-457200">
-              <a:buFont typeface="Arial" panose="020B0604020202020204" pitchFamily="34" charset="0"/>
-              <a:buChar char="•"/>
-            </a:pPr>
-            <a:r>
-              <a:rPr lang="en-GB" sz="2400" b="1" dirty="0"/>
-              <a:t>Key Regulators:</a:t>
-            </a:r>
-            <a:r>
-              <a:rPr lang="en-GB" sz="2400" dirty="0"/>
-              <a:t> RBPs control RNA metabolism &amp; gene expression.</a:t>
-            </a:r>
-          </a:p>
-          <a:p>
-            <a:pPr marL="457200" indent="-457200">
-              <a:buFont typeface="Arial" panose="020B0604020202020204" pitchFamily="34" charset="0"/>
-              <a:buChar char="•"/>
-            </a:pPr>
-            <a:r>
-              <a:rPr lang="en-GB" sz="2400" b="1" dirty="0"/>
-              <a:t>Disease Links:</a:t>
-            </a:r>
-            <a:r>
-              <a:rPr lang="en-GB" sz="2400" dirty="0"/>
-              <a:t> </a:t>
-            </a:r>
-            <a:r>
-              <a:rPr lang="en-GB" sz="2400" dirty="0" err="1"/>
-              <a:t>Misregulation</a:t>
-            </a:r>
-            <a:r>
-              <a:rPr lang="en-GB" sz="2400" dirty="0"/>
-              <a:t> is tied to cancer &amp; neurodegeneration.</a:t>
-            </a:r>
-          </a:p>
-          <a:p>
-            <a:pPr marL="457200" indent="-457200">
-              <a:buFont typeface="Arial" panose="020B0604020202020204" pitchFamily="34" charset="0"/>
-              <a:buChar char="•"/>
-            </a:pPr>
-            <a:r>
-              <a:rPr lang="en-GB" sz="2400" b="1" dirty="0"/>
-              <a:t>Functional Clues:</a:t>
-            </a:r>
-            <a:r>
-              <a:rPr lang="en-GB" sz="2400" dirty="0"/>
-              <a:t> New RBPs hint at RNA’s role in specific pathways.</a:t>
-            </a:r>
-          </a:p>
-          <a:p>
-            <a:pPr marL="457200" indent="-457200">
-              <a:buFont typeface="Arial" panose="020B0604020202020204" pitchFamily="34" charset="0"/>
-              <a:buChar char="•"/>
-            </a:pPr>
-            <a:r>
-              <a:rPr lang="en-GB" sz="2400" b="1" dirty="0"/>
-              <a:t>Interaction Networks:</a:t>
-            </a:r>
-            <a:r>
-              <a:rPr lang="en-GB" sz="2400" dirty="0"/>
-              <a:t> Mapping RNA-protein complexes reveals regulatory logic. </a:t>
-            </a:r>
-          </a:p>
-          <a:p>
-            <a:pPr marL="457200" indent="-457200">
-              <a:buFont typeface="Arial" panose="020B0604020202020204" pitchFamily="34" charset="0"/>
-              <a:buChar char="•"/>
-            </a:pPr>
-            <a:r>
-              <a:rPr lang="en-GB" sz="2400" b="1" dirty="0"/>
-              <a:t>Molecular Insights:</a:t>
-            </a:r>
-            <a:r>
-              <a:rPr lang="en-GB" sz="2400" dirty="0"/>
-              <a:t> Deepens our understanding of cell cycle and cellular </a:t>
-            </a:r>
-            <a:r>
-              <a:rPr lang="en-GB" sz="2400" dirty="0" err="1"/>
-              <a:t>behavior</a:t>
-            </a:r>
-            <a:r>
-              <a:rPr lang="en-GB" sz="2400" dirty="0"/>
-              <a:t>.</a:t>
-            </a:r>
-            <a:endParaRPr lang="en-GB" b="1" dirty="0"/>
-          </a:p>
-        </p:txBody>
-      </p:sp>
-      <p:sp>
-        <p:nvSpPr>
-          <p:cNvPr id="62" name="Rectangle: Rounded Corners 61">
-            <a:extLst>
-              <a:ext uri="{FF2B5EF4-FFF2-40B4-BE49-F238E27FC236}">
-                <a16:creationId xmlns:a16="http://schemas.microsoft.com/office/drawing/2014/main" id="{A2AB7DFA-C636-8E28-F870-1DA91AAE408B}"/>
-              </a:ext>
-            </a:extLst>
-          </p:cNvPr>
-          <p:cNvSpPr/>
-          <p:nvPr/>
-        </p:nvSpPr>
-        <p:spPr>
-          <a:xfrm>
-            <a:off x="1000669" y="24183246"/>
-            <a:ext cx="2750329" cy="788879"/>
-          </a:xfrm>
-          <a:prstGeom prst="roundRect">
-            <a:avLst>
-              <a:gd name="adj" fmla="val 40815"/>
-            </a:avLst>
-          </a:prstGeom>
-          <a:solidFill>
-            <a:schemeClr val="bg1"/>
-          </a:solidFill>
-          <a:ln w="104775">
-            <a:solidFill>
-              <a:srgbClr val="842332"/>
-            </a:solidFill>
-          </a:ln>
-        </p:spPr>
-        <p:style>
-          <a:lnRef idx="2">
-            <a:schemeClr val="accent1">
-              <a:shade val="15000"/>
-            </a:schemeClr>
-          </a:lnRef>
-          <a:fillRef idx="1">
-            <a:schemeClr val="accent1"/>
-          </a:fillRef>
-          <a:effectRef idx="0">
-            <a:schemeClr val="accent1"/>
-          </a:effectRef>
-          <a:fontRef idx="minor">
-            <a:schemeClr val="lt1"/>
-          </a:fontRef>
-        </p:style>
-        <p:txBody>
-          <a:bodyPr rtlCol="0" anchor="ctr"/>
-          <a:lstStyle/>
-          <a:p>
-            <a:pPr algn="ctr"/>
-            <a:r>
-              <a:rPr lang="de-DE" sz="2400" dirty="0">
-                <a:solidFill>
-                  <a:srgbClr val="842332"/>
-                </a:solidFill>
-              </a:rPr>
-              <a:t>Center of Mass shift ≥ 3 fractions </a:t>
-            </a:r>
-          </a:p>
-        </p:txBody>
-      </p:sp>
-      <p:sp>
-        <p:nvSpPr>
-          <p:cNvPr id="63" name="Rectangle: Rounded Corners 62">
-            <a:extLst>
-              <a:ext uri="{FF2B5EF4-FFF2-40B4-BE49-F238E27FC236}">
-                <a16:creationId xmlns:a16="http://schemas.microsoft.com/office/drawing/2014/main" id="{859091FB-9D4E-7E67-8B83-8D1CCC725A11}"/>
-              </a:ext>
-            </a:extLst>
-          </p:cNvPr>
-          <p:cNvSpPr/>
-          <p:nvPr/>
-        </p:nvSpPr>
-        <p:spPr>
-          <a:xfrm>
-            <a:off x="4359942" y="24183246"/>
-            <a:ext cx="2750329" cy="788879"/>
-          </a:xfrm>
-          <a:prstGeom prst="roundRect">
-            <a:avLst>
-              <a:gd name="adj" fmla="val 1667"/>
-            </a:avLst>
-          </a:prstGeom>
-          <a:solidFill>
-            <a:schemeClr val="bg1"/>
-          </a:solidFill>
-          <a:ln w="104775">
-            <a:solidFill>
-              <a:srgbClr val="191970"/>
-            </a:solidFill>
-          </a:ln>
-        </p:spPr>
-        <p:style>
-          <a:lnRef idx="2">
-            <a:schemeClr val="accent1">
-              <a:shade val="15000"/>
-            </a:schemeClr>
-          </a:lnRef>
-          <a:fillRef idx="1">
-            <a:schemeClr val="accent1"/>
-          </a:fillRef>
-          <a:effectRef idx="0">
-            <a:schemeClr val="accent1"/>
-          </a:effectRef>
-          <a:fontRef idx="minor">
-            <a:schemeClr val="lt1"/>
-          </a:fontRef>
-        </p:style>
-        <p:txBody>
-          <a:bodyPr rtlCol="0" anchor="ctr"/>
-          <a:lstStyle/>
-          <a:p>
-            <a:pPr algn="ctr"/>
-            <a:r>
-              <a:rPr lang="de-DE" sz="2400" dirty="0">
-                <a:solidFill>
-                  <a:srgbClr val="191970"/>
-                </a:solidFill>
-              </a:rPr>
-              <a:t>Center of Mass shift &lt; 3 fractions </a:t>
-            </a:r>
-          </a:p>
-        </p:txBody>
-      </p:sp>
-      <p:sp>
-        <p:nvSpPr>
-          <p:cNvPr id="64" name="Rectangle: Rounded Corners 63">
-            <a:extLst>
-              <a:ext uri="{FF2B5EF4-FFF2-40B4-BE49-F238E27FC236}">
-                <a16:creationId xmlns:a16="http://schemas.microsoft.com/office/drawing/2014/main" id="{174B5EDA-AE63-30A6-4AB9-4A17357A21C1}"/>
-              </a:ext>
-            </a:extLst>
-          </p:cNvPr>
-          <p:cNvSpPr/>
-          <p:nvPr/>
-        </p:nvSpPr>
-        <p:spPr>
-          <a:xfrm>
-            <a:off x="2993701" y="22648250"/>
-            <a:ext cx="2120407" cy="788879"/>
-          </a:xfrm>
-          <a:prstGeom prst="roundRect">
-            <a:avLst>
-              <a:gd name="adj" fmla="val 1667"/>
-            </a:avLst>
-          </a:prstGeom>
-          <a:solidFill>
-            <a:schemeClr val="bg1"/>
-          </a:solidFill>
-          <a:ln w="104775">
-            <a:solidFill>
-              <a:srgbClr val="191970"/>
-            </a:solidFill>
-          </a:ln>
-        </p:spPr>
-        <p:style>
-          <a:lnRef idx="2">
-            <a:schemeClr val="accent1">
-              <a:shade val="15000"/>
-            </a:schemeClr>
-          </a:lnRef>
-          <a:fillRef idx="1">
-            <a:schemeClr val="accent1"/>
-          </a:fillRef>
-          <a:effectRef idx="0">
-            <a:schemeClr val="accent1"/>
-          </a:effectRef>
-          <a:fontRef idx="minor">
-            <a:schemeClr val="lt1"/>
-          </a:fontRef>
-        </p:style>
-        <p:txBody>
-          <a:bodyPr rtlCol="0" anchor="ctr"/>
-          <a:lstStyle/>
-          <a:p>
-            <a:pPr algn="ctr"/>
-            <a:r>
-              <a:rPr lang="de-DE" sz="2400" dirty="0">
-                <a:solidFill>
-                  <a:srgbClr val="191970"/>
-                </a:solidFill>
-              </a:rPr>
-              <a:t>All proteins</a:t>
-            </a:r>
-          </a:p>
-        </p:txBody>
-      </p:sp>
-      <p:cxnSp>
-        <p:nvCxnSpPr>
-          <p:cNvPr id="65" name="Straight Arrow Connector 64">
-            <a:extLst>
-              <a:ext uri="{FF2B5EF4-FFF2-40B4-BE49-F238E27FC236}">
-                <a16:creationId xmlns:a16="http://schemas.microsoft.com/office/drawing/2014/main" id="{BBD6DDAE-3E6D-8DA5-1DC2-EAA5DB072EF0}"/>
-              </a:ext>
-            </a:extLst>
-          </p:cNvPr>
-          <p:cNvCxnSpPr>
-            <a:cxnSpLocks/>
-          </p:cNvCxnSpPr>
-          <p:nvPr/>
-        </p:nvCxnSpPr>
-        <p:spPr>
-          <a:xfrm flipH="1">
-            <a:off x="3479959" y="23612964"/>
-            <a:ext cx="271039" cy="432017"/>
-          </a:xfrm>
-          <a:prstGeom prst="straightConnector1">
-            <a:avLst/>
-          </a:prstGeom>
-          <a:ln w="73025">
-            <a:solidFill>
-              <a:srgbClr val="191970"/>
-            </a:solidFill>
-            <a:tailEnd type="triangle"/>
-          </a:ln>
-        </p:spPr>
-        <p:style>
-          <a:lnRef idx="1">
-            <a:schemeClr val="accent1"/>
-          </a:lnRef>
-          <a:fillRef idx="0">
-            <a:schemeClr val="accent1"/>
-          </a:fillRef>
-          <a:effectRef idx="0">
-            <a:schemeClr val="accent1"/>
-          </a:effectRef>
-          <a:fontRef idx="minor">
-            <a:schemeClr val="tx1"/>
-          </a:fontRef>
-        </p:style>
-      </p:cxnSp>
-      <p:cxnSp>
-        <p:nvCxnSpPr>
-          <p:cNvPr id="80" name="Straight Arrow Connector 79">
-            <a:extLst>
-              <a:ext uri="{FF2B5EF4-FFF2-40B4-BE49-F238E27FC236}">
-                <a16:creationId xmlns:a16="http://schemas.microsoft.com/office/drawing/2014/main" id="{A373E7A2-A156-0963-86EF-96194709112D}"/>
-              </a:ext>
-            </a:extLst>
-          </p:cNvPr>
-          <p:cNvCxnSpPr>
-            <a:cxnSpLocks/>
-          </p:cNvCxnSpPr>
-          <p:nvPr/>
-        </p:nvCxnSpPr>
-        <p:spPr>
-          <a:xfrm>
-            <a:off x="4356115" y="23612965"/>
-            <a:ext cx="262128" cy="432017"/>
-          </a:xfrm>
-          <a:prstGeom prst="straightConnector1">
-            <a:avLst/>
-          </a:prstGeom>
-          <a:ln w="73025">
-            <a:solidFill>
-              <a:srgbClr val="191970"/>
-            </a:solidFill>
-            <a:tailEnd type="triangle"/>
-          </a:ln>
-        </p:spPr>
-        <p:style>
-          <a:lnRef idx="1">
-            <a:schemeClr val="accent1"/>
-          </a:lnRef>
-          <a:fillRef idx="0">
-            <a:schemeClr val="accent1"/>
-          </a:fillRef>
-          <a:effectRef idx="0">
-            <a:schemeClr val="accent1"/>
-          </a:effectRef>
-          <a:fontRef idx="minor">
-            <a:schemeClr val="tx1"/>
-          </a:fontRef>
-        </p:style>
-      </p:cxnSp>
-      <p:cxnSp>
-        <p:nvCxnSpPr>
-          <p:cNvPr id="81" name="Straight Arrow Connector 80">
-            <a:extLst>
-              <a:ext uri="{FF2B5EF4-FFF2-40B4-BE49-F238E27FC236}">
-                <a16:creationId xmlns:a16="http://schemas.microsoft.com/office/drawing/2014/main" id="{902100EB-2746-1A3A-2CD4-252E2B7BEFA6}"/>
-              </a:ext>
-            </a:extLst>
-          </p:cNvPr>
-          <p:cNvCxnSpPr>
-            <a:cxnSpLocks/>
-          </p:cNvCxnSpPr>
-          <p:nvPr/>
-        </p:nvCxnSpPr>
-        <p:spPr>
-          <a:xfrm flipH="1">
-            <a:off x="5085251" y="25094710"/>
-            <a:ext cx="271039" cy="432017"/>
-          </a:xfrm>
-          <a:prstGeom prst="straightConnector1">
-            <a:avLst/>
-          </a:prstGeom>
-          <a:ln w="73025">
-            <a:solidFill>
-              <a:srgbClr val="191970"/>
-            </a:solidFill>
-            <a:tailEnd type="triangle"/>
-          </a:ln>
-        </p:spPr>
-        <p:style>
-          <a:lnRef idx="1">
-            <a:schemeClr val="accent1"/>
-          </a:lnRef>
-          <a:fillRef idx="0">
-            <a:schemeClr val="accent1"/>
-          </a:fillRef>
-          <a:effectRef idx="0">
-            <a:schemeClr val="accent1"/>
-          </a:effectRef>
-          <a:fontRef idx="minor">
-            <a:schemeClr val="tx1"/>
-          </a:fontRef>
-        </p:style>
-      </p:cxnSp>
-      <p:cxnSp>
-        <p:nvCxnSpPr>
-          <p:cNvPr id="82" name="Straight Arrow Connector 81">
-            <a:extLst>
-              <a:ext uri="{FF2B5EF4-FFF2-40B4-BE49-F238E27FC236}">
-                <a16:creationId xmlns:a16="http://schemas.microsoft.com/office/drawing/2014/main" id="{711E768E-8CF7-5284-7AFD-B9A6ED809B17}"/>
-              </a:ext>
-            </a:extLst>
-          </p:cNvPr>
-          <p:cNvCxnSpPr>
-            <a:cxnSpLocks/>
-          </p:cNvCxnSpPr>
-          <p:nvPr/>
-        </p:nvCxnSpPr>
-        <p:spPr>
-          <a:xfrm>
-            <a:off x="5961407" y="25094711"/>
-            <a:ext cx="262128" cy="432017"/>
-          </a:xfrm>
-          <a:prstGeom prst="straightConnector1">
-            <a:avLst/>
-          </a:prstGeom>
-          <a:ln w="73025">
-            <a:solidFill>
-              <a:srgbClr val="191970"/>
-            </a:solidFill>
-            <a:tailEnd type="triangle"/>
-          </a:ln>
-        </p:spPr>
-        <p:style>
-          <a:lnRef idx="1">
-            <a:schemeClr val="accent1"/>
-          </a:lnRef>
-          <a:fillRef idx="0">
-            <a:schemeClr val="accent1"/>
-          </a:fillRef>
-          <a:effectRef idx="0">
-            <a:schemeClr val="accent1"/>
-          </a:effectRef>
-          <a:fontRef idx="minor">
-            <a:schemeClr val="tx1"/>
-          </a:fontRef>
-        </p:style>
-      </p:cxnSp>
-      <p:sp>
-        <p:nvSpPr>
-          <p:cNvPr id="83" name="Rectangle: Rounded Corners 82">
-            <a:extLst>
-              <a:ext uri="{FF2B5EF4-FFF2-40B4-BE49-F238E27FC236}">
-                <a16:creationId xmlns:a16="http://schemas.microsoft.com/office/drawing/2014/main" id="{AE84C244-8894-3958-D283-08B202987904}"/>
-              </a:ext>
-            </a:extLst>
-          </p:cNvPr>
-          <p:cNvSpPr/>
-          <p:nvPr/>
-        </p:nvSpPr>
-        <p:spPr>
-          <a:xfrm>
-            <a:off x="2605961" y="25649124"/>
-            <a:ext cx="2750329" cy="788879"/>
-          </a:xfrm>
-          <a:prstGeom prst="roundRect">
-            <a:avLst>
-              <a:gd name="adj" fmla="val 40815"/>
-            </a:avLst>
-          </a:prstGeom>
-          <a:solidFill>
-            <a:schemeClr val="bg1"/>
-          </a:solidFill>
-          <a:ln w="104775">
-            <a:solidFill>
-              <a:srgbClr val="842332"/>
-            </a:solidFill>
-          </a:ln>
-        </p:spPr>
-        <p:style>
-          <a:lnRef idx="2">
-            <a:schemeClr val="accent1">
-              <a:shade val="15000"/>
-            </a:schemeClr>
-          </a:lnRef>
-          <a:fillRef idx="1">
-            <a:schemeClr val="accent1"/>
-          </a:fillRef>
-          <a:effectRef idx="0">
-            <a:schemeClr val="accent1"/>
-          </a:effectRef>
-          <a:fontRef idx="minor">
-            <a:schemeClr val="lt1"/>
-          </a:fontRef>
-        </p:style>
-        <p:txBody>
-          <a:bodyPr rtlCol="0" anchor="ctr"/>
-          <a:lstStyle/>
-          <a:p>
-            <a:pPr algn="ctr"/>
-            <a:r>
-              <a:rPr lang="de-DE" sz="2400" dirty="0">
-                <a:solidFill>
-                  <a:srgbClr val="842332"/>
-                </a:solidFill>
-              </a:rPr>
-              <a:t>Correlation value</a:t>
-            </a:r>
-            <a:br>
-              <a:rPr lang="de-DE" sz="2400" dirty="0">
-                <a:solidFill>
-                  <a:srgbClr val="842332"/>
-                </a:solidFill>
-              </a:rPr>
-            </a:br>
-            <a:r>
-              <a:rPr lang="de-DE" sz="2400" dirty="0">
-                <a:solidFill>
-                  <a:srgbClr val="842332"/>
-                </a:solidFill>
-              </a:rPr>
-              <a:t>≥ 0,7</a:t>
-            </a:r>
-          </a:p>
-        </p:txBody>
-      </p:sp>
-      <p:sp>
-        <p:nvSpPr>
-          <p:cNvPr id="84" name="Rectangle: Rounded Corners 83">
-            <a:extLst>
-              <a:ext uri="{FF2B5EF4-FFF2-40B4-BE49-F238E27FC236}">
-                <a16:creationId xmlns:a16="http://schemas.microsoft.com/office/drawing/2014/main" id="{67A1D4CB-D9B8-FE54-B8B8-A0CDB5FBE951}"/>
-              </a:ext>
-            </a:extLst>
-          </p:cNvPr>
-          <p:cNvSpPr/>
-          <p:nvPr/>
-        </p:nvSpPr>
-        <p:spPr>
-          <a:xfrm>
-            <a:off x="5946628" y="25645214"/>
-            <a:ext cx="2750329" cy="788879"/>
-          </a:xfrm>
-          <a:prstGeom prst="roundRect">
-            <a:avLst>
-              <a:gd name="adj" fmla="val 40815"/>
-            </a:avLst>
-          </a:prstGeom>
-          <a:solidFill>
-            <a:schemeClr val="bg1"/>
-          </a:solidFill>
-          <a:ln w="104775">
-            <a:solidFill>
-              <a:srgbClr val="191970"/>
-            </a:solidFill>
-          </a:ln>
-        </p:spPr>
-        <p:style>
-          <a:lnRef idx="2">
-            <a:schemeClr val="accent1">
-              <a:shade val="15000"/>
-            </a:schemeClr>
-          </a:lnRef>
-          <a:fillRef idx="1">
-            <a:schemeClr val="accent1"/>
-          </a:fillRef>
-          <a:effectRef idx="0">
-            <a:schemeClr val="accent1"/>
-          </a:effectRef>
-          <a:fontRef idx="minor">
-            <a:schemeClr val="lt1"/>
-          </a:fontRef>
-        </p:style>
-        <p:txBody>
-          <a:bodyPr rtlCol="0" anchor="ctr"/>
-          <a:lstStyle/>
-          <a:p>
-            <a:pPr algn="ctr"/>
-            <a:r>
-              <a:rPr lang="de-DE" sz="2400" dirty="0">
-                <a:solidFill>
-                  <a:srgbClr val="191970"/>
-                </a:solidFill>
-              </a:rPr>
-              <a:t>Correlation value</a:t>
-            </a:r>
-            <a:br>
-              <a:rPr lang="de-DE" sz="2400" dirty="0">
-                <a:solidFill>
-                  <a:srgbClr val="191970"/>
-                </a:solidFill>
-              </a:rPr>
-            </a:br>
-            <a:r>
-              <a:rPr lang="de-DE" sz="2400" dirty="0">
-                <a:solidFill>
-                  <a:srgbClr val="191970"/>
-                </a:solidFill>
-              </a:rPr>
-              <a:t>&lt; 0,7</a:t>
-            </a:r>
-          </a:p>
-        </p:txBody>
-      </p:sp>
-      <p:pic>
-        <p:nvPicPr>
-          <p:cNvPr id="35" name="Picture 34" descr="A blue circle with red and green circles&#10;&#10;AI-generated content may be incorrect.">
-            <a:extLst>
-              <a:ext uri="{FF2B5EF4-FFF2-40B4-BE49-F238E27FC236}">
-                <a16:creationId xmlns:a16="http://schemas.microsoft.com/office/drawing/2014/main" id="{11B8F9EB-5AC4-FCB7-2531-F59FE1F23CDC}"/>
-              </a:ext>
-            </a:extLst>
-          </p:cNvPr>
-          <p:cNvPicPr>
-            <a:picLocks noChangeAspect="1"/>
-          </p:cNvPicPr>
-          <p:nvPr/>
-        </p:nvPicPr>
-        <p:blipFill>
-          <a:blip r:embed="rId7"/>
-          <a:srcRect l="15812" t="14850" r="9096" b="8618"/>
-          <a:stretch>
-            <a:fillRect/>
-          </a:stretch>
-        </p:blipFill>
-        <p:spPr>
-          <a:xfrm>
-            <a:off x="1933054" y="1322892"/>
-            <a:ext cx="5007429" cy="3149600"/>
-          </a:xfrm>
-          <a:prstGeom prst="rect">
-            <a:avLst/>
-          </a:prstGeom>
-        </p:spPr>
-      </p:pic>
-      <p:pic>
-        <p:nvPicPr>
-          <p:cNvPr id="38" name="Picture 37" descr="A blue circle with a number of different colored lines&#10;&#10;AI-generated content may be incorrect.">
-            <a:extLst>
-              <a:ext uri="{FF2B5EF4-FFF2-40B4-BE49-F238E27FC236}">
-                <a16:creationId xmlns:a16="http://schemas.microsoft.com/office/drawing/2014/main" id="{5463A472-1C21-E178-A553-47B40777124E}"/>
-              </a:ext>
-            </a:extLst>
-          </p:cNvPr>
-          <p:cNvPicPr>
-            <a:picLocks noChangeAspect="1"/>
-          </p:cNvPicPr>
-          <p:nvPr/>
-        </p:nvPicPr>
-        <p:blipFill>
-          <a:blip r:embed="rId8"/>
-          <a:srcRect l="15812" t="14454" r="9096" b="9014"/>
-          <a:stretch>
-            <a:fillRect/>
-          </a:stretch>
-        </p:blipFill>
-        <p:spPr>
-          <a:xfrm>
-            <a:off x="8540332" y="1322892"/>
-            <a:ext cx="5007430" cy="3149600"/>
-          </a:xfrm>
-          <a:prstGeom prst="rect">
-            <a:avLst/>
-          </a:prstGeom>
-        </p:spPr>
-      </p:pic>
-      <p:pic>
-        <p:nvPicPr>
-          <p:cNvPr id="42" name="Picture 41" descr="A blue pie chart with red and green circles&#10;&#10;AI-generated content may be incorrect.">
-            <a:extLst>
-              <a:ext uri="{FF2B5EF4-FFF2-40B4-BE49-F238E27FC236}">
-                <a16:creationId xmlns:a16="http://schemas.microsoft.com/office/drawing/2014/main" id="{81EE9FCF-780D-3734-ACF4-944385396C65}"/>
-              </a:ext>
-            </a:extLst>
-          </p:cNvPr>
-          <p:cNvPicPr>
-            <a:picLocks noChangeAspect="1"/>
-          </p:cNvPicPr>
-          <p:nvPr/>
-        </p:nvPicPr>
-        <p:blipFill>
-          <a:blip r:embed="rId9"/>
-          <a:srcRect l="19350" t="12381" r="13613" b="8617"/>
-          <a:stretch>
-            <a:fillRect/>
-          </a:stretch>
-        </p:blipFill>
-        <p:spPr>
-          <a:xfrm>
-            <a:off x="14993991" y="1195820"/>
-            <a:ext cx="4470400" cy="3251201"/>
           </a:xfrm>
           <a:prstGeom prst="rect">
             <a:avLst/>
@@ -6172,10 +4851,10 @@
         </p:nvGrpSpPr>
         <p:grpSpPr>
           <a:xfrm>
-            <a:off x="17054511" y="18420581"/>
-            <a:ext cx="12220033" cy="8173137"/>
-            <a:chOff x="13153850" y="15954131"/>
-            <a:chExt cx="12220033" cy="8173137"/>
+            <a:off x="17334093" y="15365966"/>
+            <a:ext cx="12220033" cy="8203617"/>
+            <a:chOff x="13153850" y="15923651"/>
+            <a:chExt cx="12220033" cy="8203617"/>
           </a:xfrm>
         </p:grpSpPr>
         <p:grpSp>
@@ -6192,10 +4871,10 @@
           </p:nvGrpSpPr>
           <p:grpSpPr>
             <a:xfrm>
-              <a:off x="13153850" y="15954131"/>
-              <a:ext cx="12220033" cy="5748249"/>
-              <a:chOff x="6343061" y="15742343"/>
-              <a:chExt cx="12220033" cy="5748249"/>
+              <a:off x="13153850" y="15923651"/>
+              <a:ext cx="12220033" cy="5778729"/>
+              <a:chOff x="6343061" y="15711863"/>
+              <a:chExt cx="12220033" cy="5778729"/>
             </a:xfrm>
           </p:grpSpPr>
           <p:grpSp>
@@ -6233,7 +4912,7 @@
                 <p:nvPr/>
               </p:nvPicPr>
               <p:blipFill>
-                <a:blip r:embed="rId10"/>
+                <a:blip r:embed="rId5"/>
                 <a:stretch>
                   <a:fillRect/>
                 </a:stretch>
@@ -6263,7 +4942,7 @@
                 <p:nvPr/>
               </p:nvPicPr>
               <p:blipFill>
-                <a:blip r:embed="rId11"/>
+                <a:blip r:embed="rId6"/>
                 <a:stretch>
                   <a:fillRect/>
                 </a:stretch>
@@ -6293,7 +4972,7 @@
                 <p:nvPr/>
               </p:nvPicPr>
               <p:blipFill>
-                <a:blip r:embed="rId12"/>
+                <a:blip r:embed="rId7"/>
                 <a:stretch>
                   <a:fillRect/>
                 </a:stretch>
@@ -6323,7 +5002,7 @@
                 <p:nvPr/>
               </p:nvPicPr>
               <p:blipFill>
-                <a:blip r:embed="rId13"/>
+                <a:blip r:embed="rId8"/>
                 <a:stretch>
                   <a:fillRect/>
                 </a:stretch>
@@ -6353,7 +5032,7 @@
                 <p:nvPr/>
               </p:nvPicPr>
               <p:blipFill>
-                <a:blip r:embed="rId14"/>
+                <a:blip r:embed="rId9"/>
                 <a:stretch>
                   <a:fillRect/>
                 </a:stretch>
@@ -6383,7 +5062,7 @@
                 <p:nvPr/>
               </p:nvPicPr>
               <p:blipFill>
-                <a:blip r:embed="rId15"/>
+                <a:blip r:embed="rId10"/>
                 <a:stretch>
                   <a:fillRect/>
                 </a:stretch>
@@ -6413,7 +5092,7 @@
             </p:nvSpPr>
             <p:spPr>
               <a:xfrm>
-                <a:off x="6515900" y="15763772"/>
+                <a:off x="6444574" y="15720926"/>
                 <a:ext cx="558327" cy="461665"/>
               </a:xfrm>
               <a:prstGeom prst="rect">
@@ -6428,7 +5107,7 @@
               <a:lstStyle/>
               <a:p>
                 <a:r>
-                  <a:rPr lang="en-GB" sz="2400" b="1" noProof="0" dirty="0"/>
+                  <a:rPr lang="en-US" sz="2400" b="1" noProof="0" dirty="0"/>
                   <a:t>5A</a:t>
                 </a:r>
               </a:p>
@@ -6448,7 +5127,7 @@
             </p:nvSpPr>
             <p:spPr>
               <a:xfrm>
-                <a:off x="10856694" y="15742343"/>
+                <a:off x="10856694" y="15711863"/>
                 <a:ext cx="390625" cy="461665"/>
               </a:xfrm>
               <a:prstGeom prst="rect">
@@ -6463,7 +5142,7 @@
               <a:lstStyle/>
               <a:p>
                 <a:r>
-                  <a:rPr lang="en-GB" sz="2400" b="1" noProof="0" dirty="0"/>
+                  <a:rPr lang="en-US" sz="2400" b="1" noProof="0" dirty="0"/>
                   <a:t>B</a:t>
                 </a:r>
               </a:p>
@@ -6483,7 +5162,7 @@
             </p:nvSpPr>
             <p:spPr>
               <a:xfrm>
-                <a:off x="14993991" y="15763772"/>
+                <a:off x="14993991" y="15718052"/>
                 <a:ext cx="390625" cy="461665"/>
               </a:xfrm>
               <a:prstGeom prst="rect">
@@ -6498,7 +5177,7 @@
               <a:lstStyle/>
               <a:p>
                 <a:r>
-                  <a:rPr lang="en-GB" sz="2400" b="1" noProof="0" dirty="0"/>
+                  <a:rPr lang="en-US" sz="2400" b="1" noProof="0" dirty="0"/>
                   <a:t>C</a:t>
                 </a:r>
               </a:p>
@@ -6535,123 +5214,83 @@
             <a:p>
               <a:pPr algn="just"/>
               <a:r>
-                <a:rPr lang="en-GB" sz="2000" b="1" noProof="0" dirty="0"/>
+                <a:rPr lang="en-US" sz="2000" b="1" noProof="0" dirty="0"/>
                 <a:t>Fig. 5 </a:t>
               </a:r>
               <a:r>
-                <a:rPr lang="en-GB" sz="2000" noProof="0" dirty="0"/>
+                <a:rPr lang="en-US" sz="2000" noProof="0" dirty="0"/>
                 <a:t>Principle Component Analyses and </a:t>
               </a:r>
               <a:r>
-                <a:rPr lang="en-GB" sz="2000" noProof="0" dirty="0" err="1"/>
+                <a:rPr lang="en-US" sz="2000" noProof="0" dirty="0" err="1"/>
                 <a:t>Elbowplots</a:t>
               </a:r>
               <a:r>
-                <a:rPr lang="en-GB" sz="2000" noProof="0" dirty="0"/>
-                <a:t> of the selected and the non-selected proteins. RNASE and CTRL are plotted separately for comparison</a:t>
+                <a:rPr lang="en-US" sz="2000" noProof="0" dirty="0"/>
+                <a:t> of the selected and the non-selected proteins. RNASE and CTRL are plotted separately for comparison in the PCA. The </a:t>
               </a:r>
               <a:r>
-                <a:rPr lang="en-GB" sz="2000" dirty="0"/>
-                <a:t> in the PCA</a:t>
-              </a:r>
-              <a:r>
-                <a:rPr lang="en-GB" sz="2000" noProof="0" dirty="0"/>
-                <a:t>. The </a:t>
-              </a:r>
-              <a:r>
-                <a:rPr lang="en-GB" sz="2000" noProof="0" dirty="0" err="1"/>
+                <a:rPr lang="en-US" sz="2000" noProof="0" dirty="0" err="1"/>
                 <a:t>Elbowplots</a:t>
               </a:r>
               <a:r>
-                <a:rPr lang="en-GB" sz="2000" noProof="0" dirty="0"/>
+                <a:rPr lang="en-US" sz="2000" noProof="0" dirty="0"/>
                 <a:t> shows only RNASE.</a:t>
               </a:r>
             </a:p>
             <a:p>
               <a:pPr algn="just"/>
-              <a:endParaRPr lang="en-GB" sz="2000" noProof="0" dirty="0"/>
+              <a:endParaRPr lang="en-US" sz="2000" noProof="0" dirty="0"/>
             </a:p>
             <a:p>
               <a:pPr algn="just"/>
               <a:r>
-                <a:rPr lang="en-GB" sz="2000" b="1" noProof="0" dirty="0"/>
+                <a:rPr lang="en-US" sz="2000" b="1" noProof="0" dirty="0"/>
                 <a:t>A) </a:t>
               </a:r>
               <a:r>
-                <a:rPr lang="en-GB" sz="2000" noProof="0" dirty="0"/>
-                <a:t>PCA of the selected proteins. The data points of the RNASE compared to the CTRL </a:t>
+                <a:rPr lang="en-US" sz="2000" noProof="0" dirty="0"/>
+                <a:t>PCA of the selected proteins. The data points of the RNASE compared to the CTRL make up an overall similar shape, but a shift is visible in the density of the points. </a:t>
               </a:r>
               <a:r>
-                <a:rPr lang="en-GB" sz="2000" dirty="0"/>
-                <a:t>make up an overall similar shape</a:t>
-              </a:r>
-              <a:r>
-                <a:rPr lang="en-GB" sz="2000" noProof="0" dirty="0"/>
-                <a:t>, but a shift is visible in the density of the points. </a:t>
-              </a:r>
-              <a:r>
-                <a:rPr lang="en-GB" sz="2000" b="1" noProof="0" dirty="0"/>
+                <a:rPr lang="en-US" sz="2000" b="1" noProof="0" dirty="0"/>
                 <a:t>B) </a:t>
               </a:r>
               <a:r>
-                <a:rPr lang="en-GB" sz="2000" noProof="0" dirty="0"/>
+                <a:rPr lang="en-US" sz="2000" noProof="0" dirty="0"/>
                 <a:t>PCA</a:t>
               </a:r>
               <a:r>
-                <a:rPr lang="en-GB" sz="2000" b="1" noProof="0" dirty="0"/>
+                <a:rPr lang="en-US" sz="2000" b="1" noProof="0" dirty="0"/>
                 <a:t> </a:t>
               </a:r>
               <a:r>
-                <a:rPr lang="en-GB" sz="2000" noProof="0" dirty="0"/>
+                <a:rPr lang="en-US" sz="2000" noProof="0" dirty="0"/>
                 <a:t>of the non-selected proteins. The points of the RNASE and CTRL form mostly the same structure. </a:t>
               </a:r>
               <a:r>
-                <a:rPr lang="en-GB" sz="2000" b="1" noProof="0" dirty="0"/>
+                <a:rPr lang="en-US" sz="2000" b="1" noProof="0" dirty="0"/>
                 <a:t>C) </a:t>
               </a:r>
               <a:r>
-                <a:rPr lang="en-GB" sz="2000" noProof="0" dirty="0"/>
-                <a:t>Elbow-Plot of the </a:t>
+                <a:rPr lang="en-US" sz="2000" noProof="0" dirty="0"/>
+                <a:t>Elbow-Plot of the RNASE. The </a:t>
               </a:r>
               <a:r>
-                <a:rPr lang="en-GB" sz="2000" dirty="0"/>
-                <a:t>RNASE</a:t>
-              </a:r>
-              <a:r>
-                <a:rPr lang="en-GB" sz="2000" noProof="0" dirty="0"/>
-                <a:t>. The </a:t>
-              </a:r>
-              <a:r>
-                <a:rPr lang="en-GB" sz="2000" dirty="0" err="1"/>
+                <a:rPr lang="en-US" sz="2000" noProof="0" dirty="0" err="1"/>
                 <a:t>knick</a:t>
               </a:r>
               <a:r>
-                <a:rPr lang="en-GB" sz="2000" noProof="0" dirty="0"/>
-                <a:t> of the elbow is </a:t>
+                <a:rPr lang="en-US" sz="2000" noProof="0" dirty="0"/>
+                <a:t> of the elbow is between 3 and 4. To compare selected and non-selected proteins, we decided to use 3 clusters in the </a:t>
               </a:r>
               <a:r>
-                <a:rPr lang="en-GB" sz="2000" dirty="0"/>
-                <a:t>between</a:t>
-              </a:r>
-              <a:r>
-                <a:rPr lang="en-GB" sz="2000" noProof="0" dirty="0"/>
-                <a:t> 3 and 4.</a:t>
-              </a:r>
-              <a:r>
-                <a:rPr lang="en-GB" sz="2000" dirty="0"/>
-                <a:t> To compare selected and non-selected proteins, we decided to use 3 clusters in the </a:t>
-              </a:r>
-              <a:r>
-                <a:rPr lang="en-GB" sz="2000" dirty="0" err="1"/>
+                <a:rPr lang="en-US" sz="2000" noProof="0" dirty="0" err="1"/>
                 <a:t>kmeans</a:t>
               </a:r>
               <a:r>
-                <a:rPr lang="en-GB" sz="2000" dirty="0"/>
-                <a:t> clustering</a:t>
-              </a:r>
-              <a:r>
-                <a:rPr lang="en-GB" sz="2000" noProof="0" dirty="0"/>
-                <a:t>.</a:t>
+                <a:rPr lang="en-US" sz="2000" noProof="0" dirty="0"/>
+                <a:t> clustering.</a:t>
               </a:r>
             </a:p>
           </p:txBody>
@@ -6671,7 +5310,7 @@
         </p:nvGrpSpPr>
         <p:grpSpPr>
           <a:xfrm>
-            <a:off x="796903" y="29608019"/>
+            <a:off x="796903" y="28259279"/>
             <a:ext cx="14214497" cy="12149460"/>
             <a:chOff x="796903" y="29608019"/>
             <a:chExt cx="14214497" cy="12149460"/>
@@ -6746,59 +5385,54 @@
                 <a:lstStyle/>
                 <a:p>
                   <a:r>
-                    <a:rPr lang="en-GB" sz="2000" b="1" noProof="0" dirty="0"/>
+                    <a:rPr lang="en-US" sz="2000" b="1" noProof="0" dirty="0"/>
                     <a:t>Fig. 6 </a:t>
                   </a:r>
                   <a:r>
-                    <a:rPr lang="en-GB" sz="2000" noProof="0" dirty="0" err="1"/>
+                    <a:rPr lang="en-US" sz="2000" noProof="0" dirty="0" err="1"/>
                     <a:t>kmeans</a:t>
                   </a:r>
                   <a:r>
-                    <a:rPr lang="en-GB" sz="2000" noProof="0" dirty="0"/>
+                    <a:rPr lang="en-US" sz="2000" noProof="0" dirty="0"/>
                     <a:t> clustering of the selected and not-selected proteins</a:t>
                   </a:r>
                 </a:p>
                 <a:p>
-                  <a:endParaRPr lang="en-GB" sz="2000" dirty="0"/>
+                  <a:endParaRPr lang="en-US" sz="2000" noProof="0" dirty="0"/>
                 </a:p>
                 <a:p>
                   <a:r>
-                    <a:rPr lang="en-GB" sz="2000" b="1" noProof="0" dirty="0"/>
+                    <a:rPr lang="en-US" sz="2000" b="1" noProof="0" dirty="0"/>
                     <a:t>A) </a:t>
                   </a:r>
                   <a:r>
-                    <a:rPr lang="en-GB" sz="2000" noProof="0" dirty="0"/>
+                    <a:rPr lang="en-US" sz="2000" noProof="0" dirty="0"/>
                     <a:t>Shows the 3 clusters of the CTRL of the selected proteins. </a:t>
                   </a:r>
                   <a:r>
-                    <a:rPr lang="en-GB" sz="2000" b="1" noProof="0" dirty="0"/>
-                    <a:t>B</a:t>
+                    <a:rPr lang="en-US" sz="2000" b="1" noProof="0" dirty="0"/>
+                    <a:t>B) </a:t>
                   </a:r>
                   <a:r>
-                    <a:rPr lang="en-GB" sz="2000" b="1" dirty="0"/>
-                    <a:t>) </a:t>
-                  </a:r>
-                  <a:r>
-                    <a:rPr lang="en-GB" sz="2000" dirty="0"/>
+                    <a:rPr lang="en-US" sz="2000" noProof="0" dirty="0"/>
                     <a:t>Shows the 3 clusters of the RNASE of the selected proteins. A significant shift in form and location of the clusters is noticeable. </a:t>
                   </a:r>
                   <a:r>
-                    <a:rPr lang="en-GB" sz="2000" b="1" dirty="0"/>
+                    <a:rPr lang="en-US" sz="2000" b="1" noProof="0" dirty="0"/>
                     <a:t>C) </a:t>
                   </a:r>
                   <a:r>
-                    <a:rPr lang="en-GB" sz="2000" dirty="0"/>
+                    <a:rPr lang="en-US" sz="2000" noProof="0" dirty="0"/>
                     <a:t>Shows the 3 clusters of the CTRL of the not-selected proteins. </a:t>
                   </a:r>
                   <a:r>
-                    <a:rPr lang="en-GB" sz="2000" b="1" dirty="0"/>
+                    <a:rPr lang="en-US" sz="2000" b="1" noProof="0" dirty="0"/>
                     <a:t>D) </a:t>
                   </a:r>
                   <a:r>
-                    <a:rPr lang="en-GB" sz="2000" dirty="0"/>
+                    <a:rPr lang="en-US" sz="2000" noProof="0" dirty="0"/>
                     <a:t>Shows the 3 clusters of the RNASE of the not-selected proteins. No shift in form and location is noticeable.</a:t>
                   </a:r>
-                  <a:endParaRPr lang="en-GB" sz="2000" noProof="0" dirty="0"/>
                 </a:p>
               </p:txBody>
             </p:sp>
@@ -6831,12 +5465,8 @@
                 <a:lstStyle/>
                 <a:p>
                   <a:r>
-                    <a:rPr lang="en-GB" sz="2400" b="1" dirty="0"/>
-                    <a:t>6</a:t>
-                  </a:r>
-                  <a:r>
-                    <a:rPr lang="en-GB" sz="2400" b="1" noProof="0" dirty="0"/>
-                    <a:t>A</a:t>
+                    <a:rPr lang="en-US" sz="2400" b="1" noProof="0" dirty="0"/>
+                    <a:t>6A</a:t>
                   </a:r>
                 </a:p>
               </p:txBody>
@@ -6870,7 +5500,7 @@
                 <a:lstStyle/>
                 <a:p>
                   <a:r>
-                    <a:rPr lang="en-GB" sz="2400" b="1" noProof="0" dirty="0"/>
+                    <a:rPr lang="en-US" sz="2400" b="1" noProof="0" dirty="0"/>
                     <a:t>B</a:t>
                   </a:r>
                 </a:p>
@@ -6905,7 +5535,7 @@
                 <a:lstStyle/>
                 <a:p>
                   <a:r>
-                    <a:rPr lang="en-GB" sz="2400" b="1" noProof="0" dirty="0"/>
+                    <a:rPr lang="en-US" sz="2400" b="1" noProof="0" dirty="0"/>
                     <a:t>D</a:t>
                   </a:r>
                 </a:p>
@@ -6940,7 +5570,7 @@
                 <a:lstStyle/>
                 <a:p>
                   <a:r>
-                    <a:rPr lang="en-GB" sz="2400" b="1" noProof="0" dirty="0"/>
+                    <a:rPr lang="en-US" sz="2400" b="1" noProof="0" dirty="0"/>
                     <a:t>C</a:t>
                   </a:r>
                 </a:p>
@@ -6975,35 +5605,34 @@
                 <a:lstStyle/>
                 <a:p>
                   <a:r>
-                    <a:rPr lang="en-US" sz="2000" b="1" dirty="0"/>
+                    <a:rPr lang="en-US" sz="2000" b="1" noProof="0" dirty="0"/>
                     <a:t>Fig. 7 </a:t>
                   </a:r>
                   <a:r>
-                    <a:rPr lang="en-US" sz="2000" dirty="0"/>
+                    <a:rPr lang="en-US" sz="2000" noProof="0" dirty="0"/>
                     <a:t>Linear regression analyses between the selected proteins and the not-selected proteins each, with global maxima of the selected CTRL proteins as target variable</a:t>
                   </a:r>
                 </a:p>
                 <a:p>
-                  <a:endParaRPr lang="en-US" sz="2000" dirty="0"/>
+                  <a:endParaRPr lang="en-US" sz="2000" noProof="0" dirty="0"/>
                 </a:p>
                 <a:p>
                   <a:r>
-                    <a:rPr lang="en-US" sz="2000" b="1" dirty="0"/>
+                    <a:rPr lang="en-US" sz="2000" b="1" noProof="0" dirty="0"/>
                     <a:t>A) </a:t>
                   </a:r>
                   <a:r>
-                    <a:rPr lang="en-US" sz="2000" dirty="0"/>
+                    <a:rPr lang="en-US" sz="2000" noProof="0" dirty="0"/>
                     <a:t>The regression analysis for the selected proteins describes the target variable well. </a:t>
                   </a:r>
                   <a:r>
-                    <a:rPr lang="en-US" sz="2000" b="1" dirty="0"/>
+                    <a:rPr lang="en-US" sz="2000" b="1" noProof="0" dirty="0"/>
                     <a:t>B)</a:t>
                   </a:r>
                   <a:r>
-                    <a:rPr lang="en-US" sz="2000" dirty="0"/>
+                    <a:rPr lang="en-US" sz="2000" noProof="0" dirty="0"/>
                     <a:t> The analysis of the not-selected proteins does not describe the target variable well. This proves, that there is a difference between the selected and not-selected proteins, and therefore, that the selection criteria worked.</a:t>
                   </a:r>
-                  <a:endParaRPr lang="de-DE" sz="2000" dirty="0"/>
                 </a:p>
               </p:txBody>
             </p:sp>
@@ -7023,7 +5652,7 @@
               <p:nvPr/>
             </p:nvPicPr>
             <p:blipFill>
-              <a:blip r:embed="rId16"/>
+              <a:blip r:embed="rId11"/>
               <a:stretch>
                 <a:fillRect/>
               </a:stretch>
@@ -7053,7 +5682,7 @@
               <p:nvPr/>
             </p:nvPicPr>
             <p:blipFill>
-              <a:blip r:embed="rId17"/>
+              <a:blip r:embed="rId12"/>
               <a:stretch>
                 <a:fillRect/>
               </a:stretch>
@@ -7083,7 +5712,7 @@
               <p:nvPr/>
             </p:nvPicPr>
             <p:blipFill>
-              <a:blip r:embed="rId18"/>
+              <a:blip r:embed="rId13"/>
               <a:stretch>
                 <a:fillRect/>
               </a:stretch>
@@ -7113,7 +5742,7 @@
               <p:nvPr/>
             </p:nvPicPr>
             <p:blipFill>
-              <a:blip r:embed="rId19"/>
+              <a:blip r:embed="rId14"/>
               <a:stretch>
                 <a:fillRect/>
               </a:stretch>
@@ -7178,10 +5807,9 @@
               <a:lstStyle/>
               <a:p>
                 <a:r>
-                  <a:rPr lang="en-GB" sz="2400" b="1" dirty="0"/>
+                  <a:rPr lang="en-US" sz="2400" b="1" noProof="0" dirty="0"/>
                   <a:t>7A</a:t>
                 </a:r>
-                <a:endParaRPr lang="en-GB" sz="2400" b="1" noProof="0" dirty="0"/>
               </a:p>
             </p:txBody>
           </p:sp>
@@ -7220,7 +5848,7 @@
                 <p:nvPr/>
               </p:nvPicPr>
               <p:blipFill>
-                <a:blip r:embed="rId20"/>
+                <a:blip r:embed="rId15"/>
                 <a:stretch>
                   <a:fillRect/>
                 </a:stretch>
@@ -7250,7 +5878,7 @@
                 <p:nvPr/>
               </p:nvPicPr>
               <p:blipFill>
-                <a:blip r:embed="rId21"/>
+                <a:blip r:embed="rId16"/>
                 <a:stretch>
                   <a:fillRect/>
                 </a:stretch>
@@ -7295,7 +5923,7 @@
               <a:lstStyle/>
               <a:p>
                 <a:r>
-                  <a:rPr lang="en-GB" sz="2400" b="1" noProof="0" dirty="0"/>
+                  <a:rPr lang="en-US" sz="2400" b="1" noProof="0" dirty="0"/>
                   <a:t>B</a:t>
                 </a:r>
               </a:p>
@@ -7303,6 +5931,2137 @@
           </p:sp>
         </p:grpSp>
       </p:grpSp>
+      <p:grpSp>
+        <p:nvGrpSpPr>
+          <p:cNvPr id="17" name="Group 16">
+            <a:extLst>
+              <a:ext uri="{FF2B5EF4-FFF2-40B4-BE49-F238E27FC236}">
+                <a16:creationId xmlns:a16="http://schemas.microsoft.com/office/drawing/2014/main" id="{8FE614A1-E572-7E36-523A-11541777E8C4}"/>
+              </a:ext>
+            </a:extLst>
+          </p:cNvPr>
+          <p:cNvGrpSpPr/>
+          <p:nvPr/>
+        </p:nvGrpSpPr>
+        <p:grpSpPr>
+          <a:xfrm>
+            <a:off x="17348975" y="28251674"/>
+            <a:ext cx="10674190" cy="5365423"/>
+            <a:chOff x="16151120" y="29619824"/>
+            <a:chExt cx="10674190" cy="5365423"/>
+          </a:xfrm>
+        </p:grpSpPr>
+        <p:pic>
+          <p:nvPicPr>
+            <p:cNvPr id="21" name="Picture 20">
+              <a:extLst>
+                <a:ext uri="{FF2B5EF4-FFF2-40B4-BE49-F238E27FC236}">
+                  <a16:creationId xmlns:a16="http://schemas.microsoft.com/office/drawing/2014/main" id="{46FC0172-46D7-F1F1-77F1-3934AC38014F}"/>
+                </a:ext>
+              </a:extLst>
+            </p:cNvPr>
+            <p:cNvPicPr>
+              <a:picLocks noChangeAspect="1"/>
+            </p:cNvPicPr>
+            <p:nvPr/>
+          </p:nvPicPr>
+          <p:blipFill>
+            <a:blip r:embed="rId17"/>
+            <a:stretch>
+              <a:fillRect/>
+            </a:stretch>
+          </p:blipFill>
+          <p:spPr>
+            <a:xfrm>
+              <a:off x="16300923" y="30050898"/>
+              <a:ext cx="3166152" cy="3158522"/>
+            </a:xfrm>
+            <a:prstGeom prst="rect">
+              <a:avLst/>
+            </a:prstGeom>
+          </p:spPr>
+        </p:pic>
+        <p:pic>
+          <p:nvPicPr>
+            <p:cNvPr id="26" name="Picture 25">
+              <a:extLst>
+                <a:ext uri="{FF2B5EF4-FFF2-40B4-BE49-F238E27FC236}">
+                  <a16:creationId xmlns:a16="http://schemas.microsoft.com/office/drawing/2014/main" id="{425E4F17-4B64-3A71-DE0E-A30348A410FC}"/>
+                </a:ext>
+              </a:extLst>
+            </p:cNvPr>
+            <p:cNvPicPr>
+              <a:picLocks noChangeAspect="1"/>
+            </p:cNvPicPr>
+            <p:nvPr/>
+          </p:nvPicPr>
+          <p:blipFill>
+            <a:blip r:embed="rId18"/>
+            <a:stretch>
+              <a:fillRect/>
+            </a:stretch>
+          </p:blipFill>
+          <p:spPr>
+            <a:xfrm>
+              <a:off x="21456117" y="30050898"/>
+              <a:ext cx="3166152" cy="3158522"/>
+            </a:xfrm>
+            <a:prstGeom prst="rect">
+              <a:avLst/>
+            </a:prstGeom>
+          </p:spPr>
+        </p:pic>
+        <p:sp>
+          <p:nvSpPr>
+            <p:cNvPr id="30" name="Textfeld 15">
+              <a:extLst>
+                <a:ext uri="{FF2B5EF4-FFF2-40B4-BE49-F238E27FC236}">
+                  <a16:creationId xmlns:a16="http://schemas.microsoft.com/office/drawing/2014/main" id="{0285D420-A90A-7BCD-5A8D-08459E3FA847}"/>
+                </a:ext>
+              </a:extLst>
+            </p:cNvPr>
+            <p:cNvSpPr txBox="1"/>
+            <p:nvPr/>
+          </p:nvSpPr>
+          <p:spPr>
+            <a:xfrm>
+              <a:off x="16176064" y="33354031"/>
+              <a:ext cx="10649246" cy="1631216"/>
+            </a:xfrm>
+            <a:prstGeom prst="rect">
+              <a:avLst/>
+            </a:prstGeom>
+            <a:noFill/>
+          </p:spPr>
+          <p:txBody>
+            <a:bodyPr wrap="square" rtlCol="0">
+              <a:spAutoFit/>
+            </a:bodyPr>
+            <a:lstStyle/>
+            <a:p>
+              <a:r>
+                <a:rPr lang="en-US" sz="2000" b="1" noProof="0" dirty="0"/>
+                <a:t>Fig. 8  </a:t>
+              </a:r>
+              <a:r>
+                <a:rPr lang="en-US" sz="2000" noProof="0" dirty="0"/>
+                <a:t>Selection Status of RBPs and Non-RBPs According to the RBP2GO Database</a:t>
+              </a:r>
+            </a:p>
+            <a:p>
+              <a:endParaRPr lang="en-US" sz="2000" noProof="0" dirty="0"/>
+            </a:p>
+            <a:p>
+              <a:r>
+                <a:rPr lang="en-US" sz="2000" b="1" noProof="0" dirty="0"/>
+                <a:t>A)</a:t>
+              </a:r>
+              <a:r>
+                <a:rPr lang="en-US" sz="2000" noProof="0" dirty="0"/>
+                <a:t> Pie chart of RBP2GO-annotated RBPs in the dataset, showing selected (orange) versus not selected (red). </a:t>
+              </a:r>
+              <a:r>
+                <a:rPr lang="en-US" sz="2000" b="1" noProof="0" dirty="0"/>
+                <a:t>B)</a:t>
+              </a:r>
+              <a:r>
+                <a:rPr lang="en-US" sz="2000" noProof="0" dirty="0"/>
+                <a:t> Pie chart of RBP2GO-annotated Non-RBPs in the dataset, showing wrongly selected (purple) versus not selected (blue).</a:t>
+              </a:r>
+            </a:p>
+          </p:txBody>
+        </p:sp>
+        <p:sp>
+          <p:nvSpPr>
+            <p:cNvPr id="34" name="TextBox 33">
+              <a:extLst>
+                <a:ext uri="{FF2B5EF4-FFF2-40B4-BE49-F238E27FC236}">
+                  <a16:creationId xmlns:a16="http://schemas.microsoft.com/office/drawing/2014/main" id="{05578982-B98A-7353-2302-3E6BB16381D2}"/>
+                </a:ext>
+              </a:extLst>
+            </p:cNvPr>
+            <p:cNvSpPr txBox="1"/>
+            <p:nvPr/>
+          </p:nvSpPr>
+          <p:spPr>
+            <a:xfrm>
+              <a:off x="19451259" y="32454171"/>
+              <a:ext cx="2103727" cy="400110"/>
+            </a:xfrm>
+            <a:prstGeom prst="rect">
+              <a:avLst/>
+            </a:prstGeom>
+            <a:noFill/>
+            <a:ln>
+              <a:noFill/>
+            </a:ln>
+          </p:spPr>
+          <p:txBody>
+            <a:bodyPr wrap="square">
+              <a:spAutoFit/>
+            </a:bodyPr>
+            <a:lstStyle/>
+            <a:p>
+              <a:r>
+                <a:rPr lang="en-US" sz="2000" noProof="0" dirty="0"/>
+                <a:t>Not Selected RBP</a:t>
+              </a:r>
+            </a:p>
+          </p:txBody>
+        </p:sp>
+        <p:sp>
+          <p:nvSpPr>
+            <p:cNvPr id="36" name="TextBox 35">
+              <a:extLst>
+                <a:ext uri="{FF2B5EF4-FFF2-40B4-BE49-F238E27FC236}">
+                  <a16:creationId xmlns:a16="http://schemas.microsoft.com/office/drawing/2014/main" id="{AD254DB4-8668-8C99-36CB-726DC63B4C16}"/>
+                </a:ext>
+              </a:extLst>
+            </p:cNvPr>
+            <p:cNvSpPr txBox="1"/>
+            <p:nvPr/>
+          </p:nvSpPr>
+          <p:spPr>
+            <a:xfrm>
+              <a:off x="19451259" y="32709847"/>
+              <a:ext cx="2103727" cy="400110"/>
+            </a:xfrm>
+            <a:prstGeom prst="rect">
+              <a:avLst/>
+            </a:prstGeom>
+            <a:noFill/>
+            <a:ln>
+              <a:noFill/>
+            </a:ln>
+          </p:spPr>
+          <p:txBody>
+            <a:bodyPr wrap="square">
+              <a:spAutoFit/>
+            </a:bodyPr>
+            <a:lstStyle/>
+            <a:p>
+              <a:r>
+                <a:rPr lang="en-US" sz="2000" noProof="0" dirty="0"/>
+                <a:t>Selected RBP</a:t>
+              </a:r>
+            </a:p>
+          </p:txBody>
+        </p:sp>
+        <p:pic>
+          <p:nvPicPr>
+            <p:cNvPr id="40" name="Picture 39">
+              <a:extLst>
+                <a:ext uri="{FF2B5EF4-FFF2-40B4-BE49-F238E27FC236}">
+                  <a16:creationId xmlns:a16="http://schemas.microsoft.com/office/drawing/2014/main" id="{1DFCBA7D-B5AE-F907-414F-445EA8CACFD4}"/>
+                </a:ext>
+              </a:extLst>
+            </p:cNvPr>
+            <p:cNvPicPr>
+              <a:picLocks noChangeAspect="1"/>
+            </p:cNvPicPr>
+            <p:nvPr/>
+          </p:nvPicPr>
+          <p:blipFill>
+            <a:blip r:embed="rId19"/>
+            <a:stretch>
+              <a:fillRect/>
+            </a:stretch>
+          </p:blipFill>
+          <p:spPr>
+            <a:xfrm>
+              <a:off x="19202785" y="32475914"/>
+              <a:ext cx="314369" cy="581106"/>
+            </a:xfrm>
+            <a:prstGeom prst="rect">
+              <a:avLst/>
+            </a:prstGeom>
+          </p:spPr>
+        </p:pic>
+        <p:pic>
+          <p:nvPicPr>
+            <p:cNvPr id="41" name="Picture 40">
+              <a:extLst>
+                <a:ext uri="{FF2B5EF4-FFF2-40B4-BE49-F238E27FC236}">
+                  <a16:creationId xmlns:a16="http://schemas.microsoft.com/office/drawing/2014/main" id="{06C669EF-18BC-53D2-B16D-DE5F84BDFDFA}"/>
+                </a:ext>
+              </a:extLst>
+            </p:cNvPr>
+            <p:cNvPicPr>
+              <a:picLocks noChangeAspect="1"/>
+            </p:cNvPicPr>
+            <p:nvPr/>
+          </p:nvPicPr>
+          <p:blipFill>
+            <a:blip r:embed="rId20"/>
+            <a:stretch>
+              <a:fillRect/>
+            </a:stretch>
+          </p:blipFill>
+          <p:spPr>
+            <a:xfrm>
+              <a:off x="24408250" y="32475914"/>
+              <a:ext cx="323895" cy="581106"/>
+            </a:xfrm>
+            <a:prstGeom prst="rect">
+              <a:avLst/>
+            </a:prstGeom>
+          </p:spPr>
+        </p:pic>
+        <p:sp>
+          <p:nvSpPr>
+            <p:cNvPr id="43" name="TextBox 42">
+              <a:extLst>
+                <a:ext uri="{FF2B5EF4-FFF2-40B4-BE49-F238E27FC236}">
+                  <a16:creationId xmlns:a16="http://schemas.microsoft.com/office/drawing/2014/main" id="{A5CF8E7F-9777-6BA7-9AE8-D57566F23C4D}"/>
+                </a:ext>
+              </a:extLst>
+            </p:cNvPr>
+            <p:cNvSpPr txBox="1"/>
+            <p:nvPr/>
+          </p:nvSpPr>
+          <p:spPr>
+            <a:xfrm>
+              <a:off x="24651297" y="32474703"/>
+              <a:ext cx="2103727" cy="400110"/>
+            </a:xfrm>
+            <a:prstGeom prst="rect">
+              <a:avLst/>
+            </a:prstGeom>
+            <a:noFill/>
+            <a:ln>
+              <a:noFill/>
+            </a:ln>
+          </p:spPr>
+          <p:txBody>
+            <a:bodyPr wrap="square">
+              <a:spAutoFit/>
+            </a:bodyPr>
+            <a:lstStyle/>
+            <a:p>
+              <a:r>
+                <a:rPr lang="en-US" sz="2000" noProof="0" dirty="0"/>
+                <a:t>Not Selected RBP</a:t>
+              </a:r>
+            </a:p>
+          </p:txBody>
+        </p:sp>
+        <p:sp>
+          <p:nvSpPr>
+            <p:cNvPr id="44" name="TextBox 43">
+              <a:extLst>
+                <a:ext uri="{FF2B5EF4-FFF2-40B4-BE49-F238E27FC236}">
+                  <a16:creationId xmlns:a16="http://schemas.microsoft.com/office/drawing/2014/main" id="{E9A7E867-BAEF-6E1C-2418-E092A1526929}"/>
+                </a:ext>
+              </a:extLst>
+            </p:cNvPr>
+            <p:cNvSpPr txBox="1"/>
+            <p:nvPr/>
+          </p:nvSpPr>
+          <p:spPr>
+            <a:xfrm>
+              <a:off x="24651297" y="32730379"/>
+              <a:ext cx="2103727" cy="400110"/>
+            </a:xfrm>
+            <a:prstGeom prst="rect">
+              <a:avLst/>
+            </a:prstGeom>
+            <a:noFill/>
+            <a:ln>
+              <a:noFill/>
+            </a:ln>
+          </p:spPr>
+          <p:txBody>
+            <a:bodyPr wrap="square">
+              <a:spAutoFit/>
+            </a:bodyPr>
+            <a:lstStyle/>
+            <a:p>
+              <a:r>
+                <a:rPr lang="en-US" sz="2000" noProof="0" dirty="0"/>
+                <a:t>Selected RBP</a:t>
+              </a:r>
+            </a:p>
+          </p:txBody>
+        </p:sp>
+        <p:sp>
+          <p:nvSpPr>
+            <p:cNvPr id="45" name="Textfeld 102">
+              <a:extLst>
+                <a:ext uri="{FF2B5EF4-FFF2-40B4-BE49-F238E27FC236}">
+                  <a16:creationId xmlns:a16="http://schemas.microsoft.com/office/drawing/2014/main" id="{700CE9E2-B925-DC16-296F-90E9B43ADBA6}"/>
+                </a:ext>
+              </a:extLst>
+            </p:cNvPr>
+            <p:cNvSpPr txBox="1"/>
+            <p:nvPr/>
+          </p:nvSpPr>
+          <p:spPr>
+            <a:xfrm>
+              <a:off x="16151120" y="29640840"/>
+              <a:ext cx="3428405" cy="400110"/>
+            </a:xfrm>
+            <a:prstGeom prst="rect">
+              <a:avLst/>
+            </a:prstGeom>
+            <a:noFill/>
+          </p:spPr>
+          <p:txBody>
+            <a:bodyPr wrap="square" rtlCol="0">
+              <a:spAutoFit/>
+            </a:bodyPr>
+            <a:lstStyle/>
+            <a:p>
+              <a:pPr algn="ctr"/>
+              <a:r>
+                <a:rPr lang="en-US" sz="2000" noProof="0" dirty="0"/>
+                <a:t>RBP2GO-known RBPs</a:t>
+              </a:r>
+              <a:endParaRPr lang="en-US" sz="2000" b="1" noProof="0" dirty="0"/>
+            </a:p>
+          </p:txBody>
+        </p:sp>
+        <p:sp>
+          <p:nvSpPr>
+            <p:cNvPr id="46" name="Textfeld 102">
+              <a:extLst>
+                <a:ext uri="{FF2B5EF4-FFF2-40B4-BE49-F238E27FC236}">
+                  <a16:creationId xmlns:a16="http://schemas.microsoft.com/office/drawing/2014/main" id="{899739B5-AF15-339F-7FC7-16B0F1D53A58}"/>
+                </a:ext>
+              </a:extLst>
+            </p:cNvPr>
+            <p:cNvSpPr txBox="1"/>
+            <p:nvPr/>
+          </p:nvSpPr>
+          <p:spPr>
+            <a:xfrm>
+              <a:off x="21615720" y="29619824"/>
+              <a:ext cx="3428405" cy="400110"/>
+            </a:xfrm>
+            <a:prstGeom prst="rect">
+              <a:avLst/>
+            </a:prstGeom>
+            <a:noFill/>
+          </p:spPr>
+          <p:txBody>
+            <a:bodyPr wrap="square" rtlCol="0">
+              <a:spAutoFit/>
+            </a:bodyPr>
+            <a:lstStyle/>
+            <a:p>
+              <a:pPr algn="ctr"/>
+              <a:r>
+                <a:rPr lang="en-US" sz="2000" noProof="0" dirty="0"/>
+                <a:t>RBP2GO-known non-RBPs</a:t>
+              </a:r>
+              <a:endParaRPr lang="en-US" sz="2000" b="1" noProof="0" dirty="0"/>
+            </a:p>
+          </p:txBody>
+        </p:sp>
+      </p:grpSp>
+      <p:grpSp>
+        <p:nvGrpSpPr>
+          <p:cNvPr id="47" name="Gruppieren 84">
+            <a:extLst>
+              <a:ext uri="{FF2B5EF4-FFF2-40B4-BE49-F238E27FC236}">
+                <a16:creationId xmlns:a16="http://schemas.microsoft.com/office/drawing/2014/main" id="{B8D60569-1120-4818-7D45-E0DF2DFA9630}"/>
+              </a:ext>
+            </a:extLst>
+          </p:cNvPr>
+          <p:cNvGrpSpPr/>
+          <p:nvPr/>
+        </p:nvGrpSpPr>
+        <p:grpSpPr>
+          <a:xfrm>
+            <a:off x="783598" y="15411494"/>
+            <a:ext cx="7139411" cy="9355185"/>
+            <a:chOff x="1469515" y="16468045"/>
+            <a:chExt cx="7966203" cy="10575651"/>
+          </a:xfrm>
+        </p:grpSpPr>
+        <p:sp>
+          <p:nvSpPr>
+            <p:cNvPr id="48" name="Textfeld 1">
+              <a:extLst>
+                <a:ext uri="{FF2B5EF4-FFF2-40B4-BE49-F238E27FC236}">
+                  <a16:creationId xmlns:a16="http://schemas.microsoft.com/office/drawing/2014/main" id="{B0E70F9A-B800-5EB8-79D6-6F483F7C5C89}"/>
+                </a:ext>
+              </a:extLst>
+            </p:cNvPr>
+            <p:cNvSpPr txBox="1"/>
+            <p:nvPr/>
+          </p:nvSpPr>
+          <p:spPr>
+            <a:xfrm>
+              <a:off x="1473963" y="22764172"/>
+              <a:ext cx="7961755" cy="4279524"/>
+            </a:xfrm>
+            <a:prstGeom prst="rect">
+              <a:avLst/>
+            </a:prstGeom>
+            <a:noFill/>
+          </p:spPr>
+          <p:txBody>
+            <a:bodyPr wrap="square" rtlCol="0">
+              <a:spAutoFit/>
+            </a:bodyPr>
+            <a:lstStyle/>
+            <a:p>
+              <a:r>
+                <a:rPr lang="en-US" sz="2000" b="1" noProof="0" dirty="0"/>
+                <a:t>Fig. 3 </a:t>
+              </a:r>
+              <a:r>
+                <a:rPr lang="en-US" sz="2000" noProof="0" dirty="0"/>
+                <a:t>Criteria for the classification of proteins regarding RNA-dependency</a:t>
+              </a:r>
+            </a:p>
+            <a:p>
+              <a:endParaRPr lang="en-US" sz="2000" noProof="0" dirty="0"/>
+            </a:p>
+            <a:p>
+              <a:r>
+                <a:rPr lang="en-US" sz="2000" b="1" noProof="0" dirty="0"/>
+                <a:t>Selected (RNA-dependent):</a:t>
+              </a:r>
+            </a:p>
+            <a:p>
+              <a:pPr marL="342900" indent="-342900">
+                <a:buFont typeface="Arial" panose="020B0604020202020204" pitchFamily="34" charset="0"/>
+                <a:buChar char="•"/>
+              </a:pPr>
+              <a:r>
+                <a:rPr lang="en-US" sz="2000" noProof="0" dirty="0"/>
+                <a:t>COM shift ≥ 2 fractions </a:t>
+              </a:r>
+              <a:r>
+                <a:rPr lang="en-US" sz="2000" i="1" noProof="0" dirty="0"/>
+                <a:t>(orange)</a:t>
+              </a:r>
+              <a:endParaRPr lang="en-US" sz="2000" noProof="0" dirty="0"/>
+            </a:p>
+            <a:p>
+              <a:pPr marL="342900" indent="-342900">
+                <a:buFont typeface="Arial" panose="020B0604020202020204" pitchFamily="34" charset="0"/>
+                <a:buChar char="•"/>
+              </a:pPr>
+              <a:r>
+                <a:rPr lang="en-US" sz="2000" noProof="0" dirty="0"/>
+                <a:t>or: no COM shift, but main peak shift ≥ 3 fractions and correlation &lt; 0.7 </a:t>
+              </a:r>
+              <a:r>
+                <a:rPr lang="en-US" sz="2000" i="1" noProof="0" dirty="0"/>
+                <a:t>(red)</a:t>
+              </a:r>
+            </a:p>
+            <a:p>
+              <a:endParaRPr lang="en-US" sz="2000" noProof="0" dirty="0"/>
+            </a:p>
+            <a:p>
+              <a:r>
+                <a:rPr lang="en-US" sz="2000" b="1" noProof="0" dirty="0"/>
+                <a:t>Not selected (not RNA-dependent):</a:t>
+              </a:r>
+            </a:p>
+            <a:p>
+              <a:pPr marL="342900" indent="-342900">
+                <a:buFont typeface="Arial" panose="020B0604020202020204" pitchFamily="34" charset="0"/>
+                <a:buChar char="•"/>
+              </a:pPr>
+              <a:r>
+                <a:rPr lang="en-US" sz="2000" noProof="0" dirty="0"/>
+                <a:t>No COM shift ≥ 2 and no peak shift ≥ 3 </a:t>
+              </a:r>
+              <a:r>
+                <a:rPr lang="en-US" sz="2000" i="1" noProof="0" dirty="0"/>
+                <a:t>(purple)</a:t>
+              </a:r>
+              <a:endParaRPr lang="en-US" sz="2000" noProof="0" dirty="0"/>
+            </a:p>
+            <a:p>
+              <a:pPr marL="342900" indent="-342900">
+                <a:buFont typeface="Arial" panose="020B0604020202020204" pitchFamily="34" charset="0"/>
+                <a:buChar char="•"/>
+              </a:pPr>
+              <a:r>
+                <a:rPr lang="en-US" sz="2000" noProof="0" dirty="0"/>
+                <a:t>or: peak shift without COM shift </a:t>
+              </a:r>
+              <a:r>
+                <a:rPr lang="en-US" sz="2000" b="1" noProof="0" dirty="0"/>
+                <a:t>and</a:t>
+              </a:r>
+              <a:r>
+                <a:rPr lang="en-US" sz="2000" noProof="0" dirty="0"/>
+                <a:t> correlation ≥ 0.7 </a:t>
+              </a:r>
+              <a:r>
+                <a:rPr lang="en-US" sz="2000" i="1" noProof="0" dirty="0"/>
+                <a:t>(dark blue)</a:t>
+              </a:r>
+              <a:endParaRPr lang="en-US" sz="2000" noProof="0" dirty="0"/>
+            </a:p>
+          </p:txBody>
+        </p:sp>
+        <p:pic>
+          <p:nvPicPr>
+            <p:cNvPr id="49" name="Grafik 59">
+              <a:extLst>
+                <a:ext uri="{FF2B5EF4-FFF2-40B4-BE49-F238E27FC236}">
+                  <a16:creationId xmlns:a16="http://schemas.microsoft.com/office/drawing/2014/main" id="{4DC40AB0-5470-5D6D-C5E5-20579E350424}"/>
+                </a:ext>
+              </a:extLst>
+            </p:cNvPr>
+            <p:cNvPicPr>
+              <a:picLocks noChangeAspect="1"/>
+            </p:cNvPicPr>
+            <p:nvPr/>
+          </p:nvPicPr>
+          <p:blipFill>
+            <a:blip r:embed="rId21"/>
+            <a:srcRect l="5933" t="4817" r="4548" b="5155"/>
+            <a:stretch>
+              <a:fillRect/>
+            </a:stretch>
+          </p:blipFill>
+          <p:spPr>
+            <a:xfrm>
+              <a:off x="1469515" y="16626521"/>
+              <a:ext cx="7408446" cy="6030216"/>
+            </a:xfrm>
+            <a:prstGeom prst="rect">
+              <a:avLst/>
+            </a:prstGeom>
+          </p:spPr>
+        </p:pic>
+        <p:sp>
+          <p:nvSpPr>
+            <p:cNvPr id="50" name="Textfeld 60">
+              <a:extLst>
+                <a:ext uri="{FF2B5EF4-FFF2-40B4-BE49-F238E27FC236}">
+                  <a16:creationId xmlns:a16="http://schemas.microsoft.com/office/drawing/2014/main" id="{6D6B1CD8-DC8B-47AA-895A-4E72262FC551}"/>
+                </a:ext>
+              </a:extLst>
+            </p:cNvPr>
+            <p:cNvSpPr txBox="1"/>
+            <p:nvPr/>
+          </p:nvSpPr>
+          <p:spPr>
+            <a:xfrm>
+              <a:off x="1571757" y="16468045"/>
+              <a:ext cx="560060" cy="461665"/>
+            </a:xfrm>
+            <a:prstGeom prst="rect">
+              <a:avLst/>
+            </a:prstGeom>
+            <a:noFill/>
+          </p:spPr>
+          <p:txBody>
+            <a:bodyPr wrap="square" rtlCol="0">
+              <a:spAutoFit/>
+            </a:bodyPr>
+            <a:lstStyle/>
+            <a:p>
+              <a:r>
+                <a:rPr lang="en-US" sz="2400" b="1" noProof="0" dirty="0"/>
+                <a:t>3</a:t>
+              </a:r>
+            </a:p>
+          </p:txBody>
+        </p:sp>
+      </p:grpSp>
+      <p:grpSp>
+        <p:nvGrpSpPr>
+          <p:cNvPr id="96" name="Group 95">
+            <a:extLst>
+              <a:ext uri="{FF2B5EF4-FFF2-40B4-BE49-F238E27FC236}">
+                <a16:creationId xmlns:a16="http://schemas.microsoft.com/office/drawing/2014/main" id="{E2433C34-44DF-AC5E-BB46-6DDF90F78F05}"/>
+              </a:ext>
+            </a:extLst>
+          </p:cNvPr>
+          <p:cNvGrpSpPr/>
+          <p:nvPr/>
+        </p:nvGrpSpPr>
+        <p:grpSpPr>
+          <a:xfrm>
+            <a:off x="7876977" y="15386936"/>
+            <a:ext cx="4005104" cy="4441341"/>
+            <a:chOff x="8077058" y="15538766"/>
+            <a:chExt cx="4308757" cy="4778066"/>
+          </a:xfrm>
+        </p:grpSpPr>
+        <p:sp>
+          <p:nvSpPr>
+            <p:cNvPr id="72" name="Textfeld 12">
+              <a:extLst>
+                <a:ext uri="{FF2B5EF4-FFF2-40B4-BE49-F238E27FC236}">
+                  <a16:creationId xmlns:a16="http://schemas.microsoft.com/office/drawing/2014/main" id="{2B00A5F5-D396-CDB5-91CD-CFF02A0697B2}"/>
+                </a:ext>
+              </a:extLst>
+            </p:cNvPr>
+            <p:cNvSpPr txBox="1"/>
+            <p:nvPr/>
+          </p:nvSpPr>
+          <p:spPr>
+            <a:xfrm>
+              <a:off x="8077058" y="15538766"/>
+              <a:ext cx="615174" cy="461665"/>
+            </a:xfrm>
+            <a:prstGeom prst="rect">
+              <a:avLst/>
+            </a:prstGeom>
+            <a:noFill/>
+          </p:spPr>
+          <p:txBody>
+            <a:bodyPr wrap="square" rtlCol="0">
+              <a:spAutoFit/>
+            </a:bodyPr>
+            <a:lstStyle/>
+            <a:p>
+              <a:r>
+                <a:rPr lang="en-US" sz="2400" b="1" noProof="0" dirty="0"/>
+                <a:t>4A</a:t>
+              </a:r>
+            </a:p>
+          </p:txBody>
+        </p:sp>
+        <p:grpSp>
+          <p:nvGrpSpPr>
+            <p:cNvPr id="94" name="Group 93">
+              <a:extLst>
+                <a:ext uri="{FF2B5EF4-FFF2-40B4-BE49-F238E27FC236}">
+                  <a16:creationId xmlns:a16="http://schemas.microsoft.com/office/drawing/2014/main" id="{A15F13E8-28F8-AD8C-EFB7-4F4709FEA9DC}"/>
+                </a:ext>
+              </a:extLst>
+            </p:cNvPr>
+            <p:cNvGrpSpPr/>
+            <p:nvPr/>
+          </p:nvGrpSpPr>
+          <p:grpSpPr>
+            <a:xfrm>
+              <a:off x="8161119" y="15755416"/>
+              <a:ext cx="4224696" cy="4561416"/>
+              <a:chOff x="8161119" y="15755416"/>
+              <a:chExt cx="4224696" cy="4561416"/>
+            </a:xfrm>
+          </p:grpSpPr>
+          <p:pic>
+            <p:nvPicPr>
+              <p:cNvPr id="71" name="Grafik 2">
+                <a:extLst>
+                  <a:ext uri="{FF2B5EF4-FFF2-40B4-BE49-F238E27FC236}">
+                    <a16:creationId xmlns:a16="http://schemas.microsoft.com/office/drawing/2014/main" id="{FD53CAC0-15BF-0542-805D-DF3521FEA0AD}"/>
+                  </a:ext>
+                </a:extLst>
+              </p:cNvPr>
+              <p:cNvPicPr>
+                <a:picLocks noChangeAspect="1"/>
+              </p:cNvPicPr>
+              <p:nvPr/>
+            </p:nvPicPr>
+            <p:blipFill>
+              <a:blip r:embed="rId22"/>
+              <a:srcRect r="55251"/>
+              <a:stretch>
+                <a:fillRect/>
+              </a:stretch>
+            </p:blipFill>
+            <p:spPr>
+              <a:xfrm>
+                <a:off x="8560974" y="16463302"/>
+                <a:ext cx="3685426" cy="3581400"/>
+              </a:xfrm>
+              <a:prstGeom prst="rect">
+                <a:avLst/>
+              </a:prstGeom>
+            </p:spPr>
+          </p:pic>
+          <p:sp>
+            <p:nvSpPr>
+              <p:cNvPr id="68" name="Textfeld 85">
+                <a:extLst>
+                  <a:ext uri="{FF2B5EF4-FFF2-40B4-BE49-F238E27FC236}">
+                    <a16:creationId xmlns:a16="http://schemas.microsoft.com/office/drawing/2014/main" id="{5548DF4B-7E66-0967-3A8E-7F0CDE505377}"/>
+                  </a:ext>
+                </a:extLst>
+              </p:cNvPr>
+              <p:cNvSpPr txBox="1"/>
+              <p:nvPr/>
+            </p:nvSpPr>
+            <p:spPr>
+              <a:xfrm>
+                <a:off x="8884102" y="15755416"/>
+                <a:ext cx="3366498" cy="707886"/>
+              </a:xfrm>
+              <a:prstGeom prst="rect">
+                <a:avLst/>
+              </a:prstGeom>
+              <a:noFill/>
+            </p:spPr>
+            <p:txBody>
+              <a:bodyPr wrap="square" rtlCol="0">
+                <a:spAutoFit/>
+              </a:bodyPr>
+              <a:lstStyle/>
+              <a:p>
+                <a:pPr algn="ctr"/>
+                <a:r>
+                  <a:rPr lang="en-US" sz="2000" noProof="0" dirty="0"/>
+                  <a:t>Comparison of COM values among </a:t>
+                </a:r>
+                <a:r>
+                  <a:rPr lang="en-US" sz="2000" b="1" noProof="0" dirty="0"/>
+                  <a:t>selected proteins</a:t>
+                </a:r>
+              </a:p>
+            </p:txBody>
+          </p:sp>
+          <p:sp>
+            <p:nvSpPr>
+              <p:cNvPr id="57" name="Textfeld 104">
+                <a:extLst>
+                  <a:ext uri="{FF2B5EF4-FFF2-40B4-BE49-F238E27FC236}">
+                    <a16:creationId xmlns:a16="http://schemas.microsoft.com/office/drawing/2014/main" id="{E7E566D3-EC80-9203-8C6E-218F1DF0AC5C}"/>
+                  </a:ext>
+                </a:extLst>
+              </p:cNvPr>
+              <p:cNvSpPr txBox="1"/>
+              <p:nvPr/>
+            </p:nvSpPr>
+            <p:spPr>
+              <a:xfrm rot="16200000">
+                <a:off x="6768879" y="17813081"/>
+                <a:ext cx="3181813" cy="397333"/>
+              </a:xfrm>
+              <a:prstGeom prst="rect">
+                <a:avLst/>
+              </a:prstGeom>
+              <a:noFill/>
+            </p:spPr>
+            <p:txBody>
+              <a:bodyPr wrap="square" rtlCol="0">
+                <a:spAutoFit/>
+              </a:bodyPr>
+              <a:lstStyle/>
+              <a:p>
+                <a:r>
+                  <a:rPr lang="en-US" noProof="0" dirty="0"/>
+                  <a:t>COM values for RNASE subset </a:t>
+                </a:r>
+              </a:p>
+            </p:txBody>
+          </p:sp>
+          <p:sp>
+            <p:nvSpPr>
+              <p:cNvPr id="59" name="Textfeld 105">
+                <a:extLst>
+                  <a:ext uri="{FF2B5EF4-FFF2-40B4-BE49-F238E27FC236}">
+                    <a16:creationId xmlns:a16="http://schemas.microsoft.com/office/drawing/2014/main" id="{EC0A2F70-ADE1-84C0-E473-D76B91A12DCF}"/>
+                  </a:ext>
+                </a:extLst>
+              </p:cNvPr>
+              <p:cNvSpPr txBox="1"/>
+              <p:nvPr/>
+            </p:nvSpPr>
+            <p:spPr>
+              <a:xfrm>
+                <a:off x="8839664" y="19947500"/>
+                <a:ext cx="3546151" cy="369332"/>
+              </a:xfrm>
+              <a:prstGeom prst="rect">
+                <a:avLst/>
+              </a:prstGeom>
+              <a:noFill/>
+            </p:spPr>
+            <p:txBody>
+              <a:bodyPr wrap="square" rtlCol="0">
+                <a:spAutoFit/>
+              </a:bodyPr>
+              <a:lstStyle/>
+              <a:p>
+                <a:r>
+                  <a:rPr lang="en-US" noProof="0" dirty="0"/>
+                  <a:t>COM values for control subset </a:t>
+                </a:r>
+              </a:p>
+            </p:txBody>
+          </p:sp>
+        </p:grpSp>
+      </p:grpSp>
+      <p:sp>
+        <p:nvSpPr>
+          <p:cNvPr id="77" name="Textfeld 82">
+            <a:extLst>
+              <a:ext uri="{FF2B5EF4-FFF2-40B4-BE49-F238E27FC236}">
+                <a16:creationId xmlns:a16="http://schemas.microsoft.com/office/drawing/2014/main" id="{A4F537C0-DF2A-B78B-E817-D02C4F194DFB}"/>
+              </a:ext>
+            </a:extLst>
+          </p:cNvPr>
+          <p:cNvSpPr txBox="1"/>
+          <p:nvPr/>
+        </p:nvSpPr>
+        <p:spPr>
+          <a:xfrm>
+            <a:off x="12246884" y="20082863"/>
+            <a:ext cx="4998758" cy="5324535"/>
+          </a:xfrm>
+          <a:prstGeom prst="rect">
+            <a:avLst/>
+          </a:prstGeom>
+          <a:noFill/>
+        </p:spPr>
+        <p:txBody>
+          <a:bodyPr wrap="square" rtlCol="0">
+            <a:spAutoFit/>
+          </a:bodyPr>
+          <a:lstStyle/>
+          <a:p>
+            <a:r>
+              <a:rPr lang="en-US" sz="2000" b="1" noProof="0" dirty="0"/>
+              <a:t>F</a:t>
+            </a:r>
+            <a:r>
+              <a:rPr lang="en-US" sz="2000" b="1" noProof="0" dirty="0">
+                <a:highlight>
+                  <a:srgbClr val="FFFF00"/>
+                </a:highlight>
+              </a:rPr>
+              <a:t>ig. 6 </a:t>
+            </a:r>
+            <a:r>
+              <a:rPr lang="en-US" sz="2000" noProof="0" dirty="0">
+                <a:highlight>
+                  <a:srgbClr val="FFFF00"/>
+                </a:highlight>
+              </a:rPr>
+              <a:t>Histogram of isoelectric points (</a:t>
+            </a:r>
+            <a:r>
+              <a:rPr lang="en-US" sz="2000" noProof="0" dirty="0" err="1">
+                <a:highlight>
+                  <a:srgbClr val="FFFF00"/>
+                </a:highlight>
+              </a:rPr>
+              <a:t>pI</a:t>
+            </a:r>
+            <a:r>
+              <a:rPr lang="en-US" sz="2000" noProof="0" dirty="0">
+                <a:highlight>
+                  <a:srgbClr val="FFFF00"/>
+                </a:highlight>
+              </a:rPr>
+              <a:t>) for selected proteins</a:t>
+            </a:r>
+            <a:br>
+              <a:rPr lang="en-US" sz="2000" noProof="0" dirty="0">
+                <a:highlight>
+                  <a:srgbClr val="FFFF00"/>
+                </a:highlight>
+              </a:rPr>
+            </a:br>
+            <a:r>
+              <a:rPr lang="en-US" sz="2000" noProof="0" dirty="0">
+                <a:highlight>
+                  <a:srgbClr val="FFFF00"/>
+                </a:highlight>
+              </a:rPr>
+              <a:t>The mean </a:t>
+            </a:r>
+            <a:r>
+              <a:rPr lang="en-US" sz="2000" noProof="0" dirty="0" err="1">
+                <a:highlight>
+                  <a:srgbClr val="FFFF00"/>
+                </a:highlight>
+              </a:rPr>
+              <a:t>pI</a:t>
+            </a:r>
+            <a:r>
+              <a:rPr lang="en-US" sz="2000" noProof="0" dirty="0">
+                <a:highlight>
+                  <a:srgbClr val="FFFF00"/>
+                </a:highlight>
+              </a:rPr>
+              <a:t> (8.16) is marked by a black line. A right-sided t-test against </a:t>
+            </a:r>
+            <a:r>
+              <a:rPr lang="en-US" sz="2000" noProof="0" dirty="0" err="1">
+                <a:highlight>
+                  <a:srgbClr val="FFFF00"/>
+                </a:highlight>
+              </a:rPr>
+              <a:t>pI</a:t>
+            </a:r>
+            <a:r>
+              <a:rPr lang="en-US" sz="2000" noProof="0" dirty="0">
+                <a:highlight>
+                  <a:srgbClr val="FFFF00"/>
+                </a:highlight>
+              </a:rPr>
+              <a:t> = 7.0 yielded a p-value of 2.2e-16, indicating that selected proteins have significantly higher isoelectric points.</a:t>
+            </a:r>
+          </a:p>
+          <a:p>
+            <a:r>
+              <a:rPr lang="en-US" sz="2000" b="1" noProof="0" dirty="0">
+                <a:highlight>
+                  <a:srgbClr val="FFFF00"/>
+                </a:highlight>
+              </a:rPr>
+              <a:t>Fig. 4 </a:t>
+            </a:r>
+            <a:r>
+              <a:rPr lang="en-US" sz="2000" noProof="0" dirty="0">
+                <a:highlight>
+                  <a:srgbClr val="FFFF00"/>
+                </a:highlight>
+              </a:rPr>
+              <a:t>COM shifts between control and RNase conditions for selected and not selected proteins</a:t>
+            </a:r>
+          </a:p>
+          <a:p>
+            <a:r>
+              <a:rPr lang="en-US" sz="2000" noProof="0" dirty="0">
+                <a:highlight>
+                  <a:srgbClr val="FFFF00"/>
+                </a:highlight>
+              </a:rPr>
+              <a:t>Each dot represents a protein. X-axis: COM in control, Y-axis: COM in RNase.</a:t>
+            </a:r>
+            <a:br>
+              <a:rPr lang="en-US" sz="2000" noProof="0" dirty="0">
+                <a:highlight>
+                  <a:srgbClr val="FFFF00"/>
+                </a:highlight>
+              </a:rPr>
+            </a:br>
+            <a:r>
+              <a:rPr lang="en-US" sz="2000" noProof="0" dirty="0">
+                <a:highlight>
+                  <a:srgbClr val="FFFF00"/>
+                </a:highlight>
+              </a:rPr>
+              <a:t>Colors indicate subsets of selected or not selected proteins.</a:t>
+            </a:r>
+            <a:br>
+              <a:rPr lang="en-US" sz="2000" noProof="0" dirty="0">
+                <a:highlight>
+                  <a:srgbClr val="FFFF00"/>
+                </a:highlight>
+              </a:rPr>
+            </a:br>
+            <a:r>
+              <a:rPr lang="en-US" sz="2000" b="1" noProof="0" dirty="0">
+                <a:highlight>
+                  <a:srgbClr val="FFFF00"/>
+                </a:highlight>
+              </a:rPr>
+              <a:t>A)</a:t>
+            </a:r>
+            <a:r>
+              <a:rPr lang="en-US" sz="2000" noProof="0" dirty="0">
+                <a:highlight>
+                  <a:srgbClr val="FFFF00"/>
+                </a:highlight>
+              </a:rPr>
+              <a:t> Selected proteins </a:t>
+            </a:r>
+          </a:p>
+          <a:p>
+            <a:r>
+              <a:rPr lang="en-US" sz="2000" b="1" noProof="0" dirty="0">
+                <a:highlight>
+                  <a:srgbClr val="FFFF00"/>
+                </a:highlight>
+              </a:rPr>
+              <a:t>B)</a:t>
+            </a:r>
+            <a:r>
+              <a:rPr lang="en-US" sz="2000" noProof="0" dirty="0">
+                <a:highlight>
+                  <a:srgbClr val="FFFF00"/>
+                </a:highlight>
+              </a:rPr>
+              <a:t> Not selected proteins</a:t>
+            </a:r>
+          </a:p>
+          <a:p>
+            <a:endParaRPr lang="en-US" sz="2000" noProof="0" dirty="0"/>
+          </a:p>
+        </p:txBody>
+      </p:sp>
+      <p:grpSp>
+        <p:nvGrpSpPr>
+          <p:cNvPr id="128" name="Group 127">
+            <a:extLst>
+              <a:ext uri="{FF2B5EF4-FFF2-40B4-BE49-F238E27FC236}">
+                <a16:creationId xmlns:a16="http://schemas.microsoft.com/office/drawing/2014/main" id="{3038826A-F45A-0EF6-0225-39CBD3385DF3}"/>
+              </a:ext>
+            </a:extLst>
+          </p:cNvPr>
+          <p:cNvGrpSpPr/>
+          <p:nvPr/>
+        </p:nvGrpSpPr>
+        <p:grpSpPr>
+          <a:xfrm>
+            <a:off x="12195471" y="15409388"/>
+            <a:ext cx="4162133" cy="4538632"/>
+            <a:chOff x="11733654" y="15068115"/>
+            <a:chExt cx="4316371" cy="4706823"/>
+          </a:xfrm>
+        </p:grpSpPr>
+        <p:pic>
+          <p:nvPicPr>
+            <p:cNvPr id="74" name="Grafik 79">
+              <a:extLst>
+                <a:ext uri="{FF2B5EF4-FFF2-40B4-BE49-F238E27FC236}">
+                  <a16:creationId xmlns:a16="http://schemas.microsoft.com/office/drawing/2014/main" id="{1DC05401-CCDE-33AC-AFEE-99450670C329}"/>
+                </a:ext>
+              </a:extLst>
+            </p:cNvPr>
+            <p:cNvPicPr>
+              <a:picLocks noChangeAspect="1"/>
+            </p:cNvPicPr>
+            <p:nvPr/>
+          </p:nvPicPr>
+          <p:blipFill>
+            <a:blip r:embed="rId23"/>
+            <a:stretch>
+              <a:fillRect/>
+            </a:stretch>
+          </p:blipFill>
+          <p:spPr>
+            <a:xfrm>
+              <a:off x="12136307" y="15837822"/>
+              <a:ext cx="3913718" cy="3609975"/>
+            </a:xfrm>
+            <a:prstGeom prst="rect">
+              <a:avLst/>
+            </a:prstGeom>
+          </p:spPr>
+        </p:pic>
+        <p:sp>
+          <p:nvSpPr>
+            <p:cNvPr id="75" name="Textfeld 80">
+              <a:extLst>
+                <a:ext uri="{FF2B5EF4-FFF2-40B4-BE49-F238E27FC236}">
+                  <a16:creationId xmlns:a16="http://schemas.microsoft.com/office/drawing/2014/main" id="{5CE10273-B9DA-EC4B-AFB4-43767818DB85}"/>
+                </a:ext>
+              </a:extLst>
+            </p:cNvPr>
+            <p:cNvSpPr txBox="1"/>
+            <p:nvPr/>
+          </p:nvSpPr>
+          <p:spPr>
+            <a:xfrm rot="16200000">
+              <a:off x="11140398" y="17063850"/>
+              <a:ext cx="1559562" cy="369332"/>
+            </a:xfrm>
+            <a:prstGeom prst="rect">
+              <a:avLst/>
+            </a:prstGeom>
+            <a:noFill/>
+          </p:spPr>
+          <p:txBody>
+            <a:bodyPr wrap="square" rtlCol="0">
+              <a:spAutoFit/>
+            </a:bodyPr>
+            <a:lstStyle/>
+            <a:p>
+              <a:r>
+                <a:rPr lang="en-US" noProof="0" dirty="0"/>
+                <a:t>Frequency</a:t>
+              </a:r>
+            </a:p>
+          </p:txBody>
+        </p:sp>
+        <p:sp>
+          <p:nvSpPr>
+            <p:cNvPr id="76" name="Textfeld 81">
+              <a:extLst>
+                <a:ext uri="{FF2B5EF4-FFF2-40B4-BE49-F238E27FC236}">
+                  <a16:creationId xmlns:a16="http://schemas.microsoft.com/office/drawing/2014/main" id="{4C636F0D-D1A1-9A42-4B80-D9B0FEB0F540}"/>
+                </a:ext>
+              </a:extLst>
+            </p:cNvPr>
+            <p:cNvSpPr txBox="1"/>
+            <p:nvPr/>
+          </p:nvSpPr>
+          <p:spPr>
+            <a:xfrm>
+              <a:off x="13518016" y="19405606"/>
+              <a:ext cx="1817047" cy="369332"/>
+            </a:xfrm>
+            <a:prstGeom prst="rect">
+              <a:avLst/>
+            </a:prstGeom>
+            <a:noFill/>
+          </p:spPr>
+          <p:txBody>
+            <a:bodyPr wrap="square" rtlCol="0">
+              <a:spAutoFit/>
+            </a:bodyPr>
+            <a:lstStyle/>
+            <a:p>
+              <a:r>
+                <a:rPr lang="en-US" noProof="0" dirty="0"/>
+                <a:t>Isoelectric point</a:t>
+              </a:r>
+            </a:p>
+          </p:txBody>
+        </p:sp>
+        <p:sp>
+          <p:nvSpPr>
+            <p:cNvPr id="79" name="Textfeld 97">
+              <a:extLst>
+                <a:ext uri="{FF2B5EF4-FFF2-40B4-BE49-F238E27FC236}">
+                  <a16:creationId xmlns:a16="http://schemas.microsoft.com/office/drawing/2014/main" id="{FB937246-12EA-4E83-6D12-E15CCDEA54A3}"/>
+                </a:ext>
+              </a:extLst>
+            </p:cNvPr>
+            <p:cNvSpPr txBox="1"/>
+            <p:nvPr/>
+          </p:nvSpPr>
+          <p:spPr>
+            <a:xfrm>
+              <a:off x="11733654" y="15068115"/>
+              <a:ext cx="518851" cy="461665"/>
+            </a:xfrm>
+            <a:prstGeom prst="rect">
+              <a:avLst/>
+            </a:prstGeom>
+            <a:noFill/>
+          </p:spPr>
+          <p:txBody>
+            <a:bodyPr wrap="square" rtlCol="0">
+              <a:spAutoFit/>
+            </a:bodyPr>
+            <a:lstStyle/>
+            <a:p>
+              <a:r>
+                <a:rPr lang="en-US" sz="2400" b="1" noProof="0" dirty="0"/>
+                <a:t>C</a:t>
+              </a:r>
+            </a:p>
+          </p:txBody>
+        </p:sp>
+      </p:grpSp>
+      <p:grpSp>
+        <p:nvGrpSpPr>
+          <p:cNvPr id="95" name="Group 94">
+            <a:extLst>
+              <a:ext uri="{FF2B5EF4-FFF2-40B4-BE49-F238E27FC236}">
+                <a16:creationId xmlns:a16="http://schemas.microsoft.com/office/drawing/2014/main" id="{DA66BA5A-1AEA-D481-50D6-1008BA5B529E}"/>
+              </a:ext>
+            </a:extLst>
+          </p:cNvPr>
+          <p:cNvGrpSpPr/>
+          <p:nvPr/>
+        </p:nvGrpSpPr>
+        <p:grpSpPr>
+          <a:xfrm>
+            <a:off x="7955631" y="20068304"/>
+            <a:ext cx="3889075" cy="4404606"/>
+            <a:chOff x="12804710" y="15579033"/>
+            <a:chExt cx="4157729" cy="4763267"/>
+          </a:xfrm>
+        </p:grpSpPr>
+        <p:sp>
+          <p:nvSpPr>
+            <p:cNvPr id="69" name="Textfeld 102">
+              <a:extLst>
+                <a:ext uri="{FF2B5EF4-FFF2-40B4-BE49-F238E27FC236}">
+                  <a16:creationId xmlns:a16="http://schemas.microsoft.com/office/drawing/2014/main" id="{A60318EE-16E9-F33F-90D9-765EFA8969DC}"/>
+                </a:ext>
+              </a:extLst>
+            </p:cNvPr>
+            <p:cNvSpPr txBox="1"/>
+            <p:nvPr/>
+          </p:nvSpPr>
+          <p:spPr>
+            <a:xfrm>
+              <a:off x="13313615" y="15718538"/>
+              <a:ext cx="3428405" cy="707886"/>
+            </a:xfrm>
+            <a:prstGeom prst="rect">
+              <a:avLst/>
+            </a:prstGeom>
+            <a:noFill/>
+          </p:spPr>
+          <p:txBody>
+            <a:bodyPr wrap="square" rtlCol="0">
+              <a:spAutoFit/>
+            </a:bodyPr>
+            <a:lstStyle/>
+            <a:p>
+              <a:pPr algn="ctr"/>
+              <a:r>
+                <a:rPr lang="en-US" sz="2000" noProof="0" dirty="0"/>
+                <a:t>Comparison of COM values among </a:t>
+              </a:r>
+              <a:r>
+                <a:rPr lang="en-US" sz="2000" b="1" noProof="0" dirty="0"/>
+                <a:t>not selected proteins </a:t>
+              </a:r>
+            </a:p>
+          </p:txBody>
+        </p:sp>
+        <p:sp>
+          <p:nvSpPr>
+            <p:cNvPr id="60" name="Textfeld 107">
+              <a:extLst>
+                <a:ext uri="{FF2B5EF4-FFF2-40B4-BE49-F238E27FC236}">
+                  <a16:creationId xmlns:a16="http://schemas.microsoft.com/office/drawing/2014/main" id="{165D4061-A83D-75E6-04E8-6D614DE826BE}"/>
+                </a:ext>
+              </a:extLst>
+            </p:cNvPr>
+            <p:cNvSpPr txBox="1"/>
+            <p:nvPr/>
+          </p:nvSpPr>
+          <p:spPr>
+            <a:xfrm>
+              <a:off x="13416288" y="19972968"/>
+              <a:ext cx="3546151" cy="369332"/>
+            </a:xfrm>
+            <a:prstGeom prst="rect">
+              <a:avLst/>
+            </a:prstGeom>
+            <a:noFill/>
+          </p:spPr>
+          <p:txBody>
+            <a:bodyPr wrap="square" rtlCol="0">
+              <a:spAutoFit/>
+            </a:bodyPr>
+            <a:lstStyle/>
+            <a:p>
+              <a:r>
+                <a:rPr lang="en-US" noProof="0" dirty="0"/>
+                <a:t>COM values for control subset </a:t>
+              </a:r>
+            </a:p>
+          </p:txBody>
+        </p:sp>
+        <p:sp>
+          <p:nvSpPr>
+            <p:cNvPr id="66" name="Textfeld 108">
+              <a:extLst>
+                <a:ext uri="{FF2B5EF4-FFF2-40B4-BE49-F238E27FC236}">
+                  <a16:creationId xmlns:a16="http://schemas.microsoft.com/office/drawing/2014/main" id="{691A02D3-E72E-22E1-9655-8075AF393F1B}"/>
+                </a:ext>
+              </a:extLst>
+            </p:cNvPr>
+            <p:cNvSpPr txBox="1"/>
+            <p:nvPr/>
+          </p:nvSpPr>
+          <p:spPr>
+            <a:xfrm rot="16200000">
+              <a:off x="11351208" y="17773514"/>
+              <a:ext cx="3301849" cy="394845"/>
+            </a:xfrm>
+            <a:prstGeom prst="rect">
+              <a:avLst/>
+            </a:prstGeom>
+            <a:noFill/>
+          </p:spPr>
+          <p:txBody>
+            <a:bodyPr wrap="square" rtlCol="0">
+              <a:spAutoFit/>
+            </a:bodyPr>
+            <a:lstStyle/>
+            <a:p>
+              <a:r>
+                <a:rPr lang="en-US" noProof="0" dirty="0"/>
+                <a:t>COM values for RNASE subset </a:t>
+              </a:r>
+            </a:p>
+          </p:txBody>
+        </p:sp>
+        <p:sp>
+          <p:nvSpPr>
+            <p:cNvPr id="54" name="Textfeld 111">
+              <a:extLst>
+                <a:ext uri="{FF2B5EF4-FFF2-40B4-BE49-F238E27FC236}">
+                  <a16:creationId xmlns:a16="http://schemas.microsoft.com/office/drawing/2014/main" id="{10544EBB-628C-2009-E9D8-58B87E689FF0}"/>
+                </a:ext>
+              </a:extLst>
+            </p:cNvPr>
+            <p:cNvSpPr txBox="1"/>
+            <p:nvPr/>
+          </p:nvSpPr>
+          <p:spPr>
+            <a:xfrm>
+              <a:off x="12831543" y="15579033"/>
+              <a:ext cx="389485" cy="461665"/>
+            </a:xfrm>
+            <a:prstGeom prst="rect">
+              <a:avLst/>
+            </a:prstGeom>
+            <a:noFill/>
+          </p:spPr>
+          <p:txBody>
+            <a:bodyPr wrap="square" rtlCol="0">
+              <a:spAutoFit/>
+            </a:bodyPr>
+            <a:lstStyle/>
+            <a:p>
+              <a:r>
+                <a:rPr lang="en-US" sz="2400" b="1" noProof="0" dirty="0"/>
+                <a:t>B</a:t>
+              </a:r>
+            </a:p>
+          </p:txBody>
+        </p:sp>
+        <p:pic>
+          <p:nvPicPr>
+            <p:cNvPr id="92" name="Grafik 2">
+              <a:extLst>
+                <a:ext uri="{FF2B5EF4-FFF2-40B4-BE49-F238E27FC236}">
+                  <a16:creationId xmlns:a16="http://schemas.microsoft.com/office/drawing/2014/main" id="{DDBF2959-1309-AC29-FA74-37BA93542EBF}"/>
+                </a:ext>
+              </a:extLst>
+            </p:cNvPr>
+            <p:cNvPicPr>
+              <a:picLocks noChangeAspect="1"/>
+            </p:cNvPicPr>
+            <p:nvPr/>
+          </p:nvPicPr>
+          <p:blipFill>
+            <a:blip r:embed="rId22"/>
+            <a:srcRect l="55251"/>
+            <a:stretch>
+              <a:fillRect/>
+            </a:stretch>
+          </p:blipFill>
+          <p:spPr>
+            <a:xfrm>
+              <a:off x="13134383" y="16463302"/>
+              <a:ext cx="3662346" cy="3581400"/>
+            </a:xfrm>
+            <a:prstGeom prst="rect">
+              <a:avLst/>
+            </a:prstGeom>
+          </p:spPr>
+        </p:pic>
+      </p:grpSp>
+      <p:grpSp>
+        <p:nvGrpSpPr>
+          <p:cNvPr id="97" name="Group 96">
+            <a:extLst>
+              <a:ext uri="{FF2B5EF4-FFF2-40B4-BE49-F238E27FC236}">
+                <a16:creationId xmlns:a16="http://schemas.microsoft.com/office/drawing/2014/main" id="{44F41FCF-E37E-336D-0DF1-E513637C4621}"/>
+              </a:ext>
+            </a:extLst>
+          </p:cNvPr>
+          <p:cNvGrpSpPr/>
+          <p:nvPr/>
+        </p:nvGrpSpPr>
+        <p:grpSpPr>
+          <a:xfrm>
+            <a:off x="926673" y="7834633"/>
+            <a:ext cx="28770335" cy="5226151"/>
+            <a:chOff x="894433" y="7799104"/>
+            <a:chExt cx="28770335" cy="5226151"/>
+          </a:xfrm>
+        </p:grpSpPr>
+        <p:pic>
+          <p:nvPicPr>
+            <p:cNvPr id="103" name="Picture 102">
+              <a:extLst>
+                <a:ext uri="{FF2B5EF4-FFF2-40B4-BE49-F238E27FC236}">
+                  <a16:creationId xmlns:a16="http://schemas.microsoft.com/office/drawing/2014/main" id="{F8A78B26-4395-BA90-DFD7-910B738BAFC1}"/>
+                </a:ext>
+              </a:extLst>
+            </p:cNvPr>
+            <p:cNvPicPr>
+              <a:picLocks noChangeAspect="1"/>
+            </p:cNvPicPr>
+            <p:nvPr/>
+          </p:nvPicPr>
+          <p:blipFill>
+            <a:blip r:embed="rId24"/>
+            <a:stretch>
+              <a:fillRect/>
+            </a:stretch>
+          </p:blipFill>
+          <p:spPr>
+            <a:xfrm>
+              <a:off x="18944755" y="7799104"/>
+              <a:ext cx="5210902" cy="3934374"/>
+            </a:xfrm>
+            <a:prstGeom prst="rect">
+              <a:avLst/>
+            </a:prstGeom>
+          </p:spPr>
+        </p:pic>
+        <p:sp>
+          <p:nvSpPr>
+            <p:cNvPr id="113" name="TextBox 112">
+              <a:extLst>
+                <a:ext uri="{FF2B5EF4-FFF2-40B4-BE49-F238E27FC236}">
+                  <a16:creationId xmlns:a16="http://schemas.microsoft.com/office/drawing/2014/main" id="{D5BBE78E-5EAA-705F-76C4-C0414726B2D5}"/>
+                </a:ext>
+              </a:extLst>
+            </p:cNvPr>
+            <p:cNvSpPr txBox="1"/>
+            <p:nvPr/>
+          </p:nvSpPr>
+          <p:spPr>
+            <a:xfrm>
+              <a:off x="894433" y="10862114"/>
+              <a:ext cx="9644470" cy="1891287"/>
+            </a:xfrm>
+            <a:prstGeom prst="rect">
+              <a:avLst/>
+            </a:prstGeom>
+            <a:noFill/>
+            <a:ln>
+              <a:noFill/>
+            </a:ln>
+          </p:spPr>
+          <p:txBody>
+            <a:bodyPr wrap="square">
+              <a:spAutoFit/>
+            </a:bodyPr>
+            <a:lstStyle/>
+            <a:p>
+              <a:pPr>
+                <a:lnSpc>
+                  <a:spcPct val="150000"/>
+                </a:lnSpc>
+              </a:pPr>
+              <a:r>
+                <a:rPr lang="en-US" sz="2000" b="1" noProof="0" dirty="0"/>
+                <a:t>Key Characteristics of Our Dataset</a:t>
+              </a:r>
+            </a:p>
+            <a:p>
+              <a:pPr marL="342900" indent="-342900">
+                <a:lnSpc>
+                  <a:spcPct val="150000"/>
+                </a:lnSpc>
+                <a:buFont typeface="Arial" panose="020B0604020202020204" pitchFamily="34" charset="0"/>
+                <a:buChar char="•"/>
+              </a:pPr>
+              <a:r>
+                <a:rPr lang="en-US" sz="2000" noProof="0" dirty="0"/>
+                <a:t>Dataset was created using the R-Deep approach</a:t>
+              </a:r>
+            </a:p>
+            <a:p>
+              <a:pPr marL="342900" indent="-342900">
+                <a:lnSpc>
+                  <a:spcPct val="150000"/>
+                </a:lnSpc>
+                <a:buFont typeface="Arial" panose="020B0604020202020204" pitchFamily="34" charset="0"/>
+                <a:buChar char="•"/>
+              </a:pPr>
+              <a:r>
+                <a:rPr lang="en-US" sz="2000" noProof="0" dirty="0"/>
+                <a:t>Contains 4765 proteins and their intensity values under normal (control) and RNase treated conditions in 25 sucrose density fractions, each fraction measured in triplicates </a:t>
+              </a:r>
+            </a:p>
+          </p:txBody>
+        </p:sp>
+        <p:grpSp>
+          <p:nvGrpSpPr>
+            <p:cNvPr id="115" name="Group 114">
+              <a:extLst>
+                <a:ext uri="{FF2B5EF4-FFF2-40B4-BE49-F238E27FC236}">
+                  <a16:creationId xmlns:a16="http://schemas.microsoft.com/office/drawing/2014/main" id="{8776C85D-3BD1-5D6D-D054-CD91A6018653}"/>
+                </a:ext>
+              </a:extLst>
+            </p:cNvPr>
+            <p:cNvGrpSpPr/>
+            <p:nvPr/>
+          </p:nvGrpSpPr>
+          <p:grpSpPr>
+            <a:xfrm>
+              <a:off x="18659378" y="7834298"/>
+              <a:ext cx="11005390" cy="5190957"/>
+              <a:chOff x="17953486" y="7860815"/>
+              <a:chExt cx="11005390" cy="5190957"/>
+            </a:xfrm>
+          </p:grpSpPr>
+          <p:sp>
+            <p:nvSpPr>
+              <p:cNvPr id="126" name="TextBox 125">
+                <a:extLst>
+                  <a:ext uri="{FF2B5EF4-FFF2-40B4-BE49-F238E27FC236}">
+                    <a16:creationId xmlns:a16="http://schemas.microsoft.com/office/drawing/2014/main" id="{8EAA66E9-7CD1-F199-0C9C-1C47F42F197A}"/>
+                  </a:ext>
+                </a:extLst>
+              </p:cNvPr>
+              <p:cNvSpPr txBox="1"/>
+              <p:nvPr/>
+            </p:nvSpPr>
+            <p:spPr>
+              <a:xfrm>
+                <a:off x="18346399" y="7860815"/>
+                <a:ext cx="625063" cy="461665"/>
+              </a:xfrm>
+              <a:prstGeom prst="rect">
+                <a:avLst/>
+              </a:prstGeom>
+              <a:noFill/>
+            </p:spPr>
+            <p:txBody>
+              <a:bodyPr wrap="square" rtlCol="0">
+                <a:spAutoFit/>
+              </a:bodyPr>
+              <a:lstStyle/>
+              <a:p>
+                <a:r>
+                  <a:rPr lang="en-US" sz="2400" b="1" noProof="0" dirty="0"/>
+                  <a:t>2A</a:t>
+                </a:r>
+              </a:p>
+            </p:txBody>
+          </p:sp>
+          <p:sp>
+            <p:nvSpPr>
+              <p:cNvPr id="127" name="TextBox 126">
+                <a:extLst>
+                  <a:ext uri="{FF2B5EF4-FFF2-40B4-BE49-F238E27FC236}">
+                    <a16:creationId xmlns:a16="http://schemas.microsoft.com/office/drawing/2014/main" id="{4779D009-FA4B-E53A-85EA-4BB0C002D8F2}"/>
+                  </a:ext>
+                </a:extLst>
+              </p:cNvPr>
+              <p:cNvSpPr txBox="1"/>
+              <p:nvPr/>
+            </p:nvSpPr>
+            <p:spPr>
+              <a:xfrm>
+                <a:off x="17953486" y="11728333"/>
+                <a:ext cx="11005390" cy="1323439"/>
+              </a:xfrm>
+              <a:prstGeom prst="rect">
+                <a:avLst/>
+              </a:prstGeom>
+              <a:noFill/>
+            </p:spPr>
+            <p:txBody>
+              <a:bodyPr wrap="square" rtlCol="0">
+                <a:spAutoFit/>
+              </a:bodyPr>
+              <a:lstStyle/>
+              <a:p>
+                <a:r>
+                  <a:rPr lang="en-US" sz="2000" b="1" noProof="0" dirty="0"/>
+                  <a:t>Fig. 2 </a:t>
+                </a:r>
+                <a:r>
+                  <a:rPr lang="en-US" sz="2000" noProof="0" dirty="0"/>
+                  <a:t>Plot of protein in data set. The data has been cleaned and normalized beforehand.</a:t>
+                </a:r>
+              </a:p>
+              <a:p>
+                <a:endParaRPr lang="en-US" sz="2000" noProof="0" dirty="0"/>
+              </a:p>
+              <a:p>
+                <a:r>
+                  <a:rPr lang="en-US" sz="2000" b="1" noProof="0" dirty="0"/>
+                  <a:t>A) </a:t>
+                </a:r>
+                <a:r>
+                  <a:rPr lang="en-US" sz="2000" noProof="0" dirty="0"/>
+                  <a:t>An </a:t>
+                </a:r>
+                <a:r>
+                  <a:rPr lang="en-US" sz="2000" noProof="0" dirty="0" err="1"/>
+                  <a:t>RNA.dependent</a:t>
+                </a:r>
+                <a:r>
+                  <a:rPr lang="en-US" sz="2000" noProof="0" dirty="0"/>
+                  <a:t> protein exhibits a shift for its intensity values between control and RNASE group. </a:t>
+                </a:r>
+              </a:p>
+              <a:p>
+                <a:r>
+                  <a:rPr lang="en-US" sz="2000" b="1" noProof="0" dirty="0"/>
+                  <a:t>B) </a:t>
+                </a:r>
+                <a:r>
+                  <a:rPr lang="en-US" sz="2000" noProof="0" dirty="0"/>
+                  <a:t>A nor RNA-dependent protein exhibits no such shift</a:t>
+                </a:r>
+              </a:p>
+            </p:txBody>
+          </p:sp>
+        </p:grpSp>
+        <p:sp>
+          <p:nvSpPr>
+            <p:cNvPr id="116" name="TextBox 115">
+              <a:extLst>
+                <a:ext uri="{FF2B5EF4-FFF2-40B4-BE49-F238E27FC236}">
+                  <a16:creationId xmlns:a16="http://schemas.microsoft.com/office/drawing/2014/main" id="{EF8294D2-B361-B9A8-3A29-E703A40B0356}"/>
+                </a:ext>
+              </a:extLst>
+            </p:cNvPr>
+            <p:cNvSpPr txBox="1"/>
+            <p:nvPr/>
+          </p:nvSpPr>
+          <p:spPr>
+            <a:xfrm>
+              <a:off x="940780" y="8181621"/>
+              <a:ext cx="8971597" cy="2352952"/>
+            </a:xfrm>
+            <a:prstGeom prst="rect">
+              <a:avLst/>
+            </a:prstGeom>
+            <a:noFill/>
+          </p:spPr>
+          <p:txBody>
+            <a:bodyPr wrap="square" rtlCol="0">
+              <a:spAutoFit/>
+            </a:bodyPr>
+            <a:lstStyle/>
+            <a:p>
+              <a:pPr>
+                <a:lnSpc>
+                  <a:spcPct val="150000"/>
+                </a:lnSpc>
+              </a:pPr>
+              <a:r>
+                <a:rPr lang="en-US" sz="2000" b="1" noProof="0" dirty="0"/>
+                <a:t>Why should we observe RNA-dependent proteins?</a:t>
+              </a:r>
+            </a:p>
+            <a:p>
+              <a:pPr marL="342900" indent="-342900">
+                <a:lnSpc>
+                  <a:spcPct val="150000"/>
+                </a:lnSpc>
+                <a:buFont typeface="Arial" panose="020B0604020202020204" pitchFamily="34" charset="0"/>
+                <a:buChar char="•"/>
+              </a:pPr>
+              <a:r>
+                <a:rPr lang="en-US" sz="2000" b="1" noProof="0" dirty="0"/>
+                <a:t>Key Regulators:</a:t>
+              </a:r>
+              <a:r>
+                <a:rPr lang="en-US" sz="2000" noProof="0" dirty="0"/>
+                <a:t> RBPs control RNA metabolism &amp; gene expression.</a:t>
+              </a:r>
+            </a:p>
+            <a:p>
+              <a:pPr marL="342900" indent="-342900">
+                <a:lnSpc>
+                  <a:spcPct val="150000"/>
+                </a:lnSpc>
+                <a:buFont typeface="Arial" panose="020B0604020202020204" pitchFamily="34" charset="0"/>
+                <a:buChar char="•"/>
+              </a:pPr>
+              <a:r>
+                <a:rPr lang="en-US" sz="2000" b="1" noProof="0" dirty="0"/>
+                <a:t>Disease Links:</a:t>
+              </a:r>
+              <a:r>
+                <a:rPr lang="en-US" sz="2000" noProof="0" dirty="0"/>
+                <a:t> </a:t>
+              </a:r>
+              <a:r>
+                <a:rPr lang="en-US" sz="2000" noProof="0" dirty="0" err="1"/>
+                <a:t>Misregulation</a:t>
+              </a:r>
+              <a:r>
+                <a:rPr lang="en-US" sz="2000" noProof="0" dirty="0"/>
+                <a:t> is tied to cancer &amp; neurodegeneration.</a:t>
+              </a:r>
+            </a:p>
+            <a:p>
+              <a:pPr marL="342900" indent="-342900">
+                <a:lnSpc>
+                  <a:spcPct val="150000"/>
+                </a:lnSpc>
+                <a:buFont typeface="Arial" panose="020B0604020202020204" pitchFamily="34" charset="0"/>
+                <a:buChar char="•"/>
+              </a:pPr>
+              <a:r>
+                <a:rPr lang="en-US" sz="2000" b="1" noProof="0" dirty="0"/>
+                <a:t>Functional Clues:</a:t>
+              </a:r>
+              <a:r>
+                <a:rPr lang="en-US" sz="2000" noProof="0" dirty="0"/>
+                <a:t> New RBPs hint at RNA’s role in specific pathways.</a:t>
+              </a:r>
+            </a:p>
+            <a:p>
+              <a:pPr marL="342900" indent="-342900">
+                <a:lnSpc>
+                  <a:spcPct val="150000"/>
+                </a:lnSpc>
+                <a:buFont typeface="Arial" panose="020B0604020202020204" pitchFamily="34" charset="0"/>
+                <a:buChar char="•"/>
+              </a:pPr>
+              <a:r>
+                <a:rPr lang="en-US" sz="2000" b="1" noProof="0" dirty="0"/>
+                <a:t>Molecular Insights:</a:t>
+              </a:r>
+              <a:r>
+                <a:rPr lang="en-US" sz="2000" noProof="0" dirty="0"/>
+                <a:t> Deepens the understanding of cell cycle and cellular behavior</a:t>
+              </a:r>
+              <a:endParaRPr lang="en-US" sz="2000" b="1" noProof="0" dirty="0"/>
+            </a:p>
+          </p:txBody>
+        </p:sp>
+        <p:pic>
+          <p:nvPicPr>
+            <p:cNvPr id="117" name="Picture 116">
+              <a:extLst>
+                <a:ext uri="{FF2B5EF4-FFF2-40B4-BE49-F238E27FC236}">
+                  <a16:creationId xmlns:a16="http://schemas.microsoft.com/office/drawing/2014/main" id="{B6FE8BDD-7CCF-FAC2-6AC5-0A498256DF62}"/>
+                </a:ext>
+              </a:extLst>
+            </p:cNvPr>
+            <p:cNvPicPr>
+              <a:picLocks noChangeAspect="1"/>
+            </p:cNvPicPr>
+            <p:nvPr/>
+          </p:nvPicPr>
+          <p:blipFill>
+            <a:blip r:embed="rId25"/>
+            <a:stretch>
+              <a:fillRect/>
+            </a:stretch>
+          </p:blipFill>
+          <p:spPr>
+            <a:xfrm>
+              <a:off x="24059051" y="7871410"/>
+              <a:ext cx="5210902" cy="3934374"/>
+            </a:xfrm>
+            <a:prstGeom prst="rect">
+              <a:avLst/>
+            </a:prstGeom>
+          </p:spPr>
+        </p:pic>
+        <p:grpSp>
+          <p:nvGrpSpPr>
+            <p:cNvPr id="119" name="Gruppieren 64">
+              <a:extLst>
+                <a:ext uri="{FF2B5EF4-FFF2-40B4-BE49-F238E27FC236}">
+                  <a16:creationId xmlns:a16="http://schemas.microsoft.com/office/drawing/2014/main" id="{F82F879B-D7CC-F13A-2C59-903C509B0E47}"/>
+                </a:ext>
+              </a:extLst>
+            </p:cNvPr>
+            <p:cNvGrpSpPr/>
+            <p:nvPr/>
+          </p:nvGrpSpPr>
+          <p:grpSpPr>
+            <a:xfrm>
+              <a:off x="10957242" y="7853349"/>
+              <a:ext cx="7053033" cy="5049893"/>
+              <a:chOff x="10957242" y="7853349"/>
+              <a:chExt cx="7053033" cy="5049893"/>
+            </a:xfrm>
+          </p:grpSpPr>
+          <p:pic>
+            <p:nvPicPr>
+              <p:cNvPr id="121" name="Grafik 112">
+                <a:extLst>
+                  <a:ext uri="{FF2B5EF4-FFF2-40B4-BE49-F238E27FC236}">
+                    <a16:creationId xmlns:a16="http://schemas.microsoft.com/office/drawing/2014/main" id="{D63288BC-45C2-8E4B-BAA8-B1BA91C94394}"/>
+                  </a:ext>
+                </a:extLst>
+              </p:cNvPr>
+              <p:cNvPicPr>
+                <a:picLocks noChangeAspect="1"/>
+              </p:cNvPicPr>
+              <p:nvPr/>
+            </p:nvPicPr>
+            <p:blipFill>
+              <a:blip r:embed="rId26"/>
+              <a:stretch>
+                <a:fillRect/>
+              </a:stretch>
+            </p:blipFill>
+            <p:spPr>
+              <a:xfrm>
+                <a:off x="10989388" y="8065466"/>
+                <a:ext cx="6501979" cy="3150834"/>
+              </a:xfrm>
+              <a:prstGeom prst="rect">
+                <a:avLst/>
+              </a:prstGeom>
+            </p:spPr>
+          </p:pic>
+          <p:sp>
+            <p:nvSpPr>
+              <p:cNvPr id="124" name="Textfeld 113">
+                <a:extLst>
+                  <a:ext uri="{FF2B5EF4-FFF2-40B4-BE49-F238E27FC236}">
+                    <a16:creationId xmlns:a16="http://schemas.microsoft.com/office/drawing/2014/main" id="{F25ED036-DB88-7AC7-9714-9F2C059F3954}"/>
+                  </a:ext>
+                </a:extLst>
+              </p:cNvPr>
+              <p:cNvSpPr txBox="1"/>
+              <p:nvPr/>
+            </p:nvSpPr>
+            <p:spPr>
+              <a:xfrm>
+                <a:off x="10957242" y="11272026"/>
+                <a:ext cx="7053033" cy="1631216"/>
+              </a:xfrm>
+              <a:prstGeom prst="rect">
+                <a:avLst/>
+              </a:prstGeom>
+              <a:noFill/>
+            </p:spPr>
+            <p:txBody>
+              <a:bodyPr wrap="square" rtlCol="0">
+                <a:spAutoFit/>
+              </a:bodyPr>
+              <a:lstStyle/>
+              <a:p>
+                <a:r>
+                  <a:rPr lang="en-US" sz="2000" b="1" noProof="0" dirty="0"/>
+                  <a:t>Fig 1 </a:t>
+                </a:r>
+                <a:r>
+                  <a:rPr lang="en-US" sz="2000" noProof="0" dirty="0"/>
+                  <a:t>Schematic Illustration of RNA-dependency.</a:t>
+                </a:r>
+              </a:p>
+              <a:p>
+                <a:endParaRPr lang="en-US" sz="2000" noProof="0" dirty="0"/>
+              </a:p>
+              <a:p>
+                <a:r>
+                  <a:rPr lang="en-US" sz="2000" noProof="0" dirty="0"/>
+                  <a:t>A protein is considered RNA-dependent if its interactome is dependent on RNA. It is either is directly or indirectly attached to RNA, </a:t>
+                </a:r>
+                <a:r>
+                  <a:rPr lang="en-US" sz="2000" noProof="0" dirty="0" err="1"/>
+                  <a:t>ist</a:t>
+                </a:r>
+                <a:r>
+                  <a:rPr lang="en-US" sz="2000" noProof="0" dirty="0"/>
+                  <a:t> functionality in biological context is associated with RNA</a:t>
+                </a:r>
+              </a:p>
+            </p:txBody>
+          </p:sp>
+          <p:sp>
+            <p:nvSpPr>
+              <p:cNvPr id="125" name="Textfeld 114">
+                <a:extLst>
+                  <a:ext uri="{FF2B5EF4-FFF2-40B4-BE49-F238E27FC236}">
+                    <a16:creationId xmlns:a16="http://schemas.microsoft.com/office/drawing/2014/main" id="{4E792D5F-4D60-7459-DF40-451D0A1EA541}"/>
+                  </a:ext>
+                </a:extLst>
+              </p:cNvPr>
+              <p:cNvSpPr txBox="1"/>
+              <p:nvPr/>
+            </p:nvSpPr>
+            <p:spPr>
+              <a:xfrm>
+                <a:off x="10989388" y="7853349"/>
+                <a:ext cx="648470" cy="461665"/>
+              </a:xfrm>
+              <a:prstGeom prst="rect">
+                <a:avLst/>
+              </a:prstGeom>
+              <a:noFill/>
+            </p:spPr>
+            <p:txBody>
+              <a:bodyPr wrap="square" rtlCol="0">
+                <a:spAutoFit/>
+              </a:bodyPr>
+              <a:lstStyle/>
+              <a:p>
+                <a:r>
+                  <a:rPr lang="en-US" sz="2400" b="1" noProof="0" dirty="0"/>
+                  <a:t>1</a:t>
+                </a:r>
+              </a:p>
+            </p:txBody>
+          </p:sp>
+        </p:grpSp>
+      </p:grpSp>
+      <p:sp>
+        <p:nvSpPr>
+          <p:cNvPr id="134" name="Rectangle: Top Corners Rounded 133">
+            <a:extLst>
+              <a:ext uri="{FF2B5EF4-FFF2-40B4-BE49-F238E27FC236}">
+                <a16:creationId xmlns:a16="http://schemas.microsoft.com/office/drawing/2014/main" id="{44831EF5-9956-2863-A85D-EE69CE05B131}"/>
+              </a:ext>
+            </a:extLst>
+          </p:cNvPr>
+          <p:cNvSpPr/>
+          <p:nvPr/>
+        </p:nvSpPr>
+        <p:spPr>
+          <a:xfrm flipV="1">
+            <a:off x="-1" y="41581094"/>
+            <a:ext cx="30275213" cy="1222667"/>
+          </a:xfrm>
+          <a:prstGeom prst="round2SameRect">
+            <a:avLst>
+              <a:gd name="adj1" fmla="val 0"/>
+              <a:gd name="adj2" fmla="val 0"/>
+            </a:avLst>
+          </a:prstGeom>
+          <a:solidFill>
+            <a:srgbClr val="141F4C"/>
+          </a:solidFill>
+          <a:ln w="254000">
+            <a:noFill/>
+          </a:ln>
+        </p:spPr>
+        <p:style>
+          <a:lnRef idx="2">
+            <a:schemeClr val="accent1">
+              <a:shade val="15000"/>
+            </a:schemeClr>
+          </a:lnRef>
+          <a:fillRef idx="1">
+            <a:schemeClr val="accent1"/>
+          </a:fillRef>
+          <a:effectRef idx="0">
+            <a:schemeClr val="accent1"/>
+          </a:effectRef>
+          <a:fontRef idx="minor">
+            <a:schemeClr val="lt1"/>
+          </a:fontRef>
+        </p:style>
+        <p:txBody>
+          <a:bodyPr rtlCol="0" anchor="ctr"/>
+          <a:lstStyle/>
+          <a:p>
+            <a:pPr algn="ctr"/>
+            <a:endParaRPr lang="en-US" noProof="0" dirty="0"/>
+          </a:p>
+        </p:txBody>
+      </p:sp>
+      <p:sp>
+        <p:nvSpPr>
+          <p:cNvPr id="31" name="Flowchart: Connector 30">
+            <a:extLst>
+              <a:ext uri="{FF2B5EF4-FFF2-40B4-BE49-F238E27FC236}">
+                <a16:creationId xmlns:a16="http://schemas.microsoft.com/office/drawing/2014/main" id="{D0D147AE-3111-67D2-0D06-B2CB3F7277CF}"/>
+              </a:ext>
+            </a:extLst>
+          </p:cNvPr>
+          <p:cNvSpPr/>
+          <p:nvPr/>
+        </p:nvSpPr>
+        <p:spPr>
+          <a:xfrm>
+            <a:off x="1194288" y="13584696"/>
+            <a:ext cx="2006111" cy="1960592"/>
+          </a:xfrm>
+          <a:prstGeom prst="flowChartConnector">
+            <a:avLst/>
+          </a:prstGeom>
+          <a:solidFill>
+            <a:schemeClr val="bg1"/>
+          </a:solidFill>
+          <a:ln w="254000">
+            <a:solidFill>
+              <a:srgbClr val="141F4C"/>
+            </a:solidFill>
+          </a:ln>
+        </p:spPr>
+        <p:style>
+          <a:lnRef idx="2">
+            <a:schemeClr val="accent1">
+              <a:shade val="15000"/>
+            </a:schemeClr>
+          </a:lnRef>
+          <a:fillRef idx="1">
+            <a:schemeClr val="accent1"/>
+          </a:fillRef>
+          <a:effectRef idx="0">
+            <a:schemeClr val="accent1"/>
+          </a:effectRef>
+          <a:fontRef idx="minor">
+            <a:schemeClr val="lt1"/>
+          </a:fontRef>
+        </p:style>
+        <p:txBody>
+          <a:bodyPr rtlCol="0" anchor="ctr"/>
+          <a:lstStyle/>
+          <a:p>
+            <a:pPr algn="ctr"/>
+            <a:r>
+              <a:rPr lang="en-US" sz="7000" b="1" noProof="0" dirty="0">
+                <a:solidFill>
+                  <a:srgbClr val="120D31"/>
+                </a:solidFill>
+              </a:rPr>
+              <a:t>2</a:t>
+            </a:r>
+          </a:p>
+        </p:txBody>
+      </p:sp>
+      <p:sp>
+        <p:nvSpPr>
+          <p:cNvPr id="145" name="TextBox 144">
+            <a:extLst>
+              <a:ext uri="{FF2B5EF4-FFF2-40B4-BE49-F238E27FC236}">
+                <a16:creationId xmlns:a16="http://schemas.microsoft.com/office/drawing/2014/main" id="{D38B928D-3AA3-6554-F587-911E82DD8624}"/>
+              </a:ext>
+            </a:extLst>
+          </p:cNvPr>
+          <p:cNvSpPr txBox="1"/>
+          <p:nvPr/>
+        </p:nvSpPr>
+        <p:spPr>
+          <a:xfrm>
+            <a:off x="17003688" y="28168244"/>
+            <a:ext cx="536059" cy="461665"/>
+          </a:xfrm>
+          <a:prstGeom prst="rect">
+            <a:avLst/>
+          </a:prstGeom>
+          <a:noFill/>
+        </p:spPr>
+        <p:txBody>
+          <a:bodyPr wrap="square" rtlCol="0">
+            <a:spAutoFit/>
+          </a:bodyPr>
+          <a:lstStyle/>
+          <a:p>
+            <a:r>
+              <a:rPr lang="en-US" sz="2400" b="1" noProof="0" dirty="0"/>
+              <a:t>8A</a:t>
+            </a:r>
+          </a:p>
+        </p:txBody>
+      </p:sp>
+      <p:sp>
+        <p:nvSpPr>
+          <p:cNvPr id="146" name="TextBox 145">
+            <a:extLst>
+              <a:ext uri="{FF2B5EF4-FFF2-40B4-BE49-F238E27FC236}">
+                <a16:creationId xmlns:a16="http://schemas.microsoft.com/office/drawing/2014/main" id="{BCBFDA70-40DD-623E-EA65-7089EAF41C08}"/>
+              </a:ext>
+            </a:extLst>
+          </p:cNvPr>
+          <p:cNvSpPr txBox="1"/>
+          <p:nvPr/>
+        </p:nvSpPr>
+        <p:spPr>
+          <a:xfrm>
+            <a:off x="22296681" y="28168244"/>
+            <a:ext cx="536059" cy="461665"/>
+          </a:xfrm>
+          <a:prstGeom prst="rect">
+            <a:avLst/>
+          </a:prstGeom>
+          <a:noFill/>
+        </p:spPr>
+        <p:txBody>
+          <a:bodyPr wrap="square" rtlCol="0">
+            <a:spAutoFit/>
+          </a:bodyPr>
+          <a:lstStyle/>
+          <a:p>
+            <a:r>
+              <a:rPr lang="en-US" sz="2400" b="1" noProof="0" dirty="0"/>
+              <a:t>B</a:t>
+            </a:r>
+          </a:p>
+        </p:txBody>
+      </p:sp>
     </p:spTree>
     <p:extLst>
       <p:ext uri="{BB962C8B-B14F-4D97-AF65-F5344CB8AC3E}">

--- a/Poster.pptx
+++ b/Poster.pptx
@@ -3604,8 +3604,8 @@
         </p:nvSpPr>
         <p:spPr>
           <a:xfrm>
-            <a:off x="15747588" y="26383469"/>
-            <a:ext cx="13858989" cy="7375456"/>
+            <a:off x="15747588" y="26247883"/>
+            <a:ext cx="13949420" cy="7511042"/>
           </a:xfrm>
           <a:prstGeom prst="roundRect">
             <a:avLst>
@@ -3716,8 +3716,8 @@
         </p:nvSpPr>
         <p:spPr>
           <a:xfrm>
-            <a:off x="588255" y="14136795"/>
-            <a:ext cx="29054323" cy="11148358"/>
+            <a:off x="568333" y="14136795"/>
+            <a:ext cx="29128675" cy="11148358"/>
           </a:xfrm>
           <a:prstGeom prst="roundRect">
             <a:avLst>
@@ -3772,8 +3772,8 @@
         </p:nvSpPr>
         <p:spPr>
           <a:xfrm>
-            <a:off x="619433" y="6354751"/>
-            <a:ext cx="29054323" cy="6827879"/>
+            <a:off x="568333" y="6354751"/>
+            <a:ext cx="29128675" cy="6827879"/>
           </a:xfrm>
           <a:prstGeom prst="roundRect">
             <a:avLst>
@@ -4258,7 +4258,7 @@
         <p:spPr>
           <a:xfrm>
             <a:off x="668636" y="26294978"/>
-            <a:ext cx="14468970" cy="1430255"/>
+            <a:ext cx="14417870" cy="1430255"/>
           </a:xfrm>
           <a:prstGeom prst="roundRect">
             <a:avLst>
@@ -4317,8 +4317,8 @@
         </p:nvSpPr>
         <p:spPr>
           <a:xfrm>
-            <a:off x="15765564" y="26388157"/>
-            <a:ext cx="13841013" cy="1430255"/>
+            <a:off x="15765564" y="26245022"/>
+            <a:ext cx="13841013" cy="1459709"/>
           </a:xfrm>
           <a:prstGeom prst="roundRect">
             <a:avLst>
@@ -4699,7 +4699,7 @@
         </p:nvSpPr>
         <p:spPr>
           <a:xfrm>
-            <a:off x="16242587" y="26045947"/>
+            <a:off x="16188646" y="25934889"/>
             <a:ext cx="2006111" cy="1960592"/>
           </a:xfrm>
           <a:prstGeom prst="flowChartConnector">
@@ -7562,15 +7562,7 @@
                 </a:r>
                 <a:r>
                   <a:rPr lang="en-US" sz="2000" noProof="0" dirty="0"/>
-                  <a:t>An </a:t>
-                </a:r>
-                <a:r>
-                  <a:rPr lang="en-US" sz="2000" noProof="0" dirty="0" err="1"/>
-                  <a:t>RNA.dependent</a:t>
-                </a:r>
-                <a:r>
-                  <a:rPr lang="en-US" sz="2000" noProof="0" dirty="0"/>
-                  <a:t> protein exhibits a shift for its intensity values between control and RNASE group. </a:t>
+                  <a:t>An RNA dependent protein exhibits a shift for its intensity values between control and RNASE group. </a:t>
                 </a:r>
               </a:p>
               <a:p>
@@ -7659,7 +7651,7 @@
               </a:r>
               <a:r>
                 <a:rPr lang="en-US" sz="2000" noProof="0" dirty="0" err="1"/>
-                <a:t>Misregulation</a:t>
+                <a:t>Missregulation</a:t>
               </a:r>
               <a:r>
                 <a:rPr lang="en-US" sz="2000" noProof="0" dirty="0"/>

--- a/Poster.pptx
+++ b/Poster.pptx
@@ -3451,6 +3451,95 @@
       </p:grpSpPr>
       <p:sp>
         <p:nvSpPr>
+          <p:cNvPr id="14" name="Rectangle: Rounded Corners 13">
+            <a:extLst>
+              <a:ext uri="{FF2B5EF4-FFF2-40B4-BE49-F238E27FC236}">
+                <a16:creationId xmlns:a16="http://schemas.microsoft.com/office/drawing/2014/main" id="{7DBA1CD7-4612-B9B8-375A-F3831483B68C}"/>
+              </a:ext>
+            </a:extLst>
+          </p:cNvPr>
+          <p:cNvSpPr/>
+          <p:nvPr/>
+        </p:nvSpPr>
+        <p:spPr>
+          <a:xfrm>
+            <a:off x="568333" y="6354751"/>
+            <a:ext cx="29128675" cy="6827879"/>
+          </a:xfrm>
+          <a:prstGeom prst="roundRect">
+            <a:avLst>
+              <a:gd name="adj" fmla="val 4408"/>
+            </a:avLst>
+          </a:prstGeom>
+          <a:solidFill>
+            <a:schemeClr val="bg1"/>
+          </a:solidFill>
+          <a:ln w="254000">
+            <a:solidFill>
+              <a:srgbClr val="842332"/>
+            </a:solidFill>
+          </a:ln>
+        </p:spPr>
+        <p:style>
+          <a:lnRef idx="2">
+            <a:schemeClr val="accent1">
+              <a:shade val="15000"/>
+            </a:schemeClr>
+          </a:lnRef>
+          <a:fillRef idx="1">
+            <a:schemeClr val="accent1"/>
+          </a:fillRef>
+          <a:effectRef idx="0">
+            <a:schemeClr val="accent1"/>
+          </a:effectRef>
+          <a:fontRef idx="minor">
+            <a:schemeClr val="lt1"/>
+          </a:fontRef>
+        </p:style>
+        <p:txBody>
+          <a:bodyPr numCol="1" rtlCol="0" anchor="ctr"/>
+          <a:lstStyle/>
+          <a:p>
+            <a:pPr algn="ctr"/>
+            <a:r>
+              <a:rPr lang="en-US" noProof="0" dirty="0"/>
+              <a:t> </a:t>
+            </a:r>
+          </a:p>
+        </p:txBody>
+      </p:sp>
+      <p:pic>
+        <p:nvPicPr>
+          <p:cNvPr id="80" name="Picture 79">
+            <a:extLst>
+              <a:ext uri="{FF2B5EF4-FFF2-40B4-BE49-F238E27FC236}">
+                <a16:creationId xmlns:a16="http://schemas.microsoft.com/office/drawing/2014/main" id="{86468F8D-93F1-01EE-B812-186BB85F06EA}"/>
+              </a:ext>
+            </a:extLst>
+          </p:cNvPr>
+          <p:cNvPicPr>
+            <a:picLocks noChangeAspect="1"/>
+          </p:cNvPicPr>
+          <p:nvPr/>
+        </p:nvPicPr>
+        <p:blipFill>
+          <a:blip r:embed="rId3"/>
+          <a:stretch>
+            <a:fillRect/>
+          </a:stretch>
+        </p:blipFill>
+        <p:spPr>
+          <a:xfrm>
+            <a:off x="11116405" y="8074186"/>
+            <a:ext cx="6473267" cy="3136920"/>
+          </a:xfrm>
+          <a:prstGeom prst="rect">
+            <a:avLst/>
+          </a:prstGeom>
+        </p:spPr>
+      </p:pic>
+      <p:sp>
+        <p:nvSpPr>
           <p:cNvPr id="6" name="Rectangle: Top Corners Rounded 5">
             <a:extLst>
               <a:ext uri="{FF2B5EF4-FFF2-40B4-BE49-F238E27FC236}">
@@ -3463,7 +3552,7 @@
         </p:nvSpPr>
         <p:spPr>
           <a:xfrm flipV="1">
-            <a:off x="0" y="-21883"/>
+            <a:off x="26960" y="-22105"/>
             <a:ext cx="30275214" cy="5684230"/>
           </a:xfrm>
           <a:prstGeom prst="round2SameRect">
@@ -3519,7 +3608,7 @@
           <p:nvPr/>
         </p:nvPicPr>
         <p:blipFill>
-          <a:blip r:embed="rId3"/>
+          <a:blip r:embed="rId4"/>
           <a:stretch>
             <a:fillRect/>
           </a:stretch>
@@ -3760,65 +3849,6 @@
       </p:sp>
       <p:sp>
         <p:nvSpPr>
-          <p:cNvPr id="14" name="Rectangle: Rounded Corners 13">
-            <a:extLst>
-              <a:ext uri="{FF2B5EF4-FFF2-40B4-BE49-F238E27FC236}">
-                <a16:creationId xmlns:a16="http://schemas.microsoft.com/office/drawing/2014/main" id="{7DBA1CD7-4612-B9B8-375A-F3831483B68C}"/>
-              </a:ext>
-            </a:extLst>
-          </p:cNvPr>
-          <p:cNvSpPr/>
-          <p:nvPr/>
-        </p:nvSpPr>
-        <p:spPr>
-          <a:xfrm>
-            <a:off x="568333" y="6354751"/>
-            <a:ext cx="29128675" cy="6827879"/>
-          </a:xfrm>
-          <a:prstGeom prst="roundRect">
-            <a:avLst>
-              <a:gd name="adj" fmla="val 4408"/>
-            </a:avLst>
-          </a:prstGeom>
-          <a:solidFill>
-            <a:schemeClr val="bg1"/>
-          </a:solidFill>
-          <a:ln w="254000">
-            <a:solidFill>
-              <a:srgbClr val="842332"/>
-            </a:solidFill>
-          </a:ln>
-        </p:spPr>
-        <p:style>
-          <a:lnRef idx="2">
-            <a:schemeClr val="accent1">
-              <a:shade val="15000"/>
-            </a:schemeClr>
-          </a:lnRef>
-          <a:fillRef idx="1">
-            <a:schemeClr val="accent1"/>
-          </a:fillRef>
-          <a:effectRef idx="0">
-            <a:schemeClr val="accent1"/>
-          </a:effectRef>
-          <a:fontRef idx="minor">
-            <a:schemeClr val="lt1"/>
-          </a:fontRef>
-        </p:style>
-        <p:txBody>
-          <a:bodyPr numCol="1" rtlCol="0" anchor="ctr"/>
-          <a:lstStyle/>
-          <a:p>
-            <a:pPr algn="ctr"/>
-            <a:r>
-              <a:rPr lang="en-US" noProof="0" dirty="0"/>
-              <a:t> </a:t>
-            </a:r>
-          </a:p>
-        </p:txBody>
-      </p:sp>
-      <p:sp>
-        <p:nvSpPr>
           <p:cNvPr id="18" name="TextBox 17">
             <a:extLst>
               <a:ext uri="{FF2B5EF4-FFF2-40B4-BE49-F238E27FC236}">
@@ -4822,7 +4852,7 @@
           <p:nvPr/>
         </p:nvPicPr>
         <p:blipFill>
-          <a:blip r:embed="rId4"/>
+          <a:blip r:embed="rId5"/>
           <a:stretch>
             <a:fillRect/>
           </a:stretch>
@@ -4912,7 +4942,7 @@
                 <p:nvPr/>
               </p:nvPicPr>
               <p:blipFill>
-                <a:blip r:embed="rId5"/>
+                <a:blip r:embed="rId6"/>
                 <a:stretch>
                   <a:fillRect/>
                 </a:stretch>
@@ -4942,7 +4972,7 @@
                 <p:nvPr/>
               </p:nvPicPr>
               <p:blipFill>
-                <a:blip r:embed="rId6"/>
+                <a:blip r:embed="rId7"/>
                 <a:stretch>
                   <a:fillRect/>
                 </a:stretch>
@@ -4972,7 +5002,7 @@
                 <p:nvPr/>
               </p:nvPicPr>
               <p:blipFill>
-                <a:blip r:embed="rId7"/>
+                <a:blip r:embed="rId8"/>
                 <a:stretch>
                   <a:fillRect/>
                 </a:stretch>
@@ -5002,7 +5032,7 @@
                 <p:nvPr/>
               </p:nvPicPr>
               <p:blipFill>
-                <a:blip r:embed="rId8"/>
+                <a:blip r:embed="rId9"/>
                 <a:stretch>
                   <a:fillRect/>
                 </a:stretch>
@@ -5032,7 +5062,7 @@
                 <p:nvPr/>
               </p:nvPicPr>
               <p:blipFill>
-                <a:blip r:embed="rId9"/>
+                <a:blip r:embed="rId10"/>
                 <a:stretch>
                   <a:fillRect/>
                 </a:stretch>
@@ -5062,7 +5092,7 @@
                 <p:nvPr/>
               </p:nvPicPr>
               <p:blipFill>
-                <a:blip r:embed="rId10"/>
+                <a:blip r:embed="rId11"/>
                 <a:stretch>
                   <a:fillRect/>
                 </a:stretch>
@@ -5652,7 +5682,7 @@
               <p:nvPr/>
             </p:nvPicPr>
             <p:blipFill>
-              <a:blip r:embed="rId11"/>
+              <a:blip r:embed="rId12"/>
               <a:stretch>
                 <a:fillRect/>
               </a:stretch>
@@ -5682,7 +5712,7 @@
               <p:nvPr/>
             </p:nvPicPr>
             <p:blipFill>
-              <a:blip r:embed="rId12"/>
+              <a:blip r:embed="rId13"/>
               <a:stretch>
                 <a:fillRect/>
               </a:stretch>
@@ -5712,7 +5742,7 @@
               <p:nvPr/>
             </p:nvPicPr>
             <p:blipFill>
-              <a:blip r:embed="rId13"/>
+              <a:blip r:embed="rId14"/>
               <a:stretch>
                 <a:fillRect/>
               </a:stretch>
@@ -5742,7 +5772,7 @@
               <p:nvPr/>
             </p:nvPicPr>
             <p:blipFill>
-              <a:blip r:embed="rId14"/>
+              <a:blip r:embed="rId15"/>
               <a:stretch>
                 <a:fillRect/>
               </a:stretch>
@@ -5848,7 +5878,7 @@
                 <p:nvPr/>
               </p:nvPicPr>
               <p:blipFill>
-                <a:blip r:embed="rId15"/>
+                <a:blip r:embed="rId16"/>
                 <a:stretch>
                   <a:fillRect/>
                 </a:stretch>
@@ -5878,7 +5908,7 @@
                 <p:nvPr/>
               </p:nvPicPr>
               <p:blipFill>
-                <a:blip r:embed="rId16"/>
+                <a:blip r:embed="rId17"/>
                 <a:stretch>
                   <a:fillRect/>
                 </a:stretch>
@@ -5966,7 +5996,7 @@
             <p:nvPr/>
           </p:nvPicPr>
           <p:blipFill>
-            <a:blip r:embed="rId17"/>
+            <a:blip r:embed="rId18"/>
             <a:stretch>
               <a:fillRect/>
             </a:stretch>
@@ -5996,7 +6026,7 @@
             <p:nvPr/>
           </p:nvPicPr>
           <p:blipFill>
-            <a:blip r:embed="rId18"/>
+            <a:blip r:embed="rId19"/>
             <a:stretch>
               <a:fillRect/>
             </a:stretch>
@@ -6162,7 +6192,7 @@
             <p:nvPr/>
           </p:nvPicPr>
           <p:blipFill>
-            <a:blip r:embed="rId19"/>
+            <a:blip r:embed="rId20"/>
             <a:stretch>
               <a:fillRect/>
             </a:stretch>
@@ -6192,7 +6222,7 @@
             <p:nvPr/>
           </p:nvPicPr>
           <p:blipFill>
-            <a:blip r:embed="rId20"/>
+            <a:blip r:embed="rId21"/>
             <a:stretch>
               <a:fillRect/>
             </a:stretch>
@@ -6358,217 +6388,166 @@
           </p:txBody>
         </p:sp>
       </p:grpSp>
-      <p:grpSp>
-        <p:nvGrpSpPr>
-          <p:cNvPr id="47" name="Gruppieren 84">
+      <p:sp>
+        <p:nvSpPr>
+          <p:cNvPr id="48" name="Textfeld 1">
             <a:extLst>
               <a:ext uri="{FF2B5EF4-FFF2-40B4-BE49-F238E27FC236}">
-                <a16:creationId xmlns:a16="http://schemas.microsoft.com/office/drawing/2014/main" id="{B8D60569-1120-4818-7D45-E0DF2DFA9630}"/>
+                <a16:creationId xmlns:a16="http://schemas.microsoft.com/office/drawing/2014/main" id="{B0E70F9A-B800-5EB8-79D6-6F483F7C5C89}"/>
               </a:ext>
             </a:extLst>
           </p:cNvPr>
-          <p:cNvGrpSpPr/>
+          <p:cNvSpPr txBox="1"/>
           <p:nvPr/>
-        </p:nvGrpSpPr>
-        <p:grpSpPr>
+        </p:nvSpPr>
+        <p:spPr>
           <a:xfrm>
-            <a:off x="783598" y="15411494"/>
-            <a:ext cx="7139411" cy="9355185"/>
-            <a:chOff x="1469515" y="16468045"/>
-            <a:chExt cx="7966203" cy="10575651"/>
+            <a:off x="863785" y="21616027"/>
+            <a:ext cx="6565716" cy="3477875"/>
           </a:xfrm>
-        </p:grpSpPr>
-        <p:sp>
-          <p:nvSpPr>
-            <p:cNvPr id="48" name="Textfeld 1">
-              <a:extLst>
-                <a:ext uri="{FF2B5EF4-FFF2-40B4-BE49-F238E27FC236}">
-                  <a16:creationId xmlns:a16="http://schemas.microsoft.com/office/drawing/2014/main" id="{B0E70F9A-B800-5EB8-79D6-6F483F7C5C89}"/>
-                </a:ext>
-              </a:extLst>
-            </p:cNvPr>
-            <p:cNvSpPr txBox="1"/>
-            <p:nvPr/>
-          </p:nvSpPr>
-          <p:spPr>
-            <a:xfrm>
-              <a:off x="1473963" y="22764172"/>
-              <a:ext cx="7961755" cy="4279524"/>
-            </a:xfrm>
-            <a:prstGeom prst="rect">
-              <a:avLst/>
-            </a:prstGeom>
-            <a:noFill/>
-          </p:spPr>
-          <p:txBody>
-            <a:bodyPr wrap="square" rtlCol="0">
-              <a:spAutoFit/>
-            </a:bodyPr>
-            <a:lstStyle/>
-            <a:p>
-              <a:r>
-                <a:rPr lang="en-US" sz="2000" b="1" noProof="0" dirty="0"/>
-                <a:t>Fig. 3 </a:t>
-              </a:r>
-              <a:r>
-                <a:rPr lang="en-US" sz="2000" noProof="0" dirty="0"/>
-                <a:t>Criteria for the classification of proteins regarding RNA-dependency</a:t>
-              </a:r>
-            </a:p>
-            <a:p>
-              <a:endParaRPr lang="en-US" sz="2000" noProof="0" dirty="0"/>
-            </a:p>
-            <a:p>
-              <a:r>
-                <a:rPr lang="en-US" sz="2000" b="1" noProof="0" dirty="0"/>
-                <a:t>Selected (RNA-dependent):</a:t>
-              </a:r>
-            </a:p>
-            <a:p>
-              <a:pPr marL="342900" indent="-342900">
-                <a:buFont typeface="Arial" panose="020B0604020202020204" pitchFamily="34" charset="0"/>
-                <a:buChar char="•"/>
-              </a:pPr>
-              <a:r>
-                <a:rPr lang="en-US" sz="2000" noProof="0" dirty="0"/>
-                <a:t>COM shift ≥ 2 fractions </a:t>
-              </a:r>
-              <a:r>
-                <a:rPr lang="en-US" sz="2000" i="1" noProof="0" dirty="0"/>
-                <a:t>(orange)</a:t>
-              </a:r>
-              <a:endParaRPr lang="en-US" sz="2000" noProof="0" dirty="0"/>
-            </a:p>
-            <a:p>
-              <a:pPr marL="342900" indent="-342900">
-                <a:buFont typeface="Arial" panose="020B0604020202020204" pitchFamily="34" charset="0"/>
-                <a:buChar char="•"/>
-              </a:pPr>
-              <a:r>
-                <a:rPr lang="en-US" sz="2000" noProof="0" dirty="0"/>
-                <a:t>or: no COM shift, but main peak shift ≥ 3 fractions and correlation &lt; 0.7 </a:t>
-              </a:r>
-              <a:r>
-                <a:rPr lang="en-US" sz="2000" i="1" noProof="0" dirty="0"/>
-                <a:t>(red)</a:t>
-              </a:r>
-            </a:p>
-            <a:p>
-              <a:endParaRPr lang="en-US" sz="2000" noProof="0" dirty="0"/>
-            </a:p>
-            <a:p>
-              <a:r>
-                <a:rPr lang="en-US" sz="2000" b="1" noProof="0" dirty="0"/>
-                <a:t>Not selected (not RNA-dependent):</a:t>
-              </a:r>
-            </a:p>
-            <a:p>
-              <a:pPr marL="342900" indent="-342900">
-                <a:buFont typeface="Arial" panose="020B0604020202020204" pitchFamily="34" charset="0"/>
-                <a:buChar char="•"/>
-              </a:pPr>
-              <a:r>
-                <a:rPr lang="en-US" sz="2000" noProof="0" dirty="0"/>
-                <a:t>No COM shift ≥ 2 and no peak shift ≥ 3 </a:t>
-              </a:r>
-              <a:r>
-                <a:rPr lang="en-US" sz="2000" i="1" noProof="0" dirty="0"/>
-                <a:t>(purple)</a:t>
-              </a:r>
-              <a:endParaRPr lang="en-US" sz="2000" noProof="0" dirty="0"/>
-            </a:p>
-            <a:p>
-              <a:pPr marL="342900" indent="-342900">
-                <a:buFont typeface="Arial" panose="020B0604020202020204" pitchFamily="34" charset="0"/>
-                <a:buChar char="•"/>
-              </a:pPr>
-              <a:r>
-                <a:rPr lang="en-US" sz="2000" noProof="0" dirty="0"/>
-                <a:t>or: peak shift without COM shift </a:t>
-              </a:r>
-              <a:r>
-                <a:rPr lang="en-US" sz="2000" b="1" noProof="0" dirty="0"/>
-                <a:t>and</a:t>
-              </a:r>
-              <a:r>
-                <a:rPr lang="en-US" sz="2000" noProof="0" dirty="0"/>
-                <a:t> correlation ≥ 0.7 </a:t>
-              </a:r>
-              <a:r>
-                <a:rPr lang="en-US" sz="2000" i="1" noProof="0" dirty="0"/>
-                <a:t>(dark blue)</a:t>
-              </a:r>
-              <a:endParaRPr lang="en-US" sz="2000" noProof="0" dirty="0"/>
-            </a:p>
-          </p:txBody>
-        </p:sp>
-        <p:pic>
-          <p:nvPicPr>
-            <p:cNvPr id="49" name="Grafik 59">
-              <a:extLst>
-                <a:ext uri="{FF2B5EF4-FFF2-40B4-BE49-F238E27FC236}">
-                  <a16:creationId xmlns:a16="http://schemas.microsoft.com/office/drawing/2014/main" id="{4DC40AB0-5470-5D6D-C5E5-20579E350424}"/>
-                </a:ext>
-              </a:extLst>
-            </p:cNvPr>
-            <p:cNvPicPr>
-              <a:picLocks noChangeAspect="1"/>
-            </p:cNvPicPr>
-            <p:nvPr/>
-          </p:nvPicPr>
-          <p:blipFill>
-            <a:blip r:embed="rId21"/>
-            <a:srcRect l="5933" t="4817" r="4548" b="5155"/>
-            <a:stretch>
-              <a:fillRect/>
-            </a:stretch>
-          </p:blipFill>
-          <p:spPr>
-            <a:xfrm>
-              <a:off x="1469515" y="16626521"/>
-              <a:ext cx="7408446" cy="6030216"/>
-            </a:xfrm>
-            <a:prstGeom prst="rect">
-              <a:avLst/>
-            </a:prstGeom>
-          </p:spPr>
-        </p:pic>
-        <p:sp>
-          <p:nvSpPr>
-            <p:cNvPr id="50" name="Textfeld 60">
-              <a:extLst>
-                <a:ext uri="{FF2B5EF4-FFF2-40B4-BE49-F238E27FC236}">
-                  <a16:creationId xmlns:a16="http://schemas.microsoft.com/office/drawing/2014/main" id="{6D6B1CD8-DC8B-47AA-895A-4E72262FC551}"/>
-                </a:ext>
-              </a:extLst>
-            </p:cNvPr>
-            <p:cNvSpPr txBox="1"/>
-            <p:nvPr/>
-          </p:nvSpPr>
-          <p:spPr>
-            <a:xfrm>
-              <a:off x="1571757" y="16468045"/>
-              <a:ext cx="560060" cy="461665"/>
-            </a:xfrm>
-            <a:prstGeom prst="rect">
-              <a:avLst/>
-            </a:prstGeom>
-            <a:noFill/>
-          </p:spPr>
-          <p:txBody>
-            <a:bodyPr wrap="square" rtlCol="0">
-              <a:spAutoFit/>
-            </a:bodyPr>
-            <a:lstStyle/>
-            <a:p>
-              <a:r>
-                <a:rPr lang="en-US" sz="2400" b="1" noProof="0" dirty="0"/>
-                <a:t>3</a:t>
-              </a:r>
-            </a:p>
-          </p:txBody>
-        </p:sp>
-      </p:grpSp>
+          <a:prstGeom prst="rect">
+            <a:avLst/>
+          </a:prstGeom>
+          <a:noFill/>
+        </p:spPr>
+        <p:txBody>
+          <a:bodyPr wrap="square" rtlCol="0">
+            <a:spAutoFit/>
+          </a:bodyPr>
+          <a:lstStyle/>
+          <a:p>
+            <a:r>
+              <a:rPr lang="en-US" sz="2000" b="1" noProof="0" dirty="0"/>
+              <a:t>Fig. 3 </a:t>
+            </a:r>
+            <a:r>
+              <a:rPr lang="en-US" sz="2000" noProof="0" dirty="0"/>
+              <a:t>Criteria for the classification of proteins regarding RNA-dependency</a:t>
+            </a:r>
+          </a:p>
+          <a:p>
+            <a:r>
+              <a:rPr lang="en-US" sz="1400" noProof="0" dirty="0"/>
+              <a:t> </a:t>
+            </a:r>
+          </a:p>
+          <a:p>
+            <a:r>
+              <a:rPr lang="en-US" sz="2000" b="1" noProof="0" dirty="0"/>
+              <a:t>Selected (RNA-dependent):</a:t>
+            </a:r>
+          </a:p>
+          <a:p>
+            <a:pPr marL="342900" indent="-342900">
+              <a:buFont typeface="Arial" panose="020B0604020202020204" pitchFamily="34" charset="0"/>
+              <a:buChar char="•"/>
+            </a:pPr>
+            <a:r>
+              <a:rPr lang="en-US" sz="2000" noProof="0" dirty="0"/>
+              <a:t>COM shift ≥ 2 fractions </a:t>
+            </a:r>
+            <a:r>
+              <a:rPr lang="en-US" sz="2000" i="1" noProof="0" dirty="0"/>
+              <a:t>(orange)</a:t>
+            </a:r>
+            <a:endParaRPr lang="en-US" sz="2000" noProof="0" dirty="0"/>
+          </a:p>
+          <a:p>
+            <a:pPr marL="342900" indent="-342900">
+              <a:buFont typeface="Arial" panose="020B0604020202020204" pitchFamily="34" charset="0"/>
+              <a:buChar char="•"/>
+            </a:pPr>
+            <a:r>
+              <a:rPr lang="en-US" sz="2000" noProof="0" dirty="0"/>
+              <a:t>or: no COM shift, but main peak shift ≥ 3 fractions and correlation &lt; 0.7 </a:t>
+            </a:r>
+            <a:r>
+              <a:rPr lang="en-US" sz="2000" i="1" noProof="0" dirty="0"/>
+              <a:t>(red)</a:t>
+            </a:r>
+            <a:endParaRPr lang="en-US" sz="2000" noProof="0" dirty="0"/>
+          </a:p>
+          <a:p>
+            <a:r>
+              <a:rPr lang="en-US" sz="2000" b="1" noProof="0" dirty="0"/>
+              <a:t>Not selected (not RNA-dependent):</a:t>
+            </a:r>
+          </a:p>
+          <a:p>
+            <a:pPr marL="342900" indent="-342900">
+              <a:buFont typeface="Arial" panose="020B0604020202020204" pitchFamily="34" charset="0"/>
+              <a:buChar char="•"/>
+            </a:pPr>
+            <a:r>
+              <a:rPr lang="en-US" sz="2000" noProof="0" dirty="0"/>
+              <a:t>No COM shift ≥ 2 and no peak shift ≥ 3 </a:t>
+            </a:r>
+            <a:r>
+              <a:rPr lang="en-US" sz="2000" i="1" noProof="0" dirty="0"/>
+              <a:t>(purple)</a:t>
+            </a:r>
+            <a:endParaRPr lang="en-US" sz="2000" noProof="0" dirty="0"/>
+          </a:p>
+          <a:p>
+            <a:pPr marL="342900" indent="-342900">
+              <a:buFont typeface="Arial" panose="020B0604020202020204" pitchFamily="34" charset="0"/>
+              <a:buChar char="•"/>
+            </a:pPr>
+            <a:r>
+              <a:rPr lang="en-US" sz="2000" noProof="0" dirty="0"/>
+              <a:t>or: peak shift without COM shift </a:t>
+            </a:r>
+            <a:r>
+              <a:rPr lang="en-US" sz="2000" b="1" noProof="0" dirty="0"/>
+              <a:t>and</a:t>
+            </a:r>
+            <a:r>
+              <a:rPr lang="en-US" sz="2000" noProof="0" dirty="0"/>
+              <a:t> correlation ≥ 0.7 </a:t>
+            </a:r>
+            <a:r>
+              <a:rPr lang="en-US" sz="2000" i="1" noProof="0" dirty="0"/>
+              <a:t>(dark blue)</a:t>
+            </a:r>
+            <a:endParaRPr lang="en-US" sz="2000" noProof="0" dirty="0"/>
+          </a:p>
+        </p:txBody>
+      </p:sp>
+      <p:sp>
+        <p:nvSpPr>
+          <p:cNvPr id="50" name="Textfeld 60">
+            <a:extLst>
+              <a:ext uri="{FF2B5EF4-FFF2-40B4-BE49-F238E27FC236}">
+                <a16:creationId xmlns:a16="http://schemas.microsoft.com/office/drawing/2014/main" id="{6D6B1CD8-DC8B-47AA-895A-4E72262FC551}"/>
+              </a:ext>
+            </a:extLst>
+          </p:cNvPr>
+          <p:cNvSpPr txBox="1"/>
+          <p:nvPr/>
+        </p:nvSpPr>
+        <p:spPr>
+          <a:xfrm>
+            <a:off x="875229" y="15411494"/>
+            <a:ext cx="501933" cy="408387"/>
+          </a:xfrm>
+          <a:prstGeom prst="rect">
+            <a:avLst/>
+          </a:prstGeom>
+          <a:noFill/>
+        </p:spPr>
+        <p:txBody>
+          <a:bodyPr wrap="square" rtlCol="0">
+            <a:spAutoFit/>
+          </a:bodyPr>
+          <a:lstStyle/>
+          <a:p>
+            <a:r>
+              <a:rPr lang="en-US" sz="2400" b="1" noProof="0" dirty="0"/>
+              <a:t>3</a:t>
+            </a:r>
+          </a:p>
+        </p:txBody>
+      </p:sp>
       <p:grpSp>
         <p:nvGrpSpPr>
           <p:cNvPr id="96" name="Group 95">
@@ -7341,12 +7320,198 @@
           </p:spPr>
         </p:pic>
       </p:grpSp>
+      <p:sp>
+        <p:nvSpPr>
+          <p:cNvPr id="113" name="TextBox 112">
+            <a:extLst>
+              <a:ext uri="{FF2B5EF4-FFF2-40B4-BE49-F238E27FC236}">
+                <a16:creationId xmlns:a16="http://schemas.microsoft.com/office/drawing/2014/main" id="{D5BBE78E-5EAA-705F-76C4-C0414726B2D5}"/>
+              </a:ext>
+            </a:extLst>
+          </p:cNvPr>
+          <p:cNvSpPr txBox="1"/>
+          <p:nvPr/>
+        </p:nvSpPr>
+        <p:spPr>
+          <a:xfrm>
+            <a:off x="926673" y="10897643"/>
+            <a:ext cx="9644470" cy="1891287"/>
+          </a:xfrm>
+          <a:prstGeom prst="rect">
+            <a:avLst/>
+          </a:prstGeom>
+          <a:noFill/>
+          <a:ln>
+            <a:noFill/>
+          </a:ln>
+        </p:spPr>
+        <p:txBody>
+          <a:bodyPr wrap="square">
+            <a:spAutoFit/>
+          </a:bodyPr>
+          <a:lstStyle/>
+          <a:p>
+            <a:pPr>
+              <a:lnSpc>
+                <a:spcPct val="150000"/>
+              </a:lnSpc>
+            </a:pPr>
+            <a:r>
+              <a:rPr lang="en-US" sz="2000" b="1" noProof="0" dirty="0"/>
+              <a:t>Key Characteristics of Our Dataset</a:t>
+            </a:r>
+          </a:p>
+          <a:p>
+            <a:pPr marL="342900" indent="-342900">
+              <a:lnSpc>
+                <a:spcPct val="150000"/>
+              </a:lnSpc>
+              <a:buFont typeface="Arial" panose="020B0604020202020204" pitchFamily="34" charset="0"/>
+              <a:buChar char="•"/>
+            </a:pPr>
+            <a:r>
+              <a:rPr lang="en-US" sz="2000" noProof="0" dirty="0"/>
+              <a:t>Dataset was created using the R-Deep approach and non-synchronized HeLa cells</a:t>
+            </a:r>
+          </a:p>
+          <a:p>
+            <a:pPr marL="342900" indent="-342900">
+              <a:lnSpc>
+                <a:spcPct val="150000"/>
+              </a:lnSpc>
+              <a:buFont typeface="Arial" panose="020B0604020202020204" pitchFamily="34" charset="0"/>
+              <a:buChar char="•"/>
+            </a:pPr>
+            <a:r>
+              <a:rPr lang="en-US" sz="2000" noProof="0" dirty="0"/>
+              <a:t>Contains 4765 proteins and their intensity values under normal (control) and RNase treated conditions in 25 sucrose density fractions, each fraction measured in triplicates </a:t>
+            </a:r>
+          </a:p>
+        </p:txBody>
+      </p:sp>
+      <p:sp>
+        <p:nvSpPr>
+          <p:cNvPr id="116" name="TextBox 115">
+            <a:extLst>
+              <a:ext uri="{FF2B5EF4-FFF2-40B4-BE49-F238E27FC236}">
+                <a16:creationId xmlns:a16="http://schemas.microsoft.com/office/drawing/2014/main" id="{EF8294D2-B361-B9A8-3A29-E703A40B0356}"/>
+              </a:ext>
+            </a:extLst>
+          </p:cNvPr>
+          <p:cNvSpPr txBox="1"/>
+          <p:nvPr/>
+        </p:nvSpPr>
+        <p:spPr>
+          <a:xfrm>
+            <a:off x="973020" y="8217150"/>
+            <a:ext cx="8971597" cy="2352952"/>
+          </a:xfrm>
+          <a:prstGeom prst="rect">
+            <a:avLst/>
+          </a:prstGeom>
+          <a:noFill/>
+        </p:spPr>
+        <p:txBody>
+          <a:bodyPr wrap="square" rtlCol="0">
+            <a:spAutoFit/>
+          </a:bodyPr>
+          <a:lstStyle/>
+          <a:p>
+            <a:pPr>
+              <a:lnSpc>
+                <a:spcPct val="150000"/>
+              </a:lnSpc>
+            </a:pPr>
+            <a:r>
+              <a:rPr lang="en-US" sz="2000" b="1" noProof="0" dirty="0"/>
+              <a:t>Why should we observe RNA-dependent proteins?</a:t>
+            </a:r>
+          </a:p>
+          <a:p>
+            <a:pPr marL="342900" indent="-342900">
+              <a:lnSpc>
+                <a:spcPct val="150000"/>
+              </a:lnSpc>
+              <a:buFont typeface="Arial" panose="020B0604020202020204" pitchFamily="34" charset="0"/>
+              <a:buChar char="•"/>
+            </a:pPr>
+            <a:r>
+              <a:rPr lang="en-US" sz="2000" b="1" noProof="0" dirty="0"/>
+              <a:t>Key Regulators:</a:t>
+            </a:r>
+            <a:r>
+              <a:rPr lang="en-US" sz="2000" noProof="0" dirty="0"/>
+              <a:t> RBPs control RNA metabolism &amp; gene expression.</a:t>
+            </a:r>
+          </a:p>
+          <a:p>
+            <a:pPr marL="342900" indent="-342900">
+              <a:lnSpc>
+                <a:spcPct val="150000"/>
+              </a:lnSpc>
+              <a:buFont typeface="Arial" panose="020B0604020202020204" pitchFamily="34" charset="0"/>
+              <a:buChar char="•"/>
+            </a:pPr>
+            <a:r>
+              <a:rPr lang="en-US" sz="2000" b="1" noProof="0" dirty="0"/>
+              <a:t>Disease Links:</a:t>
+            </a:r>
+            <a:r>
+              <a:rPr lang="en-US" sz="2000" noProof="0" dirty="0"/>
+              <a:t> </a:t>
+            </a:r>
+            <a:r>
+              <a:rPr lang="en-US" sz="2000" noProof="0" dirty="0" err="1"/>
+              <a:t>Missregulation</a:t>
+            </a:r>
+            <a:r>
+              <a:rPr lang="en-US" sz="2000" noProof="0" dirty="0"/>
+              <a:t> is tied to cancer &amp; neurodegeneration.</a:t>
+            </a:r>
+          </a:p>
+          <a:p>
+            <a:pPr marL="342900" indent="-342900">
+              <a:lnSpc>
+                <a:spcPct val="150000"/>
+              </a:lnSpc>
+              <a:buFont typeface="Arial" panose="020B0604020202020204" pitchFamily="34" charset="0"/>
+              <a:buChar char="•"/>
+            </a:pPr>
+            <a:r>
+              <a:rPr lang="en-US" sz="2000" b="1" noProof="0" dirty="0"/>
+              <a:t>Functional Clues:</a:t>
+            </a:r>
+            <a:r>
+              <a:rPr lang="en-US" sz="2000" noProof="0" dirty="0"/>
+              <a:t> New RBPs hint at RNA’s role in specific pathways.</a:t>
+            </a:r>
+          </a:p>
+          <a:p>
+            <a:pPr marL="342900" indent="-342900">
+              <a:lnSpc>
+                <a:spcPct val="150000"/>
+              </a:lnSpc>
+              <a:buFont typeface="Arial" panose="020B0604020202020204" pitchFamily="34" charset="0"/>
+              <a:buChar char="•"/>
+            </a:pPr>
+            <a:r>
+              <a:rPr lang="en-US" sz="2000" b="1" noProof="0" dirty="0"/>
+              <a:t>Molecular Insights:</a:t>
+            </a:r>
+            <a:r>
+              <a:rPr lang="en-US" sz="2000" noProof="0" dirty="0"/>
+              <a:t> Deepens the understanding of cell cycle and cellular behavior</a:t>
+            </a:r>
+            <a:endParaRPr lang="en-US" sz="2000" b="1" noProof="0" dirty="0"/>
+          </a:p>
+        </p:txBody>
+      </p:sp>
       <p:grpSp>
         <p:nvGrpSpPr>
-          <p:cNvPr id="97" name="Group 96">
+          <p:cNvPr id="119" name="Gruppieren 64">
             <a:extLst>
               <a:ext uri="{FF2B5EF4-FFF2-40B4-BE49-F238E27FC236}">
-                <a16:creationId xmlns:a16="http://schemas.microsoft.com/office/drawing/2014/main" id="{44F41FCF-E37E-336D-0DF1-E513637C4621}"/>
+                <a16:creationId xmlns:a16="http://schemas.microsoft.com/office/drawing/2014/main" id="{F82F879B-D7CC-F13A-2C59-903C509B0E47}"/>
               </a:ext>
             </a:extLst>
           </p:cNvPr>
@@ -7355,48 +7520,18 @@
         </p:nvGrpSpPr>
         <p:grpSpPr>
           <a:xfrm>
-            <a:off x="926673" y="7834633"/>
-            <a:ext cx="28770335" cy="5226151"/>
-            <a:chOff x="894433" y="7799104"/>
-            <a:chExt cx="28770335" cy="5226151"/>
+            <a:off x="10989482" y="7888878"/>
+            <a:ext cx="7053033" cy="4986588"/>
+            <a:chOff x="10957242" y="7853349"/>
+            <a:chExt cx="7053033" cy="4986588"/>
           </a:xfrm>
         </p:grpSpPr>
-        <p:pic>
-          <p:nvPicPr>
-            <p:cNvPr id="103" name="Picture 102">
+        <p:sp>
+          <p:nvSpPr>
+            <p:cNvPr id="124" name="Textfeld 113">
               <a:extLst>
                 <a:ext uri="{FF2B5EF4-FFF2-40B4-BE49-F238E27FC236}">
-                  <a16:creationId xmlns:a16="http://schemas.microsoft.com/office/drawing/2014/main" id="{F8A78B26-4395-BA90-DFD7-910B738BAFC1}"/>
-                </a:ext>
-              </a:extLst>
-            </p:cNvPr>
-            <p:cNvPicPr>
-              <a:picLocks noChangeAspect="1"/>
-            </p:cNvPicPr>
-            <p:nvPr/>
-          </p:nvPicPr>
-          <p:blipFill>
-            <a:blip r:embed="rId24"/>
-            <a:stretch>
-              <a:fillRect/>
-            </a:stretch>
-          </p:blipFill>
-          <p:spPr>
-            <a:xfrm>
-              <a:off x="18944755" y="7799104"/>
-              <a:ext cx="5210902" cy="3934374"/>
-            </a:xfrm>
-            <a:prstGeom prst="rect">
-              <a:avLst/>
-            </a:prstGeom>
-          </p:spPr>
-        </p:pic>
-        <p:sp>
-          <p:nvSpPr>
-            <p:cNvPr id="113" name="TextBox 112">
-              <a:extLst>
-                <a:ext uri="{FF2B5EF4-FFF2-40B4-BE49-F238E27FC236}">
-                  <a16:creationId xmlns:a16="http://schemas.microsoft.com/office/drawing/2014/main" id="{D5BBE78E-5EAA-705F-76C4-C0414726B2D5}"/>
+                  <a16:creationId xmlns:a16="http://schemas.microsoft.com/office/drawing/2014/main" id="{F25ED036-DB88-7AC7-9714-9F2C059F3954}"/>
                 </a:ext>
               </a:extLst>
             </p:cNvPr>
@@ -7405,195 +7540,8 @@
           </p:nvSpPr>
           <p:spPr>
             <a:xfrm>
-              <a:off x="894433" y="10862114"/>
-              <a:ext cx="9644470" cy="1891287"/>
-            </a:xfrm>
-            <a:prstGeom prst="rect">
-              <a:avLst/>
-            </a:prstGeom>
-            <a:noFill/>
-            <a:ln>
-              <a:noFill/>
-            </a:ln>
-          </p:spPr>
-          <p:txBody>
-            <a:bodyPr wrap="square">
-              <a:spAutoFit/>
-            </a:bodyPr>
-            <a:lstStyle/>
-            <a:p>
-              <a:pPr>
-                <a:lnSpc>
-                  <a:spcPct val="150000"/>
-                </a:lnSpc>
-              </a:pPr>
-              <a:r>
-                <a:rPr lang="en-US" sz="2000" b="1" noProof="0" dirty="0"/>
-                <a:t>Key Characteristics of Our Dataset</a:t>
-              </a:r>
-            </a:p>
-            <a:p>
-              <a:pPr marL="342900" indent="-342900">
-                <a:lnSpc>
-                  <a:spcPct val="150000"/>
-                </a:lnSpc>
-                <a:buFont typeface="Arial" panose="020B0604020202020204" pitchFamily="34" charset="0"/>
-                <a:buChar char="•"/>
-              </a:pPr>
-              <a:r>
-                <a:rPr lang="en-US" sz="2000" noProof="0" dirty="0"/>
-                <a:t>Dataset was created using the R-Deep approach</a:t>
-              </a:r>
-            </a:p>
-            <a:p>
-              <a:pPr marL="342900" indent="-342900">
-                <a:lnSpc>
-                  <a:spcPct val="150000"/>
-                </a:lnSpc>
-                <a:buFont typeface="Arial" panose="020B0604020202020204" pitchFamily="34" charset="0"/>
-                <a:buChar char="•"/>
-              </a:pPr>
-              <a:r>
-                <a:rPr lang="en-US" sz="2000" noProof="0" dirty="0"/>
-                <a:t>Contains 4765 proteins and their intensity values under normal (control) and RNase treated conditions in 25 sucrose density fractions, each fraction measured in triplicates </a:t>
-              </a:r>
-            </a:p>
-          </p:txBody>
-        </p:sp>
-        <p:grpSp>
-          <p:nvGrpSpPr>
-            <p:cNvPr id="115" name="Group 114">
-              <a:extLst>
-                <a:ext uri="{FF2B5EF4-FFF2-40B4-BE49-F238E27FC236}">
-                  <a16:creationId xmlns:a16="http://schemas.microsoft.com/office/drawing/2014/main" id="{8776C85D-3BD1-5D6D-D054-CD91A6018653}"/>
-                </a:ext>
-              </a:extLst>
-            </p:cNvPr>
-            <p:cNvGrpSpPr/>
-            <p:nvPr/>
-          </p:nvGrpSpPr>
-          <p:grpSpPr>
-            <a:xfrm>
-              <a:off x="18659378" y="7834298"/>
-              <a:ext cx="11005390" cy="5190957"/>
-              <a:chOff x="17953486" y="7860815"/>
-              <a:chExt cx="11005390" cy="5190957"/>
-            </a:xfrm>
-          </p:grpSpPr>
-          <p:sp>
-            <p:nvSpPr>
-              <p:cNvPr id="126" name="TextBox 125">
-                <a:extLst>
-                  <a:ext uri="{FF2B5EF4-FFF2-40B4-BE49-F238E27FC236}">
-                    <a16:creationId xmlns:a16="http://schemas.microsoft.com/office/drawing/2014/main" id="{8EAA66E9-7CD1-F199-0C9C-1C47F42F197A}"/>
-                  </a:ext>
-                </a:extLst>
-              </p:cNvPr>
-              <p:cNvSpPr txBox="1"/>
-              <p:nvPr/>
-            </p:nvSpPr>
-            <p:spPr>
-              <a:xfrm>
-                <a:off x="18346399" y="7860815"/>
-                <a:ext cx="625063" cy="461665"/>
-              </a:xfrm>
-              <a:prstGeom prst="rect">
-                <a:avLst/>
-              </a:prstGeom>
-              <a:noFill/>
-            </p:spPr>
-            <p:txBody>
-              <a:bodyPr wrap="square" rtlCol="0">
-                <a:spAutoFit/>
-              </a:bodyPr>
-              <a:lstStyle/>
-              <a:p>
-                <a:r>
-                  <a:rPr lang="en-US" sz="2400" b="1" noProof="0" dirty="0"/>
-                  <a:t>2A</a:t>
-                </a:r>
-              </a:p>
-            </p:txBody>
-          </p:sp>
-          <p:sp>
-            <p:nvSpPr>
-              <p:cNvPr id="127" name="TextBox 126">
-                <a:extLst>
-                  <a:ext uri="{FF2B5EF4-FFF2-40B4-BE49-F238E27FC236}">
-                    <a16:creationId xmlns:a16="http://schemas.microsoft.com/office/drawing/2014/main" id="{4779D009-FA4B-E53A-85EA-4BB0C002D8F2}"/>
-                  </a:ext>
-                </a:extLst>
-              </p:cNvPr>
-              <p:cNvSpPr txBox="1"/>
-              <p:nvPr/>
-            </p:nvSpPr>
-            <p:spPr>
-              <a:xfrm>
-                <a:off x="17953486" y="11728333"/>
-                <a:ext cx="11005390" cy="1323439"/>
-              </a:xfrm>
-              <a:prstGeom prst="rect">
-                <a:avLst/>
-              </a:prstGeom>
-              <a:noFill/>
-            </p:spPr>
-            <p:txBody>
-              <a:bodyPr wrap="square" rtlCol="0">
-                <a:spAutoFit/>
-              </a:bodyPr>
-              <a:lstStyle/>
-              <a:p>
-                <a:r>
-                  <a:rPr lang="en-US" sz="2000" b="1" noProof="0" dirty="0"/>
-                  <a:t>Fig. 2 </a:t>
-                </a:r>
-                <a:r>
-                  <a:rPr lang="en-US" sz="2000" noProof="0" dirty="0"/>
-                  <a:t>Plot of protein in data set. The data has been cleaned and normalized beforehand.</a:t>
-                </a:r>
-              </a:p>
-              <a:p>
-                <a:endParaRPr lang="en-US" sz="2000" noProof="0" dirty="0"/>
-              </a:p>
-              <a:p>
-                <a:r>
-                  <a:rPr lang="en-US" sz="2000" b="1" noProof="0" dirty="0"/>
-                  <a:t>A) </a:t>
-                </a:r>
-                <a:r>
-                  <a:rPr lang="en-US" sz="2000" noProof="0" dirty="0"/>
-                  <a:t>An RNA dependent protein exhibits a shift for its intensity values between control and RNASE group. </a:t>
-                </a:r>
-              </a:p>
-              <a:p>
-                <a:r>
-                  <a:rPr lang="en-US" sz="2000" b="1" noProof="0" dirty="0"/>
-                  <a:t>B) </a:t>
-                </a:r>
-                <a:r>
-                  <a:rPr lang="en-US" sz="2000" noProof="0" dirty="0"/>
-                  <a:t>A nor RNA-dependent protein exhibits no such shift</a:t>
-                </a:r>
-              </a:p>
-            </p:txBody>
-          </p:sp>
-        </p:grpSp>
-        <p:sp>
-          <p:nvSpPr>
-            <p:cNvPr id="116" name="TextBox 115">
-              <a:extLst>
-                <a:ext uri="{FF2B5EF4-FFF2-40B4-BE49-F238E27FC236}">
-                  <a16:creationId xmlns:a16="http://schemas.microsoft.com/office/drawing/2014/main" id="{EF8294D2-B361-B9A8-3A29-E703A40B0356}"/>
-                </a:ext>
-              </a:extLst>
-            </p:cNvPr>
-            <p:cNvSpPr txBox="1"/>
-            <p:nvPr/>
-          </p:nvSpPr>
-          <p:spPr>
-            <a:xfrm>
-              <a:off x="940780" y="8181621"/>
-              <a:ext cx="8971597" cy="2352952"/>
+              <a:off x="10957242" y="11301054"/>
+              <a:ext cx="7053033" cy="1538883"/>
             </a:xfrm>
             <a:prstGeom prst="rect">
               <a:avLst/>
@@ -7606,267 +7554,77 @@
             </a:bodyPr>
             <a:lstStyle/>
             <a:p>
-              <a:pPr>
-                <a:lnSpc>
-                  <a:spcPct val="150000"/>
-                </a:lnSpc>
-              </a:pPr>
               <a:r>
                 <a:rPr lang="en-US" sz="2000" b="1" noProof="0" dirty="0"/>
-                <a:t>Why should we observe RNA-dependent proteins?</a:t>
+                <a:t>Fig. 1 </a:t>
+              </a:r>
+              <a:r>
+                <a:rPr lang="en-US" sz="2000" noProof="0" dirty="0"/>
+                <a:t>Schematic Illustration of RNA-dependency.</a:t>
+              </a:r>
+              <a:br>
+                <a:rPr lang="en-US" sz="2000" dirty="0"/>
+              </a:br>
+              <a:r>
+                <a:rPr lang="en-US" sz="1400" dirty="0"/>
+                <a:t> </a:t>
+              </a:r>
+              <a:r>
+                <a:rPr lang="en-GB" sz="1400" dirty="0"/>
+                <a:t>  </a:t>
               </a:r>
             </a:p>
             <a:p>
-              <a:pPr marL="342900" indent="-342900">
-                <a:lnSpc>
-                  <a:spcPct val="150000"/>
-                </a:lnSpc>
-                <a:buFont typeface="Arial" panose="020B0604020202020204" pitchFamily="34" charset="0"/>
-                <a:buChar char="•"/>
-              </a:pPr>
               <a:r>
-                <a:rPr lang="en-US" sz="2000" b="1" noProof="0" dirty="0"/>
-                <a:t>Key Regulators:</a:t>
+                <a:rPr lang="en-US" sz="2000" noProof="0" dirty="0"/>
+                <a:t>A protein is considered RNA-dependent if its interactome is dependent on RNA. It is either directly or indirectly attached to RNA</a:t>
+              </a:r>
+              <a:r>
+                <a:rPr lang="en-US" sz="2000" dirty="0"/>
+                <a:t> &amp; </a:t>
               </a:r>
               <a:r>
                 <a:rPr lang="en-US" sz="2000" noProof="0" dirty="0"/>
-                <a:t> RBPs control RNA metabolism &amp; gene expression.</a:t>
+                <a:t>its functionality in biological context is associated with RNA</a:t>
               </a:r>
-            </a:p>
-            <a:p>
-              <a:pPr marL="342900" indent="-342900">
-                <a:lnSpc>
-                  <a:spcPct val="150000"/>
-                </a:lnSpc>
-                <a:buFont typeface="Arial" panose="020B0604020202020204" pitchFamily="34" charset="0"/>
-                <a:buChar char="•"/>
-              </a:pPr>
-              <a:r>
-                <a:rPr lang="en-US" sz="2000" b="1" noProof="0" dirty="0"/>
-                <a:t>Disease Links:</a:t>
-              </a:r>
-              <a:r>
-                <a:rPr lang="en-US" sz="2000" noProof="0" dirty="0"/>
-                <a:t> </a:t>
-              </a:r>
-              <a:r>
-                <a:rPr lang="en-US" sz="2000" noProof="0" dirty="0" err="1"/>
-                <a:t>Missregulation</a:t>
-              </a:r>
-              <a:r>
-                <a:rPr lang="en-US" sz="2000" noProof="0" dirty="0"/>
-                <a:t> is tied to cancer &amp; neurodegeneration.</a:t>
-              </a:r>
-            </a:p>
-            <a:p>
-              <a:pPr marL="342900" indent="-342900">
-                <a:lnSpc>
-                  <a:spcPct val="150000"/>
-                </a:lnSpc>
-                <a:buFont typeface="Arial" panose="020B0604020202020204" pitchFamily="34" charset="0"/>
-                <a:buChar char="•"/>
-              </a:pPr>
-              <a:r>
-                <a:rPr lang="en-US" sz="2000" b="1" noProof="0" dirty="0"/>
-                <a:t>Functional Clues:</a:t>
-              </a:r>
-              <a:r>
-                <a:rPr lang="en-US" sz="2000" noProof="0" dirty="0"/>
-                <a:t> New RBPs hint at RNA’s role in specific pathways.</a:t>
-              </a:r>
-            </a:p>
-            <a:p>
-              <a:pPr marL="342900" indent="-342900">
-                <a:lnSpc>
-                  <a:spcPct val="150000"/>
-                </a:lnSpc>
-                <a:buFont typeface="Arial" panose="020B0604020202020204" pitchFamily="34" charset="0"/>
-                <a:buChar char="•"/>
-              </a:pPr>
-              <a:r>
-                <a:rPr lang="en-US" sz="2000" b="1" noProof="0" dirty="0"/>
-                <a:t>Molecular Insights:</a:t>
-              </a:r>
-              <a:r>
-                <a:rPr lang="en-US" sz="2000" noProof="0" dirty="0"/>
-                <a:t> Deepens the understanding of cell cycle and cellular behavior</a:t>
-              </a:r>
-              <a:endParaRPr lang="en-US" sz="2000" b="1" noProof="0" dirty="0"/>
             </a:p>
           </p:txBody>
         </p:sp>
-        <p:pic>
-          <p:nvPicPr>
-            <p:cNvPr id="117" name="Picture 116">
+        <p:sp>
+          <p:nvSpPr>
+            <p:cNvPr id="125" name="Textfeld 114">
               <a:extLst>
                 <a:ext uri="{FF2B5EF4-FFF2-40B4-BE49-F238E27FC236}">
-                  <a16:creationId xmlns:a16="http://schemas.microsoft.com/office/drawing/2014/main" id="{B6FE8BDD-7CCF-FAC2-6AC5-0A498256DF62}"/>
+                  <a16:creationId xmlns:a16="http://schemas.microsoft.com/office/drawing/2014/main" id="{4E792D5F-4D60-7459-DF40-451D0A1EA541}"/>
                 </a:ext>
               </a:extLst>
             </p:cNvPr>
-            <p:cNvPicPr>
-              <a:picLocks noChangeAspect="1"/>
-            </p:cNvPicPr>
+            <p:cNvSpPr txBox="1"/>
             <p:nvPr/>
-          </p:nvPicPr>
-          <p:blipFill>
-            <a:blip r:embed="rId25"/>
-            <a:stretch>
-              <a:fillRect/>
-            </a:stretch>
-          </p:blipFill>
+          </p:nvSpPr>
           <p:spPr>
             <a:xfrm>
-              <a:off x="24059051" y="7871410"/>
-              <a:ext cx="5210902" cy="3934374"/>
+              <a:off x="10989388" y="7853349"/>
+              <a:ext cx="648470" cy="461665"/>
             </a:xfrm>
             <a:prstGeom prst="rect">
               <a:avLst/>
             </a:prstGeom>
+            <a:noFill/>
           </p:spPr>
-        </p:pic>
-        <p:grpSp>
-          <p:nvGrpSpPr>
-            <p:cNvPr id="119" name="Gruppieren 64">
-              <a:extLst>
-                <a:ext uri="{FF2B5EF4-FFF2-40B4-BE49-F238E27FC236}">
-                  <a16:creationId xmlns:a16="http://schemas.microsoft.com/office/drawing/2014/main" id="{F82F879B-D7CC-F13A-2C59-903C509B0E47}"/>
-                </a:ext>
-              </a:extLst>
-            </p:cNvPr>
-            <p:cNvGrpSpPr/>
-            <p:nvPr/>
-          </p:nvGrpSpPr>
-          <p:grpSpPr>
-            <a:xfrm>
-              <a:off x="10957242" y="7853349"/>
-              <a:ext cx="7053033" cy="5049893"/>
-              <a:chOff x="10957242" y="7853349"/>
-              <a:chExt cx="7053033" cy="5049893"/>
-            </a:xfrm>
-          </p:grpSpPr>
-          <p:pic>
-            <p:nvPicPr>
-              <p:cNvPr id="121" name="Grafik 112">
-                <a:extLst>
-                  <a:ext uri="{FF2B5EF4-FFF2-40B4-BE49-F238E27FC236}">
-                    <a16:creationId xmlns:a16="http://schemas.microsoft.com/office/drawing/2014/main" id="{D63288BC-45C2-8E4B-BAA8-B1BA91C94394}"/>
-                  </a:ext>
-                </a:extLst>
-              </p:cNvPr>
-              <p:cNvPicPr>
-                <a:picLocks noChangeAspect="1"/>
-              </p:cNvPicPr>
-              <p:nvPr/>
-            </p:nvPicPr>
-            <p:blipFill>
-              <a:blip r:embed="rId26"/>
-              <a:stretch>
-                <a:fillRect/>
-              </a:stretch>
-            </p:blipFill>
-            <p:spPr>
-              <a:xfrm>
-                <a:off x="10989388" y="8065466"/>
-                <a:ext cx="6501979" cy="3150834"/>
-              </a:xfrm>
-              <a:prstGeom prst="rect">
-                <a:avLst/>
-              </a:prstGeom>
-            </p:spPr>
-          </p:pic>
-          <p:sp>
-            <p:nvSpPr>
-              <p:cNvPr id="124" name="Textfeld 113">
-                <a:extLst>
-                  <a:ext uri="{FF2B5EF4-FFF2-40B4-BE49-F238E27FC236}">
-                    <a16:creationId xmlns:a16="http://schemas.microsoft.com/office/drawing/2014/main" id="{F25ED036-DB88-7AC7-9714-9F2C059F3954}"/>
-                  </a:ext>
-                </a:extLst>
-              </p:cNvPr>
-              <p:cNvSpPr txBox="1"/>
-              <p:nvPr/>
-            </p:nvSpPr>
-            <p:spPr>
-              <a:xfrm>
-                <a:off x="10957242" y="11272026"/>
-                <a:ext cx="7053033" cy="1631216"/>
-              </a:xfrm>
-              <a:prstGeom prst="rect">
-                <a:avLst/>
-              </a:prstGeom>
-              <a:noFill/>
-            </p:spPr>
-            <p:txBody>
-              <a:bodyPr wrap="square" rtlCol="0">
-                <a:spAutoFit/>
-              </a:bodyPr>
-              <a:lstStyle/>
-              <a:p>
-                <a:r>
-                  <a:rPr lang="en-US" sz="2000" b="1" noProof="0" dirty="0"/>
-                  <a:t>Fig 1 </a:t>
-                </a:r>
-                <a:r>
-                  <a:rPr lang="en-US" sz="2000" noProof="0" dirty="0"/>
-                  <a:t>Schematic Illustration of RNA-dependency.</a:t>
-                </a:r>
-              </a:p>
-              <a:p>
-                <a:endParaRPr lang="en-US" sz="2000" noProof="0" dirty="0"/>
-              </a:p>
-              <a:p>
-                <a:r>
-                  <a:rPr lang="en-US" sz="2000" noProof="0" dirty="0"/>
-                  <a:t>A protein is considered RNA-dependent if its interactome is dependent on RNA. It is either is directly or indirectly attached to RNA, </a:t>
-                </a:r>
-                <a:r>
-                  <a:rPr lang="en-US" sz="2000" noProof="0" dirty="0" err="1"/>
-                  <a:t>ist</a:t>
-                </a:r>
-                <a:r>
-                  <a:rPr lang="en-US" sz="2000" noProof="0" dirty="0"/>
-                  <a:t> functionality in biological context is associated with RNA</a:t>
-                </a:r>
-              </a:p>
-            </p:txBody>
-          </p:sp>
-          <p:sp>
-            <p:nvSpPr>
-              <p:cNvPr id="125" name="Textfeld 114">
-                <a:extLst>
-                  <a:ext uri="{FF2B5EF4-FFF2-40B4-BE49-F238E27FC236}">
-                    <a16:creationId xmlns:a16="http://schemas.microsoft.com/office/drawing/2014/main" id="{4E792D5F-4D60-7459-DF40-451D0A1EA541}"/>
-                  </a:ext>
-                </a:extLst>
-              </p:cNvPr>
-              <p:cNvSpPr txBox="1"/>
-              <p:nvPr/>
-            </p:nvSpPr>
-            <p:spPr>
-              <a:xfrm>
-                <a:off x="10989388" y="7853349"/>
-                <a:ext cx="648470" cy="461665"/>
-              </a:xfrm>
-              <a:prstGeom prst="rect">
-                <a:avLst/>
-              </a:prstGeom>
-              <a:noFill/>
-            </p:spPr>
-            <p:txBody>
-              <a:bodyPr wrap="square" rtlCol="0">
-                <a:spAutoFit/>
-              </a:bodyPr>
-              <a:lstStyle/>
-              <a:p>
-                <a:r>
-                  <a:rPr lang="en-US" sz="2400" b="1" noProof="0" dirty="0"/>
-                  <a:t>1</a:t>
-                </a:r>
-              </a:p>
-            </p:txBody>
-          </p:sp>
-        </p:grpSp>
+          <p:txBody>
+            <a:bodyPr wrap="square" rtlCol="0">
+              <a:spAutoFit/>
+            </a:bodyPr>
+            <a:lstStyle/>
+            <a:p>
+              <a:r>
+                <a:rPr lang="en-US" sz="2400" b="1" noProof="0" dirty="0"/>
+                <a:t>1</a:t>
+              </a:r>
+            </a:p>
+          </p:txBody>
+        </p:sp>
       </p:grpSp>
       <p:sp>
         <p:nvSpPr>
@@ -8051,6 +7809,1508 @@
               <a:rPr lang="en-US" sz="2400" b="1" noProof="0" dirty="0"/>
               <a:t>B</a:t>
             </a:r>
+          </a:p>
+        </p:txBody>
+      </p:sp>
+      <p:grpSp>
+        <p:nvGrpSpPr>
+          <p:cNvPr id="51" name="Group 50">
+            <a:extLst>
+              <a:ext uri="{FF2B5EF4-FFF2-40B4-BE49-F238E27FC236}">
+                <a16:creationId xmlns:a16="http://schemas.microsoft.com/office/drawing/2014/main" id="{B91A7E8E-1F47-3EAE-2AD5-DA478B964FB1}"/>
+              </a:ext>
+            </a:extLst>
+          </p:cNvPr>
+          <p:cNvGrpSpPr/>
+          <p:nvPr/>
+        </p:nvGrpSpPr>
+        <p:grpSpPr>
+          <a:xfrm>
+            <a:off x="18659378" y="7877842"/>
+            <a:ext cx="11005390" cy="4978880"/>
+            <a:chOff x="18659378" y="7877842"/>
+            <a:chExt cx="11005390" cy="4978880"/>
+          </a:xfrm>
+        </p:grpSpPr>
+        <p:sp>
+          <p:nvSpPr>
+            <p:cNvPr id="3" name="TextBox 2">
+              <a:extLst>
+                <a:ext uri="{FF2B5EF4-FFF2-40B4-BE49-F238E27FC236}">
+                  <a16:creationId xmlns:a16="http://schemas.microsoft.com/office/drawing/2014/main" id="{8D01CE2B-A6B9-AEE8-561A-EC0B04006137}"/>
+                </a:ext>
+              </a:extLst>
+            </p:cNvPr>
+            <p:cNvSpPr txBox="1"/>
+            <p:nvPr/>
+          </p:nvSpPr>
+          <p:spPr>
+            <a:xfrm>
+              <a:off x="19052291" y="7877842"/>
+              <a:ext cx="5059709" cy="461665"/>
+            </a:xfrm>
+            <a:prstGeom prst="rect">
+              <a:avLst/>
+            </a:prstGeom>
+            <a:noFill/>
+          </p:spPr>
+          <p:txBody>
+            <a:bodyPr wrap="square" rtlCol="0">
+              <a:spAutoFit/>
+            </a:bodyPr>
+            <a:lstStyle/>
+            <a:p>
+              <a:r>
+                <a:rPr lang="en-GB" sz="2400" b="1" dirty="0"/>
+                <a:t>2</a:t>
+              </a:r>
+              <a:r>
+                <a:rPr lang="en-GB" sz="2400" b="1" noProof="0" dirty="0"/>
+                <a:t>A       </a:t>
+              </a:r>
+              <a:r>
+                <a:rPr lang="en-GB" sz="2000" noProof="0" dirty="0"/>
+                <a:t>RNA-dependent: DDX21_HUMAN</a:t>
+              </a:r>
+              <a:r>
+                <a:rPr lang="en-GB" sz="2000" b="1" noProof="0" dirty="0"/>
+                <a:t> </a:t>
+              </a:r>
+            </a:p>
+          </p:txBody>
+        </p:sp>
+        <p:sp>
+          <p:nvSpPr>
+            <p:cNvPr id="4" name="TextBox 3">
+              <a:extLst>
+                <a:ext uri="{FF2B5EF4-FFF2-40B4-BE49-F238E27FC236}">
+                  <a16:creationId xmlns:a16="http://schemas.microsoft.com/office/drawing/2014/main" id="{F86A339A-FF7C-3C4C-CC34-AFF2DF790750}"/>
+                </a:ext>
+              </a:extLst>
+            </p:cNvPr>
+            <p:cNvSpPr txBox="1"/>
+            <p:nvPr/>
+          </p:nvSpPr>
+          <p:spPr>
+            <a:xfrm>
+              <a:off x="18659378" y="11625616"/>
+              <a:ext cx="11005390" cy="1231106"/>
+            </a:xfrm>
+            <a:prstGeom prst="rect">
+              <a:avLst/>
+            </a:prstGeom>
+            <a:noFill/>
+          </p:spPr>
+          <p:txBody>
+            <a:bodyPr wrap="square" rtlCol="0">
+              <a:spAutoFit/>
+            </a:bodyPr>
+            <a:lstStyle/>
+            <a:p>
+              <a:r>
+                <a:rPr lang="en-GB" sz="2000" b="1" noProof="0" dirty="0"/>
+                <a:t>Fig. 2 </a:t>
+              </a:r>
+              <a:r>
+                <a:rPr lang="en-GB" sz="2000" noProof="0" dirty="0"/>
+                <a:t>Plot of protein in data set. The data </a:t>
+              </a:r>
+              <a:r>
+                <a:rPr lang="en-GB" sz="2000" dirty="0"/>
+                <a:t>has been </a:t>
+              </a:r>
+              <a:r>
+                <a:rPr lang="en-GB" sz="2000" noProof="0" dirty="0"/>
+                <a:t>cleaned and normalized beforehand.</a:t>
+              </a:r>
+            </a:p>
+            <a:p>
+              <a:r>
+                <a:rPr lang="en-GB" sz="1400" noProof="0" dirty="0"/>
+                <a:t> </a:t>
+              </a:r>
+            </a:p>
+            <a:p>
+              <a:r>
+                <a:rPr lang="en-GB" sz="2000" b="1" noProof="0" dirty="0"/>
+                <a:t>A) </a:t>
+              </a:r>
+              <a:r>
+                <a:rPr lang="en-US" sz="2000" dirty="0"/>
+                <a:t>An RNA-dependent protein exhibits a shift for its intensity values between control (red) and RNase-treated (blue) group. </a:t>
+              </a:r>
+              <a:r>
+                <a:rPr lang="en-GB" sz="2000" b="1" noProof="0" dirty="0"/>
+                <a:t>B)</a:t>
+              </a:r>
+              <a:r>
+                <a:rPr lang="en-GB" sz="2000" b="1" dirty="0"/>
+                <a:t> </a:t>
+              </a:r>
+              <a:r>
+                <a:rPr lang="en-GB" sz="2000" dirty="0"/>
+                <a:t>A nor RNA-dependent protein exhibits no such shift.</a:t>
+              </a:r>
+              <a:endParaRPr lang="en-GB" sz="2000" noProof="0" dirty="0"/>
+            </a:p>
+          </p:txBody>
+        </p:sp>
+        <p:sp>
+          <p:nvSpPr>
+            <p:cNvPr id="5" name="TextBox 4">
+              <a:extLst>
+                <a:ext uri="{FF2B5EF4-FFF2-40B4-BE49-F238E27FC236}">
+                  <a16:creationId xmlns:a16="http://schemas.microsoft.com/office/drawing/2014/main" id="{BB61BC0B-F53E-A60C-A5B7-327A3EA6F398}"/>
+                </a:ext>
+              </a:extLst>
+            </p:cNvPr>
+            <p:cNvSpPr txBox="1"/>
+            <p:nvPr/>
+          </p:nvSpPr>
+          <p:spPr>
+            <a:xfrm>
+              <a:off x="24497427" y="7882060"/>
+              <a:ext cx="4892107" cy="461665"/>
+            </a:xfrm>
+            <a:prstGeom prst="rect">
+              <a:avLst/>
+            </a:prstGeom>
+            <a:noFill/>
+          </p:spPr>
+          <p:txBody>
+            <a:bodyPr wrap="square" rtlCol="0">
+              <a:spAutoFit/>
+            </a:bodyPr>
+            <a:lstStyle/>
+            <a:p>
+              <a:r>
+                <a:rPr lang="en-GB" sz="2400" b="1" noProof="0" dirty="0"/>
+                <a:t>B     </a:t>
+              </a:r>
+              <a:r>
+                <a:rPr lang="en-GB" sz="2000" dirty="0"/>
+                <a:t>Not RNA-dependent: SPTN1_HUMAN</a:t>
+              </a:r>
+              <a:r>
+                <a:rPr lang="en-GB" sz="2000" b="1" dirty="0"/>
+                <a:t> </a:t>
+              </a:r>
+              <a:endParaRPr lang="en-GB" sz="2000" b="1" noProof="0" dirty="0"/>
+            </a:p>
+          </p:txBody>
+        </p:sp>
+        <p:pic>
+          <p:nvPicPr>
+            <p:cNvPr id="15" name="Picture 14">
+              <a:extLst>
+                <a:ext uri="{FF2B5EF4-FFF2-40B4-BE49-F238E27FC236}">
+                  <a16:creationId xmlns:a16="http://schemas.microsoft.com/office/drawing/2014/main" id="{9BFEEF2F-C19C-2FD6-D8F9-896CFACC281E}"/>
+                </a:ext>
+              </a:extLst>
+            </p:cNvPr>
+            <p:cNvPicPr>
+              <a:picLocks noChangeAspect="1"/>
+            </p:cNvPicPr>
+            <p:nvPr/>
+          </p:nvPicPr>
+          <p:blipFill>
+            <a:blip r:embed="rId24"/>
+            <a:stretch>
+              <a:fillRect/>
+            </a:stretch>
+          </p:blipFill>
+          <p:spPr>
+            <a:xfrm>
+              <a:off x="19102199" y="8264290"/>
+              <a:ext cx="4726558" cy="2917628"/>
+            </a:xfrm>
+            <a:prstGeom prst="rect">
+              <a:avLst/>
+            </a:prstGeom>
+          </p:spPr>
+        </p:pic>
+        <p:pic>
+          <p:nvPicPr>
+            <p:cNvPr id="16" name="Picture 15">
+              <a:extLst>
+                <a:ext uri="{FF2B5EF4-FFF2-40B4-BE49-F238E27FC236}">
+                  <a16:creationId xmlns:a16="http://schemas.microsoft.com/office/drawing/2014/main" id="{FE6B88C2-A47A-2136-3DAB-F1D690E205EC}"/>
+                </a:ext>
+              </a:extLst>
+            </p:cNvPr>
+            <p:cNvPicPr>
+              <a:picLocks noChangeAspect="1"/>
+            </p:cNvPicPr>
+            <p:nvPr/>
+          </p:nvPicPr>
+          <p:blipFill>
+            <a:blip r:embed="rId25"/>
+            <a:stretch>
+              <a:fillRect/>
+            </a:stretch>
+          </p:blipFill>
+          <p:spPr>
+            <a:xfrm>
+              <a:off x="24510576" y="8264290"/>
+              <a:ext cx="4726558" cy="2917628"/>
+            </a:xfrm>
+            <a:prstGeom prst="rect">
+              <a:avLst/>
+            </a:prstGeom>
+          </p:spPr>
+        </p:pic>
+        <p:sp>
+          <p:nvSpPr>
+            <p:cNvPr id="19" name="Textfeld 104">
+              <a:extLst>
+                <a:ext uri="{FF2B5EF4-FFF2-40B4-BE49-F238E27FC236}">
+                  <a16:creationId xmlns:a16="http://schemas.microsoft.com/office/drawing/2014/main" id="{684CF570-5C33-FD74-07E2-BB6FE101DA58}"/>
+                </a:ext>
+              </a:extLst>
+            </p:cNvPr>
+            <p:cNvSpPr txBox="1"/>
+            <p:nvPr/>
+          </p:nvSpPr>
+          <p:spPr>
+            <a:xfrm rot="16200000">
+              <a:off x="18519995" y="9385097"/>
+              <a:ext cx="795075" cy="369332"/>
+            </a:xfrm>
+            <a:prstGeom prst="rect">
+              <a:avLst/>
+            </a:prstGeom>
+            <a:noFill/>
+          </p:spPr>
+          <p:txBody>
+            <a:bodyPr wrap="square" rtlCol="0">
+              <a:spAutoFit/>
+            </a:bodyPr>
+            <a:lstStyle/>
+            <a:p>
+              <a:r>
+                <a:rPr lang="de-DE" dirty="0"/>
+                <a:t>Values</a:t>
+              </a:r>
+            </a:p>
+          </p:txBody>
+        </p:sp>
+        <p:sp>
+          <p:nvSpPr>
+            <p:cNvPr id="35" name="Textfeld 104">
+              <a:extLst>
+                <a:ext uri="{FF2B5EF4-FFF2-40B4-BE49-F238E27FC236}">
+                  <a16:creationId xmlns:a16="http://schemas.microsoft.com/office/drawing/2014/main" id="{E6BBE844-19CF-4BDC-CE76-A563E31A9AAE}"/>
+                </a:ext>
+              </a:extLst>
+            </p:cNvPr>
+            <p:cNvSpPr txBox="1"/>
+            <p:nvPr/>
+          </p:nvSpPr>
+          <p:spPr>
+            <a:xfrm rot="16200000">
+              <a:off x="23899129" y="9385097"/>
+              <a:ext cx="795075" cy="369332"/>
+            </a:xfrm>
+            <a:prstGeom prst="rect">
+              <a:avLst/>
+            </a:prstGeom>
+            <a:noFill/>
+          </p:spPr>
+          <p:txBody>
+            <a:bodyPr wrap="square" rtlCol="0">
+              <a:spAutoFit/>
+            </a:bodyPr>
+            <a:lstStyle/>
+            <a:p>
+              <a:r>
+                <a:rPr lang="de-DE" dirty="0"/>
+                <a:t>Values</a:t>
+              </a:r>
+            </a:p>
+          </p:txBody>
+        </p:sp>
+        <p:sp>
+          <p:nvSpPr>
+            <p:cNvPr id="38" name="Textfeld 105">
+              <a:extLst>
+                <a:ext uri="{FF2B5EF4-FFF2-40B4-BE49-F238E27FC236}">
+                  <a16:creationId xmlns:a16="http://schemas.microsoft.com/office/drawing/2014/main" id="{D5F4916C-BDBC-E9C4-ADB1-1F60917D1D7B}"/>
+                </a:ext>
+              </a:extLst>
+            </p:cNvPr>
+            <p:cNvSpPr txBox="1"/>
+            <p:nvPr/>
+          </p:nvSpPr>
+          <p:spPr>
+            <a:xfrm>
+              <a:off x="20114893" y="11119786"/>
+              <a:ext cx="3001654" cy="369332"/>
+            </a:xfrm>
+            <a:prstGeom prst="rect">
+              <a:avLst/>
+            </a:prstGeom>
+            <a:noFill/>
+          </p:spPr>
+          <p:txBody>
+            <a:bodyPr wrap="square" rtlCol="0">
+              <a:spAutoFit/>
+            </a:bodyPr>
+            <a:lstStyle/>
+            <a:p>
+              <a:pPr algn="ctr"/>
+              <a:r>
+                <a:rPr lang="de-DE" dirty="0"/>
+                <a:t>Fractions</a:t>
+              </a:r>
+            </a:p>
+          </p:txBody>
+        </p:sp>
+        <p:sp>
+          <p:nvSpPr>
+            <p:cNvPr id="42" name="Textfeld 105">
+              <a:extLst>
+                <a:ext uri="{FF2B5EF4-FFF2-40B4-BE49-F238E27FC236}">
+                  <a16:creationId xmlns:a16="http://schemas.microsoft.com/office/drawing/2014/main" id="{B9D4EDF0-CC06-E7DD-9245-774501E2F5A2}"/>
+                </a:ext>
+              </a:extLst>
+            </p:cNvPr>
+            <p:cNvSpPr txBox="1"/>
+            <p:nvPr/>
+          </p:nvSpPr>
+          <p:spPr>
+            <a:xfrm>
+              <a:off x="25625712" y="11119786"/>
+              <a:ext cx="3001654" cy="369332"/>
+            </a:xfrm>
+            <a:prstGeom prst="rect">
+              <a:avLst/>
+            </a:prstGeom>
+            <a:noFill/>
+          </p:spPr>
+          <p:txBody>
+            <a:bodyPr wrap="square" rtlCol="0">
+              <a:spAutoFit/>
+            </a:bodyPr>
+            <a:lstStyle/>
+            <a:p>
+              <a:pPr algn="ctr"/>
+              <a:r>
+                <a:rPr lang="de-DE" dirty="0"/>
+                <a:t>Fractions</a:t>
+              </a:r>
+            </a:p>
+          </p:txBody>
+        </p:sp>
+      </p:grpSp>
+      <p:grpSp>
+        <p:nvGrpSpPr>
+          <p:cNvPr id="143" name="Group 142">
+            <a:extLst>
+              <a:ext uri="{FF2B5EF4-FFF2-40B4-BE49-F238E27FC236}">
+                <a16:creationId xmlns:a16="http://schemas.microsoft.com/office/drawing/2014/main" id="{70AB0CAB-EB88-EB21-3B11-2631F234F9B8}"/>
+              </a:ext>
+            </a:extLst>
+          </p:cNvPr>
+          <p:cNvGrpSpPr/>
+          <p:nvPr/>
+        </p:nvGrpSpPr>
+        <p:grpSpPr>
+          <a:xfrm>
+            <a:off x="949508" y="15685474"/>
+            <a:ext cx="6184204" cy="5716407"/>
+            <a:chOff x="2552324" y="2545614"/>
+            <a:chExt cx="9612409" cy="7298822"/>
+          </a:xfrm>
+        </p:grpSpPr>
+        <p:sp>
+          <p:nvSpPr>
+            <p:cNvPr id="147" name="Rectangle: Rounded Corners 146">
+              <a:extLst>
+                <a:ext uri="{FF2B5EF4-FFF2-40B4-BE49-F238E27FC236}">
+                  <a16:creationId xmlns:a16="http://schemas.microsoft.com/office/drawing/2014/main" id="{EA28E423-B62B-6AA2-7C08-6F6051B55EED}"/>
+                </a:ext>
+              </a:extLst>
+            </p:cNvPr>
+            <p:cNvSpPr/>
+            <p:nvPr/>
+          </p:nvSpPr>
+          <p:spPr>
+            <a:xfrm>
+              <a:off x="6031834" y="2545614"/>
+              <a:ext cx="2120407" cy="788879"/>
+            </a:xfrm>
+            <a:prstGeom prst="roundRect">
+              <a:avLst>
+                <a:gd name="adj" fmla="val 1667"/>
+              </a:avLst>
+            </a:prstGeom>
+            <a:solidFill>
+              <a:schemeClr val="bg1"/>
+            </a:solidFill>
+            <a:ln w="76200">
+              <a:solidFill>
+                <a:schemeClr val="tx1"/>
+              </a:solidFill>
+            </a:ln>
+          </p:spPr>
+          <p:style>
+            <a:lnRef idx="2">
+              <a:schemeClr val="accent1">
+                <a:shade val="15000"/>
+              </a:schemeClr>
+            </a:lnRef>
+            <a:fillRef idx="1">
+              <a:schemeClr val="accent1"/>
+            </a:fillRef>
+            <a:effectRef idx="0">
+              <a:schemeClr val="accent1"/>
+            </a:effectRef>
+            <a:fontRef idx="minor">
+              <a:schemeClr val="lt1"/>
+            </a:fontRef>
+          </p:style>
+          <p:txBody>
+            <a:bodyPr rtlCol="0" anchor="ctr"/>
+            <a:lstStyle/>
+            <a:p>
+              <a:pPr algn="ctr"/>
+              <a:r>
+                <a:rPr lang="de-DE" dirty="0">
+                  <a:solidFill>
+                    <a:schemeClr val="tx1"/>
+                  </a:solidFill>
+                </a:rPr>
+                <a:t>All proteins</a:t>
+              </a:r>
+            </a:p>
+          </p:txBody>
+        </p:sp>
+        <p:cxnSp>
+          <p:nvCxnSpPr>
+            <p:cNvPr id="148" name="Straight Arrow Connector 147">
+              <a:extLst>
+                <a:ext uri="{FF2B5EF4-FFF2-40B4-BE49-F238E27FC236}">
+                  <a16:creationId xmlns:a16="http://schemas.microsoft.com/office/drawing/2014/main" id="{60A93F8D-81ED-38C8-B14D-0C1550222A86}"/>
+                </a:ext>
+              </a:extLst>
+            </p:cNvPr>
+            <p:cNvCxnSpPr>
+              <a:cxnSpLocks/>
+            </p:cNvCxnSpPr>
+            <p:nvPr/>
+          </p:nvCxnSpPr>
+          <p:spPr>
+            <a:xfrm>
+              <a:off x="7306858" y="3567402"/>
+              <a:ext cx="288829" cy="432018"/>
+            </a:xfrm>
+            <a:prstGeom prst="straightConnector1">
+              <a:avLst/>
+            </a:prstGeom>
+            <a:ln w="60325">
+              <a:solidFill>
+                <a:schemeClr val="tx1"/>
+              </a:solidFill>
+              <a:tailEnd type="triangle"/>
+            </a:ln>
+          </p:spPr>
+          <p:style>
+            <a:lnRef idx="1">
+              <a:schemeClr val="accent1"/>
+            </a:lnRef>
+            <a:fillRef idx="0">
+              <a:schemeClr val="accent1"/>
+            </a:fillRef>
+            <a:effectRef idx="0">
+              <a:schemeClr val="accent1"/>
+            </a:effectRef>
+            <a:fontRef idx="minor">
+              <a:schemeClr val="tx1"/>
+            </a:fontRef>
+          </p:style>
+        </p:cxnSp>
+        <p:cxnSp>
+          <p:nvCxnSpPr>
+            <p:cNvPr id="149" name="Straight Arrow Connector 148">
+              <a:extLst>
+                <a:ext uri="{FF2B5EF4-FFF2-40B4-BE49-F238E27FC236}">
+                  <a16:creationId xmlns:a16="http://schemas.microsoft.com/office/drawing/2014/main" id="{F4B609B4-1D3C-D7E4-7F71-74981EEA8A0D}"/>
+                </a:ext>
+              </a:extLst>
+            </p:cNvPr>
+            <p:cNvCxnSpPr>
+              <a:cxnSpLocks/>
+            </p:cNvCxnSpPr>
+            <p:nvPr/>
+          </p:nvCxnSpPr>
+          <p:spPr>
+            <a:xfrm flipH="1">
+              <a:off x="6588388" y="3567402"/>
+              <a:ext cx="280312" cy="432017"/>
+            </a:xfrm>
+            <a:prstGeom prst="straightConnector1">
+              <a:avLst/>
+            </a:prstGeom>
+            <a:ln w="60325">
+              <a:solidFill>
+                <a:schemeClr val="tx1"/>
+              </a:solidFill>
+              <a:tailEnd type="triangle"/>
+            </a:ln>
+          </p:spPr>
+          <p:style>
+            <a:lnRef idx="1">
+              <a:schemeClr val="accent1"/>
+            </a:lnRef>
+            <a:fillRef idx="0">
+              <a:schemeClr val="accent1"/>
+            </a:fillRef>
+            <a:effectRef idx="0">
+              <a:schemeClr val="accent1"/>
+            </a:effectRef>
+            <a:fontRef idx="minor">
+              <a:schemeClr val="tx1"/>
+            </a:fontRef>
+          </p:style>
+        </p:cxnSp>
+        <p:sp>
+          <p:nvSpPr>
+            <p:cNvPr id="150" name="Rectangle: Rounded Corners 149">
+              <a:extLst>
+                <a:ext uri="{FF2B5EF4-FFF2-40B4-BE49-F238E27FC236}">
+                  <a16:creationId xmlns:a16="http://schemas.microsoft.com/office/drawing/2014/main" id="{85C5F17B-4AE0-B0F2-429D-73CA848096C3}"/>
+                </a:ext>
+              </a:extLst>
+            </p:cNvPr>
+            <p:cNvSpPr/>
+            <p:nvPr/>
+          </p:nvSpPr>
+          <p:spPr>
+            <a:xfrm>
+              <a:off x="3709913" y="4232328"/>
+              <a:ext cx="3209699" cy="788879"/>
+            </a:xfrm>
+            <a:prstGeom prst="roundRect">
+              <a:avLst>
+                <a:gd name="adj" fmla="val 40815"/>
+              </a:avLst>
+            </a:prstGeom>
+            <a:solidFill>
+              <a:schemeClr val="bg1"/>
+            </a:solidFill>
+            <a:ln w="76200">
+              <a:solidFill>
+                <a:srgbClr val="FA8072"/>
+              </a:solidFill>
+            </a:ln>
+          </p:spPr>
+          <p:style>
+            <a:lnRef idx="2">
+              <a:schemeClr val="accent1">
+                <a:shade val="15000"/>
+              </a:schemeClr>
+            </a:lnRef>
+            <a:fillRef idx="1">
+              <a:schemeClr val="accent1"/>
+            </a:fillRef>
+            <a:effectRef idx="0">
+              <a:schemeClr val="accent1"/>
+            </a:effectRef>
+            <a:fontRef idx="minor">
+              <a:schemeClr val="lt1"/>
+            </a:fontRef>
+          </p:style>
+          <p:txBody>
+            <a:bodyPr rtlCol="0" anchor="ctr"/>
+            <a:lstStyle/>
+            <a:p>
+              <a:pPr algn="ctr"/>
+              <a:r>
+                <a:rPr lang="de-DE" dirty="0">
+                  <a:solidFill>
+                    <a:srgbClr val="FA5D32"/>
+                  </a:solidFill>
+                </a:rPr>
+                <a:t>Center of Mass shift ≥ 2 fractions </a:t>
+              </a:r>
+            </a:p>
+          </p:txBody>
+        </p:sp>
+        <p:sp>
+          <p:nvSpPr>
+            <p:cNvPr id="151" name="Rectangle: Rounded Corners 150">
+              <a:extLst>
+                <a:ext uri="{FF2B5EF4-FFF2-40B4-BE49-F238E27FC236}">
+                  <a16:creationId xmlns:a16="http://schemas.microsoft.com/office/drawing/2014/main" id="{0C2F71EC-522F-B804-4368-0111D2482EC1}"/>
+                </a:ext>
+              </a:extLst>
+            </p:cNvPr>
+            <p:cNvSpPr/>
+            <p:nvPr/>
+          </p:nvSpPr>
+          <p:spPr>
+            <a:xfrm>
+              <a:off x="7306856" y="4232328"/>
+              <a:ext cx="3041775" cy="788879"/>
+            </a:xfrm>
+            <a:prstGeom prst="roundRect">
+              <a:avLst>
+                <a:gd name="adj" fmla="val 1667"/>
+              </a:avLst>
+            </a:prstGeom>
+            <a:solidFill>
+              <a:schemeClr val="bg1"/>
+            </a:solidFill>
+            <a:ln w="76200">
+              <a:solidFill>
+                <a:schemeClr val="tx1"/>
+              </a:solidFill>
+            </a:ln>
+          </p:spPr>
+          <p:style>
+            <a:lnRef idx="2">
+              <a:schemeClr val="accent1">
+                <a:shade val="15000"/>
+              </a:schemeClr>
+            </a:lnRef>
+            <a:fillRef idx="1">
+              <a:schemeClr val="accent1"/>
+            </a:fillRef>
+            <a:effectRef idx="0">
+              <a:schemeClr val="accent1"/>
+            </a:effectRef>
+            <a:fontRef idx="minor">
+              <a:schemeClr val="lt1"/>
+            </a:fontRef>
+          </p:style>
+          <p:txBody>
+            <a:bodyPr rtlCol="0" anchor="ctr"/>
+            <a:lstStyle/>
+            <a:p>
+              <a:pPr algn="ctr"/>
+              <a:r>
+                <a:rPr lang="de-DE" dirty="0">
+                  <a:solidFill>
+                    <a:schemeClr val="tx1"/>
+                  </a:solidFill>
+                </a:rPr>
+                <a:t>No Center of Mass shift ≥ 2 fractions </a:t>
+              </a:r>
+            </a:p>
+          </p:txBody>
+        </p:sp>
+        <p:cxnSp>
+          <p:nvCxnSpPr>
+            <p:cNvPr id="152" name="Straight Arrow Connector 151">
+              <a:extLst>
+                <a:ext uri="{FF2B5EF4-FFF2-40B4-BE49-F238E27FC236}">
+                  <a16:creationId xmlns:a16="http://schemas.microsoft.com/office/drawing/2014/main" id="{EC855909-3D62-8D5A-98C7-3C880B0590D2}"/>
+                </a:ext>
+              </a:extLst>
+            </p:cNvPr>
+            <p:cNvCxnSpPr>
+              <a:cxnSpLocks/>
+            </p:cNvCxnSpPr>
+            <p:nvPr/>
+          </p:nvCxnSpPr>
+          <p:spPr>
+            <a:xfrm>
+              <a:off x="8881419" y="5292215"/>
+              <a:ext cx="288829" cy="432018"/>
+            </a:xfrm>
+            <a:prstGeom prst="straightConnector1">
+              <a:avLst/>
+            </a:prstGeom>
+            <a:ln w="60325">
+              <a:solidFill>
+                <a:schemeClr val="tx1"/>
+              </a:solidFill>
+              <a:tailEnd type="triangle"/>
+            </a:ln>
+          </p:spPr>
+          <p:style>
+            <a:lnRef idx="1">
+              <a:schemeClr val="accent1"/>
+            </a:lnRef>
+            <a:fillRef idx="0">
+              <a:schemeClr val="accent1"/>
+            </a:fillRef>
+            <a:effectRef idx="0">
+              <a:schemeClr val="accent1"/>
+            </a:effectRef>
+            <a:fontRef idx="minor">
+              <a:schemeClr val="tx1"/>
+            </a:fontRef>
+          </p:style>
+        </p:cxnSp>
+        <p:cxnSp>
+          <p:nvCxnSpPr>
+            <p:cNvPr id="153" name="Straight Arrow Connector 152">
+              <a:extLst>
+                <a:ext uri="{FF2B5EF4-FFF2-40B4-BE49-F238E27FC236}">
+                  <a16:creationId xmlns:a16="http://schemas.microsoft.com/office/drawing/2014/main" id="{12BBEB3F-649B-06DF-37F7-0FD354D0B74C}"/>
+                </a:ext>
+              </a:extLst>
+            </p:cNvPr>
+            <p:cNvCxnSpPr>
+              <a:cxnSpLocks/>
+            </p:cNvCxnSpPr>
+            <p:nvPr/>
+          </p:nvCxnSpPr>
+          <p:spPr>
+            <a:xfrm flipH="1">
+              <a:off x="8162949" y="5292215"/>
+              <a:ext cx="280312" cy="432017"/>
+            </a:xfrm>
+            <a:prstGeom prst="straightConnector1">
+              <a:avLst/>
+            </a:prstGeom>
+            <a:ln w="60325">
+              <a:solidFill>
+                <a:schemeClr val="tx1"/>
+              </a:solidFill>
+              <a:tailEnd type="triangle"/>
+            </a:ln>
+          </p:spPr>
+          <p:style>
+            <a:lnRef idx="1">
+              <a:schemeClr val="accent1"/>
+            </a:lnRef>
+            <a:fillRef idx="0">
+              <a:schemeClr val="accent1"/>
+            </a:fillRef>
+            <a:effectRef idx="0">
+              <a:schemeClr val="accent1"/>
+            </a:effectRef>
+            <a:fontRef idx="minor">
+              <a:schemeClr val="tx1"/>
+            </a:fontRef>
+          </p:style>
+        </p:cxnSp>
+        <p:sp>
+          <p:nvSpPr>
+            <p:cNvPr id="154" name="Rectangle: Rounded Corners 153">
+              <a:extLst>
+                <a:ext uri="{FF2B5EF4-FFF2-40B4-BE49-F238E27FC236}">
+                  <a16:creationId xmlns:a16="http://schemas.microsoft.com/office/drawing/2014/main" id="{02E8575D-1673-AD25-4F59-65B04B01127A}"/>
+                </a:ext>
+              </a:extLst>
+            </p:cNvPr>
+            <p:cNvSpPr/>
+            <p:nvPr/>
+          </p:nvSpPr>
+          <p:spPr>
+            <a:xfrm>
+              <a:off x="5124665" y="6001391"/>
+              <a:ext cx="3283314" cy="788879"/>
+            </a:xfrm>
+            <a:prstGeom prst="roundRect">
+              <a:avLst>
+                <a:gd name="adj" fmla="val 1667"/>
+              </a:avLst>
+            </a:prstGeom>
+            <a:solidFill>
+              <a:schemeClr val="bg1"/>
+            </a:solidFill>
+            <a:ln w="76200">
+              <a:solidFill>
+                <a:schemeClr val="tx1"/>
+              </a:solidFill>
+            </a:ln>
+          </p:spPr>
+          <p:style>
+            <a:lnRef idx="2">
+              <a:schemeClr val="accent1">
+                <a:shade val="15000"/>
+              </a:schemeClr>
+            </a:lnRef>
+            <a:fillRef idx="1">
+              <a:schemeClr val="accent1"/>
+            </a:fillRef>
+            <a:effectRef idx="0">
+              <a:schemeClr val="accent1"/>
+            </a:effectRef>
+            <a:fontRef idx="minor">
+              <a:schemeClr val="lt1"/>
+            </a:fontRef>
+          </p:style>
+          <p:txBody>
+            <a:bodyPr rtlCol="0" anchor="ctr"/>
+            <a:lstStyle/>
+            <a:p>
+              <a:pPr algn="ctr"/>
+              <a:r>
+                <a:rPr lang="de-DE" dirty="0">
+                  <a:solidFill>
+                    <a:schemeClr val="tx1"/>
+                  </a:solidFill>
+                </a:rPr>
+                <a:t>Main maximum shift ≥ 3 fractions </a:t>
+              </a:r>
+            </a:p>
+          </p:txBody>
+        </p:sp>
+        <p:sp>
+          <p:nvSpPr>
+            <p:cNvPr id="155" name="Rectangle: Rounded Corners 154">
+              <a:extLst>
+                <a:ext uri="{FF2B5EF4-FFF2-40B4-BE49-F238E27FC236}">
+                  <a16:creationId xmlns:a16="http://schemas.microsoft.com/office/drawing/2014/main" id="{FEBD950C-0D58-6029-91D4-C9D731E47302}"/>
+                </a:ext>
+              </a:extLst>
+            </p:cNvPr>
+            <p:cNvSpPr/>
+            <p:nvPr/>
+          </p:nvSpPr>
+          <p:spPr>
+            <a:xfrm>
+              <a:off x="8881419" y="5995240"/>
+              <a:ext cx="3283314" cy="788879"/>
+            </a:xfrm>
+            <a:prstGeom prst="roundRect">
+              <a:avLst>
+                <a:gd name="adj" fmla="val 37595"/>
+              </a:avLst>
+            </a:prstGeom>
+            <a:solidFill>
+              <a:schemeClr val="bg1"/>
+            </a:solidFill>
+            <a:ln w="76200">
+              <a:solidFill>
+                <a:srgbClr val="AB8DFF"/>
+              </a:solidFill>
+            </a:ln>
+          </p:spPr>
+          <p:style>
+            <a:lnRef idx="2">
+              <a:schemeClr val="accent1">
+                <a:shade val="15000"/>
+              </a:schemeClr>
+            </a:lnRef>
+            <a:fillRef idx="1">
+              <a:schemeClr val="accent1"/>
+            </a:fillRef>
+            <a:effectRef idx="0">
+              <a:schemeClr val="accent1"/>
+            </a:effectRef>
+            <a:fontRef idx="minor">
+              <a:schemeClr val="lt1"/>
+            </a:fontRef>
+          </p:style>
+          <p:txBody>
+            <a:bodyPr rtlCol="0" anchor="ctr"/>
+            <a:lstStyle/>
+            <a:p>
+              <a:pPr algn="ctr"/>
+              <a:r>
+                <a:rPr lang="de-DE" dirty="0">
+                  <a:solidFill>
+                    <a:srgbClr val="8F67FF"/>
+                  </a:solidFill>
+                </a:rPr>
+                <a:t>No Main maximum shift ≥ 3 fractions </a:t>
+              </a:r>
+            </a:p>
+          </p:txBody>
+        </p:sp>
+        <p:cxnSp>
+          <p:nvCxnSpPr>
+            <p:cNvPr id="156" name="Straight Arrow Connector 155">
+              <a:extLst>
+                <a:ext uri="{FF2B5EF4-FFF2-40B4-BE49-F238E27FC236}">
+                  <a16:creationId xmlns:a16="http://schemas.microsoft.com/office/drawing/2014/main" id="{BC186F82-1BF8-2B93-5090-674F41AB8523}"/>
+                </a:ext>
+              </a:extLst>
+            </p:cNvPr>
+            <p:cNvCxnSpPr>
+              <a:cxnSpLocks/>
+            </p:cNvCxnSpPr>
+            <p:nvPr/>
+          </p:nvCxnSpPr>
+          <p:spPr>
+            <a:xfrm>
+              <a:off x="7306858" y="7023178"/>
+              <a:ext cx="288829" cy="432018"/>
+            </a:xfrm>
+            <a:prstGeom prst="straightConnector1">
+              <a:avLst/>
+            </a:prstGeom>
+            <a:ln w="60325">
+              <a:solidFill>
+                <a:schemeClr val="tx1"/>
+              </a:solidFill>
+              <a:tailEnd type="triangle"/>
+            </a:ln>
+          </p:spPr>
+          <p:style>
+            <a:lnRef idx="1">
+              <a:schemeClr val="accent1"/>
+            </a:lnRef>
+            <a:fillRef idx="0">
+              <a:schemeClr val="accent1"/>
+            </a:fillRef>
+            <a:effectRef idx="0">
+              <a:schemeClr val="accent1"/>
+            </a:effectRef>
+            <a:fontRef idx="minor">
+              <a:schemeClr val="tx1"/>
+            </a:fontRef>
+          </p:style>
+        </p:cxnSp>
+        <p:cxnSp>
+          <p:nvCxnSpPr>
+            <p:cNvPr id="157" name="Straight Arrow Connector 156">
+              <a:extLst>
+                <a:ext uri="{FF2B5EF4-FFF2-40B4-BE49-F238E27FC236}">
+                  <a16:creationId xmlns:a16="http://schemas.microsoft.com/office/drawing/2014/main" id="{49348F51-B325-2348-12C8-15DFC7E70E44}"/>
+                </a:ext>
+              </a:extLst>
+            </p:cNvPr>
+            <p:cNvCxnSpPr>
+              <a:cxnSpLocks/>
+            </p:cNvCxnSpPr>
+            <p:nvPr/>
+          </p:nvCxnSpPr>
+          <p:spPr>
+            <a:xfrm flipH="1">
+              <a:off x="6588388" y="7023178"/>
+              <a:ext cx="280312" cy="432017"/>
+            </a:xfrm>
+            <a:prstGeom prst="straightConnector1">
+              <a:avLst/>
+            </a:prstGeom>
+            <a:ln w="60325">
+              <a:solidFill>
+                <a:schemeClr val="tx1"/>
+              </a:solidFill>
+              <a:tailEnd type="triangle"/>
+            </a:ln>
+          </p:spPr>
+          <p:style>
+            <a:lnRef idx="1">
+              <a:schemeClr val="accent1"/>
+            </a:lnRef>
+            <a:fillRef idx="0">
+              <a:schemeClr val="accent1"/>
+            </a:fillRef>
+            <a:effectRef idx="0">
+              <a:schemeClr val="accent1"/>
+            </a:effectRef>
+            <a:fontRef idx="minor">
+              <a:schemeClr val="tx1"/>
+            </a:fontRef>
+          </p:style>
+        </p:cxnSp>
+        <p:sp>
+          <p:nvSpPr>
+            <p:cNvPr id="158" name="Rectangle: Rounded Corners 157">
+              <a:extLst>
+                <a:ext uri="{FF2B5EF4-FFF2-40B4-BE49-F238E27FC236}">
+                  <a16:creationId xmlns:a16="http://schemas.microsoft.com/office/drawing/2014/main" id="{A93535A8-CA14-F80E-3A2E-E54CF1758046}"/>
+                </a:ext>
+              </a:extLst>
+            </p:cNvPr>
+            <p:cNvSpPr/>
+            <p:nvPr/>
+          </p:nvSpPr>
+          <p:spPr>
+            <a:xfrm>
+              <a:off x="3862264" y="7685452"/>
+              <a:ext cx="3120736" cy="788879"/>
+            </a:xfrm>
+            <a:prstGeom prst="roundRect">
+              <a:avLst>
+                <a:gd name="adj" fmla="val 40815"/>
+              </a:avLst>
+            </a:prstGeom>
+            <a:solidFill>
+              <a:schemeClr val="bg1"/>
+            </a:solidFill>
+            <a:ln w="76200">
+              <a:solidFill>
+                <a:srgbClr val="842332"/>
+              </a:solidFill>
+            </a:ln>
+          </p:spPr>
+          <p:style>
+            <a:lnRef idx="2">
+              <a:schemeClr val="accent1">
+                <a:shade val="15000"/>
+              </a:schemeClr>
+            </a:lnRef>
+            <a:fillRef idx="1">
+              <a:schemeClr val="accent1"/>
+            </a:fillRef>
+            <a:effectRef idx="0">
+              <a:schemeClr val="accent1"/>
+            </a:effectRef>
+            <a:fontRef idx="minor">
+              <a:schemeClr val="lt1"/>
+            </a:fontRef>
+          </p:style>
+          <p:txBody>
+            <a:bodyPr rtlCol="0" anchor="ctr"/>
+            <a:lstStyle/>
+            <a:p>
+              <a:pPr algn="ctr"/>
+              <a:r>
+                <a:rPr lang="de-DE" dirty="0">
+                  <a:solidFill>
+                    <a:srgbClr val="842332"/>
+                  </a:solidFill>
+                </a:rPr>
+                <a:t>Correlation Value</a:t>
+              </a:r>
+              <a:br>
+                <a:rPr lang="de-DE" dirty="0">
+                  <a:solidFill>
+                    <a:srgbClr val="842332"/>
+                  </a:solidFill>
+                </a:rPr>
+              </a:br>
+              <a:r>
+                <a:rPr lang="de-DE" dirty="0">
+                  <a:solidFill>
+                    <a:srgbClr val="842332"/>
+                  </a:solidFill>
+                </a:rPr>
+                <a:t>&lt; 0.7</a:t>
+              </a:r>
+            </a:p>
+          </p:txBody>
+        </p:sp>
+        <p:sp>
+          <p:nvSpPr>
+            <p:cNvPr id="159" name="Rectangle: Rounded Corners 158">
+              <a:extLst>
+                <a:ext uri="{FF2B5EF4-FFF2-40B4-BE49-F238E27FC236}">
+                  <a16:creationId xmlns:a16="http://schemas.microsoft.com/office/drawing/2014/main" id="{0B0A5A2F-BEDF-7EB4-DD75-E16DD01B7D7B}"/>
+                </a:ext>
+              </a:extLst>
+            </p:cNvPr>
+            <p:cNvSpPr/>
+            <p:nvPr/>
+          </p:nvSpPr>
+          <p:spPr>
+            <a:xfrm>
+              <a:off x="7306858" y="7688103"/>
+              <a:ext cx="3120736" cy="788879"/>
+            </a:xfrm>
+            <a:prstGeom prst="roundRect">
+              <a:avLst>
+                <a:gd name="adj" fmla="val 40815"/>
+              </a:avLst>
+            </a:prstGeom>
+            <a:solidFill>
+              <a:schemeClr val="bg1"/>
+            </a:solidFill>
+            <a:ln w="76200">
+              <a:solidFill>
+                <a:srgbClr val="191970"/>
+              </a:solidFill>
+            </a:ln>
+          </p:spPr>
+          <p:style>
+            <a:lnRef idx="2">
+              <a:schemeClr val="accent1">
+                <a:shade val="15000"/>
+              </a:schemeClr>
+            </a:lnRef>
+            <a:fillRef idx="1">
+              <a:schemeClr val="accent1"/>
+            </a:fillRef>
+            <a:effectRef idx="0">
+              <a:schemeClr val="accent1"/>
+            </a:effectRef>
+            <a:fontRef idx="minor">
+              <a:schemeClr val="lt1"/>
+            </a:fontRef>
+          </p:style>
+          <p:txBody>
+            <a:bodyPr rtlCol="0" anchor="ctr"/>
+            <a:lstStyle/>
+            <a:p>
+              <a:pPr algn="ctr"/>
+              <a:r>
+                <a:rPr lang="de-DE" dirty="0">
+                  <a:solidFill>
+                    <a:srgbClr val="191970"/>
+                  </a:solidFill>
+                </a:rPr>
+                <a:t>Correlation Value</a:t>
+              </a:r>
+              <a:br>
+                <a:rPr lang="de-DE" dirty="0">
+                  <a:solidFill>
+                    <a:srgbClr val="191970"/>
+                  </a:solidFill>
+                </a:rPr>
+              </a:br>
+              <a:r>
+                <a:rPr lang="de-DE" dirty="0">
+                  <a:solidFill>
+                    <a:srgbClr val="191970"/>
+                  </a:solidFill>
+                </a:rPr>
+                <a:t>≥ 0.7</a:t>
+              </a:r>
+            </a:p>
+          </p:txBody>
+        </p:sp>
+        <p:cxnSp>
+          <p:nvCxnSpPr>
+            <p:cNvPr id="160" name="Straight Connector 159">
+              <a:extLst>
+                <a:ext uri="{FF2B5EF4-FFF2-40B4-BE49-F238E27FC236}">
+                  <a16:creationId xmlns:a16="http://schemas.microsoft.com/office/drawing/2014/main" id="{5A0A2FBE-B5D4-4BCA-4CA7-20D78F1765C9}"/>
+                </a:ext>
+              </a:extLst>
+            </p:cNvPr>
+            <p:cNvCxnSpPr>
+              <a:cxnSpLocks/>
+            </p:cNvCxnSpPr>
+            <p:nvPr/>
+          </p:nvCxnSpPr>
+          <p:spPr>
+            <a:xfrm flipV="1">
+              <a:off x="4660579" y="8472900"/>
+              <a:ext cx="0" cy="582656"/>
+            </a:xfrm>
+            <a:prstGeom prst="line">
+              <a:avLst/>
+            </a:prstGeom>
+            <a:ln w="76200">
+              <a:solidFill>
+                <a:srgbClr val="842332"/>
+              </a:solidFill>
+            </a:ln>
+          </p:spPr>
+          <p:style>
+            <a:lnRef idx="1">
+              <a:schemeClr val="accent1"/>
+            </a:lnRef>
+            <a:fillRef idx="0">
+              <a:schemeClr val="accent1"/>
+            </a:fillRef>
+            <a:effectRef idx="0">
+              <a:schemeClr val="accent1"/>
+            </a:effectRef>
+            <a:fontRef idx="minor">
+              <a:schemeClr val="tx1"/>
+            </a:fontRef>
+          </p:style>
+        </p:cxnSp>
+        <p:cxnSp>
+          <p:nvCxnSpPr>
+            <p:cNvPr id="161" name="Straight Connector 160">
+              <a:extLst>
+                <a:ext uri="{FF2B5EF4-FFF2-40B4-BE49-F238E27FC236}">
+                  <a16:creationId xmlns:a16="http://schemas.microsoft.com/office/drawing/2014/main" id="{C4024B2C-C58E-D3F8-18CE-788AC7FE835A}"/>
+                </a:ext>
+              </a:extLst>
+            </p:cNvPr>
+            <p:cNvCxnSpPr>
+              <a:cxnSpLocks/>
+            </p:cNvCxnSpPr>
+            <p:nvPr/>
+          </p:nvCxnSpPr>
+          <p:spPr>
+            <a:xfrm flipV="1">
+              <a:off x="9499279" y="8472900"/>
+              <a:ext cx="0" cy="582656"/>
+            </a:xfrm>
+            <a:prstGeom prst="line">
+              <a:avLst/>
+            </a:prstGeom>
+            <a:ln w="76200">
+              <a:solidFill>
+                <a:srgbClr val="191970"/>
+              </a:solidFill>
+            </a:ln>
+          </p:spPr>
+          <p:style>
+            <a:lnRef idx="1">
+              <a:schemeClr val="accent1"/>
+            </a:lnRef>
+            <a:fillRef idx="0">
+              <a:schemeClr val="accent1"/>
+            </a:fillRef>
+            <a:effectRef idx="0">
+              <a:schemeClr val="accent1"/>
+            </a:effectRef>
+            <a:fontRef idx="minor">
+              <a:schemeClr val="tx1"/>
+            </a:fontRef>
+          </p:style>
+        </p:cxnSp>
+        <p:cxnSp>
+          <p:nvCxnSpPr>
+            <p:cNvPr id="162" name="Straight Connector 161">
+              <a:extLst>
+                <a:ext uri="{FF2B5EF4-FFF2-40B4-BE49-F238E27FC236}">
+                  <a16:creationId xmlns:a16="http://schemas.microsoft.com/office/drawing/2014/main" id="{77AFF906-5771-0560-56F8-935B5F72F2D6}"/>
+                </a:ext>
+              </a:extLst>
+            </p:cNvPr>
+            <p:cNvCxnSpPr>
+              <a:cxnSpLocks/>
+            </p:cNvCxnSpPr>
+            <p:nvPr/>
+          </p:nvCxnSpPr>
+          <p:spPr>
+            <a:xfrm flipV="1">
+              <a:off x="10724429" y="6833542"/>
+              <a:ext cx="0" cy="2214394"/>
+            </a:xfrm>
+            <a:prstGeom prst="line">
+              <a:avLst/>
+            </a:prstGeom>
+            <a:ln w="76200">
+              <a:solidFill>
+                <a:srgbClr val="AB8DFF"/>
+              </a:solidFill>
+            </a:ln>
+          </p:spPr>
+          <p:style>
+            <a:lnRef idx="1">
+              <a:schemeClr val="accent1"/>
+            </a:lnRef>
+            <a:fillRef idx="0">
+              <a:schemeClr val="accent1"/>
+            </a:fillRef>
+            <a:effectRef idx="0">
+              <a:schemeClr val="accent1"/>
+            </a:effectRef>
+            <a:fontRef idx="minor">
+              <a:schemeClr val="tx1"/>
+            </a:fontRef>
+          </p:style>
+        </p:cxnSp>
+        <p:cxnSp>
+          <p:nvCxnSpPr>
+            <p:cNvPr id="163" name="Connector: Elbow 162">
+              <a:extLst>
+                <a:ext uri="{FF2B5EF4-FFF2-40B4-BE49-F238E27FC236}">
+                  <a16:creationId xmlns:a16="http://schemas.microsoft.com/office/drawing/2014/main" id="{49C73117-10DD-2B5E-BD44-3FB029AA1E09}"/>
+                </a:ext>
+              </a:extLst>
+            </p:cNvPr>
+            <p:cNvCxnSpPr>
+              <a:cxnSpLocks/>
+              <a:stCxn id="150" idx="1"/>
+            </p:cNvCxnSpPr>
+            <p:nvPr/>
+          </p:nvCxnSpPr>
+          <p:spPr>
+            <a:xfrm rot="10800000" flipV="1">
+              <a:off x="3225652" y="4626768"/>
+              <a:ext cx="484262" cy="4428788"/>
+            </a:xfrm>
+            <a:prstGeom prst="bentConnector2">
+              <a:avLst/>
+            </a:prstGeom>
+            <a:ln w="76200">
+              <a:solidFill>
+                <a:srgbClr val="FA8072"/>
+              </a:solidFill>
+            </a:ln>
+          </p:spPr>
+          <p:style>
+            <a:lnRef idx="1">
+              <a:schemeClr val="accent1"/>
+            </a:lnRef>
+            <a:fillRef idx="0">
+              <a:schemeClr val="accent1"/>
+            </a:fillRef>
+            <a:effectRef idx="0">
+              <a:schemeClr val="accent1"/>
+            </a:effectRef>
+            <a:fontRef idx="minor">
+              <a:schemeClr val="tx1"/>
+            </a:fontRef>
+          </p:style>
+        </p:cxnSp>
+        <p:sp>
+          <p:nvSpPr>
+            <p:cNvPr id="164" name="Rectangle: Rounded Corners 163">
+              <a:extLst>
+                <a:ext uri="{FF2B5EF4-FFF2-40B4-BE49-F238E27FC236}">
+                  <a16:creationId xmlns:a16="http://schemas.microsoft.com/office/drawing/2014/main" id="{060F02B0-A935-B08C-CB67-C8FD7506852A}"/>
+                </a:ext>
+              </a:extLst>
+            </p:cNvPr>
+            <p:cNvSpPr/>
+            <p:nvPr/>
+          </p:nvSpPr>
+          <p:spPr>
+            <a:xfrm>
+              <a:off x="2552324" y="9055557"/>
+              <a:ext cx="2750329" cy="788879"/>
+            </a:xfrm>
+            <a:prstGeom prst="roundRect">
+              <a:avLst>
+                <a:gd name="adj" fmla="val 40815"/>
+              </a:avLst>
+            </a:prstGeom>
+            <a:solidFill>
+              <a:schemeClr val="bg1"/>
+            </a:solidFill>
+            <a:ln w="76200">
+              <a:gradFill flip="none" rotWithShape="1">
+                <a:gsLst>
+                  <a:gs pos="0">
+                    <a:srgbClr val="FE8D70"/>
+                  </a:gs>
+                  <a:gs pos="61000">
+                    <a:srgbClr val="842332"/>
+                  </a:gs>
+                </a:gsLst>
+                <a:lin ang="0" scaled="1"/>
+                <a:tileRect/>
+              </a:gradFill>
+            </a:ln>
+          </p:spPr>
+          <p:style>
+            <a:lnRef idx="2">
+              <a:schemeClr val="accent1">
+                <a:shade val="15000"/>
+              </a:schemeClr>
+            </a:lnRef>
+            <a:fillRef idx="1">
+              <a:schemeClr val="accent1"/>
+            </a:fillRef>
+            <a:effectRef idx="0">
+              <a:schemeClr val="accent1"/>
+            </a:effectRef>
+            <a:fontRef idx="minor">
+              <a:schemeClr val="lt1"/>
+            </a:fontRef>
+          </p:style>
+          <p:txBody>
+            <a:bodyPr rtlCol="0" anchor="ctr"/>
+            <a:lstStyle/>
+            <a:p>
+              <a:pPr algn="ctr"/>
+              <a:r>
+                <a:rPr lang="de-DE" b="1" dirty="0">
+                  <a:solidFill>
+                    <a:srgbClr val="842332"/>
+                  </a:solidFill>
+                </a:rPr>
+                <a:t>Selected Proteins</a:t>
+              </a:r>
+            </a:p>
+          </p:txBody>
+        </p:sp>
+        <p:sp>
+          <p:nvSpPr>
+            <p:cNvPr id="165" name="Rectangle: Rounded Corners 164">
+              <a:extLst>
+                <a:ext uri="{FF2B5EF4-FFF2-40B4-BE49-F238E27FC236}">
+                  <a16:creationId xmlns:a16="http://schemas.microsoft.com/office/drawing/2014/main" id="{8A9D482F-4BE8-FA48-2633-3B6FE8AC8DB0}"/>
+                </a:ext>
+              </a:extLst>
+            </p:cNvPr>
+            <p:cNvSpPr/>
+            <p:nvPr/>
+          </p:nvSpPr>
+          <p:spPr>
+            <a:xfrm>
+              <a:off x="8881418" y="9055557"/>
+              <a:ext cx="2750329" cy="788879"/>
+            </a:xfrm>
+            <a:prstGeom prst="roundRect">
+              <a:avLst>
+                <a:gd name="adj" fmla="val 40815"/>
+              </a:avLst>
+            </a:prstGeom>
+            <a:solidFill>
+              <a:schemeClr val="bg1"/>
+            </a:solidFill>
+            <a:ln w="76200">
+              <a:gradFill flip="none" rotWithShape="1">
+                <a:gsLst>
+                  <a:gs pos="0">
+                    <a:srgbClr val="AB8DFF"/>
+                  </a:gs>
+                  <a:gs pos="93000">
+                    <a:srgbClr val="191970"/>
+                  </a:gs>
+                </a:gsLst>
+                <a:path path="circle">
+                  <a:fillToRect l="100000" t="100000"/>
+                </a:path>
+                <a:tileRect r="-100000" b="-100000"/>
+              </a:gradFill>
+            </a:ln>
+          </p:spPr>
+          <p:style>
+            <a:lnRef idx="2">
+              <a:schemeClr val="accent1">
+                <a:shade val="15000"/>
+              </a:schemeClr>
+            </a:lnRef>
+            <a:fillRef idx="1">
+              <a:schemeClr val="accent1"/>
+            </a:fillRef>
+            <a:effectRef idx="0">
+              <a:schemeClr val="accent1"/>
+            </a:effectRef>
+            <a:fontRef idx="minor">
+              <a:schemeClr val="lt1"/>
+            </a:fontRef>
+          </p:style>
+          <p:txBody>
+            <a:bodyPr rtlCol="0" anchor="ctr"/>
+            <a:lstStyle/>
+            <a:p>
+              <a:pPr algn="ctr"/>
+              <a:r>
+                <a:rPr lang="de-DE" b="1" dirty="0">
+                  <a:solidFill>
+                    <a:srgbClr val="191970"/>
+                  </a:solidFill>
+                </a:rPr>
+                <a:t>Not Selected Proteins</a:t>
+              </a:r>
+            </a:p>
+          </p:txBody>
+        </p:sp>
+      </p:grpSp>
+      <p:sp>
+        <p:nvSpPr>
+          <p:cNvPr id="168" name="Textfeld 85">
+            <a:extLst>
+              <a:ext uri="{FF2B5EF4-FFF2-40B4-BE49-F238E27FC236}">
+                <a16:creationId xmlns:a16="http://schemas.microsoft.com/office/drawing/2014/main" id="{DF96E19C-8BC2-A642-00A8-E5727AACD5B7}"/>
+              </a:ext>
+            </a:extLst>
+          </p:cNvPr>
+          <p:cNvSpPr txBox="1"/>
+          <p:nvPr/>
+        </p:nvSpPr>
+        <p:spPr>
+          <a:xfrm>
+            <a:off x="13097471" y="15582091"/>
+            <a:ext cx="3129249" cy="400110"/>
+          </a:xfrm>
+          <a:prstGeom prst="rect">
+            <a:avLst/>
+          </a:prstGeom>
+          <a:noFill/>
+        </p:spPr>
+        <p:txBody>
+          <a:bodyPr wrap="square" rtlCol="0">
+            <a:spAutoFit/>
+          </a:bodyPr>
+          <a:lstStyle/>
+          <a:p>
+            <a:pPr algn="ctr"/>
+            <a:r>
+              <a:rPr lang="en-US" sz="2000" noProof="0" dirty="0"/>
+              <a:t>Potato</a:t>
+            </a:r>
+            <a:endParaRPr lang="en-US" sz="2000" b="1" noProof="0" dirty="0"/>
           </a:p>
         </p:txBody>
       </p:sp>

--- a/Poster.pptx
+++ b/Poster.pptx
@@ -3552,8 +3552,8 @@
         </p:nvSpPr>
         <p:spPr>
           <a:xfrm flipV="1">
-            <a:off x="26960" y="-22105"/>
-            <a:ext cx="30275214" cy="5684230"/>
+            <a:off x="-29498" y="-22105"/>
+            <a:ext cx="30304711" cy="5684230"/>
           </a:xfrm>
           <a:prstGeom prst="round2SameRect">
             <a:avLst>
@@ -3861,7 +3861,7 @@
         </p:nvSpPr>
         <p:spPr>
           <a:xfrm>
-            <a:off x="15977907" y="36389733"/>
+            <a:off x="15977907" y="36351633"/>
             <a:ext cx="7850849" cy="4401205"/>
           </a:xfrm>
           <a:prstGeom prst="rect">
@@ -5249,7 +5249,7 @@
               </a:r>
               <a:r>
                 <a:rPr lang="en-US" sz="2000" noProof="0" dirty="0"/>
-                <a:t>Principle Component Analyses and </a:t>
+                <a:t>Principal Component Analyses and </a:t>
               </a:r>
               <a:r>
                 <a:rPr lang="en-US" sz="2000" noProof="0" dirty="0" err="1"/>
@@ -5961,433 +5961,6 @@
           </p:sp>
         </p:grpSp>
       </p:grpSp>
-      <p:grpSp>
-        <p:nvGrpSpPr>
-          <p:cNvPr id="17" name="Group 16">
-            <a:extLst>
-              <a:ext uri="{FF2B5EF4-FFF2-40B4-BE49-F238E27FC236}">
-                <a16:creationId xmlns:a16="http://schemas.microsoft.com/office/drawing/2014/main" id="{8FE614A1-E572-7E36-523A-11541777E8C4}"/>
-              </a:ext>
-            </a:extLst>
-          </p:cNvPr>
-          <p:cNvGrpSpPr/>
-          <p:nvPr/>
-        </p:nvGrpSpPr>
-        <p:grpSpPr>
-          <a:xfrm>
-            <a:off x="17348975" y="28251674"/>
-            <a:ext cx="10674190" cy="5365423"/>
-            <a:chOff x="16151120" y="29619824"/>
-            <a:chExt cx="10674190" cy="5365423"/>
-          </a:xfrm>
-        </p:grpSpPr>
-        <p:pic>
-          <p:nvPicPr>
-            <p:cNvPr id="21" name="Picture 20">
-              <a:extLst>
-                <a:ext uri="{FF2B5EF4-FFF2-40B4-BE49-F238E27FC236}">
-                  <a16:creationId xmlns:a16="http://schemas.microsoft.com/office/drawing/2014/main" id="{46FC0172-46D7-F1F1-77F1-3934AC38014F}"/>
-                </a:ext>
-              </a:extLst>
-            </p:cNvPr>
-            <p:cNvPicPr>
-              <a:picLocks noChangeAspect="1"/>
-            </p:cNvPicPr>
-            <p:nvPr/>
-          </p:nvPicPr>
-          <p:blipFill>
-            <a:blip r:embed="rId18"/>
-            <a:stretch>
-              <a:fillRect/>
-            </a:stretch>
-          </p:blipFill>
-          <p:spPr>
-            <a:xfrm>
-              <a:off x="16300923" y="30050898"/>
-              <a:ext cx="3166152" cy="3158522"/>
-            </a:xfrm>
-            <a:prstGeom prst="rect">
-              <a:avLst/>
-            </a:prstGeom>
-          </p:spPr>
-        </p:pic>
-        <p:pic>
-          <p:nvPicPr>
-            <p:cNvPr id="26" name="Picture 25">
-              <a:extLst>
-                <a:ext uri="{FF2B5EF4-FFF2-40B4-BE49-F238E27FC236}">
-                  <a16:creationId xmlns:a16="http://schemas.microsoft.com/office/drawing/2014/main" id="{425E4F17-4B64-3A71-DE0E-A30348A410FC}"/>
-                </a:ext>
-              </a:extLst>
-            </p:cNvPr>
-            <p:cNvPicPr>
-              <a:picLocks noChangeAspect="1"/>
-            </p:cNvPicPr>
-            <p:nvPr/>
-          </p:nvPicPr>
-          <p:blipFill>
-            <a:blip r:embed="rId19"/>
-            <a:stretch>
-              <a:fillRect/>
-            </a:stretch>
-          </p:blipFill>
-          <p:spPr>
-            <a:xfrm>
-              <a:off x="21456117" y="30050898"/>
-              <a:ext cx="3166152" cy="3158522"/>
-            </a:xfrm>
-            <a:prstGeom prst="rect">
-              <a:avLst/>
-            </a:prstGeom>
-          </p:spPr>
-        </p:pic>
-        <p:sp>
-          <p:nvSpPr>
-            <p:cNvPr id="30" name="Textfeld 15">
-              <a:extLst>
-                <a:ext uri="{FF2B5EF4-FFF2-40B4-BE49-F238E27FC236}">
-                  <a16:creationId xmlns:a16="http://schemas.microsoft.com/office/drawing/2014/main" id="{0285D420-A90A-7BCD-5A8D-08459E3FA847}"/>
-                </a:ext>
-              </a:extLst>
-            </p:cNvPr>
-            <p:cNvSpPr txBox="1"/>
-            <p:nvPr/>
-          </p:nvSpPr>
-          <p:spPr>
-            <a:xfrm>
-              <a:off x="16176064" y="33354031"/>
-              <a:ext cx="10649246" cy="1631216"/>
-            </a:xfrm>
-            <a:prstGeom prst="rect">
-              <a:avLst/>
-            </a:prstGeom>
-            <a:noFill/>
-          </p:spPr>
-          <p:txBody>
-            <a:bodyPr wrap="square" rtlCol="0">
-              <a:spAutoFit/>
-            </a:bodyPr>
-            <a:lstStyle/>
-            <a:p>
-              <a:r>
-                <a:rPr lang="en-US" sz="2000" b="1" noProof="0" dirty="0"/>
-                <a:t>Fig. 8  </a:t>
-              </a:r>
-              <a:r>
-                <a:rPr lang="en-US" sz="2000" noProof="0" dirty="0"/>
-                <a:t>Selection Status of RBPs and Non-RBPs According to the RBP2GO Database</a:t>
-              </a:r>
-            </a:p>
-            <a:p>
-              <a:endParaRPr lang="en-US" sz="2000" noProof="0" dirty="0"/>
-            </a:p>
-            <a:p>
-              <a:r>
-                <a:rPr lang="en-US" sz="2000" b="1" noProof="0" dirty="0"/>
-                <a:t>A)</a:t>
-              </a:r>
-              <a:r>
-                <a:rPr lang="en-US" sz="2000" noProof="0" dirty="0"/>
-                <a:t> Pie chart of RBP2GO-annotated RBPs in the dataset, showing selected (orange) versus not selected (red). </a:t>
-              </a:r>
-              <a:r>
-                <a:rPr lang="en-US" sz="2000" b="1" noProof="0" dirty="0"/>
-                <a:t>B)</a:t>
-              </a:r>
-              <a:r>
-                <a:rPr lang="en-US" sz="2000" noProof="0" dirty="0"/>
-                <a:t> Pie chart of RBP2GO-annotated Non-RBPs in the dataset, showing wrongly selected (purple) versus not selected (blue).</a:t>
-              </a:r>
-            </a:p>
-          </p:txBody>
-        </p:sp>
-        <p:sp>
-          <p:nvSpPr>
-            <p:cNvPr id="34" name="TextBox 33">
-              <a:extLst>
-                <a:ext uri="{FF2B5EF4-FFF2-40B4-BE49-F238E27FC236}">
-                  <a16:creationId xmlns:a16="http://schemas.microsoft.com/office/drawing/2014/main" id="{05578982-B98A-7353-2302-3E6BB16381D2}"/>
-                </a:ext>
-              </a:extLst>
-            </p:cNvPr>
-            <p:cNvSpPr txBox="1"/>
-            <p:nvPr/>
-          </p:nvSpPr>
-          <p:spPr>
-            <a:xfrm>
-              <a:off x="19451259" y="32454171"/>
-              <a:ext cx="2103727" cy="400110"/>
-            </a:xfrm>
-            <a:prstGeom prst="rect">
-              <a:avLst/>
-            </a:prstGeom>
-            <a:noFill/>
-            <a:ln>
-              <a:noFill/>
-            </a:ln>
-          </p:spPr>
-          <p:txBody>
-            <a:bodyPr wrap="square">
-              <a:spAutoFit/>
-            </a:bodyPr>
-            <a:lstStyle/>
-            <a:p>
-              <a:r>
-                <a:rPr lang="en-US" sz="2000" noProof="0" dirty="0"/>
-                <a:t>Not Selected RBP</a:t>
-              </a:r>
-            </a:p>
-          </p:txBody>
-        </p:sp>
-        <p:sp>
-          <p:nvSpPr>
-            <p:cNvPr id="36" name="TextBox 35">
-              <a:extLst>
-                <a:ext uri="{FF2B5EF4-FFF2-40B4-BE49-F238E27FC236}">
-                  <a16:creationId xmlns:a16="http://schemas.microsoft.com/office/drawing/2014/main" id="{AD254DB4-8668-8C99-36CB-726DC63B4C16}"/>
-                </a:ext>
-              </a:extLst>
-            </p:cNvPr>
-            <p:cNvSpPr txBox="1"/>
-            <p:nvPr/>
-          </p:nvSpPr>
-          <p:spPr>
-            <a:xfrm>
-              <a:off x="19451259" y="32709847"/>
-              <a:ext cx="2103727" cy="400110"/>
-            </a:xfrm>
-            <a:prstGeom prst="rect">
-              <a:avLst/>
-            </a:prstGeom>
-            <a:noFill/>
-            <a:ln>
-              <a:noFill/>
-            </a:ln>
-          </p:spPr>
-          <p:txBody>
-            <a:bodyPr wrap="square">
-              <a:spAutoFit/>
-            </a:bodyPr>
-            <a:lstStyle/>
-            <a:p>
-              <a:r>
-                <a:rPr lang="en-US" sz="2000" noProof="0" dirty="0"/>
-                <a:t>Selected RBP</a:t>
-              </a:r>
-            </a:p>
-          </p:txBody>
-        </p:sp>
-        <p:pic>
-          <p:nvPicPr>
-            <p:cNvPr id="40" name="Picture 39">
-              <a:extLst>
-                <a:ext uri="{FF2B5EF4-FFF2-40B4-BE49-F238E27FC236}">
-                  <a16:creationId xmlns:a16="http://schemas.microsoft.com/office/drawing/2014/main" id="{1DFCBA7D-B5AE-F907-414F-445EA8CACFD4}"/>
-                </a:ext>
-              </a:extLst>
-            </p:cNvPr>
-            <p:cNvPicPr>
-              <a:picLocks noChangeAspect="1"/>
-            </p:cNvPicPr>
-            <p:nvPr/>
-          </p:nvPicPr>
-          <p:blipFill>
-            <a:blip r:embed="rId20"/>
-            <a:stretch>
-              <a:fillRect/>
-            </a:stretch>
-          </p:blipFill>
-          <p:spPr>
-            <a:xfrm>
-              <a:off x="19202785" y="32475914"/>
-              <a:ext cx="314369" cy="581106"/>
-            </a:xfrm>
-            <a:prstGeom prst="rect">
-              <a:avLst/>
-            </a:prstGeom>
-          </p:spPr>
-        </p:pic>
-        <p:pic>
-          <p:nvPicPr>
-            <p:cNvPr id="41" name="Picture 40">
-              <a:extLst>
-                <a:ext uri="{FF2B5EF4-FFF2-40B4-BE49-F238E27FC236}">
-                  <a16:creationId xmlns:a16="http://schemas.microsoft.com/office/drawing/2014/main" id="{06C669EF-18BC-53D2-B16D-DE5F84BDFDFA}"/>
-                </a:ext>
-              </a:extLst>
-            </p:cNvPr>
-            <p:cNvPicPr>
-              <a:picLocks noChangeAspect="1"/>
-            </p:cNvPicPr>
-            <p:nvPr/>
-          </p:nvPicPr>
-          <p:blipFill>
-            <a:blip r:embed="rId21"/>
-            <a:stretch>
-              <a:fillRect/>
-            </a:stretch>
-          </p:blipFill>
-          <p:spPr>
-            <a:xfrm>
-              <a:off x="24408250" y="32475914"/>
-              <a:ext cx="323895" cy="581106"/>
-            </a:xfrm>
-            <a:prstGeom prst="rect">
-              <a:avLst/>
-            </a:prstGeom>
-          </p:spPr>
-        </p:pic>
-        <p:sp>
-          <p:nvSpPr>
-            <p:cNvPr id="43" name="TextBox 42">
-              <a:extLst>
-                <a:ext uri="{FF2B5EF4-FFF2-40B4-BE49-F238E27FC236}">
-                  <a16:creationId xmlns:a16="http://schemas.microsoft.com/office/drawing/2014/main" id="{A5CF8E7F-9777-6BA7-9AE8-D57566F23C4D}"/>
-                </a:ext>
-              </a:extLst>
-            </p:cNvPr>
-            <p:cNvSpPr txBox="1"/>
-            <p:nvPr/>
-          </p:nvSpPr>
-          <p:spPr>
-            <a:xfrm>
-              <a:off x="24651297" y="32474703"/>
-              <a:ext cx="2103727" cy="400110"/>
-            </a:xfrm>
-            <a:prstGeom prst="rect">
-              <a:avLst/>
-            </a:prstGeom>
-            <a:noFill/>
-            <a:ln>
-              <a:noFill/>
-            </a:ln>
-          </p:spPr>
-          <p:txBody>
-            <a:bodyPr wrap="square">
-              <a:spAutoFit/>
-            </a:bodyPr>
-            <a:lstStyle/>
-            <a:p>
-              <a:r>
-                <a:rPr lang="en-US" sz="2000" noProof="0" dirty="0"/>
-                <a:t>Not Selected RBP</a:t>
-              </a:r>
-            </a:p>
-          </p:txBody>
-        </p:sp>
-        <p:sp>
-          <p:nvSpPr>
-            <p:cNvPr id="44" name="TextBox 43">
-              <a:extLst>
-                <a:ext uri="{FF2B5EF4-FFF2-40B4-BE49-F238E27FC236}">
-                  <a16:creationId xmlns:a16="http://schemas.microsoft.com/office/drawing/2014/main" id="{E9A7E867-BAEF-6E1C-2418-E092A1526929}"/>
-                </a:ext>
-              </a:extLst>
-            </p:cNvPr>
-            <p:cNvSpPr txBox="1"/>
-            <p:nvPr/>
-          </p:nvSpPr>
-          <p:spPr>
-            <a:xfrm>
-              <a:off x="24651297" y="32730379"/>
-              <a:ext cx="2103727" cy="400110"/>
-            </a:xfrm>
-            <a:prstGeom prst="rect">
-              <a:avLst/>
-            </a:prstGeom>
-            <a:noFill/>
-            <a:ln>
-              <a:noFill/>
-            </a:ln>
-          </p:spPr>
-          <p:txBody>
-            <a:bodyPr wrap="square">
-              <a:spAutoFit/>
-            </a:bodyPr>
-            <a:lstStyle/>
-            <a:p>
-              <a:r>
-                <a:rPr lang="en-US" sz="2000" noProof="0" dirty="0"/>
-                <a:t>Selected RBP</a:t>
-              </a:r>
-            </a:p>
-          </p:txBody>
-        </p:sp>
-        <p:sp>
-          <p:nvSpPr>
-            <p:cNvPr id="45" name="Textfeld 102">
-              <a:extLst>
-                <a:ext uri="{FF2B5EF4-FFF2-40B4-BE49-F238E27FC236}">
-                  <a16:creationId xmlns:a16="http://schemas.microsoft.com/office/drawing/2014/main" id="{700CE9E2-B925-DC16-296F-90E9B43ADBA6}"/>
-                </a:ext>
-              </a:extLst>
-            </p:cNvPr>
-            <p:cNvSpPr txBox="1"/>
-            <p:nvPr/>
-          </p:nvSpPr>
-          <p:spPr>
-            <a:xfrm>
-              <a:off x="16151120" y="29640840"/>
-              <a:ext cx="3428405" cy="400110"/>
-            </a:xfrm>
-            <a:prstGeom prst="rect">
-              <a:avLst/>
-            </a:prstGeom>
-            <a:noFill/>
-          </p:spPr>
-          <p:txBody>
-            <a:bodyPr wrap="square" rtlCol="0">
-              <a:spAutoFit/>
-            </a:bodyPr>
-            <a:lstStyle/>
-            <a:p>
-              <a:pPr algn="ctr"/>
-              <a:r>
-                <a:rPr lang="en-US" sz="2000" noProof="0" dirty="0"/>
-                <a:t>RBP2GO-known RBPs</a:t>
-              </a:r>
-              <a:endParaRPr lang="en-US" sz="2000" b="1" noProof="0" dirty="0"/>
-            </a:p>
-          </p:txBody>
-        </p:sp>
-        <p:sp>
-          <p:nvSpPr>
-            <p:cNvPr id="46" name="Textfeld 102">
-              <a:extLst>
-                <a:ext uri="{FF2B5EF4-FFF2-40B4-BE49-F238E27FC236}">
-                  <a16:creationId xmlns:a16="http://schemas.microsoft.com/office/drawing/2014/main" id="{899739B5-AF15-339F-7FC7-16B0F1D53A58}"/>
-                </a:ext>
-              </a:extLst>
-            </p:cNvPr>
-            <p:cNvSpPr txBox="1"/>
-            <p:nvPr/>
-          </p:nvSpPr>
-          <p:spPr>
-            <a:xfrm>
-              <a:off x="21615720" y="29619824"/>
-              <a:ext cx="3428405" cy="400110"/>
-            </a:xfrm>
-            <a:prstGeom prst="rect">
-              <a:avLst/>
-            </a:prstGeom>
-            <a:noFill/>
-          </p:spPr>
-          <p:txBody>
-            <a:bodyPr wrap="square" rtlCol="0">
-              <a:spAutoFit/>
-            </a:bodyPr>
-            <a:lstStyle/>
-            <a:p>
-              <a:pPr algn="ctr"/>
-              <a:r>
-                <a:rPr lang="en-US" sz="2000" noProof="0" dirty="0"/>
-                <a:t>RBP2GO-known non-RBPs</a:t>
-              </a:r>
-              <a:endParaRPr lang="en-US" sz="2000" b="1" noProof="0" dirty="0"/>
-            </a:p>
-          </p:txBody>
-        </p:sp>
-      </p:grpSp>
       <p:sp>
         <p:nvSpPr>
           <p:cNvPr id="48" name="Textfeld 1">
@@ -6402,8 +5975,8 @@
         </p:nvSpPr>
         <p:spPr>
           <a:xfrm>
-            <a:off x="863785" y="21616027"/>
-            <a:ext cx="6565716" cy="3477875"/>
+            <a:off x="893282" y="21616027"/>
+            <a:ext cx="6432365" cy="3477875"/>
           </a:xfrm>
           <a:prstGeom prst="rect">
             <a:avLst/>
@@ -6638,7 +6211,7 @@
               <p:nvPr/>
             </p:nvPicPr>
             <p:blipFill>
-              <a:blip r:embed="rId22"/>
+              <a:blip r:embed="rId18"/>
               <a:srcRect r="55251"/>
               <a:stretch>
                 <a:fillRect/>
@@ -6669,7 +6242,7 @@
             <p:spPr>
               <a:xfrm>
                 <a:off x="8884102" y="15755416"/>
-                <a:ext cx="3366498" cy="707886"/>
+                <a:ext cx="3366498" cy="761555"/>
               </a:xfrm>
               <a:prstGeom prst="rect">
                 <a:avLst/>
@@ -6689,7 +6262,7 @@
                 </a:r>
                 <a:r>
                   <a:rPr lang="en-US" sz="2000" b="1" noProof="0" dirty="0"/>
-                  <a:t>selected proteins</a:t>
+                  <a:t>selected Proteins</a:t>
                 </a:r>
               </a:p>
             </p:txBody>
@@ -6795,21 +6368,17 @@
           <a:lstStyle/>
           <a:p>
             <a:r>
-              <a:rPr lang="en-US" sz="2000" b="1" noProof="0" dirty="0"/>
-              <a:t>F</a:t>
-            </a:r>
-            <a:r>
               <a:rPr lang="en-US" sz="2000" b="1" noProof="0" dirty="0">
                 <a:highlight>
-                  <a:srgbClr val="FFFF00"/>
+                  <a:srgbClr val="FA8072"/>
                 </a:highlight>
               </a:rPr>
-              <a:t>ig. 6 </a:t>
+              <a:t>Fig. 6 </a:t>
             </a:r>
             <a:r>
               <a:rPr lang="en-US" sz="2000" noProof="0" dirty="0">
                 <a:highlight>
-                  <a:srgbClr val="FFFF00"/>
+                  <a:srgbClr val="FA8072"/>
                 </a:highlight>
               </a:rPr>
               <a:t>Histogram of isoelectric points (</a:t>
@@ -6817,7 +6386,7 @@
             <a:r>
               <a:rPr lang="en-US" sz="2000" noProof="0" dirty="0" err="1">
                 <a:highlight>
-                  <a:srgbClr val="FFFF00"/>
+                  <a:srgbClr val="FA8072"/>
                 </a:highlight>
               </a:rPr>
               <a:t>pI</a:t>
@@ -6825,7 +6394,7 @@
             <a:r>
               <a:rPr lang="en-US" sz="2000" noProof="0" dirty="0">
                 <a:highlight>
-                  <a:srgbClr val="FFFF00"/>
+                  <a:srgbClr val="FA8072"/>
                 </a:highlight>
               </a:rPr>
               <a:t>) for selected proteins</a:t>
@@ -6833,14 +6402,14 @@
             <a:br>
               <a:rPr lang="en-US" sz="2000" noProof="0" dirty="0">
                 <a:highlight>
-                  <a:srgbClr val="FFFF00"/>
+                  <a:srgbClr val="FA8072"/>
                 </a:highlight>
               </a:rPr>
             </a:br>
             <a:r>
               <a:rPr lang="en-US" sz="2000" noProof="0" dirty="0">
                 <a:highlight>
-                  <a:srgbClr val="FFFF00"/>
+                  <a:srgbClr val="FA8072"/>
                 </a:highlight>
               </a:rPr>
               <a:t>The mean </a:t>
@@ -6848,7 +6417,7 @@
             <a:r>
               <a:rPr lang="en-US" sz="2000" noProof="0" dirty="0" err="1">
                 <a:highlight>
-                  <a:srgbClr val="FFFF00"/>
+                  <a:srgbClr val="FA8072"/>
                 </a:highlight>
               </a:rPr>
               <a:t>pI</a:t>
@@ -6856,7 +6425,7 @@
             <a:r>
               <a:rPr lang="en-US" sz="2000" noProof="0" dirty="0">
                 <a:highlight>
-                  <a:srgbClr val="FFFF00"/>
+                  <a:srgbClr val="FA8072"/>
                 </a:highlight>
               </a:rPr>
               <a:t> (8.16) is marked by a black line. A right-sided t-test against </a:t>
@@ -6864,7 +6433,7 @@
             <a:r>
               <a:rPr lang="en-US" sz="2000" noProof="0" dirty="0" err="1">
                 <a:highlight>
-                  <a:srgbClr val="FFFF00"/>
+                  <a:srgbClr val="FA8072"/>
                 </a:highlight>
               </a:rPr>
               <a:t>pI</a:t>
@@ -6872,7 +6441,7 @@
             <a:r>
               <a:rPr lang="en-US" sz="2000" noProof="0" dirty="0">
                 <a:highlight>
-                  <a:srgbClr val="FFFF00"/>
+                  <a:srgbClr val="FA8072"/>
                 </a:highlight>
               </a:rPr>
               <a:t> = 7.0 yielded a p-value of 2.2e-16, indicating that selected proteins have significantly higher isoelectric points.</a:t>
@@ -6882,7 +6451,7 @@
             <a:r>
               <a:rPr lang="en-US" sz="2000" b="1" noProof="0" dirty="0">
                 <a:highlight>
-                  <a:srgbClr val="FFFF00"/>
+                  <a:srgbClr val="FA8072"/>
                 </a:highlight>
               </a:rPr>
               <a:t>Fig. 4 </a:t>
@@ -6890,7 +6459,7 @@
             <a:r>
               <a:rPr lang="en-US" sz="2000" noProof="0" dirty="0">
                 <a:highlight>
-                  <a:srgbClr val="FFFF00"/>
+                  <a:srgbClr val="FA8072"/>
                 </a:highlight>
               </a:rPr>
               <a:t>COM shifts between control and RNase conditions for selected and not selected proteins</a:t>
@@ -6900,7 +6469,7 @@
             <a:r>
               <a:rPr lang="en-US" sz="2000" noProof="0" dirty="0">
                 <a:highlight>
-                  <a:srgbClr val="FFFF00"/>
+                  <a:srgbClr val="FA8072"/>
                 </a:highlight>
               </a:rPr>
               <a:t>Each dot represents a protein. X-axis: COM in control, Y-axis: COM in RNase.</a:t>
@@ -6908,14 +6477,14 @@
             <a:br>
               <a:rPr lang="en-US" sz="2000" noProof="0" dirty="0">
                 <a:highlight>
-                  <a:srgbClr val="FFFF00"/>
+                  <a:srgbClr val="FA8072"/>
                 </a:highlight>
               </a:rPr>
             </a:br>
             <a:r>
               <a:rPr lang="en-US" sz="2000" noProof="0" dirty="0">
                 <a:highlight>
-                  <a:srgbClr val="FFFF00"/>
+                  <a:srgbClr val="FA8072"/>
                 </a:highlight>
               </a:rPr>
               <a:t>Colors indicate subsets of selected or not selected proteins.</a:t>
@@ -6923,14 +6492,14 @@
             <a:br>
               <a:rPr lang="en-US" sz="2000" noProof="0" dirty="0">
                 <a:highlight>
-                  <a:srgbClr val="FFFF00"/>
+                  <a:srgbClr val="FA8072"/>
                 </a:highlight>
               </a:rPr>
             </a:br>
             <a:r>
               <a:rPr lang="en-US" sz="2000" b="1" noProof="0" dirty="0">
                 <a:highlight>
-                  <a:srgbClr val="FFFF00"/>
+                  <a:srgbClr val="FA8072"/>
                 </a:highlight>
               </a:rPr>
               <a:t>A)</a:t>
@@ -6938,7 +6507,7 @@
             <a:r>
               <a:rPr lang="en-US" sz="2000" noProof="0" dirty="0">
                 <a:highlight>
-                  <a:srgbClr val="FFFF00"/>
+                  <a:srgbClr val="FA8072"/>
                 </a:highlight>
               </a:rPr>
               <a:t> Selected proteins </a:t>
@@ -6948,7 +6517,7 @@
             <a:r>
               <a:rPr lang="en-US" sz="2000" b="1" noProof="0" dirty="0">
                 <a:highlight>
-                  <a:srgbClr val="FFFF00"/>
+                  <a:srgbClr val="FA8072"/>
                 </a:highlight>
               </a:rPr>
               <a:t>B)</a:t>
@@ -6956,7 +6525,7 @@
             <a:r>
               <a:rPr lang="en-US" sz="2000" noProof="0" dirty="0">
                 <a:highlight>
-                  <a:srgbClr val="FFFF00"/>
+                  <a:srgbClr val="FA8072"/>
                 </a:highlight>
               </a:rPr>
               <a:t> Not selected proteins</a:t>
@@ -6967,162 +6536,6 @@
           </a:p>
         </p:txBody>
       </p:sp>
-      <p:grpSp>
-        <p:nvGrpSpPr>
-          <p:cNvPr id="128" name="Group 127">
-            <a:extLst>
-              <a:ext uri="{FF2B5EF4-FFF2-40B4-BE49-F238E27FC236}">
-                <a16:creationId xmlns:a16="http://schemas.microsoft.com/office/drawing/2014/main" id="{3038826A-F45A-0EF6-0225-39CBD3385DF3}"/>
-              </a:ext>
-            </a:extLst>
-          </p:cNvPr>
-          <p:cNvGrpSpPr/>
-          <p:nvPr/>
-        </p:nvGrpSpPr>
-        <p:grpSpPr>
-          <a:xfrm>
-            <a:off x="12195471" y="15409388"/>
-            <a:ext cx="4162133" cy="4538632"/>
-            <a:chOff x="11733654" y="15068115"/>
-            <a:chExt cx="4316371" cy="4706823"/>
-          </a:xfrm>
-        </p:grpSpPr>
-        <p:pic>
-          <p:nvPicPr>
-            <p:cNvPr id="74" name="Grafik 79">
-              <a:extLst>
-                <a:ext uri="{FF2B5EF4-FFF2-40B4-BE49-F238E27FC236}">
-                  <a16:creationId xmlns:a16="http://schemas.microsoft.com/office/drawing/2014/main" id="{1DC05401-CCDE-33AC-AFEE-99450670C329}"/>
-                </a:ext>
-              </a:extLst>
-            </p:cNvPr>
-            <p:cNvPicPr>
-              <a:picLocks noChangeAspect="1"/>
-            </p:cNvPicPr>
-            <p:nvPr/>
-          </p:nvPicPr>
-          <p:blipFill>
-            <a:blip r:embed="rId23"/>
-            <a:stretch>
-              <a:fillRect/>
-            </a:stretch>
-          </p:blipFill>
-          <p:spPr>
-            <a:xfrm>
-              <a:off x="12136307" y="15837822"/>
-              <a:ext cx="3913718" cy="3609975"/>
-            </a:xfrm>
-            <a:prstGeom prst="rect">
-              <a:avLst/>
-            </a:prstGeom>
-          </p:spPr>
-        </p:pic>
-        <p:sp>
-          <p:nvSpPr>
-            <p:cNvPr id="75" name="Textfeld 80">
-              <a:extLst>
-                <a:ext uri="{FF2B5EF4-FFF2-40B4-BE49-F238E27FC236}">
-                  <a16:creationId xmlns:a16="http://schemas.microsoft.com/office/drawing/2014/main" id="{5CE10273-B9DA-EC4B-AFB4-43767818DB85}"/>
-                </a:ext>
-              </a:extLst>
-            </p:cNvPr>
-            <p:cNvSpPr txBox="1"/>
-            <p:nvPr/>
-          </p:nvSpPr>
-          <p:spPr>
-            <a:xfrm rot="16200000">
-              <a:off x="11140398" y="17063850"/>
-              <a:ext cx="1559562" cy="369332"/>
-            </a:xfrm>
-            <a:prstGeom prst="rect">
-              <a:avLst/>
-            </a:prstGeom>
-            <a:noFill/>
-          </p:spPr>
-          <p:txBody>
-            <a:bodyPr wrap="square" rtlCol="0">
-              <a:spAutoFit/>
-            </a:bodyPr>
-            <a:lstStyle/>
-            <a:p>
-              <a:r>
-                <a:rPr lang="en-US" noProof="0" dirty="0"/>
-                <a:t>Frequency</a:t>
-              </a:r>
-            </a:p>
-          </p:txBody>
-        </p:sp>
-        <p:sp>
-          <p:nvSpPr>
-            <p:cNvPr id="76" name="Textfeld 81">
-              <a:extLst>
-                <a:ext uri="{FF2B5EF4-FFF2-40B4-BE49-F238E27FC236}">
-                  <a16:creationId xmlns:a16="http://schemas.microsoft.com/office/drawing/2014/main" id="{4C636F0D-D1A1-9A42-4B80-D9B0FEB0F540}"/>
-                </a:ext>
-              </a:extLst>
-            </p:cNvPr>
-            <p:cNvSpPr txBox="1"/>
-            <p:nvPr/>
-          </p:nvSpPr>
-          <p:spPr>
-            <a:xfrm>
-              <a:off x="13518016" y="19405606"/>
-              <a:ext cx="1817047" cy="369332"/>
-            </a:xfrm>
-            <a:prstGeom prst="rect">
-              <a:avLst/>
-            </a:prstGeom>
-            <a:noFill/>
-          </p:spPr>
-          <p:txBody>
-            <a:bodyPr wrap="square" rtlCol="0">
-              <a:spAutoFit/>
-            </a:bodyPr>
-            <a:lstStyle/>
-            <a:p>
-              <a:r>
-                <a:rPr lang="en-US" noProof="0" dirty="0"/>
-                <a:t>Isoelectric point</a:t>
-              </a:r>
-            </a:p>
-          </p:txBody>
-        </p:sp>
-        <p:sp>
-          <p:nvSpPr>
-            <p:cNvPr id="79" name="Textfeld 97">
-              <a:extLst>
-                <a:ext uri="{FF2B5EF4-FFF2-40B4-BE49-F238E27FC236}">
-                  <a16:creationId xmlns:a16="http://schemas.microsoft.com/office/drawing/2014/main" id="{FB937246-12EA-4E83-6D12-E15CCDEA54A3}"/>
-                </a:ext>
-              </a:extLst>
-            </p:cNvPr>
-            <p:cNvSpPr txBox="1"/>
-            <p:nvPr/>
-          </p:nvSpPr>
-          <p:spPr>
-            <a:xfrm>
-              <a:off x="11733654" y="15068115"/>
-              <a:ext cx="518851" cy="461665"/>
-            </a:xfrm>
-            <a:prstGeom prst="rect">
-              <a:avLst/>
-            </a:prstGeom>
-            <a:noFill/>
-          </p:spPr>
-          <p:txBody>
-            <a:bodyPr wrap="square" rtlCol="0">
-              <a:spAutoFit/>
-            </a:bodyPr>
-            <a:lstStyle/>
-            <a:p>
-              <a:r>
-                <a:rPr lang="en-US" sz="2400" b="1" noProof="0" dirty="0"/>
-                <a:t>C</a:t>
-              </a:r>
-            </a:p>
-          </p:txBody>
-        </p:sp>
-      </p:grpSp>
       <p:grpSp>
         <p:nvGrpSpPr>
           <p:cNvPr id="95" name="Group 94">
@@ -7303,7 +6716,7 @@
             <p:nvPr/>
           </p:nvPicPr>
           <p:blipFill>
-            <a:blip r:embed="rId22"/>
+            <a:blip r:embed="rId18"/>
             <a:srcRect l="55251"/>
             <a:stretch>
               <a:fillRect/>
@@ -7560,7 +6973,7 @@
               </a:r>
               <a:r>
                 <a:rPr lang="en-US" sz="2000" noProof="0" dirty="0"/>
-                <a:t>Schematic Illustration of RNA-dependency.</a:t>
+                <a:t>Schematic illustration of RNA-dependency.</a:t>
               </a:r>
               <a:br>
                 <a:rPr lang="en-US" sz="2000" dirty="0"/>
@@ -7738,76 +7151,6 @@
                 </a:solidFill>
               </a:rPr>
               <a:t>2</a:t>
-            </a:r>
-          </a:p>
-        </p:txBody>
-      </p:sp>
-      <p:sp>
-        <p:nvSpPr>
-          <p:cNvPr id="145" name="TextBox 144">
-            <a:extLst>
-              <a:ext uri="{FF2B5EF4-FFF2-40B4-BE49-F238E27FC236}">
-                <a16:creationId xmlns:a16="http://schemas.microsoft.com/office/drawing/2014/main" id="{D38B928D-3AA3-6554-F587-911E82DD8624}"/>
-              </a:ext>
-            </a:extLst>
-          </p:cNvPr>
-          <p:cNvSpPr txBox="1"/>
-          <p:nvPr/>
-        </p:nvSpPr>
-        <p:spPr>
-          <a:xfrm>
-            <a:off x="17003688" y="28168244"/>
-            <a:ext cx="536059" cy="461665"/>
-          </a:xfrm>
-          <a:prstGeom prst="rect">
-            <a:avLst/>
-          </a:prstGeom>
-          <a:noFill/>
-        </p:spPr>
-        <p:txBody>
-          <a:bodyPr wrap="square" rtlCol="0">
-            <a:spAutoFit/>
-          </a:bodyPr>
-          <a:lstStyle/>
-          <a:p>
-            <a:r>
-              <a:rPr lang="en-US" sz="2400" b="1" noProof="0" dirty="0"/>
-              <a:t>8A</a:t>
-            </a:r>
-          </a:p>
-        </p:txBody>
-      </p:sp>
-      <p:sp>
-        <p:nvSpPr>
-          <p:cNvPr id="146" name="TextBox 145">
-            <a:extLst>
-              <a:ext uri="{FF2B5EF4-FFF2-40B4-BE49-F238E27FC236}">
-                <a16:creationId xmlns:a16="http://schemas.microsoft.com/office/drawing/2014/main" id="{BCBFDA70-40DD-623E-EA65-7089EAF41C08}"/>
-              </a:ext>
-            </a:extLst>
-          </p:cNvPr>
-          <p:cNvSpPr txBox="1"/>
-          <p:nvPr/>
-        </p:nvSpPr>
-        <p:spPr>
-          <a:xfrm>
-            <a:off x="22296681" y="28168244"/>
-            <a:ext cx="536059" cy="461665"/>
-          </a:xfrm>
-          <a:prstGeom prst="rect">
-            <a:avLst/>
-          </a:prstGeom>
-          <a:noFill/>
-        </p:spPr>
-        <p:txBody>
-          <a:bodyPr wrap="square" rtlCol="0">
-            <a:spAutoFit/>
-          </a:bodyPr>
-          <a:lstStyle/>
-          <a:p>
-            <a:r>
-              <a:rPr lang="en-US" sz="2400" b="1" noProof="0" dirty="0"/>
-              <a:t>B</a:t>
             </a:r>
           </a:p>
         </p:txBody>
@@ -8014,7 +7357,7 @@
             <p:nvPr/>
           </p:nvPicPr>
           <p:blipFill>
-            <a:blip r:embed="rId24"/>
+            <a:blip r:embed="rId19"/>
             <a:stretch>
               <a:fillRect/>
             </a:stretch>
@@ -8044,7 +7387,7 @@
             <p:nvPr/>
           </p:nvPicPr>
           <p:blipFill>
-            <a:blip r:embed="rId25"/>
+            <a:blip r:embed="rId20"/>
             <a:stretch>
               <a:fillRect/>
             </a:stretch>
@@ -9291,8 +8634,8 @@
         </p:nvSpPr>
         <p:spPr>
           <a:xfrm>
-            <a:off x="13097471" y="15582091"/>
-            <a:ext cx="3129249" cy="400110"/>
+            <a:off x="13271643" y="15582091"/>
+            <a:ext cx="3129249" cy="707886"/>
           </a:xfrm>
           <a:prstGeom prst="rect">
             <a:avLst/>
@@ -9308,12 +8651,923 @@
             <a:pPr algn="ctr"/>
             <a:r>
               <a:rPr lang="en-US" sz="2000" noProof="0" dirty="0"/>
-              <a:t>Potato</a:t>
+              <a:t>Isoelectric points of </a:t>
+            </a:r>
+            <a:r>
+              <a:rPr lang="en-US" sz="2000" b="1" dirty="0"/>
+              <a:t>s</a:t>
+            </a:r>
+            <a:r>
+              <a:rPr lang="en-US" sz="2000" b="1" noProof="0" dirty="0"/>
+              <a:t>elected proteins</a:t>
+            </a:r>
+          </a:p>
+        </p:txBody>
+      </p:sp>
+      <p:pic>
+        <p:nvPicPr>
+          <p:cNvPr id="47" name="Picture 46">
+            <a:extLst>
+              <a:ext uri="{FF2B5EF4-FFF2-40B4-BE49-F238E27FC236}">
+                <a16:creationId xmlns:a16="http://schemas.microsoft.com/office/drawing/2014/main" id="{929F86DB-0AC7-5E70-1E3A-4EA2A0E17244}"/>
+              </a:ext>
+            </a:extLst>
+          </p:cNvPr>
+          <p:cNvPicPr>
+            <a:picLocks noChangeAspect="1"/>
+          </p:cNvPicPr>
+          <p:nvPr/>
+        </p:nvPicPr>
+        <p:blipFill>
+          <a:blip r:embed="rId21"/>
+          <a:stretch>
+            <a:fillRect/>
+          </a:stretch>
+        </p:blipFill>
+        <p:spPr>
+          <a:xfrm>
+            <a:off x="13170041" y="16227065"/>
+            <a:ext cx="3129249" cy="3405360"/>
+          </a:xfrm>
+          <a:prstGeom prst="rect">
+            <a:avLst/>
+          </a:prstGeom>
+        </p:spPr>
+      </p:pic>
+      <p:sp>
+        <p:nvSpPr>
+          <p:cNvPr id="49" name="Textfeld 105">
+            <a:extLst>
+              <a:ext uri="{FF2B5EF4-FFF2-40B4-BE49-F238E27FC236}">
+                <a16:creationId xmlns:a16="http://schemas.microsoft.com/office/drawing/2014/main" id="{676F039A-23B5-5917-2698-3CB282BA75C4}"/>
+              </a:ext>
+            </a:extLst>
+          </p:cNvPr>
+          <p:cNvSpPr txBox="1"/>
+          <p:nvPr/>
+        </p:nvSpPr>
+        <p:spPr>
+          <a:xfrm>
+            <a:off x="14061923" y="19669711"/>
+            <a:ext cx="1772372" cy="369332"/>
+          </a:xfrm>
+          <a:prstGeom prst="rect">
+            <a:avLst/>
+          </a:prstGeom>
+          <a:noFill/>
+        </p:spPr>
+        <p:txBody>
+          <a:bodyPr wrap="square" rtlCol="0">
+            <a:spAutoFit/>
+          </a:bodyPr>
+          <a:lstStyle/>
+          <a:p>
+            <a:r>
+              <a:rPr lang="en-US" noProof="0" dirty="0"/>
+              <a:t>Isoelectric point</a:t>
+            </a:r>
+          </a:p>
+        </p:txBody>
+      </p:sp>
+      <p:pic>
+        <p:nvPicPr>
+          <p:cNvPr id="21" name="Picture 20">
+            <a:extLst>
+              <a:ext uri="{FF2B5EF4-FFF2-40B4-BE49-F238E27FC236}">
+                <a16:creationId xmlns:a16="http://schemas.microsoft.com/office/drawing/2014/main" id="{46FC0172-46D7-F1F1-77F1-3934AC38014F}"/>
+              </a:ext>
+            </a:extLst>
+          </p:cNvPr>
+          <p:cNvPicPr>
+            <a:picLocks noChangeAspect="1"/>
+          </p:cNvPicPr>
+          <p:nvPr/>
+        </p:nvPicPr>
+        <p:blipFill>
+          <a:blip r:embed="rId22"/>
+          <a:stretch>
+            <a:fillRect/>
+          </a:stretch>
+        </p:blipFill>
+        <p:spPr>
+          <a:xfrm>
+            <a:off x="16934435" y="28556966"/>
+            <a:ext cx="3580073" cy="3571446"/>
+          </a:xfrm>
+          <a:prstGeom prst="rect">
+            <a:avLst/>
+          </a:prstGeom>
+        </p:spPr>
+      </p:pic>
+      <p:pic>
+        <p:nvPicPr>
+          <p:cNvPr id="26" name="Picture 25">
+            <a:extLst>
+              <a:ext uri="{FF2B5EF4-FFF2-40B4-BE49-F238E27FC236}">
+                <a16:creationId xmlns:a16="http://schemas.microsoft.com/office/drawing/2014/main" id="{425E4F17-4B64-3A71-DE0E-A30348A410FC}"/>
+              </a:ext>
+            </a:extLst>
+          </p:cNvPr>
+          <p:cNvPicPr>
+            <a:picLocks noChangeAspect="1"/>
+          </p:cNvPicPr>
+          <p:nvPr/>
+        </p:nvPicPr>
+        <p:blipFill>
+          <a:blip r:embed="rId23"/>
+          <a:stretch>
+            <a:fillRect/>
+          </a:stretch>
+        </p:blipFill>
+        <p:spPr>
+          <a:xfrm>
+            <a:off x="22749650" y="28556966"/>
+            <a:ext cx="3580073" cy="3571446"/>
+          </a:xfrm>
+          <a:prstGeom prst="rect">
+            <a:avLst/>
+          </a:prstGeom>
+        </p:spPr>
+      </p:pic>
+      <p:sp>
+        <p:nvSpPr>
+          <p:cNvPr id="30" name="Textfeld 15">
+            <a:extLst>
+              <a:ext uri="{FF2B5EF4-FFF2-40B4-BE49-F238E27FC236}">
+                <a16:creationId xmlns:a16="http://schemas.microsoft.com/office/drawing/2014/main" id="{0285D420-A90A-7BCD-5A8D-08459E3FA847}"/>
+              </a:ext>
+            </a:extLst>
+          </p:cNvPr>
+          <p:cNvSpPr txBox="1"/>
+          <p:nvPr/>
+        </p:nvSpPr>
+        <p:spPr>
+          <a:xfrm>
+            <a:off x="16283896" y="32241634"/>
+            <a:ext cx="13100790" cy="1231106"/>
+          </a:xfrm>
+          <a:prstGeom prst="rect">
+            <a:avLst/>
+          </a:prstGeom>
+          <a:noFill/>
+        </p:spPr>
+        <p:txBody>
+          <a:bodyPr wrap="square" rtlCol="0">
+            <a:spAutoFit/>
+          </a:bodyPr>
+          <a:lstStyle/>
+          <a:p>
+            <a:r>
+              <a:rPr lang="en-US" sz="2000" b="1" noProof="0" dirty="0"/>
+              <a:t>Fig. 8  </a:t>
+            </a:r>
+            <a:r>
+              <a:rPr lang="en-US" sz="2000" noProof="0" dirty="0"/>
+              <a:t>Selection Status of RBPs and Non-RBPs According to the RBP2GO Database</a:t>
+            </a:r>
+          </a:p>
+          <a:p>
+            <a:r>
+              <a:rPr lang="en-US" sz="1400" noProof="0" dirty="0"/>
+              <a:t> </a:t>
+            </a:r>
+          </a:p>
+          <a:p>
+            <a:r>
+              <a:rPr lang="en-US" sz="2000" b="1" noProof="0" dirty="0"/>
+              <a:t>A)</a:t>
+            </a:r>
+            <a:r>
+              <a:rPr lang="en-US" sz="2000" noProof="0" dirty="0"/>
+              <a:t> Pie chart of RBP2GO-annotated RBPs in the dataset, showing selected (orange) versus not selected (red). </a:t>
+            </a:r>
+            <a:r>
+              <a:rPr lang="en-US" sz="2000" b="1" noProof="0" dirty="0"/>
+              <a:t>B)</a:t>
+            </a:r>
+            <a:r>
+              <a:rPr lang="en-US" sz="2000" noProof="0" dirty="0"/>
+              <a:t> Pie chart of RBP2GO-annotated Non-RBPs in the dataset, showing wrongly selected (purple) versus not selected (blue).</a:t>
+            </a:r>
+          </a:p>
+        </p:txBody>
+      </p:sp>
+      <p:sp>
+        <p:nvSpPr>
+          <p:cNvPr id="34" name="TextBox 33">
+            <a:extLst>
+              <a:ext uri="{FF2B5EF4-FFF2-40B4-BE49-F238E27FC236}">
+                <a16:creationId xmlns:a16="http://schemas.microsoft.com/office/drawing/2014/main" id="{05578982-B98A-7353-2302-3E6BB16381D2}"/>
+              </a:ext>
+            </a:extLst>
+          </p:cNvPr>
+          <p:cNvSpPr txBox="1"/>
+          <p:nvPr/>
+        </p:nvSpPr>
+        <p:spPr>
+          <a:xfrm>
+            <a:off x="20445081" y="31407545"/>
+            <a:ext cx="2454168" cy="400110"/>
+          </a:xfrm>
+          <a:prstGeom prst="rect">
+            <a:avLst/>
+          </a:prstGeom>
+          <a:noFill/>
+          <a:ln>
+            <a:noFill/>
+          </a:ln>
+        </p:spPr>
+        <p:txBody>
+          <a:bodyPr wrap="square">
+            <a:spAutoFit/>
+          </a:bodyPr>
+          <a:lstStyle/>
+          <a:p>
+            <a:r>
+              <a:rPr lang="en-US" sz="2000" noProof="0" dirty="0"/>
+              <a:t>Not Selected RBP</a:t>
+            </a:r>
+          </a:p>
+        </p:txBody>
+      </p:sp>
+      <p:sp>
+        <p:nvSpPr>
+          <p:cNvPr id="36" name="TextBox 35">
+            <a:extLst>
+              <a:ext uri="{FF2B5EF4-FFF2-40B4-BE49-F238E27FC236}">
+                <a16:creationId xmlns:a16="http://schemas.microsoft.com/office/drawing/2014/main" id="{AD254DB4-8668-8C99-36CB-726DC63B4C16}"/>
+              </a:ext>
+            </a:extLst>
+          </p:cNvPr>
+          <p:cNvSpPr txBox="1"/>
+          <p:nvPr/>
+        </p:nvSpPr>
+        <p:spPr>
+          <a:xfrm>
+            <a:off x="20445081" y="31676937"/>
+            <a:ext cx="2454168" cy="400110"/>
+          </a:xfrm>
+          <a:prstGeom prst="rect">
+            <a:avLst/>
+          </a:prstGeom>
+          <a:noFill/>
+          <a:ln>
+            <a:noFill/>
+          </a:ln>
+        </p:spPr>
+        <p:txBody>
+          <a:bodyPr wrap="square">
+            <a:spAutoFit/>
+          </a:bodyPr>
+          <a:lstStyle/>
+          <a:p>
+            <a:r>
+              <a:rPr lang="en-US" sz="2000" noProof="0" dirty="0"/>
+              <a:t>Selected RBP</a:t>
+            </a:r>
+          </a:p>
+        </p:txBody>
+      </p:sp>
+      <p:pic>
+        <p:nvPicPr>
+          <p:cNvPr id="40" name="Picture 39">
+            <a:extLst>
+              <a:ext uri="{FF2B5EF4-FFF2-40B4-BE49-F238E27FC236}">
+                <a16:creationId xmlns:a16="http://schemas.microsoft.com/office/drawing/2014/main" id="{1DFCBA7D-B5AE-F907-414F-445EA8CACFD4}"/>
+              </a:ext>
+            </a:extLst>
+          </p:cNvPr>
+          <p:cNvPicPr>
+            <a:picLocks noChangeAspect="1"/>
+          </p:cNvPicPr>
+          <p:nvPr/>
+        </p:nvPicPr>
+        <p:blipFill>
+          <a:blip r:embed="rId24"/>
+          <a:stretch>
+            <a:fillRect/>
+          </a:stretch>
+        </p:blipFill>
+        <p:spPr>
+          <a:xfrm>
+            <a:off x="20154248" y="31430454"/>
+            <a:ext cx="366737" cy="677906"/>
+          </a:xfrm>
+          <a:prstGeom prst="rect">
+            <a:avLst/>
+          </a:prstGeom>
+        </p:spPr>
+      </p:pic>
+      <p:pic>
+        <p:nvPicPr>
+          <p:cNvPr id="41" name="Picture 40">
+            <a:extLst>
+              <a:ext uri="{FF2B5EF4-FFF2-40B4-BE49-F238E27FC236}">
+                <a16:creationId xmlns:a16="http://schemas.microsoft.com/office/drawing/2014/main" id="{06C669EF-18BC-53D2-B16D-DE5F84BDFDFA}"/>
+              </a:ext>
+            </a:extLst>
+          </p:cNvPr>
+          <p:cNvPicPr>
+            <a:picLocks noChangeAspect="1"/>
+          </p:cNvPicPr>
+          <p:nvPr/>
+        </p:nvPicPr>
+        <p:blipFill>
+          <a:blip r:embed="rId25"/>
+          <a:stretch>
+            <a:fillRect/>
+          </a:stretch>
+        </p:blipFill>
+        <p:spPr>
+          <a:xfrm>
+            <a:off x="26022432" y="31430454"/>
+            <a:ext cx="377849" cy="677906"/>
+          </a:xfrm>
+          <a:prstGeom prst="rect">
+            <a:avLst/>
+          </a:prstGeom>
+        </p:spPr>
+      </p:pic>
+      <p:sp>
+        <p:nvSpPr>
+          <p:cNvPr id="43" name="TextBox 42">
+            <a:extLst>
+              <a:ext uri="{FF2B5EF4-FFF2-40B4-BE49-F238E27FC236}">
+                <a16:creationId xmlns:a16="http://schemas.microsoft.com/office/drawing/2014/main" id="{A5CF8E7F-9777-6BA7-9AE8-D57566F23C4D}"/>
+              </a:ext>
+            </a:extLst>
+          </p:cNvPr>
+          <p:cNvSpPr txBox="1"/>
+          <p:nvPr/>
+        </p:nvSpPr>
+        <p:spPr>
+          <a:xfrm>
+            <a:off x="26307546" y="31429178"/>
+            <a:ext cx="2454168" cy="400110"/>
+          </a:xfrm>
+          <a:prstGeom prst="rect">
+            <a:avLst/>
+          </a:prstGeom>
+          <a:noFill/>
+          <a:ln>
+            <a:noFill/>
+          </a:ln>
+        </p:spPr>
+        <p:txBody>
+          <a:bodyPr wrap="square">
+            <a:spAutoFit/>
+          </a:bodyPr>
+          <a:lstStyle/>
+          <a:p>
+            <a:r>
+              <a:rPr lang="en-US" sz="2000" noProof="0" dirty="0"/>
+              <a:t>Not Selected RBP</a:t>
+            </a:r>
+          </a:p>
+        </p:txBody>
+      </p:sp>
+      <p:sp>
+        <p:nvSpPr>
+          <p:cNvPr id="44" name="TextBox 43">
+            <a:extLst>
+              <a:ext uri="{FF2B5EF4-FFF2-40B4-BE49-F238E27FC236}">
+                <a16:creationId xmlns:a16="http://schemas.microsoft.com/office/drawing/2014/main" id="{E9A7E867-BAEF-6E1C-2418-E092A1526929}"/>
+              </a:ext>
+            </a:extLst>
+          </p:cNvPr>
+          <p:cNvSpPr txBox="1"/>
+          <p:nvPr/>
+        </p:nvSpPr>
+        <p:spPr>
+          <a:xfrm>
+            <a:off x="26307546" y="31698570"/>
+            <a:ext cx="2454168" cy="400110"/>
+          </a:xfrm>
+          <a:prstGeom prst="rect">
+            <a:avLst/>
+          </a:prstGeom>
+          <a:noFill/>
+          <a:ln>
+            <a:noFill/>
+          </a:ln>
+        </p:spPr>
+        <p:txBody>
+          <a:bodyPr wrap="square">
+            <a:spAutoFit/>
+          </a:bodyPr>
+          <a:lstStyle/>
+          <a:p>
+            <a:r>
+              <a:rPr lang="en-US" sz="2000" noProof="0" dirty="0"/>
+              <a:t>Selected RBP</a:t>
+            </a:r>
+          </a:p>
+        </p:txBody>
+      </p:sp>
+      <p:sp>
+        <p:nvSpPr>
+          <p:cNvPr id="45" name="Textfeld 102">
+            <a:extLst>
+              <a:ext uri="{FF2B5EF4-FFF2-40B4-BE49-F238E27FC236}">
+                <a16:creationId xmlns:a16="http://schemas.microsoft.com/office/drawing/2014/main" id="{700CE9E2-B925-DC16-296F-90E9B43ADBA6}"/>
+              </a:ext>
+            </a:extLst>
+          </p:cNvPr>
+          <p:cNvSpPr txBox="1"/>
+          <p:nvPr/>
+        </p:nvSpPr>
+        <p:spPr>
+          <a:xfrm>
+            <a:off x="16663099" y="28080120"/>
+            <a:ext cx="3999511" cy="400110"/>
+          </a:xfrm>
+          <a:prstGeom prst="rect">
+            <a:avLst/>
+          </a:prstGeom>
+          <a:noFill/>
+        </p:spPr>
+        <p:txBody>
+          <a:bodyPr wrap="square" rtlCol="0">
+            <a:spAutoFit/>
+          </a:bodyPr>
+          <a:lstStyle/>
+          <a:p>
+            <a:pPr algn="ctr"/>
+            <a:r>
+              <a:rPr lang="en-US" sz="2000" noProof="0" dirty="0"/>
+              <a:t>RBP2GO-known RBPs</a:t>
             </a:r>
             <a:endParaRPr lang="en-US" sz="2000" b="1" noProof="0" dirty="0"/>
           </a:p>
         </p:txBody>
       </p:sp>
+      <p:sp>
+        <p:nvSpPr>
+          <p:cNvPr id="46" name="Textfeld 102">
+            <a:extLst>
+              <a:ext uri="{FF2B5EF4-FFF2-40B4-BE49-F238E27FC236}">
+                <a16:creationId xmlns:a16="http://schemas.microsoft.com/office/drawing/2014/main" id="{899739B5-AF15-339F-7FC7-16B0F1D53A58}"/>
+              </a:ext>
+            </a:extLst>
+          </p:cNvPr>
+          <p:cNvSpPr txBox="1"/>
+          <p:nvPr/>
+        </p:nvSpPr>
+        <p:spPr>
+          <a:xfrm>
+            <a:off x="22804319" y="28073269"/>
+            <a:ext cx="3999511" cy="400110"/>
+          </a:xfrm>
+          <a:prstGeom prst="rect">
+            <a:avLst/>
+          </a:prstGeom>
+          <a:noFill/>
+        </p:spPr>
+        <p:txBody>
+          <a:bodyPr wrap="square" rtlCol="0">
+            <a:spAutoFit/>
+          </a:bodyPr>
+          <a:lstStyle/>
+          <a:p>
+            <a:pPr algn="ctr"/>
+            <a:r>
+              <a:rPr lang="en-US" sz="2000" noProof="0" dirty="0"/>
+              <a:t>RBP2GO-known non-RBPs</a:t>
+            </a:r>
+            <a:endParaRPr lang="en-US" sz="2000" b="1" noProof="0" dirty="0"/>
+          </a:p>
+        </p:txBody>
+      </p:sp>
+      <p:sp>
+        <p:nvSpPr>
+          <p:cNvPr id="145" name="TextBox 144">
+            <a:extLst>
+              <a:ext uri="{FF2B5EF4-FFF2-40B4-BE49-F238E27FC236}">
+                <a16:creationId xmlns:a16="http://schemas.microsoft.com/office/drawing/2014/main" id="{D38B928D-3AA3-6554-F587-911E82DD8624}"/>
+              </a:ext>
+            </a:extLst>
+          </p:cNvPr>
+          <p:cNvSpPr txBox="1"/>
+          <p:nvPr/>
+        </p:nvSpPr>
+        <p:spPr>
+          <a:xfrm>
+            <a:off x="16358284" y="28014863"/>
+            <a:ext cx="625356" cy="461665"/>
+          </a:xfrm>
+          <a:prstGeom prst="rect">
+            <a:avLst/>
+          </a:prstGeom>
+          <a:noFill/>
+        </p:spPr>
+        <p:txBody>
+          <a:bodyPr wrap="square" rtlCol="0">
+            <a:spAutoFit/>
+          </a:bodyPr>
+          <a:lstStyle/>
+          <a:p>
+            <a:r>
+              <a:rPr lang="en-US" sz="2400" b="1" noProof="0" dirty="0"/>
+              <a:t>8A</a:t>
+            </a:r>
+          </a:p>
+        </p:txBody>
+      </p:sp>
+      <p:sp>
+        <p:nvSpPr>
+          <p:cNvPr id="146" name="TextBox 145">
+            <a:extLst>
+              <a:ext uri="{FF2B5EF4-FFF2-40B4-BE49-F238E27FC236}">
+                <a16:creationId xmlns:a16="http://schemas.microsoft.com/office/drawing/2014/main" id="{BCBFDA70-40DD-623E-EA65-7089EAF41C08}"/>
+              </a:ext>
+            </a:extLst>
+          </p:cNvPr>
+          <p:cNvSpPr txBox="1"/>
+          <p:nvPr/>
+        </p:nvSpPr>
+        <p:spPr>
+          <a:xfrm>
+            <a:off x="22503397" y="28014863"/>
+            <a:ext cx="625356" cy="461665"/>
+          </a:xfrm>
+          <a:prstGeom prst="rect">
+            <a:avLst/>
+          </a:prstGeom>
+          <a:noFill/>
+        </p:spPr>
+        <p:txBody>
+          <a:bodyPr wrap="square" rtlCol="0">
+            <a:spAutoFit/>
+          </a:bodyPr>
+          <a:lstStyle/>
+          <a:p>
+            <a:r>
+              <a:rPr lang="en-US" sz="2400" b="1" noProof="0" dirty="0"/>
+              <a:t>B</a:t>
+            </a:r>
+          </a:p>
+        </p:txBody>
+      </p:sp>
+      <p:sp>
+        <p:nvSpPr>
+          <p:cNvPr id="52" name="TextBox 51">
+            <a:extLst>
+              <a:ext uri="{FF2B5EF4-FFF2-40B4-BE49-F238E27FC236}">
+                <a16:creationId xmlns:a16="http://schemas.microsoft.com/office/drawing/2014/main" id="{04D73253-293C-3244-A5D3-2A24BB17AB0D}"/>
+              </a:ext>
+            </a:extLst>
+          </p:cNvPr>
+          <p:cNvSpPr txBox="1"/>
+          <p:nvPr/>
+        </p:nvSpPr>
+        <p:spPr>
+          <a:xfrm>
+            <a:off x="18729222" y="29504748"/>
+            <a:ext cx="1315752" cy="553998"/>
+          </a:xfrm>
+          <a:prstGeom prst="rect">
+            <a:avLst/>
+          </a:prstGeom>
+          <a:noFill/>
+        </p:spPr>
+        <p:txBody>
+          <a:bodyPr wrap="square" rtlCol="0">
+            <a:spAutoFit/>
+          </a:bodyPr>
+          <a:lstStyle/>
+          <a:p>
+            <a:r>
+              <a:rPr lang="de-DE" sz="3000" b="1" dirty="0">
+                <a:solidFill>
+                  <a:schemeClr val="bg1"/>
+                </a:solidFill>
+              </a:rPr>
+              <a:t>1129</a:t>
+            </a:r>
+          </a:p>
+        </p:txBody>
+      </p:sp>
+      <p:sp>
+        <p:nvSpPr>
+          <p:cNvPr id="56" name="TextBox 55">
+            <a:extLst>
+              <a:ext uri="{FF2B5EF4-FFF2-40B4-BE49-F238E27FC236}">
+                <a16:creationId xmlns:a16="http://schemas.microsoft.com/office/drawing/2014/main" id="{1EC0BC46-0DC8-B66B-EAE2-54BC188EF4C3}"/>
+              </a:ext>
+            </a:extLst>
+          </p:cNvPr>
+          <p:cNvSpPr txBox="1"/>
+          <p:nvPr/>
+        </p:nvSpPr>
+        <p:spPr>
+          <a:xfrm>
+            <a:off x="17343468" y="30430526"/>
+            <a:ext cx="1341149" cy="553998"/>
+          </a:xfrm>
+          <a:prstGeom prst="rect">
+            <a:avLst/>
+          </a:prstGeom>
+          <a:noFill/>
+        </p:spPr>
+        <p:txBody>
+          <a:bodyPr wrap="square" rtlCol="0">
+            <a:spAutoFit/>
+          </a:bodyPr>
+          <a:lstStyle/>
+          <a:p>
+            <a:r>
+              <a:rPr lang="de-DE" sz="3000" b="1" dirty="0">
+                <a:solidFill>
+                  <a:schemeClr val="bg1"/>
+                </a:solidFill>
+              </a:rPr>
+              <a:t>2438</a:t>
+            </a:r>
+          </a:p>
+        </p:txBody>
+      </p:sp>
+      <p:sp>
+        <p:nvSpPr>
+          <p:cNvPr id="62" name="TextBox 61">
+            <a:extLst>
+              <a:ext uri="{FF2B5EF4-FFF2-40B4-BE49-F238E27FC236}">
+                <a16:creationId xmlns:a16="http://schemas.microsoft.com/office/drawing/2014/main" id="{75F82EFE-73B4-AB65-DB4A-9268F2B8503A}"/>
+              </a:ext>
+            </a:extLst>
+          </p:cNvPr>
+          <p:cNvSpPr txBox="1"/>
+          <p:nvPr/>
+        </p:nvSpPr>
+        <p:spPr>
+          <a:xfrm>
+            <a:off x="23494561" y="30425641"/>
+            <a:ext cx="1083655" cy="553998"/>
+          </a:xfrm>
+          <a:prstGeom prst="rect">
+            <a:avLst/>
+          </a:prstGeom>
+          <a:noFill/>
+        </p:spPr>
+        <p:txBody>
+          <a:bodyPr wrap="square" rtlCol="0">
+            <a:spAutoFit/>
+          </a:bodyPr>
+          <a:lstStyle/>
+          <a:p>
+            <a:r>
+              <a:rPr lang="de-DE" sz="3000" b="1" dirty="0">
+                <a:solidFill>
+                  <a:schemeClr val="bg1"/>
+                </a:solidFill>
+              </a:rPr>
+              <a:t>911</a:t>
+            </a:r>
+          </a:p>
+        </p:txBody>
+      </p:sp>
+      <p:sp>
+        <p:nvSpPr>
+          <p:cNvPr id="63" name="TextBox 62">
+            <a:extLst>
+              <a:ext uri="{FF2B5EF4-FFF2-40B4-BE49-F238E27FC236}">
+                <a16:creationId xmlns:a16="http://schemas.microsoft.com/office/drawing/2014/main" id="{383C7D8A-CC10-FE21-CDAA-AB41FC95EC2B}"/>
+              </a:ext>
+            </a:extLst>
+          </p:cNvPr>
+          <p:cNvSpPr txBox="1"/>
+          <p:nvPr/>
+        </p:nvSpPr>
+        <p:spPr>
+          <a:xfrm>
+            <a:off x="24542065" y="29504748"/>
+            <a:ext cx="1083655" cy="553998"/>
+          </a:xfrm>
+          <a:prstGeom prst="rect">
+            <a:avLst/>
+          </a:prstGeom>
+          <a:noFill/>
+        </p:spPr>
+        <p:txBody>
+          <a:bodyPr wrap="square" rtlCol="0">
+            <a:spAutoFit/>
+          </a:bodyPr>
+          <a:lstStyle/>
+          <a:p>
+            <a:r>
+              <a:rPr lang="de-DE" sz="3000" b="1" dirty="0">
+                <a:solidFill>
+                  <a:schemeClr val="bg1"/>
+                </a:solidFill>
+              </a:rPr>
+              <a:t>13</a:t>
+            </a:r>
+          </a:p>
+        </p:txBody>
+      </p:sp>
+      <p:cxnSp>
+        <p:nvCxnSpPr>
+          <p:cNvPr id="65" name="Straight Connector 64">
+            <a:extLst>
+              <a:ext uri="{FF2B5EF4-FFF2-40B4-BE49-F238E27FC236}">
+                <a16:creationId xmlns:a16="http://schemas.microsoft.com/office/drawing/2014/main" id="{9F66C842-6843-B89D-4367-DA7417EE2F7B}"/>
+              </a:ext>
+            </a:extLst>
+          </p:cNvPr>
+          <p:cNvCxnSpPr/>
+          <p:nvPr/>
+        </p:nvCxnSpPr>
+        <p:spPr>
+          <a:xfrm flipV="1">
+            <a:off x="7467600" y="15314410"/>
+            <a:ext cx="0" cy="9932643"/>
+          </a:xfrm>
+          <a:prstGeom prst="line">
+            <a:avLst/>
+          </a:prstGeom>
+          <a:ln w="101600">
+            <a:solidFill>
+              <a:srgbClr val="141F4C"/>
+            </a:solidFill>
+          </a:ln>
+        </p:spPr>
+        <p:style>
+          <a:lnRef idx="1">
+            <a:schemeClr val="accent1"/>
+          </a:lnRef>
+          <a:fillRef idx="0">
+            <a:schemeClr val="accent1"/>
+          </a:fillRef>
+          <a:effectRef idx="0">
+            <a:schemeClr val="accent1"/>
+          </a:effectRef>
+          <a:fontRef idx="minor">
+            <a:schemeClr val="tx1"/>
+          </a:fontRef>
+        </p:style>
+      </p:cxnSp>
+      <p:cxnSp>
+        <p:nvCxnSpPr>
+          <p:cNvPr id="67" name="Straight Connector 66">
+            <a:extLst>
+              <a:ext uri="{FF2B5EF4-FFF2-40B4-BE49-F238E27FC236}">
+                <a16:creationId xmlns:a16="http://schemas.microsoft.com/office/drawing/2014/main" id="{444DCDA9-6F3B-9D23-4404-20341EA9DED4}"/>
+              </a:ext>
+            </a:extLst>
+          </p:cNvPr>
+          <p:cNvCxnSpPr/>
+          <p:nvPr/>
+        </p:nvCxnSpPr>
+        <p:spPr>
+          <a:xfrm flipV="1">
+            <a:off x="17070644" y="15314410"/>
+            <a:ext cx="0" cy="9932643"/>
+          </a:xfrm>
+          <a:prstGeom prst="line">
+            <a:avLst/>
+          </a:prstGeom>
+          <a:ln w="101600">
+            <a:solidFill>
+              <a:srgbClr val="141F4C"/>
+            </a:solidFill>
+          </a:ln>
+        </p:spPr>
+        <p:style>
+          <a:lnRef idx="1">
+            <a:schemeClr val="accent1"/>
+          </a:lnRef>
+          <a:fillRef idx="0">
+            <a:schemeClr val="accent1"/>
+          </a:fillRef>
+          <a:effectRef idx="0">
+            <a:schemeClr val="accent1"/>
+          </a:effectRef>
+          <a:fontRef idx="minor">
+            <a:schemeClr val="tx1"/>
+          </a:fontRef>
+        </p:style>
+      </p:cxnSp>
+      <p:sp>
+        <p:nvSpPr>
+          <p:cNvPr id="73" name="Textfeld 12">
+            <a:extLst>
+              <a:ext uri="{FF2B5EF4-FFF2-40B4-BE49-F238E27FC236}">
+                <a16:creationId xmlns:a16="http://schemas.microsoft.com/office/drawing/2014/main" id="{3F728CDE-2FE7-C318-0257-439B05B34637}"/>
+              </a:ext>
+            </a:extLst>
+          </p:cNvPr>
+          <p:cNvSpPr txBox="1"/>
+          <p:nvPr/>
+        </p:nvSpPr>
+        <p:spPr>
+          <a:xfrm>
+            <a:off x="13120132" y="15379421"/>
+            <a:ext cx="571821" cy="461665"/>
+          </a:xfrm>
+          <a:prstGeom prst="rect">
+            <a:avLst/>
+          </a:prstGeom>
+          <a:noFill/>
+        </p:spPr>
+        <p:txBody>
+          <a:bodyPr wrap="square" rtlCol="0">
+            <a:spAutoFit/>
+          </a:bodyPr>
+          <a:lstStyle/>
+          <a:p>
+            <a:r>
+              <a:rPr lang="en-US" sz="2400" b="1" dirty="0"/>
+              <a:t>C</a:t>
+            </a:r>
+            <a:endParaRPr lang="en-US" sz="2400" b="1" noProof="0" dirty="0"/>
+          </a:p>
+        </p:txBody>
+      </p:sp>
+      <p:cxnSp>
+        <p:nvCxnSpPr>
+          <p:cNvPr id="81" name="Straight Connector 80">
+            <a:extLst>
+              <a:ext uri="{FF2B5EF4-FFF2-40B4-BE49-F238E27FC236}">
+                <a16:creationId xmlns:a16="http://schemas.microsoft.com/office/drawing/2014/main" id="{896B894A-6031-AD3C-8E46-2F1C7C827E84}"/>
+              </a:ext>
+            </a:extLst>
+          </p:cNvPr>
+          <p:cNvCxnSpPr>
+            <a:cxnSpLocks/>
+          </p:cNvCxnSpPr>
+          <p:nvPr/>
+        </p:nvCxnSpPr>
+        <p:spPr>
+          <a:xfrm flipV="1">
+            <a:off x="10604915" y="7589927"/>
+            <a:ext cx="0" cy="5592703"/>
+          </a:xfrm>
+          <a:prstGeom prst="line">
+            <a:avLst/>
+          </a:prstGeom>
+          <a:ln w="101600">
+            <a:solidFill>
+              <a:srgbClr val="842332"/>
+            </a:solidFill>
+          </a:ln>
+        </p:spPr>
+        <p:style>
+          <a:lnRef idx="1">
+            <a:schemeClr val="accent1"/>
+          </a:lnRef>
+          <a:fillRef idx="0">
+            <a:schemeClr val="accent1"/>
+          </a:fillRef>
+          <a:effectRef idx="0">
+            <a:schemeClr val="accent1"/>
+          </a:effectRef>
+          <a:fontRef idx="minor">
+            <a:schemeClr val="tx1"/>
+          </a:fontRef>
+        </p:style>
+      </p:cxnSp>
+      <p:cxnSp>
+        <p:nvCxnSpPr>
+          <p:cNvPr id="83" name="Straight Connector 82">
+            <a:extLst>
+              <a:ext uri="{FF2B5EF4-FFF2-40B4-BE49-F238E27FC236}">
+                <a16:creationId xmlns:a16="http://schemas.microsoft.com/office/drawing/2014/main" id="{9C1AEAC3-B0FB-78CF-7096-99478DD4BD5B}"/>
+              </a:ext>
+            </a:extLst>
+          </p:cNvPr>
+          <p:cNvCxnSpPr>
+            <a:cxnSpLocks/>
+          </p:cNvCxnSpPr>
+          <p:nvPr/>
+        </p:nvCxnSpPr>
+        <p:spPr>
+          <a:xfrm flipV="1">
+            <a:off x="18292048" y="7582673"/>
+            <a:ext cx="0" cy="5592703"/>
+          </a:xfrm>
+          <a:prstGeom prst="line">
+            <a:avLst/>
+          </a:prstGeom>
+          <a:ln w="101600">
+            <a:solidFill>
+              <a:srgbClr val="842332"/>
+            </a:solidFill>
+          </a:ln>
+        </p:spPr>
+        <p:style>
+          <a:lnRef idx="1">
+            <a:schemeClr val="accent1"/>
+          </a:lnRef>
+          <a:fillRef idx="0">
+            <a:schemeClr val="accent1"/>
+          </a:fillRef>
+          <a:effectRef idx="0">
+            <a:schemeClr val="accent1"/>
+          </a:effectRef>
+          <a:fontRef idx="minor">
+            <a:schemeClr val="tx1"/>
+          </a:fontRef>
+        </p:style>
+      </p:cxnSp>
     </p:spTree>
     <p:extLst>
       <p:ext uri="{BB962C8B-B14F-4D97-AF65-F5344CB8AC3E}">

--- a/Poster.pptx
+++ b/Poster.pptx
@@ -367,7 +367,7 @@
           <a:p>
             <a:fld id="{C3DFFD0B-8A86-49B4-B585-C3C192A21CEB}" type="slidenum">
               <a:rPr lang="de-DE" smtClean="0"/>
-              <a:t>‹#›</a:t>
+              <a:t>‹Nr.›</a:t>
             </a:fld>
             <a:endParaRPr lang="de-DE"/>
           </a:p>
@@ -757,7 +757,7 @@
           <a:p>
             <a:fld id="{A2ACB64B-D1A6-7D41-9BDE-3BC41FA5B95B}" type="slidenum">
               <a:rPr lang="en-US" smtClean="0"/>
-              <a:t>‹#›</a:t>
+              <a:t>‹Nr.›</a:t>
             </a:fld>
             <a:endParaRPr lang="en-US"/>
           </a:p>
@@ -927,7 +927,7 @@
           <a:p>
             <a:fld id="{A2ACB64B-D1A6-7D41-9BDE-3BC41FA5B95B}" type="slidenum">
               <a:rPr lang="en-US" smtClean="0"/>
-              <a:t>‹#›</a:t>
+              <a:t>‹Nr.›</a:t>
             </a:fld>
             <a:endParaRPr lang="en-US"/>
           </a:p>
@@ -1107,7 +1107,7 @@
           <a:p>
             <a:fld id="{A2ACB64B-D1A6-7D41-9BDE-3BC41FA5B95B}" type="slidenum">
               <a:rPr lang="en-US" smtClean="0"/>
-              <a:t>‹#›</a:t>
+              <a:t>‹Nr.›</a:t>
             </a:fld>
             <a:endParaRPr lang="en-US"/>
           </a:p>
@@ -1277,7 +1277,7 @@
           <a:p>
             <a:fld id="{A2ACB64B-D1A6-7D41-9BDE-3BC41FA5B95B}" type="slidenum">
               <a:rPr lang="en-US" smtClean="0"/>
-              <a:t>‹#›</a:t>
+              <a:t>‹Nr.›</a:t>
             </a:fld>
             <a:endParaRPr lang="en-US"/>
           </a:p>
@@ -1521,7 +1521,7 @@
           <a:p>
             <a:fld id="{A2ACB64B-D1A6-7D41-9BDE-3BC41FA5B95B}" type="slidenum">
               <a:rPr lang="en-US" smtClean="0"/>
-              <a:t>‹#›</a:t>
+              <a:t>‹Nr.›</a:t>
             </a:fld>
             <a:endParaRPr lang="en-US"/>
           </a:p>
@@ -1753,7 +1753,7 @@
           <a:p>
             <a:fld id="{A2ACB64B-D1A6-7D41-9BDE-3BC41FA5B95B}" type="slidenum">
               <a:rPr lang="en-US" smtClean="0"/>
-              <a:t>‹#›</a:t>
+              <a:t>‹Nr.›</a:t>
             </a:fld>
             <a:endParaRPr lang="en-US"/>
           </a:p>
@@ -2120,7 +2120,7 @@
           <a:p>
             <a:fld id="{A2ACB64B-D1A6-7D41-9BDE-3BC41FA5B95B}" type="slidenum">
               <a:rPr lang="en-US" smtClean="0"/>
-              <a:t>‹#›</a:t>
+              <a:t>‹Nr.›</a:t>
             </a:fld>
             <a:endParaRPr lang="en-US"/>
           </a:p>
@@ -2238,7 +2238,7 @@
           <a:p>
             <a:fld id="{A2ACB64B-D1A6-7D41-9BDE-3BC41FA5B95B}" type="slidenum">
               <a:rPr lang="en-US" smtClean="0"/>
-              <a:t>‹#›</a:t>
+              <a:t>‹Nr.›</a:t>
             </a:fld>
             <a:endParaRPr lang="en-US"/>
           </a:p>
@@ -2333,7 +2333,7 @@
           <a:p>
             <a:fld id="{A2ACB64B-D1A6-7D41-9BDE-3BC41FA5B95B}" type="slidenum">
               <a:rPr lang="en-US" smtClean="0"/>
-              <a:t>‹#›</a:t>
+              <a:t>‹Nr.›</a:t>
             </a:fld>
             <a:endParaRPr lang="en-US"/>
           </a:p>
@@ -2610,7 +2610,7 @@
           <a:p>
             <a:fld id="{A2ACB64B-D1A6-7D41-9BDE-3BC41FA5B95B}" type="slidenum">
               <a:rPr lang="en-US" smtClean="0"/>
-              <a:t>‹#›</a:t>
+              <a:t>‹Nr.›</a:t>
             </a:fld>
             <a:endParaRPr lang="en-US"/>
           </a:p>
@@ -2867,7 +2867,7 @@
           <a:p>
             <a:fld id="{A2ACB64B-D1A6-7D41-9BDE-3BC41FA5B95B}" type="slidenum">
               <a:rPr lang="en-US" smtClean="0"/>
-              <a:t>‹#›</a:t>
+              <a:t>‹Nr.›</a:t>
             </a:fld>
             <a:endParaRPr lang="en-US"/>
           </a:p>
@@ -3116,7 +3116,7 @@
           <a:p>
             <a:fld id="{A2ACB64B-D1A6-7D41-9BDE-3BC41FA5B95B}" type="slidenum">
               <a:rPr lang="en-US" smtClean="0"/>
-              <a:t>‹#›</a:t>
+              <a:t>‹Nr.›</a:t>
             </a:fld>
             <a:endParaRPr lang="en-US"/>
           </a:p>
@@ -4881,10 +4881,10 @@
         </p:nvGrpSpPr>
         <p:grpSpPr>
           <a:xfrm>
-            <a:off x="17334093" y="15365966"/>
-            <a:ext cx="12220033" cy="8203617"/>
-            <a:chOff x="13153850" y="15923651"/>
-            <a:chExt cx="12220033" cy="8203617"/>
+            <a:off x="17791293" y="15365966"/>
+            <a:ext cx="11762833" cy="8488124"/>
+            <a:chOff x="13611050" y="15923651"/>
+            <a:chExt cx="11762833" cy="8488124"/>
           </a:xfrm>
         </p:grpSpPr>
         <p:grpSp>
@@ -4901,10 +4901,10 @@
           </p:nvGrpSpPr>
           <p:grpSpPr>
             <a:xfrm>
-              <a:off x="13153850" y="15923651"/>
-              <a:ext cx="12220033" cy="5778729"/>
-              <a:chOff x="6343061" y="15711863"/>
-              <a:chExt cx="12220033" cy="5778729"/>
+              <a:off x="13611050" y="15923651"/>
+              <a:ext cx="11762833" cy="5778729"/>
+              <a:chOff x="6800261" y="15711863"/>
+              <a:chExt cx="11762833" cy="5778729"/>
             </a:xfrm>
           </p:grpSpPr>
           <p:grpSp>
@@ -4921,10 +4921,10 @@
             </p:nvGrpSpPr>
             <p:grpSpPr>
               <a:xfrm>
-                <a:off x="6343061" y="15969640"/>
-                <a:ext cx="12220033" cy="5520952"/>
-                <a:chOff x="6343061" y="15969640"/>
-                <a:chExt cx="12220033" cy="5520952"/>
+                <a:off x="6800261" y="15969640"/>
+                <a:ext cx="11762833" cy="5520952"/>
+                <a:chOff x="6800261" y="15969640"/>
+                <a:chExt cx="11762833" cy="5520952"/>
               </a:xfrm>
             </p:grpSpPr>
             <p:pic>
@@ -4949,7 +4949,7 @@
               </p:blipFill>
               <p:spPr>
                 <a:xfrm>
-                  <a:off x="6343061" y="15969640"/>
+                  <a:off x="6800261" y="15969640"/>
                   <a:ext cx="3814597" cy="2860948"/>
                 </a:xfrm>
                 <a:prstGeom prst="rect">
@@ -4979,7 +4979,7 @@
               </p:blipFill>
               <p:spPr>
                 <a:xfrm>
-                  <a:off x="6344438" y="18628600"/>
+                  <a:off x="6801638" y="18628600"/>
                   <a:ext cx="3813219" cy="2859915"/>
                 </a:xfrm>
                 <a:prstGeom prst="rect">
@@ -5009,7 +5009,7 @@
               </p:blipFill>
               <p:spPr>
                 <a:xfrm>
-                  <a:off x="10548078" y="15969640"/>
+                  <a:off x="10852878" y="15969640"/>
                   <a:ext cx="3814597" cy="2860948"/>
                 </a:xfrm>
                 <a:prstGeom prst="rect">
@@ -5039,7 +5039,7 @@
               </p:blipFill>
               <p:spPr>
                 <a:xfrm>
-                  <a:off x="10550376" y="18628682"/>
+                  <a:off x="10855176" y="18628682"/>
                   <a:ext cx="3810000" cy="2857500"/>
                 </a:xfrm>
                 <a:prstGeom prst="rect">
@@ -5122,7 +5122,7 @@
             </p:nvSpPr>
             <p:spPr>
               <a:xfrm>
-                <a:off x="6444574" y="15720926"/>
+                <a:off x="6901774" y="15720926"/>
                 <a:ext cx="558327" cy="461665"/>
               </a:xfrm>
               <a:prstGeom prst="rect">
@@ -5137,8 +5137,12 @@
               <a:lstStyle/>
               <a:p>
                 <a:r>
+                  <a:rPr lang="en-US" sz="2400" b="1" dirty="0"/>
+                  <a:t>6</a:t>
+                </a:r>
+                <a:r>
                   <a:rPr lang="en-US" sz="2400" b="1" noProof="0" dirty="0"/>
-                  <a:t>5A</a:t>
+                  <a:t>A</a:t>
                 </a:r>
               </a:p>
             </p:txBody>
@@ -5157,7 +5161,7 @@
             </p:nvSpPr>
             <p:spPr>
               <a:xfrm>
-                <a:off x="10856694" y="15711863"/>
+                <a:off x="11161494" y="15711863"/>
                 <a:ext cx="390625" cy="461665"/>
               </a:xfrm>
               <a:prstGeom prst="rect">
@@ -5228,8 +5232,8 @@
           </p:nvSpPr>
           <p:spPr>
             <a:xfrm>
-              <a:off x="13158471" y="21880499"/>
-              <a:ext cx="12215412" cy="2246769"/>
+              <a:off x="13845074" y="21857230"/>
+              <a:ext cx="11359369" cy="2554545"/>
             </a:xfrm>
             <a:prstGeom prst="rect">
               <a:avLst/>
@@ -5245,7 +5249,7 @@
               <a:pPr algn="just"/>
               <a:r>
                 <a:rPr lang="en-US" sz="2000" b="1" noProof="0" dirty="0"/>
-                <a:t>Fig. 5 </a:t>
+                <a:t>Fig. 6 </a:t>
               </a:r>
               <a:r>
                 <a:rPr lang="en-US" sz="2000" noProof="0" dirty="0"/>
@@ -5416,7 +5420,7 @@
                 <a:p>
                   <a:r>
                     <a:rPr lang="en-US" sz="2000" b="1" noProof="0" dirty="0"/>
-                    <a:t>Fig. 6 </a:t>
+                    <a:t>Fig. 7 </a:t>
                   </a:r>
                   <a:r>
                     <a:rPr lang="en-US" sz="2000" noProof="0" dirty="0" err="1"/>
@@ -5495,8 +5499,12 @@
                 <a:lstStyle/>
                 <a:p>
                   <a:r>
+                    <a:rPr lang="en-US" sz="2400" b="1" dirty="0"/>
+                    <a:t>7</a:t>
+                  </a:r>
+                  <a:r>
                     <a:rPr lang="en-US" sz="2400" b="1" noProof="0" dirty="0"/>
-                    <a:t>6A</a:t>
+                    <a:t>A</a:t>
                   </a:r>
                 </a:p>
               </p:txBody>
@@ -5636,7 +5644,7 @@
                 <a:p>
                   <a:r>
                     <a:rPr lang="en-US" sz="2000" b="1" noProof="0" dirty="0"/>
-                    <a:t>Fig. 7 </a:t>
+                    <a:t>Fig. 8 </a:t>
                   </a:r>
                   <a:r>
                     <a:rPr lang="en-US" sz="2000" noProof="0" dirty="0"/>
@@ -5837,8 +5845,12 @@
               <a:lstStyle/>
               <a:p>
                 <a:r>
+                  <a:rPr lang="en-US" sz="2400" b="1" dirty="0"/>
+                  <a:t>8</a:t>
+                </a:r>
+                <a:r>
                   <a:rPr lang="en-US" sz="2400" b="1" noProof="0" dirty="0"/>
-                  <a:t>7A</a:t>
+                  <a:t>A</a:t>
                 </a:r>
               </a:p>
             </p:txBody>
@@ -5975,7 +5987,7 @@
         </p:nvSpPr>
         <p:spPr>
           <a:xfrm>
-            <a:off x="893282" y="21616027"/>
+            <a:off x="1007582" y="21616027"/>
             <a:ext cx="6432365" cy="3477875"/>
           </a:xfrm>
           <a:prstGeom prst="rect">
@@ -6017,7 +6029,7 @@
             </a:pPr>
             <a:r>
               <a:rPr lang="en-US" sz="2000" noProof="0" dirty="0"/>
-              <a:t>COM shift ≥ 2 fractions </a:t>
+              <a:t>Center of mass (COM) shift ≥ 2 fractions </a:t>
             </a:r>
             <a:r>
               <a:rPr lang="en-US" sz="2000" i="1" noProof="0" dirty="0"/>
@@ -6053,7 +6065,7 @@
             </a:pPr>
             <a:r>
               <a:rPr lang="en-US" sz="2000" noProof="0" dirty="0"/>
-              <a:t>No COM shift ≥ 2 and no peak shift ≥ 3 </a:t>
+              <a:t>No COM shift ≥ 2 and no main peak shift ≥ 3 </a:t>
             </a:r>
             <a:r>
               <a:rPr lang="en-US" sz="2000" i="1" noProof="0" dirty="0"/>
@@ -6068,15 +6080,7 @@
             </a:pPr>
             <a:r>
               <a:rPr lang="en-US" sz="2000" noProof="0" dirty="0"/>
-              <a:t>or: peak shift without COM shift </a:t>
-            </a:r>
-            <a:r>
-              <a:rPr lang="en-US" sz="2000" b="1" noProof="0" dirty="0"/>
-              <a:t>and</a:t>
-            </a:r>
-            <a:r>
-              <a:rPr lang="en-US" sz="2000" noProof="0" dirty="0"/>
-              <a:t> correlation ≥ 0.7 </a:t>
+              <a:t>or: peak main shift without COM shift and correlation ≥ 0.7 </a:t>
             </a:r>
             <a:r>
               <a:rPr lang="en-US" sz="2000" i="1" noProof="0" dirty="0"/>
@@ -6100,7 +6104,7 @@
         </p:nvSpPr>
         <p:spPr>
           <a:xfrm>
-            <a:off x="875229" y="15411494"/>
+            <a:off x="989529" y="15411494"/>
             <a:ext cx="501933" cy="408387"/>
           </a:xfrm>
           <a:prstGeom prst="rect">
@@ -6135,10 +6139,10 @@
         </p:nvGrpSpPr>
         <p:grpSpPr>
           <a:xfrm>
-            <a:off x="7876977" y="15386936"/>
-            <a:ext cx="4005104" cy="4441341"/>
+            <a:off x="8067477" y="15386939"/>
+            <a:ext cx="4005104" cy="4498491"/>
             <a:chOff x="8077058" y="15538766"/>
-            <a:chExt cx="4308757" cy="4778066"/>
+            <a:chExt cx="4308757" cy="4839548"/>
           </a:xfrm>
         </p:grpSpPr>
         <p:sp>
@@ -6191,9 +6195,9 @@
           <p:grpSpPr>
             <a:xfrm>
               <a:off x="8161119" y="15755416"/>
-              <a:ext cx="4224696" cy="4561416"/>
+              <a:ext cx="4224696" cy="4622898"/>
               <a:chOff x="8161119" y="15755416"/>
-              <a:chExt cx="4224696" cy="4561416"/>
+              <a:chExt cx="4224696" cy="4622898"/>
             </a:xfrm>
           </p:grpSpPr>
           <p:pic>
@@ -6316,7 +6320,7 @@
             </p:nvSpPr>
             <p:spPr>
               <a:xfrm>
-                <a:off x="8839664" y="19947500"/>
+                <a:off x="8839664" y="20008982"/>
                 <a:ext cx="3546151" cy="369332"/>
               </a:xfrm>
               <a:prstGeom prst="rect">
@@ -6353,8 +6357,8 @@
         </p:nvSpPr>
         <p:spPr>
           <a:xfrm>
-            <a:off x="12246884" y="20082863"/>
-            <a:ext cx="4998758" cy="5324535"/>
+            <a:off x="12192002" y="20454912"/>
+            <a:ext cx="5151465" cy="4832092"/>
           </a:xfrm>
           <a:prstGeom prst="rect">
             <a:avLst/>
@@ -6368,167 +6372,86 @@
           <a:lstStyle/>
           <a:p>
             <a:r>
-              <a:rPr lang="en-US" sz="2000" b="1" noProof="0" dirty="0">
-                <a:highlight>
-                  <a:srgbClr val="FA8072"/>
-                </a:highlight>
-              </a:rPr>
-              <a:t>Fig. 6 </a:t>
-            </a:r>
-            <a:r>
-              <a:rPr lang="en-US" sz="2000" noProof="0" dirty="0">
-                <a:highlight>
-                  <a:srgbClr val="FA8072"/>
-                </a:highlight>
-              </a:rPr>
-              <a:t>Histogram of isoelectric points (</a:t>
-            </a:r>
-            <a:r>
-              <a:rPr lang="en-US" sz="2000" noProof="0" dirty="0" err="1">
-                <a:highlight>
-                  <a:srgbClr val="FA8072"/>
-                </a:highlight>
-              </a:rPr>
+              <a:rPr lang="en-US" sz="2000" b="1" dirty="0"/>
+              <a:t>Fig. 4 </a:t>
+            </a:r>
+            <a:r>
+              <a:rPr lang="en-US" sz="2000" dirty="0"/>
+              <a:t>Center-of-mass (COM) shifts between control and RNase conditions. </a:t>
+            </a:r>
+          </a:p>
+          <a:p>
+            <a:endParaRPr lang="en-US" sz="1400" dirty="0"/>
+          </a:p>
+          <a:p>
+            <a:r>
+              <a:rPr lang="en-US" sz="2000" dirty="0"/>
+              <a:t>Each dot represents one protein. X: COM in control, Y: COM in RNase.</a:t>
+            </a:r>
+            <a:r>
+              <a:rPr lang="en-US" sz="2000" b="1" dirty="0"/>
+              <a:t> A) </a:t>
+            </a:r>
+            <a:r>
+              <a:rPr lang="en-US" sz="2000" dirty="0"/>
+              <a:t>Selected proteins. </a:t>
+            </a:r>
+            <a:r>
+              <a:rPr lang="en-US" sz="2000" b="1" dirty="0"/>
+              <a:t>B) </a:t>
+            </a:r>
+            <a:r>
+              <a:rPr lang="en-US" sz="2000" dirty="0"/>
+              <a:t>Not selected proteins</a:t>
+            </a:r>
+          </a:p>
+          <a:p>
+            <a:endParaRPr lang="en-US" sz="2000" dirty="0"/>
+          </a:p>
+          <a:p>
+            <a:endParaRPr lang="en-US" sz="2000" b="1" dirty="0"/>
+          </a:p>
+          <a:p>
+            <a:r>
+              <a:rPr lang="en-US" sz="2000" b="1" dirty="0"/>
+              <a:t>Fig 5. </a:t>
+            </a:r>
+            <a:r>
+              <a:rPr lang="en-US" sz="2000" dirty="0"/>
+              <a:t>Isoelectric point (</a:t>
+            </a:r>
+            <a:r>
+              <a:rPr lang="en-US" sz="2000" dirty="0" err="1"/>
               <a:t>pI</a:t>
             </a:r>
             <a:r>
-              <a:rPr lang="en-US" sz="2000" noProof="0" dirty="0">
-                <a:highlight>
-                  <a:srgbClr val="FA8072"/>
-                </a:highlight>
-              </a:rPr>
-              <a:t>) for selected proteins</a:t>
-            </a:r>
-            <a:br>
-              <a:rPr lang="en-US" sz="2000" noProof="0" dirty="0">
-                <a:highlight>
-                  <a:srgbClr val="FA8072"/>
-                </a:highlight>
-              </a:rPr>
-            </a:br>
-            <a:r>
-              <a:rPr lang="en-US" sz="2000" noProof="0" dirty="0">
-                <a:highlight>
-                  <a:srgbClr val="FA8072"/>
-                </a:highlight>
-              </a:rPr>
-              <a:t>The mean </a:t>
-            </a:r>
-            <a:r>
-              <a:rPr lang="en-US" sz="2000" noProof="0" dirty="0" err="1">
-                <a:highlight>
-                  <a:srgbClr val="FA8072"/>
-                </a:highlight>
-              </a:rPr>
+              <a:rPr lang="en-US" sz="2000" dirty="0"/>
+              <a:t>) distribution of selected proteins.</a:t>
+            </a:r>
+          </a:p>
+          <a:p>
+            <a:endParaRPr lang="en-US" sz="1400" dirty="0"/>
+          </a:p>
+          <a:p>
+            <a:r>
+              <a:rPr lang="en-US" sz="2000" dirty="0"/>
+              <a:t>Mean </a:t>
+            </a:r>
+            <a:r>
+              <a:rPr lang="en-US" sz="2000" dirty="0" err="1"/>
               <a:t>pI</a:t>
             </a:r>
             <a:r>
-              <a:rPr lang="en-US" sz="2000" noProof="0" dirty="0">
-                <a:highlight>
-                  <a:srgbClr val="FA8072"/>
-                </a:highlight>
-              </a:rPr>
-              <a:t> (8.16) is marked by a black line. A right-sided t-test against </a:t>
-            </a:r>
-            <a:r>
-              <a:rPr lang="en-US" sz="2000" noProof="0" dirty="0" err="1">
-                <a:highlight>
-                  <a:srgbClr val="FA8072"/>
-                </a:highlight>
-              </a:rPr>
+              <a:rPr lang="en-US" sz="2000" dirty="0"/>
+              <a:t> = 8.16 (black line); one-sided t-test against </a:t>
+            </a:r>
+            <a:r>
+              <a:rPr lang="en-US" sz="2000" dirty="0" err="1"/>
               <a:t>pI</a:t>
             </a:r>
             <a:r>
-              <a:rPr lang="en-US" sz="2000" noProof="0" dirty="0">
-                <a:highlight>
-                  <a:srgbClr val="FA8072"/>
-                </a:highlight>
-              </a:rPr>
-              <a:t> = 7.0 yielded a p-value of 2.2e-16, indicating that selected proteins have significantly higher isoelectric points.</a:t>
-            </a:r>
-          </a:p>
-          <a:p>
-            <a:r>
-              <a:rPr lang="en-US" sz="2000" b="1" noProof="0" dirty="0">
-                <a:highlight>
-                  <a:srgbClr val="FA8072"/>
-                </a:highlight>
-              </a:rPr>
-              <a:t>Fig. 4 </a:t>
-            </a:r>
-            <a:r>
-              <a:rPr lang="en-US" sz="2000" noProof="0" dirty="0">
-                <a:highlight>
-                  <a:srgbClr val="FA8072"/>
-                </a:highlight>
-              </a:rPr>
-              <a:t>COM shifts between control and RNase conditions for selected and not selected proteins</a:t>
-            </a:r>
-          </a:p>
-          <a:p>
-            <a:r>
-              <a:rPr lang="en-US" sz="2000" noProof="0" dirty="0">
-                <a:highlight>
-                  <a:srgbClr val="FA8072"/>
-                </a:highlight>
-              </a:rPr>
-              <a:t>Each dot represents a protein. X-axis: COM in control, Y-axis: COM in RNase.</a:t>
-            </a:r>
-            <a:br>
-              <a:rPr lang="en-US" sz="2000" noProof="0" dirty="0">
-                <a:highlight>
-                  <a:srgbClr val="FA8072"/>
-                </a:highlight>
-              </a:rPr>
-            </a:br>
-            <a:r>
-              <a:rPr lang="en-US" sz="2000" noProof="0" dirty="0">
-                <a:highlight>
-                  <a:srgbClr val="FA8072"/>
-                </a:highlight>
-              </a:rPr>
-              <a:t>Colors indicate subsets of selected or not selected proteins.</a:t>
-            </a:r>
-            <a:br>
-              <a:rPr lang="en-US" sz="2000" noProof="0" dirty="0">
-                <a:highlight>
-                  <a:srgbClr val="FA8072"/>
-                </a:highlight>
-              </a:rPr>
-            </a:br>
-            <a:r>
-              <a:rPr lang="en-US" sz="2000" b="1" noProof="0" dirty="0">
-                <a:highlight>
-                  <a:srgbClr val="FA8072"/>
-                </a:highlight>
-              </a:rPr>
-              <a:t>A)</a:t>
-            </a:r>
-            <a:r>
-              <a:rPr lang="en-US" sz="2000" noProof="0" dirty="0">
-                <a:highlight>
-                  <a:srgbClr val="FA8072"/>
-                </a:highlight>
-              </a:rPr>
-              <a:t> Selected proteins </a:t>
-            </a:r>
-          </a:p>
-          <a:p>
-            <a:r>
-              <a:rPr lang="en-US" sz="2000" b="1" noProof="0" dirty="0">
-                <a:highlight>
-                  <a:srgbClr val="FA8072"/>
-                </a:highlight>
-              </a:rPr>
-              <a:t>B)</a:t>
-            </a:r>
-            <a:r>
-              <a:rPr lang="en-US" sz="2000" noProof="0" dirty="0">
-                <a:highlight>
-                  <a:srgbClr val="FA8072"/>
-                </a:highlight>
-              </a:rPr>
-              <a:t> Not selected proteins</a:t>
+              <a:rPr lang="en-US" sz="2000" dirty="0"/>
+              <a:t> = 7.0, p-value = 2.2e-16, indicates that selected proteins have significantly higher isoelectric points.</a:t>
             </a:r>
           </a:p>
           <a:p>
@@ -6550,7 +6473,7 @@
         </p:nvGrpSpPr>
         <p:grpSpPr>
           <a:xfrm>
-            <a:off x="7955631" y="20068304"/>
+            <a:off x="12611000" y="15495464"/>
             <a:ext cx="3889075" cy="4404606"/>
             <a:chOff x="12804710" y="15579033"/>
             <a:chExt cx="4157729" cy="4763267"/>
@@ -7169,10 +7092,10 @@
         </p:nvGrpSpPr>
         <p:grpSpPr>
           <a:xfrm>
-            <a:off x="18659378" y="7877842"/>
-            <a:ext cx="11005390" cy="4978880"/>
-            <a:chOff x="18659378" y="7877842"/>
-            <a:chExt cx="11005390" cy="4978880"/>
+            <a:off x="18659378" y="7885058"/>
+            <a:ext cx="11005390" cy="4971664"/>
+            <a:chOff x="18659378" y="7885058"/>
+            <a:chExt cx="11005390" cy="4971664"/>
           </a:xfrm>
         </p:grpSpPr>
         <p:sp>
@@ -7189,7 +7112,7 @@
           </p:nvSpPr>
           <p:spPr>
             <a:xfrm>
-              <a:off x="19052291" y="7877842"/>
+              <a:off x="18662854" y="7895284"/>
               <a:ext cx="5059709" cy="461665"/>
             </a:xfrm>
             <a:prstGeom prst="rect">
@@ -7209,7 +7132,7 @@
               </a:r>
               <a:r>
                 <a:rPr lang="en-GB" sz="2400" b="1" noProof="0" dirty="0"/>
-                <a:t>A       </a:t>
+                <a:t>A            </a:t>
               </a:r>
               <a:r>
                 <a:rPr lang="en-GB" sz="2000" noProof="0" dirty="0"/>
@@ -7256,7 +7179,7 @@
               </a:r>
               <a:r>
                 <a:rPr lang="en-GB" sz="2000" noProof="0" dirty="0"/>
-                <a:t>Plot of protein in data set. The data </a:t>
+                <a:t>Plot of proteins in data set. The data </a:t>
               </a:r>
               <a:r>
                 <a:rPr lang="en-GB" sz="2000" dirty="0"/>
@@ -7312,8 +7235,8 @@
           </p:nvSpPr>
           <p:spPr>
             <a:xfrm>
-              <a:off x="24497427" y="7882060"/>
-              <a:ext cx="4892107" cy="461665"/>
+              <a:off x="24073076" y="7885058"/>
+              <a:ext cx="5229115" cy="461665"/>
             </a:xfrm>
             <a:prstGeom prst="rect">
               <a:avLst/>
@@ -7328,7 +7251,7 @@
             <a:p>
               <a:r>
                 <a:rPr lang="en-GB" sz="2400" b="1" noProof="0" dirty="0"/>
-                <a:t>B     </a:t>
+                <a:t>B            </a:t>
               </a:r>
               <a:r>
                 <a:rPr lang="en-GB" sz="2000" dirty="0"/>
@@ -7559,7 +7482,7 @@
         </p:nvGrpSpPr>
         <p:grpSpPr>
           <a:xfrm>
-            <a:off x="949508" y="15685474"/>
+            <a:off x="1063808" y="15685474"/>
             <a:ext cx="6184204" cy="5716407"/>
             <a:chOff x="2552324" y="2545614"/>
             <a:chExt cx="9612409" cy="7298822"/>
@@ -8620,115 +8543,6 @@
           </p:txBody>
         </p:sp>
       </p:grpSp>
-      <p:sp>
-        <p:nvSpPr>
-          <p:cNvPr id="168" name="Textfeld 85">
-            <a:extLst>
-              <a:ext uri="{FF2B5EF4-FFF2-40B4-BE49-F238E27FC236}">
-                <a16:creationId xmlns:a16="http://schemas.microsoft.com/office/drawing/2014/main" id="{DF96E19C-8BC2-A642-00A8-E5727AACD5B7}"/>
-              </a:ext>
-            </a:extLst>
-          </p:cNvPr>
-          <p:cNvSpPr txBox="1"/>
-          <p:nvPr/>
-        </p:nvSpPr>
-        <p:spPr>
-          <a:xfrm>
-            <a:off x="13271643" y="15582091"/>
-            <a:ext cx="3129249" cy="707886"/>
-          </a:xfrm>
-          <a:prstGeom prst="rect">
-            <a:avLst/>
-          </a:prstGeom>
-          <a:noFill/>
-        </p:spPr>
-        <p:txBody>
-          <a:bodyPr wrap="square" rtlCol="0">
-            <a:spAutoFit/>
-          </a:bodyPr>
-          <a:lstStyle/>
-          <a:p>
-            <a:pPr algn="ctr"/>
-            <a:r>
-              <a:rPr lang="en-US" sz="2000" noProof="0" dirty="0"/>
-              <a:t>Isoelectric points of </a:t>
-            </a:r>
-            <a:r>
-              <a:rPr lang="en-US" sz="2000" b="1" dirty="0"/>
-              <a:t>s</a:t>
-            </a:r>
-            <a:r>
-              <a:rPr lang="en-US" sz="2000" b="1" noProof="0" dirty="0"/>
-              <a:t>elected proteins</a:t>
-            </a:r>
-          </a:p>
-        </p:txBody>
-      </p:sp>
-      <p:pic>
-        <p:nvPicPr>
-          <p:cNvPr id="47" name="Picture 46">
-            <a:extLst>
-              <a:ext uri="{FF2B5EF4-FFF2-40B4-BE49-F238E27FC236}">
-                <a16:creationId xmlns:a16="http://schemas.microsoft.com/office/drawing/2014/main" id="{929F86DB-0AC7-5E70-1E3A-4EA2A0E17244}"/>
-              </a:ext>
-            </a:extLst>
-          </p:cNvPr>
-          <p:cNvPicPr>
-            <a:picLocks noChangeAspect="1"/>
-          </p:cNvPicPr>
-          <p:nvPr/>
-        </p:nvPicPr>
-        <p:blipFill>
-          <a:blip r:embed="rId21"/>
-          <a:stretch>
-            <a:fillRect/>
-          </a:stretch>
-        </p:blipFill>
-        <p:spPr>
-          <a:xfrm>
-            <a:off x="13170041" y="16227065"/>
-            <a:ext cx="3129249" cy="3405360"/>
-          </a:xfrm>
-          <a:prstGeom prst="rect">
-            <a:avLst/>
-          </a:prstGeom>
-        </p:spPr>
-      </p:pic>
-      <p:sp>
-        <p:nvSpPr>
-          <p:cNvPr id="49" name="Textfeld 105">
-            <a:extLst>
-              <a:ext uri="{FF2B5EF4-FFF2-40B4-BE49-F238E27FC236}">
-                <a16:creationId xmlns:a16="http://schemas.microsoft.com/office/drawing/2014/main" id="{676F039A-23B5-5917-2698-3CB282BA75C4}"/>
-              </a:ext>
-            </a:extLst>
-          </p:cNvPr>
-          <p:cNvSpPr txBox="1"/>
-          <p:nvPr/>
-        </p:nvSpPr>
-        <p:spPr>
-          <a:xfrm>
-            <a:off x="14061923" y="19669711"/>
-            <a:ext cx="1772372" cy="369332"/>
-          </a:xfrm>
-          <a:prstGeom prst="rect">
-            <a:avLst/>
-          </a:prstGeom>
-          <a:noFill/>
-        </p:spPr>
-        <p:txBody>
-          <a:bodyPr wrap="square" rtlCol="0">
-            <a:spAutoFit/>
-          </a:bodyPr>
-          <a:lstStyle/>
-          <a:p>
-            <a:r>
-              <a:rPr lang="en-US" noProof="0" dirty="0"/>
-              <a:t>Isoelectric point</a:t>
-            </a:r>
-          </a:p>
-        </p:txBody>
-      </p:sp>
       <p:pic>
         <p:nvPicPr>
           <p:cNvPr id="21" name="Picture 20">
@@ -8744,7 +8558,7 @@
           <p:nvPr/>
         </p:nvPicPr>
         <p:blipFill>
-          <a:blip r:embed="rId22"/>
+          <a:blip r:embed="rId21"/>
           <a:stretch>
             <a:fillRect/>
           </a:stretch>
@@ -8774,7 +8588,7 @@
           <p:nvPr/>
         </p:nvPicPr>
         <p:blipFill>
-          <a:blip r:embed="rId23"/>
+          <a:blip r:embed="rId22"/>
           <a:stretch>
             <a:fillRect/>
           </a:stretch>
@@ -8819,7 +8633,7 @@
           <a:p>
             <a:r>
               <a:rPr lang="en-US" sz="2000" b="1" noProof="0" dirty="0"/>
-              <a:t>Fig. 8  </a:t>
+              <a:t>Fig. 9  </a:t>
             </a:r>
             <a:r>
               <a:rPr lang="en-US" sz="2000" noProof="0" dirty="0"/>
@@ -8943,7 +8757,7 @@
           <p:nvPr/>
         </p:nvPicPr>
         <p:blipFill>
-          <a:blip r:embed="rId24"/>
+          <a:blip r:embed="rId23"/>
           <a:stretch>
             <a:fillRect/>
           </a:stretch>
@@ -8973,7 +8787,7 @@
           <p:nvPr/>
         </p:nvPicPr>
         <p:blipFill>
-          <a:blip r:embed="rId25"/>
+          <a:blip r:embed="rId24"/>
           <a:stretch>
             <a:fillRect/>
           </a:stretch>
@@ -9167,8 +8981,12 @@
           <a:lstStyle/>
           <a:p>
             <a:r>
+              <a:rPr lang="en-US" sz="2400" b="1" dirty="0"/>
+              <a:t>9</a:t>
+            </a:r>
+            <a:r>
               <a:rPr lang="en-US" sz="2400" b="1" noProof="0" dirty="0"/>
-              <a:t>8A</a:t>
+              <a:t>A</a:t>
             </a:r>
           </a:p>
         </p:txBody>
@@ -9378,7 +9196,7 @@
         </p:nvCxnSpPr>
         <p:spPr>
           <a:xfrm flipV="1">
-            <a:off x="7467600" y="15314410"/>
+            <a:off x="7696200" y="15314410"/>
             <a:ext cx="0" cy="9932643"/>
           </a:xfrm>
           <a:prstGeom prst="line">
@@ -9419,7 +9237,7 @@
         </p:nvCxnSpPr>
         <p:spPr>
           <a:xfrm flipV="1">
-            <a:off x="17070644" y="15314410"/>
+            <a:off x="17604044" y="15314410"/>
             <a:ext cx="0" cy="9932643"/>
           </a:xfrm>
           <a:prstGeom prst="line">
@@ -9446,42 +9264,171 @@
           </a:fontRef>
         </p:style>
       </p:cxnSp>
-      <p:sp>
-        <p:nvSpPr>
-          <p:cNvPr id="73" name="Textfeld 12">
+      <p:grpSp>
+        <p:nvGrpSpPr>
+          <p:cNvPr id="2" name="Gruppieren 1">
             <a:extLst>
               <a:ext uri="{FF2B5EF4-FFF2-40B4-BE49-F238E27FC236}">
-                <a16:creationId xmlns:a16="http://schemas.microsoft.com/office/drawing/2014/main" id="{3F728CDE-2FE7-C318-0257-439B05B34637}"/>
+                <a16:creationId xmlns:a16="http://schemas.microsoft.com/office/drawing/2014/main" id="{F6C9AB0D-466F-68C0-5166-7D9D509059EF}"/>
               </a:ext>
             </a:extLst>
           </p:cNvPr>
-          <p:cNvSpPr txBox="1"/>
+          <p:cNvGrpSpPr/>
           <p:nvPr/>
-        </p:nvSpPr>
-        <p:spPr>
+        </p:nvGrpSpPr>
+        <p:grpSpPr>
           <a:xfrm>
-            <a:off x="13120132" y="15379421"/>
-            <a:ext cx="571821" cy="461665"/>
+            <a:off x="8304237" y="20407345"/>
+            <a:ext cx="3280760" cy="4659622"/>
+            <a:chOff x="13310632" y="15379421"/>
+            <a:chExt cx="3280760" cy="4659622"/>
           </a:xfrm>
-          <a:prstGeom prst="rect">
-            <a:avLst/>
-          </a:prstGeom>
-          <a:noFill/>
-        </p:spPr>
-        <p:txBody>
-          <a:bodyPr wrap="square" rtlCol="0">
-            <a:spAutoFit/>
-          </a:bodyPr>
-          <a:lstStyle/>
-          <a:p>
-            <a:r>
-              <a:rPr lang="en-US" sz="2400" b="1" dirty="0"/>
-              <a:t>C</a:t>
-            </a:r>
-            <a:endParaRPr lang="en-US" sz="2400" b="1" noProof="0" dirty="0"/>
-          </a:p>
-        </p:txBody>
-      </p:sp>
+        </p:grpSpPr>
+        <p:sp>
+          <p:nvSpPr>
+            <p:cNvPr id="168" name="Textfeld 85">
+              <a:extLst>
+                <a:ext uri="{FF2B5EF4-FFF2-40B4-BE49-F238E27FC236}">
+                  <a16:creationId xmlns:a16="http://schemas.microsoft.com/office/drawing/2014/main" id="{DF96E19C-8BC2-A642-00A8-E5727AACD5B7}"/>
+                </a:ext>
+              </a:extLst>
+            </p:cNvPr>
+            <p:cNvSpPr txBox="1"/>
+            <p:nvPr/>
+          </p:nvSpPr>
+          <p:spPr>
+            <a:xfrm>
+              <a:off x="13462143" y="15582091"/>
+              <a:ext cx="3129249" cy="707886"/>
+            </a:xfrm>
+            <a:prstGeom prst="rect">
+              <a:avLst/>
+            </a:prstGeom>
+            <a:noFill/>
+          </p:spPr>
+          <p:txBody>
+            <a:bodyPr wrap="square" rtlCol="0">
+              <a:spAutoFit/>
+            </a:bodyPr>
+            <a:lstStyle/>
+            <a:p>
+              <a:pPr algn="ctr"/>
+              <a:r>
+                <a:rPr lang="en-US" sz="2000" noProof="0" dirty="0"/>
+                <a:t>Isoelectric points of </a:t>
+              </a:r>
+              <a:r>
+                <a:rPr lang="en-US" sz="2000" b="1" dirty="0"/>
+                <a:t>s</a:t>
+              </a:r>
+              <a:r>
+                <a:rPr lang="en-US" sz="2000" b="1" noProof="0" dirty="0"/>
+                <a:t>elected proteins</a:t>
+              </a:r>
+            </a:p>
+          </p:txBody>
+        </p:sp>
+        <p:pic>
+          <p:nvPicPr>
+            <p:cNvPr id="47" name="Picture 46">
+              <a:extLst>
+                <a:ext uri="{FF2B5EF4-FFF2-40B4-BE49-F238E27FC236}">
+                  <a16:creationId xmlns:a16="http://schemas.microsoft.com/office/drawing/2014/main" id="{929F86DB-0AC7-5E70-1E3A-4EA2A0E17244}"/>
+                </a:ext>
+              </a:extLst>
+            </p:cNvPr>
+            <p:cNvPicPr>
+              <a:picLocks noChangeAspect="1"/>
+            </p:cNvPicPr>
+            <p:nvPr/>
+          </p:nvPicPr>
+          <p:blipFill>
+            <a:blip r:embed="rId25"/>
+            <a:stretch>
+              <a:fillRect/>
+            </a:stretch>
+          </p:blipFill>
+          <p:spPr>
+            <a:xfrm>
+              <a:off x="13360541" y="16227065"/>
+              <a:ext cx="3129249" cy="3405360"/>
+            </a:xfrm>
+            <a:prstGeom prst="rect">
+              <a:avLst/>
+            </a:prstGeom>
+          </p:spPr>
+        </p:pic>
+        <p:sp>
+          <p:nvSpPr>
+            <p:cNvPr id="49" name="Textfeld 105">
+              <a:extLst>
+                <a:ext uri="{FF2B5EF4-FFF2-40B4-BE49-F238E27FC236}">
+                  <a16:creationId xmlns:a16="http://schemas.microsoft.com/office/drawing/2014/main" id="{676F039A-23B5-5917-2698-3CB282BA75C4}"/>
+                </a:ext>
+              </a:extLst>
+            </p:cNvPr>
+            <p:cNvSpPr txBox="1"/>
+            <p:nvPr/>
+          </p:nvSpPr>
+          <p:spPr>
+            <a:xfrm>
+              <a:off x="14252423" y="19669711"/>
+              <a:ext cx="1772372" cy="369332"/>
+            </a:xfrm>
+            <a:prstGeom prst="rect">
+              <a:avLst/>
+            </a:prstGeom>
+            <a:noFill/>
+          </p:spPr>
+          <p:txBody>
+            <a:bodyPr wrap="square" rtlCol="0">
+              <a:spAutoFit/>
+            </a:bodyPr>
+            <a:lstStyle/>
+            <a:p>
+              <a:r>
+                <a:rPr lang="en-US" noProof="0" dirty="0"/>
+                <a:t>Isoelectric point</a:t>
+              </a:r>
+            </a:p>
+          </p:txBody>
+        </p:sp>
+        <p:sp>
+          <p:nvSpPr>
+            <p:cNvPr id="73" name="Textfeld 12">
+              <a:extLst>
+                <a:ext uri="{FF2B5EF4-FFF2-40B4-BE49-F238E27FC236}">
+                  <a16:creationId xmlns:a16="http://schemas.microsoft.com/office/drawing/2014/main" id="{3F728CDE-2FE7-C318-0257-439B05B34637}"/>
+                </a:ext>
+              </a:extLst>
+            </p:cNvPr>
+            <p:cNvSpPr txBox="1"/>
+            <p:nvPr/>
+          </p:nvSpPr>
+          <p:spPr>
+            <a:xfrm>
+              <a:off x="13310632" y="15379421"/>
+              <a:ext cx="571821" cy="461665"/>
+            </a:xfrm>
+            <a:prstGeom prst="rect">
+              <a:avLst/>
+            </a:prstGeom>
+            <a:noFill/>
+          </p:spPr>
+          <p:txBody>
+            <a:bodyPr wrap="square" rtlCol="0">
+              <a:spAutoFit/>
+            </a:bodyPr>
+            <a:lstStyle/>
+            <a:p>
+              <a:r>
+                <a:rPr lang="en-US" sz="2400" b="1" noProof="0" dirty="0"/>
+                <a:t>5</a:t>
+              </a:r>
+            </a:p>
+          </p:txBody>
+        </p:sp>
+      </p:grpSp>
       <p:cxnSp>
         <p:nvCxnSpPr>
           <p:cNvPr id="81" name="Straight Connector 80">

--- a/Poster.pptx
+++ b/Poster.pptx
@@ -367,7 +367,7 @@
           <a:p>
             <a:fld id="{C3DFFD0B-8A86-49B4-B585-C3C192A21CEB}" type="slidenum">
               <a:rPr lang="de-DE" smtClean="0"/>
-              <a:t>‹Nr.›</a:t>
+              <a:t>‹#›</a:t>
             </a:fld>
             <a:endParaRPr lang="de-DE"/>
           </a:p>
@@ -757,7 +757,7 @@
           <a:p>
             <a:fld id="{A2ACB64B-D1A6-7D41-9BDE-3BC41FA5B95B}" type="slidenum">
               <a:rPr lang="en-US" smtClean="0"/>
-              <a:t>‹Nr.›</a:t>
+              <a:t>‹#›</a:t>
             </a:fld>
             <a:endParaRPr lang="en-US"/>
           </a:p>
@@ -927,7 +927,7 @@
           <a:p>
             <a:fld id="{A2ACB64B-D1A6-7D41-9BDE-3BC41FA5B95B}" type="slidenum">
               <a:rPr lang="en-US" smtClean="0"/>
-              <a:t>‹Nr.›</a:t>
+              <a:t>‹#›</a:t>
             </a:fld>
             <a:endParaRPr lang="en-US"/>
           </a:p>
@@ -1107,7 +1107,7 @@
           <a:p>
             <a:fld id="{A2ACB64B-D1A6-7D41-9BDE-3BC41FA5B95B}" type="slidenum">
               <a:rPr lang="en-US" smtClean="0"/>
-              <a:t>‹Nr.›</a:t>
+              <a:t>‹#›</a:t>
             </a:fld>
             <a:endParaRPr lang="en-US"/>
           </a:p>
@@ -1277,7 +1277,7 @@
           <a:p>
             <a:fld id="{A2ACB64B-D1A6-7D41-9BDE-3BC41FA5B95B}" type="slidenum">
               <a:rPr lang="en-US" smtClean="0"/>
-              <a:t>‹Nr.›</a:t>
+              <a:t>‹#›</a:t>
             </a:fld>
             <a:endParaRPr lang="en-US"/>
           </a:p>
@@ -1521,7 +1521,7 @@
           <a:p>
             <a:fld id="{A2ACB64B-D1A6-7D41-9BDE-3BC41FA5B95B}" type="slidenum">
               <a:rPr lang="en-US" smtClean="0"/>
-              <a:t>‹Nr.›</a:t>
+              <a:t>‹#›</a:t>
             </a:fld>
             <a:endParaRPr lang="en-US"/>
           </a:p>
@@ -1753,7 +1753,7 @@
           <a:p>
             <a:fld id="{A2ACB64B-D1A6-7D41-9BDE-3BC41FA5B95B}" type="slidenum">
               <a:rPr lang="en-US" smtClean="0"/>
-              <a:t>‹Nr.›</a:t>
+              <a:t>‹#›</a:t>
             </a:fld>
             <a:endParaRPr lang="en-US"/>
           </a:p>
@@ -2120,7 +2120,7 @@
           <a:p>
             <a:fld id="{A2ACB64B-D1A6-7D41-9BDE-3BC41FA5B95B}" type="slidenum">
               <a:rPr lang="en-US" smtClean="0"/>
-              <a:t>‹Nr.›</a:t>
+              <a:t>‹#›</a:t>
             </a:fld>
             <a:endParaRPr lang="en-US"/>
           </a:p>
@@ -2238,7 +2238,7 @@
           <a:p>
             <a:fld id="{A2ACB64B-D1A6-7D41-9BDE-3BC41FA5B95B}" type="slidenum">
               <a:rPr lang="en-US" smtClean="0"/>
-              <a:t>‹Nr.›</a:t>
+              <a:t>‹#›</a:t>
             </a:fld>
             <a:endParaRPr lang="en-US"/>
           </a:p>
@@ -2333,7 +2333,7 @@
           <a:p>
             <a:fld id="{A2ACB64B-D1A6-7D41-9BDE-3BC41FA5B95B}" type="slidenum">
               <a:rPr lang="en-US" smtClean="0"/>
-              <a:t>‹Nr.›</a:t>
+              <a:t>‹#›</a:t>
             </a:fld>
             <a:endParaRPr lang="en-US"/>
           </a:p>
@@ -2610,7 +2610,7 @@
           <a:p>
             <a:fld id="{A2ACB64B-D1A6-7D41-9BDE-3BC41FA5B95B}" type="slidenum">
               <a:rPr lang="en-US" smtClean="0"/>
-              <a:t>‹Nr.›</a:t>
+              <a:t>‹#›</a:t>
             </a:fld>
             <a:endParaRPr lang="en-US"/>
           </a:p>
@@ -2867,7 +2867,7 @@
           <a:p>
             <a:fld id="{A2ACB64B-D1A6-7D41-9BDE-3BC41FA5B95B}" type="slidenum">
               <a:rPr lang="en-US" smtClean="0"/>
-              <a:t>‹Nr.›</a:t>
+              <a:t>‹#›</a:t>
             </a:fld>
             <a:endParaRPr lang="en-US"/>
           </a:p>
@@ -3116,7 +3116,7 @@
           <a:p>
             <a:fld id="{A2ACB64B-D1A6-7D41-9BDE-3BC41FA5B95B}" type="slidenum">
               <a:rPr lang="en-US" smtClean="0"/>
-              <a:t>‹Nr.›</a:t>
+              <a:t>‹#›</a:t>
             </a:fld>
             <a:endParaRPr lang="en-US"/>
           </a:p>
@@ -3530,7 +3530,7 @@
         </p:blipFill>
         <p:spPr>
           <a:xfrm>
-            <a:off x="11116405" y="8074186"/>
+            <a:off x="11116405" y="8112286"/>
             <a:ext cx="6473267" cy="3136920"/>
           </a:xfrm>
           <a:prstGeom prst="rect">
@@ -3861,8 +3861,8 @@
         </p:nvSpPr>
         <p:spPr>
           <a:xfrm>
-            <a:off x="15977907" y="36351633"/>
-            <a:ext cx="7850849" cy="4401205"/>
+            <a:off x="15977907" y="36427833"/>
+            <a:ext cx="7850849" cy="4093428"/>
           </a:xfrm>
           <a:prstGeom prst="rect">
             <a:avLst/>
@@ -3946,7 +3946,7 @@
                   </a:schemeClr>
                 </a:solidFill>
               </a:rPr>
-              <a:t>Global Approaches in Studying RNA-Binding Protein Interaction Networks, 2020, Trends in Biochemical Sciences.pdf</a:t>
+              <a:t>Global Approaches in Studying RNA-Binding Protein Interaction Networks, 2020, Trends in Biochemical Sciences</a:t>
             </a:r>
           </a:p>
           <a:p>
@@ -4007,7 +4007,7 @@
                   </a:schemeClr>
                 </a:solidFill>
               </a:rPr>
-              <a:t> Proteome-wide and Quantitative Identification of RNA-Dependent Proteins by Density Gradient Ultracentrifugation, 2019, Molecular Cell.pdf</a:t>
+              <a:t> Proteome-wide and Quantitative Identification of RNA-Dependent Proteins by Density Gradient Ultracentrifugation, 2019, Molecular Cell</a:t>
             </a:r>
           </a:p>
           <a:p>
@@ -4046,7 +4046,29 @@
                   </a:schemeClr>
                 </a:solidFill>
               </a:rPr>
-              <a:t>Identification, quantification and bioinformatic analysis of RNA-dependent proteins by RNase treatment and density gradient ultracentrifugation using R-DeeP-2020-Nature Protocols_1.pdf</a:t>
+              <a:t>Identification, quantification and bioinformatic analysis of RNA-dependent proteins by RNase treatment and density gradient ultracentrifugation using R-</a:t>
+            </a:r>
+            <a:r>
+              <a:rPr lang="en-US" sz="2000" noProof="0" dirty="0" err="1">
+                <a:solidFill>
+                  <a:schemeClr val="tx1">
+                    <a:lumMod val="65000"/>
+                    <a:lumOff val="35000"/>
+                  </a:schemeClr>
+                </a:solidFill>
+              </a:rPr>
+              <a:t>DeeP</a:t>
+            </a:r>
+            <a:r>
+              <a:rPr lang="en-US" sz="2000" noProof="0" dirty="0">
+                <a:solidFill>
+                  <a:schemeClr val="tx1">
+                    <a:lumMod val="65000"/>
+                    <a:lumOff val="35000"/>
+                  </a:schemeClr>
+                </a:solidFill>
+              </a:rPr>
+              <a:t>, 2020, Nature Protocols</a:t>
             </a:r>
           </a:p>
           <a:p>
@@ -4085,8 +4107,16 @@
                   </a:schemeClr>
                 </a:solidFill>
               </a:rPr>
-              <a:t>, How RNA-Binding Proteins Interact with RNA Molecules and Mechanisms, 2020, Molecular Cell.pdf</a:t>
-            </a:r>
+              <a:t>, How RNA-Binding Proteins Interact with RNA Molecules and Mechanisms, 2020, Molecular Cell</a:t>
+            </a:r>
+            <a:endParaRPr lang="en-US" sz="2000" dirty="0">
+              <a:solidFill>
+                <a:schemeClr val="tx1">
+                  <a:lumMod val="65000"/>
+                  <a:lumOff val="35000"/>
+                </a:schemeClr>
+              </a:solidFill>
+            </a:endParaRPr>
           </a:p>
           <a:p>
             <a:pPr marL="457200" indent="-457200">
@@ -4094,7 +4124,7 @@
               <a:buChar char="•"/>
             </a:pPr>
             <a:r>
-              <a:rPr lang="en-US" sz="2000" noProof="0" dirty="0">
+              <a:rPr lang="de-DE" sz="2000" dirty="0">
                 <a:solidFill>
                   <a:schemeClr val="tx1">
                     <a:lumMod val="65000"/>
@@ -4102,51 +4132,7 @@
                   </a:schemeClr>
                 </a:solidFill>
               </a:rPr>
-              <a:t>Rajagopal </a:t>
-            </a:r>
-            <a:r>
-              <a:rPr lang="en-US" sz="2000" i="1" noProof="0" dirty="0">
-                <a:solidFill>
-                  <a:schemeClr val="tx1">
-                    <a:lumMod val="65000"/>
-                    <a:lumOff val="35000"/>
-                  </a:schemeClr>
-                </a:solidFill>
-              </a:rPr>
-              <a:t>et al.</a:t>
-            </a:r>
-            <a:r>
-              <a:rPr lang="en-US" sz="2000" noProof="0" dirty="0">
-                <a:solidFill>
-                  <a:schemeClr val="tx1">
-                    <a:lumMod val="65000"/>
-                    <a:lumOff val="35000"/>
-                  </a:schemeClr>
-                </a:solidFill>
-              </a:rPr>
-              <a:t>, An atlas of RNA-dependent proteins in cell division reveals the </a:t>
-            </a:r>
-            <a:r>
-              <a:rPr lang="en-US" sz="2000" noProof="0" dirty="0" err="1">
-                <a:solidFill>
-                  <a:schemeClr val="tx1">
-                    <a:lumMod val="65000"/>
-                    <a:lumOff val="35000"/>
-                  </a:schemeClr>
-                </a:solidFill>
-              </a:rPr>
-              <a:t>riboregulation</a:t>
-            </a:r>
-            <a:r>
-              <a:rPr lang="en-US" sz="2000" noProof="0" dirty="0">
-                <a:solidFill>
-                  <a:schemeClr val="tx1">
-                    <a:lumMod val="65000"/>
-                    <a:lumOff val="35000"/>
-                  </a:schemeClr>
-                </a:solidFill>
-              </a:rPr>
-              <a:t> of mitotic protein-protein interactions. Nat. Commun. 16, 2325 (2025).pdf</a:t>
+              <a:t>Caudron-Herger et al., RBP2GO: a comprehensive pan-species database on RNA-binding proteins, their interactions and functions, 2021, Nucleic Acids Research</a:t>
             </a:r>
           </a:p>
         </p:txBody>
@@ -4463,7 +4449,7 @@
         </p:nvSpPr>
         <p:spPr>
           <a:xfrm>
-            <a:off x="1568156" y="2264310"/>
+            <a:off x="1586132" y="2266675"/>
             <a:ext cx="28358864" cy="1836887"/>
           </a:xfrm>
           <a:prstGeom prst="rect">
@@ -4541,7 +4527,7 @@
         </p:nvSpPr>
         <p:spPr>
           <a:xfrm>
-            <a:off x="8739451" y="3780826"/>
+            <a:off x="9322471" y="3721844"/>
             <a:ext cx="12850233" cy="1323687"/>
           </a:xfrm>
           <a:prstGeom prst="rect">
@@ -4881,10 +4867,10 @@
         </p:nvGrpSpPr>
         <p:grpSpPr>
           <a:xfrm>
-            <a:off x="17791293" y="15365966"/>
-            <a:ext cx="11762833" cy="8488124"/>
+            <a:off x="17791293" y="15537416"/>
+            <a:ext cx="11762833" cy="8334236"/>
             <a:chOff x="13611050" y="15923651"/>
-            <a:chExt cx="11762833" cy="8488124"/>
+            <a:chExt cx="11762833" cy="8334236"/>
           </a:xfrm>
         </p:grpSpPr>
         <p:grpSp>
@@ -5232,8 +5218,8 @@
           </p:nvSpPr>
           <p:spPr>
             <a:xfrm>
-              <a:off x="13845074" y="21857230"/>
-              <a:ext cx="11359369" cy="2554545"/>
+              <a:off x="13845075" y="21857230"/>
+              <a:ext cx="11029006" cy="2400657"/>
             </a:xfrm>
             <a:prstGeom prst="rect">
               <a:avLst/>
@@ -5274,7 +5260,10 @@
             </a:p>
             <a:p>
               <a:pPr algn="just"/>
-              <a:endParaRPr lang="en-US" sz="2000" noProof="0" dirty="0"/>
+              <a:r>
+                <a:rPr lang="en-US" sz="1000" noProof="0" dirty="0"/>
+                <a:t> </a:t>
+              </a:r>
             </a:p>
             <a:p>
               <a:pPr algn="just"/>
@@ -5432,7 +5421,10 @@
                   </a:r>
                 </a:p>
                 <a:p>
-                  <a:endParaRPr lang="en-US" sz="2000" noProof="0" dirty="0"/>
+                  <a:r>
+                    <a:rPr lang="en-US" sz="2000" noProof="0" dirty="0"/>
+                    <a:t> </a:t>
+                  </a:r>
                 </a:p>
                 <a:p>
                   <a:r>
@@ -5987,8 +5979,8 @@
         </p:nvSpPr>
         <p:spPr>
           <a:xfrm>
-            <a:off x="1007582" y="21616027"/>
-            <a:ext cx="6432365" cy="3477875"/>
+            <a:off x="1007582" y="21673177"/>
+            <a:ext cx="6669568" cy="3323987"/>
           </a:xfrm>
           <a:prstGeom prst="rect">
             <a:avLst/>
@@ -6012,7 +6004,7 @@
           </a:p>
           <a:p>
             <a:r>
-              <a:rPr lang="en-US" sz="1400" noProof="0" dirty="0"/>
+              <a:rPr lang="en-US" sz="1000" noProof="0" dirty="0"/>
               <a:t> </a:t>
             </a:r>
           </a:p>
@@ -6139,10 +6131,10 @@
         </p:nvGrpSpPr>
         <p:grpSpPr>
           <a:xfrm>
-            <a:off x="8067477" y="15386939"/>
-            <a:ext cx="4005104" cy="4498491"/>
-            <a:chOff x="8077058" y="15538766"/>
-            <a:chExt cx="4308757" cy="4839548"/>
+            <a:off x="8410377" y="15502709"/>
+            <a:ext cx="4005104" cy="4382741"/>
+            <a:chOff x="8077058" y="15663296"/>
+            <a:chExt cx="4308757" cy="4715018"/>
           </a:xfrm>
         </p:grpSpPr>
         <p:sp>
@@ -6159,8 +6151,8 @@
           </p:nvSpPr>
           <p:spPr>
             <a:xfrm>
-              <a:off x="8077058" y="15538766"/>
-              <a:ext cx="615174" cy="461665"/>
+              <a:off x="8077058" y="15663296"/>
+              <a:ext cx="615174" cy="461664"/>
             </a:xfrm>
             <a:prstGeom prst="rect">
               <a:avLst/>
@@ -6357,8 +6349,8 @@
         </p:nvSpPr>
         <p:spPr>
           <a:xfrm>
-            <a:off x="12192002" y="20454912"/>
-            <a:ext cx="5151465" cy="4832092"/>
+            <a:off x="12278649" y="20454912"/>
+            <a:ext cx="4849144" cy="4478149"/>
           </a:xfrm>
           <a:prstGeom prst="rect">
             <a:avLst/>
@@ -6381,7 +6373,10 @@
             </a:r>
           </a:p>
           <a:p>
-            <a:endParaRPr lang="en-US" sz="1400" dirty="0"/>
+            <a:r>
+              <a:rPr lang="en-US" sz="1000" dirty="0"/>
+              <a:t> </a:t>
+            </a:r>
           </a:p>
           <a:p>
             <a:r>
@@ -6406,10 +6401,7 @@
             </a:r>
           </a:p>
           <a:p>
-            <a:endParaRPr lang="en-US" sz="2000" dirty="0"/>
-          </a:p>
-          <a:p>
-            <a:endParaRPr lang="en-US" sz="2000" b="1" dirty="0"/>
+            <a:endParaRPr lang="en-US" sz="2500" b="1" dirty="0"/>
           </a:p>
           <a:p>
             <a:r>
@@ -6430,7 +6422,10 @@
             </a:r>
           </a:p>
           <a:p>
-            <a:endParaRPr lang="en-US" sz="1400" dirty="0"/>
+            <a:r>
+              <a:rPr lang="en-US" sz="1000" dirty="0"/>
+              <a:t> </a:t>
+            </a:r>
           </a:p>
           <a:p>
             <a:r>
@@ -6473,7 +6468,7 @@
         </p:nvGrpSpPr>
         <p:grpSpPr>
           <a:xfrm>
-            <a:off x="12611000" y="15495464"/>
+            <a:off x="13087250" y="15495464"/>
             <a:ext cx="3889075" cy="4404606"/>
             <a:chOff x="12804710" y="15579033"/>
             <a:chExt cx="4157729" cy="4763267"/>
@@ -6856,10 +6851,10 @@
         </p:nvGrpSpPr>
         <p:grpSpPr>
           <a:xfrm>
-            <a:off x="10989482" y="7888878"/>
-            <a:ext cx="7053033" cy="4986588"/>
-            <a:chOff x="10957242" y="7853349"/>
-            <a:chExt cx="7053033" cy="4986588"/>
+            <a:off x="10989482" y="7965078"/>
+            <a:ext cx="7053033" cy="4886933"/>
+            <a:chOff x="10957242" y="7929549"/>
+            <a:chExt cx="7053033" cy="4886933"/>
           </a:xfrm>
         </p:grpSpPr>
         <p:sp>
@@ -6876,8 +6871,8 @@
           </p:nvSpPr>
           <p:spPr>
             <a:xfrm>
-              <a:off x="10957242" y="11301054"/>
-              <a:ext cx="7053033" cy="1538883"/>
+              <a:off x="10957242" y="11339154"/>
+              <a:ext cx="7053033" cy="1477328"/>
             </a:xfrm>
             <a:prstGeom prst="rect">
               <a:avLst/>
@@ -6902,11 +6897,11 @@
                 <a:rPr lang="en-US" sz="2000" dirty="0"/>
               </a:br>
               <a:r>
-                <a:rPr lang="en-US" sz="1400" dirty="0"/>
+                <a:rPr lang="en-US" sz="1000" dirty="0"/>
                 <a:t> </a:t>
               </a:r>
               <a:r>
-                <a:rPr lang="en-GB" sz="1400" dirty="0"/>
+                <a:rPr lang="en-GB" sz="1000" dirty="0"/>
                 <a:t>  </a:t>
               </a:r>
             </a:p>
@@ -6940,7 +6935,7 @@
           </p:nvSpPr>
           <p:spPr>
             <a:xfrm>
-              <a:off x="10989388" y="7853349"/>
+              <a:off x="10989388" y="7929549"/>
               <a:ext cx="648470" cy="461665"/>
             </a:xfrm>
             <a:prstGeom prst="rect">
@@ -7092,10 +7087,10 @@
         </p:nvGrpSpPr>
         <p:grpSpPr>
           <a:xfrm>
-            <a:off x="18659378" y="7885058"/>
-            <a:ext cx="11005390" cy="4971664"/>
-            <a:chOff x="18659378" y="7885058"/>
-            <a:chExt cx="11005390" cy="4971664"/>
+            <a:off x="18659378" y="7942208"/>
+            <a:ext cx="11005390" cy="4910109"/>
+            <a:chOff x="18659378" y="7942208"/>
+            <a:chExt cx="11005390" cy="4910109"/>
           </a:xfrm>
         </p:grpSpPr>
         <p:sp>
@@ -7112,7 +7107,7 @@
           </p:nvSpPr>
           <p:spPr>
             <a:xfrm>
-              <a:off x="18662854" y="7895284"/>
+              <a:off x="18662854" y="7952434"/>
               <a:ext cx="5059709" cy="461665"/>
             </a:xfrm>
             <a:prstGeom prst="rect">
@@ -7159,8 +7154,8 @@
           </p:nvSpPr>
           <p:spPr>
             <a:xfrm>
-              <a:off x="18659378" y="11625616"/>
-              <a:ext cx="11005390" cy="1231106"/>
+              <a:off x="18659378" y="11682766"/>
+              <a:ext cx="11005390" cy="1169551"/>
             </a:xfrm>
             <a:prstGeom prst="rect">
               <a:avLst/>
@@ -7192,8 +7187,8 @@
             </a:p>
             <a:p>
               <a:r>
-                <a:rPr lang="en-GB" sz="1400" noProof="0" dirty="0"/>
-                <a:t> </a:t>
+                <a:rPr lang="en-GB" sz="1000" noProof="0" dirty="0"/>
+                <a:t>  </a:t>
               </a:r>
             </a:p>
             <a:p>
@@ -7235,7 +7230,7 @@
           </p:nvSpPr>
           <p:spPr>
             <a:xfrm>
-              <a:off x="24073076" y="7885058"/>
+              <a:off x="24073076" y="7942208"/>
               <a:ext cx="5229115" cy="461665"/>
             </a:xfrm>
             <a:prstGeom prst="rect">
@@ -7287,7 +7282,7 @@
           </p:blipFill>
           <p:spPr>
             <a:xfrm>
-              <a:off x="19102199" y="8264290"/>
+              <a:off x="19102199" y="8321440"/>
               <a:ext cx="4726558" cy="2917628"/>
             </a:xfrm>
             <a:prstGeom prst="rect">
@@ -7317,7 +7312,7 @@
           </p:blipFill>
           <p:spPr>
             <a:xfrm>
-              <a:off x="24510576" y="8264290"/>
+              <a:off x="24510576" y="8321440"/>
               <a:ext cx="4726558" cy="2917628"/>
             </a:xfrm>
             <a:prstGeom prst="rect">
@@ -7339,7 +7334,7 @@
           </p:nvSpPr>
           <p:spPr>
             <a:xfrm rot="16200000">
-              <a:off x="18519995" y="9385097"/>
+              <a:off x="18519995" y="9442247"/>
               <a:ext cx="795075" cy="369332"/>
             </a:xfrm>
             <a:prstGeom prst="rect">
@@ -7374,7 +7369,7 @@
           </p:nvSpPr>
           <p:spPr>
             <a:xfrm rot="16200000">
-              <a:off x="23899129" y="9385097"/>
+              <a:off x="23899129" y="9442247"/>
               <a:ext cx="795075" cy="369332"/>
             </a:xfrm>
             <a:prstGeom prst="rect">
@@ -7409,7 +7404,7 @@
           </p:nvSpPr>
           <p:spPr>
             <a:xfrm>
-              <a:off x="20114893" y="11119786"/>
+              <a:off x="20114893" y="11176936"/>
               <a:ext cx="3001654" cy="369332"/>
             </a:xfrm>
             <a:prstGeom prst="rect">
@@ -7445,7 +7440,7 @@
           </p:nvSpPr>
           <p:spPr>
             <a:xfrm>
-              <a:off x="25625712" y="11119786"/>
+              <a:off x="25625712" y="11176936"/>
               <a:ext cx="3001654" cy="369332"/>
             </a:xfrm>
             <a:prstGeom prst="rect">
@@ -7483,7 +7478,7 @@
         <p:grpSpPr>
           <a:xfrm>
             <a:off x="1063808" y="15685474"/>
-            <a:ext cx="6184204" cy="5716407"/>
+            <a:ext cx="6643920" cy="5776208"/>
             <a:chOff x="2552324" y="2545614"/>
             <a:chExt cx="9612409" cy="7298822"/>
           </a:xfrm>
@@ -8618,7 +8613,7 @@
         <p:spPr>
           <a:xfrm>
             <a:off x="16283896" y="32241634"/>
-            <a:ext cx="13100790" cy="1231106"/>
+            <a:ext cx="13100790" cy="1169551"/>
           </a:xfrm>
           <a:prstGeom prst="rect">
             <a:avLst/>
@@ -8642,8 +8637,8 @@
           </a:p>
           <a:p>
             <a:r>
-              <a:rPr lang="en-US" sz="1400" noProof="0" dirty="0"/>
-              <a:t> </a:t>
+              <a:rPr lang="en-US" sz="1000" noProof="0" dirty="0"/>
+              <a:t>  </a:t>
             </a:r>
           </a:p>
           <a:p>
@@ -9196,7 +9191,7 @@
         </p:nvCxnSpPr>
         <p:spPr>
           <a:xfrm flipV="1">
-            <a:off x="7696200" y="15314410"/>
+            <a:off x="8020050" y="15314410"/>
             <a:ext cx="0" cy="9932643"/>
           </a:xfrm>
           <a:prstGeom prst="line">
@@ -9237,7 +9232,7 @@
         </p:nvCxnSpPr>
         <p:spPr>
           <a:xfrm flipV="1">
-            <a:off x="17604044" y="15314410"/>
+            <a:off x="17470694" y="15314410"/>
             <a:ext cx="0" cy="9932643"/>
           </a:xfrm>
           <a:prstGeom prst="line">
@@ -9264,171 +9259,6 @@
           </a:fontRef>
         </p:style>
       </p:cxnSp>
-      <p:grpSp>
-        <p:nvGrpSpPr>
-          <p:cNvPr id="2" name="Gruppieren 1">
-            <a:extLst>
-              <a:ext uri="{FF2B5EF4-FFF2-40B4-BE49-F238E27FC236}">
-                <a16:creationId xmlns:a16="http://schemas.microsoft.com/office/drawing/2014/main" id="{F6C9AB0D-466F-68C0-5166-7D9D509059EF}"/>
-              </a:ext>
-            </a:extLst>
-          </p:cNvPr>
-          <p:cNvGrpSpPr/>
-          <p:nvPr/>
-        </p:nvGrpSpPr>
-        <p:grpSpPr>
-          <a:xfrm>
-            <a:off x="8304237" y="20407345"/>
-            <a:ext cx="3280760" cy="4659622"/>
-            <a:chOff x="13310632" y="15379421"/>
-            <a:chExt cx="3280760" cy="4659622"/>
-          </a:xfrm>
-        </p:grpSpPr>
-        <p:sp>
-          <p:nvSpPr>
-            <p:cNvPr id="168" name="Textfeld 85">
-              <a:extLst>
-                <a:ext uri="{FF2B5EF4-FFF2-40B4-BE49-F238E27FC236}">
-                  <a16:creationId xmlns:a16="http://schemas.microsoft.com/office/drawing/2014/main" id="{DF96E19C-8BC2-A642-00A8-E5727AACD5B7}"/>
-                </a:ext>
-              </a:extLst>
-            </p:cNvPr>
-            <p:cNvSpPr txBox="1"/>
-            <p:nvPr/>
-          </p:nvSpPr>
-          <p:spPr>
-            <a:xfrm>
-              <a:off x="13462143" y="15582091"/>
-              <a:ext cx="3129249" cy="707886"/>
-            </a:xfrm>
-            <a:prstGeom prst="rect">
-              <a:avLst/>
-            </a:prstGeom>
-            <a:noFill/>
-          </p:spPr>
-          <p:txBody>
-            <a:bodyPr wrap="square" rtlCol="0">
-              <a:spAutoFit/>
-            </a:bodyPr>
-            <a:lstStyle/>
-            <a:p>
-              <a:pPr algn="ctr"/>
-              <a:r>
-                <a:rPr lang="en-US" sz="2000" noProof="0" dirty="0"/>
-                <a:t>Isoelectric points of </a:t>
-              </a:r>
-              <a:r>
-                <a:rPr lang="en-US" sz="2000" b="1" dirty="0"/>
-                <a:t>s</a:t>
-              </a:r>
-              <a:r>
-                <a:rPr lang="en-US" sz="2000" b="1" noProof="0" dirty="0"/>
-                <a:t>elected proteins</a:t>
-              </a:r>
-            </a:p>
-          </p:txBody>
-        </p:sp>
-        <p:pic>
-          <p:nvPicPr>
-            <p:cNvPr id="47" name="Picture 46">
-              <a:extLst>
-                <a:ext uri="{FF2B5EF4-FFF2-40B4-BE49-F238E27FC236}">
-                  <a16:creationId xmlns:a16="http://schemas.microsoft.com/office/drawing/2014/main" id="{929F86DB-0AC7-5E70-1E3A-4EA2A0E17244}"/>
-                </a:ext>
-              </a:extLst>
-            </p:cNvPr>
-            <p:cNvPicPr>
-              <a:picLocks noChangeAspect="1"/>
-            </p:cNvPicPr>
-            <p:nvPr/>
-          </p:nvPicPr>
-          <p:blipFill>
-            <a:blip r:embed="rId25"/>
-            <a:stretch>
-              <a:fillRect/>
-            </a:stretch>
-          </p:blipFill>
-          <p:spPr>
-            <a:xfrm>
-              <a:off x="13360541" y="16227065"/>
-              <a:ext cx="3129249" cy="3405360"/>
-            </a:xfrm>
-            <a:prstGeom prst="rect">
-              <a:avLst/>
-            </a:prstGeom>
-          </p:spPr>
-        </p:pic>
-        <p:sp>
-          <p:nvSpPr>
-            <p:cNvPr id="49" name="Textfeld 105">
-              <a:extLst>
-                <a:ext uri="{FF2B5EF4-FFF2-40B4-BE49-F238E27FC236}">
-                  <a16:creationId xmlns:a16="http://schemas.microsoft.com/office/drawing/2014/main" id="{676F039A-23B5-5917-2698-3CB282BA75C4}"/>
-                </a:ext>
-              </a:extLst>
-            </p:cNvPr>
-            <p:cNvSpPr txBox="1"/>
-            <p:nvPr/>
-          </p:nvSpPr>
-          <p:spPr>
-            <a:xfrm>
-              <a:off x="14252423" y="19669711"/>
-              <a:ext cx="1772372" cy="369332"/>
-            </a:xfrm>
-            <a:prstGeom prst="rect">
-              <a:avLst/>
-            </a:prstGeom>
-            <a:noFill/>
-          </p:spPr>
-          <p:txBody>
-            <a:bodyPr wrap="square" rtlCol="0">
-              <a:spAutoFit/>
-            </a:bodyPr>
-            <a:lstStyle/>
-            <a:p>
-              <a:r>
-                <a:rPr lang="en-US" noProof="0" dirty="0"/>
-                <a:t>Isoelectric point</a:t>
-              </a:r>
-            </a:p>
-          </p:txBody>
-        </p:sp>
-        <p:sp>
-          <p:nvSpPr>
-            <p:cNvPr id="73" name="Textfeld 12">
-              <a:extLst>
-                <a:ext uri="{FF2B5EF4-FFF2-40B4-BE49-F238E27FC236}">
-                  <a16:creationId xmlns:a16="http://schemas.microsoft.com/office/drawing/2014/main" id="{3F728CDE-2FE7-C318-0257-439B05B34637}"/>
-                </a:ext>
-              </a:extLst>
-            </p:cNvPr>
-            <p:cNvSpPr txBox="1"/>
-            <p:nvPr/>
-          </p:nvSpPr>
-          <p:spPr>
-            <a:xfrm>
-              <a:off x="13310632" y="15379421"/>
-              <a:ext cx="571821" cy="461665"/>
-            </a:xfrm>
-            <a:prstGeom prst="rect">
-              <a:avLst/>
-            </a:prstGeom>
-            <a:noFill/>
-          </p:spPr>
-          <p:txBody>
-            <a:bodyPr wrap="square" rtlCol="0">
-              <a:spAutoFit/>
-            </a:bodyPr>
-            <a:lstStyle/>
-            <a:p>
-              <a:r>
-                <a:rPr lang="en-US" sz="2400" b="1" noProof="0" dirty="0"/>
-                <a:t>5</a:t>
-              </a:r>
-            </a:p>
-          </p:txBody>
-        </p:sp>
-      </p:grpSp>
       <p:cxnSp>
         <p:nvCxnSpPr>
           <p:cNvPr id="81" name="Straight Connector 80">
@@ -9515,6 +9345,228 @@
           </a:fontRef>
         </p:style>
       </p:cxnSp>
+      <p:grpSp>
+        <p:nvGrpSpPr>
+          <p:cNvPr id="64" name="Group 63">
+            <a:extLst>
+              <a:ext uri="{FF2B5EF4-FFF2-40B4-BE49-F238E27FC236}">
+                <a16:creationId xmlns:a16="http://schemas.microsoft.com/office/drawing/2014/main" id="{29DB901C-47AF-ED3A-BF55-5CC74E96F1C1}"/>
+              </a:ext>
+            </a:extLst>
+          </p:cNvPr>
+          <p:cNvGrpSpPr/>
+          <p:nvPr/>
+        </p:nvGrpSpPr>
+        <p:grpSpPr>
+          <a:xfrm>
+            <a:off x="8469932" y="20337409"/>
+            <a:ext cx="3631581" cy="4498064"/>
+            <a:chOff x="8127032" y="20568903"/>
+            <a:chExt cx="3631581" cy="4498064"/>
+          </a:xfrm>
+        </p:grpSpPr>
+        <p:grpSp>
+          <p:nvGrpSpPr>
+            <p:cNvPr id="2" name="Gruppieren 1">
+              <a:extLst>
+                <a:ext uri="{FF2B5EF4-FFF2-40B4-BE49-F238E27FC236}">
+                  <a16:creationId xmlns:a16="http://schemas.microsoft.com/office/drawing/2014/main" id="{F6C9AB0D-466F-68C0-5166-7D9D509059EF}"/>
+                </a:ext>
+              </a:extLst>
+            </p:cNvPr>
+            <p:cNvGrpSpPr/>
+            <p:nvPr/>
+          </p:nvGrpSpPr>
+          <p:grpSpPr>
+            <a:xfrm>
+              <a:off x="8127032" y="20568903"/>
+              <a:ext cx="3631581" cy="4498064"/>
+              <a:chOff x="12959811" y="15540979"/>
+              <a:chExt cx="3631581" cy="4498064"/>
+            </a:xfrm>
+          </p:grpSpPr>
+          <p:sp>
+            <p:nvSpPr>
+              <p:cNvPr id="168" name="Textfeld 85">
+                <a:extLst>
+                  <a:ext uri="{FF2B5EF4-FFF2-40B4-BE49-F238E27FC236}">
+                    <a16:creationId xmlns:a16="http://schemas.microsoft.com/office/drawing/2014/main" id="{DF96E19C-8BC2-A642-00A8-E5727AACD5B7}"/>
+                  </a:ext>
+                </a:extLst>
+              </p:cNvPr>
+              <p:cNvSpPr txBox="1"/>
+              <p:nvPr/>
+            </p:nvSpPr>
+            <p:spPr>
+              <a:xfrm>
+                <a:off x="13462143" y="15582091"/>
+                <a:ext cx="3129249" cy="707886"/>
+              </a:xfrm>
+              <a:prstGeom prst="rect">
+                <a:avLst/>
+              </a:prstGeom>
+              <a:noFill/>
+            </p:spPr>
+            <p:txBody>
+              <a:bodyPr wrap="square" rtlCol="0">
+                <a:spAutoFit/>
+              </a:bodyPr>
+              <a:lstStyle/>
+              <a:p>
+                <a:pPr algn="ctr"/>
+                <a:r>
+                  <a:rPr lang="en-US" sz="2000" noProof="0" dirty="0"/>
+                  <a:t>Isoelectric points of </a:t>
+                </a:r>
+                <a:r>
+                  <a:rPr lang="en-US" sz="2000" b="1" dirty="0"/>
+                  <a:t>s</a:t>
+                </a:r>
+                <a:r>
+                  <a:rPr lang="en-US" sz="2000" b="1" noProof="0" dirty="0"/>
+                  <a:t>elected proteins</a:t>
+                </a:r>
+              </a:p>
+            </p:txBody>
+          </p:sp>
+          <p:pic>
+            <p:nvPicPr>
+              <p:cNvPr id="47" name="Picture 46">
+                <a:extLst>
+                  <a:ext uri="{FF2B5EF4-FFF2-40B4-BE49-F238E27FC236}">
+                    <a16:creationId xmlns:a16="http://schemas.microsoft.com/office/drawing/2014/main" id="{929F86DB-0AC7-5E70-1E3A-4EA2A0E17244}"/>
+                  </a:ext>
+                </a:extLst>
+              </p:cNvPr>
+              <p:cNvPicPr>
+                <a:picLocks noChangeAspect="1"/>
+              </p:cNvPicPr>
+              <p:nvPr/>
+            </p:nvPicPr>
+            <p:blipFill>
+              <a:blip r:embed="rId25"/>
+              <a:stretch>
+                <a:fillRect/>
+              </a:stretch>
+            </p:blipFill>
+            <p:spPr>
+              <a:xfrm>
+                <a:off x="13360541" y="16227065"/>
+                <a:ext cx="3129249" cy="3405360"/>
+              </a:xfrm>
+              <a:prstGeom prst="rect">
+                <a:avLst/>
+              </a:prstGeom>
+            </p:spPr>
+          </p:pic>
+          <p:sp>
+            <p:nvSpPr>
+              <p:cNvPr id="49" name="Textfeld 105">
+                <a:extLst>
+                  <a:ext uri="{FF2B5EF4-FFF2-40B4-BE49-F238E27FC236}">
+                    <a16:creationId xmlns:a16="http://schemas.microsoft.com/office/drawing/2014/main" id="{676F039A-23B5-5917-2698-3CB282BA75C4}"/>
+                  </a:ext>
+                </a:extLst>
+              </p:cNvPr>
+              <p:cNvSpPr txBox="1"/>
+              <p:nvPr/>
+            </p:nvSpPr>
+            <p:spPr>
+              <a:xfrm>
+                <a:off x="14252423" y="19669711"/>
+                <a:ext cx="1772372" cy="369332"/>
+              </a:xfrm>
+              <a:prstGeom prst="rect">
+                <a:avLst/>
+              </a:prstGeom>
+              <a:noFill/>
+            </p:spPr>
+            <p:txBody>
+              <a:bodyPr wrap="square" rtlCol="0">
+                <a:spAutoFit/>
+              </a:bodyPr>
+              <a:lstStyle/>
+              <a:p>
+                <a:r>
+                  <a:rPr lang="en-US" noProof="0" dirty="0"/>
+                  <a:t>Isoelectric point</a:t>
+                </a:r>
+              </a:p>
+            </p:txBody>
+          </p:sp>
+          <p:sp>
+            <p:nvSpPr>
+              <p:cNvPr id="73" name="Textfeld 12">
+                <a:extLst>
+                  <a:ext uri="{FF2B5EF4-FFF2-40B4-BE49-F238E27FC236}">
+                    <a16:creationId xmlns:a16="http://schemas.microsoft.com/office/drawing/2014/main" id="{3F728CDE-2FE7-C318-0257-439B05B34637}"/>
+                  </a:ext>
+                </a:extLst>
+              </p:cNvPr>
+              <p:cNvSpPr txBox="1"/>
+              <p:nvPr/>
+            </p:nvSpPr>
+            <p:spPr>
+              <a:xfrm>
+                <a:off x="12959811" y="15540979"/>
+                <a:ext cx="571821" cy="461665"/>
+              </a:xfrm>
+              <a:prstGeom prst="rect">
+                <a:avLst/>
+              </a:prstGeom>
+              <a:noFill/>
+            </p:spPr>
+            <p:txBody>
+              <a:bodyPr wrap="square" rtlCol="0">
+                <a:spAutoFit/>
+              </a:bodyPr>
+              <a:lstStyle/>
+              <a:p>
+                <a:r>
+                  <a:rPr lang="en-US" sz="2400" b="1" noProof="0" dirty="0"/>
+                  <a:t>5</a:t>
+                </a:r>
+              </a:p>
+            </p:txBody>
+          </p:sp>
+        </p:grpSp>
+        <p:sp>
+          <p:nvSpPr>
+            <p:cNvPr id="17" name="Textfeld 104">
+              <a:extLst>
+                <a:ext uri="{FF2B5EF4-FFF2-40B4-BE49-F238E27FC236}">
+                  <a16:creationId xmlns:a16="http://schemas.microsoft.com/office/drawing/2014/main" id="{306C51CC-06F5-CC80-BB23-D59629616E0A}"/>
+                </a:ext>
+              </a:extLst>
+            </p:cNvPr>
+            <p:cNvSpPr txBox="1"/>
+            <p:nvPr/>
+          </p:nvSpPr>
+          <p:spPr>
+            <a:xfrm rot="16200000">
+              <a:off x="6844735" y="22587113"/>
+              <a:ext cx="2957584" cy="369332"/>
+            </a:xfrm>
+            <a:prstGeom prst="rect">
+              <a:avLst/>
+            </a:prstGeom>
+            <a:noFill/>
+          </p:spPr>
+          <p:txBody>
+            <a:bodyPr wrap="square" rtlCol="0">
+              <a:spAutoFit/>
+            </a:bodyPr>
+            <a:lstStyle/>
+            <a:p>
+              <a:pPr algn="ctr"/>
+              <a:r>
+                <a:rPr lang="en-US" noProof="0" dirty="0"/>
+                <a:t>Frequency</a:t>
+              </a:r>
+            </a:p>
+          </p:txBody>
+        </p:sp>
+      </p:grpSp>
     </p:spTree>
     <p:extLst>
       <p:ext uri="{BB962C8B-B14F-4D97-AF65-F5344CB8AC3E}">

--- a/Poster.pptx
+++ b/Poster.pptx
@@ -5661,8 +5661,13 @@
                   </a:r>
                   <a:r>
                     <a:rPr lang="en-US" sz="2000" noProof="0" dirty="0"/>
-                    <a:t> The analysis of the not-selected proteins does not describe the target variable well. This proves, that there is a difference between the selected and not-selected proteins, and therefore, that the selection criteria worked.</a:t>
+                    <a:t> The analysis of the not-selected proteins does not describe the target variable well. This proves, that there is a difference between the selected and not-selected proteins, and therefore, that the selection criteria </a:t>
                   </a:r>
+                  <a:r>
+                    <a:rPr lang="en-US" sz="2000" noProof="0"/>
+                    <a:t>worked. </a:t>
+                  </a:r>
+                  <a:endParaRPr lang="en-US" sz="2000" noProof="0" dirty="0"/>
                 </a:p>
               </p:txBody>
             </p:sp>

--- a/Poster.pptx
+++ b/Poster.pptx
@@ -4132,7 +4132,29 @@
                   </a:schemeClr>
                 </a:solidFill>
               </a:rPr>
-              <a:t>Caudron-Herger et al., RBP2GO: a comprehensive pan-species database on RNA-binding proteins, their interactions and functions, 2021, Nucleic Acids Research</a:t>
+              <a:t>Caudron-Herger </a:t>
+            </a:r>
+            <a:r>
+              <a:rPr lang="de-DE" sz="2000" i="1" dirty="0">
+                <a:solidFill>
+                  <a:schemeClr val="tx1">
+                    <a:lumMod val="65000"/>
+                    <a:lumOff val="35000"/>
+                  </a:schemeClr>
+                </a:solidFill>
+              </a:rPr>
+              <a:t>et al., </a:t>
+            </a:r>
+            <a:r>
+              <a:rPr lang="de-DE" sz="2000" dirty="0">
+                <a:solidFill>
+                  <a:schemeClr val="tx1">
+                    <a:lumMod val="65000"/>
+                    <a:lumOff val="35000"/>
+                  </a:schemeClr>
+                </a:solidFill>
+              </a:rPr>
+              <a:t>RBP2GO: a comprehensive pan-species database on RNA-binding proteins, their interactions and functions, 2021, Nucleic Acids Research</a:t>
             </a:r>
           </a:p>
         </p:txBody>

--- a/Poster.pptx
+++ b/Poster.pptx
@@ -4295,8 +4295,8 @@
         </p:nvSpPr>
         <p:spPr>
           <a:xfrm>
-            <a:off x="668636" y="26294978"/>
-            <a:ext cx="14417870" cy="1430255"/>
+            <a:off x="578205" y="26424668"/>
+            <a:ext cx="14508301" cy="1300565"/>
           </a:xfrm>
           <a:prstGeom prst="roundRect">
             <a:avLst>

--- a/Poster.pptx
+++ b/Poster.pptx
@@ -367,7 +367,7 @@
           <a:p>
             <a:fld id="{C3DFFD0B-8A86-49B4-B585-C3C192A21CEB}" type="slidenum">
               <a:rPr lang="de-DE" smtClean="0"/>
-              <a:t>‹#›</a:t>
+              <a:t>‹Nr.›</a:t>
             </a:fld>
             <a:endParaRPr lang="de-DE"/>
           </a:p>
@@ -757,7 +757,7 @@
           <a:p>
             <a:fld id="{A2ACB64B-D1A6-7D41-9BDE-3BC41FA5B95B}" type="slidenum">
               <a:rPr lang="en-US" smtClean="0"/>
-              <a:t>‹#›</a:t>
+              <a:t>‹Nr.›</a:t>
             </a:fld>
             <a:endParaRPr lang="en-US"/>
           </a:p>
@@ -927,7 +927,7 @@
           <a:p>
             <a:fld id="{A2ACB64B-D1A6-7D41-9BDE-3BC41FA5B95B}" type="slidenum">
               <a:rPr lang="en-US" smtClean="0"/>
-              <a:t>‹#›</a:t>
+              <a:t>‹Nr.›</a:t>
             </a:fld>
             <a:endParaRPr lang="en-US"/>
           </a:p>
@@ -1107,7 +1107,7 @@
           <a:p>
             <a:fld id="{A2ACB64B-D1A6-7D41-9BDE-3BC41FA5B95B}" type="slidenum">
               <a:rPr lang="en-US" smtClean="0"/>
-              <a:t>‹#›</a:t>
+              <a:t>‹Nr.›</a:t>
             </a:fld>
             <a:endParaRPr lang="en-US"/>
           </a:p>
@@ -1277,7 +1277,7 @@
           <a:p>
             <a:fld id="{A2ACB64B-D1A6-7D41-9BDE-3BC41FA5B95B}" type="slidenum">
               <a:rPr lang="en-US" smtClean="0"/>
-              <a:t>‹#›</a:t>
+              <a:t>‹Nr.›</a:t>
             </a:fld>
             <a:endParaRPr lang="en-US"/>
           </a:p>
@@ -1521,7 +1521,7 @@
           <a:p>
             <a:fld id="{A2ACB64B-D1A6-7D41-9BDE-3BC41FA5B95B}" type="slidenum">
               <a:rPr lang="en-US" smtClean="0"/>
-              <a:t>‹#›</a:t>
+              <a:t>‹Nr.›</a:t>
             </a:fld>
             <a:endParaRPr lang="en-US"/>
           </a:p>
@@ -1753,7 +1753,7 @@
           <a:p>
             <a:fld id="{A2ACB64B-D1A6-7D41-9BDE-3BC41FA5B95B}" type="slidenum">
               <a:rPr lang="en-US" smtClean="0"/>
-              <a:t>‹#›</a:t>
+              <a:t>‹Nr.›</a:t>
             </a:fld>
             <a:endParaRPr lang="en-US"/>
           </a:p>
@@ -2120,7 +2120,7 @@
           <a:p>
             <a:fld id="{A2ACB64B-D1A6-7D41-9BDE-3BC41FA5B95B}" type="slidenum">
               <a:rPr lang="en-US" smtClean="0"/>
-              <a:t>‹#›</a:t>
+              <a:t>‹Nr.›</a:t>
             </a:fld>
             <a:endParaRPr lang="en-US"/>
           </a:p>
@@ -2238,7 +2238,7 @@
           <a:p>
             <a:fld id="{A2ACB64B-D1A6-7D41-9BDE-3BC41FA5B95B}" type="slidenum">
               <a:rPr lang="en-US" smtClean="0"/>
-              <a:t>‹#›</a:t>
+              <a:t>‹Nr.›</a:t>
             </a:fld>
             <a:endParaRPr lang="en-US"/>
           </a:p>
@@ -2333,7 +2333,7 @@
           <a:p>
             <a:fld id="{A2ACB64B-D1A6-7D41-9BDE-3BC41FA5B95B}" type="slidenum">
               <a:rPr lang="en-US" smtClean="0"/>
-              <a:t>‹#›</a:t>
+              <a:t>‹Nr.›</a:t>
             </a:fld>
             <a:endParaRPr lang="en-US"/>
           </a:p>
@@ -2610,7 +2610,7 @@
           <a:p>
             <a:fld id="{A2ACB64B-D1A6-7D41-9BDE-3BC41FA5B95B}" type="slidenum">
               <a:rPr lang="en-US" smtClean="0"/>
-              <a:t>‹#›</a:t>
+              <a:t>‹Nr.›</a:t>
             </a:fld>
             <a:endParaRPr lang="en-US"/>
           </a:p>
@@ -2867,7 +2867,7 @@
           <a:p>
             <a:fld id="{A2ACB64B-D1A6-7D41-9BDE-3BC41FA5B95B}" type="slidenum">
               <a:rPr lang="en-US" smtClean="0"/>
-              <a:t>‹#›</a:t>
+              <a:t>‹Nr.›</a:t>
             </a:fld>
             <a:endParaRPr lang="en-US"/>
           </a:p>
@@ -3116,7 +3116,7 @@
           <a:p>
             <a:fld id="{A2ACB64B-D1A6-7D41-9BDE-3BC41FA5B95B}" type="slidenum">
               <a:rPr lang="en-US" smtClean="0"/>
-              <a:t>‹#›</a:t>
+              <a:t>‹Nr.›</a:t>
             </a:fld>
             <a:endParaRPr lang="en-US"/>
           </a:p>
@@ -3552,8 +3552,8 @@
         </p:nvSpPr>
         <p:spPr>
           <a:xfrm flipV="1">
-            <a:off x="-29498" y="-22105"/>
-            <a:ext cx="30304711" cy="5684230"/>
+            <a:off x="-711200" y="-22105"/>
+            <a:ext cx="30986413" cy="5684230"/>
           </a:xfrm>
           <a:prstGeom prst="round2SameRect">
             <a:avLst>
@@ -6998,8 +6998,8 @@
         </p:nvSpPr>
         <p:spPr>
           <a:xfrm flipV="1">
-            <a:off x="-1" y="41581094"/>
-            <a:ext cx="30275213" cy="1222667"/>
+            <a:off x="-380999" y="41581093"/>
+            <a:ext cx="30656212" cy="1222667"/>
           </a:xfrm>
           <a:prstGeom prst="round2SameRect">
             <a:avLst>

--- a/Poster.pptx
+++ b/Poster.pptx
@@ -3552,8 +3552,8 @@
         </p:nvSpPr>
         <p:spPr>
           <a:xfrm flipV="1">
-            <a:off x="-711200" y="-22105"/>
-            <a:ext cx="30986413" cy="5684230"/>
+            <a:off x="0" y="-22105"/>
+            <a:ext cx="30275213" cy="5684230"/>
           </a:xfrm>
           <a:prstGeom prst="round2SameRect">
             <a:avLst>
@@ -6998,8 +6998,8 @@
         </p:nvSpPr>
         <p:spPr>
           <a:xfrm flipV="1">
-            <a:off x="-380999" y="41581093"/>
-            <a:ext cx="30656212" cy="1222667"/>
+            <a:off x="-1" y="41581092"/>
+            <a:ext cx="30275213" cy="1222667"/>
           </a:xfrm>
           <a:prstGeom prst="round2SameRect">
             <a:avLst>

--- a/Poster.pptx
+++ b/Poster.pptx
@@ -367,7 +367,7 @@
           <a:p>
             <a:fld id="{C3DFFD0B-8A86-49B4-B585-C3C192A21CEB}" type="slidenum">
               <a:rPr lang="de-DE" smtClean="0"/>
-              <a:t>‹Nr.›</a:t>
+              <a:t>‹#›</a:t>
             </a:fld>
             <a:endParaRPr lang="de-DE"/>
           </a:p>
@@ -757,7 +757,7 @@
           <a:p>
             <a:fld id="{A2ACB64B-D1A6-7D41-9BDE-3BC41FA5B95B}" type="slidenum">
               <a:rPr lang="en-US" smtClean="0"/>
-              <a:t>‹Nr.›</a:t>
+              <a:t>‹#›</a:t>
             </a:fld>
             <a:endParaRPr lang="en-US"/>
           </a:p>
@@ -927,7 +927,7 @@
           <a:p>
             <a:fld id="{A2ACB64B-D1A6-7D41-9BDE-3BC41FA5B95B}" type="slidenum">
               <a:rPr lang="en-US" smtClean="0"/>
-              <a:t>‹Nr.›</a:t>
+              <a:t>‹#›</a:t>
             </a:fld>
             <a:endParaRPr lang="en-US"/>
           </a:p>
@@ -1107,7 +1107,7 @@
           <a:p>
             <a:fld id="{A2ACB64B-D1A6-7D41-9BDE-3BC41FA5B95B}" type="slidenum">
               <a:rPr lang="en-US" smtClean="0"/>
-              <a:t>‹Nr.›</a:t>
+              <a:t>‹#›</a:t>
             </a:fld>
             <a:endParaRPr lang="en-US"/>
           </a:p>
@@ -1277,7 +1277,7 @@
           <a:p>
             <a:fld id="{A2ACB64B-D1A6-7D41-9BDE-3BC41FA5B95B}" type="slidenum">
               <a:rPr lang="en-US" smtClean="0"/>
-              <a:t>‹Nr.›</a:t>
+              <a:t>‹#›</a:t>
             </a:fld>
             <a:endParaRPr lang="en-US"/>
           </a:p>
@@ -1521,7 +1521,7 @@
           <a:p>
             <a:fld id="{A2ACB64B-D1A6-7D41-9BDE-3BC41FA5B95B}" type="slidenum">
               <a:rPr lang="en-US" smtClean="0"/>
-              <a:t>‹Nr.›</a:t>
+              <a:t>‹#›</a:t>
             </a:fld>
             <a:endParaRPr lang="en-US"/>
           </a:p>
@@ -1753,7 +1753,7 @@
           <a:p>
             <a:fld id="{A2ACB64B-D1A6-7D41-9BDE-3BC41FA5B95B}" type="slidenum">
               <a:rPr lang="en-US" smtClean="0"/>
-              <a:t>‹Nr.›</a:t>
+              <a:t>‹#›</a:t>
             </a:fld>
             <a:endParaRPr lang="en-US"/>
           </a:p>
@@ -2120,7 +2120,7 @@
           <a:p>
             <a:fld id="{A2ACB64B-D1A6-7D41-9BDE-3BC41FA5B95B}" type="slidenum">
               <a:rPr lang="en-US" smtClean="0"/>
-              <a:t>‹Nr.›</a:t>
+              <a:t>‹#›</a:t>
             </a:fld>
             <a:endParaRPr lang="en-US"/>
           </a:p>
@@ -2238,7 +2238,7 @@
           <a:p>
             <a:fld id="{A2ACB64B-D1A6-7D41-9BDE-3BC41FA5B95B}" type="slidenum">
               <a:rPr lang="en-US" smtClean="0"/>
-              <a:t>‹Nr.›</a:t>
+              <a:t>‹#›</a:t>
             </a:fld>
             <a:endParaRPr lang="en-US"/>
           </a:p>
@@ -2333,7 +2333,7 @@
           <a:p>
             <a:fld id="{A2ACB64B-D1A6-7D41-9BDE-3BC41FA5B95B}" type="slidenum">
               <a:rPr lang="en-US" smtClean="0"/>
-              <a:t>‹Nr.›</a:t>
+              <a:t>‹#›</a:t>
             </a:fld>
             <a:endParaRPr lang="en-US"/>
           </a:p>
@@ -2610,7 +2610,7 @@
           <a:p>
             <a:fld id="{A2ACB64B-D1A6-7D41-9BDE-3BC41FA5B95B}" type="slidenum">
               <a:rPr lang="en-US" smtClean="0"/>
-              <a:t>‹Nr.›</a:t>
+              <a:t>‹#›</a:t>
             </a:fld>
             <a:endParaRPr lang="en-US"/>
           </a:p>
@@ -2867,7 +2867,7 @@
           <a:p>
             <a:fld id="{A2ACB64B-D1A6-7D41-9BDE-3BC41FA5B95B}" type="slidenum">
               <a:rPr lang="en-US" smtClean="0"/>
-              <a:t>‹Nr.›</a:t>
+              <a:t>‹#›</a:t>
             </a:fld>
             <a:endParaRPr lang="en-US"/>
           </a:p>
@@ -3116,7 +3116,7 @@
           <a:p>
             <a:fld id="{A2ACB64B-D1A6-7D41-9BDE-3BC41FA5B95B}" type="slidenum">
               <a:rPr lang="en-US" smtClean="0"/>
-              <a:t>‹Nr.›</a:t>
+              <a:t>‹#›</a:t>
             </a:fld>
             <a:endParaRPr lang="en-US"/>
           </a:p>
@@ -4295,8 +4295,8 @@
         </p:nvSpPr>
         <p:spPr>
           <a:xfrm>
-            <a:off x="578205" y="26424668"/>
-            <a:ext cx="14508301" cy="1300565"/>
+            <a:off x="578205" y="26294978"/>
+            <a:ext cx="14508301" cy="1430255"/>
           </a:xfrm>
           <a:prstGeom prst="roundRect">
             <a:avLst>
